--- a/prezentace.pptx
+++ b/prezentace.pptx
@@ -5,17 +5,22 @@
     <p:sldMasterId id="2147483648" r:id="rId1"/>
   </p:sldMasterIdLst>
   <p:notesMasterIdLst>
-    <p:notesMasterId r:id="rId7"/>
+    <p:notesMasterId r:id="rId12"/>
   </p:notesMasterIdLst>
   <p:handoutMasterIdLst>
-    <p:handoutMasterId r:id="rId8"/>
+    <p:handoutMasterId r:id="rId13"/>
   </p:handoutMasterIdLst>
   <p:sldIdLst>
     <p:sldId id="259" r:id="rId2"/>
     <p:sldId id="261" r:id="rId3"/>
-    <p:sldId id="275" r:id="rId4"/>
-    <p:sldId id="276" r:id="rId5"/>
-    <p:sldId id="277" r:id="rId6"/>
+    <p:sldId id="278" r:id="rId4"/>
+    <p:sldId id="281" r:id="rId5"/>
+    <p:sldId id="282" r:id="rId6"/>
+    <p:sldId id="283" r:id="rId7"/>
+    <p:sldId id="279" r:id="rId8"/>
+    <p:sldId id="284" r:id="rId9"/>
+    <p:sldId id="280" r:id="rId10"/>
+    <p:sldId id="277" r:id="rId11"/>
   </p:sldIdLst>
   <p:sldSz cx="9144000" cy="6858000" type="screen4x3"/>
   <p:notesSz cx="6858000" cy="9144000"/>
@@ -117,20 +122,37 @@
   <p:extLst>
     <p:ext uri="{521415D9-36F7-43E2-AB2F-B90AF26B5E84}">
       <p14:sectionLst xmlns:p14="http://schemas.microsoft.com/office/powerpoint/2010/main">
-        <p14:section name="Default Section" id="{779CC93D-E52E-4D84-901B-11D7331DD495}">
+        <p14:section name="Overview and Objectives" id="{ABA716BF-3A5C-4ADB-94C9-CFEF84EBA240}">
           <p14:sldIdLst>
             <p14:sldId id="259"/>
-          </p14:sldIdLst>
-        </p14:section>
-        <p14:section name="Overview and Objectives" id="{ABA716BF-3A5C-4ADB-94C9-CFEF84EBA240}">
-          <p14:sldIdLst>
             <p14:sldId id="261"/>
           </p14:sldIdLst>
         </p14:section>
-        <p14:section name="Conclusion and Summary" id="{790CEF5B-569A-4C2F-BED5-750B08C0E5AD}">
+        <p14:section name="jazy c#" id="{95250048-6C11-4051-A114-82378B0D1E73}">
           <p14:sldIdLst>
-            <p14:sldId id="275"/>
-            <p14:sldId id="276"/>
+            <p14:sldId id="278"/>
+          </p14:sldIdLst>
+        </p14:section>
+        <p14:section name=".NET core Knihovny" id="{A90CCB4D-62F7-45B2-8BD4-70C86AD1CB5C}">
+          <p14:sldIdLst>
+            <p14:sldId id="281"/>
+            <p14:sldId id="282"/>
+            <p14:sldId id="283"/>
+          </p14:sldIdLst>
+        </p14:section>
+        <p14:section name="Platforma" id="{D32BAA2A-ED47-4819-9BC3-CCFC2396C120}">
+          <p14:sldIdLst>
+            <p14:sldId id="279"/>
+            <p14:sldId id="284"/>
+          </p14:sldIdLst>
+        </p14:section>
+        <p14:section name="Komunita" id="{56C8C19B-AD6D-4515-BD84-4DA03B188650}">
+          <p14:sldIdLst>
+            <p14:sldId id="280"/>
+          </p14:sldIdLst>
+        </p14:section>
+        <p14:section name="Conclusion and Summary" id="{E1DC60F1-ABED-4643-A6C5-6E4F66F4732D}">
+          <p14:sldIdLst>
             <p14:sldId id="277"/>
           </p14:sldIdLst>
         </p14:section>
@@ -908,6 +930,158 @@
 </p:notes>
 </file>
 
+<file path=ppt/notesSlides/notesSlide10.xml><?xml version="1.0" encoding="utf-8"?>
+<p:notes xmlns:a="http://schemas.openxmlformats.org/drawingml/2006/main" xmlns:r="http://schemas.openxmlformats.org/officeDocument/2006/relationships" xmlns:p="http://schemas.openxmlformats.org/presentationml/2006/main">
+  <p:cSld>
+    <p:spTree>
+      <p:nvGrpSpPr>
+        <p:cNvPr id="1" name=""/>
+        <p:cNvGrpSpPr/>
+        <p:nvPr/>
+      </p:nvGrpSpPr>
+      <p:grpSpPr>
+        <a:xfrm>
+          <a:off x="0" y="0"/>
+          <a:ext cx="0" cy="0"/>
+          <a:chOff x="0" y="0"/>
+          <a:chExt cx="0" cy="0"/>
+        </a:xfrm>
+      </p:grpSpPr>
+      <p:sp>
+        <p:nvSpPr>
+          <p:cNvPr id="41986" name="Rectangle 23"/>
+          <p:cNvSpPr>
+            <a:spLocks noGrp="1" noChangeArrowheads="1"/>
+          </p:cNvSpPr>
+          <p:nvPr>
+            <p:ph type="hdr" sz="quarter"/>
+          </p:nvPr>
+        </p:nvSpPr>
+        <p:spPr>
+          <a:noFill/>
+        </p:spPr>
+        <p:txBody>
+          <a:bodyPr/>
+          <a:lstStyle/>
+          <a:p>
+            <a:r>
+              <a:rPr lang="en-US" dirty="0" smtClean="0"/>
+              <a:t>Microsoft </a:t>
+            </a:r>
+            <a:r>
+              <a:rPr lang="en-US" b="1" dirty="0" smtClean="0"/>
+              <a:t>Engineering Excellence</a:t>
+            </a:r>
+            <a:endParaRPr lang="en-US" dirty="0" smtClean="0"/>
+          </a:p>
+        </p:txBody>
+      </p:sp>
+      <p:sp>
+        <p:nvSpPr>
+          <p:cNvPr id="41987" name="Rectangle 25"/>
+          <p:cNvSpPr>
+            <a:spLocks noGrp="1" noChangeArrowheads="1"/>
+          </p:cNvSpPr>
+          <p:nvPr>
+            <p:ph type="ftr" sz="quarter" idx="4"/>
+          </p:nvPr>
+        </p:nvSpPr>
+        <p:spPr>
+          <a:noFill/>
+        </p:spPr>
+        <p:txBody>
+          <a:bodyPr/>
+          <a:lstStyle/>
+          <a:p>
+            <a:r>
+              <a:rPr lang="en-US" dirty="0" smtClean="0"/>
+              <a:t>Microsoft Confidential</a:t>
+            </a:r>
+          </a:p>
+        </p:txBody>
+      </p:sp>
+      <p:sp>
+        <p:nvSpPr>
+          <p:cNvPr id="41988" name="Rectangle 26"/>
+          <p:cNvSpPr>
+            <a:spLocks noGrp="1" noChangeArrowheads="1"/>
+          </p:cNvSpPr>
+          <p:nvPr>
+            <p:ph type="sldNum" sz="quarter" idx="5"/>
+          </p:nvPr>
+        </p:nvSpPr>
+        <p:spPr>
+          <a:noFill/>
+        </p:spPr>
+        <p:txBody>
+          <a:bodyPr/>
+          <a:lstStyle/>
+          <a:p>
+            <a:fld id="{B2B44A5F-6CE4-493C-A0D7-6834FF76660C}" type="slidenum">
+              <a:rPr lang="en-US" smtClean="0"/>
+              <a:pPr/>
+              <a:t>10</a:t>
+            </a:fld>
+            <a:endParaRPr lang="en-US" dirty="0" smtClean="0"/>
+          </a:p>
+        </p:txBody>
+      </p:sp>
+      <p:sp>
+        <p:nvSpPr>
+          <p:cNvPr id="41989" name="Rectangle 2"/>
+          <p:cNvSpPr>
+            <a:spLocks noGrp="1" noRot="1" noChangeAspect="1" noChangeArrowheads="1" noTextEdit="1"/>
+          </p:cNvSpPr>
+          <p:nvPr>
+            <p:ph type="sldImg"/>
+          </p:nvPr>
+        </p:nvSpPr>
+        <p:spPr>
+          <a:xfrm>
+            <a:off x="1143000" y="450850"/>
+            <a:ext cx="4572000" cy="3429000"/>
+          </a:xfrm>
+          <a:ln/>
+        </p:spPr>
+      </p:sp>
+      <p:sp>
+        <p:nvSpPr>
+          <p:cNvPr id="41990" name="Rectangle 3"/>
+          <p:cNvSpPr>
+            <a:spLocks noGrp="1" noChangeArrowheads="1"/>
+          </p:cNvSpPr>
+          <p:nvPr>
+            <p:ph type="body" idx="1"/>
+          </p:nvPr>
+        </p:nvSpPr>
+        <p:spPr>
+          <a:xfrm>
+            <a:off x="307492" y="4130104"/>
+            <a:ext cx="6261652" cy="4554823"/>
+          </a:xfrm>
+          <a:noFill/>
+          <a:ln/>
+        </p:spPr>
+        <p:txBody>
+          <a:bodyPr/>
+          <a:lstStyle/>
+          <a:p>
+            <a:pPr>
+              <a:buFontTx/>
+              <a:buNone/>
+            </a:pPr>
+            <a:endParaRPr lang="en-US" dirty="0" smtClean="0"/>
+          </a:p>
+        </p:txBody>
+      </p:sp>
+    </p:spTree>
+  </p:cSld>
+  <p:clrMapOvr>
+    <a:masterClrMapping/>
+  </p:clrMapOvr>
+</p:notes>
+</file>
+
 <file path=ppt/notesSlides/notesSlide2.xml><?xml version="1.0" encoding="utf-8"?>
 <p:notes xmlns:a="http://schemas.openxmlformats.org/drawingml/2006/main" xmlns:r="http://schemas.openxmlformats.org/officeDocument/2006/relationships" xmlns:p="http://schemas.openxmlformats.org/presentationml/2006/main">
   <p:cSld>
@@ -1077,26 +1251,48 @@
           </a:bodyPr>
           <a:lstStyle/>
           <a:p>
+            <a:pPr>
+              <a:lnSpc>
+                <a:spcPct val="80000"/>
+              </a:lnSpc>
+            </a:pPr>
             <a:r>
               <a:rPr lang="en-US" dirty="0" smtClean="0"/>
-              <a:t>Summarize presentation content by restating the important points from the lessons.</a:t>
-            </a:r>
-          </a:p>
-          <a:p>
+              <a:t>Give a brief overview of the presentation.</a:t>
+            </a:r>
+            <a:r>
+              <a:rPr lang="en-US" baseline="0" dirty="0" smtClean="0"/>
+              <a:t> D</a:t>
+            </a:r>
             <a:r>
               <a:rPr lang="en-US" dirty="0" smtClean="0"/>
-              <a:t>What do you want the audience to remember when they leave your presentation?</a:t>
-            </a:r>
-          </a:p>
-          <a:p>
-            <a:endParaRPr lang="en-US" dirty="0" smtClean="0"/>
-          </a:p>
-          <a:p>
+              <a:t>escribe the major focus of the presentation and why it is important.</a:t>
+            </a:r>
+          </a:p>
+          <a:p>
+            <a:pPr>
+              <a:lnSpc>
+                <a:spcPct val="80000"/>
+              </a:lnSpc>
+            </a:pPr>
             <a:r>
               <a:rPr lang="en-US" dirty="0" smtClean="0"/>
-              <a:t>Save your presentation to a video for easy distribution (To create a video, click the File tab, and then click Share.  Under File Types, click Create a Video.)</a:t>
-            </a:r>
-            <a:endParaRPr lang="en-US" dirty="0"/>
+              <a:t>Introduce each of the major topics.</a:t>
+            </a:r>
+          </a:p>
+          <a:p>
+            <a:r>
+              <a:rPr lang="en-US" dirty="0" smtClean="0"/>
+              <a:t>To provide a road map for the audience, you</a:t>
+            </a:r>
+            <a:r>
+              <a:rPr lang="en-US" baseline="0" dirty="0" smtClean="0"/>
+              <a:t> can </a:t>
+            </a:r>
+            <a:r>
+              <a:rPr lang="en-US" dirty="0" smtClean="0"/>
+              <a:t>repeat this Overview slide throughout the presentation, highlighting the particular topic you will discuss next.</a:t>
+            </a:r>
           </a:p>
         </p:txBody>
       </p:sp>
@@ -1120,7 +1316,7 @@
               <a:pPr/>
               <a:t>3</a:t>
             </a:fld>
-            <a:endParaRPr lang="en-US" dirty="0"/>
+            <a:endParaRPr lang="en-US"/>
           </a:p>
         </p:txBody>
       </p:sp>
@@ -1151,128 +1347,99 @@
       </p:grpSpPr>
       <p:sp>
         <p:nvSpPr>
-          <p:cNvPr id="40962" name="Rectangle 23"/>
-          <p:cNvSpPr>
-            <a:spLocks noGrp="1" noChangeArrowheads="1"/>
-          </p:cNvSpPr>
-          <p:nvPr>
-            <p:ph type="hdr" sz="quarter"/>
-          </p:nvPr>
-        </p:nvSpPr>
-        <p:spPr>
-          <a:noFill/>
-        </p:spPr>
+          <p:cNvPr id="2" name="Slide Image Placeholder 1"/>
+          <p:cNvSpPr>
+            <a:spLocks noGrp="1" noRot="1" noChangeAspect="1"/>
+          </p:cNvSpPr>
+          <p:nvPr>
+            <p:ph type="sldImg"/>
+          </p:nvPr>
+        </p:nvSpPr>
+        <p:spPr/>
+      </p:sp>
+      <p:sp>
+        <p:nvSpPr>
+          <p:cNvPr id="3" name="Notes Placeholder 2"/>
+          <p:cNvSpPr>
+            <a:spLocks noGrp="1"/>
+          </p:cNvSpPr>
+          <p:nvPr>
+            <p:ph type="body" idx="1"/>
+          </p:nvPr>
+        </p:nvSpPr>
+        <p:spPr/>
+        <p:txBody>
+          <a:bodyPr>
+            <a:normAutofit/>
+          </a:bodyPr>
+          <a:lstStyle/>
+          <a:p>
+            <a:pPr>
+              <a:lnSpc>
+                <a:spcPct val="80000"/>
+              </a:lnSpc>
+            </a:pPr>
+            <a:r>
+              <a:rPr lang="en-US" dirty="0" smtClean="0"/>
+              <a:t>Give a brief overview of the presentation.</a:t>
+            </a:r>
+            <a:r>
+              <a:rPr lang="en-US" baseline="0" dirty="0" smtClean="0"/>
+              <a:t> D</a:t>
+            </a:r>
+            <a:r>
+              <a:rPr lang="en-US" dirty="0" smtClean="0"/>
+              <a:t>escribe the major focus of the presentation and why it is important.</a:t>
+            </a:r>
+          </a:p>
+          <a:p>
+            <a:pPr>
+              <a:lnSpc>
+                <a:spcPct val="80000"/>
+              </a:lnSpc>
+            </a:pPr>
+            <a:r>
+              <a:rPr lang="en-US" dirty="0" smtClean="0"/>
+              <a:t>Introduce each of the major topics.</a:t>
+            </a:r>
+          </a:p>
+          <a:p>
+            <a:r>
+              <a:rPr lang="en-US" dirty="0" smtClean="0"/>
+              <a:t>To provide a road map for the audience, you</a:t>
+            </a:r>
+            <a:r>
+              <a:rPr lang="en-US" baseline="0" dirty="0" smtClean="0"/>
+              <a:t> can </a:t>
+            </a:r>
+            <a:r>
+              <a:rPr lang="en-US" dirty="0" smtClean="0"/>
+              <a:t>repeat this Overview slide throughout the presentation, highlighting the particular topic you will discuss next.</a:t>
+            </a:r>
+          </a:p>
+        </p:txBody>
+      </p:sp>
+      <p:sp>
+        <p:nvSpPr>
+          <p:cNvPr id="4" name="Slide Number Placeholder 3"/>
+          <p:cNvSpPr>
+            <a:spLocks noGrp="1"/>
+          </p:cNvSpPr>
+          <p:nvPr>
+            <p:ph type="sldNum" sz="quarter" idx="10"/>
+          </p:nvPr>
+        </p:nvSpPr>
+        <p:spPr/>
         <p:txBody>
           <a:bodyPr/>
           <a:lstStyle/>
           <a:p>
-            <a:r>
-              <a:rPr lang="en-US" dirty="0" smtClean="0"/>
-              <a:t>Microsoft </a:t>
-            </a:r>
-            <a:r>
-              <a:rPr lang="en-US" b="1" dirty="0" smtClean="0"/>
-              <a:t>Engineering Excellence</a:t>
-            </a:r>
-            <a:endParaRPr lang="en-US" dirty="0" smtClean="0"/>
-          </a:p>
-        </p:txBody>
-      </p:sp>
-      <p:sp>
-        <p:nvSpPr>
-          <p:cNvPr id="40963" name="Rectangle 25"/>
-          <p:cNvSpPr>
-            <a:spLocks noGrp="1" noChangeArrowheads="1"/>
-          </p:cNvSpPr>
-          <p:nvPr>
-            <p:ph type="ftr" sz="quarter" idx="4"/>
-          </p:nvPr>
-        </p:nvSpPr>
-        <p:spPr>
-          <a:noFill/>
-        </p:spPr>
-        <p:txBody>
-          <a:bodyPr/>
-          <a:lstStyle/>
-          <a:p>
-            <a:r>
-              <a:rPr lang="en-US" dirty="0" smtClean="0"/>
-              <a:t>Microsoft Confidential</a:t>
-            </a:r>
-          </a:p>
-        </p:txBody>
-      </p:sp>
-      <p:sp>
-        <p:nvSpPr>
-          <p:cNvPr id="40964" name="Rectangle 26"/>
-          <p:cNvSpPr>
-            <a:spLocks noGrp="1" noChangeArrowheads="1"/>
-          </p:cNvSpPr>
-          <p:nvPr>
-            <p:ph type="sldNum" sz="quarter" idx="5"/>
-          </p:nvPr>
-        </p:nvSpPr>
-        <p:spPr>
-          <a:noFill/>
-        </p:spPr>
-        <p:txBody>
-          <a:bodyPr/>
-          <a:lstStyle/>
-          <a:p>
-            <a:fld id="{85CEDE57-F8FE-4B43-B511-2E9F76624F74}" type="slidenum">
+            <a:fld id="{EC6EAC7D-5A89-47C2-8ABA-56C9C2DEF7A4}" type="slidenum">
               <a:rPr lang="en-US" smtClean="0"/>
               <a:pPr/>
               <a:t>4</a:t>
             </a:fld>
-            <a:endParaRPr lang="en-US" dirty="0" smtClean="0"/>
-          </a:p>
-        </p:txBody>
-      </p:sp>
-      <p:sp>
-        <p:nvSpPr>
-          <p:cNvPr id="40965" name="Rectangle 2"/>
-          <p:cNvSpPr>
-            <a:spLocks noGrp="1" noRot="1" noChangeAspect="1" noChangeArrowheads="1" noTextEdit="1"/>
-          </p:cNvSpPr>
-          <p:nvPr>
-            <p:ph type="sldImg"/>
-          </p:nvPr>
-        </p:nvSpPr>
-        <p:spPr>
-          <a:xfrm>
-            <a:off x="1157288" y="449263"/>
-            <a:ext cx="4541837" cy="3408362"/>
-          </a:xfrm>
-          <a:ln/>
-        </p:spPr>
-      </p:sp>
-      <p:sp>
-        <p:nvSpPr>
-          <p:cNvPr id="40966" name="Rectangle 3"/>
-          <p:cNvSpPr>
-            <a:spLocks noGrp="1" noChangeArrowheads="1"/>
-          </p:cNvSpPr>
-          <p:nvPr>
-            <p:ph type="body" idx="1"/>
-          </p:nvPr>
-        </p:nvSpPr>
-        <p:spPr>
-          <a:xfrm>
-            <a:off x="307492" y="4139472"/>
-            <a:ext cx="6261652" cy="4593861"/>
-          </a:xfrm>
-          <a:noFill/>
-          <a:ln/>
-        </p:spPr>
-        <p:txBody>
-          <a:bodyPr/>
-          <a:lstStyle/>
-          <a:p>
-            <a:pPr>
-              <a:buFontTx/>
-              <a:buNone/>
-            </a:pPr>
-            <a:endParaRPr lang="en-US" dirty="0" smtClean="0"/>
+            <a:endParaRPr lang="en-US"/>
           </a:p>
         </p:txBody>
       </p:sp>
@@ -1303,128 +1470,591 @@
       </p:grpSpPr>
       <p:sp>
         <p:nvSpPr>
-          <p:cNvPr id="41986" name="Rectangle 23"/>
-          <p:cNvSpPr>
-            <a:spLocks noGrp="1" noChangeArrowheads="1"/>
-          </p:cNvSpPr>
-          <p:nvPr>
-            <p:ph type="hdr" sz="quarter"/>
-          </p:nvPr>
-        </p:nvSpPr>
-        <p:spPr>
-          <a:noFill/>
-        </p:spPr>
+          <p:cNvPr id="2" name="Slide Image Placeholder 1"/>
+          <p:cNvSpPr>
+            <a:spLocks noGrp="1" noRot="1" noChangeAspect="1"/>
+          </p:cNvSpPr>
+          <p:nvPr>
+            <p:ph type="sldImg"/>
+          </p:nvPr>
+        </p:nvSpPr>
+        <p:spPr/>
+      </p:sp>
+      <p:sp>
+        <p:nvSpPr>
+          <p:cNvPr id="3" name="Notes Placeholder 2"/>
+          <p:cNvSpPr>
+            <a:spLocks noGrp="1"/>
+          </p:cNvSpPr>
+          <p:nvPr>
+            <p:ph type="body" idx="1"/>
+          </p:nvPr>
+        </p:nvSpPr>
+        <p:spPr/>
+        <p:txBody>
+          <a:bodyPr>
+            <a:normAutofit/>
+          </a:bodyPr>
+          <a:lstStyle/>
+          <a:p>
+            <a:pPr>
+              <a:lnSpc>
+                <a:spcPct val="80000"/>
+              </a:lnSpc>
+            </a:pPr>
+            <a:r>
+              <a:rPr lang="en-US" dirty="0" smtClean="0"/>
+              <a:t>Give a brief overview of the presentation.</a:t>
+            </a:r>
+            <a:r>
+              <a:rPr lang="en-US" baseline="0" dirty="0" smtClean="0"/>
+              <a:t> D</a:t>
+            </a:r>
+            <a:r>
+              <a:rPr lang="en-US" dirty="0" smtClean="0"/>
+              <a:t>escribe the major focus of the presentation and why it is important.</a:t>
+            </a:r>
+          </a:p>
+          <a:p>
+            <a:pPr>
+              <a:lnSpc>
+                <a:spcPct val="80000"/>
+              </a:lnSpc>
+            </a:pPr>
+            <a:r>
+              <a:rPr lang="en-US" dirty="0" smtClean="0"/>
+              <a:t>Introduce each of the major topics.</a:t>
+            </a:r>
+          </a:p>
+          <a:p>
+            <a:r>
+              <a:rPr lang="en-US" dirty="0" smtClean="0"/>
+              <a:t>To provide a road map for the audience, you</a:t>
+            </a:r>
+            <a:r>
+              <a:rPr lang="en-US" baseline="0" dirty="0" smtClean="0"/>
+              <a:t> can </a:t>
+            </a:r>
+            <a:r>
+              <a:rPr lang="en-US" dirty="0" smtClean="0"/>
+              <a:t>repeat this Overview slide throughout the presentation, highlighting the particular topic you will discuss next.</a:t>
+            </a:r>
+          </a:p>
+        </p:txBody>
+      </p:sp>
+      <p:sp>
+        <p:nvSpPr>
+          <p:cNvPr id="4" name="Slide Number Placeholder 3"/>
+          <p:cNvSpPr>
+            <a:spLocks noGrp="1"/>
+          </p:cNvSpPr>
+          <p:nvPr>
+            <p:ph type="sldNum" sz="quarter" idx="10"/>
+          </p:nvPr>
+        </p:nvSpPr>
+        <p:spPr/>
         <p:txBody>
           <a:bodyPr/>
           <a:lstStyle/>
           <a:p>
-            <a:r>
-              <a:rPr lang="en-US" dirty="0" smtClean="0"/>
-              <a:t>Microsoft </a:t>
-            </a:r>
-            <a:r>
-              <a:rPr lang="en-US" b="1" dirty="0" smtClean="0"/>
-              <a:t>Engineering Excellence</a:t>
-            </a:r>
-            <a:endParaRPr lang="en-US" dirty="0" smtClean="0"/>
-          </a:p>
-        </p:txBody>
-      </p:sp>
-      <p:sp>
-        <p:nvSpPr>
-          <p:cNvPr id="41987" name="Rectangle 25"/>
-          <p:cNvSpPr>
-            <a:spLocks noGrp="1" noChangeArrowheads="1"/>
-          </p:cNvSpPr>
-          <p:nvPr>
-            <p:ph type="ftr" sz="quarter" idx="4"/>
-          </p:nvPr>
-        </p:nvSpPr>
-        <p:spPr>
-          <a:noFill/>
-        </p:spPr>
-        <p:txBody>
-          <a:bodyPr/>
-          <a:lstStyle/>
-          <a:p>
-            <a:r>
-              <a:rPr lang="en-US" dirty="0" smtClean="0"/>
-              <a:t>Microsoft Confidential</a:t>
-            </a:r>
-          </a:p>
-        </p:txBody>
-      </p:sp>
-      <p:sp>
-        <p:nvSpPr>
-          <p:cNvPr id="41988" name="Rectangle 26"/>
-          <p:cNvSpPr>
-            <a:spLocks noGrp="1" noChangeArrowheads="1"/>
-          </p:cNvSpPr>
-          <p:nvPr>
-            <p:ph type="sldNum" sz="quarter" idx="5"/>
-          </p:nvPr>
-        </p:nvSpPr>
-        <p:spPr>
-          <a:noFill/>
-        </p:spPr>
-        <p:txBody>
-          <a:bodyPr/>
-          <a:lstStyle/>
-          <a:p>
-            <a:fld id="{B2B44A5F-6CE4-493C-A0D7-6834FF76660C}" type="slidenum">
+            <a:fld id="{EC6EAC7D-5A89-47C2-8ABA-56C9C2DEF7A4}" type="slidenum">
               <a:rPr lang="en-US" smtClean="0"/>
               <a:pPr/>
               <a:t>5</a:t>
             </a:fld>
-            <a:endParaRPr lang="en-US" dirty="0" smtClean="0"/>
-          </a:p>
-        </p:txBody>
-      </p:sp>
-      <p:sp>
-        <p:nvSpPr>
-          <p:cNvPr id="41989" name="Rectangle 2"/>
-          <p:cNvSpPr>
-            <a:spLocks noGrp="1" noRot="1" noChangeAspect="1" noChangeArrowheads="1" noTextEdit="1"/>
+            <a:endParaRPr lang="en-US"/>
+          </a:p>
+        </p:txBody>
+      </p:sp>
+    </p:spTree>
+  </p:cSld>
+  <p:clrMapOvr>
+    <a:masterClrMapping/>
+  </p:clrMapOvr>
+</p:notes>
+</file>
+
+<file path=ppt/notesSlides/notesSlide6.xml><?xml version="1.0" encoding="utf-8"?>
+<p:notes xmlns:a="http://schemas.openxmlformats.org/drawingml/2006/main" xmlns:r="http://schemas.openxmlformats.org/officeDocument/2006/relationships" xmlns:p="http://schemas.openxmlformats.org/presentationml/2006/main">
+  <p:cSld>
+    <p:spTree>
+      <p:nvGrpSpPr>
+        <p:cNvPr id="1" name=""/>
+        <p:cNvGrpSpPr/>
+        <p:nvPr/>
+      </p:nvGrpSpPr>
+      <p:grpSpPr>
+        <a:xfrm>
+          <a:off x="0" y="0"/>
+          <a:ext cx="0" cy="0"/>
+          <a:chOff x="0" y="0"/>
+          <a:chExt cx="0" cy="0"/>
+        </a:xfrm>
+      </p:grpSpPr>
+      <p:sp>
+        <p:nvSpPr>
+          <p:cNvPr id="2" name="Slide Image Placeholder 1"/>
+          <p:cNvSpPr>
+            <a:spLocks noGrp="1" noRot="1" noChangeAspect="1"/>
           </p:cNvSpPr>
           <p:nvPr>
             <p:ph type="sldImg"/>
           </p:nvPr>
         </p:nvSpPr>
-        <p:spPr>
-          <a:xfrm>
-            <a:off x="1143000" y="450850"/>
-            <a:ext cx="4572000" cy="3429000"/>
-          </a:xfrm>
-          <a:ln/>
-        </p:spPr>
-      </p:sp>
-      <p:sp>
-        <p:nvSpPr>
-          <p:cNvPr id="41990" name="Rectangle 3"/>
-          <p:cNvSpPr>
-            <a:spLocks noGrp="1" noChangeArrowheads="1"/>
+        <p:spPr/>
+      </p:sp>
+      <p:sp>
+        <p:nvSpPr>
+          <p:cNvPr id="3" name="Notes Placeholder 2"/>
+          <p:cNvSpPr>
+            <a:spLocks noGrp="1"/>
           </p:cNvSpPr>
           <p:nvPr>
             <p:ph type="body" idx="1"/>
           </p:nvPr>
         </p:nvSpPr>
-        <p:spPr>
-          <a:xfrm>
-            <a:off x="307492" y="4130104"/>
-            <a:ext cx="6261652" cy="4554823"/>
-          </a:xfrm>
-          <a:noFill/>
-          <a:ln/>
-        </p:spPr>
+        <p:spPr/>
+        <p:txBody>
+          <a:bodyPr>
+            <a:normAutofit/>
+          </a:bodyPr>
+          <a:lstStyle/>
+          <a:p>
+            <a:pPr>
+              <a:lnSpc>
+                <a:spcPct val="80000"/>
+              </a:lnSpc>
+            </a:pPr>
+            <a:r>
+              <a:rPr lang="en-US" dirty="0" smtClean="0"/>
+              <a:t>Give a brief overview of the presentation.</a:t>
+            </a:r>
+            <a:r>
+              <a:rPr lang="en-US" baseline="0" dirty="0" smtClean="0"/>
+              <a:t> D</a:t>
+            </a:r>
+            <a:r>
+              <a:rPr lang="en-US" dirty="0" smtClean="0"/>
+              <a:t>escribe the major focus of the presentation and why it is important.</a:t>
+            </a:r>
+          </a:p>
+          <a:p>
+            <a:pPr>
+              <a:lnSpc>
+                <a:spcPct val="80000"/>
+              </a:lnSpc>
+            </a:pPr>
+            <a:r>
+              <a:rPr lang="en-US" dirty="0" smtClean="0"/>
+              <a:t>Introduce each of the major topics.</a:t>
+            </a:r>
+          </a:p>
+          <a:p>
+            <a:r>
+              <a:rPr lang="en-US" dirty="0" smtClean="0"/>
+              <a:t>To provide a road map for the audience, you</a:t>
+            </a:r>
+            <a:r>
+              <a:rPr lang="en-US" baseline="0" dirty="0" smtClean="0"/>
+              <a:t> can </a:t>
+            </a:r>
+            <a:r>
+              <a:rPr lang="en-US" dirty="0" smtClean="0"/>
+              <a:t>repeat this Overview slide throughout the presentation, highlighting the particular topic you will discuss next.</a:t>
+            </a:r>
+          </a:p>
+        </p:txBody>
+      </p:sp>
+      <p:sp>
+        <p:nvSpPr>
+          <p:cNvPr id="4" name="Slide Number Placeholder 3"/>
+          <p:cNvSpPr>
+            <a:spLocks noGrp="1"/>
+          </p:cNvSpPr>
+          <p:nvPr>
+            <p:ph type="sldNum" sz="quarter" idx="10"/>
+          </p:nvPr>
+        </p:nvSpPr>
+        <p:spPr/>
         <p:txBody>
           <a:bodyPr/>
           <a:lstStyle/>
           <a:p>
+            <a:fld id="{EC6EAC7D-5A89-47C2-8ABA-56C9C2DEF7A4}" type="slidenum">
+              <a:rPr lang="en-US" smtClean="0"/>
+              <a:pPr/>
+              <a:t>6</a:t>
+            </a:fld>
+            <a:endParaRPr lang="en-US"/>
+          </a:p>
+        </p:txBody>
+      </p:sp>
+    </p:spTree>
+  </p:cSld>
+  <p:clrMapOvr>
+    <a:masterClrMapping/>
+  </p:clrMapOvr>
+</p:notes>
+</file>
+
+<file path=ppt/notesSlides/notesSlide7.xml><?xml version="1.0" encoding="utf-8"?>
+<p:notes xmlns:a="http://schemas.openxmlformats.org/drawingml/2006/main" xmlns:r="http://schemas.openxmlformats.org/officeDocument/2006/relationships" xmlns:p="http://schemas.openxmlformats.org/presentationml/2006/main">
+  <p:cSld>
+    <p:spTree>
+      <p:nvGrpSpPr>
+        <p:cNvPr id="1" name=""/>
+        <p:cNvGrpSpPr/>
+        <p:nvPr/>
+      </p:nvGrpSpPr>
+      <p:grpSpPr>
+        <a:xfrm>
+          <a:off x="0" y="0"/>
+          <a:ext cx="0" cy="0"/>
+          <a:chOff x="0" y="0"/>
+          <a:chExt cx="0" cy="0"/>
+        </a:xfrm>
+      </p:grpSpPr>
+      <p:sp>
+        <p:nvSpPr>
+          <p:cNvPr id="2" name="Slide Image Placeholder 1"/>
+          <p:cNvSpPr>
+            <a:spLocks noGrp="1" noRot="1" noChangeAspect="1"/>
+          </p:cNvSpPr>
+          <p:nvPr>
+            <p:ph type="sldImg"/>
+          </p:nvPr>
+        </p:nvSpPr>
+        <p:spPr/>
+      </p:sp>
+      <p:sp>
+        <p:nvSpPr>
+          <p:cNvPr id="3" name="Notes Placeholder 2"/>
+          <p:cNvSpPr>
+            <a:spLocks noGrp="1"/>
+          </p:cNvSpPr>
+          <p:nvPr>
+            <p:ph type="body" idx="1"/>
+          </p:nvPr>
+        </p:nvSpPr>
+        <p:spPr/>
+        <p:txBody>
+          <a:bodyPr>
+            <a:normAutofit/>
+          </a:bodyPr>
+          <a:lstStyle/>
+          <a:p>
             <a:pPr>
-              <a:buFontTx/>
-              <a:buNone/>
+              <a:lnSpc>
+                <a:spcPct val="80000"/>
+              </a:lnSpc>
             </a:pPr>
-            <a:endParaRPr lang="en-US" dirty="0" smtClean="0"/>
+            <a:r>
+              <a:rPr lang="en-US" dirty="0" smtClean="0"/>
+              <a:t>Give a brief overview of the presentation.</a:t>
+            </a:r>
+            <a:r>
+              <a:rPr lang="en-US" baseline="0" dirty="0" smtClean="0"/>
+              <a:t> D</a:t>
+            </a:r>
+            <a:r>
+              <a:rPr lang="en-US" dirty="0" smtClean="0"/>
+              <a:t>escribe the major focus of the presentation and why it is important.</a:t>
+            </a:r>
+          </a:p>
+          <a:p>
+            <a:pPr>
+              <a:lnSpc>
+                <a:spcPct val="80000"/>
+              </a:lnSpc>
+            </a:pPr>
+            <a:r>
+              <a:rPr lang="en-US" dirty="0" smtClean="0"/>
+              <a:t>Introduce each of the major topics.</a:t>
+            </a:r>
+          </a:p>
+          <a:p>
+            <a:r>
+              <a:rPr lang="en-US" dirty="0" smtClean="0"/>
+              <a:t>To provide a road map for the audience, you</a:t>
+            </a:r>
+            <a:r>
+              <a:rPr lang="en-US" baseline="0" dirty="0" smtClean="0"/>
+              <a:t> can </a:t>
+            </a:r>
+            <a:r>
+              <a:rPr lang="en-US" dirty="0" smtClean="0"/>
+              <a:t>repeat this Overview slide throughout the presentation, highlighting the particular topic you will discuss next.</a:t>
+            </a:r>
+          </a:p>
+        </p:txBody>
+      </p:sp>
+      <p:sp>
+        <p:nvSpPr>
+          <p:cNvPr id="4" name="Slide Number Placeholder 3"/>
+          <p:cNvSpPr>
+            <a:spLocks noGrp="1"/>
+          </p:cNvSpPr>
+          <p:nvPr>
+            <p:ph type="sldNum" sz="quarter" idx="10"/>
+          </p:nvPr>
+        </p:nvSpPr>
+        <p:spPr/>
+        <p:txBody>
+          <a:bodyPr/>
+          <a:lstStyle/>
+          <a:p>
+            <a:fld id="{EC6EAC7D-5A89-47C2-8ABA-56C9C2DEF7A4}" type="slidenum">
+              <a:rPr lang="en-US" smtClean="0"/>
+              <a:pPr/>
+              <a:t>7</a:t>
+            </a:fld>
+            <a:endParaRPr lang="en-US"/>
+          </a:p>
+        </p:txBody>
+      </p:sp>
+    </p:spTree>
+  </p:cSld>
+  <p:clrMapOvr>
+    <a:masterClrMapping/>
+  </p:clrMapOvr>
+</p:notes>
+</file>
+
+<file path=ppt/notesSlides/notesSlide8.xml><?xml version="1.0" encoding="utf-8"?>
+<p:notes xmlns:a="http://schemas.openxmlformats.org/drawingml/2006/main" xmlns:r="http://schemas.openxmlformats.org/officeDocument/2006/relationships" xmlns:p="http://schemas.openxmlformats.org/presentationml/2006/main">
+  <p:cSld>
+    <p:spTree>
+      <p:nvGrpSpPr>
+        <p:cNvPr id="1" name=""/>
+        <p:cNvGrpSpPr/>
+        <p:nvPr/>
+      </p:nvGrpSpPr>
+      <p:grpSpPr>
+        <a:xfrm>
+          <a:off x="0" y="0"/>
+          <a:ext cx="0" cy="0"/>
+          <a:chOff x="0" y="0"/>
+          <a:chExt cx="0" cy="0"/>
+        </a:xfrm>
+      </p:grpSpPr>
+      <p:sp>
+        <p:nvSpPr>
+          <p:cNvPr id="2" name="Slide Image Placeholder 1"/>
+          <p:cNvSpPr>
+            <a:spLocks noGrp="1" noRot="1" noChangeAspect="1"/>
+          </p:cNvSpPr>
+          <p:nvPr>
+            <p:ph type="sldImg"/>
+          </p:nvPr>
+        </p:nvSpPr>
+        <p:spPr/>
+      </p:sp>
+      <p:sp>
+        <p:nvSpPr>
+          <p:cNvPr id="3" name="Notes Placeholder 2"/>
+          <p:cNvSpPr>
+            <a:spLocks noGrp="1"/>
+          </p:cNvSpPr>
+          <p:nvPr>
+            <p:ph type="body" idx="1"/>
+          </p:nvPr>
+        </p:nvSpPr>
+        <p:spPr/>
+        <p:txBody>
+          <a:bodyPr>
+            <a:normAutofit/>
+          </a:bodyPr>
+          <a:lstStyle/>
+          <a:p>
+            <a:pPr>
+              <a:lnSpc>
+                <a:spcPct val="80000"/>
+              </a:lnSpc>
+            </a:pPr>
+            <a:r>
+              <a:rPr lang="en-US" dirty="0" smtClean="0"/>
+              <a:t>Give a brief overview of the presentation.</a:t>
+            </a:r>
+            <a:r>
+              <a:rPr lang="en-US" baseline="0" dirty="0" smtClean="0"/>
+              <a:t> D</a:t>
+            </a:r>
+            <a:r>
+              <a:rPr lang="en-US" dirty="0" smtClean="0"/>
+              <a:t>escribe the major focus of the presentation and why it is important.</a:t>
+            </a:r>
+          </a:p>
+          <a:p>
+            <a:pPr>
+              <a:lnSpc>
+                <a:spcPct val="80000"/>
+              </a:lnSpc>
+            </a:pPr>
+            <a:r>
+              <a:rPr lang="en-US" dirty="0" smtClean="0"/>
+              <a:t>Introduce each of the major topics.</a:t>
+            </a:r>
+          </a:p>
+          <a:p>
+            <a:r>
+              <a:rPr lang="en-US" dirty="0" smtClean="0"/>
+              <a:t>To provide a road map for the audience, you</a:t>
+            </a:r>
+            <a:r>
+              <a:rPr lang="en-US" baseline="0" dirty="0" smtClean="0"/>
+              <a:t> can </a:t>
+            </a:r>
+            <a:r>
+              <a:rPr lang="en-US" dirty="0" smtClean="0"/>
+              <a:t>repeat this Overview slide throughout the presentation, highlighting the particular topic you will discuss next.</a:t>
+            </a:r>
+          </a:p>
+        </p:txBody>
+      </p:sp>
+      <p:sp>
+        <p:nvSpPr>
+          <p:cNvPr id="4" name="Slide Number Placeholder 3"/>
+          <p:cNvSpPr>
+            <a:spLocks noGrp="1"/>
+          </p:cNvSpPr>
+          <p:nvPr>
+            <p:ph type="sldNum" sz="quarter" idx="10"/>
+          </p:nvPr>
+        </p:nvSpPr>
+        <p:spPr/>
+        <p:txBody>
+          <a:bodyPr/>
+          <a:lstStyle/>
+          <a:p>
+            <a:fld id="{EC6EAC7D-5A89-47C2-8ABA-56C9C2DEF7A4}" type="slidenum">
+              <a:rPr lang="en-US" smtClean="0"/>
+              <a:pPr/>
+              <a:t>8</a:t>
+            </a:fld>
+            <a:endParaRPr lang="en-US"/>
+          </a:p>
+        </p:txBody>
+      </p:sp>
+    </p:spTree>
+  </p:cSld>
+  <p:clrMapOvr>
+    <a:masterClrMapping/>
+  </p:clrMapOvr>
+</p:notes>
+</file>
+
+<file path=ppt/notesSlides/notesSlide9.xml><?xml version="1.0" encoding="utf-8"?>
+<p:notes xmlns:a="http://schemas.openxmlformats.org/drawingml/2006/main" xmlns:r="http://schemas.openxmlformats.org/officeDocument/2006/relationships" xmlns:p="http://schemas.openxmlformats.org/presentationml/2006/main">
+  <p:cSld>
+    <p:spTree>
+      <p:nvGrpSpPr>
+        <p:cNvPr id="1" name=""/>
+        <p:cNvGrpSpPr/>
+        <p:nvPr/>
+      </p:nvGrpSpPr>
+      <p:grpSpPr>
+        <a:xfrm>
+          <a:off x="0" y="0"/>
+          <a:ext cx="0" cy="0"/>
+          <a:chOff x="0" y="0"/>
+          <a:chExt cx="0" cy="0"/>
+        </a:xfrm>
+      </p:grpSpPr>
+      <p:sp>
+        <p:nvSpPr>
+          <p:cNvPr id="2" name="Slide Image Placeholder 1"/>
+          <p:cNvSpPr>
+            <a:spLocks noGrp="1" noRot="1" noChangeAspect="1"/>
+          </p:cNvSpPr>
+          <p:nvPr>
+            <p:ph type="sldImg"/>
+          </p:nvPr>
+        </p:nvSpPr>
+        <p:spPr/>
+      </p:sp>
+      <p:sp>
+        <p:nvSpPr>
+          <p:cNvPr id="3" name="Notes Placeholder 2"/>
+          <p:cNvSpPr>
+            <a:spLocks noGrp="1"/>
+          </p:cNvSpPr>
+          <p:nvPr>
+            <p:ph type="body" idx="1"/>
+          </p:nvPr>
+        </p:nvSpPr>
+        <p:spPr/>
+        <p:txBody>
+          <a:bodyPr>
+            <a:normAutofit/>
+          </a:bodyPr>
+          <a:lstStyle/>
+          <a:p>
+            <a:pPr>
+              <a:lnSpc>
+                <a:spcPct val="80000"/>
+              </a:lnSpc>
+            </a:pPr>
+            <a:r>
+              <a:rPr lang="en-US" dirty="0" smtClean="0"/>
+              <a:t>Give a brief overview of the presentation.</a:t>
+            </a:r>
+            <a:r>
+              <a:rPr lang="en-US" baseline="0" dirty="0" smtClean="0"/>
+              <a:t> D</a:t>
+            </a:r>
+            <a:r>
+              <a:rPr lang="en-US" dirty="0" smtClean="0"/>
+              <a:t>escribe the major focus of the presentation and why it is important.</a:t>
+            </a:r>
+          </a:p>
+          <a:p>
+            <a:pPr>
+              <a:lnSpc>
+                <a:spcPct val="80000"/>
+              </a:lnSpc>
+            </a:pPr>
+            <a:r>
+              <a:rPr lang="en-US" dirty="0" smtClean="0"/>
+              <a:t>Introduce each of the major topics.</a:t>
+            </a:r>
+          </a:p>
+          <a:p>
+            <a:r>
+              <a:rPr lang="en-US" dirty="0" smtClean="0"/>
+              <a:t>To provide a road map for the audience, you</a:t>
+            </a:r>
+            <a:r>
+              <a:rPr lang="en-US" baseline="0" dirty="0" smtClean="0"/>
+              <a:t> can </a:t>
+            </a:r>
+            <a:r>
+              <a:rPr lang="en-US" dirty="0" smtClean="0"/>
+              <a:t>repeat this Overview slide throughout the presentation, highlighting the particular topic you will discuss next.</a:t>
+            </a:r>
+          </a:p>
+        </p:txBody>
+      </p:sp>
+      <p:sp>
+        <p:nvSpPr>
+          <p:cNvPr id="4" name="Slide Number Placeholder 3"/>
+          <p:cNvSpPr>
+            <a:spLocks noGrp="1"/>
+          </p:cNvSpPr>
+          <p:nvPr>
+            <p:ph type="sldNum" sz="quarter" idx="10"/>
+          </p:nvPr>
+        </p:nvSpPr>
+        <p:spPr/>
+        <p:txBody>
+          <a:bodyPr/>
+          <a:lstStyle/>
+          <a:p>
+            <a:fld id="{EC6EAC7D-5A89-47C2-8ABA-56C9C2DEF7A4}" type="slidenum">
+              <a:rPr lang="en-US" smtClean="0"/>
+              <a:pPr/>
+              <a:t>9</a:t>
+            </a:fld>
+            <a:endParaRPr lang="en-US"/>
           </a:p>
         </p:txBody>
       </p:sp>
@@ -5042,6 +5672,17 @@
               <a:rPr lang="cs-CZ" dirty="0" smtClean="0"/>
               <a:t>C#/.NET</a:t>
             </a:r>
+            <a:br>
+              <a:rPr lang="cs-CZ" dirty="0" smtClean="0"/>
+            </a:br>
+            <a:r>
+              <a:rPr lang="cs-CZ" dirty="0" smtClean="0"/>
+              <a:t>a rozdíl mezi </a:t>
+            </a:r>
+            <a:r>
+              <a:rPr lang="cs-CZ" dirty="0" err="1" smtClean="0"/>
+              <a:t>javou</a:t>
+            </a:r>
             <a:endParaRPr lang="en-US" dirty="0"/>
           </a:p>
         </p:txBody>
@@ -5087,6 +5728,79 @@
     <a:masterClrMapping/>
   </p:clrMapOvr>
   <p:transition spd="slow">
+    <p:fade/>
+  </p:transition>
+  <p:timing>
+    <p:tnLst>
+      <p:par>
+        <p:cTn id="1" dur="indefinite" restart="never" nodeType="tmRoot"/>
+      </p:par>
+    </p:tnLst>
+  </p:timing>
+</p:sld>
+</file>
+
+<file path=ppt/slides/slide10.xml><?xml version="1.0" encoding="utf-8"?>
+<p:sld xmlns:a="http://schemas.openxmlformats.org/drawingml/2006/main" xmlns:r="http://schemas.openxmlformats.org/officeDocument/2006/relationships" xmlns:p="http://schemas.openxmlformats.org/presentationml/2006/main">
+  <p:cSld>
+    <p:spTree>
+      <p:nvGrpSpPr>
+        <p:cNvPr id="1" name=""/>
+        <p:cNvGrpSpPr/>
+        <p:nvPr/>
+      </p:nvGrpSpPr>
+      <p:grpSpPr>
+        <a:xfrm>
+          <a:off x="0" y="0"/>
+          <a:ext cx="0" cy="0"/>
+          <a:chOff x="0" y="0"/>
+          <a:chExt cx="0" cy="0"/>
+        </a:xfrm>
+      </p:grpSpPr>
+      <p:sp>
+        <p:nvSpPr>
+          <p:cNvPr id="620546" name="Rectangle 2"/>
+          <p:cNvSpPr>
+            <a:spLocks noGrp="1" noChangeArrowheads="1"/>
+          </p:cNvSpPr>
+          <p:nvPr>
+            <p:ph type="title"/>
+            <p:custDataLst>
+              <p:tags r:id="rId2"/>
+            </p:custDataLst>
+          </p:nvPr>
+        </p:nvSpPr>
+        <p:spPr/>
+        <p:txBody>
+          <a:bodyPr>
+            <a:normAutofit/>
+          </a:bodyPr>
+          <a:lstStyle/>
+          <a:p>
+            <a:pPr>
+              <a:defRPr/>
+            </a:pPr>
+            <a:r>
+              <a:rPr lang="cs-CZ" dirty="0" smtClean="0"/>
+              <a:t>Otázky</a:t>
+            </a:r>
+            <a:r>
+              <a:rPr lang="en-US" dirty="0" smtClean="0"/>
+              <a:t>?</a:t>
+            </a:r>
+            <a:endParaRPr lang="en-US" dirty="0" smtClean="0"/>
+          </a:p>
+        </p:txBody>
+      </p:sp>
+    </p:spTree>
+    <p:custDataLst>
+      <p:tags r:id="rId1"/>
+    </p:custDataLst>
+  </p:cSld>
+  <p:clrMapOvr>
+    <a:masterClrMapping/>
+  </p:clrMapOvr>
+  <p:transition>
     <p:fade/>
   </p:transition>
   <p:timing>
@@ -5135,8 +5849,8 @@
           <a:lstStyle/>
           <a:p>
             <a:r>
-              <a:rPr lang="en-US" dirty="0" smtClean="0"/>
-              <a:t>New Employee Orientation</a:t>
+              <a:rPr lang="cs-CZ" dirty="0" smtClean="0"/>
+              <a:t>Obsah</a:t>
             </a:r>
             <a:endParaRPr lang="en-US" dirty="0"/>
           </a:p>
@@ -5162,22 +5876,64 @@
           </a:bodyPr>
           <a:lstStyle/>
           <a:p>
+            <a:pPr marL="514350" indent="-514350" fontAlgn="base">
+              <a:buFont typeface="+mj-lt"/>
+              <a:buAutoNum type="arabicPeriod"/>
+            </a:pPr>
+            <a:r>
+              <a:rPr lang="en-US" dirty="0" err="1" smtClean="0"/>
+              <a:t>jazyk</a:t>
+            </a:r>
             <a:r>
               <a:rPr lang="en-US" dirty="0" smtClean="0"/>
-              <a:t>Getting to know your new assignment</a:t>
-            </a:r>
-          </a:p>
-          <a:p>
+              <a:t> C#</a:t>
+            </a:r>
+            <a:endParaRPr lang="cs-CZ" dirty="0" smtClean="0"/>
+          </a:p>
+          <a:p>
+            <a:pPr marL="514350" indent="-514350" fontAlgn="base">
+              <a:buFont typeface="+mj-lt"/>
+              <a:buAutoNum type="arabicPeriod"/>
+            </a:pPr>
+            <a:r>
+              <a:rPr lang="cs-CZ" dirty="0" smtClean="0"/>
+              <a:t>.</a:t>
+            </a:r>
+            <a:r>
+              <a:rPr lang="en-US" dirty="0" smtClean="0"/>
+              <a:t>NET </a:t>
+            </a:r>
             <a:r>
               <a:rPr lang="en-US" dirty="0"/>
-              <a:t>Familiarizing yourself with your new environment</a:t>
-            </a:r>
-          </a:p>
-          <a:p>
-            <a:r>
-              <a:rPr lang="en-US" dirty="0" smtClean="0"/>
-              <a:t>Meeting new colleagues </a:t>
-            </a:r>
+              <a:t>core </a:t>
+            </a:r>
+            <a:r>
+              <a:rPr lang="en-US" dirty="0" err="1" smtClean="0"/>
+              <a:t>Knihovny</a:t>
+            </a:r>
+            <a:endParaRPr lang="cs-CZ" dirty="0" smtClean="0"/>
+          </a:p>
+          <a:p>
+            <a:pPr marL="514350" indent="-514350" fontAlgn="base">
+              <a:buFont typeface="+mj-lt"/>
+              <a:buAutoNum type="arabicPeriod"/>
+            </a:pPr>
+            <a:r>
+              <a:rPr lang="en-US" dirty="0" err="1"/>
+              <a:t>Platforma</a:t>
+            </a:r>
+            <a:endParaRPr lang="en-US" dirty="0"/>
+          </a:p>
+          <a:p>
+            <a:pPr marL="514350" indent="-514350" fontAlgn="base">
+              <a:buFont typeface="+mj-lt"/>
+              <a:buAutoNum type="arabicPeriod"/>
+            </a:pPr>
+            <a:r>
+              <a:rPr lang="en-US" dirty="0" err="1" smtClean="0"/>
+              <a:t>Komunita</a:t>
+            </a:r>
+            <a:endParaRPr lang="en-US" dirty="0"/>
           </a:p>
         </p:txBody>
       </p:sp>
@@ -5238,8 +5994,8 @@
           <a:lstStyle/>
           <a:p>
             <a:r>
-              <a:rPr lang="en-US" dirty="0" smtClean="0"/>
-              <a:t>Summary</a:t>
+              <a:rPr lang="cs-CZ" dirty="0" smtClean="0"/>
+              <a:t>Modifikátory</a:t>
             </a:r>
             <a:endParaRPr lang="en-US" dirty="0"/>
           </a:p>
@@ -5247,7 +6003,7 @@
       </p:sp>
       <p:sp>
         <p:nvSpPr>
-          <p:cNvPr id="3" name="Content Placeholder 2"/>
+          <p:cNvPr id="5" name="Content Placeholder 4"/>
           <p:cNvSpPr>
             <a:spLocks noGrp="1"/>
           </p:cNvSpPr>
@@ -5265,51 +6021,16 @@
           </a:bodyPr>
           <a:lstStyle/>
           <a:p>
-            <a:r>
-              <a:rPr lang="en-US" dirty="0" smtClean="0"/>
-              <a:t>Define your challenges</a:t>
-            </a:r>
-          </a:p>
-          <a:p>
-            <a:pPr lvl="1"/>
-            <a:r>
-              <a:rPr lang="en-US" dirty="0" smtClean="0"/>
-              <a:t>Technological</a:t>
-            </a:r>
-            <a:r>
-              <a:rPr lang="en-US" dirty="0"/>
-              <a:t> </a:t>
-            </a:r>
-            <a:r>
-              <a:rPr lang="en-US" dirty="0" smtClean="0"/>
-              <a:t>as well as personal</a:t>
-            </a:r>
-          </a:p>
-          <a:p>
-            <a:r>
-              <a:rPr lang="en-US" dirty="0" smtClean="0"/>
-              <a:t>Set realistic expectation</a:t>
-            </a:r>
-          </a:p>
-          <a:p>
-            <a:pPr lvl="1"/>
-            <a:r>
-              <a:rPr lang="en-US" dirty="0" smtClean="0"/>
-              <a:t>Mastery is not achieved overnight</a:t>
-            </a:r>
-          </a:p>
-          <a:p>
-            <a:r>
-              <a:rPr lang="en-US" dirty="0" smtClean="0"/>
-              <a:t>Keep your eye on the goal</a:t>
-            </a:r>
-          </a:p>
-          <a:p>
-            <a:pPr lvl="1"/>
-            <a:r>
-              <a:rPr lang="en-US" dirty="0" smtClean="0"/>
-              <a:t>Mentorship programs</a:t>
-            </a:r>
+            <a:pPr fontAlgn="base"/>
+            <a:r>
+              <a:rPr lang="cs-CZ" dirty="0" smtClean="0"/>
+              <a:t>Navíc </a:t>
+            </a:r>
+            <a:r>
+              <a:rPr lang="cs-CZ" dirty="0" err="1" smtClean="0"/>
+              <a:t>internal</a:t>
+            </a:r>
+            <a:endParaRPr lang="en-US" dirty="0"/>
           </a:p>
         </p:txBody>
       </p:sp>
@@ -5317,6 +6038,11 @@
     <p:custDataLst>
       <p:tags r:id="rId1"/>
     </p:custDataLst>
+    <p:extLst>
+      <p:ext uri="{BB962C8B-B14F-4D97-AF65-F5344CB8AC3E}">
+        <p14:creationId xmlns:p14="http://schemas.microsoft.com/office/powerpoint/2010/main" val="1036060905"/>
+      </p:ext>
+    </p:extLst>
   </p:cSld>
   <p:clrMapOvr>
     <a:masterClrMapping/>
@@ -5327,683 +6053,9 @@
   <p:timing>
     <p:tnLst>
       <p:par>
-        <p:cTn id="1" dur="indefinite" restart="never" nodeType="tmRoot">
-          <p:childTnLst>
-            <p:seq concurrent="1" nextAc="seek">
-              <p:cTn id="2" dur="indefinite" nodeType="mainSeq">
-                <p:childTnLst>
-                  <p:par>
-                    <p:cTn id="3" fill="hold">
-                      <p:stCondLst>
-                        <p:cond delay="indefinite"/>
-                        <p:cond evt="onBegin" delay="0">
-                          <p:tn val="2"/>
-                        </p:cond>
-                      </p:stCondLst>
-                      <p:childTnLst>
-                        <p:par>
-                          <p:cTn id="4" fill="hold">
-                            <p:stCondLst>
-                              <p:cond delay="0"/>
-                            </p:stCondLst>
-                            <p:childTnLst>
-                              <p:par>
-                                <p:cTn id="5" presetID="42" presetClass="entr" presetSubtype="0" fill="hold" grpId="0" nodeType="afterEffect">
-                                  <p:stCondLst>
-                                    <p:cond delay="0"/>
-                                  </p:stCondLst>
-                                  <p:childTnLst>
-                                    <p:set>
-                                      <p:cBhvr>
-                                        <p:cTn id="6" dur="1" fill="hold">
-                                          <p:stCondLst>
-                                            <p:cond delay="0"/>
-                                          </p:stCondLst>
-                                        </p:cTn>
-                                        <p:tgtEl>
-                                          <p:spTgt spid="3">
-                                            <p:txEl>
-                                              <p:pRg st="0" end="0"/>
-                                            </p:txEl>
-                                          </p:spTgt>
-                                        </p:tgtEl>
-                                        <p:attrNameLst>
-                                          <p:attrName>style.visibility</p:attrName>
-                                        </p:attrNameLst>
-                                      </p:cBhvr>
-                                      <p:to>
-                                        <p:strVal val="visible"/>
-                                      </p:to>
-                                    </p:set>
-                                    <p:animEffect transition="in" filter="fade">
-                                      <p:cBhvr>
-                                        <p:cTn id="7" dur="1000"/>
-                                        <p:tgtEl>
-                                          <p:spTgt spid="3">
-                                            <p:txEl>
-                                              <p:pRg st="0" end="0"/>
-                                            </p:txEl>
-                                          </p:spTgt>
-                                        </p:tgtEl>
-                                      </p:cBhvr>
-                                    </p:animEffect>
-                                    <p:anim calcmode="lin" valueType="num">
-                                      <p:cBhvr>
-                                        <p:cTn id="8" dur="1000" fill="hold"/>
-                                        <p:tgtEl>
-                                          <p:spTgt spid="3">
-                                            <p:txEl>
-                                              <p:pRg st="0" end="0"/>
-                                            </p:txEl>
-                                          </p:spTgt>
-                                        </p:tgtEl>
-                                        <p:attrNameLst>
-                                          <p:attrName>ppt_x</p:attrName>
-                                        </p:attrNameLst>
-                                      </p:cBhvr>
-                                      <p:tavLst>
-                                        <p:tav tm="0">
-                                          <p:val>
-                                            <p:strVal val="#ppt_x"/>
-                                          </p:val>
-                                        </p:tav>
-                                        <p:tav tm="100000">
-                                          <p:val>
-                                            <p:strVal val="#ppt_x"/>
-                                          </p:val>
-                                        </p:tav>
-                                      </p:tavLst>
-                                    </p:anim>
-                                    <p:anim calcmode="lin" valueType="num">
-                                      <p:cBhvr>
-                                        <p:cTn id="9" dur="1000" fill="hold"/>
-                                        <p:tgtEl>
-                                          <p:spTgt spid="3">
-                                            <p:txEl>
-                                              <p:pRg st="0" end="0"/>
-                                            </p:txEl>
-                                          </p:spTgt>
-                                        </p:tgtEl>
-                                        <p:attrNameLst>
-                                          <p:attrName>ppt_y</p:attrName>
-                                        </p:attrNameLst>
-                                      </p:cBhvr>
-                                      <p:tavLst>
-                                        <p:tav tm="0">
-                                          <p:val>
-                                            <p:strVal val="#ppt_y+.1"/>
-                                          </p:val>
-                                        </p:tav>
-                                        <p:tav tm="100000">
-                                          <p:val>
-                                            <p:strVal val="#ppt_y"/>
-                                          </p:val>
-                                        </p:tav>
-                                      </p:tavLst>
-                                    </p:anim>
-                                  </p:childTnLst>
-                                </p:cTn>
-                              </p:par>
-                            </p:childTnLst>
-                          </p:cTn>
-                        </p:par>
-                        <p:par>
-                          <p:cTn id="10" fill="hold">
-                            <p:stCondLst>
-                              <p:cond delay="1000"/>
-                            </p:stCondLst>
-                            <p:childTnLst>
-                              <p:par>
-                                <p:cTn id="11" presetID="42" presetClass="entr" presetSubtype="0" fill="hold" grpId="0" nodeType="afterEffect">
-                                  <p:stCondLst>
-                                    <p:cond delay="0"/>
-                                  </p:stCondLst>
-                                  <p:childTnLst>
-                                    <p:set>
-                                      <p:cBhvr>
-                                        <p:cTn id="12" dur="1" fill="hold">
-                                          <p:stCondLst>
-                                            <p:cond delay="0"/>
-                                          </p:stCondLst>
-                                        </p:cTn>
-                                        <p:tgtEl>
-                                          <p:spTgt spid="3">
-                                            <p:txEl>
-                                              <p:pRg st="1" end="1"/>
-                                            </p:txEl>
-                                          </p:spTgt>
-                                        </p:tgtEl>
-                                        <p:attrNameLst>
-                                          <p:attrName>style.visibility</p:attrName>
-                                        </p:attrNameLst>
-                                      </p:cBhvr>
-                                      <p:to>
-                                        <p:strVal val="visible"/>
-                                      </p:to>
-                                    </p:set>
-                                    <p:animEffect transition="in" filter="fade">
-                                      <p:cBhvr>
-                                        <p:cTn id="13" dur="1000"/>
-                                        <p:tgtEl>
-                                          <p:spTgt spid="3">
-                                            <p:txEl>
-                                              <p:pRg st="1" end="1"/>
-                                            </p:txEl>
-                                          </p:spTgt>
-                                        </p:tgtEl>
-                                      </p:cBhvr>
-                                    </p:animEffect>
-                                    <p:anim calcmode="lin" valueType="num">
-                                      <p:cBhvr>
-                                        <p:cTn id="14" dur="1000" fill="hold"/>
-                                        <p:tgtEl>
-                                          <p:spTgt spid="3">
-                                            <p:txEl>
-                                              <p:pRg st="1" end="1"/>
-                                            </p:txEl>
-                                          </p:spTgt>
-                                        </p:tgtEl>
-                                        <p:attrNameLst>
-                                          <p:attrName>ppt_x</p:attrName>
-                                        </p:attrNameLst>
-                                      </p:cBhvr>
-                                      <p:tavLst>
-                                        <p:tav tm="0">
-                                          <p:val>
-                                            <p:strVal val="#ppt_x"/>
-                                          </p:val>
-                                        </p:tav>
-                                        <p:tav tm="100000">
-                                          <p:val>
-                                            <p:strVal val="#ppt_x"/>
-                                          </p:val>
-                                        </p:tav>
-                                      </p:tavLst>
-                                    </p:anim>
-                                    <p:anim calcmode="lin" valueType="num">
-                                      <p:cBhvr>
-                                        <p:cTn id="15" dur="1000" fill="hold"/>
-                                        <p:tgtEl>
-                                          <p:spTgt spid="3">
-                                            <p:txEl>
-                                              <p:pRg st="1" end="1"/>
-                                            </p:txEl>
-                                          </p:spTgt>
-                                        </p:tgtEl>
-                                        <p:attrNameLst>
-                                          <p:attrName>ppt_y</p:attrName>
-                                        </p:attrNameLst>
-                                      </p:cBhvr>
-                                      <p:tavLst>
-                                        <p:tav tm="0">
-                                          <p:val>
-                                            <p:strVal val="#ppt_y+.1"/>
-                                          </p:val>
-                                        </p:tav>
-                                        <p:tav tm="100000">
-                                          <p:val>
-                                            <p:strVal val="#ppt_y"/>
-                                          </p:val>
-                                        </p:tav>
-                                      </p:tavLst>
-                                    </p:anim>
-                                  </p:childTnLst>
-                                </p:cTn>
-                              </p:par>
-                            </p:childTnLst>
-                          </p:cTn>
-                        </p:par>
-                        <p:par>
-                          <p:cTn id="16" fill="hold">
-                            <p:stCondLst>
-                              <p:cond delay="2000"/>
-                            </p:stCondLst>
-                            <p:childTnLst>
-                              <p:par>
-                                <p:cTn id="17" presetID="42" presetClass="entr" presetSubtype="0" fill="hold" grpId="0" nodeType="afterEffect">
-                                  <p:stCondLst>
-                                    <p:cond delay="0"/>
-                                  </p:stCondLst>
-                                  <p:childTnLst>
-                                    <p:set>
-                                      <p:cBhvr>
-                                        <p:cTn id="18" dur="1" fill="hold">
-                                          <p:stCondLst>
-                                            <p:cond delay="0"/>
-                                          </p:stCondLst>
-                                        </p:cTn>
-                                        <p:tgtEl>
-                                          <p:spTgt spid="3">
-                                            <p:txEl>
-                                              <p:pRg st="2" end="2"/>
-                                            </p:txEl>
-                                          </p:spTgt>
-                                        </p:tgtEl>
-                                        <p:attrNameLst>
-                                          <p:attrName>style.visibility</p:attrName>
-                                        </p:attrNameLst>
-                                      </p:cBhvr>
-                                      <p:to>
-                                        <p:strVal val="visible"/>
-                                      </p:to>
-                                    </p:set>
-                                    <p:animEffect transition="in" filter="fade">
-                                      <p:cBhvr>
-                                        <p:cTn id="19" dur="1000"/>
-                                        <p:tgtEl>
-                                          <p:spTgt spid="3">
-                                            <p:txEl>
-                                              <p:pRg st="2" end="2"/>
-                                            </p:txEl>
-                                          </p:spTgt>
-                                        </p:tgtEl>
-                                      </p:cBhvr>
-                                    </p:animEffect>
-                                    <p:anim calcmode="lin" valueType="num">
-                                      <p:cBhvr>
-                                        <p:cTn id="20" dur="1000" fill="hold"/>
-                                        <p:tgtEl>
-                                          <p:spTgt spid="3">
-                                            <p:txEl>
-                                              <p:pRg st="2" end="2"/>
-                                            </p:txEl>
-                                          </p:spTgt>
-                                        </p:tgtEl>
-                                        <p:attrNameLst>
-                                          <p:attrName>ppt_x</p:attrName>
-                                        </p:attrNameLst>
-                                      </p:cBhvr>
-                                      <p:tavLst>
-                                        <p:tav tm="0">
-                                          <p:val>
-                                            <p:strVal val="#ppt_x"/>
-                                          </p:val>
-                                        </p:tav>
-                                        <p:tav tm="100000">
-                                          <p:val>
-                                            <p:strVal val="#ppt_x"/>
-                                          </p:val>
-                                        </p:tav>
-                                      </p:tavLst>
-                                    </p:anim>
-                                    <p:anim calcmode="lin" valueType="num">
-                                      <p:cBhvr>
-                                        <p:cTn id="21" dur="1000" fill="hold"/>
-                                        <p:tgtEl>
-                                          <p:spTgt spid="3">
-                                            <p:txEl>
-                                              <p:pRg st="2" end="2"/>
-                                            </p:txEl>
-                                          </p:spTgt>
-                                        </p:tgtEl>
-                                        <p:attrNameLst>
-                                          <p:attrName>ppt_y</p:attrName>
-                                        </p:attrNameLst>
-                                      </p:cBhvr>
-                                      <p:tavLst>
-                                        <p:tav tm="0">
-                                          <p:val>
-                                            <p:strVal val="#ppt_y+.1"/>
-                                          </p:val>
-                                        </p:tav>
-                                        <p:tav tm="100000">
-                                          <p:val>
-                                            <p:strVal val="#ppt_y"/>
-                                          </p:val>
-                                        </p:tav>
-                                      </p:tavLst>
-                                    </p:anim>
-                                  </p:childTnLst>
-                                </p:cTn>
-                              </p:par>
-                            </p:childTnLst>
-                          </p:cTn>
-                        </p:par>
-                        <p:par>
-                          <p:cTn id="22" fill="hold">
-                            <p:stCondLst>
-                              <p:cond delay="3000"/>
-                            </p:stCondLst>
-                            <p:childTnLst>
-                              <p:par>
-                                <p:cTn id="23" presetID="42" presetClass="entr" presetSubtype="0" fill="hold" grpId="0" nodeType="afterEffect">
-                                  <p:stCondLst>
-                                    <p:cond delay="0"/>
-                                  </p:stCondLst>
-                                  <p:childTnLst>
-                                    <p:set>
-                                      <p:cBhvr>
-                                        <p:cTn id="24" dur="1" fill="hold">
-                                          <p:stCondLst>
-                                            <p:cond delay="0"/>
-                                          </p:stCondLst>
-                                        </p:cTn>
-                                        <p:tgtEl>
-                                          <p:spTgt spid="3">
-                                            <p:txEl>
-                                              <p:pRg st="3" end="3"/>
-                                            </p:txEl>
-                                          </p:spTgt>
-                                        </p:tgtEl>
-                                        <p:attrNameLst>
-                                          <p:attrName>style.visibility</p:attrName>
-                                        </p:attrNameLst>
-                                      </p:cBhvr>
-                                      <p:to>
-                                        <p:strVal val="visible"/>
-                                      </p:to>
-                                    </p:set>
-                                    <p:animEffect transition="in" filter="fade">
-                                      <p:cBhvr>
-                                        <p:cTn id="25" dur="1000"/>
-                                        <p:tgtEl>
-                                          <p:spTgt spid="3">
-                                            <p:txEl>
-                                              <p:pRg st="3" end="3"/>
-                                            </p:txEl>
-                                          </p:spTgt>
-                                        </p:tgtEl>
-                                      </p:cBhvr>
-                                    </p:animEffect>
-                                    <p:anim calcmode="lin" valueType="num">
-                                      <p:cBhvr>
-                                        <p:cTn id="26" dur="1000" fill="hold"/>
-                                        <p:tgtEl>
-                                          <p:spTgt spid="3">
-                                            <p:txEl>
-                                              <p:pRg st="3" end="3"/>
-                                            </p:txEl>
-                                          </p:spTgt>
-                                        </p:tgtEl>
-                                        <p:attrNameLst>
-                                          <p:attrName>ppt_x</p:attrName>
-                                        </p:attrNameLst>
-                                      </p:cBhvr>
-                                      <p:tavLst>
-                                        <p:tav tm="0">
-                                          <p:val>
-                                            <p:strVal val="#ppt_x"/>
-                                          </p:val>
-                                        </p:tav>
-                                        <p:tav tm="100000">
-                                          <p:val>
-                                            <p:strVal val="#ppt_x"/>
-                                          </p:val>
-                                        </p:tav>
-                                      </p:tavLst>
-                                    </p:anim>
-                                    <p:anim calcmode="lin" valueType="num">
-                                      <p:cBhvr>
-                                        <p:cTn id="27" dur="1000" fill="hold"/>
-                                        <p:tgtEl>
-                                          <p:spTgt spid="3">
-                                            <p:txEl>
-                                              <p:pRg st="3" end="3"/>
-                                            </p:txEl>
-                                          </p:spTgt>
-                                        </p:tgtEl>
-                                        <p:attrNameLst>
-                                          <p:attrName>ppt_y</p:attrName>
-                                        </p:attrNameLst>
-                                      </p:cBhvr>
-                                      <p:tavLst>
-                                        <p:tav tm="0">
-                                          <p:val>
-                                            <p:strVal val="#ppt_y+.1"/>
-                                          </p:val>
-                                        </p:tav>
-                                        <p:tav tm="100000">
-                                          <p:val>
-                                            <p:strVal val="#ppt_y"/>
-                                          </p:val>
-                                        </p:tav>
-                                      </p:tavLst>
-                                    </p:anim>
-                                  </p:childTnLst>
-                                </p:cTn>
-                              </p:par>
-                            </p:childTnLst>
-                          </p:cTn>
-                        </p:par>
-                        <p:par>
-                          <p:cTn id="28" fill="hold">
-                            <p:stCondLst>
-                              <p:cond delay="4000"/>
-                            </p:stCondLst>
-                            <p:childTnLst>
-                              <p:par>
-                                <p:cTn id="29" presetID="42" presetClass="entr" presetSubtype="0" fill="hold" grpId="0" nodeType="afterEffect">
-                                  <p:stCondLst>
-                                    <p:cond delay="0"/>
-                                  </p:stCondLst>
-                                  <p:childTnLst>
-                                    <p:set>
-                                      <p:cBhvr>
-                                        <p:cTn id="30" dur="1" fill="hold">
-                                          <p:stCondLst>
-                                            <p:cond delay="0"/>
-                                          </p:stCondLst>
-                                        </p:cTn>
-                                        <p:tgtEl>
-                                          <p:spTgt spid="3">
-                                            <p:txEl>
-                                              <p:pRg st="4" end="4"/>
-                                            </p:txEl>
-                                          </p:spTgt>
-                                        </p:tgtEl>
-                                        <p:attrNameLst>
-                                          <p:attrName>style.visibility</p:attrName>
-                                        </p:attrNameLst>
-                                      </p:cBhvr>
-                                      <p:to>
-                                        <p:strVal val="visible"/>
-                                      </p:to>
-                                    </p:set>
-                                    <p:animEffect transition="in" filter="fade">
-                                      <p:cBhvr>
-                                        <p:cTn id="31" dur="1000"/>
-                                        <p:tgtEl>
-                                          <p:spTgt spid="3">
-                                            <p:txEl>
-                                              <p:pRg st="4" end="4"/>
-                                            </p:txEl>
-                                          </p:spTgt>
-                                        </p:tgtEl>
-                                      </p:cBhvr>
-                                    </p:animEffect>
-                                    <p:anim calcmode="lin" valueType="num">
-                                      <p:cBhvr>
-                                        <p:cTn id="32" dur="1000" fill="hold"/>
-                                        <p:tgtEl>
-                                          <p:spTgt spid="3">
-                                            <p:txEl>
-                                              <p:pRg st="4" end="4"/>
-                                            </p:txEl>
-                                          </p:spTgt>
-                                        </p:tgtEl>
-                                        <p:attrNameLst>
-                                          <p:attrName>ppt_x</p:attrName>
-                                        </p:attrNameLst>
-                                      </p:cBhvr>
-                                      <p:tavLst>
-                                        <p:tav tm="0">
-                                          <p:val>
-                                            <p:strVal val="#ppt_x"/>
-                                          </p:val>
-                                        </p:tav>
-                                        <p:tav tm="100000">
-                                          <p:val>
-                                            <p:strVal val="#ppt_x"/>
-                                          </p:val>
-                                        </p:tav>
-                                      </p:tavLst>
-                                    </p:anim>
-                                    <p:anim calcmode="lin" valueType="num">
-                                      <p:cBhvr>
-                                        <p:cTn id="33" dur="1000" fill="hold"/>
-                                        <p:tgtEl>
-                                          <p:spTgt spid="3">
-                                            <p:txEl>
-                                              <p:pRg st="4" end="4"/>
-                                            </p:txEl>
-                                          </p:spTgt>
-                                        </p:tgtEl>
-                                        <p:attrNameLst>
-                                          <p:attrName>ppt_y</p:attrName>
-                                        </p:attrNameLst>
-                                      </p:cBhvr>
-                                      <p:tavLst>
-                                        <p:tav tm="0">
-                                          <p:val>
-                                            <p:strVal val="#ppt_y+.1"/>
-                                          </p:val>
-                                        </p:tav>
-                                        <p:tav tm="100000">
-                                          <p:val>
-                                            <p:strVal val="#ppt_y"/>
-                                          </p:val>
-                                        </p:tav>
-                                      </p:tavLst>
-                                    </p:anim>
-                                  </p:childTnLst>
-                                </p:cTn>
-                              </p:par>
-                            </p:childTnLst>
-                          </p:cTn>
-                        </p:par>
-                        <p:par>
-                          <p:cTn id="34" fill="hold">
-                            <p:stCondLst>
-                              <p:cond delay="5000"/>
-                            </p:stCondLst>
-                            <p:childTnLst>
-                              <p:par>
-                                <p:cTn id="35" presetID="42" presetClass="entr" presetSubtype="0" fill="hold" grpId="0" nodeType="afterEffect">
-                                  <p:stCondLst>
-                                    <p:cond delay="0"/>
-                                  </p:stCondLst>
-                                  <p:childTnLst>
-                                    <p:set>
-                                      <p:cBhvr>
-                                        <p:cTn id="36" dur="1" fill="hold">
-                                          <p:stCondLst>
-                                            <p:cond delay="0"/>
-                                          </p:stCondLst>
-                                        </p:cTn>
-                                        <p:tgtEl>
-                                          <p:spTgt spid="3">
-                                            <p:txEl>
-                                              <p:pRg st="5" end="5"/>
-                                            </p:txEl>
-                                          </p:spTgt>
-                                        </p:tgtEl>
-                                        <p:attrNameLst>
-                                          <p:attrName>style.visibility</p:attrName>
-                                        </p:attrNameLst>
-                                      </p:cBhvr>
-                                      <p:to>
-                                        <p:strVal val="visible"/>
-                                      </p:to>
-                                    </p:set>
-                                    <p:animEffect transition="in" filter="fade">
-                                      <p:cBhvr>
-                                        <p:cTn id="37" dur="1000"/>
-                                        <p:tgtEl>
-                                          <p:spTgt spid="3">
-                                            <p:txEl>
-                                              <p:pRg st="5" end="5"/>
-                                            </p:txEl>
-                                          </p:spTgt>
-                                        </p:tgtEl>
-                                      </p:cBhvr>
-                                    </p:animEffect>
-                                    <p:anim calcmode="lin" valueType="num">
-                                      <p:cBhvr>
-                                        <p:cTn id="38" dur="1000" fill="hold"/>
-                                        <p:tgtEl>
-                                          <p:spTgt spid="3">
-                                            <p:txEl>
-                                              <p:pRg st="5" end="5"/>
-                                            </p:txEl>
-                                          </p:spTgt>
-                                        </p:tgtEl>
-                                        <p:attrNameLst>
-                                          <p:attrName>ppt_x</p:attrName>
-                                        </p:attrNameLst>
-                                      </p:cBhvr>
-                                      <p:tavLst>
-                                        <p:tav tm="0">
-                                          <p:val>
-                                            <p:strVal val="#ppt_x"/>
-                                          </p:val>
-                                        </p:tav>
-                                        <p:tav tm="100000">
-                                          <p:val>
-                                            <p:strVal val="#ppt_x"/>
-                                          </p:val>
-                                        </p:tav>
-                                      </p:tavLst>
-                                    </p:anim>
-                                    <p:anim calcmode="lin" valueType="num">
-                                      <p:cBhvr>
-                                        <p:cTn id="39" dur="1000" fill="hold"/>
-                                        <p:tgtEl>
-                                          <p:spTgt spid="3">
-                                            <p:txEl>
-                                              <p:pRg st="5" end="5"/>
-                                            </p:txEl>
-                                          </p:spTgt>
-                                        </p:tgtEl>
-                                        <p:attrNameLst>
-                                          <p:attrName>ppt_y</p:attrName>
-                                        </p:attrNameLst>
-                                      </p:cBhvr>
-                                      <p:tavLst>
-                                        <p:tav tm="0">
-                                          <p:val>
-                                            <p:strVal val="#ppt_y+.1"/>
-                                          </p:val>
-                                        </p:tav>
-                                        <p:tav tm="100000">
-                                          <p:val>
-                                            <p:strVal val="#ppt_y"/>
-                                          </p:val>
-                                        </p:tav>
-                                      </p:tavLst>
-                                    </p:anim>
-                                  </p:childTnLst>
-                                </p:cTn>
-                              </p:par>
-                            </p:childTnLst>
-                          </p:cTn>
-                        </p:par>
-                      </p:childTnLst>
-                    </p:cTn>
-                  </p:par>
-                </p:childTnLst>
-              </p:cTn>
-              <p:prevCondLst>
-                <p:cond evt="onPrev" delay="0">
-                  <p:tgtEl>
-                    <p:sldTgt/>
-                  </p:tgtEl>
-                </p:cond>
-              </p:prevCondLst>
-              <p:nextCondLst>
-                <p:cond evt="onNext" delay="0">
-                  <p:tgtEl>
-                    <p:sldTgt/>
-                  </p:tgtEl>
-                </p:cond>
-              </p:nextCondLst>
-            </p:seq>
-          </p:childTnLst>
-        </p:cTn>
+        <p:cTn id="1" dur="indefinite" restart="never" nodeType="tmRoot"/>
       </p:par>
     </p:tnLst>
-    <p:bldLst>
-      <p:bldP spid="3" grpId="0" uiExpand="1" build="p"/>
-    </p:bldLst>
   </p:timing>
 </p:sld>
 </file>
@@ -6027,9 +6079,9 @@
       </p:grpSpPr>
       <p:sp>
         <p:nvSpPr>
-          <p:cNvPr id="618498" name="Rectangle 2"/>
-          <p:cNvSpPr>
-            <a:spLocks noGrp="1" noChangeArrowheads="1"/>
+          <p:cNvPr id="2" name="Title 1"/>
+          <p:cNvSpPr>
+            <a:spLocks noGrp="1"/>
           </p:cNvSpPr>
           <p:nvPr>
             <p:ph type="title"/>
@@ -6043,24 +6095,22 @@
           <a:bodyPr/>
           <a:lstStyle/>
           <a:p>
-            <a:pPr>
-              <a:defRPr/>
-            </a:pPr>
-            <a:r>
-              <a:rPr lang="en-US" dirty="0" smtClean="0"/>
-              <a:t>Resources</a:t>
-            </a:r>
-          </a:p>
-        </p:txBody>
-      </p:sp>
-      <p:sp>
-        <p:nvSpPr>
-          <p:cNvPr id="618499" name="Rectangle 3"/>
-          <p:cNvSpPr>
-            <a:spLocks noGrp="1" noChangeArrowheads="1"/>
-          </p:cNvSpPr>
-          <p:nvPr>
-            <p:ph type="body" idx="1"/>
+            <a:r>
+              <a:rPr lang="cs-CZ" dirty="0" smtClean="0"/>
+              <a:t>Konvence</a:t>
+            </a:r>
+            <a:endParaRPr lang="en-US" dirty="0"/>
+          </a:p>
+        </p:txBody>
+      </p:sp>
+      <p:sp>
+        <p:nvSpPr>
+          <p:cNvPr id="5" name="Content Placeholder 4"/>
+          <p:cNvSpPr>
+            <a:spLocks noGrp="1"/>
+          </p:cNvSpPr>
+          <p:nvPr>
+            <p:ph idx="1"/>
             <p:custDataLst>
               <p:tags r:id="rId3"/>
             </p:custDataLst>
@@ -6069,84 +6119,168 @@
         <p:spPr/>
         <p:txBody>
           <a:bodyPr>
-            <a:normAutofit lnSpcReduction="10000"/>
+            <a:normAutofit/>
           </a:bodyPr>
           <a:lstStyle/>
           <a:p>
-            <a:pPr>
-              <a:defRPr/>
-            </a:pPr>
+            <a:pPr fontAlgn="base"/>
+            <a:r>
+              <a:rPr lang="pt-BR" dirty="0"/>
+              <a:t>konvence </a:t>
+            </a:r>
+            <a:r>
+              <a:rPr lang="pt-BR" b="1" dirty="0"/>
+              <a:t>interface</a:t>
+            </a:r>
+            <a:r>
+              <a:rPr lang="pt-BR" dirty="0"/>
+              <a:t> začíná </a:t>
+            </a:r>
+            <a:r>
+              <a:rPr lang="pt-BR" b="1" dirty="0"/>
+              <a:t>I</a:t>
+            </a:r>
+            <a:r>
+              <a:rPr lang="pt-BR" dirty="0"/>
+              <a:t> viz </a:t>
+            </a:r>
+            <a:r>
+              <a:rPr lang="pt-BR" b="1" dirty="0"/>
+              <a:t>IList</a:t>
+            </a:r>
+            <a:r>
+              <a:rPr lang="pt-BR" dirty="0"/>
+              <a:t> a implementace </a:t>
+            </a:r>
+            <a:r>
+              <a:rPr lang="pt-BR" dirty="0" smtClean="0"/>
+              <a:t>List</a:t>
+            </a:r>
+            <a:endParaRPr lang="cs-CZ" dirty="0" smtClean="0"/>
+          </a:p>
+          <a:p>
+            <a:pPr fontAlgn="base"/>
+            <a:r>
+              <a:rPr lang="en-US" dirty="0" err="1"/>
+              <a:t>nazvy</a:t>
+            </a:r>
+            <a:r>
+              <a:rPr lang="en-US" dirty="0"/>
+              <a:t> </a:t>
+            </a:r>
+            <a:r>
+              <a:rPr lang="en-US" dirty="0" err="1"/>
+              <a:t>metod</a:t>
+            </a:r>
+            <a:r>
+              <a:rPr lang="en-US" dirty="0"/>
+              <a:t> </a:t>
+            </a:r>
+            <a:r>
+              <a:rPr lang="cs-CZ" dirty="0" smtClean="0"/>
+              <a:t>z </a:t>
+            </a:r>
+            <a:r>
+              <a:rPr lang="en-US" dirty="0" err="1" smtClean="0"/>
+              <a:t>pascal</a:t>
+            </a:r>
+            <a:r>
+              <a:rPr lang="cs-CZ" dirty="0" smtClean="0"/>
+              <a:t> konvence</a:t>
+            </a:r>
             <a:r>
               <a:rPr lang="en-US" dirty="0" smtClean="0"/>
-              <a:t>&lt;Intranet site text here&gt;</a:t>
-            </a:r>
-            <a:br>
+              <a:t> </a:t>
+            </a:r>
+            <a:r>
+              <a:rPr lang="en-US" dirty="0"/>
+              <a:t>(</a:t>
+            </a:r>
+            <a:r>
+              <a:rPr lang="en-US" dirty="0" err="1"/>
+              <a:t>hlavni</a:t>
+            </a:r>
+            <a:r>
+              <a:rPr lang="en-US" dirty="0"/>
+              <a:t> designer c# :-)) </a:t>
+            </a:r>
+            <a:r>
+              <a:rPr lang="en-US" dirty="0" err="1"/>
+              <a:t>první</a:t>
+            </a:r>
+            <a:r>
+              <a:rPr lang="en-US" dirty="0"/>
+              <a:t> </a:t>
+            </a:r>
+            <a:r>
+              <a:rPr lang="en-US" dirty="0" err="1"/>
+              <a:t>Velke</a:t>
+            </a:r>
+            <a:r>
+              <a:rPr lang="en-US" dirty="0"/>
+              <a:t> </a:t>
+            </a:r>
+            <a:r>
+              <a:rPr lang="en-US" dirty="0" err="1" smtClean="0"/>
+              <a:t>pismeno</a:t>
+            </a:r>
+            <a:r>
+              <a:rPr lang="cs-CZ" dirty="0" smtClean="0"/>
+              <a:t> </a:t>
+            </a:r>
+            <a:r>
+              <a:rPr lang="cs-CZ" dirty="0"/>
+              <a:t>viz </a:t>
+            </a:r>
+            <a:r>
+              <a:rPr lang="en-US" b="1" dirty="0" err="1"/>
+              <a:t>ToString</a:t>
+            </a:r>
+            <a:r>
+              <a:rPr lang="cs-CZ" b="1" dirty="0" smtClean="0"/>
+              <a:t>() </a:t>
+            </a:r>
+            <a:r>
+              <a:rPr lang="en-US" dirty="0" err="1" smtClean="0"/>
+              <a:t>jinak</a:t>
+            </a:r>
+            <a:r>
               <a:rPr lang="en-US" dirty="0" smtClean="0"/>
-            </a:br>
-            <a:r>
-              <a:rPr lang="en-US" u="sng" dirty="0" smtClean="0">
-                <a:solidFill>
-                  <a:schemeClr val="tx2"/>
-                </a:solidFill>
-              </a:rPr>
-              <a:t>&lt;hyperlink here&gt;</a:t>
-            </a:r>
-            <a:endParaRPr lang="en-US" u="sng" dirty="0" smtClean="0"/>
-          </a:p>
-          <a:p>
-            <a:pPr>
-              <a:defRPr/>
-            </a:pPr>
-            <a:endParaRPr lang="en-US" dirty="0" smtClean="0"/>
-          </a:p>
-          <a:p>
-            <a:pPr>
-              <a:defRPr/>
-            </a:pPr>
-            <a:r>
-              <a:rPr lang="en-US" dirty="0" smtClean="0"/>
-              <a:t>&lt;Additional reading material text here&gt;</a:t>
-            </a:r>
-            <a:br>
-              <a:rPr lang="en-US" dirty="0" smtClean="0"/>
-            </a:br>
-            <a:r>
-              <a:rPr lang="en-US" u="sng" dirty="0" smtClean="0">
-                <a:solidFill>
-                  <a:schemeClr val="tx2"/>
-                </a:solidFill>
-              </a:rPr>
-              <a:t>&lt;hyperlink here&gt;</a:t>
-            </a:r>
-            <a:endParaRPr lang="en-US" dirty="0" smtClean="0"/>
-          </a:p>
-          <a:p>
-            <a:pPr>
-              <a:buFontTx/>
-              <a:buNone/>
-              <a:defRPr/>
-            </a:pPr>
-            <a:endParaRPr lang="en-US" dirty="0" smtClean="0"/>
-          </a:p>
-          <a:p>
-            <a:pPr>
-              <a:defRPr/>
-            </a:pPr>
-            <a:r>
-              <a:rPr lang="en-US" dirty="0" smtClean="0"/>
-              <a:t>This slide deck and related resources:</a:t>
-            </a:r>
-            <a:br>
-              <a:rPr lang="en-US" dirty="0" smtClean="0"/>
-            </a:br>
-            <a:r>
-              <a:rPr lang="en-US" u="sng" dirty="0" smtClean="0">
-                <a:solidFill>
-                  <a:schemeClr val="tx2"/>
-                </a:solidFill>
-              </a:rPr>
-              <a:t>&lt;hyperlink here&gt;</a:t>
-            </a:r>
+              <a:t> </a:t>
+            </a:r>
+            <a:r>
+              <a:rPr lang="en-US" dirty="0" err="1"/>
+              <a:t>stejny</a:t>
+            </a:r>
+            <a:r>
+              <a:rPr lang="en-US" dirty="0"/>
+              <a:t> </a:t>
+            </a:r>
+            <a:r>
+              <a:rPr lang="en-US" dirty="0" err="1"/>
+              <a:t>jako</a:t>
+            </a:r>
+            <a:r>
+              <a:rPr lang="en-US" dirty="0"/>
+              <a:t> u </a:t>
+            </a:r>
+            <a:r>
+              <a:rPr lang="en-US" dirty="0" err="1" smtClean="0"/>
+              <a:t>javy</a:t>
+            </a:r>
+            <a:endParaRPr lang="cs-CZ" dirty="0" smtClean="0"/>
+          </a:p>
+          <a:p>
+            <a:pPr fontAlgn="base"/>
+            <a:endParaRPr lang="en-US" dirty="0"/>
+          </a:p>
+          <a:p>
+            <a:pPr fontAlgn="base"/>
+            <a:endParaRPr lang="pt-BR" dirty="0"/>
+          </a:p>
+          <a:p>
+            <a:pPr fontAlgn="base"/>
+            <a:endParaRPr lang="en-US" dirty="0"/>
           </a:p>
         </p:txBody>
       </p:sp>
@@ -6154,12 +6288,17 @@
     <p:custDataLst>
       <p:tags r:id="rId1"/>
     </p:custDataLst>
+    <p:extLst>
+      <p:ext uri="{BB962C8B-B14F-4D97-AF65-F5344CB8AC3E}">
+        <p14:creationId xmlns:p14="http://schemas.microsoft.com/office/powerpoint/2010/main" val="597941734"/>
+      </p:ext>
+    </p:extLst>
   </p:cSld>
   <p:clrMapOvr>
     <a:masterClrMapping/>
   </p:clrMapOvr>
-  <p:transition>
-    <p:fade/>
+  <p:transition spd="slow">
+    <p:wipe dir="d"/>
   </p:transition>
   <p:timing>
     <p:tnLst>
@@ -6190,9 +6329,9 @@
       </p:grpSpPr>
       <p:sp>
         <p:nvSpPr>
-          <p:cNvPr id="620546" name="Rectangle 2"/>
-          <p:cNvSpPr>
-            <a:spLocks noGrp="1" noChangeArrowheads="1"/>
+          <p:cNvPr id="2" name="Title 1"/>
+          <p:cNvSpPr>
+            <a:spLocks noGrp="1"/>
           </p:cNvSpPr>
           <p:nvPr>
             <p:ph type="title"/>
@@ -6208,13 +6347,401 @@
           </a:bodyPr>
           <a:lstStyle/>
           <a:p>
-            <a:pPr>
-              <a:defRPr/>
+            <a:r>
+              <a:rPr lang="cs-CZ" dirty="0" err="1" smtClean="0"/>
+              <a:t>Object</a:t>
+            </a:r>
+            <a:r>
+              <a:rPr lang="cs-CZ" dirty="0" smtClean="0"/>
+              <a:t> a </a:t>
+            </a:r>
+            <a:r>
+              <a:rPr lang="en-US" dirty="0" err="1" smtClean="0"/>
+              <a:t>ValueType</a:t>
+            </a:r>
+            <a:endParaRPr lang="en-US" dirty="0"/>
+          </a:p>
+        </p:txBody>
+      </p:sp>
+      <p:sp>
+        <p:nvSpPr>
+          <p:cNvPr id="5" name="Content Placeholder 4"/>
+          <p:cNvSpPr>
+            <a:spLocks noGrp="1"/>
+          </p:cNvSpPr>
+          <p:nvPr>
+            <p:ph idx="1"/>
+            <p:custDataLst>
+              <p:tags r:id="rId3"/>
+            </p:custDataLst>
+          </p:nvPr>
+        </p:nvSpPr>
+        <p:spPr/>
+        <p:txBody>
+          <a:bodyPr>
+            <a:normAutofit fontScale="92500" lnSpcReduction="20000"/>
+          </a:bodyPr>
+          <a:lstStyle/>
+          <a:p>
+            <a:pPr fontAlgn="base"/>
+            <a:r>
+              <a:rPr lang="cs-CZ" dirty="0" err="1" smtClean="0"/>
+              <a:t>Class</a:t>
+            </a:r>
+            <a:r>
+              <a:rPr lang="cs-CZ" dirty="0" smtClean="0"/>
+              <a:t> dědí po </a:t>
+            </a:r>
+            <a:r>
+              <a:rPr lang="cs-CZ" dirty="0" err="1" smtClean="0"/>
+              <a:t>Object</a:t>
+            </a:r>
+            <a:endParaRPr lang="cs-CZ" dirty="0"/>
+          </a:p>
+          <a:p>
+            <a:pPr fontAlgn="base"/>
+            <a:r>
+              <a:rPr lang="cs-CZ" dirty="0" err="1" smtClean="0"/>
+              <a:t>Struct</a:t>
+            </a:r>
+            <a:r>
+              <a:rPr lang="cs-CZ" dirty="0" smtClean="0"/>
+              <a:t> dědí po </a:t>
+            </a:r>
+            <a:r>
+              <a:rPr lang="en-US" dirty="0" err="1" smtClean="0"/>
+              <a:t>ValueType</a:t>
+            </a:r>
+            <a:r>
+              <a:rPr lang="cs-CZ" dirty="0" smtClean="0"/>
+              <a:t> (neexistuje metoda </a:t>
+            </a:r>
+            <a:r>
+              <a:rPr lang="en-US" dirty="0" err="1" smtClean="0"/>
+              <a:t>GetType</a:t>
+            </a:r>
+            <a:r>
+              <a:rPr lang="cs-CZ" dirty="0" smtClean="0"/>
+              <a:t>(), destruktor a static metody </a:t>
+            </a:r>
+            <a:r>
+              <a:rPr lang="en-US" dirty="0" smtClean="0"/>
+              <a:t>Equals</a:t>
+            </a:r>
+            <a:endParaRPr lang="en-US" dirty="0"/>
+          </a:p>
+          <a:p>
+            <a:pPr fontAlgn="base"/>
+            <a:r>
+              <a:rPr lang="cs-CZ" dirty="0" smtClean="0"/>
+              <a:t>)</a:t>
+            </a:r>
+          </a:p>
+          <a:p>
+            <a:pPr fontAlgn="base"/>
+            <a:r>
+              <a:rPr lang="cs-CZ" b="1" dirty="0" err="1"/>
+              <a:t>string</a:t>
+            </a:r>
+            <a:r>
+              <a:rPr lang="cs-CZ" dirty="0"/>
+              <a:t> je alias k </a:t>
+            </a:r>
+            <a:r>
+              <a:rPr lang="cs-CZ" b="1" dirty="0" err="1"/>
+              <a:t>System.String</a:t>
+            </a:r>
+            <a:r>
+              <a:rPr lang="cs-CZ" b="1" dirty="0"/>
+              <a:t> </a:t>
+            </a:r>
+            <a:r>
+              <a:rPr lang="cs-CZ" dirty="0"/>
+              <a:t>je vždy </a:t>
+            </a:r>
+            <a:r>
+              <a:rPr lang="cs-CZ" dirty="0" err="1"/>
+              <a:t>immutable</a:t>
+            </a:r>
+            <a:r>
+              <a:rPr lang="cs-CZ" dirty="0"/>
+              <a:t> tzn. </a:t>
+            </a:r>
+            <a:r>
+              <a:rPr lang="cs-CZ" dirty="0" err="1"/>
+              <a:t>muze</a:t>
+            </a:r>
+            <a:r>
+              <a:rPr lang="cs-CZ" dirty="0"/>
+              <a:t> se </a:t>
+            </a:r>
+            <a:r>
+              <a:rPr lang="cs-CZ" dirty="0" err="1"/>
+              <a:t>pouzivat</a:t>
+            </a:r>
+            <a:r>
+              <a:rPr lang="cs-CZ" dirty="0"/>
+              <a:t> ==</a:t>
+            </a:r>
+            <a:endParaRPr lang="cs-CZ" b="1" dirty="0"/>
+          </a:p>
+          <a:p>
+            <a:pPr fontAlgn="base"/>
+            <a:r>
+              <a:rPr lang="cs-CZ" b="1" dirty="0" err="1"/>
+              <a:t>ToString</a:t>
+            </a:r>
+            <a:r>
+              <a:rPr lang="cs-CZ" dirty="0"/>
+              <a:t>() </a:t>
+            </a:r>
+            <a:r>
+              <a:rPr lang="cs-CZ" b="1" dirty="0" smtClean="0">
+                <a:solidFill>
+                  <a:srgbClr val="FF0000"/>
+                </a:solidFill>
+              </a:rPr>
+              <a:t>pozor double </a:t>
+            </a:r>
+            <a:r>
+              <a:rPr lang="cs-CZ" b="1" dirty="0" err="1" smtClean="0">
+                <a:solidFill>
+                  <a:srgbClr val="FF0000"/>
+                </a:solidFill>
+              </a:rPr>
+              <a:t>apod</a:t>
+            </a:r>
+            <a:r>
+              <a:rPr lang="cs-CZ" b="1" dirty="0" smtClean="0">
+                <a:solidFill>
+                  <a:srgbClr val="FF0000"/>
+                </a:solidFill>
+              </a:rPr>
+              <a:t> </a:t>
+            </a:r>
+            <a:r>
+              <a:rPr lang="en-US" b="1" dirty="0" err="1" smtClean="0">
+                <a:solidFill>
+                  <a:srgbClr val="FF0000"/>
+                </a:solidFill>
+              </a:rPr>
+              <a:t>závislý</a:t>
+            </a:r>
+            <a:r>
+              <a:rPr lang="en-US" b="1" dirty="0" smtClean="0">
+                <a:solidFill>
+                  <a:srgbClr val="FF0000"/>
+                </a:solidFill>
+              </a:rPr>
+              <a:t> </a:t>
+            </a:r>
+            <a:r>
+              <a:rPr lang="en-US" b="1" dirty="0" err="1">
+                <a:solidFill>
+                  <a:srgbClr val="FF0000"/>
+                </a:solidFill>
+              </a:rPr>
+              <a:t>na</a:t>
+            </a:r>
+            <a:r>
+              <a:rPr lang="en-US" b="1" dirty="0">
+                <a:solidFill>
+                  <a:srgbClr val="FF0000"/>
+                </a:solidFill>
+              </a:rPr>
+              <a:t> local </a:t>
+            </a:r>
+            <a:r>
+              <a:rPr lang="en-US" b="1" dirty="0" err="1">
+                <a:solidFill>
+                  <a:srgbClr val="FF0000"/>
+                </a:solidFill>
+              </a:rPr>
+              <a:t>nastavení</a:t>
+            </a:r>
+            <a:r>
+              <a:rPr lang="en-US" b="1" dirty="0">
+                <a:solidFill>
+                  <a:srgbClr val="FF0000"/>
+                </a:solidFill>
+              </a:rPr>
+              <a:t> </a:t>
+            </a:r>
+            <a:r>
+              <a:rPr lang="en-US" b="1" dirty="0" err="1">
+                <a:solidFill>
+                  <a:srgbClr val="FF0000"/>
+                </a:solidFill>
+              </a:rPr>
+              <a:t>počítače</a:t>
+            </a:r>
+            <a:r>
+              <a:rPr lang="en-US" b="1" dirty="0">
+                <a:solidFill>
+                  <a:srgbClr val="FF0000"/>
+                </a:solidFill>
+              </a:rPr>
+              <a:t> -&gt; </a:t>
+            </a:r>
+            <a:r>
+              <a:rPr lang="en-US" b="1" dirty="0" err="1">
+                <a:solidFill>
+                  <a:srgbClr val="FF0000"/>
+                </a:solidFill>
+              </a:rPr>
+              <a:t>doporucuju</a:t>
+            </a:r>
+            <a:r>
+              <a:rPr lang="en-US" b="1" dirty="0">
+                <a:solidFill>
+                  <a:srgbClr val="FF0000"/>
+                </a:solidFill>
+              </a:rPr>
+              <a:t> </a:t>
+            </a:r>
+            <a:r>
+              <a:rPr lang="en-US" b="1" dirty="0" err="1">
+                <a:solidFill>
+                  <a:srgbClr val="FF0000"/>
+                </a:solidFill>
+              </a:rPr>
+              <a:t>si</a:t>
+            </a:r>
+            <a:r>
+              <a:rPr lang="en-US" b="1" dirty="0">
+                <a:solidFill>
+                  <a:srgbClr val="FF0000"/>
+                </a:solidFill>
+              </a:rPr>
+              <a:t> </a:t>
+            </a:r>
+            <a:r>
+              <a:rPr lang="en-US" b="1" dirty="0" err="1">
+                <a:solidFill>
+                  <a:srgbClr val="FF0000"/>
+                </a:solidFill>
+              </a:rPr>
+              <a:t>napsat</a:t>
+            </a:r>
+            <a:r>
+              <a:rPr lang="en-US" b="1" dirty="0">
+                <a:solidFill>
+                  <a:srgbClr val="FF0000"/>
+                </a:solidFill>
+              </a:rPr>
+              <a:t> extension static </a:t>
+            </a:r>
+            <a:r>
+              <a:rPr lang="en-US" b="1" dirty="0" err="1">
+                <a:solidFill>
+                  <a:srgbClr val="FF0000"/>
+                </a:solidFill>
+              </a:rPr>
+              <a:t>metody</a:t>
+            </a:r>
+            <a:r>
+              <a:rPr lang="en-US" b="1" dirty="0">
+                <a:solidFill>
+                  <a:srgbClr val="FF0000"/>
+                </a:solidFill>
+              </a:rPr>
+              <a:t> </a:t>
+            </a:r>
+            <a:r>
+              <a:rPr lang="en-US" b="1" dirty="0" err="1">
+                <a:solidFill>
+                  <a:srgbClr val="FF0000"/>
+                </a:solidFill>
+              </a:rPr>
+              <a:t>MoneyToString</a:t>
+            </a:r>
+            <a:r>
+              <a:rPr lang="en-US" b="1" dirty="0">
+                <a:solidFill>
+                  <a:srgbClr val="FF0000"/>
+                </a:solidFill>
+              </a:rPr>
+              <a:t>() </a:t>
+            </a:r>
+            <a:r>
+              <a:rPr lang="en-US" b="1" dirty="0" err="1">
+                <a:solidFill>
+                  <a:srgbClr val="FF0000"/>
+                </a:solidFill>
+              </a:rPr>
+              <a:t>apod</a:t>
+            </a:r>
+            <a:r>
+              <a:rPr lang="en-US" b="1" dirty="0">
+                <a:solidFill>
+                  <a:srgbClr val="FF0000"/>
+                </a:solidFill>
+              </a:rPr>
+              <a:t>. </a:t>
+            </a:r>
+            <a:r>
+              <a:rPr lang="en-US" b="1" dirty="0" err="1">
+                <a:solidFill>
+                  <a:srgbClr val="FF0000"/>
+                </a:solidFill>
+              </a:rPr>
+              <a:t>viz</a:t>
+            </a:r>
+            <a:r>
+              <a:rPr lang="en-US" b="1" dirty="0">
+                <a:solidFill>
+                  <a:srgbClr val="FF0000"/>
+                </a:solidFill>
+              </a:rPr>
+              <a:t> </a:t>
+            </a:r>
+            <a:r>
+              <a:rPr lang="en-US" b="1" dirty="0" err="1">
+                <a:solidFill>
+                  <a:srgbClr val="FF0000"/>
+                </a:solidFill>
+              </a:rPr>
+              <a:t>priklad</a:t>
+            </a:r>
+            <a:r>
+              <a:rPr lang="en-US" b="1" dirty="0">
+                <a:solidFill>
+                  <a:srgbClr val="FF0000"/>
+                </a:solidFill>
+              </a:rPr>
+              <a:t> </a:t>
+            </a:r>
+            <a:r>
+              <a:rPr lang="en-US" b="1" dirty="0" err="1">
+                <a:solidFill>
+                  <a:srgbClr val="FF0000"/>
+                </a:solidFill>
+              </a:rPr>
+              <a:t>TestToStringCulture.cs</a:t>
+            </a:r>
+            <a:endParaRPr lang="cs-CZ" b="1" dirty="0">
+              <a:solidFill>
+                <a:srgbClr val="FF0000"/>
+              </a:solidFill>
+            </a:endParaRPr>
+          </a:p>
+          <a:p>
+            <a:pPr fontAlgn="base"/>
+            <a:endParaRPr lang="en-US" dirty="0"/>
+          </a:p>
+          <a:p>
+            <a:pPr marL="0" indent="0" fontAlgn="base">
+              <a:buNone/>
             </a:pPr>
-            <a:r>
-              <a:rPr lang="en-US" dirty="0" smtClean="0"/>
-              <a:t>Questions?</a:t>
-            </a:r>
+            <a:endParaRPr lang="en-US" dirty="0"/>
+          </a:p>
+          <a:p>
+            <a:pPr fontAlgn="base"/>
+            <a:endParaRPr lang="pt-BR" dirty="0"/>
+          </a:p>
+          <a:p>
+            <a:pPr fontAlgn="base"/>
+            <a:endParaRPr lang="en-US" dirty="0"/>
           </a:p>
         </p:txBody>
       </p:sp>
@@ -6222,12 +6749,1281 @@
     <p:custDataLst>
       <p:tags r:id="rId1"/>
     </p:custDataLst>
+    <p:extLst>
+      <p:ext uri="{BB962C8B-B14F-4D97-AF65-F5344CB8AC3E}">
+        <p14:creationId xmlns:p14="http://schemas.microsoft.com/office/powerpoint/2010/main" val="375692060"/>
+      </p:ext>
+    </p:extLst>
   </p:cSld>
   <p:clrMapOvr>
     <a:masterClrMapping/>
   </p:clrMapOvr>
-  <p:transition>
-    <p:fade/>
+  <p:transition spd="slow">
+    <p:wipe dir="d"/>
+  </p:transition>
+  <p:timing>
+    <p:tnLst>
+      <p:par>
+        <p:cTn id="1" dur="indefinite" restart="never" nodeType="tmRoot"/>
+      </p:par>
+    </p:tnLst>
+  </p:timing>
+</p:sld>
+</file>
+
+<file path=ppt/slides/slide6.xml><?xml version="1.0" encoding="utf-8"?>
+<p:sld xmlns:a="http://schemas.openxmlformats.org/drawingml/2006/main" xmlns:r="http://schemas.openxmlformats.org/officeDocument/2006/relationships" xmlns:p="http://schemas.openxmlformats.org/presentationml/2006/main">
+  <p:cSld>
+    <p:spTree>
+      <p:nvGrpSpPr>
+        <p:cNvPr id="1" name=""/>
+        <p:cNvGrpSpPr/>
+        <p:nvPr/>
+      </p:nvGrpSpPr>
+      <p:grpSpPr>
+        <a:xfrm>
+          <a:off x="0" y="0"/>
+          <a:ext cx="0" cy="0"/>
+          <a:chOff x="0" y="0"/>
+          <a:chExt cx="0" cy="0"/>
+        </a:xfrm>
+      </p:grpSpPr>
+      <p:sp>
+        <p:nvSpPr>
+          <p:cNvPr id="2" name="Title 1"/>
+          <p:cNvSpPr>
+            <a:spLocks noGrp="1"/>
+          </p:cNvSpPr>
+          <p:nvPr>
+            <p:ph type="title"/>
+            <p:custDataLst>
+              <p:tags r:id="rId2"/>
+            </p:custDataLst>
+          </p:nvPr>
+        </p:nvSpPr>
+        <p:spPr/>
+        <p:txBody>
+          <a:bodyPr/>
+          <a:lstStyle/>
+          <a:p>
+            <a:r>
+              <a:rPr lang="cs-CZ" dirty="0" smtClean="0"/>
+              <a:t>Kolekce</a:t>
+            </a:r>
+            <a:endParaRPr lang="en-US" dirty="0"/>
+          </a:p>
+        </p:txBody>
+      </p:sp>
+      <p:sp>
+        <p:nvSpPr>
+          <p:cNvPr id="5" name="Content Placeholder 4"/>
+          <p:cNvSpPr>
+            <a:spLocks noGrp="1"/>
+          </p:cNvSpPr>
+          <p:nvPr>
+            <p:ph idx="1"/>
+            <p:custDataLst>
+              <p:tags r:id="rId3"/>
+            </p:custDataLst>
+          </p:nvPr>
+        </p:nvSpPr>
+        <p:spPr/>
+        <p:txBody>
+          <a:bodyPr>
+            <a:normAutofit/>
+          </a:bodyPr>
+          <a:lstStyle/>
+          <a:p>
+            <a:pPr fontAlgn="base"/>
+            <a:r>
+              <a:rPr lang="cs-CZ" dirty="0" smtClean="0"/>
+              <a:t>K</a:t>
+            </a:r>
+            <a:r>
+              <a:rPr lang="en-US" dirty="0" err="1" smtClean="0"/>
+              <a:t>olekce</a:t>
+            </a:r>
+            <a:r>
+              <a:rPr lang="en-US" dirty="0" smtClean="0"/>
+              <a:t> z</a:t>
+            </a:r>
+            <a:r>
+              <a:rPr lang="cs-CZ" dirty="0" smtClean="0"/>
+              <a:t>e</a:t>
+            </a:r>
+            <a:r>
+              <a:rPr lang="en-US" dirty="0" smtClean="0"/>
+              <a:t> </a:t>
+            </a:r>
+            <a:r>
+              <a:rPr lang="en-US" dirty="0" err="1"/>
+              <a:t>dvou</a:t>
+            </a:r>
+            <a:r>
+              <a:rPr lang="en-US" dirty="0"/>
+              <a:t> namespace </a:t>
+            </a:r>
+            <a:r>
+              <a:rPr lang="en-US" b="1" dirty="0" err="1"/>
+              <a:t>System.Collections</a:t>
+            </a:r>
+            <a:r>
+              <a:rPr lang="en-US" dirty="0"/>
+              <a:t> a </a:t>
+            </a:r>
+            <a:r>
+              <a:rPr lang="en-US" b="1" dirty="0" err="1"/>
+              <a:t>System.Collections.Generic</a:t>
+            </a:r>
+            <a:r>
+              <a:rPr lang="en-US" dirty="0"/>
+              <a:t> </a:t>
+            </a:r>
+            <a:endParaRPr lang="cs-CZ" dirty="0" smtClean="0"/>
+          </a:p>
+          <a:p>
+            <a:pPr fontAlgn="base"/>
+            <a:r>
+              <a:rPr lang="en-US" dirty="0" err="1" smtClean="0"/>
+              <a:t>pouzivat</a:t>
+            </a:r>
+            <a:r>
+              <a:rPr lang="en-US" dirty="0" smtClean="0"/>
+              <a:t> </a:t>
+            </a:r>
+            <a:r>
+              <a:rPr lang="en-US" dirty="0" err="1"/>
+              <a:t>misto</a:t>
+            </a:r>
+            <a:r>
+              <a:rPr lang="en-US" dirty="0"/>
+              <a:t> </a:t>
+            </a:r>
+            <a:r>
+              <a:rPr lang="en-US" dirty="0" err="1"/>
+              <a:t>ICollection</a:t>
+            </a:r>
+            <a:r>
+              <a:rPr lang="en-US" dirty="0"/>
+              <a:t> </a:t>
+            </a:r>
+            <a:r>
+              <a:rPr lang="en-US" dirty="0" err="1"/>
+              <a:t>nebo</a:t>
+            </a:r>
+            <a:r>
+              <a:rPr lang="en-US" dirty="0"/>
+              <a:t> </a:t>
+            </a:r>
+            <a:r>
+              <a:rPr lang="en-US" dirty="0" err="1"/>
+              <a:t>IList</a:t>
+            </a:r>
+            <a:r>
+              <a:rPr lang="en-US" dirty="0"/>
+              <a:t> </a:t>
+            </a:r>
+            <a:r>
+              <a:rPr lang="cs-CZ" b="1" dirty="0" smtClean="0"/>
+              <a:t>IE</a:t>
+            </a:r>
+            <a:r>
+              <a:rPr lang="en-US" b="1" dirty="0" smtClean="0"/>
+              <a:t>numerable</a:t>
+            </a:r>
+            <a:r>
+              <a:rPr lang="cs-CZ" b="1" dirty="0" smtClean="0"/>
+              <a:t>&lt;&gt;</a:t>
+            </a:r>
+          </a:p>
+          <a:p>
+            <a:pPr fontAlgn="base"/>
+            <a:r>
+              <a:rPr lang="cs-CZ" dirty="0" smtClean="0"/>
+              <a:t>Místo mapy je </a:t>
+            </a:r>
+            <a:r>
+              <a:rPr lang="cs-CZ" dirty="0" err="1" smtClean="0"/>
+              <a:t>IDictionary</a:t>
+            </a:r>
+            <a:r>
+              <a:rPr lang="cs-CZ" dirty="0" smtClean="0"/>
+              <a:t>&lt;,&gt;</a:t>
+            </a:r>
+          </a:p>
+          <a:p>
+            <a:pPr fontAlgn="base"/>
+            <a:endParaRPr lang="en-US" dirty="0"/>
+          </a:p>
+          <a:p>
+            <a:pPr fontAlgn="base"/>
+            <a:endParaRPr lang="pt-BR" dirty="0"/>
+          </a:p>
+          <a:p>
+            <a:pPr fontAlgn="base"/>
+            <a:endParaRPr lang="en-US" dirty="0"/>
+          </a:p>
+        </p:txBody>
+      </p:sp>
+    </p:spTree>
+    <p:custDataLst>
+      <p:tags r:id="rId1"/>
+    </p:custDataLst>
+    <p:extLst>
+      <p:ext uri="{BB962C8B-B14F-4D97-AF65-F5344CB8AC3E}">
+        <p14:creationId xmlns:p14="http://schemas.microsoft.com/office/powerpoint/2010/main" val="2224911890"/>
+      </p:ext>
+    </p:extLst>
+  </p:cSld>
+  <p:clrMapOvr>
+    <a:masterClrMapping/>
+  </p:clrMapOvr>
+  <p:transition spd="slow">
+    <p:wipe dir="d"/>
+  </p:transition>
+  <p:timing>
+    <p:tnLst>
+      <p:par>
+        <p:cTn id="1" dur="indefinite" restart="never" nodeType="tmRoot"/>
+      </p:par>
+    </p:tnLst>
+  </p:timing>
+</p:sld>
+</file>
+
+<file path=ppt/slides/slide7.xml><?xml version="1.0" encoding="utf-8"?>
+<p:sld xmlns:a="http://schemas.openxmlformats.org/drawingml/2006/main" xmlns:r="http://schemas.openxmlformats.org/officeDocument/2006/relationships" xmlns:p="http://schemas.openxmlformats.org/presentationml/2006/main">
+  <p:cSld>
+    <p:spTree>
+      <p:nvGrpSpPr>
+        <p:cNvPr id="1" name=""/>
+        <p:cNvGrpSpPr/>
+        <p:nvPr/>
+      </p:nvGrpSpPr>
+      <p:grpSpPr>
+        <a:xfrm>
+          <a:off x="0" y="0"/>
+          <a:ext cx="0" cy="0"/>
+          <a:chOff x="0" y="0"/>
+          <a:chExt cx="0" cy="0"/>
+        </a:xfrm>
+      </p:grpSpPr>
+      <p:sp>
+        <p:nvSpPr>
+          <p:cNvPr id="2" name="Title 1"/>
+          <p:cNvSpPr>
+            <a:spLocks noGrp="1"/>
+          </p:cNvSpPr>
+          <p:nvPr>
+            <p:ph type="title"/>
+            <p:custDataLst>
+              <p:tags r:id="rId2"/>
+            </p:custDataLst>
+          </p:nvPr>
+        </p:nvSpPr>
+        <p:spPr/>
+        <p:txBody>
+          <a:bodyPr/>
+          <a:lstStyle/>
+          <a:p>
+            <a:r>
+              <a:rPr lang="cs-CZ" dirty="0" smtClean="0"/>
+              <a:t>Platforma - pojmenování</a:t>
+            </a:r>
+            <a:endParaRPr lang="en-US" dirty="0"/>
+          </a:p>
+        </p:txBody>
+      </p:sp>
+      <p:sp>
+        <p:nvSpPr>
+          <p:cNvPr id="5" name="Content Placeholder 4"/>
+          <p:cNvSpPr>
+            <a:spLocks noGrp="1"/>
+          </p:cNvSpPr>
+          <p:nvPr>
+            <p:ph idx="1"/>
+            <p:custDataLst>
+              <p:tags r:id="rId3"/>
+            </p:custDataLst>
+          </p:nvPr>
+        </p:nvSpPr>
+        <p:spPr/>
+        <p:txBody>
+          <a:bodyPr>
+            <a:normAutofit/>
+          </a:bodyPr>
+          <a:lstStyle/>
+          <a:p>
+            <a:pPr fontAlgn="base"/>
+            <a:r>
+              <a:rPr lang="en-US" b="1" dirty="0" smtClean="0"/>
+              <a:t>IL </a:t>
+            </a:r>
+            <a:r>
+              <a:rPr lang="en-US" dirty="0"/>
+              <a:t>(Intermediate Language) == byte </a:t>
+            </a:r>
+            <a:r>
+              <a:rPr lang="en-US" dirty="0" smtClean="0"/>
+              <a:t>code</a:t>
+            </a:r>
+            <a:endParaRPr lang="cs-CZ" dirty="0" smtClean="0"/>
+          </a:p>
+          <a:p>
+            <a:pPr fontAlgn="base"/>
+            <a:r>
+              <a:rPr lang="en-US" b="1" dirty="0" smtClean="0"/>
+              <a:t>CLR </a:t>
+            </a:r>
+            <a:r>
+              <a:rPr lang="en-US" dirty="0"/>
+              <a:t>(Common Language Runtime) ==  </a:t>
+            </a:r>
+            <a:r>
+              <a:rPr lang="en-US" dirty="0" err="1"/>
+              <a:t>jvm</a:t>
+            </a:r>
+            <a:r>
+              <a:rPr lang="en-US" dirty="0"/>
+              <a:t> (java virtual </a:t>
+            </a:r>
+            <a:r>
+              <a:rPr lang="en-US" dirty="0" smtClean="0"/>
+              <a:t>machine)</a:t>
+            </a:r>
+            <a:endParaRPr lang="cs-CZ" dirty="0"/>
+          </a:p>
+          <a:p>
+            <a:pPr marL="457200" lvl="1" indent="0" fontAlgn="base">
+              <a:buNone/>
+            </a:pPr>
+            <a:endParaRPr lang="en-US" b="1" dirty="0"/>
+          </a:p>
+          <a:p>
+            <a:pPr fontAlgn="base"/>
+            <a:endParaRPr lang="cs-CZ" dirty="0" smtClean="0"/>
+          </a:p>
+          <a:p>
+            <a:pPr fontAlgn="base"/>
+            <a:endParaRPr lang="en-US" b="1" dirty="0"/>
+          </a:p>
+          <a:p>
+            <a:pPr fontAlgn="base"/>
+            <a:endParaRPr lang="en-US" b="1" dirty="0"/>
+          </a:p>
+        </p:txBody>
+      </p:sp>
+    </p:spTree>
+    <p:custDataLst>
+      <p:tags r:id="rId1"/>
+    </p:custDataLst>
+    <p:extLst>
+      <p:ext uri="{BB962C8B-B14F-4D97-AF65-F5344CB8AC3E}">
+        <p14:creationId xmlns:p14="http://schemas.microsoft.com/office/powerpoint/2010/main" val="2912075712"/>
+      </p:ext>
+    </p:extLst>
+  </p:cSld>
+  <p:clrMapOvr>
+    <a:masterClrMapping/>
+  </p:clrMapOvr>
+  <p:transition spd="slow">
+    <p:wipe dir="d"/>
+  </p:transition>
+  <p:timing>
+    <p:tnLst>
+      <p:par>
+        <p:cTn id="1" dur="indefinite" restart="never" nodeType="tmRoot"/>
+      </p:par>
+    </p:tnLst>
+  </p:timing>
+</p:sld>
+</file>
+
+<file path=ppt/slides/slide8.xml><?xml version="1.0" encoding="utf-8"?>
+<p:sld xmlns:a="http://schemas.openxmlformats.org/drawingml/2006/main" xmlns:r="http://schemas.openxmlformats.org/officeDocument/2006/relationships" xmlns:p="http://schemas.openxmlformats.org/presentationml/2006/main">
+  <p:cSld>
+    <p:spTree>
+      <p:nvGrpSpPr>
+        <p:cNvPr id="1" name=""/>
+        <p:cNvGrpSpPr/>
+        <p:nvPr/>
+      </p:nvGrpSpPr>
+      <p:grpSpPr>
+        <a:xfrm>
+          <a:off x="0" y="0"/>
+          <a:ext cx="0" cy="0"/>
+          <a:chOff x="0" y="0"/>
+          <a:chExt cx="0" cy="0"/>
+        </a:xfrm>
+      </p:grpSpPr>
+      <p:sp>
+        <p:nvSpPr>
+          <p:cNvPr id="2" name="Title 1"/>
+          <p:cNvSpPr>
+            <a:spLocks noGrp="1"/>
+          </p:cNvSpPr>
+          <p:nvPr>
+            <p:ph type="title"/>
+            <p:custDataLst>
+              <p:tags r:id="rId2"/>
+            </p:custDataLst>
+          </p:nvPr>
+        </p:nvSpPr>
+        <p:spPr/>
+        <p:txBody>
+          <a:bodyPr/>
+          <a:lstStyle/>
+          <a:p>
+            <a:r>
+              <a:rPr lang="en-US" b="1" dirty="0"/>
+              <a:t>Assembly</a:t>
+            </a:r>
+            <a:endParaRPr lang="en-US" dirty="0"/>
+          </a:p>
+        </p:txBody>
+      </p:sp>
+      <p:sp>
+        <p:nvSpPr>
+          <p:cNvPr id="5" name="Content Placeholder 4"/>
+          <p:cNvSpPr>
+            <a:spLocks noGrp="1"/>
+          </p:cNvSpPr>
+          <p:nvPr>
+            <p:ph idx="1"/>
+            <p:custDataLst>
+              <p:tags r:id="rId3"/>
+            </p:custDataLst>
+          </p:nvPr>
+        </p:nvSpPr>
+        <p:spPr>
+          <a:xfrm>
+            <a:off x="755576" y="1340768"/>
+            <a:ext cx="8490520" cy="5040560"/>
+          </a:xfrm>
+        </p:spPr>
+        <p:txBody>
+          <a:bodyPr>
+            <a:normAutofit fontScale="77500" lnSpcReduction="20000"/>
+          </a:bodyPr>
+          <a:lstStyle/>
+          <a:p>
+            <a:pPr fontAlgn="base"/>
+            <a:r>
+              <a:rPr lang="en-US" b="1" dirty="0" smtClean="0"/>
+              <a:t>(</a:t>
+            </a:r>
+            <a:r>
+              <a:rPr lang="en-US" b="1" dirty="0" err="1"/>
+              <a:t>dll</a:t>
+            </a:r>
+            <a:r>
+              <a:rPr lang="en-US" b="1" dirty="0"/>
+              <a:t> </a:t>
+            </a:r>
+            <a:r>
+              <a:rPr lang="en-US" b="1" dirty="0" err="1"/>
+              <a:t>nebo</a:t>
+            </a:r>
+            <a:r>
+              <a:rPr lang="en-US" b="1" dirty="0"/>
+              <a:t> exe) </a:t>
+            </a:r>
+            <a:r>
+              <a:rPr lang="en-US" dirty="0"/>
+              <a:t>~ jar + </a:t>
+            </a:r>
+            <a:r>
+              <a:rPr lang="en-US" dirty="0" smtClean="0"/>
+              <a:t>metadata</a:t>
+            </a:r>
+            <a:endParaRPr lang="cs-CZ" dirty="0" smtClean="0"/>
+          </a:p>
+          <a:p>
+            <a:pPr lvl="1" fontAlgn="base"/>
+            <a:r>
+              <a:rPr lang="en-US" b="1" dirty="0" smtClean="0"/>
+              <a:t>Version</a:t>
+            </a:r>
+            <a:r>
+              <a:rPr lang="en-US" dirty="0" smtClean="0"/>
+              <a:t>=10.0.0.0</a:t>
+            </a:r>
+            <a:r>
+              <a:rPr lang="en-US" dirty="0"/>
+              <a:t>, </a:t>
+            </a:r>
+            <a:r>
+              <a:rPr lang="en-US" b="1" dirty="0"/>
+              <a:t>Culture</a:t>
+            </a:r>
+            <a:r>
+              <a:rPr lang="en-US" dirty="0"/>
+              <a:t>=neutral (x86 </a:t>
+            </a:r>
+            <a:r>
+              <a:rPr lang="en-US" dirty="0" err="1"/>
+              <a:t>nebo</a:t>
+            </a:r>
+            <a:r>
+              <a:rPr lang="en-US" dirty="0"/>
+              <a:t> x64), </a:t>
+            </a:r>
+            <a:r>
+              <a:rPr lang="en-US" b="1" dirty="0" err="1" smtClean="0"/>
+              <a:t>PublicKeyToken</a:t>
+            </a:r>
+            <a:r>
+              <a:rPr lang="en-US" b="1" dirty="0" smtClean="0"/>
+              <a:t>=</a:t>
+            </a:r>
+            <a:r>
+              <a:rPr lang="en-US" dirty="0" smtClean="0"/>
+              <a:t>hash</a:t>
+            </a:r>
+            <a:r>
+              <a:rPr lang="cs-CZ" dirty="0" smtClean="0"/>
+              <a:t> </a:t>
+            </a:r>
+            <a:r>
+              <a:rPr lang="cs-CZ" dirty="0" err="1" smtClean="0"/>
+              <a:t>cislo</a:t>
+            </a:r>
+            <a:endParaRPr lang="cs-CZ" dirty="0" smtClean="0"/>
+          </a:p>
+          <a:p>
+            <a:pPr lvl="1" fontAlgn="base"/>
+            <a:r>
+              <a:rPr lang="en-US" b="1" dirty="0" smtClean="0"/>
+              <a:t>Weakly </a:t>
+            </a:r>
+            <a:r>
+              <a:rPr lang="en-US" b="1" dirty="0"/>
+              <a:t>Named Assemblies </a:t>
+            </a:r>
+            <a:r>
+              <a:rPr lang="en-US" dirty="0"/>
+              <a:t>a</a:t>
+            </a:r>
+            <a:r>
+              <a:rPr lang="en-US" b="1" dirty="0"/>
+              <a:t> Strongly Named Assemblies - </a:t>
+            </a:r>
+            <a:r>
+              <a:rPr lang="en-US" b="1" dirty="0" err="1"/>
+              <a:t>podepsaný</a:t>
+            </a:r>
+            <a:r>
+              <a:rPr lang="en-US" b="1" dirty="0"/>
+              <a:t> </a:t>
+            </a:r>
+            <a:r>
+              <a:rPr lang="en-US" b="1" dirty="0" err="1"/>
+              <a:t>lze</a:t>
+            </a:r>
+            <a:r>
+              <a:rPr lang="en-US" b="1" dirty="0"/>
+              <a:t> </a:t>
+            </a:r>
+            <a:r>
+              <a:rPr lang="en-US" b="1" dirty="0" err="1"/>
+              <a:t>zadat</a:t>
+            </a:r>
+            <a:r>
+              <a:rPr lang="en-US" b="1" dirty="0"/>
+              <a:t> do GAC </a:t>
+            </a:r>
+            <a:r>
+              <a:rPr lang="en-US" dirty="0"/>
+              <a:t>(c:\Windows\Microsoft.NET\assembly\GAC_MSIL</a:t>
+            </a:r>
+            <a:r>
+              <a:rPr lang="en-US" b="1" dirty="0"/>
+              <a:t> </a:t>
+            </a:r>
+            <a:r>
+              <a:rPr lang="en-US" b="1" dirty="0" err="1"/>
+              <a:t>či</a:t>
+            </a:r>
+            <a:r>
+              <a:rPr lang="en-US" b="1" dirty="0"/>
+              <a:t> </a:t>
+            </a:r>
+            <a:r>
+              <a:rPr lang="en-US" dirty="0"/>
+              <a:t>GAC_32, GAC_64</a:t>
+            </a:r>
+            <a:r>
+              <a:rPr lang="en-US" dirty="0" smtClean="0"/>
+              <a:t>)</a:t>
+            </a:r>
+            <a:endParaRPr lang="en-US" dirty="0"/>
+          </a:p>
+          <a:p>
+            <a:pPr lvl="1" fontAlgn="base"/>
+            <a:r>
+              <a:rPr lang="en-US" dirty="0" err="1">
+                <a:solidFill>
+                  <a:srgbClr val="FF0000"/>
+                </a:solidFill>
+              </a:rPr>
+              <a:t>Pozor</a:t>
+            </a:r>
+            <a:r>
+              <a:rPr lang="en-US" dirty="0">
+                <a:solidFill>
+                  <a:srgbClr val="FF0000"/>
+                </a:solidFill>
+              </a:rPr>
+              <a:t>: </a:t>
+            </a:r>
+            <a:r>
+              <a:rPr lang="en-US" dirty="0" err="1">
+                <a:solidFill>
+                  <a:srgbClr val="FF0000"/>
+                </a:solidFill>
+              </a:rPr>
+              <a:t>pokud</a:t>
+            </a:r>
+            <a:r>
+              <a:rPr lang="en-US" dirty="0">
+                <a:solidFill>
+                  <a:srgbClr val="FF0000"/>
+                </a:solidFill>
+              </a:rPr>
+              <a:t> je </a:t>
+            </a:r>
+            <a:r>
+              <a:rPr lang="en-US" dirty="0" err="1">
+                <a:solidFill>
+                  <a:srgbClr val="FF0000"/>
+                </a:solidFill>
+              </a:rPr>
+              <a:t>závislost</a:t>
+            </a:r>
+            <a:r>
+              <a:rPr lang="en-US" dirty="0">
+                <a:solidFill>
+                  <a:srgbClr val="FF0000"/>
+                </a:solidFill>
+              </a:rPr>
+              <a:t> (VS references) </a:t>
+            </a:r>
+            <a:r>
+              <a:rPr lang="en-US" b="1" dirty="0">
+                <a:solidFill>
+                  <a:srgbClr val="FF0000"/>
+                </a:solidFill>
+              </a:rPr>
+              <a:t>Specific Version = true</a:t>
+            </a:r>
+            <a:r>
+              <a:rPr lang="en-US" dirty="0">
+                <a:solidFill>
+                  <a:srgbClr val="FF0000"/>
+                </a:solidFill>
+              </a:rPr>
+              <a:t> v runtime .NET </a:t>
+            </a:r>
+            <a:r>
+              <a:rPr lang="en-US" dirty="0" err="1">
+                <a:solidFill>
+                  <a:srgbClr val="FF0000"/>
+                </a:solidFill>
+              </a:rPr>
+              <a:t>nejdriv</a:t>
+            </a:r>
+            <a:r>
+              <a:rPr lang="en-US" dirty="0">
+                <a:solidFill>
+                  <a:srgbClr val="FF0000"/>
+                </a:solidFill>
+              </a:rPr>
+              <a:t> </a:t>
+            </a:r>
+            <a:r>
+              <a:rPr lang="en-US" dirty="0" err="1">
+                <a:solidFill>
+                  <a:srgbClr val="FF0000"/>
+                </a:solidFill>
+              </a:rPr>
+              <a:t>hleda</a:t>
+            </a:r>
+            <a:r>
+              <a:rPr lang="en-US" dirty="0">
+                <a:solidFill>
+                  <a:srgbClr val="FF0000"/>
+                </a:solidFill>
+              </a:rPr>
+              <a:t> v GAC a </a:t>
+            </a:r>
+            <a:r>
+              <a:rPr lang="en-US" dirty="0" err="1">
+                <a:solidFill>
+                  <a:srgbClr val="FF0000"/>
+                </a:solidFill>
+              </a:rPr>
+              <a:t>potom</a:t>
+            </a:r>
+            <a:r>
+              <a:rPr lang="en-US" dirty="0">
+                <a:solidFill>
+                  <a:srgbClr val="FF0000"/>
+                </a:solidFill>
+              </a:rPr>
+              <a:t> v </a:t>
+            </a:r>
+            <a:r>
+              <a:rPr lang="en-US" dirty="0" err="1">
+                <a:solidFill>
+                  <a:srgbClr val="FF0000"/>
+                </a:solidFill>
+              </a:rPr>
+              <a:t>adresari</a:t>
+            </a:r>
+            <a:r>
+              <a:rPr lang="en-US" dirty="0">
+                <a:solidFill>
+                  <a:srgbClr val="FF0000"/>
+                </a:solidFill>
+              </a:rPr>
+              <a:t> exe </a:t>
+            </a:r>
+            <a:r>
+              <a:rPr lang="en-US" dirty="0" err="1">
+                <a:solidFill>
+                  <a:srgbClr val="FF0000"/>
+                </a:solidFill>
+              </a:rPr>
+              <a:t>či</a:t>
+            </a:r>
+            <a:r>
+              <a:rPr lang="en-US" dirty="0">
+                <a:solidFill>
+                  <a:srgbClr val="FF0000"/>
+                </a:solidFill>
+              </a:rPr>
+              <a:t> bin </a:t>
+            </a:r>
+            <a:r>
+              <a:rPr lang="en-US" dirty="0" err="1">
+                <a:solidFill>
+                  <a:srgbClr val="FF0000"/>
+                </a:solidFill>
+              </a:rPr>
+              <a:t>na</a:t>
+            </a:r>
+            <a:r>
+              <a:rPr lang="en-US" dirty="0">
+                <a:solidFill>
+                  <a:srgbClr val="FF0000"/>
+                </a:solidFill>
+              </a:rPr>
+              <a:t> </a:t>
+            </a:r>
+            <a:r>
+              <a:rPr lang="en-US" dirty="0" err="1">
+                <a:solidFill>
+                  <a:srgbClr val="FF0000"/>
+                </a:solidFill>
+              </a:rPr>
+              <a:t>webu</a:t>
+            </a:r>
+            <a:r>
+              <a:rPr lang="en-US" dirty="0">
+                <a:solidFill>
+                  <a:srgbClr val="FF0000"/>
+                </a:solidFill>
+              </a:rPr>
+              <a:t> !!! </a:t>
+            </a:r>
+            <a:r>
+              <a:rPr lang="en-US" dirty="0" err="1">
+                <a:solidFill>
+                  <a:srgbClr val="FF0000"/>
+                </a:solidFill>
+              </a:rPr>
+              <a:t>knihovny</a:t>
+            </a:r>
+            <a:r>
+              <a:rPr lang="en-US" dirty="0">
+                <a:solidFill>
+                  <a:srgbClr val="FF0000"/>
+                </a:solidFill>
+              </a:rPr>
+              <a:t> </a:t>
+            </a:r>
+            <a:r>
+              <a:rPr lang="en-US" dirty="0" err="1">
+                <a:solidFill>
+                  <a:srgbClr val="FF0000"/>
+                </a:solidFill>
+              </a:rPr>
+              <a:t>naistalovany</a:t>
+            </a:r>
+            <a:r>
+              <a:rPr lang="en-US" dirty="0">
+                <a:solidFill>
+                  <a:srgbClr val="FF0000"/>
+                </a:solidFill>
+              </a:rPr>
+              <a:t> </a:t>
+            </a:r>
+            <a:r>
+              <a:rPr lang="en-US" dirty="0" err="1">
+                <a:solidFill>
+                  <a:srgbClr val="FF0000"/>
+                </a:solidFill>
+              </a:rPr>
+              <a:t>pomoci</a:t>
+            </a:r>
+            <a:r>
+              <a:rPr lang="en-US" dirty="0">
+                <a:solidFill>
+                  <a:srgbClr val="FF0000"/>
+                </a:solidFill>
+              </a:rPr>
+              <a:t> </a:t>
+            </a:r>
+            <a:r>
+              <a:rPr lang="en-US" dirty="0" err="1">
+                <a:solidFill>
+                  <a:srgbClr val="FF0000"/>
+                </a:solidFill>
+              </a:rPr>
+              <a:t>nejakych</a:t>
+            </a:r>
+            <a:r>
+              <a:rPr lang="en-US" dirty="0">
+                <a:solidFill>
+                  <a:srgbClr val="FF0000"/>
+                </a:solidFill>
+              </a:rPr>
+              <a:t> </a:t>
+            </a:r>
+            <a:r>
+              <a:rPr lang="en-US" dirty="0" err="1">
+                <a:solidFill>
+                  <a:srgbClr val="FF0000"/>
+                </a:solidFill>
+              </a:rPr>
+              <a:t>instalatoru</a:t>
+            </a:r>
+            <a:r>
+              <a:rPr lang="en-US" dirty="0">
+                <a:solidFill>
+                  <a:srgbClr val="FF0000"/>
+                </a:solidFill>
+              </a:rPr>
+              <a:t> </a:t>
+            </a:r>
+            <a:r>
+              <a:rPr lang="en-US" dirty="0" err="1">
+                <a:solidFill>
+                  <a:srgbClr val="FF0000"/>
+                </a:solidFill>
+              </a:rPr>
+              <a:t>napr</a:t>
+            </a:r>
+            <a:r>
+              <a:rPr lang="en-US" dirty="0">
+                <a:solidFill>
+                  <a:srgbClr val="FF0000"/>
+                </a:solidFill>
+              </a:rPr>
+              <a:t>. mvc3 </a:t>
+            </a:r>
+            <a:r>
+              <a:rPr lang="en-US" dirty="0" err="1">
+                <a:solidFill>
+                  <a:srgbClr val="FF0000"/>
+                </a:solidFill>
+              </a:rPr>
+              <a:t>apod</a:t>
+            </a:r>
+            <a:r>
+              <a:rPr lang="en-US" dirty="0">
+                <a:solidFill>
+                  <a:srgbClr val="FF0000"/>
+                </a:solidFill>
+              </a:rPr>
+              <a:t>. a </a:t>
+            </a:r>
+            <a:r>
+              <a:rPr lang="en-US" dirty="0" err="1">
+                <a:solidFill>
+                  <a:srgbClr val="FF0000"/>
+                </a:solidFill>
+              </a:rPr>
+              <a:t>samozřejmě</a:t>
+            </a:r>
+            <a:r>
+              <a:rPr lang="en-US" dirty="0">
+                <a:solidFill>
+                  <a:srgbClr val="FF0000"/>
+                </a:solidFill>
+              </a:rPr>
+              <a:t> .NET core </a:t>
+            </a:r>
+            <a:r>
+              <a:rPr lang="en-US" dirty="0" err="1">
+                <a:solidFill>
+                  <a:srgbClr val="FF0000"/>
+                </a:solidFill>
+              </a:rPr>
+              <a:t>knihovny</a:t>
+            </a:r>
+            <a:r>
+              <a:rPr lang="en-US" dirty="0">
+                <a:solidFill>
+                  <a:srgbClr val="FF0000"/>
+                </a:solidFill>
+              </a:rPr>
+              <a:t>. </a:t>
+            </a:r>
+            <a:r>
+              <a:rPr lang="en-US" b="1" dirty="0" err="1">
+                <a:solidFill>
+                  <a:srgbClr val="FF0000"/>
+                </a:solidFill>
+              </a:rPr>
+              <a:t>Doporucuju</a:t>
+            </a:r>
+            <a:r>
+              <a:rPr lang="en-US" b="1" dirty="0">
+                <a:solidFill>
+                  <a:srgbClr val="FF0000"/>
+                </a:solidFill>
+              </a:rPr>
+              <a:t> </a:t>
+            </a:r>
+            <a:r>
+              <a:rPr lang="en-US" b="1" dirty="0" err="1">
+                <a:solidFill>
+                  <a:srgbClr val="FF0000"/>
+                </a:solidFill>
+              </a:rPr>
+              <a:t>vlastni</a:t>
+            </a:r>
+            <a:r>
+              <a:rPr lang="en-US" b="1" dirty="0">
+                <a:solidFill>
+                  <a:srgbClr val="FF0000"/>
+                </a:solidFill>
+              </a:rPr>
+              <a:t> </a:t>
+            </a:r>
+            <a:r>
+              <a:rPr lang="en-US" b="1" dirty="0" err="1">
+                <a:solidFill>
+                  <a:srgbClr val="FF0000"/>
+                </a:solidFill>
+              </a:rPr>
+              <a:t>knihovny</a:t>
+            </a:r>
+            <a:r>
+              <a:rPr lang="en-US" b="1" dirty="0">
+                <a:solidFill>
+                  <a:srgbClr val="FF0000"/>
+                </a:solidFill>
+              </a:rPr>
+              <a:t> </a:t>
+            </a:r>
+            <a:r>
+              <a:rPr lang="en-US" b="1" dirty="0" err="1">
+                <a:solidFill>
+                  <a:srgbClr val="FF0000"/>
+                </a:solidFill>
+              </a:rPr>
+              <a:t>vubec</a:t>
+            </a:r>
+            <a:r>
+              <a:rPr lang="en-US" b="1" dirty="0">
+                <a:solidFill>
+                  <a:srgbClr val="FF0000"/>
+                </a:solidFill>
+              </a:rPr>
+              <a:t> </a:t>
+            </a:r>
+            <a:r>
+              <a:rPr lang="en-US" b="1" dirty="0" err="1">
+                <a:solidFill>
+                  <a:srgbClr val="FF0000"/>
+                </a:solidFill>
+              </a:rPr>
+              <a:t>nedavat</a:t>
+            </a:r>
+            <a:r>
+              <a:rPr lang="en-US" b="1" dirty="0">
+                <a:solidFill>
+                  <a:srgbClr val="FF0000"/>
+                </a:solidFill>
+              </a:rPr>
+              <a:t> do GAC</a:t>
+            </a:r>
+            <a:r>
+              <a:rPr lang="en-US" b="1" dirty="0" smtClean="0">
+                <a:solidFill>
+                  <a:srgbClr val="FF0000"/>
+                </a:solidFill>
+              </a:rPr>
+              <a:t>.</a:t>
+            </a:r>
+            <a:endParaRPr lang="nn-NO" dirty="0"/>
+          </a:p>
+          <a:p>
+            <a:pPr lvl="1" fontAlgn="base"/>
+            <a:r>
+              <a:rPr lang="nn-NO" dirty="0"/>
+              <a:t>kvalitní open dekompiler: </a:t>
+            </a:r>
+            <a:r>
+              <a:rPr lang="nn-NO" dirty="0" smtClean="0"/>
+              <a:t>ILSpy</a:t>
+            </a:r>
+            <a:r>
+              <a:rPr lang="cs-CZ" dirty="0" smtClean="0"/>
+              <a:t> </a:t>
+            </a:r>
+            <a:r>
+              <a:rPr lang="nn-NO" u="sng" dirty="0" smtClean="0">
+                <a:hlinkClick r:id="rId6"/>
+              </a:rPr>
+              <a:t>ttp</a:t>
+            </a:r>
+            <a:r>
+              <a:rPr lang="nn-NO" u="sng" dirty="0">
+                <a:hlinkClick r:id="rId6"/>
+              </a:rPr>
+              <a:t>://</a:t>
+            </a:r>
+            <a:r>
+              <a:rPr lang="nn-NO" u="sng" dirty="0" smtClean="0">
+                <a:hlinkClick r:id="rId6"/>
+              </a:rPr>
+              <a:t>wiki.sharpdevelop.net/ILSpy.ashx</a:t>
+            </a:r>
+            <a:endParaRPr lang="en-US" dirty="0"/>
+          </a:p>
+          <a:p>
+            <a:pPr lvl="1" fontAlgn="base"/>
+            <a:r>
+              <a:rPr lang="en-US" dirty="0" err="1"/>
+              <a:t>práce</a:t>
+            </a:r>
+            <a:r>
+              <a:rPr lang="en-US" dirty="0"/>
+              <a:t> s GAC </a:t>
+            </a:r>
+            <a:r>
+              <a:rPr lang="en-US" dirty="0" err="1"/>
+              <a:t>pomocí</a:t>
+            </a:r>
+            <a:r>
+              <a:rPr lang="en-US" dirty="0"/>
+              <a:t> </a:t>
+            </a:r>
+            <a:r>
+              <a:rPr lang="en-US" b="1" dirty="0"/>
+              <a:t>GACUTIL.exe</a:t>
+            </a:r>
+          </a:p>
+          <a:p>
+            <a:pPr lvl="1" fontAlgn="base"/>
+            <a:endParaRPr lang="cs-CZ" u="sng" dirty="0" smtClean="0"/>
+          </a:p>
+          <a:p>
+            <a:pPr lvl="1" fontAlgn="base"/>
+            <a:endParaRPr lang="nn-NO" b="1" dirty="0"/>
+          </a:p>
+          <a:p>
+            <a:pPr lvl="1" fontAlgn="base"/>
+            <a:endParaRPr lang="en-US" b="1" dirty="0">
+              <a:solidFill>
+                <a:srgbClr val="FF0000"/>
+              </a:solidFill>
+            </a:endParaRPr>
+          </a:p>
+          <a:p>
+            <a:pPr marL="457200" lvl="1" indent="0" fontAlgn="base">
+              <a:buNone/>
+            </a:pPr>
+            <a:endParaRPr lang="en-US" b="1" dirty="0"/>
+          </a:p>
+          <a:p>
+            <a:pPr fontAlgn="base"/>
+            <a:endParaRPr lang="cs-CZ" dirty="0" smtClean="0"/>
+          </a:p>
+          <a:p>
+            <a:pPr fontAlgn="base"/>
+            <a:endParaRPr lang="en-US" b="1" dirty="0"/>
+          </a:p>
+          <a:p>
+            <a:pPr fontAlgn="base"/>
+            <a:endParaRPr lang="en-US" b="1" dirty="0"/>
+          </a:p>
+        </p:txBody>
+      </p:sp>
+    </p:spTree>
+    <p:custDataLst>
+      <p:tags r:id="rId1"/>
+    </p:custDataLst>
+    <p:extLst>
+      <p:ext uri="{BB962C8B-B14F-4D97-AF65-F5344CB8AC3E}">
+        <p14:creationId xmlns:p14="http://schemas.microsoft.com/office/powerpoint/2010/main" val="2263250981"/>
+      </p:ext>
+    </p:extLst>
+  </p:cSld>
+  <p:clrMapOvr>
+    <a:masterClrMapping/>
+  </p:clrMapOvr>
+  <p:transition spd="slow">
+    <p:wipe dir="d"/>
+  </p:transition>
+  <p:timing>
+    <p:tnLst>
+      <p:par>
+        <p:cTn id="1" dur="indefinite" restart="never" nodeType="tmRoot"/>
+      </p:par>
+    </p:tnLst>
+  </p:timing>
+</p:sld>
+</file>
+
+<file path=ppt/slides/slide9.xml><?xml version="1.0" encoding="utf-8"?>
+<p:sld xmlns:a="http://schemas.openxmlformats.org/drawingml/2006/main" xmlns:r="http://schemas.openxmlformats.org/officeDocument/2006/relationships" xmlns:p="http://schemas.openxmlformats.org/presentationml/2006/main">
+  <p:cSld>
+    <p:spTree>
+      <p:nvGrpSpPr>
+        <p:cNvPr id="1" name=""/>
+        <p:cNvGrpSpPr/>
+        <p:nvPr/>
+      </p:nvGrpSpPr>
+      <p:grpSpPr>
+        <a:xfrm>
+          <a:off x="0" y="0"/>
+          <a:ext cx="0" cy="0"/>
+          <a:chOff x="0" y="0"/>
+          <a:chExt cx="0" cy="0"/>
+        </a:xfrm>
+      </p:grpSpPr>
+      <p:sp>
+        <p:nvSpPr>
+          <p:cNvPr id="2" name="Title 1"/>
+          <p:cNvSpPr>
+            <a:spLocks noGrp="1"/>
+          </p:cNvSpPr>
+          <p:nvPr>
+            <p:ph type="title"/>
+            <p:custDataLst>
+              <p:tags r:id="rId2"/>
+            </p:custDataLst>
+          </p:nvPr>
+        </p:nvSpPr>
+        <p:spPr/>
+        <p:txBody>
+          <a:bodyPr/>
+          <a:lstStyle/>
+          <a:p>
+            <a:r>
+              <a:rPr lang="cs-CZ" dirty="0"/>
+              <a:t>Komunita</a:t>
+            </a:r>
+            <a:endParaRPr lang="en-US" dirty="0"/>
+          </a:p>
+        </p:txBody>
+      </p:sp>
+      <p:sp>
+        <p:nvSpPr>
+          <p:cNvPr id="5" name="Content Placeholder 4"/>
+          <p:cNvSpPr>
+            <a:spLocks noGrp="1"/>
+          </p:cNvSpPr>
+          <p:nvPr>
+            <p:ph idx="1"/>
+            <p:custDataLst>
+              <p:tags r:id="rId3"/>
+            </p:custDataLst>
+          </p:nvPr>
+        </p:nvSpPr>
+        <p:spPr/>
+        <p:txBody>
+          <a:bodyPr>
+            <a:normAutofit/>
+          </a:bodyPr>
+          <a:lstStyle/>
+          <a:p>
+            <a:pPr marL="514350" indent="-457200" fontAlgn="base"/>
+            <a:r>
+              <a:rPr lang="en-US" b="1" dirty="0" smtClean="0">
+                <a:solidFill>
+                  <a:srgbClr val="FF0000"/>
+                </a:solidFill>
+              </a:rPr>
+              <a:t>www.codeplex.com</a:t>
+            </a:r>
+            <a:endParaRPr lang="cs-CZ" b="1" dirty="0" smtClean="0">
+              <a:solidFill>
+                <a:srgbClr val="FF0000"/>
+              </a:solidFill>
+            </a:endParaRPr>
+          </a:p>
+          <a:p>
+            <a:pPr marL="514350" indent="-457200" fontAlgn="base"/>
+            <a:r>
+              <a:rPr lang="en-US" dirty="0" smtClean="0"/>
+              <a:t>code.google.com</a:t>
+            </a:r>
+            <a:endParaRPr lang="cs-CZ" dirty="0" smtClean="0"/>
+          </a:p>
+          <a:p>
+            <a:pPr marL="514350" indent="-457200" fontAlgn="base"/>
+            <a:r>
+              <a:rPr lang="en-US" dirty="0" smtClean="0"/>
+              <a:t>www.github.com</a:t>
+            </a:r>
+            <a:endParaRPr lang="cs-CZ" dirty="0" smtClean="0"/>
+          </a:p>
+          <a:p>
+            <a:pPr marL="514350" indent="-457200" fontAlgn="base"/>
+            <a:r>
+              <a:rPr lang="en-US" dirty="0" smtClean="0"/>
+              <a:t>wug.cz/</a:t>
+            </a:r>
+            <a:r>
+              <a:rPr lang="en-US" dirty="0" err="1" smtClean="0"/>
+              <a:t>zaznamy</a:t>
+            </a:r>
+            <a:endParaRPr lang="cs-CZ" dirty="0" smtClean="0"/>
+          </a:p>
+          <a:p>
+            <a:pPr marL="514350" indent="-457200" fontAlgn="base"/>
+            <a:r>
+              <a:rPr lang="cs-CZ" dirty="0" smtClean="0"/>
+              <a:t>www.</a:t>
+            </a:r>
+            <a:r>
+              <a:rPr lang="en-US" smtClean="0"/>
+              <a:t>mstv.cz</a:t>
+            </a:r>
+            <a:endParaRPr lang="en-US" dirty="0" smtClean="0"/>
+          </a:p>
+        </p:txBody>
+      </p:sp>
+    </p:spTree>
+    <p:custDataLst>
+      <p:tags r:id="rId1"/>
+    </p:custDataLst>
+    <p:extLst>
+      <p:ext uri="{BB962C8B-B14F-4D97-AF65-F5344CB8AC3E}">
+        <p14:creationId xmlns:p14="http://schemas.microsoft.com/office/powerpoint/2010/main" val="2912075712"/>
+      </p:ext>
+    </p:extLst>
+  </p:cSld>
+  <p:clrMapOvr>
+    <a:masterClrMapping/>
+  </p:clrMapOvr>
+  <p:transition spd="slow">
+    <p:wipe dir="d"/>
   </p:transition>
   <p:timing>
     <p:tnLst>
@@ -6247,37 +8043,127 @@
 
 <file path=ppt/tags/tag10.xml><?xml version="1.0" encoding="utf-8"?>
 <p:tagLst xmlns:a="http://schemas.openxmlformats.org/drawingml/2006/main" xmlns:r="http://schemas.openxmlformats.org/officeDocument/2006/relationships" xmlns:p="http://schemas.openxmlformats.org/presentationml/2006/main">
-  <p:tag name="DVSECTIONID" val="OOKFAmQ6LnTdkKqqzhwoax"/>
+  <p:tag name="DVSECTIONID" val="QUq8QELArFIgadhH063fpq"/>
 </p:tagLst>
 </file>
 
 <file path=ppt/tags/tag11.xml><?xml version="1.0" encoding="utf-8"?>
 <p:tagLst xmlns:a="http://schemas.openxmlformats.org/drawingml/2006/main" xmlns:r="http://schemas.openxmlformats.org/officeDocument/2006/relationships" xmlns:p="http://schemas.openxmlformats.org/presentationml/2006/main">
-  <p:tag name="DVSHAPEID" val="XuPQogmzKvTp1YV9ymQ2ZW"/>
+  <p:tag name="DVSHAPEID" val="InkrlxYPS4jAzciXk8ToAM"/>
 </p:tagLst>
 </file>
 
 <file path=ppt/tags/tag12.xml><?xml version="1.0" encoding="utf-8"?>
 <p:tagLst xmlns:a="http://schemas.openxmlformats.org/drawingml/2006/main" xmlns:r="http://schemas.openxmlformats.org/officeDocument/2006/relationships" xmlns:p="http://schemas.openxmlformats.org/presentationml/2006/main">
-  <p:tag name="DVSHAPEID" val="S8Cm1higbyIl35Abad2Rjv"/>
+  <p:tag name="DVSHAPEID" val="retnMj4SFfqbVIhVK0Rf83"/>
 </p:tagLst>
 </file>
 
 <file path=ppt/tags/tag13.xml><?xml version="1.0" encoding="utf-8"?>
 <p:tagLst xmlns:a="http://schemas.openxmlformats.org/drawingml/2006/main" xmlns:r="http://schemas.openxmlformats.org/officeDocument/2006/relationships" xmlns:p="http://schemas.openxmlformats.org/presentationml/2006/main">
-  <p:tag name="DVSECTIONID" val="ezdaKHeWyBnZyZ2cDqRSoa"/>
+  <p:tag name="DVSECTIONID" val="QUq8QELArFIgadhH063fpq"/>
 </p:tagLst>
 </file>
 
 <file path=ppt/tags/tag14.xml><?xml version="1.0" encoding="utf-8"?>
 <p:tagLst xmlns:a="http://schemas.openxmlformats.org/drawingml/2006/main" xmlns:r="http://schemas.openxmlformats.org/officeDocument/2006/relationships" xmlns:p="http://schemas.openxmlformats.org/presentationml/2006/main">
-  <p:tag name="DVSHAPEID" val="LRMR96J2MVd0CGe2e5htjk"/>
+  <p:tag name="DVSHAPEID" val="InkrlxYPS4jAzciXk8ToAM"/>
+</p:tagLst>
+</file>
+
+<file path=ppt/tags/tag15.xml><?xml version="1.0" encoding="utf-8"?>
+<p:tagLst xmlns:a="http://schemas.openxmlformats.org/drawingml/2006/main" xmlns:r="http://schemas.openxmlformats.org/officeDocument/2006/relationships" xmlns:p="http://schemas.openxmlformats.org/presentationml/2006/main">
+  <p:tag name="DVSHAPEID" val="retnMj4SFfqbVIhVK0Rf83"/>
+</p:tagLst>
+</file>
+
+<file path=ppt/tags/tag16.xml><?xml version="1.0" encoding="utf-8"?>
+<p:tagLst xmlns:a="http://schemas.openxmlformats.org/drawingml/2006/main" xmlns:r="http://schemas.openxmlformats.org/officeDocument/2006/relationships" xmlns:p="http://schemas.openxmlformats.org/presentationml/2006/main">
+  <p:tag name="DVSECTIONID" val="QUq8QELArFIgadhH063fpq"/>
+</p:tagLst>
+</file>
+
+<file path=ppt/tags/tag17.xml><?xml version="1.0" encoding="utf-8"?>
+<p:tagLst xmlns:a="http://schemas.openxmlformats.org/drawingml/2006/main" xmlns:r="http://schemas.openxmlformats.org/officeDocument/2006/relationships" xmlns:p="http://schemas.openxmlformats.org/presentationml/2006/main">
+  <p:tag name="DVSHAPEID" val="InkrlxYPS4jAzciXk8ToAM"/>
+</p:tagLst>
+</file>
+
+<file path=ppt/tags/tag18.xml><?xml version="1.0" encoding="utf-8"?>
+<p:tagLst xmlns:a="http://schemas.openxmlformats.org/drawingml/2006/main" xmlns:r="http://schemas.openxmlformats.org/officeDocument/2006/relationships" xmlns:p="http://schemas.openxmlformats.org/presentationml/2006/main">
+  <p:tag name="DVSHAPEID" val="retnMj4SFfqbVIhVK0Rf83"/>
+</p:tagLst>
+</file>
+
+<file path=ppt/tags/tag19.xml><?xml version="1.0" encoding="utf-8"?>
+<p:tagLst xmlns:a="http://schemas.openxmlformats.org/drawingml/2006/main" xmlns:r="http://schemas.openxmlformats.org/officeDocument/2006/relationships" xmlns:p="http://schemas.openxmlformats.org/presentationml/2006/main">
+  <p:tag name="DVSECTIONID" val="QUq8QELArFIgadhH063fpq"/>
 </p:tagLst>
 </file>
 
 <file path=ppt/tags/tag2.xml><?xml version="1.0" encoding="utf-8"?>
 <p:tagLst xmlns:a="http://schemas.openxmlformats.org/drawingml/2006/main" xmlns:r="http://schemas.openxmlformats.org/officeDocument/2006/relationships" xmlns:p="http://schemas.openxmlformats.org/presentationml/2006/main">
   <p:tag name="DVSHAPEID" val="HAGzTPKJNXuuOK4v20iPS7"/>
+</p:tagLst>
+</file>
+
+<file path=ppt/tags/tag20.xml><?xml version="1.0" encoding="utf-8"?>
+<p:tagLst xmlns:a="http://schemas.openxmlformats.org/drawingml/2006/main" xmlns:r="http://schemas.openxmlformats.org/officeDocument/2006/relationships" xmlns:p="http://schemas.openxmlformats.org/presentationml/2006/main">
+  <p:tag name="DVSHAPEID" val="InkrlxYPS4jAzciXk8ToAM"/>
+</p:tagLst>
+</file>
+
+<file path=ppt/tags/tag21.xml><?xml version="1.0" encoding="utf-8"?>
+<p:tagLst xmlns:a="http://schemas.openxmlformats.org/drawingml/2006/main" xmlns:r="http://schemas.openxmlformats.org/officeDocument/2006/relationships" xmlns:p="http://schemas.openxmlformats.org/presentationml/2006/main">
+  <p:tag name="DVSHAPEID" val="retnMj4SFfqbVIhVK0Rf83"/>
+</p:tagLst>
+</file>
+
+<file path=ppt/tags/tag22.xml><?xml version="1.0" encoding="utf-8"?>
+<p:tagLst xmlns:a="http://schemas.openxmlformats.org/drawingml/2006/main" xmlns:r="http://schemas.openxmlformats.org/officeDocument/2006/relationships" xmlns:p="http://schemas.openxmlformats.org/presentationml/2006/main">
+  <p:tag name="DVSECTIONID" val="QUq8QELArFIgadhH063fpq"/>
+</p:tagLst>
+</file>
+
+<file path=ppt/tags/tag23.xml><?xml version="1.0" encoding="utf-8"?>
+<p:tagLst xmlns:a="http://schemas.openxmlformats.org/drawingml/2006/main" xmlns:r="http://schemas.openxmlformats.org/officeDocument/2006/relationships" xmlns:p="http://schemas.openxmlformats.org/presentationml/2006/main">
+  <p:tag name="DVSHAPEID" val="InkrlxYPS4jAzciXk8ToAM"/>
+</p:tagLst>
+</file>
+
+<file path=ppt/tags/tag24.xml><?xml version="1.0" encoding="utf-8"?>
+<p:tagLst xmlns:a="http://schemas.openxmlformats.org/drawingml/2006/main" xmlns:r="http://schemas.openxmlformats.org/officeDocument/2006/relationships" xmlns:p="http://schemas.openxmlformats.org/presentationml/2006/main">
+  <p:tag name="DVSHAPEID" val="retnMj4SFfqbVIhVK0Rf83"/>
+</p:tagLst>
+</file>
+
+<file path=ppt/tags/tag25.xml><?xml version="1.0" encoding="utf-8"?>
+<p:tagLst xmlns:a="http://schemas.openxmlformats.org/drawingml/2006/main" xmlns:r="http://schemas.openxmlformats.org/officeDocument/2006/relationships" xmlns:p="http://schemas.openxmlformats.org/presentationml/2006/main">
+  <p:tag name="DVSECTIONID" val="QUq8QELArFIgadhH063fpq"/>
+</p:tagLst>
+</file>
+
+<file path=ppt/tags/tag26.xml><?xml version="1.0" encoding="utf-8"?>
+<p:tagLst xmlns:a="http://schemas.openxmlformats.org/drawingml/2006/main" xmlns:r="http://schemas.openxmlformats.org/officeDocument/2006/relationships" xmlns:p="http://schemas.openxmlformats.org/presentationml/2006/main">
+  <p:tag name="DVSHAPEID" val="InkrlxYPS4jAzciXk8ToAM"/>
+</p:tagLst>
+</file>
+
+<file path=ppt/tags/tag27.xml><?xml version="1.0" encoding="utf-8"?>
+<p:tagLst xmlns:a="http://schemas.openxmlformats.org/drawingml/2006/main" xmlns:r="http://schemas.openxmlformats.org/officeDocument/2006/relationships" xmlns:p="http://schemas.openxmlformats.org/presentationml/2006/main">
+  <p:tag name="DVSHAPEID" val="retnMj4SFfqbVIhVK0Rf83"/>
+</p:tagLst>
+</file>
+
+<file path=ppt/tags/tag28.xml><?xml version="1.0" encoding="utf-8"?>
+<p:tagLst xmlns:a="http://schemas.openxmlformats.org/drawingml/2006/main" xmlns:r="http://schemas.openxmlformats.org/officeDocument/2006/relationships" xmlns:p="http://schemas.openxmlformats.org/presentationml/2006/main">
+  <p:tag name="DVSECTIONID" val="ezdaKHeWyBnZyZ2cDqRSoa"/>
+</p:tagLst>
+</file>
+
+<file path=ppt/tags/tag29.xml><?xml version="1.0" encoding="utf-8"?>
+<p:tagLst xmlns:a="http://schemas.openxmlformats.org/drawingml/2006/main" xmlns:r="http://schemas.openxmlformats.org/officeDocument/2006/relationships" xmlns:p="http://schemas.openxmlformats.org/presentationml/2006/main">
+  <p:tag name="DVSHAPEID" val="LRMR96J2MVd0CGe2e5htjk"/>
 </p:tagLst>
 </file>
 
@@ -6307,19 +8193,19 @@
 
 <file path=ppt/tags/tag7.xml><?xml version="1.0" encoding="utf-8"?>
 <p:tagLst xmlns:a="http://schemas.openxmlformats.org/drawingml/2006/main" xmlns:r="http://schemas.openxmlformats.org/officeDocument/2006/relationships" xmlns:p="http://schemas.openxmlformats.org/presentationml/2006/main">
-  <p:tag name="DVSECTIONID" val="Unk8vjtC9q0JAXtyxsX2O5"/>
+  <p:tag name="DVSECTIONID" val="QUq8QELArFIgadhH063fpq"/>
 </p:tagLst>
 </file>
 
 <file path=ppt/tags/tag8.xml><?xml version="1.0" encoding="utf-8"?>
 <p:tagLst xmlns:a="http://schemas.openxmlformats.org/drawingml/2006/main" xmlns:r="http://schemas.openxmlformats.org/officeDocument/2006/relationships" xmlns:p="http://schemas.openxmlformats.org/presentationml/2006/main">
-  <p:tag name="DVSHAPEID" val="Rcuf4iZwLgLEPe9Eifdx3u"/>
+  <p:tag name="DVSHAPEID" val="InkrlxYPS4jAzciXk8ToAM"/>
 </p:tagLst>
 </file>
 
 <file path=ppt/tags/tag9.xml><?xml version="1.0" encoding="utf-8"?>
 <p:tagLst xmlns:a="http://schemas.openxmlformats.org/drawingml/2006/main" xmlns:r="http://schemas.openxmlformats.org/officeDocument/2006/relationships" xmlns:p="http://schemas.openxmlformats.org/presentationml/2006/main">
-  <p:tag name="DVSHAPEID" val="uzParF19LzvJyR9qw266In"/>
+  <p:tag name="DVSHAPEID" val="retnMj4SFfqbVIhVK0Rf83"/>
 </p:tagLst>
 </file>
 

--- a/prezentace.pptx
+++ b/prezentace.pptx
@@ -13,12 +13,12 @@
   <p:sldIdLst>
     <p:sldId id="259" r:id="rId2"/>
     <p:sldId id="261" r:id="rId3"/>
-    <p:sldId id="278" r:id="rId4"/>
-    <p:sldId id="281" r:id="rId5"/>
-    <p:sldId id="282" r:id="rId6"/>
-    <p:sldId id="283" r:id="rId7"/>
-    <p:sldId id="279" r:id="rId8"/>
-    <p:sldId id="284" r:id="rId9"/>
+    <p:sldId id="279" r:id="rId4"/>
+    <p:sldId id="284" r:id="rId5"/>
+    <p:sldId id="278" r:id="rId6"/>
+    <p:sldId id="281" r:id="rId7"/>
+    <p:sldId id="282" r:id="rId8"/>
+    <p:sldId id="283" r:id="rId9"/>
     <p:sldId id="280" r:id="rId10"/>
     <p:sldId id="277" r:id="rId11"/>
   </p:sldIdLst>
@@ -128,6 +128,12 @@
             <p14:sldId id="261"/>
           </p14:sldIdLst>
         </p14:section>
+        <p14:section name="Platforma" id="{4AB9CEDC-582A-45A8-B081-DCA9C81CE3A4}">
+          <p14:sldIdLst>
+            <p14:sldId id="279"/>
+            <p14:sldId id="284"/>
+          </p14:sldIdLst>
+        </p14:section>
         <p14:section name="jazy c#" id="{95250048-6C11-4051-A114-82378B0D1E73}">
           <p14:sldIdLst>
             <p14:sldId id="278"/>
@@ -138,12 +144,6 @@
             <p14:sldId id="281"/>
             <p14:sldId id="282"/>
             <p14:sldId id="283"/>
-          </p14:sldIdLst>
-        </p14:section>
-        <p14:section name="Platforma" id="{D32BAA2A-ED47-4819-9BC3-CCFC2396C120}">
-          <p14:sldIdLst>
-            <p14:sldId id="279"/>
-            <p14:sldId id="284"/>
           </p14:sldIdLst>
         </p14:section>
         <p14:section name="Komunita" id="{56C8C19B-AD6D-4515-BD84-4DA03B188650}">
@@ -5881,14 +5881,10 @@
               <a:buAutoNum type="arabicPeriod"/>
             </a:pPr>
             <a:r>
-              <a:rPr lang="en-US" dirty="0" err="1" smtClean="0"/>
-              <a:t>jazyk</a:t>
-            </a:r>
-            <a:r>
-              <a:rPr lang="en-US" dirty="0" smtClean="0"/>
-              <a:t> C#</a:t>
-            </a:r>
-            <a:endParaRPr lang="cs-CZ" dirty="0" smtClean="0"/>
+              <a:rPr lang="en-US" dirty="0" err="1"/>
+              <a:t>Platforma</a:t>
+            </a:r>
+            <a:endParaRPr lang="en-US" dirty="0"/>
           </a:p>
           <a:p>
             <a:pPr marL="514350" indent="-514350" fontAlgn="base">
@@ -5896,20 +5892,12 @@
               <a:buAutoNum type="arabicPeriod"/>
             </a:pPr>
             <a:r>
-              <a:rPr lang="cs-CZ" dirty="0" smtClean="0"/>
-              <a:t>.</a:t>
+              <a:rPr lang="en-US" dirty="0" err="1" smtClean="0"/>
+              <a:t>jazyk</a:t>
             </a:r>
             <a:r>
               <a:rPr lang="en-US" dirty="0" smtClean="0"/>
-              <a:t>NET </a:t>
-            </a:r>
-            <a:r>
-              <a:rPr lang="en-US" dirty="0"/>
-              <a:t>core </a:t>
-            </a:r>
-            <a:r>
-              <a:rPr lang="en-US" dirty="0" err="1" smtClean="0"/>
-              <a:t>Knihovny</a:t>
+              <a:t> C#</a:t>
             </a:r>
             <a:endParaRPr lang="cs-CZ" dirty="0" smtClean="0"/>
           </a:p>
@@ -5919,10 +5907,18 @@
               <a:buAutoNum type="arabicPeriod"/>
             </a:pPr>
             <a:r>
-              <a:rPr lang="en-US" dirty="0" err="1"/>
-              <a:t>Platforma</a:t>
-            </a:r>
-            <a:endParaRPr lang="en-US" dirty="0"/>
+              <a:rPr lang="cs-CZ" dirty="0" smtClean="0"/>
+              <a:t>.</a:t>
+            </a:r>
+            <a:r>
+              <a:rPr lang="en-US" dirty="0" smtClean="0"/>
+              <a:t>NET core </a:t>
+            </a:r>
+            <a:r>
+              <a:rPr lang="en-US" dirty="0" err="1" smtClean="0"/>
+              <a:t>Knihovny</a:t>
+            </a:r>
+            <a:endParaRPr lang="cs-CZ" dirty="0" smtClean="0"/>
           </a:p>
           <a:p>
             <a:pPr marL="514350" indent="-514350" fontAlgn="base">
@@ -5995,7 +5991,7 @@
           <a:p>
             <a:r>
               <a:rPr lang="cs-CZ" dirty="0" smtClean="0"/>
-              <a:t>Modifikátory</a:t>
+              <a:t>Platforma - pojmenování</a:t>
             </a:r>
             <a:endParaRPr lang="en-US" dirty="0"/>
           </a:p>
@@ -6023,14 +6019,60 @@
           <a:p>
             <a:pPr fontAlgn="base"/>
             <a:r>
-              <a:rPr lang="cs-CZ" dirty="0" smtClean="0"/>
-              <a:t>Navíc </a:t>
-            </a:r>
-            <a:r>
-              <a:rPr lang="cs-CZ" dirty="0" err="1" smtClean="0"/>
-              <a:t>internal</a:t>
-            </a:r>
-            <a:endParaRPr lang="en-US" dirty="0"/>
+              <a:rPr lang="en-US" b="1" dirty="0" smtClean="0"/>
+              <a:t>IL </a:t>
+            </a:r>
+            <a:r>
+              <a:rPr lang="en-US" dirty="0"/>
+              <a:t>(Intermediate Language) == byte </a:t>
+            </a:r>
+            <a:r>
+              <a:rPr lang="en-US" dirty="0" smtClean="0"/>
+              <a:t>code</a:t>
+            </a:r>
+            <a:endParaRPr lang="cs-CZ" dirty="0" smtClean="0"/>
+          </a:p>
+          <a:p>
+            <a:pPr fontAlgn="base"/>
+            <a:r>
+              <a:rPr lang="en-US" b="1" dirty="0" smtClean="0"/>
+              <a:t>CLR </a:t>
+            </a:r>
+            <a:r>
+              <a:rPr lang="en-US" dirty="0"/>
+              <a:t>(Common Language Runtime) ==  </a:t>
+            </a:r>
+            <a:r>
+              <a:rPr lang="en-US" dirty="0" err="1"/>
+              <a:t>jvm</a:t>
+            </a:r>
+            <a:r>
+              <a:rPr lang="en-US" dirty="0"/>
+              <a:t> (java virtual </a:t>
+            </a:r>
+            <a:r>
+              <a:rPr lang="en-US" dirty="0" smtClean="0"/>
+              <a:t>machine)</a:t>
+            </a:r>
+            <a:endParaRPr lang="cs-CZ" dirty="0"/>
+          </a:p>
+          <a:p>
+            <a:pPr marL="457200" lvl="1" indent="0" fontAlgn="base">
+              <a:buNone/>
+            </a:pPr>
+            <a:endParaRPr lang="en-US" b="1" dirty="0"/>
+          </a:p>
+          <a:p>
+            <a:pPr fontAlgn="base"/>
+            <a:endParaRPr lang="cs-CZ" dirty="0" smtClean="0"/>
+          </a:p>
+          <a:p>
+            <a:pPr fontAlgn="base"/>
+            <a:endParaRPr lang="en-US" b="1" dirty="0"/>
+          </a:p>
+          <a:p>
+            <a:pPr fontAlgn="base"/>
+            <a:endParaRPr lang="en-US" b="1" dirty="0"/>
           </a:p>
         </p:txBody>
       </p:sp>
@@ -6040,7 +6082,7 @@
     </p:custDataLst>
     <p:extLst>
       <p:ext uri="{BB962C8B-B14F-4D97-AF65-F5344CB8AC3E}">
-        <p14:creationId xmlns:p14="http://schemas.microsoft.com/office/powerpoint/2010/main" val="1036060905"/>
+        <p14:creationId xmlns:p14="http://schemas.microsoft.com/office/powerpoint/2010/main" val="2912075712"/>
       </p:ext>
     </p:extLst>
   </p:cSld>
@@ -6096,8 +6138,8 @@
           <a:lstStyle/>
           <a:p>
             <a:r>
-              <a:rPr lang="cs-CZ" dirty="0" smtClean="0"/>
-              <a:t>Konvence</a:t>
+              <a:rPr lang="en-US" b="1" dirty="0"/>
+              <a:t>Assembly</a:t>
             </a:r>
             <a:endParaRPr lang="en-US" dirty="0"/>
           </a:p>
@@ -6116,171 +6158,671 @@
             </p:custDataLst>
           </p:nvPr>
         </p:nvSpPr>
-        <p:spPr/>
+        <p:spPr>
+          <a:xfrm>
+            <a:off x="755576" y="1340768"/>
+            <a:ext cx="8490520" cy="5040560"/>
+          </a:xfrm>
+        </p:spPr>
         <p:txBody>
           <a:bodyPr>
-            <a:normAutofit/>
+            <a:normAutofit fontScale="77500" lnSpcReduction="20000"/>
           </a:bodyPr>
           <a:lstStyle/>
           <a:p>
             <a:pPr fontAlgn="base"/>
             <a:r>
-              <a:rPr lang="pt-BR" dirty="0"/>
-              <a:t>konvence </a:t>
-            </a:r>
-            <a:r>
-              <a:rPr lang="pt-BR" b="1" dirty="0"/>
-              <a:t>interface</a:t>
-            </a:r>
-            <a:r>
-              <a:rPr lang="pt-BR" dirty="0"/>
-              <a:t> začíná </a:t>
-            </a:r>
-            <a:r>
-              <a:rPr lang="pt-BR" b="1" dirty="0"/>
-              <a:t>I</a:t>
-            </a:r>
-            <a:r>
-              <a:rPr lang="pt-BR" dirty="0"/>
-              <a:t> viz </a:t>
-            </a:r>
-            <a:r>
-              <a:rPr lang="pt-BR" b="1" dirty="0"/>
-              <a:t>IList</a:t>
-            </a:r>
-            <a:r>
-              <a:rPr lang="pt-BR" dirty="0"/>
-              <a:t> a implementace </a:t>
-            </a:r>
-            <a:r>
-              <a:rPr lang="pt-BR" dirty="0" smtClean="0"/>
-              <a:t>List</a:t>
+              <a:rPr lang="en-US" b="1" dirty="0" smtClean="0"/>
+              <a:t>(</a:t>
+            </a:r>
+            <a:r>
+              <a:rPr lang="en-US" b="1" dirty="0" err="1"/>
+              <a:t>dll</a:t>
+            </a:r>
+            <a:r>
+              <a:rPr lang="en-US" b="1" dirty="0"/>
+              <a:t> </a:t>
+            </a:r>
+            <a:r>
+              <a:rPr lang="en-US" b="1" dirty="0" err="1"/>
+              <a:t>nebo</a:t>
+            </a:r>
+            <a:r>
+              <a:rPr lang="en-US" b="1" dirty="0"/>
+              <a:t> exe) </a:t>
+            </a:r>
+            <a:r>
+              <a:rPr lang="en-US" dirty="0"/>
+              <a:t>~ jar + </a:t>
+            </a:r>
+            <a:r>
+              <a:rPr lang="en-US" dirty="0" smtClean="0"/>
+              <a:t>metadata</a:t>
             </a:r>
             <a:endParaRPr lang="cs-CZ" dirty="0" smtClean="0"/>
           </a:p>
           <a:p>
-            <a:pPr fontAlgn="base"/>
+            <a:pPr lvl="1" fontAlgn="base"/>
+            <a:r>
+              <a:rPr lang="en-US" b="1" dirty="0" smtClean="0"/>
+              <a:t>Version</a:t>
+            </a:r>
+            <a:r>
+              <a:rPr lang="en-US" dirty="0" smtClean="0"/>
+              <a:t>=10.0.0.0</a:t>
+            </a:r>
+            <a:r>
+              <a:rPr lang="en-US" dirty="0"/>
+              <a:t>, </a:t>
+            </a:r>
+            <a:r>
+              <a:rPr lang="en-US" b="1" dirty="0"/>
+              <a:t>Culture</a:t>
+            </a:r>
+            <a:r>
+              <a:rPr lang="en-US" dirty="0"/>
+              <a:t>=neutral (x86 </a:t>
+            </a:r>
             <a:r>
               <a:rPr lang="en-US" dirty="0" err="1"/>
-              <a:t>nazvy</a:t>
+              <a:t>nebo</a:t>
+            </a:r>
+            <a:r>
+              <a:rPr lang="en-US" dirty="0"/>
+              <a:t> x64), </a:t>
+            </a:r>
+            <a:r>
+              <a:rPr lang="en-US" b="1" dirty="0" err="1" smtClean="0"/>
+              <a:t>PublicKeyToken</a:t>
+            </a:r>
+            <a:r>
+              <a:rPr lang="en-US" b="1" dirty="0" smtClean="0"/>
+              <a:t>=</a:t>
+            </a:r>
+            <a:r>
+              <a:rPr lang="en-US" dirty="0" smtClean="0"/>
+              <a:t>hash</a:t>
+            </a:r>
+            <a:r>
+              <a:rPr lang="cs-CZ" dirty="0" smtClean="0"/>
+              <a:t> </a:t>
+            </a:r>
+            <a:r>
+              <a:rPr lang="cs-CZ" dirty="0" err="1" smtClean="0"/>
+              <a:t>cislo</a:t>
+            </a:r>
+            <a:endParaRPr lang="cs-CZ" dirty="0" smtClean="0"/>
+          </a:p>
+          <a:p>
+            <a:pPr lvl="1" fontAlgn="base"/>
+            <a:r>
+              <a:rPr lang="en-US" b="1" dirty="0" smtClean="0"/>
+              <a:t>Weakly </a:t>
+            </a:r>
+            <a:r>
+              <a:rPr lang="en-US" b="1" dirty="0"/>
+              <a:t>Named Assemblies </a:t>
+            </a:r>
+            <a:r>
+              <a:rPr lang="en-US" dirty="0"/>
+              <a:t>a</a:t>
+            </a:r>
+            <a:r>
+              <a:rPr lang="en-US" b="1" dirty="0"/>
+              <a:t> Strongly Named Assemblies - </a:t>
+            </a:r>
+            <a:r>
+              <a:rPr lang="en-US" b="1" dirty="0" err="1"/>
+              <a:t>podepsaný</a:t>
+            </a:r>
+            <a:r>
+              <a:rPr lang="en-US" b="1" dirty="0"/>
+              <a:t> </a:t>
+            </a:r>
+            <a:r>
+              <a:rPr lang="en-US" b="1" dirty="0" err="1"/>
+              <a:t>lze</a:t>
+            </a:r>
+            <a:r>
+              <a:rPr lang="en-US" b="1" dirty="0"/>
+              <a:t> </a:t>
+            </a:r>
+            <a:r>
+              <a:rPr lang="en-US" b="1" dirty="0" err="1"/>
+              <a:t>zadat</a:t>
+            </a:r>
+            <a:r>
+              <a:rPr lang="en-US" b="1" dirty="0"/>
+              <a:t> do GAC </a:t>
+            </a:r>
+            <a:r>
+              <a:rPr lang="en-US" dirty="0"/>
+              <a:t>(c:\Windows\Microsoft.NET\assembly\GAC_MSIL</a:t>
+            </a:r>
+            <a:r>
+              <a:rPr lang="en-US" b="1" dirty="0"/>
+              <a:t> </a:t>
+            </a:r>
+            <a:r>
+              <a:rPr lang="en-US" b="1" dirty="0" err="1"/>
+              <a:t>či</a:t>
+            </a:r>
+            <a:r>
+              <a:rPr lang="en-US" b="1" dirty="0"/>
+              <a:t> </a:t>
+            </a:r>
+            <a:r>
+              <a:rPr lang="en-US" dirty="0"/>
+              <a:t>GAC_32, GAC_64</a:t>
+            </a:r>
+            <a:r>
+              <a:rPr lang="en-US" dirty="0" smtClean="0"/>
+              <a:t>)</a:t>
+            </a:r>
+            <a:endParaRPr lang="en-US" dirty="0"/>
+          </a:p>
+          <a:p>
+            <a:pPr lvl="1" fontAlgn="base"/>
+            <a:r>
+              <a:rPr lang="en-US" dirty="0" err="1">
+                <a:solidFill>
+                  <a:srgbClr val="FF0000"/>
+                </a:solidFill>
+              </a:rPr>
+              <a:t>Pozor</a:t>
+            </a:r>
+            <a:r>
+              <a:rPr lang="en-US" dirty="0">
+                <a:solidFill>
+                  <a:srgbClr val="FF0000"/>
+                </a:solidFill>
+              </a:rPr>
+              <a:t>: </a:t>
+            </a:r>
+            <a:r>
+              <a:rPr lang="en-US" dirty="0" err="1">
+                <a:solidFill>
+                  <a:srgbClr val="FF0000"/>
+                </a:solidFill>
+              </a:rPr>
+              <a:t>pokud</a:t>
+            </a:r>
+            <a:r>
+              <a:rPr lang="en-US" dirty="0">
+                <a:solidFill>
+                  <a:srgbClr val="FF0000"/>
+                </a:solidFill>
+              </a:rPr>
+              <a:t> je </a:t>
+            </a:r>
+            <a:r>
+              <a:rPr lang="en-US" dirty="0" err="1">
+                <a:solidFill>
+                  <a:srgbClr val="FF0000"/>
+                </a:solidFill>
+              </a:rPr>
+              <a:t>závislost</a:t>
+            </a:r>
+            <a:r>
+              <a:rPr lang="en-US" dirty="0">
+                <a:solidFill>
+                  <a:srgbClr val="FF0000"/>
+                </a:solidFill>
+              </a:rPr>
+              <a:t> (VS references) </a:t>
+            </a:r>
+            <a:r>
+              <a:rPr lang="en-US" b="1" dirty="0">
+                <a:solidFill>
+                  <a:srgbClr val="FF0000"/>
+                </a:solidFill>
+              </a:rPr>
+              <a:t>Specific Version = true</a:t>
+            </a:r>
+            <a:r>
+              <a:rPr lang="en-US" dirty="0">
+                <a:solidFill>
+                  <a:srgbClr val="FF0000"/>
+                </a:solidFill>
+              </a:rPr>
+              <a:t> v runtime .NET </a:t>
+            </a:r>
+            <a:r>
+              <a:rPr lang="en-US" dirty="0" err="1">
+                <a:solidFill>
+                  <a:srgbClr val="FF0000"/>
+                </a:solidFill>
+              </a:rPr>
+              <a:t>nejdriv</a:t>
+            </a:r>
+            <a:r>
+              <a:rPr lang="en-US" dirty="0">
+                <a:solidFill>
+                  <a:srgbClr val="FF0000"/>
+                </a:solidFill>
+              </a:rPr>
+              <a:t> </a:t>
+            </a:r>
+            <a:r>
+              <a:rPr lang="en-US" dirty="0" err="1">
+                <a:solidFill>
+                  <a:srgbClr val="FF0000"/>
+                </a:solidFill>
+              </a:rPr>
+              <a:t>hleda</a:t>
+            </a:r>
+            <a:r>
+              <a:rPr lang="en-US" dirty="0">
+                <a:solidFill>
+                  <a:srgbClr val="FF0000"/>
+                </a:solidFill>
+              </a:rPr>
+              <a:t> v GAC a </a:t>
+            </a:r>
+            <a:r>
+              <a:rPr lang="en-US" dirty="0" err="1">
+                <a:solidFill>
+                  <a:srgbClr val="FF0000"/>
+                </a:solidFill>
+              </a:rPr>
+              <a:t>potom</a:t>
+            </a:r>
+            <a:r>
+              <a:rPr lang="en-US" dirty="0">
+                <a:solidFill>
+                  <a:srgbClr val="FF0000"/>
+                </a:solidFill>
+              </a:rPr>
+              <a:t> v </a:t>
+            </a:r>
+            <a:r>
+              <a:rPr lang="en-US" dirty="0" err="1">
+                <a:solidFill>
+                  <a:srgbClr val="FF0000"/>
+                </a:solidFill>
+              </a:rPr>
+              <a:t>adresari</a:t>
+            </a:r>
+            <a:r>
+              <a:rPr lang="en-US" dirty="0">
+                <a:solidFill>
+                  <a:srgbClr val="FF0000"/>
+                </a:solidFill>
+              </a:rPr>
+              <a:t> exe </a:t>
+            </a:r>
+            <a:r>
+              <a:rPr lang="en-US" dirty="0" err="1">
+                <a:solidFill>
+                  <a:srgbClr val="FF0000"/>
+                </a:solidFill>
+              </a:rPr>
+              <a:t>či</a:t>
+            </a:r>
+            <a:r>
+              <a:rPr lang="en-US" dirty="0">
+                <a:solidFill>
+                  <a:srgbClr val="FF0000"/>
+                </a:solidFill>
+              </a:rPr>
+              <a:t> bin </a:t>
+            </a:r>
+            <a:r>
+              <a:rPr lang="en-US" dirty="0" err="1">
+                <a:solidFill>
+                  <a:srgbClr val="FF0000"/>
+                </a:solidFill>
+              </a:rPr>
+              <a:t>na</a:t>
+            </a:r>
+            <a:r>
+              <a:rPr lang="en-US" dirty="0">
+                <a:solidFill>
+                  <a:srgbClr val="FF0000"/>
+                </a:solidFill>
+              </a:rPr>
+              <a:t> </a:t>
+            </a:r>
+            <a:r>
+              <a:rPr lang="en-US" dirty="0" err="1">
+                <a:solidFill>
+                  <a:srgbClr val="FF0000"/>
+                </a:solidFill>
+              </a:rPr>
+              <a:t>webu</a:t>
+            </a:r>
+            <a:r>
+              <a:rPr lang="en-US" dirty="0">
+                <a:solidFill>
+                  <a:srgbClr val="FF0000"/>
+                </a:solidFill>
+              </a:rPr>
+              <a:t> !!! </a:t>
+            </a:r>
+            <a:r>
+              <a:rPr lang="en-US" dirty="0" err="1">
+                <a:solidFill>
+                  <a:srgbClr val="FF0000"/>
+                </a:solidFill>
+              </a:rPr>
+              <a:t>knihovny</a:t>
+            </a:r>
+            <a:r>
+              <a:rPr lang="en-US" dirty="0">
+                <a:solidFill>
+                  <a:srgbClr val="FF0000"/>
+                </a:solidFill>
+              </a:rPr>
+              <a:t> </a:t>
+            </a:r>
+            <a:r>
+              <a:rPr lang="en-US" dirty="0" err="1">
+                <a:solidFill>
+                  <a:srgbClr val="FF0000"/>
+                </a:solidFill>
+              </a:rPr>
+              <a:t>naistalovany</a:t>
+            </a:r>
+            <a:r>
+              <a:rPr lang="en-US" dirty="0">
+                <a:solidFill>
+                  <a:srgbClr val="FF0000"/>
+                </a:solidFill>
+              </a:rPr>
+              <a:t> </a:t>
+            </a:r>
+            <a:r>
+              <a:rPr lang="en-US" dirty="0" err="1">
+                <a:solidFill>
+                  <a:srgbClr val="FF0000"/>
+                </a:solidFill>
+              </a:rPr>
+              <a:t>pomoci</a:t>
+            </a:r>
+            <a:r>
+              <a:rPr lang="en-US" dirty="0">
+                <a:solidFill>
+                  <a:srgbClr val="FF0000"/>
+                </a:solidFill>
+              </a:rPr>
+              <a:t> </a:t>
+            </a:r>
+            <a:r>
+              <a:rPr lang="en-US" dirty="0" err="1">
+                <a:solidFill>
+                  <a:srgbClr val="FF0000"/>
+                </a:solidFill>
+              </a:rPr>
+              <a:t>nejakych</a:t>
+            </a:r>
+            <a:r>
+              <a:rPr lang="en-US" dirty="0">
+                <a:solidFill>
+                  <a:srgbClr val="FF0000"/>
+                </a:solidFill>
+              </a:rPr>
+              <a:t> </a:t>
+            </a:r>
+            <a:r>
+              <a:rPr lang="en-US" dirty="0" err="1">
+                <a:solidFill>
+                  <a:srgbClr val="FF0000"/>
+                </a:solidFill>
+              </a:rPr>
+              <a:t>instalatoru</a:t>
+            </a:r>
+            <a:r>
+              <a:rPr lang="en-US" dirty="0">
+                <a:solidFill>
+                  <a:srgbClr val="FF0000"/>
+                </a:solidFill>
+              </a:rPr>
+              <a:t> </a:t>
+            </a:r>
+            <a:r>
+              <a:rPr lang="en-US" dirty="0" err="1">
+                <a:solidFill>
+                  <a:srgbClr val="FF0000"/>
+                </a:solidFill>
+              </a:rPr>
+              <a:t>napr</a:t>
+            </a:r>
+            <a:r>
+              <a:rPr lang="en-US" dirty="0">
+                <a:solidFill>
+                  <a:srgbClr val="FF0000"/>
+                </a:solidFill>
+              </a:rPr>
+              <a:t>. mvc3 </a:t>
+            </a:r>
+            <a:r>
+              <a:rPr lang="en-US" dirty="0" err="1">
+                <a:solidFill>
+                  <a:srgbClr val="FF0000"/>
+                </a:solidFill>
+              </a:rPr>
+              <a:t>apod</a:t>
+            </a:r>
+            <a:r>
+              <a:rPr lang="en-US" dirty="0">
+                <a:solidFill>
+                  <a:srgbClr val="FF0000"/>
+                </a:solidFill>
+              </a:rPr>
+              <a:t>. a </a:t>
+            </a:r>
+            <a:r>
+              <a:rPr lang="en-US" dirty="0" err="1">
+                <a:solidFill>
+                  <a:srgbClr val="FF0000"/>
+                </a:solidFill>
+              </a:rPr>
+              <a:t>samozřejmě</a:t>
+            </a:r>
+            <a:r>
+              <a:rPr lang="en-US" dirty="0">
+                <a:solidFill>
+                  <a:srgbClr val="FF0000"/>
+                </a:solidFill>
+              </a:rPr>
+              <a:t> .NET core </a:t>
+            </a:r>
+            <a:r>
+              <a:rPr lang="en-US" dirty="0" err="1">
+                <a:solidFill>
+                  <a:srgbClr val="FF0000"/>
+                </a:solidFill>
+              </a:rPr>
+              <a:t>knihovny</a:t>
+            </a:r>
+            <a:r>
+              <a:rPr lang="en-US" dirty="0">
+                <a:solidFill>
+                  <a:srgbClr val="FF0000"/>
+                </a:solidFill>
+              </a:rPr>
+              <a:t>. </a:t>
+            </a:r>
+            <a:r>
+              <a:rPr lang="en-US" b="1" dirty="0" err="1">
+                <a:solidFill>
+                  <a:srgbClr val="FF0000"/>
+                </a:solidFill>
+              </a:rPr>
+              <a:t>Doporucuju</a:t>
+            </a:r>
+            <a:r>
+              <a:rPr lang="en-US" b="1" dirty="0">
+                <a:solidFill>
+                  <a:srgbClr val="FF0000"/>
+                </a:solidFill>
+              </a:rPr>
+              <a:t> </a:t>
+            </a:r>
+            <a:r>
+              <a:rPr lang="en-US" b="1" dirty="0" err="1">
+                <a:solidFill>
+                  <a:srgbClr val="FF0000"/>
+                </a:solidFill>
+              </a:rPr>
+              <a:t>vlastni</a:t>
+            </a:r>
+            <a:r>
+              <a:rPr lang="en-US" b="1" dirty="0">
+                <a:solidFill>
+                  <a:srgbClr val="FF0000"/>
+                </a:solidFill>
+              </a:rPr>
+              <a:t> </a:t>
+            </a:r>
+            <a:r>
+              <a:rPr lang="en-US" b="1" dirty="0" err="1">
+                <a:solidFill>
+                  <a:srgbClr val="FF0000"/>
+                </a:solidFill>
+              </a:rPr>
+              <a:t>knihovny</a:t>
+            </a:r>
+            <a:r>
+              <a:rPr lang="en-US" b="1" dirty="0">
+                <a:solidFill>
+                  <a:srgbClr val="FF0000"/>
+                </a:solidFill>
+              </a:rPr>
+              <a:t> </a:t>
+            </a:r>
+            <a:r>
+              <a:rPr lang="en-US" b="1" dirty="0" err="1">
+                <a:solidFill>
+                  <a:srgbClr val="FF0000"/>
+                </a:solidFill>
+              </a:rPr>
+              <a:t>vubec</a:t>
+            </a:r>
+            <a:r>
+              <a:rPr lang="en-US" b="1" dirty="0">
+                <a:solidFill>
+                  <a:srgbClr val="FF0000"/>
+                </a:solidFill>
+              </a:rPr>
+              <a:t> </a:t>
+            </a:r>
+            <a:r>
+              <a:rPr lang="en-US" b="1" dirty="0" err="1">
+                <a:solidFill>
+                  <a:srgbClr val="FF0000"/>
+                </a:solidFill>
+              </a:rPr>
+              <a:t>nedavat</a:t>
+            </a:r>
+            <a:r>
+              <a:rPr lang="en-US" b="1" dirty="0">
+                <a:solidFill>
+                  <a:srgbClr val="FF0000"/>
+                </a:solidFill>
+              </a:rPr>
+              <a:t> do GAC</a:t>
+            </a:r>
+            <a:r>
+              <a:rPr lang="en-US" b="1" dirty="0" smtClean="0">
+                <a:solidFill>
+                  <a:srgbClr val="FF0000"/>
+                </a:solidFill>
+              </a:rPr>
+              <a:t>.</a:t>
+            </a:r>
+            <a:endParaRPr lang="nn-NO" dirty="0"/>
+          </a:p>
+          <a:p>
+            <a:pPr lvl="1" fontAlgn="base"/>
+            <a:r>
+              <a:rPr lang="nn-NO" dirty="0"/>
+              <a:t>kvalitní open dekompiler: </a:t>
+            </a:r>
+            <a:r>
+              <a:rPr lang="nn-NO" dirty="0" smtClean="0"/>
+              <a:t>ILSpy</a:t>
+            </a:r>
+            <a:r>
+              <a:rPr lang="cs-CZ" dirty="0" smtClean="0"/>
+              <a:t> </a:t>
+            </a:r>
+            <a:r>
+              <a:rPr lang="nn-NO" u="sng" dirty="0" smtClean="0">
+                <a:hlinkClick r:id="rId6"/>
+              </a:rPr>
+              <a:t>ttp</a:t>
+            </a:r>
+            <a:r>
+              <a:rPr lang="nn-NO" u="sng" dirty="0">
+                <a:hlinkClick r:id="rId6"/>
+              </a:rPr>
+              <a:t>://</a:t>
+            </a:r>
+            <a:r>
+              <a:rPr lang="nn-NO" u="sng" dirty="0" smtClean="0">
+                <a:hlinkClick r:id="rId6"/>
+              </a:rPr>
+              <a:t>wiki.sharpdevelop.net/ILSpy.ashx</a:t>
+            </a:r>
+            <a:endParaRPr lang="en-US" dirty="0"/>
+          </a:p>
+          <a:p>
+            <a:pPr lvl="1" fontAlgn="base"/>
+            <a:r>
+              <a:rPr lang="en-US" dirty="0" err="1"/>
+              <a:t>práce</a:t>
+            </a:r>
+            <a:r>
+              <a:rPr lang="en-US" dirty="0"/>
+              <a:t> s GAC </a:t>
+            </a:r>
+            <a:r>
+              <a:rPr lang="en-US" dirty="0" err="1"/>
+              <a:t>pomocí</a:t>
             </a:r>
             <a:r>
               <a:rPr lang="en-US" dirty="0"/>
               <a:t> </a:t>
             </a:r>
             <a:r>
-              <a:rPr lang="en-US" dirty="0" err="1"/>
-              <a:t>metod</a:t>
-            </a:r>
-            <a:r>
-              <a:rPr lang="en-US" dirty="0"/>
-              <a:t> </a:t>
-            </a:r>
-            <a:r>
-              <a:rPr lang="cs-CZ" dirty="0" smtClean="0"/>
-              <a:t>z </a:t>
-            </a:r>
-            <a:r>
-              <a:rPr lang="en-US" dirty="0" err="1" smtClean="0"/>
-              <a:t>pascal</a:t>
-            </a:r>
-            <a:r>
-              <a:rPr lang="cs-CZ" dirty="0" smtClean="0"/>
-              <a:t> konvence</a:t>
-            </a:r>
-            <a:r>
-              <a:rPr lang="en-US" dirty="0" smtClean="0"/>
-              <a:t> </a:t>
-            </a:r>
-            <a:r>
-              <a:rPr lang="en-US" dirty="0"/>
-              <a:t>(</a:t>
-            </a:r>
-            <a:r>
-              <a:rPr lang="en-US" dirty="0" err="1"/>
-              <a:t>hlavni</a:t>
-            </a:r>
-            <a:r>
-              <a:rPr lang="en-US" dirty="0"/>
-              <a:t> designer c# :-)) </a:t>
-            </a:r>
-            <a:r>
-              <a:rPr lang="en-US" dirty="0" err="1"/>
-              <a:t>první</a:t>
-            </a:r>
-            <a:r>
-              <a:rPr lang="en-US" dirty="0"/>
-              <a:t> </a:t>
-            </a:r>
-            <a:r>
-              <a:rPr lang="en-US" dirty="0" err="1"/>
-              <a:t>Velke</a:t>
-            </a:r>
-            <a:r>
-              <a:rPr lang="en-US" dirty="0"/>
-              <a:t> </a:t>
-            </a:r>
-            <a:r>
-              <a:rPr lang="en-US" dirty="0" err="1" smtClean="0"/>
-              <a:t>pismeno</a:t>
-            </a:r>
-            <a:r>
-              <a:rPr lang="cs-CZ" dirty="0" smtClean="0"/>
-              <a:t> </a:t>
-            </a:r>
-            <a:r>
-              <a:rPr lang="cs-CZ" dirty="0"/>
-              <a:t>viz </a:t>
-            </a:r>
-            <a:r>
-              <a:rPr lang="en-US" b="1" dirty="0" err="1"/>
-              <a:t>ToString</a:t>
-            </a:r>
-            <a:r>
-              <a:rPr lang="cs-CZ" b="1" dirty="0" smtClean="0"/>
-              <a:t>() </a:t>
-            </a:r>
-            <a:r>
-              <a:rPr lang="en-US" dirty="0" err="1" smtClean="0"/>
-              <a:t>jinak</a:t>
-            </a:r>
-            <a:r>
-              <a:rPr lang="en-US" dirty="0" smtClean="0"/>
-              <a:t> </a:t>
-            </a:r>
-            <a:r>
-              <a:rPr lang="en-US" dirty="0" err="1"/>
-              <a:t>stejny</a:t>
-            </a:r>
-            <a:r>
-              <a:rPr lang="en-US" dirty="0"/>
-              <a:t> </a:t>
-            </a:r>
-            <a:r>
-              <a:rPr lang="en-US" dirty="0" err="1"/>
-              <a:t>jako</a:t>
-            </a:r>
-            <a:r>
-              <a:rPr lang="en-US" dirty="0"/>
-              <a:t> u </a:t>
-            </a:r>
-            <a:r>
-              <a:rPr lang="en-US" dirty="0" err="1" smtClean="0"/>
-              <a:t>javy</a:t>
-            </a:r>
+              <a:rPr lang="en-US" b="1" dirty="0"/>
+              <a:t>GACUTIL.exe</a:t>
+            </a:r>
+          </a:p>
+          <a:p>
+            <a:pPr lvl="1" fontAlgn="base"/>
+            <a:endParaRPr lang="cs-CZ" u="sng" dirty="0" smtClean="0"/>
+          </a:p>
+          <a:p>
+            <a:pPr lvl="1" fontAlgn="base"/>
+            <a:endParaRPr lang="nn-NO" b="1" dirty="0"/>
+          </a:p>
+          <a:p>
+            <a:pPr lvl="1" fontAlgn="base"/>
+            <a:endParaRPr lang="en-US" b="1" dirty="0">
+              <a:solidFill>
+                <a:srgbClr val="FF0000"/>
+              </a:solidFill>
+            </a:endParaRPr>
+          </a:p>
+          <a:p>
+            <a:pPr marL="457200" lvl="1" indent="0" fontAlgn="base">
+              <a:buNone/>
+            </a:pPr>
+            <a:endParaRPr lang="en-US" b="1" dirty="0"/>
+          </a:p>
+          <a:p>
+            <a:pPr fontAlgn="base"/>
             <a:endParaRPr lang="cs-CZ" dirty="0" smtClean="0"/>
           </a:p>
           <a:p>
             <a:pPr fontAlgn="base"/>
-            <a:endParaRPr lang="en-US" dirty="0"/>
+            <a:endParaRPr lang="en-US" b="1" dirty="0"/>
           </a:p>
           <a:p>
             <a:pPr fontAlgn="base"/>
-            <a:endParaRPr lang="pt-BR" dirty="0"/>
-          </a:p>
-          <a:p>
-            <a:pPr fontAlgn="base"/>
-            <a:endParaRPr lang="en-US" dirty="0"/>
+            <a:endParaRPr lang="en-US" b="1" dirty="0"/>
           </a:p>
         </p:txBody>
       </p:sp>
@@ -6290,7 +6832,7 @@
     </p:custDataLst>
     <p:extLst>
       <p:ext uri="{BB962C8B-B14F-4D97-AF65-F5344CB8AC3E}">
-        <p14:creationId xmlns:p14="http://schemas.microsoft.com/office/powerpoint/2010/main" val="597941734"/>
+        <p14:creationId xmlns:p14="http://schemas.microsoft.com/office/powerpoint/2010/main" val="2263250981"/>
       </p:ext>
     </p:extLst>
   </p:cSld>
@@ -6342,406 +6884,218 @@
         </p:nvSpPr>
         <p:spPr/>
         <p:txBody>
+          <a:bodyPr/>
+          <a:lstStyle/>
+          <a:p>
+            <a:r>
+              <a:rPr lang="cs-CZ" dirty="0" smtClean="0"/>
+              <a:t>Modifikátory</a:t>
+            </a:r>
+            <a:endParaRPr lang="en-US" dirty="0"/>
+          </a:p>
+        </p:txBody>
+      </p:sp>
+      <p:sp>
+        <p:nvSpPr>
+          <p:cNvPr id="5" name="Content Placeholder 4"/>
+          <p:cNvSpPr>
+            <a:spLocks noGrp="1"/>
+          </p:cNvSpPr>
+          <p:nvPr>
+            <p:ph idx="1"/>
+            <p:custDataLst>
+              <p:tags r:id="rId3"/>
+            </p:custDataLst>
+          </p:nvPr>
+        </p:nvSpPr>
+        <p:spPr>
+          <a:xfrm>
+            <a:off x="683568" y="1596413"/>
+            <a:ext cx="8352928" cy="4297363"/>
+          </a:xfrm>
+        </p:spPr>
+        <p:txBody>
           <a:bodyPr>
             <a:normAutofit/>
           </a:bodyPr>
           <a:lstStyle/>
           <a:p>
+            <a:pPr fontAlgn="base"/>
+            <a:r>
+              <a:rPr lang="cs-CZ" dirty="0" smtClean="0"/>
+              <a:t>Navíc </a:t>
+            </a:r>
             <a:r>
               <a:rPr lang="cs-CZ" dirty="0" err="1" smtClean="0"/>
-              <a:t>Object</a:t>
+              <a:t>internal</a:t>
             </a:r>
             <a:r>
               <a:rPr lang="cs-CZ" dirty="0" smtClean="0"/>
-              <a:t> a </a:t>
+              <a:t> pro </a:t>
+            </a:r>
+            <a:r>
+              <a:rPr lang="cs-CZ" dirty="0" err="1" smtClean="0"/>
+              <a:t>Assembly</a:t>
+            </a:r>
+            <a:r>
+              <a:rPr lang="cs-CZ" dirty="0" smtClean="0"/>
+              <a:t>. Lze u </a:t>
+            </a:r>
+            <a:r>
+              <a:rPr lang="cs-CZ" dirty="0" err="1" smtClean="0"/>
+              <a:t>assembly</a:t>
+            </a:r>
+            <a:r>
+              <a:rPr lang="cs-CZ" dirty="0" smtClean="0"/>
+              <a:t> definovat </a:t>
+            </a:r>
+            <a:r>
+              <a:rPr lang="cs-CZ" dirty="0" err="1" smtClean="0"/>
+              <a:t>friendly</a:t>
+            </a:r>
+            <a:r>
+              <a:rPr lang="cs-CZ" dirty="0" smtClean="0"/>
+              <a:t> pro jiné </a:t>
+            </a:r>
+            <a:r>
+              <a:rPr lang="cs-CZ" dirty="0" err="1" smtClean="0"/>
+              <a:t>assembly</a:t>
+            </a:r>
+            <a:r>
+              <a:rPr lang="cs-CZ" dirty="0" smtClean="0"/>
+              <a:t> </a:t>
+            </a:r>
+            <a:r>
+              <a:rPr lang="en-US" dirty="0"/>
+              <a:t>[</a:t>
+            </a:r>
+            <a:r>
+              <a:rPr lang="en-US" dirty="0" smtClean="0"/>
+              <a:t>assembly:</a:t>
+            </a:r>
+            <a:r>
+              <a:rPr lang="cs-CZ" dirty="0" smtClean="0"/>
+              <a:t> </a:t>
             </a:r>
             <a:r>
               <a:rPr lang="en-US" dirty="0" err="1" smtClean="0"/>
-              <a:t>ValueType</a:t>
-            </a:r>
-            <a:endParaRPr lang="en-US" dirty="0"/>
-          </a:p>
-        </p:txBody>
-      </p:sp>
-      <p:sp>
-        <p:nvSpPr>
-          <p:cNvPr id="5" name="Content Placeholder 4"/>
-          <p:cNvSpPr>
-            <a:spLocks noGrp="1"/>
-          </p:cNvSpPr>
-          <p:nvPr>
-            <p:ph idx="1"/>
-            <p:custDataLst>
-              <p:tags r:id="rId3"/>
-            </p:custDataLst>
-          </p:nvPr>
-        </p:nvSpPr>
-        <p:spPr/>
-        <p:txBody>
-          <a:bodyPr>
-            <a:normAutofit fontScale="92500" lnSpcReduction="20000"/>
-          </a:bodyPr>
-          <a:lstStyle/>
+              <a:t>InternalsVisibleTo</a:t>
+            </a:r>
+            <a:r>
+              <a:rPr lang="en-US" dirty="0" smtClean="0"/>
+              <a:t>(„</a:t>
+            </a:r>
+            <a:r>
+              <a:rPr lang="cs-CZ" dirty="0" err="1" smtClean="0"/>
+              <a:t>nazev</a:t>
+            </a:r>
+            <a:r>
+              <a:rPr lang="cs-CZ" dirty="0" smtClean="0"/>
+              <a:t> </a:t>
+            </a:r>
+            <a:r>
+              <a:rPr lang="cs-CZ" dirty="0" err="1" smtClean="0"/>
+              <a:t>assembly</a:t>
+            </a:r>
+            <a:r>
+              <a:rPr lang="en-US" dirty="0" smtClean="0"/>
+              <a:t>")</a:t>
+            </a:r>
+            <a:r>
+              <a:rPr lang="cs-CZ" dirty="0" smtClean="0"/>
+              <a:t>]</a:t>
+            </a:r>
+          </a:p>
           <a:p>
             <a:pPr fontAlgn="base"/>
             <a:r>
+              <a:rPr lang="en-US" dirty="0" smtClean="0"/>
+              <a:t>default </a:t>
+            </a:r>
+            <a:r>
+              <a:rPr lang="cs-CZ" dirty="0" smtClean="0"/>
+              <a:t>modifikátor </a:t>
+            </a:r>
+            <a:r>
+              <a:rPr lang="en-US" dirty="0"/>
+              <a:t>pro </a:t>
+            </a:r>
+            <a:r>
+              <a:rPr lang="cs-CZ" dirty="0" smtClean="0"/>
+              <a:t>třídu je </a:t>
+            </a:r>
+            <a:r>
+              <a:rPr lang="en-US" b="1" dirty="0" smtClean="0"/>
+              <a:t>internal</a:t>
+            </a:r>
+            <a:r>
+              <a:rPr lang="en-US" dirty="0"/>
+              <a:t>, </a:t>
+            </a:r>
+            <a:r>
+              <a:rPr lang="en-US" dirty="0" err="1" smtClean="0"/>
+              <a:t>metody</a:t>
+            </a:r>
+            <a:r>
+              <a:rPr lang="cs-CZ" dirty="0" smtClean="0"/>
+              <a:t> a</a:t>
+            </a:r>
+            <a:r>
+              <a:rPr lang="en-US" dirty="0" smtClean="0"/>
+              <a:t> </a:t>
+            </a:r>
+            <a:r>
+              <a:rPr lang="en-US" dirty="0" err="1"/>
+              <a:t>fieldy</a:t>
+            </a:r>
+            <a:r>
+              <a:rPr lang="en-US" dirty="0"/>
+              <a:t> </a:t>
+            </a:r>
+            <a:r>
+              <a:rPr lang="en-US" b="1" dirty="0" smtClean="0"/>
+              <a:t>private</a:t>
+            </a:r>
+            <a:r>
+              <a:rPr lang="cs-CZ" dirty="0" smtClean="0"/>
+              <a:t>. </a:t>
+            </a:r>
+            <a:r>
               <a:rPr lang="cs-CZ" dirty="0" err="1" smtClean="0"/>
-              <a:t>Class</a:t>
+              <a:t>Private</a:t>
             </a:r>
             <a:r>
               <a:rPr lang="cs-CZ" dirty="0" smtClean="0"/>
-              <a:t> dědí po </a:t>
+              <a:t> je pro </a:t>
             </a:r>
             <a:r>
               <a:rPr lang="cs-CZ" dirty="0" err="1" smtClean="0"/>
-              <a:t>Object</a:t>
-            </a:r>
-            <a:endParaRPr lang="cs-CZ" dirty="0"/>
+              <a:t>namespace</a:t>
+            </a:r>
+            <a:r>
+              <a:rPr lang="cs-CZ" dirty="0" smtClean="0"/>
+              <a:t> == </a:t>
+            </a:r>
+            <a:r>
+              <a:rPr lang="cs-CZ" dirty="0" err="1" smtClean="0"/>
+              <a:t>package</a:t>
+            </a:r>
+            <a:r>
+              <a:rPr lang="cs-CZ" dirty="0" smtClean="0"/>
+              <a:t>.</a:t>
+            </a:r>
           </a:p>
           <a:p>
             <a:pPr fontAlgn="base"/>
-            <a:r>
-              <a:rPr lang="cs-CZ" dirty="0" err="1" smtClean="0"/>
-              <a:t>Struct</a:t>
-            </a:r>
-            <a:r>
-              <a:rPr lang="cs-CZ" dirty="0" smtClean="0"/>
-              <a:t> dědí po </a:t>
-            </a:r>
-            <a:r>
-              <a:rPr lang="en-US" dirty="0" err="1" smtClean="0"/>
-              <a:t>ValueType</a:t>
-            </a:r>
-            <a:r>
-              <a:rPr lang="cs-CZ" dirty="0" smtClean="0"/>
-              <a:t> (neexistuje metoda </a:t>
-            </a:r>
-            <a:r>
-              <a:rPr lang="en-US" dirty="0" err="1" smtClean="0"/>
-              <a:t>GetType</a:t>
-            </a:r>
-            <a:r>
-              <a:rPr lang="cs-CZ" dirty="0" smtClean="0"/>
-              <a:t>(), destruktor a static metody </a:t>
-            </a:r>
-            <a:r>
-              <a:rPr lang="en-US" dirty="0" smtClean="0"/>
-              <a:t>Equals</a:t>
-            </a:r>
-            <a:endParaRPr lang="en-US" dirty="0"/>
+            <a:endParaRPr lang="cs-CZ" dirty="0" smtClean="0"/>
           </a:p>
           <a:p>
             <a:pPr fontAlgn="base"/>
-            <a:r>
-              <a:rPr lang="cs-CZ" dirty="0" smtClean="0"/>
-              <a:t>)</a:t>
-            </a:r>
+            <a:endParaRPr lang="cs-CZ" b="1" dirty="0" smtClean="0"/>
           </a:p>
           <a:p>
             <a:pPr fontAlgn="base"/>
-            <a:r>
-              <a:rPr lang="cs-CZ" b="1" dirty="0" err="1"/>
-              <a:t>string</a:t>
-            </a:r>
-            <a:r>
-              <a:rPr lang="cs-CZ" dirty="0"/>
-              <a:t> je alias k </a:t>
-            </a:r>
-            <a:r>
-              <a:rPr lang="cs-CZ" b="1" dirty="0" err="1"/>
-              <a:t>System.String</a:t>
-            </a:r>
-            <a:r>
-              <a:rPr lang="cs-CZ" b="1" dirty="0"/>
-              <a:t> </a:t>
-            </a:r>
-            <a:r>
-              <a:rPr lang="cs-CZ" dirty="0"/>
-              <a:t>je vždy </a:t>
-            </a:r>
-            <a:r>
-              <a:rPr lang="cs-CZ" dirty="0" err="1"/>
-              <a:t>immutable</a:t>
-            </a:r>
-            <a:r>
-              <a:rPr lang="cs-CZ" dirty="0"/>
-              <a:t> tzn. </a:t>
-            </a:r>
-            <a:r>
-              <a:rPr lang="cs-CZ" dirty="0" err="1"/>
-              <a:t>muze</a:t>
-            </a:r>
-            <a:r>
-              <a:rPr lang="cs-CZ" dirty="0"/>
-              <a:t> se </a:t>
-            </a:r>
-            <a:r>
-              <a:rPr lang="cs-CZ" dirty="0" err="1"/>
-              <a:t>pouzivat</a:t>
-            </a:r>
-            <a:r>
-              <a:rPr lang="cs-CZ" dirty="0"/>
-              <a:t> ==</a:t>
-            </a:r>
-            <a:endParaRPr lang="cs-CZ" b="1" dirty="0"/>
-          </a:p>
-          <a:p>
-            <a:pPr fontAlgn="base"/>
-            <a:r>
-              <a:rPr lang="cs-CZ" b="1" dirty="0" err="1"/>
-              <a:t>ToString</a:t>
-            </a:r>
-            <a:r>
-              <a:rPr lang="cs-CZ" dirty="0"/>
-              <a:t>() </a:t>
-            </a:r>
-            <a:r>
-              <a:rPr lang="cs-CZ" b="1" dirty="0" smtClean="0">
-                <a:solidFill>
-                  <a:srgbClr val="FF0000"/>
-                </a:solidFill>
-              </a:rPr>
-              <a:t>pozor double </a:t>
-            </a:r>
-            <a:r>
-              <a:rPr lang="cs-CZ" b="1" dirty="0" err="1" smtClean="0">
-                <a:solidFill>
-                  <a:srgbClr val="FF0000"/>
-                </a:solidFill>
-              </a:rPr>
-              <a:t>apod</a:t>
-            </a:r>
-            <a:r>
-              <a:rPr lang="cs-CZ" b="1" dirty="0" smtClean="0">
-                <a:solidFill>
-                  <a:srgbClr val="FF0000"/>
-                </a:solidFill>
-              </a:rPr>
-              <a:t> </a:t>
-            </a:r>
-            <a:r>
-              <a:rPr lang="en-US" b="1" dirty="0" err="1" smtClean="0">
-                <a:solidFill>
-                  <a:srgbClr val="FF0000"/>
-                </a:solidFill>
-              </a:rPr>
-              <a:t>závislý</a:t>
-            </a:r>
-            <a:r>
-              <a:rPr lang="en-US" b="1" dirty="0" smtClean="0">
-                <a:solidFill>
-                  <a:srgbClr val="FF0000"/>
-                </a:solidFill>
-              </a:rPr>
-              <a:t> </a:t>
-            </a:r>
-            <a:r>
-              <a:rPr lang="en-US" b="1" dirty="0" err="1">
-                <a:solidFill>
-                  <a:srgbClr val="FF0000"/>
-                </a:solidFill>
-              </a:rPr>
-              <a:t>na</a:t>
-            </a:r>
-            <a:r>
-              <a:rPr lang="en-US" b="1" dirty="0">
-                <a:solidFill>
-                  <a:srgbClr val="FF0000"/>
-                </a:solidFill>
-              </a:rPr>
-              <a:t> local </a:t>
-            </a:r>
-            <a:r>
-              <a:rPr lang="en-US" b="1" dirty="0" err="1">
-                <a:solidFill>
-                  <a:srgbClr val="FF0000"/>
-                </a:solidFill>
-              </a:rPr>
-              <a:t>nastavení</a:t>
-            </a:r>
-            <a:r>
-              <a:rPr lang="en-US" b="1" dirty="0">
-                <a:solidFill>
-                  <a:srgbClr val="FF0000"/>
-                </a:solidFill>
-              </a:rPr>
-              <a:t> </a:t>
-            </a:r>
-            <a:r>
-              <a:rPr lang="en-US" b="1" dirty="0" err="1">
-                <a:solidFill>
-                  <a:srgbClr val="FF0000"/>
-                </a:solidFill>
-              </a:rPr>
-              <a:t>počítače</a:t>
-            </a:r>
-            <a:r>
-              <a:rPr lang="en-US" b="1" dirty="0">
-                <a:solidFill>
-                  <a:srgbClr val="FF0000"/>
-                </a:solidFill>
-              </a:rPr>
-              <a:t> -&gt; </a:t>
-            </a:r>
-            <a:r>
-              <a:rPr lang="en-US" b="1" dirty="0" err="1">
-                <a:solidFill>
-                  <a:srgbClr val="FF0000"/>
-                </a:solidFill>
-              </a:rPr>
-              <a:t>doporucuju</a:t>
-            </a:r>
-            <a:r>
-              <a:rPr lang="en-US" b="1" dirty="0">
-                <a:solidFill>
-                  <a:srgbClr val="FF0000"/>
-                </a:solidFill>
-              </a:rPr>
-              <a:t> </a:t>
-            </a:r>
-            <a:r>
-              <a:rPr lang="en-US" b="1" dirty="0" err="1">
-                <a:solidFill>
-                  <a:srgbClr val="FF0000"/>
-                </a:solidFill>
-              </a:rPr>
-              <a:t>si</a:t>
-            </a:r>
-            <a:r>
-              <a:rPr lang="en-US" b="1" dirty="0">
-                <a:solidFill>
-                  <a:srgbClr val="FF0000"/>
-                </a:solidFill>
-              </a:rPr>
-              <a:t> </a:t>
-            </a:r>
-            <a:r>
-              <a:rPr lang="en-US" b="1" dirty="0" err="1">
-                <a:solidFill>
-                  <a:srgbClr val="FF0000"/>
-                </a:solidFill>
-              </a:rPr>
-              <a:t>napsat</a:t>
-            </a:r>
-            <a:r>
-              <a:rPr lang="en-US" b="1" dirty="0">
-                <a:solidFill>
-                  <a:srgbClr val="FF0000"/>
-                </a:solidFill>
-              </a:rPr>
-              <a:t> extension static </a:t>
-            </a:r>
-            <a:r>
-              <a:rPr lang="en-US" b="1" dirty="0" err="1">
-                <a:solidFill>
-                  <a:srgbClr val="FF0000"/>
-                </a:solidFill>
-              </a:rPr>
-              <a:t>metody</a:t>
-            </a:r>
-            <a:r>
-              <a:rPr lang="en-US" b="1" dirty="0">
-                <a:solidFill>
-                  <a:srgbClr val="FF0000"/>
-                </a:solidFill>
-              </a:rPr>
-              <a:t> </a:t>
-            </a:r>
-            <a:r>
-              <a:rPr lang="en-US" b="1" dirty="0" err="1">
-                <a:solidFill>
-                  <a:srgbClr val="FF0000"/>
-                </a:solidFill>
-              </a:rPr>
-              <a:t>MoneyToString</a:t>
-            </a:r>
-            <a:r>
-              <a:rPr lang="en-US" b="1" dirty="0">
-                <a:solidFill>
-                  <a:srgbClr val="FF0000"/>
-                </a:solidFill>
-              </a:rPr>
-              <a:t>() </a:t>
-            </a:r>
-            <a:r>
-              <a:rPr lang="en-US" b="1" dirty="0" err="1">
-                <a:solidFill>
-                  <a:srgbClr val="FF0000"/>
-                </a:solidFill>
-              </a:rPr>
-              <a:t>apod</a:t>
-            </a:r>
-            <a:r>
-              <a:rPr lang="en-US" b="1" dirty="0">
-                <a:solidFill>
-                  <a:srgbClr val="FF0000"/>
-                </a:solidFill>
-              </a:rPr>
-              <a:t>. </a:t>
-            </a:r>
-            <a:r>
-              <a:rPr lang="en-US" b="1" dirty="0" err="1">
-                <a:solidFill>
-                  <a:srgbClr val="FF0000"/>
-                </a:solidFill>
-              </a:rPr>
-              <a:t>viz</a:t>
-            </a:r>
-            <a:r>
-              <a:rPr lang="en-US" b="1" dirty="0">
-                <a:solidFill>
-                  <a:srgbClr val="FF0000"/>
-                </a:solidFill>
-              </a:rPr>
-              <a:t> </a:t>
-            </a:r>
-            <a:r>
-              <a:rPr lang="en-US" b="1" dirty="0" err="1">
-                <a:solidFill>
-                  <a:srgbClr val="FF0000"/>
-                </a:solidFill>
-              </a:rPr>
-              <a:t>priklad</a:t>
-            </a:r>
-            <a:r>
-              <a:rPr lang="en-US" b="1" dirty="0">
-                <a:solidFill>
-                  <a:srgbClr val="FF0000"/>
-                </a:solidFill>
-              </a:rPr>
-              <a:t> </a:t>
-            </a:r>
-            <a:r>
-              <a:rPr lang="en-US" b="1" dirty="0" err="1">
-                <a:solidFill>
-                  <a:srgbClr val="FF0000"/>
-                </a:solidFill>
-              </a:rPr>
-              <a:t>TestToStringCulture.cs</a:t>
-            </a:r>
-            <a:endParaRPr lang="cs-CZ" b="1" dirty="0">
-              <a:solidFill>
-                <a:srgbClr val="FF0000"/>
-              </a:solidFill>
-            </a:endParaRPr>
-          </a:p>
-          <a:p>
-            <a:pPr fontAlgn="base"/>
-            <a:endParaRPr lang="en-US" dirty="0"/>
-          </a:p>
-          <a:p>
-            <a:pPr marL="0" indent="0" fontAlgn="base">
-              <a:buNone/>
-            </a:pPr>
-            <a:endParaRPr lang="en-US" dirty="0"/>
-          </a:p>
-          <a:p>
-            <a:pPr fontAlgn="base"/>
-            <a:endParaRPr lang="pt-BR" dirty="0"/>
-          </a:p>
-          <a:p>
-            <a:pPr fontAlgn="base"/>
-            <a:endParaRPr lang="en-US" dirty="0"/>
+            <a:endParaRPr lang="en-US" b="1" dirty="0"/>
           </a:p>
         </p:txBody>
       </p:sp>
@@ -6751,7 +7105,7 @@
     </p:custDataLst>
     <p:extLst>
       <p:ext uri="{BB962C8B-B14F-4D97-AF65-F5344CB8AC3E}">
-        <p14:creationId xmlns:p14="http://schemas.microsoft.com/office/powerpoint/2010/main" val="375692060"/>
+        <p14:creationId xmlns:p14="http://schemas.microsoft.com/office/powerpoint/2010/main" val="1036060905"/>
       </p:ext>
     </p:extLst>
   </p:cSld>
@@ -6808,7 +7162,7 @@
           <a:p>
             <a:r>
               <a:rPr lang="cs-CZ" dirty="0" smtClean="0"/>
-              <a:t>Kolekce</a:t>
+              <a:t>Konvence</a:t>
             </a:r>
             <a:endParaRPr lang="en-US" dirty="0"/>
           </a:p>
@@ -6836,56 +7190,124 @@
           <a:p>
             <a:pPr fontAlgn="base"/>
             <a:r>
+              <a:rPr lang="pt-BR" dirty="0"/>
+              <a:t>konvence </a:t>
+            </a:r>
+            <a:r>
+              <a:rPr lang="pt-BR" b="1" dirty="0"/>
+              <a:t>interface</a:t>
+            </a:r>
+            <a:r>
+              <a:rPr lang="pt-BR" dirty="0"/>
+              <a:t> začíná </a:t>
+            </a:r>
+            <a:r>
+              <a:rPr lang="pt-BR" b="1" dirty="0"/>
+              <a:t>I</a:t>
+            </a:r>
+            <a:r>
+              <a:rPr lang="pt-BR" dirty="0"/>
+              <a:t> viz </a:t>
+            </a:r>
+            <a:r>
+              <a:rPr lang="pt-BR" b="1" dirty="0"/>
+              <a:t>IList</a:t>
+            </a:r>
+            <a:r>
+              <a:rPr lang="pt-BR" dirty="0"/>
+              <a:t> a implementace </a:t>
+            </a:r>
+            <a:r>
+              <a:rPr lang="pt-BR" dirty="0" smtClean="0"/>
+              <a:t>List</a:t>
+            </a:r>
+            <a:endParaRPr lang="cs-CZ" dirty="0" smtClean="0"/>
+          </a:p>
+          <a:p>
+            <a:pPr fontAlgn="base"/>
+            <a:r>
+              <a:rPr lang="en-US" dirty="0" err="1"/>
+              <a:t>nazvy</a:t>
+            </a:r>
+            <a:r>
+              <a:rPr lang="en-US" dirty="0"/>
+              <a:t> </a:t>
+            </a:r>
+            <a:r>
+              <a:rPr lang="en-US" dirty="0" err="1"/>
+              <a:t>metod</a:t>
+            </a:r>
+            <a:r>
+              <a:rPr lang="en-US" dirty="0"/>
+              <a:t> </a:t>
+            </a:r>
+            <a:r>
               <a:rPr lang="cs-CZ" dirty="0" smtClean="0"/>
-              <a:t>K</a:t>
+              <a:t>z </a:t>
             </a:r>
             <a:r>
               <a:rPr lang="en-US" dirty="0" err="1" smtClean="0"/>
-              <a:t>olekce</a:t>
-            </a:r>
-            <a:r>
-              <a:rPr lang="en-US" dirty="0" smtClean="0"/>
-              <a:t> z</a:t>
+              <a:t>pascal</a:t>
             </a:r>
             <a:r>
               <a:rPr lang="cs-CZ" dirty="0" smtClean="0"/>
-              <a:t>e</a:t>
+              <a:t> konvence</a:t>
             </a:r>
             <a:r>
               <a:rPr lang="en-US" dirty="0" smtClean="0"/>
               <a:t> </a:t>
             </a:r>
             <a:r>
+              <a:rPr lang="en-US" dirty="0"/>
+              <a:t>(</a:t>
+            </a:r>
+            <a:r>
               <a:rPr lang="en-US" dirty="0" err="1"/>
-              <a:t>dvou</a:t>
+              <a:t>hlavni</a:t>
             </a:r>
             <a:r>
               <a:rPr lang="en-US" dirty="0"/>
-              <a:t> namespace </a:t>
-            </a:r>
-            <a:r>
-              <a:rPr lang="en-US" b="1" dirty="0" err="1"/>
-              <a:t>System.Collections</a:t>
-            </a:r>
-            <a:r>
-              <a:rPr lang="en-US" dirty="0"/>
-              <a:t> a </a:t>
-            </a:r>
-            <a:r>
-              <a:rPr lang="en-US" b="1" dirty="0" err="1"/>
-              <a:t>System.Collections.Generic</a:t>
+              <a:t> designer c# :-)) </a:t>
+            </a:r>
+            <a:r>
+              <a:rPr lang="en-US" dirty="0" err="1"/>
+              <a:t>první</a:t>
             </a:r>
             <a:r>
               <a:rPr lang="en-US" dirty="0"/>
               <a:t> </a:t>
             </a:r>
-            <a:endParaRPr lang="cs-CZ" dirty="0" smtClean="0"/>
-          </a:p>
-          <a:p>
-            <a:pPr fontAlgn="base"/>
+            <a:r>
+              <a:rPr lang="en-US" dirty="0" err="1"/>
+              <a:t>Velke</a:t>
+            </a:r>
+            <a:r>
+              <a:rPr lang="en-US" dirty="0"/>
+              <a:t> </a:t>
+            </a:r>
             <a:r>
               <a:rPr lang="en-US" dirty="0" err="1" smtClean="0"/>
-              <a:t>pouzivat</a:t>
+              <a:t>pismeno</a:t>
+            </a:r>
+            <a:r>
+              <a:rPr lang="cs-CZ" dirty="0" smtClean="0"/>
+              <a:t> </a:t>
+            </a:r>
+            <a:r>
+              <a:rPr lang="cs-CZ" dirty="0"/>
+              <a:t>viz </a:t>
+            </a:r>
+            <a:r>
+              <a:rPr lang="en-US" b="1" dirty="0" err="1"/>
+              <a:t>ToString</a:t>
+            </a:r>
+            <a:r>
+              <a:rPr lang="cs-CZ" b="1" dirty="0" smtClean="0"/>
+              <a:t>() </a:t>
+            </a:r>
+            <a:r>
+              <a:rPr lang="en-US" dirty="0" err="1" smtClean="0"/>
+              <a:t>jinak</a:t>
             </a:r>
             <a:r>
               <a:rPr lang="en-US" dirty="0" smtClean="0"/>
@@ -6893,7 +7315,7 @@
             </a:r>
             <a:r>
               <a:rPr lang="en-US" dirty="0" err="1"/>
-              <a:t>misto</a:t>
+              <a:t>stejny</a:t>
             </a:r>
             <a:r>
               <a:rPr lang="en-US" dirty="0"/>
@@ -6901,55 +7323,17 @@
             </a:r>
             <a:r>
               <a:rPr lang="en-US" dirty="0" err="1"/>
-              <a:t>ICollection</a:t>
+              <a:t>jako</a:t>
             </a:r>
             <a:r>
               <a:rPr lang="en-US" dirty="0"/>
-              <a:t> </a:t>
-            </a:r>
-            <a:r>
-              <a:rPr lang="en-US" dirty="0" err="1"/>
-              <a:t>nebo</a:t>
-            </a:r>
-            <a:r>
-              <a:rPr lang="en-US" dirty="0"/>
-              <a:t> </a:t>
-            </a:r>
-            <a:r>
-              <a:rPr lang="en-US" dirty="0" err="1"/>
-              <a:t>IList</a:t>
-            </a:r>
-            <a:r>
-              <a:rPr lang="en-US" dirty="0"/>
-              <a:t> </a:t>
-            </a:r>
-            <a:r>
-              <a:rPr lang="cs-CZ" b="1" dirty="0" smtClean="0"/>
-              <a:t>IE</a:t>
-            </a:r>
-            <a:r>
-              <a:rPr lang="en-US" b="1" dirty="0" smtClean="0"/>
-              <a:t>numerable</a:t>
-            </a:r>
-            <a:r>
-              <a:rPr lang="cs-CZ" b="1" dirty="0" smtClean="0"/>
-              <a:t>&lt;&gt;</a:t>
-            </a:r>
-          </a:p>
-          <a:p>
-            <a:pPr fontAlgn="base"/>
-            <a:r>
-              <a:rPr lang="cs-CZ" dirty="0" smtClean="0"/>
-              <a:t>Místo mapy je </a:t>
-            </a:r>
-            <a:r>
-              <a:rPr lang="cs-CZ" dirty="0" err="1" smtClean="0"/>
-              <a:t>IDictionary</a:t>
-            </a:r>
-            <a:r>
-              <a:rPr lang="cs-CZ" dirty="0" smtClean="0"/>
-              <a:t>&lt;,&gt;</a:t>
-            </a:r>
+              <a:t> u </a:t>
+            </a:r>
+            <a:r>
+              <a:rPr lang="en-US" dirty="0" err="1" smtClean="0"/>
+              <a:t>javy</a:t>
+            </a:r>
+            <a:endParaRPr lang="cs-CZ" dirty="0" smtClean="0"/>
           </a:p>
           <a:p>
             <a:pPr fontAlgn="base"/>
@@ -6971,7 +7355,7 @@
     </p:custDataLst>
     <p:extLst>
       <p:ext uri="{BB962C8B-B14F-4D97-AF65-F5344CB8AC3E}">
-        <p14:creationId xmlns:p14="http://schemas.microsoft.com/office/powerpoint/2010/main" val="2224911890"/>
+        <p14:creationId xmlns:p14="http://schemas.microsoft.com/office/powerpoint/2010/main" val="597941734"/>
       </p:ext>
     </p:extLst>
   </p:cSld>
@@ -7023,12 +7407,22 @@
         </p:nvSpPr>
         <p:spPr/>
         <p:txBody>
-          <a:bodyPr/>
+          <a:bodyPr>
+            <a:normAutofit/>
+          </a:bodyPr>
           <a:lstStyle/>
           <a:p>
             <a:r>
+              <a:rPr lang="cs-CZ" dirty="0" err="1" smtClean="0"/>
+              <a:t>Object</a:t>
+            </a:r>
+            <a:r>
               <a:rPr lang="cs-CZ" dirty="0" smtClean="0"/>
-              <a:t>Platforma - pojmenování</a:t>
+              <a:t> a </a:t>
+            </a:r>
+            <a:r>
+              <a:rPr lang="en-US" dirty="0" err="1" smtClean="0"/>
+              <a:t>ValueType</a:t>
             </a:r>
             <a:endParaRPr lang="en-US" dirty="0"/>
           </a:p>
@@ -7050,66 +7444,369 @@
         <p:spPr/>
         <p:txBody>
           <a:bodyPr>
-            <a:normAutofit/>
+            <a:normAutofit fontScale="92500" lnSpcReduction="20000"/>
           </a:bodyPr>
           <a:lstStyle/>
           <a:p>
             <a:pPr fontAlgn="base"/>
             <a:r>
-              <a:rPr lang="en-US" b="1" dirty="0" smtClean="0"/>
-              <a:t>IL </a:t>
-            </a:r>
-            <a:r>
-              <a:rPr lang="en-US" dirty="0"/>
-              <a:t>(Intermediate Language) == byte </a:t>
+              <a:rPr lang="cs-CZ" dirty="0" err="1" smtClean="0"/>
+              <a:t>Class</a:t>
+            </a:r>
+            <a:r>
+              <a:rPr lang="cs-CZ" dirty="0" smtClean="0"/>
+              <a:t> dědí po </a:t>
+            </a:r>
+            <a:r>
+              <a:rPr lang="cs-CZ" dirty="0" err="1" smtClean="0"/>
+              <a:t>Object</a:t>
+            </a:r>
+            <a:endParaRPr lang="cs-CZ" dirty="0"/>
+          </a:p>
+          <a:p>
+            <a:pPr fontAlgn="base"/>
+            <a:r>
+              <a:rPr lang="cs-CZ" dirty="0" err="1" smtClean="0"/>
+              <a:t>Struct</a:t>
+            </a:r>
+            <a:r>
+              <a:rPr lang="cs-CZ" dirty="0" smtClean="0"/>
+              <a:t> dědí po </a:t>
+            </a:r>
+            <a:r>
+              <a:rPr lang="en-US" dirty="0" err="1" smtClean="0"/>
+              <a:t>ValueType</a:t>
+            </a:r>
+            <a:r>
+              <a:rPr lang="cs-CZ" dirty="0" smtClean="0"/>
+              <a:t> (neexistuje metoda </a:t>
+            </a:r>
+            <a:r>
+              <a:rPr lang="en-US" dirty="0" err="1" smtClean="0"/>
+              <a:t>GetType</a:t>
+            </a:r>
+            <a:r>
+              <a:rPr lang="cs-CZ" dirty="0" smtClean="0"/>
+              <a:t>(), destruktor a static metody </a:t>
             </a:r>
             <a:r>
               <a:rPr lang="en-US" dirty="0" smtClean="0"/>
-              <a:t>code</a:t>
-            </a:r>
-            <a:endParaRPr lang="cs-CZ" dirty="0" smtClean="0"/>
+              <a:t>Equals</a:t>
+            </a:r>
+            <a:endParaRPr lang="en-US" dirty="0"/>
           </a:p>
           <a:p>
             <a:pPr fontAlgn="base"/>
             <a:r>
-              <a:rPr lang="en-US" b="1" dirty="0" smtClean="0"/>
-              <a:t>CLR </a:t>
-            </a:r>
-            <a:r>
-              <a:rPr lang="en-US" dirty="0"/>
-              <a:t>(Common Language Runtime) ==  </a:t>
-            </a:r>
-            <a:r>
-              <a:rPr lang="en-US" dirty="0" err="1"/>
-              <a:t>jvm</a:t>
-            </a:r>
-            <a:r>
-              <a:rPr lang="en-US" dirty="0"/>
-              <a:t> (java virtual </a:t>
-            </a:r>
-            <a:r>
-              <a:rPr lang="en-US" dirty="0" smtClean="0"/>
-              <a:t>machine)</a:t>
-            </a:r>
-            <a:endParaRPr lang="cs-CZ" dirty="0"/>
-          </a:p>
-          <a:p>
-            <a:pPr marL="457200" lvl="1" indent="0" fontAlgn="base">
+              <a:rPr lang="cs-CZ" dirty="0" smtClean="0"/>
+              <a:t>)</a:t>
+            </a:r>
+          </a:p>
+          <a:p>
+            <a:pPr fontAlgn="base"/>
+            <a:r>
+              <a:rPr lang="cs-CZ" b="1" dirty="0" err="1"/>
+              <a:t>string</a:t>
+            </a:r>
+            <a:r>
+              <a:rPr lang="cs-CZ" dirty="0"/>
+              <a:t> je alias k </a:t>
+            </a:r>
+            <a:r>
+              <a:rPr lang="cs-CZ" b="1" dirty="0" err="1"/>
+              <a:t>System.String</a:t>
+            </a:r>
+            <a:r>
+              <a:rPr lang="cs-CZ" b="1" dirty="0"/>
+              <a:t> </a:t>
+            </a:r>
+            <a:r>
+              <a:rPr lang="cs-CZ" dirty="0"/>
+              <a:t>je vždy </a:t>
+            </a:r>
+            <a:r>
+              <a:rPr lang="cs-CZ" dirty="0" err="1"/>
+              <a:t>immutable</a:t>
+            </a:r>
+            <a:r>
+              <a:rPr lang="cs-CZ" dirty="0"/>
+              <a:t> tzn. </a:t>
+            </a:r>
+            <a:r>
+              <a:rPr lang="cs-CZ" dirty="0" err="1"/>
+              <a:t>muze</a:t>
+            </a:r>
+            <a:r>
+              <a:rPr lang="cs-CZ" dirty="0"/>
+              <a:t> se </a:t>
+            </a:r>
+            <a:r>
+              <a:rPr lang="cs-CZ" dirty="0" err="1"/>
+              <a:t>pouzivat</a:t>
+            </a:r>
+            <a:r>
+              <a:rPr lang="cs-CZ" dirty="0"/>
+              <a:t> ==</a:t>
+            </a:r>
+            <a:endParaRPr lang="cs-CZ" b="1" dirty="0"/>
+          </a:p>
+          <a:p>
+            <a:pPr fontAlgn="base"/>
+            <a:r>
+              <a:rPr lang="cs-CZ" b="1" dirty="0" err="1"/>
+              <a:t>ToString</a:t>
+            </a:r>
+            <a:r>
+              <a:rPr lang="cs-CZ" dirty="0"/>
+              <a:t>() </a:t>
+            </a:r>
+            <a:r>
+              <a:rPr lang="cs-CZ" b="1" dirty="0" smtClean="0">
+                <a:solidFill>
+                  <a:srgbClr val="FF0000"/>
+                </a:solidFill>
+              </a:rPr>
+              <a:t>pozor double </a:t>
+            </a:r>
+            <a:r>
+              <a:rPr lang="cs-CZ" b="1" dirty="0" err="1" smtClean="0">
+                <a:solidFill>
+                  <a:srgbClr val="FF0000"/>
+                </a:solidFill>
+              </a:rPr>
+              <a:t>apod</a:t>
+            </a:r>
+            <a:r>
+              <a:rPr lang="cs-CZ" b="1" dirty="0" smtClean="0">
+                <a:solidFill>
+                  <a:srgbClr val="FF0000"/>
+                </a:solidFill>
+              </a:rPr>
+              <a:t> </a:t>
+            </a:r>
+            <a:r>
+              <a:rPr lang="en-US" b="1" dirty="0" err="1" smtClean="0">
+                <a:solidFill>
+                  <a:srgbClr val="FF0000"/>
+                </a:solidFill>
+              </a:rPr>
+              <a:t>závislý</a:t>
+            </a:r>
+            <a:r>
+              <a:rPr lang="en-US" b="1" dirty="0" smtClean="0">
+                <a:solidFill>
+                  <a:srgbClr val="FF0000"/>
+                </a:solidFill>
+              </a:rPr>
+              <a:t> </a:t>
+            </a:r>
+            <a:r>
+              <a:rPr lang="en-US" b="1" dirty="0" err="1">
+                <a:solidFill>
+                  <a:srgbClr val="FF0000"/>
+                </a:solidFill>
+              </a:rPr>
+              <a:t>na</a:t>
+            </a:r>
+            <a:r>
+              <a:rPr lang="en-US" b="1" dirty="0">
+                <a:solidFill>
+                  <a:srgbClr val="FF0000"/>
+                </a:solidFill>
+              </a:rPr>
+              <a:t> local </a:t>
+            </a:r>
+            <a:r>
+              <a:rPr lang="en-US" b="1" dirty="0" err="1">
+                <a:solidFill>
+                  <a:srgbClr val="FF0000"/>
+                </a:solidFill>
+              </a:rPr>
+              <a:t>nastavení</a:t>
+            </a:r>
+            <a:r>
+              <a:rPr lang="en-US" b="1" dirty="0">
+                <a:solidFill>
+                  <a:srgbClr val="FF0000"/>
+                </a:solidFill>
+              </a:rPr>
+              <a:t> </a:t>
+            </a:r>
+            <a:r>
+              <a:rPr lang="en-US" b="1" dirty="0" err="1">
+                <a:solidFill>
+                  <a:srgbClr val="FF0000"/>
+                </a:solidFill>
+              </a:rPr>
+              <a:t>počítače</a:t>
+            </a:r>
+            <a:r>
+              <a:rPr lang="en-US" b="1" dirty="0">
+                <a:solidFill>
+                  <a:srgbClr val="FF0000"/>
+                </a:solidFill>
+              </a:rPr>
+              <a:t> -&gt; </a:t>
+            </a:r>
+            <a:r>
+              <a:rPr lang="en-US" b="1" dirty="0" err="1">
+                <a:solidFill>
+                  <a:srgbClr val="FF0000"/>
+                </a:solidFill>
+              </a:rPr>
+              <a:t>doporucuju</a:t>
+            </a:r>
+            <a:r>
+              <a:rPr lang="en-US" b="1" dirty="0">
+                <a:solidFill>
+                  <a:srgbClr val="FF0000"/>
+                </a:solidFill>
+              </a:rPr>
+              <a:t> </a:t>
+            </a:r>
+            <a:r>
+              <a:rPr lang="en-US" b="1" dirty="0" err="1">
+                <a:solidFill>
+                  <a:srgbClr val="FF0000"/>
+                </a:solidFill>
+              </a:rPr>
+              <a:t>si</a:t>
+            </a:r>
+            <a:r>
+              <a:rPr lang="en-US" b="1" dirty="0">
+                <a:solidFill>
+                  <a:srgbClr val="FF0000"/>
+                </a:solidFill>
+              </a:rPr>
+              <a:t> </a:t>
+            </a:r>
+            <a:r>
+              <a:rPr lang="en-US" b="1" dirty="0" err="1">
+                <a:solidFill>
+                  <a:srgbClr val="FF0000"/>
+                </a:solidFill>
+              </a:rPr>
+              <a:t>napsat</a:t>
+            </a:r>
+            <a:r>
+              <a:rPr lang="en-US" b="1" dirty="0">
+                <a:solidFill>
+                  <a:srgbClr val="FF0000"/>
+                </a:solidFill>
+              </a:rPr>
+              <a:t> extension static </a:t>
+            </a:r>
+            <a:r>
+              <a:rPr lang="en-US" b="1" dirty="0" err="1">
+                <a:solidFill>
+                  <a:srgbClr val="FF0000"/>
+                </a:solidFill>
+              </a:rPr>
+              <a:t>metody</a:t>
+            </a:r>
+            <a:r>
+              <a:rPr lang="en-US" b="1" dirty="0">
+                <a:solidFill>
+                  <a:srgbClr val="FF0000"/>
+                </a:solidFill>
+              </a:rPr>
+              <a:t> </a:t>
+            </a:r>
+            <a:r>
+              <a:rPr lang="en-US" b="1" dirty="0" err="1">
+                <a:solidFill>
+                  <a:srgbClr val="FF0000"/>
+                </a:solidFill>
+              </a:rPr>
+              <a:t>MoneyToString</a:t>
+            </a:r>
+            <a:r>
+              <a:rPr lang="en-US" b="1" dirty="0">
+                <a:solidFill>
+                  <a:srgbClr val="FF0000"/>
+                </a:solidFill>
+              </a:rPr>
+              <a:t>() </a:t>
+            </a:r>
+            <a:r>
+              <a:rPr lang="en-US" b="1" dirty="0" err="1">
+                <a:solidFill>
+                  <a:srgbClr val="FF0000"/>
+                </a:solidFill>
+              </a:rPr>
+              <a:t>apod</a:t>
+            </a:r>
+            <a:r>
+              <a:rPr lang="en-US" b="1" dirty="0">
+                <a:solidFill>
+                  <a:srgbClr val="FF0000"/>
+                </a:solidFill>
+              </a:rPr>
+              <a:t>. </a:t>
+            </a:r>
+            <a:r>
+              <a:rPr lang="en-US" b="1" dirty="0" err="1">
+                <a:solidFill>
+                  <a:srgbClr val="FF0000"/>
+                </a:solidFill>
+              </a:rPr>
+              <a:t>viz</a:t>
+            </a:r>
+            <a:r>
+              <a:rPr lang="en-US" b="1" dirty="0">
+                <a:solidFill>
+                  <a:srgbClr val="FF0000"/>
+                </a:solidFill>
+              </a:rPr>
+              <a:t> </a:t>
+            </a:r>
+            <a:r>
+              <a:rPr lang="en-US" b="1" dirty="0" err="1">
+                <a:solidFill>
+                  <a:srgbClr val="FF0000"/>
+                </a:solidFill>
+              </a:rPr>
+              <a:t>priklad</a:t>
+            </a:r>
+            <a:r>
+              <a:rPr lang="en-US" b="1" dirty="0">
+                <a:solidFill>
+                  <a:srgbClr val="FF0000"/>
+                </a:solidFill>
+              </a:rPr>
+              <a:t> </a:t>
+            </a:r>
+            <a:r>
+              <a:rPr lang="en-US" b="1" dirty="0" err="1">
+                <a:solidFill>
+                  <a:srgbClr val="FF0000"/>
+                </a:solidFill>
+              </a:rPr>
+              <a:t>TestToStringCulture.cs</a:t>
+            </a:r>
+            <a:endParaRPr lang="cs-CZ" b="1" dirty="0">
+              <a:solidFill>
+                <a:srgbClr val="FF0000"/>
+              </a:solidFill>
+            </a:endParaRPr>
+          </a:p>
+          <a:p>
+            <a:pPr fontAlgn="base"/>
+            <a:endParaRPr lang="en-US" dirty="0"/>
+          </a:p>
+          <a:p>
+            <a:pPr marL="0" indent="0" fontAlgn="base">
               <a:buNone/>
             </a:pPr>
-            <a:endParaRPr lang="en-US" b="1" dirty="0"/>
+            <a:endParaRPr lang="en-US" dirty="0"/>
           </a:p>
           <a:p>
             <a:pPr fontAlgn="base"/>
-            <a:endParaRPr lang="cs-CZ" dirty="0" smtClean="0"/>
+            <a:endParaRPr lang="pt-BR" dirty="0"/>
           </a:p>
           <a:p>
             <a:pPr fontAlgn="base"/>
-            <a:endParaRPr lang="en-US" b="1" dirty="0"/>
-          </a:p>
-          <a:p>
-            <a:pPr fontAlgn="base"/>
-            <a:endParaRPr lang="en-US" b="1" dirty="0"/>
+            <a:endParaRPr lang="en-US" dirty="0"/>
           </a:p>
         </p:txBody>
       </p:sp>
@@ -7119,7 +7816,7 @@
     </p:custDataLst>
     <p:extLst>
       <p:ext uri="{BB962C8B-B14F-4D97-AF65-F5344CB8AC3E}">
-        <p14:creationId xmlns:p14="http://schemas.microsoft.com/office/powerpoint/2010/main" val="2912075712"/>
+        <p14:creationId xmlns:p14="http://schemas.microsoft.com/office/powerpoint/2010/main" val="375692060"/>
       </p:ext>
     </p:extLst>
   </p:cSld>
@@ -7175,8 +7872,8 @@
           <a:lstStyle/>
           <a:p>
             <a:r>
-              <a:rPr lang="en-US" b="1" dirty="0"/>
-              <a:t>Assembly</a:t>
+              <a:rPr lang="cs-CZ" dirty="0" smtClean="0"/>
+              <a:t>Kolekce</a:t>
             </a:r>
             <a:endParaRPr lang="en-US" dirty="0"/>
           </a:p>
@@ -7195,70 +7892,85 @@
             </p:custDataLst>
           </p:nvPr>
         </p:nvSpPr>
-        <p:spPr>
-          <a:xfrm>
-            <a:off x="755576" y="1340768"/>
-            <a:ext cx="8490520" cy="5040560"/>
-          </a:xfrm>
-        </p:spPr>
+        <p:spPr/>
         <p:txBody>
           <a:bodyPr>
-            <a:normAutofit fontScale="77500" lnSpcReduction="20000"/>
+            <a:normAutofit lnSpcReduction="10000"/>
           </a:bodyPr>
           <a:lstStyle/>
           <a:p>
             <a:pPr fontAlgn="base"/>
             <a:r>
-              <a:rPr lang="en-US" b="1" dirty="0" smtClean="0"/>
-              <a:t>(</a:t>
+              <a:rPr lang="cs-CZ" dirty="0" smtClean="0"/>
+              <a:t>K</a:t>
+            </a:r>
+            <a:r>
+              <a:rPr lang="en-US" dirty="0" err="1" smtClean="0"/>
+              <a:t>olekce</a:t>
+            </a:r>
+            <a:r>
+              <a:rPr lang="en-US" dirty="0" smtClean="0"/>
+              <a:t> z</a:t>
+            </a:r>
+            <a:r>
+              <a:rPr lang="cs-CZ" dirty="0" smtClean="0"/>
+              <a:t>e</a:t>
+            </a:r>
+            <a:r>
+              <a:rPr lang="en-US" dirty="0" smtClean="0"/>
+              <a:t> </a:t>
+            </a:r>
+            <a:r>
+              <a:rPr lang="en-US" dirty="0" err="1"/>
+              <a:t>dvou</a:t>
+            </a:r>
+            <a:r>
+              <a:rPr lang="en-US" dirty="0"/>
+              <a:t> namespace </a:t>
             </a:r>
             <a:r>
               <a:rPr lang="en-US" b="1" dirty="0" err="1"/>
-              <a:t>dll</a:t>
-            </a:r>
-            <a:r>
-              <a:rPr lang="en-US" b="1" dirty="0"/>
+              <a:t>System.Collections</a:t>
+            </a:r>
+            <a:r>
+              <a:rPr lang="en-US" dirty="0"/>
+              <a:t> a </a:t>
+            </a:r>
+            <a:r>
+              <a:rPr lang="en-US" b="1" dirty="0" err="1"/>
+              <a:t>System.Collections.Generic</a:t>
+            </a:r>
+            <a:r>
+              <a:rPr lang="en-US" dirty="0"/>
               <a:t> </a:t>
             </a:r>
-            <a:r>
-              <a:rPr lang="en-US" b="1" dirty="0" err="1"/>
-              <a:t>nebo</a:t>
-            </a:r>
-            <a:r>
-              <a:rPr lang="en-US" b="1" dirty="0"/>
-              <a:t> exe) </a:t>
+            <a:endParaRPr lang="cs-CZ" dirty="0" smtClean="0"/>
+          </a:p>
+          <a:p>
+            <a:pPr fontAlgn="base"/>
+            <a:r>
+              <a:rPr lang="en-US" dirty="0" err="1" smtClean="0"/>
+              <a:t>pouzivat</a:t>
+            </a:r>
+            <a:r>
+              <a:rPr lang="en-US" dirty="0" smtClean="0"/>
+              <a:t> </a:t>
+            </a:r>
+            <a:r>
+              <a:rPr lang="en-US" dirty="0" err="1"/>
+              <a:t>misto</a:t>
             </a:r>
             <a:r>
               <a:rPr lang="en-US" dirty="0"/>
-              <a:t>~ jar + </a:t>
-            </a:r>
-            <a:r>
-              <a:rPr lang="en-US" dirty="0" smtClean="0"/>
-              <a:t>metadata</a:t>
-            </a:r>
-            <a:endParaRPr lang="cs-CZ" dirty="0" smtClean="0"/>
-          </a:p>
-          <a:p>
-            <a:pPr lvl="1" fontAlgn="base"/>
-            <a:r>
-              <a:rPr lang="en-US" b="1" dirty="0" smtClean="0"/>
-              <a:t>Version</a:t>
-            </a:r>
-            <a:r>
-              <a:rPr lang="en-US" dirty="0" smtClean="0"/>
-              <a:t>=10.0.0.0</a:t>
+              <a:t> </a:t>
+            </a:r>
+            <a:r>
+              <a:rPr lang="en-US" dirty="0" err="1"/>
+              <a:t>ICollection</a:t>
             </a:r>
             <a:r>
               <a:rPr lang="en-US" dirty="0"/>
-              <a:t>, </a:t>
-            </a:r>
-            <a:r>
-              <a:rPr lang="en-US" b="1" dirty="0"/>
-              <a:t>Culture</a:t>
-            </a:r>
-            <a:r>
-              <a:rPr lang="en-US" dirty="0"/>
-              <a:t>=neutral (x86 </a:t>
+              <a:t> </a:t>
             </a:r>
             <a:r>
               <a:rPr lang="en-US" dirty="0" err="1"/>
@@ -7266,19 +7978,53 @@
             </a:r>
             <a:r>
               <a:rPr lang="en-US" dirty="0"/>
-              <a:t> x64), </a:t>
-            </a:r>
-            <a:r>
-              <a:rPr lang="en-US" b="1" dirty="0" err="1" smtClean="0"/>
-              <a:t>PublicKeyToken</a:t>
+              <a:t> </a:t>
+            </a:r>
+            <a:r>
+              <a:rPr lang="en-US" dirty="0" err="1"/>
+              <a:t>IList</a:t>
+            </a:r>
+            <a:r>
+              <a:rPr lang="en-US" dirty="0"/>
+              <a:t> </a:t>
+            </a:r>
+            <a:r>
+              <a:rPr lang="cs-CZ" b="1" dirty="0" smtClean="0"/>
+              <a:t>IE</a:t>
             </a:r>
             <a:r>
               <a:rPr lang="en-US" b="1" dirty="0" smtClean="0"/>
-              <a:t>=</a:t>
-            </a:r>
-            <a:r>
-              <a:rPr lang="en-US" dirty="0" smtClean="0"/>
-              <a:t>hash</a:t>
+              <a:t>numerable</a:t>
+            </a:r>
+            <a:r>
+              <a:rPr lang="cs-CZ" b="1" dirty="0" smtClean="0"/>
+              <a:t>&lt;&gt;</a:t>
+            </a:r>
+          </a:p>
+          <a:p>
+            <a:pPr fontAlgn="base"/>
+            <a:r>
+              <a:rPr lang="cs-CZ" dirty="0" smtClean="0"/>
+              <a:t>Místo mapy je </a:t>
+            </a:r>
+            <a:r>
+              <a:rPr lang="cs-CZ" dirty="0" err="1" smtClean="0"/>
+              <a:t>IDictionary</a:t>
+            </a:r>
+            <a:r>
+              <a:rPr lang="cs-CZ" dirty="0" smtClean="0"/>
+              <a:t>&lt;,&gt;</a:t>
+            </a:r>
+          </a:p>
+          <a:p>
+            <a:pPr fontAlgn="base"/>
+            <a:r>
+              <a:rPr lang="cs-CZ" dirty="0" smtClean="0"/>
+              <a:t>Do kolekce lze </a:t>
+            </a:r>
+            <a:r>
+              <a:rPr lang="cs-CZ" dirty="0" err="1" smtClean="0"/>
+              <a:t>vkladat</a:t>
             </a:r>
             <a:r>
               <a:rPr lang="cs-CZ" dirty="0" smtClean="0"/>
@@ -7286,580 +8032,47 @@
             </a:r>
             <a:r>
               <a:rPr lang="cs-CZ" dirty="0" err="1" smtClean="0"/>
-              <a:t>cislo</a:t>
-            </a:r>
-            <a:endParaRPr lang="cs-CZ" dirty="0" smtClean="0"/>
-          </a:p>
-          <a:p>
-            <a:pPr lvl="1" fontAlgn="base"/>
-            <a:r>
-              <a:rPr lang="en-US" b="1" dirty="0" smtClean="0"/>
-              <a:t>Weakly </a:t>
-            </a:r>
-            <a:r>
-              <a:rPr lang="en-US" b="1" dirty="0"/>
-              <a:t>Named Assemblies </a:t>
-            </a:r>
-            <a:r>
-              <a:rPr lang="en-US" dirty="0"/>
-              <a:t>a</a:t>
-            </a:r>
-            <a:r>
-              <a:rPr lang="en-US" b="1" dirty="0"/>
-              <a:t> Strongly Named Assemblies - </a:t>
-            </a:r>
-            <a:r>
-              <a:rPr lang="en-US" b="1" dirty="0" err="1"/>
-              <a:t>podepsaný</a:t>
-            </a:r>
-            <a:r>
-              <a:rPr lang="en-US" b="1" dirty="0"/>
-              <a:t> </a:t>
-            </a:r>
-            <a:r>
-              <a:rPr lang="en-US" b="1" dirty="0" err="1"/>
-              <a:t>lze</a:t>
-            </a:r>
-            <a:r>
-              <a:rPr lang="en-US" b="1" dirty="0"/>
-              <a:t> </a:t>
-            </a:r>
-            <a:r>
-              <a:rPr lang="en-US" b="1" dirty="0" err="1"/>
-              <a:t>zadat</a:t>
-            </a:r>
-            <a:r>
-              <a:rPr lang="en-US" b="1" dirty="0"/>
-              <a:t> do GAC </a:t>
-            </a:r>
-            <a:r>
-              <a:rPr lang="en-US" dirty="0"/>
-              <a:t>(c:\Windows\Microsoft.NET\assembly\GAC_MSIL</a:t>
-            </a:r>
-            <a:r>
-              <a:rPr lang="en-US" b="1" dirty="0"/>
-              <a:t> </a:t>
-            </a:r>
-            <a:r>
-              <a:rPr lang="en-US" b="1" dirty="0" err="1"/>
-              <a:t>či</a:t>
-            </a:r>
-            <a:r>
-              <a:rPr lang="en-US" b="1" dirty="0"/>
-              <a:t> </a:t>
-            </a:r>
-            <a:r>
-              <a:rPr lang="en-US" dirty="0"/>
-              <a:t>GAC_32, GAC_64</a:t>
-            </a:r>
-            <a:r>
-              <a:rPr lang="en-US" dirty="0" smtClean="0"/>
-              <a:t>)</a:t>
-            </a:r>
+              <a:t>struct</a:t>
+            </a:r>
+            <a:r>
+              <a:rPr lang="cs-CZ" dirty="0" smtClean="0"/>
+              <a:t> tzn. </a:t>
+            </a:r>
+            <a:r>
+              <a:rPr lang="cs-CZ" dirty="0" err="1" smtClean="0"/>
+              <a:t>int</a:t>
+            </a:r>
+            <a:r>
+              <a:rPr lang="cs-CZ" dirty="0" smtClean="0"/>
+              <a:t> apod.</a:t>
+            </a:r>
+          </a:p>
+          <a:p>
+            <a:pPr fontAlgn="base"/>
+            <a:r>
+              <a:rPr lang="cs-CZ" dirty="0" smtClean="0"/>
+              <a:t>Lze použít </a:t>
+            </a:r>
+            <a:r>
+              <a:rPr lang="cs-CZ" dirty="0" err="1" smtClean="0"/>
+              <a:t>instanceof</a:t>
+            </a:r>
+            <a:r>
+              <a:rPr lang="cs-CZ" dirty="0" smtClean="0"/>
+              <a:t> T</a:t>
+            </a:r>
+          </a:p>
+          <a:p>
+            <a:pPr fontAlgn="base"/>
             <a:endParaRPr lang="en-US" dirty="0"/>
           </a:p>
           <a:p>
-            <a:pPr lvl="1" fontAlgn="base"/>
-            <a:r>
-              <a:rPr lang="en-US" dirty="0" err="1">
-                <a:solidFill>
-                  <a:srgbClr val="FF0000"/>
-                </a:solidFill>
-              </a:rPr>
-              <a:t>Pozor</a:t>
-            </a:r>
-            <a:r>
-              <a:rPr lang="en-US" dirty="0">
-                <a:solidFill>
-                  <a:srgbClr val="FF0000"/>
-                </a:solidFill>
-              </a:rPr>
-              <a:t>: </a:t>
-            </a:r>
-            <a:r>
-              <a:rPr lang="en-US" dirty="0" err="1">
-                <a:solidFill>
-                  <a:srgbClr val="FF0000"/>
-                </a:solidFill>
-              </a:rPr>
-              <a:t>pokud</a:t>
-            </a:r>
-            <a:r>
-              <a:rPr lang="en-US" dirty="0">
-                <a:solidFill>
-                  <a:srgbClr val="FF0000"/>
-                </a:solidFill>
-              </a:rPr>
-              <a:t> je </a:t>
-            </a:r>
-            <a:r>
-              <a:rPr lang="en-US" dirty="0" err="1">
-                <a:solidFill>
-                  <a:srgbClr val="FF0000"/>
-                </a:solidFill>
-              </a:rPr>
-              <a:t>závislost</a:t>
-            </a:r>
-            <a:r>
-              <a:rPr lang="en-US" dirty="0">
-                <a:solidFill>
-                  <a:srgbClr val="FF0000"/>
-                </a:solidFill>
-              </a:rPr>
-              <a:t> (VS references) </a:t>
-            </a:r>
-            <a:r>
-              <a:rPr lang="en-US" b="1" dirty="0">
-                <a:solidFill>
-                  <a:srgbClr val="FF0000"/>
-                </a:solidFill>
-              </a:rPr>
-              <a:t>Specific Version = true</a:t>
-            </a:r>
-            <a:r>
-              <a:rPr lang="en-US" dirty="0">
-                <a:solidFill>
-                  <a:srgbClr val="FF0000"/>
-                </a:solidFill>
-              </a:rPr>
-              <a:t> v runtime .NET </a:t>
-            </a:r>
-            <a:r>
-              <a:rPr lang="en-US" dirty="0" err="1">
-                <a:solidFill>
-                  <a:srgbClr val="FF0000"/>
-                </a:solidFill>
-              </a:rPr>
-              <a:t>nejdriv</a:t>
-            </a:r>
-            <a:r>
-              <a:rPr lang="en-US" dirty="0">
-                <a:solidFill>
-                  <a:srgbClr val="FF0000"/>
-                </a:solidFill>
-              </a:rPr>
-              <a:t> </a:t>
-            </a:r>
-            <a:r>
-              <a:rPr lang="en-US" dirty="0" err="1">
-                <a:solidFill>
-                  <a:srgbClr val="FF0000"/>
-                </a:solidFill>
-              </a:rPr>
-              <a:t>hleda</a:t>
-            </a:r>
-            <a:r>
-              <a:rPr lang="en-US" dirty="0">
-                <a:solidFill>
-                  <a:srgbClr val="FF0000"/>
-                </a:solidFill>
-              </a:rPr>
-              <a:t> v GAC a </a:t>
-            </a:r>
-            <a:r>
-              <a:rPr lang="en-US" dirty="0" err="1">
-                <a:solidFill>
-                  <a:srgbClr val="FF0000"/>
-                </a:solidFill>
-              </a:rPr>
-              <a:t>potom</a:t>
-            </a:r>
-            <a:r>
-              <a:rPr lang="en-US" dirty="0">
-                <a:solidFill>
-                  <a:srgbClr val="FF0000"/>
-                </a:solidFill>
-              </a:rPr>
-              <a:t> v </a:t>
-            </a:r>
-            <a:r>
-              <a:rPr lang="en-US" dirty="0" err="1">
-                <a:solidFill>
-                  <a:srgbClr val="FF0000"/>
-                </a:solidFill>
-              </a:rPr>
-              <a:t>adresari</a:t>
-            </a:r>
-            <a:r>
-              <a:rPr lang="en-US" dirty="0">
-                <a:solidFill>
-                  <a:srgbClr val="FF0000"/>
-                </a:solidFill>
-              </a:rPr>
-              <a:t> exe </a:t>
-            </a:r>
-            <a:r>
-              <a:rPr lang="en-US" dirty="0" err="1">
-                <a:solidFill>
-                  <a:srgbClr val="FF0000"/>
-                </a:solidFill>
-              </a:rPr>
-              <a:t>či</a:t>
-            </a:r>
-            <a:r>
-              <a:rPr lang="en-US" dirty="0">
-                <a:solidFill>
-                  <a:srgbClr val="FF0000"/>
-                </a:solidFill>
-              </a:rPr>
-              <a:t> bin </a:t>
-            </a:r>
-            <a:r>
-              <a:rPr lang="en-US" dirty="0" err="1">
-                <a:solidFill>
-                  <a:srgbClr val="FF0000"/>
-                </a:solidFill>
-              </a:rPr>
-              <a:t>na</a:t>
-            </a:r>
-            <a:r>
-              <a:rPr lang="en-US" dirty="0">
-                <a:solidFill>
-                  <a:srgbClr val="FF0000"/>
-                </a:solidFill>
-              </a:rPr>
-              <a:t> </a:t>
-            </a:r>
-            <a:r>
-              <a:rPr lang="en-US" dirty="0" err="1">
-                <a:solidFill>
-                  <a:srgbClr val="FF0000"/>
-                </a:solidFill>
-              </a:rPr>
-              <a:t>webu</a:t>
-            </a:r>
-            <a:r>
-              <a:rPr lang="en-US" dirty="0">
-                <a:solidFill>
-                  <a:srgbClr val="FF0000"/>
-                </a:solidFill>
-              </a:rPr>
-              <a:t> !!! </a:t>
-            </a:r>
-            <a:r>
-              <a:rPr lang="en-US" dirty="0" err="1">
-                <a:solidFill>
-                  <a:srgbClr val="FF0000"/>
-                </a:solidFill>
-              </a:rPr>
-              <a:t>knihovny</a:t>
-            </a:r>
-            <a:r>
-              <a:rPr lang="en-US" dirty="0">
-                <a:solidFill>
-                  <a:srgbClr val="FF0000"/>
-                </a:solidFill>
-              </a:rPr>
-              <a:t> </a:t>
-            </a:r>
-            <a:r>
-              <a:rPr lang="en-US" dirty="0" err="1">
-                <a:solidFill>
-                  <a:srgbClr val="FF0000"/>
-                </a:solidFill>
-              </a:rPr>
-              <a:t>naistalovany</a:t>
-            </a:r>
-            <a:r>
-              <a:rPr lang="en-US" dirty="0">
-                <a:solidFill>
-                  <a:srgbClr val="FF0000"/>
-                </a:solidFill>
-              </a:rPr>
-              <a:t> </a:t>
-            </a:r>
-            <a:r>
-              <a:rPr lang="en-US" dirty="0" err="1">
-                <a:solidFill>
-                  <a:srgbClr val="FF0000"/>
-                </a:solidFill>
-              </a:rPr>
-              <a:t>pomoci</a:t>
-            </a:r>
-            <a:r>
-              <a:rPr lang="en-US" dirty="0">
-                <a:solidFill>
-                  <a:srgbClr val="FF0000"/>
-                </a:solidFill>
-              </a:rPr>
-              <a:t> </a:t>
-            </a:r>
-            <a:r>
-              <a:rPr lang="en-US" dirty="0" err="1">
-                <a:solidFill>
-                  <a:srgbClr val="FF0000"/>
-                </a:solidFill>
-              </a:rPr>
-              <a:t>nejakych</a:t>
-            </a:r>
-            <a:r>
-              <a:rPr lang="en-US" dirty="0">
-                <a:solidFill>
-                  <a:srgbClr val="FF0000"/>
-                </a:solidFill>
-              </a:rPr>
-              <a:t> </a:t>
-            </a:r>
-            <a:r>
-              <a:rPr lang="en-US" dirty="0" err="1">
-                <a:solidFill>
-                  <a:srgbClr val="FF0000"/>
-                </a:solidFill>
-              </a:rPr>
-              <a:t>instalatoru</a:t>
-            </a:r>
-            <a:r>
-              <a:rPr lang="en-US" dirty="0">
-                <a:solidFill>
-                  <a:srgbClr val="FF0000"/>
-                </a:solidFill>
-              </a:rPr>
-              <a:t> </a:t>
-            </a:r>
-            <a:r>
-              <a:rPr lang="en-US" dirty="0" err="1">
-                <a:solidFill>
-                  <a:srgbClr val="FF0000"/>
-                </a:solidFill>
-              </a:rPr>
-              <a:t>napr</a:t>
-            </a:r>
-            <a:r>
-              <a:rPr lang="en-US" dirty="0">
-                <a:solidFill>
-                  <a:srgbClr val="FF0000"/>
-                </a:solidFill>
-              </a:rPr>
-              <a:t>. mvc3 </a:t>
-            </a:r>
-            <a:r>
-              <a:rPr lang="en-US" dirty="0" err="1">
-                <a:solidFill>
-                  <a:srgbClr val="FF0000"/>
-                </a:solidFill>
-              </a:rPr>
-              <a:t>apod</a:t>
-            </a:r>
-            <a:r>
-              <a:rPr lang="en-US" dirty="0">
-                <a:solidFill>
-                  <a:srgbClr val="FF0000"/>
-                </a:solidFill>
-              </a:rPr>
-              <a:t>. a </a:t>
-            </a:r>
-            <a:r>
-              <a:rPr lang="en-US" dirty="0" err="1">
-                <a:solidFill>
-                  <a:srgbClr val="FF0000"/>
-                </a:solidFill>
-              </a:rPr>
-              <a:t>samozřejmě</a:t>
-            </a:r>
-            <a:r>
-              <a:rPr lang="en-US" dirty="0">
-                <a:solidFill>
-                  <a:srgbClr val="FF0000"/>
-                </a:solidFill>
-              </a:rPr>
-              <a:t> .NET core </a:t>
-            </a:r>
-            <a:r>
-              <a:rPr lang="en-US" dirty="0" err="1">
-                <a:solidFill>
-                  <a:srgbClr val="FF0000"/>
-                </a:solidFill>
-              </a:rPr>
-              <a:t>knihovny</a:t>
-            </a:r>
-            <a:r>
-              <a:rPr lang="en-US" dirty="0">
-                <a:solidFill>
-                  <a:srgbClr val="FF0000"/>
-                </a:solidFill>
-              </a:rPr>
-              <a:t>. </a:t>
-            </a:r>
-            <a:r>
-              <a:rPr lang="en-US" b="1" dirty="0" err="1">
-                <a:solidFill>
-                  <a:srgbClr val="FF0000"/>
-                </a:solidFill>
-              </a:rPr>
-              <a:t>Doporucuju</a:t>
-            </a:r>
-            <a:r>
-              <a:rPr lang="en-US" b="1" dirty="0">
-                <a:solidFill>
-                  <a:srgbClr val="FF0000"/>
-                </a:solidFill>
-              </a:rPr>
-              <a:t> </a:t>
-            </a:r>
-            <a:r>
-              <a:rPr lang="en-US" b="1" dirty="0" err="1">
-                <a:solidFill>
-                  <a:srgbClr val="FF0000"/>
-                </a:solidFill>
-              </a:rPr>
-              <a:t>vlastni</a:t>
-            </a:r>
-            <a:r>
-              <a:rPr lang="en-US" b="1" dirty="0">
-                <a:solidFill>
-                  <a:srgbClr val="FF0000"/>
-                </a:solidFill>
-              </a:rPr>
-              <a:t> </a:t>
-            </a:r>
-            <a:r>
-              <a:rPr lang="en-US" b="1" dirty="0" err="1">
-                <a:solidFill>
-                  <a:srgbClr val="FF0000"/>
-                </a:solidFill>
-              </a:rPr>
-              <a:t>knihovny</a:t>
-            </a:r>
-            <a:r>
-              <a:rPr lang="en-US" b="1" dirty="0">
-                <a:solidFill>
-                  <a:srgbClr val="FF0000"/>
-                </a:solidFill>
-              </a:rPr>
-              <a:t> </a:t>
-            </a:r>
-            <a:r>
-              <a:rPr lang="en-US" b="1" dirty="0" err="1">
-                <a:solidFill>
-                  <a:srgbClr val="FF0000"/>
-                </a:solidFill>
-              </a:rPr>
-              <a:t>vubec</a:t>
-            </a:r>
-            <a:r>
-              <a:rPr lang="en-US" b="1" dirty="0">
-                <a:solidFill>
-                  <a:srgbClr val="FF0000"/>
-                </a:solidFill>
-              </a:rPr>
-              <a:t> </a:t>
-            </a:r>
-            <a:r>
-              <a:rPr lang="en-US" b="1" dirty="0" err="1">
-                <a:solidFill>
-                  <a:srgbClr val="FF0000"/>
-                </a:solidFill>
-              </a:rPr>
-              <a:t>nedavat</a:t>
-            </a:r>
-            <a:r>
-              <a:rPr lang="en-US" b="1" dirty="0">
-                <a:solidFill>
-                  <a:srgbClr val="FF0000"/>
-                </a:solidFill>
-              </a:rPr>
-              <a:t> do GAC</a:t>
-            </a:r>
-            <a:r>
-              <a:rPr lang="en-US" b="1" dirty="0" smtClean="0">
-                <a:solidFill>
-                  <a:srgbClr val="FF0000"/>
-                </a:solidFill>
-              </a:rPr>
-              <a:t>.</a:t>
-            </a:r>
-            <a:endParaRPr lang="nn-NO" dirty="0"/>
-          </a:p>
-          <a:p>
-            <a:pPr lvl="1" fontAlgn="base"/>
-            <a:r>
-              <a:rPr lang="nn-NO" dirty="0"/>
-              <a:t>kvalitní open dekompiler: </a:t>
-            </a:r>
-            <a:r>
-              <a:rPr lang="nn-NO" dirty="0" smtClean="0"/>
-              <a:t>ILSpy</a:t>
-            </a:r>
-            <a:r>
-              <a:rPr lang="cs-CZ" dirty="0" smtClean="0"/>
-              <a:t> </a:t>
-            </a:r>
-            <a:r>
-              <a:rPr lang="nn-NO" u="sng" dirty="0" smtClean="0">
-                <a:hlinkClick r:id="rId6"/>
-              </a:rPr>
-              <a:t>ttp</a:t>
-            </a:r>
-            <a:r>
-              <a:rPr lang="nn-NO" u="sng" dirty="0">
-                <a:hlinkClick r:id="rId6"/>
-              </a:rPr>
-              <a:t>://</a:t>
-            </a:r>
-            <a:r>
-              <a:rPr lang="nn-NO" u="sng" dirty="0" smtClean="0">
-                <a:hlinkClick r:id="rId6"/>
-              </a:rPr>
-              <a:t>wiki.sharpdevelop.net/ILSpy.ashx</a:t>
-            </a:r>
+            <a:pPr fontAlgn="base"/>
+            <a:endParaRPr lang="pt-BR" dirty="0"/>
+          </a:p>
+          <a:p>
+            <a:pPr fontAlgn="base"/>
             <a:endParaRPr lang="en-US" dirty="0"/>
-          </a:p>
-          <a:p>
-            <a:pPr lvl="1" fontAlgn="base"/>
-            <a:r>
-              <a:rPr lang="en-US" dirty="0" err="1"/>
-              <a:t>práce</a:t>
-            </a:r>
-            <a:r>
-              <a:rPr lang="en-US" dirty="0"/>
-              <a:t> s GAC </a:t>
-            </a:r>
-            <a:r>
-              <a:rPr lang="en-US" dirty="0" err="1"/>
-              <a:t>pomocí</a:t>
-            </a:r>
-            <a:r>
-              <a:rPr lang="en-US" dirty="0"/>
-              <a:t> </a:t>
-            </a:r>
-            <a:r>
-              <a:rPr lang="en-US" b="1" dirty="0"/>
-              <a:t>GACUTIL.exe</a:t>
-            </a:r>
-          </a:p>
-          <a:p>
-            <a:pPr lvl="1" fontAlgn="base"/>
-            <a:endParaRPr lang="cs-CZ" u="sng" dirty="0" smtClean="0"/>
-          </a:p>
-          <a:p>
-            <a:pPr lvl="1" fontAlgn="base"/>
-            <a:endParaRPr lang="nn-NO" b="1" dirty="0"/>
-          </a:p>
-          <a:p>
-            <a:pPr lvl="1" fontAlgn="base"/>
-            <a:endParaRPr lang="en-US" b="1" dirty="0">
-              <a:solidFill>
-                <a:srgbClr val="FF0000"/>
-              </a:solidFill>
-            </a:endParaRPr>
-          </a:p>
-          <a:p>
-            <a:pPr marL="457200" lvl="1" indent="0" fontAlgn="base">
-              <a:buNone/>
-            </a:pPr>
-            <a:endParaRPr lang="en-US" b="1" dirty="0"/>
-          </a:p>
-          <a:p>
-            <a:pPr fontAlgn="base"/>
-            <a:endParaRPr lang="cs-CZ" dirty="0" smtClean="0"/>
-          </a:p>
-          <a:p>
-            <a:pPr fontAlgn="base"/>
-            <a:endParaRPr lang="en-US" b="1" dirty="0"/>
-          </a:p>
-          <a:p>
-            <a:pPr fontAlgn="base"/>
-            <a:endParaRPr lang="en-US" b="1" dirty="0"/>
           </a:p>
         </p:txBody>
       </p:sp>
@@ -7869,7 +8082,7 @@
     </p:custDataLst>
     <p:extLst>
       <p:ext uri="{BB962C8B-B14F-4D97-AF65-F5344CB8AC3E}">
-        <p14:creationId xmlns:p14="http://schemas.microsoft.com/office/powerpoint/2010/main" val="2263250981"/>
+        <p14:creationId xmlns:p14="http://schemas.microsoft.com/office/powerpoint/2010/main" val="2224911890"/>
       </p:ext>
     </p:extLst>
   </p:cSld>
@@ -8002,10 +8215,9 @@
               <a:t>www.</a:t>
             </a:r>
             <a:r>
-              <a:rPr lang="en-US" smtClean="0"/>
+              <a:rPr lang="en-US" dirty="0" smtClean="0"/>
               <a:t>mstv.cz</a:t>
             </a:r>
-            <a:endParaRPr lang="en-US" dirty="0" smtClean="0"/>
           </a:p>
         </p:txBody>
       </p:sp>

--- a/prezentace.pptx
+++ b/prezentace.pptx
@@ -5,10 +5,10 @@
     <p:sldMasterId id="2147483648" r:id="rId1"/>
   </p:sldMasterIdLst>
   <p:notesMasterIdLst>
-    <p:notesMasterId r:id="rId12"/>
+    <p:notesMasterId r:id="rId13"/>
   </p:notesMasterIdLst>
   <p:handoutMasterIdLst>
-    <p:handoutMasterId r:id="rId13"/>
+    <p:handoutMasterId r:id="rId14"/>
   </p:handoutMasterIdLst>
   <p:sldIdLst>
     <p:sldId id="259" r:id="rId2"/>
@@ -16,11 +16,12 @@
     <p:sldId id="279" r:id="rId4"/>
     <p:sldId id="284" r:id="rId5"/>
     <p:sldId id="278" r:id="rId6"/>
-    <p:sldId id="281" r:id="rId7"/>
-    <p:sldId id="282" r:id="rId8"/>
-    <p:sldId id="283" r:id="rId9"/>
-    <p:sldId id="280" r:id="rId10"/>
-    <p:sldId id="277" r:id="rId11"/>
+    <p:sldId id="285" r:id="rId7"/>
+    <p:sldId id="281" r:id="rId8"/>
+    <p:sldId id="282" r:id="rId9"/>
+    <p:sldId id="283" r:id="rId10"/>
+    <p:sldId id="280" r:id="rId11"/>
+    <p:sldId id="277" r:id="rId12"/>
   </p:sldIdLst>
   <p:sldSz cx="9144000" cy="6858000" type="screen4x3"/>
   <p:notesSz cx="6858000" cy="9144000"/>
@@ -137,6 +138,7 @@
         <p14:section name="jazy c#" id="{95250048-6C11-4051-A114-82378B0D1E73}">
           <p14:sldIdLst>
             <p14:sldId id="278"/>
+            <p14:sldId id="285"/>
           </p14:sldIdLst>
         </p14:section>
         <p14:section name=".NET core Knihovny" id="{A90CCB4D-62F7-45B2-8BD4-70C86AD1CB5C}">
@@ -949,6 +951,129 @@
       </p:grpSpPr>
       <p:sp>
         <p:nvSpPr>
+          <p:cNvPr id="2" name="Slide Image Placeholder 1"/>
+          <p:cNvSpPr>
+            <a:spLocks noGrp="1" noRot="1" noChangeAspect="1"/>
+          </p:cNvSpPr>
+          <p:nvPr>
+            <p:ph type="sldImg"/>
+          </p:nvPr>
+        </p:nvSpPr>
+        <p:spPr/>
+      </p:sp>
+      <p:sp>
+        <p:nvSpPr>
+          <p:cNvPr id="3" name="Notes Placeholder 2"/>
+          <p:cNvSpPr>
+            <a:spLocks noGrp="1"/>
+          </p:cNvSpPr>
+          <p:nvPr>
+            <p:ph type="body" idx="1"/>
+          </p:nvPr>
+        </p:nvSpPr>
+        <p:spPr/>
+        <p:txBody>
+          <a:bodyPr>
+            <a:normAutofit/>
+          </a:bodyPr>
+          <a:lstStyle/>
+          <a:p>
+            <a:pPr>
+              <a:lnSpc>
+                <a:spcPct val="80000"/>
+              </a:lnSpc>
+            </a:pPr>
+            <a:r>
+              <a:rPr lang="en-US" dirty="0" smtClean="0"/>
+              <a:t>Give a brief overview of the presentation.</a:t>
+            </a:r>
+            <a:r>
+              <a:rPr lang="en-US" baseline="0" dirty="0" smtClean="0"/>
+              <a:t> D</a:t>
+            </a:r>
+            <a:r>
+              <a:rPr lang="en-US" dirty="0" smtClean="0"/>
+              <a:t>escribe the major focus of the presentation and why it is important.</a:t>
+            </a:r>
+          </a:p>
+          <a:p>
+            <a:pPr>
+              <a:lnSpc>
+                <a:spcPct val="80000"/>
+              </a:lnSpc>
+            </a:pPr>
+            <a:r>
+              <a:rPr lang="en-US" dirty="0" smtClean="0"/>
+              <a:t>Introduce each of the major topics.</a:t>
+            </a:r>
+          </a:p>
+          <a:p>
+            <a:r>
+              <a:rPr lang="en-US" dirty="0" smtClean="0"/>
+              <a:t>To provide a road map for the audience, you</a:t>
+            </a:r>
+            <a:r>
+              <a:rPr lang="en-US" baseline="0" dirty="0" smtClean="0"/>
+              <a:t> can </a:t>
+            </a:r>
+            <a:r>
+              <a:rPr lang="en-US" dirty="0" smtClean="0"/>
+              <a:t>repeat this Overview slide throughout the presentation, highlighting the particular topic you will discuss next.</a:t>
+            </a:r>
+          </a:p>
+        </p:txBody>
+      </p:sp>
+      <p:sp>
+        <p:nvSpPr>
+          <p:cNvPr id="4" name="Slide Number Placeholder 3"/>
+          <p:cNvSpPr>
+            <a:spLocks noGrp="1"/>
+          </p:cNvSpPr>
+          <p:nvPr>
+            <p:ph type="sldNum" sz="quarter" idx="10"/>
+          </p:nvPr>
+        </p:nvSpPr>
+        <p:spPr/>
+        <p:txBody>
+          <a:bodyPr/>
+          <a:lstStyle/>
+          <a:p>
+            <a:fld id="{EC6EAC7D-5A89-47C2-8ABA-56C9C2DEF7A4}" type="slidenum">
+              <a:rPr lang="en-US" smtClean="0"/>
+              <a:pPr/>
+              <a:t>10</a:t>
+            </a:fld>
+            <a:endParaRPr lang="en-US"/>
+          </a:p>
+        </p:txBody>
+      </p:sp>
+    </p:spTree>
+  </p:cSld>
+  <p:clrMapOvr>
+    <a:masterClrMapping/>
+  </p:clrMapOvr>
+</p:notes>
+</file>
+
+<file path=ppt/notesSlides/notesSlide11.xml><?xml version="1.0" encoding="utf-8"?>
+<p:notes xmlns:a="http://schemas.openxmlformats.org/drawingml/2006/main" xmlns:r="http://schemas.openxmlformats.org/officeDocument/2006/relationships" xmlns:p="http://schemas.openxmlformats.org/presentationml/2006/main">
+  <p:cSld>
+    <p:spTree>
+      <p:nvGrpSpPr>
+        <p:cNvPr id="1" name=""/>
+        <p:cNvGrpSpPr/>
+        <p:nvPr/>
+      </p:nvGrpSpPr>
+      <p:grpSpPr>
+        <a:xfrm>
+          <a:off x="0" y="0"/>
+          <a:ext cx="0" cy="0"/>
+          <a:chOff x="0" y="0"/>
+          <a:chExt cx="0" cy="0"/>
+        </a:xfrm>
+      </p:grpSpPr>
+      <p:sp>
+        <p:nvSpPr>
           <p:cNvPr id="41986" name="Rectangle 23"/>
           <p:cNvSpPr>
             <a:spLocks noGrp="1" noChangeArrowheads="1"/>
@@ -1020,7 +1145,7 @@
             <a:fld id="{B2B44A5F-6CE4-493C-A0D7-6834FF76660C}" type="slidenum">
               <a:rPr lang="en-US" smtClean="0"/>
               <a:pPr/>
-              <a:t>10</a:t>
+              <a:t>11</a:t>
             </a:fld>
             <a:endParaRPr lang="en-US" dirty="0" smtClean="0"/>
           </a:p>
@@ -5759,6 +5884,151 @@
       </p:grpSpPr>
       <p:sp>
         <p:nvSpPr>
+          <p:cNvPr id="2" name="Title 1"/>
+          <p:cNvSpPr>
+            <a:spLocks noGrp="1"/>
+          </p:cNvSpPr>
+          <p:nvPr>
+            <p:ph type="title"/>
+            <p:custDataLst>
+              <p:tags r:id="rId2"/>
+            </p:custDataLst>
+          </p:nvPr>
+        </p:nvSpPr>
+        <p:spPr/>
+        <p:txBody>
+          <a:bodyPr/>
+          <a:lstStyle/>
+          <a:p>
+            <a:r>
+              <a:rPr lang="cs-CZ" dirty="0"/>
+              <a:t>Komunita</a:t>
+            </a:r>
+            <a:endParaRPr lang="en-US" dirty="0"/>
+          </a:p>
+        </p:txBody>
+      </p:sp>
+      <p:sp>
+        <p:nvSpPr>
+          <p:cNvPr id="5" name="Content Placeholder 4"/>
+          <p:cNvSpPr>
+            <a:spLocks noGrp="1"/>
+          </p:cNvSpPr>
+          <p:nvPr>
+            <p:ph idx="1"/>
+            <p:custDataLst>
+              <p:tags r:id="rId3"/>
+            </p:custDataLst>
+          </p:nvPr>
+        </p:nvSpPr>
+        <p:spPr/>
+        <p:txBody>
+          <a:bodyPr>
+            <a:normAutofit/>
+          </a:bodyPr>
+          <a:lstStyle/>
+          <a:p>
+            <a:pPr marL="514350" indent="-457200" fontAlgn="base"/>
+            <a:r>
+              <a:rPr lang="en-US" b="1" dirty="0" smtClean="0">
+                <a:solidFill>
+                  <a:srgbClr val="FF0000"/>
+                </a:solidFill>
+              </a:rPr>
+              <a:t>www.codeplex.com</a:t>
+            </a:r>
+            <a:endParaRPr lang="cs-CZ" b="1" dirty="0" smtClean="0">
+              <a:solidFill>
+                <a:srgbClr val="FF0000"/>
+              </a:solidFill>
+            </a:endParaRPr>
+          </a:p>
+          <a:p>
+            <a:pPr marL="514350" indent="-457200" fontAlgn="base"/>
+            <a:r>
+              <a:rPr lang="en-US" dirty="0" smtClean="0"/>
+              <a:t>code.google.com</a:t>
+            </a:r>
+            <a:endParaRPr lang="cs-CZ" dirty="0" smtClean="0"/>
+          </a:p>
+          <a:p>
+            <a:pPr marL="514350" indent="-457200" fontAlgn="base"/>
+            <a:r>
+              <a:rPr lang="en-US" dirty="0" smtClean="0"/>
+              <a:t>www.github.com</a:t>
+            </a:r>
+            <a:endParaRPr lang="cs-CZ" dirty="0" smtClean="0"/>
+          </a:p>
+          <a:p>
+            <a:pPr marL="514350" indent="-457200" fontAlgn="base"/>
+            <a:r>
+              <a:rPr lang="en-US" dirty="0" smtClean="0"/>
+              <a:t>wug.cz/</a:t>
+            </a:r>
+            <a:r>
+              <a:rPr lang="en-US" dirty="0" err="1" smtClean="0"/>
+              <a:t>zaznamy</a:t>
+            </a:r>
+            <a:endParaRPr lang="cs-CZ" dirty="0" smtClean="0"/>
+          </a:p>
+          <a:p>
+            <a:pPr marL="514350" indent="-457200" fontAlgn="base"/>
+            <a:r>
+              <a:rPr lang="cs-CZ" dirty="0" smtClean="0"/>
+              <a:t>www.</a:t>
+            </a:r>
+            <a:r>
+              <a:rPr lang="en-US" dirty="0" smtClean="0"/>
+              <a:t>mstv.cz</a:t>
+            </a:r>
+          </a:p>
+        </p:txBody>
+      </p:sp>
+    </p:spTree>
+    <p:custDataLst>
+      <p:tags r:id="rId1"/>
+    </p:custDataLst>
+    <p:extLst>
+      <p:ext uri="{BB962C8B-B14F-4D97-AF65-F5344CB8AC3E}">
+        <p14:creationId xmlns:p14="http://schemas.microsoft.com/office/powerpoint/2010/main" val="2912075712"/>
+      </p:ext>
+    </p:extLst>
+  </p:cSld>
+  <p:clrMapOvr>
+    <a:masterClrMapping/>
+  </p:clrMapOvr>
+  <p:transition spd="slow">
+    <p:wipe dir="d"/>
+  </p:transition>
+  <p:timing>
+    <p:tnLst>
+      <p:par>
+        <p:cTn id="1" dur="indefinite" restart="never" nodeType="tmRoot"/>
+      </p:par>
+    </p:tnLst>
+  </p:timing>
+</p:sld>
+</file>
+
+<file path=ppt/slides/slide11.xml><?xml version="1.0" encoding="utf-8"?>
+<p:sld xmlns:a="http://schemas.openxmlformats.org/drawingml/2006/main" xmlns:r="http://schemas.openxmlformats.org/officeDocument/2006/relationships" xmlns:p="http://schemas.openxmlformats.org/presentationml/2006/main">
+  <p:cSld>
+    <p:spTree>
+      <p:nvGrpSpPr>
+        <p:cNvPr id="1" name=""/>
+        <p:cNvGrpSpPr/>
+        <p:nvPr/>
+      </p:nvGrpSpPr>
+      <p:grpSpPr>
+        <a:xfrm>
+          <a:off x="0" y="0"/>
+          <a:ext cx="0" cy="0"/>
+          <a:chOff x="0" y="0"/>
+          <a:chExt cx="0" cy="0"/>
+        </a:xfrm>
+      </p:grpSpPr>
+      <p:sp>
+        <p:nvSpPr>
           <p:cNvPr id="620546" name="Rectangle 2"/>
           <p:cNvSpPr>
             <a:spLocks noGrp="1" noChangeArrowheads="1"/>
@@ -7162,7 +7432,7 @@
           <a:p>
             <a:r>
               <a:rPr lang="cs-CZ" dirty="0" smtClean="0"/>
-              <a:t>Konvence</a:t>
+              <a:t>Klíčová slova</a:t>
             </a:r>
             <a:endParaRPr lang="en-US" dirty="0"/>
           </a:p>
@@ -7181,77 +7451,166 @@
             </p:custDataLst>
           </p:nvPr>
         </p:nvSpPr>
-        <p:spPr/>
+        <p:spPr>
+          <a:xfrm>
+            <a:off x="683568" y="1596413"/>
+            <a:ext cx="8352928" cy="4297363"/>
+          </a:xfrm>
+        </p:spPr>
         <p:txBody>
           <a:bodyPr>
-            <a:normAutofit/>
+            <a:normAutofit fontScale="77500" lnSpcReduction="20000"/>
           </a:bodyPr>
           <a:lstStyle/>
           <a:p>
-            <a:pPr fontAlgn="base"/>
-            <a:r>
-              <a:rPr lang="pt-BR" dirty="0"/>
-              <a:t>konvence </a:t>
-            </a:r>
-            <a:r>
-              <a:rPr lang="pt-BR" b="1" dirty="0"/>
-              <a:t>interface</a:t>
-            </a:r>
-            <a:r>
-              <a:rPr lang="pt-BR" dirty="0"/>
-              <a:t> začíná </a:t>
-            </a:r>
-            <a:r>
-              <a:rPr lang="pt-BR" b="1" dirty="0"/>
-              <a:t>I</a:t>
-            </a:r>
-            <a:r>
-              <a:rPr lang="pt-BR" dirty="0"/>
-              <a:t> viz </a:t>
-            </a:r>
-            <a:r>
-              <a:rPr lang="pt-BR" b="1" dirty="0"/>
-              <a:t>IList</a:t>
-            </a:r>
-            <a:r>
-              <a:rPr lang="pt-BR" dirty="0"/>
-              <a:t> a implementace </a:t>
-            </a:r>
-            <a:r>
-              <a:rPr lang="pt-BR" dirty="0" smtClean="0"/>
-              <a:t>List</a:t>
+            <a:pPr marL="514350" indent="-457200" fontAlgn="base"/>
+            <a:r>
+              <a:rPr lang="en-US" b="1" dirty="0" smtClean="0"/>
+              <a:t>extend </a:t>
+            </a:r>
+            <a:r>
+              <a:rPr lang="en-US" dirty="0"/>
+              <a:t>a</a:t>
+            </a:r>
+            <a:r>
+              <a:rPr lang="en-US" b="1" dirty="0"/>
+              <a:t> implementation </a:t>
+            </a:r>
+            <a:r>
+              <a:rPr lang="en-US" dirty="0"/>
+              <a:t>==</a:t>
+            </a:r>
+            <a:r>
+              <a:rPr lang="en-US" b="1" dirty="0"/>
+              <a:t> </a:t>
+            </a:r>
+            <a:r>
+              <a:rPr lang="en-US" b="1" dirty="0" smtClean="0"/>
+              <a:t>:</a:t>
+            </a:r>
+            <a:r>
+              <a:rPr lang="cs-CZ" b="1" dirty="0" smtClean="0"/>
+              <a:t> </a:t>
+            </a:r>
+            <a:r>
+              <a:rPr lang="cs-CZ" dirty="0" smtClean="0"/>
+              <a:t>první </a:t>
+            </a:r>
+            <a:r>
+              <a:rPr lang="cs-CZ" dirty="0" err="1" smtClean="0"/>
+              <a:t>trida</a:t>
             </a:r>
             <a:endParaRPr lang="cs-CZ" dirty="0" smtClean="0"/>
           </a:p>
           <a:p>
-            <a:pPr fontAlgn="base"/>
-            <a:r>
-              <a:rPr lang="en-US" dirty="0" err="1"/>
-              <a:t>nazvy</a:t>
+            <a:pPr marL="514350" indent="-457200" fontAlgn="base"/>
+            <a:r>
+              <a:rPr lang="en-US" b="1" dirty="0" smtClean="0"/>
+              <a:t>super </a:t>
+            </a:r>
+            <a:r>
+              <a:rPr lang="en-US" dirty="0" smtClean="0"/>
+              <a:t>==</a:t>
+            </a:r>
+            <a:r>
+              <a:rPr lang="en-US" b="1" dirty="0" smtClean="0"/>
+              <a:t> base</a:t>
+            </a:r>
+            <a:endParaRPr lang="cs-CZ" b="1" dirty="0" smtClean="0"/>
+          </a:p>
+          <a:p>
+            <a:pPr marL="514350" indent="-457200" fontAlgn="base"/>
+            <a:r>
+              <a:rPr lang="en-US" b="1" dirty="0" smtClean="0"/>
+              <a:t>final </a:t>
             </a:r>
             <a:r>
               <a:rPr lang="en-US" dirty="0"/>
+              <a:t>class</a:t>
+            </a:r>
+            <a:r>
+              <a:rPr lang="en-US" b="1" dirty="0"/>
+              <a:t>  </a:t>
+            </a:r>
+            <a:r>
+              <a:rPr lang="en-US" dirty="0"/>
+              <a:t>==</a:t>
+            </a:r>
+            <a:r>
+              <a:rPr lang="en-US" b="1" dirty="0"/>
+              <a:t> sealed </a:t>
+            </a:r>
+            <a:r>
+              <a:rPr lang="en-US" dirty="0" smtClean="0"/>
+              <a:t>class</a:t>
+            </a:r>
+            <a:r>
+              <a:rPr lang="cs-CZ" dirty="0" smtClean="0"/>
               <a:t> </a:t>
             </a:r>
-            <a:r>
-              <a:rPr lang="en-US" dirty="0" err="1"/>
-              <a:t>metod</a:t>
+            <a:endParaRPr lang="cs-CZ" dirty="0"/>
+          </a:p>
+          <a:p>
+            <a:pPr marL="514350" indent="-457200" fontAlgn="base"/>
+            <a:r>
+              <a:rPr lang="en-US" b="1" dirty="0" smtClean="0"/>
+              <a:t>final </a:t>
             </a:r>
             <a:r>
               <a:rPr lang="en-US" dirty="0"/>
+              <a:t>field</a:t>
+            </a:r>
+            <a:r>
+              <a:rPr lang="en-US" b="1" dirty="0"/>
               <a:t> </a:t>
             </a:r>
             <a:r>
-              <a:rPr lang="cs-CZ" dirty="0" smtClean="0"/>
-              <a:t>z </a:t>
-            </a:r>
+              <a:rPr lang="en-US" dirty="0"/>
+              <a:t>==</a:t>
+            </a:r>
+            <a:r>
+              <a:rPr lang="en-US" b="1" dirty="0"/>
+              <a:t> </a:t>
+            </a:r>
+            <a:r>
+              <a:rPr lang="en-US" b="1" dirty="0" err="1"/>
+              <a:t>readonly</a:t>
+            </a:r>
+            <a:r>
+              <a:rPr lang="en-US" b="1" dirty="0"/>
+              <a:t> </a:t>
+            </a:r>
+            <a:r>
+              <a:rPr lang="en-US" dirty="0" smtClean="0"/>
+              <a:t>field</a:t>
+            </a:r>
+            <a:endParaRPr lang="cs-CZ" dirty="0"/>
+          </a:p>
+          <a:p>
+            <a:pPr marL="514350" indent="-457200" fontAlgn="base"/>
+            <a:r>
+              <a:rPr lang="en-US" b="1" dirty="0" smtClean="0"/>
+              <a:t>package </a:t>
+            </a:r>
+            <a:r>
+              <a:rPr lang="en-US" dirty="0"/>
+              <a:t>==</a:t>
+            </a:r>
+            <a:r>
+              <a:rPr lang="en-US" b="1" dirty="0"/>
+              <a:t> </a:t>
+            </a:r>
+            <a:r>
+              <a:rPr lang="en-US" b="1" dirty="0" smtClean="0"/>
+              <a:t>namespace</a:t>
+            </a:r>
+            <a:endParaRPr lang="cs-CZ" b="1" dirty="0" smtClean="0"/>
+          </a:p>
+          <a:p>
+            <a:pPr marL="914400" lvl="1" indent="-457200" fontAlgn="base"/>
             <a:r>
               <a:rPr lang="en-US" dirty="0" err="1" smtClean="0"/>
-              <a:t>pascal</a:t>
-            </a:r>
-            <a:r>
-              <a:rPr lang="cs-CZ" dirty="0" smtClean="0"/>
-              <a:t> konvence</a:t>
+              <a:t>pouziti</a:t>
             </a:r>
             <a:r>
               <a:rPr lang="en-US" dirty="0" smtClean="0"/>
@@ -7259,93 +7618,151 @@
             </a:r>
             <a:r>
               <a:rPr lang="en-US" dirty="0"/>
-              <a:t>(</a:t>
-            </a:r>
-            <a:r>
-              <a:rPr lang="en-US" dirty="0" err="1"/>
-              <a:t>hlavni</a:t>
-            </a:r>
-            <a:r>
-              <a:rPr lang="en-US" dirty="0"/>
-              <a:t> designer c# :-)) </a:t>
-            </a:r>
-            <a:r>
-              <a:rPr lang="en-US" dirty="0" err="1"/>
-              <a:t>první</a:t>
-            </a:r>
-            <a:r>
-              <a:rPr lang="en-US" dirty="0"/>
+              <a:t>s </a:t>
+            </a:r>
+            <a:r>
+              <a:rPr lang="en-US" b="1" dirty="0" smtClean="0"/>
+              <a:t>using</a:t>
+            </a:r>
+            <a:r>
+              <a:rPr lang="cs-CZ" b="1" dirty="0" smtClean="0"/>
               <a:t> </a:t>
             </a:r>
             <a:r>
-              <a:rPr lang="en-US" dirty="0" err="1"/>
-              <a:t>Velke</a:t>
-            </a:r>
-            <a:r>
-              <a:rPr lang="en-US" dirty="0"/>
+              <a:rPr lang="cs-CZ" b="1" dirty="0" err="1" smtClean="0"/>
+              <a:t>Systém.Collections</a:t>
+            </a:r>
+            <a:r>
+              <a:rPr lang="cs-CZ" b="1" dirty="0" smtClean="0"/>
+              <a:t>;</a:t>
+            </a:r>
+          </a:p>
+          <a:p>
+            <a:pPr marL="514350" indent="-457200" fontAlgn="base"/>
+            <a:r>
+              <a:rPr lang="pl-PL" dirty="0" smtClean="0"/>
+              <a:t>pretypovani </a:t>
+            </a:r>
+            <a:r>
+              <a:rPr lang="pl-PL" dirty="0"/>
+              <a:t>jako v jave </a:t>
+            </a:r>
+            <a:r>
+              <a:rPr lang="pl-PL" dirty="0" smtClean="0"/>
+              <a:t>plus</a:t>
+            </a:r>
+            <a:r>
+              <a:rPr lang="pl-PL" b="1" dirty="0" smtClean="0"/>
+              <a:t> as </a:t>
+            </a:r>
+            <a:r>
+              <a:rPr lang="pl-PL" dirty="0" smtClean="0"/>
+              <a:t>pokud se nepodaří tak vrací null</a:t>
+            </a:r>
+          </a:p>
+          <a:p>
+            <a:pPr marL="514350" indent="-457200" fontAlgn="base"/>
+            <a:r>
+              <a:rPr lang="en-US" dirty="0" smtClean="0"/>
+              <a:t>object initializer</a:t>
+            </a:r>
+            <a:r>
+              <a:rPr lang="cs-CZ" dirty="0" smtClean="0"/>
+              <a:t> – příklad</a:t>
+            </a:r>
+          </a:p>
+          <a:p>
+            <a:pPr marL="514350" indent="-457200" fontAlgn="base"/>
+            <a:r>
+              <a:rPr lang="cs-CZ" b="1" dirty="0" smtClean="0"/>
+              <a:t>r</a:t>
+            </a:r>
+            <a:r>
+              <a:rPr lang="en-US" b="1" dirty="0" err="1" smtClean="0"/>
+              <a:t>egion</a:t>
+            </a:r>
+            <a:r>
+              <a:rPr lang="cs-CZ" b="1" dirty="0" smtClean="0"/>
               <a:t> </a:t>
             </a:r>
             <a:r>
-              <a:rPr lang="en-US" dirty="0" err="1" smtClean="0"/>
-              <a:t>pismeno</a:t>
-            </a:r>
-            <a:r>
               <a:rPr lang="cs-CZ" dirty="0" smtClean="0"/>
+              <a:t>a</a:t>
+            </a:r>
+            <a:r>
+              <a:rPr lang="cs-CZ" b="1" dirty="0" smtClean="0"/>
               <a:t> </a:t>
             </a:r>
             <a:r>
-              <a:rPr lang="cs-CZ" dirty="0"/>
-              <a:t>viz </a:t>
-            </a:r>
-            <a:r>
-              <a:rPr lang="en-US" b="1" dirty="0" err="1"/>
-              <a:t>ToString</a:t>
+              <a:rPr lang="en-US" b="1" dirty="0" err="1" smtClean="0"/>
+              <a:t>preprocesor</a:t>
             </a:r>
             <a:r>
               <a:rPr lang="cs-CZ" b="1" dirty="0" smtClean="0"/>
-              <a:t>() </a:t>
-            </a:r>
-            <a:r>
-              <a:rPr lang="en-US" dirty="0" err="1" smtClean="0"/>
-              <a:t>jinak</a:t>
-            </a:r>
-            <a:r>
-              <a:rPr lang="en-US" dirty="0" smtClean="0"/>
-              <a:t> </a:t>
-            </a:r>
-            <a:r>
-              <a:rPr lang="en-US" dirty="0" err="1"/>
-              <a:t>stejny</a:t>
-            </a:r>
-            <a:r>
-              <a:rPr lang="en-US" dirty="0"/>
-              <a:t> </a:t>
-            </a:r>
-            <a:r>
-              <a:rPr lang="en-US" dirty="0" err="1"/>
-              <a:t>jako</a:t>
-            </a:r>
-            <a:r>
-              <a:rPr lang="en-US" dirty="0"/>
-              <a:t> u </a:t>
-            </a:r>
-            <a:r>
-              <a:rPr lang="en-US" dirty="0" err="1" smtClean="0"/>
-              <a:t>javy</a:t>
-            </a:r>
+              <a:t> – </a:t>
+            </a:r>
+            <a:r>
+              <a:rPr lang="cs-CZ" dirty="0" smtClean="0"/>
+              <a:t>příklad</a:t>
+            </a:r>
+          </a:p>
+          <a:p>
+            <a:pPr marL="514350" indent="-457200" fontAlgn="base"/>
+            <a:r>
+              <a:rPr lang="cs-CZ" b="1" dirty="0" err="1" smtClean="0"/>
+              <a:t>partial</a:t>
+            </a:r>
+            <a:r>
+              <a:rPr lang="cs-CZ" dirty="0" smtClean="0"/>
+              <a:t> – pouze rozdělení tříd/metod do více souboru</a:t>
+            </a:r>
+            <a:endParaRPr lang="en-US" dirty="0"/>
+          </a:p>
+          <a:p>
+            <a:pPr marL="514350" indent="-457200" fontAlgn="base"/>
+            <a:endParaRPr lang="en-US" b="1" dirty="0"/>
+          </a:p>
+          <a:p>
+            <a:pPr marL="514350" indent="-457200" fontAlgn="base"/>
             <a:endParaRPr lang="cs-CZ" dirty="0" smtClean="0"/>
           </a:p>
           <a:p>
+            <a:pPr marL="514350" indent="-457200" fontAlgn="base"/>
+            <a:endParaRPr lang="en-US" dirty="0"/>
+          </a:p>
+          <a:p>
+            <a:pPr marL="514350" indent="-457200" fontAlgn="base"/>
+            <a:endParaRPr lang="pl-PL" b="1" dirty="0"/>
+          </a:p>
+          <a:p>
+            <a:pPr marL="514350" indent="-457200" fontAlgn="base"/>
+            <a:endParaRPr lang="en-US" b="1" dirty="0"/>
+          </a:p>
+          <a:p>
+            <a:pPr marL="514350" indent="-457200" fontAlgn="base"/>
+            <a:endParaRPr lang="en-US" b="1" dirty="0"/>
+          </a:p>
+          <a:p>
+            <a:pPr marL="514350" indent="-457200" fontAlgn="base"/>
+            <a:endParaRPr lang="en-US" b="1" dirty="0"/>
+          </a:p>
+          <a:p>
+            <a:pPr lvl="1" fontAlgn="base"/>
+            <a:endParaRPr lang="en-US" b="1" dirty="0"/>
+          </a:p>
+          <a:p>
+            <a:pPr marL="0" indent="0" fontAlgn="base">
+              <a:buNone/>
+            </a:pPr>
+            <a:endParaRPr lang="cs-CZ" dirty="0" smtClean="0"/>
+          </a:p>
+          <a:p>
             <a:pPr fontAlgn="base"/>
-            <a:endParaRPr lang="en-US" dirty="0"/>
+            <a:endParaRPr lang="cs-CZ" b="1" dirty="0" smtClean="0"/>
           </a:p>
           <a:p>
             <a:pPr fontAlgn="base"/>
-            <a:endParaRPr lang="pt-BR" dirty="0"/>
-          </a:p>
-          <a:p>
-            <a:pPr fontAlgn="base"/>
-            <a:endParaRPr lang="en-US" dirty="0"/>
+            <a:endParaRPr lang="en-US" b="1" dirty="0"/>
           </a:p>
         </p:txBody>
       </p:sp>
@@ -7355,7 +7772,7 @@
     </p:custDataLst>
     <p:extLst>
       <p:ext uri="{BB962C8B-B14F-4D97-AF65-F5344CB8AC3E}">
-        <p14:creationId xmlns:p14="http://schemas.microsoft.com/office/powerpoint/2010/main" val="597941734"/>
+        <p14:creationId xmlns:p14="http://schemas.microsoft.com/office/powerpoint/2010/main" val="1919207502"/>
       </p:ext>
     </p:extLst>
   </p:cSld>
@@ -7407,397 +7824,186 @@
         </p:nvSpPr>
         <p:spPr/>
         <p:txBody>
+          <a:bodyPr/>
+          <a:lstStyle/>
+          <a:p>
+            <a:r>
+              <a:rPr lang="cs-CZ" dirty="0" smtClean="0"/>
+              <a:t>Konvence</a:t>
+            </a:r>
+            <a:endParaRPr lang="en-US" dirty="0"/>
+          </a:p>
+        </p:txBody>
+      </p:sp>
+      <p:sp>
+        <p:nvSpPr>
+          <p:cNvPr id="5" name="Content Placeholder 4"/>
+          <p:cNvSpPr>
+            <a:spLocks noGrp="1"/>
+          </p:cNvSpPr>
+          <p:nvPr>
+            <p:ph idx="1"/>
+            <p:custDataLst>
+              <p:tags r:id="rId3"/>
+            </p:custDataLst>
+          </p:nvPr>
+        </p:nvSpPr>
+        <p:spPr/>
+        <p:txBody>
           <a:bodyPr>
             <a:normAutofit/>
           </a:bodyPr>
           <a:lstStyle/>
           <a:p>
-            <a:r>
-              <a:rPr lang="cs-CZ" dirty="0" err="1" smtClean="0"/>
-              <a:t>Object</a:t>
+            <a:pPr fontAlgn="base"/>
+            <a:r>
+              <a:rPr lang="pt-BR" dirty="0"/>
+              <a:t>konvence </a:t>
+            </a:r>
+            <a:r>
+              <a:rPr lang="pt-BR" b="1" dirty="0"/>
+              <a:t>interface</a:t>
+            </a:r>
+            <a:r>
+              <a:rPr lang="pt-BR" dirty="0"/>
+              <a:t> začíná </a:t>
+            </a:r>
+            <a:r>
+              <a:rPr lang="pt-BR" b="1" dirty="0"/>
+              <a:t>I</a:t>
+            </a:r>
+            <a:r>
+              <a:rPr lang="pt-BR" dirty="0"/>
+              <a:t> viz </a:t>
+            </a:r>
+            <a:r>
+              <a:rPr lang="pt-BR" b="1" dirty="0"/>
+              <a:t>IList</a:t>
+            </a:r>
+            <a:r>
+              <a:rPr lang="pt-BR" dirty="0"/>
+              <a:t> a implementace </a:t>
+            </a:r>
+            <a:r>
+              <a:rPr lang="pt-BR" dirty="0" smtClean="0"/>
+              <a:t>List</a:t>
+            </a:r>
+            <a:endParaRPr lang="cs-CZ" dirty="0" smtClean="0"/>
+          </a:p>
+          <a:p>
+            <a:pPr fontAlgn="base"/>
+            <a:r>
+              <a:rPr lang="en-US" dirty="0" err="1"/>
+              <a:t>nazvy</a:t>
+            </a:r>
+            <a:r>
+              <a:rPr lang="en-US" dirty="0"/>
+              <a:t> </a:t>
+            </a:r>
+            <a:r>
+              <a:rPr lang="en-US" dirty="0" err="1"/>
+              <a:t>metod</a:t>
+            </a:r>
+            <a:r>
+              <a:rPr lang="en-US" dirty="0"/>
+              <a:t> </a:t>
             </a:r>
             <a:r>
               <a:rPr lang="cs-CZ" dirty="0" smtClean="0"/>
-              <a:t> a </a:t>
+              <a:t>z </a:t>
             </a:r>
             <a:r>
               <a:rPr lang="en-US" dirty="0" err="1" smtClean="0"/>
-              <a:t>ValueType</a:t>
-            </a:r>
-            <a:endParaRPr lang="en-US" dirty="0"/>
-          </a:p>
-        </p:txBody>
-      </p:sp>
-      <p:sp>
-        <p:nvSpPr>
-          <p:cNvPr id="5" name="Content Placeholder 4"/>
-          <p:cNvSpPr>
-            <a:spLocks noGrp="1"/>
-          </p:cNvSpPr>
-          <p:nvPr>
-            <p:ph idx="1"/>
-            <p:custDataLst>
-              <p:tags r:id="rId3"/>
-            </p:custDataLst>
-          </p:nvPr>
-        </p:nvSpPr>
-        <p:spPr/>
-        <p:txBody>
-          <a:bodyPr>
-            <a:normAutofit fontScale="92500" lnSpcReduction="20000"/>
-          </a:bodyPr>
-          <a:lstStyle/>
+              <a:t>pascal</a:t>
+            </a:r>
+            <a:r>
+              <a:rPr lang="cs-CZ" dirty="0" smtClean="0"/>
+              <a:t> konvence</a:t>
+            </a:r>
+            <a:r>
+              <a:rPr lang="en-US" dirty="0" smtClean="0"/>
+              <a:t> </a:t>
+            </a:r>
+            <a:r>
+              <a:rPr lang="en-US" dirty="0"/>
+              <a:t>(</a:t>
+            </a:r>
+            <a:r>
+              <a:rPr lang="en-US" dirty="0" err="1"/>
+              <a:t>hlavni</a:t>
+            </a:r>
+            <a:r>
+              <a:rPr lang="en-US" dirty="0"/>
+              <a:t> designer c# :-)) </a:t>
+            </a:r>
+            <a:r>
+              <a:rPr lang="en-US" dirty="0" err="1"/>
+              <a:t>první</a:t>
+            </a:r>
+            <a:r>
+              <a:rPr lang="en-US" dirty="0"/>
+              <a:t> </a:t>
+            </a:r>
+            <a:r>
+              <a:rPr lang="en-US" dirty="0" err="1"/>
+              <a:t>Velke</a:t>
+            </a:r>
+            <a:r>
+              <a:rPr lang="en-US" dirty="0"/>
+              <a:t> </a:t>
+            </a:r>
+            <a:r>
+              <a:rPr lang="en-US" dirty="0" err="1" smtClean="0"/>
+              <a:t>pismeno</a:t>
+            </a:r>
+            <a:r>
+              <a:rPr lang="cs-CZ" dirty="0" smtClean="0"/>
+              <a:t> </a:t>
+            </a:r>
+            <a:r>
+              <a:rPr lang="cs-CZ" dirty="0"/>
+              <a:t>viz </a:t>
+            </a:r>
+            <a:r>
+              <a:rPr lang="en-US" b="1" dirty="0" err="1"/>
+              <a:t>ToString</a:t>
+            </a:r>
+            <a:r>
+              <a:rPr lang="cs-CZ" b="1" dirty="0" smtClean="0"/>
+              <a:t>() </a:t>
+            </a:r>
+            <a:r>
+              <a:rPr lang="en-US" dirty="0" err="1" smtClean="0"/>
+              <a:t>jinak</a:t>
+            </a:r>
+            <a:r>
+              <a:rPr lang="en-US" dirty="0" smtClean="0"/>
+              <a:t> </a:t>
+            </a:r>
+            <a:r>
+              <a:rPr lang="en-US" dirty="0" err="1"/>
+              <a:t>stejny</a:t>
+            </a:r>
+            <a:r>
+              <a:rPr lang="en-US" dirty="0"/>
+              <a:t> </a:t>
+            </a:r>
+            <a:r>
+              <a:rPr lang="en-US" dirty="0" err="1"/>
+              <a:t>jako</a:t>
+            </a:r>
+            <a:r>
+              <a:rPr lang="en-US" dirty="0"/>
+              <a:t> u </a:t>
+            </a:r>
+            <a:r>
+              <a:rPr lang="en-US" dirty="0" err="1" smtClean="0"/>
+              <a:t>javy</a:t>
+            </a:r>
+            <a:endParaRPr lang="cs-CZ" dirty="0" smtClean="0"/>
+          </a:p>
           <a:p>
             <a:pPr fontAlgn="base"/>
-            <a:r>
-              <a:rPr lang="cs-CZ" dirty="0" err="1" smtClean="0"/>
-              <a:t>Class</a:t>
-            </a:r>
-            <a:r>
-              <a:rPr lang="cs-CZ" dirty="0" smtClean="0"/>
-              <a:t> dědí po </a:t>
-            </a:r>
-            <a:r>
-              <a:rPr lang="cs-CZ" dirty="0" err="1" smtClean="0"/>
-              <a:t>Object</a:t>
-            </a:r>
-            <a:endParaRPr lang="cs-CZ" dirty="0"/>
-          </a:p>
-          <a:p>
-            <a:pPr fontAlgn="base"/>
-            <a:r>
-              <a:rPr lang="cs-CZ" dirty="0" err="1" smtClean="0"/>
-              <a:t>Struct</a:t>
-            </a:r>
-            <a:r>
-              <a:rPr lang="cs-CZ" dirty="0" smtClean="0"/>
-              <a:t> dědí po </a:t>
-            </a:r>
-            <a:r>
-              <a:rPr lang="en-US" dirty="0" err="1" smtClean="0"/>
-              <a:t>ValueType</a:t>
-            </a:r>
-            <a:r>
-              <a:rPr lang="cs-CZ" dirty="0" smtClean="0"/>
-              <a:t> (neexistuje metoda </a:t>
-            </a:r>
-            <a:r>
-              <a:rPr lang="en-US" dirty="0" err="1" smtClean="0"/>
-              <a:t>GetType</a:t>
-            </a:r>
-            <a:r>
-              <a:rPr lang="cs-CZ" dirty="0" smtClean="0"/>
-              <a:t>(), destruktor a static metody </a:t>
-            </a:r>
-            <a:r>
-              <a:rPr lang="en-US" dirty="0" smtClean="0"/>
-              <a:t>Equals</a:t>
-            </a:r>
-            <a:endParaRPr lang="en-US" dirty="0"/>
-          </a:p>
-          <a:p>
-            <a:pPr fontAlgn="base"/>
-            <a:r>
-              <a:rPr lang="cs-CZ" dirty="0" smtClean="0"/>
-              <a:t>)</a:t>
-            </a:r>
-          </a:p>
-          <a:p>
-            <a:pPr fontAlgn="base"/>
-            <a:r>
-              <a:rPr lang="cs-CZ" b="1" dirty="0" err="1"/>
-              <a:t>string</a:t>
-            </a:r>
-            <a:r>
-              <a:rPr lang="cs-CZ" dirty="0"/>
-              <a:t> je alias k </a:t>
-            </a:r>
-            <a:r>
-              <a:rPr lang="cs-CZ" b="1" dirty="0" err="1"/>
-              <a:t>System.String</a:t>
-            </a:r>
-            <a:r>
-              <a:rPr lang="cs-CZ" b="1" dirty="0"/>
-              <a:t> </a:t>
-            </a:r>
-            <a:r>
-              <a:rPr lang="cs-CZ" dirty="0"/>
-              <a:t>je vždy </a:t>
-            </a:r>
-            <a:r>
-              <a:rPr lang="cs-CZ" dirty="0" err="1"/>
-              <a:t>immutable</a:t>
-            </a:r>
-            <a:r>
-              <a:rPr lang="cs-CZ" dirty="0"/>
-              <a:t> tzn. </a:t>
-            </a:r>
-            <a:r>
-              <a:rPr lang="cs-CZ" dirty="0" err="1"/>
-              <a:t>muze</a:t>
-            </a:r>
-            <a:r>
-              <a:rPr lang="cs-CZ" dirty="0"/>
-              <a:t> se </a:t>
-            </a:r>
-            <a:r>
-              <a:rPr lang="cs-CZ" dirty="0" err="1"/>
-              <a:t>pouzivat</a:t>
-            </a:r>
-            <a:r>
-              <a:rPr lang="cs-CZ" dirty="0"/>
-              <a:t> ==</a:t>
-            </a:r>
-            <a:endParaRPr lang="cs-CZ" b="1" dirty="0"/>
-          </a:p>
-          <a:p>
-            <a:pPr fontAlgn="base"/>
-            <a:r>
-              <a:rPr lang="cs-CZ" b="1" dirty="0" err="1"/>
-              <a:t>ToString</a:t>
-            </a:r>
-            <a:r>
-              <a:rPr lang="cs-CZ" dirty="0"/>
-              <a:t>() </a:t>
-            </a:r>
-            <a:r>
-              <a:rPr lang="cs-CZ" b="1" dirty="0" smtClean="0">
-                <a:solidFill>
-                  <a:srgbClr val="FF0000"/>
-                </a:solidFill>
-              </a:rPr>
-              <a:t>pozor double </a:t>
-            </a:r>
-            <a:r>
-              <a:rPr lang="cs-CZ" b="1" dirty="0" err="1" smtClean="0">
-                <a:solidFill>
-                  <a:srgbClr val="FF0000"/>
-                </a:solidFill>
-              </a:rPr>
-              <a:t>apod</a:t>
-            </a:r>
-            <a:r>
-              <a:rPr lang="cs-CZ" b="1" dirty="0" smtClean="0">
-                <a:solidFill>
-                  <a:srgbClr val="FF0000"/>
-                </a:solidFill>
-              </a:rPr>
-              <a:t> </a:t>
-            </a:r>
-            <a:r>
-              <a:rPr lang="en-US" b="1" dirty="0" err="1" smtClean="0">
-                <a:solidFill>
-                  <a:srgbClr val="FF0000"/>
-                </a:solidFill>
-              </a:rPr>
-              <a:t>závislý</a:t>
-            </a:r>
-            <a:r>
-              <a:rPr lang="en-US" b="1" dirty="0" smtClean="0">
-                <a:solidFill>
-                  <a:srgbClr val="FF0000"/>
-                </a:solidFill>
-              </a:rPr>
-              <a:t> </a:t>
-            </a:r>
-            <a:r>
-              <a:rPr lang="en-US" b="1" dirty="0" err="1">
-                <a:solidFill>
-                  <a:srgbClr val="FF0000"/>
-                </a:solidFill>
-              </a:rPr>
-              <a:t>na</a:t>
-            </a:r>
-            <a:r>
-              <a:rPr lang="en-US" b="1" dirty="0">
-                <a:solidFill>
-                  <a:srgbClr val="FF0000"/>
-                </a:solidFill>
-              </a:rPr>
-              <a:t> local </a:t>
-            </a:r>
-            <a:r>
-              <a:rPr lang="en-US" b="1" dirty="0" err="1">
-                <a:solidFill>
-                  <a:srgbClr val="FF0000"/>
-                </a:solidFill>
-              </a:rPr>
-              <a:t>nastavení</a:t>
-            </a:r>
-            <a:r>
-              <a:rPr lang="en-US" b="1" dirty="0">
-                <a:solidFill>
-                  <a:srgbClr val="FF0000"/>
-                </a:solidFill>
-              </a:rPr>
-              <a:t> </a:t>
-            </a:r>
-            <a:r>
-              <a:rPr lang="en-US" b="1" dirty="0" err="1">
-                <a:solidFill>
-                  <a:srgbClr val="FF0000"/>
-                </a:solidFill>
-              </a:rPr>
-              <a:t>počítače</a:t>
-            </a:r>
-            <a:r>
-              <a:rPr lang="en-US" b="1" dirty="0">
-                <a:solidFill>
-                  <a:srgbClr val="FF0000"/>
-                </a:solidFill>
-              </a:rPr>
-              <a:t> -&gt; </a:t>
-            </a:r>
-            <a:r>
-              <a:rPr lang="en-US" b="1" dirty="0" err="1">
-                <a:solidFill>
-                  <a:srgbClr val="FF0000"/>
-                </a:solidFill>
-              </a:rPr>
-              <a:t>doporucuju</a:t>
-            </a:r>
-            <a:r>
-              <a:rPr lang="en-US" b="1" dirty="0">
-                <a:solidFill>
-                  <a:srgbClr val="FF0000"/>
-                </a:solidFill>
-              </a:rPr>
-              <a:t> </a:t>
-            </a:r>
-            <a:r>
-              <a:rPr lang="en-US" b="1" dirty="0" err="1">
-                <a:solidFill>
-                  <a:srgbClr val="FF0000"/>
-                </a:solidFill>
-              </a:rPr>
-              <a:t>si</a:t>
-            </a:r>
-            <a:r>
-              <a:rPr lang="en-US" b="1" dirty="0">
-                <a:solidFill>
-                  <a:srgbClr val="FF0000"/>
-                </a:solidFill>
-              </a:rPr>
-              <a:t> </a:t>
-            </a:r>
-            <a:r>
-              <a:rPr lang="en-US" b="1" dirty="0" err="1">
-                <a:solidFill>
-                  <a:srgbClr val="FF0000"/>
-                </a:solidFill>
-              </a:rPr>
-              <a:t>napsat</a:t>
-            </a:r>
-            <a:r>
-              <a:rPr lang="en-US" b="1" dirty="0">
-                <a:solidFill>
-                  <a:srgbClr val="FF0000"/>
-                </a:solidFill>
-              </a:rPr>
-              <a:t> extension static </a:t>
-            </a:r>
-            <a:r>
-              <a:rPr lang="en-US" b="1" dirty="0" err="1">
-                <a:solidFill>
-                  <a:srgbClr val="FF0000"/>
-                </a:solidFill>
-              </a:rPr>
-              <a:t>metody</a:t>
-            </a:r>
-            <a:r>
-              <a:rPr lang="en-US" b="1" dirty="0">
-                <a:solidFill>
-                  <a:srgbClr val="FF0000"/>
-                </a:solidFill>
-              </a:rPr>
-              <a:t> </a:t>
-            </a:r>
-            <a:r>
-              <a:rPr lang="en-US" b="1" dirty="0" err="1">
-                <a:solidFill>
-                  <a:srgbClr val="FF0000"/>
-                </a:solidFill>
-              </a:rPr>
-              <a:t>MoneyToString</a:t>
-            </a:r>
-            <a:r>
-              <a:rPr lang="en-US" b="1" dirty="0">
-                <a:solidFill>
-                  <a:srgbClr val="FF0000"/>
-                </a:solidFill>
-              </a:rPr>
-              <a:t>() </a:t>
-            </a:r>
-            <a:r>
-              <a:rPr lang="en-US" b="1" dirty="0" err="1">
-                <a:solidFill>
-                  <a:srgbClr val="FF0000"/>
-                </a:solidFill>
-              </a:rPr>
-              <a:t>apod</a:t>
-            </a:r>
-            <a:r>
-              <a:rPr lang="en-US" b="1" dirty="0">
-                <a:solidFill>
-                  <a:srgbClr val="FF0000"/>
-                </a:solidFill>
-              </a:rPr>
-              <a:t>. </a:t>
-            </a:r>
-            <a:r>
-              <a:rPr lang="en-US" b="1" dirty="0" err="1">
-                <a:solidFill>
-                  <a:srgbClr val="FF0000"/>
-                </a:solidFill>
-              </a:rPr>
-              <a:t>viz</a:t>
-            </a:r>
-            <a:r>
-              <a:rPr lang="en-US" b="1" dirty="0">
-                <a:solidFill>
-                  <a:srgbClr val="FF0000"/>
-                </a:solidFill>
-              </a:rPr>
-              <a:t> </a:t>
-            </a:r>
-            <a:r>
-              <a:rPr lang="en-US" b="1" dirty="0" err="1">
-                <a:solidFill>
-                  <a:srgbClr val="FF0000"/>
-                </a:solidFill>
-              </a:rPr>
-              <a:t>priklad</a:t>
-            </a:r>
-            <a:r>
-              <a:rPr lang="en-US" b="1" dirty="0">
-                <a:solidFill>
-                  <a:srgbClr val="FF0000"/>
-                </a:solidFill>
-              </a:rPr>
-              <a:t> </a:t>
-            </a:r>
-            <a:r>
-              <a:rPr lang="en-US" b="1" dirty="0" err="1">
-                <a:solidFill>
-                  <a:srgbClr val="FF0000"/>
-                </a:solidFill>
-              </a:rPr>
-              <a:t>TestToStringCulture.cs</a:t>
-            </a:r>
-            <a:endParaRPr lang="cs-CZ" b="1" dirty="0">
-              <a:solidFill>
-                <a:srgbClr val="FF0000"/>
-              </a:solidFill>
-            </a:endParaRPr>
-          </a:p>
-          <a:p>
-            <a:pPr fontAlgn="base"/>
-            <a:endParaRPr lang="en-US" dirty="0"/>
-          </a:p>
-          <a:p>
-            <a:pPr marL="0" indent="0" fontAlgn="base">
-              <a:buNone/>
-            </a:pPr>
             <a:endParaRPr lang="en-US" dirty="0"/>
           </a:p>
           <a:p>
@@ -7816,7 +8022,7 @@
     </p:custDataLst>
     <p:extLst>
       <p:ext uri="{BB962C8B-B14F-4D97-AF65-F5344CB8AC3E}">
-        <p14:creationId xmlns:p14="http://schemas.microsoft.com/office/powerpoint/2010/main" val="375692060"/>
+        <p14:creationId xmlns:p14="http://schemas.microsoft.com/office/powerpoint/2010/main" val="597941734"/>
       </p:ext>
     </p:extLst>
   </p:cSld>
@@ -7868,12 +8074,22 @@
         </p:nvSpPr>
         <p:spPr/>
         <p:txBody>
-          <a:bodyPr/>
+          <a:bodyPr>
+            <a:normAutofit/>
+          </a:bodyPr>
           <a:lstStyle/>
           <a:p>
             <a:r>
+              <a:rPr lang="cs-CZ" dirty="0" err="1" smtClean="0"/>
+              <a:t>Object</a:t>
+            </a:r>
+            <a:r>
               <a:rPr lang="cs-CZ" dirty="0" smtClean="0"/>
-              <a:t>Kolekce</a:t>
+              <a:t> a </a:t>
+            </a:r>
+            <a:r>
+              <a:rPr lang="en-US" dirty="0" err="1" smtClean="0"/>
+              <a:t>ValueType</a:t>
             </a:r>
             <a:endParaRPr lang="en-US" dirty="0"/>
           </a:p>
@@ -7895,175 +8111,360 @@
         <p:spPr/>
         <p:txBody>
           <a:bodyPr>
-            <a:normAutofit lnSpcReduction="10000"/>
+            <a:normAutofit fontScale="92500" lnSpcReduction="20000"/>
           </a:bodyPr>
           <a:lstStyle/>
           <a:p>
             <a:pPr fontAlgn="base"/>
             <a:r>
+              <a:rPr lang="cs-CZ" dirty="0" err="1" smtClean="0"/>
+              <a:t>Class</a:t>
+            </a:r>
+            <a:r>
               <a:rPr lang="cs-CZ" dirty="0" smtClean="0"/>
-              <a:t>K</a:t>
+              <a:t> dědí po </a:t>
+            </a:r>
+            <a:r>
+              <a:rPr lang="cs-CZ" dirty="0" err="1" smtClean="0"/>
+              <a:t>Object</a:t>
+            </a:r>
+            <a:endParaRPr lang="cs-CZ" dirty="0"/>
+          </a:p>
+          <a:p>
+            <a:pPr fontAlgn="base"/>
+            <a:r>
+              <a:rPr lang="cs-CZ" dirty="0" err="1" smtClean="0"/>
+              <a:t>Struct</a:t>
+            </a:r>
+            <a:r>
+              <a:rPr lang="cs-CZ" dirty="0" smtClean="0"/>
+              <a:t> dědí po </a:t>
             </a:r>
             <a:r>
               <a:rPr lang="en-US" dirty="0" err="1" smtClean="0"/>
-              <a:t>olekce</a:t>
+              <a:t>ValueType</a:t>
+            </a:r>
+            <a:r>
+              <a:rPr lang="cs-CZ" dirty="0" smtClean="0"/>
+              <a:t> (neexistuje metoda </a:t>
+            </a:r>
+            <a:r>
+              <a:rPr lang="en-US" dirty="0" err="1" smtClean="0"/>
+              <a:t>GetType</a:t>
+            </a:r>
+            <a:r>
+              <a:rPr lang="cs-CZ" dirty="0" smtClean="0"/>
+              <a:t>(), destruktor a static metody </a:t>
             </a:r>
             <a:r>
               <a:rPr lang="en-US" dirty="0" smtClean="0"/>
-              <a:t> z</a:t>
-            </a:r>
+              <a:t>Equals</a:t>
+            </a:r>
+            <a:endParaRPr lang="en-US" dirty="0"/>
+          </a:p>
+          <a:p>
+            <a:pPr fontAlgn="base"/>
             <a:r>
               <a:rPr lang="cs-CZ" dirty="0" smtClean="0"/>
-              <a:t>e</a:t>
-            </a:r>
-            <a:r>
-              <a:rPr lang="en-US" dirty="0" smtClean="0"/>
+              <a:t>)</a:t>
+            </a:r>
+          </a:p>
+          <a:p>
+            <a:pPr fontAlgn="base"/>
+            <a:r>
+              <a:rPr lang="cs-CZ" b="1" dirty="0" err="1"/>
+              <a:t>string</a:t>
+            </a:r>
+            <a:r>
+              <a:rPr lang="cs-CZ" dirty="0"/>
+              <a:t> je alias k </a:t>
+            </a:r>
+            <a:r>
+              <a:rPr lang="cs-CZ" b="1" dirty="0" err="1"/>
+              <a:t>System.String</a:t>
+            </a:r>
+            <a:r>
+              <a:rPr lang="cs-CZ" b="1" dirty="0"/>
               <a:t> </a:t>
             </a:r>
             <a:r>
-              <a:rPr lang="en-US" dirty="0" err="1"/>
-              <a:t>dvou</a:t>
-            </a:r>
-            <a:r>
-              <a:rPr lang="en-US" dirty="0"/>
-              <a:t> namespace </a:t>
-            </a:r>
-            <a:r>
-              <a:rPr lang="en-US" b="1" dirty="0" err="1"/>
-              <a:t>System.Collections</a:t>
-            </a:r>
-            <a:r>
-              <a:rPr lang="en-US" dirty="0"/>
-              <a:t> a </a:t>
-            </a:r>
-            <a:r>
-              <a:rPr lang="en-US" b="1" dirty="0" err="1"/>
-              <a:t>System.Collections.Generic</a:t>
-            </a:r>
-            <a:r>
-              <a:rPr lang="en-US" dirty="0"/>
+              <a:rPr lang="cs-CZ" dirty="0"/>
+              <a:t>je vždy </a:t>
+            </a:r>
+            <a:r>
+              <a:rPr lang="cs-CZ" dirty="0" err="1"/>
+              <a:t>immutable</a:t>
+            </a:r>
+            <a:r>
+              <a:rPr lang="cs-CZ" dirty="0"/>
+              <a:t> tzn. </a:t>
+            </a:r>
+            <a:r>
+              <a:rPr lang="cs-CZ" dirty="0" err="1"/>
+              <a:t>muze</a:t>
+            </a:r>
+            <a:r>
+              <a:rPr lang="cs-CZ" dirty="0"/>
+              <a:t> se </a:t>
+            </a:r>
+            <a:r>
+              <a:rPr lang="cs-CZ" dirty="0" err="1"/>
+              <a:t>pouzivat</a:t>
+            </a:r>
+            <a:r>
+              <a:rPr lang="cs-CZ" dirty="0"/>
+              <a:t> ==</a:t>
+            </a:r>
+            <a:endParaRPr lang="cs-CZ" b="1" dirty="0"/>
+          </a:p>
+          <a:p>
+            <a:pPr fontAlgn="base"/>
+            <a:r>
+              <a:rPr lang="cs-CZ" b="1" dirty="0" err="1"/>
+              <a:t>ToString</a:t>
+            </a:r>
+            <a:r>
+              <a:rPr lang="cs-CZ" dirty="0"/>
+              <a:t>() </a:t>
+            </a:r>
+            <a:r>
+              <a:rPr lang="cs-CZ" b="1" dirty="0" smtClean="0">
+                <a:solidFill>
+                  <a:srgbClr val="FF0000"/>
+                </a:solidFill>
+              </a:rPr>
+              <a:t>pozor double </a:t>
+            </a:r>
+            <a:r>
+              <a:rPr lang="cs-CZ" b="1" dirty="0" err="1" smtClean="0">
+                <a:solidFill>
+                  <a:srgbClr val="FF0000"/>
+                </a:solidFill>
+              </a:rPr>
+              <a:t>apod</a:t>
+            </a:r>
+            <a:r>
+              <a:rPr lang="cs-CZ" b="1" dirty="0" smtClean="0">
+                <a:solidFill>
+                  <a:srgbClr val="FF0000"/>
+                </a:solidFill>
+              </a:rPr>
               <a:t> </a:t>
             </a:r>
-            <a:endParaRPr lang="cs-CZ" dirty="0" smtClean="0"/>
+            <a:r>
+              <a:rPr lang="en-US" b="1" dirty="0" err="1" smtClean="0">
+                <a:solidFill>
+                  <a:srgbClr val="FF0000"/>
+                </a:solidFill>
+              </a:rPr>
+              <a:t>závislý</a:t>
+            </a:r>
+            <a:r>
+              <a:rPr lang="en-US" b="1" dirty="0" smtClean="0">
+                <a:solidFill>
+                  <a:srgbClr val="FF0000"/>
+                </a:solidFill>
+              </a:rPr>
+              <a:t> </a:t>
+            </a:r>
+            <a:r>
+              <a:rPr lang="en-US" b="1" dirty="0" err="1">
+                <a:solidFill>
+                  <a:srgbClr val="FF0000"/>
+                </a:solidFill>
+              </a:rPr>
+              <a:t>na</a:t>
+            </a:r>
+            <a:r>
+              <a:rPr lang="en-US" b="1" dirty="0">
+                <a:solidFill>
+                  <a:srgbClr val="FF0000"/>
+                </a:solidFill>
+              </a:rPr>
+              <a:t> local </a:t>
+            </a:r>
+            <a:r>
+              <a:rPr lang="en-US" b="1" dirty="0" err="1">
+                <a:solidFill>
+                  <a:srgbClr val="FF0000"/>
+                </a:solidFill>
+              </a:rPr>
+              <a:t>nastavení</a:t>
+            </a:r>
+            <a:r>
+              <a:rPr lang="en-US" b="1" dirty="0">
+                <a:solidFill>
+                  <a:srgbClr val="FF0000"/>
+                </a:solidFill>
+              </a:rPr>
+              <a:t> </a:t>
+            </a:r>
+            <a:r>
+              <a:rPr lang="en-US" b="1" dirty="0" err="1">
+                <a:solidFill>
+                  <a:srgbClr val="FF0000"/>
+                </a:solidFill>
+              </a:rPr>
+              <a:t>počítače</a:t>
+            </a:r>
+            <a:r>
+              <a:rPr lang="en-US" b="1" dirty="0">
+                <a:solidFill>
+                  <a:srgbClr val="FF0000"/>
+                </a:solidFill>
+              </a:rPr>
+              <a:t> -&gt; </a:t>
+            </a:r>
+            <a:r>
+              <a:rPr lang="en-US" b="1" dirty="0" err="1">
+                <a:solidFill>
+                  <a:srgbClr val="FF0000"/>
+                </a:solidFill>
+              </a:rPr>
+              <a:t>doporucuju</a:t>
+            </a:r>
+            <a:r>
+              <a:rPr lang="en-US" b="1" dirty="0">
+                <a:solidFill>
+                  <a:srgbClr val="FF0000"/>
+                </a:solidFill>
+              </a:rPr>
+              <a:t> </a:t>
+            </a:r>
+            <a:r>
+              <a:rPr lang="en-US" b="1" dirty="0" err="1">
+                <a:solidFill>
+                  <a:srgbClr val="FF0000"/>
+                </a:solidFill>
+              </a:rPr>
+              <a:t>si</a:t>
+            </a:r>
+            <a:r>
+              <a:rPr lang="en-US" b="1" dirty="0">
+                <a:solidFill>
+                  <a:srgbClr val="FF0000"/>
+                </a:solidFill>
+              </a:rPr>
+              <a:t> </a:t>
+            </a:r>
+            <a:r>
+              <a:rPr lang="en-US" b="1" dirty="0" err="1">
+                <a:solidFill>
+                  <a:srgbClr val="FF0000"/>
+                </a:solidFill>
+              </a:rPr>
+              <a:t>napsat</a:t>
+            </a:r>
+            <a:r>
+              <a:rPr lang="en-US" b="1" dirty="0">
+                <a:solidFill>
+                  <a:srgbClr val="FF0000"/>
+                </a:solidFill>
+              </a:rPr>
+              <a:t> extension static </a:t>
+            </a:r>
+            <a:r>
+              <a:rPr lang="en-US" b="1" dirty="0" err="1">
+                <a:solidFill>
+                  <a:srgbClr val="FF0000"/>
+                </a:solidFill>
+              </a:rPr>
+              <a:t>metody</a:t>
+            </a:r>
+            <a:r>
+              <a:rPr lang="en-US" b="1" dirty="0">
+                <a:solidFill>
+                  <a:srgbClr val="FF0000"/>
+                </a:solidFill>
+              </a:rPr>
+              <a:t> </a:t>
+            </a:r>
+            <a:r>
+              <a:rPr lang="en-US" b="1" dirty="0" err="1">
+                <a:solidFill>
+                  <a:srgbClr val="FF0000"/>
+                </a:solidFill>
+              </a:rPr>
+              <a:t>MoneyToString</a:t>
+            </a:r>
+            <a:r>
+              <a:rPr lang="en-US" b="1" dirty="0">
+                <a:solidFill>
+                  <a:srgbClr val="FF0000"/>
+                </a:solidFill>
+              </a:rPr>
+              <a:t>() </a:t>
+            </a:r>
+            <a:r>
+              <a:rPr lang="en-US" b="1" dirty="0" err="1">
+                <a:solidFill>
+                  <a:srgbClr val="FF0000"/>
+                </a:solidFill>
+              </a:rPr>
+              <a:t>apod</a:t>
+            </a:r>
+            <a:r>
+              <a:rPr lang="en-US" b="1" dirty="0">
+                <a:solidFill>
+                  <a:srgbClr val="FF0000"/>
+                </a:solidFill>
+              </a:rPr>
+              <a:t>. </a:t>
+            </a:r>
+            <a:r>
+              <a:rPr lang="en-US" b="1" dirty="0" err="1">
+                <a:solidFill>
+                  <a:srgbClr val="FF0000"/>
+                </a:solidFill>
+              </a:rPr>
+              <a:t>viz</a:t>
+            </a:r>
+            <a:r>
+              <a:rPr lang="en-US" b="1" dirty="0">
+                <a:solidFill>
+                  <a:srgbClr val="FF0000"/>
+                </a:solidFill>
+              </a:rPr>
+              <a:t> </a:t>
+            </a:r>
+            <a:r>
+              <a:rPr lang="en-US" b="1" dirty="0" err="1">
+                <a:solidFill>
+                  <a:srgbClr val="FF0000"/>
+                </a:solidFill>
+              </a:rPr>
+              <a:t>priklad</a:t>
+            </a:r>
+            <a:r>
+              <a:rPr lang="en-US" b="1" dirty="0">
+                <a:solidFill>
+                  <a:srgbClr val="FF0000"/>
+                </a:solidFill>
+              </a:rPr>
+              <a:t> </a:t>
+            </a:r>
+            <a:r>
+              <a:rPr lang="en-US" b="1" dirty="0" err="1">
+                <a:solidFill>
+                  <a:srgbClr val="FF0000"/>
+                </a:solidFill>
+              </a:rPr>
+              <a:t>TestToStringCulture.cs</a:t>
+            </a:r>
+            <a:endParaRPr lang="cs-CZ" b="1" dirty="0">
+              <a:solidFill>
+                <a:srgbClr val="FF0000"/>
+              </a:solidFill>
+            </a:endParaRPr>
           </a:p>
           <a:p>
             <a:pPr fontAlgn="base"/>
-            <a:r>
-              <a:rPr lang="en-US" dirty="0" err="1" smtClean="0"/>
-              <a:t>pouzivat</a:t>
-            </a:r>
-            <a:r>
-              <a:rPr lang="en-US" dirty="0" smtClean="0"/>
-              <a:t> </a:t>
-            </a:r>
-            <a:r>
-              <a:rPr lang="en-US" dirty="0" err="1"/>
-              <a:t>misto</a:t>
-            </a:r>
-            <a:r>
-              <a:rPr lang="en-US" dirty="0"/>
-              <a:t> </a:t>
-            </a:r>
-            <a:r>
-              <a:rPr lang="en-US" dirty="0" err="1"/>
-              <a:t>ICollection</a:t>
-            </a:r>
-            <a:r>
-              <a:rPr lang="en-US" dirty="0"/>
-              <a:t> </a:t>
-            </a:r>
-            <a:r>
-              <a:rPr lang="en-US" dirty="0" err="1"/>
-              <a:t>nebo</a:t>
-            </a:r>
-            <a:r>
-              <a:rPr lang="en-US" dirty="0"/>
-              <a:t> </a:t>
-            </a:r>
-            <a:r>
-              <a:rPr lang="en-US" dirty="0" err="1"/>
-              <a:t>IList</a:t>
-            </a:r>
-            <a:r>
-              <a:rPr lang="en-US" dirty="0"/>
-              <a:t> </a:t>
-            </a:r>
-            <a:r>
-              <a:rPr lang="cs-CZ" b="1" dirty="0" smtClean="0"/>
-              <a:t>IE</a:t>
-            </a:r>
-            <a:r>
-              <a:rPr lang="en-US" b="1" dirty="0" smtClean="0"/>
-              <a:t>numerable</a:t>
-            </a:r>
-            <a:r>
-              <a:rPr lang="cs-CZ" b="1" dirty="0" smtClean="0"/>
-              <a:t>&lt;&gt;</a:t>
-            </a:r>
-          </a:p>
-          <a:p>
-            <a:pPr fontAlgn="base"/>
-            <a:r>
-              <a:rPr lang="cs-CZ" dirty="0" smtClean="0"/>
-              <a:t>Místo mapy je </a:t>
-            </a:r>
-            <a:r>
-              <a:rPr lang="cs-CZ" dirty="0" err="1" smtClean="0"/>
-              <a:t>IDictionary</a:t>
-            </a:r>
-            <a:r>
-              <a:rPr lang="cs-CZ" dirty="0" smtClean="0"/>
-              <a:t>&lt;,&gt;</a:t>
-            </a:r>
-          </a:p>
-          <a:p>
-            <a:pPr fontAlgn="base"/>
-            <a:r>
-              <a:rPr lang="cs-CZ" dirty="0" smtClean="0"/>
-              <a:t>Do kolekce lze </a:t>
-            </a:r>
-            <a:r>
-              <a:rPr lang="cs-CZ" dirty="0" err="1" smtClean="0"/>
-              <a:t>vkladat</a:t>
-            </a:r>
-            <a:r>
-              <a:rPr lang="cs-CZ" dirty="0" smtClean="0"/>
-              <a:t> </a:t>
-            </a:r>
-            <a:r>
-              <a:rPr lang="cs-CZ" dirty="0" err="1" smtClean="0"/>
-              <a:t>struct</a:t>
-            </a:r>
-            <a:r>
-              <a:rPr lang="cs-CZ" dirty="0" smtClean="0"/>
-              <a:t> tzn. </a:t>
-            </a:r>
-            <a:r>
-              <a:rPr lang="cs-CZ" dirty="0" err="1" smtClean="0"/>
-              <a:t>int</a:t>
-            </a:r>
-            <a:r>
-              <a:rPr lang="cs-CZ" dirty="0" smtClean="0"/>
-              <a:t> apod.</a:t>
-            </a:r>
-          </a:p>
-          <a:p>
-            <a:pPr fontAlgn="base"/>
-            <a:r>
-              <a:rPr lang="cs-CZ" dirty="0" smtClean="0"/>
-              <a:t>Lze použít </a:t>
-            </a:r>
-            <a:r>
-              <a:rPr lang="cs-CZ" dirty="0" err="1" smtClean="0"/>
-              <a:t>instanceof</a:t>
-            </a:r>
-            <a:r>
-              <a:rPr lang="cs-CZ" dirty="0" smtClean="0"/>
-              <a:t> T</a:t>
-            </a:r>
-          </a:p>
-          <a:p>
-            <a:pPr fontAlgn="base"/>
+            <a:endParaRPr lang="en-US" dirty="0"/>
+          </a:p>
+          <a:p>
+            <a:pPr marL="0" indent="0" fontAlgn="base">
+              <a:buNone/>
+            </a:pPr>
             <a:endParaRPr lang="en-US" dirty="0"/>
           </a:p>
           <a:p>
@@ -8082,7 +8483,7 @@
     </p:custDataLst>
     <p:extLst>
       <p:ext uri="{BB962C8B-B14F-4D97-AF65-F5344CB8AC3E}">
-        <p14:creationId xmlns:p14="http://schemas.microsoft.com/office/powerpoint/2010/main" val="2224911890"/>
+        <p14:creationId xmlns:p14="http://schemas.microsoft.com/office/powerpoint/2010/main" val="375692060"/>
       </p:ext>
     </p:extLst>
   </p:cSld>
@@ -8138,8 +8539,8 @@
           <a:lstStyle/>
           <a:p>
             <a:r>
-              <a:rPr lang="cs-CZ" dirty="0"/>
-              <a:t>Komunita</a:t>
+              <a:rPr lang="cs-CZ" dirty="0" smtClean="0"/>
+              <a:t>Kolekce</a:t>
             </a:r>
             <a:endParaRPr lang="en-US" dirty="0"/>
           </a:p>
@@ -8161,63 +8562,184 @@
         <p:spPr/>
         <p:txBody>
           <a:bodyPr>
-            <a:normAutofit/>
+            <a:normAutofit lnSpcReduction="10000"/>
           </a:bodyPr>
           <a:lstStyle/>
           <a:p>
-            <a:pPr marL="514350" indent="-457200" fontAlgn="base"/>
-            <a:r>
-              <a:rPr lang="en-US" b="1" dirty="0" smtClean="0">
-                <a:solidFill>
-                  <a:srgbClr val="FF0000"/>
-                </a:solidFill>
-              </a:rPr>
-              <a:t>www.codeplex.com</a:t>
-            </a:r>
-            <a:endParaRPr lang="cs-CZ" b="1" dirty="0" smtClean="0">
-              <a:solidFill>
-                <a:srgbClr val="FF0000"/>
-              </a:solidFill>
-            </a:endParaRPr>
-          </a:p>
-          <a:p>
-            <a:pPr marL="514350" indent="-457200" fontAlgn="base"/>
+            <a:pPr fontAlgn="base"/>
+            <a:r>
+              <a:rPr lang="cs-CZ" dirty="0" smtClean="0"/>
+              <a:t>K</a:t>
+            </a:r>
+            <a:r>
+              <a:rPr lang="en-US" dirty="0" err="1" smtClean="0"/>
+              <a:t>olekce</a:t>
+            </a:r>
             <a:r>
               <a:rPr lang="en-US" dirty="0" smtClean="0"/>
-              <a:t>code.google.com</a:t>
+              <a:t> z</a:t>
+            </a:r>
+            <a:r>
+              <a:rPr lang="cs-CZ" dirty="0" smtClean="0"/>
+              <a:t>e</a:t>
+            </a:r>
+            <a:r>
+              <a:rPr lang="en-US" dirty="0" smtClean="0"/>
+              <a:t> </a:t>
+            </a:r>
+            <a:r>
+              <a:rPr lang="en-US" dirty="0" err="1"/>
+              <a:t>dvou</a:t>
+            </a:r>
+            <a:r>
+              <a:rPr lang="en-US" dirty="0"/>
+              <a:t> namespace </a:t>
+            </a:r>
+            <a:r>
+              <a:rPr lang="en-US" b="1" dirty="0" err="1"/>
+              <a:t>System.Collections</a:t>
+            </a:r>
+            <a:r>
+              <a:rPr lang="en-US" dirty="0"/>
+              <a:t> a </a:t>
+            </a:r>
+            <a:r>
+              <a:rPr lang="en-US" b="1" dirty="0" err="1"/>
+              <a:t>System.Collections.Generic</a:t>
+            </a:r>
+            <a:r>
+              <a:rPr lang="en-US" dirty="0"/>
+              <a:t> </a:t>
             </a:r>
             <a:endParaRPr lang="cs-CZ" dirty="0" smtClean="0"/>
           </a:p>
           <a:p>
-            <a:pPr marL="514350" indent="-457200" fontAlgn="base"/>
+            <a:pPr fontAlgn="base"/>
+            <a:r>
+              <a:rPr lang="en-US" dirty="0" err="1" smtClean="0"/>
+              <a:t>pouzivat</a:t>
+            </a:r>
             <a:r>
               <a:rPr lang="en-US" dirty="0" smtClean="0"/>
-              <a:t>www.github.com</a:t>
-            </a:r>
-            <a:endParaRPr lang="cs-CZ" dirty="0" smtClean="0"/>
-          </a:p>
-          <a:p>
-            <a:pPr marL="514350" indent="-457200" fontAlgn="base"/>
-            <a:r>
-              <a:rPr lang="en-US" dirty="0" smtClean="0"/>
-              <a:t>wug.cz/</a:t>
-            </a:r>
-            <a:r>
-              <a:rPr lang="en-US" dirty="0" err="1" smtClean="0"/>
-              <a:t>zaznamy</a:t>
-            </a:r>
-            <a:endParaRPr lang="cs-CZ" dirty="0" smtClean="0"/>
-          </a:p>
-          <a:p>
-            <a:pPr marL="514350" indent="-457200" fontAlgn="base"/>
+              <a:t> </a:t>
+            </a:r>
+            <a:r>
+              <a:rPr lang="en-US" dirty="0" err="1"/>
+              <a:t>misto</a:t>
+            </a:r>
+            <a:r>
+              <a:rPr lang="en-US" dirty="0"/>
+              <a:t> </a:t>
+            </a:r>
+            <a:r>
+              <a:rPr lang="en-US" dirty="0" err="1"/>
+              <a:t>ICollection</a:t>
+            </a:r>
+            <a:r>
+              <a:rPr lang="en-US" dirty="0"/>
+              <a:t> </a:t>
+            </a:r>
+            <a:r>
+              <a:rPr lang="en-US" dirty="0" err="1"/>
+              <a:t>nebo</a:t>
+            </a:r>
+            <a:r>
+              <a:rPr lang="en-US" dirty="0"/>
+              <a:t> </a:t>
+            </a:r>
+            <a:r>
+              <a:rPr lang="en-US" dirty="0" err="1"/>
+              <a:t>IList</a:t>
+            </a:r>
+            <a:r>
+              <a:rPr lang="en-US" dirty="0"/>
+              <a:t> </a:t>
+            </a:r>
+            <a:r>
+              <a:rPr lang="cs-CZ" b="1" dirty="0" smtClean="0"/>
+              <a:t>IE</a:t>
+            </a:r>
+            <a:r>
+              <a:rPr lang="en-US" b="1" dirty="0" smtClean="0"/>
+              <a:t>numerable</a:t>
+            </a:r>
+            <a:r>
+              <a:rPr lang="cs-CZ" b="1" dirty="0" smtClean="0"/>
+              <a:t>&lt;&gt;</a:t>
+            </a:r>
+          </a:p>
+          <a:p>
+            <a:pPr fontAlgn="base"/>
             <a:r>
               <a:rPr lang="cs-CZ" dirty="0" smtClean="0"/>
-              <a:t>www.</a:t>
-            </a:r>
-            <a:r>
-              <a:rPr lang="en-US" dirty="0" smtClean="0"/>
-              <a:t>mstv.cz</a:t>
-            </a:r>
+              <a:t>Místo mapy je </a:t>
+            </a:r>
+            <a:r>
+              <a:rPr lang="cs-CZ" dirty="0" err="1" smtClean="0"/>
+              <a:t>IDictionary</a:t>
+            </a:r>
+            <a:r>
+              <a:rPr lang="cs-CZ" dirty="0" smtClean="0"/>
+              <a:t>&lt;,&gt;</a:t>
+            </a:r>
+          </a:p>
+          <a:p>
+            <a:pPr fontAlgn="base"/>
+            <a:r>
+              <a:rPr lang="cs-CZ" dirty="0" smtClean="0"/>
+              <a:t>Do kolekce lze </a:t>
+            </a:r>
+            <a:r>
+              <a:rPr lang="cs-CZ" dirty="0" err="1" smtClean="0"/>
+              <a:t>vkladat</a:t>
+            </a:r>
+            <a:r>
+              <a:rPr lang="cs-CZ" dirty="0" smtClean="0"/>
+              <a:t> </a:t>
+            </a:r>
+            <a:r>
+              <a:rPr lang="cs-CZ" dirty="0" err="1" smtClean="0"/>
+              <a:t>struct</a:t>
+            </a:r>
+            <a:r>
+              <a:rPr lang="cs-CZ" dirty="0" smtClean="0"/>
+              <a:t> tzn. </a:t>
+            </a:r>
+            <a:r>
+              <a:rPr lang="cs-CZ" dirty="0" err="1" smtClean="0"/>
+              <a:t>int</a:t>
+            </a:r>
+            <a:r>
+              <a:rPr lang="cs-CZ" dirty="0" smtClean="0"/>
+              <a:t> apod.</a:t>
+            </a:r>
+          </a:p>
+          <a:p>
+            <a:pPr fontAlgn="base"/>
+            <a:r>
+              <a:rPr lang="cs-CZ" dirty="0" smtClean="0"/>
+              <a:t>Lze použít </a:t>
+            </a:r>
+            <a:r>
+              <a:rPr lang="cs-CZ" dirty="0" err="1" smtClean="0"/>
+              <a:t>instanceof</a:t>
+            </a:r>
+            <a:r>
+              <a:rPr lang="cs-CZ" dirty="0" smtClean="0"/>
+              <a:t> T</a:t>
+            </a:r>
+          </a:p>
+          <a:p>
+            <a:pPr fontAlgn="base"/>
+            <a:endParaRPr lang="en-US" dirty="0"/>
+          </a:p>
+          <a:p>
+            <a:pPr fontAlgn="base"/>
+            <a:endParaRPr lang="pt-BR" dirty="0"/>
+          </a:p>
+          <a:p>
+            <a:pPr fontAlgn="base"/>
+            <a:endParaRPr lang="en-US" dirty="0"/>
           </a:p>
         </p:txBody>
       </p:sp>
@@ -8227,7 +8749,7 @@
     </p:custDataLst>
     <p:extLst>
       <p:ext uri="{BB962C8B-B14F-4D97-AF65-F5344CB8AC3E}">
-        <p14:creationId xmlns:p14="http://schemas.microsoft.com/office/powerpoint/2010/main" val="2912075712"/>
+        <p14:creationId xmlns:p14="http://schemas.microsoft.com/office/powerpoint/2010/main" val="2224911890"/>
       </p:ext>
     </p:extLst>
   </p:cSld>
@@ -8369,19 +8891,37 @@
 
 <file path=ppt/tags/tag28.xml><?xml version="1.0" encoding="utf-8"?>
 <p:tagLst xmlns:a="http://schemas.openxmlformats.org/drawingml/2006/main" xmlns:r="http://schemas.openxmlformats.org/officeDocument/2006/relationships" xmlns:p="http://schemas.openxmlformats.org/presentationml/2006/main">
-  <p:tag name="DVSECTIONID" val="ezdaKHeWyBnZyZ2cDqRSoa"/>
+  <p:tag name="DVSECTIONID" val="QUq8QELArFIgadhH063fpq"/>
 </p:tagLst>
 </file>
 
 <file path=ppt/tags/tag29.xml><?xml version="1.0" encoding="utf-8"?>
 <p:tagLst xmlns:a="http://schemas.openxmlformats.org/drawingml/2006/main" xmlns:r="http://schemas.openxmlformats.org/officeDocument/2006/relationships" xmlns:p="http://schemas.openxmlformats.org/presentationml/2006/main">
-  <p:tag name="DVSHAPEID" val="LRMR96J2MVd0CGe2e5htjk"/>
+  <p:tag name="DVSHAPEID" val="InkrlxYPS4jAzciXk8ToAM"/>
 </p:tagLst>
 </file>
 
 <file path=ppt/tags/tag3.xml><?xml version="1.0" encoding="utf-8"?>
 <p:tagLst xmlns:a="http://schemas.openxmlformats.org/drawingml/2006/main" xmlns:r="http://schemas.openxmlformats.org/officeDocument/2006/relationships" xmlns:p="http://schemas.openxmlformats.org/presentationml/2006/main">
   <p:tag name="DVSHAPEID" val="0uhWvCQomImT50qU5y4Znw"/>
+</p:tagLst>
+</file>
+
+<file path=ppt/tags/tag30.xml><?xml version="1.0" encoding="utf-8"?>
+<p:tagLst xmlns:a="http://schemas.openxmlformats.org/drawingml/2006/main" xmlns:r="http://schemas.openxmlformats.org/officeDocument/2006/relationships" xmlns:p="http://schemas.openxmlformats.org/presentationml/2006/main">
+  <p:tag name="DVSHAPEID" val="retnMj4SFfqbVIhVK0Rf83"/>
+</p:tagLst>
+</file>
+
+<file path=ppt/tags/tag31.xml><?xml version="1.0" encoding="utf-8"?>
+<p:tagLst xmlns:a="http://schemas.openxmlformats.org/drawingml/2006/main" xmlns:r="http://schemas.openxmlformats.org/officeDocument/2006/relationships" xmlns:p="http://schemas.openxmlformats.org/presentationml/2006/main">
+  <p:tag name="DVSECTIONID" val="ezdaKHeWyBnZyZ2cDqRSoa"/>
+</p:tagLst>
+</file>
+
+<file path=ppt/tags/tag32.xml><?xml version="1.0" encoding="utf-8"?>
+<p:tagLst xmlns:a="http://schemas.openxmlformats.org/drawingml/2006/main" xmlns:r="http://schemas.openxmlformats.org/officeDocument/2006/relationships" xmlns:p="http://schemas.openxmlformats.org/presentationml/2006/main">
+  <p:tag name="DVSHAPEID" val="LRMR96J2MVd0CGe2e5htjk"/>
 </p:tagLst>
 </file>
 

--- a/prezentace.pptx
+++ b/prezentace.pptx
@@ -7668,7 +7668,23 @@
             </a:r>
             <a:r>
               <a:rPr lang="cs-CZ" dirty="0" smtClean="0"/>
-              <a:t> – příklad</a:t>
+              <a:t>, </a:t>
+            </a:r>
+            <a:r>
+              <a:rPr lang="cs-CZ" b="1" dirty="0" err="1" smtClean="0"/>
+              <a:t>dynamic</a:t>
+            </a:r>
+            <a:r>
+              <a:rPr lang="cs-CZ" dirty="0" smtClean="0"/>
+              <a:t>, </a:t>
+            </a:r>
+            <a:r>
+              <a:rPr lang="cs-CZ" smtClean="0"/>
+              <a:t>a anonymní třída </a:t>
+            </a:r>
+            <a:r>
+              <a:rPr lang="cs-CZ" dirty="0" smtClean="0"/>
+              <a:t>– příklad</a:t>
             </a:r>
           </a:p>
           <a:p>

--- a/prezentace.pptx
+++ b/prezentace.pptx
@@ -5,10 +5,10 @@
     <p:sldMasterId id="2147483648" r:id="rId1"/>
   </p:sldMasterIdLst>
   <p:notesMasterIdLst>
-    <p:notesMasterId r:id="rId13"/>
+    <p:notesMasterId r:id="rId18"/>
   </p:notesMasterIdLst>
   <p:handoutMasterIdLst>
-    <p:handoutMasterId r:id="rId14"/>
+    <p:handoutMasterId r:id="rId19"/>
   </p:handoutMasterIdLst>
   <p:sldIdLst>
     <p:sldId id="259" r:id="rId2"/>
@@ -17,11 +17,16 @@
     <p:sldId id="284" r:id="rId5"/>
     <p:sldId id="278" r:id="rId6"/>
     <p:sldId id="285" r:id="rId7"/>
-    <p:sldId id="281" r:id="rId8"/>
-    <p:sldId id="282" r:id="rId9"/>
-    <p:sldId id="283" r:id="rId10"/>
-    <p:sldId id="280" r:id="rId11"/>
-    <p:sldId id="277" r:id="rId12"/>
+    <p:sldId id="287" r:id="rId8"/>
+    <p:sldId id="286" r:id="rId9"/>
+    <p:sldId id="288" r:id="rId10"/>
+    <p:sldId id="289" r:id="rId11"/>
+    <p:sldId id="290" r:id="rId12"/>
+    <p:sldId id="281" r:id="rId13"/>
+    <p:sldId id="282" r:id="rId14"/>
+    <p:sldId id="283" r:id="rId15"/>
+    <p:sldId id="280" r:id="rId16"/>
+    <p:sldId id="277" r:id="rId17"/>
   </p:sldIdLst>
   <p:sldSz cx="9144000" cy="6858000" type="screen4x3"/>
   <p:notesSz cx="6858000" cy="9144000"/>
@@ -139,6 +144,11 @@
           <p14:sldIdLst>
             <p14:sldId id="278"/>
             <p14:sldId id="285"/>
+            <p14:sldId id="287"/>
+            <p14:sldId id="286"/>
+            <p14:sldId id="288"/>
+            <p14:sldId id="289"/>
+            <p14:sldId id="290"/>
           </p14:sldIdLst>
         </p14:section>
         <p14:section name=".NET core Knihovny" id="{A90CCB4D-62F7-45B2-8BD4-70C86AD1CB5C}">
@@ -1074,6 +1084,621 @@
       </p:grpSpPr>
       <p:sp>
         <p:nvSpPr>
+          <p:cNvPr id="2" name="Slide Image Placeholder 1"/>
+          <p:cNvSpPr>
+            <a:spLocks noGrp="1" noRot="1" noChangeAspect="1"/>
+          </p:cNvSpPr>
+          <p:nvPr>
+            <p:ph type="sldImg"/>
+          </p:nvPr>
+        </p:nvSpPr>
+        <p:spPr/>
+      </p:sp>
+      <p:sp>
+        <p:nvSpPr>
+          <p:cNvPr id="3" name="Notes Placeholder 2"/>
+          <p:cNvSpPr>
+            <a:spLocks noGrp="1"/>
+          </p:cNvSpPr>
+          <p:nvPr>
+            <p:ph type="body" idx="1"/>
+          </p:nvPr>
+        </p:nvSpPr>
+        <p:spPr/>
+        <p:txBody>
+          <a:bodyPr>
+            <a:normAutofit/>
+          </a:bodyPr>
+          <a:lstStyle/>
+          <a:p>
+            <a:pPr>
+              <a:lnSpc>
+                <a:spcPct val="80000"/>
+              </a:lnSpc>
+            </a:pPr>
+            <a:r>
+              <a:rPr lang="en-US" dirty="0" smtClean="0"/>
+              <a:t>Give a brief overview of the presentation.</a:t>
+            </a:r>
+            <a:r>
+              <a:rPr lang="en-US" baseline="0" dirty="0" smtClean="0"/>
+              <a:t> D</a:t>
+            </a:r>
+            <a:r>
+              <a:rPr lang="en-US" dirty="0" smtClean="0"/>
+              <a:t>escribe the major focus of the presentation and why it is important.</a:t>
+            </a:r>
+          </a:p>
+          <a:p>
+            <a:pPr>
+              <a:lnSpc>
+                <a:spcPct val="80000"/>
+              </a:lnSpc>
+            </a:pPr>
+            <a:r>
+              <a:rPr lang="en-US" dirty="0" smtClean="0"/>
+              <a:t>Introduce each of the major topics.</a:t>
+            </a:r>
+          </a:p>
+          <a:p>
+            <a:r>
+              <a:rPr lang="en-US" dirty="0" smtClean="0"/>
+              <a:t>To provide a road map for the audience, you</a:t>
+            </a:r>
+            <a:r>
+              <a:rPr lang="en-US" baseline="0" dirty="0" smtClean="0"/>
+              <a:t> can </a:t>
+            </a:r>
+            <a:r>
+              <a:rPr lang="en-US" dirty="0" smtClean="0"/>
+              <a:t>repeat this Overview slide throughout the presentation, highlighting the particular topic you will discuss next.</a:t>
+            </a:r>
+          </a:p>
+        </p:txBody>
+      </p:sp>
+      <p:sp>
+        <p:nvSpPr>
+          <p:cNvPr id="4" name="Slide Number Placeholder 3"/>
+          <p:cNvSpPr>
+            <a:spLocks noGrp="1"/>
+          </p:cNvSpPr>
+          <p:nvPr>
+            <p:ph type="sldNum" sz="quarter" idx="10"/>
+          </p:nvPr>
+        </p:nvSpPr>
+        <p:spPr/>
+        <p:txBody>
+          <a:bodyPr/>
+          <a:lstStyle/>
+          <a:p>
+            <a:fld id="{EC6EAC7D-5A89-47C2-8ABA-56C9C2DEF7A4}" type="slidenum">
+              <a:rPr lang="en-US" smtClean="0"/>
+              <a:pPr/>
+              <a:t>11</a:t>
+            </a:fld>
+            <a:endParaRPr lang="en-US"/>
+          </a:p>
+        </p:txBody>
+      </p:sp>
+    </p:spTree>
+  </p:cSld>
+  <p:clrMapOvr>
+    <a:masterClrMapping/>
+  </p:clrMapOvr>
+</p:notes>
+</file>
+
+<file path=ppt/notesSlides/notesSlide12.xml><?xml version="1.0" encoding="utf-8"?>
+<p:notes xmlns:a="http://schemas.openxmlformats.org/drawingml/2006/main" xmlns:r="http://schemas.openxmlformats.org/officeDocument/2006/relationships" xmlns:p="http://schemas.openxmlformats.org/presentationml/2006/main">
+  <p:cSld>
+    <p:spTree>
+      <p:nvGrpSpPr>
+        <p:cNvPr id="1" name=""/>
+        <p:cNvGrpSpPr/>
+        <p:nvPr/>
+      </p:nvGrpSpPr>
+      <p:grpSpPr>
+        <a:xfrm>
+          <a:off x="0" y="0"/>
+          <a:ext cx="0" cy="0"/>
+          <a:chOff x="0" y="0"/>
+          <a:chExt cx="0" cy="0"/>
+        </a:xfrm>
+      </p:grpSpPr>
+      <p:sp>
+        <p:nvSpPr>
+          <p:cNvPr id="2" name="Slide Image Placeholder 1"/>
+          <p:cNvSpPr>
+            <a:spLocks noGrp="1" noRot="1" noChangeAspect="1"/>
+          </p:cNvSpPr>
+          <p:nvPr>
+            <p:ph type="sldImg"/>
+          </p:nvPr>
+        </p:nvSpPr>
+        <p:spPr/>
+      </p:sp>
+      <p:sp>
+        <p:nvSpPr>
+          <p:cNvPr id="3" name="Notes Placeholder 2"/>
+          <p:cNvSpPr>
+            <a:spLocks noGrp="1"/>
+          </p:cNvSpPr>
+          <p:nvPr>
+            <p:ph type="body" idx="1"/>
+          </p:nvPr>
+        </p:nvSpPr>
+        <p:spPr/>
+        <p:txBody>
+          <a:bodyPr>
+            <a:normAutofit/>
+          </a:bodyPr>
+          <a:lstStyle/>
+          <a:p>
+            <a:pPr>
+              <a:lnSpc>
+                <a:spcPct val="80000"/>
+              </a:lnSpc>
+            </a:pPr>
+            <a:r>
+              <a:rPr lang="en-US" dirty="0" smtClean="0"/>
+              <a:t>Give a brief overview of the presentation.</a:t>
+            </a:r>
+            <a:r>
+              <a:rPr lang="en-US" baseline="0" dirty="0" smtClean="0"/>
+              <a:t> D</a:t>
+            </a:r>
+            <a:r>
+              <a:rPr lang="en-US" dirty="0" smtClean="0"/>
+              <a:t>escribe the major focus of the presentation and why it is important.</a:t>
+            </a:r>
+          </a:p>
+          <a:p>
+            <a:pPr>
+              <a:lnSpc>
+                <a:spcPct val="80000"/>
+              </a:lnSpc>
+            </a:pPr>
+            <a:r>
+              <a:rPr lang="en-US" dirty="0" smtClean="0"/>
+              <a:t>Introduce each of the major topics.</a:t>
+            </a:r>
+          </a:p>
+          <a:p>
+            <a:r>
+              <a:rPr lang="en-US" dirty="0" smtClean="0"/>
+              <a:t>To provide a road map for the audience, you</a:t>
+            </a:r>
+            <a:r>
+              <a:rPr lang="en-US" baseline="0" dirty="0" smtClean="0"/>
+              <a:t> can </a:t>
+            </a:r>
+            <a:r>
+              <a:rPr lang="en-US" dirty="0" smtClean="0"/>
+              <a:t>repeat this Overview slide throughout the presentation, highlighting the particular topic you will discuss next.</a:t>
+            </a:r>
+          </a:p>
+        </p:txBody>
+      </p:sp>
+      <p:sp>
+        <p:nvSpPr>
+          <p:cNvPr id="4" name="Slide Number Placeholder 3"/>
+          <p:cNvSpPr>
+            <a:spLocks noGrp="1"/>
+          </p:cNvSpPr>
+          <p:nvPr>
+            <p:ph type="sldNum" sz="quarter" idx="10"/>
+          </p:nvPr>
+        </p:nvSpPr>
+        <p:spPr/>
+        <p:txBody>
+          <a:bodyPr/>
+          <a:lstStyle/>
+          <a:p>
+            <a:fld id="{EC6EAC7D-5A89-47C2-8ABA-56C9C2DEF7A4}" type="slidenum">
+              <a:rPr lang="en-US" smtClean="0"/>
+              <a:pPr/>
+              <a:t>12</a:t>
+            </a:fld>
+            <a:endParaRPr lang="en-US"/>
+          </a:p>
+        </p:txBody>
+      </p:sp>
+    </p:spTree>
+  </p:cSld>
+  <p:clrMapOvr>
+    <a:masterClrMapping/>
+  </p:clrMapOvr>
+</p:notes>
+</file>
+
+<file path=ppt/notesSlides/notesSlide13.xml><?xml version="1.0" encoding="utf-8"?>
+<p:notes xmlns:a="http://schemas.openxmlformats.org/drawingml/2006/main" xmlns:r="http://schemas.openxmlformats.org/officeDocument/2006/relationships" xmlns:p="http://schemas.openxmlformats.org/presentationml/2006/main">
+  <p:cSld>
+    <p:spTree>
+      <p:nvGrpSpPr>
+        <p:cNvPr id="1" name=""/>
+        <p:cNvGrpSpPr/>
+        <p:nvPr/>
+      </p:nvGrpSpPr>
+      <p:grpSpPr>
+        <a:xfrm>
+          <a:off x="0" y="0"/>
+          <a:ext cx="0" cy="0"/>
+          <a:chOff x="0" y="0"/>
+          <a:chExt cx="0" cy="0"/>
+        </a:xfrm>
+      </p:grpSpPr>
+      <p:sp>
+        <p:nvSpPr>
+          <p:cNvPr id="2" name="Slide Image Placeholder 1"/>
+          <p:cNvSpPr>
+            <a:spLocks noGrp="1" noRot="1" noChangeAspect="1"/>
+          </p:cNvSpPr>
+          <p:nvPr>
+            <p:ph type="sldImg"/>
+          </p:nvPr>
+        </p:nvSpPr>
+        <p:spPr/>
+      </p:sp>
+      <p:sp>
+        <p:nvSpPr>
+          <p:cNvPr id="3" name="Notes Placeholder 2"/>
+          <p:cNvSpPr>
+            <a:spLocks noGrp="1"/>
+          </p:cNvSpPr>
+          <p:nvPr>
+            <p:ph type="body" idx="1"/>
+          </p:nvPr>
+        </p:nvSpPr>
+        <p:spPr/>
+        <p:txBody>
+          <a:bodyPr>
+            <a:normAutofit/>
+          </a:bodyPr>
+          <a:lstStyle/>
+          <a:p>
+            <a:pPr>
+              <a:lnSpc>
+                <a:spcPct val="80000"/>
+              </a:lnSpc>
+            </a:pPr>
+            <a:r>
+              <a:rPr lang="en-US" dirty="0" smtClean="0"/>
+              <a:t>Give a brief overview of the presentation.</a:t>
+            </a:r>
+            <a:r>
+              <a:rPr lang="en-US" baseline="0" dirty="0" smtClean="0"/>
+              <a:t> D</a:t>
+            </a:r>
+            <a:r>
+              <a:rPr lang="en-US" dirty="0" smtClean="0"/>
+              <a:t>escribe the major focus of the presentation and why it is important.</a:t>
+            </a:r>
+          </a:p>
+          <a:p>
+            <a:pPr>
+              <a:lnSpc>
+                <a:spcPct val="80000"/>
+              </a:lnSpc>
+            </a:pPr>
+            <a:r>
+              <a:rPr lang="en-US" dirty="0" smtClean="0"/>
+              <a:t>Introduce each of the major topics.</a:t>
+            </a:r>
+          </a:p>
+          <a:p>
+            <a:r>
+              <a:rPr lang="en-US" dirty="0" smtClean="0"/>
+              <a:t>To provide a road map for the audience, you</a:t>
+            </a:r>
+            <a:r>
+              <a:rPr lang="en-US" baseline="0" dirty="0" smtClean="0"/>
+              <a:t> can </a:t>
+            </a:r>
+            <a:r>
+              <a:rPr lang="en-US" dirty="0" smtClean="0"/>
+              <a:t>repeat this Overview slide throughout the presentation, highlighting the particular topic you will discuss next.</a:t>
+            </a:r>
+          </a:p>
+        </p:txBody>
+      </p:sp>
+      <p:sp>
+        <p:nvSpPr>
+          <p:cNvPr id="4" name="Slide Number Placeholder 3"/>
+          <p:cNvSpPr>
+            <a:spLocks noGrp="1"/>
+          </p:cNvSpPr>
+          <p:nvPr>
+            <p:ph type="sldNum" sz="quarter" idx="10"/>
+          </p:nvPr>
+        </p:nvSpPr>
+        <p:spPr/>
+        <p:txBody>
+          <a:bodyPr/>
+          <a:lstStyle/>
+          <a:p>
+            <a:fld id="{EC6EAC7D-5A89-47C2-8ABA-56C9C2DEF7A4}" type="slidenum">
+              <a:rPr lang="en-US" smtClean="0"/>
+              <a:pPr/>
+              <a:t>13</a:t>
+            </a:fld>
+            <a:endParaRPr lang="en-US"/>
+          </a:p>
+        </p:txBody>
+      </p:sp>
+    </p:spTree>
+  </p:cSld>
+  <p:clrMapOvr>
+    <a:masterClrMapping/>
+  </p:clrMapOvr>
+</p:notes>
+</file>
+
+<file path=ppt/notesSlides/notesSlide14.xml><?xml version="1.0" encoding="utf-8"?>
+<p:notes xmlns:a="http://schemas.openxmlformats.org/drawingml/2006/main" xmlns:r="http://schemas.openxmlformats.org/officeDocument/2006/relationships" xmlns:p="http://schemas.openxmlformats.org/presentationml/2006/main">
+  <p:cSld>
+    <p:spTree>
+      <p:nvGrpSpPr>
+        <p:cNvPr id="1" name=""/>
+        <p:cNvGrpSpPr/>
+        <p:nvPr/>
+      </p:nvGrpSpPr>
+      <p:grpSpPr>
+        <a:xfrm>
+          <a:off x="0" y="0"/>
+          <a:ext cx="0" cy="0"/>
+          <a:chOff x="0" y="0"/>
+          <a:chExt cx="0" cy="0"/>
+        </a:xfrm>
+      </p:grpSpPr>
+      <p:sp>
+        <p:nvSpPr>
+          <p:cNvPr id="2" name="Slide Image Placeholder 1"/>
+          <p:cNvSpPr>
+            <a:spLocks noGrp="1" noRot="1" noChangeAspect="1"/>
+          </p:cNvSpPr>
+          <p:nvPr>
+            <p:ph type="sldImg"/>
+          </p:nvPr>
+        </p:nvSpPr>
+        <p:spPr/>
+      </p:sp>
+      <p:sp>
+        <p:nvSpPr>
+          <p:cNvPr id="3" name="Notes Placeholder 2"/>
+          <p:cNvSpPr>
+            <a:spLocks noGrp="1"/>
+          </p:cNvSpPr>
+          <p:nvPr>
+            <p:ph type="body" idx="1"/>
+          </p:nvPr>
+        </p:nvSpPr>
+        <p:spPr/>
+        <p:txBody>
+          <a:bodyPr>
+            <a:normAutofit/>
+          </a:bodyPr>
+          <a:lstStyle/>
+          <a:p>
+            <a:pPr>
+              <a:lnSpc>
+                <a:spcPct val="80000"/>
+              </a:lnSpc>
+            </a:pPr>
+            <a:r>
+              <a:rPr lang="en-US" dirty="0" smtClean="0"/>
+              <a:t>Give a brief overview of the presentation.</a:t>
+            </a:r>
+            <a:r>
+              <a:rPr lang="en-US" baseline="0" dirty="0" smtClean="0"/>
+              <a:t> D</a:t>
+            </a:r>
+            <a:r>
+              <a:rPr lang="en-US" dirty="0" smtClean="0"/>
+              <a:t>escribe the major focus of the presentation and why it is important.</a:t>
+            </a:r>
+          </a:p>
+          <a:p>
+            <a:pPr>
+              <a:lnSpc>
+                <a:spcPct val="80000"/>
+              </a:lnSpc>
+            </a:pPr>
+            <a:r>
+              <a:rPr lang="en-US" dirty="0" smtClean="0"/>
+              <a:t>Introduce each of the major topics.</a:t>
+            </a:r>
+          </a:p>
+          <a:p>
+            <a:r>
+              <a:rPr lang="en-US" dirty="0" smtClean="0"/>
+              <a:t>To provide a road map for the audience, you</a:t>
+            </a:r>
+            <a:r>
+              <a:rPr lang="en-US" baseline="0" dirty="0" smtClean="0"/>
+              <a:t> can </a:t>
+            </a:r>
+            <a:r>
+              <a:rPr lang="en-US" dirty="0" smtClean="0"/>
+              <a:t>repeat this Overview slide throughout the presentation, highlighting the particular topic you will discuss next.</a:t>
+            </a:r>
+          </a:p>
+        </p:txBody>
+      </p:sp>
+      <p:sp>
+        <p:nvSpPr>
+          <p:cNvPr id="4" name="Slide Number Placeholder 3"/>
+          <p:cNvSpPr>
+            <a:spLocks noGrp="1"/>
+          </p:cNvSpPr>
+          <p:nvPr>
+            <p:ph type="sldNum" sz="quarter" idx="10"/>
+          </p:nvPr>
+        </p:nvSpPr>
+        <p:spPr/>
+        <p:txBody>
+          <a:bodyPr/>
+          <a:lstStyle/>
+          <a:p>
+            <a:fld id="{EC6EAC7D-5A89-47C2-8ABA-56C9C2DEF7A4}" type="slidenum">
+              <a:rPr lang="en-US" smtClean="0"/>
+              <a:pPr/>
+              <a:t>14</a:t>
+            </a:fld>
+            <a:endParaRPr lang="en-US"/>
+          </a:p>
+        </p:txBody>
+      </p:sp>
+    </p:spTree>
+  </p:cSld>
+  <p:clrMapOvr>
+    <a:masterClrMapping/>
+  </p:clrMapOvr>
+</p:notes>
+</file>
+
+<file path=ppt/notesSlides/notesSlide15.xml><?xml version="1.0" encoding="utf-8"?>
+<p:notes xmlns:a="http://schemas.openxmlformats.org/drawingml/2006/main" xmlns:r="http://schemas.openxmlformats.org/officeDocument/2006/relationships" xmlns:p="http://schemas.openxmlformats.org/presentationml/2006/main">
+  <p:cSld>
+    <p:spTree>
+      <p:nvGrpSpPr>
+        <p:cNvPr id="1" name=""/>
+        <p:cNvGrpSpPr/>
+        <p:nvPr/>
+      </p:nvGrpSpPr>
+      <p:grpSpPr>
+        <a:xfrm>
+          <a:off x="0" y="0"/>
+          <a:ext cx="0" cy="0"/>
+          <a:chOff x="0" y="0"/>
+          <a:chExt cx="0" cy="0"/>
+        </a:xfrm>
+      </p:grpSpPr>
+      <p:sp>
+        <p:nvSpPr>
+          <p:cNvPr id="2" name="Slide Image Placeholder 1"/>
+          <p:cNvSpPr>
+            <a:spLocks noGrp="1" noRot="1" noChangeAspect="1"/>
+          </p:cNvSpPr>
+          <p:nvPr>
+            <p:ph type="sldImg"/>
+          </p:nvPr>
+        </p:nvSpPr>
+        <p:spPr/>
+      </p:sp>
+      <p:sp>
+        <p:nvSpPr>
+          <p:cNvPr id="3" name="Notes Placeholder 2"/>
+          <p:cNvSpPr>
+            <a:spLocks noGrp="1"/>
+          </p:cNvSpPr>
+          <p:nvPr>
+            <p:ph type="body" idx="1"/>
+          </p:nvPr>
+        </p:nvSpPr>
+        <p:spPr/>
+        <p:txBody>
+          <a:bodyPr>
+            <a:normAutofit/>
+          </a:bodyPr>
+          <a:lstStyle/>
+          <a:p>
+            <a:pPr>
+              <a:lnSpc>
+                <a:spcPct val="80000"/>
+              </a:lnSpc>
+            </a:pPr>
+            <a:r>
+              <a:rPr lang="en-US" dirty="0" smtClean="0"/>
+              <a:t>Give a brief overview of the presentation.</a:t>
+            </a:r>
+            <a:r>
+              <a:rPr lang="en-US" baseline="0" dirty="0" smtClean="0"/>
+              <a:t> D</a:t>
+            </a:r>
+            <a:r>
+              <a:rPr lang="en-US" dirty="0" smtClean="0"/>
+              <a:t>escribe the major focus of the presentation and why it is important.</a:t>
+            </a:r>
+          </a:p>
+          <a:p>
+            <a:pPr>
+              <a:lnSpc>
+                <a:spcPct val="80000"/>
+              </a:lnSpc>
+            </a:pPr>
+            <a:r>
+              <a:rPr lang="en-US" dirty="0" smtClean="0"/>
+              <a:t>Introduce each of the major topics.</a:t>
+            </a:r>
+          </a:p>
+          <a:p>
+            <a:r>
+              <a:rPr lang="en-US" dirty="0" smtClean="0"/>
+              <a:t>To provide a road map for the audience, you</a:t>
+            </a:r>
+            <a:r>
+              <a:rPr lang="en-US" baseline="0" dirty="0" smtClean="0"/>
+              <a:t> can </a:t>
+            </a:r>
+            <a:r>
+              <a:rPr lang="en-US" dirty="0" smtClean="0"/>
+              <a:t>repeat this Overview slide throughout the presentation, highlighting the particular topic you will discuss next.</a:t>
+            </a:r>
+          </a:p>
+        </p:txBody>
+      </p:sp>
+      <p:sp>
+        <p:nvSpPr>
+          <p:cNvPr id="4" name="Slide Number Placeholder 3"/>
+          <p:cNvSpPr>
+            <a:spLocks noGrp="1"/>
+          </p:cNvSpPr>
+          <p:nvPr>
+            <p:ph type="sldNum" sz="quarter" idx="10"/>
+          </p:nvPr>
+        </p:nvSpPr>
+        <p:spPr/>
+        <p:txBody>
+          <a:bodyPr/>
+          <a:lstStyle/>
+          <a:p>
+            <a:fld id="{EC6EAC7D-5A89-47C2-8ABA-56C9C2DEF7A4}" type="slidenum">
+              <a:rPr lang="en-US" smtClean="0"/>
+              <a:pPr/>
+              <a:t>15</a:t>
+            </a:fld>
+            <a:endParaRPr lang="en-US"/>
+          </a:p>
+        </p:txBody>
+      </p:sp>
+    </p:spTree>
+  </p:cSld>
+  <p:clrMapOvr>
+    <a:masterClrMapping/>
+  </p:clrMapOvr>
+</p:notes>
+</file>
+
+<file path=ppt/notesSlides/notesSlide16.xml><?xml version="1.0" encoding="utf-8"?>
+<p:notes xmlns:a="http://schemas.openxmlformats.org/drawingml/2006/main" xmlns:r="http://schemas.openxmlformats.org/officeDocument/2006/relationships" xmlns:p="http://schemas.openxmlformats.org/presentationml/2006/main">
+  <p:cSld>
+    <p:spTree>
+      <p:nvGrpSpPr>
+        <p:cNvPr id="1" name=""/>
+        <p:cNvGrpSpPr/>
+        <p:nvPr/>
+      </p:nvGrpSpPr>
+      <p:grpSpPr>
+        <a:xfrm>
+          <a:off x="0" y="0"/>
+          <a:ext cx="0" cy="0"/>
+          <a:chOff x="0" y="0"/>
+          <a:chExt cx="0" cy="0"/>
+        </a:xfrm>
+      </p:grpSpPr>
+      <p:sp>
+        <p:nvSpPr>
           <p:cNvPr id="41986" name="Rectangle 23"/>
           <p:cNvSpPr>
             <a:spLocks noGrp="1" noChangeArrowheads="1"/>
@@ -1145,7 +1770,7 @@
             <a:fld id="{B2B44A5F-6CE4-493C-A0D7-6834FF76660C}" type="slidenum">
               <a:rPr lang="en-US" smtClean="0"/>
               <a:pPr/>
-              <a:t>11</a:t>
+              <a:t>16</a:t>
             </a:fld>
             <a:endParaRPr lang="en-US" dirty="0" smtClean="0"/>
           </a:p>
@@ -5897,6 +6522,1467 @@
         </p:nvSpPr>
         <p:spPr/>
         <p:txBody>
+          <a:bodyPr>
+            <a:normAutofit fontScale="90000"/>
+          </a:bodyPr>
+          <a:lstStyle/>
+          <a:p>
+            <a:r>
+              <a:rPr lang="en-US" dirty="0"/>
+              <a:t/>
+            </a:r>
+            <a:br>
+              <a:rPr lang="en-US" dirty="0"/>
+            </a:br>
+            <a:r>
+              <a:rPr lang="cs-CZ" dirty="0" err="1" smtClean="0"/>
+              <a:t>Nullable</a:t>
+            </a:r>
+            <a:r>
+              <a:rPr lang="cs-CZ" dirty="0" smtClean="0"/>
+              <a:t>&lt;</a:t>
+            </a:r>
+            <a:r>
+              <a:rPr lang="cs-CZ" b="1" dirty="0" smtClean="0"/>
+              <a:t>&gt;</a:t>
+            </a:r>
+            <a:r>
+              <a:rPr lang="en-US" b="1" dirty="0"/>
+              <a:t/>
+            </a:r>
+            <a:br>
+              <a:rPr lang="en-US" b="1" dirty="0"/>
+            </a:br>
+            <a:endParaRPr lang="en-US" dirty="0"/>
+          </a:p>
+        </p:txBody>
+      </p:sp>
+      <p:sp>
+        <p:nvSpPr>
+          <p:cNvPr id="5" name="Content Placeholder 4"/>
+          <p:cNvSpPr>
+            <a:spLocks noGrp="1"/>
+          </p:cNvSpPr>
+          <p:nvPr>
+            <p:ph idx="1"/>
+            <p:custDataLst>
+              <p:tags r:id="rId3"/>
+            </p:custDataLst>
+          </p:nvPr>
+        </p:nvSpPr>
+        <p:spPr>
+          <a:xfrm>
+            <a:off x="683568" y="1596413"/>
+            <a:ext cx="8352928" cy="4297363"/>
+          </a:xfrm>
+        </p:spPr>
+        <p:txBody>
+          <a:bodyPr>
+            <a:normAutofit/>
+          </a:bodyPr>
+          <a:lstStyle/>
+          <a:p>
+            <a:pPr marL="514350" indent="-457200" fontAlgn="base"/>
+            <a:r>
+              <a:rPr lang="cs-CZ" dirty="0" smtClean="0"/>
+              <a:t>Pokud chceme použít </a:t>
+            </a:r>
+            <a:r>
+              <a:rPr lang="cs-CZ" dirty="0" err="1" smtClean="0"/>
+              <a:t>null</a:t>
+            </a:r>
+            <a:r>
+              <a:rPr lang="cs-CZ" dirty="0" smtClean="0"/>
+              <a:t> u referenčních typů</a:t>
+            </a:r>
+          </a:p>
+          <a:p>
+            <a:pPr marL="514350" indent="-457200" fontAlgn="base"/>
+            <a:r>
+              <a:rPr lang="cs-CZ" dirty="0" err="1" smtClean="0"/>
+              <a:t>int</a:t>
+            </a:r>
+            <a:r>
+              <a:rPr lang="cs-CZ" dirty="0" smtClean="0"/>
+              <a:t>? </a:t>
+            </a:r>
+            <a:r>
+              <a:rPr lang="cs-CZ" dirty="0" err="1" smtClean="0"/>
+              <a:t>promena</a:t>
+            </a:r>
+            <a:r>
+              <a:rPr lang="cs-CZ" dirty="0" smtClean="0"/>
+              <a:t> = </a:t>
+            </a:r>
+            <a:r>
+              <a:rPr lang="cs-CZ" dirty="0" err="1" smtClean="0"/>
+              <a:t>null</a:t>
+            </a:r>
+            <a:r>
+              <a:rPr lang="cs-CZ" dirty="0" smtClean="0"/>
+              <a:t>; // doporučovaný zápis</a:t>
+            </a:r>
+          </a:p>
+          <a:p>
+            <a:pPr marL="514350" indent="-457200" fontAlgn="base"/>
+            <a:r>
+              <a:rPr lang="cs-CZ" dirty="0" err="1" smtClean="0"/>
+              <a:t>Nullable</a:t>
+            </a:r>
+            <a:r>
+              <a:rPr lang="cs-CZ" dirty="0" smtClean="0"/>
+              <a:t>&lt;</a:t>
+            </a:r>
+            <a:r>
+              <a:rPr lang="cs-CZ" dirty="0" err="1" smtClean="0"/>
+              <a:t>int</a:t>
+            </a:r>
+            <a:r>
+              <a:rPr lang="cs-CZ" dirty="0" smtClean="0"/>
+              <a:t>&gt; </a:t>
+            </a:r>
+            <a:r>
+              <a:rPr lang="cs-CZ" dirty="0" err="1"/>
+              <a:t>promena</a:t>
+            </a:r>
+            <a:r>
+              <a:rPr lang="cs-CZ" dirty="0"/>
+              <a:t> = </a:t>
+            </a:r>
+            <a:r>
+              <a:rPr lang="cs-CZ" dirty="0" err="1"/>
+              <a:t>null</a:t>
+            </a:r>
+            <a:r>
+              <a:rPr lang="cs-CZ" dirty="0" smtClean="0"/>
+              <a:t>; </a:t>
+            </a:r>
+          </a:p>
+          <a:p>
+            <a:pPr marL="514350" indent="-457200" fontAlgn="base"/>
+            <a:r>
+              <a:rPr lang="en-US" b="1" dirty="0" smtClean="0"/>
+              <a:t>??</a:t>
+            </a:r>
+            <a:r>
+              <a:rPr lang="en-US" dirty="0" smtClean="0"/>
+              <a:t> Operator</a:t>
+            </a:r>
+            <a:endParaRPr lang="cs-CZ" dirty="0" smtClean="0"/>
+          </a:p>
+          <a:p>
+            <a:pPr marL="514350" indent="-457200" fontAlgn="base"/>
+            <a:r>
+              <a:rPr lang="cs-CZ" dirty="0" smtClean="0"/>
+              <a:t>Příklad </a:t>
+            </a:r>
+            <a:r>
+              <a:rPr lang="en-US" b="1" dirty="0" err="1" smtClean="0"/>
+              <a:t>TestNullable</a:t>
+            </a:r>
+            <a:r>
+              <a:rPr lang="cs-CZ" b="1" dirty="0" smtClean="0"/>
+              <a:t>.</a:t>
+            </a:r>
+            <a:r>
+              <a:rPr lang="cs-CZ" b="1" dirty="0" err="1" smtClean="0"/>
+              <a:t>cs</a:t>
+            </a:r>
+            <a:endParaRPr lang="en-US" b="1" dirty="0"/>
+          </a:p>
+          <a:p>
+            <a:pPr marL="514350" indent="-457200" fontAlgn="base"/>
+            <a:endParaRPr lang="cs-CZ" dirty="0"/>
+          </a:p>
+          <a:p>
+            <a:pPr marL="514350" indent="-457200" fontAlgn="base"/>
+            <a:endParaRPr lang="en-US" dirty="0"/>
+          </a:p>
+          <a:p>
+            <a:pPr marL="57150" indent="0" fontAlgn="base">
+              <a:buNone/>
+            </a:pPr>
+            <a:endParaRPr lang="cs-CZ" dirty="0" smtClean="0"/>
+          </a:p>
+          <a:p>
+            <a:pPr marL="514350" indent="-457200" fontAlgn="base"/>
+            <a:endParaRPr lang="en-US" dirty="0"/>
+          </a:p>
+          <a:p>
+            <a:pPr marL="514350" indent="-457200" fontAlgn="base"/>
+            <a:endParaRPr lang="pl-PL" b="1" dirty="0"/>
+          </a:p>
+          <a:p>
+            <a:pPr marL="514350" indent="-457200" fontAlgn="base"/>
+            <a:endParaRPr lang="en-US" b="1" dirty="0"/>
+          </a:p>
+          <a:p>
+            <a:pPr marL="514350" indent="-457200" fontAlgn="base"/>
+            <a:endParaRPr lang="en-US" b="1" dirty="0"/>
+          </a:p>
+          <a:p>
+            <a:pPr marL="514350" indent="-457200" fontAlgn="base"/>
+            <a:endParaRPr lang="en-US" b="1" dirty="0"/>
+          </a:p>
+          <a:p>
+            <a:pPr lvl="1" fontAlgn="base"/>
+            <a:endParaRPr lang="en-US" b="1" dirty="0"/>
+          </a:p>
+          <a:p>
+            <a:pPr marL="0" indent="0" fontAlgn="base">
+              <a:buNone/>
+            </a:pPr>
+            <a:endParaRPr lang="cs-CZ" dirty="0" smtClean="0"/>
+          </a:p>
+          <a:p>
+            <a:pPr fontAlgn="base"/>
+            <a:endParaRPr lang="cs-CZ" b="1" dirty="0" smtClean="0"/>
+          </a:p>
+          <a:p>
+            <a:pPr fontAlgn="base"/>
+            <a:endParaRPr lang="en-US" b="1" dirty="0"/>
+          </a:p>
+        </p:txBody>
+      </p:sp>
+    </p:spTree>
+    <p:custDataLst>
+      <p:tags r:id="rId1"/>
+    </p:custDataLst>
+    <p:extLst>
+      <p:ext uri="{BB962C8B-B14F-4D97-AF65-F5344CB8AC3E}">
+        <p14:creationId xmlns:p14="http://schemas.microsoft.com/office/powerpoint/2010/main" val="1651817096"/>
+      </p:ext>
+    </p:extLst>
+  </p:cSld>
+  <p:clrMapOvr>
+    <a:masterClrMapping/>
+  </p:clrMapOvr>
+  <p:transition spd="slow">
+    <p:wipe dir="d"/>
+  </p:transition>
+  <p:timing>
+    <p:tnLst>
+      <p:par>
+        <p:cTn id="1" dur="indefinite" restart="never" nodeType="tmRoot"/>
+      </p:par>
+    </p:tnLst>
+  </p:timing>
+</p:sld>
+</file>
+
+<file path=ppt/slides/slide11.xml><?xml version="1.0" encoding="utf-8"?>
+<p:sld xmlns:a="http://schemas.openxmlformats.org/drawingml/2006/main" xmlns:r="http://schemas.openxmlformats.org/officeDocument/2006/relationships" xmlns:p="http://schemas.openxmlformats.org/presentationml/2006/main">
+  <p:cSld>
+    <p:spTree>
+      <p:nvGrpSpPr>
+        <p:cNvPr id="1" name=""/>
+        <p:cNvGrpSpPr/>
+        <p:nvPr/>
+      </p:nvGrpSpPr>
+      <p:grpSpPr>
+        <a:xfrm>
+          <a:off x="0" y="0"/>
+          <a:ext cx="0" cy="0"/>
+          <a:chOff x="0" y="0"/>
+          <a:chExt cx="0" cy="0"/>
+        </a:xfrm>
+      </p:grpSpPr>
+      <p:sp>
+        <p:nvSpPr>
+          <p:cNvPr id="2" name="Title 1"/>
+          <p:cNvSpPr>
+            <a:spLocks noGrp="1"/>
+          </p:cNvSpPr>
+          <p:nvPr>
+            <p:ph type="title"/>
+            <p:custDataLst>
+              <p:tags r:id="rId2"/>
+            </p:custDataLst>
+          </p:nvPr>
+        </p:nvSpPr>
+        <p:spPr/>
+        <p:txBody>
+          <a:bodyPr>
+            <a:normAutofit/>
+          </a:bodyPr>
+          <a:lstStyle/>
+          <a:p>
+            <a:r>
+              <a:rPr lang="cs-CZ" smtClean="0"/>
+              <a:t>I</a:t>
+            </a:r>
+            <a:r>
+              <a:rPr lang="en-US" smtClean="0"/>
+              <a:t>mplementace </a:t>
+            </a:r>
+            <a:r>
+              <a:rPr lang="en-US" dirty="0" err="1" smtClean="0"/>
+              <a:t>rozhrani</a:t>
+            </a:r>
+            <a:endParaRPr lang="en-US" dirty="0"/>
+          </a:p>
+        </p:txBody>
+      </p:sp>
+      <p:sp>
+        <p:nvSpPr>
+          <p:cNvPr id="5" name="Content Placeholder 4"/>
+          <p:cNvSpPr>
+            <a:spLocks noGrp="1"/>
+          </p:cNvSpPr>
+          <p:nvPr>
+            <p:ph idx="1"/>
+            <p:custDataLst>
+              <p:tags r:id="rId3"/>
+            </p:custDataLst>
+          </p:nvPr>
+        </p:nvSpPr>
+        <p:spPr>
+          <a:xfrm>
+            <a:off x="683568" y="1596413"/>
+            <a:ext cx="8352928" cy="4297363"/>
+          </a:xfrm>
+        </p:spPr>
+        <p:txBody>
+          <a:bodyPr>
+            <a:normAutofit/>
+          </a:bodyPr>
+          <a:lstStyle/>
+          <a:p>
+            <a:pPr marL="514350" indent="-457200" fontAlgn="base"/>
+            <a:r>
+              <a:rPr lang="cs-CZ" dirty="0" smtClean="0"/>
+              <a:t>Stejný jako v </a:t>
+            </a:r>
+            <a:r>
+              <a:rPr lang="cs-CZ" dirty="0" err="1" smtClean="0"/>
+              <a:t>javy</a:t>
+            </a:r>
+            <a:endParaRPr lang="cs-CZ" dirty="0" smtClean="0"/>
+          </a:p>
+          <a:p>
+            <a:pPr marL="514350" indent="-457200" fontAlgn="base"/>
+            <a:r>
+              <a:rPr lang="cs-CZ" b="1" dirty="0" smtClean="0"/>
+              <a:t>+ </a:t>
+            </a:r>
+            <a:r>
+              <a:rPr lang="en-US" dirty="0" err="1" smtClean="0"/>
+              <a:t>explicitni</a:t>
+            </a:r>
+            <a:r>
+              <a:rPr lang="en-US" dirty="0" smtClean="0"/>
+              <a:t> </a:t>
+            </a:r>
+            <a:r>
+              <a:rPr lang="en-US" dirty="0" err="1"/>
+              <a:t>implementace</a:t>
+            </a:r>
+            <a:r>
+              <a:rPr lang="en-US" dirty="0"/>
+              <a:t> </a:t>
+            </a:r>
+            <a:r>
+              <a:rPr lang="en-US" dirty="0" err="1"/>
+              <a:t>rozhrani</a:t>
+            </a:r>
+            <a:r>
+              <a:rPr lang="en-US" b="1" dirty="0"/>
+              <a:t/>
+            </a:r>
+            <a:br>
+              <a:rPr lang="en-US" b="1" dirty="0"/>
+            </a:br>
+            <a:endParaRPr lang="en-US" b="1" dirty="0"/>
+          </a:p>
+          <a:p>
+            <a:pPr marL="514350" indent="-457200" fontAlgn="base"/>
+            <a:endParaRPr lang="cs-CZ" dirty="0"/>
+          </a:p>
+          <a:p>
+            <a:pPr marL="514350" indent="-457200" fontAlgn="base"/>
+            <a:endParaRPr lang="en-US" dirty="0"/>
+          </a:p>
+          <a:p>
+            <a:pPr marL="57150" indent="0" fontAlgn="base">
+              <a:buNone/>
+            </a:pPr>
+            <a:endParaRPr lang="cs-CZ" dirty="0" smtClean="0"/>
+          </a:p>
+          <a:p>
+            <a:pPr marL="514350" indent="-457200" fontAlgn="base"/>
+            <a:endParaRPr lang="en-US" dirty="0"/>
+          </a:p>
+          <a:p>
+            <a:pPr marL="514350" indent="-457200" fontAlgn="base"/>
+            <a:endParaRPr lang="pl-PL" b="1" dirty="0"/>
+          </a:p>
+          <a:p>
+            <a:pPr marL="514350" indent="-457200" fontAlgn="base"/>
+            <a:endParaRPr lang="en-US" b="1" dirty="0"/>
+          </a:p>
+          <a:p>
+            <a:pPr marL="514350" indent="-457200" fontAlgn="base"/>
+            <a:endParaRPr lang="en-US" b="1" dirty="0"/>
+          </a:p>
+          <a:p>
+            <a:pPr marL="514350" indent="-457200" fontAlgn="base"/>
+            <a:endParaRPr lang="en-US" b="1" dirty="0"/>
+          </a:p>
+          <a:p>
+            <a:pPr lvl="1" fontAlgn="base"/>
+            <a:endParaRPr lang="en-US" b="1" dirty="0"/>
+          </a:p>
+          <a:p>
+            <a:pPr marL="0" indent="0" fontAlgn="base">
+              <a:buNone/>
+            </a:pPr>
+            <a:endParaRPr lang="cs-CZ" dirty="0" smtClean="0"/>
+          </a:p>
+          <a:p>
+            <a:pPr fontAlgn="base"/>
+            <a:endParaRPr lang="cs-CZ" b="1" dirty="0" smtClean="0"/>
+          </a:p>
+          <a:p>
+            <a:pPr fontAlgn="base"/>
+            <a:endParaRPr lang="en-US" b="1" dirty="0"/>
+          </a:p>
+        </p:txBody>
+      </p:sp>
+    </p:spTree>
+    <p:custDataLst>
+      <p:tags r:id="rId1"/>
+    </p:custDataLst>
+    <p:extLst>
+      <p:ext uri="{BB962C8B-B14F-4D97-AF65-F5344CB8AC3E}">
+        <p14:creationId xmlns:p14="http://schemas.microsoft.com/office/powerpoint/2010/main" val="114939972"/>
+      </p:ext>
+    </p:extLst>
+  </p:cSld>
+  <p:clrMapOvr>
+    <a:masterClrMapping/>
+  </p:clrMapOvr>
+  <p:transition spd="slow">
+    <p:wipe dir="d"/>
+  </p:transition>
+  <p:timing>
+    <p:tnLst>
+      <p:par>
+        <p:cTn id="1" dur="indefinite" restart="never" nodeType="tmRoot"/>
+      </p:par>
+    </p:tnLst>
+  </p:timing>
+</p:sld>
+</file>
+
+<file path=ppt/slides/slide12.xml><?xml version="1.0" encoding="utf-8"?>
+<p:sld xmlns:a="http://schemas.openxmlformats.org/drawingml/2006/main" xmlns:r="http://schemas.openxmlformats.org/officeDocument/2006/relationships" xmlns:p="http://schemas.openxmlformats.org/presentationml/2006/main">
+  <p:cSld>
+    <p:spTree>
+      <p:nvGrpSpPr>
+        <p:cNvPr id="1" name=""/>
+        <p:cNvGrpSpPr/>
+        <p:nvPr/>
+      </p:nvGrpSpPr>
+      <p:grpSpPr>
+        <a:xfrm>
+          <a:off x="0" y="0"/>
+          <a:ext cx="0" cy="0"/>
+          <a:chOff x="0" y="0"/>
+          <a:chExt cx="0" cy="0"/>
+        </a:xfrm>
+      </p:grpSpPr>
+      <p:sp>
+        <p:nvSpPr>
+          <p:cNvPr id="2" name="Title 1"/>
+          <p:cNvSpPr>
+            <a:spLocks noGrp="1"/>
+          </p:cNvSpPr>
+          <p:nvPr>
+            <p:ph type="title"/>
+            <p:custDataLst>
+              <p:tags r:id="rId2"/>
+            </p:custDataLst>
+          </p:nvPr>
+        </p:nvSpPr>
+        <p:spPr/>
+        <p:txBody>
+          <a:bodyPr/>
+          <a:lstStyle/>
+          <a:p>
+            <a:r>
+              <a:rPr lang="cs-CZ" dirty="0" smtClean="0"/>
+              <a:t>Konvence</a:t>
+            </a:r>
+            <a:endParaRPr lang="en-US" dirty="0"/>
+          </a:p>
+        </p:txBody>
+      </p:sp>
+      <p:sp>
+        <p:nvSpPr>
+          <p:cNvPr id="5" name="Content Placeholder 4"/>
+          <p:cNvSpPr>
+            <a:spLocks noGrp="1"/>
+          </p:cNvSpPr>
+          <p:nvPr>
+            <p:ph idx="1"/>
+            <p:custDataLst>
+              <p:tags r:id="rId3"/>
+            </p:custDataLst>
+          </p:nvPr>
+        </p:nvSpPr>
+        <p:spPr/>
+        <p:txBody>
+          <a:bodyPr>
+            <a:normAutofit/>
+          </a:bodyPr>
+          <a:lstStyle/>
+          <a:p>
+            <a:pPr fontAlgn="base"/>
+            <a:r>
+              <a:rPr lang="pt-BR" dirty="0"/>
+              <a:t>konvence </a:t>
+            </a:r>
+            <a:r>
+              <a:rPr lang="pt-BR" b="1" dirty="0"/>
+              <a:t>interface</a:t>
+            </a:r>
+            <a:r>
+              <a:rPr lang="pt-BR" dirty="0"/>
+              <a:t> začíná </a:t>
+            </a:r>
+            <a:r>
+              <a:rPr lang="pt-BR" b="1" dirty="0"/>
+              <a:t>I</a:t>
+            </a:r>
+            <a:r>
+              <a:rPr lang="pt-BR" dirty="0"/>
+              <a:t> viz </a:t>
+            </a:r>
+            <a:r>
+              <a:rPr lang="pt-BR" b="1" dirty="0"/>
+              <a:t>IList</a:t>
+            </a:r>
+            <a:r>
+              <a:rPr lang="pt-BR" dirty="0"/>
+              <a:t> a implementace </a:t>
+            </a:r>
+            <a:r>
+              <a:rPr lang="pt-BR" dirty="0" smtClean="0"/>
+              <a:t>List</a:t>
+            </a:r>
+            <a:endParaRPr lang="cs-CZ" dirty="0" smtClean="0"/>
+          </a:p>
+          <a:p>
+            <a:pPr fontAlgn="base"/>
+            <a:r>
+              <a:rPr lang="en-US" dirty="0" err="1"/>
+              <a:t>nazvy</a:t>
+            </a:r>
+            <a:r>
+              <a:rPr lang="en-US" dirty="0"/>
+              <a:t> </a:t>
+            </a:r>
+            <a:r>
+              <a:rPr lang="en-US" dirty="0" err="1"/>
+              <a:t>metod</a:t>
+            </a:r>
+            <a:r>
+              <a:rPr lang="en-US" dirty="0"/>
+              <a:t> </a:t>
+            </a:r>
+            <a:r>
+              <a:rPr lang="cs-CZ" dirty="0" smtClean="0"/>
+              <a:t>z </a:t>
+            </a:r>
+            <a:r>
+              <a:rPr lang="en-US" dirty="0" err="1" smtClean="0"/>
+              <a:t>pascal</a:t>
+            </a:r>
+            <a:r>
+              <a:rPr lang="cs-CZ" dirty="0" smtClean="0"/>
+              <a:t> konvence</a:t>
+            </a:r>
+            <a:r>
+              <a:rPr lang="en-US" dirty="0" smtClean="0"/>
+              <a:t> </a:t>
+            </a:r>
+            <a:r>
+              <a:rPr lang="en-US" dirty="0"/>
+              <a:t>(</a:t>
+            </a:r>
+            <a:r>
+              <a:rPr lang="en-US" dirty="0" err="1"/>
+              <a:t>hlavni</a:t>
+            </a:r>
+            <a:r>
+              <a:rPr lang="en-US" dirty="0"/>
+              <a:t> designer c# :-)) </a:t>
+            </a:r>
+            <a:r>
+              <a:rPr lang="en-US" dirty="0" err="1"/>
+              <a:t>první</a:t>
+            </a:r>
+            <a:r>
+              <a:rPr lang="en-US" dirty="0"/>
+              <a:t> </a:t>
+            </a:r>
+            <a:r>
+              <a:rPr lang="en-US" dirty="0" err="1"/>
+              <a:t>Velke</a:t>
+            </a:r>
+            <a:r>
+              <a:rPr lang="en-US" dirty="0"/>
+              <a:t> </a:t>
+            </a:r>
+            <a:r>
+              <a:rPr lang="en-US" dirty="0" err="1" smtClean="0"/>
+              <a:t>pismeno</a:t>
+            </a:r>
+            <a:r>
+              <a:rPr lang="cs-CZ" dirty="0" smtClean="0"/>
+              <a:t> </a:t>
+            </a:r>
+            <a:r>
+              <a:rPr lang="cs-CZ" dirty="0"/>
+              <a:t>viz </a:t>
+            </a:r>
+            <a:r>
+              <a:rPr lang="en-US" b="1" dirty="0" err="1"/>
+              <a:t>ToString</a:t>
+            </a:r>
+            <a:r>
+              <a:rPr lang="cs-CZ" b="1" dirty="0" smtClean="0"/>
+              <a:t>() </a:t>
+            </a:r>
+            <a:r>
+              <a:rPr lang="en-US" dirty="0" err="1" smtClean="0"/>
+              <a:t>jinak</a:t>
+            </a:r>
+            <a:r>
+              <a:rPr lang="en-US" dirty="0" smtClean="0"/>
+              <a:t> </a:t>
+            </a:r>
+            <a:r>
+              <a:rPr lang="en-US" dirty="0" err="1"/>
+              <a:t>stejny</a:t>
+            </a:r>
+            <a:r>
+              <a:rPr lang="en-US" dirty="0"/>
+              <a:t> </a:t>
+            </a:r>
+            <a:r>
+              <a:rPr lang="en-US" dirty="0" err="1"/>
+              <a:t>jako</a:t>
+            </a:r>
+            <a:r>
+              <a:rPr lang="en-US" dirty="0"/>
+              <a:t> u </a:t>
+            </a:r>
+            <a:r>
+              <a:rPr lang="en-US" dirty="0" err="1" smtClean="0"/>
+              <a:t>javy</a:t>
+            </a:r>
+            <a:endParaRPr lang="cs-CZ" dirty="0" smtClean="0"/>
+          </a:p>
+          <a:p>
+            <a:pPr fontAlgn="base"/>
+            <a:endParaRPr lang="en-US" dirty="0"/>
+          </a:p>
+          <a:p>
+            <a:pPr fontAlgn="base"/>
+            <a:endParaRPr lang="pt-BR" dirty="0"/>
+          </a:p>
+          <a:p>
+            <a:pPr fontAlgn="base"/>
+            <a:endParaRPr lang="en-US" dirty="0"/>
+          </a:p>
+        </p:txBody>
+      </p:sp>
+    </p:spTree>
+    <p:custDataLst>
+      <p:tags r:id="rId1"/>
+    </p:custDataLst>
+    <p:extLst>
+      <p:ext uri="{BB962C8B-B14F-4D97-AF65-F5344CB8AC3E}">
+        <p14:creationId xmlns:p14="http://schemas.microsoft.com/office/powerpoint/2010/main" val="597941734"/>
+      </p:ext>
+    </p:extLst>
+  </p:cSld>
+  <p:clrMapOvr>
+    <a:masterClrMapping/>
+  </p:clrMapOvr>
+  <p:transition spd="slow">
+    <p:wipe dir="d"/>
+  </p:transition>
+  <p:timing>
+    <p:tnLst>
+      <p:par>
+        <p:cTn id="1" dur="indefinite" restart="never" nodeType="tmRoot"/>
+      </p:par>
+    </p:tnLst>
+  </p:timing>
+</p:sld>
+</file>
+
+<file path=ppt/slides/slide13.xml><?xml version="1.0" encoding="utf-8"?>
+<p:sld xmlns:a="http://schemas.openxmlformats.org/drawingml/2006/main" xmlns:r="http://schemas.openxmlformats.org/officeDocument/2006/relationships" xmlns:p="http://schemas.openxmlformats.org/presentationml/2006/main">
+  <p:cSld>
+    <p:spTree>
+      <p:nvGrpSpPr>
+        <p:cNvPr id="1" name=""/>
+        <p:cNvGrpSpPr/>
+        <p:nvPr/>
+      </p:nvGrpSpPr>
+      <p:grpSpPr>
+        <a:xfrm>
+          <a:off x="0" y="0"/>
+          <a:ext cx="0" cy="0"/>
+          <a:chOff x="0" y="0"/>
+          <a:chExt cx="0" cy="0"/>
+        </a:xfrm>
+      </p:grpSpPr>
+      <p:sp>
+        <p:nvSpPr>
+          <p:cNvPr id="2" name="Title 1"/>
+          <p:cNvSpPr>
+            <a:spLocks noGrp="1"/>
+          </p:cNvSpPr>
+          <p:nvPr>
+            <p:ph type="title"/>
+            <p:custDataLst>
+              <p:tags r:id="rId2"/>
+            </p:custDataLst>
+          </p:nvPr>
+        </p:nvSpPr>
+        <p:spPr/>
+        <p:txBody>
+          <a:bodyPr>
+            <a:normAutofit/>
+          </a:bodyPr>
+          <a:lstStyle/>
+          <a:p>
+            <a:r>
+              <a:rPr lang="cs-CZ" dirty="0" err="1" smtClean="0"/>
+              <a:t>Object</a:t>
+            </a:r>
+            <a:r>
+              <a:rPr lang="cs-CZ" dirty="0" smtClean="0"/>
+              <a:t> a </a:t>
+            </a:r>
+            <a:r>
+              <a:rPr lang="en-US" dirty="0" err="1" smtClean="0"/>
+              <a:t>ValueType</a:t>
+            </a:r>
+            <a:endParaRPr lang="en-US" dirty="0"/>
+          </a:p>
+        </p:txBody>
+      </p:sp>
+      <p:sp>
+        <p:nvSpPr>
+          <p:cNvPr id="5" name="Content Placeholder 4"/>
+          <p:cNvSpPr>
+            <a:spLocks noGrp="1"/>
+          </p:cNvSpPr>
+          <p:nvPr>
+            <p:ph idx="1"/>
+            <p:custDataLst>
+              <p:tags r:id="rId3"/>
+            </p:custDataLst>
+          </p:nvPr>
+        </p:nvSpPr>
+        <p:spPr/>
+        <p:txBody>
+          <a:bodyPr>
+            <a:normAutofit fontScale="92500" lnSpcReduction="20000"/>
+          </a:bodyPr>
+          <a:lstStyle/>
+          <a:p>
+            <a:pPr fontAlgn="base"/>
+            <a:r>
+              <a:rPr lang="cs-CZ" dirty="0" err="1" smtClean="0"/>
+              <a:t>Class</a:t>
+            </a:r>
+            <a:r>
+              <a:rPr lang="cs-CZ" dirty="0" smtClean="0"/>
+              <a:t> dědí po </a:t>
+            </a:r>
+            <a:r>
+              <a:rPr lang="cs-CZ" dirty="0" err="1" smtClean="0"/>
+              <a:t>Object</a:t>
+            </a:r>
+            <a:endParaRPr lang="cs-CZ" dirty="0"/>
+          </a:p>
+          <a:p>
+            <a:pPr fontAlgn="base"/>
+            <a:r>
+              <a:rPr lang="cs-CZ" dirty="0" err="1" smtClean="0"/>
+              <a:t>Struct</a:t>
+            </a:r>
+            <a:r>
+              <a:rPr lang="cs-CZ" dirty="0" smtClean="0"/>
+              <a:t> dědí po </a:t>
+            </a:r>
+            <a:r>
+              <a:rPr lang="en-US" dirty="0" err="1" smtClean="0"/>
+              <a:t>ValueType</a:t>
+            </a:r>
+            <a:r>
+              <a:rPr lang="cs-CZ" dirty="0" smtClean="0"/>
+              <a:t> (neexistuje metoda </a:t>
+            </a:r>
+            <a:r>
+              <a:rPr lang="en-US" dirty="0" err="1" smtClean="0"/>
+              <a:t>GetType</a:t>
+            </a:r>
+            <a:r>
+              <a:rPr lang="cs-CZ" dirty="0" smtClean="0"/>
+              <a:t>(), destruktor a static metody </a:t>
+            </a:r>
+            <a:r>
+              <a:rPr lang="en-US" dirty="0" smtClean="0"/>
+              <a:t>Equals</a:t>
+            </a:r>
+            <a:endParaRPr lang="en-US" dirty="0"/>
+          </a:p>
+          <a:p>
+            <a:pPr fontAlgn="base"/>
+            <a:r>
+              <a:rPr lang="cs-CZ" dirty="0" smtClean="0"/>
+              <a:t>)</a:t>
+            </a:r>
+          </a:p>
+          <a:p>
+            <a:pPr fontAlgn="base"/>
+            <a:r>
+              <a:rPr lang="cs-CZ" b="1" dirty="0" err="1"/>
+              <a:t>string</a:t>
+            </a:r>
+            <a:r>
+              <a:rPr lang="cs-CZ" dirty="0"/>
+              <a:t> je alias k </a:t>
+            </a:r>
+            <a:r>
+              <a:rPr lang="cs-CZ" b="1" dirty="0" err="1"/>
+              <a:t>System.String</a:t>
+            </a:r>
+            <a:r>
+              <a:rPr lang="cs-CZ" b="1" dirty="0"/>
+              <a:t> </a:t>
+            </a:r>
+            <a:r>
+              <a:rPr lang="cs-CZ" dirty="0"/>
+              <a:t>je vždy </a:t>
+            </a:r>
+            <a:r>
+              <a:rPr lang="cs-CZ" dirty="0" err="1"/>
+              <a:t>immutable</a:t>
+            </a:r>
+            <a:r>
+              <a:rPr lang="cs-CZ" dirty="0"/>
+              <a:t> tzn. </a:t>
+            </a:r>
+            <a:r>
+              <a:rPr lang="cs-CZ" dirty="0" err="1"/>
+              <a:t>muze</a:t>
+            </a:r>
+            <a:r>
+              <a:rPr lang="cs-CZ" dirty="0"/>
+              <a:t> se </a:t>
+            </a:r>
+            <a:r>
+              <a:rPr lang="cs-CZ" dirty="0" err="1"/>
+              <a:t>pouzivat</a:t>
+            </a:r>
+            <a:r>
+              <a:rPr lang="cs-CZ" dirty="0"/>
+              <a:t> ==</a:t>
+            </a:r>
+            <a:endParaRPr lang="cs-CZ" b="1" dirty="0"/>
+          </a:p>
+          <a:p>
+            <a:pPr fontAlgn="base"/>
+            <a:r>
+              <a:rPr lang="cs-CZ" b="1" dirty="0" err="1"/>
+              <a:t>ToString</a:t>
+            </a:r>
+            <a:r>
+              <a:rPr lang="cs-CZ" dirty="0"/>
+              <a:t>() </a:t>
+            </a:r>
+            <a:r>
+              <a:rPr lang="cs-CZ" b="1" dirty="0" smtClean="0">
+                <a:solidFill>
+                  <a:srgbClr val="FF0000"/>
+                </a:solidFill>
+              </a:rPr>
+              <a:t>pozor double </a:t>
+            </a:r>
+            <a:r>
+              <a:rPr lang="cs-CZ" b="1" dirty="0" err="1" smtClean="0">
+                <a:solidFill>
+                  <a:srgbClr val="FF0000"/>
+                </a:solidFill>
+              </a:rPr>
+              <a:t>apod</a:t>
+            </a:r>
+            <a:r>
+              <a:rPr lang="cs-CZ" b="1" dirty="0" smtClean="0">
+                <a:solidFill>
+                  <a:srgbClr val="FF0000"/>
+                </a:solidFill>
+              </a:rPr>
+              <a:t> </a:t>
+            </a:r>
+            <a:r>
+              <a:rPr lang="en-US" b="1" dirty="0" err="1" smtClean="0">
+                <a:solidFill>
+                  <a:srgbClr val="FF0000"/>
+                </a:solidFill>
+              </a:rPr>
+              <a:t>závislý</a:t>
+            </a:r>
+            <a:r>
+              <a:rPr lang="en-US" b="1" dirty="0" smtClean="0">
+                <a:solidFill>
+                  <a:srgbClr val="FF0000"/>
+                </a:solidFill>
+              </a:rPr>
+              <a:t> </a:t>
+            </a:r>
+            <a:r>
+              <a:rPr lang="en-US" b="1" dirty="0" err="1">
+                <a:solidFill>
+                  <a:srgbClr val="FF0000"/>
+                </a:solidFill>
+              </a:rPr>
+              <a:t>na</a:t>
+            </a:r>
+            <a:r>
+              <a:rPr lang="en-US" b="1" dirty="0">
+                <a:solidFill>
+                  <a:srgbClr val="FF0000"/>
+                </a:solidFill>
+              </a:rPr>
+              <a:t> local </a:t>
+            </a:r>
+            <a:r>
+              <a:rPr lang="en-US" b="1" dirty="0" err="1">
+                <a:solidFill>
+                  <a:srgbClr val="FF0000"/>
+                </a:solidFill>
+              </a:rPr>
+              <a:t>nastavení</a:t>
+            </a:r>
+            <a:r>
+              <a:rPr lang="en-US" b="1" dirty="0">
+                <a:solidFill>
+                  <a:srgbClr val="FF0000"/>
+                </a:solidFill>
+              </a:rPr>
+              <a:t> </a:t>
+            </a:r>
+            <a:r>
+              <a:rPr lang="en-US" b="1" dirty="0" err="1">
+                <a:solidFill>
+                  <a:srgbClr val="FF0000"/>
+                </a:solidFill>
+              </a:rPr>
+              <a:t>počítače</a:t>
+            </a:r>
+            <a:r>
+              <a:rPr lang="en-US" b="1" dirty="0">
+                <a:solidFill>
+                  <a:srgbClr val="FF0000"/>
+                </a:solidFill>
+              </a:rPr>
+              <a:t> -&gt; </a:t>
+            </a:r>
+            <a:r>
+              <a:rPr lang="en-US" b="1" dirty="0" err="1">
+                <a:solidFill>
+                  <a:srgbClr val="FF0000"/>
+                </a:solidFill>
+              </a:rPr>
+              <a:t>doporucuju</a:t>
+            </a:r>
+            <a:r>
+              <a:rPr lang="en-US" b="1" dirty="0">
+                <a:solidFill>
+                  <a:srgbClr val="FF0000"/>
+                </a:solidFill>
+              </a:rPr>
+              <a:t> </a:t>
+            </a:r>
+            <a:r>
+              <a:rPr lang="en-US" b="1" dirty="0" err="1">
+                <a:solidFill>
+                  <a:srgbClr val="FF0000"/>
+                </a:solidFill>
+              </a:rPr>
+              <a:t>si</a:t>
+            </a:r>
+            <a:r>
+              <a:rPr lang="en-US" b="1" dirty="0">
+                <a:solidFill>
+                  <a:srgbClr val="FF0000"/>
+                </a:solidFill>
+              </a:rPr>
+              <a:t> </a:t>
+            </a:r>
+            <a:r>
+              <a:rPr lang="en-US" b="1" dirty="0" err="1">
+                <a:solidFill>
+                  <a:srgbClr val="FF0000"/>
+                </a:solidFill>
+              </a:rPr>
+              <a:t>napsat</a:t>
+            </a:r>
+            <a:r>
+              <a:rPr lang="en-US" b="1" dirty="0">
+                <a:solidFill>
+                  <a:srgbClr val="FF0000"/>
+                </a:solidFill>
+              </a:rPr>
+              <a:t> extension static </a:t>
+            </a:r>
+            <a:r>
+              <a:rPr lang="en-US" b="1" dirty="0" err="1">
+                <a:solidFill>
+                  <a:srgbClr val="FF0000"/>
+                </a:solidFill>
+              </a:rPr>
+              <a:t>metody</a:t>
+            </a:r>
+            <a:r>
+              <a:rPr lang="en-US" b="1" dirty="0">
+                <a:solidFill>
+                  <a:srgbClr val="FF0000"/>
+                </a:solidFill>
+              </a:rPr>
+              <a:t> </a:t>
+            </a:r>
+            <a:r>
+              <a:rPr lang="en-US" b="1" dirty="0" err="1">
+                <a:solidFill>
+                  <a:srgbClr val="FF0000"/>
+                </a:solidFill>
+              </a:rPr>
+              <a:t>MoneyToString</a:t>
+            </a:r>
+            <a:r>
+              <a:rPr lang="en-US" b="1" dirty="0">
+                <a:solidFill>
+                  <a:srgbClr val="FF0000"/>
+                </a:solidFill>
+              </a:rPr>
+              <a:t>() </a:t>
+            </a:r>
+            <a:r>
+              <a:rPr lang="en-US" b="1" dirty="0" err="1">
+                <a:solidFill>
+                  <a:srgbClr val="FF0000"/>
+                </a:solidFill>
+              </a:rPr>
+              <a:t>apod</a:t>
+            </a:r>
+            <a:r>
+              <a:rPr lang="en-US" b="1" dirty="0">
+                <a:solidFill>
+                  <a:srgbClr val="FF0000"/>
+                </a:solidFill>
+              </a:rPr>
+              <a:t>. </a:t>
+            </a:r>
+            <a:r>
+              <a:rPr lang="en-US" b="1" dirty="0" err="1">
+                <a:solidFill>
+                  <a:srgbClr val="FF0000"/>
+                </a:solidFill>
+              </a:rPr>
+              <a:t>viz</a:t>
+            </a:r>
+            <a:r>
+              <a:rPr lang="en-US" b="1" dirty="0">
+                <a:solidFill>
+                  <a:srgbClr val="FF0000"/>
+                </a:solidFill>
+              </a:rPr>
+              <a:t> </a:t>
+            </a:r>
+            <a:r>
+              <a:rPr lang="en-US" b="1" dirty="0" err="1">
+                <a:solidFill>
+                  <a:srgbClr val="FF0000"/>
+                </a:solidFill>
+              </a:rPr>
+              <a:t>priklad</a:t>
+            </a:r>
+            <a:r>
+              <a:rPr lang="en-US" b="1" dirty="0">
+                <a:solidFill>
+                  <a:srgbClr val="FF0000"/>
+                </a:solidFill>
+              </a:rPr>
+              <a:t> </a:t>
+            </a:r>
+            <a:r>
+              <a:rPr lang="en-US" b="1" dirty="0" err="1">
+                <a:solidFill>
+                  <a:srgbClr val="FF0000"/>
+                </a:solidFill>
+              </a:rPr>
+              <a:t>TestToStringCulture.cs</a:t>
+            </a:r>
+            <a:endParaRPr lang="cs-CZ" b="1" dirty="0">
+              <a:solidFill>
+                <a:srgbClr val="FF0000"/>
+              </a:solidFill>
+            </a:endParaRPr>
+          </a:p>
+          <a:p>
+            <a:pPr fontAlgn="base"/>
+            <a:endParaRPr lang="en-US" dirty="0"/>
+          </a:p>
+          <a:p>
+            <a:pPr marL="0" indent="0" fontAlgn="base">
+              <a:buNone/>
+            </a:pPr>
+            <a:endParaRPr lang="en-US" dirty="0"/>
+          </a:p>
+          <a:p>
+            <a:pPr fontAlgn="base"/>
+            <a:endParaRPr lang="pt-BR" dirty="0"/>
+          </a:p>
+          <a:p>
+            <a:pPr fontAlgn="base"/>
+            <a:endParaRPr lang="en-US" dirty="0"/>
+          </a:p>
+        </p:txBody>
+      </p:sp>
+    </p:spTree>
+    <p:custDataLst>
+      <p:tags r:id="rId1"/>
+    </p:custDataLst>
+    <p:extLst>
+      <p:ext uri="{BB962C8B-B14F-4D97-AF65-F5344CB8AC3E}">
+        <p14:creationId xmlns:p14="http://schemas.microsoft.com/office/powerpoint/2010/main" val="375692060"/>
+      </p:ext>
+    </p:extLst>
+  </p:cSld>
+  <p:clrMapOvr>
+    <a:masterClrMapping/>
+  </p:clrMapOvr>
+  <p:transition spd="slow">
+    <p:wipe dir="d"/>
+  </p:transition>
+  <p:timing>
+    <p:tnLst>
+      <p:par>
+        <p:cTn id="1" dur="indefinite" restart="never" nodeType="tmRoot"/>
+      </p:par>
+    </p:tnLst>
+  </p:timing>
+</p:sld>
+</file>
+
+<file path=ppt/slides/slide14.xml><?xml version="1.0" encoding="utf-8"?>
+<p:sld xmlns:a="http://schemas.openxmlformats.org/drawingml/2006/main" xmlns:r="http://schemas.openxmlformats.org/officeDocument/2006/relationships" xmlns:p="http://schemas.openxmlformats.org/presentationml/2006/main">
+  <p:cSld>
+    <p:spTree>
+      <p:nvGrpSpPr>
+        <p:cNvPr id="1" name=""/>
+        <p:cNvGrpSpPr/>
+        <p:nvPr/>
+      </p:nvGrpSpPr>
+      <p:grpSpPr>
+        <a:xfrm>
+          <a:off x="0" y="0"/>
+          <a:ext cx="0" cy="0"/>
+          <a:chOff x="0" y="0"/>
+          <a:chExt cx="0" cy="0"/>
+        </a:xfrm>
+      </p:grpSpPr>
+      <p:sp>
+        <p:nvSpPr>
+          <p:cNvPr id="2" name="Title 1"/>
+          <p:cNvSpPr>
+            <a:spLocks noGrp="1"/>
+          </p:cNvSpPr>
+          <p:nvPr>
+            <p:ph type="title"/>
+            <p:custDataLst>
+              <p:tags r:id="rId2"/>
+            </p:custDataLst>
+          </p:nvPr>
+        </p:nvSpPr>
+        <p:spPr/>
+        <p:txBody>
+          <a:bodyPr/>
+          <a:lstStyle/>
+          <a:p>
+            <a:r>
+              <a:rPr lang="cs-CZ" dirty="0" smtClean="0"/>
+              <a:t>Kolekce</a:t>
+            </a:r>
+            <a:endParaRPr lang="en-US" dirty="0"/>
+          </a:p>
+        </p:txBody>
+      </p:sp>
+      <p:sp>
+        <p:nvSpPr>
+          <p:cNvPr id="5" name="Content Placeholder 4"/>
+          <p:cNvSpPr>
+            <a:spLocks noGrp="1"/>
+          </p:cNvSpPr>
+          <p:nvPr>
+            <p:ph idx="1"/>
+            <p:custDataLst>
+              <p:tags r:id="rId3"/>
+            </p:custDataLst>
+          </p:nvPr>
+        </p:nvSpPr>
+        <p:spPr/>
+        <p:txBody>
+          <a:bodyPr>
+            <a:normAutofit lnSpcReduction="10000"/>
+          </a:bodyPr>
+          <a:lstStyle/>
+          <a:p>
+            <a:pPr fontAlgn="base"/>
+            <a:r>
+              <a:rPr lang="cs-CZ" dirty="0" smtClean="0"/>
+              <a:t>K</a:t>
+            </a:r>
+            <a:r>
+              <a:rPr lang="en-US" dirty="0" err="1" smtClean="0"/>
+              <a:t>olekce</a:t>
+            </a:r>
+            <a:r>
+              <a:rPr lang="en-US" dirty="0" smtClean="0"/>
+              <a:t> z</a:t>
+            </a:r>
+            <a:r>
+              <a:rPr lang="cs-CZ" dirty="0" smtClean="0"/>
+              <a:t>e</a:t>
+            </a:r>
+            <a:r>
+              <a:rPr lang="en-US" dirty="0" smtClean="0"/>
+              <a:t> </a:t>
+            </a:r>
+            <a:r>
+              <a:rPr lang="en-US" dirty="0" err="1"/>
+              <a:t>dvou</a:t>
+            </a:r>
+            <a:r>
+              <a:rPr lang="en-US" dirty="0"/>
+              <a:t> namespace </a:t>
+            </a:r>
+            <a:r>
+              <a:rPr lang="en-US" b="1" dirty="0" err="1"/>
+              <a:t>System.Collections</a:t>
+            </a:r>
+            <a:r>
+              <a:rPr lang="en-US" dirty="0"/>
+              <a:t> a </a:t>
+            </a:r>
+            <a:r>
+              <a:rPr lang="en-US" b="1" dirty="0" err="1"/>
+              <a:t>System.Collections.Generic</a:t>
+            </a:r>
+            <a:r>
+              <a:rPr lang="en-US" dirty="0"/>
+              <a:t> </a:t>
+            </a:r>
+            <a:endParaRPr lang="cs-CZ" dirty="0" smtClean="0"/>
+          </a:p>
+          <a:p>
+            <a:pPr fontAlgn="base"/>
+            <a:r>
+              <a:rPr lang="en-US" dirty="0" err="1" smtClean="0"/>
+              <a:t>pouzivat</a:t>
+            </a:r>
+            <a:r>
+              <a:rPr lang="en-US" dirty="0" smtClean="0"/>
+              <a:t> </a:t>
+            </a:r>
+            <a:r>
+              <a:rPr lang="en-US" dirty="0" err="1"/>
+              <a:t>misto</a:t>
+            </a:r>
+            <a:r>
+              <a:rPr lang="en-US" dirty="0"/>
+              <a:t> </a:t>
+            </a:r>
+            <a:r>
+              <a:rPr lang="en-US" dirty="0" err="1"/>
+              <a:t>ICollection</a:t>
+            </a:r>
+            <a:r>
+              <a:rPr lang="en-US" dirty="0"/>
+              <a:t> </a:t>
+            </a:r>
+            <a:r>
+              <a:rPr lang="en-US" dirty="0" err="1"/>
+              <a:t>nebo</a:t>
+            </a:r>
+            <a:r>
+              <a:rPr lang="en-US" dirty="0"/>
+              <a:t> </a:t>
+            </a:r>
+            <a:r>
+              <a:rPr lang="en-US" dirty="0" err="1"/>
+              <a:t>IList</a:t>
+            </a:r>
+            <a:r>
+              <a:rPr lang="en-US" dirty="0"/>
+              <a:t> </a:t>
+            </a:r>
+            <a:r>
+              <a:rPr lang="cs-CZ" b="1" dirty="0" smtClean="0"/>
+              <a:t>IE</a:t>
+            </a:r>
+            <a:r>
+              <a:rPr lang="en-US" b="1" dirty="0" smtClean="0"/>
+              <a:t>numerable</a:t>
+            </a:r>
+            <a:r>
+              <a:rPr lang="cs-CZ" b="1" dirty="0" smtClean="0"/>
+              <a:t>&lt;&gt;</a:t>
+            </a:r>
+          </a:p>
+          <a:p>
+            <a:pPr fontAlgn="base"/>
+            <a:r>
+              <a:rPr lang="cs-CZ" dirty="0" smtClean="0"/>
+              <a:t>Místo mapy je </a:t>
+            </a:r>
+            <a:r>
+              <a:rPr lang="cs-CZ" dirty="0" err="1" smtClean="0"/>
+              <a:t>IDictionary</a:t>
+            </a:r>
+            <a:r>
+              <a:rPr lang="cs-CZ" dirty="0" smtClean="0"/>
+              <a:t>&lt;,&gt;</a:t>
+            </a:r>
+          </a:p>
+          <a:p>
+            <a:pPr fontAlgn="base"/>
+            <a:r>
+              <a:rPr lang="cs-CZ" dirty="0" smtClean="0"/>
+              <a:t>Do kolekce lze </a:t>
+            </a:r>
+            <a:r>
+              <a:rPr lang="cs-CZ" dirty="0" err="1" smtClean="0"/>
+              <a:t>vkladat</a:t>
+            </a:r>
+            <a:r>
+              <a:rPr lang="cs-CZ" dirty="0" smtClean="0"/>
+              <a:t> </a:t>
+            </a:r>
+            <a:r>
+              <a:rPr lang="cs-CZ" dirty="0" err="1" smtClean="0"/>
+              <a:t>struct</a:t>
+            </a:r>
+            <a:r>
+              <a:rPr lang="cs-CZ" dirty="0" smtClean="0"/>
+              <a:t> tzn. </a:t>
+            </a:r>
+            <a:r>
+              <a:rPr lang="cs-CZ" dirty="0" err="1" smtClean="0"/>
+              <a:t>int</a:t>
+            </a:r>
+            <a:r>
+              <a:rPr lang="cs-CZ" dirty="0" smtClean="0"/>
+              <a:t> apod.</a:t>
+            </a:r>
+          </a:p>
+          <a:p>
+            <a:pPr fontAlgn="base"/>
+            <a:r>
+              <a:rPr lang="cs-CZ" dirty="0" smtClean="0"/>
+              <a:t>Lze použít </a:t>
+            </a:r>
+            <a:r>
+              <a:rPr lang="cs-CZ" dirty="0" err="1" smtClean="0"/>
+              <a:t>instanceof</a:t>
+            </a:r>
+            <a:r>
+              <a:rPr lang="cs-CZ" dirty="0" smtClean="0"/>
+              <a:t> T</a:t>
+            </a:r>
+          </a:p>
+          <a:p>
+            <a:pPr fontAlgn="base"/>
+            <a:endParaRPr lang="en-US" dirty="0"/>
+          </a:p>
+          <a:p>
+            <a:pPr fontAlgn="base"/>
+            <a:endParaRPr lang="pt-BR" dirty="0"/>
+          </a:p>
+          <a:p>
+            <a:pPr fontAlgn="base"/>
+            <a:endParaRPr lang="en-US" dirty="0"/>
+          </a:p>
+        </p:txBody>
+      </p:sp>
+    </p:spTree>
+    <p:custDataLst>
+      <p:tags r:id="rId1"/>
+    </p:custDataLst>
+    <p:extLst>
+      <p:ext uri="{BB962C8B-B14F-4D97-AF65-F5344CB8AC3E}">
+        <p14:creationId xmlns:p14="http://schemas.microsoft.com/office/powerpoint/2010/main" val="2224911890"/>
+      </p:ext>
+    </p:extLst>
+  </p:cSld>
+  <p:clrMapOvr>
+    <a:masterClrMapping/>
+  </p:clrMapOvr>
+  <p:transition spd="slow">
+    <p:wipe dir="d"/>
+  </p:transition>
+  <p:timing>
+    <p:tnLst>
+      <p:par>
+        <p:cTn id="1" dur="indefinite" restart="never" nodeType="tmRoot"/>
+      </p:par>
+    </p:tnLst>
+  </p:timing>
+</p:sld>
+</file>
+
+<file path=ppt/slides/slide15.xml><?xml version="1.0" encoding="utf-8"?>
+<p:sld xmlns:a="http://schemas.openxmlformats.org/drawingml/2006/main" xmlns:r="http://schemas.openxmlformats.org/officeDocument/2006/relationships" xmlns:p="http://schemas.openxmlformats.org/presentationml/2006/main">
+  <p:cSld>
+    <p:spTree>
+      <p:nvGrpSpPr>
+        <p:cNvPr id="1" name=""/>
+        <p:cNvGrpSpPr/>
+        <p:nvPr/>
+      </p:nvGrpSpPr>
+      <p:grpSpPr>
+        <a:xfrm>
+          <a:off x="0" y="0"/>
+          <a:ext cx="0" cy="0"/>
+          <a:chOff x="0" y="0"/>
+          <a:chExt cx="0" cy="0"/>
+        </a:xfrm>
+      </p:grpSpPr>
+      <p:sp>
+        <p:nvSpPr>
+          <p:cNvPr id="2" name="Title 1"/>
+          <p:cNvSpPr>
+            <a:spLocks noGrp="1"/>
+          </p:cNvSpPr>
+          <p:nvPr>
+            <p:ph type="title"/>
+            <p:custDataLst>
+              <p:tags r:id="rId2"/>
+            </p:custDataLst>
+          </p:nvPr>
+        </p:nvSpPr>
+        <p:spPr/>
+        <p:txBody>
           <a:bodyPr/>
           <a:lstStyle/>
           <a:p>
@@ -6010,7 +8096,7 @@
 </p:sld>
 </file>
 
-<file path=ppt/slides/slide11.xml><?xml version="1.0" encoding="utf-8"?>
+<file path=ppt/slides/slide16.xml><?xml version="1.0" encoding="utf-8"?>
 <p:sld xmlns:a="http://schemas.openxmlformats.org/drawingml/2006/main" xmlns:r="http://schemas.openxmlformats.org/officeDocument/2006/relationships" xmlns:p="http://schemas.openxmlformats.org/presentationml/2006/main">
   <p:cSld>
     <p:spTree>
@@ -6962,12 +9048,20 @@
               <a:t> </a:t>
             </a:r>
             <a:r>
-              <a:rPr lang="en-US" b="1" dirty="0" err="1">
+              <a:rPr lang="en-US" b="1" dirty="0" err="1" smtClean="0">
                 <a:solidFill>
                   <a:srgbClr val="FF0000"/>
                 </a:solidFill>
               </a:rPr>
-              <a:t>vubec</a:t>
+              <a:t>nedavat</a:t>
+            </a:r>
+            <a:r>
+              <a:rPr lang="en-US" b="1" dirty="0" smtClean="0">
+                <a:solidFill>
+                  <a:srgbClr val="FF0000"/>
+                </a:solidFill>
+              </a:rPr>
+              <a:t> </a:t>
             </a:r>
             <a:r>
               <a:rPr lang="en-US" b="1" dirty="0">
@@ -6975,23 +9069,7 @@
                   <a:srgbClr val="FF0000"/>
                 </a:solidFill>
               </a:rPr>
-              <a:t> </a:t>
-            </a:r>
-            <a:r>
-              <a:rPr lang="en-US" b="1" dirty="0" err="1">
-                <a:solidFill>
-                  <a:srgbClr val="FF0000"/>
-                </a:solidFill>
-              </a:rPr>
-              <a:t>nedavat</a:t>
-            </a:r>
-            <a:r>
-              <a:rPr lang="en-US" b="1" dirty="0">
-                <a:solidFill>
-                  <a:srgbClr val="FF0000"/>
-                </a:solidFill>
-              </a:rPr>
-              <a:t> do GAC</a:t>
+              <a:t>do GAC</a:t>
             </a:r>
             <a:r>
               <a:rPr lang="en-US" b="1" dirty="0" smtClean="0">
@@ -7459,7 +9537,7 @@
         </p:spPr>
         <p:txBody>
           <a:bodyPr>
-            <a:normAutofit fontScale="77500" lnSpcReduction="20000"/>
+            <a:normAutofit fontScale="70000" lnSpcReduction="20000"/>
           </a:bodyPr>
           <a:lstStyle/>
           <a:p>
@@ -7676,15 +9754,7 @@
             </a:r>
             <a:r>
               <a:rPr lang="cs-CZ" dirty="0" smtClean="0"/>
-              <a:t>, </a:t>
-            </a:r>
-            <a:r>
-              <a:rPr lang="cs-CZ" smtClean="0"/>
-              <a:t>a anonymní třída </a:t>
-            </a:r>
-            <a:r>
-              <a:rPr lang="cs-CZ" dirty="0" smtClean="0"/>
-              <a:t>– příklad</a:t>
+              <a:t>, a anonymní třída – příklad</a:t>
             </a:r>
           </a:p>
           <a:p>
@@ -7736,10 +9806,138 @@
           </a:p>
           <a:p>
             <a:pPr marL="514350" indent="-457200" fontAlgn="base"/>
-            <a:endParaRPr lang="en-US" b="1" dirty="0"/>
+            <a:r>
+              <a:rPr lang="cs-CZ" b="1" dirty="0" smtClean="0"/>
+              <a:t>v</a:t>
+            </a:r>
+            <a:r>
+              <a:rPr lang="en-US" b="1" dirty="0" err="1" smtClean="0"/>
+              <a:t>ar</a:t>
+            </a:r>
+            <a:r>
+              <a:rPr lang="cs-CZ" dirty="0" smtClean="0"/>
+              <a:t> – pouze bere typ z </a:t>
+            </a:r>
+            <a:r>
+              <a:rPr lang="en-US" dirty="0" err="1" smtClean="0"/>
+              <a:t>prav</a:t>
+            </a:r>
+            <a:r>
+              <a:rPr lang="cs-CZ" dirty="0" smtClean="0"/>
+              <a:t>e</a:t>
+            </a:r>
+            <a:r>
+              <a:rPr lang="en-US" dirty="0" smtClean="0"/>
+              <a:t> </a:t>
+            </a:r>
+            <a:r>
+              <a:rPr lang="en-US" dirty="0" err="1"/>
+              <a:t>strany</a:t>
+            </a:r>
+            <a:r>
+              <a:rPr lang="en-US" dirty="0"/>
+              <a:t> </a:t>
+            </a:r>
+            <a:r>
+              <a:rPr lang="en-US" dirty="0" smtClean="0"/>
+              <a:t>v</a:t>
+            </a:r>
+            <a:r>
+              <a:rPr lang="cs-CZ" dirty="0" smtClean="0"/>
+              <a:t>y</a:t>
+            </a:r>
+            <a:r>
+              <a:rPr lang="en-US" dirty="0" err="1" smtClean="0"/>
+              <a:t>razu</a:t>
+            </a:r>
+            <a:r>
+              <a:rPr lang="en-US" dirty="0" smtClean="0"/>
+              <a:t> </a:t>
+            </a:r>
+            <a:r>
+              <a:rPr lang="en-US" dirty="0"/>
+              <a:t>a to </a:t>
+            </a:r>
+            <a:r>
+              <a:rPr lang="en-US" dirty="0" err="1" smtClean="0"/>
+              <a:t>ji</a:t>
+            </a:r>
+            <a:r>
+              <a:rPr lang="cs-CZ" dirty="0" smtClean="0"/>
+              <a:t>z</a:t>
+            </a:r>
+            <a:r>
+              <a:rPr lang="en-US" dirty="0" smtClean="0"/>
+              <a:t> </a:t>
+            </a:r>
+            <a:r>
+              <a:rPr lang="en-US" dirty="0"/>
+              <a:t>v </a:t>
+            </a:r>
+            <a:r>
+              <a:rPr lang="en-US" dirty="0" smtClean="0"/>
+              <a:t>dob</a:t>
+            </a:r>
+            <a:r>
+              <a:rPr lang="cs-CZ" dirty="0"/>
+              <a:t>e</a:t>
+            </a:r>
+            <a:r>
+              <a:rPr lang="en-US" dirty="0" smtClean="0"/>
+              <a:t> p</a:t>
+            </a:r>
+            <a:r>
+              <a:rPr lang="cs-CZ" dirty="0" smtClean="0"/>
+              <a:t>r</a:t>
+            </a:r>
+            <a:r>
+              <a:rPr lang="en-US" dirty="0" err="1" smtClean="0"/>
+              <a:t>ekladu</a:t>
+            </a:r>
+            <a:endParaRPr lang="en-US" b="1" dirty="0" smtClean="0"/>
           </a:p>
           <a:p>
             <a:pPr marL="514350" indent="-457200" fontAlgn="base"/>
+            <a:r>
+              <a:rPr lang="cs-CZ" b="1" dirty="0" err="1" smtClean="0"/>
+              <a:t>typeof</a:t>
+            </a:r>
+            <a:r>
+              <a:rPr lang="cs-CZ" b="1" dirty="0" smtClean="0"/>
+              <a:t>(</a:t>
+            </a:r>
+            <a:r>
+              <a:rPr lang="cs-CZ" b="1" dirty="0" err="1" smtClean="0"/>
+              <a:t>Trida</a:t>
+            </a:r>
+            <a:r>
+              <a:rPr lang="cs-CZ" dirty="0" smtClean="0"/>
+              <a:t>) místo </a:t>
+            </a:r>
+            <a:r>
+              <a:rPr lang="cs-CZ" dirty="0" err="1" smtClean="0"/>
+              <a:t>Trida.class</a:t>
+            </a:r>
+            <a:r>
+              <a:rPr lang="cs-CZ" dirty="0" smtClean="0"/>
+              <a:t> a </a:t>
+            </a:r>
+            <a:r>
+              <a:rPr lang="en-US" b="1" dirty="0" err="1"/>
+              <a:t>typeof</a:t>
+            </a:r>
+            <a:r>
+              <a:rPr lang="en-US" b="1" dirty="0"/>
+              <a:t>(</a:t>
+            </a:r>
+            <a:r>
+              <a:rPr lang="en-US" b="1" dirty="0" err="1"/>
+              <a:t>GenerickaTrida</a:t>
+            </a:r>
+            <a:r>
+              <a:rPr lang="en-US" b="1" dirty="0"/>
+              <a:t>&lt;&gt;)</a:t>
+            </a:r>
             <a:endParaRPr lang="cs-CZ" dirty="0" smtClean="0"/>
           </a:p>
           <a:p>
@@ -7844,8 +10042,12 @@
           <a:lstStyle/>
           <a:p>
             <a:r>
+              <a:rPr lang="cs-CZ" dirty="0" err="1" smtClean="0"/>
+              <a:t>Virtual</a:t>
+            </a:r>
+            <a:r>
               <a:rPr lang="cs-CZ" dirty="0" smtClean="0"/>
-              <a:t>Konvence</a:t>
+              <a:t> metody</a:t>
             </a:r>
             <a:endParaRPr lang="en-US" dirty="0"/>
           </a:p>
@@ -7864,171 +10066,138 @@
             </p:custDataLst>
           </p:nvPr>
         </p:nvSpPr>
-        <p:spPr/>
+        <p:spPr>
+          <a:xfrm>
+            <a:off x="683568" y="1596413"/>
+            <a:ext cx="8352928" cy="4297363"/>
+          </a:xfrm>
+        </p:spPr>
         <p:txBody>
           <a:bodyPr>
             <a:normAutofit/>
           </a:bodyPr>
           <a:lstStyle/>
           <a:p>
+            <a:pPr marL="514350" indent="-457200" fontAlgn="base"/>
+            <a:r>
+              <a:rPr lang="cs-CZ" b="1" dirty="0" smtClean="0">
+                <a:solidFill>
+                  <a:srgbClr val="FF0000"/>
+                </a:solidFill>
+              </a:rPr>
+              <a:t>Defaultně </a:t>
+            </a:r>
+            <a:r>
+              <a:rPr lang="cs-CZ" b="1" dirty="0" err="1" smtClean="0">
+                <a:solidFill>
+                  <a:srgbClr val="FF0000"/>
+                </a:solidFill>
+              </a:rPr>
+              <a:t>NEjsou</a:t>
+            </a:r>
+            <a:r>
+              <a:rPr lang="cs-CZ" b="1" dirty="0" smtClean="0">
+                <a:solidFill>
+                  <a:srgbClr val="FF0000"/>
+                </a:solidFill>
+              </a:rPr>
+              <a:t> metody virtuální jako v </a:t>
+            </a:r>
+            <a:r>
+              <a:rPr lang="cs-CZ" b="1" dirty="0" err="1" smtClean="0">
+                <a:solidFill>
+                  <a:srgbClr val="FF0000"/>
+                </a:solidFill>
+              </a:rPr>
+              <a:t>jave</a:t>
+            </a:r>
+            <a:endParaRPr lang="cs-CZ" b="1" dirty="0" smtClean="0">
+              <a:solidFill>
+                <a:srgbClr val="FF0000"/>
+              </a:solidFill>
+            </a:endParaRPr>
+          </a:p>
+          <a:p>
+            <a:pPr marL="514350" indent="-457200" fontAlgn="base"/>
+            <a:r>
+              <a:rPr lang="cs-CZ" dirty="0" smtClean="0"/>
+              <a:t>potom nutnost psát </a:t>
+            </a:r>
+            <a:r>
+              <a:rPr lang="cs-CZ" dirty="0" err="1" smtClean="0"/>
+              <a:t>override</a:t>
+            </a:r>
+            <a:endParaRPr lang="cs-CZ" dirty="0" smtClean="0"/>
+          </a:p>
+          <a:p>
+            <a:pPr marL="514350" indent="-457200" fontAlgn="base"/>
+            <a:r>
+              <a:rPr lang="cs-CZ" dirty="0" smtClean="0"/>
+              <a:t>Klíčové slovo </a:t>
+            </a:r>
+            <a:r>
+              <a:rPr lang="cs-CZ" dirty="0" err="1" smtClean="0"/>
+              <a:t>new</a:t>
+            </a:r>
+            <a:r>
+              <a:rPr lang="cs-CZ" dirty="0" smtClean="0"/>
+              <a:t> -&gt; příklad </a:t>
+            </a:r>
+            <a:r>
+              <a:rPr lang="en-US" dirty="0" err="1"/>
+              <a:t>TestTrida</a:t>
+            </a:r>
+            <a:endParaRPr lang="en-US" dirty="0"/>
+          </a:p>
+          <a:p>
+            <a:pPr marL="514350" indent="-457200" fontAlgn="base"/>
+            <a:r>
+              <a:rPr lang="en-US" dirty="0"/>
+              <a:t>default </a:t>
+            </a:r>
+            <a:r>
+              <a:rPr lang="en-US" dirty="0" err="1" smtClean="0"/>
+              <a:t>parametry</a:t>
+            </a:r>
+            <a:endParaRPr lang="cs-CZ" dirty="0" smtClean="0"/>
+          </a:p>
+          <a:p>
+            <a:pPr marL="514350" indent="-457200" fontAlgn="base"/>
+            <a:endParaRPr lang="en-US" dirty="0"/>
+          </a:p>
+          <a:p>
+            <a:pPr marL="514350" indent="-457200" fontAlgn="base"/>
+            <a:endParaRPr lang="pl-PL" b="1" dirty="0"/>
+          </a:p>
+          <a:p>
+            <a:pPr marL="514350" indent="-457200" fontAlgn="base"/>
+            <a:endParaRPr lang="en-US" b="1" dirty="0"/>
+          </a:p>
+          <a:p>
+            <a:pPr marL="514350" indent="-457200" fontAlgn="base"/>
+            <a:endParaRPr lang="en-US" b="1" dirty="0"/>
+          </a:p>
+          <a:p>
+            <a:pPr marL="514350" indent="-457200" fontAlgn="base"/>
+            <a:endParaRPr lang="en-US" b="1" dirty="0"/>
+          </a:p>
+          <a:p>
+            <a:pPr lvl="1" fontAlgn="base"/>
+            <a:endParaRPr lang="en-US" b="1" dirty="0"/>
+          </a:p>
+          <a:p>
+            <a:pPr marL="0" indent="0" fontAlgn="base">
+              <a:buNone/>
+            </a:pPr>
+            <a:endParaRPr lang="cs-CZ" dirty="0" smtClean="0"/>
+          </a:p>
+          <a:p>
             <a:pPr fontAlgn="base"/>
-            <a:r>
-              <a:rPr lang="pt-BR" dirty="0"/>
-              <a:t>konvence </a:t>
-            </a:r>
-            <a:r>
-              <a:rPr lang="pt-BR" b="1" dirty="0"/>
-              <a:t>interface</a:t>
-            </a:r>
-            <a:r>
-              <a:rPr lang="pt-BR" dirty="0"/>
-              <a:t> začíná </a:t>
-            </a:r>
-            <a:r>
-              <a:rPr lang="pt-BR" b="1" dirty="0"/>
-              <a:t>I</a:t>
-            </a:r>
-            <a:r>
-              <a:rPr lang="pt-BR" dirty="0"/>
-              <a:t> viz </a:t>
-            </a:r>
-            <a:r>
-              <a:rPr lang="pt-BR" b="1" dirty="0"/>
-              <a:t>IList</a:t>
-            </a:r>
-            <a:r>
-              <a:rPr lang="pt-BR" dirty="0"/>
-              <a:t> a implementace </a:t>
-            </a:r>
-            <a:r>
-              <a:rPr lang="pt-BR" dirty="0" smtClean="0"/>
-              <a:t>List</a:t>
-            </a:r>
-            <a:endParaRPr lang="cs-CZ" dirty="0" smtClean="0"/>
+            <a:endParaRPr lang="cs-CZ" b="1" dirty="0" smtClean="0"/>
           </a:p>
           <a:p>
             <a:pPr fontAlgn="base"/>
-            <a:r>
-              <a:rPr lang="en-US" dirty="0" err="1"/>
-              <a:t>nazvy</a:t>
-            </a:r>
-            <a:r>
-              <a:rPr lang="en-US" dirty="0"/>
-              <a:t> </a:t>
-            </a:r>
-            <a:r>
-              <a:rPr lang="en-US" dirty="0" err="1"/>
-              <a:t>metod</a:t>
-            </a:r>
-            <a:r>
-              <a:rPr lang="en-US" dirty="0"/>
-              <a:t> </a:t>
-            </a:r>
-            <a:r>
-              <a:rPr lang="cs-CZ" dirty="0" smtClean="0"/>
-              <a:t>z </a:t>
-            </a:r>
-            <a:r>
-              <a:rPr lang="en-US" dirty="0" err="1" smtClean="0"/>
-              <a:t>pascal</a:t>
-            </a:r>
-            <a:r>
-              <a:rPr lang="cs-CZ" dirty="0" smtClean="0"/>
-              <a:t> konvence</a:t>
-            </a:r>
-            <a:r>
-              <a:rPr lang="en-US" dirty="0" smtClean="0"/>
-              <a:t> </a:t>
-            </a:r>
-            <a:r>
-              <a:rPr lang="en-US" dirty="0"/>
-              <a:t>(</a:t>
-            </a:r>
-            <a:r>
-              <a:rPr lang="en-US" dirty="0" err="1"/>
-              <a:t>hlavni</a:t>
-            </a:r>
-            <a:r>
-              <a:rPr lang="en-US" dirty="0"/>
-              <a:t> designer c# :-)) </a:t>
-            </a:r>
-            <a:r>
-              <a:rPr lang="en-US" dirty="0" err="1"/>
-              <a:t>první</a:t>
-            </a:r>
-            <a:r>
-              <a:rPr lang="en-US" dirty="0"/>
-              <a:t> </a:t>
-            </a:r>
-            <a:r>
-              <a:rPr lang="en-US" dirty="0" err="1"/>
-              <a:t>Velke</a:t>
-            </a:r>
-            <a:r>
-              <a:rPr lang="en-US" dirty="0"/>
-              <a:t> </a:t>
-            </a:r>
-            <a:r>
-              <a:rPr lang="en-US" dirty="0" err="1" smtClean="0"/>
-              <a:t>pismeno</a:t>
-            </a:r>
-            <a:r>
-              <a:rPr lang="cs-CZ" dirty="0" smtClean="0"/>
-              <a:t> </a:t>
-            </a:r>
-            <a:r>
-              <a:rPr lang="cs-CZ" dirty="0"/>
-              <a:t>viz </a:t>
-            </a:r>
-            <a:r>
-              <a:rPr lang="en-US" b="1" dirty="0" err="1"/>
-              <a:t>ToString</a:t>
-            </a:r>
-            <a:r>
-              <a:rPr lang="cs-CZ" b="1" dirty="0" smtClean="0"/>
-              <a:t>() </a:t>
-            </a:r>
-            <a:r>
-              <a:rPr lang="en-US" dirty="0" err="1" smtClean="0"/>
-              <a:t>jinak</a:t>
-            </a:r>
-            <a:r>
-              <a:rPr lang="en-US" dirty="0" smtClean="0"/>
-              <a:t> </a:t>
-            </a:r>
-            <a:r>
-              <a:rPr lang="en-US" dirty="0" err="1"/>
-              <a:t>stejny</a:t>
-            </a:r>
-            <a:r>
-              <a:rPr lang="en-US" dirty="0"/>
-              <a:t> </a:t>
-            </a:r>
-            <a:r>
-              <a:rPr lang="en-US" dirty="0" err="1"/>
-              <a:t>jako</a:t>
-            </a:r>
-            <a:r>
-              <a:rPr lang="en-US" dirty="0"/>
-              <a:t> u </a:t>
-            </a:r>
-            <a:r>
-              <a:rPr lang="en-US" dirty="0" err="1" smtClean="0"/>
-              <a:t>javy</a:t>
-            </a:r>
-            <a:endParaRPr lang="cs-CZ" dirty="0" smtClean="0"/>
-          </a:p>
-          <a:p>
-            <a:pPr fontAlgn="base"/>
-            <a:endParaRPr lang="en-US" dirty="0"/>
-          </a:p>
-          <a:p>
-            <a:pPr fontAlgn="base"/>
-            <a:endParaRPr lang="pt-BR" dirty="0"/>
-          </a:p>
-          <a:p>
-            <a:pPr fontAlgn="base"/>
-            <a:endParaRPr lang="en-US" dirty="0"/>
+            <a:endParaRPr lang="en-US" b="1" dirty="0"/>
           </a:p>
         </p:txBody>
       </p:sp>
@@ -8038,7 +10207,7 @@
     </p:custDataLst>
     <p:extLst>
       <p:ext uri="{BB962C8B-B14F-4D97-AF65-F5344CB8AC3E}">
-        <p14:creationId xmlns:p14="http://schemas.microsoft.com/office/powerpoint/2010/main" val="597941734"/>
+        <p14:creationId xmlns:p14="http://schemas.microsoft.com/office/powerpoint/2010/main" val="3383920385"/>
       </p:ext>
     </p:extLst>
   </p:cSld>
@@ -8090,406 +10259,190 @@
         </p:nvSpPr>
         <p:spPr/>
         <p:txBody>
+          <a:bodyPr/>
+          <a:lstStyle/>
+          <a:p>
+            <a:r>
+              <a:rPr lang="cs-CZ" dirty="0" err="1" smtClean="0"/>
+              <a:t>Property</a:t>
+            </a:r>
+            <a:endParaRPr lang="en-US" dirty="0"/>
+          </a:p>
+        </p:txBody>
+      </p:sp>
+      <p:sp>
+        <p:nvSpPr>
+          <p:cNvPr id="5" name="Content Placeholder 4"/>
+          <p:cNvSpPr>
+            <a:spLocks noGrp="1"/>
+          </p:cNvSpPr>
+          <p:nvPr>
+            <p:ph idx="1"/>
+            <p:custDataLst>
+              <p:tags r:id="rId3"/>
+            </p:custDataLst>
+          </p:nvPr>
+        </p:nvSpPr>
+        <p:spPr>
+          <a:xfrm>
+            <a:off x="683568" y="1596413"/>
+            <a:ext cx="8352928" cy="4297363"/>
+          </a:xfrm>
+        </p:spPr>
+        <p:txBody>
           <a:bodyPr>
             <a:normAutofit/>
           </a:bodyPr>
           <a:lstStyle/>
           <a:p>
+            <a:pPr marL="514350" indent="-457200" fontAlgn="base"/>
+            <a:r>
+              <a:rPr lang="cs-CZ" dirty="0" smtClean="0"/>
+              <a:t>Místo </a:t>
+            </a:r>
             <a:r>
               <a:rPr lang="cs-CZ" dirty="0" err="1" smtClean="0"/>
-              <a:t>Object</a:t>
+              <a:t>get</a:t>
             </a:r>
             <a:r>
               <a:rPr lang="cs-CZ" dirty="0" smtClean="0"/>
-              <a:t> a </a:t>
-            </a:r>
-            <a:r>
-              <a:rPr lang="en-US" dirty="0" err="1" smtClean="0"/>
-              <a:t>ValueType</a:t>
+              <a:t> a set metod</a:t>
+            </a:r>
+          </a:p>
+          <a:p>
+            <a:pPr marL="514350" indent="-457200" fontAlgn="base"/>
+            <a:r>
+              <a:rPr lang="cs-CZ" dirty="0" smtClean="0"/>
+              <a:t>V </a:t>
+            </a:r>
+            <a:r>
+              <a:rPr lang="cs-CZ" i="1" dirty="0" smtClean="0"/>
+              <a:t>set { </a:t>
+            </a:r>
+            <a:r>
+              <a:rPr lang="cs-CZ" i="1" dirty="0" err="1" smtClean="0"/>
+              <a:t>privateField</a:t>
+            </a:r>
+            <a:r>
+              <a:rPr lang="cs-CZ" i="1" dirty="0" smtClean="0"/>
+              <a:t> = </a:t>
+            </a:r>
+            <a:r>
+              <a:rPr lang="cs-CZ" b="1" i="1" dirty="0" err="1" smtClean="0"/>
+              <a:t>value</a:t>
+            </a:r>
+            <a:r>
+              <a:rPr lang="cs-CZ" i="1" dirty="0" smtClean="0"/>
+              <a:t>;} </a:t>
+            </a:r>
+            <a:r>
+              <a:rPr lang="cs-CZ" dirty="0" smtClean="0"/>
+              <a:t>máme klíčové slovo </a:t>
+            </a:r>
+            <a:r>
+              <a:rPr lang="cs-CZ" dirty="0" err="1" smtClean="0"/>
+              <a:t>value</a:t>
+            </a:r>
+            <a:endParaRPr lang="cs-CZ" dirty="0" smtClean="0"/>
+          </a:p>
+          <a:p>
+            <a:pPr marL="514350" indent="-457200" fontAlgn="base"/>
+            <a:r>
+              <a:rPr lang="cs-CZ" dirty="0" smtClean="0"/>
+              <a:t>Od C# 3 automatický { </a:t>
+            </a:r>
+            <a:r>
+              <a:rPr lang="cs-CZ" dirty="0" err="1" smtClean="0"/>
+              <a:t>get</a:t>
+            </a:r>
+            <a:r>
+              <a:rPr lang="cs-CZ" dirty="0" smtClean="0"/>
+              <a:t>; set; }</a:t>
+            </a:r>
+          </a:p>
+          <a:p>
+            <a:pPr marL="514350" indent="-457200" fontAlgn="base"/>
+            <a:r>
+              <a:rPr lang="cs-CZ" dirty="0" smtClean="0"/>
+              <a:t>V runtime jsou to metody </a:t>
+            </a:r>
+            <a:r>
+              <a:rPr lang="cs-CZ" dirty="0" err="1" smtClean="0"/>
+              <a:t>takze</a:t>
+            </a:r>
+            <a:r>
+              <a:rPr lang="cs-CZ" dirty="0" smtClean="0"/>
+              <a:t> </a:t>
+            </a:r>
+            <a:r>
+              <a:rPr lang="cs-CZ" dirty="0" err="1" smtClean="0"/>
+              <a:t>zvazit</a:t>
+            </a:r>
+            <a:r>
+              <a:rPr lang="cs-CZ" dirty="0" smtClean="0"/>
+              <a:t> zda </a:t>
+            </a:r>
+            <a:r>
+              <a:rPr lang="cs-CZ" dirty="0" err="1" smtClean="0"/>
+              <a:t>virtual</a:t>
+            </a:r>
+            <a:endParaRPr lang="en-US" b="1" dirty="0"/>
+          </a:p>
+          <a:p>
+            <a:pPr marL="514350" indent="-457200" fontAlgn="base"/>
+            <a:r>
+              <a:rPr lang="cs-CZ" dirty="0" smtClean="0"/>
+              <a:t>Příklad </a:t>
+            </a:r>
+            <a:r>
+              <a:rPr lang="en-US" dirty="0" err="1"/>
+              <a:t>TestTrida</a:t>
             </a:r>
             <a:endParaRPr lang="en-US" dirty="0"/>
           </a:p>
-        </p:txBody>
-      </p:sp>
-      <p:sp>
-        <p:nvSpPr>
-          <p:cNvPr id="5" name="Content Placeholder 4"/>
-          <p:cNvSpPr>
-            <a:spLocks noGrp="1"/>
-          </p:cNvSpPr>
-          <p:nvPr>
-            <p:ph idx="1"/>
-            <p:custDataLst>
-              <p:tags r:id="rId3"/>
-            </p:custDataLst>
-          </p:nvPr>
-        </p:nvSpPr>
-        <p:spPr/>
-        <p:txBody>
-          <a:bodyPr>
-            <a:normAutofit fontScale="92500" lnSpcReduction="20000"/>
-          </a:bodyPr>
-          <a:lstStyle/>
-          <a:p>
-            <a:pPr fontAlgn="base"/>
-            <a:r>
-              <a:rPr lang="cs-CZ" dirty="0" err="1" smtClean="0"/>
-              <a:t>Class</a:t>
-            </a:r>
-            <a:r>
-              <a:rPr lang="cs-CZ" dirty="0" smtClean="0"/>
-              <a:t> dědí po </a:t>
-            </a:r>
-            <a:r>
-              <a:rPr lang="cs-CZ" dirty="0" err="1" smtClean="0"/>
-              <a:t>Object</a:t>
-            </a:r>
-            <a:endParaRPr lang="cs-CZ" dirty="0"/>
-          </a:p>
-          <a:p>
-            <a:pPr fontAlgn="base"/>
-            <a:r>
-              <a:rPr lang="cs-CZ" dirty="0" err="1" smtClean="0"/>
-              <a:t>Struct</a:t>
-            </a:r>
-            <a:r>
-              <a:rPr lang="cs-CZ" dirty="0" smtClean="0"/>
-              <a:t> dědí po </a:t>
-            </a:r>
-            <a:r>
-              <a:rPr lang="en-US" dirty="0" err="1" smtClean="0"/>
-              <a:t>ValueType</a:t>
-            </a:r>
-            <a:r>
-              <a:rPr lang="cs-CZ" dirty="0" smtClean="0"/>
-              <a:t> (neexistuje metoda </a:t>
-            </a:r>
-            <a:r>
-              <a:rPr lang="en-US" dirty="0" err="1" smtClean="0"/>
-              <a:t>GetType</a:t>
-            </a:r>
-            <a:r>
-              <a:rPr lang="cs-CZ" dirty="0" smtClean="0"/>
-              <a:t>(), destruktor a static metody </a:t>
-            </a:r>
-            <a:r>
-              <a:rPr lang="en-US" dirty="0" smtClean="0"/>
-              <a:t>Equals</a:t>
-            </a:r>
+          <a:p>
+            <a:pPr marL="57150" indent="0" fontAlgn="base">
+              <a:buNone/>
+            </a:pPr>
+            <a:endParaRPr lang="cs-CZ" dirty="0" smtClean="0"/>
+          </a:p>
+          <a:p>
+            <a:pPr marL="514350" indent="-457200" fontAlgn="base"/>
             <a:endParaRPr lang="en-US" dirty="0"/>
           </a:p>
           <a:p>
-            <a:pPr fontAlgn="base"/>
-            <a:r>
-              <a:rPr lang="cs-CZ" dirty="0" smtClean="0"/>
-              <a:t>)</a:t>
-            </a:r>
-          </a:p>
-          <a:p>
-            <a:pPr fontAlgn="base"/>
-            <a:r>
-              <a:rPr lang="cs-CZ" b="1" dirty="0" err="1"/>
-              <a:t>string</a:t>
-            </a:r>
-            <a:r>
-              <a:rPr lang="cs-CZ" dirty="0"/>
-              <a:t> je alias k </a:t>
-            </a:r>
-            <a:r>
-              <a:rPr lang="cs-CZ" b="1" dirty="0" err="1"/>
-              <a:t>System.String</a:t>
-            </a:r>
-            <a:r>
-              <a:rPr lang="cs-CZ" b="1" dirty="0"/>
-              <a:t> </a:t>
-            </a:r>
-            <a:r>
-              <a:rPr lang="cs-CZ" dirty="0"/>
-              <a:t>je vždy </a:t>
-            </a:r>
-            <a:r>
-              <a:rPr lang="cs-CZ" dirty="0" err="1"/>
-              <a:t>immutable</a:t>
-            </a:r>
-            <a:r>
-              <a:rPr lang="cs-CZ" dirty="0"/>
-              <a:t> tzn. </a:t>
-            </a:r>
-            <a:r>
-              <a:rPr lang="cs-CZ" dirty="0" err="1"/>
-              <a:t>muze</a:t>
-            </a:r>
-            <a:r>
-              <a:rPr lang="cs-CZ" dirty="0"/>
-              <a:t> se </a:t>
-            </a:r>
-            <a:r>
-              <a:rPr lang="cs-CZ" dirty="0" err="1"/>
-              <a:t>pouzivat</a:t>
-            </a:r>
-            <a:r>
-              <a:rPr lang="cs-CZ" dirty="0"/>
-              <a:t> ==</a:t>
-            </a:r>
-            <a:endParaRPr lang="cs-CZ" b="1" dirty="0"/>
-          </a:p>
-          <a:p>
-            <a:pPr fontAlgn="base"/>
-            <a:r>
-              <a:rPr lang="cs-CZ" b="1" dirty="0" err="1"/>
-              <a:t>ToString</a:t>
-            </a:r>
-            <a:r>
-              <a:rPr lang="cs-CZ" dirty="0"/>
-              <a:t>() </a:t>
-            </a:r>
-            <a:r>
-              <a:rPr lang="cs-CZ" b="1" dirty="0" smtClean="0">
-                <a:solidFill>
-                  <a:srgbClr val="FF0000"/>
-                </a:solidFill>
-              </a:rPr>
-              <a:t>pozor double </a:t>
-            </a:r>
-            <a:r>
-              <a:rPr lang="cs-CZ" b="1" dirty="0" err="1" smtClean="0">
-                <a:solidFill>
-                  <a:srgbClr val="FF0000"/>
-                </a:solidFill>
-              </a:rPr>
-              <a:t>apod</a:t>
-            </a:r>
-            <a:r>
-              <a:rPr lang="cs-CZ" b="1" dirty="0" smtClean="0">
-                <a:solidFill>
-                  <a:srgbClr val="FF0000"/>
-                </a:solidFill>
-              </a:rPr>
-              <a:t> </a:t>
-            </a:r>
-            <a:r>
-              <a:rPr lang="en-US" b="1" dirty="0" err="1" smtClean="0">
-                <a:solidFill>
-                  <a:srgbClr val="FF0000"/>
-                </a:solidFill>
-              </a:rPr>
-              <a:t>závislý</a:t>
-            </a:r>
-            <a:r>
-              <a:rPr lang="en-US" b="1" dirty="0" smtClean="0">
-                <a:solidFill>
-                  <a:srgbClr val="FF0000"/>
-                </a:solidFill>
-              </a:rPr>
-              <a:t> </a:t>
-            </a:r>
-            <a:r>
-              <a:rPr lang="en-US" b="1" dirty="0" err="1">
-                <a:solidFill>
-                  <a:srgbClr val="FF0000"/>
-                </a:solidFill>
-              </a:rPr>
-              <a:t>na</a:t>
-            </a:r>
-            <a:r>
-              <a:rPr lang="en-US" b="1" dirty="0">
-                <a:solidFill>
-                  <a:srgbClr val="FF0000"/>
-                </a:solidFill>
-              </a:rPr>
-              <a:t> local </a:t>
-            </a:r>
-            <a:r>
-              <a:rPr lang="en-US" b="1" dirty="0" err="1">
-                <a:solidFill>
-                  <a:srgbClr val="FF0000"/>
-                </a:solidFill>
-              </a:rPr>
-              <a:t>nastavení</a:t>
-            </a:r>
-            <a:r>
-              <a:rPr lang="en-US" b="1" dirty="0">
-                <a:solidFill>
-                  <a:srgbClr val="FF0000"/>
-                </a:solidFill>
-              </a:rPr>
-              <a:t> </a:t>
-            </a:r>
-            <a:r>
-              <a:rPr lang="en-US" b="1" dirty="0" err="1">
-                <a:solidFill>
-                  <a:srgbClr val="FF0000"/>
-                </a:solidFill>
-              </a:rPr>
-              <a:t>počítače</a:t>
-            </a:r>
-            <a:r>
-              <a:rPr lang="en-US" b="1" dirty="0">
-                <a:solidFill>
-                  <a:srgbClr val="FF0000"/>
-                </a:solidFill>
-              </a:rPr>
-              <a:t> -&gt; </a:t>
-            </a:r>
-            <a:r>
-              <a:rPr lang="en-US" b="1" dirty="0" err="1">
-                <a:solidFill>
-                  <a:srgbClr val="FF0000"/>
-                </a:solidFill>
-              </a:rPr>
-              <a:t>doporucuju</a:t>
-            </a:r>
-            <a:r>
-              <a:rPr lang="en-US" b="1" dirty="0">
-                <a:solidFill>
-                  <a:srgbClr val="FF0000"/>
-                </a:solidFill>
-              </a:rPr>
-              <a:t> </a:t>
-            </a:r>
-            <a:r>
-              <a:rPr lang="en-US" b="1" dirty="0" err="1">
-                <a:solidFill>
-                  <a:srgbClr val="FF0000"/>
-                </a:solidFill>
-              </a:rPr>
-              <a:t>si</a:t>
-            </a:r>
-            <a:r>
-              <a:rPr lang="en-US" b="1" dirty="0">
-                <a:solidFill>
-                  <a:srgbClr val="FF0000"/>
-                </a:solidFill>
-              </a:rPr>
-              <a:t> </a:t>
-            </a:r>
-            <a:r>
-              <a:rPr lang="en-US" b="1" dirty="0" err="1">
-                <a:solidFill>
-                  <a:srgbClr val="FF0000"/>
-                </a:solidFill>
-              </a:rPr>
-              <a:t>napsat</a:t>
-            </a:r>
-            <a:r>
-              <a:rPr lang="en-US" b="1" dirty="0">
-                <a:solidFill>
-                  <a:srgbClr val="FF0000"/>
-                </a:solidFill>
-              </a:rPr>
-              <a:t> extension static </a:t>
-            </a:r>
-            <a:r>
-              <a:rPr lang="en-US" b="1" dirty="0" err="1">
-                <a:solidFill>
-                  <a:srgbClr val="FF0000"/>
-                </a:solidFill>
-              </a:rPr>
-              <a:t>metody</a:t>
-            </a:r>
-            <a:r>
-              <a:rPr lang="en-US" b="1" dirty="0">
-                <a:solidFill>
-                  <a:srgbClr val="FF0000"/>
-                </a:solidFill>
-              </a:rPr>
-              <a:t> </a:t>
-            </a:r>
-            <a:r>
-              <a:rPr lang="en-US" b="1" dirty="0" err="1">
-                <a:solidFill>
-                  <a:srgbClr val="FF0000"/>
-                </a:solidFill>
-              </a:rPr>
-              <a:t>MoneyToString</a:t>
-            </a:r>
-            <a:r>
-              <a:rPr lang="en-US" b="1" dirty="0">
-                <a:solidFill>
-                  <a:srgbClr val="FF0000"/>
-                </a:solidFill>
-              </a:rPr>
-              <a:t>() </a:t>
-            </a:r>
-            <a:r>
-              <a:rPr lang="en-US" b="1" dirty="0" err="1">
-                <a:solidFill>
-                  <a:srgbClr val="FF0000"/>
-                </a:solidFill>
-              </a:rPr>
-              <a:t>apod</a:t>
-            </a:r>
-            <a:r>
-              <a:rPr lang="en-US" b="1" dirty="0">
-                <a:solidFill>
-                  <a:srgbClr val="FF0000"/>
-                </a:solidFill>
-              </a:rPr>
-              <a:t>. </a:t>
-            </a:r>
-            <a:r>
-              <a:rPr lang="en-US" b="1" dirty="0" err="1">
-                <a:solidFill>
-                  <a:srgbClr val="FF0000"/>
-                </a:solidFill>
-              </a:rPr>
-              <a:t>viz</a:t>
-            </a:r>
-            <a:r>
-              <a:rPr lang="en-US" b="1" dirty="0">
-                <a:solidFill>
-                  <a:srgbClr val="FF0000"/>
-                </a:solidFill>
-              </a:rPr>
-              <a:t> </a:t>
-            </a:r>
-            <a:r>
-              <a:rPr lang="en-US" b="1" dirty="0" err="1">
-                <a:solidFill>
-                  <a:srgbClr val="FF0000"/>
-                </a:solidFill>
-              </a:rPr>
-              <a:t>priklad</a:t>
-            </a:r>
-            <a:r>
-              <a:rPr lang="en-US" b="1" dirty="0">
-                <a:solidFill>
-                  <a:srgbClr val="FF0000"/>
-                </a:solidFill>
-              </a:rPr>
-              <a:t> </a:t>
-            </a:r>
-            <a:r>
-              <a:rPr lang="en-US" b="1" dirty="0" err="1">
-                <a:solidFill>
-                  <a:srgbClr val="FF0000"/>
-                </a:solidFill>
-              </a:rPr>
-              <a:t>TestToStringCulture.cs</a:t>
-            </a:r>
-            <a:endParaRPr lang="cs-CZ" b="1" dirty="0">
-              <a:solidFill>
-                <a:srgbClr val="FF0000"/>
-              </a:solidFill>
-            </a:endParaRPr>
-          </a:p>
-          <a:p>
-            <a:pPr fontAlgn="base"/>
-            <a:endParaRPr lang="en-US" dirty="0"/>
+            <a:pPr marL="514350" indent="-457200" fontAlgn="base"/>
+            <a:endParaRPr lang="pl-PL" b="1" dirty="0"/>
+          </a:p>
+          <a:p>
+            <a:pPr marL="514350" indent="-457200" fontAlgn="base"/>
+            <a:endParaRPr lang="en-US" b="1" dirty="0"/>
+          </a:p>
+          <a:p>
+            <a:pPr marL="514350" indent="-457200" fontAlgn="base"/>
+            <a:endParaRPr lang="en-US" b="1" dirty="0"/>
+          </a:p>
+          <a:p>
+            <a:pPr marL="514350" indent="-457200" fontAlgn="base"/>
+            <a:endParaRPr lang="en-US" b="1" dirty="0"/>
+          </a:p>
+          <a:p>
+            <a:pPr lvl="1" fontAlgn="base"/>
+            <a:endParaRPr lang="en-US" b="1" dirty="0"/>
           </a:p>
           <a:p>
             <a:pPr marL="0" indent="0" fontAlgn="base">
               <a:buNone/>
             </a:pPr>
-            <a:endParaRPr lang="en-US" dirty="0"/>
+            <a:endParaRPr lang="cs-CZ" dirty="0" smtClean="0"/>
           </a:p>
           <a:p>
             <a:pPr fontAlgn="base"/>
-            <a:endParaRPr lang="pt-BR" dirty="0"/>
+            <a:endParaRPr lang="cs-CZ" b="1" dirty="0" smtClean="0"/>
           </a:p>
           <a:p>
             <a:pPr fontAlgn="base"/>
-            <a:endParaRPr lang="en-US" dirty="0"/>
+            <a:endParaRPr lang="en-US" b="1" dirty="0"/>
           </a:p>
         </p:txBody>
       </p:sp>
@@ -8499,7 +10452,7 @@
     </p:custDataLst>
     <p:extLst>
       <p:ext uri="{BB962C8B-B14F-4D97-AF65-F5344CB8AC3E}">
-        <p14:creationId xmlns:p14="http://schemas.microsoft.com/office/powerpoint/2010/main" val="375692060"/>
+        <p14:creationId xmlns:p14="http://schemas.microsoft.com/office/powerpoint/2010/main" val="209740052"/>
       </p:ext>
     </p:extLst>
   </p:cSld>
@@ -8551,13 +10504,37 @@
         </p:nvSpPr>
         <p:spPr/>
         <p:txBody>
-          <a:bodyPr/>
+          <a:bodyPr>
+            <a:normAutofit fontScale="90000"/>
+          </a:bodyPr>
           <a:lstStyle/>
           <a:p>
             <a:r>
+              <a:rPr lang="en-US" dirty="0"/>
+              <a:t/>
+            </a:r>
+            <a:br>
+              <a:rPr lang="en-US" dirty="0"/>
+            </a:br>
+            <a:r>
+              <a:rPr lang="cs-CZ" dirty="0" err="1" smtClean="0"/>
+              <a:t>struct</a:t>
+            </a:r>
+            <a:r>
               <a:rPr lang="cs-CZ" dirty="0" smtClean="0"/>
-              <a:t>Kolekce</a:t>
-            </a:r>
+              <a:t> a </a:t>
+            </a:r>
+            <a:r>
+              <a:rPr lang="cs-CZ" dirty="0" err="1" smtClean="0"/>
+              <a:t>class</a:t>
+            </a:r>
+            <a:r>
+              <a:rPr lang="en-US" b="1" dirty="0"/>
+              <a:t/>
+            </a:r>
+            <a:br>
+              <a:rPr lang="en-US" b="1" dirty="0"/>
+            </a:br>
             <a:endParaRPr lang="en-US" dirty="0"/>
           </a:p>
         </p:txBody>
@@ -8575,139 +10552,22 @@
             </p:custDataLst>
           </p:nvPr>
         </p:nvSpPr>
-        <p:spPr/>
+        <p:spPr>
+          <a:xfrm>
+            <a:off x="683568" y="1596413"/>
+            <a:ext cx="8352928" cy="4297363"/>
+          </a:xfrm>
+        </p:spPr>
         <p:txBody>
           <a:bodyPr>
-            <a:normAutofit lnSpcReduction="10000"/>
+            <a:normAutofit/>
           </a:bodyPr>
           <a:lstStyle/>
           <a:p>
-            <a:pPr fontAlgn="base"/>
-            <a:r>
-              <a:rPr lang="cs-CZ" dirty="0" smtClean="0"/>
-              <a:t>K</a:t>
-            </a:r>
-            <a:r>
-              <a:rPr lang="en-US" dirty="0" err="1" smtClean="0"/>
-              <a:t>olekce</a:t>
-            </a:r>
-            <a:r>
-              <a:rPr lang="en-US" dirty="0" smtClean="0"/>
-              <a:t> z</a:t>
-            </a:r>
-            <a:r>
-              <a:rPr lang="cs-CZ" dirty="0" smtClean="0"/>
-              <a:t>e</a:t>
-            </a:r>
-            <a:r>
-              <a:rPr lang="en-US" dirty="0" smtClean="0"/>
-              <a:t> </a:t>
-            </a:r>
-            <a:r>
-              <a:rPr lang="en-US" dirty="0" err="1"/>
-              <a:t>dvou</a:t>
-            </a:r>
-            <a:r>
-              <a:rPr lang="en-US" dirty="0"/>
-              <a:t> namespace </a:t>
-            </a:r>
-            <a:r>
-              <a:rPr lang="en-US" b="1" dirty="0" err="1"/>
-              <a:t>System.Collections</a:t>
-            </a:r>
-            <a:r>
-              <a:rPr lang="en-US" dirty="0"/>
-              <a:t> a </a:t>
-            </a:r>
-            <a:r>
-              <a:rPr lang="en-US" b="1" dirty="0" err="1"/>
-              <a:t>System.Collections.Generic</a:t>
-            </a:r>
-            <a:r>
-              <a:rPr lang="en-US" dirty="0"/>
-              <a:t> </a:t>
-            </a:r>
-            <a:endParaRPr lang="cs-CZ" dirty="0" smtClean="0"/>
-          </a:p>
-          <a:p>
-            <a:pPr fontAlgn="base"/>
-            <a:r>
-              <a:rPr lang="en-US" dirty="0" err="1" smtClean="0"/>
-              <a:t>pouzivat</a:t>
-            </a:r>
-            <a:r>
-              <a:rPr lang="en-US" dirty="0" smtClean="0"/>
-              <a:t> </a:t>
-            </a:r>
-            <a:r>
-              <a:rPr lang="en-US" dirty="0" err="1"/>
-              <a:t>misto</a:t>
-            </a:r>
-            <a:r>
-              <a:rPr lang="en-US" dirty="0"/>
-              <a:t> </a:t>
-            </a:r>
-            <a:r>
-              <a:rPr lang="en-US" dirty="0" err="1"/>
-              <a:t>ICollection</a:t>
-            </a:r>
-            <a:r>
-              <a:rPr lang="en-US" dirty="0"/>
-              <a:t> </a:t>
-            </a:r>
-            <a:r>
-              <a:rPr lang="en-US" dirty="0" err="1"/>
-              <a:t>nebo</a:t>
-            </a:r>
-            <a:r>
-              <a:rPr lang="en-US" dirty="0"/>
-              <a:t> </a:t>
-            </a:r>
-            <a:r>
-              <a:rPr lang="en-US" dirty="0" err="1"/>
-              <a:t>IList</a:t>
-            </a:r>
-            <a:r>
-              <a:rPr lang="en-US" dirty="0"/>
-              <a:t> </a:t>
-            </a:r>
-            <a:r>
-              <a:rPr lang="cs-CZ" b="1" dirty="0" smtClean="0"/>
-              <a:t>IE</a:t>
-            </a:r>
-            <a:r>
-              <a:rPr lang="en-US" b="1" dirty="0" smtClean="0"/>
-              <a:t>numerable</a:t>
-            </a:r>
-            <a:r>
-              <a:rPr lang="cs-CZ" b="1" dirty="0" smtClean="0"/>
-              <a:t>&lt;&gt;</a:t>
-            </a:r>
-          </a:p>
-          <a:p>
-            <a:pPr fontAlgn="base"/>
-            <a:r>
-              <a:rPr lang="cs-CZ" dirty="0" smtClean="0"/>
-              <a:t>Místo mapy je </a:t>
-            </a:r>
-            <a:r>
-              <a:rPr lang="cs-CZ" dirty="0" err="1" smtClean="0"/>
-              <a:t>IDictionary</a:t>
-            </a:r>
-            <a:r>
-              <a:rPr lang="cs-CZ" dirty="0" smtClean="0"/>
-              <a:t>&lt;,&gt;</a:t>
-            </a:r>
-          </a:p>
-          <a:p>
-            <a:pPr fontAlgn="base"/>
-            <a:r>
-              <a:rPr lang="cs-CZ" dirty="0" smtClean="0"/>
-              <a:t>Do kolekce lze </a:t>
-            </a:r>
-            <a:r>
-              <a:rPr lang="cs-CZ" dirty="0" err="1" smtClean="0"/>
-              <a:t>vkladat</a:t>
+            <a:pPr marL="514350" indent="-457200" fontAlgn="base"/>
+            <a:r>
+              <a:rPr lang="cs-CZ" b="1" dirty="0" err="1" smtClean="0"/>
+              <a:t>class</a:t>
             </a:r>
             <a:r>
               <a:rPr lang="cs-CZ" dirty="0" smtClean="0"/>
@@ -8715,47 +10575,134 @@
             </a:r>
             <a:r>
               <a:rPr lang="cs-CZ" dirty="0" err="1" smtClean="0"/>
+              <a:t>stejny</a:t>
+            </a:r>
+            <a:r>
+              <a:rPr lang="cs-CZ" dirty="0" smtClean="0"/>
+              <a:t> jako v </a:t>
+            </a:r>
+            <a:r>
+              <a:rPr lang="cs-CZ" dirty="0" err="1" smtClean="0"/>
+              <a:t>jave</a:t>
+            </a:r>
+            <a:r>
+              <a:rPr lang="cs-CZ" dirty="0" smtClean="0"/>
+              <a:t> referenční typ</a:t>
+            </a:r>
+          </a:p>
+          <a:p>
+            <a:pPr marL="514350" indent="-457200" fontAlgn="base"/>
+            <a:r>
+              <a:rPr lang="cs-CZ" b="1" dirty="0" err="1" smtClean="0"/>
               <a:t>struct</a:t>
             </a:r>
             <a:r>
               <a:rPr lang="cs-CZ" dirty="0" smtClean="0"/>
-              <a:t> tzn. </a:t>
+              <a:t>  je hodnotový typ </a:t>
             </a:r>
             <a:r>
               <a:rPr lang="cs-CZ" dirty="0" err="1" smtClean="0"/>
-              <a:t>int</a:t>
+              <a:t>kopiruji</a:t>
             </a:r>
             <a:r>
               <a:rPr lang="cs-CZ" dirty="0" smtClean="0"/>
-              <a:t> apod.</a:t>
-            </a:r>
+              <a:t> se hodnoty</a:t>
+            </a:r>
+          </a:p>
+          <a:p>
+            <a:pPr marL="514350" indent="-457200" fontAlgn="base"/>
+            <a:r>
+              <a:rPr lang="cs-CZ" b="1" dirty="0" err="1" smtClean="0"/>
+              <a:t>enum</a:t>
+            </a:r>
+            <a:r>
+              <a:rPr lang="cs-CZ" dirty="0" smtClean="0"/>
+              <a:t> je též </a:t>
+            </a:r>
+            <a:r>
+              <a:rPr lang="cs-CZ" dirty="0"/>
+              <a:t>hodnotový </a:t>
+            </a:r>
+            <a:r>
+              <a:rPr lang="cs-CZ" dirty="0" smtClean="0"/>
+              <a:t>typ – </a:t>
+            </a:r>
+            <a:r>
+              <a:rPr lang="cs-CZ" dirty="0" err="1" smtClean="0"/>
+              <a:t>workaround</a:t>
+            </a:r>
+            <a:r>
+              <a:rPr lang="cs-CZ" dirty="0" smtClean="0"/>
+              <a:t> pro </a:t>
+            </a:r>
+            <a:r>
+              <a:rPr lang="cs-CZ" dirty="0" err="1" smtClean="0"/>
+              <a:t>dalsi</a:t>
+            </a:r>
+            <a:r>
+              <a:rPr lang="cs-CZ" dirty="0" smtClean="0"/>
+              <a:t> obsah jsou atributy</a:t>
+            </a:r>
+          </a:p>
+          <a:p>
+            <a:pPr marL="514350" indent="-457200" fontAlgn="base"/>
+            <a:r>
+              <a:rPr lang="cs-CZ" dirty="0" smtClean="0"/>
+              <a:t>Viz </a:t>
+            </a:r>
+            <a:r>
+              <a:rPr lang="cs-CZ" dirty="0" err="1" smtClean="0"/>
+              <a:t>msdn</a:t>
+            </a:r>
+            <a:endParaRPr lang="cs-CZ" dirty="0" smtClean="0"/>
+          </a:p>
+          <a:p>
+            <a:pPr marL="514350" indent="-457200" fontAlgn="base"/>
+            <a:r>
+              <a:rPr lang="en-US" dirty="0">
+                <a:hlinkClick r:id="rId6"/>
+              </a:rPr>
+              <a:t>http://msdn.microsoft.com/cs-cz/library/s1ax56ch.aspx</a:t>
+            </a:r>
+            <a:endParaRPr lang="cs-CZ" dirty="0" smtClean="0"/>
+          </a:p>
+          <a:p>
+            <a:pPr marL="514350" indent="-457200" fontAlgn="base"/>
+            <a:endParaRPr lang="en-US" dirty="0"/>
+          </a:p>
+          <a:p>
+            <a:pPr marL="514350" indent="-457200" fontAlgn="base"/>
+            <a:endParaRPr lang="pl-PL" b="1" dirty="0"/>
+          </a:p>
+          <a:p>
+            <a:pPr marL="514350" indent="-457200" fontAlgn="base"/>
+            <a:endParaRPr lang="en-US" b="1" dirty="0"/>
+          </a:p>
+          <a:p>
+            <a:pPr marL="514350" indent="-457200" fontAlgn="base"/>
+            <a:endParaRPr lang="en-US" b="1" dirty="0"/>
+          </a:p>
+          <a:p>
+            <a:pPr marL="514350" indent="-457200" fontAlgn="base"/>
+            <a:endParaRPr lang="en-US" b="1" dirty="0"/>
+          </a:p>
+          <a:p>
+            <a:pPr lvl="1" fontAlgn="base"/>
+            <a:endParaRPr lang="en-US" b="1" dirty="0"/>
+          </a:p>
+          <a:p>
+            <a:pPr marL="0" indent="0" fontAlgn="base">
+              <a:buNone/>
+            </a:pPr>
+            <a:endParaRPr lang="cs-CZ" dirty="0" smtClean="0"/>
           </a:p>
           <a:p>
             <a:pPr fontAlgn="base"/>
-            <a:r>
-              <a:rPr lang="cs-CZ" dirty="0" smtClean="0"/>
-              <a:t>Lze použít </a:t>
-            </a:r>
-            <a:r>
-              <a:rPr lang="cs-CZ" dirty="0" err="1" smtClean="0"/>
-              <a:t>instanceof</a:t>
-            </a:r>
-            <a:r>
-              <a:rPr lang="cs-CZ" dirty="0" smtClean="0"/>
-              <a:t> T</a:t>
-            </a:r>
+            <a:endParaRPr lang="cs-CZ" b="1" dirty="0" smtClean="0"/>
           </a:p>
           <a:p>
             <a:pPr fontAlgn="base"/>
-            <a:endParaRPr lang="en-US" dirty="0"/>
-          </a:p>
-          <a:p>
-            <a:pPr fontAlgn="base"/>
-            <a:endParaRPr lang="pt-BR" dirty="0"/>
-          </a:p>
-          <a:p>
-            <a:pPr fontAlgn="base"/>
-            <a:endParaRPr lang="en-US" dirty="0"/>
+            <a:endParaRPr lang="en-US" b="1" dirty="0"/>
           </a:p>
         </p:txBody>
       </p:sp>
@@ -8765,7 +10712,7 @@
     </p:custDataLst>
     <p:extLst>
       <p:ext uri="{BB962C8B-B14F-4D97-AF65-F5344CB8AC3E}">
-        <p14:creationId xmlns:p14="http://schemas.microsoft.com/office/powerpoint/2010/main" val="2224911890"/>
+        <p14:creationId xmlns:p14="http://schemas.microsoft.com/office/powerpoint/2010/main" val="3756876245"/>
       </p:ext>
     </p:extLst>
   </p:cSld>
@@ -8931,19 +10878,109 @@
 
 <file path=ppt/tags/tag31.xml><?xml version="1.0" encoding="utf-8"?>
 <p:tagLst xmlns:a="http://schemas.openxmlformats.org/drawingml/2006/main" xmlns:r="http://schemas.openxmlformats.org/officeDocument/2006/relationships" xmlns:p="http://schemas.openxmlformats.org/presentationml/2006/main">
-  <p:tag name="DVSECTIONID" val="ezdaKHeWyBnZyZ2cDqRSoa"/>
+  <p:tag name="DVSECTIONID" val="QUq8QELArFIgadhH063fpq"/>
 </p:tagLst>
 </file>
 
 <file path=ppt/tags/tag32.xml><?xml version="1.0" encoding="utf-8"?>
 <p:tagLst xmlns:a="http://schemas.openxmlformats.org/drawingml/2006/main" xmlns:r="http://schemas.openxmlformats.org/officeDocument/2006/relationships" xmlns:p="http://schemas.openxmlformats.org/presentationml/2006/main">
-  <p:tag name="DVSHAPEID" val="LRMR96J2MVd0CGe2e5htjk"/>
+  <p:tag name="DVSHAPEID" val="InkrlxYPS4jAzciXk8ToAM"/>
+</p:tagLst>
+</file>
+
+<file path=ppt/tags/tag33.xml><?xml version="1.0" encoding="utf-8"?>
+<p:tagLst xmlns:a="http://schemas.openxmlformats.org/drawingml/2006/main" xmlns:r="http://schemas.openxmlformats.org/officeDocument/2006/relationships" xmlns:p="http://schemas.openxmlformats.org/presentationml/2006/main">
+  <p:tag name="DVSHAPEID" val="retnMj4SFfqbVIhVK0Rf83"/>
+</p:tagLst>
+</file>
+
+<file path=ppt/tags/tag34.xml><?xml version="1.0" encoding="utf-8"?>
+<p:tagLst xmlns:a="http://schemas.openxmlformats.org/drawingml/2006/main" xmlns:r="http://schemas.openxmlformats.org/officeDocument/2006/relationships" xmlns:p="http://schemas.openxmlformats.org/presentationml/2006/main">
+  <p:tag name="DVSECTIONID" val="QUq8QELArFIgadhH063fpq"/>
+</p:tagLst>
+</file>
+
+<file path=ppt/tags/tag35.xml><?xml version="1.0" encoding="utf-8"?>
+<p:tagLst xmlns:a="http://schemas.openxmlformats.org/drawingml/2006/main" xmlns:r="http://schemas.openxmlformats.org/officeDocument/2006/relationships" xmlns:p="http://schemas.openxmlformats.org/presentationml/2006/main">
+  <p:tag name="DVSHAPEID" val="InkrlxYPS4jAzciXk8ToAM"/>
+</p:tagLst>
+</file>
+
+<file path=ppt/tags/tag36.xml><?xml version="1.0" encoding="utf-8"?>
+<p:tagLst xmlns:a="http://schemas.openxmlformats.org/drawingml/2006/main" xmlns:r="http://schemas.openxmlformats.org/officeDocument/2006/relationships" xmlns:p="http://schemas.openxmlformats.org/presentationml/2006/main">
+  <p:tag name="DVSHAPEID" val="retnMj4SFfqbVIhVK0Rf83"/>
+</p:tagLst>
+</file>
+
+<file path=ppt/tags/tag37.xml><?xml version="1.0" encoding="utf-8"?>
+<p:tagLst xmlns:a="http://schemas.openxmlformats.org/drawingml/2006/main" xmlns:r="http://schemas.openxmlformats.org/officeDocument/2006/relationships" xmlns:p="http://schemas.openxmlformats.org/presentationml/2006/main">
+  <p:tag name="DVSECTIONID" val="QUq8QELArFIgadhH063fpq"/>
+</p:tagLst>
+</file>
+
+<file path=ppt/tags/tag38.xml><?xml version="1.0" encoding="utf-8"?>
+<p:tagLst xmlns:a="http://schemas.openxmlformats.org/drawingml/2006/main" xmlns:r="http://schemas.openxmlformats.org/officeDocument/2006/relationships" xmlns:p="http://schemas.openxmlformats.org/presentationml/2006/main">
+  <p:tag name="DVSHAPEID" val="InkrlxYPS4jAzciXk8ToAM"/>
+</p:tagLst>
+</file>
+
+<file path=ppt/tags/tag39.xml><?xml version="1.0" encoding="utf-8"?>
+<p:tagLst xmlns:a="http://schemas.openxmlformats.org/drawingml/2006/main" xmlns:r="http://schemas.openxmlformats.org/officeDocument/2006/relationships" xmlns:p="http://schemas.openxmlformats.org/presentationml/2006/main">
+  <p:tag name="DVSHAPEID" val="retnMj4SFfqbVIhVK0Rf83"/>
 </p:tagLst>
 </file>
 
 <file path=ppt/tags/tag4.xml><?xml version="1.0" encoding="utf-8"?>
 <p:tagLst xmlns:a="http://schemas.openxmlformats.org/drawingml/2006/main" xmlns:r="http://schemas.openxmlformats.org/officeDocument/2006/relationships" xmlns:p="http://schemas.openxmlformats.org/presentationml/2006/main">
   <p:tag name="DVSECTIONID" val="QUq8QELArFIgadhH063fpq"/>
+</p:tagLst>
+</file>
+
+<file path=ppt/tags/tag40.xml><?xml version="1.0" encoding="utf-8"?>
+<p:tagLst xmlns:a="http://schemas.openxmlformats.org/drawingml/2006/main" xmlns:r="http://schemas.openxmlformats.org/officeDocument/2006/relationships" xmlns:p="http://schemas.openxmlformats.org/presentationml/2006/main">
+  <p:tag name="DVSECTIONID" val="QUq8QELArFIgadhH063fpq"/>
+</p:tagLst>
+</file>
+
+<file path=ppt/tags/tag41.xml><?xml version="1.0" encoding="utf-8"?>
+<p:tagLst xmlns:a="http://schemas.openxmlformats.org/drawingml/2006/main" xmlns:r="http://schemas.openxmlformats.org/officeDocument/2006/relationships" xmlns:p="http://schemas.openxmlformats.org/presentationml/2006/main">
+  <p:tag name="DVSHAPEID" val="InkrlxYPS4jAzciXk8ToAM"/>
+</p:tagLst>
+</file>
+
+<file path=ppt/tags/tag42.xml><?xml version="1.0" encoding="utf-8"?>
+<p:tagLst xmlns:a="http://schemas.openxmlformats.org/drawingml/2006/main" xmlns:r="http://schemas.openxmlformats.org/officeDocument/2006/relationships" xmlns:p="http://schemas.openxmlformats.org/presentationml/2006/main">
+  <p:tag name="DVSHAPEID" val="retnMj4SFfqbVIhVK0Rf83"/>
+</p:tagLst>
+</file>
+
+<file path=ppt/tags/tag43.xml><?xml version="1.0" encoding="utf-8"?>
+<p:tagLst xmlns:a="http://schemas.openxmlformats.org/drawingml/2006/main" xmlns:r="http://schemas.openxmlformats.org/officeDocument/2006/relationships" xmlns:p="http://schemas.openxmlformats.org/presentationml/2006/main">
+  <p:tag name="DVSECTIONID" val="QUq8QELArFIgadhH063fpq"/>
+</p:tagLst>
+</file>
+
+<file path=ppt/tags/tag44.xml><?xml version="1.0" encoding="utf-8"?>
+<p:tagLst xmlns:a="http://schemas.openxmlformats.org/drawingml/2006/main" xmlns:r="http://schemas.openxmlformats.org/officeDocument/2006/relationships" xmlns:p="http://schemas.openxmlformats.org/presentationml/2006/main">
+  <p:tag name="DVSHAPEID" val="InkrlxYPS4jAzciXk8ToAM"/>
+</p:tagLst>
+</file>
+
+<file path=ppt/tags/tag45.xml><?xml version="1.0" encoding="utf-8"?>
+<p:tagLst xmlns:a="http://schemas.openxmlformats.org/drawingml/2006/main" xmlns:r="http://schemas.openxmlformats.org/officeDocument/2006/relationships" xmlns:p="http://schemas.openxmlformats.org/presentationml/2006/main">
+  <p:tag name="DVSHAPEID" val="retnMj4SFfqbVIhVK0Rf83"/>
+</p:tagLst>
+</file>
+
+<file path=ppt/tags/tag46.xml><?xml version="1.0" encoding="utf-8"?>
+<p:tagLst xmlns:a="http://schemas.openxmlformats.org/drawingml/2006/main" xmlns:r="http://schemas.openxmlformats.org/officeDocument/2006/relationships" xmlns:p="http://schemas.openxmlformats.org/presentationml/2006/main">
+  <p:tag name="DVSECTIONID" val="ezdaKHeWyBnZyZ2cDqRSoa"/>
+</p:tagLst>
+</file>
+
+<file path=ppt/tags/tag47.xml><?xml version="1.0" encoding="utf-8"?>
+<p:tagLst xmlns:a="http://schemas.openxmlformats.org/drawingml/2006/main" xmlns:r="http://schemas.openxmlformats.org/officeDocument/2006/relationships" xmlns:p="http://schemas.openxmlformats.org/presentationml/2006/main">
+  <p:tag name="DVSHAPEID" val="LRMR96J2MVd0CGe2e5htjk"/>
 </p:tagLst>
 </file>
 

--- a/prezentace.pptx
+++ b/prezentace.pptx
@@ -5,10 +5,10 @@
     <p:sldMasterId id="2147483648" r:id="rId1"/>
   </p:sldMasterIdLst>
   <p:notesMasterIdLst>
-    <p:notesMasterId r:id="rId18"/>
+    <p:notesMasterId r:id="rId19"/>
   </p:notesMasterIdLst>
   <p:handoutMasterIdLst>
-    <p:handoutMasterId r:id="rId19"/>
+    <p:handoutMasterId r:id="rId20"/>
   </p:handoutMasterIdLst>
   <p:sldIdLst>
     <p:sldId id="259" r:id="rId2"/>
@@ -22,11 +22,12 @@
     <p:sldId id="288" r:id="rId10"/>
     <p:sldId id="289" r:id="rId11"/>
     <p:sldId id="290" r:id="rId12"/>
-    <p:sldId id="281" r:id="rId13"/>
-    <p:sldId id="282" r:id="rId14"/>
-    <p:sldId id="283" r:id="rId15"/>
-    <p:sldId id="280" r:id="rId16"/>
-    <p:sldId id="277" r:id="rId17"/>
+    <p:sldId id="291" r:id="rId13"/>
+    <p:sldId id="281" r:id="rId14"/>
+    <p:sldId id="282" r:id="rId15"/>
+    <p:sldId id="283" r:id="rId16"/>
+    <p:sldId id="280" r:id="rId17"/>
+    <p:sldId id="277" r:id="rId18"/>
   </p:sldIdLst>
   <p:sldSz cx="9144000" cy="6858000" type="screen4x3"/>
   <p:notesSz cx="6858000" cy="9144000"/>
@@ -149,6 +150,7 @@
             <p14:sldId id="288"/>
             <p14:sldId id="289"/>
             <p14:sldId id="290"/>
+            <p14:sldId id="291"/>
           </p14:sldIdLst>
         </p14:section>
         <p14:section name=".NET core Knihovny" id="{A90CCB4D-62F7-45B2-8BD4-70C86AD1CB5C}">
@@ -1699,6 +1701,129 @@
       </p:grpSpPr>
       <p:sp>
         <p:nvSpPr>
+          <p:cNvPr id="2" name="Slide Image Placeholder 1"/>
+          <p:cNvSpPr>
+            <a:spLocks noGrp="1" noRot="1" noChangeAspect="1"/>
+          </p:cNvSpPr>
+          <p:nvPr>
+            <p:ph type="sldImg"/>
+          </p:nvPr>
+        </p:nvSpPr>
+        <p:spPr/>
+      </p:sp>
+      <p:sp>
+        <p:nvSpPr>
+          <p:cNvPr id="3" name="Notes Placeholder 2"/>
+          <p:cNvSpPr>
+            <a:spLocks noGrp="1"/>
+          </p:cNvSpPr>
+          <p:nvPr>
+            <p:ph type="body" idx="1"/>
+          </p:nvPr>
+        </p:nvSpPr>
+        <p:spPr/>
+        <p:txBody>
+          <a:bodyPr>
+            <a:normAutofit/>
+          </a:bodyPr>
+          <a:lstStyle/>
+          <a:p>
+            <a:pPr>
+              <a:lnSpc>
+                <a:spcPct val="80000"/>
+              </a:lnSpc>
+            </a:pPr>
+            <a:r>
+              <a:rPr lang="en-US" dirty="0" smtClean="0"/>
+              <a:t>Give a brief overview of the presentation.</a:t>
+            </a:r>
+            <a:r>
+              <a:rPr lang="en-US" baseline="0" dirty="0" smtClean="0"/>
+              <a:t> D</a:t>
+            </a:r>
+            <a:r>
+              <a:rPr lang="en-US" dirty="0" smtClean="0"/>
+              <a:t>escribe the major focus of the presentation and why it is important.</a:t>
+            </a:r>
+          </a:p>
+          <a:p>
+            <a:pPr>
+              <a:lnSpc>
+                <a:spcPct val="80000"/>
+              </a:lnSpc>
+            </a:pPr>
+            <a:r>
+              <a:rPr lang="en-US" dirty="0" smtClean="0"/>
+              <a:t>Introduce each of the major topics.</a:t>
+            </a:r>
+          </a:p>
+          <a:p>
+            <a:r>
+              <a:rPr lang="en-US" dirty="0" smtClean="0"/>
+              <a:t>To provide a road map for the audience, you</a:t>
+            </a:r>
+            <a:r>
+              <a:rPr lang="en-US" baseline="0" dirty="0" smtClean="0"/>
+              <a:t> can </a:t>
+            </a:r>
+            <a:r>
+              <a:rPr lang="en-US" dirty="0" smtClean="0"/>
+              <a:t>repeat this Overview slide throughout the presentation, highlighting the particular topic you will discuss next.</a:t>
+            </a:r>
+          </a:p>
+        </p:txBody>
+      </p:sp>
+      <p:sp>
+        <p:nvSpPr>
+          <p:cNvPr id="4" name="Slide Number Placeholder 3"/>
+          <p:cNvSpPr>
+            <a:spLocks noGrp="1"/>
+          </p:cNvSpPr>
+          <p:nvPr>
+            <p:ph type="sldNum" sz="quarter" idx="10"/>
+          </p:nvPr>
+        </p:nvSpPr>
+        <p:spPr/>
+        <p:txBody>
+          <a:bodyPr/>
+          <a:lstStyle/>
+          <a:p>
+            <a:fld id="{EC6EAC7D-5A89-47C2-8ABA-56C9C2DEF7A4}" type="slidenum">
+              <a:rPr lang="en-US" smtClean="0"/>
+              <a:pPr/>
+              <a:t>16</a:t>
+            </a:fld>
+            <a:endParaRPr lang="en-US"/>
+          </a:p>
+        </p:txBody>
+      </p:sp>
+    </p:spTree>
+  </p:cSld>
+  <p:clrMapOvr>
+    <a:masterClrMapping/>
+  </p:clrMapOvr>
+</p:notes>
+</file>
+
+<file path=ppt/notesSlides/notesSlide17.xml><?xml version="1.0" encoding="utf-8"?>
+<p:notes xmlns:a="http://schemas.openxmlformats.org/drawingml/2006/main" xmlns:r="http://schemas.openxmlformats.org/officeDocument/2006/relationships" xmlns:p="http://schemas.openxmlformats.org/presentationml/2006/main">
+  <p:cSld>
+    <p:spTree>
+      <p:nvGrpSpPr>
+        <p:cNvPr id="1" name=""/>
+        <p:cNvGrpSpPr/>
+        <p:nvPr/>
+      </p:nvGrpSpPr>
+      <p:grpSpPr>
+        <a:xfrm>
+          <a:off x="0" y="0"/>
+          <a:ext cx="0" cy="0"/>
+          <a:chOff x="0" y="0"/>
+          <a:chExt cx="0" cy="0"/>
+        </a:xfrm>
+      </p:grpSpPr>
+      <p:sp>
+        <p:nvSpPr>
           <p:cNvPr id="41986" name="Rectangle 23"/>
           <p:cNvSpPr>
             <a:spLocks noGrp="1" noChangeArrowheads="1"/>
@@ -1770,7 +1895,7 @@
             <a:fld id="{B2B44A5F-6CE4-493C-A0D7-6834FF76660C}" type="slidenum">
               <a:rPr lang="en-US" smtClean="0"/>
               <a:pPr/>
-              <a:t>16</a:t>
+              <a:t>17</a:t>
             </a:fld>
             <a:endParaRPr lang="en-US" dirty="0" smtClean="0"/>
           </a:p>
@@ -6808,12 +6933,16 @@
           <a:lstStyle/>
           <a:p>
             <a:r>
-              <a:rPr lang="cs-CZ" smtClean="0"/>
+              <a:rPr lang="cs-CZ" dirty="0" smtClean="0"/>
               <a:t>I</a:t>
             </a:r>
             <a:r>
-              <a:rPr lang="en-US" smtClean="0"/>
-              <a:t>mplementace </a:t>
+              <a:rPr lang="en-US" dirty="0" err="1" smtClean="0"/>
+              <a:t>mplementace</a:t>
+            </a:r>
+            <a:r>
+              <a:rPr lang="en-US" dirty="0" smtClean="0"/>
+              <a:t> </a:t>
             </a:r>
             <a:r>
               <a:rPr lang="en-US" dirty="0" err="1" smtClean="0"/>
@@ -6862,8 +6991,12 @@
           <a:p>
             <a:pPr marL="514350" indent="-457200" fontAlgn="base"/>
             <a:r>
+              <a:rPr lang="cs-CZ" dirty="0" smtClean="0"/>
+              <a:t>plus</a:t>
+            </a:r>
+            <a:r>
               <a:rPr lang="cs-CZ" b="1" dirty="0" smtClean="0"/>
-              <a:t>+ </a:t>
+              <a:t> </a:t>
             </a:r>
             <a:r>
               <a:rPr lang="en-US" dirty="0" err="1" smtClean="0"/>
@@ -7004,14 +7137,25 @@
             </p:custDataLst>
           </p:nvPr>
         </p:nvSpPr>
-        <p:spPr/>
-        <p:txBody>
-          <a:bodyPr/>
+        <p:spPr>
+          <a:xfrm>
+            <a:off x="762000" y="269632"/>
+            <a:ext cx="8382000" cy="1143000"/>
+          </a:xfrm>
+        </p:spPr>
+        <p:txBody>
+          <a:bodyPr>
+            <a:normAutofit fontScale="90000"/>
+          </a:bodyPr>
           <a:lstStyle/>
           <a:p>
             <a:r>
-              <a:rPr lang="cs-CZ" dirty="0" smtClean="0"/>
-              <a:t>Konvence</a:t>
+              <a:rPr lang="cs-CZ" dirty="0" err="1" smtClean="0"/>
+              <a:t>Generiky</a:t>
+            </a:r>
+            <a:r>
+              <a:rPr lang="en-US" dirty="0"/>
+              <a:t>, kovariance a kontravariance</a:t>
             </a:r>
             <a:endParaRPr lang="en-US" dirty="0"/>
           </a:p>
@@ -7030,171 +7174,107 @@
             </p:custDataLst>
           </p:nvPr>
         </p:nvSpPr>
-        <p:spPr/>
+        <p:spPr>
+          <a:xfrm>
+            <a:off x="683568" y="1596413"/>
+            <a:ext cx="8352928" cy="4297363"/>
+          </a:xfrm>
+        </p:spPr>
         <p:txBody>
           <a:bodyPr>
             <a:normAutofit/>
           </a:bodyPr>
           <a:lstStyle/>
           <a:p>
+            <a:pPr marL="514350" indent="-457200" fontAlgn="base"/>
+            <a:r>
+              <a:rPr lang="cs-CZ" dirty="0" smtClean="0"/>
+              <a:t>Uchovává se typ </a:t>
+            </a:r>
+            <a:r>
+              <a:rPr lang="cs-CZ" dirty="0" err="1" smtClean="0"/>
+              <a:t>generiky</a:t>
+            </a:r>
+            <a:endParaRPr lang="cs-CZ" dirty="0" smtClean="0"/>
+          </a:p>
+          <a:p>
+            <a:pPr marL="514350" indent="-457200" fontAlgn="base"/>
+            <a:r>
+              <a:rPr lang="cs-CZ" dirty="0" err="1" smtClean="0"/>
+              <a:t>IList</a:t>
+            </a:r>
+            <a:r>
+              <a:rPr lang="cs-CZ" dirty="0" smtClean="0"/>
+              <a:t>&lt;</a:t>
+            </a:r>
+            <a:r>
+              <a:rPr lang="cs-CZ" dirty="0" err="1" smtClean="0"/>
+              <a:t>string</a:t>
+            </a:r>
+            <a:r>
+              <a:rPr lang="cs-CZ" smtClean="0"/>
+              <a:t>&gt; </a:t>
+            </a:r>
+            <a:r>
+              <a:rPr lang="en-US" b="1" dirty="0"/>
+              <a:t/>
+            </a:r>
+            <a:br>
+              <a:rPr lang="en-US" b="1" dirty="0"/>
+            </a:br>
+            <a:endParaRPr lang="en-US" b="1" dirty="0"/>
+          </a:p>
+          <a:p>
+            <a:pPr marL="514350" indent="-457200" fontAlgn="base"/>
+            <a:endParaRPr lang="cs-CZ" dirty="0"/>
+          </a:p>
+          <a:p>
+            <a:pPr marL="514350" indent="-457200" fontAlgn="base"/>
+            <a:endParaRPr lang="en-US" dirty="0"/>
+          </a:p>
+          <a:p>
+            <a:pPr marL="57150" indent="0" fontAlgn="base">
+              <a:buNone/>
+            </a:pPr>
+            <a:endParaRPr lang="cs-CZ" dirty="0" smtClean="0"/>
+          </a:p>
+          <a:p>
+            <a:pPr marL="514350" indent="-457200" fontAlgn="base"/>
+            <a:endParaRPr lang="en-US" dirty="0"/>
+          </a:p>
+          <a:p>
+            <a:pPr marL="514350" indent="-457200" fontAlgn="base"/>
+            <a:endParaRPr lang="pl-PL" b="1" dirty="0"/>
+          </a:p>
+          <a:p>
+            <a:pPr marL="514350" indent="-457200" fontAlgn="base"/>
+            <a:endParaRPr lang="en-US" b="1" dirty="0"/>
+          </a:p>
+          <a:p>
+            <a:pPr marL="514350" indent="-457200" fontAlgn="base"/>
+            <a:endParaRPr lang="en-US" b="1" dirty="0"/>
+          </a:p>
+          <a:p>
+            <a:pPr marL="514350" indent="-457200" fontAlgn="base"/>
+            <a:endParaRPr lang="en-US" b="1" dirty="0"/>
+          </a:p>
+          <a:p>
+            <a:pPr lvl="1" fontAlgn="base"/>
+            <a:endParaRPr lang="en-US" b="1" dirty="0"/>
+          </a:p>
+          <a:p>
+            <a:pPr marL="0" indent="0" fontAlgn="base">
+              <a:buNone/>
+            </a:pPr>
+            <a:endParaRPr lang="cs-CZ" dirty="0" smtClean="0"/>
+          </a:p>
+          <a:p>
             <a:pPr fontAlgn="base"/>
-            <a:r>
-              <a:rPr lang="pt-BR" dirty="0"/>
-              <a:t>konvence </a:t>
-            </a:r>
-            <a:r>
-              <a:rPr lang="pt-BR" b="1" dirty="0"/>
-              <a:t>interface</a:t>
-            </a:r>
-            <a:r>
-              <a:rPr lang="pt-BR" dirty="0"/>
-              <a:t> začíná </a:t>
-            </a:r>
-            <a:r>
-              <a:rPr lang="pt-BR" b="1" dirty="0"/>
-              <a:t>I</a:t>
-            </a:r>
-            <a:r>
-              <a:rPr lang="pt-BR" dirty="0"/>
-              <a:t> viz </a:t>
-            </a:r>
-            <a:r>
-              <a:rPr lang="pt-BR" b="1" dirty="0"/>
-              <a:t>IList</a:t>
-            </a:r>
-            <a:r>
-              <a:rPr lang="pt-BR" dirty="0"/>
-              <a:t> a implementace </a:t>
-            </a:r>
-            <a:r>
-              <a:rPr lang="pt-BR" dirty="0" smtClean="0"/>
-              <a:t>List</a:t>
-            </a:r>
-            <a:endParaRPr lang="cs-CZ" dirty="0" smtClean="0"/>
+            <a:endParaRPr lang="cs-CZ" b="1" dirty="0" smtClean="0"/>
           </a:p>
           <a:p>
             <a:pPr fontAlgn="base"/>
-            <a:r>
-              <a:rPr lang="en-US" dirty="0" err="1"/>
-              <a:t>nazvy</a:t>
-            </a:r>
-            <a:r>
-              <a:rPr lang="en-US" dirty="0"/>
-              <a:t> </a:t>
-            </a:r>
-            <a:r>
-              <a:rPr lang="en-US" dirty="0" err="1"/>
-              <a:t>metod</a:t>
-            </a:r>
-            <a:r>
-              <a:rPr lang="en-US" dirty="0"/>
-              <a:t> </a:t>
-            </a:r>
-            <a:r>
-              <a:rPr lang="cs-CZ" dirty="0" smtClean="0"/>
-              <a:t>z </a:t>
-            </a:r>
-            <a:r>
-              <a:rPr lang="en-US" dirty="0" err="1" smtClean="0"/>
-              <a:t>pascal</a:t>
-            </a:r>
-            <a:r>
-              <a:rPr lang="cs-CZ" dirty="0" smtClean="0"/>
-              <a:t> konvence</a:t>
-            </a:r>
-            <a:r>
-              <a:rPr lang="en-US" dirty="0" smtClean="0"/>
-              <a:t> </a:t>
-            </a:r>
-            <a:r>
-              <a:rPr lang="en-US" dirty="0"/>
-              <a:t>(</a:t>
-            </a:r>
-            <a:r>
-              <a:rPr lang="en-US" dirty="0" err="1"/>
-              <a:t>hlavni</a:t>
-            </a:r>
-            <a:r>
-              <a:rPr lang="en-US" dirty="0"/>
-              <a:t> designer c# :-)) </a:t>
-            </a:r>
-            <a:r>
-              <a:rPr lang="en-US" dirty="0" err="1"/>
-              <a:t>první</a:t>
-            </a:r>
-            <a:r>
-              <a:rPr lang="en-US" dirty="0"/>
-              <a:t> </a:t>
-            </a:r>
-            <a:r>
-              <a:rPr lang="en-US" dirty="0" err="1"/>
-              <a:t>Velke</a:t>
-            </a:r>
-            <a:r>
-              <a:rPr lang="en-US" dirty="0"/>
-              <a:t> </a:t>
-            </a:r>
-            <a:r>
-              <a:rPr lang="en-US" dirty="0" err="1" smtClean="0"/>
-              <a:t>pismeno</a:t>
-            </a:r>
-            <a:r>
-              <a:rPr lang="cs-CZ" dirty="0" smtClean="0"/>
-              <a:t> </a:t>
-            </a:r>
-            <a:r>
-              <a:rPr lang="cs-CZ" dirty="0"/>
-              <a:t>viz </a:t>
-            </a:r>
-            <a:r>
-              <a:rPr lang="en-US" b="1" dirty="0" err="1"/>
-              <a:t>ToString</a:t>
-            </a:r>
-            <a:r>
-              <a:rPr lang="cs-CZ" b="1" dirty="0" smtClean="0"/>
-              <a:t>() </a:t>
-            </a:r>
-            <a:r>
-              <a:rPr lang="en-US" dirty="0" err="1" smtClean="0"/>
-              <a:t>jinak</a:t>
-            </a:r>
-            <a:r>
-              <a:rPr lang="en-US" dirty="0" smtClean="0"/>
-              <a:t> </a:t>
-            </a:r>
-            <a:r>
-              <a:rPr lang="en-US" dirty="0" err="1"/>
-              <a:t>stejny</a:t>
-            </a:r>
-            <a:r>
-              <a:rPr lang="en-US" dirty="0"/>
-              <a:t> </a:t>
-            </a:r>
-            <a:r>
-              <a:rPr lang="en-US" dirty="0" err="1"/>
-              <a:t>jako</a:t>
-            </a:r>
-            <a:r>
-              <a:rPr lang="en-US" dirty="0"/>
-              <a:t> u </a:t>
-            </a:r>
-            <a:r>
-              <a:rPr lang="en-US" dirty="0" err="1" smtClean="0"/>
-              <a:t>javy</a:t>
-            </a:r>
-            <a:endParaRPr lang="cs-CZ" dirty="0" smtClean="0"/>
-          </a:p>
-          <a:p>
-            <a:pPr fontAlgn="base"/>
-            <a:endParaRPr lang="en-US" dirty="0"/>
-          </a:p>
-          <a:p>
-            <a:pPr fontAlgn="base"/>
-            <a:endParaRPr lang="pt-BR" dirty="0"/>
-          </a:p>
-          <a:p>
-            <a:pPr fontAlgn="base"/>
-            <a:endParaRPr lang="en-US" dirty="0"/>
+            <a:endParaRPr lang="en-US" b="1" dirty="0"/>
           </a:p>
         </p:txBody>
       </p:sp>
@@ -7204,7 +7284,7 @@
     </p:custDataLst>
     <p:extLst>
       <p:ext uri="{BB962C8B-B14F-4D97-AF65-F5344CB8AC3E}">
-        <p14:creationId xmlns:p14="http://schemas.microsoft.com/office/powerpoint/2010/main" val="597941734"/>
+        <p14:creationId xmlns:p14="http://schemas.microsoft.com/office/powerpoint/2010/main" val="2956549503"/>
       </p:ext>
     </p:extLst>
   </p:cSld>
@@ -7256,397 +7336,186 @@
         </p:nvSpPr>
         <p:spPr/>
         <p:txBody>
+          <a:bodyPr/>
+          <a:lstStyle/>
+          <a:p>
+            <a:r>
+              <a:rPr lang="cs-CZ" dirty="0" smtClean="0"/>
+              <a:t>Konvence</a:t>
+            </a:r>
+            <a:endParaRPr lang="en-US" dirty="0"/>
+          </a:p>
+        </p:txBody>
+      </p:sp>
+      <p:sp>
+        <p:nvSpPr>
+          <p:cNvPr id="5" name="Content Placeholder 4"/>
+          <p:cNvSpPr>
+            <a:spLocks noGrp="1"/>
+          </p:cNvSpPr>
+          <p:nvPr>
+            <p:ph idx="1"/>
+            <p:custDataLst>
+              <p:tags r:id="rId3"/>
+            </p:custDataLst>
+          </p:nvPr>
+        </p:nvSpPr>
+        <p:spPr/>
+        <p:txBody>
           <a:bodyPr>
             <a:normAutofit/>
           </a:bodyPr>
           <a:lstStyle/>
           <a:p>
-            <a:r>
-              <a:rPr lang="cs-CZ" dirty="0" err="1" smtClean="0"/>
-              <a:t>Object</a:t>
+            <a:pPr fontAlgn="base"/>
+            <a:r>
+              <a:rPr lang="pt-BR" dirty="0"/>
+              <a:t>konvence </a:t>
+            </a:r>
+            <a:r>
+              <a:rPr lang="pt-BR" b="1" dirty="0"/>
+              <a:t>interface</a:t>
+            </a:r>
+            <a:r>
+              <a:rPr lang="pt-BR" dirty="0"/>
+              <a:t> začíná </a:t>
+            </a:r>
+            <a:r>
+              <a:rPr lang="pt-BR" b="1" dirty="0"/>
+              <a:t>I</a:t>
+            </a:r>
+            <a:r>
+              <a:rPr lang="pt-BR" dirty="0"/>
+              <a:t> viz </a:t>
+            </a:r>
+            <a:r>
+              <a:rPr lang="pt-BR" b="1" dirty="0"/>
+              <a:t>IList</a:t>
+            </a:r>
+            <a:r>
+              <a:rPr lang="pt-BR" dirty="0"/>
+              <a:t> a implementace </a:t>
+            </a:r>
+            <a:r>
+              <a:rPr lang="pt-BR" dirty="0" smtClean="0"/>
+              <a:t>List</a:t>
+            </a:r>
+            <a:endParaRPr lang="cs-CZ" dirty="0" smtClean="0"/>
+          </a:p>
+          <a:p>
+            <a:pPr fontAlgn="base"/>
+            <a:r>
+              <a:rPr lang="en-US" dirty="0" err="1"/>
+              <a:t>nazvy</a:t>
+            </a:r>
+            <a:r>
+              <a:rPr lang="en-US" dirty="0"/>
+              <a:t> </a:t>
+            </a:r>
+            <a:r>
+              <a:rPr lang="en-US" dirty="0" err="1"/>
+              <a:t>metod</a:t>
+            </a:r>
+            <a:r>
+              <a:rPr lang="en-US" dirty="0"/>
+              <a:t> </a:t>
             </a:r>
             <a:r>
               <a:rPr lang="cs-CZ" dirty="0" smtClean="0"/>
-              <a:t> a </a:t>
+              <a:t>z </a:t>
             </a:r>
             <a:r>
               <a:rPr lang="en-US" dirty="0" err="1" smtClean="0"/>
-              <a:t>ValueType</a:t>
-            </a:r>
-            <a:endParaRPr lang="en-US" dirty="0"/>
-          </a:p>
-        </p:txBody>
-      </p:sp>
-      <p:sp>
-        <p:nvSpPr>
-          <p:cNvPr id="5" name="Content Placeholder 4"/>
-          <p:cNvSpPr>
-            <a:spLocks noGrp="1"/>
-          </p:cNvSpPr>
-          <p:nvPr>
-            <p:ph idx="1"/>
-            <p:custDataLst>
-              <p:tags r:id="rId3"/>
-            </p:custDataLst>
-          </p:nvPr>
-        </p:nvSpPr>
-        <p:spPr/>
-        <p:txBody>
-          <a:bodyPr>
-            <a:normAutofit fontScale="92500" lnSpcReduction="20000"/>
-          </a:bodyPr>
-          <a:lstStyle/>
+              <a:t>pascal</a:t>
+            </a:r>
+            <a:r>
+              <a:rPr lang="cs-CZ" dirty="0" smtClean="0"/>
+              <a:t> konvence</a:t>
+            </a:r>
+            <a:r>
+              <a:rPr lang="en-US" dirty="0" smtClean="0"/>
+              <a:t> </a:t>
+            </a:r>
+            <a:r>
+              <a:rPr lang="en-US" dirty="0"/>
+              <a:t>(</a:t>
+            </a:r>
+            <a:r>
+              <a:rPr lang="en-US" dirty="0" err="1"/>
+              <a:t>hlavni</a:t>
+            </a:r>
+            <a:r>
+              <a:rPr lang="en-US" dirty="0"/>
+              <a:t> designer c# :-)) </a:t>
+            </a:r>
+            <a:r>
+              <a:rPr lang="en-US" dirty="0" err="1"/>
+              <a:t>první</a:t>
+            </a:r>
+            <a:r>
+              <a:rPr lang="en-US" dirty="0"/>
+              <a:t> </a:t>
+            </a:r>
+            <a:r>
+              <a:rPr lang="en-US" dirty="0" err="1"/>
+              <a:t>Velke</a:t>
+            </a:r>
+            <a:r>
+              <a:rPr lang="en-US" dirty="0"/>
+              <a:t> </a:t>
+            </a:r>
+            <a:r>
+              <a:rPr lang="en-US" dirty="0" err="1" smtClean="0"/>
+              <a:t>pismeno</a:t>
+            </a:r>
+            <a:r>
+              <a:rPr lang="cs-CZ" dirty="0" smtClean="0"/>
+              <a:t> </a:t>
+            </a:r>
+            <a:r>
+              <a:rPr lang="cs-CZ" dirty="0"/>
+              <a:t>viz </a:t>
+            </a:r>
+            <a:r>
+              <a:rPr lang="en-US" b="1" dirty="0" err="1"/>
+              <a:t>ToString</a:t>
+            </a:r>
+            <a:r>
+              <a:rPr lang="cs-CZ" b="1" dirty="0" smtClean="0"/>
+              <a:t>() </a:t>
+            </a:r>
+            <a:r>
+              <a:rPr lang="en-US" dirty="0" err="1" smtClean="0"/>
+              <a:t>jinak</a:t>
+            </a:r>
+            <a:r>
+              <a:rPr lang="en-US" dirty="0" smtClean="0"/>
+              <a:t> </a:t>
+            </a:r>
+            <a:r>
+              <a:rPr lang="en-US" dirty="0" err="1"/>
+              <a:t>stejny</a:t>
+            </a:r>
+            <a:r>
+              <a:rPr lang="en-US" dirty="0"/>
+              <a:t> </a:t>
+            </a:r>
+            <a:r>
+              <a:rPr lang="en-US" dirty="0" err="1"/>
+              <a:t>jako</a:t>
+            </a:r>
+            <a:r>
+              <a:rPr lang="en-US" dirty="0"/>
+              <a:t> u </a:t>
+            </a:r>
+            <a:r>
+              <a:rPr lang="en-US" dirty="0" err="1" smtClean="0"/>
+              <a:t>javy</a:t>
+            </a:r>
+            <a:endParaRPr lang="cs-CZ" dirty="0" smtClean="0"/>
+          </a:p>
           <a:p>
             <a:pPr fontAlgn="base"/>
-            <a:r>
-              <a:rPr lang="cs-CZ" dirty="0" err="1" smtClean="0"/>
-              <a:t>Class</a:t>
-            </a:r>
-            <a:r>
-              <a:rPr lang="cs-CZ" dirty="0" smtClean="0"/>
-              <a:t> dědí po </a:t>
-            </a:r>
-            <a:r>
-              <a:rPr lang="cs-CZ" dirty="0" err="1" smtClean="0"/>
-              <a:t>Object</a:t>
-            </a:r>
-            <a:endParaRPr lang="cs-CZ" dirty="0"/>
-          </a:p>
-          <a:p>
-            <a:pPr fontAlgn="base"/>
-            <a:r>
-              <a:rPr lang="cs-CZ" dirty="0" err="1" smtClean="0"/>
-              <a:t>Struct</a:t>
-            </a:r>
-            <a:r>
-              <a:rPr lang="cs-CZ" dirty="0" smtClean="0"/>
-              <a:t> dědí po </a:t>
-            </a:r>
-            <a:r>
-              <a:rPr lang="en-US" dirty="0" err="1" smtClean="0"/>
-              <a:t>ValueType</a:t>
-            </a:r>
-            <a:r>
-              <a:rPr lang="cs-CZ" dirty="0" smtClean="0"/>
-              <a:t> (neexistuje metoda </a:t>
-            </a:r>
-            <a:r>
-              <a:rPr lang="en-US" dirty="0" err="1" smtClean="0"/>
-              <a:t>GetType</a:t>
-            </a:r>
-            <a:r>
-              <a:rPr lang="cs-CZ" dirty="0" smtClean="0"/>
-              <a:t>(), destruktor a static metody </a:t>
-            </a:r>
-            <a:r>
-              <a:rPr lang="en-US" dirty="0" smtClean="0"/>
-              <a:t>Equals</a:t>
-            </a:r>
-            <a:endParaRPr lang="en-US" dirty="0"/>
-          </a:p>
-          <a:p>
-            <a:pPr fontAlgn="base"/>
-            <a:r>
-              <a:rPr lang="cs-CZ" dirty="0" smtClean="0"/>
-              <a:t>)</a:t>
-            </a:r>
-          </a:p>
-          <a:p>
-            <a:pPr fontAlgn="base"/>
-            <a:r>
-              <a:rPr lang="cs-CZ" b="1" dirty="0" err="1"/>
-              <a:t>string</a:t>
-            </a:r>
-            <a:r>
-              <a:rPr lang="cs-CZ" dirty="0"/>
-              <a:t> je alias k </a:t>
-            </a:r>
-            <a:r>
-              <a:rPr lang="cs-CZ" b="1" dirty="0" err="1"/>
-              <a:t>System.String</a:t>
-            </a:r>
-            <a:r>
-              <a:rPr lang="cs-CZ" b="1" dirty="0"/>
-              <a:t> </a:t>
-            </a:r>
-            <a:r>
-              <a:rPr lang="cs-CZ" dirty="0"/>
-              <a:t>je vždy </a:t>
-            </a:r>
-            <a:r>
-              <a:rPr lang="cs-CZ" dirty="0" err="1"/>
-              <a:t>immutable</a:t>
-            </a:r>
-            <a:r>
-              <a:rPr lang="cs-CZ" dirty="0"/>
-              <a:t> tzn. </a:t>
-            </a:r>
-            <a:r>
-              <a:rPr lang="cs-CZ" dirty="0" err="1"/>
-              <a:t>muze</a:t>
-            </a:r>
-            <a:r>
-              <a:rPr lang="cs-CZ" dirty="0"/>
-              <a:t> se </a:t>
-            </a:r>
-            <a:r>
-              <a:rPr lang="cs-CZ" dirty="0" err="1"/>
-              <a:t>pouzivat</a:t>
-            </a:r>
-            <a:r>
-              <a:rPr lang="cs-CZ" dirty="0"/>
-              <a:t> ==</a:t>
-            </a:r>
-            <a:endParaRPr lang="cs-CZ" b="1" dirty="0"/>
-          </a:p>
-          <a:p>
-            <a:pPr fontAlgn="base"/>
-            <a:r>
-              <a:rPr lang="cs-CZ" b="1" dirty="0" err="1"/>
-              <a:t>ToString</a:t>
-            </a:r>
-            <a:r>
-              <a:rPr lang="cs-CZ" dirty="0"/>
-              <a:t>() </a:t>
-            </a:r>
-            <a:r>
-              <a:rPr lang="cs-CZ" b="1" dirty="0" smtClean="0">
-                <a:solidFill>
-                  <a:srgbClr val="FF0000"/>
-                </a:solidFill>
-              </a:rPr>
-              <a:t>pozor double </a:t>
-            </a:r>
-            <a:r>
-              <a:rPr lang="cs-CZ" b="1" dirty="0" err="1" smtClean="0">
-                <a:solidFill>
-                  <a:srgbClr val="FF0000"/>
-                </a:solidFill>
-              </a:rPr>
-              <a:t>apod</a:t>
-            </a:r>
-            <a:r>
-              <a:rPr lang="cs-CZ" b="1" dirty="0" smtClean="0">
-                <a:solidFill>
-                  <a:srgbClr val="FF0000"/>
-                </a:solidFill>
-              </a:rPr>
-              <a:t> </a:t>
-            </a:r>
-            <a:r>
-              <a:rPr lang="en-US" b="1" dirty="0" err="1" smtClean="0">
-                <a:solidFill>
-                  <a:srgbClr val="FF0000"/>
-                </a:solidFill>
-              </a:rPr>
-              <a:t>závislý</a:t>
-            </a:r>
-            <a:r>
-              <a:rPr lang="en-US" b="1" dirty="0" smtClean="0">
-                <a:solidFill>
-                  <a:srgbClr val="FF0000"/>
-                </a:solidFill>
-              </a:rPr>
-              <a:t> </a:t>
-            </a:r>
-            <a:r>
-              <a:rPr lang="en-US" b="1" dirty="0" err="1">
-                <a:solidFill>
-                  <a:srgbClr val="FF0000"/>
-                </a:solidFill>
-              </a:rPr>
-              <a:t>na</a:t>
-            </a:r>
-            <a:r>
-              <a:rPr lang="en-US" b="1" dirty="0">
-                <a:solidFill>
-                  <a:srgbClr val="FF0000"/>
-                </a:solidFill>
-              </a:rPr>
-              <a:t> local </a:t>
-            </a:r>
-            <a:r>
-              <a:rPr lang="en-US" b="1" dirty="0" err="1">
-                <a:solidFill>
-                  <a:srgbClr val="FF0000"/>
-                </a:solidFill>
-              </a:rPr>
-              <a:t>nastavení</a:t>
-            </a:r>
-            <a:r>
-              <a:rPr lang="en-US" b="1" dirty="0">
-                <a:solidFill>
-                  <a:srgbClr val="FF0000"/>
-                </a:solidFill>
-              </a:rPr>
-              <a:t> </a:t>
-            </a:r>
-            <a:r>
-              <a:rPr lang="en-US" b="1" dirty="0" err="1">
-                <a:solidFill>
-                  <a:srgbClr val="FF0000"/>
-                </a:solidFill>
-              </a:rPr>
-              <a:t>počítače</a:t>
-            </a:r>
-            <a:r>
-              <a:rPr lang="en-US" b="1" dirty="0">
-                <a:solidFill>
-                  <a:srgbClr val="FF0000"/>
-                </a:solidFill>
-              </a:rPr>
-              <a:t> -&gt; </a:t>
-            </a:r>
-            <a:r>
-              <a:rPr lang="en-US" b="1" dirty="0" err="1">
-                <a:solidFill>
-                  <a:srgbClr val="FF0000"/>
-                </a:solidFill>
-              </a:rPr>
-              <a:t>doporucuju</a:t>
-            </a:r>
-            <a:r>
-              <a:rPr lang="en-US" b="1" dirty="0">
-                <a:solidFill>
-                  <a:srgbClr val="FF0000"/>
-                </a:solidFill>
-              </a:rPr>
-              <a:t> </a:t>
-            </a:r>
-            <a:r>
-              <a:rPr lang="en-US" b="1" dirty="0" err="1">
-                <a:solidFill>
-                  <a:srgbClr val="FF0000"/>
-                </a:solidFill>
-              </a:rPr>
-              <a:t>si</a:t>
-            </a:r>
-            <a:r>
-              <a:rPr lang="en-US" b="1" dirty="0">
-                <a:solidFill>
-                  <a:srgbClr val="FF0000"/>
-                </a:solidFill>
-              </a:rPr>
-              <a:t> </a:t>
-            </a:r>
-            <a:r>
-              <a:rPr lang="en-US" b="1" dirty="0" err="1">
-                <a:solidFill>
-                  <a:srgbClr val="FF0000"/>
-                </a:solidFill>
-              </a:rPr>
-              <a:t>napsat</a:t>
-            </a:r>
-            <a:r>
-              <a:rPr lang="en-US" b="1" dirty="0">
-                <a:solidFill>
-                  <a:srgbClr val="FF0000"/>
-                </a:solidFill>
-              </a:rPr>
-              <a:t> extension static </a:t>
-            </a:r>
-            <a:r>
-              <a:rPr lang="en-US" b="1" dirty="0" err="1">
-                <a:solidFill>
-                  <a:srgbClr val="FF0000"/>
-                </a:solidFill>
-              </a:rPr>
-              <a:t>metody</a:t>
-            </a:r>
-            <a:r>
-              <a:rPr lang="en-US" b="1" dirty="0">
-                <a:solidFill>
-                  <a:srgbClr val="FF0000"/>
-                </a:solidFill>
-              </a:rPr>
-              <a:t> </a:t>
-            </a:r>
-            <a:r>
-              <a:rPr lang="en-US" b="1" dirty="0" err="1">
-                <a:solidFill>
-                  <a:srgbClr val="FF0000"/>
-                </a:solidFill>
-              </a:rPr>
-              <a:t>MoneyToString</a:t>
-            </a:r>
-            <a:r>
-              <a:rPr lang="en-US" b="1" dirty="0">
-                <a:solidFill>
-                  <a:srgbClr val="FF0000"/>
-                </a:solidFill>
-              </a:rPr>
-              <a:t>() </a:t>
-            </a:r>
-            <a:r>
-              <a:rPr lang="en-US" b="1" dirty="0" err="1">
-                <a:solidFill>
-                  <a:srgbClr val="FF0000"/>
-                </a:solidFill>
-              </a:rPr>
-              <a:t>apod</a:t>
-            </a:r>
-            <a:r>
-              <a:rPr lang="en-US" b="1" dirty="0">
-                <a:solidFill>
-                  <a:srgbClr val="FF0000"/>
-                </a:solidFill>
-              </a:rPr>
-              <a:t>. </a:t>
-            </a:r>
-            <a:r>
-              <a:rPr lang="en-US" b="1" dirty="0" err="1">
-                <a:solidFill>
-                  <a:srgbClr val="FF0000"/>
-                </a:solidFill>
-              </a:rPr>
-              <a:t>viz</a:t>
-            </a:r>
-            <a:r>
-              <a:rPr lang="en-US" b="1" dirty="0">
-                <a:solidFill>
-                  <a:srgbClr val="FF0000"/>
-                </a:solidFill>
-              </a:rPr>
-              <a:t> </a:t>
-            </a:r>
-            <a:r>
-              <a:rPr lang="en-US" b="1" dirty="0" err="1">
-                <a:solidFill>
-                  <a:srgbClr val="FF0000"/>
-                </a:solidFill>
-              </a:rPr>
-              <a:t>priklad</a:t>
-            </a:r>
-            <a:r>
-              <a:rPr lang="en-US" b="1" dirty="0">
-                <a:solidFill>
-                  <a:srgbClr val="FF0000"/>
-                </a:solidFill>
-              </a:rPr>
-              <a:t> </a:t>
-            </a:r>
-            <a:r>
-              <a:rPr lang="en-US" b="1" dirty="0" err="1">
-                <a:solidFill>
-                  <a:srgbClr val="FF0000"/>
-                </a:solidFill>
-              </a:rPr>
-              <a:t>TestToStringCulture.cs</a:t>
-            </a:r>
-            <a:endParaRPr lang="cs-CZ" b="1" dirty="0">
-              <a:solidFill>
-                <a:srgbClr val="FF0000"/>
-              </a:solidFill>
-            </a:endParaRPr>
-          </a:p>
-          <a:p>
-            <a:pPr fontAlgn="base"/>
-            <a:endParaRPr lang="en-US" dirty="0"/>
-          </a:p>
-          <a:p>
-            <a:pPr marL="0" indent="0" fontAlgn="base">
-              <a:buNone/>
-            </a:pPr>
             <a:endParaRPr lang="en-US" dirty="0"/>
           </a:p>
           <a:p>
@@ -7665,7 +7534,7 @@
     </p:custDataLst>
     <p:extLst>
       <p:ext uri="{BB962C8B-B14F-4D97-AF65-F5344CB8AC3E}">
-        <p14:creationId xmlns:p14="http://schemas.microsoft.com/office/powerpoint/2010/main" val="375692060"/>
+        <p14:creationId xmlns:p14="http://schemas.microsoft.com/office/powerpoint/2010/main" val="597941734"/>
       </p:ext>
     </p:extLst>
   </p:cSld>
@@ -7717,12 +7586,22 @@
         </p:nvSpPr>
         <p:spPr/>
         <p:txBody>
-          <a:bodyPr/>
+          <a:bodyPr>
+            <a:normAutofit/>
+          </a:bodyPr>
           <a:lstStyle/>
           <a:p>
             <a:r>
+              <a:rPr lang="cs-CZ" dirty="0" err="1" smtClean="0"/>
+              <a:t>Object</a:t>
+            </a:r>
+            <a:r>
               <a:rPr lang="cs-CZ" dirty="0" smtClean="0"/>
-              <a:t>Kolekce</a:t>
+              <a:t> a </a:t>
+            </a:r>
+            <a:r>
+              <a:rPr lang="en-US" dirty="0" err="1" smtClean="0"/>
+              <a:t>ValueType</a:t>
             </a:r>
             <a:endParaRPr lang="en-US" dirty="0"/>
           </a:p>
@@ -7744,175 +7623,360 @@
         <p:spPr/>
         <p:txBody>
           <a:bodyPr>
-            <a:normAutofit lnSpcReduction="10000"/>
+            <a:normAutofit fontScale="92500" lnSpcReduction="20000"/>
           </a:bodyPr>
           <a:lstStyle/>
           <a:p>
             <a:pPr fontAlgn="base"/>
             <a:r>
+              <a:rPr lang="cs-CZ" dirty="0" err="1" smtClean="0"/>
+              <a:t>Class</a:t>
+            </a:r>
+            <a:r>
               <a:rPr lang="cs-CZ" dirty="0" smtClean="0"/>
-              <a:t>K</a:t>
+              <a:t> dědí po </a:t>
+            </a:r>
+            <a:r>
+              <a:rPr lang="cs-CZ" dirty="0" err="1" smtClean="0"/>
+              <a:t>Object</a:t>
+            </a:r>
+            <a:endParaRPr lang="cs-CZ" dirty="0"/>
+          </a:p>
+          <a:p>
+            <a:pPr fontAlgn="base"/>
+            <a:r>
+              <a:rPr lang="cs-CZ" dirty="0" err="1" smtClean="0"/>
+              <a:t>Struct</a:t>
+            </a:r>
+            <a:r>
+              <a:rPr lang="cs-CZ" dirty="0" smtClean="0"/>
+              <a:t> dědí po </a:t>
             </a:r>
             <a:r>
               <a:rPr lang="en-US" dirty="0" err="1" smtClean="0"/>
-              <a:t>olekce</a:t>
+              <a:t>ValueType</a:t>
+            </a:r>
+            <a:r>
+              <a:rPr lang="cs-CZ" dirty="0" smtClean="0"/>
+              <a:t> (neexistuje metoda </a:t>
+            </a:r>
+            <a:r>
+              <a:rPr lang="en-US" dirty="0" err="1" smtClean="0"/>
+              <a:t>GetType</a:t>
+            </a:r>
+            <a:r>
+              <a:rPr lang="cs-CZ" dirty="0" smtClean="0"/>
+              <a:t>(), destruktor a static metody </a:t>
             </a:r>
             <a:r>
               <a:rPr lang="en-US" dirty="0" smtClean="0"/>
-              <a:t> z</a:t>
-            </a:r>
+              <a:t>Equals</a:t>
+            </a:r>
+            <a:endParaRPr lang="en-US" dirty="0"/>
+          </a:p>
+          <a:p>
+            <a:pPr fontAlgn="base"/>
             <a:r>
               <a:rPr lang="cs-CZ" dirty="0" smtClean="0"/>
-              <a:t>e</a:t>
-            </a:r>
-            <a:r>
-              <a:rPr lang="en-US" dirty="0" smtClean="0"/>
+              <a:t>)</a:t>
+            </a:r>
+          </a:p>
+          <a:p>
+            <a:pPr fontAlgn="base"/>
+            <a:r>
+              <a:rPr lang="cs-CZ" b="1" dirty="0" err="1"/>
+              <a:t>string</a:t>
+            </a:r>
+            <a:r>
+              <a:rPr lang="cs-CZ" dirty="0"/>
+              <a:t> je alias k </a:t>
+            </a:r>
+            <a:r>
+              <a:rPr lang="cs-CZ" b="1" dirty="0" err="1"/>
+              <a:t>System.String</a:t>
+            </a:r>
+            <a:r>
+              <a:rPr lang="cs-CZ" b="1" dirty="0"/>
               <a:t> </a:t>
             </a:r>
             <a:r>
-              <a:rPr lang="en-US" dirty="0" err="1"/>
-              <a:t>dvou</a:t>
-            </a:r>
-            <a:r>
-              <a:rPr lang="en-US" dirty="0"/>
-              <a:t> namespace </a:t>
-            </a:r>
-            <a:r>
-              <a:rPr lang="en-US" b="1" dirty="0" err="1"/>
-              <a:t>System.Collections</a:t>
-            </a:r>
-            <a:r>
-              <a:rPr lang="en-US" dirty="0"/>
-              <a:t> a </a:t>
-            </a:r>
-            <a:r>
-              <a:rPr lang="en-US" b="1" dirty="0" err="1"/>
-              <a:t>System.Collections.Generic</a:t>
-            </a:r>
-            <a:r>
-              <a:rPr lang="en-US" dirty="0"/>
+              <a:rPr lang="cs-CZ" dirty="0"/>
+              <a:t>je vždy </a:t>
+            </a:r>
+            <a:r>
+              <a:rPr lang="cs-CZ" dirty="0" err="1"/>
+              <a:t>immutable</a:t>
+            </a:r>
+            <a:r>
+              <a:rPr lang="cs-CZ" dirty="0"/>
+              <a:t> tzn. </a:t>
+            </a:r>
+            <a:r>
+              <a:rPr lang="cs-CZ" dirty="0" err="1"/>
+              <a:t>muze</a:t>
+            </a:r>
+            <a:r>
+              <a:rPr lang="cs-CZ" dirty="0"/>
+              <a:t> se </a:t>
+            </a:r>
+            <a:r>
+              <a:rPr lang="cs-CZ" dirty="0" err="1"/>
+              <a:t>pouzivat</a:t>
+            </a:r>
+            <a:r>
+              <a:rPr lang="cs-CZ" dirty="0"/>
+              <a:t> ==</a:t>
+            </a:r>
+            <a:endParaRPr lang="cs-CZ" b="1" dirty="0"/>
+          </a:p>
+          <a:p>
+            <a:pPr fontAlgn="base"/>
+            <a:r>
+              <a:rPr lang="cs-CZ" b="1" dirty="0" err="1"/>
+              <a:t>ToString</a:t>
+            </a:r>
+            <a:r>
+              <a:rPr lang="cs-CZ" dirty="0"/>
+              <a:t>() </a:t>
+            </a:r>
+            <a:r>
+              <a:rPr lang="cs-CZ" b="1" dirty="0" smtClean="0">
+                <a:solidFill>
+                  <a:srgbClr val="FF0000"/>
+                </a:solidFill>
+              </a:rPr>
+              <a:t>pozor double </a:t>
+            </a:r>
+            <a:r>
+              <a:rPr lang="cs-CZ" b="1" dirty="0" err="1" smtClean="0">
+                <a:solidFill>
+                  <a:srgbClr val="FF0000"/>
+                </a:solidFill>
+              </a:rPr>
+              <a:t>apod</a:t>
+            </a:r>
+            <a:r>
+              <a:rPr lang="cs-CZ" b="1" dirty="0" smtClean="0">
+                <a:solidFill>
+                  <a:srgbClr val="FF0000"/>
+                </a:solidFill>
+              </a:rPr>
               <a:t> </a:t>
             </a:r>
-            <a:endParaRPr lang="cs-CZ" dirty="0" smtClean="0"/>
+            <a:r>
+              <a:rPr lang="en-US" b="1" dirty="0" err="1" smtClean="0">
+                <a:solidFill>
+                  <a:srgbClr val="FF0000"/>
+                </a:solidFill>
+              </a:rPr>
+              <a:t>závislý</a:t>
+            </a:r>
+            <a:r>
+              <a:rPr lang="en-US" b="1" dirty="0" smtClean="0">
+                <a:solidFill>
+                  <a:srgbClr val="FF0000"/>
+                </a:solidFill>
+              </a:rPr>
+              <a:t> </a:t>
+            </a:r>
+            <a:r>
+              <a:rPr lang="en-US" b="1" dirty="0" err="1">
+                <a:solidFill>
+                  <a:srgbClr val="FF0000"/>
+                </a:solidFill>
+              </a:rPr>
+              <a:t>na</a:t>
+            </a:r>
+            <a:r>
+              <a:rPr lang="en-US" b="1" dirty="0">
+                <a:solidFill>
+                  <a:srgbClr val="FF0000"/>
+                </a:solidFill>
+              </a:rPr>
+              <a:t> local </a:t>
+            </a:r>
+            <a:r>
+              <a:rPr lang="en-US" b="1" dirty="0" err="1">
+                <a:solidFill>
+                  <a:srgbClr val="FF0000"/>
+                </a:solidFill>
+              </a:rPr>
+              <a:t>nastavení</a:t>
+            </a:r>
+            <a:r>
+              <a:rPr lang="en-US" b="1" dirty="0">
+                <a:solidFill>
+                  <a:srgbClr val="FF0000"/>
+                </a:solidFill>
+              </a:rPr>
+              <a:t> </a:t>
+            </a:r>
+            <a:r>
+              <a:rPr lang="en-US" b="1" dirty="0" err="1">
+                <a:solidFill>
+                  <a:srgbClr val="FF0000"/>
+                </a:solidFill>
+              </a:rPr>
+              <a:t>počítače</a:t>
+            </a:r>
+            <a:r>
+              <a:rPr lang="en-US" b="1" dirty="0">
+                <a:solidFill>
+                  <a:srgbClr val="FF0000"/>
+                </a:solidFill>
+              </a:rPr>
+              <a:t> -&gt; </a:t>
+            </a:r>
+            <a:r>
+              <a:rPr lang="en-US" b="1" dirty="0" err="1">
+                <a:solidFill>
+                  <a:srgbClr val="FF0000"/>
+                </a:solidFill>
+              </a:rPr>
+              <a:t>doporucuju</a:t>
+            </a:r>
+            <a:r>
+              <a:rPr lang="en-US" b="1" dirty="0">
+                <a:solidFill>
+                  <a:srgbClr val="FF0000"/>
+                </a:solidFill>
+              </a:rPr>
+              <a:t> </a:t>
+            </a:r>
+            <a:r>
+              <a:rPr lang="en-US" b="1" dirty="0" err="1">
+                <a:solidFill>
+                  <a:srgbClr val="FF0000"/>
+                </a:solidFill>
+              </a:rPr>
+              <a:t>si</a:t>
+            </a:r>
+            <a:r>
+              <a:rPr lang="en-US" b="1" dirty="0">
+                <a:solidFill>
+                  <a:srgbClr val="FF0000"/>
+                </a:solidFill>
+              </a:rPr>
+              <a:t> </a:t>
+            </a:r>
+            <a:r>
+              <a:rPr lang="en-US" b="1" dirty="0" err="1">
+                <a:solidFill>
+                  <a:srgbClr val="FF0000"/>
+                </a:solidFill>
+              </a:rPr>
+              <a:t>napsat</a:t>
+            </a:r>
+            <a:r>
+              <a:rPr lang="en-US" b="1" dirty="0">
+                <a:solidFill>
+                  <a:srgbClr val="FF0000"/>
+                </a:solidFill>
+              </a:rPr>
+              <a:t> extension static </a:t>
+            </a:r>
+            <a:r>
+              <a:rPr lang="en-US" b="1" dirty="0" err="1">
+                <a:solidFill>
+                  <a:srgbClr val="FF0000"/>
+                </a:solidFill>
+              </a:rPr>
+              <a:t>metody</a:t>
+            </a:r>
+            <a:r>
+              <a:rPr lang="en-US" b="1" dirty="0">
+                <a:solidFill>
+                  <a:srgbClr val="FF0000"/>
+                </a:solidFill>
+              </a:rPr>
+              <a:t> </a:t>
+            </a:r>
+            <a:r>
+              <a:rPr lang="en-US" b="1" dirty="0" err="1">
+                <a:solidFill>
+                  <a:srgbClr val="FF0000"/>
+                </a:solidFill>
+              </a:rPr>
+              <a:t>MoneyToString</a:t>
+            </a:r>
+            <a:r>
+              <a:rPr lang="en-US" b="1" dirty="0">
+                <a:solidFill>
+                  <a:srgbClr val="FF0000"/>
+                </a:solidFill>
+              </a:rPr>
+              <a:t>() </a:t>
+            </a:r>
+            <a:r>
+              <a:rPr lang="en-US" b="1" dirty="0" err="1">
+                <a:solidFill>
+                  <a:srgbClr val="FF0000"/>
+                </a:solidFill>
+              </a:rPr>
+              <a:t>apod</a:t>
+            </a:r>
+            <a:r>
+              <a:rPr lang="en-US" b="1" dirty="0">
+                <a:solidFill>
+                  <a:srgbClr val="FF0000"/>
+                </a:solidFill>
+              </a:rPr>
+              <a:t>. </a:t>
+            </a:r>
+            <a:r>
+              <a:rPr lang="en-US" b="1" dirty="0" err="1">
+                <a:solidFill>
+                  <a:srgbClr val="FF0000"/>
+                </a:solidFill>
+              </a:rPr>
+              <a:t>viz</a:t>
+            </a:r>
+            <a:r>
+              <a:rPr lang="en-US" b="1" dirty="0">
+                <a:solidFill>
+                  <a:srgbClr val="FF0000"/>
+                </a:solidFill>
+              </a:rPr>
+              <a:t> </a:t>
+            </a:r>
+            <a:r>
+              <a:rPr lang="en-US" b="1" dirty="0" err="1">
+                <a:solidFill>
+                  <a:srgbClr val="FF0000"/>
+                </a:solidFill>
+              </a:rPr>
+              <a:t>priklad</a:t>
+            </a:r>
+            <a:r>
+              <a:rPr lang="en-US" b="1" dirty="0">
+                <a:solidFill>
+                  <a:srgbClr val="FF0000"/>
+                </a:solidFill>
+              </a:rPr>
+              <a:t> </a:t>
+            </a:r>
+            <a:r>
+              <a:rPr lang="en-US" b="1" dirty="0" err="1">
+                <a:solidFill>
+                  <a:srgbClr val="FF0000"/>
+                </a:solidFill>
+              </a:rPr>
+              <a:t>TestToStringCulture.cs</a:t>
+            </a:r>
+            <a:endParaRPr lang="cs-CZ" b="1" dirty="0">
+              <a:solidFill>
+                <a:srgbClr val="FF0000"/>
+              </a:solidFill>
+            </a:endParaRPr>
           </a:p>
           <a:p>
             <a:pPr fontAlgn="base"/>
-            <a:r>
-              <a:rPr lang="en-US" dirty="0" err="1" smtClean="0"/>
-              <a:t>pouzivat</a:t>
-            </a:r>
-            <a:r>
-              <a:rPr lang="en-US" dirty="0" smtClean="0"/>
-              <a:t> </a:t>
-            </a:r>
-            <a:r>
-              <a:rPr lang="en-US" dirty="0" err="1"/>
-              <a:t>misto</a:t>
-            </a:r>
-            <a:r>
-              <a:rPr lang="en-US" dirty="0"/>
-              <a:t> </a:t>
-            </a:r>
-            <a:r>
-              <a:rPr lang="en-US" dirty="0" err="1"/>
-              <a:t>ICollection</a:t>
-            </a:r>
-            <a:r>
-              <a:rPr lang="en-US" dirty="0"/>
-              <a:t> </a:t>
-            </a:r>
-            <a:r>
-              <a:rPr lang="en-US" dirty="0" err="1"/>
-              <a:t>nebo</a:t>
-            </a:r>
-            <a:r>
-              <a:rPr lang="en-US" dirty="0"/>
-              <a:t> </a:t>
-            </a:r>
-            <a:r>
-              <a:rPr lang="en-US" dirty="0" err="1"/>
-              <a:t>IList</a:t>
-            </a:r>
-            <a:r>
-              <a:rPr lang="en-US" dirty="0"/>
-              <a:t> </a:t>
-            </a:r>
-            <a:r>
-              <a:rPr lang="cs-CZ" b="1" dirty="0" smtClean="0"/>
-              <a:t>IE</a:t>
-            </a:r>
-            <a:r>
-              <a:rPr lang="en-US" b="1" dirty="0" smtClean="0"/>
-              <a:t>numerable</a:t>
-            </a:r>
-            <a:r>
-              <a:rPr lang="cs-CZ" b="1" dirty="0" smtClean="0"/>
-              <a:t>&lt;&gt;</a:t>
-            </a:r>
-          </a:p>
-          <a:p>
-            <a:pPr fontAlgn="base"/>
-            <a:r>
-              <a:rPr lang="cs-CZ" dirty="0" smtClean="0"/>
-              <a:t>Místo mapy je </a:t>
-            </a:r>
-            <a:r>
-              <a:rPr lang="cs-CZ" dirty="0" err="1" smtClean="0"/>
-              <a:t>IDictionary</a:t>
-            </a:r>
-            <a:r>
-              <a:rPr lang="cs-CZ" dirty="0" smtClean="0"/>
-              <a:t>&lt;,&gt;</a:t>
-            </a:r>
-          </a:p>
-          <a:p>
-            <a:pPr fontAlgn="base"/>
-            <a:r>
-              <a:rPr lang="cs-CZ" dirty="0" smtClean="0"/>
-              <a:t>Do kolekce lze </a:t>
-            </a:r>
-            <a:r>
-              <a:rPr lang="cs-CZ" dirty="0" err="1" smtClean="0"/>
-              <a:t>vkladat</a:t>
-            </a:r>
-            <a:r>
-              <a:rPr lang="cs-CZ" dirty="0" smtClean="0"/>
-              <a:t> </a:t>
-            </a:r>
-            <a:r>
-              <a:rPr lang="cs-CZ" dirty="0" err="1" smtClean="0"/>
-              <a:t>struct</a:t>
-            </a:r>
-            <a:r>
-              <a:rPr lang="cs-CZ" dirty="0" smtClean="0"/>
-              <a:t> tzn. </a:t>
-            </a:r>
-            <a:r>
-              <a:rPr lang="cs-CZ" dirty="0" err="1" smtClean="0"/>
-              <a:t>int</a:t>
-            </a:r>
-            <a:r>
-              <a:rPr lang="cs-CZ" dirty="0" smtClean="0"/>
-              <a:t> apod.</a:t>
-            </a:r>
-          </a:p>
-          <a:p>
-            <a:pPr fontAlgn="base"/>
-            <a:r>
-              <a:rPr lang="cs-CZ" dirty="0" smtClean="0"/>
-              <a:t>Lze použít </a:t>
-            </a:r>
-            <a:r>
-              <a:rPr lang="cs-CZ" dirty="0" err="1" smtClean="0"/>
-              <a:t>instanceof</a:t>
-            </a:r>
-            <a:r>
-              <a:rPr lang="cs-CZ" dirty="0" smtClean="0"/>
-              <a:t> T</a:t>
-            </a:r>
-          </a:p>
-          <a:p>
-            <a:pPr fontAlgn="base"/>
+            <a:endParaRPr lang="en-US" dirty="0"/>
+          </a:p>
+          <a:p>
+            <a:pPr marL="0" indent="0" fontAlgn="base">
+              <a:buNone/>
+            </a:pPr>
             <a:endParaRPr lang="en-US" dirty="0"/>
           </a:p>
           <a:p>
@@ -7931,7 +7995,7 @@
     </p:custDataLst>
     <p:extLst>
       <p:ext uri="{BB962C8B-B14F-4D97-AF65-F5344CB8AC3E}">
-        <p14:creationId xmlns:p14="http://schemas.microsoft.com/office/powerpoint/2010/main" val="2224911890"/>
+        <p14:creationId xmlns:p14="http://schemas.microsoft.com/office/powerpoint/2010/main" val="375692060"/>
       </p:ext>
     </p:extLst>
   </p:cSld>
@@ -7987,6 +8051,272 @@
           <a:lstStyle/>
           <a:p>
             <a:r>
+              <a:rPr lang="cs-CZ" dirty="0" smtClean="0"/>
+              <a:t>Kolekce</a:t>
+            </a:r>
+            <a:endParaRPr lang="en-US" dirty="0"/>
+          </a:p>
+        </p:txBody>
+      </p:sp>
+      <p:sp>
+        <p:nvSpPr>
+          <p:cNvPr id="5" name="Content Placeholder 4"/>
+          <p:cNvSpPr>
+            <a:spLocks noGrp="1"/>
+          </p:cNvSpPr>
+          <p:nvPr>
+            <p:ph idx="1"/>
+            <p:custDataLst>
+              <p:tags r:id="rId3"/>
+            </p:custDataLst>
+          </p:nvPr>
+        </p:nvSpPr>
+        <p:spPr/>
+        <p:txBody>
+          <a:bodyPr>
+            <a:normAutofit lnSpcReduction="10000"/>
+          </a:bodyPr>
+          <a:lstStyle/>
+          <a:p>
+            <a:pPr fontAlgn="base"/>
+            <a:r>
+              <a:rPr lang="cs-CZ" dirty="0" smtClean="0"/>
+              <a:t>K</a:t>
+            </a:r>
+            <a:r>
+              <a:rPr lang="en-US" dirty="0" err="1" smtClean="0"/>
+              <a:t>olekce</a:t>
+            </a:r>
+            <a:r>
+              <a:rPr lang="en-US" dirty="0" smtClean="0"/>
+              <a:t> z</a:t>
+            </a:r>
+            <a:r>
+              <a:rPr lang="cs-CZ" dirty="0" smtClean="0"/>
+              <a:t>e</a:t>
+            </a:r>
+            <a:r>
+              <a:rPr lang="en-US" dirty="0" smtClean="0"/>
+              <a:t> </a:t>
+            </a:r>
+            <a:r>
+              <a:rPr lang="en-US" dirty="0" err="1"/>
+              <a:t>dvou</a:t>
+            </a:r>
+            <a:r>
+              <a:rPr lang="en-US" dirty="0"/>
+              <a:t> namespace </a:t>
+            </a:r>
+            <a:r>
+              <a:rPr lang="en-US" b="1" dirty="0" err="1"/>
+              <a:t>System.Collections</a:t>
+            </a:r>
+            <a:r>
+              <a:rPr lang="en-US" dirty="0"/>
+              <a:t> a </a:t>
+            </a:r>
+            <a:r>
+              <a:rPr lang="en-US" b="1" dirty="0" err="1"/>
+              <a:t>System.Collections.Generic</a:t>
+            </a:r>
+            <a:r>
+              <a:rPr lang="en-US" dirty="0"/>
+              <a:t> </a:t>
+            </a:r>
+            <a:endParaRPr lang="cs-CZ" dirty="0" smtClean="0"/>
+          </a:p>
+          <a:p>
+            <a:pPr fontAlgn="base"/>
+            <a:r>
+              <a:rPr lang="en-US" dirty="0" err="1" smtClean="0"/>
+              <a:t>pouzivat</a:t>
+            </a:r>
+            <a:r>
+              <a:rPr lang="en-US" dirty="0" smtClean="0"/>
+              <a:t> </a:t>
+            </a:r>
+            <a:r>
+              <a:rPr lang="en-US" dirty="0" err="1"/>
+              <a:t>misto</a:t>
+            </a:r>
+            <a:r>
+              <a:rPr lang="en-US" dirty="0"/>
+              <a:t> </a:t>
+            </a:r>
+            <a:r>
+              <a:rPr lang="en-US" dirty="0" err="1"/>
+              <a:t>ICollection</a:t>
+            </a:r>
+            <a:r>
+              <a:rPr lang="en-US" dirty="0"/>
+              <a:t> </a:t>
+            </a:r>
+            <a:r>
+              <a:rPr lang="en-US" dirty="0" err="1"/>
+              <a:t>nebo</a:t>
+            </a:r>
+            <a:r>
+              <a:rPr lang="en-US" dirty="0"/>
+              <a:t> </a:t>
+            </a:r>
+            <a:r>
+              <a:rPr lang="en-US" dirty="0" err="1"/>
+              <a:t>IList</a:t>
+            </a:r>
+            <a:r>
+              <a:rPr lang="en-US" dirty="0"/>
+              <a:t> </a:t>
+            </a:r>
+            <a:r>
+              <a:rPr lang="cs-CZ" b="1" dirty="0" smtClean="0"/>
+              <a:t>IE</a:t>
+            </a:r>
+            <a:r>
+              <a:rPr lang="en-US" b="1" dirty="0" smtClean="0"/>
+              <a:t>numerable</a:t>
+            </a:r>
+            <a:r>
+              <a:rPr lang="cs-CZ" b="1" dirty="0" smtClean="0"/>
+              <a:t>&lt;&gt;</a:t>
+            </a:r>
+          </a:p>
+          <a:p>
+            <a:pPr fontAlgn="base"/>
+            <a:r>
+              <a:rPr lang="cs-CZ" dirty="0" smtClean="0"/>
+              <a:t>Místo mapy je </a:t>
+            </a:r>
+            <a:r>
+              <a:rPr lang="cs-CZ" dirty="0" err="1" smtClean="0"/>
+              <a:t>IDictionary</a:t>
+            </a:r>
+            <a:r>
+              <a:rPr lang="cs-CZ" dirty="0" smtClean="0"/>
+              <a:t>&lt;,&gt;</a:t>
+            </a:r>
+          </a:p>
+          <a:p>
+            <a:pPr fontAlgn="base"/>
+            <a:r>
+              <a:rPr lang="cs-CZ" dirty="0" smtClean="0"/>
+              <a:t>Do kolekce lze </a:t>
+            </a:r>
+            <a:r>
+              <a:rPr lang="cs-CZ" dirty="0" err="1" smtClean="0"/>
+              <a:t>vkladat</a:t>
+            </a:r>
+            <a:r>
+              <a:rPr lang="cs-CZ" dirty="0" smtClean="0"/>
+              <a:t> </a:t>
+            </a:r>
+            <a:r>
+              <a:rPr lang="cs-CZ" dirty="0" err="1" smtClean="0"/>
+              <a:t>struct</a:t>
+            </a:r>
+            <a:r>
+              <a:rPr lang="cs-CZ" dirty="0" smtClean="0"/>
+              <a:t> tzn. </a:t>
+            </a:r>
+            <a:r>
+              <a:rPr lang="cs-CZ" dirty="0" err="1" smtClean="0"/>
+              <a:t>int</a:t>
+            </a:r>
+            <a:r>
+              <a:rPr lang="cs-CZ" dirty="0" smtClean="0"/>
+              <a:t> apod.</a:t>
+            </a:r>
+          </a:p>
+          <a:p>
+            <a:pPr fontAlgn="base"/>
+            <a:r>
+              <a:rPr lang="cs-CZ" dirty="0" smtClean="0"/>
+              <a:t>Lze použít </a:t>
+            </a:r>
+            <a:r>
+              <a:rPr lang="cs-CZ" dirty="0" err="1" smtClean="0"/>
+              <a:t>instanceof</a:t>
+            </a:r>
+            <a:r>
+              <a:rPr lang="cs-CZ" dirty="0" smtClean="0"/>
+              <a:t> T</a:t>
+            </a:r>
+          </a:p>
+          <a:p>
+            <a:pPr fontAlgn="base"/>
+            <a:endParaRPr lang="en-US" dirty="0"/>
+          </a:p>
+          <a:p>
+            <a:pPr fontAlgn="base"/>
+            <a:endParaRPr lang="pt-BR" dirty="0"/>
+          </a:p>
+          <a:p>
+            <a:pPr fontAlgn="base"/>
+            <a:endParaRPr lang="en-US" dirty="0"/>
+          </a:p>
+        </p:txBody>
+      </p:sp>
+    </p:spTree>
+    <p:custDataLst>
+      <p:tags r:id="rId1"/>
+    </p:custDataLst>
+    <p:extLst>
+      <p:ext uri="{BB962C8B-B14F-4D97-AF65-F5344CB8AC3E}">
+        <p14:creationId xmlns:p14="http://schemas.microsoft.com/office/powerpoint/2010/main" val="2224911890"/>
+      </p:ext>
+    </p:extLst>
+  </p:cSld>
+  <p:clrMapOvr>
+    <a:masterClrMapping/>
+  </p:clrMapOvr>
+  <p:transition spd="slow">
+    <p:wipe dir="d"/>
+  </p:transition>
+  <p:timing>
+    <p:tnLst>
+      <p:par>
+        <p:cTn id="1" dur="indefinite" restart="never" nodeType="tmRoot"/>
+      </p:par>
+    </p:tnLst>
+  </p:timing>
+</p:sld>
+</file>
+
+<file path=ppt/slides/slide16.xml><?xml version="1.0" encoding="utf-8"?>
+<p:sld xmlns:a="http://schemas.openxmlformats.org/drawingml/2006/main" xmlns:r="http://schemas.openxmlformats.org/officeDocument/2006/relationships" xmlns:p="http://schemas.openxmlformats.org/presentationml/2006/main">
+  <p:cSld>
+    <p:spTree>
+      <p:nvGrpSpPr>
+        <p:cNvPr id="1" name=""/>
+        <p:cNvGrpSpPr/>
+        <p:nvPr/>
+      </p:nvGrpSpPr>
+      <p:grpSpPr>
+        <a:xfrm>
+          <a:off x="0" y="0"/>
+          <a:ext cx="0" cy="0"/>
+          <a:chOff x="0" y="0"/>
+          <a:chExt cx="0" cy="0"/>
+        </a:xfrm>
+      </p:grpSpPr>
+      <p:sp>
+        <p:nvSpPr>
+          <p:cNvPr id="2" name="Title 1"/>
+          <p:cNvSpPr>
+            <a:spLocks noGrp="1"/>
+          </p:cNvSpPr>
+          <p:nvPr>
+            <p:ph type="title"/>
+            <p:custDataLst>
+              <p:tags r:id="rId2"/>
+            </p:custDataLst>
+          </p:nvPr>
+        </p:nvSpPr>
+        <p:spPr/>
+        <p:txBody>
+          <a:bodyPr/>
+          <a:lstStyle/>
+          <a:p>
+            <a:r>
               <a:rPr lang="cs-CZ" dirty="0"/>
               <a:t>Komunita</a:t>
             </a:r>
@@ -8096,7 +8426,7 @@
 </p:sld>
 </file>
 
-<file path=ppt/slides/slide16.xml><?xml version="1.0" encoding="utf-8"?>
+<file path=ppt/slides/slide17.xml><?xml version="1.0" encoding="utf-8"?>
 <p:sld xmlns:a="http://schemas.openxmlformats.org/drawingml/2006/main" xmlns:r="http://schemas.openxmlformats.org/officeDocument/2006/relationships" xmlns:p="http://schemas.openxmlformats.org/presentationml/2006/main">
   <p:cSld>
     <p:spTree>
@@ -10974,19 +11304,37 @@
 
 <file path=ppt/tags/tag46.xml><?xml version="1.0" encoding="utf-8"?>
 <p:tagLst xmlns:a="http://schemas.openxmlformats.org/drawingml/2006/main" xmlns:r="http://schemas.openxmlformats.org/officeDocument/2006/relationships" xmlns:p="http://schemas.openxmlformats.org/presentationml/2006/main">
-  <p:tag name="DVSECTIONID" val="ezdaKHeWyBnZyZ2cDqRSoa"/>
+  <p:tag name="DVSECTIONID" val="QUq8QELArFIgadhH063fpq"/>
 </p:tagLst>
 </file>
 
 <file path=ppt/tags/tag47.xml><?xml version="1.0" encoding="utf-8"?>
 <p:tagLst xmlns:a="http://schemas.openxmlformats.org/drawingml/2006/main" xmlns:r="http://schemas.openxmlformats.org/officeDocument/2006/relationships" xmlns:p="http://schemas.openxmlformats.org/presentationml/2006/main">
-  <p:tag name="DVSHAPEID" val="LRMR96J2MVd0CGe2e5htjk"/>
+  <p:tag name="DVSHAPEID" val="InkrlxYPS4jAzciXk8ToAM"/>
+</p:tagLst>
+</file>
+
+<file path=ppt/tags/tag48.xml><?xml version="1.0" encoding="utf-8"?>
+<p:tagLst xmlns:a="http://schemas.openxmlformats.org/drawingml/2006/main" xmlns:r="http://schemas.openxmlformats.org/officeDocument/2006/relationships" xmlns:p="http://schemas.openxmlformats.org/presentationml/2006/main">
+  <p:tag name="DVSHAPEID" val="retnMj4SFfqbVIhVK0Rf83"/>
+</p:tagLst>
+</file>
+
+<file path=ppt/tags/tag49.xml><?xml version="1.0" encoding="utf-8"?>
+<p:tagLst xmlns:a="http://schemas.openxmlformats.org/drawingml/2006/main" xmlns:r="http://schemas.openxmlformats.org/officeDocument/2006/relationships" xmlns:p="http://schemas.openxmlformats.org/presentationml/2006/main">
+  <p:tag name="DVSECTIONID" val="ezdaKHeWyBnZyZ2cDqRSoa"/>
 </p:tagLst>
 </file>
 
 <file path=ppt/tags/tag5.xml><?xml version="1.0" encoding="utf-8"?>
 <p:tagLst xmlns:a="http://schemas.openxmlformats.org/drawingml/2006/main" xmlns:r="http://schemas.openxmlformats.org/officeDocument/2006/relationships" xmlns:p="http://schemas.openxmlformats.org/presentationml/2006/main">
   <p:tag name="DVSHAPEID" val="InkrlxYPS4jAzciXk8ToAM"/>
+</p:tagLst>
+</file>
+
+<file path=ppt/tags/tag50.xml><?xml version="1.0" encoding="utf-8"?>
+<p:tagLst xmlns:a="http://schemas.openxmlformats.org/drawingml/2006/main" xmlns:r="http://schemas.openxmlformats.org/officeDocument/2006/relationships" xmlns:p="http://schemas.openxmlformats.org/presentationml/2006/main">
+  <p:tag name="DVSHAPEID" val="LRMR96J2MVd0CGe2e5htjk"/>
 </p:tagLst>
 </file>
 

--- a/prezentace.pptx
+++ b/prezentace.pptx
@@ -5,10 +5,10 @@
     <p:sldMasterId id="2147483648" r:id="rId1"/>
   </p:sldMasterIdLst>
   <p:notesMasterIdLst>
-    <p:notesMasterId r:id="rId19"/>
+    <p:notesMasterId r:id="rId23"/>
   </p:notesMasterIdLst>
   <p:handoutMasterIdLst>
-    <p:handoutMasterId r:id="rId20"/>
+    <p:handoutMasterId r:id="rId24"/>
   </p:handoutMasterIdLst>
   <p:sldIdLst>
     <p:sldId id="259" r:id="rId2"/>
@@ -23,11 +23,15 @@
     <p:sldId id="289" r:id="rId11"/>
     <p:sldId id="290" r:id="rId12"/>
     <p:sldId id="291" r:id="rId13"/>
-    <p:sldId id="281" r:id="rId14"/>
-    <p:sldId id="282" r:id="rId15"/>
-    <p:sldId id="283" r:id="rId16"/>
-    <p:sldId id="280" r:id="rId17"/>
-    <p:sldId id="277" r:id="rId18"/>
+    <p:sldId id="292" r:id="rId14"/>
+    <p:sldId id="293" r:id="rId15"/>
+    <p:sldId id="294" r:id="rId16"/>
+    <p:sldId id="295" r:id="rId17"/>
+    <p:sldId id="281" r:id="rId18"/>
+    <p:sldId id="282" r:id="rId19"/>
+    <p:sldId id="283" r:id="rId20"/>
+    <p:sldId id="280" r:id="rId21"/>
+    <p:sldId id="277" r:id="rId22"/>
   </p:sldIdLst>
   <p:sldSz cx="9144000" cy="6858000" type="screen4x3"/>
   <p:notesSz cx="6858000" cy="9144000"/>
@@ -151,6 +155,10 @@
             <p14:sldId id="289"/>
             <p14:sldId id="290"/>
             <p14:sldId id="291"/>
+            <p14:sldId id="292"/>
+            <p14:sldId id="293"/>
+            <p14:sldId id="294"/>
+            <p14:sldId id="295"/>
           </p14:sldIdLst>
         </p14:section>
         <p14:section name=".NET core Knihovny" id="{A90CCB4D-62F7-45B2-8BD4-70C86AD1CB5C}">
@@ -259,7 +267,7 @@
             <a:fld id="{D83FDC75-7F73-4A4A-A77C-09AADF00E0EA}" type="datetimeFigureOut">
               <a:rPr lang="en-US" smtClean="0"/>
               <a:pPr/>
-              <a:t>5/30/2012</a:t>
+              <a:t>5/31/2012</a:t>
             </a:fld>
             <a:endParaRPr lang="en-US" dirty="0"/>
           </a:p>
@@ -426,7 +434,7 @@
             <a:fld id="{48AEF76B-3757-4A0B-AF93-28494465C1DD}" type="datetimeFigureOut">
               <a:rPr lang="en-US" smtClean="0"/>
               <a:pPr/>
-              <a:t>5/30/2012</a:t>
+              <a:t>5/31/2012</a:t>
             </a:fld>
             <a:endParaRPr lang="en-US" dirty="0"/>
           </a:p>
@@ -1824,128 +1832,345 @@
       </p:grpSpPr>
       <p:sp>
         <p:nvSpPr>
-          <p:cNvPr id="41986" name="Rectangle 23"/>
-          <p:cNvSpPr>
-            <a:spLocks noGrp="1" noChangeArrowheads="1"/>
-          </p:cNvSpPr>
-          <p:nvPr>
-            <p:ph type="hdr" sz="quarter"/>
-          </p:nvPr>
-        </p:nvSpPr>
-        <p:spPr>
-          <a:noFill/>
-        </p:spPr>
+          <p:cNvPr id="2" name="Slide Image Placeholder 1"/>
+          <p:cNvSpPr>
+            <a:spLocks noGrp="1" noRot="1" noChangeAspect="1"/>
+          </p:cNvSpPr>
+          <p:nvPr>
+            <p:ph type="sldImg"/>
+          </p:nvPr>
+        </p:nvSpPr>
+        <p:spPr/>
+      </p:sp>
+      <p:sp>
+        <p:nvSpPr>
+          <p:cNvPr id="3" name="Notes Placeholder 2"/>
+          <p:cNvSpPr>
+            <a:spLocks noGrp="1"/>
+          </p:cNvSpPr>
+          <p:nvPr>
+            <p:ph type="body" idx="1"/>
+          </p:nvPr>
+        </p:nvSpPr>
+        <p:spPr/>
+        <p:txBody>
+          <a:bodyPr>
+            <a:normAutofit/>
+          </a:bodyPr>
+          <a:lstStyle/>
+          <a:p>
+            <a:pPr>
+              <a:lnSpc>
+                <a:spcPct val="80000"/>
+              </a:lnSpc>
+            </a:pPr>
+            <a:r>
+              <a:rPr lang="en-US" dirty="0" smtClean="0"/>
+              <a:t>Give a brief overview of the presentation.</a:t>
+            </a:r>
+            <a:r>
+              <a:rPr lang="en-US" baseline="0" dirty="0" smtClean="0"/>
+              <a:t> D</a:t>
+            </a:r>
+            <a:r>
+              <a:rPr lang="en-US" dirty="0" smtClean="0"/>
+              <a:t>escribe the major focus of the presentation and why it is important.</a:t>
+            </a:r>
+          </a:p>
+          <a:p>
+            <a:pPr>
+              <a:lnSpc>
+                <a:spcPct val="80000"/>
+              </a:lnSpc>
+            </a:pPr>
+            <a:r>
+              <a:rPr lang="en-US" dirty="0" smtClean="0"/>
+              <a:t>Introduce each of the major topics.</a:t>
+            </a:r>
+          </a:p>
+          <a:p>
+            <a:r>
+              <a:rPr lang="en-US" dirty="0" smtClean="0"/>
+              <a:t>To provide a road map for the audience, you</a:t>
+            </a:r>
+            <a:r>
+              <a:rPr lang="en-US" baseline="0" dirty="0" smtClean="0"/>
+              <a:t> can </a:t>
+            </a:r>
+            <a:r>
+              <a:rPr lang="en-US" dirty="0" smtClean="0"/>
+              <a:t>repeat this Overview slide throughout the presentation, highlighting the particular topic you will discuss next.</a:t>
+            </a:r>
+          </a:p>
+        </p:txBody>
+      </p:sp>
+      <p:sp>
+        <p:nvSpPr>
+          <p:cNvPr id="4" name="Slide Number Placeholder 3"/>
+          <p:cNvSpPr>
+            <a:spLocks noGrp="1"/>
+          </p:cNvSpPr>
+          <p:nvPr>
+            <p:ph type="sldNum" sz="quarter" idx="10"/>
+          </p:nvPr>
+        </p:nvSpPr>
+        <p:spPr/>
         <p:txBody>
           <a:bodyPr/>
           <a:lstStyle/>
           <a:p>
-            <a:r>
-              <a:rPr lang="en-US" dirty="0" smtClean="0"/>
-              <a:t>Microsoft </a:t>
-            </a:r>
-            <a:r>
-              <a:rPr lang="en-US" b="1" dirty="0" smtClean="0"/>
-              <a:t>Engineering Excellence</a:t>
-            </a:r>
-            <a:endParaRPr lang="en-US" dirty="0" smtClean="0"/>
-          </a:p>
-        </p:txBody>
-      </p:sp>
-      <p:sp>
-        <p:nvSpPr>
-          <p:cNvPr id="41987" name="Rectangle 25"/>
-          <p:cNvSpPr>
-            <a:spLocks noGrp="1" noChangeArrowheads="1"/>
-          </p:cNvSpPr>
-          <p:nvPr>
-            <p:ph type="ftr" sz="quarter" idx="4"/>
-          </p:nvPr>
-        </p:nvSpPr>
-        <p:spPr>
-          <a:noFill/>
-        </p:spPr>
-        <p:txBody>
-          <a:bodyPr/>
-          <a:lstStyle/>
-          <a:p>
-            <a:r>
-              <a:rPr lang="en-US" dirty="0" smtClean="0"/>
-              <a:t>Microsoft Confidential</a:t>
-            </a:r>
-          </a:p>
-        </p:txBody>
-      </p:sp>
-      <p:sp>
-        <p:nvSpPr>
-          <p:cNvPr id="41988" name="Rectangle 26"/>
-          <p:cNvSpPr>
-            <a:spLocks noGrp="1" noChangeArrowheads="1"/>
-          </p:cNvSpPr>
-          <p:nvPr>
-            <p:ph type="sldNum" sz="quarter" idx="5"/>
-          </p:nvPr>
-        </p:nvSpPr>
-        <p:spPr>
-          <a:noFill/>
-        </p:spPr>
-        <p:txBody>
-          <a:bodyPr/>
-          <a:lstStyle/>
-          <a:p>
-            <a:fld id="{B2B44A5F-6CE4-493C-A0D7-6834FF76660C}" type="slidenum">
+            <a:fld id="{EC6EAC7D-5A89-47C2-8ABA-56C9C2DEF7A4}" type="slidenum">
               <a:rPr lang="en-US" smtClean="0"/>
               <a:pPr/>
               <a:t>17</a:t>
             </a:fld>
-            <a:endParaRPr lang="en-US" dirty="0" smtClean="0"/>
-          </a:p>
-        </p:txBody>
-      </p:sp>
-      <p:sp>
-        <p:nvSpPr>
-          <p:cNvPr id="41989" name="Rectangle 2"/>
-          <p:cNvSpPr>
-            <a:spLocks noGrp="1" noRot="1" noChangeAspect="1" noChangeArrowheads="1" noTextEdit="1"/>
+            <a:endParaRPr lang="en-US"/>
+          </a:p>
+        </p:txBody>
+      </p:sp>
+    </p:spTree>
+  </p:cSld>
+  <p:clrMapOvr>
+    <a:masterClrMapping/>
+  </p:clrMapOvr>
+</p:notes>
+</file>
+
+<file path=ppt/notesSlides/notesSlide18.xml><?xml version="1.0" encoding="utf-8"?>
+<p:notes xmlns:a="http://schemas.openxmlformats.org/drawingml/2006/main" xmlns:r="http://schemas.openxmlformats.org/officeDocument/2006/relationships" xmlns:p="http://schemas.openxmlformats.org/presentationml/2006/main">
+  <p:cSld>
+    <p:spTree>
+      <p:nvGrpSpPr>
+        <p:cNvPr id="1" name=""/>
+        <p:cNvGrpSpPr/>
+        <p:nvPr/>
+      </p:nvGrpSpPr>
+      <p:grpSpPr>
+        <a:xfrm>
+          <a:off x="0" y="0"/>
+          <a:ext cx="0" cy="0"/>
+          <a:chOff x="0" y="0"/>
+          <a:chExt cx="0" cy="0"/>
+        </a:xfrm>
+      </p:grpSpPr>
+      <p:sp>
+        <p:nvSpPr>
+          <p:cNvPr id="2" name="Slide Image Placeholder 1"/>
+          <p:cNvSpPr>
+            <a:spLocks noGrp="1" noRot="1" noChangeAspect="1"/>
           </p:cNvSpPr>
           <p:nvPr>
             <p:ph type="sldImg"/>
           </p:nvPr>
         </p:nvSpPr>
-        <p:spPr>
-          <a:xfrm>
-            <a:off x="1143000" y="450850"/>
-            <a:ext cx="4572000" cy="3429000"/>
-          </a:xfrm>
-          <a:ln/>
-        </p:spPr>
-      </p:sp>
-      <p:sp>
-        <p:nvSpPr>
-          <p:cNvPr id="41990" name="Rectangle 3"/>
-          <p:cNvSpPr>
-            <a:spLocks noGrp="1" noChangeArrowheads="1"/>
+        <p:spPr/>
+      </p:sp>
+      <p:sp>
+        <p:nvSpPr>
+          <p:cNvPr id="3" name="Notes Placeholder 2"/>
+          <p:cNvSpPr>
+            <a:spLocks noGrp="1"/>
           </p:cNvSpPr>
           <p:nvPr>
             <p:ph type="body" idx="1"/>
           </p:nvPr>
         </p:nvSpPr>
-        <p:spPr>
-          <a:xfrm>
-            <a:off x="307492" y="4130104"/>
-            <a:ext cx="6261652" cy="4554823"/>
-          </a:xfrm>
-          <a:noFill/>
-          <a:ln/>
-        </p:spPr>
+        <p:spPr/>
+        <p:txBody>
+          <a:bodyPr>
+            <a:normAutofit/>
+          </a:bodyPr>
+          <a:lstStyle/>
+          <a:p>
+            <a:pPr>
+              <a:lnSpc>
+                <a:spcPct val="80000"/>
+              </a:lnSpc>
+            </a:pPr>
+            <a:r>
+              <a:rPr lang="en-US" dirty="0" smtClean="0"/>
+              <a:t>Give a brief overview of the presentation.</a:t>
+            </a:r>
+            <a:r>
+              <a:rPr lang="en-US" baseline="0" dirty="0" smtClean="0"/>
+              <a:t> D</a:t>
+            </a:r>
+            <a:r>
+              <a:rPr lang="en-US" dirty="0" smtClean="0"/>
+              <a:t>escribe the major focus of the presentation and why it is important.</a:t>
+            </a:r>
+          </a:p>
+          <a:p>
+            <a:pPr>
+              <a:lnSpc>
+                <a:spcPct val="80000"/>
+              </a:lnSpc>
+            </a:pPr>
+            <a:r>
+              <a:rPr lang="en-US" dirty="0" smtClean="0"/>
+              <a:t>Introduce each of the major topics.</a:t>
+            </a:r>
+          </a:p>
+          <a:p>
+            <a:r>
+              <a:rPr lang="en-US" dirty="0" smtClean="0"/>
+              <a:t>To provide a road map for the audience, you</a:t>
+            </a:r>
+            <a:r>
+              <a:rPr lang="en-US" baseline="0" dirty="0" smtClean="0"/>
+              <a:t> can </a:t>
+            </a:r>
+            <a:r>
+              <a:rPr lang="en-US" dirty="0" smtClean="0"/>
+              <a:t>repeat this Overview slide throughout the presentation, highlighting the particular topic you will discuss next.</a:t>
+            </a:r>
+          </a:p>
+        </p:txBody>
+      </p:sp>
+      <p:sp>
+        <p:nvSpPr>
+          <p:cNvPr id="4" name="Slide Number Placeholder 3"/>
+          <p:cNvSpPr>
+            <a:spLocks noGrp="1"/>
+          </p:cNvSpPr>
+          <p:nvPr>
+            <p:ph type="sldNum" sz="quarter" idx="10"/>
+          </p:nvPr>
+        </p:nvSpPr>
+        <p:spPr/>
         <p:txBody>
           <a:bodyPr/>
           <a:lstStyle/>
           <a:p>
+            <a:fld id="{EC6EAC7D-5A89-47C2-8ABA-56C9C2DEF7A4}" type="slidenum">
+              <a:rPr lang="en-US" smtClean="0"/>
+              <a:pPr/>
+              <a:t>18</a:t>
+            </a:fld>
+            <a:endParaRPr lang="en-US"/>
+          </a:p>
+        </p:txBody>
+      </p:sp>
+    </p:spTree>
+  </p:cSld>
+  <p:clrMapOvr>
+    <a:masterClrMapping/>
+  </p:clrMapOvr>
+</p:notes>
+</file>
+
+<file path=ppt/notesSlides/notesSlide19.xml><?xml version="1.0" encoding="utf-8"?>
+<p:notes xmlns:a="http://schemas.openxmlformats.org/drawingml/2006/main" xmlns:r="http://schemas.openxmlformats.org/officeDocument/2006/relationships" xmlns:p="http://schemas.openxmlformats.org/presentationml/2006/main">
+  <p:cSld>
+    <p:spTree>
+      <p:nvGrpSpPr>
+        <p:cNvPr id="1" name=""/>
+        <p:cNvGrpSpPr/>
+        <p:nvPr/>
+      </p:nvGrpSpPr>
+      <p:grpSpPr>
+        <a:xfrm>
+          <a:off x="0" y="0"/>
+          <a:ext cx="0" cy="0"/>
+          <a:chOff x="0" y="0"/>
+          <a:chExt cx="0" cy="0"/>
+        </a:xfrm>
+      </p:grpSpPr>
+      <p:sp>
+        <p:nvSpPr>
+          <p:cNvPr id="2" name="Slide Image Placeholder 1"/>
+          <p:cNvSpPr>
+            <a:spLocks noGrp="1" noRot="1" noChangeAspect="1"/>
+          </p:cNvSpPr>
+          <p:nvPr>
+            <p:ph type="sldImg"/>
+          </p:nvPr>
+        </p:nvSpPr>
+        <p:spPr/>
+      </p:sp>
+      <p:sp>
+        <p:nvSpPr>
+          <p:cNvPr id="3" name="Notes Placeholder 2"/>
+          <p:cNvSpPr>
+            <a:spLocks noGrp="1"/>
+          </p:cNvSpPr>
+          <p:nvPr>
+            <p:ph type="body" idx="1"/>
+          </p:nvPr>
+        </p:nvSpPr>
+        <p:spPr/>
+        <p:txBody>
+          <a:bodyPr>
+            <a:normAutofit/>
+          </a:bodyPr>
+          <a:lstStyle/>
+          <a:p>
             <a:pPr>
-              <a:buFontTx/>
-              <a:buNone/>
+              <a:lnSpc>
+                <a:spcPct val="80000"/>
+              </a:lnSpc>
             </a:pPr>
-            <a:endParaRPr lang="en-US" dirty="0" smtClean="0"/>
+            <a:r>
+              <a:rPr lang="en-US" dirty="0" smtClean="0"/>
+              <a:t>Give a brief overview of the presentation.</a:t>
+            </a:r>
+            <a:r>
+              <a:rPr lang="en-US" baseline="0" dirty="0" smtClean="0"/>
+              <a:t> D</a:t>
+            </a:r>
+            <a:r>
+              <a:rPr lang="en-US" dirty="0" smtClean="0"/>
+              <a:t>escribe the major focus of the presentation and why it is important.</a:t>
+            </a:r>
+          </a:p>
+          <a:p>
+            <a:pPr>
+              <a:lnSpc>
+                <a:spcPct val="80000"/>
+              </a:lnSpc>
+            </a:pPr>
+            <a:r>
+              <a:rPr lang="en-US" dirty="0" smtClean="0"/>
+              <a:t>Introduce each of the major topics.</a:t>
+            </a:r>
+          </a:p>
+          <a:p>
+            <a:r>
+              <a:rPr lang="en-US" dirty="0" smtClean="0"/>
+              <a:t>To provide a road map for the audience, you</a:t>
+            </a:r>
+            <a:r>
+              <a:rPr lang="en-US" baseline="0" dirty="0" smtClean="0"/>
+              <a:t> can </a:t>
+            </a:r>
+            <a:r>
+              <a:rPr lang="en-US" dirty="0" smtClean="0"/>
+              <a:t>repeat this Overview slide throughout the presentation, highlighting the particular topic you will discuss next.</a:t>
+            </a:r>
+          </a:p>
+        </p:txBody>
+      </p:sp>
+      <p:sp>
+        <p:nvSpPr>
+          <p:cNvPr id="4" name="Slide Number Placeholder 3"/>
+          <p:cNvSpPr>
+            <a:spLocks noGrp="1"/>
+          </p:cNvSpPr>
+          <p:nvPr>
+            <p:ph type="sldNum" sz="quarter" idx="10"/>
+          </p:nvPr>
+        </p:nvSpPr>
+        <p:spPr/>
+        <p:txBody>
+          <a:bodyPr/>
+          <a:lstStyle/>
+          <a:p>
+            <a:fld id="{EC6EAC7D-5A89-47C2-8ABA-56C9C2DEF7A4}" type="slidenum">
+              <a:rPr lang="en-US" smtClean="0"/>
+              <a:pPr/>
+              <a:t>19</a:t>
+            </a:fld>
+            <a:endParaRPr lang="en-US"/>
           </a:p>
         </p:txBody>
       </p:sp>
@@ -2069,6 +2294,281 @@
               <a:t>2</a:t>
             </a:fld>
             <a:endParaRPr lang="en-US"/>
+          </a:p>
+        </p:txBody>
+      </p:sp>
+    </p:spTree>
+  </p:cSld>
+  <p:clrMapOvr>
+    <a:masterClrMapping/>
+  </p:clrMapOvr>
+</p:notes>
+</file>
+
+<file path=ppt/notesSlides/notesSlide20.xml><?xml version="1.0" encoding="utf-8"?>
+<p:notes xmlns:a="http://schemas.openxmlformats.org/drawingml/2006/main" xmlns:r="http://schemas.openxmlformats.org/officeDocument/2006/relationships" xmlns:p="http://schemas.openxmlformats.org/presentationml/2006/main">
+  <p:cSld>
+    <p:spTree>
+      <p:nvGrpSpPr>
+        <p:cNvPr id="1" name=""/>
+        <p:cNvGrpSpPr/>
+        <p:nvPr/>
+      </p:nvGrpSpPr>
+      <p:grpSpPr>
+        <a:xfrm>
+          <a:off x="0" y="0"/>
+          <a:ext cx="0" cy="0"/>
+          <a:chOff x="0" y="0"/>
+          <a:chExt cx="0" cy="0"/>
+        </a:xfrm>
+      </p:grpSpPr>
+      <p:sp>
+        <p:nvSpPr>
+          <p:cNvPr id="2" name="Slide Image Placeholder 1"/>
+          <p:cNvSpPr>
+            <a:spLocks noGrp="1" noRot="1" noChangeAspect="1"/>
+          </p:cNvSpPr>
+          <p:nvPr>
+            <p:ph type="sldImg"/>
+          </p:nvPr>
+        </p:nvSpPr>
+        <p:spPr/>
+      </p:sp>
+      <p:sp>
+        <p:nvSpPr>
+          <p:cNvPr id="3" name="Notes Placeholder 2"/>
+          <p:cNvSpPr>
+            <a:spLocks noGrp="1"/>
+          </p:cNvSpPr>
+          <p:nvPr>
+            <p:ph type="body" idx="1"/>
+          </p:nvPr>
+        </p:nvSpPr>
+        <p:spPr/>
+        <p:txBody>
+          <a:bodyPr>
+            <a:normAutofit/>
+          </a:bodyPr>
+          <a:lstStyle/>
+          <a:p>
+            <a:pPr>
+              <a:lnSpc>
+                <a:spcPct val="80000"/>
+              </a:lnSpc>
+            </a:pPr>
+            <a:r>
+              <a:rPr lang="en-US" dirty="0" smtClean="0"/>
+              <a:t>Give a brief overview of the presentation.</a:t>
+            </a:r>
+            <a:r>
+              <a:rPr lang="en-US" baseline="0" dirty="0" smtClean="0"/>
+              <a:t> D</a:t>
+            </a:r>
+            <a:r>
+              <a:rPr lang="en-US" dirty="0" smtClean="0"/>
+              <a:t>escribe the major focus of the presentation and why it is important.</a:t>
+            </a:r>
+          </a:p>
+          <a:p>
+            <a:pPr>
+              <a:lnSpc>
+                <a:spcPct val="80000"/>
+              </a:lnSpc>
+            </a:pPr>
+            <a:r>
+              <a:rPr lang="en-US" dirty="0" smtClean="0"/>
+              <a:t>Introduce each of the major topics.</a:t>
+            </a:r>
+          </a:p>
+          <a:p>
+            <a:r>
+              <a:rPr lang="en-US" dirty="0" smtClean="0"/>
+              <a:t>To provide a road map for the audience, you</a:t>
+            </a:r>
+            <a:r>
+              <a:rPr lang="en-US" baseline="0" dirty="0" smtClean="0"/>
+              <a:t> can </a:t>
+            </a:r>
+            <a:r>
+              <a:rPr lang="en-US" dirty="0" smtClean="0"/>
+              <a:t>repeat this Overview slide throughout the presentation, highlighting the particular topic you will discuss next.</a:t>
+            </a:r>
+          </a:p>
+        </p:txBody>
+      </p:sp>
+      <p:sp>
+        <p:nvSpPr>
+          <p:cNvPr id="4" name="Slide Number Placeholder 3"/>
+          <p:cNvSpPr>
+            <a:spLocks noGrp="1"/>
+          </p:cNvSpPr>
+          <p:nvPr>
+            <p:ph type="sldNum" sz="quarter" idx="10"/>
+          </p:nvPr>
+        </p:nvSpPr>
+        <p:spPr/>
+        <p:txBody>
+          <a:bodyPr/>
+          <a:lstStyle/>
+          <a:p>
+            <a:fld id="{EC6EAC7D-5A89-47C2-8ABA-56C9C2DEF7A4}" type="slidenum">
+              <a:rPr lang="en-US" smtClean="0"/>
+              <a:pPr/>
+              <a:t>20</a:t>
+            </a:fld>
+            <a:endParaRPr lang="en-US"/>
+          </a:p>
+        </p:txBody>
+      </p:sp>
+    </p:spTree>
+  </p:cSld>
+  <p:clrMapOvr>
+    <a:masterClrMapping/>
+  </p:clrMapOvr>
+</p:notes>
+</file>
+
+<file path=ppt/notesSlides/notesSlide21.xml><?xml version="1.0" encoding="utf-8"?>
+<p:notes xmlns:a="http://schemas.openxmlformats.org/drawingml/2006/main" xmlns:r="http://schemas.openxmlformats.org/officeDocument/2006/relationships" xmlns:p="http://schemas.openxmlformats.org/presentationml/2006/main">
+  <p:cSld>
+    <p:spTree>
+      <p:nvGrpSpPr>
+        <p:cNvPr id="1" name=""/>
+        <p:cNvGrpSpPr/>
+        <p:nvPr/>
+      </p:nvGrpSpPr>
+      <p:grpSpPr>
+        <a:xfrm>
+          <a:off x="0" y="0"/>
+          <a:ext cx="0" cy="0"/>
+          <a:chOff x="0" y="0"/>
+          <a:chExt cx="0" cy="0"/>
+        </a:xfrm>
+      </p:grpSpPr>
+      <p:sp>
+        <p:nvSpPr>
+          <p:cNvPr id="41986" name="Rectangle 23"/>
+          <p:cNvSpPr>
+            <a:spLocks noGrp="1" noChangeArrowheads="1"/>
+          </p:cNvSpPr>
+          <p:nvPr>
+            <p:ph type="hdr" sz="quarter"/>
+          </p:nvPr>
+        </p:nvSpPr>
+        <p:spPr>
+          <a:noFill/>
+        </p:spPr>
+        <p:txBody>
+          <a:bodyPr/>
+          <a:lstStyle/>
+          <a:p>
+            <a:r>
+              <a:rPr lang="en-US" dirty="0" smtClean="0"/>
+              <a:t>Microsoft </a:t>
+            </a:r>
+            <a:r>
+              <a:rPr lang="en-US" b="1" dirty="0" smtClean="0"/>
+              <a:t>Engineering Excellence</a:t>
+            </a:r>
+            <a:endParaRPr lang="en-US" dirty="0" smtClean="0"/>
+          </a:p>
+        </p:txBody>
+      </p:sp>
+      <p:sp>
+        <p:nvSpPr>
+          <p:cNvPr id="41987" name="Rectangle 25"/>
+          <p:cNvSpPr>
+            <a:spLocks noGrp="1" noChangeArrowheads="1"/>
+          </p:cNvSpPr>
+          <p:nvPr>
+            <p:ph type="ftr" sz="quarter" idx="4"/>
+          </p:nvPr>
+        </p:nvSpPr>
+        <p:spPr>
+          <a:noFill/>
+        </p:spPr>
+        <p:txBody>
+          <a:bodyPr/>
+          <a:lstStyle/>
+          <a:p>
+            <a:r>
+              <a:rPr lang="en-US" dirty="0" smtClean="0"/>
+              <a:t>Microsoft Confidential</a:t>
+            </a:r>
+          </a:p>
+        </p:txBody>
+      </p:sp>
+      <p:sp>
+        <p:nvSpPr>
+          <p:cNvPr id="41988" name="Rectangle 26"/>
+          <p:cNvSpPr>
+            <a:spLocks noGrp="1" noChangeArrowheads="1"/>
+          </p:cNvSpPr>
+          <p:nvPr>
+            <p:ph type="sldNum" sz="quarter" idx="5"/>
+          </p:nvPr>
+        </p:nvSpPr>
+        <p:spPr>
+          <a:noFill/>
+        </p:spPr>
+        <p:txBody>
+          <a:bodyPr/>
+          <a:lstStyle/>
+          <a:p>
+            <a:fld id="{B2B44A5F-6CE4-493C-A0D7-6834FF76660C}" type="slidenum">
+              <a:rPr lang="en-US" smtClean="0"/>
+              <a:pPr/>
+              <a:t>21</a:t>
+            </a:fld>
+            <a:endParaRPr lang="en-US" dirty="0" smtClean="0"/>
+          </a:p>
+        </p:txBody>
+      </p:sp>
+      <p:sp>
+        <p:nvSpPr>
+          <p:cNvPr id="41989" name="Rectangle 2"/>
+          <p:cNvSpPr>
+            <a:spLocks noGrp="1" noRot="1" noChangeAspect="1" noChangeArrowheads="1" noTextEdit="1"/>
+          </p:cNvSpPr>
+          <p:nvPr>
+            <p:ph type="sldImg"/>
+          </p:nvPr>
+        </p:nvSpPr>
+        <p:spPr>
+          <a:xfrm>
+            <a:off x="1143000" y="450850"/>
+            <a:ext cx="4572000" cy="3429000"/>
+          </a:xfrm>
+          <a:ln/>
+        </p:spPr>
+      </p:sp>
+      <p:sp>
+        <p:nvSpPr>
+          <p:cNvPr id="41990" name="Rectangle 3"/>
+          <p:cNvSpPr>
+            <a:spLocks noGrp="1" noChangeArrowheads="1"/>
+          </p:cNvSpPr>
+          <p:nvPr>
+            <p:ph type="body" idx="1"/>
+          </p:nvPr>
+        </p:nvSpPr>
+        <p:spPr>
+          <a:xfrm>
+            <a:off x="307492" y="4130104"/>
+            <a:ext cx="6261652" cy="4554823"/>
+          </a:xfrm>
+          <a:noFill/>
+          <a:ln/>
+        </p:spPr>
+        <p:txBody>
+          <a:bodyPr/>
+          <a:lstStyle/>
+          <a:p>
+            <a:pPr>
+              <a:buFontTx/>
+              <a:buNone/>
+            </a:pPr>
+            <a:endParaRPr lang="en-US" dirty="0" smtClean="0"/>
           </a:p>
         </p:txBody>
       </p:sp>
@@ -3409,7 +3909,7 @@
             <a:fld id="{757B281C-5159-4971-8228-52B9A72E9ED2}" type="datetimeFigureOut">
               <a:rPr lang="en-US" smtClean="0"/>
               <a:pPr/>
-              <a:t>5/30/2012</a:t>
+              <a:t>5/31/2012</a:t>
             </a:fld>
             <a:endParaRPr lang="en-US" dirty="0"/>
           </a:p>
@@ -3511,7 +4011,7 @@
             <a:fld id="{757B281C-5159-4971-8228-52B9A72E9ED2}" type="datetimeFigureOut">
               <a:rPr lang="en-US" smtClean="0"/>
               <a:pPr/>
-              <a:t>5/30/2012</a:t>
+              <a:t>5/31/2012</a:t>
             </a:fld>
             <a:endParaRPr lang="en-US" dirty="0"/>
           </a:p>
@@ -3647,7 +4147,7 @@
             <a:fld id="{757B281C-5159-4971-8228-52B9A72E9ED2}" type="datetimeFigureOut">
               <a:rPr lang="en-US" smtClean="0"/>
               <a:pPr/>
-              <a:t>5/30/2012</a:t>
+              <a:t>5/31/2012</a:t>
             </a:fld>
             <a:endParaRPr lang="en-US" dirty="0"/>
           </a:p>
@@ -3853,7 +4353,7 @@
             <a:fld id="{757B281C-5159-4971-8228-52B9A72E9ED2}" type="datetimeFigureOut">
               <a:rPr lang="en-US" smtClean="0"/>
               <a:pPr/>
-              <a:t>5/30/2012</a:t>
+              <a:t>5/31/2012</a:t>
             </a:fld>
             <a:endParaRPr lang="en-US" dirty="0"/>
           </a:p>
@@ -4252,7 +4752,7 @@
             <a:fld id="{757B281C-5159-4971-8228-52B9A72E9ED2}" type="datetimeFigureOut">
               <a:rPr lang="en-US" smtClean="0"/>
               <a:pPr/>
-              <a:t>5/30/2012</a:t>
+              <a:t>5/31/2012</a:t>
             </a:fld>
             <a:endParaRPr lang="en-US" dirty="0"/>
           </a:p>
@@ -4552,7 +5052,7 @@
             <a:fld id="{757B281C-5159-4971-8228-52B9A72E9ED2}" type="datetimeFigureOut">
               <a:rPr lang="en-US" smtClean="0"/>
               <a:pPr/>
-              <a:t>5/30/2012</a:t>
+              <a:t>5/31/2012</a:t>
             </a:fld>
             <a:endParaRPr lang="en-US" dirty="0"/>
           </a:p>
@@ -4981,7 +5481,7 @@
             <a:fld id="{757B281C-5159-4971-8228-52B9A72E9ED2}" type="datetimeFigureOut">
               <a:rPr lang="en-US" smtClean="0"/>
               <a:pPr/>
-              <a:t>5/30/2012</a:t>
+              <a:t>5/31/2012</a:t>
             </a:fld>
             <a:endParaRPr lang="en-US" dirty="0"/>
           </a:p>
@@ -5258,7 +5758,7 @@
             <a:fld id="{757B281C-5159-4971-8228-52B9A72E9ED2}" type="datetimeFigureOut">
               <a:rPr lang="en-US" smtClean="0"/>
               <a:pPr/>
-              <a:t>5/30/2012</a:t>
+              <a:t>5/31/2012</a:t>
             </a:fld>
             <a:endParaRPr lang="en-US" dirty="0"/>
           </a:p>
@@ -5522,7 +6022,7 @@
             <a:fld id="{757B281C-5159-4971-8228-52B9A72E9ED2}" type="datetimeFigureOut">
               <a:rPr lang="en-US" smtClean="0"/>
               <a:pPr/>
-              <a:t>5/30/2012</a:t>
+              <a:t>5/31/2012</a:t>
             </a:fld>
             <a:endParaRPr lang="en-US" dirty="0"/>
           </a:p>
@@ -5692,7 +6192,7 @@
             <a:fld id="{757B281C-5159-4971-8228-52B9A72E9ED2}" type="datetimeFigureOut">
               <a:rPr lang="en-US" smtClean="0"/>
               <a:pPr/>
-              <a:t>5/30/2012</a:t>
+              <a:t>5/31/2012</a:t>
             </a:fld>
             <a:endParaRPr lang="en-US" dirty="0"/>
           </a:p>
@@ -5872,7 +6372,7 @@
             <a:fld id="{757B281C-5159-4971-8228-52B9A72E9ED2}" type="datetimeFigureOut">
               <a:rPr lang="en-US" smtClean="0"/>
               <a:pPr/>
-              <a:t>5/30/2012</a:t>
+              <a:t>5/31/2012</a:t>
             </a:fld>
             <a:endParaRPr lang="en-US" dirty="0"/>
           </a:p>
@@ -6114,7 +6614,7 @@
             <a:fld id="{757B281C-5159-4971-8228-52B9A72E9ED2}" type="datetimeFigureOut">
               <a:rPr lang="en-US" smtClean="0"/>
               <a:pPr/>
-              <a:t>5/30/2012</a:t>
+              <a:t>5/31/2012</a:t>
             </a:fld>
             <a:endParaRPr lang="en-US" dirty="0"/>
           </a:p>
@@ -6928,7 +7428,7 @@
         <p:spPr/>
         <p:txBody>
           <a:bodyPr>
-            <a:normAutofit/>
+            <a:normAutofit fontScale="90000"/>
           </a:bodyPr>
           <a:lstStyle/>
           <a:p>
@@ -6947,6 +7447,14 @@
             <a:r>
               <a:rPr lang="en-US" dirty="0" err="1" smtClean="0"/>
               <a:t>rozhrani</a:t>
+            </a:r>
+            <a:r>
+              <a:rPr lang="cs-CZ" dirty="0" smtClean="0"/>
+              <a:t> + static </a:t>
+            </a:r>
+            <a:r>
+              <a:rPr lang="cs-CZ" dirty="0" err="1" smtClean="0"/>
+              <a:t>class</a:t>
             </a:r>
             <a:endParaRPr lang="en-US" dirty="0"/>
           </a:p>
@@ -7015,8 +7523,56 @@
               <a:t> </a:t>
             </a:r>
             <a:r>
-              <a:rPr lang="en-US" dirty="0" err="1"/>
+              <a:rPr lang="en-US" dirty="0" err="1" smtClean="0"/>
               <a:t>rozhrani</a:t>
+            </a:r>
+            <a:endParaRPr lang="cs-CZ" dirty="0" smtClean="0"/>
+          </a:p>
+          <a:p>
+            <a:pPr marL="514350" indent="-457200" fontAlgn="base"/>
+            <a:endParaRPr lang="cs-CZ" b="1" dirty="0" smtClean="0"/>
+          </a:p>
+          <a:p>
+            <a:pPr marL="514350" indent="-457200" fontAlgn="base"/>
+            <a:r>
+              <a:rPr lang="cs-CZ" b="1" dirty="0" smtClean="0"/>
+              <a:t>static </a:t>
+            </a:r>
+            <a:r>
+              <a:rPr lang="cs-CZ" b="1" dirty="0" err="1" smtClean="0"/>
+              <a:t>class</a:t>
+            </a:r>
+            <a:r>
+              <a:rPr lang="cs-CZ" b="1" dirty="0" smtClean="0"/>
+              <a:t> </a:t>
+            </a:r>
+            <a:r>
+              <a:rPr lang="cs-CZ" dirty="0" smtClean="0">
+                <a:solidFill>
+                  <a:srgbClr val="C00000"/>
+                </a:solidFill>
+              </a:rPr>
+              <a:t>není to samé co v </a:t>
+            </a:r>
+            <a:r>
+              <a:rPr lang="cs-CZ" dirty="0" err="1" smtClean="0">
+                <a:solidFill>
+                  <a:srgbClr val="C00000"/>
+                </a:solidFill>
+              </a:rPr>
+              <a:t>javě</a:t>
+            </a:r>
+            <a:r>
+              <a:rPr lang="cs-CZ" dirty="0" smtClean="0">
+                <a:solidFill>
+                  <a:srgbClr val="C00000"/>
+                </a:solidFill>
+              </a:rPr>
+              <a:t>! </a:t>
+            </a:r>
+            <a:r>
+              <a:rPr lang="cs-CZ" dirty="0" smtClean="0"/>
+              <a:t>Příklad i se statickou metodou</a:t>
             </a:r>
             <a:r>
               <a:rPr lang="en-US" b="1" dirty="0"/>
@@ -7025,7 +7581,59 @@
             <a:br>
               <a:rPr lang="en-US" b="1" dirty="0"/>
             </a:br>
-            <a:endParaRPr lang="en-US" b="1" dirty="0"/>
+            <a:r>
+              <a:rPr lang="en-US" dirty="0" err="1">
+                <a:solidFill>
+                  <a:srgbClr val="C00000"/>
+                </a:solidFill>
+              </a:rPr>
+              <a:t>pozor</a:t>
+            </a:r>
+            <a:r>
+              <a:rPr lang="en-US" dirty="0">
+                <a:solidFill>
+                  <a:srgbClr val="C00000"/>
+                </a:solidFill>
+              </a:rPr>
+              <a:t> </a:t>
+            </a:r>
+            <a:r>
+              <a:rPr lang="cs-CZ" dirty="0" smtClean="0">
+                <a:solidFill>
+                  <a:srgbClr val="C00000"/>
+                </a:solidFill>
+              </a:rPr>
+              <a:t>na </a:t>
+            </a:r>
+            <a:r>
+              <a:rPr lang="cs-CZ" dirty="0" err="1" smtClean="0">
+                <a:solidFill>
+                  <a:srgbClr val="C00000"/>
+                </a:solidFill>
+              </a:rPr>
+              <a:t>chovani</a:t>
+            </a:r>
+            <a:r>
+              <a:rPr lang="en-US" dirty="0" smtClean="0">
+                <a:solidFill>
+                  <a:srgbClr val="C00000"/>
+                </a:solidFill>
+              </a:rPr>
+              <a:t> </a:t>
+            </a:r>
+            <a:r>
+              <a:rPr lang="en-US" dirty="0" err="1">
+                <a:solidFill>
+                  <a:srgbClr val="C00000"/>
+                </a:solidFill>
+              </a:rPr>
+              <a:t>NullReferenceException</a:t>
+            </a:r>
+            <a:endParaRPr lang="en-US" dirty="0">
+              <a:solidFill>
+                <a:srgbClr val="C00000"/>
+              </a:solidFill>
+            </a:endParaRPr>
           </a:p>
           <a:p>
             <a:pPr marL="514350" indent="-457200" fontAlgn="base"/>
@@ -7157,7 +7765,6 @@
               <a:rPr lang="en-US" dirty="0"/>
               <a:t>, kovariance a kontravariance</a:t>
             </a:r>
-            <a:endParaRPr lang="en-US" dirty="0"/>
           </a:p>
         </p:txBody>
       </p:sp>
@@ -7176,13 +7783,13 @@
         </p:nvSpPr>
         <p:spPr>
           <a:xfrm>
-            <a:off x="683568" y="1596413"/>
-            <a:ext cx="8352928" cy="4297363"/>
+            <a:off x="539552" y="1596413"/>
+            <a:ext cx="8712968" cy="4297363"/>
           </a:xfrm>
         </p:spPr>
         <p:txBody>
           <a:bodyPr>
-            <a:normAutofit/>
+            <a:normAutofit fontScale="92500" lnSpcReduction="20000"/>
           </a:bodyPr>
           <a:lstStyle/>
           <a:p>
@@ -7200,8 +7807,12 @@
           <a:p>
             <a:pPr marL="514350" indent="-457200" fontAlgn="base"/>
             <a:r>
+              <a:rPr lang="cs-CZ" dirty="0" smtClean="0"/>
+              <a:t>interface </a:t>
+            </a:r>
+            <a:r>
               <a:rPr lang="cs-CZ" dirty="0" err="1" smtClean="0"/>
-              <a:t>IList</a:t>
+              <a:t>IEnumerable</a:t>
             </a:r>
             <a:r>
               <a:rPr lang="cs-CZ" dirty="0" smtClean="0"/>
@@ -7209,11 +7820,124 @@
             </a:r>
             <a:r>
               <a:rPr lang="cs-CZ" dirty="0" err="1" smtClean="0"/>
-              <a:t>string</a:t>
-            </a:r>
-            <a:r>
-              <a:rPr lang="cs-CZ" smtClean="0"/>
-              <a:t>&gt; </a:t>
+              <a:t>out</a:t>
+            </a:r>
+            <a:r>
+              <a:rPr lang="cs-CZ" dirty="0" smtClean="0"/>
+              <a:t> T&gt; { }</a:t>
+            </a:r>
+          </a:p>
+          <a:p>
+            <a:pPr marL="514350" indent="-457200" fontAlgn="base"/>
+            <a:r>
+              <a:rPr lang="cs-CZ" dirty="0" err="1" smtClean="0"/>
+              <a:t>IEnumerable</a:t>
+            </a:r>
+            <a:r>
+              <a:rPr lang="cs-CZ" dirty="0" smtClean="0"/>
+              <a:t>&lt;</a:t>
+            </a:r>
+            <a:r>
+              <a:rPr lang="cs-CZ" dirty="0" err="1" smtClean="0"/>
+              <a:t>AbstractPerson</a:t>
+            </a:r>
+            <a:r>
+              <a:rPr lang="cs-CZ" dirty="0" smtClean="0"/>
+              <a:t>&gt; p = </a:t>
+            </a:r>
+            <a:r>
+              <a:rPr lang="cs-CZ" dirty="0" err="1" smtClean="0"/>
+              <a:t>new</a:t>
+            </a:r>
+            <a:r>
+              <a:rPr lang="cs-CZ" dirty="0" smtClean="0"/>
+              <a:t> List&lt;Person&gt;();</a:t>
+            </a:r>
+          </a:p>
+          <a:p>
+            <a:pPr marL="514350" indent="-457200" fontAlgn="base"/>
+            <a:r>
+              <a:rPr lang="en-US" dirty="0" smtClean="0"/>
+              <a:t>interface </a:t>
+            </a:r>
+            <a:r>
+              <a:rPr lang="en-US" dirty="0" err="1"/>
+              <a:t>IComparer</a:t>
+            </a:r>
+            <a:r>
+              <a:rPr lang="en-US" dirty="0"/>
+              <a:t>&lt;</a:t>
+            </a:r>
+            <a:r>
+              <a:rPr lang="en-US" dirty="0"/>
+              <a:t>in</a:t>
+            </a:r>
+            <a:r>
+              <a:rPr lang="en-US" dirty="0"/>
+              <a:t> T</a:t>
+            </a:r>
+            <a:r>
+              <a:rPr lang="en-US" dirty="0" smtClean="0"/>
+              <a:t>&gt;</a:t>
+            </a:r>
+            <a:r>
+              <a:rPr lang="cs-CZ" dirty="0" smtClean="0"/>
+              <a:t> {}</a:t>
+            </a:r>
+          </a:p>
+          <a:p>
+            <a:pPr marL="514350" indent="-457200" fontAlgn="base"/>
+            <a:r>
+              <a:rPr lang="en-US" dirty="0"/>
+              <a:t>Compare(Shape a, Shape b) </a:t>
+            </a:r>
+            <a:r>
+              <a:rPr lang="cs-CZ" dirty="0" smtClean="0"/>
+              <a:t>kde </a:t>
+            </a:r>
+            <a:r>
+              <a:rPr lang="en-US" dirty="0" smtClean="0"/>
+              <a:t>Circle</a:t>
+            </a:r>
+            <a:r>
+              <a:rPr lang="cs-CZ" dirty="0" smtClean="0"/>
+              <a:t> : </a:t>
+            </a:r>
+            <a:r>
+              <a:rPr lang="cs-CZ" dirty="0" err="1" smtClean="0"/>
+              <a:t>Shape</a:t>
+            </a:r>
+            <a:endParaRPr lang="cs-CZ" dirty="0" smtClean="0"/>
+          </a:p>
+          <a:p>
+            <a:pPr marL="514350" indent="-457200" fontAlgn="base"/>
+            <a:r>
+              <a:rPr lang="en-US" dirty="0" smtClean="0"/>
+              <a:t>new </a:t>
+            </a:r>
+            <a:r>
+              <a:rPr lang="en-US" dirty="0" err="1"/>
+              <a:t>SortedSet</a:t>
+            </a:r>
+            <a:r>
+              <a:rPr lang="en-US" dirty="0"/>
+              <a:t>&lt;Circle</a:t>
+            </a:r>
+            <a:r>
+              <a:rPr lang="en-US" dirty="0" smtClean="0"/>
+              <a:t>&gt;(new</a:t>
+            </a:r>
+            <a:r>
+              <a:rPr lang="cs-CZ" dirty="0" smtClean="0"/>
+              <a:t> </a:t>
+            </a:r>
+            <a:r>
+              <a:rPr lang="en-US" dirty="0" err="1" smtClean="0"/>
+              <a:t>ShapeAreaComparer</a:t>
+            </a:r>
+            <a:r>
+              <a:rPr lang="en-US" dirty="0"/>
+              <a:t>())</a:t>
             </a:r>
             <a:r>
               <a:rPr lang="en-US" b="1" dirty="0"/>
@@ -7222,6 +7946,62 @@
             <a:br>
               <a:rPr lang="en-US" b="1" dirty="0"/>
             </a:br>
+            <a:endParaRPr lang="cs-CZ" b="1" dirty="0" smtClean="0"/>
+          </a:p>
+          <a:p>
+            <a:pPr marL="514350" indent="-457200" fontAlgn="base"/>
+            <a:r>
+              <a:rPr lang="cs-CZ" dirty="0" smtClean="0"/>
+              <a:t>Klíčová slova </a:t>
+            </a:r>
+            <a:r>
+              <a:rPr lang="cs-CZ" b="1" dirty="0" err="1" smtClean="0"/>
+              <a:t>where</a:t>
+            </a:r>
+            <a:r>
+              <a:rPr lang="cs-CZ" dirty="0" smtClean="0"/>
+              <a:t>, </a:t>
+            </a:r>
+            <a:r>
+              <a:rPr lang="cs-CZ" b="1" dirty="0" smtClean="0"/>
+              <a:t>:</a:t>
+            </a:r>
+            <a:r>
+              <a:rPr lang="cs-CZ" dirty="0" smtClean="0"/>
+              <a:t>, </a:t>
+            </a:r>
+            <a:r>
+              <a:rPr lang="cs-CZ" b="1" dirty="0" err="1" smtClean="0"/>
+              <a:t>new</a:t>
+            </a:r>
+            <a:r>
+              <a:rPr lang="cs-CZ" b="1" dirty="0" smtClean="0"/>
+              <a:t>()</a:t>
+            </a:r>
+            <a:r>
+              <a:rPr lang="cs-CZ" dirty="0" smtClean="0"/>
+              <a:t>,</a:t>
+            </a:r>
+            <a:r>
+              <a:rPr lang="cs-CZ" b="1" dirty="0" smtClean="0"/>
+              <a:t> </a:t>
+            </a:r>
+            <a:r>
+              <a:rPr lang="cs-CZ" b="1" dirty="0" err="1" smtClean="0"/>
+              <a:t>struct</a:t>
+            </a:r>
+            <a:r>
+              <a:rPr lang="cs-CZ" dirty="0" smtClean="0"/>
+              <a:t>,</a:t>
+            </a:r>
+            <a:r>
+              <a:rPr lang="cs-CZ" b="1" dirty="0" smtClean="0"/>
+              <a:t> </a:t>
+            </a:r>
+            <a:r>
+              <a:rPr lang="cs-CZ" b="1" dirty="0" err="1" smtClean="0"/>
+              <a:t>class</a:t>
+            </a:r>
             <a:endParaRPr lang="en-US" b="1" dirty="0"/>
           </a:p>
           <a:p>
@@ -7336,14 +8116,39 @@
         </p:nvSpPr>
         <p:spPr/>
         <p:txBody>
-          <a:bodyPr/>
+          <a:bodyPr>
+            <a:normAutofit/>
+          </a:bodyPr>
           <a:lstStyle/>
           <a:p>
             <a:r>
               <a:rPr lang="cs-CZ" dirty="0" smtClean="0"/>
-              <a:t>Konvence</a:t>
-            </a:r>
-            <a:endParaRPr lang="en-US" dirty="0"/>
+              <a:t>E</a:t>
+            </a:r>
+            <a:r>
+              <a:rPr lang="en-US" dirty="0" err="1" smtClean="0"/>
+              <a:t>venty</a:t>
+            </a:r>
+            <a:r>
+              <a:rPr lang="en-US" dirty="0" smtClean="0"/>
+              <a:t> </a:t>
+            </a:r>
+            <a:r>
+              <a:rPr lang="en-US" dirty="0" err="1" smtClean="0"/>
+              <a:t>delagaty</a:t>
+            </a:r>
+            <a:r>
+              <a:rPr lang="cs-CZ" dirty="0" smtClean="0"/>
+              <a:t> a</a:t>
+            </a:r>
+            <a:r>
+              <a:rPr lang="en-US" dirty="0" smtClean="0"/>
+              <a:t> </a:t>
+            </a:r>
+            <a:r>
+              <a:rPr lang="en-US" dirty="0"/>
+              <a:t>closure</a:t>
+            </a:r>
           </a:p>
         </p:txBody>
       </p:sp>
@@ -7360,171 +8165,76 @@
             </p:custDataLst>
           </p:nvPr>
         </p:nvSpPr>
-        <p:spPr/>
+        <p:spPr>
+          <a:xfrm>
+            <a:off x="683568" y="1596413"/>
+            <a:ext cx="8352928" cy="4297363"/>
+          </a:xfrm>
+        </p:spPr>
         <p:txBody>
           <a:bodyPr>
             <a:normAutofit/>
           </a:bodyPr>
           <a:lstStyle/>
           <a:p>
+            <a:pPr marL="514350" indent="-457200" fontAlgn="base"/>
+            <a:r>
+              <a:rPr lang="cs-CZ" dirty="0" smtClean="0"/>
+              <a:t>dopsat</a:t>
+            </a:r>
+            <a:endParaRPr lang="en-US" dirty="0"/>
+          </a:p>
+          <a:p>
+            <a:pPr marL="514350" indent="-457200" fontAlgn="base"/>
+            <a:endParaRPr lang="cs-CZ" dirty="0"/>
+          </a:p>
+          <a:p>
+            <a:pPr marL="514350" indent="-457200" fontAlgn="base"/>
+            <a:endParaRPr lang="en-US" dirty="0"/>
+          </a:p>
+          <a:p>
+            <a:pPr marL="57150" indent="0" fontAlgn="base">
+              <a:buNone/>
+            </a:pPr>
+            <a:endParaRPr lang="cs-CZ" dirty="0" smtClean="0"/>
+          </a:p>
+          <a:p>
+            <a:pPr marL="514350" indent="-457200" fontAlgn="base"/>
+            <a:endParaRPr lang="en-US" dirty="0"/>
+          </a:p>
+          <a:p>
+            <a:pPr marL="514350" indent="-457200" fontAlgn="base"/>
+            <a:endParaRPr lang="pl-PL" b="1" dirty="0"/>
+          </a:p>
+          <a:p>
+            <a:pPr marL="514350" indent="-457200" fontAlgn="base"/>
+            <a:endParaRPr lang="en-US" b="1" dirty="0"/>
+          </a:p>
+          <a:p>
+            <a:pPr marL="514350" indent="-457200" fontAlgn="base"/>
+            <a:endParaRPr lang="en-US" b="1" dirty="0"/>
+          </a:p>
+          <a:p>
+            <a:pPr marL="514350" indent="-457200" fontAlgn="base"/>
+            <a:endParaRPr lang="en-US" b="1" dirty="0"/>
+          </a:p>
+          <a:p>
+            <a:pPr lvl="1" fontAlgn="base"/>
+            <a:endParaRPr lang="en-US" b="1" dirty="0"/>
+          </a:p>
+          <a:p>
+            <a:pPr marL="0" indent="0" fontAlgn="base">
+              <a:buNone/>
+            </a:pPr>
+            <a:endParaRPr lang="cs-CZ" dirty="0" smtClean="0"/>
+          </a:p>
+          <a:p>
             <a:pPr fontAlgn="base"/>
-            <a:r>
-              <a:rPr lang="pt-BR" dirty="0"/>
-              <a:t>konvence </a:t>
-            </a:r>
-            <a:r>
-              <a:rPr lang="pt-BR" b="1" dirty="0"/>
-              <a:t>interface</a:t>
-            </a:r>
-            <a:r>
-              <a:rPr lang="pt-BR" dirty="0"/>
-              <a:t> začíná </a:t>
-            </a:r>
-            <a:r>
-              <a:rPr lang="pt-BR" b="1" dirty="0"/>
-              <a:t>I</a:t>
-            </a:r>
-            <a:r>
-              <a:rPr lang="pt-BR" dirty="0"/>
-              <a:t> viz </a:t>
-            </a:r>
-            <a:r>
-              <a:rPr lang="pt-BR" b="1" dirty="0"/>
-              <a:t>IList</a:t>
-            </a:r>
-            <a:r>
-              <a:rPr lang="pt-BR" dirty="0"/>
-              <a:t> a implementace </a:t>
-            </a:r>
-            <a:r>
-              <a:rPr lang="pt-BR" dirty="0" smtClean="0"/>
-              <a:t>List</a:t>
-            </a:r>
-            <a:endParaRPr lang="cs-CZ" dirty="0" smtClean="0"/>
+            <a:endParaRPr lang="cs-CZ" b="1" dirty="0" smtClean="0"/>
           </a:p>
           <a:p>
             <a:pPr fontAlgn="base"/>
-            <a:r>
-              <a:rPr lang="en-US" dirty="0" err="1"/>
-              <a:t>nazvy</a:t>
-            </a:r>
-            <a:r>
-              <a:rPr lang="en-US" dirty="0"/>
-              <a:t> </a:t>
-            </a:r>
-            <a:r>
-              <a:rPr lang="en-US" dirty="0" err="1"/>
-              <a:t>metod</a:t>
-            </a:r>
-            <a:r>
-              <a:rPr lang="en-US" dirty="0"/>
-              <a:t> </a:t>
-            </a:r>
-            <a:r>
-              <a:rPr lang="cs-CZ" dirty="0" smtClean="0"/>
-              <a:t>z </a:t>
-            </a:r>
-            <a:r>
-              <a:rPr lang="en-US" dirty="0" err="1" smtClean="0"/>
-              <a:t>pascal</a:t>
-            </a:r>
-            <a:r>
-              <a:rPr lang="cs-CZ" dirty="0" smtClean="0"/>
-              <a:t> konvence</a:t>
-            </a:r>
-            <a:r>
-              <a:rPr lang="en-US" dirty="0" smtClean="0"/>
-              <a:t> </a:t>
-            </a:r>
-            <a:r>
-              <a:rPr lang="en-US" dirty="0"/>
-              <a:t>(</a:t>
-            </a:r>
-            <a:r>
-              <a:rPr lang="en-US" dirty="0" err="1"/>
-              <a:t>hlavni</a:t>
-            </a:r>
-            <a:r>
-              <a:rPr lang="en-US" dirty="0"/>
-              <a:t> designer c# :-)) </a:t>
-            </a:r>
-            <a:r>
-              <a:rPr lang="en-US" dirty="0" err="1"/>
-              <a:t>první</a:t>
-            </a:r>
-            <a:r>
-              <a:rPr lang="en-US" dirty="0"/>
-              <a:t> </a:t>
-            </a:r>
-            <a:r>
-              <a:rPr lang="en-US" dirty="0" err="1"/>
-              <a:t>Velke</a:t>
-            </a:r>
-            <a:r>
-              <a:rPr lang="en-US" dirty="0"/>
-              <a:t> </a:t>
-            </a:r>
-            <a:r>
-              <a:rPr lang="en-US" dirty="0" err="1" smtClean="0"/>
-              <a:t>pismeno</a:t>
-            </a:r>
-            <a:r>
-              <a:rPr lang="cs-CZ" dirty="0" smtClean="0"/>
-              <a:t> </a:t>
-            </a:r>
-            <a:r>
-              <a:rPr lang="cs-CZ" dirty="0"/>
-              <a:t>viz </a:t>
-            </a:r>
-            <a:r>
-              <a:rPr lang="en-US" b="1" dirty="0" err="1"/>
-              <a:t>ToString</a:t>
-            </a:r>
-            <a:r>
-              <a:rPr lang="cs-CZ" b="1" dirty="0" smtClean="0"/>
-              <a:t>() </a:t>
-            </a:r>
-            <a:r>
-              <a:rPr lang="en-US" dirty="0" err="1" smtClean="0"/>
-              <a:t>jinak</a:t>
-            </a:r>
-            <a:r>
-              <a:rPr lang="en-US" dirty="0" smtClean="0"/>
-              <a:t> </a:t>
-            </a:r>
-            <a:r>
-              <a:rPr lang="en-US" dirty="0" err="1"/>
-              <a:t>stejny</a:t>
-            </a:r>
-            <a:r>
-              <a:rPr lang="en-US" dirty="0"/>
-              <a:t> </a:t>
-            </a:r>
-            <a:r>
-              <a:rPr lang="en-US" dirty="0" err="1"/>
-              <a:t>jako</a:t>
-            </a:r>
-            <a:r>
-              <a:rPr lang="en-US" dirty="0"/>
-              <a:t> u </a:t>
-            </a:r>
-            <a:r>
-              <a:rPr lang="en-US" dirty="0" err="1" smtClean="0"/>
-              <a:t>javy</a:t>
-            </a:r>
-            <a:endParaRPr lang="cs-CZ" dirty="0" smtClean="0"/>
-          </a:p>
-          <a:p>
-            <a:pPr fontAlgn="base"/>
-            <a:endParaRPr lang="en-US" dirty="0"/>
-          </a:p>
-          <a:p>
-            <a:pPr fontAlgn="base"/>
-            <a:endParaRPr lang="pt-BR" dirty="0"/>
-          </a:p>
-          <a:p>
-            <a:pPr fontAlgn="base"/>
-            <a:endParaRPr lang="en-US" dirty="0"/>
+            <a:endParaRPr lang="en-US" b="1" dirty="0"/>
           </a:p>
         </p:txBody>
       </p:sp>
@@ -7534,7 +8244,7 @@
     </p:custDataLst>
     <p:extLst>
       <p:ext uri="{BB962C8B-B14F-4D97-AF65-F5344CB8AC3E}">
-        <p14:creationId xmlns:p14="http://schemas.microsoft.com/office/powerpoint/2010/main" val="597941734"/>
+        <p14:creationId xmlns:p14="http://schemas.microsoft.com/office/powerpoint/2010/main" val="518512659"/>
       </p:ext>
     </p:extLst>
   </p:cSld>
@@ -7592,18 +8302,17 @@
           <a:lstStyle/>
           <a:p>
             <a:r>
-              <a:rPr lang="cs-CZ" dirty="0" err="1" smtClean="0"/>
-              <a:t>Object</a:t>
-            </a:r>
-            <a:r>
               <a:rPr lang="cs-CZ" dirty="0" smtClean="0"/>
-              <a:t> a </a:t>
+              <a:t>D</a:t>
             </a:r>
             <a:r>
               <a:rPr lang="en-US" dirty="0" err="1" smtClean="0"/>
-              <a:t>ValueType</a:t>
-            </a:r>
-            <a:endParaRPr lang="en-US" dirty="0"/>
+              <a:t>estruktur</a:t>
+            </a:r>
+            <a:r>
+              <a:rPr lang="en-US" dirty="0"/>
+              <a:t>, using a IDispose</a:t>
+            </a:r>
           </a:p>
         </p:txBody>
       </p:sp>
@@ -7620,372 +8329,76 @@
             </p:custDataLst>
           </p:nvPr>
         </p:nvSpPr>
-        <p:spPr/>
+        <p:spPr>
+          <a:xfrm>
+            <a:off x="683568" y="1596413"/>
+            <a:ext cx="8352928" cy="4297363"/>
+          </a:xfrm>
+        </p:spPr>
         <p:txBody>
           <a:bodyPr>
-            <a:normAutofit fontScale="92500" lnSpcReduction="20000"/>
+            <a:normAutofit/>
           </a:bodyPr>
           <a:lstStyle/>
           <a:p>
-            <a:pPr fontAlgn="base"/>
-            <a:r>
-              <a:rPr lang="cs-CZ" dirty="0" err="1" smtClean="0"/>
-              <a:t>Class</a:t>
-            </a:r>
+            <a:pPr marL="514350" indent="-457200" fontAlgn="base"/>
             <a:r>
               <a:rPr lang="cs-CZ" dirty="0" smtClean="0"/>
-              <a:t> dědí po </a:t>
-            </a:r>
-            <a:r>
-              <a:rPr lang="cs-CZ" dirty="0" err="1" smtClean="0"/>
-              <a:t>Object</a:t>
-            </a:r>
+              <a:t>dopsat</a:t>
+            </a:r>
+            <a:endParaRPr lang="en-US" dirty="0"/>
+          </a:p>
+          <a:p>
+            <a:pPr marL="514350" indent="-457200" fontAlgn="base"/>
             <a:endParaRPr lang="cs-CZ" dirty="0"/>
           </a:p>
           <a:p>
-            <a:pPr fontAlgn="base"/>
-            <a:r>
-              <a:rPr lang="cs-CZ" dirty="0" err="1" smtClean="0"/>
-              <a:t>Struct</a:t>
-            </a:r>
-            <a:r>
-              <a:rPr lang="cs-CZ" dirty="0" smtClean="0"/>
-              <a:t> dědí po </a:t>
-            </a:r>
-            <a:r>
-              <a:rPr lang="en-US" dirty="0" err="1" smtClean="0"/>
-              <a:t>ValueType</a:t>
-            </a:r>
-            <a:r>
-              <a:rPr lang="cs-CZ" dirty="0" smtClean="0"/>
-              <a:t> (neexistuje metoda </a:t>
-            </a:r>
-            <a:r>
-              <a:rPr lang="en-US" dirty="0" err="1" smtClean="0"/>
-              <a:t>GetType</a:t>
-            </a:r>
-            <a:r>
-              <a:rPr lang="cs-CZ" dirty="0" smtClean="0"/>
-              <a:t>(), destruktor a static metody </a:t>
-            </a:r>
-            <a:r>
-              <a:rPr lang="en-US" dirty="0" smtClean="0"/>
-              <a:t>Equals</a:t>
-            </a:r>
+            <a:pPr marL="514350" indent="-457200" fontAlgn="base"/>
             <a:endParaRPr lang="en-US" dirty="0"/>
           </a:p>
           <a:p>
-            <a:pPr fontAlgn="base"/>
-            <a:r>
-              <a:rPr lang="cs-CZ" dirty="0" smtClean="0"/>
-              <a:t>)</a:t>
-            </a:r>
-          </a:p>
-          <a:p>
-            <a:pPr fontAlgn="base"/>
-            <a:r>
-              <a:rPr lang="cs-CZ" b="1" dirty="0" err="1"/>
-              <a:t>string</a:t>
-            </a:r>
-            <a:r>
-              <a:rPr lang="cs-CZ" dirty="0"/>
-              <a:t> je alias k </a:t>
-            </a:r>
-            <a:r>
-              <a:rPr lang="cs-CZ" b="1" dirty="0" err="1"/>
-              <a:t>System.String</a:t>
-            </a:r>
-            <a:r>
-              <a:rPr lang="cs-CZ" b="1" dirty="0"/>
-              <a:t> </a:t>
-            </a:r>
-            <a:r>
-              <a:rPr lang="cs-CZ" dirty="0"/>
-              <a:t>je vždy </a:t>
-            </a:r>
-            <a:r>
-              <a:rPr lang="cs-CZ" dirty="0" err="1"/>
-              <a:t>immutable</a:t>
-            </a:r>
-            <a:r>
-              <a:rPr lang="cs-CZ" dirty="0"/>
-              <a:t> tzn. </a:t>
-            </a:r>
-            <a:r>
-              <a:rPr lang="cs-CZ" dirty="0" err="1"/>
-              <a:t>muze</a:t>
-            </a:r>
-            <a:r>
-              <a:rPr lang="cs-CZ" dirty="0"/>
-              <a:t> se </a:t>
-            </a:r>
-            <a:r>
-              <a:rPr lang="cs-CZ" dirty="0" err="1"/>
-              <a:t>pouzivat</a:t>
-            </a:r>
-            <a:r>
-              <a:rPr lang="cs-CZ" dirty="0"/>
-              <a:t> ==</a:t>
-            </a:r>
-            <a:endParaRPr lang="cs-CZ" b="1" dirty="0"/>
-          </a:p>
-          <a:p>
-            <a:pPr fontAlgn="base"/>
-            <a:r>
-              <a:rPr lang="cs-CZ" b="1" dirty="0" err="1"/>
-              <a:t>ToString</a:t>
-            </a:r>
-            <a:r>
-              <a:rPr lang="cs-CZ" dirty="0"/>
-              <a:t>() </a:t>
-            </a:r>
-            <a:r>
-              <a:rPr lang="cs-CZ" b="1" dirty="0" smtClean="0">
-                <a:solidFill>
-                  <a:srgbClr val="FF0000"/>
-                </a:solidFill>
-              </a:rPr>
-              <a:t>pozor double </a:t>
-            </a:r>
-            <a:r>
-              <a:rPr lang="cs-CZ" b="1" dirty="0" err="1" smtClean="0">
-                <a:solidFill>
-                  <a:srgbClr val="FF0000"/>
-                </a:solidFill>
-              </a:rPr>
-              <a:t>apod</a:t>
-            </a:r>
-            <a:r>
-              <a:rPr lang="cs-CZ" b="1" dirty="0" smtClean="0">
-                <a:solidFill>
-                  <a:srgbClr val="FF0000"/>
-                </a:solidFill>
-              </a:rPr>
-              <a:t> </a:t>
-            </a:r>
-            <a:r>
-              <a:rPr lang="en-US" b="1" dirty="0" err="1" smtClean="0">
-                <a:solidFill>
-                  <a:srgbClr val="FF0000"/>
-                </a:solidFill>
-              </a:rPr>
-              <a:t>závislý</a:t>
-            </a:r>
-            <a:r>
-              <a:rPr lang="en-US" b="1" dirty="0" smtClean="0">
-                <a:solidFill>
-                  <a:srgbClr val="FF0000"/>
-                </a:solidFill>
-              </a:rPr>
-              <a:t> </a:t>
-            </a:r>
-            <a:r>
-              <a:rPr lang="en-US" b="1" dirty="0" err="1">
-                <a:solidFill>
-                  <a:srgbClr val="FF0000"/>
-                </a:solidFill>
-              </a:rPr>
-              <a:t>na</a:t>
-            </a:r>
-            <a:r>
-              <a:rPr lang="en-US" b="1" dirty="0">
-                <a:solidFill>
-                  <a:srgbClr val="FF0000"/>
-                </a:solidFill>
-              </a:rPr>
-              <a:t> local </a:t>
-            </a:r>
-            <a:r>
-              <a:rPr lang="en-US" b="1" dirty="0" err="1">
-                <a:solidFill>
-                  <a:srgbClr val="FF0000"/>
-                </a:solidFill>
-              </a:rPr>
-              <a:t>nastavení</a:t>
-            </a:r>
-            <a:r>
-              <a:rPr lang="en-US" b="1" dirty="0">
-                <a:solidFill>
-                  <a:srgbClr val="FF0000"/>
-                </a:solidFill>
-              </a:rPr>
-              <a:t> </a:t>
-            </a:r>
-            <a:r>
-              <a:rPr lang="en-US" b="1" dirty="0" err="1">
-                <a:solidFill>
-                  <a:srgbClr val="FF0000"/>
-                </a:solidFill>
-              </a:rPr>
-              <a:t>počítače</a:t>
-            </a:r>
-            <a:r>
-              <a:rPr lang="en-US" b="1" dirty="0">
-                <a:solidFill>
-                  <a:srgbClr val="FF0000"/>
-                </a:solidFill>
-              </a:rPr>
-              <a:t> -&gt; </a:t>
-            </a:r>
-            <a:r>
-              <a:rPr lang="en-US" b="1" dirty="0" err="1">
-                <a:solidFill>
-                  <a:srgbClr val="FF0000"/>
-                </a:solidFill>
-              </a:rPr>
-              <a:t>doporucuju</a:t>
-            </a:r>
-            <a:r>
-              <a:rPr lang="en-US" b="1" dirty="0">
-                <a:solidFill>
-                  <a:srgbClr val="FF0000"/>
-                </a:solidFill>
-              </a:rPr>
-              <a:t> </a:t>
-            </a:r>
-            <a:r>
-              <a:rPr lang="en-US" b="1" dirty="0" err="1">
-                <a:solidFill>
-                  <a:srgbClr val="FF0000"/>
-                </a:solidFill>
-              </a:rPr>
-              <a:t>si</a:t>
-            </a:r>
-            <a:r>
-              <a:rPr lang="en-US" b="1" dirty="0">
-                <a:solidFill>
-                  <a:srgbClr val="FF0000"/>
-                </a:solidFill>
-              </a:rPr>
-              <a:t> </a:t>
-            </a:r>
-            <a:r>
-              <a:rPr lang="en-US" b="1" dirty="0" err="1">
-                <a:solidFill>
-                  <a:srgbClr val="FF0000"/>
-                </a:solidFill>
-              </a:rPr>
-              <a:t>napsat</a:t>
-            </a:r>
-            <a:r>
-              <a:rPr lang="en-US" b="1" dirty="0">
-                <a:solidFill>
-                  <a:srgbClr val="FF0000"/>
-                </a:solidFill>
-              </a:rPr>
-              <a:t> extension static </a:t>
-            </a:r>
-            <a:r>
-              <a:rPr lang="en-US" b="1" dirty="0" err="1">
-                <a:solidFill>
-                  <a:srgbClr val="FF0000"/>
-                </a:solidFill>
-              </a:rPr>
-              <a:t>metody</a:t>
-            </a:r>
-            <a:r>
-              <a:rPr lang="en-US" b="1" dirty="0">
-                <a:solidFill>
-                  <a:srgbClr val="FF0000"/>
-                </a:solidFill>
-              </a:rPr>
-              <a:t> </a:t>
-            </a:r>
-            <a:r>
-              <a:rPr lang="en-US" b="1" dirty="0" err="1">
-                <a:solidFill>
-                  <a:srgbClr val="FF0000"/>
-                </a:solidFill>
-              </a:rPr>
-              <a:t>MoneyToString</a:t>
-            </a:r>
-            <a:r>
-              <a:rPr lang="en-US" b="1" dirty="0">
-                <a:solidFill>
-                  <a:srgbClr val="FF0000"/>
-                </a:solidFill>
-              </a:rPr>
-              <a:t>() </a:t>
-            </a:r>
-            <a:r>
-              <a:rPr lang="en-US" b="1" dirty="0" err="1">
-                <a:solidFill>
-                  <a:srgbClr val="FF0000"/>
-                </a:solidFill>
-              </a:rPr>
-              <a:t>apod</a:t>
-            </a:r>
-            <a:r>
-              <a:rPr lang="en-US" b="1" dirty="0">
-                <a:solidFill>
-                  <a:srgbClr val="FF0000"/>
-                </a:solidFill>
-              </a:rPr>
-              <a:t>. </a:t>
-            </a:r>
-            <a:r>
-              <a:rPr lang="en-US" b="1" dirty="0" err="1">
-                <a:solidFill>
-                  <a:srgbClr val="FF0000"/>
-                </a:solidFill>
-              </a:rPr>
-              <a:t>viz</a:t>
-            </a:r>
-            <a:r>
-              <a:rPr lang="en-US" b="1" dirty="0">
-                <a:solidFill>
-                  <a:srgbClr val="FF0000"/>
-                </a:solidFill>
-              </a:rPr>
-              <a:t> </a:t>
-            </a:r>
-            <a:r>
-              <a:rPr lang="en-US" b="1" dirty="0" err="1">
-                <a:solidFill>
-                  <a:srgbClr val="FF0000"/>
-                </a:solidFill>
-              </a:rPr>
-              <a:t>priklad</a:t>
-            </a:r>
-            <a:r>
-              <a:rPr lang="en-US" b="1" dirty="0">
-                <a:solidFill>
-                  <a:srgbClr val="FF0000"/>
-                </a:solidFill>
-              </a:rPr>
-              <a:t> </a:t>
-            </a:r>
-            <a:r>
-              <a:rPr lang="en-US" b="1" dirty="0" err="1">
-                <a:solidFill>
-                  <a:srgbClr val="FF0000"/>
-                </a:solidFill>
-              </a:rPr>
-              <a:t>TestToStringCulture.cs</a:t>
-            </a:r>
-            <a:endParaRPr lang="cs-CZ" b="1" dirty="0">
-              <a:solidFill>
-                <a:srgbClr val="FF0000"/>
-              </a:solidFill>
-            </a:endParaRPr>
-          </a:p>
-          <a:p>
-            <a:pPr fontAlgn="base"/>
+            <a:pPr marL="57150" indent="0" fontAlgn="base">
+              <a:buNone/>
+            </a:pPr>
+            <a:endParaRPr lang="cs-CZ" dirty="0" smtClean="0"/>
+          </a:p>
+          <a:p>
+            <a:pPr marL="514350" indent="-457200" fontAlgn="base"/>
             <a:endParaRPr lang="en-US" dirty="0"/>
+          </a:p>
+          <a:p>
+            <a:pPr marL="514350" indent="-457200" fontAlgn="base"/>
+            <a:endParaRPr lang="pl-PL" b="1" dirty="0"/>
+          </a:p>
+          <a:p>
+            <a:pPr marL="514350" indent="-457200" fontAlgn="base"/>
+            <a:endParaRPr lang="en-US" b="1" dirty="0"/>
+          </a:p>
+          <a:p>
+            <a:pPr marL="514350" indent="-457200" fontAlgn="base"/>
+            <a:endParaRPr lang="en-US" b="1" dirty="0"/>
+          </a:p>
+          <a:p>
+            <a:pPr marL="514350" indent="-457200" fontAlgn="base"/>
+            <a:endParaRPr lang="en-US" b="1" dirty="0"/>
+          </a:p>
+          <a:p>
+            <a:pPr lvl="1" fontAlgn="base"/>
+            <a:endParaRPr lang="en-US" b="1" dirty="0"/>
           </a:p>
           <a:p>
             <a:pPr marL="0" indent="0" fontAlgn="base">
               <a:buNone/>
             </a:pPr>
-            <a:endParaRPr lang="en-US" dirty="0"/>
+            <a:endParaRPr lang="cs-CZ" dirty="0" smtClean="0"/>
           </a:p>
           <a:p>
             <a:pPr fontAlgn="base"/>
-            <a:endParaRPr lang="pt-BR" dirty="0"/>
+            <a:endParaRPr lang="cs-CZ" b="1" dirty="0" smtClean="0"/>
           </a:p>
           <a:p>
             <a:pPr fontAlgn="base"/>
-            <a:endParaRPr lang="en-US" dirty="0"/>
+            <a:endParaRPr lang="en-US" b="1" dirty="0"/>
           </a:p>
         </p:txBody>
       </p:sp>
@@ -7995,7 +8408,7 @@
     </p:custDataLst>
     <p:extLst>
       <p:ext uri="{BB962C8B-B14F-4D97-AF65-F5344CB8AC3E}">
-        <p14:creationId xmlns:p14="http://schemas.microsoft.com/office/powerpoint/2010/main" val="375692060"/>
+        <p14:creationId xmlns:p14="http://schemas.microsoft.com/office/powerpoint/2010/main" val="1069292896"/>
       </p:ext>
     </p:extLst>
   </p:cSld>
@@ -8047,14 +8460,27 @@
         </p:nvSpPr>
         <p:spPr/>
         <p:txBody>
-          <a:bodyPr/>
+          <a:bodyPr>
+            <a:normAutofit/>
+          </a:bodyPr>
           <a:lstStyle/>
           <a:p>
             <a:r>
-              <a:rPr lang="cs-CZ" dirty="0" smtClean="0"/>
-              <a:t>Kolekce</a:t>
-            </a:r>
-            <a:endParaRPr lang="en-US" dirty="0"/>
+              <a:rPr lang="en-US" b="1" dirty="0" smtClean="0"/>
+              <a:t>yield </a:t>
+            </a:r>
+            <a:r>
+              <a:rPr lang="en-US" b="1" dirty="0"/>
+              <a:t>return</a:t>
+            </a:r>
+            <a:r>
+              <a:rPr lang="en-US" dirty="0"/>
+              <a:t> a </a:t>
+            </a:r>
+            <a:r>
+              <a:rPr lang="en-US" b="1" dirty="0"/>
+              <a:t>yield break</a:t>
+            </a:r>
           </a:p>
         </p:txBody>
       </p:sp>
@@ -8071,187 +8497,76 @@
             </p:custDataLst>
           </p:nvPr>
         </p:nvSpPr>
-        <p:spPr/>
+        <p:spPr>
+          <a:xfrm>
+            <a:off x="683568" y="1596413"/>
+            <a:ext cx="8352928" cy="4297363"/>
+          </a:xfrm>
+        </p:spPr>
         <p:txBody>
           <a:bodyPr>
-            <a:normAutofit lnSpcReduction="10000"/>
+            <a:normAutofit/>
           </a:bodyPr>
           <a:lstStyle/>
           <a:p>
+            <a:pPr marL="514350" indent="-457200" fontAlgn="base"/>
+            <a:r>
+              <a:rPr lang="cs-CZ" dirty="0" smtClean="0"/>
+              <a:t>dopsat</a:t>
+            </a:r>
+            <a:endParaRPr lang="en-US" dirty="0"/>
+          </a:p>
+          <a:p>
+            <a:pPr marL="514350" indent="-457200" fontAlgn="base"/>
+            <a:endParaRPr lang="cs-CZ" dirty="0"/>
+          </a:p>
+          <a:p>
+            <a:pPr marL="514350" indent="-457200" fontAlgn="base"/>
+            <a:endParaRPr lang="en-US" dirty="0"/>
+          </a:p>
+          <a:p>
+            <a:pPr marL="57150" indent="0" fontAlgn="base">
+              <a:buNone/>
+            </a:pPr>
+            <a:endParaRPr lang="cs-CZ" dirty="0" smtClean="0"/>
+          </a:p>
+          <a:p>
+            <a:pPr marL="514350" indent="-457200" fontAlgn="base"/>
+            <a:endParaRPr lang="en-US" dirty="0"/>
+          </a:p>
+          <a:p>
+            <a:pPr marL="514350" indent="-457200" fontAlgn="base"/>
+            <a:endParaRPr lang="pl-PL" b="1" dirty="0"/>
+          </a:p>
+          <a:p>
+            <a:pPr marL="514350" indent="-457200" fontAlgn="base"/>
+            <a:endParaRPr lang="en-US" b="1" dirty="0"/>
+          </a:p>
+          <a:p>
+            <a:pPr marL="514350" indent="-457200" fontAlgn="base"/>
+            <a:endParaRPr lang="en-US" b="1" dirty="0"/>
+          </a:p>
+          <a:p>
+            <a:pPr marL="514350" indent="-457200" fontAlgn="base"/>
+            <a:endParaRPr lang="en-US" b="1" dirty="0"/>
+          </a:p>
+          <a:p>
+            <a:pPr lvl="1" fontAlgn="base"/>
+            <a:endParaRPr lang="en-US" b="1" dirty="0"/>
+          </a:p>
+          <a:p>
+            <a:pPr marL="0" indent="0" fontAlgn="base">
+              <a:buNone/>
+            </a:pPr>
+            <a:endParaRPr lang="cs-CZ" dirty="0" smtClean="0"/>
+          </a:p>
+          <a:p>
             <a:pPr fontAlgn="base"/>
-            <a:r>
-              <a:rPr lang="cs-CZ" dirty="0" smtClean="0"/>
-              <a:t>K</a:t>
-            </a:r>
-            <a:r>
-              <a:rPr lang="en-US" dirty="0" err="1" smtClean="0"/>
-              <a:t>olekce</a:t>
-            </a:r>
-            <a:r>
-              <a:rPr lang="en-US" dirty="0" smtClean="0"/>
-              <a:t> z</a:t>
-            </a:r>
-            <a:r>
-              <a:rPr lang="cs-CZ" dirty="0" smtClean="0"/>
-              <a:t>e</a:t>
-            </a:r>
-            <a:r>
-              <a:rPr lang="en-US" dirty="0" smtClean="0"/>
-              <a:t> </a:t>
-            </a:r>
-            <a:r>
-              <a:rPr lang="en-US" dirty="0" err="1"/>
-              <a:t>dvou</a:t>
-            </a:r>
-            <a:r>
-              <a:rPr lang="en-US" dirty="0"/>
-              <a:t> namespace </a:t>
-            </a:r>
-            <a:r>
-              <a:rPr lang="en-US" b="1" dirty="0" err="1"/>
-              <a:t>System.Collections</a:t>
-            </a:r>
-            <a:r>
-              <a:rPr lang="en-US" dirty="0"/>
-              <a:t> a </a:t>
-            </a:r>
-            <a:r>
-              <a:rPr lang="en-US" b="1" dirty="0" err="1"/>
-              <a:t>System.Collections.Generic</a:t>
-            </a:r>
-            <a:r>
-              <a:rPr lang="en-US" dirty="0"/>
-              <a:t> </a:t>
-            </a:r>
-            <a:endParaRPr lang="cs-CZ" dirty="0" smtClean="0"/>
+            <a:endParaRPr lang="cs-CZ" b="1" dirty="0" smtClean="0"/>
           </a:p>
           <a:p>
             <a:pPr fontAlgn="base"/>
-            <a:r>
-              <a:rPr lang="en-US" dirty="0" err="1" smtClean="0"/>
-              <a:t>pouzivat</a:t>
-            </a:r>
-            <a:r>
-              <a:rPr lang="en-US" dirty="0" smtClean="0"/>
-              <a:t> </a:t>
-            </a:r>
-            <a:r>
-              <a:rPr lang="en-US" dirty="0" err="1"/>
-              <a:t>misto</a:t>
-            </a:r>
-            <a:r>
-              <a:rPr lang="en-US" dirty="0"/>
-              <a:t> </a:t>
-            </a:r>
-            <a:r>
-              <a:rPr lang="en-US" dirty="0" err="1"/>
-              <a:t>ICollection</a:t>
-            </a:r>
-            <a:r>
-              <a:rPr lang="en-US" dirty="0"/>
-              <a:t> </a:t>
-            </a:r>
-            <a:r>
-              <a:rPr lang="en-US" dirty="0" err="1"/>
-              <a:t>nebo</a:t>
-            </a:r>
-            <a:r>
-              <a:rPr lang="en-US" dirty="0"/>
-              <a:t> </a:t>
-            </a:r>
-            <a:r>
-              <a:rPr lang="en-US" dirty="0" err="1"/>
-              <a:t>IList</a:t>
-            </a:r>
-            <a:r>
-              <a:rPr lang="en-US" dirty="0"/>
-              <a:t> </a:t>
-            </a:r>
-            <a:r>
-              <a:rPr lang="cs-CZ" b="1" dirty="0" smtClean="0"/>
-              <a:t>IE</a:t>
-            </a:r>
-            <a:r>
-              <a:rPr lang="en-US" b="1" dirty="0" smtClean="0"/>
-              <a:t>numerable</a:t>
-            </a:r>
-            <a:r>
-              <a:rPr lang="cs-CZ" b="1" dirty="0" smtClean="0"/>
-              <a:t>&lt;&gt;</a:t>
-            </a:r>
-          </a:p>
-          <a:p>
-            <a:pPr fontAlgn="base"/>
-            <a:r>
-              <a:rPr lang="cs-CZ" dirty="0" smtClean="0"/>
-              <a:t>Místo mapy je </a:t>
-            </a:r>
-            <a:r>
-              <a:rPr lang="cs-CZ" dirty="0" err="1" smtClean="0"/>
-              <a:t>IDictionary</a:t>
-            </a:r>
-            <a:r>
-              <a:rPr lang="cs-CZ" dirty="0" smtClean="0"/>
-              <a:t>&lt;,&gt;</a:t>
-            </a:r>
-          </a:p>
-          <a:p>
-            <a:pPr fontAlgn="base"/>
-            <a:r>
-              <a:rPr lang="cs-CZ" dirty="0" smtClean="0"/>
-              <a:t>Do kolekce lze </a:t>
-            </a:r>
-            <a:r>
-              <a:rPr lang="cs-CZ" dirty="0" err="1" smtClean="0"/>
-              <a:t>vkladat</a:t>
-            </a:r>
-            <a:r>
-              <a:rPr lang="cs-CZ" dirty="0" smtClean="0"/>
-              <a:t> </a:t>
-            </a:r>
-            <a:r>
-              <a:rPr lang="cs-CZ" dirty="0" err="1" smtClean="0"/>
-              <a:t>struct</a:t>
-            </a:r>
-            <a:r>
-              <a:rPr lang="cs-CZ" dirty="0" smtClean="0"/>
-              <a:t> tzn. </a:t>
-            </a:r>
-            <a:r>
-              <a:rPr lang="cs-CZ" dirty="0" err="1" smtClean="0"/>
-              <a:t>int</a:t>
-            </a:r>
-            <a:r>
-              <a:rPr lang="cs-CZ" dirty="0" smtClean="0"/>
-              <a:t> apod.</a:t>
-            </a:r>
-          </a:p>
-          <a:p>
-            <a:pPr fontAlgn="base"/>
-            <a:r>
-              <a:rPr lang="cs-CZ" dirty="0" smtClean="0"/>
-              <a:t>Lze použít </a:t>
-            </a:r>
-            <a:r>
-              <a:rPr lang="cs-CZ" dirty="0" err="1" smtClean="0"/>
-              <a:t>instanceof</a:t>
-            </a:r>
-            <a:r>
-              <a:rPr lang="cs-CZ" dirty="0" smtClean="0"/>
-              <a:t> T</a:t>
-            </a:r>
-          </a:p>
-          <a:p>
-            <a:pPr fontAlgn="base"/>
-            <a:endParaRPr lang="en-US" dirty="0"/>
-          </a:p>
-          <a:p>
-            <a:pPr fontAlgn="base"/>
-            <a:endParaRPr lang="pt-BR" dirty="0"/>
-          </a:p>
-          <a:p>
-            <a:pPr fontAlgn="base"/>
-            <a:endParaRPr lang="en-US" dirty="0"/>
+            <a:endParaRPr lang="en-US" b="1" dirty="0"/>
           </a:p>
         </p:txBody>
       </p:sp>
@@ -8261,7 +8576,7 @@
     </p:custDataLst>
     <p:extLst>
       <p:ext uri="{BB962C8B-B14F-4D97-AF65-F5344CB8AC3E}">
-        <p14:creationId xmlns:p14="http://schemas.microsoft.com/office/powerpoint/2010/main" val="2224911890"/>
+        <p14:creationId xmlns:p14="http://schemas.microsoft.com/office/powerpoint/2010/main" val="1458288348"/>
       </p:ext>
     </p:extLst>
   </p:cSld>
@@ -8313,14 +8628,23 @@
         </p:nvSpPr>
         <p:spPr/>
         <p:txBody>
-          <a:bodyPr/>
+          <a:bodyPr>
+            <a:normAutofit/>
+          </a:bodyPr>
           <a:lstStyle/>
           <a:p>
             <a:r>
-              <a:rPr lang="cs-CZ" dirty="0"/>
-              <a:t>Komunita</a:t>
-            </a:r>
-            <a:endParaRPr lang="en-US" dirty="0"/>
+              <a:rPr lang="en-US" b="1" dirty="0" err="1" smtClean="0"/>
+              <a:t>linq</a:t>
+            </a:r>
+            <a:r>
+              <a:rPr lang="en-US" dirty="0" smtClean="0"/>
+              <a:t> </a:t>
+            </a:r>
+            <a:r>
+              <a:rPr lang="en-US" dirty="0"/>
+              <a:t>a Expression</a:t>
+            </a:r>
           </a:p>
         </p:txBody>
       </p:sp>
@@ -8337,7 +8661,12 @@
             </p:custDataLst>
           </p:nvPr>
         </p:nvSpPr>
-        <p:spPr/>
+        <p:spPr>
+          <a:xfrm>
+            <a:off x="683568" y="1596413"/>
+            <a:ext cx="8352928" cy="4297363"/>
+          </a:xfrm>
+        </p:spPr>
         <p:txBody>
           <a:bodyPr>
             <a:normAutofit/>
@@ -8346,57 +8675,62 @@
           <a:p>
             <a:pPr marL="514350" indent="-457200" fontAlgn="base"/>
             <a:r>
-              <a:rPr lang="en-US" b="1" dirty="0" smtClean="0">
-                <a:solidFill>
-                  <a:srgbClr val="FF0000"/>
-                </a:solidFill>
-              </a:rPr>
-              <a:t>www.codeplex.com</a:t>
-            </a:r>
-            <a:endParaRPr lang="cs-CZ" b="1" dirty="0" smtClean="0">
-              <a:solidFill>
-                <a:srgbClr val="FF0000"/>
-              </a:solidFill>
-            </a:endParaRPr>
+              <a:rPr lang="cs-CZ" dirty="0" smtClean="0"/>
+              <a:t>dopsat</a:t>
+            </a:r>
+            <a:endParaRPr lang="en-US" dirty="0"/>
           </a:p>
           <a:p>
             <a:pPr marL="514350" indent="-457200" fontAlgn="base"/>
-            <a:r>
-              <a:rPr lang="en-US" dirty="0" smtClean="0"/>
-              <a:t>code.google.com</a:t>
-            </a:r>
+            <a:endParaRPr lang="cs-CZ" dirty="0"/>
+          </a:p>
+          <a:p>
+            <a:pPr marL="514350" indent="-457200" fontAlgn="base"/>
+            <a:endParaRPr lang="en-US" dirty="0"/>
+          </a:p>
+          <a:p>
+            <a:pPr marL="57150" indent="0" fontAlgn="base">
+              <a:buNone/>
+            </a:pPr>
             <a:endParaRPr lang="cs-CZ" dirty="0" smtClean="0"/>
           </a:p>
           <a:p>
             <a:pPr marL="514350" indent="-457200" fontAlgn="base"/>
-            <a:r>
-              <a:rPr lang="en-US" dirty="0" smtClean="0"/>
-              <a:t>www.github.com</a:t>
-            </a:r>
+            <a:endParaRPr lang="en-US" dirty="0"/>
+          </a:p>
+          <a:p>
+            <a:pPr marL="514350" indent="-457200" fontAlgn="base"/>
+            <a:endParaRPr lang="pl-PL" b="1" dirty="0"/>
+          </a:p>
+          <a:p>
+            <a:pPr marL="514350" indent="-457200" fontAlgn="base"/>
+            <a:endParaRPr lang="en-US" b="1" dirty="0"/>
+          </a:p>
+          <a:p>
+            <a:pPr marL="514350" indent="-457200" fontAlgn="base"/>
+            <a:endParaRPr lang="en-US" b="1" dirty="0"/>
+          </a:p>
+          <a:p>
+            <a:pPr marL="514350" indent="-457200" fontAlgn="base"/>
+            <a:endParaRPr lang="en-US" b="1" dirty="0"/>
+          </a:p>
+          <a:p>
+            <a:pPr lvl="1" fontAlgn="base"/>
+            <a:endParaRPr lang="en-US" b="1" dirty="0"/>
+          </a:p>
+          <a:p>
+            <a:pPr marL="0" indent="0" fontAlgn="base">
+              <a:buNone/>
+            </a:pPr>
             <a:endParaRPr lang="cs-CZ" dirty="0" smtClean="0"/>
           </a:p>
           <a:p>
-            <a:pPr marL="514350" indent="-457200" fontAlgn="base"/>
-            <a:r>
-              <a:rPr lang="en-US" dirty="0" smtClean="0"/>
-              <a:t>wug.cz/</a:t>
-            </a:r>
-            <a:r>
-              <a:rPr lang="en-US" dirty="0" err="1" smtClean="0"/>
-              <a:t>zaznamy</a:t>
-            </a:r>
-            <a:endParaRPr lang="cs-CZ" dirty="0" smtClean="0"/>
-          </a:p>
-          <a:p>
-            <a:pPr marL="514350" indent="-457200" fontAlgn="base"/>
-            <a:r>
-              <a:rPr lang="cs-CZ" dirty="0" smtClean="0"/>
-              <a:t>www.</a:t>
-            </a:r>
-            <a:r>
-              <a:rPr lang="en-US" dirty="0" smtClean="0"/>
-              <a:t>mstv.cz</a:t>
-            </a:r>
+            <a:pPr fontAlgn="base"/>
+            <a:endParaRPr lang="cs-CZ" b="1" dirty="0" smtClean="0"/>
+          </a:p>
+          <a:p>
+            <a:pPr fontAlgn="base"/>
+            <a:endParaRPr lang="en-US" b="1" dirty="0"/>
           </a:p>
         </p:txBody>
       </p:sp>
@@ -8406,7 +8740,7 @@
     </p:custDataLst>
     <p:extLst>
       <p:ext uri="{BB962C8B-B14F-4D97-AF65-F5344CB8AC3E}">
-        <p14:creationId xmlns:p14="http://schemas.microsoft.com/office/powerpoint/2010/main" val="2912075712"/>
+        <p14:creationId xmlns:p14="http://schemas.microsoft.com/office/powerpoint/2010/main" val="39938930"/>
       </p:ext>
     </p:extLst>
   </p:cSld>
@@ -8445,9 +8779,9 @@
       </p:grpSpPr>
       <p:sp>
         <p:nvSpPr>
-          <p:cNvPr id="620546" name="Rectangle 2"/>
-          <p:cNvSpPr>
-            <a:spLocks noGrp="1" noChangeArrowheads="1"/>
+          <p:cNvPr id="2" name="Title 1"/>
+          <p:cNvSpPr>
+            <a:spLocks noGrp="1"/>
           </p:cNvSpPr>
           <p:nvPr>
             <p:ph type="title"/>
@@ -8458,23 +8792,195 @@
         </p:nvSpPr>
         <p:spPr/>
         <p:txBody>
+          <a:bodyPr/>
+          <a:lstStyle/>
+          <a:p>
+            <a:r>
+              <a:rPr lang="cs-CZ" dirty="0" smtClean="0"/>
+              <a:t>Konvence</a:t>
+            </a:r>
+            <a:endParaRPr lang="en-US" dirty="0"/>
+          </a:p>
+        </p:txBody>
+      </p:sp>
+      <p:sp>
+        <p:nvSpPr>
+          <p:cNvPr id="5" name="Content Placeholder 4"/>
+          <p:cNvSpPr>
+            <a:spLocks noGrp="1"/>
+          </p:cNvSpPr>
+          <p:nvPr>
+            <p:ph idx="1"/>
+            <p:custDataLst>
+              <p:tags r:id="rId3"/>
+            </p:custDataLst>
+          </p:nvPr>
+        </p:nvSpPr>
+        <p:spPr/>
+        <p:txBody>
           <a:bodyPr>
             <a:normAutofit/>
           </a:bodyPr>
           <a:lstStyle/>
           <a:p>
-            <a:pPr>
-              <a:defRPr/>
-            </a:pPr>
+            <a:pPr fontAlgn="base"/>
+            <a:r>
+              <a:rPr lang="pt-BR" dirty="0"/>
+              <a:t>konvence </a:t>
+            </a:r>
+            <a:r>
+              <a:rPr lang="pt-BR" b="1" dirty="0"/>
+              <a:t>interface</a:t>
+            </a:r>
+            <a:r>
+              <a:rPr lang="pt-BR" dirty="0"/>
+              <a:t> začíná </a:t>
+            </a:r>
+            <a:r>
+              <a:rPr lang="pt-BR" b="1" dirty="0"/>
+              <a:t>I</a:t>
+            </a:r>
+            <a:r>
+              <a:rPr lang="pt-BR" dirty="0"/>
+              <a:t> viz </a:t>
+            </a:r>
+            <a:r>
+              <a:rPr lang="pt-BR" b="1" dirty="0"/>
+              <a:t>IList</a:t>
+            </a:r>
+            <a:r>
+              <a:rPr lang="pt-BR" dirty="0"/>
+              <a:t> a implementace </a:t>
+            </a:r>
+            <a:r>
+              <a:rPr lang="pt-BR" dirty="0" smtClean="0"/>
+              <a:t>List</a:t>
+            </a:r>
+            <a:endParaRPr lang="cs-CZ" dirty="0" smtClean="0"/>
+          </a:p>
+          <a:p>
+            <a:pPr fontAlgn="base"/>
+            <a:r>
+              <a:rPr lang="en-US" dirty="0" err="1"/>
+              <a:t>nazvy</a:t>
+            </a:r>
+            <a:r>
+              <a:rPr lang="en-US" dirty="0"/>
+              <a:t> </a:t>
+            </a:r>
+            <a:r>
+              <a:rPr lang="en-US" dirty="0" err="1"/>
+              <a:t>metod</a:t>
+            </a:r>
+            <a:r>
+              <a:rPr lang="en-US" dirty="0"/>
+              <a:t> </a:t>
+            </a:r>
             <a:r>
               <a:rPr lang="cs-CZ" dirty="0" smtClean="0"/>
-              <a:t>Otázky</a:t>
-            </a:r>
-            <a:r>
-              <a:rPr lang="en-US" dirty="0" smtClean="0"/>
-              <a:t>?</a:t>
-            </a:r>
-            <a:endParaRPr lang="en-US" dirty="0" smtClean="0"/>
+              <a:t>z </a:t>
+            </a:r>
+            <a:r>
+              <a:rPr lang="en-US" dirty="0" err="1" smtClean="0"/>
+              <a:t>pascal</a:t>
+            </a:r>
+            <a:r>
+              <a:rPr lang="cs-CZ" dirty="0" smtClean="0"/>
+              <a:t> konvence</a:t>
+            </a:r>
+            <a:r>
+              <a:rPr lang="en-US" dirty="0" smtClean="0"/>
+              <a:t> </a:t>
+            </a:r>
+            <a:r>
+              <a:rPr lang="en-US" dirty="0"/>
+              <a:t>(</a:t>
+            </a:r>
+            <a:r>
+              <a:rPr lang="en-US" dirty="0" err="1"/>
+              <a:t>hlavni</a:t>
+            </a:r>
+            <a:r>
+              <a:rPr lang="en-US" dirty="0"/>
+              <a:t> designer c# :-)) </a:t>
+            </a:r>
+            <a:r>
+              <a:rPr lang="en-US" dirty="0" err="1"/>
+              <a:t>první</a:t>
+            </a:r>
+            <a:r>
+              <a:rPr lang="en-US" dirty="0"/>
+              <a:t> </a:t>
+            </a:r>
+            <a:r>
+              <a:rPr lang="en-US" dirty="0" err="1"/>
+              <a:t>Velke</a:t>
+            </a:r>
+            <a:r>
+              <a:rPr lang="en-US" dirty="0"/>
+              <a:t> </a:t>
+            </a:r>
+            <a:r>
+              <a:rPr lang="en-US" dirty="0" err="1" smtClean="0"/>
+              <a:t>pismeno</a:t>
+            </a:r>
+            <a:r>
+              <a:rPr lang="cs-CZ" dirty="0" smtClean="0"/>
+              <a:t> </a:t>
+            </a:r>
+            <a:r>
+              <a:rPr lang="cs-CZ" dirty="0"/>
+              <a:t>viz </a:t>
+            </a:r>
+            <a:r>
+              <a:rPr lang="en-US" b="1" dirty="0" err="1"/>
+              <a:t>ToString</a:t>
+            </a:r>
+            <a:r>
+              <a:rPr lang="cs-CZ" b="1" dirty="0" smtClean="0"/>
+              <a:t>() </a:t>
+            </a:r>
+            <a:r>
+              <a:rPr lang="en-US" dirty="0" err="1" smtClean="0"/>
+              <a:t>jinak</a:t>
+            </a:r>
+            <a:r>
+              <a:rPr lang="en-US" dirty="0" smtClean="0"/>
+              <a:t> </a:t>
+            </a:r>
+            <a:r>
+              <a:rPr lang="en-US" dirty="0" err="1"/>
+              <a:t>stejny</a:t>
+            </a:r>
+            <a:r>
+              <a:rPr lang="en-US" dirty="0"/>
+              <a:t> </a:t>
+            </a:r>
+            <a:r>
+              <a:rPr lang="en-US" dirty="0" err="1"/>
+              <a:t>jako</a:t>
+            </a:r>
+            <a:r>
+              <a:rPr lang="en-US" dirty="0"/>
+              <a:t> u </a:t>
+            </a:r>
+            <a:r>
+              <a:rPr lang="en-US" dirty="0" err="1" smtClean="0"/>
+              <a:t>javy</a:t>
+            </a:r>
+            <a:endParaRPr lang="cs-CZ" dirty="0" smtClean="0"/>
+          </a:p>
+          <a:p>
+            <a:pPr fontAlgn="base"/>
+            <a:endParaRPr lang="en-US" dirty="0"/>
+          </a:p>
+          <a:p>
+            <a:pPr fontAlgn="base"/>
+            <a:endParaRPr lang="pt-BR" dirty="0"/>
+          </a:p>
+          <a:p>
+            <a:pPr fontAlgn="base"/>
+            <a:endParaRPr lang="en-US" dirty="0"/>
           </a:p>
         </p:txBody>
       </p:sp>
@@ -8482,12 +8988,744 @@
     <p:custDataLst>
       <p:tags r:id="rId1"/>
     </p:custDataLst>
+    <p:extLst>
+      <p:ext uri="{BB962C8B-B14F-4D97-AF65-F5344CB8AC3E}">
+        <p14:creationId xmlns:p14="http://schemas.microsoft.com/office/powerpoint/2010/main" val="597941734"/>
+      </p:ext>
+    </p:extLst>
   </p:cSld>
   <p:clrMapOvr>
     <a:masterClrMapping/>
   </p:clrMapOvr>
-  <p:transition>
-    <p:fade/>
+  <p:transition spd="slow">
+    <p:wipe dir="d"/>
+  </p:transition>
+  <p:timing>
+    <p:tnLst>
+      <p:par>
+        <p:cTn id="1" dur="indefinite" restart="never" nodeType="tmRoot"/>
+      </p:par>
+    </p:tnLst>
+  </p:timing>
+</p:sld>
+</file>
+
+<file path=ppt/slides/slide18.xml><?xml version="1.0" encoding="utf-8"?>
+<p:sld xmlns:a="http://schemas.openxmlformats.org/drawingml/2006/main" xmlns:r="http://schemas.openxmlformats.org/officeDocument/2006/relationships" xmlns:p="http://schemas.openxmlformats.org/presentationml/2006/main">
+  <p:cSld>
+    <p:spTree>
+      <p:nvGrpSpPr>
+        <p:cNvPr id="1" name=""/>
+        <p:cNvGrpSpPr/>
+        <p:nvPr/>
+      </p:nvGrpSpPr>
+      <p:grpSpPr>
+        <a:xfrm>
+          <a:off x="0" y="0"/>
+          <a:ext cx="0" cy="0"/>
+          <a:chOff x="0" y="0"/>
+          <a:chExt cx="0" cy="0"/>
+        </a:xfrm>
+      </p:grpSpPr>
+      <p:sp>
+        <p:nvSpPr>
+          <p:cNvPr id="2" name="Title 1"/>
+          <p:cNvSpPr>
+            <a:spLocks noGrp="1"/>
+          </p:cNvSpPr>
+          <p:nvPr>
+            <p:ph type="title"/>
+            <p:custDataLst>
+              <p:tags r:id="rId2"/>
+            </p:custDataLst>
+          </p:nvPr>
+        </p:nvSpPr>
+        <p:spPr/>
+        <p:txBody>
+          <a:bodyPr>
+            <a:normAutofit/>
+          </a:bodyPr>
+          <a:lstStyle/>
+          <a:p>
+            <a:r>
+              <a:rPr lang="cs-CZ" dirty="0" err="1" smtClean="0"/>
+              <a:t>Object</a:t>
+            </a:r>
+            <a:r>
+              <a:rPr lang="cs-CZ" dirty="0" smtClean="0"/>
+              <a:t> a </a:t>
+            </a:r>
+            <a:r>
+              <a:rPr lang="en-US" dirty="0" err="1" smtClean="0"/>
+              <a:t>ValueType</a:t>
+            </a:r>
+            <a:endParaRPr lang="en-US" dirty="0"/>
+          </a:p>
+        </p:txBody>
+      </p:sp>
+      <p:sp>
+        <p:nvSpPr>
+          <p:cNvPr id="5" name="Content Placeholder 4"/>
+          <p:cNvSpPr>
+            <a:spLocks noGrp="1"/>
+          </p:cNvSpPr>
+          <p:nvPr>
+            <p:ph idx="1"/>
+            <p:custDataLst>
+              <p:tags r:id="rId3"/>
+            </p:custDataLst>
+          </p:nvPr>
+        </p:nvSpPr>
+        <p:spPr/>
+        <p:txBody>
+          <a:bodyPr>
+            <a:normAutofit fontScale="92500" lnSpcReduction="20000"/>
+          </a:bodyPr>
+          <a:lstStyle/>
+          <a:p>
+            <a:pPr fontAlgn="base"/>
+            <a:r>
+              <a:rPr lang="cs-CZ" dirty="0" err="1" smtClean="0"/>
+              <a:t>Class</a:t>
+            </a:r>
+            <a:r>
+              <a:rPr lang="cs-CZ" dirty="0" smtClean="0"/>
+              <a:t> dědí po </a:t>
+            </a:r>
+            <a:r>
+              <a:rPr lang="cs-CZ" dirty="0" err="1" smtClean="0"/>
+              <a:t>Object</a:t>
+            </a:r>
+            <a:endParaRPr lang="cs-CZ" dirty="0"/>
+          </a:p>
+          <a:p>
+            <a:pPr fontAlgn="base"/>
+            <a:r>
+              <a:rPr lang="cs-CZ" dirty="0" err="1" smtClean="0"/>
+              <a:t>Struct</a:t>
+            </a:r>
+            <a:r>
+              <a:rPr lang="cs-CZ" dirty="0" smtClean="0"/>
+              <a:t> dědí po </a:t>
+            </a:r>
+            <a:r>
+              <a:rPr lang="en-US" dirty="0" err="1" smtClean="0"/>
+              <a:t>ValueType</a:t>
+            </a:r>
+            <a:r>
+              <a:rPr lang="cs-CZ" dirty="0" smtClean="0"/>
+              <a:t> (neexistuje metoda </a:t>
+            </a:r>
+            <a:r>
+              <a:rPr lang="en-US" dirty="0" err="1" smtClean="0"/>
+              <a:t>GetType</a:t>
+            </a:r>
+            <a:r>
+              <a:rPr lang="cs-CZ" dirty="0" smtClean="0"/>
+              <a:t>(), destruktor a static metody </a:t>
+            </a:r>
+            <a:r>
+              <a:rPr lang="en-US" dirty="0" smtClean="0"/>
+              <a:t>Equals</a:t>
+            </a:r>
+            <a:endParaRPr lang="en-US" dirty="0"/>
+          </a:p>
+          <a:p>
+            <a:pPr fontAlgn="base"/>
+            <a:r>
+              <a:rPr lang="cs-CZ" dirty="0" smtClean="0"/>
+              <a:t>)</a:t>
+            </a:r>
+          </a:p>
+          <a:p>
+            <a:pPr fontAlgn="base"/>
+            <a:r>
+              <a:rPr lang="cs-CZ" b="1" dirty="0" err="1"/>
+              <a:t>string</a:t>
+            </a:r>
+            <a:r>
+              <a:rPr lang="cs-CZ" dirty="0"/>
+              <a:t> je alias k </a:t>
+            </a:r>
+            <a:r>
+              <a:rPr lang="cs-CZ" b="1" dirty="0" err="1"/>
+              <a:t>System.String</a:t>
+            </a:r>
+            <a:r>
+              <a:rPr lang="cs-CZ" b="1" dirty="0"/>
+              <a:t> </a:t>
+            </a:r>
+            <a:r>
+              <a:rPr lang="cs-CZ" dirty="0"/>
+              <a:t>je vždy </a:t>
+            </a:r>
+            <a:r>
+              <a:rPr lang="cs-CZ" dirty="0" err="1"/>
+              <a:t>immutable</a:t>
+            </a:r>
+            <a:r>
+              <a:rPr lang="cs-CZ" dirty="0"/>
+              <a:t> tzn. </a:t>
+            </a:r>
+            <a:r>
+              <a:rPr lang="cs-CZ" dirty="0" err="1"/>
+              <a:t>muze</a:t>
+            </a:r>
+            <a:r>
+              <a:rPr lang="cs-CZ" dirty="0"/>
+              <a:t> se </a:t>
+            </a:r>
+            <a:r>
+              <a:rPr lang="cs-CZ" dirty="0" err="1"/>
+              <a:t>pouzivat</a:t>
+            </a:r>
+            <a:r>
+              <a:rPr lang="cs-CZ" dirty="0"/>
+              <a:t> ==</a:t>
+            </a:r>
+            <a:endParaRPr lang="cs-CZ" b="1" dirty="0"/>
+          </a:p>
+          <a:p>
+            <a:pPr fontAlgn="base"/>
+            <a:r>
+              <a:rPr lang="cs-CZ" b="1" dirty="0" err="1"/>
+              <a:t>ToString</a:t>
+            </a:r>
+            <a:r>
+              <a:rPr lang="cs-CZ" dirty="0"/>
+              <a:t>() </a:t>
+            </a:r>
+            <a:r>
+              <a:rPr lang="cs-CZ" b="1" dirty="0" smtClean="0">
+                <a:solidFill>
+                  <a:srgbClr val="FF0000"/>
+                </a:solidFill>
+              </a:rPr>
+              <a:t>pozor double </a:t>
+            </a:r>
+            <a:r>
+              <a:rPr lang="cs-CZ" b="1" dirty="0" err="1" smtClean="0">
+                <a:solidFill>
+                  <a:srgbClr val="FF0000"/>
+                </a:solidFill>
+              </a:rPr>
+              <a:t>apod</a:t>
+            </a:r>
+            <a:r>
+              <a:rPr lang="cs-CZ" b="1" dirty="0" smtClean="0">
+                <a:solidFill>
+                  <a:srgbClr val="FF0000"/>
+                </a:solidFill>
+              </a:rPr>
+              <a:t> </a:t>
+            </a:r>
+            <a:r>
+              <a:rPr lang="en-US" b="1" dirty="0" err="1" smtClean="0">
+                <a:solidFill>
+                  <a:srgbClr val="FF0000"/>
+                </a:solidFill>
+              </a:rPr>
+              <a:t>závislý</a:t>
+            </a:r>
+            <a:r>
+              <a:rPr lang="en-US" b="1" dirty="0" smtClean="0">
+                <a:solidFill>
+                  <a:srgbClr val="FF0000"/>
+                </a:solidFill>
+              </a:rPr>
+              <a:t> </a:t>
+            </a:r>
+            <a:r>
+              <a:rPr lang="en-US" b="1" dirty="0" err="1">
+                <a:solidFill>
+                  <a:srgbClr val="FF0000"/>
+                </a:solidFill>
+              </a:rPr>
+              <a:t>na</a:t>
+            </a:r>
+            <a:r>
+              <a:rPr lang="en-US" b="1" dirty="0">
+                <a:solidFill>
+                  <a:srgbClr val="FF0000"/>
+                </a:solidFill>
+              </a:rPr>
+              <a:t> local </a:t>
+            </a:r>
+            <a:r>
+              <a:rPr lang="en-US" b="1" dirty="0" err="1">
+                <a:solidFill>
+                  <a:srgbClr val="FF0000"/>
+                </a:solidFill>
+              </a:rPr>
+              <a:t>nastavení</a:t>
+            </a:r>
+            <a:r>
+              <a:rPr lang="en-US" b="1" dirty="0">
+                <a:solidFill>
+                  <a:srgbClr val="FF0000"/>
+                </a:solidFill>
+              </a:rPr>
+              <a:t> </a:t>
+            </a:r>
+            <a:r>
+              <a:rPr lang="en-US" b="1" dirty="0" err="1">
+                <a:solidFill>
+                  <a:srgbClr val="FF0000"/>
+                </a:solidFill>
+              </a:rPr>
+              <a:t>počítače</a:t>
+            </a:r>
+            <a:r>
+              <a:rPr lang="en-US" b="1" dirty="0">
+                <a:solidFill>
+                  <a:srgbClr val="FF0000"/>
+                </a:solidFill>
+              </a:rPr>
+              <a:t> -&gt; </a:t>
+            </a:r>
+            <a:r>
+              <a:rPr lang="en-US" b="1" dirty="0" err="1">
+                <a:solidFill>
+                  <a:srgbClr val="FF0000"/>
+                </a:solidFill>
+              </a:rPr>
+              <a:t>doporucuju</a:t>
+            </a:r>
+            <a:r>
+              <a:rPr lang="en-US" b="1" dirty="0">
+                <a:solidFill>
+                  <a:srgbClr val="FF0000"/>
+                </a:solidFill>
+              </a:rPr>
+              <a:t> </a:t>
+            </a:r>
+            <a:r>
+              <a:rPr lang="en-US" b="1" dirty="0" err="1">
+                <a:solidFill>
+                  <a:srgbClr val="FF0000"/>
+                </a:solidFill>
+              </a:rPr>
+              <a:t>si</a:t>
+            </a:r>
+            <a:r>
+              <a:rPr lang="en-US" b="1" dirty="0">
+                <a:solidFill>
+                  <a:srgbClr val="FF0000"/>
+                </a:solidFill>
+              </a:rPr>
+              <a:t> </a:t>
+            </a:r>
+            <a:r>
+              <a:rPr lang="en-US" b="1" dirty="0" err="1">
+                <a:solidFill>
+                  <a:srgbClr val="FF0000"/>
+                </a:solidFill>
+              </a:rPr>
+              <a:t>napsat</a:t>
+            </a:r>
+            <a:r>
+              <a:rPr lang="en-US" b="1" dirty="0">
+                <a:solidFill>
+                  <a:srgbClr val="FF0000"/>
+                </a:solidFill>
+              </a:rPr>
+              <a:t> extension static </a:t>
+            </a:r>
+            <a:r>
+              <a:rPr lang="en-US" b="1" dirty="0" err="1">
+                <a:solidFill>
+                  <a:srgbClr val="FF0000"/>
+                </a:solidFill>
+              </a:rPr>
+              <a:t>metody</a:t>
+            </a:r>
+            <a:r>
+              <a:rPr lang="en-US" b="1" dirty="0">
+                <a:solidFill>
+                  <a:srgbClr val="FF0000"/>
+                </a:solidFill>
+              </a:rPr>
+              <a:t> </a:t>
+            </a:r>
+            <a:r>
+              <a:rPr lang="en-US" b="1" dirty="0" err="1">
+                <a:solidFill>
+                  <a:srgbClr val="FF0000"/>
+                </a:solidFill>
+              </a:rPr>
+              <a:t>MoneyToString</a:t>
+            </a:r>
+            <a:r>
+              <a:rPr lang="en-US" b="1" dirty="0">
+                <a:solidFill>
+                  <a:srgbClr val="FF0000"/>
+                </a:solidFill>
+              </a:rPr>
+              <a:t>() </a:t>
+            </a:r>
+            <a:r>
+              <a:rPr lang="en-US" b="1" dirty="0" err="1">
+                <a:solidFill>
+                  <a:srgbClr val="FF0000"/>
+                </a:solidFill>
+              </a:rPr>
+              <a:t>apod</a:t>
+            </a:r>
+            <a:r>
+              <a:rPr lang="en-US" b="1" dirty="0">
+                <a:solidFill>
+                  <a:srgbClr val="FF0000"/>
+                </a:solidFill>
+              </a:rPr>
+              <a:t>. </a:t>
+            </a:r>
+            <a:r>
+              <a:rPr lang="en-US" b="1" dirty="0" err="1">
+                <a:solidFill>
+                  <a:srgbClr val="FF0000"/>
+                </a:solidFill>
+              </a:rPr>
+              <a:t>viz</a:t>
+            </a:r>
+            <a:r>
+              <a:rPr lang="en-US" b="1" dirty="0">
+                <a:solidFill>
+                  <a:srgbClr val="FF0000"/>
+                </a:solidFill>
+              </a:rPr>
+              <a:t> </a:t>
+            </a:r>
+            <a:r>
+              <a:rPr lang="en-US" b="1" dirty="0" err="1">
+                <a:solidFill>
+                  <a:srgbClr val="FF0000"/>
+                </a:solidFill>
+              </a:rPr>
+              <a:t>priklad</a:t>
+            </a:r>
+            <a:r>
+              <a:rPr lang="en-US" b="1" dirty="0">
+                <a:solidFill>
+                  <a:srgbClr val="FF0000"/>
+                </a:solidFill>
+              </a:rPr>
+              <a:t> </a:t>
+            </a:r>
+            <a:r>
+              <a:rPr lang="en-US" b="1" dirty="0" err="1">
+                <a:solidFill>
+                  <a:srgbClr val="FF0000"/>
+                </a:solidFill>
+              </a:rPr>
+              <a:t>TestToStringCulture.cs</a:t>
+            </a:r>
+            <a:endParaRPr lang="cs-CZ" b="1" dirty="0">
+              <a:solidFill>
+                <a:srgbClr val="FF0000"/>
+              </a:solidFill>
+            </a:endParaRPr>
+          </a:p>
+          <a:p>
+            <a:pPr fontAlgn="base"/>
+            <a:endParaRPr lang="en-US" dirty="0"/>
+          </a:p>
+          <a:p>
+            <a:pPr marL="0" indent="0" fontAlgn="base">
+              <a:buNone/>
+            </a:pPr>
+            <a:endParaRPr lang="en-US" dirty="0"/>
+          </a:p>
+          <a:p>
+            <a:pPr fontAlgn="base"/>
+            <a:endParaRPr lang="pt-BR" dirty="0"/>
+          </a:p>
+          <a:p>
+            <a:pPr fontAlgn="base"/>
+            <a:endParaRPr lang="en-US" dirty="0"/>
+          </a:p>
+        </p:txBody>
+      </p:sp>
+    </p:spTree>
+    <p:custDataLst>
+      <p:tags r:id="rId1"/>
+    </p:custDataLst>
+    <p:extLst>
+      <p:ext uri="{BB962C8B-B14F-4D97-AF65-F5344CB8AC3E}">
+        <p14:creationId xmlns:p14="http://schemas.microsoft.com/office/powerpoint/2010/main" val="375692060"/>
+      </p:ext>
+    </p:extLst>
+  </p:cSld>
+  <p:clrMapOvr>
+    <a:masterClrMapping/>
+  </p:clrMapOvr>
+  <p:transition spd="slow">
+    <p:wipe dir="d"/>
+  </p:transition>
+  <p:timing>
+    <p:tnLst>
+      <p:par>
+        <p:cTn id="1" dur="indefinite" restart="never" nodeType="tmRoot"/>
+      </p:par>
+    </p:tnLst>
+  </p:timing>
+</p:sld>
+</file>
+
+<file path=ppt/slides/slide19.xml><?xml version="1.0" encoding="utf-8"?>
+<p:sld xmlns:a="http://schemas.openxmlformats.org/drawingml/2006/main" xmlns:r="http://schemas.openxmlformats.org/officeDocument/2006/relationships" xmlns:p="http://schemas.openxmlformats.org/presentationml/2006/main">
+  <p:cSld>
+    <p:spTree>
+      <p:nvGrpSpPr>
+        <p:cNvPr id="1" name=""/>
+        <p:cNvGrpSpPr/>
+        <p:nvPr/>
+      </p:nvGrpSpPr>
+      <p:grpSpPr>
+        <a:xfrm>
+          <a:off x="0" y="0"/>
+          <a:ext cx="0" cy="0"/>
+          <a:chOff x="0" y="0"/>
+          <a:chExt cx="0" cy="0"/>
+        </a:xfrm>
+      </p:grpSpPr>
+      <p:sp>
+        <p:nvSpPr>
+          <p:cNvPr id="2" name="Title 1"/>
+          <p:cNvSpPr>
+            <a:spLocks noGrp="1"/>
+          </p:cNvSpPr>
+          <p:nvPr>
+            <p:ph type="title"/>
+            <p:custDataLst>
+              <p:tags r:id="rId2"/>
+            </p:custDataLst>
+          </p:nvPr>
+        </p:nvSpPr>
+        <p:spPr/>
+        <p:txBody>
+          <a:bodyPr/>
+          <a:lstStyle/>
+          <a:p>
+            <a:r>
+              <a:rPr lang="cs-CZ" dirty="0" smtClean="0"/>
+              <a:t>Kolekce</a:t>
+            </a:r>
+            <a:endParaRPr lang="en-US" dirty="0"/>
+          </a:p>
+        </p:txBody>
+      </p:sp>
+      <p:sp>
+        <p:nvSpPr>
+          <p:cNvPr id="5" name="Content Placeholder 4"/>
+          <p:cNvSpPr>
+            <a:spLocks noGrp="1"/>
+          </p:cNvSpPr>
+          <p:nvPr>
+            <p:ph idx="1"/>
+            <p:custDataLst>
+              <p:tags r:id="rId3"/>
+            </p:custDataLst>
+          </p:nvPr>
+        </p:nvSpPr>
+        <p:spPr/>
+        <p:txBody>
+          <a:bodyPr>
+            <a:normAutofit lnSpcReduction="10000"/>
+          </a:bodyPr>
+          <a:lstStyle/>
+          <a:p>
+            <a:pPr fontAlgn="base"/>
+            <a:r>
+              <a:rPr lang="cs-CZ" dirty="0" smtClean="0"/>
+              <a:t>K</a:t>
+            </a:r>
+            <a:r>
+              <a:rPr lang="en-US" dirty="0" err="1" smtClean="0"/>
+              <a:t>olekce</a:t>
+            </a:r>
+            <a:r>
+              <a:rPr lang="en-US" dirty="0" smtClean="0"/>
+              <a:t> z</a:t>
+            </a:r>
+            <a:r>
+              <a:rPr lang="cs-CZ" dirty="0" smtClean="0"/>
+              <a:t>e</a:t>
+            </a:r>
+            <a:r>
+              <a:rPr lang="en-US" dirty="0" smtClean="0"/>
+              <a:t> </a:t>
+            </a:r>
+            <a:r>
+              <a:rPr lang="en-US" dirty="0" err="1"/>
+              <a:t>dvou</a:t>
+            </a:r>
+            <a:r>
+              <a:rPr lang="en-US" dirty="0"/>
+              <a:t> namespace </a:t>
+            </a:r>
+            <a:r>
+              <a:rPr lang="en-US" b="1" dirty="0" err="1"/>
+              <a:t>System.Collections</a:t>
+            </a:r>
+            <a:r>
+              <a:rPr lang="en-US" dirty="0"/>
+              <a:t> a </a:t>
+            </a:r>
+            <a:r>
+              <a:rPr lang="en-US" b="1" dirty="0" err="1"/>
+              <a:t>System.Collections.Generic</a:t>
+            </a:r>
+            <a:r>
+              <a:rPr lang="en-US" dirty="0"/>
+              <a:t> </a:t>
+            </a:r>
+            <a:endParaRPr lang="cs-CZ" dirty="0" smtClean="0"/>
+          </a:p>
+          <a:p>
+            <a:pPr fontAlgn="base"/>
+            <a:r>
+              <a:rPr lang="en-US" dirty="0" err="1" smtClean="0"/>
+              <a:t>pouzivat</a:t>
+            </a:r>
+            <a:r>
+              <a:rPr lang="en-US" dirty="0" smtClean="0"/>
+              <a:t> </a:t>
+            </a:r>
+            <a:r>
+              <a:rPr lang="en-US" dirty="0" err="1"/>
+              <a:t>misto</a:t>
+            </a:r>
+            <a:r>
+              <a:rPr lang="en-US" dirty="0"/>
+              <a:t> </a:t>
+            </a:r>
+            <a:r>
+              <a:rPr lang="en-US" dirty="0" err="1"/>
+              <a:t>ICollection</a:t>
+            </a:r>
+            <a:r>
+              <a:rPr lang="en-US" dirty="0"/>
+              <a:t> </a:t>
+            </a:r>
+            <a:r>
+              <a:rPr lang="en-US" dirty="0" err="1"/>
+              <a:t>nebo</a:t>
+            </a:r>
+            <a:r>
+              <a:rPr lang="en-US" dirty="0"/>
+              <a:t> </a:t>
+            </a:r>
+            <a:r>
+              <a:rPr lang="en-US" dirty="0" err="1"/>
+              <a:t>IList</a:t>
+            </a:r>
+            <a:r>
+              <a:rPr lang="en-US" dirty="0"/>
+              <a:t> </a:t>
+            </a:r>
+            <a:r>
+              <a:rPr lang="cs-CZ" b="1" dirty="0" smtClean="0"/>
+              <a:t>IE</a:t>
+            </a:r>
+            <a:r>
+              <a:rPr lang="en-US" b="1" dirty="0" smtClean="0"/>
+              <a:t>numerable</a:t>
+            </a:r>
+            <a:r>
+              <a:rPr lang="cs-CZ" b="1" dirty="0" smtClean="0"/>
+              <a:t>&lt;&gt;</a:t>
+            </a:r>
+          </a:p>
+          <a:p>
+            <a:pPr fontAlgn="base"/>
+            <a:r>
+              <a:rPr lang="cs-CZ" dirty="0" smtClean="0"/>
+              <a:t>Místo mapy je </a:t>
+            </a:r>
+            <a:r>
+              <a:rPr lang="cs-CZ" dirty="0" err="1" smtClean="0"/>
+              <a:t>IDictionary</a:t>
+            </a:r>
+            <a:r>
+              <a:rPr lang="cs-CZ" dirty="0" smtClean="0"/>
+              <a:t>&lt;,&gt;</a:t>
+            </a:r>
+          </a:p>
+          <a:p>
+            <a:pPr fontAlgn="base"/>
+            <a:r>
+              <a:rPr lang="cs-CZ" dirty="0" smtClean="0"/>
+              <a:t>Do kolekce lze </a:t>
+            </a:r>
+            <a:r>
+              <a:rPr lang="cs-CZ" dirty="0" err="1" smtClean="0"/>
+              <a:t>vkladat</a:t>
+            </a:r>
+            <a:r>
+              <a:rPr lang="cs-CZ" dirty="0" smtClean="0"/>
+              <a:t> </a:t>
+            </a:r>
+            <a:r>
+              <a:rPr lang="cs-CZ" dirty="0" err="1" smtClean="0"/>
+              <a:t>struct</a:t>
+            </a:r>
+            <a:r>
+              <a:rPr lang="cs-CZ" dirty="0" smtClean="0"/>
+              <a:t> tzn. </a:t>
+            </a:r>
+            <a:r>
+              <a:rPr lang="cs-CZ" dirty="0" err="1" smtClean="0"/>
+              <a:t>int</a:t>
+            </a:r>
+            <a:r>
+              <a:rPr lang="cs-CZ" dirty="0" smtClean="0"/>
+              <a:t> apod.</a:t>
+            </a:r>
+          </a:p>
+          <a:p>
+            <a:pPr fontAlgn="base"/>
+            <a:r>
+              <a:rPr lang="cs-CZ" dirty="0" smtClean="0"/>
+              <a:t>Lze použít </a:t>
+            </a:r>
+            <a:r>
+              <a:rPr lang="cs-CZ" dirty="0" err="1" smtClean="0"/>
+              <a:t>instanceof</a:t>
+            </a:r>
+            <a:r>
+              <a:rPr lang="cs-CZ" dirty="0" smtClean="0"/>
+              <a:t> T</a:t>
+            </a:r>
+          </a:p>
+          <a:p>
+            <a:pPr fontAlgn="base"/>
+            <a:endParaRPr lang="en-US" dirty="0"/>
+          </a:p>
+          <a:p>
+            <a:pPr fontAlgn="base"/>
+            <a:endParaRPr lang="pt-BR" dirty="0"/>
+          </a:p>
+          <a:p>
+            <a:pPr fontAlgn="base"/>
+            <a:endParaRPr lang="en-US" dirty="0"/>
+          </a:p>
+        </p:txBody>
+      </p:sp>
+    </p:spTree>
+    <p:custDataLst>
+      <p:tags r:id="rId1"/>
+    </p:custDataLst>
+    <p:extLst>
+      <p:ext uri="{BB962C8B-B14F-4D97-AF65-F5344CB8AC3E}">
+        <p14:creationId xmlns:p14="http://schemas.microsoft.com/office/powerpoint/2010/main" val="2224911890"/>
+      </p:ext>
+    </p:extLst>
+  </p:cSld>
+  <p:clrMapOvr>
+    <a:masterClrMapping/>
+  </p:clrMapOvr>
+  <p:transition spd="slow">
+    <p:wipe dir="d"/>
   </p:transition>
   <p:timing>
     <p:tnLst>
@@ -8640,6 +9878,223 @@
 </p:sld>
 </file>
 
+<file path=ppt/slides/slide20.xml><?xml version="1.0" encoding="utf-8"?>
+<p:sld xmlns:a="http://schemas.openxmlformats.org/drawingml/2006/main" xmlns:r="http://schemas.openxmlformats.org/officeDocument/2006/relationships" xmlns:p="http://schemas.openxmlformats.org/presentationml/2006/main">
+  <p:cSld>
+    <p:spTree>
+      <p:nvGrpSpPr>
+        <p:cNvPr id="1" name=""/>
+        <p:cNvGrpSpPr/>
+        <p:nvPr/>
+      </p:nvGrpSpPr>
+      <p:grpSpPr>
+        <a:xfrm>
+          <a:off x="0" y="0"/>
+          <a:ext cx="0" cy="0"/>
+          <a:chOff x="0" y="0"/>
+          <a:chExt cx="0" cy="0"/>
+        </a:xfrm>
+      </p:grpSpPr>
+      <p:sp>
+        <p:nvSpPr>
+          <p:cNvPr id="2" name="Title 1"/>
+          <p:cNvSpPr>
+            <a:spLocks noGrp="1"/>
+          </p:cNvSpPr>
+          <p:nvPr>
+            <p:ph type="title"/>
+            <p:custDataLst>
+              <p:tags r:id="rId2"/>
+            </p:custDataLst>
+          </p:nvPr>
+        </p:nvSpPr>
+        <p:spPr/>
+        <p:txBody>
+          <a:bodyPr/>
+          <a:lstStyle/>
+          <a:p>
+            <a:r>
+              <a:rPr lang="cs-CZ" dirty="0"/>
+              <a:t>Komunita</a:t>
+            </a:r>
+            <a:endParaRPr lang="en-US" dirty="0"/>
+          </a:p>
+        </p:txBody>
+      </p:sp>
+      <p:sp>
+        <p:nvSpPr>
+          <p:cNvPr id="5" name="Content Placeholder 4"/>
+          <p:cNvSpPr>
+            <a:spLocks noGrp="1"/>
+          </p:cNvSpPr>
+          <p:nvPr>
+            <p:ph idx="1"/>
+            <p:custDataLst>
+              <p:tags r:id="rId3"/>
+            </p:custDataLst>
+          </p:nvPr>
+        </p:nvSpPr>
+        <p:spPr/>
+        <p:txBody>
+          <a:bodyPr>
+            <a:normAutofit/>
+          </a:bodyPr>
+          <a:lstStyle/>
+          <a:p>
+            <a:pPr marL="514350" indent="-457200" fontAlgn="base"/>
+            <a:r>
+              <a:rPr lang="en-US" b="1" dirty="0" smtClean="0">
+                <a:solidFill>
+                  <a:srgbClr val="FF0000"/>
+                </a:solidFill>
+              </a:rPr>
+              <a:t>www.codeplex.com</a:t>
+            </a:r>
+            <a:endParaRPr lang="cs-CZ" b="1" dirty="0" smtClean="0">
+              <a:solidFill>
+                <a:srgbClr val="FF0000"/>
+              </a:solidFill>
+            </a:endParaRPr>
+          </a:p>
+          <a:p>
+            <a:pPr marL="514350" indent="-457200" fontAlgn="base"/>
+            <a:r>
+              <a:rPr lang="en-US" dirty="0" smtClean="0"/>
+              <a:t>code.google.com</a:t>
+            </a:r>
+            <a:endParaRPr lang="cs-CZ" dirty="0" smtClean="0"/>
+          </a:p>
+          <a:p>
+            <a:pPr marL="514350" indent="-457200" fontAlgn="base"/>
+            <a:r>
+              <a:rPr lang="en-US" dirty="0" smtClean="0"/>
+              <a:t>www.github.com</a:t>
+            </a:r>
+            <a:endParaRPr lang="cs-CZ" dirty="0" smtClean="0"/>
+          </a:p>
+          <a:p>
+            <a:pPr marL="514350" indent="-457200" fontAlgn="base"/>
+            <a:r>
+              <a:rPr lang="en-US" dirty="0" smtClean="0"/>
+              <a:t>wug.cz/</a:t>
+            </a:r>
+            <a:r>
+              <a:rPr lang="en-US" dirty="0" err="1" smtClean="0"/>
+              <a:t>zaznamy</a:t>
+            </a:r>
+            <a:endParaRPr lang="cs-CZ" dirty="0" smtClean="0"/>
+          </a:p>
+          <a:p>
+            <a:pPr marL="514350" indent="-457200" fontAlgn="base"/>
+            <a:r>
+              <a:rPr lang="cs-CZ" dirty="0" smtClean="0"/>
+              <a:t>www.</a:t>
+            </a:r>
+            <a:r>
+              <a:rPr lang="en-US" dirty="0" smtClean="0"/>
+              <a:t>mstv.cz</a:t>
+            </a:r>
+          </a:p>
+        </p:txBody>
+      </p:sp>
+    </p:spTree>
+    <p:custDataLst>
+      <p:tags r:id="rId1"/>
+    </p:custDataLst>
+    <p:extLst>
+      <p:ext uri="{BB962C8B-B14F-4D97-AF65-F5344CB8AC3E}">
+        <p14:creationId xmlns:p14="http://schemas.microsoft.com/office/powerpoint/2010/main" val="2912075712"/>
+      </p:ext>
+    </p:extLst>
+  </p:cSld>
+  <p:clrMapOvr>
+    <a:masterClrMapping/>
+  </p:clrMapOvr>
+  <p:transition spd="slow">
+    <p:wipe dir="d"/>
+  </p:transition>
+  <p:timing>
+    <p:tnLst>
+      <p:par>
+        <p:cTn id="1" dur="indefinite" restart="never" nodeType="tmRoot"/>
+      </p:par>
+    </p:tnLst>
+  </p:timing>
+</p:sld>
+</file>
+
+<file path=ppt/slides/slide21.xml><?xml version="1.0" encoding="utf-8"?>
+<p:sld xmlns:a="http://schemas.openxmlformats.org/drawingml/2006/main" xmlns:r="http://schemas.openxmlformats.org/officeDocument/2006/relationships" xmlns:p="http://schemas.openxmlformats.org/presentationml/2006/main">
+  <p:cSld>
+    <p:spTree>
+      <p:nvGrpSpPr>
+        <p:cNvPr id="1" name=""/>
+        <p:cNvGrpSpPr/>
+        <p:nvPr/>
+      </p:nvGrpSpPr>
+      <p:grpSpPr>
+        <a:xfrm>
+          <a:off x="0" y="0"/>
+          <a:ext cx="0" cy="0"/>
+          <a:chOff x="0" y="0"/>
+          <a:chExt cx="0" cy="0"/>
+        </a:xfrm>
+      </p:grpSpPr>
+      <p:sp>
+        <p:nvSpPr>
+          <p:cNvPr id="620546" name="Rectangle 2"/>
+          <p:cNvSpPr>
+            <a:spLocks noGrp="1" noChangeArrowheads="1"/>
+          </p:cNvSpPr>
+          <p:nvPr>
+            <p:ph type="title"/>
+            <p:custDataLst>
+              <p:tags r:id="rId2"/>
+            </p:custDataLst>
+          </p:nvPr>
+        </p:nvSpPr>
+        <p:spPr/>
+        <p:txBody>
+          <a:bodyPr>
+            <a:normAutofit/>
+          </a:bodyPr>
+          <a:lstStyle/>
+          <a:p>
+            <a:pPr>
+              <a:defRPr/>
+            </a:pPr>
+            <a:r>
+              <a:rPr lang="cs-CZ" dirty="0" smtClean="0"/>
+              <a:t>Otázky</a:t>
+            </a:r>
+            <a:r>
+              <a:rPr lang="en-US" dirty="0" smtClean="0"/>
+              <a:t>?</a:t>
+            </a:r>
+          </a:p>
+        </p:txBody>
+      </p:sp>
+    </p:spTree>
+    <p:custDataLst>
+      <p:tags r:id="rId1"/>
+    </p:custDataLst>
+  </p:cSld>
+  <p:clrMapOvr>
+    <a:masterClrMapping/>
+  </p:clrMapOvr>
+  <p:transition>
+    <p:fade/>
+  </p:transition>
+  <p:timing>
+    <p:tnLst>
+      <p:par>
+        <p:cTn id="1" dur="indefinite" restart="never" nodeType="tmRoot"/>
+      </p:par>
+    </p:tnLst>
+  </p:timing>
+</p:sld>
+</file>
+
 <file path=ppt/slides/slide3.xml><?xml version="1.0" encoding="utf-8"?>
 <p:sld xmlns:a="http://schemas.openxmlformats.org/drawingml/2006/main" xmlns:r="http://schemas.openxmlformats.org/officeDocument/2006/relationships" xmlns:p="http://schemas.openxmlformats.org/presentationml/2006/main">
   <p:cSld>
@@ -8677,7 +10132,11 @@
           <a:p>
             <a:r>
               <a:rPr lang="cs-CZ" dirty="0" smtClean="0"/>
-              <a:t>Platforma - pojmenování</a:t>
+              <a:t>Platforma - </a:t>
+            </a:r>
+            <a:r>
+              <a:rPr lang="cs-CZ" dirty="0" smtClean="0"/>
+              <a:t>zkratky</a:t>
             </a:r>
             <a:endParaRPr lang="en-US" dirty="0"/>
           </a:p>
@@ -8696,21 +10155,62 @@
             </p:custDataLst>
           </p:nvPr>
         </p:nvSpPr>
-        <p:spPr/>
+        <p:spPr>
+          <a:xfrm>
+            <a:off x="611560" y="1596413"/>
+            <a:ext cx="8496944" cy="4784915"/>
+          </a:xfrm>
+        </p:spPr>
         <p:txBody>
           <a:bodyPr>
-            <a:normAutofit/>
+            <a:normAutofit fontScale="85000" lnSpcReduction="10000"/>
           </a:bodyPr>
           <a:lstStyle/>
           <a:p>
             <a:pPr fontAlgn="base"/>
             <a:r>
+              <a:rPr lang="cs-CZ" dirty="0" smtClean="0"/>
+              <a:t>C</a:t>
+            </a:r>
+            <a:r>
               <a:rPr lang="en-US" b="1" dirty="0" smtClean="0"/>
               <a:t>IL </a:t>
             </a:r>
             <a:r>
+              <a:rPr lang="en-US" dirty="0" smtClean="0"/>
+              <a:t>(</a:t>
+            </a:r>
+            <a:r>
+              <a:rPr lang="cs-CZ" dirty="0" err="1" smtClean="0"/>
+              <a:t>Common</a:t>
+            </a:r>
+            <a:r>
+              <a:rPr lang="cs-CZ" dirty="0" smtClean="0"/>
+              <a:t> </a:t>
+            </a:r>
+            <a:r>
+              <a:rPr lang="en-US" dirty="0" smtClean="0"/>
+              <a:t>Intermediate </a:t>
+            </a:r>
+            <a:r>
               <a:rPr lang="en-US" dirty="0"/>
-              <a:t>(Intermediate Language) == byte </a:t>
+              <a:t>Language</a:t>
+            </a:r>
+            <a:r>
+              <a:rPr lang="en-US" dirty="0" smtClean="0"/>
+              <a:t>)</a:t>
+            </a:r>
+            <a:r>
+              <a:rPr lang="cs-CZ" dirty="0" smtClean="0"/>
+              <a:t> někdy jenom IL</a:t>
+            </a:r>
+            <a:r>
+              <a:rPr lang="en-US" dirty="0" smtClean="0"/>
+              <a:t> == </a:t>
+            </a:r>
+            <a:r>
+              <a:rPr lang="en-US" dirty="0"/>
+              <a:t>byte </a:t>
             </a:r>
             <a:r>
               <a:rPr lang="en-US" dirty="0" smtClean="0"/>
@@ -8726,7 +10226,15 @@
             </a:r>
             <a:r>
               <a:rPr lang="en-US" dirty="0"/>
-              <a:t>(Common Language Runtime) ==  </a:t>
+              <a:t>(Common Language Runtime) </a:t>
+            </a:r>
+            <a:r>
+              <a:rPr lang="en-US" dirty="0" smtClean="0"/>
+              <a:t>== </a:t>
+            </a:r>
+            <a:r>
+              <a:rPr lang="en-US" dirty="0"/>
+              <a:t> </a:t>
             </a:r>
             <a:r>
               <a:rPr lang="en-US" dirty="0" err="1"/>
@@ -8738,15 +10246,215 @@
             </a:r>
             <a:r>
               <a:rPr lang="en-US" dirty="0" smtClean="0"/>
-              <a:t>machine)</a:t>
-            </a:r>
-            <a:endParaRPr lang="cs-CZ" dirty="0"/>
-          </a:p>
-          <a:p>
-            <a:pPr marL="457200" lvl="1" indent="0" fontAlgn="base">
-              <a:buNone/>
-            </a:pPr>
-            <a:endParaRPr lang="en-US" b="1" dirty="0"/>
+              <a:t>machine</a:t>
+            </a:r>
+            <a:r>
+              <a:rPr lang="en-US" dirty="0" smtClean="0"/>
+              <a:t>)</a:t>
+            </a:r>
+            <a:endParaRPr lang="cs-CZ" dirty="0" smtClean="0"/>
+          </a:p>
+          <a:p>
+            <a:pPr fontAlgn="base"/>
+            <a:r>
+              <a:rPr lang="cs-CZ" b="1" dirty="0" smtClean="0"/>
+              <a:t>ASP </a:t>
+            </a:r>
+            <a:r>
+              <a:rPr lang="cs-CZ" dirty="0" smtClean="0"/>
+              <a:t>(</a:t>
+            </a:r>
+            <a:r>
+              <a:rPr lang="cs-CZ" dirty="0" err="1" smtClean="0"/>
+              <a:t>Active</a:t>
+            </a:r>
+            <a:r>
+              <a:rPr lang="cs-CZ" dirty="0" smtClean="0"/>
+              <a:t> server </a:t>
+            </a:r>
+            <a:r>
+              <a:rPr lang="cs-CZ" dirty="0" err="1" smtClean="0"/>
+              <a:t>pages</a:t>
+            </a:r>
+            <a:r>
+              <a:rPr lang="cs-CZ" dirty="0" smtClean="0"/>
+              <a:t>) == JSP</a:t>
+            </a:r>
+            <a:r>
+              <a:rPr lang="cs-CZ" b="1" dirty="0" smtClean="0"/>
+              <a:t> , ASP.NET, ASP.NET MVC</a:t>
+            </a:r>
+          </a:p>
+          <a:p>
+            <a:pPr fontAlgn="base"/>
+            <a:r>
+              <a:rPr lang="cs-CZ" b="1" dirty="0" smtClean="0"/>
+              <a:t>WPF</a:t>
+            </a:r>
+            <a:r>
+              <a:rPr lang="cs-CZ" dirty="0" smtClean="0"/>
+              <a:t> (</a:t>
+            </a:r>
+            <a:r>
+              <a:rPr lang="en-US" dirty="0"/>
+              <a:t>Windows Presentation Foundation</a:t>
+            </a:r>
+            <a:r>
+              <a:rPr lang="cs-CZ" dirty="0" smtClean="0"/>
+              <a:t>) klientské </a:t>
+            </a:r>
+            <a:r>
+              <a:rPr lang="cs-CZ" dirty="0" err="1" smtClean="0"/>
+              <a:t>app</a:t>
+            </a:r>
+            <a:endParaRPr lang="cs-CZ" dirty="0" smtClean="0"/>
+          </a:p>
+          <a:p>
+            <a:pPr fontAlgn="base"/>
+            <a:r>
+              <a:rPr lang="cs-CZ" b="1" dirty="0" smtClean="0"/>
+              <a:t>WCF </a:t>
+            </a:r>
+            <a:r>
+              <a:rPr lang="cs-CZ" dirty="0" smtClean="0"/>
+              <a:t>(</a:t>
+            </a:r>
+            <a:r>
+              <a:rPr lang="en-US" dirty="0"/>
+              <a:t>Windows Communication Foundation</a:t>
+            </a:r>
+            <a:r>
+              <a:rPr lang="cs-CZ" dirty="0" smtClean="0"/>
+              <a:t>)  = SOA</a:t>
+            </a:r>
+          </a:p>
+          <a:p>
+            <a:pPr fontAlgn="base"/>
+            <a:r>
+              <a:rPr lang="cs-CZ" b="1" dirty="0" err="1" smtClean="0">
+                <a:solidFill>
+                  <a:schemeClr val="tx1">
+                    <a:lumMod val="95000"/>
+                    <a:lumOff val="5000"/>
+                  </a:schemeClr>
+                </a:solidFill>
+              </a:rPr>
+              <a:t>Silverlight</a:t>
+            </a:r>
+            <a:r>
+              <a:rPr lang="cs-CZ" dirty="0" smtClean="0">
+                <a:solidFill>
+                  <a:schemeClr val="tx1">
+                    <a:lumMod val="95000"/>
+                    <a:lumOff val="5000"/>
+                  </a:schemeClr>
+                </a:solidFill>
+              </a:rPr>
+              <a:t> – </a:t>
+            </a:r>
+            <a:r>
+              <a:rPr lang="cs-CZ" dirty="0" err="1" smtClean="0">
+                <a:solidFill>
+                  <a:schemeClr val="tx1">
+                    <a:lumMod val="95000"/>
+                    <a:lumOff val="5000"/>
+                  </a:schemeClr>
+                </a:solidFill>
+              </a:rPr>
+              <a:t>podmnozina</a:t>
+            </a:r>
+            <a:r>
+              <a:rPr lang="cs-CZ" dirty="0" smtClean="0">
+                <a:solidFill>
+                  <a:schemeClr val="tx1">
+                    <a:lumMod val="95000"/>
+                    <a:lumOff val="5000"/>
+                  </a:schemeClr>
+                </a:solidFill>
+              </a:rPr>
+              <a:t> .NET pro RIA aplikace jako </a:t>
+            </a:r>
+            <a:r>
+              <a:rPr lang="cs-CZ" dirty="0" err="1" smtClean="0">
+                <a:solidFill>
+                  <a:schemeClr val="tx1">
+                    <a:lumMod val="95000"/>
+                    <a:lumOff val="5000"/>
+                  </a:schemeClr>
+                </a:solidFill>
+              </a:rPr>
+              <a:t>flash</a:t>
+            </a:r>
+            <a:endParaRPr lang="cs-CZ" dirty="0" smtClean="0">
+              <a:solidFill>
+                <a:schemeClr val="tx1">
+                  <a:lumMod val="95000"/>
+                  <a:lumOff val="5000"/>
+                </a:schemeClr>
+              </a:solidFill>
+            </a:endParaRPr>
+          </a:p>
+          <a:p>
+            <a:pPr fontAlgn="base"/>
+            <a:r>
+              <a:rPr lang="cs-CZ" b="1" dirty="0">
+                <a:solidFill>
+                  <a:srgbClr val="C00000"/>
+                </a:solidFill>
+              </a:rPr>
+              <a:t>GAC</a:t>
+            </a:r>
+            <a:r>
+              <a:rPr lang="cs-CZ" dirty="0">
+                <a:solidFill>
+                  <a:srgbClr val="C00000"/>
+                </a:solidFill>
+              </a:rPr>
+              <a:t> (</a:t>
+            </a:r>
+            <a:r>
+              <a:rPr lang="en-US" dirty="0">
+                <a:solidFill>
+                  <a:srgbClr val="C00000"/>
+                </a:solidFill>
+              </a:rPr>
+              <a:t>Global Assembly Cache</a:t>
+            </a:r>
+            <a:r>
+              <a:rPr lang="cs-CZ" dirty="0">
+                <a:solidFill>
+                  <a:srgbClr val="C00000"/>
+                </a:solidFill>
+              </a:rPr>
+              <a:t>) – </a:t>
+            </a:r>
+            <a:r>
+              <a:rPr lang="cs-CZ" dirty="0" err="1">
+                <a:solidFill>
+                  <a:srgbClr val="C00000"/>
+                </a:solidFill>
+              </a:rPr>
+              <a:t>repository</a:t>
+            </a:r>
+            <a:r>
+              <a:rPr lang="cs-CZ" dirty="0">
+                <a:solidFill>
+                  <a:srgbClr val="C00000"/>
+                </a:solidFill>
+              </a:rPr>
+              <a:t> knihoven</a:t>
+            </a:r>
+          </a:p>
+          <a:p>
+            <a:pPr fontAlgn="base"/>
+            <a:endParaRPr lang="en-US" dirty="0">
+              <a:solidFill>
+                <a:schemeClr val="tx1">
+                  <a:lumMod val="95000"/>
+                  <a:lumOff val="5000"/>
+                </a:schemeClr>
+              </a:solidFill>
+            </a:endParaRPr>
           </a:p>
           <a:p>
             <a:pPr fontAlgn="base"/>
@@ -8852,7 +10560,7 @@
         </p:spPr>
         <p:txBody>
           <a:bodyPr>
-            <a:normAutofit fontScale="77500" lnSpcReduction="20000"/>
+            <a:normAutofit fontScale="62500" lnSpcReduction="20000"/>
           </a:bodyPr>
           <a:lstStyle/>
           <a:p>
@@ -8890,127 +10598,127 @@
           <a:p>
             <a:pPr lvl="1" fontAlgn="base"/>
             <a:r>
-              <a:rPr lang="en-US" b="1" dirty="0" smtClean="0"/>
+              <a:rPr lang="en-US" sz="3200" b="1" dirty="0" smtClean="0"/>
               <a:t>Version</a:t>
             </a:r>
             <a:r>
-              <a:rPr lang="en-US" dirty="0" smtClean="0"/>
+              <a:rPr lang="en-US" sz="3200" dirty="0" smtClean="0"/>
               <a:t>=10.0.0.0</a:t>
             </a:r>
             <a:r>
-              <a:rPr lang="en-US" dirty="0"/>
+              <a:rPr lang="en-US" sz="3200" dirty="0"/>
               <a:t>, </a:t>
             </a:r>
             <a:r>
-              <a:rPr lang="en-US" b="1" dirty="0"/>
+              <a:rPr lang="en-US" sz="3200" b="1" dirty="0"/>
               <a:t>Culture</a:t>
             </a:r>
             <a:r>
-              <a:rPr lang="en-US" dirty="0"/>
+              <a:rPr lang="en-US" sz="3200" dirty="0"/>
               <a:t>=neutral (x86 </a:t>
             </a:r>
             <a:r>
-              <a:rPr lang="en-US" dirty="0" err="1"/>
+              <a:rPr lang="en-US" sz="3200" dirty="0" err="1"/>
               <a:t>nebo</a:t>
             </a:r>
             <a:r>
-              <a:rPr lang="en-US" dirty="0"/>
+              <a:rPr lang="en-US" sz="3200" dirty="0"/>
               <a:t> x64), </a:t>
             </a:r>
             <a:r>
-              <a:rPr lang="en-US" b="1" dirty="0" err="1" smtClean="0"/>
+              <a:rPr lang="en-US" sz="3200" b="1" dirty="0" err="1" smtClean="0"/>
               <a:t>PublicKeyToken</a:t>
             </a:r>
             <a:r>
-              <a:rPr lang="en-US" b="1" dirty="0" smtClean="0"/>
+              <a:rPr lang="en-US" sz="3200" b="1" dirty="0" smtClean="0"/>
               <a:t>=</a:t>
             </a:r>
             <a:r>
-              <a:rPr lang="en-US" dirty="0" smtClean="0"/>
+              <a:rPr lang="en-US" sz="3200" dirty="0" smtClean="0"/>
               <a:t>hash</a:t>
             </a:r>
             <a:r>
-              <a:rPr lang="cs-CZ" dirty="0" smtClean="0"/>
+              <a:rPr lang="cs-CZ" sz="3200" dirty="0" smtClean="0"/>
               <a:t> </a:t>
             </a:r>
             <a:r>
-              <a:rPr lang="cs-CZ" dirty="0" err="1" smtClean="0"/>
+              <a:rPr lang="cs-CZ" sz="3200" dirty="0" err="1" smtClean="0"/>
               <a:t>cislo</a:t>
             </a:r>
-            <a:endParaRPr lang="cs-CZ" dirty="0" smtClean="0"/>
+            <a:endParaRPr lang="cs-CZ" sz="3200" dirty="0" smtClean="0"/>
           </a:p>
           <a:p>
             <a:pPr lvl="1" fontAlgn="base"/>
             <a:r>
-              <a:rPr lang="en-US" b="1" dirty="0" smtClean="0"/>
+              <a:rPr lang="en-US" sz="3200" b="1" dirty="0" smtClean="0"/>
               <a:t>Weakly </a:t>
             </a:r>
             <a:r>
-              <a:rPr lang="en-US" b="1" dirty="0"/>
+              <a:rPr lang="en-US" sz="3200" b="1" dirty="0"/>
               <a:t>Named Assemblies </a:t>
             </a:r>
             <a:r>
-              <a:rPr lang="en-US" dirty="0"/>
+              <a:rPr lang="en-US" sz="3200" dirty="0"/>
               <a:t>a</a:t>
             </a:r>
             <a:r>
-              <a:rPr lang="en-US" b="1" dirty="0"/>
+              <a:rPr lang="en-US" sz="3200" b="1" dirty="0"/>
               <a:t> Strongly Named Assemblies - </a:t>
             </a:r>
             <a:r>
-              <a:rPr lang="en-US" b="1" dirty="0" err="1"/>
+              <a:rPr lang="en-US" sz="3200" b="1" dirty="0" err="1"/>
               <a:t>podepsaný</a:t>
             </a:r>
             <a:r>
-              <a:rPr lang="en-US" b="1" dirty="0"/>
+              <a:rPr lang="en-US" sz="3200" b="1" dirty="0"/>
               <a:t> </a:t>
             </a:r>
             <a:r>
-              <a:rPr lang="en-US" b="1" dirty="0" err="1"/>
+              <a:rPr lang="en-US" sz="3200" b="1" dirty="0" err="1"/>
               <a:t>lze</a:t>
             </a:r>
             <a:r>
-              <a:rPr lang="en-US" b="1" dirty="0"/>
+              <a:rPr lang="en-US" sz="3200" b="1" dirty="0"/>
               <a:t> </a:t>
             </a:r>
             <a:r>
-              <a:rPr lang="en-US" b="1" dirty="0" err="1"/>
+              <a:rPr lang="en-US" sz="3200" b="1" dirty="0" err="1"/>
               <a:t>zadat</a:t>
             </a:r>
             <a:r>
-              <a:rPr lang="en-US" b="1" dirty="0"/>
+              <a:rPr lang="en-US" sz="3200" b="1" dirty="0"/>
               <a:t> do GAC </a:t>
             </a:r>
             <a:r>
-              <a:rPr lang="en-US" dirty="0"/>
+              <a:rPr lang="en-US" sz="3200" dirty="0"/>
               <a:t>(c:\Windows\Microsoft.NET\assembly\GAC_MSIL</a:t>
             </a:r>
             <a:r>
-              <a:rPr lang="en-US" b="1" dirty="0"/>
+              <a:rPr lang="en-US" sz="3200" b="1" dirty="0"/>
               <a:t> </a:t>
             </a:r>
             <a:r>
-              <a:rPr lang="en-US" b="1" dirty="0" err="1"/>
+              <a:rPr lang="en-US" sz="3200" b="1" dirty="0" err="1"/>
               <a:t>či</a:t>
             </a:r>
             <a:r>
-              <a:rPr lang="en-US" b="1" dirty="0"/>
+              <a:rPr lang="en-US" sz="3200" b="1" dirty="0"/>
               <a:t> </a:t>
             </a:r>
             <a:r>
-              <a:rPr lang="en-US" dirty="0"/>
+              <a:rPr lang="en-US" sz="3200" dirty="0"/>
               <a:t>GAC_32, GAC_64</a:t>
             </a:r>
             <a:r>
-              <a:rPr lang="en-US" dirty="0" smtClean="0"/>
+              <a:rPr lang="en-US" sz="3200" dirty="0" smtClean="0"/>
               <a:t>)</a:t>
             </a:r>
-            <a:endParaRPr lang="en-US" dirty="0"/>
+            <a:endParaRPr lang="en-US" sz="3200" dirty="0"/>
           </a:p>
           <a:p>
             <a:pPr lvl="1" fontAlgn="base"/>
             <a:r>
-              <a:rPr lang="en-US" dirty="0" err="1">
+              <a:rPr lang="en-US" sz="3200" dirty="0" err="1">
                 <a:solidFill>
                   <a:srgbClr val="FF0000"/>
                 </a:solidFill>
@@ -9018,7 +10726,7 @@
               <a:t>Pozor</a:t>
             </a:r>
             <a:r>
-              <a:rPr lang="en-US" dirty="0">
+              <a:rPr lang="en-US" sz="3200" dirty="0">
                 <a:solidFill>
                   <a:srgbClr val="FF0000"/>
                 </a:solidFill>
@@ -9026,7 +10734,7 @@
               <a:t>: </a:t>
             </a:r>
             <a:r>
-              <a:rPr lang="en-US" dirty="0" err="1">
+              <a:rPr lang="en-US" sz="3200" dirty="0" err="1">
                 <a:solidFill>
                   <a:srgbClr val="FF0000"/>
                 </a:solidFill>
@@ -9034,7 +10742,7 @@
               <a:t>pokud</a:t>
             </a:r>
             <a:r>
-              <a:rPr lang="en-US" dirty="0">
+              <a:rPr lang="en-US" sz="3200" dirty="0">
                 <a:solidFill>
                   <a:srgbClr val="FF0000"/>
                 </a:solidFill>
@@ -9042,7 +10750,7 @@
               <a:t> je </a:t>
             </a:r>
             <a:r>
-              <a:rPr lang="en-US" dirty="0" err="1">
+              <a:rPr lang="en-US" sz="3200" dirty="0" err="1">
                 <a:solidFill>
                   <a:srgbClr val="FF0000"/>
                 </a:solidFill>
@@ -9050,15 +10758,39 @@
               <a:t>závislost</a:t>
             </a:r>
             <a:r>
-              <a:rPr lang="en-US" dirty="0">
+              <a:rPr lang="en-US" sz="3200" dirty="0">
                 <a:solidFill>
                   <a:srgbClr val="FF0000"/>
                 </a:solidFill>
               </a:rPr>
-              <a:t> (VS references) </a:t>
-            </a:r>
-            <a:r>
-              <a:rPr lang="en-US" b="1" dirty="0">
+              <a:t> </a:t>
+            </a:r>
+            <a:r>
+              <a:rPr lang="cs-CZ" sz="3200" dirty="0" smtClean="0">
+                <a:solidFill>
+                  <a:srgbClr val="FF0000"/>
+                </a:solidFill>
+              </a:rPr>
+              <a:t>na </a:t>
+            </a:r>
+            <a:r>
+              <a:rPr lang="cs-CZ" sz="3200" dirty="0" err="1" smtClean="0">
+                <a:solidFill>
+                  <a:srgbClr val="FF0000"/>
+                </a:solidFill>
+              </a:rPr>
+              <a:t>dll</a:t>
+            </a:r>
+            <a:r>
+              <a:rPr lang="en-US" sz="3200" dirty="0" smtClean="0">
+                <a:solidFill>
+                  <a:srgbClr val="FF0000"/>
+                </a:solidFill>
+              </a:rPr>
+              <a:t> </a:t>
+            </a:r>
+            <a:r>
+              <a:rPr lang="en-US" sz="3200" b="1" dirty="0">
                 <a:solidFill>
                   <a:srgbClr val="FF0000"/>
                 </a:solidFill>
@@ -9066,7 +10798,7 @@
               <a:t>Specific Version = true</a:t>
             </a:r>
             <a:r>
-              <a:rPr lang="en-US" dirty="0">
+              <a:rPr lang="en-US" sz="3200" dirty="0">
                 <a:solidFill>
                   <a:srgbClr val="FF0000"/>
                 </a:solidFill>
@@ -9074,7 +10806,7 @@
               <a:t> v runtime .NET </a:t>
             </a:r>
             <a:r>
-              <a:rPr lang="en-US" dirty="0" err="1">
+              <a:rPr lang="en-US" sz="3200" dirty="0" err="1">
                 <a:solidFill>
                   <a:srgbClr val="FF0000"/>
                 </a:solidFill>
@@ -9082,7 +10814,7 @@
               <a:t>nejdriv</a:t>
             </a:r>
             <a:r>
-              <a:rPr lang="en-US" dirty="0">
+              <a:rPr lang="en-US" sz="3200" dirty="0">
                 <a:solidFill>
                   <a:srgbClr val="FF0000"/>
                 </a:solidFill>
@@ -9090,7 +10822,7 @@
               <a:t> </a:t>
             </a:r>
             <a:r>
-              <a:rPr lang="en-US" dirty="0" err="1">
+              <a:rPr lang="en-US" sz="3200" dirty="0" err="1">
                 <a:solidFill>
                   <a:srgbClr val="FF0000"/>
                 </a:solidFill>
@@ -9098,15 +10830,31 @@
               <a:t>hleda</a:t>
             </a:r>
             <a:r>
-              <a:rPr lang="en-US" dirty="0">
+              <a:rPr lang="en-US" sz="3200" dirty="0">
                 <a:solidFill>
                   <a:srgbClr val="FF0000"/>
                 </a:solidFill>
               </a:rPr>
-              <a:t> v GAC a </a:t>
-            </a:r>
-            <a:r>
-              <a:rPr lang="en-US" dirty="0" err="1">
+              <a:t> v </a:t>
+            </a:r>
+            <a:r>
+              <a:rPr lang="en-US" sz="3200" b="1" dirty="0">
+                <a:solidFill>
+                  <a:srgbClr val="FF0000"/>
+                </a:solidFill>
+              </a:rPr>
+              <a:t>GAC</a:t>
+            </a:r>
+            <a:r>
+              <a:rPr lang="en-US" sz="3200" dirty="0">
+                <a:solidFill>
+                  <a:srgbClr val="FF0000"/>
+                </a:solidFill>
+              </a:rPr>
+              <a:t> a </a:t>
+            </a:r>
+            <a:r>
+              <a:rPr lang="en-US" sz="3200" dirty="0" err="1">
                 <a:solidFill>
                   <a:srgbClr val="FF0000"/>
                 </a:solidFill>
@@ -9114,15 +10862,23 @@
               <a:t>potom</a:t>
             </a:r>
             <a:r>
-              <a:rPr lang="en-US" dirty="0">
+              <a:rPr lang="en-US" sz="3200" dirty="0">
                 <a:solidFill>
                   <a:srgbClr val="FF0000"/>
                 </a:solidFill>
               </a:rPr>
-              <a:t> v </a:t>
-            </a:r>
-            <a:r>
-              <a:rPr lang="en-US" dirty="0" err="1">
+              <a:t> </a:t>
+            </a:r>
+            <a:r>
+              <a:rPr lang="en-US" sz="3200" b="1" dirty="0">
+                <a:solidFill>
+                  <a:srgbClr val="FF0000"/>
+                </a:solidFill>
+              </a:rPr>
+              <a:t>v </a:t>
+            </a:r>
+            <a:r>
+              <a:rPr lang="en-US" sz="3200" b="1" dirty="0" err="1">
                 <a:solidFill>
                   <a:srgbClr val="FF0000"/>
                 </a:solidFill>
@@ -9130,15 +10886,39 @@
               <a:t>adresari</a:t>
             </a:r>
             <a:r>
-              <a:rPr lang="en-US" dirty="0">
+              <a:rPr lang="en-US" sz="3200" dirty="0">
                 <a:solidFill>
                   <a:srgbClr val="FF0000"/>
                 </a:solidFill>
               </a:rPr>
-              <a:t> exe </a:t>
-            </a:r>
-            <a:r>
-              <a:rPr lang="en-US" dirty="0" err="1">
+              <a:t> </a:t>
+            </a:r>
+            <a:r>
+              <a:rPr lang="en-US" sz="3200" dirty="0" smtClean="0">
+                <a:solidFill>
+                  <a:srgbClr val="FF0000"/>
+                </a:solidFill>
+              </a:rPr>
+              <a:t>exe</a:t>
+            </a:r>
+            <a:r>
+              <a:rPr lang="cs-CZ" sz="3200" dirty="0" smtClean="0">
+                <a:solidFill>
+                  <a:srgbClr val="FF0000"/>
+                </a:solidFill>
+              </a:rPr>
+              <a:t> souboru</a:t>
+            </a:r>
+            <a:r>
+              <a:rPr lang="en-US" sz="3200" dirty="0" smtClean="0">
+                <a:solidFill>
+                  <a:srgbClr val="FF0000"/>
+                </a:solidFill>
+              </a:rPr>
+              <a:t> </a:t>
+            </a:r>
+            <a:r>
+              <a:rPr lang="en-US" sz="3200" dirty="0" err="1">
                 <a:solidFill>
                   <a:srgbClr val="FF0000"/>
                 </a:solidFill>
@@ -9146,15 +10926,31 @@
               <a:t>či</a:t>
             </a:r>
             <a:r>
-              <a:rPr lang="en-US" dirty="0">
+              <a:rPr lang="en-US" sz="3200" dirty="0">
                 <a:solidFill>
                   <a:srgbClr val="FF0000"/>
                 </a:solidFill>
               </a:rPr>
-              <a:t> bin </a:t>
-            </a:r>
-            <a:r>
-              <a:rPr lang="en-US" dirty="0" err="1">
+              <a:t> </a:t>
+            </a:r>
+            <a:r>
+              <a:rPr lang="en-US" sz="3200" b="1" dirty="0">
+                <a:solidFill>
+                  <a:srgbClr val="FF0000"/>
+                </a:solidFill>
+              </a:rPr>
+              <a:t>bin</a:t>
+            </a:r>
+            <a:r>
+              <a:rPr lang="en-US" sz="3200" dirty="0">
+                <a:solidFill>
+                  <a:srgbClr val="FF0000"/>
+                </a:solidFill>
+              </a:rPr>
+              <a:t> </a:t>
+            </a:r>
+            <a:r>
+              <a:rPr lang="en-US" sz="3200" dirty="0" err="1">
                 <a:solidFill>
                   <a:srgbClr val="FF0000"/>
                 </a:solidFill>
@@ -9162,7 +10958,7 @@
               <a:t>na</a:t>
             </a:r>
             <a:r>
-              <a:rPr lang="en-US" dirty="0">
+              <a:rPr lang="en-US" sz="3200" dirty="0">
                 <a:solidFill>
                   <a:srgbClr val="FF0000"/>
                 </a:solidFill>
@@ -9170,7 +10966,7 @@
               <a:t> </a:t>
             </a:r>
             <a:r>
-              <a:rPr lang="en-US" dirty="0" err="1">
+              <a:rPr lang="en-US" sz="3200" dirty="0" err="1">
                 <a:solidFill>
                   <a:srgbClr val="FF0000"/>
                 </a:solidFill>
@@ -9178,7 +10974,7 @@
               <a:t>webu</a:t>
             </a:r>
             <a:r>
-              <a:rPr lang="en-US" dirty="0">
+              <a:rPr lang="en-US" sz="3200" dirty="0">
                 <a:solidFill>
                   <a:srgbClr val="FF0000"/>
                 </a:solidFill>
@@ -9186,7 +10982,7 @@
               <a:t> !!! </a:t>
             </a:r>
             <a:r>
-              <a:rPr lang="en-US" dirty="0" err="1">
+              <a:rPr lang="en-US" sz="3200" dirty="0" err="1">
                 <a:solidFill>
                   <a:srgbClr val="FF0000"/>
                 </a:solidFill>
@@ -9194,7 +10990,7 @@
               <a:t>knihovny</a:t>
             </a:r>
             <a:r>
-              <a:rPr lang="en-US" dirty="0">
+              <a:rPr lang="en-US" sz="3200" dirty="0">
                 <a:solidFill>
                   <a:srgbClr val="FF0000"/>
                 </a:solidFill>
@@ -9202,7 +10998,7 @@
               <a:t> </a:t>
             </a:r>
             <a:r>
-              <a:rPr lang="en-US" dirty="0" err="1">
+              <a:rPr lang="en-US" sz="3200" dirty="0" err="1">
                 <a:solidFill>
                   <a:srgbClr val="FF0000"/>
                 </a:solidFill>
@@ -9210,7 +11006,7 @@
               <a:t>naistalovany</a:t>
             </a:r>
             <a:r>
-              <a:rPr lang="en-US" dirty="0">
+              <a:rPr lang="en-US" sz="3200" dirty="0">
                 <a:solidFill>
                   <a:srgbClr val="FF0000"/>
                 </a:solidFill>
@@ -9218,7 +11014,7 @@
               <a:t> </a:t>
             </a:r>
             <a:r>
-              <a:rPr lang="en-US" dirty="0" err="1">
+              <a:rPr lang="en-US" sz="3200" dirty="0" err="1">
                 <a:solidFill>
                   <a:srgbClr val="FF0000"/>
                 </a:solidFill>
@@ -9226,7 +11022,7 @@
               <a:t>pomoci</a:t>
             </a:r>
             <a:r>
-              <a:rPr lang="en-US" dirty="0">
+              <a:rPr lang="en-US" sz="3200" dirty="0">
                 <a:solidFill>
                   <a:srgbClr val="FF0000"/>
                 </a:solidFill>
@@ -9234,7 +11030,7 @@
               <a:t> </a:t>
             </a:r>
             <a:r>
-              <a:rPr lang="en-US" dirty="0" err="1">
+              <a:rPr lang="en-US" sz="3200" dirty="0" err="1">
                 <a:solidFill>
                   <a:srgbClr val="FF0000"/>
                 </a:solidFill>
@@ -9242,7 +11038,7 @@
               <a:t>nejakych</a:t>
             </a:r>
             <a:r>
-              <a:rPr lang="en-US" dirty="0">
+              <a:rPr lang="en-US" sz="3200" dirty="0">
                 <a:solidFill>
                   <a:srgbClr val="FF0000"/>
                 </a:solidFill>
@@ -9250,7 +11046,7 @@
               <a:t> </a:t>
             </a:r>
             <a:r>
-              <a:rPr lang="en-US" dirty="0" err="1">
+              <a:rPr lang="en-US" sz="3200" dirty="0" err="1">
                 <a:solidFill>
                   <a:srgbClr val="FF0000"/>
                 </a:solidFill>
@@ -9258,7 +11054,7 @@
               <a:t>instalatoru</a:t>
             </a:r>
             <a:r>
-              <a:rPr lang="en-US" dirty="0">
+              <a:rPr lang="en-US" sz="3200" dirty="0">
                 <a:solidFill>
                   <a:srgbClr val="FF0000"/>
                 </a:solidFill>
@@ -9266,7 +11062,7 @@
               <a:t> </a:t>
             </a:r>
             <a:r>
-              <a:rPr lang="en-US" dirty="0" err="1">
+              <a:rPr lang="en-US" sz="3200" dirty="0" err="1">
                 <a:solidFill>
                   <a:srgbClr val="FF0000"/>
                 </a:solidFill>
@@ -9274,7 +11070,7 @@
               <a:t>napr</a:t>
             </a:r>
             <a:r>
-              <a:rPr lang="en-US" dirty="0">
+              <a:rPr lang="en-US" sz="3200" dirty="0">
                 <a:solidFill>
                   <a:srgbClr val="FF0000"/>
                 </a:solidFill>
@@ -9282,7 +11078,7 @@
               <a:t>. mvc3 </a:t>
             </a:r>
             <a:r>
-              <a:rPr lang="en-US" dirty="0" err="1">
+              <a:rPr lang="en-US" sz="3200" dirty="0" err="1">
                 <a:solidFill>
                   <a:srgbClr val="FF0000"/>
                 </a:solidFill>
@@ -9290,7 +11086,7 @@
               <a:t>apod</a:t>
             </a:r>
             <a:r>
-              <a:rPr lang="en-US" dirty="0">
+              <a:rPr lang="en-US" sz="3200" dirty="0">
                 <a:solidFill>
                   <a:srgbClr val="FF0000"/>
                 </a:solidFill>
@@ -9298,7 +11094,7 @@
               <a:t>. a </a:t>
             </a:r>
             <a:r>
-              <a:rPr lang="en-US" dirty="0" err="1">
+              <a:rPr lang="en-US" sz="3200" dirty="0" err="1">
                 <a:solidFill>
                   <a:srgbClr val="FF0000"/>
                 </a:solidFill>
@@ -9306,7 +11102,7 @@
               <a:t>samozřejmě</a:t>
             </a:r>
             <a:r>
-              <a:rPr lang="en-US" dirty="0">
+              <a:rPr lang="en-US" sz="3200" dirty="0">
                 <a:solidFill>
                   <a:srgbClr val="FF0000"/>
                 </a:solidFill>
@@ -9314,7 +11110,7 @@
               <a:t> .NET core </a:t>
             </a:r>
             <a:r>
-              <a:rPr lang="en-US" dirty="0" err="1">
+              <a:rPr lang="en-US" sz="3200" dirty="0" err="1">
                 <a:solidFill>
                   <a:srgbClr val="FF0000"/>
                 </a:solidFill>
@@ -9322,7 +11118,7 @@
               <a:t>knihovny</a:t>
             </a:r>
             <a:r>
-              <a:rPr lang="en-US" dirty="0">
+              <a:rPr lang="en-US" sz="3200" dirty="0">
                 <a:solidFill>
                   <a:srgbClr val="FF0000"/>
                 </a:solidFill>
@@ -9330,7 +11126,7 @@
               <a:t>. </a:t>
             </a:r>
             <a:r>
-              <a:rPr lang="en-US" b="1" dirty="0" err="1">
+              <a:rPr lang="en-US" sz="3200" b="1" dirty="0" err="1">
                 <a:solidFill>
                   <a:srgbClr val="FF0000"/>
                 </a:solidFill>
@@ -9338,7 +11134,7 @@
               <a:t>Doporucuju</a:t>
             </a:r>
             <a:r>
-              <a:rPr lang="en-US" b="1" dirty="0">
+              <a:rPr lang="en-US" sz="3200" b="1" dirty="0">
                 <a:solidFill>
                   <a:srgbClr val="FF0000"/>
                 </a:solidFill>
@@ -9346,7 +11142,7 @@
               <a:t> </a:t>
             </a:r>
             <a:r>
-              <a:rPr lang="en-US" b="1" dirty="0" err="1">
+              <a:rPr lang="en-US" sz="3200" b="1" dirty="0" err="1">
                 <a:solidFill>
                   <a:srgbClr val="FF0000"/>
                 </a:solidFill>
@@ -9354,7 +11150,7 @@
               <a:t>vlastni</a:t>
             </a:r>
             <a:r>
-              <a:rPr lang="en-US" b="1" dirty="0">
+              <a:rPr lang="en-US" sz="3200" b="1" dirty="0">
                 <a:solidFill>
                   <a:srgbClr val="FF0000"/>
                 </a:solidFill>
@@ -9362,7 +11158,7 @@
               <a:t> </a:t>
             </a:r>
             <a:r>
-              <a:rPr lang="en-US" b="1" dirty="0" err="1">
+              <a:rPr lang="en-US" sz="3200" b="1" dirty="0" err="1">
                 <a:solidFill>
                   <a:srgbClr val="FF0000"/>
                 </a:solidFill>
@@ -9370,7 +11166,7 @@
               <a:t>knihovny</a:t>
             </a:r>
             <a:r>
-              <a:rPr lang="en-US" b="1" dirty="0">
+              <a:rPr lang="en-US" sz="3200" b="1" dirty="0">
                 <a:solidFill>
                   <a:srgbClr val="FF0000"/>
                 </a:solidFill>
@@ -9378,7 +11174,7 @@
               <a:t> </a:t>
             </a:r>
             <a:r>
-              <a:rPr lang="en-US" b="1" dirty="0" err="1" smtClean="0">
+              <a:rPr lang="en-US" sz="3200" b="1" dirty="0" err="1" smtClean="0">
                 <a:solidFill>
                   <a:srgbClr val="FF0000"/>
                 </a:solidFill>
@@ -9386,7 +11182,7 @@
               <a:t>nedavat</a:t>
             </a:r>
             <a:r>
-              <a:rPr lang="en-US" b="1" dirty="0" smtClean="0">
+              <a:rPr lang="en-US" sz="3200" b="1" dirty="0" smtClean="0">
                 <a:solidFill>
                   <a:srgbClr val="FF0000"/>
                 </a:solidFill>
@@ -9394,7 +11190,7 @@
               <a:t> </a:t>
             </a:r>
             <a:r>
-              <a:rPr lang="en-US" b="1" dirty="0">
+              <a:rPr lang="en-US" sz="3200" b="1" dirty="0">
                 <a:solidFill>
                   <a:srgbClr val="FF0000"/>
                 </a:solidFill>
@@ -9402,79 +11198,130 @@
               <a:t>do GAC</a:t>
             </a:r>
             <a:r>
-              <a:rPr lang="en-US" b="1" dirty="0" smtClean="0">
+              <a:rPr lang="en-US" sz="3200" b="1" dirty="0" smtClean="0">
                 <a:solidFill>
                   <a:srgbClr val="FF0000"/>
                 </a:solidFill>
               </a:rPr>
               <a:t>.</a:t>
             </a:r>
-            <a:endParaRPr lang="nn-NO" dirty="0"/>
+            <a:endParaRPr lang="nn-NO" sz="3200" dirty="0"/>
           </a:p>
           <a:p>
             <a:pPr lvl="1" fontAlgn="base"/>
             <a:r>
-              <a:rPr lang="nn-NO" dirty="0"/>
+              <a:rPr lang="nn-NO" sz="3200" dirty="0"/>
               <a:t>kvalitní open dekompiler: </a:t>
             </a:r>
             <a:r>
-              <a:rPr lang="nn-NO" dirty="0" smtClean="0"/>
+              <a:rPr lang="nn-NO" sz="3200" dirty="0" smtClean="0"/>
               <a:t>ILSpy</a:t>
             </a:r>
             <a:r>
-              <a:rPr lang="cs-CZ" dirty="0" smtClean="0"/>
+              <a:rPr lang="cs-CZ" sz="3200" dirty="0" smtClean="0"/>
               <a:t> </a:t>
             </a:r>
             <a:r>
-              <a:rPr lang="nn-NO" u="sng" dirty="0" smtClean="0">
+              <a:rPr lang="cs-CZ" sz="3200" u="sng" dirty="0" err="1" smtClean="0">
                 <a:hlinkClick r:id="rId6"/>
               </a:rPr>
-              <a:t>ttp</a:t>
-            </a:r>
-            <a:r>
-              <a:rPr lang="nn-NO" u="sng" dirty="0">
+              <a:t>ht</a:t>
+            </a:r>
+            <a:r>
+              <a:rPr lang="nn-NO" sz="3200" u="sng" dirty="0" smtClean="0">
+                <a:hlinkClick r:id="rId6"/>
+              </a:rPr>
+              <a:t>tp</a:t>
+            </a:r>
+            <a:r>
+              <a:rPr lang="nn-NO" sz="3200" u="sng" dirty="0">
                 <a:hlinkClick r:id="rId6"/>
               </a:rPr>
               <a:t>://</a:t>
             </a:r>
             <a:r>
-              <a:rPr lang="nn-NO" u="sng" dirty="0" smtClean="0">
+              <a:rPr lang="nn-NO" sz="3200" u="sng" dirty="0" smtClean="0">
                 <a:hlinkClick r:id="rId6"/>
               </a:rPr>
               <a:t>wiki.sharpdevelop.net/ILSpy.ashx</a:t>
             </a:r>
-            <a:endParaRPr lang="en-US" dirty="0"/>
+            <a:endParaRPr lang="en-US" sz="3200" dirty="0"/>
           </a:p>
           <a:p>
             <a:pPr lvl="1" fontAlgn="base"/>
             <a:r>
-              <a:rPr lang="en-US" dirty="0" err="1"/>
+              <a:rPr lang="en-US" sz="3200" dirty="0" err="1"/>
               <a:t>práce</a:t>
             </a:r>
             <a:r>
-              <a:rPr lang="en-US" dirty="0"/>
+              <a:rPr lang="en-US" sz="3200" dirty="0"/>
               <a:t> s GAC </a:t>
             </a:r>
             <a:r>
-              <a:rPr lang="en-US" dirty="0" err="1"/>
+              <a:rPr lang="en-US" sz="3200" dirty="0" err="1"/>
               <a:t>pomocí</a:t>
             </a:r>
             <a:r>
-              <a:rPr lang="en-US" dirty="0"/>
+              <a:rPr lang="en-US" sz="3200" dirty="0"/>
               <a:t> </a:t>
             </a:r>
             <a:r>
-              <a:rPr lang="en-US" b="1" dirty="0"/>
+              <a:rPr lang="en-US" sz="3200" b="1" dirty="0" smtClean="0"/>
               <a:t>GACUTIL.exe</a:t>
             </a:r>
+            <a:endParaRPr lang="cs-CZ" sz="3200" b="1" dirty="0" smtClean="0"/>
           </a:p>
           <a:p>
             <a:pPr lvl="1" fontAlgn="base"/>
-            <a:endParaRPr lang="cs-CZ" u="sng" dirty="0" smtClean="0"/>
+            <a:r>
+              <a:rPr lang="en-US" sz="3200" b="1" dirty="0"/>
+              <a:t>Assembly </a:t>
+            </a:r>
+            <a:r>
+              <a:rPr lang="en-US" sz="3200" b="1" dirty="0" smtClean="0"/>
+              <a:t>Names</a:t>
+            </a:r>
+            <a:r>
+              <a:rPr lang="cs-CZ" sz="3200" b="1" dirty="0" smtClean="0"/>
+              <a:t> příklady:</a:t>
+            </a:r>
+            <a:endParaRPr lang="en-US" sz="3200" b="1" dirty="0"/>
           </a:p>
           <a:p>
             <a:pPr lvl="1" fontAlgn="base"/>
-            <a:endParaRPr lang="nn-NO" b="1" dirty="0"/>
+            <a:r>
+              <a:rPr lang="en-US" sz="3200" dirty="0">
+                <a:hlinkClick r:id="rId7"/>
+              </a:rPr>
+              <a:t>http://msdn.microsoft.com/en-us/library/k8xx4k69(v=vs.71).aspx</a:t>
+            </a:r>
+            <a:endParaRPr lang="cs-CZ" sz="3200" u="sng" dirty="0" smtClean="0"/>
+          </a:p>
+          <a:p>
+            <a:pPr lvl="1" fontAlgn="base"/>
+            <a:r>
+              <a:rPr lang="en-US" sz="3200" dirty="0">
+                <a:hlinkClick r:id="rId8"/>
+              </a:rPr>
+              <a:t>http://</a:t>
+            </a:r>
+            <a:r>
+              <a:rPr lang="en-US" sz="3200" dirty="0" smtClean="0">
+                <a:hlinkClick r:id="rId8"/>
+              </a:rPr>
+              <a:t>nhforge.org/doc/nh/en/index.html#mapping</a:t>
+            </a:r>
+            <a:endParaRPr lang="cs-CZ" sz="3200" dirty="0"/>
+          </a:p>
+          <a:p>
+            <a:pPr lvl="1" fontAlgn="base"/>
+            <a:r>
+              <a:rPr lang="en-US" sz="3200" dirty="0">
+                <a:hlinkClick r:id="rId9"/>
+              </a:rPr>
+              <a:t>http://www.springframework.net/doc-latest/reference/html/objects.html#objects-configuration-metadata</a:t>
+            </a:r>
+            <a:endParaRPr lang="nn-NO" sz="3200" b="1" dirty="0"/>
           </a:p>
           <a:p>
             <a:pPr lvl="1" fontAlgn="base"/>
@@ -9867,7 +11714,7 @@
         </p:spPr>
         <p:txBody>
           <a:bodyPr>
-            <a:normAutofit fontScale="70000" lnSpcReduction="20000"/>
+            <a:normAutofit fontScale="55000" lnSpcReduction="20000"/>
           </a:bodyPr>
           <a:lstStyle/>
           <a:p>
@@ -9992,7 +11839,7 @@
               <a:rPr lang="en-US" dirty="0" smtClean="0"/>
               <a:t>field</a:t>
             </a:r>
-            <a:endParaRPr lang="cs-CZ" dirty="0"/>
+            <a:endParaRPr lang="cs-CZ" dirty="0" smtClean="0"/>
           </a:p>
           <a:p>
             <a:pPr marL="514350" indent="-457200" fontAlgn="base"/>
@@ -10038,7 +11885,7 @@
             </a:r>
             <a:r>
               <a:rPr lang="cs-CZ" b="1" dirty="0" err="1" smtClean="0"/>
-              <a:t>Systém.Collections</a:t>
+              <a:t>System.Collections</a:t>
             </a:r>
             <a:r>
               <a:rPr lang="cs-CZ" b="1" dirty="0" smtClean="0"/>
@@ -10048,6 +11895,34 @@
           <a:p>
             <a:pPr marL="514350" indent="-457200" fontAlgn="base"/>
             <a:r>
+              <a:rPr lang="cs-CZ" b="1" dirty="0" smtClean="0"/>
+              <a:t>c</a:t>
+            </a:r>
+            <a:r>
+              <a:rPr lang="en-US" b="1" dirty="0" err="1" smtClean="0"/>
+              <a:t>onst</a:t>
+            </a:r>
+            <a:r>
+              <a:rPr lang="cs-CZ" b="1" dirty="0" smtClean="0"/>
+              <a:t> </a:t>
+            </a:r>
+            <a:r>
+              <a:rPr lang="cs-CZ" dirty="0" smtClean="0"/>
+              <a:t>– nelze </a:t>
+            </a:r>
+            <a:r>
+              <a:rPr lang="cs-CZ" dirty="0" err="1" smtClean="0"/>
+              <a:t>menit</a:t>
+            </a:r>
+            <a:r>
+              <a:rPr lang="cs-CZ" dirty="0" smtClean="0"/>
+              <a:t> v runtime</a:t>
+            </a:r>
+            <a:endParaRPr lang="cs-CZ" dirty="0" smtClean="0"/>
+          </a:p>
+          <a:p>
+            <a:pPr marL="514350" indent="-457200" fontAlgn="base"/>
+            <a:r>
               <a:rPr lang="pl-PL" dirty="0" smtClean="0"/>
               <a:t>pretypovani </a:t>
             </a:r>
@@ -10063,73 +11938,193 @@
               <a:rPr lang="pl-PL" b="1" dirty="0" smtClean="0"/>
               <a:t> as </a:t>
             </a:r>
-            <a:r>
-              <a:rPr lang="pl-PL" dirty="0" smtClean="0"/>
-              <a:t>pokud se nepodaří tak vrací null</a:t>
-            </a:r>
+            <a:endParaRPr lang="pl-PL" b="1" dirty="0" smtClean="0"/>
           </a:p>
           <a:p>
             <a:pPr marL="514350" indent="-457200" fontAlgn="base"/>
             <a:r>
-              <a:rPr lang="en-US" dirty="0" smtClean="0"/>
+              <a:rPr lang="cs-CZ" b="1" dirty="0" err="1" smtClean="0"/>
+              <a:t>typeof</a:t>
+            </a:r>
+            <a:r>
+              <a:rPr lang="cs-CZ" b="1" dirty="0" smtClean="0"/>
+              <a:t>(</a:t>
+            </a:r>
+            <a:r>
+              <a:rPr lang="cs-CZ" b="1" dirty="0" err="1" smtClean="0"/>
+              <a:t>Trida</a:t>
+            </a:r>
+            <a:r>
+              <a:rPr lang="cs-CZ" dirty="0" smtClean="0"/>
+              <a:t>) místo </a:t>
+            </a:r>
+            <a:r>
+              <a:rPr lang="cs-CZ" dirty="0" err="1" smtClean="0"/>
+              <a:t>Trida.class</a:t>
+            </a:r>
+            <a:r>
+              <a:rPr lang="cs-CZ" dirty="0" smtClean="0"/>
+              <a:t> a </a:t>
+            </a:r>
+            <a:r>
+              <a:rPr lang="en-US" b="1" dirty="0" err="1"/>
+              <a:t>typeof</a:t>
+            </a:r>
+            <a:r>
+              <a:rPr lang="en-US" b="1" dirty="0"/>
+              <a:t>(</a:t>
+            </a:r>
+            <a:r>
+              <a:rPr lang="en-US" b="1" dirty="0" err="1"/>
+              <a:t>GenerickaTrida</a:t>
+            </a:r>
+            <a:r>
+              <a:rPr lang="en-US" b="1" dirty="0" smtClean="0"/>
+              <a:t>&lt;&gt;)</a:t>
+            </a:r>
+            <a:endParaRPr lang="cs-CZ" b="1" dirty="0" smtClean="0"/>
+          </a:p>
+          <a:p>
+            <a:pPr marL="514350" indent="-457200" fontAlgn="base"/>
+            <a:r>
+              <a:rPr lang="cs-CZ" b="1" dirty="0" err="1" smtClean="0"/>
+              <a:t>Tuple</a:t>
+            </a:r>
+            <a:r>
+              <a:rPr lang="cs-CZ" b="1" dirty="0" smtClean="0"/>
+              <a:t>&lt;,,,&gt;</a:t>
+            </a:r>
+          </a:p>
+          <a:p>
+            <a:pPr marL="514350" indent="-457200" fontAlgn="base"/>
+            <a:r>
+              <a:rPr lang="fr-FR" b="1" dirty="0" err="1" smtClean="0"/>
+              <a:t>anotace</a:t>
+            </a:r>
+            <a:r>
+              <a:rPr lang="fr-FR" b="1" dirty="0" smtClean="0"/>
+              <a:t> </a:t>
+            </a:r>
+            <a:r>
+              <a:rPr lang="fr-FR" b="1" dirty="0"/>
+              <a:t>== </a:t>
+            </a:r>
+            <a:r>
+              <a:rPr lang="fr-FR" b="1" dirty="0" err="1"/>
+              <a:t>atribut</a:t>
+            </a:r>
+            <a:r>
+              <a:rPr lang="fr-FR" b="1" dirty="0"/>
+              <a:t> </a:t>
+            </a:r>
+            <a:r>
+              <a:rPr lang="fr-FR" dirty="0" err="1"/>
+              <a:t>viz</a:t>
+            </a:r>
+            <a:r>
+              <a:rPr lang="fr-FR" dirty="0"/>
+              <a:t> </a:t>
+            </a:r>
+            <a:r>
+              <a:rPr lang="fr-FR" dirty="0" err="1"/>
+              <a:t>CommentAttribute.cs</a:t>
+            </a:r>
+            <a:r>
+              <a:rPr lang="fr-FR" dirty="0"/>
+              <a:t> </a:t>
+            </a:r>
+            <a:r>
+              <a:rPr lang="fr-FR" dirty="0" err="1"/>
+              <a:t>potom</a:t>
+            </a:r>
+            <a:r>
+              <a:rPr lang="fr-FR" dirty="0"/>
+              <a:t> se </a:t>
+            </a:r>
+            <a:r>
+              <a:rPr lang="fr-FR" dirty="0" err="1"/>
+              <a:t>pouzije</a:t>
+            </a:r>
+            <a:r>
+              <a:rPr lang="fr-FR" dirty="0"/>
+              <a:t> </a:t>
+            </a:r>
+            <a:r>
+              <a:rPr lang="fr-FR" dirty="0" err="1"/>
+              <a:t>jako</a:t>
+            </a:r>
+            <a:r>
+              <a:rPr lang="fr-FR" b="1" dirty="0"/>
+              <a:t> </a:t>
+            </a:r>
+            <a:r>
+              <a:rPr lang="fr-FR" dirty="0" smtClean="0"/>
+              <a:t>[Comment]</a:t>
+            </a:r>
+            <a:endParaRPr lang="cs-CZ" dirty="0" smtClean="0"/>
+          </a:p>
+          <a:p>
+            <a:pPr marL="514350" indent="-457200" fontAlgn="base"/>
+            <a:r>
+              <a:rPr lang="en-US" dirty="0"/>
               <a:t>object initializer</a:t>
             </a:r>
             <a:r>
-              <a:rPr lang="cs-CZ" dirty="0" smtClean="0"/>
+              <a:rPr lang="cs-CZ" dirty="0"/>
               <a:t>, </a:t>
             </a:r>
             <a:r>
-              <a:rPr lang="cs-CZ" b="1" dirty="0" err="1" smtClean="0"/>
+              <a:rPr lang="cs-CZ" b="1" dirty="0" err="1"/>
               <a:t>dynamic</a:t>
             </a:r>
             <a:r>
-              <a:rPr lang="cs-CZ" dirty="0" smtClean="0"/>
+              <a:rPr lang="cs-CZ" dirty="0"/>
               <a:t>, a anonymní třída – příklad</a:t>
             </a:r>
           </a:p>
           <a:p>
             <a:pPr marL="514350" indent="-457200" fontAlgn="base"/>
             <a:r>
-              <a:rPr lang="cs-CZ" b="1" dirty="0" smtClean="0"/>
+              <a:rPr lang="cs-CZ" b="1" dirty="0"/>
               <a:t>r</a:t>
             </a:r>
             <a:r>
-              <a:rPr lang="en-US" b="1" dirty="0" err="1" smtClean="0"/>
+              <a:rPr lang="en-US" b="1" dirty="0" err="1"/>
               <a:t>egion</a:t>
             </a:r>
             <a:r>
-              <a:rPr lang="cs-CZ" b="1" dirty="0" smtClean="0"/>
+              <a:rPr lang="cs-CZ" b="1" dirty="0"/>
               <a:t> </a:t>
             </a:r>
             <a:r>
-              <a:rPr lang="cs-CZ" dirty="0" smtClean="0"/>
+              <a:rPr lang="cs-CZ" dirty="0"/>
               <a:t>a</a:t>
             </a:r>
             <a:r>
-              <a:rPr lang="cs-CZ" b="1" dirty="0" smtClean="0"/>
+              <a:rPr lang="cs-CZ" b="1" dirty="0"/>
               <a:t> </a:t>
             </a:r>
             <a:r>
-              <a:rPr lang="en-US" b="1" dirty="0" err="1" smtClean="0"/>
+              <a:rPr lang="en-US" b="1" dirty="0" err="1"/>
               <a:t>preprocesor</a:t>
             </a:r>
             <a:r>
-              <a:rPr lang="cs-CZ" b="1" dirty="0" smtClean="0"/>
+              <a:rPr lang="cs-CZ" b="1" dirty="0"/>
               <a:t> – </a:t>
             </a:r>
             <a:r>
-              <a:rPr lang="cs-CZ" dirty="0" smtClean="0"/>
+              <a:rPr lang="cs-CZ" dirty="0"/>
               <a:t>příklad</a:t>
             </a:r>
           </a:p>
           <a:p>
             <a:pPr marL="514350" indent="-457200" fontAlgn="base"/>
             <a:r>
-              <a:rPr lang="cs-CZ" b="1" dirty="0" err="1" smtClean="0"/>
+              <a:rPr lang="cs-CZ" b="1" dirty="0" err="1"/>
               <a:t>partial</a:t>
             </a:r>
             <a:r>
-              <a:rPr lang="cs-CZ" dirty="0" smtClean="0"/>
+              <a:rPr lang="cs-CZ" dirty="0"/>
               <a:t> – pouze rozdělení tříd/metod do více souboru</a:t>
             </a:r>
             <a:endParaRPr lang="en-US" dirty="0"/>
@@ -10137,27 +12132,27 @@
           <a:p>
             <a:pPr marL="514350" indent="-457200" fontAlgn="base"/>
             <a:r>
-              <a:rPr lang="cs-CZ" b="1" dirty="0" smtClean="0"/>
+              <a:rPr lang="cs-CZ" b="1" dirty="0"/>
               <a:t>v</a:t>
             </a:r>
             <a:r>
-              <a:rPr lang="en-US" b="1" dirty="0" err="1" smtClean="0"/>
+              <a:rPr lang="en-US" b="1" dirty="0" err="1"/>
               <a:t>ar</a:t>
             </a:r>
             <a:r>
-              <a:rPr lang="cs-CZ" dirty="0" smtClean="0"/>
+              <a:rPr lang="cs-CZ" dirty="0"/>
               <a:t> – pouze bere typ z </a:t>
             </a:r>
             <a:r>
-              <a:rPr lang="en-US" dirty="0" err="1" smtClean="0"/>
+              <a:rPr lang="en-US" dirty="0" err="1"/>
               <a:t>prav</a:t>
             </a:r>
             <a:r>
-              <a:rPr lang="cs-CZ" dirty="0" smtClean="0"/>
+              <a:rPr lang="cs-CZ" dirty="0"/>
               <a:t>e</a:t>
             </a:r>
             <a:r>
-              <a:rPr lang="en-US" dirty="0" smtClean="0"/>
+              <a:rPr lang="en-US" dirty="0"/>
               <a:t> </a:t>
             </a:r>
             <a:r>
@@ -10166,108 +12161,52 @@
             </a:r>
             <a:r>
               <a:rPr lang="en-US" dirty="0"/>
-              <a:t> </a:t>
-            </a:r>
-            <a:r>
-              <a:rPr lang="en-US" dirty="0" smtClean="0"/>
-              <a:t>v</a:t>
-            </a:r>
-            <a:r>
-              <a:rPr lang="cs-CZ" dirty="0" smtClean="0"/>
+              <a:t> v</a:t>
+            </a:r>
+            <a:r>
+              <a:rPr lang="cs-CZ" dirty="0"/>
               <a:t>y</a:t>
             </a:r>
             <a:r>
-              <a:rPr lang="en-US" dirty="0" err="1" smtClean="0"/>
+              <a:rPr lang="en-US" dirty="0" err="1"/>
               <a:t>razu</a:t>
             </a:r>
             <a:r>
-              <a:rPr lang="en-US" dirty="0" smtClean="0"/>
-              <a:t> </a:t>
-            </a:r>
-            <a:r>
               <a:rPr lang="en-US" dirty="0"/>
-              <a:t>a to </a:t>
-            </a:r>
-            <a:r>
-              <a:rPr lang="en-US" dirty="0" err="1" smtClean="0"/>
+              <a:t> a to </a:t>
+            </a:r>
+            <a:r>
+              <a:rPr lang="en-US" dirty="0" err="1"/>
               <a:t>ji</a:t>
             </a:r>
             <a:r>
-              <a:rPr lang="cs-CZ" dirty="0" smtClean="0"/>
+              <a:rPr lang="cs-CZ" dirty="0"/>
               <a:t>z</a:t>
             </a:r>
             <a:r>
-              <a:rPr lang="en-US" dirty="0" smtClean="0"/>
-              <a:t> </a:t>
-            </a:r>
-            <a:r>
               <a:rPr lang="en-US" dirty="0"/>
-              <a:t>v </a:t>
-            </a:r>
-            <a:r>
-              <a:rPr lang="en-US" dirty="0" smtClean="0"/>
-              <a:t>dob</a:t>
+              <a:t> v dob</a:t>
             </a:r>
             <a:r>
               <a:rPr lang="cs-CZ" dirty="0"/>
               <a:t>e</a:t>
             </a:r>
             <a:r>
-              <a:rPr lang="en-US" dirty="0" smtClean="0"/>
+              <a:rPr lang="en-US" dirty="0"/>
               <a:t> p</a:t>
             </a:r>
             <a:r>
-              <a:rPr lang="cs-CZ" dirty="0" smtClean="0"/>
+              <a:rPr lang="cs-CZ" dirty="0"/>
               <a:t>r</a:t>
             </a:r>
             <a:r>
               <a:rPr lang="en-US" dirty="0" err="1" smtClean="0"/>
               <a:t>ekladu</a:t>
             </a:r>
-            <a:endParaRPr lang="en-US" b="1" dirty="0" smtClean="0"/>
+            <a:endParaRPr lang="fr-FR" dirty="0"/>
           </a:p>
           <a:p>
             <a:pPr marL="514350" indent="-457200" fontAlgn="base"/>
-            <a:r>
-              <a:rPr lang="cs-CZ" b="1" dirty="0" err="1" smtClean="0"/>
-              <a:t>typeof</a:t>
-            </a:r>
-            <a:r>
-              <a:rPr lang="cs-CZ" b="1" dirty="0" smtClean="0"/>
-              <a:t>(</a:t>
-            </a:r>
-            <a:r>
-              <a:rPr lang="cs-CZ" b="1" dirty="0" err="1" smtClean="0"/>
-              <a:t>Trida</a:t>
-            </a:r>
-            <a:r>
-              <a:rPr lang="cs-CZ" dirty="0" smtClean="0"/>
-              <a:t>) místo </a:t>
-            </a:r>
-            <a:r>
-              <a:rPr lang="cs-CZ" dirty="0" err="1" smtClean="0"/>
-              <a:t>Trida.class</a:t>
-            </a:r>
-            <a:r>
-              <a:rPr lang="cs-CZ" dirty="0" smtClean="0"/>
-              <a:t> a </a:t>
-            </a:r>
-            <a:r>
-              <a:rPr lang="en-US" b="1" dirty="0" err="1"/>
-              <a:t>typeof</a:t>
-            </a:r>
-            <a:r>
-              <a:rPr lang="en-US" b="1" dirty="0"/>
-              <a:t>(</a:t>
-            </a:r>
-            <a:r>
-              <a:rPr lang="en-US" b="1" dirty="0" err="1"/>
-              <a:t>GenerickaTrida</a:t>
-            </a:r>
-            <a:r>
-              <a:rPr lang="en-US" b="1" dirty="0"/>
-              <a:t>&lt;&gt;)</a:t>
-            </a:r>
             <a:endParaRPr lang="cs-CZ" dirty="0" smtClean="0"/>
           </a:p>
           <a:p>
@@ -10310,6 +12249,70 @@
           </a:p>
         </p:txBody>
       </p:sp>
+      <p:pic>
+        <p:nvPicPr>
+          <p:cNvPr id="1027" name="Picture 3"/>
+          <p:cNvPicPr>
+            <a:picLocks noChangeAspect="1" noChangeArrowheads="1"/>
+          </p:cNvPicPr>
+          <p:nvPr/>
+        </p:nvPicPr>
+        <p:blipFill>
+          <a:blip r:embed="rId6" cstate="email">
+            <a:extLst>
+              <a:ext uri="{28A0092B-C50C-407E-A947-70E740481C1C}">
+                <a14:useLocalDpi xmlns:a14="http://schemas.microsoft.com/office/drawing/2010/main" val="0"/>
+              </a:ext>
+            </a:extLst>
+          </a:blip>
+          <a:srcRect/>
+          <a:stretch>
+            <a:fillRect/>
+          </a:stretch>
+        </p:blipFill>
+        <p:spPr bwMode="auto">
+          <a:xfrm>
+            <a:off x="5292080" y="1"/>
+            <a:ext cx="3827440" cy="3734088"/>
+          </a:xfrm>
+          <a:prstGeom prst="rect">
+            <a:avLst/>
+          </a:prstGeom>
+          <a:noFill/>
+          <a:ln>
+            <a:noFill/>
+          </a:ln>
+          <a:effectLst/>
+          <a:extLst>
+            <a:ext uri="{909E8E84-426E-40DD-AFC4-6F175D3DCCD1}">
+              <a14:hiddenFill xmlns:a14="http://schemas.microsoft.com/office/drawing/2010/main">
+                <a:solidFill>
+                  <a:schemeClr val="accent1"/>
+                </a:solidFill>
+              </a14:hiddenFill>
+            </a:ext>
+            <a:ext uri="{91240B29-F687-4F45-9708-019B960494DF}">
+              <a14:hiddenLine xmlns:a14="http://schemas.microsoft.com/office/drawing/2010/main" w="9525">
+                <a:solidFill>
+                  <a:schemeClr val="tx1"/>
+                </a:solidFill>
+                <a:miter lim="800000"/>
+                <a:headEnd/>
+                <a:tailEnd/>
+              </a14:hiddenLine>
+            </a:ext>
+            <a:ext uri="{AF507438-7753-43E0-B8FC-AC1667EBCBE1}">
+              <a14:hiddenEffects xmlns:a14="http://schemas.microsoft.com/office/drawing/2010/main">
+                <a:effectLst>
+                  <a:outerShdw dist="35921" dir="2700000" algn="ctr" rotWithShape="0">
+                    <a:schemeClr val="bg2"/>
+                  </a:outerShdw>
+                </a:effectLst>
+              </a14:hiddenEffects>
+            </a:ext>
+          </a:extLst>
+        </p:spPr>
+      </p:pic>
     </p:spTree>
     <p:custDataLst>
       <p:tags r:id="rId1"/>
@@ -10451,7 +12454,15 @@
             <a:pPr marL="514350" indent="-457200" fontAlgn="base"/>
             <a:r>
               <a:rPr lang="cs-CZ" dirty="0" smtClean="0"/>
-              <a:t>potom nutnost psát </a:t>
+              <a:t>nutnost psát </a:t>
+            </a:r>
+            <a:r>
+              <a:rPr lang="cs-CZ" dirty="0" err="1" smtClean="0"/>
+              <a:t>virtual</a:t>
+            </a:r>
+            <a:r>
+              <a:rPr lang="cs-CZ" dirty="0" smtClean="0"/>
+              <a:t> a </a:t>
             </a:r>
             <a:r>
               <a:rPr lang="cs-CZ" dirty="0" err="1" smtClean="0"/>
@@ -10931,12 +12942,12 @@
               <a:t>  je hodnotový typ </a:t>
             </a:r>
             <a:r>
-              <a:rPr lang="cs-CZ" dirty="0" err="1" smtClean="0"/>
-              <a:t>kopiruji</a:t>
-            </a:r>
-            <a:r>
               <a:rPr lang="cs-CZ" dirty="0" smtClean="0"/>
-              <a:t> se hodnoty</a:t>
+              <a:t>kopírují </a:t>
+            </a:r>
+            <a:r>
+              <a:rPr lang="cs-CZ" dirty="0" smtClean="0"/>
+              <a:t>se hodnoty</a:t>
             </a:r>
           </a:p>
           <a:p>
@@ -10978,26 +12989,8 @@
             <a:pPr marL="514350" indent="-457200" fontAlgn="base"/>
             <a:r>
               <a:rPr lang="cs-CZ" dirty="0" smtClean="0"/>
-              <a:t>Viz </a:t>
-            </a:r>
-            <a:r>
-              <a:rPr lang="cs-CZ" dirty="0" err="1" smtClean="0"/>
-              <a:t>msdn</a:t>
-            </a:r>
-            <a:endParaRPr lang="cs-CZ" dirty="0" smtClean="0"/>
-          </a:p>
-          <a:p>
-            <a:pPr marL="514350" indent="-457200" fontAlgn="base"/>
-            <a:r>
-              <a:rPr lang="en-US" dirty="0">
-                <a:hlinkClick r:id="rId6"/>
-              </a:rPr>
-              <a:t>http://msdn.microsoft.com/cs-cz/library/s1ax56ch.aspx</a:t>
-            </a:r>
-            <a:endParaRPr lang="cs-CZ" dirty="0" smtClean="0"/>
-          </a:p>
-          <a:p>
-            <a:pPr marL="514350" indent="-457200" fontAlgn="base"/>
+              <a:t>příklad</a:t>
+            </a:r>
             <a:endParaRPr lang="en-US" dirty="0"/>
           </a:p>
           <a:p>
@@ -11322,7 +13315,7 @@
 
 <file path=ppt/tags/tag49.xml><?xml version="1.0" encoding="utf-8"?>
 <p:tagLst xmlns:a="http://schemas.openxmlformats.org/drawingml/2006/main" xmlns:r="http://schemas.openxmlformats.org/officeDocument/2006/relationships" xmlns:p="http://schemas.openxmlformats.org/presentationml/2006/main">
-  <p:tag name="DVSECTIONID" val="ezdaKHeWyBnZyZ2cDqRSoa"/>
+  <p:tag name="DVSECTIONID" val="QUq8QELArFIgadhH063fpq"/>
 </p:tagLst>
 </file>
 
@@ -11334,13 +13327,85 @@
 
 <file path=ppt/tags/tag50.xml><?xml version="1.0" encoding="utf-8"?>
 <p:tagLst xmlns:a="http://schemas.openxmlformats.org/drawingml/2006/main" xmlns:r="http://schemas.openxmlformats.org/officeDocument/2006/relationships" xmlns:p="http://schemas.openxmlformats.org/presentationml/2006/main">
-  <p:tag name="DVSHAPEID" val="LRMR96J2MVd0CGe2e5htjk"/>
+  <p:tag name="DVSHAPEID" val="InkrlxYPS4jAzciXk8ToAM"/>
+</p:tagLst>
+</file>
+
+<file path=ppt/tags/tag51.xml><?xml version="1.0" encoding="utf-8"?>
+<p:tagLst xmlns:a="http://schemas.openxmlformats.org/drawingml/2006/main" xmlns:r="http://schemas.openxmlformats.org/officeDocument/2006/relationships" xmlns:p="http://schemas.openxmlformats.org/presentationml/2006/main">
+  <p:tag name="DVSHAPEID" val="retnMj4SFfqbVIhVK0Rf83"/>
+</p:tagLst>
+</file>
+
+<file path=ppt/tags/tag52.xml><?xml version="1.0" encoding="utf-8"?>
+<p:tagLst xmlns:a="http://schemas.openxmlformats.org/drawingml/2006/main" xmlns:r="http://schemas.openxmlformats.org/officeDocument/2006/relationships" xmlns:p="http://schemas.openxmlformats.org/presentationml/2006/main">
+  <p:tag name="DVSECTIONID" val="QUq8QELArFIgadhH063fpq"/>
+</p:tagLst>
+</file>
+
+<file path=ppt/tags/tag53.xml><?xml version="1.0" encoding="utf-8"?>
+<p:tagLst xmlns:a="http://schemas.openxmlformats.org/drawingml/2006/main" xmlns:r="http://schemas.openxmlformats.org/officeDocument/2006/relationships" xmlns:p="http://schemas.openxmlformats.org/presentationml/2006/main">
+  <p:tag name="DVSHAPEID" val="InkrlxYPS4jAzciXk8ToAM"/>
+</p:tagLst>
+</file>
+
+<file path=ppt/tags/tag54.xml><?xml version="1.0" encoding="utf-8"?>
+<p:tagLst xmlns:a="http://schemas.openxmlformats.org/drawingml/2006/main" xmlns:r="http://schemas.openxmlformats.org/officeDocument/2006/relationships" xmlns:p="http://schemas.openxmlformats.org/presentationml/2006/main">
+  <p:tag name="DVSHAPEID" val="retnMj4SFfqbVIhVK0Rf83"/>
+</p:tagLst>
+</file>
+
+<file path=ppt/tags/tag55.xml><?xml version="1.0" encoding="utf-8"?>
+<p:tagLst xmlns:a="http://schemas.openxmlformats.org/drawingml/2006/main" xmlns:r="http://schemas.openxmlformats.org/officeDocument/2006/relationships" xmlns:p="http://schemas.openxmlformats.org/presentationml/2006/main">
+  <p:tag name="DVSECTIONID" val="QUq8QELArFIgadhH063fpq"/>
+</p:tagLst>
+</file>
+
+<file path=ppt/tags/tag56.xml><?xml version="1.0" encoding="utf-8"?>
+<p:tagLst xmlns:a="http://schemas.openxmlformats.org/drawingml/2006/main" xmlns:r="http://schemas.openxmlformats.org/officeDocument/2006/relationships" xmlns:p="http://schemas.openxmlformats.org/presentationml/2006/main">
+  <p:tag name="DVSHAPEID" val="InkrlxYPS4jAzciXk8ToAM"/>
+</p:tagLst>
+</file>
+
+<file path=ppt/tags/tag57.xml><?xml version="1.0" encoding="utf-8"?>
+<p:tagLst xmlns:a="http://schemas.openxmlformats.org/drawingml/2006/main" xmlns:r="http://schemas.openxmlformats.org/officeDocument/2006/relationships" xmlns:p="http://schemas.openxmlformats.org/presentationml/2006/main">
+  <p:tag name="DVSHAPEID" val="retnMj4SFfqbVIhVK0Rf83"/>
+</p:tagLst>
+</file>
+
+<file path=ppt/tags/tag58.xml><?xml version="1.0" encoding="utf-8"?>
+<p:tagLst xmlns:a="http://schemas.openxmlformats.org/drawingml/2006/main" xmlns:r="http://schemas.openxmlformats.org/officeDocument/2006/relationships" xmlns:p="http://schemas.openxmlformats.org/presentationml/2006/main">
+  <p:tag name="DVSECTIONID" val="QUq8QELArFIgadhH063fpq"/>
+</p:tagLst>
+</file>
+
+<file path=ppt/tags/tag59.xml><?xml version="1.0" encoding="utf-8"?>
+<p:tagLst xmlns:a="http://schemas.openxmlformats.org/drawingml/2006/main" xmlns:r="http://schemas.openxmlformats.org/officeDocument/2006/relationships" xmlns:p="http://schemas.openxmlformats.org/presentationml/2006/main">
+  <p:tag name="DVSHAPEID" val="InkrlxYPS4jAzciXk8ToAM"/>
 </p:tagLst>
 </file>
 
 <file path=ppt/tags/tag6.xml><?xml version="1.0" encoding="utf-8"?>
 <p:tagLst xmlns:a="http://schemas.openxmlformats.org/drawingml/2006/main" xmlns:r="http://schemas.openxmlformats.org/officeDocument/2006/relationships" xmlns:p="http://schemas.openxmlformats.org/presentationml/2006/main">
   <p:tag name="DVSHAPEID" val="retnMj4SFfqbVIhVK0Rf83"/>
+</p:tagLst>
+</file>
+
+<file path=ppt/tags/tag60.xml><?xml version="1.0" encoding="utf-8"?>
+<p:tagLst xmlns:a="http://schemas.openxmlformats.org/drawingml/2006/main" xmlns:r="http://schemas.openxmlformats.org/officeDocument/2006/relationships" xmlns:p="http://schemas.openxmlformats.org/presentationml/2006/main">
+  <p:tag name="DVSHAPEID" val="retnMj4SFfqbVIhVK0Rf83"/>
+</p:tagLst>
+</file>
+
+<file path=ppt/tags/tag61.xml><?xml version="1.0" encoding="utf-8"?>
+<p:tagLst xmlns:a="http://schemas.openxmlformats.org/drawingml/2006/main" xmlns:r="http://schemas.openxmlformats.org/officeDocument/2006/relationships" xmlns:p="http://schemas.openxmlformats.org/presentationml/2006/main">
+  <p:tag name="DVSECTIONID" val="ezdaKHeWyBnZyZ2cDqRSoa"/>
+</p:tagLst>
+</file>
+
+<file path=ppt/tags/tag62.xml><?xml version="1.0" encoding="utf-8"?>
+<p:tagLst xmlns:a="http://schemas.openxmlformats.org/drawingml/2006/main" xmlns:r="http://schemas.openxmlformats.org/officeDocument/2006/relationships" xmlns:p="http://schemas.openxmlformats.org/presentationml/2006/main">
+  <p:tag name="DVSHAPEID" val="LRMR96J2MVd0CGe2e5htjk"/>
 </p:tagLst>
 </file>
 

--- a/prezentace.pptx
+++ b/prezentace.pptx
@@ -5,10 +5,10 @@
     <p:sldMasterId id="2147483648" r:id="rId1"/>
   </p:sldMasterIdLst>
   <p:notesMasterIdLst>
-    <p:notesMasterId r:id="rId23"/>
+    <p:notesMasterId r:id="rId24"/>
   </p:notesMasterIdLst>
   <p:handoutMasterIdLst>
-    <p:handoutMasterId r:id="rId24"/>
+    <p:handoutMasterId r:id="rId25"/>
   </p:handoutMasterIdLst>
   <p:sldIdLst>
     <p:sldId id="259" r:id="rId2"/>
@@ -23,15 +23,16 @@
     <p:sldId id="289" r:id="rId11"/>
     <p:sldId id="290" r:id="rId12"/>
     <p:sldId id="291" r:id="rId13"/>
-    <p:sldId id="292" r:id="rId14"/>
-    <p:sldId id="293" r:id="rId15"/>
-    <p:sldId id="294" r:id="rId16"/>
+    <p:sldId id="293" r:id="rId14"/>
+    <p:sldId id="294" r:id="rId15"/>
+    <p:sldId id="292" r:id="rId16"/>
     <p:sldId id="295" r:id="rId17"/>
     <p:sldId id="281" r:id="rId18"/>
-    <p:sldId id="282" r:id="rId19"/>
-    <p:sldId id="283" r:id="rId20"/>
-    <p:sldId id="280" r:id="rId21"/>
-    <p:sldId id="277" r:id="rId22"/>
+    <p:sldId id="296" r:id="rId19"/>
+    <p:sldId id="282" r:id="rId20"/>
+    <p:sldId id="283" r:id="rId21"/>
+    <p:sldId id="280" r:id="rId22"/>
+    <p:sldId id="277" r:id="rId23"/>
   </p:sldIdLst>
   <p:sldSz cx="9144000" cy="6858000" type="screen4x3"/>
   <p:notesSz cx="6858000" cy="9144000"/>
@@ -155,15 +156,16 @@
             <p14:sldId id="289"/>
             <p14:sldId id="290"/>
             <p14:sldId id="291"/>
-            <p14:sldId id="292"/>
             <p14:sldId id="293"/>
             <p14:sldId id="294"/>
+            <p14:sldId id="292"/>
             <p14:sldId id="295"/>
           </p14:sldIdLst>
         </p14:section>
         <p14:section name=".NET core Knihovny" id="{A90CCB4D-62F7-45B2-8BD4-70C86AD1CB5C}">
           <p14:sldIdLst>
             <p14:sldId id="281"/>
+            <p14:sldId id="296"/>
             <p14:sldId id="282"/>
             <p14:sldId id="283"/>
           </p14:sldIdLst>
@@ -2447,6 +2449,129 @@
       </p:grpSpPr>
       <p:sp>
         <p:nvSpPr>
+          <p:cNvPr id="2" name="Slide Image Placeholder 1"/>
+          <p:cNvSpPr>
+            <a:spLocks noGrp="1" noRot="1" noChangeAspect="1"/>
+          </p:cNvSpPr>
+          <p:nvPr>
+            <p:ph type="sldImg"/>
+          </p:nvPr>
+        </p:nvSpPr>
+        <p:spPr/>
+      </p:sp>
+      <p:sp>
+        <p:nvSpPr>
+          <p:cNvPr id="3" name="Notes Placeholder 2"/>
+          <p:cNvSpPr>
+            <a:spLocks noGrp="1"/>
+          </p:cNvSpPr>
+          <p:nvPr>
+            <p:ph type="body" idx="1"/>
+          </p:nvPr>
+        </p:nvSpPr>
+        <p:spPr/>
+        <p:txBody>
+          <a:bodyPr>
+            <a:normAutofit/>
+          </a:bodyPr>
+          <a:lstStyle/>
+          <a:p>
+            <a:pPr>
+              <a:lnSpc>
+                <a:spcPct val="80000"/>
+              </a:lnSpc>
+            </a:pPr>
+            <a:r>
+              <a:rPr lang="en-US" dirty="0" smtClean="0"/>
+              <a:t>Give a brief overview of the presentation.</a:t>
+            </a:r>
+            <a:r>
+              <a:rPr lang="en-US" baseline="0" dirty="0" smtClean="0"/>
+              <a:t> D</a:t>
+            </a:r>
+            <a:r>
+              <a:rPr lang="en-US" dirty="0" smtClean="0"/>
+              <a:t>escribe the major focus of the presentation and why it is important.</a:t>
+            </a:r>
+          </a:p>
+          <a:p>
+            <a:pPr>
+              <a:lnSpc>
+                <a:spcPct val="80000"/>
+              </a:lnSpc>
+            </a:pPr>
+            <a:r>
+              <a:rPr lang="en-US" dirty="0" smtClean="0"/>
+              <a:t>Introduce each of the major topics.</a:t>
+            </a:r>
+          </a:p>
+          <a:p>
+            <a:r>
+              <a:rPr lang="en-US" dirty="0" smtClean="0"/>
+              <a:t>To provide a road map for the audience, you</a:t>
+            </a:r>
+            <a:r>
+              <a:rPr lang="en-US" baseline="0" dirty="0" smtClean="0"/>
+              <a:t> can </a:t>
+            </a:r>
+            <a:r>
+              <a:rPr lang="en-US" dirty="0" smtClean="0"/>
+              <a:t>repeat this Overview slide throughout the presentation, highlighting the particular topic you will discuss next.</a:t>
+            </a:r>
+          </a:p>
+        </p:txBody>
+      </p:sp>
+      <p:sp>
+        <p:nvSpPr>
+          <p:cNvPr id="4" name="Slide Number Placeholder 3"/>
+          <p:cNvSpPr>
+            <a:spLocks noGrp="1"/>
+          </p:cNvSpPr>
+          <p:nvPr>
+            <p:ph type="sldNum" sz="quarter" idx="10"/>
+          </p:nvPr>
+        </p:nvSpPr>
+        <p:spPr/>
+        <p:txBody>
+          <a:bodyPr/>
+          <a:lstStyle/>
+          <a:p>
+            <a:fld id="{EC6EAC7D-5A89-47C2-8ABA-56C9C2DEF7A4}" type="slidenum">
+              <a:rPr lang="en-US" smtClean="0"/>
+              <a:pPr/>
+              <a:t>21</a:t>
+            </a:fld>
+            <a:endParaRPr lang="en-US"/>
+          </a:p>
+        </p:txBody>
+      </p:sp>
+    </p:spTree>
+  </p:cSld>
+  <p:clrMapOvr>
+    <a:masterClrMapping/>
+  </p:clrMapOvr>
+</p:notes>
+</file>
+
+<file path=ppt/notesSlides/notesSlide22.xml><?xml version="1.0" encoding="utf-8"?>
+<p:notes xmlns:a="http://schemas.openxmlformats.org/drawingml/2006/main" xmlns:r="http://schemas.openxmlformats.org/officeDocument/2006/relationships" xmlns:p="http://schemas.openxmlformats.org/presentationml/2006/main">
+  <p:cSld>
+    <p:spTree>
+      <p:nvGrpSpPr>
+        <p:cNvPr id="1" name=""/>
+        <p:cNvGrpSpPr/>
+        <p:nvPr/>
+      </p:nvGrpSpPr>
+      <p:grpSpPr>
+        <a:xfrm>
+          <a:off x="0" y="0"/>
+          <a:ext cx="0" cy="0"/>
+          <a:chOff x="0" y="0"/>
+          <a:chExt cx="0" cy="0"/>
+        </a:xfrm>
+      </p:grpSpPr>
+      <p:sp>
+        <p:nvSpPr>
           <p:cNvPr id="41986" name="Rectangle 23"/>
           <p:cNvSpPr>
             <a:spLocks noGrp="1" noChangeArrowheads="1"/>
@@ -2518,7 +2643,7 @@
             <a:fld id="{B2B44A5F-6CE4-493C-A0D7-6834FF76660C}" type="slidenum">
               <a:rPr lang="en-US" smtClean="0"/>
               <a:pPr/>
-              <a:t>21</a:t>
+              <a:t>22</a:t>
             </a:fld>
             <a:endParaRPr lang="en-US" dirty="0" smtClean="0"/>
           </a:p>
@@ -8123,31 +8248,15 @@
           <a:p>
             <a:r>
               <a:rPr lang="cs-CZ" dirty="0" smtClean="0"/>
-              <a:t>E</a:t>
+              <a:t>D</a:t>
             </a:r>
             <a:r>
               <a:rPr lang="en-US" dirty="0" err="1" smtClean="0"/>
-              <a:t>venty</a:t>
-            </a:r>
-            <a:r>
-              <a:rPr lang="en-US" dirty="0" smtClean="0"/>
-              <a:t> </a:t>
-            </a:r>
-            <a:r>
-              <a:rPr lang="en-US" dirty="0" err="1" smtClean="0"/>
-              <a:t>delagaty</a:t>
-            </a:r>
-            <a:r>
-              <a:rPr lang="cs-CZ" dirty="0" smtClean="0"/>
-              <a:t> a</a:t>
-            </a:r>
-            <a:r>
-              <a:rPr lang="en-US" dirty="0" smtClean="0"/>
-              <a:t> </a:t>
+              <a:t>estruktur</a:t>
             </a:r>
             <a:r>
               <a:rPr lang="en-US" dirty="0"/>
-              <a:t>closure</a:t>
+              <a:t>, using a IDispose</a:t>
             </a:r>
           </a:p>
         </p:txBody>
@@ -8180,8 +8289,118 @@
             <a:pPr marL="514350" indent="-457200" fontAlgn="base"/>
             <a:r>
               <a:rPr lang="cs-CZ" dirty="0" smtClean="0"/>
-              <a:t>dopsat</a:t>
-            </a:r>
+              <a:t>Chování destruktoru jako v </a:t>
+            </a:r>
+            <a:r>
+              <a:rPr lang="cs-CZ" dirty="0" err="1" smtClean="0"/>
+              <a:t>jave</a:t>
+            </a:r>
+            <a:r>
+              <a:rPr lang="cs-CZ" dirty="0" smtClean="0"/>
+              <a:t> </a:t>
+            </a:r>
+            <a:r>
+              <a:rPr lang="cs-CZ" dirty="0" err="1" smtClean="0"/>
+              <a:t>finalize</a:t>
+            </a:r>
+            <a:r>
+              <a:rPr lang="cs-CZ" dirty="0" smtClean="0"/>
+              <a:t> ale je zaručeno že se  volá vždy při uvolňování.</a:t>
+            </a:r>
+          </a:p>
+          <a:p>
+            <a:pPr marL="514350" indent="-457200" fontAlgn="base"/>
+            <a:r>
+              <a:rPr lang="en-US" dirty="0" err="1" smtClean="0"/>
+              <a:t>Idispose</a:t>
+            </a:r>
+            <a:r>
+              <a:rPr lang="cs-CZ" dirty="0" smtClean="0"/>
+              <a:t> je pro explicitní </a:t>
+            </a:r>
+            <a:r>
+              <a:rPr lang="cs-CZ" dirty="0" err="1" smtClean="0"/>
+              <a:t>uvolnování</a:t>
+            </a:r>
+            <a:r>
+              <a:rPr lang="cs-CZ" dirty="0" smtClean="0"/>
+              <a:t> </a:t>
+            </a:r>
+            <a:r>
+              <a:rPr lang="cs-CZ" dirty="0" err="1" smtClean="0"/>
+              <a:t>unmanaged</a:t>
+            </a:r>
+            <a:r>
+              <a:rPr lang="cs-CZ" dirty="0" smtClean="0"/>
+              <a:t> </a:t>
+            </a:r>
+            <a:r>
+              <a:rPr lang="cs-CZ" dirty="0" err="1" smtClean="0"/>
+              <a:t>zdroju</a:t>
+            </a:r>
+            <a:r>
+              <a:rPr lang="cs-CZ" dirty="0" smtClean="0"/>
+              <a:t> </a:t>
+            </a:r>
+            <a:r>
+              <a:rPr lang="cs-CZ" dirty="0" err="1" smtClean="0"/>
+              <a:t>např</a:t>
+            </a:r>
+            <a:r>
+              <a:rPr lang="cs-CZ" dirty="0" smtClean="0"/>
+              <a:t>, souborů, </a:t>
+            </a:r>
+            <a:r>
+              <a:rPr lang="cs-CZ" dirty="0" err="1" smtClean="0"/>
+              <a:t>connections</a:t>
+            </a:r>
+            <a:r>
+              <a:rPr lang="cs-CZ" dirty="0" smtClean="0"/>
+              <a:t> apod.</a:t>
+            </a:r>
+          </a:p>
+          <a:p>
+            <a:pPr marL="514350" indent="-457200" fontAlgn="base"/>
+            <a:r>
+              <a:rPr lang="cs-CZ" dirty="0" smtClean="0"/>
+              <a:t>Místo </a:t>
+            </a:r>
+            <a:r>
+              <a:rPr lang="cs-CZ" dirty="0" err="1" smtClean="0"/>
+              <a:t>try</a:t>
+            </a:r>
+            <a:r>
+              <a:rPr lang="cs-CZ" dirty="0" smtClean="0"/>
+              <a:t> </a:t>
+            </a:r>
+            <a:r>
+              <a:rPr lang="cs-CZ" dirty="0" err="1" smtClean="0"/>
+              <a:t>finaly</a:t>
+            </a:r>
+            <a:r>
+              <a:rPr lang="cs-CZ" dirty="0" smtClean="0"/>
+              <a:t> -&gt; používat </a:t>
+            </a:r>
+            <a:r>
+              <a:rPr lang="cs-CZ" dirty="0" err="1" smtClean="0"/>
+              <a:t>using</a:t>
+            </a:r>
+            <a:endParaRPr lang="cs-CZ" dirty="0" smtClean="0"/>
+          </a:p>
+          <a:p>
+            <a:pPr marL="514350" indent="-457200" fontAlgn="base"/>
+            <a:r>
+              <a:rPr lang="cs-CZ" dirty="0" smtClean="0"/>
+              <a:t>Příklad. </a:t>
+            </a:r>
+            <a:r>
+              <a:rPr lang="en-US" dirty="0" err="1"/>
+              <a:t>TestDispose</a:t>
+            </a:r>
+            <a:endParaRPr lang="en-US" dirty="0"/>
+          </a:p>
+          <a:p>
+            <a:pPr marL="514350" indent="-457200" fontAlgn="base"/>
             <a:endParaRPr lang="en-US" dirty="0"/>
           </a:p>
           <a:p>
@@ -8244,7 +8463,7 @@
     </p:custDataLst>
     <p:extLst>
       <p:ext uri="{BB962C8B-B14F-4D97-AF65-F5344CB8AC3E}">
-        <p14:creationId xmlns:p14="http://schemas.microsoft.com/office/powerpoint/2010/main" val="518512659"/>
+        <p14:creationId xmlns:p14="http://schemas.microsoft.com/office/powerpoint/2010/main" val="1069292896"/>
       </p:ext>
     </p:extLst>
   </p:cSld>
@@ -8302,16 +8521,20 @@
           <a:lstStyle/>
           <a:p>
             <a:r>
-              <a:rPr lang="cs-CZ" dirty="0" smtClean="0"/>
-              <a:t>D</a:t>
-            </a:r>
-            <a:r>
-              <a:rPr lang="en-US" dirty="0" err="1" smtClean="0"/>
-              <a:t>estruktur</a:t>
+              <a:rPr lang="en-US" b="1" dirty="0" smtClean="0"/>
+              <a:t>yield </a:t>
+            </a:r>
+            <a:r>
+              <a:rPr lang="en-US" b="1" dirty="0"/>
+              <a:t>return</a:t>
             </a:r>
             <a:r>
               <a:rPr lang="en-US" dirty="0"/>
-              <a:t>, using a IDispose</a:t>
+              <a:t> a </a:t>
+            </a:r>
+            <a:r>
+              <a:rPr lang="en-US" b="1" dirty="0"/>
+              <a:t>yield break</a:t>
             </a:r>
           </a:p>
         </p:txBody>
@@ -8337,14 +8560,156 @@
         </p:spPr>
         <p:txBody>
           <a:bodyPr>
-            <a:normAutofit/>
+            <a:normAutofit fontScale="62500" lnSpcReduction="20000"/>
           </a:bodyPr>
           <a:lstStyle/>
           <a:p>
             <a:pPr marL="514350" indent="-457200" fontAlgn="base"/>
             <a:r>
               <a:rPr lang="cs-CZ" dirty="0" smtClean="0"/>
-              <a:t>dopsat</a:t>
+              <a:t>Místo psaní implementace </a:t>
+            </a:r>
+            <a:r>
+              <a:rPr lang="en-US" i="1" dirty="0" err="1"/>
+              <a:t>IEnumerable</a:t>
+            </a:r>
+            <a:r>
+              <a:rPr lang="cs-CZ" dirty="0" smtClean="0"/>
+              <a:t>. Řeší překladač v těle metody.</a:t>
+            </a:r>
+          </a:p>
+          <a:p>
+            <a:pPr marL="514350" indent="-457200" fontAlgn="base"/>
+            <a:r>
+              <a:rPr lang="cs-CZ" dirty="0" err="1" smtClean="0"/>
+              <a:t>yield</a:t>
+            </a:r>
+            <a:r>
+              <a:rPr lang="cs-CZ" dirty="0" smtClean="0"/>
+              <a:t> return vrací další prvek.</a:t>
+            </a:r>
+          </a:p>
+          <a:p>
+            <a:pPr marL="514350" indent="-457200" fontAlgn="base"/>
+            <a:r>
+              <a:rPr lang="cs-CZ" dirty="0" err="1" smtClean="0"/>
+              <a:t>Yield</a:t>
+            </a:r>
+            <a:r>
+              <a:rPr lang="cs-CZ" dirty="0" smtClean="0"/>
+              <a:t> </a:t>
+            </a:r>
+            <a:r>
+              <a:rPr lang="cs-CZ" dirty="0" err="1" smtClean="0"/>
+              <a:t>break</a:t>
+            </a:r>
+            <a:r>
+              <a:rPr lang="cs-CZ" dirty="0"/>
+              <a:t> </a:t>
+            </a:r>
+            <a:r>
+              <a:rPr lang="cs-CZ" dirty="0" smtClean="0"/>
+              <a:t>- už není dostupný další.</a:t>
+            </a:r>
+          </a:p>
+          <a:p>
+            <a:pPr marL="514350" indent="-457200" fontAlgn="base"/>
+            <a:r>
+              <a:rPr lang="cs-CZ" dirty="0" err="1" smtClean="0"/>
+              <a:t>Př</a:t>
+            </a:r>
+            <a:r>
+              <a:rPr lang="cs-CZ" dirty="0" smtClean="0"/>
+              <a:t>: Místo vracení již naplněné kolekce prvku </a:t>
+            </a:r>
+            <a:r>
+              <a:rPr lang="cs-CZ" dirty="0"/>
+              <a:t>(čas. náročnost)</a:t>
+            </a:r>
+            <a:r>
+              <a:rPr lang="cs-CZ" dirty="0" smtClean="0"/>
+              <a:t> vracíme postupně</a:t>
+            </a:r>
+          </a:p>
+          <a:p>
+            <a:pPr marL="514350" indent="-457200" fontAlgn="base"/>
+            <a:r>
+              <a:rPr lang="cs-CZ" dirty="0" smtClean="0"/>
+              <a:t>Pozor při znovu zavolaní metody se znova provede </a:t>
+            </a:r>
+            <a:r>
+              <a:rPr lang="cs-CZ" dirty="0" err="1" smtClean="0"/>
+              <a:t>telo</a:t>
+            </a:r>
+            <a:r>
+              <a:rPr lang="cs-CZ" dirty="0" smtClean="0"/>
+              <a:t> metody</a:t>
+            </a:r>
+          </a:p>
+          <a:p>
+            <a:pPr marL="514350" indent="-457200" fontAlgn="base"/>
+            <a:r>
+              <a:rPr lang="cs-CZ" dirty="0" smtClean="0"/>
+              <a:t>-&gt; </a:t>
+            </a:r>
+            <a:r>
+              <a:rPr lang="cs-CZ" dirty="0" err="1" smtClean="0"/>
+              <a:t>jiz</a:t>
+            </a:r>
+            <a:r>
+              <a:rPr lang="cs-CZ" dirty="0" smtClean="0"/>
+              <a:t> </a:t>
+            </a:r>
+            <a:r>
+              <a:rPr lang="cs-CZ" dirty="0" err="1" smtClean="0"/>
+              <a:t>spocitane</a:t>
+            </a:r>
+            <a:r>
+              <a:rPr lang="cs-CZ" dirty="0" smtClean="0"/>
+              <a:t> </a:t>
+            </a:r>
+            <a:r>
+              <a:rPr lang="cs-CZ" dirty="0" err="1" smtClean="0"/>
+              <a:t>pouzit</a:t>
+            </a:r>
+            <a:r>
+              <a:rPr lang="cs-CZ" dirty="0" smtClean="0"/>
+              <a:t> </a:t>
+            </a:r>
+            <a:r>
+              <a:rPr lang="cs-CZ" dirty="0" err="1" smtClean="0"/>
+              <a:t>ToArray</a:t>
+            </a:r>
+            <a:r>
+              <a:rPr lang="cs-CZ" dirty="0" smtClean="0"/>
+              <a:t> nebo </a:t>
+            </a:r>
+            <a:r>
+              <a:rPr lang="cs-CZ" dirty="0" err="1" smtClean="0"/>
+              <a:t>ToList</a:t>
+            </a:r>
+            <a:r>
+              <a:rPr lang="cs-CZ" dirty="0" smtClean="0"/>
+              <a:t> apod.</a:t>
+            </a:r>
+          </a:p>
+          <a:p>
+            <a:pPr marL="514350" indent="-457200" fontAlgn="base"/>
+            <a:r>
+              <a:rPr lang="cs-CZ" dirty="0" smtClean="0"/>
+              <a:t>Příklad </a:t>
+            </a:r>
+            <a:r>
+              <a:rPr lang="en-US" dirty="0" err="1" smtClean="0"/>
+              <a:t>TestEnumerable</a:t>
+            </a:r>
+            <a:r>
+              <a:rPr lang="cs-CZ" dirty="0" smtClean="0"/>
+              <a:t>.</a:t>
+            </a:r>
+            <a:r>
+              <a:rPr lang="cs-CZ" dirty="0" err="1" smtClean="0"/>
+              <a:t>cs</a:t>
             </a:r>
             <a:endParaRPr lang="en-US" dirty="0"/>
           </a:p>
@@ -8364,6 +8729,20 @@
           </a:p>
           <a:p>
             <a:pPr marL="514350" indent="-457200" fontAlgn="base"/>
+            <a:endParaRPr lang="cs-CZ" dirty="0" smtClean="0"/>
+          </a:p>
+          <a:p>
+            <a:pPr marL="514350" indent="-457200" fontAlgn="base"/>
+            <a:endParaRPr lang="cs-CZ" dirty="0"/>
+          </a:p>
+          <a:p>
+            <a:pPr marL="514350" indent="-457200" fontAlgn="base"/>
+            <a:r>
+              <a:rPr lang="en-US" dirty="0">
+                <a:hlinkClick r:id="rId6"/>
+              </a:rPr>
+              <a:t>http://msdn.microsoft.com/cs-cz/library/9k7k7cf0.aspx</a:t>
+            </a:r>
             <a:endParaRPr lang="en-US" dirty="0"/>
           </a:p>
           <a:p>
@@ -8408,7 +8787,7 @@
     </p:custDataLst>
     <p:extLst>
       <p:ext uri="{BB962C8B-B14F-4D97-AF65-F5344CB8AC3E}">
-        <p14:creationId xmlns:p14="http://schemas.microsoft.com/office/powerpoint/2010/main" val="1069292896"/>
+        <p14:creationId xmlns:p14="http://schemas.microsoft.com/office/powerpoint/2010/main" val="1458288348"/>
       </p:ext>
     </p:extLst>
   </p:cSld>
@@ -8466,20 +8845,36 @@
           <a:lstStyle/>
           <a:p>
             <a:r>
-              <a:rPr lang="en-US" b="1" dirty="0" smtClean="0"/>
-              <a:t>yield </a:t>
-            </a:r>
-            <a:r>
-              <a:rPr lang="en-US" b="1" dirty="0"/>
-              <a:t>return</a:t>
+              <a:rPr lang="cs-CZ" dirty="0" smtClean="0"/>
+              <a:t>E</a:t>
+            </a:r>
+            <a:r>
+              <a:rPr lang="en-US" dirty="0" err="1" smtClean="0"/>
+              <a:t>venty</a:t>
+            </a:r>
+            <a:r>
+              <a:rPr lang="cs-CZ" dirty="0" smtClean="0"/>
+              <a:t>,</a:t>
+            </a:r>
+            <a:r>
+              <a:rPr lang="en-US" dirty="0" smtClean="0"/>
+              <a:t> </a:t>
+            </a:r>
+            <a:r>
+              <a:rPr lang="en-US" dirty="0" err="1" smtClean="0"/>
+              <a:t>delagaty</a:t>
+            </a:r>
+            <a:r>
+              <a:rPr lang="cs-CZ" dirty="0" smtClean="0"/>
+              <a:t> a</a:t>
+            </a:r>
+            <a:r>
+              <a:rPr lang="en-US" dirty="0" smtClean="0"/>
+              <a:t> </a:t>
             </a:r>
             <a:r>
               <a:rPr lang="en-US" dirty="0"/>
-              <a:t> a </a:t>
-            </a:r>
-            <a:r>
-              <a:rPr lang="en-US" b="1" dirty="0"/>
-              <a:t>yield break</a:t>
+              <a:t>closure</a:t>
             </a:r>
           </a:p>
         </p:txBody>
@@ -8511,8 +8906,120 @@
           <a:p>
             <a:pPr marL="514350" indent="-457200" fontAlgn="base"/>
             <a:r>
-              <a:rPr lang="cs-CZ" dirty="0" smtClean="0"/>
-              <a:t>dopsat</a:t>
+              <a:rPr lang="en-US" dirty="0" err="1" smtClean="0"/>
+              <a:t>Delegat</a:t>
+            </a:r>
+            <a:r>
+              <a:rPr lang="cs-CZ" dirty="0" smtClean="0"/>
+              <a:t>y jsou reference na metody</a:t>
+            </a:r>
+            <a:endParaRPr lang="cs-CZ" dirty="0" smtClean="0"/>
+          </a:p>
+          <a:p>
+            <a:pPr marL="514350" indent="-457200" fontAlgn="base"/>
+            <a:r>
+              <a:rPr lang="cs-CZ" dirty="0" smtClean="0"/>
+              <a:t>Příklad </a:t>
+            </a:r>
+            <a:r>
+              <a:rPr lang="en-US" dirty="0" err="1" smtClean="0"/>
+              <a:t>TestClosures</a:t>
+            </a:r>
+            <a:r>
+              <a:rPr lang="cs-CZ" dirty="0" smtClean="0"/>
+              <a:t>.</a:t>
+            </a:r>
+            <a:r>
+              <a:rPr lang="cs-CZ" dirty="0" err="1" smtClean="0"/>
+              <a:t>cs</a:t>
+            </a:r>
+            <a:endParaRPr lang="cs-CZ" dirty="0" smtClean="0"/>
+          </a:p>
+          <a:p>
+            <a:pPr marL="514350" indent="-457200" fontAlgn="base"/>
+            <a:r>
+              <a:rPr lang="cs-CZ" dirty="0" smtClean="0"/>
+              <a:t>Pozor na </a:t>
+            </a:r>
+            <a:r>
+              <a:rPr lang="cs-CZ" dirty="0" err="1" smtClean="0"/>
+              <a:t>memory</a:t>
+            </a:r>
+            <a:r>
+              <a:rPr lang="cs-CZ" dirty="0" smtClean="0"/>
+              <a:t> </a:t>
+            </a:r>
+            <a:r>
+              <a:rPr lang="cs-CZ" dirty="0" err="1" smtClean="0"/>
+              <a:t>leaks</a:t>
+            </a:r>
+            <a:r>
+              <a:rPr lang="cs-CZ" dirty="0" smtClean="0"/>
+              <a:t> u </a:t>
+            </a:r>
+            <a:r>
+              <a:rPr lang="cs-CZ" dirty="0" err="1" smtClean="0"/>
+              <a:t>event</a:t>
+            </a:r>
+            <a:r>
+              <a:rPr lang="cs-CZ" dirty="0" smtClean="0"/>
+              <a:t> =&gt; </a:t>
+            </a:r>
+            <a:r>
+              <a:rPr lang="cs-CZ" dirty="0" err="1" smtClean="0"/>
+              <a:t>pouzit</a:t>
+            </a:r>
+            <a:r>
+              <a:rPr lang="cs-CZ" dirty="0" smtClean="0"/>
+              <a:t> </a:t>
+            </a:r>
+            <a:r>
+              <a:rPr lang="en-US" b="1" dirty="0" err="1" smtClean="0"/>
+              <a:t>WeakEventManager</a:t>
+            </a:r>
+            <a:endParaRPr lang="cs-CZ" dirty="0"/>
+          </a:p>
+          <a:p>
+            <a:pPr marL="514350" indent="-457200" fontAlgn="base"/>
+            <a:r>
+              <a:rPr lang="cs-CZ" dirty="0" err="1" smtClean="0"/>
+              <a:t>Predefinovane</a:t>
+            </a:r>
+            <a:r>
+              <a:rPr lang="cs-CZ" dirty="0" smtClean="0"/>
+              <a:t> </a:t>
+            </a:r>
+            <a:r>
+              <a:rPr lang="cs-CZ" dirty="0" err="1" smtClean="0"/>
+              <a:t>delegaty</a:t>
+            </a:r>
+            <a:r>
+              <a:rPr lang="cs-CZ" dirty="0" smtClean="0"/>
+              <a:t> </a:t>
+            </a:r>
+            <a:r>
+              <a:rPr lang="cs-CZ" dirty="0" err="1" smtClean="0"/>
+              <a:t>void</a:t>
+            </a:r>
+            <a:r>
+              <a:rPr lang="cs-CZ" dirty="0" smtClean="0"/>
+              <a:t> </a:t>
+            </a:r>
+            <a:r>
+              <a:rPr lang="cs-CZ" dirty="0" err="1" smtClean="0"/>
+              <a:t>Action</a:t>
+            </a:r>
+            <a:r>
+              <a:rPr lang="cs-CZ" dirty="0" smtClean="0"/>
+              <a:t>&lt;,,&gt; a </a:t>
+            </a:r>
+            <a:r>
+              <a:rPr lang="cs-CZ" dirty="0" err="1" smtClean="0"/>
+              <a:t>Func</a:t>
+            </a:r>
+            <a:r>
+              <a:rPr lang="cs-CZ" dirty="0" smtClean="0"/>
+              <a:t>&lt;,,&gt; kde poslední typ musí metoda vracet</a:t>
             </a:r>
             <a:endParaRPr lang="en-US" dirty="0"/>
           </a:p>
@@ -8576,7 +9083,7 @@
     </p:custDataLst>
     <p:extLst>
       <p:ext uri="{BB962C8B-B14F-4D97-AF65-F5344CB8AC3E}">
-        <p14:creationId xmlns:p14="http://schemas.microsoft.com/office/powerpoint/2010/main" val="1458288348"/>
+        <p14:creationId xmlns:p14="http://schemas.microsoft.com/office/powerpoint/2010/main" val="518512659"/>
       </p:ext>
     </p:extLst>
   </p:cSld>
@@ -8676,8 +9183,32 @@
             <a:pPr marL="514350" indent="-457200" fontAlgn="base"/>
             <a:r>
               <a:rPr lang="cs-CZ" dirty="0" smtClean="0"/>
-              <a:t>dopsat</a:t>
-            </a:r>
+              <a:t>Je rozhodně skvělá věc </a:t>
+            </a:r>
+            <a:r>
+              <a:rPr lang="cs-CZ" dirty="0" smtClean="0">
+                <a:sym typeface="Wingdings" pitchFamily="2" charset="2"/>
+              </a:rPr>
+              <a:t></a:t>
+            </a:r>
+          </a:p>
+          <a:p>
+            <a:pPr marL="514350" indent="-457200" fontAlgn="base"/>
+            <a:r>
+              <a:rPr lang="cs-CZ" dirty="0" smtClean="0">
+                <a:sym typeface="Wingdings" pitchFamily="2" charset="2"/>
+              </a:rPr>
+              <a:t>Přidává funkcionální </a:t>
+            </a:r>
+            <a:r>
+              <a:rPr lang="cs-CZ" smtClean="0">
+                <a:sym typeface="Wingdings" pitchFamily="2" charset="2"/>
+              </a:rPr>
+              <a:t>styl programování</a:t>
+            </a:r>
+          </a:p>
+          <a:p>
+            <a:pPr marL="514350" indent="-457200" fontAlgn="base"/>
             <a:endParaRPr lang="en-US" dirty="0"/>
           </a:p>
           <a:p>
@@ -8797,7 +9328,7 @@
           <a:p>
             <a:r>
               <a:rPr lang="cs-CZ" dirty="0" smtClean="0"/>
-              <a:t>Konvence</a:t>
+              <a:t>Typy </a:t>
             </a:r>
             <a:endParaRPr lang="en-US" dirty="0"/>
           </a:p>
@@ -8824,166 +9355,103 @@
           <a:lstStyle/>
           <a:p>
             <a:pPr fontAlgn="base"/>
-            <a:r>
-              <a:rPr lang="pt-BR" dirty="0"/>
-              <a:t>konvence </a:t>
-            </a:r>
-            <a:r>
-              <a:rPr lang="pt-BR" b="1" dirty="0"/>
-              <a:t>interface</a:t>
-            </a:r>
-            <a:r>
-              <a:rPr lang="pt-BR" dirty="0"/>
-              <a:t> začíná </a:t>
-            </a:r>
-            <a:r>
-              <a:rPr lang="pt-BR" b="1" dirty="0"/>
-              <a:t>I</a:t>
-            </a:r>
-            <a:r>
-              <a:rPr lang="pt-BR" dirty="0"/>
-              <a:t> viz </a:t>
-            </a:r>
-            <a:r>
-              <a:rPr lang="pt-BR" b="1" dirty="0"/>
-              <a:t>IList</a:t>
-            </a:r>
-            <a:r>
-              <a:rPr lang="pt-BR" dirty="0"/>
-              <a:t> a implementace </a:t>
-            </a:r>
-            <a:r>
-              <a:rPr lang="pt-BR" dirty="0" smtClean="0"/>
-              <a:t>List</a:t>
-            </a:r>
             <a:endParaRPr lang="cs-CZ" dirty="0" smtClean="0"/>
           </a:p>
           <a:p>
             <a:pPr fontAlgn="base"/>
-            <a:r>
-              <a:rPr lang="en-US" dirty="0" err="1"/>
-              <a:t>nazvy</a:t>
-            </a:r>
-            <a:r>
-              <a:rPr lang="en-US" dirty="0"/>
-              <a:t> </a:t>
-            </a:r>
-            <a:r>
-              <a:rPr lang="en-US" dirty="0" err="1"/>
-              <a:t>metod</a:t>
-            </a:r>
-            <a:r>
-              <a:rPr lang="en-US" dirty="0"/>
-              <a:t> </a:t>
-            </a:r>
-            <a:r>
-              <a:rPr lang="cs-CZ" dirty="0" smtClean="0"/>
-              <a:t>z </a:t>
-            </a:r>
-            <a:r>
-              <a:rPr lang="en-US" dirty="0" err="1" smtClean="0"/>
-              <a:t>pascal</a:t>
-            </a:r>
-            <a:r>
-              <a:rPr lang="cs-CZ" dirty="0" smtClean="0"/>
-              <a:t> konvence</a:t>
-            </a:r>
-            <a:r>
-              <a:rPr lang="en-US" dirty="0" smtClean="0"/>
-              <a:t> </a:t>
-            </a:r>
-            <a:r>
-              <a:rPr lang="en-US" dirty="0"/>
-              <a:t>(</a:t>
-            </a:r>
-            <a:r>
-              <a:rPr lang="en-US" dirty="0" err="1"/>
-              <a:t>hlavni</a:t>
-            </a:r>
-            <a:r>
-              <a:rPr lang="en-US" dirty="0"/>
-              <a:t> designer c# :-)) </a:t>
-            </a:r>
-            <a:r>
-              <a:rPr lang="en-US" dirty="0" err="1"/>
-              <a:t>první</a:t>
-            </a:r>
-            <a:r>
-              <a:rPr lang="en-US" dirty="0"/>
-              <a:t> </a:t>
-            </a:r>
-            <a:r>
-              <a:rPr lang="en-US" dirty="0" err="1"/>
-              <a:t>Velke</a:t>
-            </a:r>
-            <a:r>
-              <a:rPr lang="en-US" dirty="0"/>
-              <a:t> </a:t>
-            </a:r>
-            <a:r>
-              <a:rPr lang="en-US" dirty="0" err="1" smtClean="0"/>
-              <a:t>pismeno</a:t>
-            </a:r>
-            <a:r>
-              <a:rPr lang="cs-CZ" dirty="0" smtClean="0"/>
-              <a:t> </a:t>
-            </a:r>
-            <a:r>
-              <a:rPr lang="cs-CZ" dirty="0"/>
-              <a:t>viz </a:t>
-            </a:r>
-            <a:r>
-              <a:rPr lang="en-US" b="1" dirty="0" err="1"/>
-              <a:t>ToString</a:t>
-            </a:r>
-            <a:r>
-              <a:rPr lang="cs-CZ" b="1" dirty="0" smtClean="0"/>
-              <a:t>() </a:t>
-            </a:r>
-            <a:r>
-              <a:rPr lang="en-US" dirty="0" err="1" smtClean="0"/>
-              <a:t>jinak</a:t>
-            </a:r>
-            <a:r>
-              <a:rPr lang="en-US" dirty="0" smtClean="0"/>
-              <a:t> </a:t>
-            </a:r>
-            <a:r>
-              <a:rPr lang="en-US" dirty="0" err="1"/>
-              <a:t>stejny</a:t>
-            </a:r>
-            <a:r>
-              <a:rPr lang="en-US" dirty="0"/>
-              <a:t> </a:t>
-            </a:r>
-            <a:r>
-              <a:rPr lang="en-US" dirty="0" err="1"/>
-              <a:t>jako</a:t>
-            </a:r>
-            <a:r>
-              <a:rPr lang="en-US" dirty="0"/>
-              <a:t> u </a:t>
-            </a:r>
-            <a:r>
-              <a:rPr lang="en-US" dirty="0" err="1" smtClean="0"/>
-              <a:t>javy</a:t>
-            </a:r>
+            <a:endParaRPr lang="cs-CZ" dirty="0"/>
+          </a:p>
+          <a:p>
+            <a:pPr fontAlgn="base"/>
             <a:endParaRPr lang="cs-CZ" dirty="0" smtClean="0"/>
+          </a:p>
+          <a:p>
+            <a:pPr fontAlgn="base"/>
+            <a:endParaRPr lang="cs-CZ" dirty="0"/>
+          </a:p>
+          <a:p>
+            <a:pPr fontAlgn="base"/>
+            <a:endParaRPr lang="cs-CZ" dirty="0" smtClean="0"/>
+          </a:p>
+          <a:p>
+            <a:pPr fontAlgn="base"/>
+            <a:endParaRPr lang="cs-CZ" dirty="0"/>
+          </a:p>
+          <a:p>
+            <a:pPr fontAlgn="base"/>
+            <a:r>
+              <a:rPr lang="cs-CZ" dirty="0" smtClean="0">
+                <a:solidFill>
+                  <a:srgbClr val="C00000"/>
+                </a:solidFill>
+              </a:rPr>
+              <a:t>Pro typ peníze používat </a:t>
+            </a:r>
+            <a:r>
+              <a:rPr lang="cs-CZ" b="1" dirty="0" err="1" smtClean="0">
+                <a:solidFill>
+                  <a:srgbClr val="C00000"/>
+                </a:solidFill>
+              </a:rPr>
+              <a:t>decimal</a:t>
+            </a:r>
+            <a:endParaRPr lang="en-US" b="1" dirty="0">
+              <a:solidFill>
+                <a:srgbClr val="C00000"/>
+              </a:solidFill>
+            </a:endParaRPr>
+          </a:p>
+          <a:p>
+            <a:pPr fontAlgn="base"/>
+            <a:endParaRPr lang="pt-BR" dirty="0"/>
           </a:p>
           <a:p>
             <a:pPr fontAlgn="base"/>
             <a:endParaRPr lang="en-US" dirty="0"/>
           </a:p>
-          <a:p>
-            <a:pPr fontAlgn="base"/>
-            <a:endParaRPr lang="pt-BR" dirty="0"/>
-          </a:p>
-          <a:p>
-            <a:pPr fontAlgn="base"/>
-            <a:endParaRPr lang="en-US" dirty="0"/>
-          </a:p>
-        </p:txBody>
-      </p:sp>
+        </p:txBody>
+      </p:sp>
+      <p:pic>
+        <p:nvPicPr>
+          <p:cNvPr id="2050" name="Picture 2" descr="P:\Users\balat\Downloads\table5.3.gif"/>
+          <p:cNvPicPr>
+            <a:picLocks noChangeAspect="1" noChangeArrowheads="1"/>
+          </p:cNvPicPr>
+          <p:nvPr/>
+        </p:nvPicPr>
+        <p:blipFill>
+          <a:blip r:embed="rId6">
+            <a:extLst>
+              <a:ext uri="{28A0092B-C50C-407E-A947-70E740481C1C}">
+                <a14:useLocalDpi xmlns:a14="http://schemas.microsoft.com/office/drawing/2010/main" val="0"/>
+              </a:ext>
+            </a:extLst>
+          </a:blip>
+          <a:srcRect/>
+          <a:stretch>
+            <a:fillRect/>
+          </a:stretch>
+        </p:blipFill>
+        <p:spPr bwMode="auto">
+          <a:xfrm>
+            <a:off x="3419872" y="188640"/>
+            <a:ext cx="5600700" cy="4914900"/>
+          </a:xfrm>
+          <a:prstGeom prst="rect">
+            <a:avLst/>
+          </a:prstGeom>
+          <a:noFill/>
+          <a:extLst>
+            <a:ext uri="{909E8E84-426E-40DD-AFC4-6F175D3DCCD1}">
+              <a14:hiddenFill xmlns:a14="http://schemas.microsoft.com/office/drawing/2010/main">
+                <a:solidFill>
+                  <a:srgbClr val="FFFFFF"/>
+                </a:solidFill>
+              </a14:hiddenFill>
+            </a:ext>
+          </a:extLst>
+        </p:spPr>
+      </p:pic>
     </p:spTree>
     <p:custDataLst>
       <p:tags r:id="rId1"/>
@@ -9042,397 +9510,186 @@
         </p:nvSpPr>
         <p:spPr/>
         <p:txBody>
+          <a:bodyPr/>
+          <a:lstStyle/>
+          <a:p>
+            <a:r>
+              <a:rPr lang="cs-CZ" dirty="0" smtClean="0"/>
+              <a:t>Konvence</a:t>
+            </a:r>
+            <a:endParaRPr lang="en-US" dirty="0"/>
+          </a:p>
+        </p:txBody>
+      </p:sp>
+      <p:sp>
+        <p:nvSpPr>
+          <p:cNvPr id="5" name="Content Placeholder 4"/>
+          <p:cNvSpPr>
+            <a:spLocks noGrp="1"/>
+          </p:cNvSpPr>
+          <p:nvPr>
+            <p:ph idx="1"/>
+            <p:custDataLst>
+              <p:tags r:id="rId3"/>
+            </p:custDataLst>
+          </p:nvPr>
+        </p:nvSpPr>
+        <p:spPr/>
+        <p:txBody>
           <a:bodyPr>
             <a:normAutofit/>
           </a:bodyPr>
           <a:lstStyle/>
           <a:p>
-            <a:r>
-              <a:rPr lang="cs-CZ" dirty="0" err="1" smtClean="0"/>
-              <a:t>Object</a:t>
-            </a:r>
-            <a:r>
-              <a:rPr lang="cs-CZ" dirty="0" smtClean="0"/>
-              <a:t> a </a:t>
+            <a:pPr fontAlgn="base"/>
+            <a:r>
+              <a:rPr lang="pt-BR" dirty="0"/>
+              <a:t>konvence </a:t>
+            </a:r>
+            <a:r>
+              <a:rPr lang="pt-BR" b="1" dirty="0"/>
+              <a:t>interface</a:t>
+            </a:r>
+            <a:r>
+              <a:rPr lang="pt-BR" dirty="0"/>
+              <a:t> začíná </a:t>
+            </a:r>
+            <a:r>
+              <a:rPr lang="pt-BR" b="1" dirty="0"/>
+              <a:t>I</a:t>
+            </a:r>
+            <a:r>
+              <a:rPr lang="pt-BR" dirty="0"/>
+              <a:t> viz </a:t>
+            </a:r>
+            <a:r>
+              <a:rPr lang="pt-BR" b="1" dirty="0"/>
+              <a:t>IList</a:t>
+            </a:r>
+            <a:r>
+              <a:rPr lang="pt-BR" dirty="0"/>
+              <a:t> a implementace </a:t>
+            </a:r>
+            <a:r>
+              <a:rPr lang="pt-BR" dirty="0" smtClean="0"/>
+              <a:t>List</a:t>
+            </a:r>
+            <a:endParaRPr lang="cs-CZ" dirty="0" smtClean="0"/>
+          </a:p>
+          <a:p>
+            <a:pPr fontAlgn="base"/>
+            <a:r>
+              <a:rPr lang="en-US" dirty="0" err="1"/>
+              <a:t>nazvy</a:t>
+            </a:r>
+            <a:r>
+              <a:rPr lang="en-US" dirty="0"/>
+              <a:t> </a:t>
+            </a:r>
+            <a:r>
+              <a:rPr lang="en-US" dirty="0" err="1"/>
+              <a:t>metod</a:t>
+            </a:r>
+            <a:r>
+              <a:rPr lang="en-US" dirty="0"/>
+              <a:t> </a:t>
+            </a:r>
+            <a:r>
+              <a:rPr lang="cs-CZ" dirty="0" smtClean="0"/>
+              <a:t>z </a:t>
             </a:r>
             <a:r>
               <a:rPr lang="en-US" dirty="0" err="1" smtClean="0"/>
-              <a:t>ValueType</a:t>
-            </a:r>
-            <a:endParaRPr lang="en-US" dirty="0"/>
-          </a:p>
-        </p:txBody>
-      </p:sp>
-      <p:sp>
-        <p:nvSpPr>
-          <p:cNvPr id="5" name="Content Placeholder 4"/>
-          <p:cNvSpPr>
-            <a:spLocks noGrp="1"/>
-          </p:cNvSpPr>
-          <p:nvPr>
-            <p:ph idx="1"/>
-            <p:custDataLst>
-              <p:tags r:id="rId3"/>
-            </p:custDataLst>
-          </p:nvPr>
-        </p:nvSpPr>
-        <p:spPr/>
-        <p:txBody>
-          <a:bodyPr>
-            <a:normAutofit fontScale="92500" lnSpcReduction="20000"/>
-          </a:bodyPr>
-          <a:lstStyle/>
+              <a:t>pascal</a:t>
+            </a:r>
+            <a:r>
+              <a:rPr lang="cs-CZ" dirty="0" smtClean="0"/>
+              <a:t> konvence</a:t>
+            </a:r>
+            <a:r>
+              <a:rPr lang="en-US" dirty="0" smtClean="0"/>
+              <a:t> </a:t>
+            </a:r>
+            <a:r>
+              <a:rPr lang="en-US" dirty="0"/>
+              <a:t>(</a:t>
+            </a:r>
+            <a:r>
+              <a:rPr lang="en-US" dirty="0" err="1"/>
+              <a:t>hlavni</a:t>
+            </a:r>
+            <a:r>
+              <a:rPr lang="en-US" dirty="0"/>
+              <a:t> designer c# :-)) </a:t>
+            </a:r>
+            <a:r>
+              <a:rPr lang="en-US" dirty="0" err="1"/>
+              <a:t>první</a:t>
+            </a:r>
+            <a:r>
+              <a:rPr lang="en-US" dirty="0"/>
+              <a:t> </a:t>
+            </a:r>
+            <a:r>
+              <a:rPr lang="en-US" dirty="0" err="1"/>
+              <a:t>Velke</a:t>
+            </a:r>
+            <a:r>
+              <a:rPr lang="en-US" dirty="0"/>
+              <a:t> </a:t>
+            </a:r>
+            <a:r>
+              <a:rPr lang="en-US" dirty="0" err="1" smtClean="0"/>
+              <a:t>pismeno</a:t>
+            </a:r>
+            <a:r>
+              <a:rPr lang="cs-CZ" dirty="0" smtClean="0"/>
+              <a:t> </a:t>
+            </a:r>
+            <a:r>
+              <a:rPr lang="cs-CZ" dirty="0"/>
+              <a:t>viz </a:t>
+            </a:r>
+            <a:r>
+              <a:rPr lang="en-US" b="1" dirty="0" err="1"/>
+              <a:t>ToString</a:t>
+            </a:r>
+            <a:r>
+              <a:rPr lang="cs-CZ" b="1" dirty="0" smtClean="0"/>
+              <a:t>() </a:t>
+            </a:r>
+            <a:r>
+              <a:rPr lang="en-US" dirty="0" err="1" smtClean="0"/>
+              <a:t>jinak</a:t>
+            </a:r>
+            <a:r>
+              <a:rPr lang="en-US" dirty="0" smtClean="0"/>
+              <a:t> </a:t>
+            </a:r>
+            <a:r>
+              <a:rPr lang="en-US" dirty="0" err="1"/>
+              <a:t>stejny</a:t>
+            </a:r>
+            <a:r>
+              <a:rPr lang="en-US" dirty="0"/>
+              <a:t> </a:t>
+            </a:r>
+            <a:r>
+              <a:rPr lang="en-US" dirty="0" err="1"/>
+              <a:t>jako</a:t>
+            </a:r>
+            <a:r>
+              <a:rPr lang="en-US" dirty="0"/>
+              <a:t> u </a:t>
+            </a:r>
+            <a:r>
+              <a:rPr lang="en-US" dirty="0" err="1" smtClean="0"/>
+              <a:t>javy</a:t>
+            </a:r>
+            <a:endParaRPr lang="cs-CZ" dirty="0" smtClean="0"/>
+          </a:p>
           <a:p>
             <a:pPr fontAlgn="base"/>
-            <a:r>
-              <a:rPr lang="cs-CZ" dirty="0" err="1" smtClean="0"/>
-              <a:t>Class</a:t>
-            </a:r>
-            <a:r>
-              <a:rPr lang="cs-CZ" dirty="0" smtClean="0"/>
-              <a:t> dědí po </a:t>
-            </a:r>
-            <a:r>
-              <a:rPr lang="cs-CZ" dirty="0" err="1" smtClean="0"/>
-              <a:t>Object</a:t>
-            </a:r>
-            <a:endParaRPr lang="cs-CZ" dirty="0"/>
-          </a:p>
-          <a:p>
-            <a:pPr fontAlgn="base"/>
-            <a:r>
-              <a:rPr lang="cs-CZ" dirty="0" err="1" smtClean="0"/>
-              <a:t>Struct</a:t>
-            </a:r>
-            <a:r>
-              <a:rPr lang="cs-CZ" dirty="0" smtClean="0"/>
-              <a:t> dědí po </a:t>
-            </a:r>
-            <a:r>
-              <a:rPr lang="en-US" dirty="0" err="1" smtClean="0"/>
-              <a:t>ValueType</a:t>
-            </a:r>
-            <a:r>
-              <a:rPr lang="cs-CZ" dirty="0" smtClean="0"/>
-              <a:t> (neexistuje metoda </a:t>
-            </a:r>
-            <a:r>
-              <a:rPr lang="en-US" dirty="0" err="1" smtClean="0"/>
-              <a:t>GetType</a:t>
-            </a:r>
-            <a:r>
-              <a:rPr lang="cs-CZ" dirty="0" smtClean="0"/>
-              <a:t>(), destruktor a static metody </a:t>
-            </a:r>
-            <a:r>
-              <a:rPr lang="en-US" dirty="0" smtClean="0"/>
-              <a:t>Equals</a:t>
-            </a:r>
-            <a:endParaRPr lang="en-US" dirty="0"/>
-          </a:p>
-          <a:p>
-            <a:pPr fontAlgn="base"/>
-            <a:r>
-              <a:rPr lang="cs-CZ" dirty="0" smtClean="0"/>
-              <a:t>)</a:t>
-            </a:r>
-          </a:p>
-          <a:p>
-            <a:pPr fontAlgn="base"/>
-            <a:r>
-              <a:rPr lang="cs-CZ" b="1" dirty="0" err="1"/>
-              <a:t>string</a:t>
-            </a:r>
-            <a:r>
-              <a:rPr lang="cs-CZ" dirty="0"/>
-              <a:t> je alias k </a:t>
-            </a:r>
-            <a:r>
-              <a:rPr lang="cs-CZ" b="1" dirty="0" err="1"/>
-              <a:t>System.String</a:t>
-            </a:r>
-            <a:r>
-              <a:rPr lang="cs-CZ" b="1" dirty="0"/>
-              <a:t> </a:t>
-            </a:r>
-            <a:r>
-              <a:rPr lang="cs-CZ" dirty="0"/>
-              <a:t>je vždy </a:t>
-            </a:r>
-            <a:r>
-              <a:rPr lang="cs-CZ" dirty="0" err="1"/>
-              <a:t>immutable</a:t>
-            </a:r>
-            <a:r>
-              <a:rPr lang="cs-CZ" dirty="0"/>
-              <a:t> tzn. </a:t>
-            </a:r>
-            <a:r>
-              <a:rPr lang="cs-CZ" dirty="0" err="1"/>
-              <a:t>muze</a:t>
-            </a:r>
-            <a:r>
-              <a:rPr lang="cs-CZ" dirty="0"/>
-              <a:t> se </a:t>
-            </a:r>
-            <a:r>
-              <a:rPr lang="cs-CZ" dirty="0" err="1"/>
-              <a:t>pouzivat</a:t>
-            </a:r>
-            <a:r>
-              <a:rPr lang="cs-CZ" dirty="0"/>
-              <a:t> ==</a:t>
-            </a:r>
-            <a:endParaRPr lang="cs-CZ" b="1" dirty="0"/>
-          </a:p>
-          <a:p>
-            <a:pPr fontAlgn="base"/>
-            <a:r>
-              <a:rPr lang="cs-CZ" b="1" dirty="0" err="1"/>
-              <a:t>ToString</a:t>
-            </a:r>
-            <a:r>
-              <a:rPr lang="cs-CZ" dirty="0"/>
-              <a:t>() </a:t>
-            </a:r>
-            <a:r>
-              <a:rPr lang="cs-CZ" b="1" dirty="0" smtClean="0">
-                <a:solidFill>
-                  <a:srgbClr val="FF0000"/>
-                </a:solidFill>
-              </a:rPr>
-              <a:t>pozor double </a:t>
-            </a:r>
-            <a:r>
-              <a:rPr lang="cs-CZ" b="1" dirty="0" err="1" smtClean="0">
-                <a:solidFill>
-                  <a:srgbClr val="FF0000"/>
-                </a:solidFill>
-              </a:rPr>
-              <a:t>apod</a:t>
-            </a:r>
-            <a:r>
-              <a:rPr lang="cs-CZ" b="1" dirty="0" smtClean="0">
-                <a:solidFill>
-                  <a:srgbClr val="FF0000"/>
-                </a:solidFill>
-              </a:rPr>
-              <a:t> </a:t>
-            </a:r>
-            <a:r>
-              <a:rPr lang="en-US" b="1" dirty="0" err="1" smtClean="0">
-                <a:solidFill>
-                  <a:srgbClr val="FF0000"/>
-                </a:solidFill>
-              </a:rPr>
-              <a:t>závislý</a:t>
-            </a:r>
-            <a:r>
-              <a:rPr lang="en-US" b="1" dirty="0" smtClean="0">
-                <a:solidFill>
-                  <a:srgbClr val="FF0000"/>
-                </a:solidFill>
-              </a:rPr>
-              <a:t> </a:t>
-            </a:r>
-            <a:r>
-              <a:rPr lang="en-US" b="1" dirty="0" err="1">
-                <a:solidFill>
-                  <a:srgbClr val="FF0000"/>
-                </a:solidFill>
-              </a:rPr>
-              <a:t>na</a:t>
-            </a:r>
-            <a:r>
-              <a:rPr lang="en-US" b="1" dirty="0">
-                <a:solidFill>
-                  <a:srgbClr val="FF0000"/>
-                </a:solidFill>
-              </a:rPr>
-              <a:t> local </a:t>
-            </a:r>
-            <a:r>
-              <a:rPr lang="en-US" b="1" dirty="0" err="1">
-                <a:solidFill>
-                  <a:srgbClr val="FF0000"/>
-                </a:solidFill>
-              </a:rPr>
-              <a:t>nastavení</a:t>
-            </a:r>
-            <a:r>
-              <a:rPr lang="en-US" b="1" dirty="0">
-                <a:solidFill>
-                  <a:srgbClr val="FF0000"/>
-                </a:solidFill>
-              </a:rPr>
-              <a:t> </a:t>
-            </a:r>
-            <a:r>
-              <a:rPr lang="en-US" b="1" dirty="0" err="1">
-                <a:solidFill>
-                  <a:srgbClr val="FF0000"/>
-                </a:solidFill>
-              </a:rPr>
-              <a:t>počítače</a:t>
-            </a:r>
-            <a:r>
-              <a:rPr lang="en-US" b="1" dirty="0">
-                <a:solidFill>
-                  <a:srgbClr val="FF0000"/>
-                </a:solidFill>
-              </a:rPr>
-              <a:t> -&gt; </a:t>
-            </a:r>
-            <a:r>
-              <a:rPr lang="en-US" b="1" dirty="0" err="1">
-                <a:solidFill>
-                  <a:srgbClr val="FF0000"/>
-                </a:solidFill>
-              </a:rPr>
-              <a:t>doporucuju</a:t>
-            </a:r>
-            <a:r>
-              <a:rPr lang="en-US" b="1" dirty="0">
-                <a:solidFill>
-                  <a:srgbClr val="FF0000"/>
-                </a:solidFill>
-              </a:rPr>
-              <a:t> </a:t>
-            </a:r>
-            <a:r>
-              <a:rPr lang="en-US" b="1" dirty="0" err="1">
-                <a:solidFill>
-                  <a:srgbClr val="FF0000"/>
-                </a:solidFill>
-              </a:rPr>
-              <a:t>si</a:t>
-            </a:r>
-            <a:r>
-              <a:rPr lang="en-US" b="1" dirty="0">
-                <a:solidFill>
-                  <a:srgbClr val="FF0000"/>
-                </a:solidFill>
-              </a:rPr>
-              <a:t> </a:t>
-            </a:r>
-            <a:r>
-              <a:rPr lang="en-US" b="1" dirty="0" err="1">
-                <a:solidFill>
-                  <a:srgbClr val="FF0000"/>
-                </a:solidFill>
-              </a:rPr>
-              <a:t>napsat</a:t>
-            </a:r>
-            <a:r>
-              <a:rPr lang="en-US" b="1" dirty="0">
-                <a:solidFill>
-                  <a:srgbClr val="FF0000"/>
-                </a:solidFill>
-              </a:rPr>
-              <a:t> extension static </a:t>
-            </a:r>
-            <a:r>
-              <a:rPr lang="en-US" b="1" dirty="0" err="1">
-                <a:solidFill>
-                  <a:srgbClr val="FF0000"/>
-                </a:solidFill>
-              </a:rPr>
-              <a:t>metody</a:t>
-            </a:r>
-            <a:r>
-              <a:rPr lang="en-US" b="1" dirty="0">
-                <a:solidFill>
-                  <a:srgbClr val="FF0000"/>
-                </a:solidFill>
-              </a:rPr>
-              <a:t> </a:t>
-            </a:r>
-            <a:r>
-              <a:rPr lang="en-US" b="1" dirty="0" err="1">
-                <a:solidFill>
-                  <a:srgbClr val="FF0000"/>
-                </a:solidFill>
-              </a:rPr>
-              <a:t>MoneyToString</a:t>
-            </a:r>
-            <a:r>
-              <a:rPr lang="en-US" b="1" dirty="0">
-                <a:solidFill>
-                  <a:srgbClr val="FF0000"/>
-                </a:solidFill>
-              </a:rPr>
-              <a:t>() </a:t>
-            </a:r>
-            <a:r>
-              <a:rPr lang="en-US" b="1" dirty="0" err="1">
-                <a:solidFill>
-                  <a:srgbClr val="FF0000"/>
-                </a:solidFill>
-              </a:rPr>
-              <a:t>apod</a:t>
-            </a:r>
-            <a:r>
-              <a:rPr lang="en-US" b="1" dirty="0">
-                <a:solidFill>
-                  <a:srgbClr val="FF0000"/>
-                </a:solidFill>
-              </a:rPr>
-              <a:t>. </a:t>
-            </a:r>
-            <a:r>
-              <a:rPr lang="en-US" b="1" dirty="0" err="1">
-                <a:solidFill>
-                  <a:srgbClr val="FF0000"/>
-                </a:solidFill>
-              </a:rPr>
-              <a:t>viz</a:t>
-            </a:r>
-            <a:r>
-              <a:rPr lang="en-US" b="1" dirty="0">
-                <a:solidFill>
-                  <a:srgbClr val="FF0000"/>
-                </a:solidFill>
-              </a:rPr>
-              <a:t> </a:t>
-            </a:r>
-            <a:r>
-              <a:rPr lang="en-US" b="1" dirty="0" err="1">
-                <a:solidFill>
-                  <a:srgbClr val="FF0000"/>
-                </a:solidFill>
-              </a:rPr>
-              <a:t>priklad</a:t>
-            </a:r>
-            <a:r>
-              <a:rPr lang="en-US" b="1" dirty="0">
-                <a:solidFill>
-                  <a:srgbClr val="FF0000"/>
-                </a:solidFill>
-              </a:rPr>
-              <a:t> </a:t>
-            </a:r>
-            <a:r>
-              <a:rPr lang="en-US" b="1" dirty="0" err="1">
-                <a:solidFill>
-                  <a:srgbClr val="FF0000"/>
-                </a:solidFill>
-              </a:rPr>
-              <a:t>TestToStringCulture.cs</a:t>
-            </a:r>
-            <a:endParaRPr lang="cs-CZ" b="1" dirty="0">
-              <a:solidFill>
-                <a:srgbClr val="FF0000"/>
-              </a:solidFill>
-            </a:endParaRPr>
-          </a:p>
-          <a:p>
-            <a:pPr fontAlgn="base"/>
-            <a:endParaRPr lang="en-US" dirty="0"/>
-          </a:p>
-          <a:p>
-            <a:pPr marL="0" indent="0" fontAlgn="base">
-              <a:buNone/>
-            </a:pPr>
             <a:endParaRPr lang="en-US" dirty="0"/>
           </a:p>
           <a:p>
@@ -9451,7 +9708,7 @@
     </p:custDataLst>
     <p:extLst>
       <p:ext uri="{BB962C8B-B14F-4D97-AF65-F5344CB8AC3E}">
-        <p14:creationId xmlns:p14="http://schemas.microsoft.com/office/powerpoint/2010/main" val="375692060"/>
+        <p14:creationId xmlns:p14="http://schemas.microsoft.com/office/powerpoint/2010/main" val="4047036011"/>
       </p:ext>
     </p:extLst>
   </p:cSld>
@@ -9503,12 +9760,22 @@
         </p:nvSpPr>
         <p:spPr/>
         <p:txBody>
-          <a:bodyPr/>
+          <a:bodyPr>
+            <a:normAutofit/>
+          </a:bodyPr>
           <a:lstStyle/>
           <a:p>
             <a:r>
-              <a:rPr lang="cs-CZ" dirty="0" smtClean="0"/>
-              <a:t>Kolekce</a:t>
+              <a:rPr lang="cs-CZ" dirty="0" err="1" smtClean="0"/>
+              <a:t>Object</a:t>
+            </a:r>
+            <a:r>
+              <a:rPr lang="cs-CZ" dirty="0" smtClean="0"/>
+              <a:t> a </a:t>
+            </a:r>
+            <a:r>
+              <a:rPr lang="en-US" dirty="0" err="1" smtClean="0"/>
+              <a:t>ValueType</a:t>
             </a:r>
             <a:endParaRPr lang="en-US" dirty="0"/>
           </a:p>
@@ -9530,175 +9797,383 @@
         <p:spPr/>
         <p:txBody>
           <a:bodyPr>
-            <a:normAutofit lnSpcReduction="10000"/>
+            <a:normAutofit fontScale="85000" lnSpcReduction="20000"/>
           </a:bodyPr>
           <a:lstStyle/>
           <a:p>
             <a:pPr fontAlgn="base"/>
             <a:r>
-              <a:rPr lang="cs-CZ" dirty="0" smtClean="0"/>
-              <a:t>K</a:t>
+              <a:rPr lang="cs-CZ" dirty="0" err="1" smtClean="0"/>
+              <a:t>Class</a:t>
+            </a:r>
+            <a:r>
+              <a:rPr lang="cs-CZ" dirty="0" smtClean="0"/>
+              <a:t> dědí po </a:t>
+            </a:r>
+            <a:r>
+              <a:rPr lang="cs-CZ" dirty="0" err="1" smtClean="0"/>
+              <a:t>Object</a:t>
+            </a:r>
+            <a:endParaRPr lang="cs-CZ" dirty="0"/>
+          </a:p>
+          <a:p>
+            <a:pPr fontAlgn="base"/>
+            <a:r>
+              <a:rPr lang="cs-CZ" dirty="0" err="1" smtClean="0"/>
+              <a:t>Struct</a:t>
+            </a:r>
+            <a:r>
+              <a:rPr lang="cs-CZ" dirty="0" smtClean="0"/>
+              <a:t> dědí po </a:t>
             </a:r>
             <a:r>
               <a:rPr lang="en-US" dirty="0" err="1" smtClean="0"/>
-              <a:t>olekce</a:t>
+              <a:t>ValueType</a:t>
+            </a:r>
+            <a:r>
+              <a:rPr lang="cs-CZ" dirty="0" smtClean="0"/>
+              <a:t> (neexistuje metoda </a:t>
+            </a:r>
+            <a:r>
+              <a:rPr lang="en-US" dirty="0" err="1" smtClean="0"/>
+              <a:t>GetType</a:t>
+            </a:r>
+            <a:r>
+              <a:rPr lang="cs-CZ" dirty="0" smtClean="0"/>
+              <a:t>(), destruktor a static metody </a:t>
             </a:r>
             <a:r>
               <a:rPr lang="en-US" dirty="0" smtClean="0"/>
-              <a:t> z</a:t>
-            </a:r>
-            <a:r>
-              <a:rPr lang="cs-CZ" dirty="0" smtClean="0"/>
-              <a:t>e</a:t>
-            </a:r>
-            <a:r>
-              <a:rPr lang="en-US" dirty="0" smtClean="0"/>
+              <a:t>Equals</a:t>
+            </a:r>
+            <a:endParaRPr lang="en-US" dirty="0"/>
+          </a:p>
+          <a:p>
+            <a:pPr fontAlgn="base"/>
+            <a:r>
+              <a:rPr lang="cs-CZ" dirty="0" smtClean="0"/>
+              <a:t>)</a:t>
+            </a:r>
+          </a:p>
+          <a:p>
+            <a:pPr fontAlgn="base"/>
+            <a:r>
+              <a:rPr lang="cs-CZ" b="1" dirty="0" err="1"/>
+              <a:t>string</a:t>
+            </a:r>
+            <a:r>
+              <a:rPr lang="cs-CZ" dirty="0"/>
+              <a:t> je alias k </a:t>
+            </a:r>
+            <a:r>
+              <a:rPr lang="cs-CZ" b="1" dirty="0" err="1"/>
+              <a:t>System.String</a:t>
+            </a:r>
+            <a:r>
+              <a:rPr lang="cs-CZ" b="1" dirty="0"/>
               <a:t> </a:t>
             </a:r>
             <a:r>
-              <a:rPr lang="en-US" dirty="0" err="1"/>
-              <a:t>dvou</a:t>
-            </a:r>
-            <a:r>
-              <a:rPr lang="en-US" dirty="0"/>
-              <a:t> namespace </a:t>
-            </a:r>
-            <a:r>
-              <a:rPr lang="en-US" b="1" dirty="0" err="1"/>
-              <a:t>System.Collections</a:t>
-            </a:r>
-            <a:r>
-              <a:rPr lang="en-US" dirty="0"/>
-              <a:t> a </a:t>
-            </a:r>
-            <a:r>
-              <a:rPr lang="en-US" b="1" dirty="0" err="1"/>
-              <a:t>System.Collections.Generic</a:t>
-            </a:r>
-            <a:r>
-              <a:rPr lang="en-US" dirty="0"/>
+              <a:rPr lang="cs-CZ" dirty="0"/>
+              <a:t>je vždy </a:t>
+            </a:r>
+            <a:r>
+              <a:rPr lang="cs-CZ" dirty="0" err="1"/>
+              <a:t>immutable</a:t>
+            </a:r>
+            <a:r>
+              <a:rPr lang="cs-CZ" dirty="0"/>
+              <a:t> tzn. </a:t>
+            </a:r>
+            <a:r>
+              <a:rPr lang="cs-CZ" dirty="0" err="1"/>
+              <a:t>muze</a:t>
+            </a:r>
+            <a:r>
+              <a:rPr lang="cs-CZ" dirty="0"/>
+              <a:t> se </a:t>
+            </a:r>
+            <a:r>
+              <a:rPr lang="cs-CZ" dirty="0" err="1"/>
+              <a:t>pouzivat</a:t>
+            </a:r>
+            <a:r>
+              <a:rPr lang="cs-CZ" dirty="0"/>
               <a:t> </a:t>
             </a:r>
-            <a:endParaRPr lang="cs-CZ" dirty="0" smtClean="0"/>
+            <a:r>
+              <a:rPr lang="cs-CZ" dirty="0" smtClean="0"/>
+              <a:t>==</a:t>
+            </a:r>
           </a:p>
           <a:p>
             <a:pPr fontAlgn="base"/>
             <a:r>
-              <a:rPr lang="en-US" dirty="0" err="1" smtClean="0"/>
-              <a:t>pouzivat</a:t>
-            </a:r>
-            <a:r>
-              <a:rPr lang="en-US" dirty="0" smtClean="0"/>
+              <a:rPr lang="cs-CZ" b="1" dirty="0" smtClean="0"/>
+              <a:t>@ </a:t>
+            </a:r>
+            <a:r>
+              <a:rPr lang="cs-CZ" dirty="0" err="1" smtClean="0"/>
+              <a:t>verbatim</a:t>
+            </a:r>
+            <a:r>
+              <a:rPr lang="cs-CZ" dirty="0" smtClean="0"/>
               <a:t> </a:t>
             </a:r>
             <a:r>
-              <a:rPr lang="en-US" dirty="0" err="1"/>
-              <a:t>misto</a:t>
-            </a:r>
-            <a:r>
-              <a:rPr lang="en-US" dirty="0"/>
+              <a:rPr lang="cs-CZ" dirty="0" err="1" smtClean="0"/>
+              <a:t>string</a:t>
+            </a:r>
+            <a:endParaRPr lang="cs-CZ" dirty="0"/>
+          </a:p>
+          <a:p>
+            <a:pPr fontAlgn="base"/>
+            <a:r>
+              <a:rPr lang="cs-CZ" b="1" dirty="0" err="1"/>
+              <a:t>ToString</a:t>
+            </a:r>
+            <a:r>
+              <a:rPr lang="cs-CZ" dirty="0"/>
+              <a:t>() </a:t>
+            </a:r>
+            <a:r>
+              <a:rPr lang="cs-CZ" b="1" dirty="0" smtClean="0">
+                <a:solidFill>
+                  <a:srgbClr val="FF0000"/>
+                </a:solidFill>
+              </a:rPr>
+              <a:t>pozor double </a:t>
+            </a:r>
+            <a:r>
+              <a:rPr lang="cs-CZ" b="1" dirty="0" err="1" smtClean="0">
+                <a:solidFill>
+                  <a:srgbClr val="FF0000"/>
+                </a:solidFill>
+              </a:rPr>
+              <a:t>apod</a:t>
+            </a:r>
+            <a:r>
+              <a:rPr lang="cs-CZ" b="1" dirty="0" smtClean="0">
+                <a:solidFill>
+                  <a:srgbClr val="FF0000"/>
+                </a:solidFill>
+              </a:rPr>
               <a:t> </a:t>
             </a:r>
             <a:r>
-              <a:rPr lang="en-US" dirty="0" err="1"/>
-              <a:t>ICollection</a:t>
-            </a:r>
-            <a:r>
-              <a:rPr lang="en-US" dirty="0"/>
+              <a:rPr lang="en-US" b="1" dirty="0" err="1" smtClean="0">
+                <a:solidFill>
+                  <a:srgbClr val="FF0000"/>
+                </a:solidFill>
+              </a:rPr>
+              <a:t>závislý</a:t>
+            </a:r>
+            <a:r>
+              <a:rPr lang="en-US" b="1" dirty="0" smtClean="0">
+                <a:solidFill>
+                  <a:srgbClr val="FF0000"/>
+                </a:solidFill>
+              </a:rPr>
               <a:t> </a:t>
             </a:r>
             <a:r>
-              <a:rPr lang="en-US" dirty="0" err="1"/>
-              <a:t>nebo</a:t>
-            </a:r>
-            <a:r>
-              <a:rPr lang="en-US" dirty="0"/>
+              <a:rPr lang="en-US" b="1" dirty="0" err="1">
+                <a:solidFill>
+                  <a:srgbClr val="FF0000"/>
+                </a:solidFill>
+              </a:rPr>
+              <a:t>na</a:t>
+            </a:r>
+            <a:r>
+              <a:rPr lang="en-US" b="1" dirty="0">
+                <a:solidFill>
+                  <a:srgbClr val="FF0000"/>
+                </a:solidFill>
+              </a:rPr>
+              <a:t> local </a:t>
+            </a:r>
+            <a:r>
+              <a:rPr lang="en-US" b="1" dirty="0" err="1">
+                <a:solidFill>
+                  <a:srgbClr val="FF0000"/>
+                </a:solidFill>
+              </a:rPr>
+              <a:t>nastavení</a:t>
+            </a:r>
+            <a:r>
+              <a:rPr lang="en-US" b="1" dirty="0">
+                <a:solidFill>
+                  <a:srgbClr val="FF0000"/>
+                </a:solidFill>
+              </a:rPr>
               <a:t> </a:t>
             </a:r>
             <a:r>
-              <a:rPr lang="en-US" dirty="0" err="1"/>
-              <a:t>IList</a:t>
-            </a:r>
-            <a:r>
-              <a:rPr lang="en-US" dirty="0"/>
+              <a:rPr lang="en-US" b="1" dirty="0" err="1">
+                <a:solidFill>
+                  <a:srgbClr val="FF0000"/>
+                </a:solidFill>
+              </a:rPr>
+              <a:t>počítače</a:t>
+            </a:r>
+            <a:r>
+              <a:rPr lang="en-US" b="1" dirty="0">
+                <a:solidFill>
+                  <a:srgbClr val="FF0000"/>
+                </a:solidFill>
+              </a:rPr>
+              <a:t> -&gt; </a:t>
+            </a:r>
+            <a:r>
+              <a:rPr lang="en-US" b="1" dirty="0" err="1">
+                <a:solidFill>
+                  <a:srgbClr val="FF0000"/>
+                </a:solidFill>
+              </a:rPr>
+              <a:t>doporucuju</a:t>
+            </a:r>
+            <a:r>
+              <a:rPr lang="en-US" b="1" dirty="0">
+                <a:solidFill>
+                  <a:srgbClr val="FF0000"/>
+                </a:solidFill>
+              </a:rPr>
               <a:t> </a:t>
             </a:r>
             <a:r>
-              <a:rPr lang="cs-CZ" b="1" dirty="0" smtClean="0"/>
-              <a:t>IE</a:t>
-            </a:r>
-            <a:r>
-              <a:rPr lang="en-US" b="1" dirty="0" smtClean="0"/>
-              <a:t>numerable</a:t>
-            </a:r>
-            <a:r>
-              <a:rPr lang="cs-CZ" b="1" dirty="0" smtClean="0"/>
-              <a:t>&lt;&gt;</a:t>
-            </a:r>
+              <a:rPr lang="en-US" b="1" dirty="0" err="1">
+                <a:solidFill>
+                  <a:srgbClr val="FF0000"/>
+                </a:solidFill>
+              </a:rPr>
+              <a:t>si</a:t>
+            </a:r>
+            <a:r>
+              <a:rPr lang="en-US" b="1" dirty="0">
+                <a:solidFill>
+                  <a:srgbClr val="FF0000"/>
+                </a:solidFill>
+              </a:rPr>
+              <a:t> </a:t>
+            </a:r>
+            <a:r>
+              <a:rPr lang="en-US" b="1" dirty="0" err="1">
+                <a:solidFill>
+                  <a:srgbClr val="FF0000"/>
+                </a:solidFill>
+              </a:rPr>
+              <a:t>napsat</a:t>
+            </a:r>
+            <a:r>
+              <a:rPr lang="en-US" b="1" dirty="0">
+                <a:solidFill>
+                  <a:srgbClr val="FF0000"/>
+                </a:solidFill>
+              </a:rPr>
+              <a:t> extension static </a:t>
+            </a:r>
+            <a:r>
+              <a:rPr lang="en-US" b="1" dirty="0" err="1">
+                <a:solidFill>
+                  <a:srgbClr val="FF0000"/>
+                </a:solidFill>
+              </a:rPr>
+              <a:t>metody</a:t>
+            </a:r>
+            <a:r>
+              <a:rPr lang="en-US" b="1" dirty="0">
+                <a:solidFill>
+                  <a:srgbClr val="FF0000"/>
+                </a:solidFill>
+              </a:rPr>
+              <a:t> </a:t>
+            </a:r>
+            <a:r>
+              <a:rPr lang="en-US" b="1" dirty="0" err="1">
+                <a:solidFill>
+                  <a:srgbClr val="FF0000"/>
+                </a:solidFill>
+              </a:rPr>
+              <a:t>MoneyToString</a:t>
+            </a:r>
+            <a:r>
+              <a:rPr lang="en-US" b="1" dirty="0">
+                <a:solidFill>
+                  <a:srgbClr val="FF0000"/>
+                </a:solidFill>
+              </a:rPr>
+              <a:t>() </a:t>
+            </a:r>
+            <a:r>
+              <a:rPr lang="en-US" b="1" dirty="0" err="1">
+                <a:solidFill>
+                  <a:srgbClr val="FF0000"/>
+                </a:solidFill>
+              </a:rPr>
+              <a:t>apod</a:t>
+            </a:r>
+            <a:r>
+              <a:rPr lang="en-US" b="1" dirty="0">
+                <a:solidFill>
+                  <a:srgbClr val="FF0000"/>
+                </a:solidFill>
+              </a:rPr>
+              <a:t>. </a:t>
+            </a:r>
+            <a:r>
+              <a:rPr lang="en-US" b="1" dirty="0" err="1">
+                <a:solidFill>
+                  <a:srgbClr val="FF0000"/>
+                </a:solidFill>
+              </a:rPr>
+              <a:t>viz</a:t>
+            </a:r>
+            <a:r>
+              <a:rPr lang="en-US" b="1" dirty="0">
+                <a:solidFill>
+                  <a:srgbClr val="FF0000"/>
+                </a:solidFill>
+              </a:rPr>
+              <a:t> </a:t>
+            </a:r>
+            <a:r>
+              <a:rPr lang="en-US" b="1" dirty="0" err="1">
+                <a:solidFill>
+                  <a:srgbClr val="FF0000"/>
+                </a:solidFill>
+              </a:rPr>
+              <a:t>priklad</a:t>
+            </a:r>
+            <a:r>
+              <a:rPr lang="en-US" b="1" dirty="0">
+                <a:solidFill>
+                  <a:srgbClr val="FF0000"/>
+                </a:solidFill>
+              </a:rPr>
+              <a:t> </a:t>
+            </a:r>
+            <a:r>
+              <a:rPr lang="en-US" b="1" dirty="0" err="1">
+                <a:solidFill>
+                  <a:srgbClr val="FF0000"/>
+                </a:solidFill>
+              </a:rPr>
+              <a:t>TestToStringCulture.cs</a:t>
+            </a:r>
+            <a:endParaRPr lang="cs-CZ" b="1" dirty="0">
+              <a:solidFill>
+                <a:srgbClr val="FF0000"/>
+              </a:solidFill>
+            </a:endParaRPr>
           </a:p>
           <a:p>
             <a:pPr fontAlgn="base"/>
-            <a:r>
-              <a:rPr lang="cs-CZ" dirty="0" smtClean="0"/>
-              <a:t>Místo mapy je </a:t>
-            </a:r>
-            <a:r>
-              <a:rPr lang="cs-CZ" dirty="0" err="1" smtClean="0"/>
-              <a:t>IDictionary</a:t>
-            </a:r>
-            <a:r>
-              <a:rPr lang="cs-CZ" dirty="0" smtClean="0"/>
-              <a:t>&lt;,&gt;</a:t>
-            </a:r>
-          </a:p>
-          <a:p>
-            <a:pPr fontAlgn="base"/>
-            <a:r>
-              <a:rPr lang="cs-CZ" dirty="0" smtClean="0"/>
-              <a:t>Do kolekce lze </a:t>
-            </a:r>
-            <a:r>
-              <a:rPr lang="cs-CZ" dirty="0" err="1" smtClean="0"/>
-              <a:t>vkladat</a:t>
-            </a:r>
-            <a:r>
-              <a:rPr lang="cs-CZ" dirty="0" smtClean="0"/>
-              <a:t> </a:t>
-            </a:r>
-            <a:r>
-              <a:rPr lang="cs-CZ" dirty="0" err="1" smtClean="0"/>
-              <a:t>struct</a:t>
-            </a:r>
-            <a:r>
-              <a:rPr lang="cs-CZ" dirty="0" smtClean="0"/>
-              <a:t> tzn. </a:t>
-            </a:r>
-            <a:r>
-              <a:rPr lang="cs-CZ" dirty="0" err="1" smtClean="0"/>
-              <a:t>int</a:t>
-            </a:r>
-            <a:r>
-              <a:rPr lang="cs-CZ" dirty="0" smtClean="0"/>
-              <a:t> apod.</a:t>
-            </a:r>
-          </a:p>
-          <a:p>
-            <a:pPr fontAlgn="base"/>
-            <a:r>
-              <a:rPr lang="cs-CZ" dirty="0" smtClean="0"/>
-              <a:t>Lze použít </a:t>
-            </a:r>
-            <a:r>
-              <a:rPr lang="cs-CZ" dirty="0" err="1" smtClean="0"/>
-              <a:t>instanceof</a:t>
-            </a:r>
-            <a:r>
-              <a:rPr lang="cs-CZ" dirty="0" smtClean="0"/>
-              <a:t> T</a:t>
-            </a:r>
-          </a:p>
-          <a:p>
-            <a:pPr fontAlgn="base"/>
+            <a:endParaRPr lang="en-US" dirty="0"/>
+          </a:p>
+          <a:p>
+            <a:pPr marL="0" indent="0" fontAlgn="base">
+              <a:buNone/>
+            </a:pPr>
             <a:endParaRPr lang="en-US" dirty="0"/>
           </a:p>
           <a:p>
@@ -9717,7 +10192,7 @@
     </p:custDataLst>
     <p:extLst>
       <p:ext uri="{BB962C8B-B14F-4D97-AF65-F5344CB8AC3E}">
-        <p14:creationId xmlns:p14="http://schemas.microsoft.com/office/powerpoint/2010/main" val="2224911890"/>
+        <p14:creationId xmlns:p14="http://schemas.microsoft.com/office/powerpoint/2010/main" val="375692060"/>
       </p:ext>
     </p:extLst>
   </p:cSld>
@@ -9914,6 +10389,272 @@
           <a:lstStyle/>
           <a:p>
             <a:r>
+              <a:rPr lang="cs-CZ" dirty="0" smtClean="0"/>
+              <a:t>Kolekce</a:t>
+            </a:r>
+            <a:endParaRPr lang="en-US" dirty="0"/>
+          </a:p>
+        </p:txBody>
+      </p:sp>
+      <p:sp>
+        <p:nvSpPr>
+          <p:cNvPr id="5" name="Content Placeholder 4"/>
+          <p:cNvSpPr>
+            <a:spLocks noGrp="1"/>
+          </p:cNvSpPr>
+          <p:nvPr>
+            <p:ph idx="1"/>
+            <p:custDataLst>
+              <p:tags r:id="rId3"/>
+            </p:custDataLst>
+          </p:nvPr>
+        </p:nvSpPr>
+        <p:spPr/>
+        <p:txBody>
+          <a:bodyPr>
+            <a:normAutofit lnSpcReduction="10000"/>
+          </a:bodyPr>
+          <a:lstStyle/>
+          <a:p>
+            <a:pPr fontAlgn="base"/>
+            <a:r>
+              <a:rPr lang="cs-CZ" dirty="0" smtClean="0"/>
+              <a:t>K</a:t>
+            </a:r>
+            <a:r>
+              <a:rPr lang="en-US" dirty="0" err="1" smtClean="0"/>
+              <a:t>olekce</a:t>
+            </a:r>
+            <a:r>
+              <a:rPr lang="en-US" dirty="0" smtClean="0"/>
+              <a:t> z</a:t>
+            </a:r>
+            <a:r>
+              <a:rPr lang="cs-CZ" dirty="0" smtClean="0"/>
+              <a:t>e</a:t>
+            </a:r>
+            <a:r>
+              <a:rPr lang="en-US" dirty="0" smtClean="0"/>
+              <a:t> </a:t>
+            </a:r>
+            <a:r>
+              <a:rPr lang="en-US" dirty="0" err="1"/>
+              <a:t>dvou</a:t>
+            </a:r>
+            <a:r>
+              <a:rPr lang="en-US" dirty="0"/>
+              <a:t> namespace </a:t>
+            </a:r>
+            <a:r>
+              <a:rPr lang="en-US" b="1" dirty="0" err="1"/>
+              <a:t>System.Collections</a:t>
+            </a:r>
+            <a:r>
+              <a:rPr lang="en-US" dirty="0"/>
+              <a:t> a </a:t>
+            </a:r>
+            <a:r>
+              <a:rPr lang="en-US" b="1" dirty="0" err="1"/>
+              <a:t>System.Collections.Generic</a:t>
+            </a:r>
+            <a:r>
+              <a:rPr lang="en-US" dirty="0"/>
+              <a:t> </a:t>
+            </a:r>
+            <a:endParaRPr lang="cs-CZ" dirty="0" smtClean="0"/>
+          </a:p>
+          <a:p>
+            <a:pPr fontAlgn="base"/>
+            <a:r>
+              <a:rPr lang="en-US" dirty="0" err="1" smtClean="0"/>
+              <a:t>pouzivat</a:t>
+            </a:r>
+            <a:r>
+              <a:rPr lang="en-US" dirty="0" smtClean="0"/>
+              <a:t> </a:t>
+            </a:r>
+            <a:r>
+              <a:rPr lang="en-US" dirty="0" err="1"/>
+              <a:t>misto</a:t>
+            </a:r>
+            <a:r>
+              <a:rPr lang="en-US" dirty="0"/>
+              <a:t> </a:t>
+            </a:r>
+            <a:r>
+              <a:rPr lang="en-US" dirty="0" err="1"/>
+              <a:t>ICollection</a:t>
+            </a:r>
+            <a:r>
+              <a:rPr lang="en-US" dirty="0"/>
+              <a:t> </a:t>
+            </a:r>
+            <a:r>
+              <a:rPr lang="en-US" dirty="0" err="1"/>
+              <a:t>nebo</a:t>
+            </a:r>
+            <a:r>
+              <a:rPr lang="en-US" dirty="0"/>
+              <a:t> </a:t>
+            </a:r>
+            <a:r>
+              <a:rPr lang="en-US" dirty="0" err="1"/>
+              <a:t>IList</a:t>
+            </a:r>
+            <a:r>
+              <a:rPr lang="en-US" dirty="0"/>
+              <a:t> </a:t>
+            </a:r>
+            <a:r>
+              <a:rPr lang="cs-CZ" b="1" dirty="0" smtClean="0"/>
+              <a:t>IE</a:t>
+            </a:r>
+            <a:r>
+              <a:rPr lang="en-US" b="1" dirty="0" smtClean="0"/>
+              <a:t>numerable</a:t>
+            </a:r>
+            <a:r>
+              <a:rPr lang="cs-CZ" b="1" dirty="0" smtClean="0"/>
+              <a:t>&lt;&gt;</a:t>
+            </a:r>
+          </a:p>
+          <a:p>
+            <a:pPr fontAlgn="base"/>
+            <a:r>
+              <a:rPr lang="cs-CZ" dirty="0" smtClean="0"/>
+              <a:t>Místo mapy je </a:t>
+            </a:r>
+            <a:r>
+              <a:rPr lang="cs-CZ" dirty="0" err="1" smtClean="0"/>
+              <a:t>IDictionary</a:t>
+            </a:r>
+            <a:r>
+              <a:rPr lang="cs-CZ" dirty="0" smtClean="0"/>
+              <a:t>&lt;,&gt;</a:t>
+            </a:r>
+          </a:p>
+          <a:p>
+            <a:pPr fontAlgn="base"/>
+            <a:r>
+              <a:rPr lang="cs-CZ" dirty="0" smtClean="0"/>
+              <a:t>Do kolekce lze </a:t>
+            </a:r>
+            <a:r>
+              <a:rPr lang="cs-CZ" dirty="0" err="1" smtClean="0"/>
+              <a:t>vkladat</a:t>
+            </a:r>
+            <a:r>
+              <a:rPr lang="cs-CZ" dirty="0" smtClean="0"/>
+              <a:t> </a:t>
+            </a:r>
+            <a:r>
+              <a:rPr lang="cs-CZ" dirty="0" err="1" smtClean="0"/>
+              <a:t>struct</a:t>
+            </a:r>
+            <a:r>
+              <a:rPr lang="cs-CZ" dirty="0" smtClean="0"/>
+              <a:t> tzn. </a:t>
+            </a:r>
+            <a:r>
+              <a:rPr lang="cs-CZ" dirty="0" err="1" smtClean="0"/>
+              <a:t>int</a:t>
+            </a:r>
+            <a:r>
+              <a:rPr lang="cs-CZ" dirty="0" smtClean="0"/>
+              <a:t> apod.</a:t>
+            </a:r>
+          </a:p>
+          <a:p>
+            <a:pPr fontAlgn="base"/>
+            <a:r>
+              <a:rPr lang="cs-CZ" dirty="0" smtClean="0"/>
+              <a:t>Lze použít </a:t>
+            </a:r>
+            <a:r>
+              <a:rPr lang="cs-CZ" dirty="0" err="1" smtClean="0"/>
+              <a:t>instanceof</a:t>
+            </a:r>
+            <a:r>
+              <a:rPr lang="cs-CZ" dirty="0" smtClean="0"/>
+              <a:t> T</a:t>
+            </a:r>
+          </a:p>
+          <a:p>
+            <a:pPr fontAlgn="base"/>
+            <a:endParaRPr lang="en-US" dirty="0"/>
+          </a:p>
+          <a:p>
+            <a:pPr fontAlgn="base"/>
+            <a:endParaRPr lang="pt-BR" dirty="0"/>
+          </a:p>
+          <a:p>
+            <a:pPr fontAlgn="base"/>
+            <a:endParaRPr lang="en-US" dirty="0"/>
+          </a:p>
+        </p:txBody>
+      </p:sp>
+    </p:spTree>
+    <p:custDataLst>
+      <p:tags r:id="rId1"/>
+    </p:custDataLst>
+    <p:extLst>
+      <p:ext uri="{BB962C8B-B14F-4D97-AF65-F5344CB8AC3E}">
+        <p14:creationId xmlns:p14="http://schemas.microsoft.com/office/powerpoint/2010/main" val="2224911890"/>
+      </p:ext>
+    </p:extLst>
+  </p:cSld>
+  <p:clrMapOvr>
+    <a:masterClrMapping/>
+  </p:clrMapOvr>
+  <p:transition spd="slow">
+    <p:wipe dir="d"/>
+  </p:transition>
+  <p:timing>
+    <p:tnLst>
+      <p:par>
+        <p:cTn id="1" dur="indefinite" restart="never" nodeType="tmRoot"/>
+      </p:par>
+    </p:tnLst>
+  </p:timing>
+</p:sld>
+</file>
+
+<file path=ppt/slides/slide21.xml><?xml version="1.0" encoding="utf-8"?>
+<p:sld xmlns:a="http://schemas.openxmlformats.org/drawingml/2006/main" xmlns:r="http://schemas.openxmlformats.org/officeDocument/2006/relationships" xmlns:p="http://schemas.openxmlformats.org/presentationml/2006/main">
+  <p:cSld>
+    <p:spTree>
+      <p:nvGrpSpPr>
+        <p:cNvPr id="1" name=""/>
+        <p:cNvGrpSpPr/>
+        <p:nvPr/>
+      </p:nvGrpSpPr>
+      <p:grpSpPr>
+        <a:xfrm>
+          <a:off x="0" y="0"/>
+          <a:ext cx="0" cy="0"/>
+          <a:chOff x="0" y="0"/>
+          <a:chExt cx="0" cy="0"/>
+        </a:xfrm>
+      </p:grpSpPr>
+      <p:sp>
+        <p:nvSpPr>
+          <p:cNvPr id="2" name="Title 1"/>
+          <p:cNvSpPr>
+            <a:spLocks noGrp="1"/>
+          </p:cNvSpPr>
+          <p:nvPr>
+            <p:ph type="title"/>
+            <p:custDataLst>
+              <p:tags r:id="rId2"/>
+            </p:custDataLst>
+          </p:nvPr>
+        </p:nvSpPr>
+        <p:spPr/>
+        <p:txBody>
+          <a:bodyPr/>
+          <a:lstStyle/>
+          <a:p>
+            <a:r>
               <a:rPr lang="cs-CZ" dirty="0"/>
               <a:t>Komunita</a:t>
             </a:r>
@@ -10023,7 +10764,7 @@
 </p:sld>
 </file>
 
-<file path=ppt/slides/slide21.xml><?xml version="1.0" encoding="utf-8"?>
+<file path=ppt/slides/slide22.xml><?xml version="1.0" encoding="utf-8"?>
 <p:sld xmlns:a="http://schemas.openxmlformats.org/drawingml/2006/main" xmlns:r="http://schemas.openxmlformats.org/officeDocument/2006/relationships" xmlns:p="http://schemas.openxmlformats.org/presentationml/2006/main">
   <p:cSld>
     <p:spTree>
@@ -13399,11 +14140,29 @@
 
 <file path=ppt/tags/tag61.xml><?xml version="1.0" encoding="utf-8"?>
 <p:tagLst xmlns:a="http://schemas.openxmlformats.org/drawingml/2006/main" xmlns:r="http://schemas.openxmlformats.org/officeDocument/2006/relationships" xmlns:p="http://schemas.openxmlformats.org/presentationml/2006/main">
+  <p:tag name="DVSECTIONID" val="QUq8QELArFIgadhH063fpq"/>
+</p:tagLst>
+</file>
+
+<file path=ppt/tags/tag62.xml><?xml version="1.0" encoding="utf-8"?>
+<p:tagLst xmlns:a="http://schemas.openxmlformats.org/drawingml/2006/main" xmlns:r="http://schemas.openxmlformats.org/officeDocument/2006/relationships" xmlns:p="http://schemas.openxmlformats.org/presentationml/2006/main">
+  <p:tag name="DVSHAPEID" val="InkrlxYPS4jAzciXk8ToAM"/>
+</p:tagLst>
+</file>
+
+<file path=ppt/tags/tag63.xml><?xml version="1.0" encoding="utf-8"?>
+<p:tagLst xmlns:a="http://schemas.openxmlformats.org/drawingml/2006/main" xmlns:r="http://schemas.openxmlformats.org/officeDocument/2006/relationships" xmlns:p="http://schemas.openxmlformats.org/presentationml/2006/main">
+  <p:tag name="DVSHAPEID" val="retnMj4SFfqbVIhVK0Rf83"/>
+</p:tagLst>
+</file>
+
+<file path=ppt/tags/tag64.xml><?xml version="1.0" encoding="utf-8"?>
+<p:tagLst xmlns:a="http://schemas.openxmlformats.org/drawingml/2006/main" xmlns:r="http://schemas.openxmlformats.org/officeDocument/2006/relationships" xmlns:p="http://schemas.openxmlformats.org/presentationml/2006/main">
   <p:tag name="DVSECTIONID" val="ezdaKHeWyBnZyZ2cDqRSoa"/>
 </p:tagLst>
 </file>
 
-<file path=ppt/tags/tag62.xml><?xml version="1.0" encoding="utf-8"?>
+<file path=ppt/tags/tag65.xml><?xml version="1.0" encoding="utf-8"?>
 <p:tagLst xmlns:a="http://schemas.openxmlformats.org/drawingml/2006/main" xmlns:r="http://schemas.openxmlformats.org/officeDocument/2006/relationships" xmlns:p="http://schemas.openxmlformats.org/presentationml/2006/main">
   <p:tag name="DVSHAPEID" val="LRMR96J2MVd0CGe2e5htjk"/>
 </p:tagLst>

--- a/prezentace.pptx
+++ b/prezentace.pptx
@@ -9198,17 +9198,43 @@
               <a:rPr lang="cs-CZ" dirty="0" smtClean="0">
                 <a:sym typeface="Wingdings" pitchFamily="2" charset="2"/>
               </a:rPr>
-              <a:t>Přidává funkcionální </a:t>
+              <a:t>Přidává funkcionální styl programování</a:t>
+            </a:r>
+          </a:p>
+          <a:p>
+            <a:pPr marL="514350" indent="-457200" fontAlgn="base"/>
+            <a:r>
+              <a:rPr lang="cs-CZ" dirty="0" smtClean="0">
+                <a:sym typeface="Wingdings" pitchFamily="2" charset="2"/>
+              </a:rPr>
+              <a:t>Deklarativní dotazy nad různými zdroji dat (</a:t>
+            </a:r>
+            <a:r>
+              <a:rPr lang="en-US" i="1" dirty="0" smtClean="0"/>
+              <a:t>LINQ to Objects</a:t>
+            </a:r>
+            <a:r>
+              <a:rPr lang="cs-CZ" i="1" dirty="0" smtClean="0"/>
+              <a:t>, XML, nad SQL DB, </a:t>
+            </a:r>
+            <a:r>
+              <a:rPr lang="cs-CZ" i="1" dirty="0" err="1" smtClean="0"/>
+              <a:t>parallel</a:t>
+            </a:r>
+            <a:r>
+              <a:rPr lang="cs-CZ" i="1" dirty="0" smtClean="0"/>
+              <a:t> </a:t>
+            </a:r>
+            <a:r>
+              <a:rPr lang="cs-CZ" i="1" dirty="0" err="1" smtClean="0"/>
+              <a:t>linq</a:t>
             </a:r>
             <a:r>
               <a:rPr lang="cs-CZ" smtClean="0">
                 <a:sym typeface="Wingdings" pitchFamily="2" charset="2"/>
               </a:rPr>
-              <a:t>styl programování</a:t>
-            </a:r>
-          </a:p>
-          <a:p>
-            <a:pPr marL="514350" indent="-457200" fontAlgn="base"/>
+              <a:t>)</a:t>
+            </a:r>
             <a:endParaRPr lang="en-US" dirty="0"/>
           </a:p>
           <a:p>

--- a/prezentace.pptx
+++ b/prezentace.pptx
@@ -5,10 +5,10 @@
     <p:sldMasterId id="2147483648" r:id="rId1"/>
   </p:sldMasterIdLst>
   <p:notesMasterIdLst>
-    <p:notesMasterId r:id="rId24"/>
+    <p:notesMasterId r:id="rId25"/>
   </p:notesMasterIdLst>
   <p:handoutMasterIdLst>
-    <p:handoutMasterId r:id="rId25"/>
+    <p:handoutMasterId r:id="rId26"/>
   </p:handoutMasterIdLst>
   <p:sldIdLst>
     <p:sldId id="259" r:id="rId2"/>
@@ -27,12 +27,13 @@
     <p:sldId id="294" r:id="rId15"/>
     <p:sldId id="292" r:id="rId16"/>
     <p:sldId id="295" r:id="rId17"/>
-    <p:sldId id="281" r:id="rId18"/>
-    <p:sldId id="296" r:id="rId19"/>
-    <p:sldId id="282" r:id="rId20"/>
-    <p:sldId id="283" r:id="rId21"/>
-    <p:sldId id="280" r:id="rId22"/>
-    <p:sldId id="277" r:id="rId23"/>
+    <p:sldId id="297" r:id="rId18"/>
+    <p:sldId id="281" r:id="rId19"/>
+    <p:sldId id="296" r:id="rId20"/>
+    <p:sldId id="282" r:id="rId21"/>
+    <p:sldId id="283" r:id="rId22"/>
+    <p:sldId id="280" r:id="rId23"/>
+    <p:sldId id="277" r:id="rId24"/>
   </p:sldIdLst>
   <p:sldSz cx="9144000" cy="6858000" type="screen4x3"/>
   <p:notesSz cx="6858000" cy="9144000"/>
@@ -160,6 +161,7 @@
             <p14:sldId id="294"/>
             <p14:sldId id="292"/>
             <p14:sldId id="295"/>
+            <p14:sldId id="297"/>
           </p14:sldIdLst>
         </p14:section>
         <p14:section name=".NET core Knihovny" id="{A90CCB4D-62F7-45B2-8BD4-70C86AD1CB5C}">
@@ -2572,6 +2574,129 @@
       </p:grpSpPr>
       <p:sp>
         <p:nvSpPr>
+          <p:cNvPr id="2" name="Slide Image Placeholder 1"/>
+          <p:cNvSpPr>
+            <a:spLocks noGrp="1" noRot="1" noChangeAspect="1"/>
+          </p:cNvSpPr>
+          <p:nvPr>
+            <p:ph type="sldImg"/>
+          </p:nvPr>
+        </p:nvSpPr>
+        <p:spPr/>
+      </p:sp>
+      <p:sp>
+        <p:nvSpPr>
+          <p:cNvPr id="3" name="Notes Placeholder 2"/>
+          <p:cNvSpPr>
+            <a:spLocks noGrp="1"/>
+          </p:cNvSpPr>
+          <p:nvPr>
+            <p:ph type="body" idx="1"/>
+          </p:nvPr>
+        </p:nvSpPr>
+        <p:spPr/>
+        <p:txBody>
+          <a:bodyPr>
+            <a:normAutofit/>
+          </a:bodyPr>
+          <a:lstStyle/>
+          <a:p>
+            <a:pPr>
+              <a:lnSpc>
+                <a:spcPct val="80000"/>
+              </a:lnSpc>
+            </a:pPr>
+            <a:r>
+              <a:rPr lang="en-US" dirty="0" smtClean="0"/>
+              <a:t>Give a brief overview of the presentation.</a:t>
+            </a:r>
+            <a:r>
+              <a:rPr lang="en-US" baseline="0" dirty="0" smtClean="0"/>
+              <a:t> D</a:t>
+            </a:r>
+            <a:r>
+              <a:rPr lang="en-US" dirty="0" smtClean="0"/>
+              <a:t>escribe the major focus of the presentation and why it is important.</a:t>
+            </a:r>
+          </a:p>
+          <a:p>
+            <a:pPr>
+              <a:lnSpc>
+                <a:spcPct val="80000"/>
+              </a:lnSpc>
+            </a:pPr>
+            <a:r>
+              <a:rPr lang="en-US" dirty="0" smtClean="0"/>
+              <a:t>Introduce each of the major topics.</a:t>
+            </a:r>
+          </a:p>
+          <a:p>
+            <a:r>
+              <a:rPr lang="en-US" dirty="0" smtClean="0"/>
+              <a:t>To provide a road map for the audience, you</a:t>
+            </a:r>
+            <a:r>
+              <a:rPr lang="en-US" baseline="0" dirty="0" smtClean="0"/>
+              <a:t> can </a:t>
+            </a:r>
+            <a:r>
+              <a:rPr lang="en-US" dirty="0" smtClean="0"/>
+              <a:t>repeat this Overview slide throughout the presentation, highlighting the particular topic you will discuss next.</a:t>
+            </a:r>
+          </a:p>
+        </p:txBody>
+      </p:sp>
+      <p:sp>
+        <p:nvSpPr>
+          <p:cNvPr id="4" name="Slide Number Placeholder 3"/>
+          <p:cNvSpPr>
+            <a:spLocks noGrp="1"/>
+          </p:cNvSpPr>
+          <p:nvPr>
+            <p:ph type="sldNum" sz="quarter" idx="10"/>
+          </p:nvPr>
+        </p:nvSpPr>
+        <p:spPr/>
+        <p:txBody>
+          <a:bodyPr/>
+          <a:lstStyle/>
+          <a:p>
+            <a:fld id="{EC6EAC7D-5A89-47C2-8ABA-56C9C2DEF7A4}" type="slidenum">
+              <a:rPr lang="en-US" smtClean="0"/>
+              <a:pPr/>
+              <a:t>22</a:t>
+            </a:fld>
+            <a:endParaRPr lang="en-US"/>
+          </a:p>
+        </p:txBody>
+      </p:sp>
+    </p:spTree>
+  </p:cSld>
+  <p:clrMapOvr>
+    <a:masterClrMapping/>
+  </p:clrMapOvr>
+</p:notes>
+</file>
+
+<file path=ppt/notesSlides/notesSlide23.xml><?xml version="1.0" encoding="utf-8"?>
+<p:notes xmlns:a="http://schemas.openxmlformats.org/drawingml/2006/main" xmlns:r="http://schemas.openxmlformats.org/officeDocument/2006/relationships" xmlns:p="http://schemas.openxmlformats.org/presentationml/2006/main">
+  <p:cSld>
+    <p:spTree>
+      <p:nvGrpSpPr>
+        <p:cNvPr id="1" name=""/>
+        <p:cNvGrpSpPr/>
+        <p:nvPr/>
+      </p:nvGrpSpPr>
+      <p:grpSpPr>
+        <a:xfrm>
+          <a:off x="0" y="0"/>
+          <a:ext cx="0" cy="0"/>
+          <a:chOff x="0" y="0"/>
+          <a:chExt cx="0" cy="0"/>
+        </a:xfrm>
+      </p:grpSpPr>
+      <p:sp>
+        <p:nvSpPr>
           <p:cNvPr id="41986" name="Rectangle 23"/>
           <p:cNvSpPr>
             <a:spLocks noGrp="1" noChangeArrowheads="1"/>
@@ -2643,7 +2768,7 @@
             <a:fld id="{B2B44A5F-6CE4-493C-A0D7-6834FF76660C}" type="slidenum">
               <a:rPr lang="en-US" smtClean="0"/>
               <a:pPr/>
-              <a:t>22</a:t>
+              <a:t>23</a:t>
             </a:fld>
             <a:endParaRPr lang="en-US" dirty="0" smtClean="0"/>
           </a:p>
@@ -9215,7 +9340,19 @@
             </a:r>
             <a:r>
               <a:rPr lang="cs-CZ" i="1" dirty="0" smtClean="0"/>
-              <a:t>, XML, nad SQL DB, </a:t>
+              <a:t>, XML, </a:t>
+            </a:r>
+            <a:r>
+              <a:rPr lang="cs-CZ" b="1" i="1" dirty="0" smtClean="0">
+                <a:solidFill>
+                  <a:srgbClr val="C00000"/>
+                </a:solidFill>
+              </a:rPr>
+              <a:t>nad SQL DB</a:t>
+            </a:r>
+            <a:r>
+              <a:rPr lang="cs-CZ" i="1" dirty="0" smtClean="0"/>
+              <a:t>, </a:t>
             </a:r>
             <a:r>
               <a:rPr lang="cs-CZ" i="1" dirty="0" err="1" smtClean="0"/>
@@ -9230,7 +9367,7 @@
               <a:t>linq</a:t>
             </a:r>
             <a:r>
-              <a:rPr lang="cs-CZ" smtClean="0">
+              <a:rPr lang="cs-CZ" dirty="0" smtClean="0">
                 <a:sym typeface="Wingdings" pitchFamily="2" charset="2"/>
               </a:rPr>
               <a:t>)</a:t>
@@ -9291,6 +9428,134 @@
           </a:p>
         </p:txBody>
       </p:sp>
+      <p:pic>
+        <p:nvPicPr>
+          <p:cNvPr id="3075" name="Picture 3"/>
+          <p:cNvPicPr>
+            <a:picLocks noChangeAspect="1" noChangeArrowheads="1"/>
+          </p:cNvPicPr>
+          <p:nvPr/>
+        </p:nvPicPr>
+        <p:blipFill>
+          <a:blip r:embed="rId6">
+            <a:extLst>
+              <a:ext uri="{28A0092B-C50C-407E-A947-70E740481C1C}">
+                <a14:useLocalDpi xmlns:a14="http://schemas.microsoft.com/office/drawing/2010/main" val="0"/>
+              </a:ext>
+            </a:extLst>
+          </a:blip>
+          <a:srcRect/>
+          <a:stretch>
+            <a:fillRect/>
+          </a:stretch>
+        </p:blipFill>
+        <p:spPr bwMode="auto">
+          <a:xfrm>
+            <a:off x="2427891" y="4437112"/>
+            <a:ext cx="4267200" cy="800100"/>
+          </a:xfrm>
+          <a:prstGeom prst="rect">
+            <a:avLst/>
+          </a:prstGeom>
+          <a:noFill/>
+          <a:ln>
+            <a:noFill/>
+          </a:ln>
+          <a:effectLst/>
+          <a:extLst>
+            <a:ext uri="{909E8E84-426E-40DD-AFC4-6F175D3DCCD1}">
+              <a14:hiddenFill xmlns:a14="http://schemas.microsoft.com/office/drawing/2010/main">
+                <a:solidFill>
+                  <a:schemeClr val="accent1"/>
+                </a:solidFill>
+              </a14:hiddenFill>
+            </a:ext>
+            <a:ext uri="{91240B29-F687-4F45-9708-019B960494DF}">
+              <a14:hiddenLine xmlns:a14="http://schemas.microsoft.com/office/drawing/2010/main" w="9525">
+                <a:solidFill>
+                  <a:schemeClr val="tx1"/>
+                </a:solidFill>
+                <a:miter lim="800000"/>
+                <a:headEnd/>
+                <a:tailEnd/>
+              </a14:hiddenLine>
+            </a:ext>
+            <a:ext uri="{AF507438-7753-43E0-B8FC-AC1667EBCBE1}">
+              <a14:hiddenEffects xmlns:a14="http://schemas.microsoft.com/office/drawing/2010/main">
+                <a:effectLst>
+                  <a:outerShdw dist="35921" dir="2700000" algn="ctr" rotWithShape="0">
+                    <a:schemeClr val="bg2"/>
+                  </a:outerShdw>
+                </a:effectLst>
+              </a14:hiddenEffects>
+            </a:ext>
+          </a:extLst>
+        </p:spPr>
+      </p:pic>
+      <p:pic>
+        <p:nvPicPr>
+          <p:cNvPr id="3076" name="Picture 4"/>
+          <p:cNvPicPr>
+            <a:picLocks noChangeAspect="1" noChangeArrowheads="1"/>
+          </p:cNvPicPr>
+          <p:nvPr/>
+        </p:nvPicPr>
+        <p:blipFill>
+          <a:blip r:embed="rId7">
+            <a:extLst>
+              <a:ext uri="{28A0092B-C50C-407E-A947-70E740481C1C}">
+                <a14:useLocalDpi xmlns:a14="http://schemas.microsoft.com/office/drawing/2010/main" val="0"/>
+              </a:ext>
+            </a:extLst>
+          </a:blip>
+          <a:srcRect/>
+          <a:stretch>
+            <a:fillRect/>
+          </a:stretch>
+        </p:blipFill>
+        <p:spPr bwMode="auto">
+          <a:xfrm>
+            <a:off x="2195736" y="5733256"/>
+            <a:ext cx="4972050" cy="657225"/>
+          </a:xfrm>
+          <a:prstGeom prst="rect">
+            <a:avLst/>
+          </a:prstGeom>
+          <a:noFill/>
+          <a:ln>
+            <a:noFill/>
+          </a:ln>
+          <a:effectLst/>
+          <a:extLst>
+            <a:ext uri="{909E8E84-426E-40DD-AFC4-6F175D3DCCD1}">
+              <a14:hiddenFill xmlns:a14="http://schemas.microsoft.com/office/drawing/2010/main">
+                <a:solidFill>
+                  <a:schemeClr val="accent1"/>
+                </a:solidFill>
+              </a14:hiddenFill>
+            </a:ext>
+            <a:ext uri="{91240B29-F687-4F45-9708-019B960494DF}">
+              <a14:hiddenLine xmlns:a14="http://schemas.microsoft.com/office/drawing/2010/main" w="9525">
+                <a:solidFill>
+                  <a:schemeClr val="tx1"/>
+                </a:solidFill>
+                <a:miter lim="800000"/>
+                <a:headEnd/>
+                <a:tailEnd/>
+              </a14:hiddenLine>
+            </a:ext>
+            <a:ext uri="{AF507438-7753-43E0-B8FC-AC1667EBCBE1}">
+              <a14:hiddenEffects xmlns:a14="http://schemas.microsoft.com/office/drawing/2010/main">
+                <a:effectLst>
+                  <a:outerShdw dist="35921" dir="2700000" algn="ctr" rotWithShape="0">
+                    <a:schemeClr val="bg2"/>
+                  </a:outerShdw>
+                </a:effectLst>
+              </a14:hiddenEffects>
+            </a:ext>
+          </a:extLst>
+        </p:spPr>
+      </p:pic>
     </p:spTree>
     <p:custDataLst>
       <p:tags r:id="rId1"/>
@@ -9318,6 +9583,261 @@
 </file>
 
 <file path=ppt/slides/slide17.xml><?xml version="1.0" encoding="utf-8"?>
+<p:sld xmlns:a="http://schemas.openxmlformats.org/drawingml/2006/main" xmlns:r="http://schemas.openxmlformats.org/officeDocument/2006/relationships" xmlns:p="http://schemas.openxmlformats.org/presentationml/2006/main">
+  <p:cSld>
+    <p:spTree>
+      <p:nvGrpSpPr>
+        <p:cNvPr id="1" name=""/>
+        <p:cNvGrpSpPr/>
+        <p:nvPr/>
+      </p:nvGrpSpPr>
+      <p:grpSpPr>
+        <a:xfrm>
+          <a:off x="0" y="0"/>
+          <a:ext cx="0" cy="0"/>
+          <a:chOff x="0" y="0"/>
+          <a:chExt cx="0" cy="0"/>
+        </a:xfrm>
+      </p:grpSpPr>
+      <p:sp>
+        <p:nvSpPr>
+          <p:cNvPr id="2" name="Title 1"/>
+          <p:cNvSpPr>
+            <a:spLocks noGrp="1"/>
+          </p:cNvSpPr>
+          <p:nvPr>
+            <p:ph type="title"/>
+            <p:custDataLst>
+              <p:tags r:id="rId2"/>
+            </p:custDataLst>
+          </p:nvPr>
+        </p:nvSpPr>
+        <p:spPr/>
+        <p:txBody>
+          <a:bodyPr>
+            <a:normAutofit/>
+          </a:bodyPr>
+          <a:lstStyle/>
+          <a:p>
+            <a:r>
+              <a:rPr lang="en-US" b="1" dirty="0" err="1" smtClean="0"/>
+              <a:t>linq</a:t>
+            </a:r>
+            <a:r>
+              <a:rPr lang="en-US" dirty="0" smtClean="0"/>
+              <a:t> </a:t>
+            </a:r>
+            <a:r>
+              <a:rPr lang="en-US" dirty="0"/>
+              <a:t>a Expression</a:t>
+            </a:r>
+          </a:p>
+        </p:txBody>
+      </p:sp>
+      <p:sp>
+        <p:nvSpPr>
+          <p:cNvPr id="5" name="Content Placeholder 4"/>
+          <p:cNvSpPr>
+            <a:spLocks noGrp="1"/>
+          </p:cNvSpPr>
+          <p:nvPr>
+            <p:ph idx="1"/>
+            <p:custDataLst>
+              <p:tags r:id="rId3"/>
+            </p:custDataLst>
+          </p:nvPr>
+        </p:nvSpPr>
+        <p:spPr>
+          <a:xfrm>
+            <a:off x="683568" y="1596413"/>
+            <a:ext cx="8352928" cy="4297363"/>
+          </a:xfrm>
+        </p:spPr>
+        <p:txBody>
+          <a:bodyPr>
+            <a:normAutofit/>
+          </a:bodyPr>
+          <a:lstStyle/>
+          <a:p>
+            <a:pPr marL="514350" indent="-457200" fontAlgn="base"/>
+            <a:r>
+              <a:rPr lang="cs-CZ" dirty="0" smtClean="0"/>
+              <a:t>Pokud se </a:t>
+            </a:r>
+            <a:r>
+              <a:rPr lang="cs-CZ" dirty="0" err="1" smtClean="0"/>
+              <a:t>pouzije</a:t>
+            </a:r>
+            <a:r>
+              <a:rPr lang="cs-CZ" dirty="0" smtClean="0"/>
+              <a:t> </a:t>
+            </a:r>
+            <a:r>
+              <a:rPr lang="cs-CZ" dirty="0" err="1" smtClean="0"/>
+              <a:t>System.Linq.Expresion</a:t>
+            </a:r>
+            <a:r>
+              <a:rPr lang="cs-CZ" dirty="0" smtClean="0"/>
+              <a:t>&lt;&gt;</a:t>
+            </a:r>
+          </a:p>
+          <a:p>
+            <a:pPr marL="514350" indent="-457200" fontAlgn="base"/>
+            <a:r>
+              <a:rPr lang="cs-CZ" dirty="0" smtClean="0"/>
+              <a:t>Nekompiluje se ale </a:t>
+            </a:r>
+            <a:r>
+              <a:rPr lang="en-US" dirty="0" err="1" smtClean="0"/>
+              <a:t>naparsuje</a:t>
+            </a:r>
+            <a:r>
+              <a:rPr lang="en-US" dirty="0" smtClean="0"/>
+              <a:t> </a:t>
+            </a:r>
+            <a:r>
+              <a:rPr lang="en-US" dirty="0"/>
+              <a:t>a </a:t>
+            </a:r>
+            <a:r>
+              <a:rPr lang="en-US" dirty="0" err="1"/>
+              <a:t>vytvoří</a:t>
+            </a:r>
+            <a:r>
+              <a:rPr lang="en-US" dirty="0"/>
+              <a:t> </a:t>
+            </a:r>
+            <a:r>
+              <a:rPr lang="en-US" dirty="0" err="1" smtClean="0"/>
+              <a:t>strom</a:t>
+            </a:r>
+            <a:r>
+              <a:rPr lang="cs-CZ" dirty="0"/>
+              <a:t> </a:t>
+            </a:r>
+            <a:r>
+              <a:rPr lang="en-US" dirty="0"/>
+              <a:t>(</a:t>
+            </a:r>
+            <a:r>
+              <a:rPr lang="en-US" i="1" dirty="0"/>
+              <a:t>expression tree</a:t>
+            </a:r>
+            <a:r>
+              <a:rPr lang="en-US" dirty="0" smtClean="0"/>
+              <a:t>)</a:t>
+            </a:r>
+            <a:endParaRPr lang="cs-CZ" dirty="0" smtClean="0"/>
+          </a:p>
+          <a:p>
+            <a:pPr marL="514350" indent="-457200" fontAlgn="base"/>
+            <a:r>
+              <a:rPr lang="cs-CZ" dirty="0" smtClean="0"/>
+              <a:t>Používá se potom v </a:t>
+            </a:r>
+            <a:r>
+              <a:rPr lang="cs-CZ" dirty="0" err="1" smtClean="0"/>
+              <a:t>linq</a:t>
+            </a:r>
+            <a:r>
+              <a:rPr lang="cs-CZ" dirty="0" smtClean="0"/>
+              <a:t> providerech např. </a:t>
+            </a:r>
+            <a:r>
+              <a:rPr lang="cs-CZ" dirty="0" err="1" smtClean="0"/>
+              <a:t>Nhibernate</a:t>
+            </a:r>
+            <a:r>
+              <a:rPr lang="cs-CZ" dirty="0" smtClean="0"/>
+              <a:t> </a:t>
+            </a:r>
+            <a:r>
+              <a:rPr lang="cs-CZ" smtClean="0"/>
+              <a:t>linq</a:t>
+            </a:r>
+            <a:endParaRPr lang="en-US" dirty="0"/>
+          </a:p>
+          <a:p>
+            <a:pPr marL="514350" indent="-457200" fontAlgn="base"/>
+            <a:endParaRPr lang="cs-CZ" dirty="0"/>
+          </a:p>
+          <a:p>
+            <a:pPr marL="514350" indent="-457200" fontAlgn="base"/>
+            <a:endParaRPr lang="en-US" dirty="0"/>
+          </a:p>
+          <a:p>
+            <a:pPr marL="57150" indent="0" fontAlgn="base">
+              <a:buNone/>
+            </a:pPr>
+            <a:endParaRPr lang="cs-CZ" dirty="0" smtClean="0"/>
+          </a:p>
+          <a:p>
+            <a:pPr marL="514350" indent="-457200" fontAlgn="base"/>
+            <a:endParaRPr lang="en-US" dirty="0"/>
+          </a:p>
+          <a:p>
+            <a:pPr marL="514350" indent="-457200" fontAlgn="base"/>
+            <a:endParaRPr lang="pl-PL" b="1" dirty="0"/>
+          </a:p>
+          <a:p>
+            <a:pPr marL="514350" indent="-457200" fontAlgn="base"/>
+            <a:endParaRPr lang="en-US" b="1" dirty="0"/>
+          </a:p>
+          <a:p>
+            <a:pPr marL="514350" indent="-457200" fontAlgn="base"/>
+            <a:endParaRPr lang="en-US" b="1" dirty="0"/>
+          </a:p>
+          <a:p>
+            <a:pPr marL="514350" indent="-457200" fontAlgn="base"/>
+            <a:endParaRPr lang="en-US" b="1" dirty="0"/>
+          </a:p>
+          <a:p>
+            <a:pPr lvl="1" fontAlgn="base"/>
+            <a:endParaRPr lang="en-US" b="1" dirty="0"/>
+          </a:p>
+          <a:p>
+            <a:pPr marL="0" indent="0" fontAlgn="base">
+              <a:buNone/>
+            </a:pPr>
+            <a:endParaRPr lang="cs-CZ" dirty="0" smtClean="0"/>
+          </a:p>
+          <a:p>
+            <a:pPr fontAlgn="base"/>
+            <a:endParaRPr lang="cs-CZ" b="1" dirty="0" smtClean="0"/>
+          </a:p>
+          <a:p>
+            <a:pPr fontAlgn="base"/>
+            <a:endParaRPr lang="en-US" b="1" dirty="0"/>
+          </a:p>
+        </p:txBody>
+      </p:sp>
+    </p:spTree>
+    <p:custDataLst>
+      <p:tags r:id="rId1"/>
+    </p:custDataLst>
+    <p:extLst>
+      <p:ext uri="{BB962C8B-B14F-4D97-AF65-F5344CB8AC3E}">
+        <p14:creationId xmlns:p14="http://schemas.microsoft.com/office/powerpoint/2010/main" val="2329062088"/>
+      </p:ext>
+    </p:extLst>
+  </p:cSld>
+  <p:clrMapOvr>
+    <a:masterClrMapping/>
+  </p:clrMapOvr>
+  <p:transition spd="slow">
+    <p:wipe dir="d"/>
+  </p:transition>
+  <p:timing>
+    <p:tnLst>
+      <p:par>
+        <p:cTn id="1" dur="indefinite" restart="never" nodeType="tmRoot"/>
+      </p:par>
+    </p:tnLst>
+  </p:timing>
+</p:sld>
+</file>
+
+<file path=ppt/slides/slide18.xml><?xml version="1.0" encoding="utf-8"?>
 <p:sld xmlns:a="http://schemas.openxmlformats.org/drawingml/2006/main" xmlns:r="http://schemas.openxmlformats.org/officeDocument/2006/relationships" xmlns:p="http://schemas.openxmlformats.org/presentationml/2006/main">
   <p:cSld>
     <p:spTree>
@@ -9504,256 +10024,6 @@
 </p:sld>
 </file>
 
-<file path=ppt/slides/slide18.xml><?xml version="1.0" encoding="utf-8"?>
-<p:sld xmlns:a="http://schemas.openxmlformats.org/drawingml/2006/main" xmlns:r="http://schemas.openxmlformats.org/officeDocument/2006/relationships" xmlns:p="http://schemas.openxmlformats.org/presentationml/2006/main">
-  <p:cSld>
-    <p:spTree>
-      <p:nvGrpSpPr>
-        <p:cNvPr id="1" name=""/>
-        <p:cNvGrpSpPr/>
-        <p:nvPr/>
-      </p:nvGrpSpPr>
-      <p:grpSpPr>
-        <a:xfrm>
-          <a:off x="0" y="0"/>
-          <a:ext cx="0" cy="0"/>
-          <a:chOff x="0" y="0"/>
-          <a:chExt cx="0" cy="0"/>
-        </a:xfrm>
-      </p:grpSpPr>
-      <p:sp>
-        <p:nvSpPr>
-          <p:cNvPr id="2" name="Title 1"/>
-          <p:cNvSpPr>
-            <a:spLocks noGrp="1"/>
-          </p:cNvSpPr>
-          <p:nvPr>
-            <p:ph type="title"/>
-            <p:custDataLst>
-              <p:tags r:id="rId2"/>
-            </p:custDataLst>
-          </p:nvPr>
-        </p:nvSpPr>
-        <p:spPr/>
-        <p:txBody>
-          <a:bodyPr/>
-          <a:lstStyle/>
-          <a:p>
-            <a:r>
-              <a:rPr lang="cs-CZ" dirty="0" smtClean="0"/>
-              <a:t>Konvence</a:t>
-            </a:r>
-            <a:endParaRPr lang="en-US" dirty="0"/>
-          </a:p>
-        </p:txBody>
-      </p:sp>
-      <p:sp>
-        <p:nvSpPr>
-          <p:cNvPr id="5" name="Content Placeholder 4"/>
-          <p:cNvSpPr>
-            <a:spLocks noGrp="1"/>
-          </p:cNvSpPr>
-          <p:nvPr>
-            <p:ph idx="1"/>
-            <p:custDataLst>
-              <p:tags r:id="rId3"/>
-            </p:custDataLst>
-          </p:nvPr>
-        </p:nvSpPr>
-        <p:spPr/>
-        <p:txBody>
-          <a:bodyPr>
-            <a:normAutofit/>
-          </a:bodyPr>
-          <a:lstStyle/>
-          <a:p>
-            <a:pPr fontAlgn="base"/>
-            <a:r>
-              <a:rPr lang="pt-BR" dirty="0"/>
-              <a:t>konvence </a:t>
-            </a:r>
-            <a:r>
-              <a:rPr lang="pt-BR" b="1" dirty="0"/>
-              <a:t>interface</a:t>
-            </a:r>
-            <a:r>
-              <a:rPr lang="pt-BR" dirty="0"/>
-              <a:t> začíná </a:t>
-            </a:r>
-            <a:r>
-              <a:rPr lang="pt-BR" b="1" dirty="0"/>
-              <a:t>I</a:t>
-            </a:r>
-            <a:r>
-              <a:rPr lang="pt-BR" dirty="0"/>
-              <a:t> viz </a:t>
-            </a:r>
-            <a:r>
-              <a:rPr lang="pt-BR" b="1" dirty="0"/>
-              <a:t>IList</a:t>
-            </a:r>
-            <a:r>
-              <a:rPr lang="pt-BR" dirty="0"/>
-              <a:t> a implementace </a:t>
-            </a:r>
-            <a:r>
-              <a:rPr lang="pt-BR" dirty="0" smtClean="0"/>
-              <a:t>List</a:t>
-            </a:r>
-            <a:endParaRPr lang="cs-CZ" dirty="0" smtClean="0"/>
-          </a:p>
-          <a:p>
-            <a:pPr fontAlgn="base"/>
-            <a:r>
-              <a:rPr lang="en-US" dirty="0" err="1"/>
-              <a:t>nazvy</a:t>
-            </a:r>
-            <a:r>
-              <a:rPr lang="en-US" dirty="0"/>
-              <a:t> </a:t>
-            </a:r>
-            <a:r>
-              <a:rPr lang="en-US" dirty="0" err="1"/>
-              <a:t>metod</a:t>
-            </a:r>
-            <a:r>
-              <a:rPr lang="en-US" dirty="0"/>
-              <a:t> </a:t>
-            </a:r>
-            <a:r>
-              <a:rPr lang="cs-CZ" dirty="0" smtClean="0"/>
-              <a:t>z </a:t>
-            </a:r>
-            <a:r>
-              <a:rPr lang="en-US" dirty="0" err="1" smtClean="0"/>
-              <a:t>pascal</a:t>
-            </a:r>
-            <a:r>
-              <a:rPr lang="cs-CZ" dirty="0" smtClean="0"/>
-              <a:t> konvence</a:t>
-            </a:r>
-            <a:r>
-              <a:rPr lang="en-US" dirty="0" smtClean="0"/>
-              <a:t> </a:t>
-            </a:r>
-            <a:r>
-              <a:rPr lang="en-US" dirty="0"/>
-              <a:t>(</a:t>
-            </a:r>
-            <a:r>
-              <a:rPr lang="en-US" dirty="0" err="1"/>
-              <a:t>hlavni</a:t>
-            </a:r>
-            <a:r>
-              <a:rPr lang="en-US" dirty="0"/>
-              <a:t> designer c# :-)) </a:t>
-            </a:r>
-            <a:r>
-              <a:rPr lang="en-US" dirty="0" err="1"/>
-              <a:t>první</a:t>
-            </a:r>
-            <a:r>
-              <a:rPr lang="en-US" dirty="0"/>
-              <a:t> </a:t>
-            </a:r>
-            <a:r>
-              <a:rPr lang="en-US" dirty="0" err="1"/>
-              <a:t>Velke</a:t>
-            </a:r>
-            <a:r>
-              <a:rPr lang="en-US" dirty="0"/>
-              <a:t> </a:t>
-            </a:r>
-            <a:r>
-              <a:rPr lang="en-US" dirty="0" err="1" smtClean="0"/>
-              <a:t>pismeno</a:t>
-            </a:r>
-            <a:r>
-              <a:rPr lang="cs-CZ" dirty="0" smtClean="0"/>
-              <a:t> </a:t>
-            </a:r>
-            <a:r>
-              <a:rPr lang="cs-CZ" dirty="0"/>
-              <a:t>viz </a:t>
-            </a:r>
-            <a:r>
-              <a:rPr lang="en-US" b="1" dirty="0" err="1"/>
-              <a:t>ToString</a:t>
-            </a:r>
-            <a:r>
-              <a:rPr lang="cs-CZ" b="1" dirty="0" smtClean="0"/>
-              <a:t>() </a:t>
-            </a:r>
-            <a:r>
-              <a:rPr lang="en-US" dirty="0" err="1" smtClean="0"/>
-              <a:t>jinak</a:t>
-            </a:r>
-            <a:r>
-              <a:rPr lang="en-US" dirty="0" smtClean="0"/>
-              <a:t> </a:t>
-            </a:r>
-            <a:r>
-              <a:rPr lang="en-US" dirty="0" err="1"/>
-              <a:t>stejny</a:t>
-            </a:r>
-            <a:r>
-              <a:rPr lang="en-US" dirty="0"/>
-              <a:t> </a:t>
-            </a:r>
-            <a:r>
-              <a:rPr lang="en-US" dirty="0" err="1"/>
-              <a:t>jako</a:t>
-            </a:r>
-            <a:r>
-              <a:rPr lang="en-US" dirty="0"/>
-              <a:t> u </a:t>
-            </a:r>
-            <a:r>
-              <a:rPr lang="en-US" dirty="0" err="1" smtClean="0"/>
-              <a:t>javy</a:t>
-            </a:r>
-            <a:endParaRPr lang="cs-CZ" dirty="0" smtClean="0"/>
-          </a:p>
-          <a:p>
-            <a:pPr fontAlgn="base"/>
-            <a:endParaRPr lang="en-US" dirty="0"/>
-          </a:p>
-          <a:p>
-            <a:pPr fontAlgn="base"/>
-            <a:endParaRPr lang="pt-BR" dirty="0"/>
-          </a:p>
-          <a:p>
-            <a:pPr fontAlgn="base"/>
-            <a:endParaRPr lang="en-US" dirty="0"/>
-          </a:p>
-        </p:txBody>
-      </p:sp>
-    </p:spTree>
-    <p:custDataLst>
-      <p:tags r:id="rId1"/>
-    </p:custDataLst>
-    <p:extLst>
-      <p:ext uri="{BB962C8B-B14F-4D97-AF65-F5344CB8AC3E}">
-        <p14:creationId xmlns:p14="http://schemas.microsoft.com/office/powerpoint/2010/main" val="4047036011"/>
-      </p:ext>
-    </p:extLst>
-  </p:cSld>
-  <p:clrMapOvr>
-    <a:masterClrMapping/>
-  </p:clrMapOvr>
-  <p:transition spd="slow">
-    <p:wipe dir="d"/>
-  </p:transition>
-  <p:timing>
-    <p:tnLst>
-      <p:par>
-        <p:cTn id="1" dur="indefinite" restart="never" nodeType="tmRoot"/>
-      </p:par>
-    </p:tnLst>
-  </p:timing>
-</p:sld>
-</file>
-
 <file path=ppt/slides/slide19.xml><?xml version="1.0" encoding="utf-8"?>
 <p:sld xmlns:a="http://schemas.openxmlformats.org/drawingml/2006/main" xmlns:r="http://schemas.openxmlformats.org/officeDocument/2006/relationships" xmlns:p="http://schemas.openxmlformats.org/presentationml/2006/main">
   <p:cSld>
@@ -9786,420 +10056,186 @@
         </p:nvSpPr>
         <p:spPr/>
         <p:txBody>
+          <a:bodyPr/>
+          <a:lstStyle/>
+          <a:p>
+            <a:r>
+              <a:rPr lang="cs-CZ" dirty="0" smtClean="0"/>
+              <a:t>Konvence</a:t>
+            </a:r>
+            <a:endParaRPr lang="en-US" dirty="0"/>
+          </a:p>
+        </p:txBody>
+      </p:sp>
+      <p:sp>
+        <p:nvSpPr>
+          <p:cNvPr id="5" name="Content Placeholder 4"/>
+          <p:cNvSpPr>
+            <a:spLocks noGrp="1"/>
+          </p:cNvSpPr>
+          <p:nvPr>
+            <p:ph idx="1"/>
+            <p:custDataLst>
+              <p:tags r:id="rId3"/>
+            </p:custDataLst>
+          </p:nvPr>
+        </p:nvSpPr>
+        <p:spPr/>
+        <p:txBody>
           <a:bodyPr>
             <a:normAutofit/>
           </a:bodyPr>
           <a:lstStyle/>
           <a:p>
-            <a:r>
-              <a:rPr lang="cs-CZ" dirty="0" err="1" smtClean="0"/>
-              <a:t>Object</a:t>
-            </a:r>
-            <a:r>
-              <a:rPr lang="cs-CZ" dirty="0" smtClean="0"/>
-              <a:t> a </a:t>
+            <a:pPr fontAlgn="base"/>
+            <a:r>
+              <a:rPr lang="pt-BR" dirty="0"/>
+              <a:t>konvence </a:t>
+            </a:r>
+            <a:r>
+              <a:rPr lang="pt-BR" b="1" dirty="0"/>
+              <a:t>interface</a:t>
+            </a:r>
+            <a:r>
+              <a:rPr lang="pt-BR" dirty="0"/>
+              <a:t> začíná </a:t>
+            </a:r>
+            <a:r>
+              <a:rPr lang="pt-BR" b="1" dirty="0"/>
+              <a:t>I</a:t>
+            </a:r>
+            <a:r>
+              <a:rPr lang="pt-BR" dirty="0"/>
+              <a:t> viz </a:t>
+            </a:r>
+            <a:r>
+              <a:rPr lang="pt-BR" b="1" dirty="0"/>
+              <a:t>IList</a:t>
+            </a:r>
+            <a:r>
+              <a:rPr lang="pt-BR" dirty="0"/>
+              <a:t> a implementace </a:t>
+            </a:r>
+            <a:r>
+              <a:rPr lang="pt-BR" dirty="0" smtClean="0"/>
+              <a:t>List</a:t>
+            </a:r>
+            <a:endParaRPr lang="cs-CZ" dirty="0" smtClean="0"/>
+          </a:p>
+          <a:p>
+            <a:pPr fontAlgn="base"/>
+            <a:r>
+              <a:rPr lang="en-US" dirty="0" err="1"/>
+              <a:t>nazvy</a:t>
+            </a:r>
+            <a:r>
+              <a:rPr lang="en-US" dirty="0"/>
+              <a:t> </a:t>
+            </a:r>
+            <a:r>
+              <a:rPr lang="en-US" dirty="0" err="1"/>
+              <a:t>metod</a:t>
+            </a:r>
+            <a:r>
+              <a:rPr lang="en-US" dirty="0"/>
+              <a:t> </a:t>
+            </a:r>
+            <a:r>
+              <a:rPr lang="cs-CZ" dirty="0" smtClean="0"/>
+              <a:t>z </a:t>
             </a:r>
             <a:r>
               <a:rPr lang="en-US" dirty="0" err="1" smtClean="0"/>
-              <a:t>ValueType</a:t>
-            </a:r>
-            <a:endParaRPr lang="en-US" dirty="0"/>
-          </a:p>
-        </p:txBody>
-      </p:sp>
-      <p:sp>
-        <p:nvSpPr>
-          <p:cNvPr id="5" name="Content Placeholder 4"/>
-          <p:cNvSpPr>
-            <a:spLocks noGrp="1"/>
-          </p:cNvSpPr>
-          <p:nvPr>
-            <p:ph idx="1"/>
-            <p:custDataLst>
-              <p:tags r:id="rId3"/>
-            </p:custDataLst>
-          </p:nvPr>
-        </p:nvSpPr>
-        <p:spPr/>
-        <p:txBody>
-          <a:bodyPr>
-            <a:normAutofit fontScale="85000" lnSpcReduction="20000"/>
-          </a:bodyPr>
-          <a:lstStyle/>
+              <a:t>pascal</a:t>
+            </a:r>
+            <a:r>
+              <a:rPr lang="cs-CZ" dirty="0" smtClean="0"/>
+              <a:t> konvence</a:t>
+            </a:r>
+            <a:r>
+              <a:rPr lang="en-US" dirty="0" smtClean="0"/>
+              <a:t> </a:t>
+            </a:r>
+            <a:r>
+              <a:rPr lang="en-US" dirty="0"/>
+              <a:t>(</a:t>
+            </a:r>
+            <a:r>
+              <a:rPr lang="en-US" dirty="0" err="1"/>
+              <a:t>hlavni</a:t>
+            </a:r>
+            <a:r>
+              <a:rPr lang="en-US" dirty="0"/>
+              <a:t> designer c# :-)) </a:t>
+            </a:r>
+            <a:r>
+              <a:rPr lang="en-US" dirty="0" err="1"/>
+              <a:t>první</a:t>
+            </a:r>
+            <a:r>
+              <a:rPr lang="en-US" dirty="0"/>
+              <a:t> </a:t>
+            </a:r>
+            <a:r>
+              <a:rPr lang="en-US" dirty="0" err="1"/>
+              <a:t>Velke</a:t>
+            </a:r>
+            <a:r>
+              <a:rPr lang="en-US" dirty="0"/>
+              <a:t> </a:t>
+            </a:r>
+            <a:r>
+              <a:rPr lang="en-US" dirty="0" err="1" smtClean="0"/>
+              <a:t>pismeno</a:t>
+            </a:r>
+            <a:r>
+              <a:rPr lang="cs-CZ" dirty="0" smtClean="0"/>
+              <a:t> </a:t>
+            </a:r>
+            <a:r>
+              <a:rPr lang="cs-CZ" dirty="0"/>
+              <a:t>viz </a:t>
+            </a:r>
+            <a:r>
+              <a:rPr lang="en-US" b="1" dirty="0" err="1"/>
+              <a:t>ToString</a:t>
+            </a:r>
+            <a:r>
+              <a:rPr lang="cs-CZ" b="1" dirty="0" smtClean="0"/>
+              <a:t>() </a:t>
+            </a:r>
+            <a:r>
+              <a:rPr lang="en-US" dirty="0" err="1" smtClean="0"/>
+              <a:t>jinak</a:t>
+            </a:r>
+            <a:r>
+              <a:rPr lang="en-US" dirty="0" smtClean="0"/>
+              <a:t> </a:t>
+            </a:r>
+            <a:r>
+              <a:rPr lang="en-US" dirty="0" err="1"/>
+              <a:t>stejny</a:t>
+            </a:r>
+            <a:r>
+              <a:rPr lang="en-US" dirty="0"/>
+              <a:t> </a:t>
+            </a:r>
+            <a:r>
+              <a:rPr lang="en-US" dirty="0" err="1"/>
+              <a:t>jako</a:t>
+            </a:r>
+            <a:r>
+              <a:rPr lang="en-US" dirty="0"/>
+              <a:t> u </a:t>
+            </a:r>
+            <a:r>
+              <a:rPr lang="en-US" dirty="0" err="1" smtClean="0"/>
+              <a:t>javy</a:t>
+            </a:r>
+            <a:endParaRPr lang="cs-CZ" dirty="0" smtClean="0"/>
+          </a:p>
           <a:p>
             <a:pPr fontAlgn="base"/>
-            <a:r>
-              <a:rPr lang="cs-CZ" dirty="0" err="1" smtClean="0"/>
-              <a:t>Class</a:t>
-            </a:r>
-            <a:r>
-              <a:rPr lang="cs-CZ" dirty="0" smtClean="0"/>
-              <a:t> dědí po </a:t>
-            </a:r>
-            <a:r>
-              <a:rPr lang="cs-CZ" dirty="0" err="1" smtClean="0"/>
-              <a:t>Object</a:t>
-            </a:r>
-            <a:endParaRPr lang="cs-CZ" dirty="0"/>
-          </a:p>
-          <a:p>
-            <a:pPr fontAlgn="base"/>
-            <a:r>
-              <a:rPr lang="cs-CZ" dirty="0" err="1" smtClean="0"/>
-              <a:t>Struct</a:t>
-            </a:r>
-            <a:r>
-              <a:rPr lang="cs-CZ" dirty="0" smtClean="0"/>
-              <a:t> dědí po </a:t>
-            </a:r>
-            <a:r>
-              <a:rPr lang="en-US" dirty="0" err="1" smtClean="0"/>
-              <a:t>ValueType</a:t>
-            </a:r>
-            <a:r>
-              <a:rPr lang="cs-CZ" dirty="0" smtClean="0"/>
-              <a:t> (neexistuje metoda </a:t>
-            </a:r>
-            <a:r>
-              <a:rPr lang="en-US" dirty="0" err="1" smtClean="0"/>
-              <a:t>GetType</a:t>
-            </a:r>
-            <a:r>
-              <a:rPr lang="cs-CZ" dirty="0" smtClean="0"/>
-              <a:t>(), destruktor a static metody </a:t>
-            </a:r>
-            <a:r>
-              <a:rPr lang="en-US" dirty="0" smtClean="0"/>
-              <a:t>Equals</a:t>
-            </a:r>
-            <a:endParaRPr lang="en-US" dirty="0"/>
-          </a:p>
-          <a:p>
-            <a:pPr fontAlgn="base"/>
-            <a:r>
-              <a:rPr lang="cs-CZ" dirty="0" smtClean="0"/>
-              <a:t>)</a:t>
-            </a:r>
-          </a:p>
-          <a:p>
-            <a:pPr fontAlgn="base"/>
-            <a:r>
-              <a:rPr lang="cs-CZ" b="1" dirty="0" err="1"/>
-              <a:t>string</a:t>
-            </a:r>
-            <a:r>
-              <a:rPr lang="cs-CZ" dirty="0"/>
-              <a:t> je alias k </a:t>
-            </a:r>
-            <a:r>
-              <a:rPr lang="cs-CZ" b="1" dirty="0" err="1"/>
-              <a:t>System.String</a:t>
-            </a:r>
-            <a:r>
-              <a:rPr lang="cs-CZ" b="1" dirty="0"/>
-              <a:t> </a:t>
-            </a:r>
-            <a:r>
-              <a:rPr lang="cs-CZ" dirty="0"/>
-              <a:t>je vždy </a:t>
-            </a:r>
-            <a:r>
-              <a:rPr lang="cs-CZ" dirty="0" err="1"/>
-              <a:t>immutable</a:t>
-            </a:r>
-            <a:r>
-              <a:rPr lang="cs-CZ" dirty="0"/>
-              <a:t> tzn. </a:t>
-            </a:r>
-            <a:r>
-              <a:rPr lang="cs-CZ" dirty="0" err="1"/>
-              <a:t>muze</a:t>
-            </a:r>
-            <a:r>
-              <a:rPr lang="cs-CZ" dirty="0"/>
-              <a:t> se </a:t>
-            </a:r>
-            <a:r>
-              <a:rPr lang="cs-CZ" dirty="0" err="1"/>
-              <a:t>pouzivat</a:t>
-            </a:r>
-            <a:r>
-              <a:rPr lang="cs-CZ" dirty="0"/>
-              <a:t> </a:t>
-            </a:r>
-            <a:r>
-              <a:rPr lang="cs-CZ" dirty="0" smtClean="0"/>
-              <a:t>==</a:t>
-            </a:r>
-          </a:p>
-          <a:p>
-            <a:pPr fontAlgn="base"/>
-            <a:r>
-              <a:rPr lang="cs-CZ" b="1" dirty="0" smtClean="0"/>
-              <a:t>@ </a:t>
-            </a:r>
-            <a:r>
-              <a:rPr lang="cs-CZ" dirty="0" err="1" smtClean="0"/>
-              <a:t>verbatim</a:t>
-            </a:r>
-            <a:r>
-              <a:rPr lang="cs-CZ" dirty="0" smtClean="0"/>
-              <a:t> </a:t>
-            </a:r>
-            <a:r>
-              <a:rPr lang="cs-CZ" dirty="0" err="1" smtClean="0"/>
-              <a:t>string</a:t>
-            </a:r>
-            <a:endParaRPr lang="cs-CZ" dirty="0"/>
-          </a:p>
-          <a:p>
-            <a:pPr fontAlgn="base"/>
-            <a:r>
-              <a:rPr lang="cs-CZ" b="1" dirty="0" err="1"/>
-              <a:t>ToString</a:t>
-            </a:r>
-            <a:r>
-              <a:rPr lang="cs-CZ" dirty="0"/>
-              <a:t>() </a:t>
-            </a:r>
-            <a:r>
-              <a:rPr lang="cs-CZ" b="1" dirty="0" smtClean="0">
-                <a:solidFill>
-                  <a:srgbClr val="FF0000"/>
-                </a:solidFill>
-              </a:rPr>
-              <a:t>pozor double </a:t>
-            </a:r>
-            <a:r>
-              <a:rPr lang="cs-CZ" b="1" dirty="0" err="1" smtClean="0">
-                <a:solidFill>
-                  <a:srgbClr val="FF0000"/>
-                </a:solidFill>
-              </a:rPr>
-              <a:t>apod</a:t>
-            </a:r>
-            <a:r>
-              <a:rPr lang="cs-CZ" b="1" dirty="0" smtClean="0">
-                <a:solidFill>
-                  <a:srgbClr val="FF0000"/>
-                </a:solidFill>
-              </a:rPr>
-              <a:t> </a:t>
-            </a:r>
-            <a:r>
-              <a:rPr lang="en-US" b="1" dirty="0" err="1" smtClean="0">
-                <a:solidFill>
-                  <a:srgbClr val="FF0000"/>
-                </a:solidFill>
-              </a:rPr>
-              <a:t>závislý</a:t>
-            </a:r>
-            <a:r>
-              <a:rPr lang="en-US" b="1" dirty="0" smtClean="0">
-                <a:solidFill>
-                  <a:srgbClr val="FF0000"/>
-                </a:solidFill>
-              </a:rPr>
-              <a:t> </a:t>
-            </a:r>
-            <a:r>
-              <a:rPr lang="en-US" b="1" dirty="0" err="1">
-                <a:solidFill>
-                  <a:srgbClr val="FF0000"/>
-                </a:solidFill>
-              </a:rPr>
-              <a:t>na</a:t>
-            </a:r>
-            <a:r>
-              <a:rPr lang="en-US" b="1" dirty="0">
-                <a:solidFill>
-                  <a:srgbClr val="FF0000"/>
-                </a:solidFill>
-              </a:rPr>
-              <a:t> local </a:t>
-            </a:r>
-            <a:r>
-              <a:rPr lang="en-US" b="1" dirty="0" err="1">
-                <a:solidFill>
-                  <a:srgbClr val="FF0000"/>
-                </a:solidFill>
-              </a:rPr>
-              <a:t>nastavení</a:t>
-            </a:r>
-            <a:r>
-              <a:rPr lang="en-US" b="1" dirty="0">
-                <a:solidFill>
-                  <a:srgbClr val="FF0000"/>
-                </a:solidFill>
-              </a:rPr>
-              <a:t> </a:t>
-            </a:r>
-            <a:r>
-              <a:rPr lang="en-US" b="1" dirty="0" err="1">
-                <a:solidFill>
-                  <a:srgbClr val="FF0000"/>
-                </a:solidFill>
-              </a:rPr>
-              <a:t>počítače</a:t>
-            </a:r>
-            <a:r>
-              <a:rPr lang="en-US" b="1" dirty="0">
-                <a:solidFill>
-                  <a:srgbClr val="FF0000"/>
-                </a:solidFill>
-              </a:rPr>
-              <a:t> -&gt; </a:t>
-            </a:r>
-            <a:r>
-              <a:rPr lang="en-US" b="1" dirty="0" err="1">
-                <a:solidFill>
-                  <a:srgbClr val="FF0000"/>
-                </a:solidFill>
-              </a:rPr>
-              <a:t>doporucuju</a:t>
-            </a:r>
-            <a:r>
-              <a:rPr lang="en-US" b="1" dirty="0">
-                <a:solidFill>
-                  <a:srgbClr val="FF0000"/>
-                </a:solidFill>
-              </a:rPr>
-              <a:t> </a:t>
-            </a:r>
-            <a:r>
-              <a:rPr lang="en-US" b="1" dirty="0" err="1">
-                <a:solidFill>
-                  <a:srgbClr val="FF0000"/>
-                </a:solidFill>
-              </a:rPr>
-              <a:t>si</a:t>
-            </a:r>
-            <a:r>
-              <a:rPr lang="en-US" b="1" dirty="0">
-                <a:solidFill>
-                  <a:srgbClr val="FF0000"/>
-                </a:solidFill>
-              </a:rPr>
-              <a:t> </a:t>
-            </a:r>
-            <a:r>
-              <a:rPr lang="en-US" b="1" dirty="0" err="1">
-                <a:solidFill>
-                  <a:srgbClr val="FF0000"/>
-                </a:solidFill>
-              </a:rPr>
-              <a:t>napsat</a:t>
-            </a:r>
-            <a:r>
-              <a:rPr lang="en-US" b="1" dirty="0">
-                <a:solidFill>
-                  <a:srgbClr val="FF0000"/>
-                </a:solidFill>
-              </a:rPr>
-              <a:t> extension static </a:t>
-            </a:r>
-            <a:r>
-              <a:rPr lang="en-US" b="1" dirty="0" err="1">
-                <a:solidFill>
-                  <a:srgbClr val="FF0000"/>
-                </a:solidFill>
-              </a:rPr>
-              <a:t>metody</a:t>
-            </a:r>
-            <a:r>
-              <a:rPr lang="en-US" b="1" dirty="0">
-                <a:solidFill>
-                  <a:srgbClr val="FF0000"/>
-                </a:solidFill>
-              </a:rPr>
-              <a:t> </a:t>
-            </a:r>
-            <a:r>
-              <a:rPr lang="en-US" b="1" dirty="0" err="1">
-                <a:solidFill>
-                  <a:srgbClr val="FF0000"/>
-                </a:solidFill>
-              </a:rPr>
-              <a:t>MoneyToString</a:t>
-            </a:r>
-            <a:r>
-              <a:rPr lang="en-US" b="1" dirty="0">
-                <a:solidFill>
-                  <a:srgbClr val="FF0000"/>
-                </a:solidFill>
-              </a:rPr>
-              <a:t>() </a:t>
-            </a:r>
-            <a:r>
-              <a:rPr lang="en-US" b="1" dirty="0" err="1">
-                <a:solidFill>
-                  <a:srgbClr val="FF0000"/>
-                </a:solidFill>
-              </a:rPr>
-              <a:t>apod</a:t>
-            </a:r>
-            <a:r>
-              <a:rPr lang="en-US" b="1" dirty="0">
-                <a:solidFill>
-                  <a:srgbClr val="FF0000"/>
-                </a:solidFill>
-              </a:rPr>
-              <a:t>. </a:t>
-            </a:r>
-            <a:r>
-              <a:rPr lang="en-US" b="1" dirty="0" err="1">
-                <a:solidFill>
-                  <a:srgbClr val="FF0000"/>
-                </a:solidFill>
-              </a:rPr>
-              <a:t>viz</a:t>
-            </a:r>
-            <a:r>
-              <a:rPr lang="en-US" b="1" dirty="0">
-                <a:solidFill>
-                  <a:srgbClr val="FF0000"/>
-                </a:solidFill>
-              </a:rPr>
-              <a:t> </a:t>
-            </a:r>
-            <a:r>
-              <a:rPr lang="en-US" b="1" dirty="0" err="1">
-                <a:solidFill>
-                  <a:srgbClr val="FF0000"/>
-                </a:solidFill>
-              </a:rPr>
-              <a:t>priklad</a:t>
-            </a:r>
-            <a:r>
-              <a:rPr lang="en-US" b="1" dirty="0">
-                <a:solidFill>
-                  <a:srgbClr val="FF0000"/>
-                </a:solidFill>
-              </a:rPr>
-              <a:t> </a:t>
-            </a:r>
-            <a:r>
-              <a:rPr lang="en-US" b="1" dirty="0" err="1">
-                <a:solidFill>
-                  <a:srgbClr val="FF0000"/>
-                </a:solidFill>
-              </a:rPr>
-              <a:t>TestToStringCulture.cs</a:t>
-            </a:r>
-            <a:endParaRPr lang="cs-CZ" b="1" dirty="0">
-              <a:solidFill>
-                <a:srgbClr val="FF0000"/>
-              </a:solidFill>
-            </a:endParaRPr>
-          </a:p>
-          <a:p>
-            <a:pPr fontAlgn="base"/>
-            <a:endParaRPr lang="en-US" dirty="0"/>
-          </a:p>
-          <a:p>
-            <a:pPr marL="0" indent="0" fontAlgn="base">
-              <a:buNone/>
-            </a:pPr>
             <a:endParaRPr lang="en-US" dirty="0"/>
           </a:p>
           <a:p>
@@ -10218,7 +10254,7 @@
     </p:custDataLst>
     <p:extLst>
       <p:ext uri="{BB962C8B-B14F-4D97-AF65-F5344CB8AC3E}">
-        <p14:creationId xmlns:p14="http://schemas.microsoft.com/office/powerpoint/2010/main" val="375692060"/>
+        <p14:creationId xmlns:p14="http://schemas.microsoft.com/office/powerpoint/2010/main" val="4047036011"/>
       </p:ext>
     </p:extLst>
   </p:cSld>
@@ -10411,12 +10447,22 @@
         </p:nvSpPr>
         <p:spPr/>
         <p:txBody>
-          <a:bodyPr/>
+          <a:bodyPr>
+            <a:normAutofit/>
+          </a:bodyPr>
           <a:lstStyle/>
           <a:p>
             <a:r>
-              <a:rPr lang="cs-CZ" dirty="0" smtClean="0"/>
-              <a:t>Kolekce</a:t>
+              <a:rPr lang="cs-CZ" dirty="0" err="1" smtClean="0"/>
+              <a:t>Object</a:t>
+            </a:r>
+            <a:r>
+              <a:rPr lang="cs-CZ" dirty="0" smtClean="0"/>
+              <a:t> a </a:t>
+            </a:r>
+            <a:r>
+              <a:rPr lang="en-US" dirty="0" err="1" smtClean="0"/>
+              <a:t>ValueType</a:t>
             </a:r>
             <a:endParaRPr lang="en-US" dirty="0"/>
           </a:p>
@@ -10438,175 +10484,383 @@
         <p:spPr/>
         <p:txBody>
           <a:bodyPr>
-            <a:normAutofit lnSpcReduction="10000"/>
+            <a:normAutofit fontScale="85000" lnSpcReduction="20000"/>
           </a:bodyPr>
           <a:lstStyle/>
           <a:p>
             <a:pPr fontAlgn="base"/>
             <a:r>
-              <a:rPr lang="cs-CZ" dirty="0" smtClean="0"/>
-              <a:t>K</a:t>
+              <a:rPr lang="cs-CZ" dirty="0" err="1" smtClean="0"/>
+              <a:t>Class</a:t>
+            </a:r>
+            <a:r>
+              <a:rPr lang="cs-CZ" dirty="0" smtClean="0"/>
+              <a:t> dědí po </a:t>
+            </a:r>
+            <a:r>
+              <a:rPr lang="cs-CZ" dirty="0" err="1" smtClean="0"/>
+              <a:t>Object</a:t>
+            </a:r>
+            <a:endParaRPr lang="cs-CZ" dirty="0"/>
+          </a:p>
+          <a:p>
+            <a:pPr fontAlgn="base"/>
+            <a:r>
+              <a:rPr lang="cs-CZ" dirty="0" err="1" smtClean="0"/>
+              <a:t>Struct</a:t>
+            </a:r>
+            <a:r>
+              <a:rPr lang="cs-CZ" dirty="0" smtClean="0"/>
+              <a:t> dědí po </a:t>
             </a:r>
             <a:r>
               <a:rPr lang="en-US" dirty="0" err="1" smtClean="0"/>
-              <a:t>olekce</a:t>
-            </a:r>
-            <a:r>
-              <a:rPr lang="en-US" dirty="0" smtClean="0"/>
-              <a:t> z</a:t>
-            </a:r>
-            <a:r>
-              <a:rPr lang="cs-CZ" dirty="0" smtClean="0"/>
-              <a:t>e</a:t>
-            </a:r>
-            <a:r>
-              <a:rPr lang="en-US" dirty="0" smtClean="0"/>
+              <a:t>ValueType</a:t>
+            </a:r>
+            <a:r>
+              <a:rPr lang="cs-CZ" dirty="0" smtClean="0"/>
+              <a:t> (neexistuje metoda </a:t>
+            </a:r>
+            <a:r>
+              <a:rPr lang="en-US" dirty="0" err="1" smtClean="0"/>
+              <a:t>GetType</a:t>
+            </a:r>
+            <a:r>
+              <a:rPr lang="cs-CZ" dirty="0" smtClean="0"/>
+              <a:t>(), destruktor a static metody </a:t>
+            </a:r>
+            <a:r>
+              <a:rPr lang="en-US" dirty="0" smtClean="0"/>
+              <a:t>Equals</a:t>
+            </a:r>
+            <a:endParaRPr lang="en-US" dirty="0"/>
+          </a:p>
+          <a:p>
+            <a:pPr fontAlgn="base"/>
+            <a:r>
+              <a:rPr lang="cs-CZ" dirty="0" smtClean="0"/>
+              <a:t>)</a:t>
+            </a:r>
+          </a:p>
+          <a:p>
+            <a:pPr fontAlgn="base"/>
+            <a:r>
+              <a:rPr lang="cs-CZ" b="1" dirty="0" err="1"/>
+              <a:t>string</a:t>
+            </a:r>
+            <a:r>
+              <a:rPr lang="cs-CZ" dirty="0"/>
+              <a:t> je alias k </a:t>
+            </a:r>
+            <a:r>
+              <a:rPr lang="cs-CZ" b="1" dirty="0" err="1"/>
+              <a:t>System.String</a:t>
+            </a:r>
+            <a:r>
+              <a:rPr lang="cs-CZ" b="1" dirty="0"/>
               <a:t> </a:t>
             </a:r>
             <a:r>
-              <a:rPr lang="en-US" dirty="0" err="1"/>
-              <a:t>dvou</a:t>
-            </a:r>
-            <a:r>
-              <a:rPr lang="en-US" dirty="0"/>
-              <a:t> namespace </a:t>
-            </a:r>
-            <a:r>
-              <a:rPr lang="en-US" b="1" dirty="0" err="1"/>
-              <a:t>System.Collections</a:t>
-            </a:r>
-            <a:r>
-              <a:rPr lang="en-US" dirty="0"/>
-              <a:t> a </a:t>
-            </a:r>
-            <a:r>
-              <a:rPr lang="en-US" b="1" dirty="0" err="1"/>
-              <a:t>System.Collections.Generic</a:t>
-            </a:r>
-            <a:r>
-              <a:rPr lang="en-US" dirty="0"/>
+              <a:rPr lang="cs-CZ" dirty="0"/>
+              <a:t>je vždy </a:t>
+            </a:r>
+            <a:r>
+              <a:rPr lang="cs-CZ" dirty="0" err="1"/>
+              <a:t>immutable</a:t>
+            </a:r>
+            <a:r>
+              <a:rPr lang="cs-CZ" dirty="0"/>
+              <a:t> tzn. </a:t>
+            </a:r>
+            <a:r>
+              <a:rPr lang="cs-CZ" dirty="0" err="1"/>
+              <a:t>muze</a:t>
+            </a:r>
+            <a:r>
+              <a:rPr lang="cs-CZ" dirty="0"/>
+              <a:t> se </a:t>
+            </a:r>
+            <a:r>
+              <a:rPr lang="cs-CZ" dirty="0" err="1"/>
+              <a:t>pouzivat</a:t>
+            </a:r>
+            <a:r>
+              <a:rPr lang="cs-CZ" dirty="0"/>
               <a:t> </a:t>
             </a:r>
-            <a:endParaRPr lang="cs-CZ" dirty="0" smtClean="0"/>
+            <a:r>
+              <a:rPr lang="cs-CZ" dirty="0" smtClean="0"/>
+              <a:t>==</a:t>
+            </a:r>
           </a:p>
           <a:p>
             <a:pPr fontAlgn="base"/>
             <a:r>
-              <a:rPr lang="en-US" dirty="0" err="1" smtClean="0"/>
-              <a:t>pouzivat</a:t>
-            </a:r>
-            <a:r>
-              <a:rPr lang="en-US" dirty="0" smtClean="0"/>
+              <a:rPr lang="cs-CZ" b="1" dirty="0" smtClean="0"/>
+              <a:t>@ </a:t>
+            </a:r>
+            <a:r>
+              <a:rPr lang="cs-CZ" dirty="0" err="1" smtClean="0"/>
+              <a:t>verbatim</a:t>
+            </a:r>
+            <a:r>
+              <a:rPr lang="cs-CZ" dirty="0" smtClean="0"/>
               <a:t> </a:t>
             </a:r>
             <a:r>
-              <a:rPr lang="en-US" dirty="0" err="1"/>
-              <a:t>misto</a:t>
-            </a:r>
-            <a:r>
-              <a:rPr lang="en-US" dirty="0"/>
+              <a:rPr lang="cs-CZ" dirty="0" err="1" smtClean="0"/>
+              <a:t>string</a:t>
+            </a:r>
+            <a:endParaRPr lang="cs-CZ" dirty="0"/>
+          </a:p>
+          <a:p>
+            <a:pPr fontAlgn="base"/>
+            <a:r>
+              <a:rPr lang="cs-CZ" b="1" dirty="0" err="1"/>
+              <a:t>ToString</a:t>
+            </a:r>
+            <a:r>
+              <a:rPr lang="cs-CZ" dirty="0"/>
+              <a:t>() </a:t>
+            </a:r>
+            <a:r>
+              <a:rPr lang="cs-CZ" b="1" dirty="0" smtClean="0">
+                <a:solidFill>
+                  <a:srgbClr val="FF0000"/>
+                </a:solidFill>
+              </a:rPr>
+              <a:t>pozor double </a:t>
+            </a:r>
+            <a:r>
+              <a:rPr lang="cs-CZ" b="1" dirty="0" err="1" smtClean="0">
+                <a:solidFill>
+                  <a:srgbClr val="FF0000"/>
+                </a:solidFill>
+              </a:rPr>
+              <a:t>apod</a:t>
+            </a:r>
+            <a:r>
+              <a:rPr lang="cs-CZ" b="1" dirty="0" smtClean="0">
+                <a:solidFill>
+                  <a:srgbClr val="FF0000"/>
+                </a:solidFill>
+              </a:rPr>
               <a:t> </a:t>
             </a:r>
             <a:r>
-              <a:rPr lang="en-US" dirty="0" err="1"/>
-              <a:t>ICollection</a:t>
-            </a:r>
-            <a:r>
-              <a:rPr lang="en-US" dirty="0"/>
+              <a:rPr lang="en-US" b="1" dirty="0" err="1" smtClean="0">
+                <a:solidFill>
+                  <a:srgbClr val="FF0000"/>
+                </a:solidFill>
+              </a:rPr>
+              <a:t>závislý</a:t>
+            </a:r>
+            <a:r>
+              <a:rPr lang="en-US" b="1" dirty="0" smtClean="0">
+                <a:solidFill>
+                  <a:srgbClr val="FF0000"/>
+                </a:solidFill>
+              </a:rPr>
               <a:t> </a:t>
             </a:r>
             <a:r>
-              <a:rPr lang="en-US" dirty="0" err="1"/>
-              <a:t>nebo</a:t>
-            </a:r>
-            <a:r>
-              <a:rPr lang="en-US" dirty="0"/>
+              <a:rPr lang="en-US" b="1" dirty="0" err="1">
+                <a:solidFill>
+                  <a:srgbClr val="FF0000"/>
+                </a:solidFill>
+              </a:rPr>
+              <a:t>na</a:t>
+            </a:r>
+            <a:r>
+              <a:rPr lang="en-US" b="1" dirty="0">
+                <a:solidFill>
+                  <a:srgbClr val="FF0000"/>
+                </a:solidFill>
+              </a:rPr>
+              <a:t> local </a:t>
+            </a:r>
+            <a:r>
+              <a:rPr lang="en-US" b="1" dirty="0" err="1">
+                <a:solidFill>
+                  <a:srgbClr val="FF0000"/>
+                </a:solidFill>
+              </a:rPr>
+              <a:t>nastavení</a:t>
+            </a:r>
+            <a:r>
+              <a:rPr lang="en-US" b="1" dirty="0">
+                <a:solidFill>
+                  <a:srgbClr val="FF0000"/>
+                </a:solidFill>
+              </a:rPr>
               <a:t> </a:t>
             </a:r>
             <a:r>
-              <a:rPr lang="en-US" dirty="0" err="1"/>
-              <a:t>IList</a:t>
-            </a:r>
-            <a:r>
-              <a:rPr lang="en-US" dirty="0"/>
+              <a:rPr lang="en-US" b="1" dirty="0" err="1">
+                <a:solidFill>
+                  <a:srgbClr val="FF0000"/>
+                </a:solidFill>
+              </a:rPr>
+              <a:t>počítače</a:t>
+            </a:r>
+            <a:r>
+              <a:rPr lang="en-US" b="1" dirty="0">
+                <a:solidFill>
+                  <a:srgbClr val="FF0000"/>
+                </a:solidFill>
+              </a:rPr>
+              <a:t> -&gt; </a:t>
+            </a:r>
+            <a:r>
+              <a:rPr lang="en-US" b="1" dirty="0" err="1">
+                <a:solidFill>
+                  <a:srgbClr val="FF0000"/>
+                </a:solidFill>
+              </a:rPr>
+              <a:t>doporucuju</a:t>
+            </a:r>
+            <a:r>
+              <a:rPr lang="en-US" b="1" dirty="0">
+                <a:solidFill>
+                  <a:srgbClr val="FF0000"/>
+                </a:solidFill>
+              </a:rPr>
               <a:t> </a:t>
             </a:r>
             <a:r>
-              <a:rPr lang="cs-CZ" b="1" dirty="0" smtClean="0"/>
-              <a:t>IE</a:t>
-            </a:r>
-            <a:r>
-              <a:rPr lang="en-US" b="1" dirty="0" smtClean="0"/>
-              <a:t>numerable</a:t>
-            </a:r>
-            <a:r>
-              <a:rPr lang="cs-CZ" b="1" dirty="0" smtClean="0"/>
-              <a:t>&lt;&gt;</a:t>
-            </a:r>
+              <a:rPr lang="en-US" b="1" dirty="0" err="1">
+                <a:solidFill>
+                  <a:srgbClr val="FF0000"/>
+                </a:solidFill>
+              </a:rPr>
+              <a:t>si</a:t>
+            </a:r>
+            <a:r>
+              <a:rPr lang="en-US" b="1" dirty="0">
+                <a:solidFill>
+                  <a:srgbClr val="FF0000"/>
+                </a:solidFill>
+              </a:rPr>
+              <a:t> </a:t>
+            </a:r>
+            <a:r>
+              <a:rPr lang="en-US" b="1" dirty="0" err="1">
+                <a:solidFill>
+                  <a:srgbClr val="FF0000"/>
+                </a:solidFill>
+              </a:rPr>
+              <a:t>napsat</a:t>
+            </a:r>
+            <a:r>
+              <a:rPr lang="en-US" b="1" dirty="0">
+                <a:solidFill>
+                  <a:srgbClr val="FF0000"/>
+                </a:solidFill>
+              </a:rPr>
+              <a:t> extension static </a:t>
+            </a:r>
+            <a:r>
+              <a:rPr lang="en-US" b="1" dirty="0" err="1">
+                <a:solidFill>
+                  <a:srgbClr val="FF0000"/>
+                </a:solidFill>
+              </a:rPr>
+              <a:t>metody</a:t>
+            </a:r>
+            <a:r>
+              <a:rPr lang="en-US" b="1" dirty="0">
+                <a:solidFill>
+                  <a:srgbClr val="FF0000"/>
+                </a:solidFill>
+              </a:rPr>
+              <a:t> </a:t>
+            </a:r>
+            <a:r>
+              <a:rPr lang="en-US" b="1" dirty="0" err="1">
+                <a:solidFill>
+                  <a:srgbClr val="FF0000"/>
+                </a:solidFill>
+              </a:rPr>
+              <a:t>MoneyToString</a:t>
+            </a:r>
+            <a:r>
+              <a:rPr lang="en-US" b="1" dirty="0">
+                <a:solidFill>
+                  <a:srgbClr val="FF0000"/>
+                </a:solidFill>
+              </a:rPr>
+              <a:t>() </a:t>
+            </a:r>
+            <a:r>
+              <a:rPr lang="en-US" b="1" dirty="0" err="1">
+                <a:solidFill>
+                  <a:srgbClr val="FF0000"/>
+                </a:solidFill>
+              </a:rPr>
+              <a:t>apod</a:t>
+            </a:r>
+            <a:r>
+              <a:rPr lang="en-US" b="1" dirty="0">
+                <a:solidFill>
+                  <a:srgbClr val="FF0000"/>
+                </a:solidFill>
+              </a:rPr>
+              <a:t>. </a:t>
+            </a:r>
+            <a:r>
+              <a:rPr lang="en-US" b="1" dirty="0" err="1">
+                <a:solidFill>
+                  <a:srgbClr val="FF0000"/>
+                </a:solidFill>
+              </a:rPr>
+              <a:t>viz</a:t>
+            </a:r>
+            <a:r>
+              <a:rPr lang="en-US" b="1" dirty="0">
+                <a:solidFill>
+                  <a:srgbClr val="FF0000"/>
+                </a:solidFill>
+              </a:rPr>
+              <a:t> </a:t>
+            </a:r>
+            <a:r>
+              <a:rPr lang="en-US" b="1" dirty="0" err="1">
+                <a:solidFill>
+                  <a:srgbClr val="FF0000"/>
+                </a:solidFill>
+              </a:rPr>
+              <a:t>priklad</a:t>
+            </a:r>
+            <a:r>
+              <a:rPr lang="en-US" b="1" dirty="0">
+                <a:solidFill>
+                  <a:srgbClr val="FF0000"/>
+                </a:solidFill>
+              </a:rPr>
+              <a:t> </a:t>
+            </a:r>
+            <a:r>
+              <a:rPr lang="en-US" b="1" dirty="0" err="1">
+                <a:solidFill>
+                  <a:srgbClr val="FF0000"/>
+                </a:solidFill>
+              </a:rPr>
+              <a:t>TestToStringCulture.cs</a:t>
+            </a:r>
+            <a:endParaRPr lang="cs-CZ" b="1" dirty="0">
+              <a:solidFill>
+                <a:srgbClr val="FF0000"/>
+              </a:solidFill>
+            </a:endParaRPr>
           </a:p>
           <a:p>
             <a:pPr fontAlgn="base"/>
-            <a:r>
-              <a:rPr lang="cs-CZ" dirty="0" smtClean="0"/>
-              <a:t>Místo mapy je </a:t>
-            </a:r>
-            <a:r>
-              <a:rPr lang="cs-CZ" dirty="0" err="1" smtClean="0"/>
-              <a:t>IDictionary</a:t>
-            </a:r>
-            <a:r>
-              <a:rPr lang="cs-CZ" dirty="0" smtClean="0"/>
-              <a:t>&lt;,&gt;</a:t>
-            </a:r>
-          </a:p>
-          <a:p>
-            <a:pPr fontAlgn="base"/>
-            <a:r>
-              <a:rPr lang="cs-CZ" dirty="0" smtClean="0"/>
-              <a:t>Do kolekce lze </a:t>
-            </a:r>
-            <a:r>
-              <a:rPr lang="cs-CZ" dirty="0" err="1" smtClean="0"/>
-              <a:t>vkladat</a:t>
-            </a:r>
-            <a:r>
-              <a:rPr lang="cs-CZ" dirty="0" smtClean="0"/>
-              <a:t> </a:t>
-            </a:r>
-            <a:r>
-              <a:rPr lang="cs-CZ" dirty="0" err="1" smtClean="0"/>
-              <a:t>struct</a:t>
-            </a:r>
-            <a:r>
-              <a:rPr lang="cs-CZ" dirty="0" smtClean="0"/>
-              <a:t> tzn. </a:t>
-            </a:r>
-            <a:r>
-              <a:rPr lang="cs-CZ" dirty="0" err="1" smtClean="0"/>
-              <a:t>int</a:t>
-            </a:r>
-            <a:r>
-              <a:rPr lang="cs-CZ" dirty="0" smtClean="0"/>
-              <a:t> apod.</a:t>
-            </a:r>
-          </a:p>
-          <a:p>
-            <a:pPr fontAlgn="base"/>
-            <a:r>
-              <a:rPr lang="cs-CZ" dirty="0" smtClean="0"/>
-              <a:t>Lze použít </a:t>
-            </a:r>
-            <a:r>
-              <a:rPr lang="cs-CZ" dirty="0" err="1" smtClean="0"/>
-              <a:t>instanceof</a:t>
-            </a:r>
-            <a:r>
-              <a:rPr lang="cs-CZ" dirty="0" smtClean="0"/>
-              <a:t> T</a:t>
-            </a:r>
-          </a:p>
-          <a:p>
-            <a:pPr fontAlgn="base"/>
+            <a:endParaRPr lang="en-US" dirty="0"/>
+          </a:p>
+          <a:p>
+            <a:pPr marL="0" indent="0" fontAlgn="base">
+              <a:buNone/>
+            </a:pPr>
             <a:endParaRPr lang="en-US" dirty="0"/>
           </a:p>
           <a:p>
@@ -10625,7 +10879,7 @@
     </p:custDataLst>
     <p:extLst>
       <p:ext uri="{BB962C8B-B14F-4D97-AF65-F5344CB8AC3E}">
-        <p14:creationId xmlns:p14="http://schemas.microsoft.com/office/powerpoint/2010/main" val="2224911890"/>
+        <p14:creationId xmlns:p14="http://schemas.microsoft.com/office/powerpoint/2010/main" val="375692060"/>
       </p:ext>
     </p:extLst>
   </p:cSld>
@@ -10681,6 +10935,272 @@
           <a:lstStyle/>
           <a:p>
             <a:r>
+              <a:rPr lang="cs-CZ" dirty="0" smtClean="0"/>
+              <a:t>Kolekce</a:t>
+            </a:r>
+            <a:endParaRPr lang="en-US" dirty="0"/>
+          </a:p>
+        </p:txBody>
+      </p:sp>
+      <p:sp>
+        <p:nvSpPr>
+          <p:cNvPr id="5" name="Content Placeholder 4"/>
+          <p:cNvSpPr>
+            <a:spLocks noGrp="1"/>
+          </p:cNvSpPr>
+          <p:nvPr>
+            <p:ph idx="1"/>
+            <p:custDataLst>
+              <p:tags r:id="rId3"/>
+            </p:custDataLst>
+          </p:nvPr>
+        </p:nvSpPr>
+        <p:spPr/>
+        <p:txBody>
+          <a:bodyPr>
+            <a:normAutofit lnSpcReduction="10000"/>
+          </a:bodyPr>
+          <a:lstStyle/>
+          <a:p>
+            <a:pPr fontAlgn="base"/>
+            <a:r>
+              <a:rPr lang="cs-CZ" dirty="0" smtClean="0"/>
+              <a:t>K</a:t>
+            </a:r>
+            <a:r>
+              <a:rPr lang="en-US" dirty="0" err="1" smtClean="0"/>
+              <a:t>olekce</a:t>
+            </a:r>
+            <a:r>
+              <a:rPr lang="en-US" dirty="0" smtClean="0"/>
+              <a:t> z</a:t>
+            </a:r>
+            <a:r>
+              <a:rPr lang="cs-CZ" dirty="0" smtClean="0"/>
+              <a:t>e</a:t>
+            </a:r>
+            <a:r>
+              <a:rPr lang="en-US" dirty="0" smtClean="0"/>
+              <a:t> </a:t>
+            </a:r>
+            <a:r>
+              <a:rPr lang="en-US" dirty="0" err="1"/>
+              <a:t>dvou</a:t>
+            </a:r>
+            <a:r>
+              <a:rPr lang="en-US" dirty="0"/>
+              <a:t> namespace </a:t>
+            </a:r>
+            <a:r>
+              <a:rPr lang="en-US" b="1" dirty="0" err="1"/>
+              <a:t>System.Collections</a:t>
+            </a:r>
+            <a:r>
+              <a:rPr lang="en-US" dirty="0"/>
+              <a:t> a </a:t>
+            </a:r>
+            <a:r>
+              <a:rPr lang="en-US" b="1" dirty="0" err="1"/>
+              <a:t>System.Collections.Generic</a:t>
+            </a:r>
+            <a:r>
+              <a:rPr lang="en-US" dirty="0"/>
+              <a:t> </a:t>
+            </a:r>
+            <a:endParaRPr lang="cs-CZ" dirty="0" smtClean="0"/>
+          </a:p>
+          <a:p>
+            <a:pPr fontAlgn="base"/>
+            <a:r>
+              <a:rPr lang="en-US" dirty="0" err="1" smtClean="0"/>
+              <a:t>pouzivat</a:t>
+            </a:r>
+            <a:r>
+              <a:rPr lang="en-US" dirty="0" smtClean="0"/>
+              <a:t> </a:t>
+            </a:r>
+            <a:r>
+              <a:rPr lang="en-US" dirty="0" err="1"/>
+              <a:t>misto</a:t>
+            </a:r>
+            <a:r>
+              <a:rPr lang="en-US" dirty="0"/>
+              <a:t> </a:t>
+            </a:r>
+            <a:r>
+              <a:rPr lang="en-US" dirty="0" err="1"/>
+              <a:t>ICollection</a:t>
+            </a:r>
+            <a:r>
+              <a:rPr lang="en-US" dirty="0"/>
+              <a:t> </a:t>
+            </a:r>
+            <a:r>
+              <a:rPr lang="en-US" dirty="0" err="1"/>
+              <a:t>nebo</a:t>
+            </a:r>
+            <a:r>
+              <a:rPr lang="en-US" dirty="0"/>
+              <a:t> </a:t>
+            </a:r>
+            <a:r>
+              <a:rPr lang="en-US" dirty="0" err="1"/>
+              <a:t>IList</a:t>
+            </a:r>
+            <a:r>
+              <a:rPr lang="en-US" dirty="0"/>
+              <a:t> </a:t>
+            </a:r>
+            <a:r>
+              <a:rPr lang="cs-CZ" b="1" dirty="0" smtClean="0"/>
+              <a:t>IE</a:t>
+            </a:r>
+            <a:r>
+              <a:rPr lang="en-US" b="1" dirty="0" smtClean="0"/>
+              <a:t>numerable</a:t>
+            </a:r>
+            <a:r>
+              <a:rPr lang="cs-CZ" b="1" dirty="0" smtClean="0"/>
+              <a:t>&lt;&gt;</a:t>
+            </a:r>
+          </a:p>
+          <a:p>
+            <a:pPr fontAlgn="base"/>
+            <a:r>
+              <a:rPr lang="cs-CZ" dirty="0" smtClean="0"/>
+              <a:t>Místo mapy je </a:t>
+            </a:r>
+            <a:r>
+              <a:rPr lang="cs-CZ" dirty="0" err="1" smtClean="0"/>
+              <a:t>IDictionary</a:t>
+            </a:r>
+            <a:r>
+              <a:rPr lang="cs-CZ" dirty="0" smtClean="0"/>
+              <a:t>&lt;,&gt;</a:t>
+            </a:r>
+          </a:p>
+          <a:p>
+            <a:pPr fontAlgn="base"/>
+            <a:r>
+              <a:rPr lang="cs-CZ" dirty="0" smtClean="0"/>
+              <a:t>Do kolekce lze </a:t>
+            </a:r>
+            <a:r>
+              <a:rPr lang="cs-CZ" dirty="0" err="1" smtClean="0"/>
+              <a:t>vkladat</a:t>
+            </a:r>
+            <a:r>
+              <a:rPr lang="cs-CZ" dirty="0" smtClean="0"/>
+              <a:t> </a:t>
+            </a:r>
+            <a:r>
+              <a:rPr lang="cs-CZ" dirty="0" err="1" smtClean="0"/>
+              <a:t>struct</a:t>
+            </a:r>
+            <a:r>
+              <a:rPr lang="cs-CZ" dirty="0" smtClean="0"/>
+              <a:t> tzn. </a:t>
+            </a:r>
+            <a:r>
+              <a:rPr lang="cs-CZ" dirty="0" err="1" smtClean="0"/>
+              <a:t>int</a:t>
+            </a:r>
+            <a:r>
+              <a:rPr lang="cs-CZ" dirty="0" smtClean="0"/>
+              <a:t> apod.</a:t>
+            </a:r>
+          </a:p>
+          <a:p>
+            <a:pPr fontAlgn="base"/>
+            <a:r>
+              <a:rPr lang="cs-CZ" dirty="0" smtClean="0"/>
+              <a:t>Lze použít </a:t>
+            </a:r>
+            <a:r>
+              <a:rPr lang="cs-CZ" dirty="0" err="1" smtClean="0"/>
+              <a:t>instanceof</a:t>
+            </a:r>
+            <a:r>
+              <a:rPr lang="cs-CZ" dirty="0" smtClean="0"/>
+              <a:t> T</a:t>
+            </a:r>
+          </a:p>
+          <a:p>
+            <a:pPr fontAlgn="base"/>
+            <a:endParaRPr lang="en-US" dirty="0"/>
+          </a:p>
+          <a:p>
+            <a:pPr fontAlgn="base"/>
+            <a:endParaRPr lang="pt-BR" dirty="0"/>
+          </a:p>
+          <a:p>
+            <a:pPr fontAlgn="base"/>
+            <a:endParaRPr lang="en-US" dirty="0"/>
+          </a:p>
+        </p:txBody>
+      </p:sp>
+    </p:spTree>
+    <p:custDataLst>
+      <p:tags r:id="rId1"/>
+    </p:custDataLst>
+    <p:extLst>
+      <p:ext uri="{BB962C8B-B14F-4D97-AF65-F5344CB8AC3E}">
+        <p14:creationId xmlns:p14="http://schemas.microsoft.com/office/powerpoint/2010/main" val="2224911890"/>
+      </p:ext>
+    </p:extLst>
+  </p:cSld>
+  <p:clrMapOvr>
+    <a:masterClrMapping/>
+  </p:clrMapOvr>
+  <p:transition spd="slow">
+    <p:wipe dir="d"/>
+  </p:transition>
+  <p:timing>
+    <p:tnLst>
+      <p:par>
+        <p:cTn id="1" dur="indefinite" restart="never" nodeType="tmRoot"/>
+      </p:par>
+    </p:tnLst>
+  </p:timing>
+</p:sld>
+</file>
+
+<file path=ppt/slides/slide22.xml><?xml version="1.0" encoding="utf-8"?>
+<p:sld xmlns:a="http://schemas.openxmlformats.org/drawingml/2006/main" xmlns:r="http://schemas.openxmlformats.org/officeDocument/2006/relationships" xmlns:p="http://schemas.openxmlformats.org/presentationml/2006/main">
+  <p:cSld>
+    <p:spTree>
+      <p:nvGrpSpPr>
+        <p:cNvPr id="1" name=""/>
+        <p:cNvGrpSpPr/>
+        <p:nvPr/>
+      </p:nvGrpSpPr>
+      <p:grpSpPr>
+        <a:xfrm>
+          <a:off x="0" y="0"/>
+          <a:ext cx="0" cy="0"/>
+          <a:chOff x="0" y="0"/>
+          <a:chExt cx="0" cy="0"/>
+        </a:xfrm>
+      </p:grpSpPr>
+      <p:sp>
+        <p:nvSpPr>
+          <p:cNvPr id="2" name="Title 1"/>
+          <p:cNvSpPr>
+            <a:spLocks noGrp="1"/>
+          </p:cNvSpPr>
+          <p:nvPr>
+            <p:ph type="title"/>
+            <p:custDataLst>
+              <p:tags r:id="rId2"/>
+            </p:custDataLst>
+          </p:nvPr>
+        </p:nvSpPr>
+        <p:spPr/>
+        <p:txBody>
+          <a:bodyPr/>
+          <a:lstStyle/>
+          <a:p>
+            <a:r>
               <a:rPr lang="cs-CZ" dirty="0"/>
               <a:t>Komunita</a:t>
             </a:r>
@@ -10790,7 +11310,7 @@
 </p:sld>
 </file>
 
-<file path=ppt/slides/slide22.xml><?xml version="1.0" encoding="utf-8"?>
+<file path=ppt/slides/slide23.xml><?xml version="1.0" encoding="utf-8"?>
 <p:sld xmlns:a="http://schemas.openxmlformats.org/drawingml/2006/main" xmlns:r="http://schemas.openxmlformats.org/officeDocument/2006/relationships" xmlns:p="http://schemas.openxmlformats.org/presentationml/2006/main">
   <p:cSld>
     <p:spTree>
@@ -14184,11 +14704,29 @@
 
 <file path=ppt/tags/tag64.xml><?xml version="1.0" encoding="utf-8"?>
 <p:tagLst xmlns:a="http://schemas.openxmlformats.org/drawingml/2006/main" xmlns:r="http://schemas.openxmlformats.org/officeDocument/2006/relationships" xmlns:p="http://schemas.openxmlformats.org/presentationml/2006/main">
+  <p:tag name="DVSECTIONID" val="QUq8QELArFIgadhH063fpq"/>
+</p:tagLst>
+</file>
+
+<file path=ppt/tags/tag65.xml><?xml version="1.0" encoding="utf-8"?>
+<p:tagLst xmlns:a="http://schemas.openxmlformats.org/drawingml/2006/main" xmlns:r="http://schemas.openxmlformats.org/officeDocument/2006/relationships" xmlns:p="http://schemas.openxmlformats.org/presentationml/2006/main">
+  <p:tag name="DVSHAPEID" val="InkrlxYPS4jAzciXk8ToAM"/>
+</p:tagLst>
+</file>
+
+<file path=ppt/tags/tag66.xml><?xml version="1.0" encoding="utf-8"?>
+<p:tagLst xmlns:a="http://schemas.openxmlformats.org/drawingml/2006/main" xmlns:r="http://schemas.openxmlformats.org/officeDocument/2006/relationships" xmlns:p="http://schemas.openxmlformats.org/presentationml/2006/main">
+  <p:tag name="DVSHAPEID" val="retnMj4SFfqbVIhVK0Rf83"/>
+</p:tagLst>
+</file>
+
+<file path=ppt/tags/tag67.xml><?xml version="1.0" encoding="utf-8"?>
+<p:tagLst xmlns:a="http://schemas.openxmlformats.org/drawingml/2006/main" xmlns:r="http://schemas.openxmlformats.org/officeDocument/2006/relationships" xmlns:p="http://schemas.openxmlformats.org/presentationml/2006/main">
   <p:tag name="DVSECTIONID" val="ezdaKHeWyBnZyZ2cDqRSoa"/>
 </p:tagLst>
 </file>
 
-<file path=ppt/tags/tag65.xml><?xml version="1.0" encoding="utf-8"?>
+<file path=ppt/tags/tag68.xml><?xml version="1.0" encoding="utf-8"?>
 <p:tagLst xmlns:a="http://schemas.openxmlformats.org/drawingml/2006/main" xmlns:r="http://schemas.openxmlformats.org/officeDocument/2006/relationships" xmlns:p="http://schemas.openxmlformats.org/presentationml/2006/main">
   <p:tag name="DVSHAPEID" val="LRMR96J2MVd0CGe2e5htjk"/>
 </p:tagLst>

--- a/prezentace.pptx
+++ b/prezentace.pptx
@@ -8039,7 +8039,7 @@
         </p:spPr>
         <p:txBody>
           <a:bodyPr>
-            <a:normAutofit fontScale="92500" lnSpcReduction="20000"/>
+            <a:normAutofit fontScale="85000" lnSpcReduction="10000"/>
           </a:bodyPr>
           <a:lstStyle/>
           <a:p>
@@ -8256,6 +8256,22 @@
           </a:p>
           <a:p>
             <a:pPr marL="514350" indent="-457200" fontAlgn="base"/>
+            <a:r>
+              <a:rPr lang="cs-CZ" dirty="0"/>
+              <a:t>Lze použít </a:t>
+            </a:r>
+            <a:r>
+              <a:rPr lang="cs-CZ" dirty="0" err="1"/>
+              <a:t>instanceof</a:t>
+            </a:r>
+            <a:r>
+              <a:rPr lang="cs-CZ" dirty="0"/>
+              <a:t> </a:t>
+            </a:r>
+            <a:r>
+              <a:rPr lang="cs-CZ" dirty="0" smtClean="0"/>
+              <a:t>T</a:t>
+            </a:r>
             <a:endParaRPr lang="cs-CZ" dirty="0"/>
           </a:p>
           <a:p>
@@ -9752,7 +9768,7 @@
               <a:t> </a:t>
             </a:r>
             <a:r>
-              <a:rPr lang="cs-CZ" smtClean="0"/>
+              <a:rPr lang="cs-CZ" dirty="0" err="1" smtClean="0"/>
               <a:t>linq</a:t>
             </a:r>
             <a:endParaRPr lang="en-US" dirty="0"/>
@@ -10958,7 +10974,7 @@
         <p:spPr/>
         <p:txBody>
           <a:bodyPr>
-            <a:normAutofit lnSpcReduction="10000"/>
+            <a:normAutofit/>
           </a:bodyPr>
           <a:lstStyle/>
           <a:p>
@@ -11108,21 +11124,6 @@
             <a:r>
               <a:rPr lang="cs-CZ" dirty="0" smtClean="0"/>
               <a:t> apod.</a:t>
-            </a:r>
-          </a:p>
-          <a:p>
-            <a:pPr fontAlgn="base"/>
-            <a:r>
-              <a:rPr lang="cs-CZ" dirty="0" smtClean="0"/>
-              <a:t>Lze použít </a:t>
-            </a:r>
-            <a:r>
-              <a:rPr lang="cs-CZ" dirty="0" err="1" smtClean="0"/>
-              <a:t>instanceof</a:t>
-            </a:r>
-            <a:r>
-              <a:rPr lang="cs-CZ" dirty="0" smtClean="0"/>
-              <a:t> T</a:t>
             </a:r>
           </a:p>
           <a:p>

--- a/prezentace.pptx
+++ b/prezentace.pptx
@@ -5,10 +5,10 @@
     <p:sldMasterId id="2147483648" r:id="rId1"/>
   </p:sldMasterIdLst>
   <p:notesMasterIdLst>
-    <p:notesMasterId r:id="rId25"/>
+    <p:notesMasterId r:id="rId26"/>
   </p:notesMasterIdLst>
   <p:handoutMasterIdLst>
-    <p:handoutMasterId r:id="rId26"/>
+    <p:handoutMasterId r:id="rId27"/>
   </p:handoutMasterIdLst>
   <p:sldIdLst>
     <p:sldId id="259" r:id="rId2"/>
@@ -24,16 +24,17 @@
     <p:sldId id="290" r:id="rId12"/>
     <p:sldId id="291" r:id="rId13"/>
     <p:sldId id="293" r:id="rId14"/>
-    <p:sldId id="294" r:id="rId15"/>
-    <p:sldId id="292" r:id="rId16"/>
-    <p:sldId id="295" r:id="rId17"/>
-    <p:sldId id="297" r:id="rId18"/>
-    <p:sldId id="281" r:id="rId19"/>
-    <p:sldId id="296" r:id="rId20"/>
-    <p:sldId id="282" r:id="rId21"/>
-    <p:sldId id="283" r:id="rId22"/>
-    <p:sldId id="280" r:id="rId23"/>
-    <p:sldId id="277" r:id="rId24"/>
+    <p:sldId id="298" r:id="rId15"/>
+    <p:sldId id="294" r:id="rId16"/>
+    <p:sldId id="292" r:id="rId17"/>
+    <p:sldId id="295" r:id="rId18"/>
+    <p:sldId id="297" r:id="rId19"/>
+    <p:sldId id="281" r:id="rId20"/>
+    <p:sldId id="296" r:id="rId21"/>
+    <p:sldId id="282" r:id="rId22"/>
+    <p:sldId id="283" r:id="rId23"/>
+    <p:sldId id="280" r:id="rId24"/>
+    <p:sldId id="277" r:id="rId25"/>
   </p:sldIdLst>
   <p:sldSz cx="9144000" cy="6858000" type="screen4x3"/>
   <p:notesSz cx="6858000" cy="9144000"/>
@@ -158,6 +159,7 @@
             <p14:sldId id="290"/>
             <p14:sldId id="291"/>
             <p14:sldId id="293"/>
+            <p14:sldId id="298"/>
             <p14:sldId id="294"/>
             <p14:sldId id="292"/>
             <p14:sldId id="295"/>
@@ -2697,6 +2699,129 @@
       </p:grpSpPr>
       <p:sp>
         <p:nvSpPr>
+          <p:cNvPr id="2" name="Slide Image Placeholder 1"/>
+          <p:cNvSpPr>
+            <a:spLocks noGrp="1" noRot="1" noChangeAspect="1"/>
+          </p:cNvSpPr>
+          <p:nvPr>
+            <p:ph type="sldImg"/>
+          </p:nvPr>
+        </p:nvSpPr>
+        <p:spPr/>
+      </p:sp>
+      <p:sp>
+        <p:nvSpPr>
+          <p:cNvPr id="3" name="Notes Placeholder 2"/>
+          <p:cNvSpPr>
+            <a:spLocks noGrp="1"/>
+          </p:cNvSpPr>
+          <p:nvPr>
+            <p:ph type="body" idx="1"/>
+          </p:nvPr>
+        </p:nvSpPr>
+        <p:spPr/>
+        <p:txBody>
+          <a:bodyPr>
+            <a:normAutofit/>
+          </a:bodyPr>
+          <a:lstStyle/>
+          <a:p>
+            <a:pPr>
+              <a:lnSpc>
+                <a:spcPct val="80000"/>
+              </a:lnSpc>
+            </a:pPr>
+            <a:r>
+              <a:rPr lang="en-US" dirty="0" smtClean="0"/>
+              <a:t>Give a brief overview of the presentation.</a:t>
+            </a:r>
+            <a:r>
+              <a:rPr lang="en-US" baseline="0" dirty="0" smtClean="0"/>
+              <a:t> D</a:t>
+            </a:r>
+            <a:r>
+              <a:rPr lang="en-US" dirty="0" smtClean="0"/>
+              <a:t>escribe the major focus of the presentation and why it is important.</a:t>
+            </a:r>
+          </a:p>
+          <a:p>
+            <a:pPr>
+              <a:lnSpc>
+                <a:spcPct val="80000"/>
+              </a:lnSpc>
+            </a:pPr>
+            <a:r>
+              <a:rPr lang="en-US" dirty="0" smtClean="0"/>
+              <a:t>Introduce each of the major topics.</a:t>
+            </a:r>
+          </a:p>
+          <a:p>
+            <a:r>
+              <a:rPr lang="en-US" dirty="0" smtClean="0"/>
+              <a:t>To provide a road map for the audience, you</a:t>
+            </a:r>
+            <a:r>
+              <a:rPr lang="en-US" baseline="0" dirty="0" smtClean="0"/>
+              <a:t> can </a:t>
+            </a:r>
+            <a:r>
+              <a:rPr lang="en-US" dirty="0" smtClean="0"/>
+              <a:t>repeat this Overview slide throughout the presentation, highlighting the particular topic you will discuss next.</a:t>
+            </a:r>
+          </a:p>
+        </p:txBody>
+      </p:sp>
+      <p:sp>
+        <p:nvSpPr>
+          <p:cNvPr id="4" name="Slide Number Placeholder 3"/>
+          <p:cNvSpPr>
+            <a:spLocks noGrp="1"/>
+          </p:cNvSpPr>
+          <p:nvPr>
+            <p:ph type="sldNum" sz="quarter" idx="10"/>
+          </p:nvPr>
+        </p:nvSpPr>
+        <p:spPr/>
+        <p:txBody>
+          <a:bodyPr/>
+          <a:lstStyle/>
+          <a:p>
+            <a:fld id="{EC6EAC7D-5A89-47C2-8ABA-56C9C2DEF7A4}" type="slidenum">
+              <a:rPr lang="en-US" smtClean="0"/>
+              <a:pPr/>
+              <a:t>23</a:t>
+            </a:fld>
+            <a:endParaRPr lang="en-US"/>
+          </a:p>
+        </p:txBody>
+      </p:sp>
+    </p:spTree>
+  </p:cSld>
+  <p:clrMapOvr>
+    <a:masterClrMapping/>
+  </p:clrMapOvr>
+</p:notes>
+</file>
+
+<file path=ppt/notesSlides/notesSlide24.xml><?xml version="1.0" encoding="utf-8"?>
+<p:notes xmlns:a="http://schemas.openxmlformats.org/drawingml/2006/main" xmlns:r="http://schemas.openxmlformats.org/officeDocument/2006/relationships" xmlns:p="http://schemas.openxmlformats.org/presentationml/2006/main">
+  <p:cSld>
+    <p:spTree>
+      <p:nvGrpSpPr>
+        <p:cNvPr id="1" name=""/>
+        <p:cNvGrpSpPr/>
+        <p:nvPr/>
+      </p:nvGrpSpPr>
+      <p:grpSpPr>
+        <a:xfrm>
+          <a:off x="0" y="0"/>
+          <a:ext cx="0" cy="0"/>
+          <a:chOff x="0" y="0"/>
+          <a:chExt cx="0" cy="0"/>
+        </a:xfrm>
+      </p:grpSpPr>
+      <p:sp>
+        <p:nvSpPr>
           <p:cNvPr id="41986" name="Rectangle 23"/>
           <p:cNvSpPr>
             <a:spLocks noGrp="1" noChangeArrowheads="1"/>
@@ -2768,7 +2893,7 @@
             <a:fld id="{B2B44A5F-6CE4-493C-A0D7-6834FF76660C}" type="slidenum">
               <a:rPr lang="en-US" smtClean="0"/>
               <a:pPr/>
-              <a:t>23</a:t>
+              <a:t>24</a:t>
             </a:fld>
             <a:endParaRPr lang="en-US" dirty="0" smtClean="0"/>
           </a:p>
@@ -8662,21 +8787,10 @@
           <a:lstStyle/>
           <a:p>
             <a:r>
-              <a:rPr lang="en-US" b="1" dirty="0" smtClean="0"/>
-              <a:t>yield </a:t>
-            </a:r>
-            <a:r>
-              <a:rPr lang="en-US" b="1" dirty="0"/>
-              <a:t>return</a:t>
-            </a:r>
-            <a:r>
-              <a:rPr lang="en-US" dirty="0"/>
-              <a:t> a </a:t>
-            </a:r>
-            <a:r>
-              <a:rPr lang="en-US" b="1" dirty="0"/>
-              <a:t>yield break</a:t>
-            </a:r>
+              <a:rPr lang="cs-CZ" dirty="0" err="1" smtClean="0"/>
+              <a:t>Exception</a:t>
+            </a:r>
+            <a:endParaRPr lang="en-US" dirty="0"/>
           </a:p>
         </p:txBody>
       </p:sp>
@@ -8695,54 +8809,44 @@
         </p:nvSpPr>
         <p:spPr>
           <a:xfrm>
-            <a:off x="683568" y="1596413"/>
-            <a:ext cx="8352928" cy="4297363"/>
+            <a:off x="539552" y="1596413"/>
+            <a:ext cx="8604448" cy="4297363"/>
           </a:xfrm>
         </p:spPr>
         <p:txBody>
           <a:bodyPr>
-            <a:normAutofit fontScale="62500" lnSpcReduction="20000"/>
+            <a:normAutofit/>
           </a:bodyPr>
           <a:lstStyle/>
           <a:p>
             <a:pPr marL="514350" indent="-457200" fontAlgn="base"/>
             <a:r>
               <a:rPr lang="cs-CZ" dirty="0" smtClean="0"/>
-              <a:t>Místo psaní implementace </a:t>
-            </a:r>
-            <a:r>
-              <a:rPr lang="en-US" i="1" dirty="0" err="1"/>
-              <a:t>IEnumerable</a:t>
-            </a:r>
-            <a:r>
-              <a:rPr lang="cs-CZ" dirty="0" smtClean="0"/>
-              <a:t>. Řeší překladač v těle metody.</a:t>
-            </a:r>
-          </a:p>
-          <a:p>
-            <a:pPr marL="514350" indent="-457200" fontAlgn="base"/>
+              <a:t>Podobn</a:t>
+            </a:r>
+            <a:r>
+              <a:rPr lang="cs-CZ" dirty="0"/>
+              <a:t>ě</a:t>
+            </a:r>
+            <a:r>
+              <a:rPr lang="cs-CZ" dirty="0" smtClean="0"/>
+              <a:t> jako v </a:t>
+            </a:r>
             <a:r>
               <a:rPr lang="cs-CZ" dirty="0" err="1" smtClean="0"/>
-              <a:t>yield</a:t>
-            </a:r>
-            <a:r>
-              <a:rPr lang="cs-CZ" dirty="0" smtClean="0"/>
-              <a:t> return vrací další prvek.</a:t>
-            </a:r>
-          </a:p>
-          <a:p>
-            <a:pPr marL="514350" indent="-457200" fontAlgn="base"/>
-            <a:r>
-              <a:rPr lang="cs-CZ" dirty="0" err="1" smtClean="0"/>
-              <a:t>Yield</a:t>
-            </a:r>
-            <a:r>
-              <a:rPr lang="cs-CZ" dirty="0" smtClean="0"/>
-              <a:t> </a:t>
-            </a:r>
-            <a:r>
-              <a:rPr lang="cs-CZ" dirty="0" err="1" smtClean="0"/>
-              <a:t>break</a:t>
+              <a:t>javě</a:t>
+            </a:r>
+            <a:r>
+              <a:rPr lang="cs-CZ" dirty="0" smtClean="0"/>
+              <a:t> ale </a:t>
+            </a:r>
+            <a:r>
+              <a:rPr lang="cs-CZ" dirty="0"/>
+              <a:t>neexistují </a:t>
+            </a:r>
+            <a:r>
+              <a:rPr lang="cs-CZ" dirty="0" err="1"/>
+              <a:t>checked</a:t>
             </a:r>
             <a:r>
               <a:rPr lang="cs-CZ" dirty="0"/>
@@ -8750,109 +8854,68 @@
             </a:r>
             <a:r>
               <a:rPr lang="cs-CZ" dirty="0" smtClean="0"/>
-              <a:t>- už není dostupný další.</a:t>
+              <a:t>výjimky</a:t>
             </a:r>
           </a:p>
           <a:p>
             <a:pPr marL="514350" indent="-457200" fontAlgn="base"/>
             <a:r>
+              <a:rPr lang="cs-CZ" dirty="0" smtClean="0"/>
+              <a:t>Dědí se po </a:t>
+            </a:r>
+            <a:r>
               <a:rPr lang="cs-CZ" dirty="0" err="1" smtClean="0"/>
-              <a:t>Př</a:t>
-            </a:r>
-            <a:r>
-              <a:rPr lang="cs-CZ" dirty="0" smtClean="0"/>
-              <a:t>: Místo vracení již naplněné kolekce prvku </a:t>
-            </a:r>
-            <a:r>
-              <a:rPr lang="cs-CZ" dirty="0"/>
-              <a:t>(čas. náročnost)</a:t>
-            </a:r>
-            <a:r>
-              <a:rPr lang="cs-CZ" dirty="0" smtClean="0"/>
-              <a:t> vracíme postupně</a:t>
-            </a:r>
+              <a:t>System.Exception</a:t>
+            </a:r>
+            <a:endParaRPr lang="cs-CZ" dirty="0" smtClean="0"/>
           </a:p>
           <a:p>
             <a:pPr marL="514350" indent="-457200" fontAlgn="base"/>
             <a:r>
-              <a:rPr lang="cs-CZ" dirty="0" smtClean="0"/>
-              <a:t>Pozor při znovu zavolaní metody se znova provede </a:t>
-            </a:r>
-            <a:r>
               <a:rPr lang="cs-CZ" dirty="0" err="1" smtClean="0"/>
-              <a:t>telo</a:t>
-            </a:r>
-            <a:r>
-              <a:rPr lang="cs-CZ" dirty="0" smtClean="0"/>
-              <a:t> metody</a:t>
-            </a:r>
+              <a:t>NullPointerException</a:t>
+            </a:r>
+            <a:r>
+              <a:rPr lang="cs-CZ" dirty="0" smtClean="0"/>
+              <a:t>==</a:t>
+            </a:r>
+            <a:r>
+              <a:rPr lang="en-US" dirty="0" err="1" smtClean="0"/>
+              <a:t>NullReferenceException</a:t>
+            </a:r>
+            <a:endParaRPr lang="cs-CZ" dirty="0" smtClean="0"/>
           </a:p>
           <a:p>
             <a:pPr marL="514350" indent="-457200" fontAlgn="base"/>
             <a:r>
-              <a:rPr lang="cs-CZ" dirty="0" smtClean="0"/>
-              <a:t>-&gt; </a:t>
-            </a:r>
-            <a:r>
-              <a:rPr lang="cs-CZ" dirty="0" err="1" smtClean="0"/>
-              <a:t>jiz</a:t>
-            </a:r>
-            <a:r>
-              <a:rPr lang="cs-CZ" dirty="0" smtClean="0"/>
+              <a:rPr lang="en-US" dirty="0" err="1" smtClean="0"/>
+              <a:t>ClassCastException</a:t>
+            </a:r>
+            <a:r>
+              <a:rPr lang="cs-CZ" dirty="0" smtClean="0"/>
+              <a:t>==</a:t>
+            </a:r>
+            <a:r>
+              <a:rPr lang="en-US" dirty="0"/>
               <a:t> </a:t>
             </a:r>
             <a:r>
-              <a:rPr lang="cs-CZ" dirty="0" err="1" smtClean="0"/>
-              <a:t>spocitane</a:t>
-            </a:r>
-            <a:r>
-              <a:rPr lang="cs-CZ" dirty="0" smtClean="0"/>
-              <a:t> </a:t>
-            </a:r>
-            <a:r>
-              <a:rPr lang="cs-CZ" dirty="0" err="1" smtClean="0"/>
-              <a:t>pouzit</a:t>
-            </a:r>
-            <a:r>
-              <a:rPr lang="cs-CZ" dirty="0" smtClean="0"/>
-              <a:t> </a:t>
-            </a:r>
-            <a:r>
-              <a:rPr lang="cs-CZ" dirty="0" err="1" smtClean="0"/>
-              <a:t>ToArray</a:t>
-            </a:r>
-            <a:r>
-              <a:rPr lang="cs-CZ" dirty="0" smtClean="0"/>
-              <a:t> nebo </a:t>
-            </a:r>
-            <a:r>
-              <a:rPr lang="cs-CZ" dirty="0" err="1" smtClean="0"/>
-              <a:t>ToList</a:t>
-            </a:r>
-            <a:r>
-              <a:rPr lang="cs-CZ" dirty="0" smtClean="0"/>
-              <a:t> apod.</a:t>
-            </a:r>
+              <a:rPr lang="en-US" dirty="0" err="1"/>
+              <a:t>InvalidCastException</a:t>
+            </a:r>
+            <a:endParaRPr lang="en-US" dirty="0"/>
           </a:p>
           <a:p>
             <a:pPr marL="514350" indent="-457200" fontAlgn="base"/>
             <a:r>
               <a:rPr lang="cs-CZ" dirty="0" smtClean="0"/>
-              <a:t>Příklad </a:t>
-            </a:r>
-            <a:r>
-              <a:rPr lang="en-US" dirty="0" err="1" smtClean="0"/>
-              <a:t>TestEnumerable</a:t>
-            </a:r>
-            <a:r>
-              <a:rPr lang="cs-CZ" dirty="0" smtClean="0"/>
-              <a:t>.</a:t>
-            </a:r>
-            <a:r>
-              <a:rPr lang="cs-CZ" dirty="0" err="1" smtClean="0"/>
-              <a:t>cs</a:t>
+              <a:t>…</a:t>
             </a:r>
             <a:endParaRPr lang="en-US" dirty="0"/>
+          </a:p>
+          <a:p>
+            <a:pPr marL="514350" indent="-457200" fontAlgn="base"/>
+            <a:endParaRPr lang="cs-CZ" dirty="0" smtClean="0"/>
           </a:p>
           <a:p>
             <a:pPr marL="514350" indent="-457200" fontAlgn="base"/>
@@ -8870,20 +8933,6 @@
           </a:p>
           <a:p>
             <a:pPr marL="514350" indent="-457200" fontAlgn="base"/>
-            <a:endParaRPr lang="cs-CZ" dirty="0" smtClean="0"/>
-          </a:p>
-          <a:p>
-            <a:pPr marL="514350" indent="-457200" fontAlgn="base"/>
-            <a:endParaRPr lang="cs-CZ" dirty="0"/>
-          </a:p>
-          <a:p>
-            <a:pPr marL="514350" indent="-457200" fontAlgn="base"/>
-            <a:r>
-              <a:rPr lang="en-US" dirty="0">
-                <a:hlinkClick r:id="rId6"/>
-              </a:rPr>
-              <a:t>http://msdn.microsoft.com/cs-cz/library/9k7k7cf0.aspx</a:t>
-            </a:r>
             <a:endParaRPr lang="en-US" dirty="0"/>
           </a:p>
           <a:p>
@@ -8928,7 +8977,7 @@
     </p:custDataLst>
     <p:extLst>
       <p:ext uri="{BB962C8B-B14F-4D97-AF65-F5344CB8AC3E}">
-        <p14:creationId xmlns:p14="http://schemas.microsoft.com/office/powerpoint/2010/main" val="1458288348"/>
+        <p14:creationId xmlns:p14="http://schemas.microsoft.com/office/powerpoint/2010/main" val="3584004117"/>
       </p:ext>
     </p:extLst>
   </p:cSld>
@@ -8986,6 +9035,330 @@
           <a:lstStyle/>
           <a:p>
             <a:r>
+              <a:rPr lang="en-US" b="1" dirty="0" smtClean="0"/>
+              <a:t>yield </a:t>
+            </a:r>
+            <a:r>
+              <a:rPr lang="en-US" b="1" dirty="0"/>
+              <a:t>return</a:t>
+            </a:r>
+            <a:r>
+              <a:rPr lang="en-US" dirty="0"/>
+              <a:t> a </a:t>
+            </a:r>
+            <a:r>
+              <a:rPr lang="en-US" b="1" dirty="0"/>
+              <a:t>yield break</a:t>
+            </a:r>
+          </a:p>
+        </p:txBody>
+      </p:sp>
+      <p:sp>
+        <p:nvSpPr>
+          <p:cNvPr id="5" name="Content Placeholder 4"/>
+          <p:cNvSpPr>
+            <a:spLocks noGrp="1"/>
+          </p:cNvSpPr>
+          <p:nvPr>
+            <p:ph idx="1"/>
+            <p:custDataLst>
+              <p:tags r:id="rId3"/>
+            </p:custDataLst>
+          </p:nvPr>
+        </p:nvSpPr>
+        <p:spPr>
+          <a:xfrm>
+            <a:off x="683568" y="1596413"/>
+            <a:ext cx="8352928" cy="4297363"/>
+          </a:xfrm>
+        </p:spPr>
+        <p:txBody>
+          <a:bodyPr>
+            <a:normAutofit fontScale="62500" lnSpcReduction="20000"/>
+          </a:bodyPr>
+          <a:lstStyle/>
+          <a:p>
+            <a:pPr marL="514350" indent="-457200" fontAlgn="base"/>
+            <a:r>
+              <a:rPr lang="cs-CZ" dirty="0" smtClean="0"/>
+              <a:t>Místo psaní implementace </a:t>
+            </a:r>
+            <a:r>
+              <a:rPr lang="en-US" i="1" dirty="0" err="1"/>
+              <a:t>IEnumerable</a:t>
+            </a:r>
+            <a:r>
+              <a:rPr lang="cs-CZ" dirty="0" smtClean="0"/>
+              <a:t>. Řeší překladač v těle metody.</a:t>
+            </a:r>
+          </a:p>
+          <a:p>
+            <a:pPr marL="514350" indent="-457200" fontAlgn="base"/>
+            <a:r>
+              <a:rPr lang="cs-CZ" dirty="0" err="1" smtClean="0"/>
+              <a:t>yield</a:t>
+            </a:r>
+            <a:r>
+              <a:rPr lang="cs-CZ" dirty="0" smtClean="0"/>
+              <a:t> return vrací další prvek.</a:t>
+            </a:r>
+          </a:p>
+          <a:p>
+            <a:pPr marL="514350" indent="-457200" fontAlgn="base"/>
+            <a:r>
+              <a:rPr lang="cs-CZ" dirty="0" err="1" smtClean="0"/>
+              <a:t>Yield</a:t>
+            </a:r>
+            <a:r>
+              <a:rPr lang="cs-CZ" dirty="0" smtClean="0"/>
+              <a:t> </a:t>
+            </a:r>
+            <a:r>
+              <a:rPr lang="cs-CZ" dirty="0" err="1" smtClean="0"/>
+              <a:t>break</a:t>
+            </a:r>
+            <a:r>
+              <a:rPr lang="cs-CZ" dirty="0"/>
+              <a:t> </a:t>
+            </a:r>
+            <a:r>
+              <a:rPr lang="cs-CZ" dirty="0" smtClean="0"/>
+              <a:t>- už není dostupný další.</a:t>
+            </a:r>
+          </a:p>
+          <a:p>
+            <a:pPr marL="514350" indent="-457200" fontAlgn="base"/>
+            <a:r>
+              <a:rPr lang="cs-CZ" dirty="0" err="1" smtClean="0"/>
+              <a:t>Př</a:t>
+            </a:r>
+            <a:r>
+              <a:rPr lang="cs-CZ" dirty="0" smtClean="0"/>
+              <a:t>: Místo vracení již naplněné kolekce prvku </a:t>
+            </a:r>
+            <a:r>
+              <a:rPr lang="cs-CZ" dirty="0"/>
+              <a:t>(čas. náročnost)</a:t>
+            </a:r>
+            <a:r>
+              <a:rPr lang="cs-CZ" dirty="0" smtClean="0"/>
+              <a:t> vracíme postupně</a:t>
+            </a:r>
+          </a:p>
+          <a:p>
+            <a:pPr marL="514350" indent="-457200" fontAlgn="base"/>
+            <a:r>
+              <a:rPr lang="cs-CZ" dirty="0" smtClean="0"/>
+              <a:t>Pozor při znovu zavolaní metody se znova provede </a:t>
+            </a:r>
+            <a:r>
+              <a:rPr lang="cs-CZ" dirty="0" err="1" smtClean="0"/>
+              <a:t>telo</a:t>
+            </a:r>
+            <a:r>
+              <a:rPr lang="cs-CZ" dirty="0" smtClean="0"/>
+              <a:t> metody</a:t>
+            </a:r>
+          </a:p>
+          <a:p>
+            <a:pPr marL="514350" indent="-457200" fontAlgn="base"/>
+            <a:r>
+              <a:rPr lang="cs-CZ" dirty="0" smtClean="0"/>
+              <a:t>-&gt; </a:t>
+            </a:r>
+            <a:r>
+              <a:rPr lang="cs-CZ" dirty="0" err="1" smtClean="0"/>
+              <a:t>jiz</a:t>
+            </a:r>
+            <a:r>
+              <a:rPr lang="cs-CZ" dirty="0" smtClean="0"/>
+              <a:t> </a:t>
+            </a:r>
+            <a:r>
+              <a:rPr lang="cs-CZ" dirty="0" err="1" smtClean="0"/>
+              <a:t>spocitane</a:t>
+            </a:r>
+            <a:r>
+              <a:rPr lang="cs-CZ" dirty="0" smtClean="0"/>
+              <a:t> </a:t>
+            </a:r>
+            <a:r>
+              <a:rPr lang="cs-CZ" dirty="0" err="1" smtClean="0"/>
+              <a:t>pouzit</a:t>
+            </a:r>
+            <a:r>
+              <a:rPr lang="cs-CZ" dirty="0" smtClean="0"/>
+              <a:t> </a:t>
+            </a:r>
+            <a:r>
+              <a:rPr lang="cs-CZ" dirty="0" err="1" smtClean="0"/>
+              <a:t>ToArray</a:t>
+            </a:r>
+            <a:r>
+              <a:rPr lang="cs-CZ" dirty="0" smtClean="0"/>
+              <a:t> nebo </a:t>
+            </a:r>
+            <a:r>
+              <a:rPr lang="cs-CZ" dirty="0" err="1" smtClean="0"/>
+              <a:t>ToList</a:t>
+            </a:r>
+            <a:r>
+              <a:rPr lang="cs-CZ" dirty="0" smtClean="0"/>
+              <a:t> apod.</a:t>
+            </a:r>
+          </a:p>
+          <a:p>
+            <a:pPr marL="514350" indent="-457200" fontAlgn="base"/>
+            <a:r>
+              <a:rPr lang="cs-CZ" dirty="0" smtClean="0"/>
+              <a:t>Příklad </a:t>
+            </a:r>
+            <a:r>
+              <a:rPr lang="en-US" dirty="0" err="1" smtClean="0"/>
+              <a:t>TestEnumerable</a:t>
+            </a:r>
+            <a:r>
+              <a:rPr lang="cs-CZ" dirty="0" smtClean="0"/>
+              <a:t>.</a:t>
+            </a:r>
+            <a:r>
+              <a:rPr lang="cs-CZ" dirty="0" err="1" smtClean="0"/>
+              <a:t>cs</a:t>
+            </a:r>
+            <a:endParaRPr lang="en-US" dirty="0"/>
+          </a:p>
+          <a:p>
+            <a:pPr marL="514350" indent="-457200" fontAlgn="base"/>
+            <a:endParaRPr lang="cs-CZ" dirty="0"/>
+          </a:p>
+          <a:p>
+            <a:pPr marL="514350" indent="-457200" fontAlgn="base"/>
+            <a:endParaRPr lang="en-US" dirty="0"/>
+          </a:p>
+          <a:p>
+            <a:pPr marL="57150" indent="0" fontAlgn="base">
+              <a:buNone/>
+            </a:pPr>
+            <a:endParaRPr lang="cs-CZ" dirty="0" smtClean="0"/>
+          </a:p>
+          <a:p>
+            <a:pPr marL="514350" indent="-457200" fontAlgn="base"/>
+            <a:endParaRPr lang="cs-CZ" dirty="0" smtClean="0"/>
+          </a:p>
+          <a:p>
+            <a:pPr marL="514350" indent="-457200" fontAlgn="base"/>
+            <a:endParaRPr lang="cs-CZ" dirty="0"/>
+          </a:p>
+          <a:p>
+            <a:pPr marL="514350" indent="-457200" fontAlgn="base"/>
+            <a:r>
+              <a:rPr lang="en-US" dirty="0">
+                <a:hlinkClick r:id="rId6"/>
+              </a:rPr>
+              <a:t>http://msdn.microsoft.com/cs-cz/library/9k7k7cf0.aspx</a:t>
+            </a:r>
+            <a:endParaRPr lang="en-US" dirty="0"/>
+          </a:p>
+          <a:p>
+            <a:pPr marL="514350" indent="-457200" fontAlgn="base"/>
+            <a:endParaRPr lang="pl-PL" b="1" dirty="0"/>
+          </a:p>
+          <a:p>
+            <a:pPr marL="514350" indent="-457200" fontAlgn="base"/>
+            <a:endParaRPr lang="en-US" b="1" dirty="0"/>
+          </a:p>
+          <a:p>
+            <a:pPr marL="514350" indent="-457200" fontAlgn="base"/>
+            <a:endParaRPr lang="en-US" b="1" dirty="0"/>
+          </a:p>
+          <a:p>
+            <a:pPr marL="514350" indent="-457200" fontAlgn="base"/>
+            <a:endParaRPr lang="en-US" b="1" dirty="0"/>
+          </a:p>
+          <a:p>
+            <a:pPr lvl="1" fontAlgn="base"/>
+            <a:endParaRPr lang="en-US" b="1" dirty="0"/>
+          </a:p>
+          <a:p>
+            <a:pPr marL="0" indent="0" fontAlgn="base">
+              <a:buNone/>
+            </a:pPr>
+            <a:endParaRPr lang="cs-CZ" dirty="0" smtClean="0"/>
+          </a:p>
+          <a:p>
+            <a:pPr fontAlgn="base"/>
+            <a:endParaRPr lang="cs-CZ" b="1" dirty="0" smtClean="0"/>
+          </a:p>
+          <a:p>
+            <a:pPr fontAlgn="base"/>
+            <a:endParaRPr lang="en-US" b="1" dirty="0"/>
+          </a:p>
+        </p:txBody>
+      </p:sp>
+    </p:spTree>
+    <p:custDataLst>
+      <p:tags r:id="rId1"/>
+    </p:custDataLst>
+    <p:extLst>
+      <p:ext uri="{BB962C8B-B14F-4D97-AF65-F5344CB8AC3E}">
+        <p14:creationId xmlns:p14="http://schemas.microsoft.com/office/powerpoint/2010/main" val="1458288348"/>
+      </p:ext>
+    </p:extLst>
+  </p:cSld>
+  <p:clrMapOvr>
+    <a:masterClrMapping/>
+  </p:clrMapOvr>
+  <p:transition spd="slow">
+    <p:wipe dir="d"/>
+  </p:transition>
+  <p:timing>
+    <p:tnLst>
+      <p:par>
+        <p:cTn id="1" dur="indefinite" restart="never" nodeType="tmRoot"/>
+      </p:par>
+    </p:tnLst>
+  </p:timing>
+</p:sld>
+</file>
+
+<file path=ppt/slides/slide16.xml><?xml version="1.0" encoding="utf-8"?>
+<p:sld xmlns:a="http://schemas.openxmlformats.org/drawingml/2006/main" xmlns:r="http://schemas.openxmlformats.org/officeDocument/2006/relationships" xmlns:p="http://schemas.openxmlformats.org/presentationml/2006/main">
+  <p:cSld>
+    <p:spTree>
+      <p:nvGrpSpPr>
+        <p:cNvPr id="1" name=""/>
+        <p:cNvGrpSpPr/>
+        <p:nvPr/>
+      </p:nvGrpSpPr>
+      <p:grpSpPr>
+        <a:xfrm>
+          <a:off x="0" y="0"/>
+          <a:ext cx="0" cy="0"/>
+          <a:chOff x="0" y="0"/>
+          <a:chExt cx="0" cy="0"/>
+        </a:xfrm>
+      </p:grpSpPr>
+      <p:sp>
+        <p:nvSpPr>
+          <p:cNvPr id="2" name="Title 1"/>
+          <p:cNvSpPr>
+            <a:spLocks noGrp="1"/>
+          </p:cNvSpPr>
+          <p:nvPr>
+            <p:ph type="title"/>
+            <p:custDataLst>
+              <p:tags r:id="rId2"/>
+            </p:custDataLst>
+          </p:nvPr>
+        </p:nvSpPr>
+        <p:spPr/>
+        <p:txBody>
+          <a:bodyPr>
+            <a:normAutofit/>
+          </a:bodyPr>
+          <a:lstStyle/>
+          <a:p>
+            <a:r>
               <a:rPr lang="cs-CZ" dirty="0" smtClean="0"/>
               <a:t>E</a:t>
             </a:r>
@@ -9244,7 +9617,7 @@
 </p:sld>
 </file>
 
-<file path=ppt/slides/slide16.xml><?xml version="1.0" encoding="utf-8"?>
+<file path=ppt/slides/slide17.xml><?xml version="1.0" encoding="utf-8"?>
 <p:sld xmlns:a="http://schemas.openxmlformats.org/drawingml/2006/main" xmlns:r="http://schemas.openxmlformats.org/officeDocument/2006/relationships" xmlns:p="http://schemas.openxmlformats.org/presentationml/2006/main">
   <p:cSld>
     <p:spTree>
@@ -9598,7 +9971,7 @@
 </p:sld>
 </file>
 
-<file path=ppt/slides/slide17.xml><?xml version="1.0" encoding="utf-8"?>
+<file path=ppt/slides/slide18.xml><?xml version="1.0" encoding="utf-8"?>
 <p:sld xmlns:a="http://schemas.openxmlformats.org/drawingml/2006/main" xmlns:r="http://schemas.openxmlformats.org/officeDocument/2006/relationships" xmlns:p="http://schemas.openxmlformats.org/presentationml/2006/main">
   <p:cSld>
     <p:spTree>
@@ -9853,7 +10226,7 @@
 </p:sld>
 </file>
 
-<file path=ppt/slides/slide18.xml><?xml version="1.0" encoding="utf-8"?>
+<file path=ppt/slides/slide19.xml><?xml version="1.0" encoding="utf-8"?>
 <p:sld xmlns:a="http://schemas.openxmlformats.org/drawingml/2006/main" xmlns:r="http://schemas.openxmlformats.org/officeDocument/2006/relationships" xmlns:p="http://schemas.openxmlformats.org/presentationml/2006/main">
   <p:cSld>
     <p:spTree>
@@ -10040,256 +10413,6 @@
 </p:sld>
 </file>
 
-<file path=ppt/slides/slide19.xml><?xml version="1.0" encoding="utf-8"?>
-<p:sld xmlns:a="http://schemas.openxmlformats.org/drawingml/2006/main" xmlns:r="http://schemas.openxmlformats.org/officeDocument/2006/relationships" xmlns:p="http://schemas.openxmlformats.org/presentationml/2006/main">
-  <p:cSld>
-    <p:spTree>
-      <p:nvGrpSpPr>
-        <p:cNvPr id="1" name=""/>
-        <p:cNvGrpSpPr/>
-        <p:nvPr/>
-      </p:nvGrpSpPr>
-      <p:grpSpPr>
-        <a:xfrm>
-          <a:off x="0" y="0"/>
-          <a:ext cx="0" cy="0"/>
-          <a:chOff x="0" y="0"/>
-          <a:chExt cx="0" cy="0"/>
-        </a:xfrm>
-      </p:grpSpPr>
-      <p:sp>
-        <p:nvSpPr>
-          <p:cNvPr id="2" name="Title 1"/>
-          <p:cNvSpPr>
-            <a:spLocks noGrp="1"/>
-          </p:cNvSpPr>
-          <p:nvPr>
-            <p:ph type="title"/>
-            <p:custDataLst>
-              <p:tags r:id="rId2"/>
-            </p:custDataLst>
-          </p:nvPr>
-        </p:nvSpPr>
-        <p:spPr/>
-        <p:txBody>
-          <a:bodyPr/>
-          <a:lstStyle/>
-          <a:p>
-            <a:r>
-              <a:rPr lang="cs-CZ" dirty="0" smtClean="0"/>
-              <a:t>Konvence</a:t>
-            </a:r>
-            <a:endParaRPr lang="en-US" dirty="0"/>
-          </a:p>
-        </p:txBody>
-      </p:sp>
-      <p:sp>
-        <p:nvSpPr>
-          <p:cNvPr id="5" name="Content Placeholder 4"/>
-          <p:cNvSpPr>
-            <a:spLocks noGrp="1"/>
-          </p:cNvSpPr>
-          <p:nvPr>
-            <p:ph idx="1"/>
-            <p:custDataLst>
-              <p:tags r:id="rId3"/>
-            </p:custDataLst>
-          </p:nvPr>
-        </p:nvSpPr>
-        <p:spPr/>
-        <p:txBody>
-          <a:bodyPr>
-            <a:normAutofit/>
-          </a:bodyPr>
-          <a:lstStyle/>
-          <a:p>
-            <a:pPr fontAlgn="base"/>
-            <a:r>
-              <a:rPr lang="pt-BR" dirty="0"/>
-              <a:t>konvence </a:t>
-            </a:r>
-            <a:r>
-              <a:rPr lang="pt-BR" b="1" dirty="0"/>
-              <a:t>interface</a:t>
-            </a:r>
-            <a:r>
-              <a:rPr lang="pt-BR" dirty="0"/>
-              <a:t> začíná </a:t>
-            </a:r>
-            <a:r>
-              <a:rPr lang="pt-BR" b="1" dirty="0"/>
-              <a:t>I</a:t>
-            </a:r>
-            <a:r>
-              <a:rPr lang="pt-BR" dirty="0"/>
-              <a:t> viz </a:t>
-            </a:r>
-            <a:r>
-              <a:rPr lang="pt-BR" b="1" dirty="0"/>
-              <a:t>IList</a:t>
-            </a:r>
-            <a:r>
-              <a:rPr lang="pt-BR" dirty="0"/>
-              <a:t> a implementace </a:t>
-            </a:r>
-            <a:r>
-              <a:rPr lang="pt-BR" dirty="0" smtClean="0"/>
-              <a:t>List</a:t>
-            </a:r>
-            <a:endParaRPr lang="cs-CZ" dirty="0" smtClean="0"/>
-          </a:p>
-          <a:p>
-            <a:pPr fontAlgn="base"/>
-            <a:r>
-              <a:rPr lang="en-US" dirty="0" err="1"/>
-              <a:t>nazvy</a:t>
-            </a:r>
-            <a:r>
-              <a:rPr lang="en-US" dirty="0"/>
-              <a:t> </a:t>
-            </a:r>
-            <a:r>
-              <a:rPr lang="en-US" dirty="0" err="1"/>
-              <a:t>metod</a:t>
-            </a:r>
-            <a:r>
-              <a:rPr lang="en-US" dirty="0"/>
-              <a:t> </a:t>
-            </a:r>
-            <a:r>
-              <a:rPr lang="cs-CZ" dirty="0" smtClean="0"/>
-              <a:t>z </a:t>
-            </a:r>
-            <a:r>
-              <a:rPr lang="en-US" dirty="0" err="1" smtClean="0"/>
-              <a:t>pascal</a:t>
-            </a:r>
-            <a:r>
-              <a:rPr lang="cs-CZ" dirty="0" smtClean="0"/>
-              <a:t> konvence</a:t>
-            </a:r>
-            <a:r>
-              <a:rPr lang="en-US" dirty="0" smtClean="0"/>
-              <a:t> </a:t>
-            </a:r>
-            <a:r>
-              <a:rPr lang="en-US" dirty="0"/>
-              <a:t>(</a:t>
-            </a:r>
-            <a:r>
-              <a:rPr lang="en-US" dirty="0" err="1"/>
-              <a:t>hlavni</a:t>
-            </a:r>
-            <a:r>
-              <a:rPr lang="en-US" dirty="0"/>
-              <a:t> designer c# :-)) </a:t>
-            </a:r>
-            <a:r>
-              <a:rPr lang="en-US" dirty="0" err="1"/>
-              <a:t>první</a:t>
-            </a:r>
-            <a:r>
-              <a:rPr lang="en-US" dirty="0"/>
-              <a:t> </a:t>
-            </a:r>
-            <a:r>
-              <a:rPr lang="en-US" dirty="0" err="1"/>
-              <a:t>Velke</a:t>
-            </a:r>
-            <a:r>
-              <a:rPr lang="en-US" dirty="0"/>
-              <a:t> </a:t>
-            </a:r>
-            <a:r>
-              <a:rPr lang="en-US" dirty="0" err="1" smtClean="0"/>
-              <a:t>pismeno</a:t>
-            </a:r>
-            <a:r>
-              <a:rPr lang="cs-CZ" dirty="0" smtClean="0"/>
-              <a:t> </a:t>
-            </a:r>
-            <a:r>
-              <a:rPr lang="cs-CZ" dirty="0"/>
-              <a:t>viz </a:t>
-            </a:r>
-            <a:r>
-              <a:rPr lang="en-US" b="1" dirty="0" err="1"/>
-              <a:t>ToString</a:t>
-            </a:r>
-            <a:r>
-              <a:rPr lang="cs-CZ" b="1" dirty="0" smtClean="0"/>
-              <a:t>() </a:t>
-            </a:r>
-            <a:r>
-              <a:rPr lang="en-US" dirty="0" err="1" smtClean="0"/>
-              <a:t>jinak</a:t>
-            </a:r>
-            <a:r>
-              <a:rPr lang="en-US" dirty="0" smtClean="0"/>
-              <a:t> </a:t>
-            </a:r>
-            <a:r>
-              <a:rPr lang="en-US" dirty="0" err="1"/>
-              <a:t>stejny</a:t>
-            </a:r>
-            <a:r>
-              <a:rPr lang="en-US" dirty="0"/>
-              <a:t> </a:t>
-            </a:r>
-            <a:r>
-              <a:rPr lang="en-US" dirty="0" err="1"/>
-              <a:t>jako</a:t>
-            </a:r>
-            <a:r>
-              <a:rPr lang="en-US" dirty="0"/>
-              <a:t> u </a:t>
-            </a:r>
-            <a:r>
-              <a:rPr lang="en-US" dirty="0" err="1" smtClean="0"/>
-              <a:t>javy</a:t>
-            </a:r>
-            <a:endParaRPr lang="cs-CZ" dirty="0" smtClean="0"/>
-          </a:p>
-          <a:p>
-            <a:pPr fontAlgn="base"/>
-            <a:endParaRPr lang="en-US" dirty="0"/>
-          </a:p>
-          <a:p>
-            <a:pPr fontAlgn="base"/>
-            <a:endParaRPr lang="pt-BR" dirty="0"/>
-          </a:p>
-          <a:p>
-            <a:pPr fontAlgn="base"/>
-            <a:endParaRPr lang="en-US" dirty="0"/>
-          </a:p>
-        </p:txBody>
-      </p:sp>
-    </p:spTree>
-    <p:custDataLst>
-      <p:tags r:id="rId1"/>
-    </p:custDataLst>
-    <p:extLst>
-      <p:ext uri="{BB962C8B-B14F-4D97-AF65-F5344CB8AC3E}">
-        <p14:creationId xmlns:p14="http://schemas.microsoft.com/office/powerpoint/2010/main" val="4047036011"/>
-      </p:ext>
-    </p:extLst>
-  </p:cSld>
-  <p:clrMapOvr>
-    <a:masterClrMapping/>
-  </p:clrMapOvr>
-  <p:transition spd="slow">
-    <p:wipe dir="d"/>
-  </p:transition>
-  <p:timing>
-    <p:tnLst>
-      <p:par>
-        <p:cTn id="1" dur="indefinite" restart="never" nodeType="tmRoot"/>
-      </p:par>
-    </p:tnLst>
-  </p:timing>
-</p:sld>
-</file>
-
 <file path=ppt/slides/slide2.xml><?xml version="1.0" encoding="utf-8"?>
 <p:sld xmlns:a="http://schemas.openxmlformats.org/drawingml/2006/main" xmlns:r="http://schemas.openxmlformats.org/officeDocument/2006/relationships" xmlns:p="http://schemas.openxmlformats.org/presentationml/2006/main">
   <p:cSld>
@@ -10463,420 +10586,186 @@
         </p:nvSpPr>
         <p:spPr/>
         <p:txBody>
+          <a:bodyPr/>
+          <a:lstStyle/>
+          <a:p>
+            <a:r>
+              <a:rPr lang="cs-CZ" dirty="0" smtClean="0"/>
+              <a:t>Konvence</a:t>
+            </a:r>
+            <a:endParaRPr lang="en-US" dirty="0"/>
+          </a:p>
+        </p:txBody>
+      </p:sp>
+      <p:sp>
+        <p:nvSpPr>
+          <p:cNvPr id="5" name="Content Placeholder 4"/>
+          <p:cNvSpPr>
+            <a:spLocks noGrp="1"/>
+          </p:cNvSpPr>
+          <p:nvPr>
+            <p:ph idx="1"/>
+            <p:custDataLst>
+              <p:tags r:id="rId3"/>
+            </p:custDataLst>
+          </p:nvPr>
+        </p:nvSpPr>
+        <p:spPr/>
+        <p:txBody>
           <a:bodyPr>
             <a:normAutofit/>
           </a:bodyPr>
           <a:lstStyle/>
           <a:p>
-            <a:r>
-              <a:rPr lang="cs-CZ" dirty="0" err="1" smtClean="0"/>
-              <a:t>Object</a:t>
-            </a:r>
-            <a:r>
-              <a:rPr lang="cs-CZ" dirty="0" smtClean="0"/>
-              <a:t> a </a:t>
+            <a:pPr fontAlgn="base"/>
+            <a:r>
+              <a:rPr lang="pt-BR" dirty="0"/>
+              <a:t>konvence </a:t>
+            </a:r>
+            <a:r>
+              <a:rPr lang="pt-BR" b="1" dirty="0"/>
+              <a:t>interface</a:t>
+            </a:r>
+            <a:r>
+              <a:rPr lang="pt-BR" dirty="0"/>
+              <a:t> začíná </a:t>
+            </a:r>
+            <a:r>
+              <a:rPr lang="pt-BR" b="1" dirty="0"/>
+              <a:t>I</a:t>
+            </a:r>
+            <a:r>
+              <a:rPr lang="pt-BR" dirty="0"/>
+              <a:t> viz </a:t>
+            </a:r>
+            <a:r>
+              <a:rPr lang="pt-BR" b="1" dirty="0"/>
+              <a:t>IList</a:t>
+            </a:r>
+            <a:r>
+              <a:rPr lang="pt-BR" dirty="0"/>
+              <a:t> a implementace </a:t>
+            </a:r>
+            <a:r>
+              <a:rPr lang="pt-BR" dirty="0" smtClean="0"/>
+              <a:t>List</a:t>
+            </a:r>
+            <a:endParaRPr lang="cs-CZ" dirty="0" smtClean="0"/>
+          </a:p>
+          <a:p>
+            <a:pPr fontAlgn="base"/>
+            <a:r>
+              <a:rPr lang="en-US" dirty="0" err="1"/>
+              <a:t>nazvy</a:t>
+            </a:r>
+            <a:r>
+              <a:rPr lang="en-US" dirty="0"/>
+              <a:t> </a:t>
+            </a:r>
+            <a:r>
+              <a:rPr lang="en-US" dirty="0" err="1"/>
+              <a:t>metod</a:t>
+            </a:r>
+            <a:r>
+              <a:rPr lang="en-US" dirty="0"/>
+              <a:t> </a:t>
+            </a:r>
+            <a:r>
+              <a:rPr lang="cs-CZ" dirty="0" smtClean="0"/>
+              <a:t>z </a:t>
             </a:r>
             <a:r>
               <a:rPr lang="en-US" dirty="0" err="1" smtClean="0"/>
-              <a:t>ValueType</a:t>
-            </a:r>
-            <a:endParaRPr lang="en-US" dirty="0"/>
-          </a:p>
-        </p:txBody>
-      </p:sp>
-      <p:sp>
-        <p:nvSpPr>
-          <p:cNvPr id="5" name="Content Placeholder 4"/>
-          <p:cNvSpPr>
-            <a:spLocks noGrp="1"/>
-          </p:cNvSpPr>
-          <p:nvPr>
-            <p:ph idx="1"/>
-            <p:custDataLst>
-              <p:tags r:id="rId3"/>
-            </p:custDataLst>
-          </p:nvPr>
-        </p:nvSpPr>
-        <p:spPr/>
-        <p:txBody>
-          <a:bodyPr>
-            <a:normAutofit fontScale="85000" lnSpcReduction="20000"/>
-          </a:bodyPr>
-          <a:lstStyle/>
+              <a:t>pascal</a:t>
+            </a:r>
+            <a:r>
+              <a:rPr lang="cs-CZ" dirty="0" smtClean="0"/>
+              <a:t> konvence</a:t>
+            </a:r>
+            <a:r>
+              <a:rPr lang="en-US" dirty="0" smtClean="0"/>
+              <a:t> </a:t>
+            </a:r>
+            <a:r>
+              <a:rPr lang="en-US" dirty="0"/>
+              <a:t>(</a:t>
+            </a:r>
+            <a:r>
+              <a:rPr lang="en-US" dirty="0" err="1"/>
+              <a:t>hlavni</a:t>
+            </a:r>
+            <a:r>
+              <a:rPr lang="en-US" dirty="0"/>
+              <a:t> designer c# :-)) </a:t>
+            </a:r>
+            <a:r>
+              <a:rPr lang="en-US" dirty="0" err="1"/>
+              <a:t>první</a:t>
+            </a:r>
+            <a:r>
+              <a:rPr lang="en-US" dirty="0"/>
+              <a:t> </a:t>
+            </a:r>
+            <a:r>
+              <a:rPr lang="en-US" dirty="0" err="1"/>
+              <a:t>Velke</a:t>
+            </a:r>
+            <a:r>
+              <a:rPr lang="en-US" dirty="0"/>
+              <a:t> </a:t>
+            </a:r>
+            <a:r>
+              <a:rPr lang="en-US" dirty="0" err="1" smtClean="0"/>
+              <a:t>pismeno</a:t>
+            </a:r>
+            <a:r>
+              <a:rPr lang="cs-CZ" dirty="0" smtClean="0"/>
+              <a:t> </a:t>
+            </a:r>
+            <a:r>
+              <a:rPr lang="cs-CZ" dirty="0"/>
+              <a:t>viz </a:t>
+            </a:r>
+            <a:r>
+              <a:rPr lang="en-US" b="1" dirty="0" err="1"/>
+              <a:t>ToString</a:t>
+            </a:r>
+            <a:r>
+              <a:rPr lang="cs-CZ" b="1" dirty="0" smtClean="0"/>
+              <a:t>() </a:t>
+            </a:r>
+            <a:r>
+              <a:rPr lang="en-US" dirty="0" err="1" smtClean="0"/>
+              <a:t>jinak</a:t>
+            </a:r>
+            <a:r>
+              <a:rPr lang="en-US" dirty="0" smtClean="0"/>
+              <a:t> </a:t>
+            </a:r>
+            <a:r>
+              <a:rPr lang="en-US" dirty="0" err="1"/>
+              <a:t>stejny</a:t>
+            </a:r>
+            <a:r>
+              <a:rPr lang="en-US" dirty="0"/>
+              <a:t> </a:t>
+            </a:r>
+            <a:r>
+              <a:rPr lang="en-US" dirty="0" err="1"/>
+              <a:t>jako</a:t>
+            </a:r>
+            <a:r>
+              <a:rPr lang="en-US" dirty="0"/>
+              <a:t> u </a:t>
+            </a:r>
+            <a:r>
+              <a:rPr lang="en-US" dirty="0" err="1" smtClean="0"/>
+              <a:t>javy</a:t>
+            </a:r>
+            <a:endParaRPr lang="cs-CZ" dirty="0" smtClean="0"/>
+          </a:p>
           <a:p>
             <a:pPr fontAlgn="base"/>
-            <a:r>
-              <a:rPr lang="cs-CZ" dirty="0" err="1" smtClean="0"/>
-              <a:t>Class</a:t>
-            </a:r>
-            <a:r>
-              <a:rPr lang="cs-CZ" dirty="0" smtClean="0"/>
-              <a:t> dědí po </a:t>
-            </a:r>
-            <a:r>
-              <a:rPr lang="cs-CZ" dirty="0" err="1" smtClean="0"/>
-              <a:t>Object</a:t>
-            </a:r>
-            <a:endParaRPr lang="cs-CZ" dirty="0"/>
-          </a:p>
-          <a:p>
-            <a:pPr fontAlgn="base"/>
-            <a:r>
-              <a:rPr lang="cs-CZ" dirty="0" err="1" smtClean="0"/>
-              <a:t>Struct</a:t>
-            </a:r>
-            <a:r>
-              <a:rPr lang="cs-CZ" dirty="0" smtClean="0"/>
-              <a:t> dědí po </a:t>
-            </a:r>
-            <a:r>
-              <a:rPr lang="en-US" dirty="0" err="1" smtClean="0"/>
-              <a:t>ValueType</a:t>
-            </a:r>
-            <a:r>
-              <a:rPr lang="cs-CZ" dirty="0" smtClean="0"/>
-              <a:t> (neexistuje metoda </a:t>
-            </a:r>
-            <a:r>
-              <a:rPr lang="en-US" dirty="0" err="1" smtClean="0"/>
-              <a:t>GetType</a:t>
-            </a:r>
-            <a:r>
-              <a:rPr lang="cs-CZ" dirty="0" smtClean="0"/>
-              <a:t>(), destruktor a static metody </a:t>
-            </a:r>
-            <a:r>
-              <a:rPr lang="en-US" dirty="0" smtClean="0"/>
-              <a:t>Equals</a:t>
-            </a:r>
-            <a:endParaRPr lang="en-US" dirty="0"/>
-          </a:p>
-          <a:p>
-            <a:pPr fontAlgn="base"/>
-            <a:r>
-              <a:rPr lang="cs-CZ" dirty="0" smtClean="0"/>
-              <a:t>)</a:t>
-            </a:r>
-          </a:p>
-          <a:p>
-            <a:pPr fontAlgn="base"/>
-            <a:r>
-              <a:rPr lang="cs-CZ" b="1" dirty="0" err="1"/>
-              <a:t>string</a:t>
-            </a:r>
-            <a:r>
-              <a:rPr lang="cs-CZ" dirty="0"/>
-              <a:t> je alias k </a:t>
-            </a:r>
-            <a:r>
-              <a:rPr lang="cs-CZ" b="1" dirty="0" err="1"/>
-              <a:t>System.String</a:t>
-            </a:r>
-            <a:r>
-              <a:rPr lang="cs-CZ" b="1" dirty="0"/>
-              <a:t> </a:t>
-            </a:r>
-            <a:r>
-              <a:rPr lang="cs-CZ" dirty="0"/>
-              <a:t>je vždy </a:t>
-            </a:r>
-            <a:r>
-              <a:rPr lang="cs-CZ" dirty="0" err="1"/>
-              <a:t>immutable</a:t>
-            </a:r>
-            <a:r>
-              <a:rPr lang="cs-CZ" dirty="0"/>
-              <a:t> tzn. </a:t>
-            </a:r>
-            <a:r>
-              <a:rPr lang="cs-CZ" dirty="0" err="1"/>
-              <a:t>muze</a:t>
-            </a:r>
-            <a:r>
-              <a:rPr lang="cs-CZ" dirty="0"/>
-              <a:t> se </a:t>
-            </a:r>
-            <a:r>
-              <a:rPr lang="cs-CZ" dirty="0" err="1"/>
-              <a:t>pouzivat</a:t>
-            </a:r>
-            <a:r>
-              <a:rPr lang="cs-CZ" dirty="0"/>
-              <a:t> </a:t>
-            </a:r>
-            <a:r>
-              <a:rPr lang="cs-CZ" dirty="0" smtClean="0"/>
-              <a:t>==</a:t>
-            </a:r>
-          </a:p>
-          <a:p>
-            <a:pPr fontAlgn="base"/>
-            <a:r>
-              <a:rPr lang="cs-CZ" b="1" dirty="0" smtClean="0"/>
-              <a:t>@ </a:t>
-            </a:r>
-            <a:r>
-              <a:rPr lang="cs-CZ" dirty="0" err="1" smtClean="0"/>
-              <a:t>verbatim</a:t>
-            </a:r>
-            <a:r>
-              <a:rPr lang="cs-CZ" dirty="0" smtClean="0"/>
-              <a:t> </a:t>
-            </a:r>
-            <a:r>
-              <a:rPr lang="cs-CZ" dirty="0" err="1" smtClean="0"/>
-              <a:t>string</a:t>
-            </a:r>
-            <a:endParaRPr lang="cs-CZ" dirty="0"/>
-          </a:p>
-          <a:p>
-            <a:pPr fontAlgn="base"/>
-            <a:r>
-              <a:rPr lang="cs-CZ" b="1" dirty="0" err="1"/>
-              <a:t>ToString</a:t>
-            </a:r>
-            <a:r>
-              <a:rPr lang="cs-CZ" dirty="0"/>
-              <a:t>() </a:t>
-            </a:r>
-            <a:r>
-              <a:rPr lang="cs-CZ" b="1" dirty="0" smtClean="0">
-                <a:solidFill>
-                  <a:srgbClr val="FF0000"/>
-                </a:solidFill>
-              </a:rPr>
-              <a:t>pozor double </a:t>
-            </a:r>
-            <a:r>
-              <a:rPr lang="cs-CZ" b="1" dirty="0" err="1" smtClean="0">
-                <a:solidFill>
-                  <a:srgbClr val="FF0000"/>
-                </a:solidFill>
-              </a:rPr>
-              <a:t>apod</a:t>
-            </a:r>
-            <a:r>
-              <a:rPr lang="cs-CZ" b="1" dirty="0" smtClean="0">
-                <a:solidFill>
-                  <a:srgbClr val="FF0000"/>
-                </a:solidFill>
-              </a:rPr>
-              <a:t> </a:t>
-            </a:r>
-            <a:r>
-              <a:rPr lang="en-US" b="1" dirty="0" err="1" smtClean="0">
-                <a:solidFill>
-                  <a:srgbClr val="FF0000"/>
-                </a:solidFill>
-              </a:rPr>
-              <a:t>závislý</a:t>
-            </a:r>
-            <a:r>
-              <a:rPr lang="en-US" b="1" dirty="0" smtClean="0">
-                <a:solidFill>
-                  <a:srgbClr val="FF0000"/>
-                </a:solidFill>
-              </a:rPr>
-              <a:t> </a:t>
-            </a:r>
-            <a:r>
-              <a:rPr lang="en-US" b="1" dirty="0" err="1">
-                <a:solidFill>
-                  <a:srgbClr val="FF0000"/>
-                </a:solidFill>
-              </a:rPr>
-              <a:t>na</a:t>
-            </a:r>
-            <a:r>
-              <a:rPr lang="en-US" b="1" dirty="0">
-                <a:solidFill>
-                  <a:srgbClr val="FF0000"/>
-                </a:solidFill>
-              </a:rPr>
-              <a:t> local </a:t>
-            </a:r>
-            <a:r>
-              <a:rPr lang="en-US" b="1" dirty="0" err="1">
-                <a:solidFill>
-                  <a:srgbClr val="FF0000"/>
-                </a:solidFill>
-              </a:rPr>
-              <a:t>nastavení</a:t>
-            </a:r>
-            <a:r>
-              <a:rPr lang="en-US" b="1" dirty="0">
-                <a:solidFill>
-                  <a:srgbClr val="FF0000"/>
-                </a:solidFill>
-              </a:rPr>
-              <a:t> </a:t>
-            </a:r>
-            <a:r>
-              <a:rPr lang="en-US" b="1" dirty="0" err="1">
-                <a:solidFill>
-                  <a:srgbClr val="FF0000"/>
-                </a:solidFill>
-              </a:rPr>
-              <a:t>počítače</a:t>
-            </a:r>
-            <a:r>
-              <a:rPr lang="en-US" b="1" dirty="0">
-                <a:solidFill>
-                  <a:srgbClr val="FF0000"/>
-                </a:solidFill>
-              </a:rPr>
-              <a:t> -&gt; </a:t>
-            </a:r>
-            <a:r>
-              <a:rPr lang="en-US" b="1" dirty="0" err="1">
-                <a:solidFill>
-                  <a:srgbClr val="FF0000"/>
-                </a:solidFill>
-              </a:rPr>
-              <a:t>doporucuju</a:t>
-            </a:r>
-            <a:r>
-              <a:rPr lang="en-US" b="1" dirty="0">
-                <a:solidFill>
-                  <a:srgbClr val="FF0000"/>
-                </a:solidFill>
-              </a:rPr>
-              <a:t> </a:t>
-            </a:r>
-            <a:r>
-              <a:rPr lang="en-US" b="1" dirty="0" err="1">
-                <a:solidFill>
-                  <a:srgbClr val="FF0000"/>
-                </a:solidFill>
-              </a:rPr>
-              <a:t>si</a:t>
-            </a:r>
-            <a:r>
-              <a:rPr lang="en-US" b="1" dirty="0">
-                <a:solidFill>
-                  <a:srgbClr val="FF0000"/>
-                </a:solidFill>
-              </a:rPr>
-              <a:t> </a:t>
-            </a:r>
-            <a:r>
-              <a:rPr lang="en-US" b="1" dirty="0" err="1">
-                <a:solidFill>
-                  <a:srgbClr val="FF0000"/>
-                </a:solidFill>
-              </a:rPr>
-              <a:t>napsat</a:t>
-            </a:r>
-            <a:r>
-              <a:rPr lang="en-US" b="1" dirty="0">
-                <a:solidFill>
-                  <a:srgbClr val="FF0000"/>
-                </a:solidFill>
-              </a:rPr>
-              <a:t> extension static </a:t>
-            </a:r>
-            <a:r>
-              <a:rPr lang="en-US" b="1" dirty="0" err="1">
-                <a:solidFill>
-                  <a:srgbClr val="FF0000"/>
-                </a:solidFill>
-              </a:rPr>
-              <a:t>metody</a:t>
-            </a:r>
-            <a:r>
-              <a:rPr lang="en-US" b="1" dirty="0">
-                <a:solidFill>
-                  <a:srgbClr val="FF0000"/>
-                </a:solidFill>
-              </a:rPr>
-              <a:t> </a:t>
-            </a:r>
-            <a:r>
-              <a:rPr lang="en-US" b="1" dirty="0" err="1">
-                <a:solidFill>
-                  <a:srgbClr val="FF0000"/>
-                </a:solidFill>
-              </a:rPr>
-              <a:t>MoneyToString</a:t>
-            </a:r>
-            <a:r>
-              <a:rPr lang="en-US" b="1" dirty="0">
-                <a:solidFill>
-                  <a:srgbClr val="FF0000"/>
-                </a:solidFill>
-              </a:rPr>
-              <a:t>() </a:t>
-            </a:r>
-            <a:r>
-              <a:rPr lang="en-US" b="1" dirty="0" err="1">
-                <a:solidFill>
-                  <a:srgbClr val="FF0000"/>
-                </a:solidFill>
-              </a:rPr>
-              <a:t>apod</a:t>
-            </a:r>
-            <a:r>
-              <a:rPr lang="en-US" b="1" dirty="0">
-                <a:solidFill>
-                  <a:srgbClr val="FF0000"/>
-                </a:solidFill>
-              </a:rPr>
-              <a:t>. </a:t>
-            </a:r>
-            <a:r>
-              <a:rPr lang="en-US" b="1" dirty="0" err="1">
-                <a:solidFill>
-                  <a:srgbClr val="FF0000"/>
-                </a:solidFill>
-              </a:rPr>
-              <a:t>viz</a:t>
-            </a:r>
-            <a:r>
-              <a:rPr lang="en-US" b="1" dirty="0">
-                <a:solidFill>
-                  <a:srgbClr val="FF0000"/>
-                </a:solidFill>
-              </a:rPr>
-              <a:t> </a:t>
-            </a:r>
-            <a:r>
-              <a:rPr lang="en-US" b="1" dirty="0" err="1">
-                <a:solidFill>
-                  <a:srgbClr val="FF0000"/>
-                </a:solidFill>
-              </a:rPr>
-              <a:t>priklad</a:t>
-            </a:r>
-            <a:r>
-              <a:rPr lang="en-US" b="1" dirty="0">
-                <a:solidFill>
-                  <a:srgbClr val="FF0000"/>
-                </a:solidFill>
-              </a:rPr>
-              <a:t> </a:t>
-            </a:r>
-            <a:r>
-              <a:rPr lang="en-US" b="1" dirty="0" err="1">
-                <a:solidFill>
-                  <a:srgbClr val="FF0000"/>
-                </a:solidFill>
-              </a:rPr>
-              <a:t>TestToStringCulture.cs</a:t>
-            </a:r>
-            <a:endParaRPr lang="cs-CZ" b="1" dirty="0">
-              <a:solidFill>
-                <a:srgbClr val="FF0000"/>
-              </a:solidFill>
-            </a:endParaRPr>
-          </a:p>
-          <a:p>
-            <a:pPr fontAlgn="base"/>
-            <a:endParaRPr lang="en-US" dirty="0"/>
-          </a:p>
-          <a:p>
-            <a:pPr marL="0" indent="0" fontAlgn="base">
-              <a:buNone/>
-            </a:pPr>
             <a:endParaRPr lang="en-US" dirty="0"/>
           </a:p>
           <a:p>
@@ -10895,7 +10784,7 @@
     </p:custDataLst>
     <p:extLst>
       <p:ext uri="{BB962C8B-B14F-4D97-AF65-F5344CB8AC3E}">
-        <p14:creationId xmlns:p14="http://schemas.microsoft.com/office/powerpoint/2010/main" val="375692060"/>
+        <p14:creationId xmlns:p14="http://schemas.microsoft.com/office/powerpoint/2010/main" val="4047036011"/>
       </p:ext>
     </p:extLst>
   </p:cSld>
@@ -10947,12 +10836,22 @@
         </p:nvSpPr>
         <p:spPr/>
         <p:txBody>
-          <a:bodyPr/>
+          <a:bodyPr>
+            <a:normAutofit/>
+          </a:bodyPr>
           <a:lstStyle/>
           <a:p>
             <a:r>
-              <a:rPr lang="cs-CZ" dirty="0" smtClean="0"/>
-              <a:t>Kolekce</a:t>
+              <a:rPr lang="cs-CZ" dirty="0" err="1" smtClean="0"/>
+              <a:t>Object</a:t>
+            </a:r>
+            <a:r>
+              <a:rPr lang="cs-CZ" dirty="0" smtClean="0"/>
+              <a:t> a </a:t>
+            </a:r>
+            <a:r>
+              <a:rPr lang="en-US" dirty="0" err="1" smtClean="0"/>
+              <a:t>ValueType</a:t>
             </a:r>
             <a:endParaRPr lang="en-US" dirty="0"/>
           </a:p>
@@ -10974,160 +10873,383 @@
         <p:spPr/>
         <p:txBody>
           <a:bodyPr>
-            <a:normAutofit/>
+            <a:normAutofit fontScale="85000" lnSpcReduction="20000"/>
           </a:bodyPr>
           <a:lstStyle/>
           <a:p>
             <a:pPr fontAlgn="base"/>
             <a:r>
-              <a:rPr lang="cs-CZ" dirty="0" smtClean="0"/>
-              <a:t>K</a:t>
+              <a:rPr lang="cs-CZ" dirty="0" err="1" smtClean="0"/>
+              <a:t>Class</a:t>
+            </a:r>
+            <a:r>
+              <a:rPr lang="cs-CZ" dirty="0" smtClean="0"/>
+              <a:t> dědí po </a:t>
+            </a:r>
+            <a:r>
+              <a:rPr lang="cs-CZ" dirty="0" err="1" smtClean="0"/>
+              <a:t>Object</a:t>
+            </a:r>
+            <a:endParaRPr lang="cs-CZ" dirty="0"/>
+          </a:p>
+          <a:p>
+            <a:pPr fontAlgn="base"/>
+            <a:r>
+              <a:rPr lang="cs-CZ" dirty="0" err="1" smtClean="0"/>
+              <a:t>Struct</a:t>
+            </a:r>
+            <a:r>
+              <a:rPr lang="cs-CZ" dirty="0" smtClean="0"/>
+              <a:t> dědí po </a:t>
             </a:r>
             <a:r>
               <a:rPr lang="en-US" dirty="0" err="1" smtClean="0"/>
-              <a:t>olekce</a:t>
-            </a:r>
-            <a:r>
-              <a:rPr lang="en-US" dirty="0" smtClean="0"/>
-              <a:t> z</a:t>
-            </a:r>
-            <a:r>
-              <a:rPr lang="cs-CZ" dirty="0" smtClean="0"/>
-              <a:t>e</a:t>
-            </a:r>
-            <a:r>
-              <a:rPr lang="en-US" dirty="0" smtClean="0"/>
+              <a:t>ValueType</a:t>
+            </a:r>
+            <a:r>
+              <a:rPr lang="cs-CZ" dirty="0" smtClean="0"/>
+              <a:t> (neexistuje metoda </a:t>
+            </a:r>
+            <a:r>
+              <a:rPr lang="en-US" dirty="0" err="1" smtClean="0"/>
+              <a:t>GetType</a:t>
+            </a:r>
+            <a:r>
+              <a:rPr lang="cs-CZ" dirty="0" smtClean="0"/>
+              <a:t>(), destruktor a static metody </a:t>
+            </a:r>
+            <a:r>
+              <a:rPr lang="en-US" dirty="0" smtClean="0"/>
+              <a:t>Equals</a:t>
+            </a:r>
+            <a:endParaRPr lang="en-US" dirty="0"/>
+          </a:p>
+          <a:p>
+            <a:pPr fontAlgn="base"/>
+            <a:r>
+              <a:rPr lang="cs-CZ" dirty="0" smtClean="0"/>
+              <a:t>)</a:t>
+            </a:r>
+          </a:p>
+          <a:p>
+            <a:pPr fontAlgn="base"/>
+            <a:r>
+              <a:rPr lang="cs-CZ" b="1" dirty="0" err="1"/>
+              <a:t>string</a:t>
+            </a:r>
+            <a:r>
+              <a:rPr lang="cs-CZ" dirty="0"/>
+              <a:t> je alias k </a:t>
+            </a:r>
+            <a:r>
+              <a:rPr lang="cs-CZ" b="1" dirty="0" err="1"/>
+              <a:t>System.String</a:t>
+            </a:r>
+            <a:r>
+              <a:rPr lang="cs-CZ" b="1" dirty="0"/>
               <a:t> </a:t>
             </a:r>
             <a:r>
-              <a:rPr lang="en-US" dirty="0" err="1"/>
-              <a:t>dvou</a:t>
-            </a:r>
-            <a:r>
-              <a:rPr lang="en-US" dirty="0"/>
-              <a:t> namespace </a:t>
-            </a:r>
-            <a:r>
-              <a:rPr lang="en-US" b="1" dirty="0" err="1"/>
-              <a:t>System.Collections</a:t>
-            </a:r>
-            <a:r>
-              <a:rPr lang="en-US" dirty="0"/>
-              <a:t> a </a:t>
-            </a:r>
-            <a:r>
-              <a:rPr lang="en-US" b="1" dirty="0" err="1"/>
-              <a:t>System.Collections.Generic</a:t>
-            </a:r>
-            <a:r>
-              <a:rPr lang="en-US" dirty="0"/>
+              <a:rPr lang="cs-CZ" dirty="0"/>
+              <a:t>je vždy </a:t>
+            </a:r>
+            <a:r>
+              <a:rPr lang="cs-CZ" dirty="0" err="1"/>
+              <a:t>immutable</a:t>
+            </a:r>
+            <a:r>
+              <a:rPr lang="cs-CZ" dirty="0"/>
+              <a:t> tzn. </a:t>
+            </a:r>
+            <a:r>
+              <a:rPr lang="cs-CZ" dirty="0" err="1"/>
+              <a:t>muze</a:t>
+            </a:r>
+            <a:r>
+              <a:rPr lang="cs-CZ" dirty="0"/>
+              <a:t> se </a:t>
+            </a:r>
+            <a:r>
+              <a:rPr lang="cs-CZ" dirty="0" err="1"/>
+              <a:t>pouzivat</a:t>
+            </a:r>
+            <a:r>
+              <a:rPr lang="cs-CZ" dirty="0"/>
               <a:t> </a:t>
             </a:r>
-            <a:endParaRPr lang="cs-CZ" dirty="0" smtClean="0"/>
+            <a:r>
+              <a:rPr lang="cs-CZ" dirty="0" smtClean="0"/>
+              <a:t>==</a:t>
+            </a:r>
           </a:p>
           <a:p>
             <a:pPr fontAlgn="base"/>
             <a:r>
-              <a:rPr lang="en-US" dirty="0" err="1" smtClean="0"/>
-              <a:t>pouzivat</a:t>
-            </a:r>
-            <a:r>
-              <a:rPr lang="en-US" dirty="0" smtClean="0"/>
+              <a:rPr lang="cs-CZ" b="1" dirty="0" smtClean="0"/>
+              <a:t>@ </a:t>
+            </a:r>
+            <a:r>
+              <a:rPr lang="cs-CZ" dirty="0" err="1" smtClean="0"/>
+              <a:t>verbatim</a:t>
+            </a:r>
+            <a:r>
+              <a:rPr lang="cs-CZ" dirty="0" smtClean="0"/>
               <a:t> </a:t>
             </a:r>
             <a:r>
-              <a:rPr lang="en-US" dirty="0" err="1"/>
-              <a:t>misto</a:t>
-            </a:r>
-            <a:r>
-              <a:rPr lang="en-US" dirty="0"/>
+              <a:rPr lang="cs-CZ" dirty="0" err="1" smtClean="0"/>
+              <a:t>string</a:t>
+            </a:r>
+            <a:endParaRPr lang="cs-CZ" dirty="0"/>
+          </a:p>
+          <a:p>
+            <a:pPr fontAlgn="base"/>
+            <a:r>
+              <a:rPr lang="cs-CZ" b="1" dirty="0" err="1"/>
+              <a:t>ToString</a:t>
+            </a:r>
+            <a:r>
+              <a:rPr lang="cs-CZ" dirty="0"/>
+              <a:t>() </a:t>
+            </a:r>
+            <a:r>
+              <a:rPr lang="cs-CZ" b="1" dirty="0" smtClean="0">
+                <a:solidFill>
+                  <a:srgbClr val="FF0000"/>
+                </a:solidFill>
+              </a:rPr>
+              <a:t>pozor double </a:t>
+            </a:r>
+            <a:r>
+              <a:rPr lang="cs-CZ" b="1" dirty="0" err="1" smtClean="0">
+                <a:solidFill>
+                  <a:srgbClr val="FF0000"/>
+                </a:solidFill>
+              </a:rPr>
+              <a:t>apod</a:t>
+            </a:r>
+            <a:r>
+              <a:rPr lang="cs-CZ" b="1" dirty="0" smtClean="0">
+                <a:solidFill>
+                  <a:srgbClr val="FF0000"/>
+                </a:solidFill>
+              </a:rPr>
               <a:t> </a:t>
             </a:r>
             <a:r>
-              <a:rPr lang="en-US" dirty="0" err="1"/>
-              <a:t>ICollection</a:t>
-            </a:r>
-            <a:r>
-              <a:rPr lang="en-US" dirty="0"/>
+              <a:rPr lang="en-US" b="1" dirty="0" err="1" smtClean="0">
+                <a:solidFill>
+                  <a:srgbClr val="FF0000"/>
+                </a:solidFill>
+              </a:rPr>
+              <a:t>závislý</a:t>
+            </a:r>
+            <a:r>
+              <a:rPr lang="en-US" b="1" dirty="0" smtClean="0">
+                <a:solidFill>
+                  <a:srgbClr val="FF0000"/>
+                </a:solidFill>
+              </a:rPr>
               <a:t> </a:t>
             </a:r>
             <a:r>
-              <a:rPr lang="en-US" dirty="0" err="1"/>
-              <a:t>nebo</a:t>
-            </a:r>
-            <a:r>
-              <a:rPr lang="en-US" dirty="0"/>
+              <a:rPr lang="en-US" b="1" dirty="0" err="1">
+                <a:solidFill>
+                  <a:srgbClr val="FF0000"/>
+                </a:solidFill>
+              </a:rPr>
+              <a:t>na</a:t>
+            </a:r>
+            <a:r>
+              <a:rPr lang="en-US" b="1" dirty="0">
+                <a:solidFill>
+                  <a:srgbClr val="FF0000"/>
+                </a:solidFill>
+              </a:rPr>
+              <a:t> local </a:t>
+            </a:r>
+            <a:r>
+              <a:rPr lang="en-US" b="1" dirty="0" err="1">
+                <a:solidFill>
+                  <a:srgbClr val="FF0000"/>
+                </a:solidFill>
+              </a:rPr>
+              <a:t>nastavení</a:t>
+            </a:r>
+            <a:r>
+              <a:rPr lang="en-US" b="1" dirty="0">
+                <a:solidFill>
+                  <a:srgbClr val="FF0000"/>
+                </a:solidFill>
+              </a:rPr>
               <a:t> </a:t>
             </a:r>
             <a:r>
-              <a:rPr lang="en-US" dirty="0" err="1"/>
-              <a:t>IList</a:t>
-            </a:r>
-            <a:r>
-              <a:rPr lang="en-US" dirty="0"/>
+              <a:rPr lang="en-US" b="1" dirty="0" err="1">
+                <a:solidFill>
+                  <a:srgbClr val="FF0000"/>
+                </a:solidFill>
+              </a:rPr>
+              <a:t>počítače</a:t>
+            </a:r>
+            <a:r>
+              <a:rPr lang="en-US" b="1" dirty="0">
+                <a:solidFill>
+                  <a:srgbClr val="FF0000"/>
+                </a:solidFill>
+              </a:rPr>
+              <a:t> -&gt; </a:t>
+            </a:r>
+            <a:r>
+              <a:rPr lang="en-US" b="1" dirty="0" err="1">
+                <a:solidFill>
+                  <a:srgbClr val="FF0000"/>
+                </a:solidFill>
+              </a:rPr>
+              <a:t>doporucuju</a:t>
+            </a:r>
+            <a:r>
+              <a:rPr lang="en-US" b="1" dirty="0">
+                <a:solidFill>
+                  <a:srgbClr val="FF0000"/>
+                </a:solidFill>
+              </a:rPr>
               <a:t> </a:t>
             </a:r>
             <a:r>
-              <a:rPr lang="cs-CZ" b="1" dirty="0" smtClean="0"/>
-              <a:t>IE</a:t>
-            </a:r>
-            <a:r>
-              <a:rPr lang="en-US" b="1" dirty="0" smtClean="0"/>
-              <a:t>numerable</a:t>
-            </a:r>
-            <a:r>
-              <a:rPr lang="cs-CZ" b="1" dirty="0" smtClean="0"/>
-              <a:t>&lt;&gt;</a:t>
-            </a:r>
+              <a:rPr lang="en-US" b="1" dirty="0" err="1">
+                <a:solidFill>
+                  <a:srgbClr val="FF0000"/>
+                </a:solidFill>
+              </a:rPr>
+              <a:t>si</a:t>
+            </a:r>
+            <a:r>
+              <a:rPr lang="en-US" b="1" dirty="0">
+                <a:solidFill>
+                  <a:srgbClr val="FF0000"/>
+                </a:solidFill>
+              </a:rPr>
+              <a:t> </a:t>
+            </a:r>
+            <a:r>
+              <a:rPr lang="en-US" b="1" dirty="0" err="1">
+                <a:solidFill>
+                  <a:srgbClr val="FF0000"/>
+                </a:solidFill>
+              </a:rPr>
+              <a:t>napsat</a:t>
+            </a:r>
+            <a:r>
+              <a:rPr lang="en-US" b="1" dirty="0">
+                <a:solidFill>
+                  <a:srgbClr val="FF0000"/>
+                </a:solidFill>
+              </a:rPr>
+              <a:t> extension static </a:t>
+            </a:r>
+            <a:r>
+              <a:rPr lang="en-US" b="1" dirty="0" err="1">
+                <a:solidFill>
+                  <a:srgbClr val="FF0000"/>
+                </a:solidFill>
+              </a:rPr>
+              <a:t>metody</a:t>
+            </a:r>
+            <a:r>
+              <a:rPr lang="en-US" b="1" dirty="0">
+                <a:solidFill>
+                  <a:srgbClr val="FF0000"/>
+                </a:solidFill>
+              </a:rPr>
+              <a:t> </a:t>
+            </a:r>
+            <a:r>
+              <a:rPr lang="en-US" b="1" dirty="0" err="1">
+                <a:solidFill>
+                  <a:srgbClr val="FF0000"/>
+                </a:solidFill>
+              </a:rPr>
+              <a:t>MoneyToString</a:t>
+            </a:r>
+            <a:r>
+              <a:rPr lang="en-US" b="1" dirty="0">
+                <a:solidFill>
+                  <a:srgbClr val="FF0000"/>
+                </a:solidFill>
+              </a:rPr>
+              <a:t>() </a:t>
+            </a:r>
+            <a:r>
+              <a:rPr lang="en-US" b="1" dirty="0" err="1">
+                <a:solidFill>
+                  <a:srgbClr val="FF0000"/>
+                </a:solidFill>
+              </a:rPr>
+              <a:t>apod</a:t>
+            </a:r>
+            <a:r>
+              <a:rPr lang="en-US" b="1" dirty="0">
+                <a:solidFill>
+                  <a:srgbClr val="FF0000"/>
+                </a:solidFill>
+              </a:rPr>
+              <a:t>. </a:t>
+            </a:r>
+            <a:r>
+              <a:rPr lang="en-US" b="1" dirty="0" err="1">
+                <a:solidFill>
+                  <a:srgbClr val="FF0000"/>
+                </a:solidFill>
+              </a:rPr>
+              <a:t>viz</a:t>
+            </a:r>
+            <a:r>
+              <a:rPr lang="en-US" b="1" dirty="0">
+                <a:solidFill>
+                  <a:srgbClr val="FF0000"/>
+                </a:solidFill>
+              </a:rPr>
+              <a:t> </a:t>
+            </a:r>
+            <a:r>
+              <a:rPr lang="en-US" b="1" dirty="0" err="1">
+                <a:solidFill>
+                  <a:srgbClr val="FF0000"/>
+                </a:solidFill>
+              </a:rPr>
+              <a:t>priklad</a:t>
+            </a:r>
+            <a:r>
+              <a:rPr lang="en-US" b="1" dirty="0">
+                <a:solidFill>
+                  <a:srgbClr val="FF0000"/>
+                </a:solidFill>
+              </a:rPr>
+              <a:t> </a:t>
+            </a:r>
+            <a:r>
+              <a:rPr lang="en-US" b="1" dirty="0" err="1">
+                <a:solidFill>
+                  <a:srgbClr val="FF0000"/>
+                </a:solidFill>
+              </a:rPr>
+              <a:t>TestToStringCulture.cs</a:t>
+            </a:r>
+            <a:endParaRPr lang="cs-CZ" b="1" dirty="0">
+              <a:solidFill>
+                <a:srgbClr val="FF0000"/>
+              </a:solidFill>
+            </a:endParaRPr>
           </a:p>
           <a:p>
             <a:pPr fontAlgn="base"/>
-            <a:r>
-              <a:rPr lang="cs-CZ" dirty="0" smtClean="0"/>
-              <a:t>Místo mapy je </a:t>
-            </a:r>
-            <a:r>
-              <a:rPr lang="cs-CZ" dirty="0" err="1" smtClean="0"/>
-              <a:t>IDictionary</a:t>
-            </a:r>
-            <a:r>
-              <a:rPr lang="cs-CZ" dirty="0" smtClean="0"/>
-              <a:t>&lt;,&gt;</a:t>
-            </a:r>
-          </a:p>
-          <a:p>
-            <a:pPr fontAlgn="base"/>
-            <a:r>
-              <a:rPr lang="cs-CZ" dirty="0" smtClean="0"/>
-              <a:t>Do kolekce lze </a:t>
-            </a:r>
-            <a:r>
-              <a:rPr lang="cs-CZ" dirty="0" err="1" smtClean="0"/>
-              <a:t>vkladat</a:t>
-            </a:r>
-            <a:r>
-              <a:rPr lang="cs-CZ" dirty="0" smtClean="0"/>
-              <a:t> </a:t>
-            </a:r>
-            <a:r>
-              <a:rPr lang="cs-CZ" dirty="0" err="1" smtClean="0"/>
-              <a:t>struct</a:t>
-            </a:r>
-            <a:r>
-              <a:rPr lang="cs-CZ" dirty="0" smtClean="0"/>
-              <a:t> tzn. </a:t>
-            </a:r>
-            <a:r>
-              <a:rPr lang="cs-CZ" dirty="0" err="1" smtClean="0"/>
-              <a:t>int</a:t>
-            </a:r>
-            <a:r>
-              <a:rPr lang="cs-CZ" dirty="0" smtClean="0"/>
-              <a:t> apod.</a:t>
-            </a:r>
-          </a:p>
-          <a:p>
-            <a:pPr fontAlgn="base"/>
+            <a:endParaRPr lang="en-US" dirty="0"/>
+          </a:p>
+          <a:p>
+            <a:pPr marL="0" indent="0" fontAlgn="base">
+              <a:buNone/>
+            </a:pPr>
             <a:endParaRPr lang="en-US" dirty="0"/>
           </a:p>
           <a:p>
@@ -11146,7 +11268,7 @@
     </p:custDataLst>
     <p:extLst>
       <p:ext uri="{BB962C8B-B14F-4D97-AF65-F5344CB8AC3E}">
-        <p14:creationId xmlns:p14="http://schemas.microsoft.com/office/powerpoint/2010/main" val="2224911890"/>
+        <p14:creationId xmlns:p14="http://schemas.microsoft.com/office/powerpoint/2010/main" val="375692060"/>
       </p:ext>
     </p:extLst>
   </p:cSld>
@@ -11202,6 +11324,279 @@
           <a:lstStyle/>
           <a:p>
             <a:r>
+              <a:rPr lang="cs-CZ" dirty="0" smtClean="0"/>
+              <a:t>Kolekce</a:t>
+            </a:r>
+            <a:endParaRPr lang="en-US" dirty="0"/>
+          </a:p>
+        </p:txBody>
+      </p:sp>
+      <p:sp>
+        <p:nvSpPr>
+          <p:cNvPr id="5" name="Content Placeholder 4"/>
+          <p:cNvSpPr>
+            <a:spLocks noGrp="1"/>
+          </p:cNvSpPr>
+          <p:nvPr>
+            <p:ph idx="1"/>
+            <p:custDataLst>
+              <p:tags r:id="rId3"/>
+            </p:custDataLst>
+          </p:nvPr>
+        </p:nvSpPr>
+        <p:spPr/>
+        <p:txBody>
+          <a:bodyPr>
+            <a:normAutofit lnSpcReduction="10000"/>
+          </a:bodyPr>
+          <a:lstStyle/>
+          <a:p>
+            <a:pPr fontAlgn="base"/>
+            <a:r>
+              <a:rPr lang="cs-CZ" dirty="0" smtClean="0"/>
+              <a:t>K</a:t>
+            </a:r>
+            <a:r>
+              <a:rPr lang="en-US" dirty="0" err="1" smtClean="0"/>
+              <a:t>olekce</a:t>
+            </a:r>
+            <a:r>
+              <a:rPr lang="en-US" dirty="0" smtClean="0"/>
+              <a:t> z</a:t>
+            </a:r>
+            <a:r>
+              <a:rPr lang="cs-CZ" dirty="0" smtClean="0"/>
+              <a:t>e</a:t>
+            </a:r>
+            <a:r>
+              <a:rPr lang="en-US" dirty="0" smtClean="0"/>
+              <a:t> </a:t>
+            </a:r>
+            <a:r>
+              <a:rPr lang="en-US" dirty="0" err="1"/>
+              <a:t>dvou</a:t>
+            </a:r>
+            <a:r>
+              <a:rPr lang="en-US" dirty="0"/>
+              <a:t> namespace </a:t>
+            </a:r>
+            <a:r>
+              <a:rPr lang="en-US" b="1" dirty="0" err="1"/>
+              <a:t>System.Collections</a:t>
+            </a:r>
+            <a:r>
+              <a:rPr lang="en-US" dirty="0"/>
+              <a:t> a </a:t>
+            </a:r>
+            <a:r>
+              <a:rPr lang="en-US" b="1" dirty="0" err="1"/>
+              <a:t>System.Collections.Generic</a:t>
+            </a:r>
+            <a:r>
+              <a:rPr lang="en-US" dirty="0"/>
+              <a:t> </a:t>
+            </a:r>
+            <a:endParaRPr lang="cs-CZ" dirty="0" smtClean="0"/>
+          </a:p>
+          <a:p>
+            <a:pPr fontAlgn="base"/>
+            <a:r>
+              <a:rPr lang="en-US" dirty="0" err="1" smtClean="0"/>
+              <a:t>pouzivat</a:t>
+            </a:r>
+            <a:r>
+              <a:rPr lang="en-US" dirty="0" smtClean="0"/>
+              <a:t> </a:t>
+            </a:r>
+            <a:r>
+              <a:rPr lang="en-US" dirty="0" err="1"/>
+              <a:t>misto</a:t>
+            </a:r>
+            <a:r>
+              <a:rPr lang="en-US" dirty="0"/>
+              <a:t> </a:t>
+            </a:r>
+            <a:r>
+              <a:rPr lang="en-US" dirty="0" err="1"/>
+              <a:t>ICollection</a:t>
+            </a:r>
+            <a:r>
+              <a:rPr lang="en-US" dirty="0"/>
+              <a:t> </a:t>
+            </a:r>
+            <a:r>
+              <a:rPr lang="en-US" dirty="0" err="1"/>
+              <a:t>nebo</a:t>
+            </a:r>
+            <a:r>
+              <a:rPr lang="en-US" dirty="0"/>
+              <a:t> </a:t>
+            </a:r>
+            <a:r>
+              <a:rPr lang="en-US" dirty="0" err="1"/>
+              <a:t>IList</a:t>
+            </a:r>
+            <a:r>
+              <a:rPr lang="en-US" dirty="0"/>
+              <a:t> </a:t>
+            </a:r>
+            <a:r>
+              <a:rPr lang="cs-CZ" b="1" dirty="0" smtClean="0"/>
+              <a:t>IE</a:t>
+            </a:r>
+            <a:r>
+              <a:rPr lang="en-US" b="1" dirty="0" smtClean="0"/>
+              <a:t>numerable</a:t>
+            </a:r>
+            <a:r>
+              <a:rPr lang="cs-CZ" b="1" dirty="0" smtClean="0"/>
+              <a:t>&lt;&gt;</a:t>
+            </a:r>
+          </a:p>
+          <a:p>
+            <a:pPr fontAlgn="base"/>
+            <a:r>
+              <a:rPr lang="cs-CZ" dirty="0" smtClean="0"/>
+              <a:t>Místo mapy je </a:t>
+            </a:r>
+            <a:r>
+              <a:rPr lang="cs-CZ" dirty="0" err="1" smtClean="0"/>
+              <a:t>IDictionary</a:t>
+            </a:r>
+            <a:r>
+              <a:rPr lang="cs-CZ" dirty="0" smtClean="0"/>
+              <a:t>&lt;,&gt;</a:t>
+            </a:r>
+          </a:p>
+          <a:p>
+            <a:pPr fontAlgn="base"/>
+            <a:r>
+              <a:rPr lang="cs-CZ" dirty="0" smtClean="0"/>
+              <a:t>Do kolekce lze </a:t>
+            </a:r>
+            <a:r>
+              <a:rPr lang="cs-CZ" dirty="0" err="1" smtClean="0"/>
+              <a:t>vkladat</a:t>
+            </a:r>
+            <a:r>
+              <a:rPr lang="cs-CZ" dirty="0" smtClean="0"/>
+              <a:t> </a:t>
+            </a:r>
+            <a:r>
+              <a:rPr lang="cs-CZ" dirty="0" err="1" smtClean="0"/>
+              <a:t>struct</a:t>
+            </a:r>
+            <a:r>
+              <a:rPr lang="cs-CZ" dirty="0" smtClean="0"/>
+              <a:t> tzn. </a:t>
+            </a:r>
+            <a:r>
+              <a:rPr lang="cs-CZ" dirty="0" err="1" smtClean="0"/>
+              <a:t>int</a:t>
+            </a:r>
+            <a:r>
+              <a:rPr lang="cs-CZ" dirty="0" smtClean="0"/>
+              <a:t> apod.</a:t>
+            </a:r>
+          </a:p>
+          <a:p>
+            <a:pPr fontAlgn="base"/>
+            <a:r>
+              <a:rPr lang="en-US" b="1" dirty="0" smtClean="0"/>
+              <a:t>C5</a:t>
+            </a:r>
+            <a:r>
+              <a:rPr lang="cs-CZ" b="1" dirty="0" smtClean="0"/>
+              <a:t> </a:t>
+            </a:r>
+            <a:r>
+              <a:rPr lang="cs-CZ" dirty="0" err="1" smtClean="0"/>
+              <a:t>library</a:t>
+            </a:r>
+            <a:r>
+              <a:rPr lang="cs-CZ" dirty="0" smtClean="0"/>
+              <a:t> </a:t>
+            </a:r>
+            <a:r>
+              <a:rPr lang="en-US" dirty="0">
+                <a:hlinkClick r:id="rId6"/>
+              </a:rPr>
+              <a:t>http://www.itu.dk/research/c5/</a:t>
+            </a:r>
+            <a:endParaRPr lang="en-US" dirty="0"/>
+          </a:p>
+          <a:p>
+            <a:pPr fontAlgn="base"/>
+            <a:endParaRPr lang="pt-BR" dirty="0"/>
+          </a:p>
+          <a:p>
+            <a:pPr fontAlgn="base"/>
+            <a:endParaRPr lang="en-US" dirty="0"/>
+          </a:p>
+        </p:txBody>
+      </p:sp>
+    </p:spTree>
+    <p:custDataLst>
+      <p:tags r:id="rId1"/>
+    </p:custDataLst>
+    <p:extLst>
+      <p:ext uri="{BB962C8B-B14F-4D97-AF65-F5344CB8AC3E}">
+        <p14:creationId xmlns:p14="http://schemas.microsoft.com/office/powerpoint/2010/main" val="2224911890"/>
+      </p:ext>
+    </p:extLst>
+  </p:cSld>
+  <p:clrMapOvr>
+    <a:masterClrMapping/>
+  </p:clrMapOvr>
+  <p:transition spd="slow">
+    <p:wipe dir="d"/>
+  </p:transition>
+  <p:timing>
+    <p:tnLst>
+      <p:par>
+        <p:cTn id="1" dur="indefinite" restart="never" nodeType="tmRoot"/>
+      </p:par>
+    </p:tnLst>
+  </p:timing>
+</p:sld>
+</file>
+
+<file path=ppt/slides/slide23.xml><?xml version="1.0" encoding="utf-8"?>
+<p:sld xmlns:a="http://schemas.openxmlformats.org/drawingml/2006/main" xmlns:r="http://schemas.openxmlformats.org/officeDocument/2006/relationships" xmlns:p="http://schemas.openxmlformats.org/presentationml/2006/main">
+  <p:cSld>
+    <p:spTree>
+      <p:nvGrpSpPr>
+        <p:cNvPr id="1" name=""/>
+        <p:cNvGrpSpPr/>
+        <p:nvPr/>
+      </p:nvGrpSpPr>
+      <p:grpSpPr>
+        <a:xfrm>
+          <a:off x="0" y="0"/>
+          <a:ext cx="0" cy="0"/>
+          <a:chOff x="0" y="0"/>
+          <a:chExt cx="0" cy="0"/>
+        </a:xfrm>
+      </p:grpSpPr>
+      <p:sp>
+        <p:nvSpPr>
+          <p:cNvPr id="2" name="Title 1"/>
+          <p:cNvSpPr>
+            <a:spLocks noGrp="1"/>
+          </p:cNvSpPr>
+          <p:nvPr>
+            <p:ph type="title"/>
+            <p:custDataLst>
+              <p:tags r:id="rId2"/>
+            </p:custDataLst>
+          </p:nvPr>
+        </p:nvSpPr>
+        <p:spPr/>
+        <p:txBody>
+          <a:bodyPr/>
+          <a:lstStyle/>
+          <a:p>
+            <a:r>
               <a:rPr lang="cs-CZ" dirty="0"/>
               <a:t>Komunita</a:t>
             </a:r>
@@ -11311,7 +11706,7 @@
 </p:sld>
 </file>
 
-<file path=ppt/slides/slide23.xml><?xml version="1.0" encoding="utf-8"?>
+<file path=ppt/slides/slide24.xml><?xml version="1.0" encoding="utf-8"?>
 <p:sld xmlns:a="http://schemas.openxmlformats.org/drawingml/2006/main" xmlns:r="http://schemas.openxmlformats.org/officeDocument/2006/relationships" xmlns:p="http://schemas.openxmlformats.org/presentationml/2006/main">
   <p:cSld>
     <p:spTree>
@@ -11615,6 +12010,18 @@
               <a:rPr lang="cs-CZ" dirty="0" smtClean="0"/>
               <a:t>)  = SOA</a:t>
             </a:r>
+          </a:p>
+          <a:p>
+            <a:pPr fontAlgn="base"/>
+            <a:r>
+              <a:rPr lang="cs-CZ" dirty="0" smtClean="0"/>
+              <a:t>ADO.NET == </a:t>
+            </a:r>
+            <a:r>
+              <a:rPr lang="cs-CZ" dirty="0" err="1" smtClean="0"/>
+              <a:t>jdbc</a:t>
+            </a:r>
+            <a:endParaRPr lang="cs-CZ" dirty="0" smtClean="0"/>
           </a:p>
           <a:p>
             <a:pPr fontAlgn="base"/>
@@ -14723,19 +15130,37 @@
 
 <file path=ppt/tags/tag67.xml><?xml version="1.0" encoding="utf-8"?>
 <p:tagLst xmlns:a="http://schemas.openxmlformats.org/drawingml/2006/main" xmlns:r="http://schemas.openxmlformats.org/officeDocument/2006/relationships" xmlns:p="http://schemas.openxmlformats.org/presentationml/2006/main">
-  <p:tag name="DVSECTIONID" val="ezdaKHeWyBnZyZ2cDqRSoa"/>
+  <p:tag name="DVSECTIONID" val="QUq8QELArFIgadhH063fpq"/>
 </p:tagLst>
 </file>
 
 <file path=ppt/tags/tag68.xml><?xml version="1.0" encoding="utf-8"?>
 <p:tagLst xmlns:a="http://schemas.openxmlformats.org/drawingml/2006/main" xmlns:r="http://schemas.openxmlformats.org/officeDocument/2006/relationships" xmlns:p="http://schemas.openxmlformats.org/presentationml/2006/main">
-  <p:tag name="DVSHAPEID" val="LRMR96J2MVd0CGe2e5htjk"/>
+  <p:tag name="DVSHAPEID" val="InkrlxYPS4jAzciXk8ToAM"/>
+</p:tagLst>
+</file>
+
+<file path=ppt/tags/tag69.xml><?xml version="1.0" encoding="utf-8"?>
+<p:tagLst xmlns:a="http://schemas.openxmlformats.org/drawingml/2006/main" xmlns:r="http://schemas.openxmlformats.org/officeDocument/2006/relationships" xmlns:p="http://schemas.openxmlformats.org/presentationml/2006/main">
+  <p:tag name="DVSHAPEID" val="retnMj4SFfqbVIhVK0Rf83"/>
 </p:tagLst>
 </file>
 
 <file path=ppt/tags/tag7.xml><?xml version="1.0" encoding="utf-8"?>
 <p:tagLst xmlns:a="http://schemas.openxmlformats.org/drawingml/2006/main" xmlns:r="http://schemas.openxmlformats.org/officeDocument/2006/relationships" xmlns:p="http://schemas.openxmlformats.org/presentationml/2006/main">
   <p:tag name="DVSECTIONID" val="QUq8QELArFIgadhH063fpq"/>
+</p:tagLst>
+</file>
+
+<file path=ppt/tags/tag70.xml><?xml version="1.0" encoding="utf-8"?>
+<p:tagLst xmlns:a="http://schemas.openxmlformats.org/drawingml/2006/main" xmlns:r="http://schemas.openxmlformats.org/officeDocument/2006/relationships" xmlns:p="http://schemas.openxmlformats.org/presentationml/2006/main">
+  <p:tag name="DVSECTIONID" val="ezdaKHeWyBnZyZ2cDqRSoa"/>
+</p:tagLst>
+</file>
+
+<file path=ppt/tags/tag71.xml><?xml version="1.0" encoding="utf-8"?>
+<p:tagLst xmlns:a="http://schemas.openxmlformats.org/drawingml/2006/main" xmlns:r="http://schemas.openxmlformats.org/officeDocument/2006/relationships" xmlns:p="http://schemas.openxmlformats.org/presentationml/2006/main">
+  <p:tag name="DVSHAPEID" val="LRMR96J2MVd0CGe2e5htjk"/>
 </p:tagLst>
 </file>
 

--- a/prezentace.pptx
+++ b/prezentace.pptx
@@ -5,36 +5,37 @@
     <p:sldMasterId id="2147483648" r:id="rId1"/>
   </p:sldMasterIdLst>
   <p:notesMasterIdLst>
-    <p:notesMasterId r:id="rId26"/>
+    <p:notesMasterId r:id="rId27"/>
   </p:notesMasterIdLst>
   <p:handoutMasterIdLst>
-    <p:handoutMasterId r:id="rId27"/>
+    <p:handoutMasterId r:id="rId28"/>
   </p:handoutMasterIdLst>
   <p:sldIdLst>
     <p:sldId id="259" r:id="rId2"/>
     <p:sldId id="261" r:id="rId3"/>
     <p:sldId id="279" r:id="rId4"/>
     <p:sldId id="284" r:id="rId5"/>
-    <p:sldId id="278" r:id="rId6"/>
-    <p:sldId id="285" r:id="rId7"/>
-    <p:sldId id="287" r:id="rId8"/>
-    <p:sldId id="286" r:id="rId9"/>
-    <p:sldId id="288" r:id="rId10"/>
-    <p:sldId id="289" r:id="rId11"/>
-    <p:sldId id="290" r:id="rId12"/>
-    <p:sldId id="291" r:id="rId13"/>
-    <p:sldId id="293" r:id="rId14"/>
-    <p:sldId id="298" r:id="rId15"/>
-    <p:sldId id="294" r:id="rId16"/>
-    <p:sldId id="292" r:id="rId17"/>
-    <p:sldId id="295" r:id="rId18"/>
-    <p:sldId id="297" r:id="rId19"/>
-    <p:sldId id="281" r:id="rId20"/>
-    <p:sldId id="296" r:id="rId21"/>
-    <p:sldId id="282" r:id="rId22"/>
-    <p:sldId id="283" r:id="rId23"/>
-    <p:sldId id="280" r:id="rId24"/>
-    <p:sldId id="277" r:id="rId25"/>
+    <p:sldId id="299" r:id="rId6"/>
+    <p:sldId id="278" r:id="rId7"/>
+    <p:sldId id="285" r:id="rId8"/>
+    <p:sldId id="287" r:id="rId9"/>
+    <p:sldId id="286" r:id="rId10"/>
+    <p:sldId id="288" r:id="rId11"/>
+    <p:sldId id="289" r:id="rId12"/>
+    <p:sldId id="290" r:id="rId13"/>
+    <p:sldId id="291" r:id="rId14"/>
+    <p:sldId id="293" r:id="rId15"/>
+    <p:sldId id="298" r:id="rId16"/>
+    <p:sldId id="294" r:id="rId17"/>
+    <p:sldId id="292" r:id="rId18"/>
+    <p:sldId id="295" r:id="rId19"/>
+    <p:sldId id="297" r:id="rId20"/>
+    <p:sldId id="281" r:id="rId21"/>
+    <p:sldId id="296" r:id="rId22"/>
+    <p:sldId id="282" r:id="rId23"/>
+    <p:sldId id="283" r:id="rId24"/>
+    <p:sldId id="280" r:id="rId25"/>
+    <p:sldId id="277" r:id="rId26"/>
   </p:sldIdLst>
   <p:sldSz cx="9144000" cy="6858000" type="screen4x3"/>
   <p:notesSz cx="6858000" cy="9144000"/>
@@ -146,6 +147,7 @@
           <p14:sldIdLst>
             <p14:sldId id="279"/>
             <p14:sldId id="284"/>
+            <p14:sldId id="299"/>
           </p14:sldIdLst>
         </p14:section>
         <p14:section name="jazy c#" id="{95250048-6C11-4051-A114-82378B0D1E73}">
@@ -2822,6 +2824,129 @@
       </p:grpSpPr>
       <p:sp>
         <p:nvSpPr>
+          <p:cNvPr id="2" name="Slide Image Placeholder 1"/>
+          <p:cNvSpPr>
+            <a:spLocks noGrp="1" noRot="1" noChangeAspect="1"/>
+          </p:cNvSpPr>
+          <p:nvPr>
+            <p:ph type="sldImg"/>
+          </p:nvPr>
+        </p:nvSpPr>
+        <p:spPr/>
+      </p:sp>
+      <p:sp>
+        <p:nvSpPr>
+          <p:cNvPr id="3" name="Notes Placeholder 2"/>
+          <p:cNvSpPr>
+            <a:spLocks noGrp="1"/>
+          </p:cNvSpPr>
+          <p:nvPr>
+            <p:ph type="body" idx="1"/>
+          </p:nvPr>
+        </p:nvSpPr>
+        <p:spPr/>
+        <p:txBody>
+          <a:bodyPr>
+            <a:normAutofit/>
+          </a:bodyPr>
+          <a:lstStyle/>
+          <a:p>
+            <a:pPr>
+              <a:lnSpc>
+                <a:spcPct val="80000"/>
+              </a:lnSpc>
+            </a:pPr>
+            <a:r>
+              <a:rPr lang="en-US" dirty="0" smtClean="0"/>
+              <a:t>Give a brief overview of the presentation.</a:t>
+            </a:r>
+            <a:r>
+              <a:rPr lang="en-US" baseline="0" dirty="0" smtClean="0"/>
+              <a:t> D</a:t>
+            </a:r>
+            <a:r>
+              <a:rPr lang="en-US" dirty="0" smtClean="0"/>
+              <a:t>escribe the major focus of the presentation and why it is important.</a:t>
+            </a:r>
+          </a:p>
+          <a:p>
+            <a:pPr>
+              <a:lnSpc>
+                <a:spcPct val="80000"/>
+              </a:lnSpc>
+            </a:pPr>
+            <a:r>
+              <a:rPr lang="en-US" dirty="0" smtClean="0"/>
+              <a:t>Introduce each of the major topics.</a:t>
+            </a:r>
+          </a:p>
+          <a:p>
+            <a:r>
+              <a:rPr lang="en-US" dirty="0" smtClean="0"/>
+              <a:t>To provide a road map for the audience, you</a:t>
+            </a:r>
+            <a:r>
+              <a:rPr lang="en-US" baseline="0" dirty="0" smtClean="0"/>
+              <a:t> can </a:t>
+            </a:r>
+            <a:r>
+              <a:rPr lang="en-US" dirty="0" smtClean="0"/>
+              <a:t>repeat this Overview slide throughout the presentation, highlighting the particular topic you will discuss next.</a:t>
+            </a:r>
+          </a:p>
+        </p:txBody>
+      </p:sp>
+      <p:sp>
+        <p:nvSpPr>
+          <p:cNvPr id="4" name="Slide Number Placeholder 3"/>
+          <p:cNvSpPr>
+            <a:spLocks noGrp="1"/>
+          </p:cNvSpPr>
+          <p:nvPr>
+            <p:ph type="sldNum" sz="quarter" idx="10"/>
+          </p:nvPr>
+        </p:nvSpPr>
+        <p:spPr/>
+        <p:txBody>
+          <a:bodyPr/>
+          <a:lstStyle/>
+          <a:p>
+            <a:fld id="{EC6EAC7D-5A89-47C2-8ABA-56C9C2DEF7A4}" type="slidenum">
+              <a:rPr lang="en-US" smtClean="0"/>
+              <a:pPr/>
+              <a:t>24</a:t>
+            </a:fld>
+            <a:endParaRPr lang="en-US"/>
+          </a:p>
+        </p:txBody>
+      </p:sp>
+    </p:spTree>
+  </p:cSld>
+  <p:clrMapOvr>
+    <a:masterClrMapping/>
+  </p:clrMapOvr>
+</p:notes>
+</file>
+
+<file path=ppt/notesSlides/notesSlide25.xml><?xml version="1.0" encoding="utf-8"?>
+<p:notes xmlns:a="http://schemas.openxmlformats.org/drawingml/2006/main" xmlns:r="http://schemas.openxmlformats.org/officeDocument/2006/relationships" xmlns:p="http://schemas.openxmlformats.org/presentationml/2006/main">
+  <p:cSld>
+    <p:spTree>
+      <p:nvGrpSpPr>
+        <p:cNvPr id="1" name=""/>
+        <p:cNvGrpSpPr/>
+        <p:nvPr/>
+      </p:nvGrpSpPr>
+      <p:grpSpPr>
+        <a:xfrm>
+          <a:off x="0" y="0"/>
+          <a:ext cx="0" cy="0"/>
+          <a:chOff x="0" y="0"/>
+          <a:chExt cx="0" cy="0"/>
+        </a:xfrm>
+      </p:grpSpPr>
+      <p:sp>
+        <p:nvSpPr>
           <p:cNvPr id="41986" name="Rectangle 23"/>
           <p:cNvSpPr>
             <a:spLocks noGrp="1" noChangeArrowheads="1"/>
@@ -2893,7 +3018,7 @@
             <a:fld id="{B2B44A5F-6CE4-493C-A0D7-6834FF76660C}" type="slidenum">
               <a:rPr lang="en-US" smtClean="0"/>
               <a:pPr/>
-              <a:t>24</a:t>
+              <a:t>25</a:t>
             </a:fld>
             <a:endParaRPr lang="en-US" dirty="0" smtClean="0"/>
           </a:p>
@@ -7536,15 +7661,15 @@
             </a:br>
             <a:r>
               <a:rPr lang="cs-CZ" dirty="0" err="1" smtClean="0"/>
-              <a:t>Nullable</a:t>
-            </a:r>
-            <a:r>
-              <a:rPr lang="cs-CZ" dirty="0" smtClean="0"/>
-              <a:t>&lt;</a:t>
-            </a:r>
-            <a:r>
-              <a:rPr lang="cs-CZ" b="1" dirty="0" smtClean="0"/>
-              <a:t>&gt;</a:t>
+              <a:t>struct</a:t>
+            </a:r>
+            <a:r>
+              <a:rPr lang="cs-CZ" dirty="0" smtClean="0"/>
+              <a:t> a </a:t>
+            </a:r>
+            <a:r>
+              <a:rPr lang="cs-CZ" dirty="0" err="1" smtClean="0"/>
+              <a:t>class</a:t>
             </a:r>
             <a:r>
               <a:rPr lang="en-US" b="1" dirty="0"/>
@@ -7584,128 +7709,90 @@
           <a:p>
             <a:pPr marL="514350" indent="-457200" fontAlgn="base"/>
             <a:r>
-              <a:rPr lang="cs-CZ" dirty="0" smtClean="0"/>
-              <a:t>Pokud chceme použít </a:t>
+              <a:rPr lang="cs-CZ" b="1" dirty="0" err="1" smtClean="0"/>
+              <a:t>class</a:t>
+            </a:r>
+            <a:r>
+              <a:rPr lang="cs-CZ" dirty="0" smtClean="0"/>
+              <a:t> </a:t>
             </a:r>
             <a:r>
               <a:rPr lang="cs-CZ" dirty="0" err="1" smtClean="0"/>
-              <a:t>null</a:t>
-            </a:r>
-            <a:r>
-              <a:rPr lang="cs-CZ" dirty="0" smtClean="0"/>
-              <a:t> u referenčních typů</a:t>
+              <a:t>stejny</a:t>
+            </a:r>
+            <a:r>
+              <a:rPr lang="cs-CZ" dirty="0" smtClean="0"/>
+              <a:t> jako v </a:t>
+            </a:r>
+            <a:r>
+              <a:rPr lang="cs-CZ" dirty="0" err="1" smtClean="0"/>
+              <a:t>jave</a:t>
+            </a:r>
+            <a:r>
+              <a:rPr lang="cs-CZ" dirty="0" smtClean="0"/>
+              <a:t> referenční typ</a:t>
             </a:r>
           </a:p>
           <a:p>
             <a:pPr marL="514350" indent="-457200" fontAlgn="base"/>
             <a:r>
+              <a:rPr lang="cs-CZ" b="1" dirty="0" err="1" smtClean="0"/>
+              <a:t>struct</a:t>
+            </a:r>
+            <a:r>
+              <a:rPr lang="cs-CZ" dirty="0" smtClean="0"/>
+              <a:t>  je hodnotový typ </a:t>
+            </a:r>
+            <a:r>
+              <a:rPr lang="cs-CZ" dirty="0" smtClean="0"/>
+              <a:t>kopírují </a:t>
+            </a:r>
+            <a:r>
+              <a:rPr lang="cs-CZ" dirty="0" smtClean="0"/>
+              <a:t>se hodnoty</a:t>
+            </a:r>
+          </a:p>
+          <a:p>
+            <a:pPr marL="514350" indent="-457200" fontAlgn="base"/>
+            <a:r>
+              <a:rPr lang="cs-CZ" b="1" dirty="0" err="1" smtClean="0"/>
+              <a:t>enum</a:t>
+            </a:r>
+            <a:r>
+              <a:rPr lang="cs-CZ" dirty="0" smtClean="0"/>
+              <a:t> je též </a:t>
+            </a:r>
+            <a:r>
+              <a:rPr lang="cs-CZ" dirty="0"/>
+              <a:t>hodnotový </a:t>
+            </a:r>
+            <a:r>
+              <a:rPr lang="cs-CZ" dirty="0" smtClean="0"/>
+              <a:t>typ – </a:t>
+            </a:r>
+            <a:r>
               <a:rPr lang="cs-CZ" dirty="0" err="1" smtClean="0"/>
-              <a:t>int</a:t>
-            </a:r>
-            <a:r>
-              <a:rPr lang="cs-CZ" dirty="0" smtClean="0"/>
-              <a:t>? </a:t>
+              <a:t>workaround</a:t>
+            </a:r>
+            <a:r>
+              <a:rPr lang="cs-CZ" dirty="0" smtClean="0"/>
+              <a:t> pro </a:t>
             </a:r>
             <a:r>
               <a:rPr lang="cs-CZ" dirty="0" err="1" smtClean="0"/>
-              <a:t>promena</a:t>
-            </a:r>
-            <a:r>
-              <a:rPr lang="cs-CZ" dirty="0" smtClean="0"/>
-              <a:t> = </a:t>
-            </a:r>
-            <a:r>
-              <a:rPr lang="cs-CZ" dirty="0" err="1" smtClean="0"/>
-              <a:t>null</a:t>
-            </a:r>
-            <a:r>
-              <a:rPr lang="cs-CZ" dirty="0" smtClean="0"/>
-              <a:t>; // doporučovaný zápis</a:t>
+              <a:t>dalsi</a:t>
+            </a:r>
+            <a:r>
+              <a:rPr lang="cs-CZ" dirty="0" smtClean="0"/>
+              <a:t> obsah jsou atributy</a:t>
             </a:r>
           </a:p>
           <a:p>
             <a:pPr marL="514350" indent="-457200" fontAlgn="base"/>
             <a:r>
-              <a:rPr lang="cs-CZ" dirty="0" err="1" smtClean="0"/>
-              <a:t>Nullable</a:t>
-            </a:r>
-            <a:r>
-              <a:rPr lang="cs-CZ" dirty="0" smtClean="0"/>
-              <a:t>&lt;</a:t>
-            </a:r>
-            <a:r>
-              <a:rPr lang="cs-CZ" dirty="0" err="1" smtClean="0"/>
-              <a:t>int</a:t>
-            </a:r>
-            <a:r>
-              <a:rPr lang="cs-CZ" dirty="0" smtClean="0"/>
-              <a:t>&gt; </a:t>
-            </a:r>
-            <a:r>
-              <a:rPr lang="cs-CZ" dirty="0" err="1"/>
-              <a:t>promena</a:t>
-            </a:r>
-            <a:r>
-              <a:rPr lang="cs-CZ" dirty="0"/>
-              <a:t> = </a:t>
-            </a:r>
-            <a:r>
-              <a:rPr lang="cs-CZ" dirty="0" err="1"/>
-              <a:t>null</a:t>
-            </a:r>
-            <a:r>
-              <a:rPr lang="cs-CZ" dirty="0" smtClean="0"/>
-              <a:t>; </a:t>
-            </a:r>
-          </a:p>
-          <a:p>
-            <a:pPr marL="514350" indent="-457200" fontAlgn="base"/>
-            <a:r>
-              <a:rPr lang="en-US" b="1" dirty="0" smtClean="0"/>
-              <a:t>??</a:t>
-            </a:r>
-            <a:r>
-              <a:rPr lang="en-US" dirty="0" smtClean="0"/>
-              <a:t> Operator</a:t>
-            </a:r>
-            <a:endParaRPr lang="cs-CZ" dirty="0" smtClean="0"/>
-          </a:p>
-          <a:p>
-            <a:pPr marL="514350" indent="-457200" fontAlgn="base"/>
-            <a:r>
-              <a:rPr lang="cs-CZ" dirty="0" smtClean="0"/>
-              <a:t>Příklad </a:t>
-            </a:r>
-            <a:r>
-              <a:rPr lang="en-US" b="1" dirty="0" err="1" smtClean="0"/>
-              <a:t>TestNullable</a:t>
-            </a:r>
-            <a:r>
-              <a:rPr lang="cs-CZ" b="1" dirty="0" smtClean="0"/>
-              <a:t>.</a:t>
-            </a:r>
-            <a:r>
-              <a:rPr lang="cs-CZ" b="1" dirty="0" err="1" smtClean="0"/>
-              <a:t>cs</a:t>
-            </a:r>
-            <a:endParaRPr lang="en-US" b="1" dirty="0"/>
-          </a:p>
-          <a:p>
-            <a:pPr marL="514350" indent="-457200" fontAlgn="base"/>
-            <a:endParaRPr lang="cs-CZ" dirty="0"/>
-          </a:p>
-          <a:p>
-            <a:pPr marL="514350" indent="-457200" fontAlgn="base"/>
-            <a:endParaRPr lang="en-US" dirty="0"/>
-          </a:p>
-          <a:p>
-            <a:pPr marL="57150" indent="0" fontAlgn="base">
-              <a:buNone/>
-            </a:pPr>
-            <a:endParaRPr lang="cs-CZ" dirty="0" smtClean="0"/>
-          </a:p>
-          <a:p>
-            <a:pPr marL="514350" indent="-457200" fontAlgn="base"/>
+              <a:rPr lang="cs-CZ" dirty="0" smtClean="0"/>
+              <a:t>příklad</a:t>
+            </a:r>
             <a:endParaRPr lang="en-US" dirty="0"/>
           </a:p>
           <a:p>
@@ -7750,7 +7837,7 @@
     </p:custDataLst>
     <p:extLst>
       <p:ext uri="{BB962C8B-B14F-4D97-AF65-F5344CB8AC3E}">
-        <p14:creationId xmlns:p14="http://schemas.microsoft.com/office/powerpoint/2010/main" val="1651817096"/>
+        <p14:creationId xmlns:p14="http://schemas.microsoft.com/office/powerpoint/2010/main" val="3756876245"/>
       </p:ext>
     </p:extLst>
   </p:cSld>
@@ -7808,29 +7895,31 @@
           <a:lstStyle/>
           <a:p>
             <a:r>
-              <a:rPr lang="cs-CZ" dirty="0" smtClean="0"/>
-              <a:t>I</a:t>
-            </a:r>
-            <a:r>
-              <a:rPr lang="en-US" dirty="0" err="1" smtClean="0"/>
-              <a:t>mplementace</a:t>
-            </a:r>
-            <a:r>
-              <a:rPr lang="en-US" dirty="0" smtClean="0"/>
-              <a:t> </a:t>
-            </a:r>
-            <a:r>
-              <a:rPr lang="en-US" dirty="0" err="1" smtClean="0"/>
-              <a:t>rozhrani</a:t>
-            </a:r>
-            <a:r>
-              <a:rPr lang="cs-CZ" dirty="0" smtClean="0"/>
-              <a:t> + static </a:t>
-            </a:r>
+              <a:rPr lang="en-US" dirty="0"/>
+              <a:t/>
+            </a:r>
+            <a:br>
+              <a:rPr lang="en-US" dirty="0"/>
+            </a:br>
             <a:r>
               <a:rPr lang="cs-CZ" dirty="0" err="1" smtClean="0"/>
-              <a:t>class</a:t>
-            </a:r>
+              <a:t>Nullable</a:t>
+            </a:r>
+            <a:r>
+              <a:rPr lang="cs-CZ" dirty="0" smtClean="0"/>
+              <a:t>&lt;</a:t>
+            </a:r>
+            <a:r>
+              <a:rPr lang="cs-CZ" b="1" dirty="0" smtClean="0"/>
+              <a:t>&gt;</a:t>
+            </a:r>
+            <a:r>
+              <a:rPr lang="en-US" b="1" dirty="0"/>
+              <a:t/>
+            </a:r>
+            <a:br>
+              <a:rPr lang="en-US" b="1" dirty="0"/>
+            </a:br>
             <a:endParaRPr lang="en-US" dirty="0"/>
           </a:p>
         </p:txBody>
@@ -7863,11 +7952,88 @@
             <a:pPr marL="514350" indent="-457200" fontAlgn="base"/>
             <a:r>
               <a:rPr lang="cs-CZ" dirty="0" smtClean="0"/>
-              <a:t>Stejný jako v </a:t>
+              <a:t>Pokud chceme použít </a:t>
             </a:r>
             <a:r>
               <a:rPr lang="cs-CZ" dirty="0" err="1" smtClean="0"/>
-              <a:t>javy</a:t>
+              <a:t>null</a:t>
+            </a:r>
+            <a:r>
+              <a:rPr lang="cs-CZ" dirty="0" smtClean="0"/>
+              <a:t> u referenčních typů</a:t>
+            </a:r>
+          </a:p>
+          <a:p>
+            <a:pPr marL="514350" indent="-457200" fontAlgn="base"/>
+            <a:r>
+              <a:rPr lang="cs-CZ" dirty="0" err="1" smtClean="0"/>
+              <a:t>int</a:t>
+            </a:r>
+            <a:r>
+              <a:rPr lang="cs-CZ" dirty="0" smtClean="0"/>
+              <a:t>? </a:t>
+            </a:r>
+            <a:r>
+              <a:rPr lang="cs-CZ" dirty="0" err="1" smtClean="0"/>
+              <a:t>promena</a:t>
+            </a:r>
+            <a:r>
+              <a:rPr lang="cs-CZ" dirty="0" smtClean="0"/>
+              <a:t> = </a:t>
+            </a:r>
+            <a:r>
+              <a:rPr lang="cs-CZ" dirty="0" err="1" smtClean="0"/>
+              <a:t>null</a:t>
+            </a:r>
+            <a:r>
+              <a:rPr lang="cs-CZ" dirty="0" smtClean="0"/>
+              <a:t>; // doporučovaný zápis</a:t>
+            </a:r>
+          </a:p>
+          <a:p>
+            <a:pPr marL="514350" indent="-457200" fontAlgn="base"/>
+            <a:r>
+              <a:rPr lang="cs-CZ" dirty="0" err="1" smtClean="0"/>
+              <a:t>Nullable</a:t>
+            </a:r>
+            <a:r>
+              <a:rPr lang="cs-CZ" dirty="0" smtClean="0"/>
+              <a:t>&lt;</a:t>
+            </a:r>
+            <a:r>
+              <a:rPr lang="cs-CZ" dirty="0" err="1" smtClean="0"/>
+              <a:t>int</a:t>
+            </a:r>
+            <a:r>
+              <a:rPr lang="cs-CZ" dirty="0" smtClean="0"/>
+              <a:t>&gt; </a:t>
+            </a:r>
+            <a:r>
+              <a:rPr lang="cs-CZ" dirty="0" err="1"/>
+              <a:t>promena</a:t>
+            </a:r>
+            <a:r>
+              <a:rPr lang="cs-CZ" dirty="0"/>
+              <a:t> = </a:t>
+            </a:r>
+            <a:r>
+              <a:rPr lang="cs-CZ" dirty="0" err="1"/>
+              <a:t>null</a:t>
+            </a:r>
+            <a:r>
+              <a:rPr lang="cs-CZ" dirty="0" smtClean="0"/>
+              <a:t>; </a:t>
+            </a:r>
+          </a:p>
+          <a:p>
+            <a:pPr marL="514350" indent="-457200" fontAlgn="base"/>
+            <a:r>
+              <a:rPr lang="en-US" b="1" dirty="0" smtClean="0"/>
+              <a:t>??</a:t>
+            </a:r>
+            <a:r>
+              <a:rPr lang="en-US" dirty="0" smtClean="0"/>
+              <a:t> Operator</a:t>
             </a:r>
             <a:endParaRPr lang="cs-CZ" dirty="0" smtClean="0"/>
           </a:p>
@@ -7875,140 +8041,21 @@
             <a:pPr marL="514350" indent="-457200" fontAlgn="base"/>
             <a:r>
               <a:rPr lang="cs-CZ" dirty="0" smtClean="0"/>
-              <a:t>plus</a:t>
+              <a:t>Příklad </a:t>
+            </a:r>
+            <a:r>
+              <a:rPr lang="en-US" b="1" dirty="0" err="1" smtClean="0"/>
+              <a:t>TestNullable</a:t>
             </a:r>
             <a:r>
               <a:rPr lang="cs-CZ" b="1" dirty="0" smtClean="0"/>
-              <a:t> </a:t>
-            </a:r>
-            <a:r>
-              <a:rPr lang="en-US" dirty="0" err="1" smtClean="0"/>
-              <a:t>explicitni</a:t>
-            </a:r>
-            <a:r>
-              <a:rPr lang="en-US" dirty="0" smtClean="0"/>
-              <a:t> </a:t>
-            </a:r>
-            <a:r>
-              <a:rPr lang="en-US" dirty="0" err="1"/>
-              <a:t>implementace</a:t>
-            </a:r>
-            <a:r>
-              <a:rPr lang="en-US" dirty="0"/>
-              <a:t> </a:t>
-            </a:r>
-            <a:r>
-              <a:rPr lang="en-US" dirty="0" err="1" smtClean="0"/>
-              <a:t>rozhrani</a:t>
-            </a:r>
-            <a:endParaRPr lang="cs-CZ" dirty="0" smtClean="0"/>
-          </a:p>
-          <a:p>
-            <a:pPr marL="514350" indent="-457200" fontAlgn="base"/>
-            <a:endParaRPr lang="cs-CZ" b="1" dirty="0" smtClean="0"/>
-          </a:p>
-          <a:p>
-            <a:pPr marL="514350" indent="-457200" fontAlgn="base"/>
-            <a:r>
-              <a:rPr lang="cs-CZ" b="1" dirty="0" smtClean="0"/>
-              <a:t>static </a:t>
+              <a:t>.</a:t>
             </a:r>
             <a:r>
               <a:rPr lang="cs-CZ" b="1" dirty="0" err="1" smtClean="0"/>
-              <a:t>class</a:t>
-            </a:r>
-            <a:r>
-              <a:rPr lang="cs-CZ" b="1" dirty="0" smtClean="0"/>
-              <a:t> </a:t>
-            </a:r>
-            <a:r>
-              <a:rPr lang="cs-CZ" dirty="0" smtClean="0">
-                <a:solidFill>
-                  <a:srgbClr val="C00000"/>
-                </a:solidFill>
-              </a:rPr>
-              <a:t>není to samé co v </a:t>
-            </a:r>
-            <a:r>
-              <a:rPr lang="cs-CZ" dirty="0" err="1" smtClean="0">
-                <a:solidFill>
-                  <a:srgbClr val="C00000"/>
-                </a:solidFill>
-              </a:rPr>
-              <a:t>javě</a:t>
-            </a:r>
-            <a:r>
-              <a:rPr lang="cs-CZ" dirty="0" smtClean="0">
-                <a:solidFill>
-                  <a:srgbClr val="C00000"/>
-                </a:solidFill>
-              </a:rPr>
-              <a:t>! </a:t>
-            </a:r>
-            <a:r>
-              <a:rPr lang="cs-CZ" dirty="0" smtClean="0"/>
-              <a:t>Příklad i se statickou metodou</a:t>
-            </a:r>
-            <a:r>
-              <a:rPr lang="en-US" b="1" dirty="0"/>
-              <a:t/>
-            </a:r>
-            <a:br>
-              <a:rPr lang="en-US" b="1" dirty="0"/>
-            </a:br>
-            <a:r>
-              <a:rPr lang="en-US" dirty="0" err="1">
-                <a:solidFill>
-                  <a:srgbClr val="C00000"/>
-                </a:solidFill>
-              </a:rPr>
-              <a:t>pozor</a:t>
-            </a:r>
-            <a:r>
-              <a:rPr lang="en-US" dirty="0">
-                <a:solidFill>
-                  <a:srgbClr val="C00000"/>
-                </a:solidFill>
-              </a:rPr>
-              <a:t> </a:t>
-            </a:r>
-            <a:r>
-              <a:rPr lang="cs-CZ" dirty="0" smtClean="0">
-                <a:solidFill>
-                  <a:srgbClr val="C00000"/>
-                </a:solidFill>
-              </a:rPr>
-              <a:t>na </a:t>
-            </a:r>
-            <a:r>
-              <a:rPr lang="cs-CZ" dirty="0" err="1" smtClean="0">
-                <a:solidFill>
-                  <a:srgbClr val="C00000"/>
-                </a:solidFill>
-              </a:rPr>
-              <a:t>chovani</a:t>
-            </a:r>
-            <a:r>
-              <a:rPr lang="en-US" dirty="0" smtClean="0">
-                <a:solidFill>
-                  <a:srgbClr val="C00000"/>
-                </a:solidFill>
-              </a:rPr>
-              <a:t> </a:t>
-            </a:r>
-            <a:r>
-              <a:rPr lang="en-US" dirty="0" err="1">
-                <a:solidFill>
-                  <a:srgbClr val="C00000"/>
-                </a:solidFill>
-              </a:rPr>
-              <a:t>NullReferenceException</a:t>
-            </a:r>
-            <a:endParaRPr lang="en-US" dirty="0">
-              <a:solidFill>
-                <a:srgbClr val="C00000"/>
-              </a:solidFill>
-            </a:endParaRPr>
+              <a:t>cs</a:t>
+            </a:r>
+            <a:endParaRPr lang="en-US" b="1" dirty="0"/>
           </a:p>
           <a:p>
             <a:pPr marL="514350" indent="-457200" fontAlgn="base"/>
@@ -8070,7 +8117,7 @@
     </p:custDataLst>
     <p:extLst>
       <p:ext uri="{BB962C8B-B14F-4D97-AF65-F5344CB8AC3E}">
-        <p14:creationId xmlns:p14="http://schemas.microsoft.com/office/powerpoint/2010/main" val="114939972"/>
+        <p14:creationId xmlns:p14="http://schemas.microsoft.com/office/powerpoint/2010/main" val="1651817096"/>
       </p:ext>
     </p:extLst>
   </p:cSld>
@@ -8120,12 +8167,7 @@
             </p:custDataLst>
           </p:nvPr>
         </p:nvSpPr>
-        <p:spPr>
-          <a:xfrm>
-            <a:off x="762000" y="269632"/>
-            <a:ext cx="8382000" cy="1143000"/>
-          </a:xfrm>
-        </p:spPr>
+        <p:spPr/>
         <p:txBody>
           <a:bodyPr>
             <a:normAutofit fontScale="90000"/>
@@ -8133,13 +8175,30 @@
           <a:lstStyle/>
           <a:p>
             <a:r>
+              <a:rPr lang="cs-CZ" dirty="0" smtClean="0"/>
+              <a:t>I</a:t>
+            </a:r>
+            <a:r>
+              <a:rPr lang="en-US" dirty="0" err="1" smtClean="0"/>
+              <a:t>mplementace</a:t>
+            </a:r>
+            <a:r>
+              <a:rPr lang="en-US" dirty="0" smtClean="0"/>
+              <a:t> </a:t>
+            </a:r>
+            <a:r>
+              <a:rPr lang="en-US" dirty="0" err="1" smtClean="0"/>
+              <a:t>rozhrani</a:t>
+            </a:r>
+            <a:r>
+              <a:rPr lang="cs-CZ" dirty="0" smtClean="0"/>
+              <a:t> + static </a:t>
+            </a:r>
+            <a:r>
               <a:rPr lang="cs-CZ" dirty="0" err="1" smtClean="0"/>
-              <a:t>Generiky</a:t>
-            </a:r>
-            <a:r>
-              <a:rPr lang="en-US" dirty="0"/>
-              <a:t>, kovariance a kontravariance</a:t>
-            </a:r>
+              <a:t>class</a:t>
+            </a:r>
+            <a:endParaRPr lang="en-US" dirty="0"/>
           </a:p>
         </p:txBody>
       </p:sp>
@@ -8158,24 +8217,24 @@
         </p:nvSpPr>
         <p:spPr>
           <a:xfrm>
-            <a:off x="539552" y="1596413"/>
-            <a:ext cx="8712968" cy="4297363"/>
+            <a:off x="683568" y="1596413"/>
+            <a:ext cx="8352928" cy="4297363"/>
           </a:xfrm>
         </p:spPr>
         <p:txBody>
           <a:bodyPr>
-            <a:normAutofit fontScale="85000" lnSpcReduction="10000"/>
+            <a:normAutofit/>
           </a:bodyPr>
           <a:lstStyle/>
           <a:p>
             <a:pPr marL="514350" indent="-457200" fontAlgn="base"/>
             <a:r>
               <a:rPr lang="cs-CZ" dirty="0" smtClean="0"/>
-              <a:t>Uchovává se typ </a:t>
+              <a:t>Stejný jako v </a:t>
             </a:r>
             <a:r>
               <a:rPr lang="cs-CZ" dirty="0" err="1" smtClean="0"/>
-              <a:t>generiky</a:t>
+              <a:t>javy</a:t>
             </a:r>
             <a:endParaRPr lang="cs-CZ" dirty="0" smtClean="0"/>
           </a:p>
@@ -8183,136 +8242,79 @@
             <a:pPr marL="514350" indent="-457200" fontAlgn="base"/>
             <a:r>
               <a:rPr lang="cs-CZ" dirty="0" smtClean="0"/>
-              <a:t>interface </a:t>
-            </a:r>
-            <a:r>
-              <a:rPr lang="cs-CZ" dirty="0" err="1" smtClean="0"/>
-              <a:t>IEnumerable</a:t>
-            </a:r>
-            <a:r>
-              <a:rPr lang="cs-CZ" dirty="0" smtClean="0"/>
-              <a:t>&lt;</a:t>
-            </a:r>
-            <a:r>
-              <a:rPr lang="cs-CZ" dirty="0" err="1" smtClean="0"/>
-              <a:t>out</a:t>
-            </a:r>
-            <a:r>
-              <a:rPr lang="cs-CZ" dirty="0" smtClean="0"/>
-              <a:t> T&gt; { }</a:t>
-            </a:r>
+              <a:t>plus</a:t>
+            </a:r>
+            <a:r>
+              <a:rPr lang="cs-CZ" b="1" dirty="0" smtClean="0"/>
+              <a:t> </a:t>
+            </a:r>
+            <a:r>
+              <a:rPr lang="en-US" dirty="0" err="1" smtClean="0"/>
+              <a:t>explicitni</a:t>
+            </a:r>
+            <a:r>
+              <a:rPr lang="en-US" dirty="0" smtClean="0"/>
+              <a:t> </a:t>
+            </a:r>
+            <a:r>
+              <a:rPr lang="en-US" dirty="0" err="1"/>
+              <a:t>implementace</a:t>
+            </a:r>
+            <a:r>
+              <a:rPr lang="en-US" dirty="0"/>
+              <a:t> </a:t>
+            </a:r>
+            <a:r>
+              <a:rPr lang="en-US" dirty="0" err="1" smtClean="0"/>
+              <a:t>rozhrani</a:t>
+            </a:r>
+            <a:endParaRPr lang="cs-CZ" dirty="0" smtClean="0"/>
           </a:p>
           <a:p>
             <a:pPr marL="514350" indent="-457200" fontAlgn="base"/>
-            <a:r>
-              <a:rPr lang="cs-CZ" dirty="0" err="1" smtClean="0"/>
-              <a:t>IEnumerable</a:t>
-            </a:r>
-            <a:r>
-              <a:rPr lang="cs-CZ" dirty="0" smtClean="0"/>
-              <a:t>&lt;</a:t>
-            </a:r>
-            <a:r>
-              <a:rPr lang="cs-CZ" dirty="0" err="1" smtClean="0"/>
-              <a:t>AbstractPerson</a:t>
-            </a:r>
-            <a:r>
-              <a:rPr lang="cs-CZ" dirty="0" smtClean="0"/>
-              <a:t>&gt; p = </a:t>
-            </a:r>
-            <a:r>
-              <a:rPr lang="cs-CZ" dirty="0" err="1" smtClean="0"/>
-              <a:t>new</a:t>
-            </a:r>
-            <a:r>
-              <a:rPr lang="cs-CZ" dirty="0" smtClean="0"/>
-              <a:t> List&lt;Person&gt;();</a:t>
-            </a:r>
+            <a:endParaRPr lang="cs-CZ" b="1" dirty="0" smtClean="0"/>
           </a:p>
           <a:p>
             <a:pPr marL="514350" indent="-457200" fontAlgn="base"/>
             <a:r>
-              <a:rPr lang="en-US" dirty="0" smtClean="0"/>
-              <a:t>interface </a:t>
-            </a:r>
-            <a:r>
-              <a:rPr lang="en-US" dirty="0" err="1"/>
-              <a:t>IComparer</a:t>
-            </a:r>
-            <a:r>
-              <a:rPr lang="en-US" dirty="0"/>
-              <a:t>&lt;</a:t>
-            </a:r>
-            <a:r>
-              <a:rPr lang="en-US" dirty="0"/>
-              <a:t>in</a:t>
-            </a:r>
-            <a:r>
-              <a:rPr lang="en-US" dirty="0"/>
-              <a:t> T</a:t>
-            </a:r>
-            <a:r>
-              <a:rPr lang="en-US" dirty="0" smtClean="0"/>
-              <a:t>&gt;</a:t>
-            </a:r>
-            <a:r>
-              <a:rPr lang="cs-CZ" dirty="0" smtClean="0"/>
-              <a:t> {}</a:t>
-            </a:r>
-          </a:p>
-          <a:p>
-            <a:pPr marL="514350" indent="-457200" fontAlgn="base"/>
-            <a:r>
-              <a:rPr lang="en-US" dirty="0"/>
-              <a:t>Compare(Shape a, Shape b) </a:t>
-            </a:r>
-            <a:r>
-              <a:rPr lang="cs-CZ" dirty="0" smtClean="0"/>
-              <a:t>kde </a:t>
-            </a:r>
-            <a:r>
-              <a:rPr lang="en-US" dirty="0" smtClean="0"/>
-              <a:t>Circle</a:t>
-            </a:r>
-            <a:r>
-              <a:rPr lang="cs-CZ" dirty="0" smtClean="0"/>
-              <a:t> : </a:t>
-            </a:r>
-            <a:r>
-              <a:rPr lang="cs-CZ" dirty="0" err="1" smtClean="0"/>
-              <a:t>Shape</a:t>
-            </a:r>
-            <a:endParaRPr lang="cs-CZ" dirty="0" smtClean="0"/>
-          </a:p>
-          <a:p>
-            <a:pPr marL="514350" indent="-457200" fontAlgn="base"/>
-            <a:r>
-              <a:rPr lang="en-US" dirty="0" smtClean="0"/>
-              <a:t>new </a:t>
-            </a:r>
-            <a:r>
-              <a:rPr lang="en-US" dirty="0" err="1"/>
-              <a:t>SortedSet</a:t>
-            </a:r>
-            <a:r>
-              <a:rPr lang="en-US" dirty="0"/>
-              <a:t>&lt;Circle</a:t>
-            </a:r>
-            <a:r>
-              <a:rPr lang="en-US" dirty="0" smtClean="0"/>
-              <a:t>&gt;(new</a:t>
-            </a:r>
-            <a:r>
-              <a:rPr lang="cs-CZ" dirty="0" smtClean="0"/>
+              <a:rPr lang="cs-CZ" b="1" dirty="0" smtClean="0"/>
+              <a:t>static </a:t>
+            </a:r>
+            <a:r>
+              <a:rPr lang="cs-CZ" b="1" dirty="0" err="1" smtClean="0"/>
+              <a:t>class</a:t>
+            </a:r>
+            <a:r>
+              <a:rPr lang="cs-CZ" b="1" dirty="0" smtClean="0"/>
               <a:t> </a:t>
             </a:r>
             <a:r>
-              <a:rPr lang="en-US" dirty="0" err="1" smtClean="0"/>
-              <a:t>ShapeAreaComparer</a:t>
-            </a:r>
-            <a:r>
-              <a:rPr lang="en-US" dirty="0"/>
-              <a:t>())</a:t>
+              <a:rPr lang="cs-CZ" dirty="0" smtClean="0">
+                <a:solidFill>
+                  <a:srgbClr val="C00000"/>
+                </a:solidFill>
+              </a:rPr>
+              <a:t>není to samé co v </a:t>
+            </a:r>
+            <a:r>
+              <a:rPr lang="cs-CZ" dirty="0" err="1" smtClean="0">
+                <a:solidFill>
+                  <a:srgbClr val="C00000"/>
+                </a:solidFill>
+              </a:rPr>
+              <a:t>javě</a:t>
+            </a:r>
+            <a:r>
+              <a:rPr lang="cs-CZ" dirty="0" smtClean="0">
+                <a:solidFill>
+                  <a:srgbClr val="C00000"/>
+                </a:solidFill>
+              </a:rPr>
+              <a:t>! </a:t>
+            </a:r>
+            <a:r>
+              <a:rPr lang="cs-CZ" dirty="0" smtClean="0"/>
+              <a:t>Příklad i se statickou metodou</a:t>
             </a:r>
             <a:r>
               <a:rPr lang="en-US" b="1" dirty="0"/>
@@ -8321,82 +8323,62 @@
             <a:br>
               <a:rPr lang="en-US" b="1" dirty="0"/>
             </a:br>
-            <a:endParaRPr lang="cs-CZ" b="1" dirty="0" smtClean="0"/>
+            <a:r>
+              <a:rPr lang="en-US" dirty="0" err="1">
+                <a:solidFill>
+                  <a:srgbClr val="C00000"/>
+                </a:solidFill>
+              </a:rPr>
+              <a:t>pozor</a:t>
+            </a:r>
+            <a:r>
+              <a:rPr lang="en-US" dirty="0">
+                <a:solidFill>
+                  <a:srgbClr val="C00000"/>
+                </a:solidFill>
+              </a:rPr>
+              <a:t> </a:t>
+            </a:r>
+            <a:r>
+              <a:rPr lang="cs-CZ" dirty="0" smtClean="0">
+                <a:solidFill>
+                  <a:srgbClr val="C00000"/>
+                </a:solidFill>
+              </a:rPr>
+              <a:t>na </a:t>
+            </a:r>
+            <a:r>
+              <a:rPr lang="cs-CZ" dirty="0" err="1" smtClean="0">
+                <a:solidFill>
+                  <a:srgbClr val="C00000"/>
+                </a:solidFill>
+              </a:rPr>
+              <a:t>chovani</a:t>
+            </a:r>
+            <a:r>
+              <a:rPr lang="en-US" dirty="0" smtClean="0">
+                <a:solidFill>
+                  <a:srgbClr val="C00000"/>
+                </a:solidFill>
+              </a:rPr>
+              <a:t> </a:t>
+            </a:r>
+            <a:r>
+              <a:rPr lang="en-US" dirty="0" err="1">
+                <a:solidFill>
+                  <a:srgbClr val="C00000"/>
+                </a:solidFill>
+              </a:rPr>
+              <a:t>NullReferenceException</a:t>
+            </a:r>
+            <a:endParaRPr lang="en-US" dirty="0">
+              <a:solidFill>
+                <a:srgbClr val="C00000"/>
+              </a:solidFill>
+            </a:endParaRPr>
           </a:p>
           <a:p>
             <a:pPr marL="514350" indent="-457200" fontAlgn="base"/>
-            <a:r>
-              <a:rPr lang="cs-CZ" dirty="0" smtClean="0"/>
-              <a:t>Klíčová slova </a:t>
-            </a:r>
-            <a:r>
-              <a:rPr lang="cs-CZ" b="1" dirty="0" err="1" smtClean="0"/>
-              <a:t>where</a:t>
-            </a:r>
-            <a:r>
-              <a:rPr lang="cs-CZ" dirty="0" smtClean="0"/>
-              <a:t>, </a:t>
-            </a:r>
-            <a:r>
-              <a:rPr lang="cs-CZ" b="1" dirty="0" smtClean="0"/>
-              <a:t>:</a:t>
-            </a:r>
-            <a:r>
-              <a:rPr lang="cs-CZ" dirty="0" smtClean="0"/>
-              <a:t>, </a:t>
-            </a:r>
-            <a:r>
-              <a:rPr lang="cs-CZ" b="1" dirty="0" err="1" smtClean="0"/>
-              <a:t>new</a:t>
-            </a:r>
-            <a:r>
-              <a:rPr lang="cs-CZ" b="1" dirty="0" smtClean="0"/>
-              <a:t>()</a:t>
-            </a:r>
-            <a:r>
-              <a:rPr lang="cs-CZ" dirty="0" smtClean="0"/>
-              <a:t>,</a:t>
-            </a:r>
-            <a:r>
-              <a:rPr lang="cs-CZ" b="1" dirty="0" smtClean="0"/>
-              <a:t> </a:t>
-            </a:r>
-            <a:r>
-              <a:rPr lang="cs-CZ" b="1" dirty="0" err="1" smtClean="0"/>
-              <a:t>struct</a:t>
-            </a:r>
-            <a:r>
-              <a:rPr lang="cs-CZ" dirty="0" smtClean="0"/>
-              <a:t>,</a:t>
-            </a:r>
-            <a:r>
-              <a:rPr lang="cs-CZ" b="1" dirty="0" smtClean="0"/>
-              <a:t> </a:t>
-            </a:r>
-            <a:r>
-              <a:rPr lang="cs-CZ" b="1" dirty="0" err="1" smtClean="0"/>
-              <a:t>class</a:t>
-            </a:r>
-            <a:endParaRPr lang="en-US" b="1" dirty="0"/>
-          </a:p>
-          <a:p>
-            <a:pPr marL="514350" indent="-457200" fontAlgn="base"/>
-            <a:r>
-              <a:rPr lang="cs-CZ" dirty="0"/>
-              <a:t>Lze použít </a:t>
-            </a:r>
-            <a:r>
-              <a:rPr lang="cs-CZ" dirty="0" err="1"/>
-              <a:t>instanceof</a:t>
-            </a:r>
-            <a:r>
-              <a:rPr lang="cs-CZ" dirty="0"/>
-              <a:t> </a:t>
-            </a:r>
-            <a:r>
-              <a:rPr lang="cs-CZ" dirty="0" smtClean="0"/>
-              <a:t>T</a:t>
-            </a:r>
             <a:endParaRPr lang="cs-CZ" dirty="0"/>
           </a:p>
           <a:p>
@@ -8455,7 +8437,7 @@
     </p:custDataLst>
     <p:extLst>
       <p:ext uri="{BB962C8B-B14F-4D97-AF65-F5344CB8AC3E}">
-        <p14:creationId xmlns:p14="http://schemas.microsoft.com/office/powerpoint/2010/main" val="2956549503"/>
+        <p14:creationId xmlns:p14="http://schemas.microsoft.com/office/powerpoint/2010/main" val="114939972"/>
       </p:ext>
     </p:extLst>
   </p:cSld>
@@ -8505,24 +8487,25 @@
             </p:custDataLst>
           </p:nvPr>
         </p:nvSpPr>
-        <p:spPr/>
+        <p:spPr>
+          <a:xfrm>
+            <a:off x="762000" y="269632"/>
+            <a:ext cx="8382000" cy="1143000"/>
+          </a:xfrm>
+        </p:spPr>
         <p:txBody>
           <a:bodyPr>
-            <a:normAutofit/>
+            <a:normAutofit fontScale="90000"/>
           </a:bodyPr>
           <a:lstStyle/>
           <a:p>
             <a:r>
-              <a:rPr lang="cs-CZ" dirty="0" smtClean="0"/>
-              <a:t>D</a:t>
-            </a:r>
-            <a:r>
-              <a:rPr lang="en-US" dirty="0" err="1" smtClean="0"/>
-              <a:t>estruktur</a:t>
+              <a:rPr lang="cs-CZ" dirty="0" err="1" smtClean="0"/>
+              <a:t>Generiky</a:t>
             </a:r>
             <a:r>
               <a:rPr lang="en-US" dirty="0"/>
-              <a:t>, using a IDispose</a:t>
+              <a:t>, kovariance a kontravariance</a:t>
             </a:r>
           </a:p>
         </p:txBody>
@@ -8542,135 +8525,245 @@
         </p:nvSpPr>
         <p:spPr>
           <a:xfrm>
-            <a:off x="683568" y="1596413"/>
-            <a:ext cx="8352928" cy="4297363"/>
+            <a:off x="539552" y="1596413"/>
+            <a:ext cx="8712968" cy="4297363"/>
           </a:xfrm>
         </p:spPr>
         <p:txBody>
           <a:bodyPr>
-            <a:normAutofit/>
+            <a:normAutofit fontScale="85000" lnSpcReduction="10000"/>
           </a:bodyPr>
           <a:lstStyle/>
           <a:p>
             <a:pPr marL="514350" indent="-457200" fontAlgn="base"/>
             <a:r>
               <a:rPr lang="cs-CZ" dirty="0" smtClean="0"/>
-              <a:t>Chování destruktoru jako v </a:t>
+              <a:t>Uchovává se typ </a:t>
             </a:r>
             <a:r>
               <a:rPr lang="cs-CZ" dirty="0" err="1" smtClean="0"/>
-              <a:t>jave</a:t>
+              <a:t>generiky</a:t>
+            </a:r>
+            <a:endParaRPr lang="cs-CZ" dirty="0" smtClean="0"/>
+          </a:p>
+          <a:p>
+            <a:pPr marL="514350" indent="-457200" fontAlgn="base"/>
+            <a:r>
+              <a:rPr lang="cs-CZ" dirty="0" smtClean="0"/>
+              <a:t>interface </a:t>
+            </a:r>
+            <a:r>
+              <a:rPr lang="cs-CZ" dirty="0" err="1" smtClean="0"/>
+              <a:t>IEnumerable</a:t>
+            </a:r>
+            <a:r>
+              <a:rPr lang="cs-CZ" dirty="0" smtClean="0"/>
+              <a:t>&lt;</a:t>
+            </a:r>
+            <a:r>
+              <a:rPr lang="cs-CZ" dirty="0" err="1" smtClean="0"/>
+              <a:t>out</a:t>
+            </a:r>
+            <a:r>
+              <a:rPr lang="cs-CZ" dirty="0" smtClean="0"/>
+              <a:t> T&gt; { }</a:t>
+            </a:r>
+          </a:p>
+          <a:p>
+            <a:pPr marL="514350" indent="-457200" fontAlgn="base"/>
+            <a:r>
+              <a:rPr lang="cs-CZ" dirty="0" err="1" smtClean="0"/>
+              <a:t>IEnumerable</a:t>
+            </a:r>
+            <a:r>
+              <a:rPr lang="cs-CZ" dirty="0" smtClean="0"/>
+              <a:t>&lt;</a:t>
+            </a:r>
+            <a:r>
+              <a:rPr lang="cs-CZ" dirty="0" err="1" smtClean="0"/>
+              <a:t>AbstractPerson</a:t>
+            </a:r>
+            <a:r>
+              <a:rPr lang="cs-CZ" dirty="0" smtClean="0"/>
+              <a:t>&gt; p = </a:t>
+            </a:r>
+            <a:r>
+              <a:rPr lang="cs-CZ" dirty="0" err="1" smtClean="0"/>
+              <a:t>new</a:t>
+            </a:r>
+            <a:r>
+              <a:rPr lang="cs-CZ" dirty="0" smtClean="0"/>
+              <a:t> List&lt;Person&gt;();</a:t>
+            </a:r>
+          </a:p>
+          <a:p>
+            <a:pPr marL="514350" indent="-457200" fontAlgn="base"/>
+            <a:r>
+              <a:rPr lang="en-US" dirty="0" smtClean="0"/>
+              <a:t>interface </a:t>
+            </a:r>
+            <a:r>
+              <a:rPr lang="en-US" dirty="0" err="1"/>
+              <a:t>IComparer</a:t>
+            </a:r>
+            <a:r>
+              <a:rPr lang="en-US" dirty="0"/>
+              <a:t>&lt;</a:t>
+            </a:r>
+            <a:r>
+              <a:rPr lang="en-US" dirty="0"/>
+              <a:t>in</a:t>
+            </a:r>
+            <a:r>
+              <a:rPr lang="en-US" dirty="0"/>
+              <a:t> T</a:t>
+            </a:r>
+            <a:r>
+              <a:rPr lang="en-US" dirty="0" smtClean="0"/>
+              <a:t>&gt;</a:t>
+            </a:r>
+            <a:r>
+              <a:rPr lang="cs-CZ" dirty="0" smtClean="0"/>
+              <a:t> {}</a:t>
+            </a:r>
+          </a:p>
+          <a:p>
+            <a:pPr marL="514350" indent="-457200" fontAlgn="base"/>
+            <a:r>
+              <a:rPr lang="en-US" dirty="0"/>
+              <a:t>Compare(Shape a, Shape b) </a:t>
+            </a:r>
+            <a:r>
+              <a:rPr lang="cs-CZ" dirty="0" smtClean="0"/>
+              <a:t>kde </a:t>
+            </a:r>
+            <a:r>
+              <a:rPr lang="en-US" dirty="0" smtClean="0"/>
+              <a:t>Circle</a:t>
+            </a:r>
+            <a:r>
+              <a:rPr lang="cs-CZ" dirty="0" smtClean="0"/>
+              <a:t> : </a:t>
+            </a:r>
+            <a:r>
+              <a:rPr lang="cs-CZ" dirty="0" err="1" smtClean="0"/>
+              <a:t>Shape</a:t>
+            </a:r>
+            <a:endParaRPr lang="cs-CZ" dirty="0" smtClean="0"/>
+          </a:p>
+          <a:p>
+            <a:pPr marL="514350" indent="-457200" fontAlgn="base"/>
+            <a:r>
+              <a:rPr lang="en-US" dirty="0" smtClean="0"/>
+              <a:t>new </a:t>
+            </a:r>
+            <a:r>
+              <a:rPr lang="en-US" dirty="0" err="1"/>
+              <a:t>SortedSet</a:t>
+            </a:r>
+            <a:r>
+              <a:rPr lang="en-US" dirty="0"/>
+              <a:t>&lt;Circle</a:t>
+            </a:r>
+            <a:r>
+              <a:rPr lang="en-US" dirty="0" smtClean="0"/>
+              <a:t>&gt;(new</a:t>
             </a:r>
             <a:r>
               <a:rPr lang="cs-CZ" dirty="0" smtClean="0"/>
               <a:t> </a:t>
             </a:r>
             <a:r>
-              <a:rPr lang="cs-CZ" dirty="0" err="1" smtClean="0"/>
-              <a:t>finalize</a:t>
-            </a:r>
-            <a:r>
-              <a:rPr lang="cs-CZ" dirty="0" smtClean="0"/>
-              <a:t> ale je zaručeno že se  volá vždy při uvolňování.</a:t>
-            </a:r>
+              <a:rPr lang="en-US" dirty="0" err="1" smtClean="0"/>
+              <a:t>ShapeAreaComparer</a:t>
+            </a:r>
+            <a:r>
+              <a:rPr lang="en-US" dirty="0"/>
+              <a:t>())</a:t>
+            </a:r>
+            <a:r>
+              <a:rPr lang="en-US" b="1" dirty="0"/>
+              <a:t/>
+            </a:r>
+            <a:br>
+              <a:rPr lang="en-US" b="1" dirty="0"/>
+            </a:br>
+            <a:endParaRPr lang="cs-CZ" b="1" dirty="0" smtClean="0"/>
           </a:p>
           <a:p>
             <a:pPr marL="514350" indent="-457200" fontAlgn="base"/>
             <a:r>
-              <a:rPr lang="en-US" dirty="0" err="1" smtClean="0"/>
-              <a:t>Idispose</a:t>
-            </a:r>
-            <a:r>
-              <a:rPr lang="cs-CZ" dirty="0" smtClean="0"/>
-              <a:t> je pro explicitní </a:t>
-            </a:r>
-            <a:r>
-              <a:rPr lang="cs-CZ" dirty="0" err="1" smtClean="0"/>
-              <a:t>uvolnování</a:t>
-            </a:r>
-            <a:r>
-              <a:rPr lang="cs-CZ" dirty="0" smtClean="0"/>
+              <a:rPr lang="cs-CZ" dirty="0" smtClean="0"/>
+              <a:t>Klíčová slova </a:t>
+            </a:r>
+            <a:r>
+              <a:rPr lang="cs-CZ" b="1" dirty="0" err="1" smtClean="0"/>
+              <a:t>where</a:t>
+            </a:r>
+            <a:r>
+              <a:rPr lang="cs-CZ" dirty="0" smtClean="0"/>
+              <a:t>, </a:t>
+            </a:r>
+            <a:r>
+              <a:rPr lang="cs-CZ" b="1" dirty="0" smtClean="0"/>
+              <a:t>:</a:t>
+            </a:r>
+            <a:r>
+              <a:rPr lang="cs-CZ" dirty="0" smtClean="0"/>
+              <a:t>, </a:t>
+            </a:r>
+            <a:r>
+              <a:rPr lang="cs-CZ" b="1" dirty="0" err="1" smtClean="0"/>
+              <a:t>new</a:t>
+            </a:r>
+            <a:r>
+              <a:rPr lang="cs-CZ" b="1" dirty="0" smtClean="0"/>
+              <a:t>()</a:t>
+            </a:r>
+            <a:r>
+              <a:rPr lang="cs-CZ" dirty="0" smtClean="0"/>
+              <a:t>,</a:t>
+            </a:r>
+            <a:r>
+              <a:rPr lang="cs-CZ" b="1" dirty="0" smtClean="0"/>
               <a:t> </a:t>
             </a:r>
             <a:r>
-              <a:rPr lang="cs-CZ" dirty="0" err="1" smtClean="0"/>
-              <a:t>unmanaged</a:t>
-            </a:r>
-            <a:r>
-              <a:rPr lang="cs-CZ" dirty="0" smtClean="0"/>
+              <a:rPr lang="cs-CZ" b="1" dirty="0" err="1" smtClean="0"/>
+              <a:t>struct</a:t>
+            </a:r>
+            <a:r>
+              <a:rPr lang="cs-CZ" dirty="0" smtClean="0"/>
+              <a:t>,</a:t>
+            </a:r>
+            <a:r>
+              <a:rPr lang="cs-CZ" b="1" dirty="0" smtClean="0"/>
               <a:t> </a:t>
             </a:r>
             <a:r>
-              <a:rPr lang="cs-CZ" dirty="0" err="1" smtClean="0"/>
-              <a:t>zdroju</a:t>
-            </a:r>
-            <a:r>
-              <a:rPr lang="cs-CZ" dirty="0" smtClean="0"/>
+              <a:rPr lang="cs-CZ" b="1" dirty="0" err="1" smtClean="0"/>
+              <a:t>class</a:t>
+            </a:r>
+            <a:endParaRPr lang="en-US" b="1" dirty="0"/>
+          </a:p>
+          <a:p>
+            <a:pPr marL="514350" indent="-457200" fontAlgn="base"/>
+            <a:r>
+              <a:rPr lang="cs-CZ" dirty="0"/>
+              <a:t>Lze použít </a:t>
+            </a:r>
+            <a:r>
+              <a:rPr lang="cs-CZ" dirty="0" err="1"/>
+              <a:t>instanceof</a:t>
+            </a:r>
+            <a:r>
+              <a:rPr lang="cs-CZ" dirty="0"/>
               <a:t> </a:t>
             </a:r>
             <a:r>
-              <a:rPr lang="cs-CZ" dirty="0" err="1" smtClean="0"/>
-              <a:t>např</a:t>
-            </a:r>
-            <a:r>
-              <a:rPr lang="cs-CZ" dirty="0" smtClean="0"/>
-              <a:t>, souborů, </a:t>
-            </a:r>
-            <a:r>
-              <a:rPr lang="cs-CZ" dirty="0" err="1" smtClean="0"/>
-              <a:t>connections</a:t>
-            </a:r>
-            <a:r>
-              <a:rPr lang="cs-CZ" dirty="0" smtClean="0"/>
-              <a:t> apod.</a:t>
-            </a:r>
-          </a:p>
-          <a:p>
-            <a:pPr marL="514350" indent="-457200" fontAlgn="base"/>
-            <a:r>
-              <a:rPr lang="cs-CZ" dirty="0" smtClean="0"/>
-              <a:t>Místo </a:t>
-            </a:r>
-            <a:r>
-              <a:rPr lang="cs-CZ" dirty="0" err="1" smtClean="0"/>
-              <a:t>try</a:t>
-            </a:r>
-            <a:r>
-              <a:rPr lang="cs-CZ" dirty="0" smtClean="0"/>
-              <a:t> </a:t>
-            </a:r>
-            <a:r>
-              <a:rPr lang="cs-CZ" dirty="0" err="1" smtClean="0"/>
-              <a:t>finaly</a:t>
-            </a:r>
-            <a:r>
-              <a:rPr lang="cs-CZ" dirty="0" smtClean="0"/>
-              <a:t> -&gt; používat </a:t>
-            </a:r>
-            <a:r>
-              <a:rPr lang="cs-CZ" dirty="0" err="1" smtClean="0"/>
-              <a:t>using</a:t>
-            </a:r>
-            <a:endParaRPr lang="cs-CZ" dirty="0" smtClean="0"/>
-          </a:p>
-          <a:p>
-            <a:pPr marL="514350" indent="-457200" fontAlgn="base"/>
-            <a:r>
-              <a:rPr lang="cs-CZ" dirty="0" smtClean="0"/>
-              <a:t>Příklad. </a:t>
-            </a:r>
-            <a:r>
-              <a:rPr lang="en-US" dirty="0" err="1"/>
-              <a:t>TestDispose</a:t>
-            </a:r>
-            <a:endParaRPr lang="en-US" dirty="0"/>
-          </a:p>
-          <a:p>
-            <a:pPr marL="514350" indent="-457200" fontAlgn="base"/>
-            <a:endParaRPr lang="en-US" dirty="0"/>
-          </a:p>
-          <a:p>
-            <a:pPr marL="514350" indent="-457200" fontAlgn="base"/>
+              <a:rPr lang="cs-CZ" dirty="0" smtClean="0"/>
+              <a:t>T</a:t>
+            </a:r>
             <a:endParaRPr lang="cs-CZ" dirty="0"/>
           </a:p>
           <a:p>
@@ -8729,7 +8822,7 @@
     </p:custDataLst>
     <p:extLst>
       <p:ext uri="{BB962C8B-B14F-4D97-AF65-F5344CB8AC3E}">
-        <p14:creationId xmlns:p14="http://schemas.microsoft.com/office/powerpoint/2010/main" val="1069292896"/>
+        <p14:creationId xmlns:p14="http://schemas.microsoft.com/office/powerpoint/2010/main" val="2956549503"/>
       </p:ext>
     </p:extLst>
   </p:cSld>
@@ -8787,10 +8880,17 @@
           <a:lstStyle/>
           <a:p>
             <a:r>
-              <a:rPr lang="cs-CZ" dirty="0" err="1" smtClean="0"/>
-              <a:t>Exception</a:t>
-            </a:r>
-            <a:endParaRPr lang="en-US" dirty="0"/>
+              <a:rPr lang="cs-CZ" dirty="0" smtClean="0"/>
+              <a:t>D</a:t>
+            </a:r>
+            <a:r>
+              <a:rPr lang="en-US" dirty="0" err="1" smtClean="0"/>
+              <a:t>estruktur</a:t>
+            </a:r>
+            <a:r>
+              <a:rPr lang="en-US" dirty="0"/>
+              <a:t>, using a IDispose</a:t>
+            </a:r>
           </a:p>
         </p:txBody>
       </p:sp>
@@ -8809,8 +8909,8 @@
         </p:nvSpPr>
         <p:spPr>
           <a:xfrm>
-            <a:off x="539552" y="1596413"/>
-            <a:ext cx="8604448" cy="4297363"/>
+            <a:off x="683568" y="1596413"/>
+            <a:ext cx="8352928" cy="4297363"/>
           </a:xfrm>
         </p:spPr>
         <p:txBody>
@@ -8822,100 +8922,119 @@
             <a:pPr marL="514350" indent="-457200" fontAlgn="base"/>
             <a:r>
               <a:rPr lang="cs-CZ" dirty="0" smtClean="0"/>
-              <a:t>Podobn</a:t>
-            </a:r>
-            <a:r>
-              <a:rPr lang="cs-CZ" dirty="0"/>
-              <a:t>ě</a:t>
-            </a:r>
-            <a:r>
-              <a:rPr lang="cs-CZ" dirty="0" smtClean="0"/>
-              <a:t> jako v </a:t>
+              <a:t>Chování destruktoru jako v </a:t>
             </a:r>
             <a:r>
               <a:rPr lang="cs-CZ" dirty="0" err="1" smtClean="0"/>
-              <a:t>javě</a:t>
-            </a:r>
-            <a:r>
-              <a:rPr lang="cs-CZ" dirty="0" smtClean="0"/>
-              <a:t> ale </a:t>
-            </a:r>
-            <a:r>
-              <a:rPr lang="cs-CZ" dirty="0"/>
-              <a:t>neexistují </a:t>
-            </a:r>
-            <a:r>
-              <a:rPr lang="cs-CZ" dirty="0" err="1"/>
-              <a:t>checked</a:t>
-            </a:r>
-            <a:r>
-              <a:rPr lang="cs-CZ" dirty="0"/>
+              <a:t>jave</a:t>
+            </a:r>
+            <a:r>
+              <a:rPr lang="cs-CZ" dirty="0" smtClean="0"/>
               <a:t> </a:t>
             </a:r>
             <a:r>
-              <a:rPr lang="cs-CZ" dirty="0" smtClean="0"/>
-              <a:t>výjimky</a:t>
+              <a:rPr lang="cs-CZ" dirty="0" err="1" smtClean="0"/>
+              <a:t>finalize</a:t>
+            </a:r>
+            <a:r>
+              <a:rPr lang="cs-CZ" dirty="0" smtClean="0"/>
+              <a:t> ale je zaručeno že se  volá vždy při uvolňování.</a:t>
             </a:r>
           </a:p>
           <a:p>
             <a:pPr marL="514350" indent="-457200" fontAlgn="base"/>
             <a:r>
-              <a:rPr lang="cs-CZ" dirty="0" smtClean="0"/>
-              <a:t>Dědí se po </a:t>
+              <a:rPr lang="en-US" dirty="0" err="1" smtClean="0"/>
+              <a:t>Idispose</a:t>
+            </a:r>
+            <a:r>
+              <a:rPr lang="cs-CZ" dirty="0" smtClean="0"/>
+              <a:t> je pro explicitní </a:t>
             </a:r>
             <a:r>
               <a:rPr lang="cs-CZ" dirty="0" err="1" smtClean="0"/>
-              <a:t>System.Exception</a:t>
+              <a:t>uvolnování</a:t>
+            </a:r>
+            <a:r>
+              <a:rPr lang="cs-CZ" dirty="0" smtClean="0"/>
+              <a:t> </a:t>
+            </a:r>
+            <a:r>
+              <a:rPr lang="cs-CZ" dirty="0" err="1" smtClean="0"/>
+              <a:t>unmanaged</a:t>
+            </a:r>
+            <a:r>
+              <a:rPr lang="cs-CZ" dirty="0" smtClean="0"/>
+              <a:t> </a:t>
+            </a:r>
+            <a:r>
+              <a:rPr lang="cs-CZ" dirty="0" err="1" smtClean="0"/>
+              <a:t>zdroju</a:t>
+            </a:r>
+            <a:r>
+              <a:rPr lang="cs-CZ" dirty="0" smtClean="0"/>
+              <a:t> </a:t>
+            </a:r>
+            <a:r>
+              <a:rPr lang="cs-CZ" dirty="0" err="1" smtClean="0"/>
+              <a:t>např</a:t>
+            </a:r>
+            <a:r>
+              <a:rPr lang="cs-CZ" dirty="0" smtClean="0"/>
+              <a:t>, souborů, </a:t>
+            </a:r>
+            <a:r>
+              <a:rPr lang="cs-CZ" dirty="0" err="1" smtClean="0"/>
+              <a:t>connections</a:t>
+            </a:r>
+            <a:r>
+              <a:rPr lang="cs-CZ" dirty="0" smtClean="0"/>
+              <a:t> apod.</a:t>
+            </a:r>
+          </a:p>
+          <a:p>
+            <a:pPr marL="514350" indent="-457200" fontAlgn="base"/>
+            <a:r>
+              <a:rPr lang="cs-CZ" dirty="0" smtClean="0"/>
+              <a:t>Místo </a:t>
+            </a:r>
+            <a:r>
+              <a:rPr lang="cs-CZ" dirty="0" err="1" smtClean="0"/>
+              <a:t>try</a:t>
+            </a:r>
+            <a:r>
+              <a:rPr lang="cs-CZ" dirty="0" smtClean="0"/>
+              <a:t> </a:t>
+            </a:r>
+            <a:r>
+              <a:rPr lang="cs-CZ" dirty="0" err="1" smtClean="0"/>
+              <a:t>finaly</a:t>
+            </a:r>
+            <a:r>
+              <a:rPr lang="cs-CZ" dirty="0" smtClean="0"/>
+              <a:t> -&gt; používat </a:t>
+            </a:r>
+            <a:r>
+              <a:rPr lang="cs-CZ" dirty="0" err="1" smtClean="0"/>
+              <a:t>using</a:t>
             </a:r>
             <a:endParaRPr lang="cs-CZ" dirty="0" smtClean="0"/>
           </a:p>
           <a:p>
             <a:pPr marL="514350" indent="-457200" fontAlgn="base"/>
             <a:r>
-              <a:rPr lang="cs-CZ" dirty="0" err="1" smtClean="0"/>
-              <a:t>NullPointerException</a:t>
-            </a:r>
-            <a:r>
-              <a:rPr lang="cs-CZ" dirty="0" smtClean="0"/>
-              <a:t>==</a:t>
-            </a:r>
-            <a:r>
-              <a:rPr lang="en-US" dirty="0" err="1" smtClean="0"/>
-              <a:t>NullReferenceException</a:t>
-            </a:r>
-            <a:endParaRPr lang="cs-CZ" dirty="0" smtClean="0"/>
+              <a:rPr lang="cs-CZ" dirty="0" smtClean="0"/>
+              <a:t>Příklad. </a:t>
+            </a:r>
+            <a:r>
+              <a:rPr lang="en-US" dirty="0" err="1"/>
+              <a:t>TestDispose</a:t>
+            </a:r>
+            <a:endParaRPr lang="en-US" dirty="0"/>
           </a:p>
           <a:p>
             <a:pPr marL="514350" indent="-457200" fontAlgn="base"/>
-            <a:r>
-              <a:rPr lang="en-US" dirty="0" err="1" smtClean="0"/>
-              <a:t>ClassCastException</a:t>
-            </a:r>
-            <a:r>
-              <a:rPr lang="cs-CZ" dirty="0" smtClean="0"/>
-              <a:t>==</a:t>
-            </a:r>
-            <a:r>
-              <a:rPr lang="en-US" dirty="0"/>
-              <a:t> </a:t>
-            </a:r>
-            <a:r>
-              <a:rPr lang="en-US" dirty="0" err="1"/>
-              <a:t>InvalidCastException</a:t>
-            </a:r>
             <a:endParaRPr lang="en-US" dirty="0"/>
-          </a:p>
-          <a:p>
-            <a:pPr marL="514350" indent="-457200" fontAlgn="base"/>
-            <a:r>
-              <a:rPr lang="cs-CZ" dirty="0" smtClean="0"/>
-              <a:t>…</a:t>
-            </a:r>
-            <a:endParaRPr lang="en-US" dirty="0"/>
-          </a:p>
-          <a:p>
-            <a:pPr marL="514350" indent="-457200" fontAlgn="base"/>
-            <a:endParaRPr lang="cs-CZ" dirty="0" smtClean="0"/>
           </a:p>
           <a:p>
             <a:pPr marL="514350" indent="-457200" fontAlgn="base"/>
@@ -8977,7 +9096,7 @@
     </p:custDataLst>
     <p:extLst>
       <p:ext uri="{BB962C8B-B14F-4D97-AF65-F5344CB8AC3E}">
-        <p14:creationId xmlns:p14="http://schemas.microsoft.com/office/powerpoint/2010/main" val="3584004117"/>
+        <p14:creationId xmlns:p14="http://schemas.microsoft.com/office/powerpoint/2010/main" val="1069292896"/>
       </p:ext>
     </p:extLst>
   </p:cSld>
@@ -9035,21 +9154,10 @@
           <a:lstStyle/>
           <a:p>
             <a:r>
-              <a:rPr lang="en-US" b="1" dirty="0" smtClean="0"/>
-              <a:t>yield </a:t>
-            </a:r>
-            <a:r>
-              <a:rPr lang="en-US" b="1" dirty="0"/>
-              <a:t>return</a:t>
-            </a:r>
-            <a:r>
-              <a:rPr lang="en-US" dirty="0"/>
-              <a:t> a </a:t>
-            </a:r>
-            <a:r>
-              <a:rPr lang="en-US" b="1" dirty="0"/>
-              <a:t>yield break</a:t>
-            </a:r>
+              <a:rPr lang="cs-CZ" dirty="0" err="1" smtClean="0"/>
+              <a:t>Exception</a:t>
+            </a:r>
+            <a:endParaRPr lang="en-US" dirty="0"/>
           </a:p>
         </p:txBody>
       </p:sp>
@@ -9068,54 +9176,44 @@
         </p:nvSpPr>
         <p:spPr>
           <a:xfrm>
-            <a:off x="683568" y="1596413"/>
-            <a:ext cx="8352928" cy="4297363"/>
+            <a:off x="539552" y="1596413"/>
+            <a:ext cx="8604448" cy="4297363"/>
           </a:xfrm>
         </p:spPr>
         <p:txBody>
           <a:bodyPr>
-            <a:normAutofit fontScale="62500" lnSpcReduction="20000"/>
+            <a:normAutofit/>
           </a:bodyPr>
           <a:lstStyle/>
           <a:p>
             <a:pPr marL="514350" indent="-457200" fontAlgn="base"/>
             <a:r>
               <a:rPr lang="cs-CZ" dirty="0" smtClean="0"/>
-              <a:t>Místo psaní implementace </a:t>
-            </a:r>
-            <a:r>
-              <a:rPr lang="en-US" i="1" dirty="0" err="1"/>
-              <a:t>IEnumerable</a:t>
-            </a:r>
-            <a:r>
-              <a:rPr lang="cs-CZ" dirty="0" smtClean="0"/>
-              <a:t>. Řeší překladač v těle metody.</a:t>
-            </a:r>
-          </a:p>
-          <a:p>
-            <a:pPr marL="514350" indent="-457200" fontAlgn="base"/>
+              <a:t>Podobn</a:t>
+            </a:r>
+            <a:r>
+              <a:rPr lang="cs-CZ" dirty="0"/>
+              <a:t>ě</a:t>
+            </a:r>
+            <a:r>
+              <a:rPr lang="cs-CZ" dirty="0" smtClean="0"/>
+              <a:t> jako v </a:t>
+            </a:r>
             <a:r>
               <a:rPr lang="cs-CZ" dirty="0" err="1" smtClean="0"/>
-              <a:t>yield</a:t>
-            </a:r>
-            <a:r>
-              <a:rPr lang="cs-CZ" dirty="0" smtClean="0"/>
-              <a:t> return vrací další prvek.</a:t>
-            </a:r>
-          </a:p>
-          <a:p>
-            <a:pPr marL="514350" indent="-457200" fontAlgn="base"/>
-            <a:r>
-              <a:rPr lang="cs-CZ" dirty="0" err="1" smtClean="0"/>
-              <a:t>Yield</a:t>
-            </a:r>
-            <a:r>
-              <a:rPr lang="cs-CZ" dirty="0" smtClean="0"/>
-              <a:t> </a:t>
-            </a:r>
-            <a:r>
-              <a:rPr lang="cs-CZ" dirty="0" err="1" smtClean="0"/>
-              <a:t>break</a:t>
+              <a:t>javě</a:t>
+            </a:r>
+            <a:r>
+              <a:rPr lang="cs-CZ" dirty="0" smtClean="0"/>
+              <a:t> ale </a:t>
+            </a:r>
+            <a:r>
+              <a:rPr lang="cs-CZ" dirty="0"/>
+              <a:t>neexistují </a:t>
+            </a:r>
+            <a:r>
+              <a:rPr lang="cs-CZ" dirty="0" err="1"/>
+              <a:t>checked</a:t>
             </a:r>
             <a:r>
               <a:rPr lang="cs-CZ" dirty="0"/>
@@ -9123,109 +9221,68 @@
             </a:r>
             <a:r>
               <a:rPr lang="cs-CZ" dirty="0" smtClean="0"/>
-              <a:t>- už není dostupný další.</a:t>
+              <a:t>výjimky</a:t>
             </a:r>
           </a:p>
           <a:p>
             <a:pPr marL="514350" indent="-457200" fontAlgn="base"/>
             <a:r>
+              <a:rPr lang="cs-CZ" dirty="0" smtClean="0"/>
+              <a:t>Dědí se po </a:t>
+            </a:r>
+            <a:r>
               <a:rPr lang="cs-CZ" dirty="0" err="1" smtClean="0"/>
-              <a:t>Př</a:t>
-            </a:r>
-            <a:r>
-              <a:rPr lang="cs-CZ" dirty="0" smtClean="0"/>
-              <a:t>: Místo vracení již naplněné kolekce prvku </a:t>
-            </a:r>
-            <a:r>
-              <a:rPr lang="cs-CZ" dirty="0"/>
-              <a:t>(čas. náročnost)</a:t>
-            </a:r>
-            <a:r>
-              <a:rPr lang="cs-CZ" dirty="0" smtClean="0"/>
-              <a:t> vracíme postupně</a:t>
-            </a:r>
+              <a:t>System.Exception</a:t>
+            </a:r>
+            <a:endParaRPr lang="cs-CZ" dirty="0" smtClean="0"/>
           </a:p>
           <a:p>
             <a:pPr marL="514350" indent="-457200" fontAlgn="base"/>
             <a:r>
-              <a:rPr lang="cs-CZ" dirty="0" smtClean="0"/>
-              <a:t>Pozor při znovu zavolaní metody se znova provede </a:t>
-            </a:r>
-            <a:r>
               <a:rPr lang="cs-CZ" dirty="0" err="1" smtClean="0"/>
-              <a:t>telo</a:t>
-            </a:r>
-            <a:r>
-              <a:rPr lang="cs-CZ" dirty="0" smtClean="0"/>
-              <a:t> metody</a:t>
-            </a:r>
+              <a:t>NullPointerException</a:t>
+            </a:r>
+            <a:r>
+              <a:rPr lang="cs-CZ" dirty="0" smtClean="0"/>
+              <a:t>==</a:t>
+            </a:r>
+            <a:r>
+              <a:rPr lang="en-US" dirty="0" err="1" smtClean="0"/>
+              <a:t>NullReferenceException</a:t>
+            </a:r>
+            <a:endParaRPr lang="cs-CZ" dirty="0" smtClean="0"/>
           </a:p>
           <a:p>
             <a:pPr marL="514350" indent="-457200" fontAlgn="base"/>
             <a:r>
-              <a:rPr lang="cs-CZ" dirty="0" smtClean="0"/>
-              <a:t>-&gt; </a:t>
-            </a:r>
-            <a:r>
-              <a:rPr lang="cs-CZ" dirty="0" err="1" smtClean="0"/>
-              <a:t>jiz</a:t>
-            </a:r>
-            <a:r>
-              <a:rPr lang="cs-CZ" dirty="0" smtClean="0"/>
+              <a:rPr lang="en-US" dirty="0" err="1" smtClean="0"/>
+              <a:t>ClassCastException</a:t>
+            </a:r>
+            <a:r>
+              <a:rPr lang="cs-CZ" dirty="0" smtClean="0"/>
+              <a:t>==</a:t>
+            </a:r>
+            <a:r>
+              <a:rPr lang="en-US" dirty="0"/>
               <a:t> </a:t>
             </a:r>
             <a:r>
-              <a:rPr lang="cs-CZ" dirty="0" err="1" smtClean="0"/>
-              <a:t>spocitane</a:t>
-            </a:r>
-            <a:r>
-              <a:rPr lang="cs-CZ" dirty="0" smtClean="0"/>
-              <a:t> </a:t>
-            </a:r>
-            <a:r>
-              <a:rPr lang="cs-CZ" dirty="0" err="1" smtClean="0"/>
-              <a:t>pouzit</a:t>
-            </a:r>
-            <a:r>
-              <a:rPr lang="cs-CZ" dirty="0" smtClean="0"/>
-              <a:t> </a:t>
-            </a:r>
-            <a:r>
-              <a:rPr lang="cs-CZ" dirty="0" err="1" smtClean="0"/>
-              <a:t>ToArray</a:t>
-            </a:r>
-            <a:r>
-              <a:rPr lang="cs-CZ" dirty="0" smtClean="0"/>
-              <a:t> nebo </a:t>
-            </a:r>
-            <a:r>
-              <a:rPr lang="cs-CZ" dirty="0" err="1" smtClean="0"/>
-              <a:t>ToList</a:t>
-            </a:r>
-            <a:r>
-              <a:rPr lang="cs-CZ" dirty="0" smtClean="0"/>
-              <a:t> apod.</a:t>
-            </a:r>
+              <a:rPr lang="en-US" dirty="0" err="1"/>
+              <a:t>InvalidCastException</a:t>
+            </a:r>
+            <a:endParaRPr lang="en-US" dirty="0"/>
           </a:p>
           <a:p>
             <a:pPr marL="514350" indent="-457200" fontAlgn="base"/>
             <a:r>
               <a:rPr lang="cs-CZ" dirty="0" smtClean="0"/>
-              <a:t>Příklad </a:t>
-            </a:r>
-            <a:r>
-              <a:rPr lang="en-US" dirty="0" err="1" smtClean="0"/>
-              <a:t>TestEnumerable</a:t>
-            </a:r>
-            <a:r>
-              <a:rPr lang="cs-CZ" dirty="0" smtClean="0"/>
-              <a:t>.</a:t>
-            </a:r>
-            <a:r>
-              <a:rPr lang="cs-CZ" dirty="0" err="1" smtClean="0"/>
-              <a:t>cs</a:t>
+              <a:t>…</a:t>
             </a:r>
             <a:endParaRPr lang="en-US" dirty="0"/>
+          </a:p>
+          <a:p>
+            <a:pPr marL="514350" indent="-457200" fontAlgn="base"/>
+            <a:endParaRPr lang="cs-CZ" dirty="0" smtClean="0"/>
           </a:p>
           <a:p>
             <a:pPr marL="514350" indent="-457200" fontAlgn="base"/>
@@ -9243,20 +9300,6 @@
           </a:p>
           <a:p>
             <a:pPr marL="514350" indent="-457200" fontAlgn="base"/>
-            <a:endParaRPr lang="cs-CZ" dirty="0" smtClean="0"/>
-          </a:p>
-          <a:p>
-            <a:pPr marL="514350" indent="-457200" fontAlgn="base"/>
-            <a:endParaRPr lang="cs-CZ" dirty="0"/>
-          </a:p>
-          <a:p>
-            <a:pPr marL="514350" indent="-457200" fontAlgn="base"/>
-            <a:r>
-              <a:rPr lang="en-US" dirty="0">
-                <a:hlinkClick r:id="rId6"/>
-              </a:rPr>
-              <a:t>http://msdn.microsoft.com/cs-cz/library/9k7k7cf0.aspx</a:t>
-            </a:r>
             <a:endParaRPr lang="en-US" dirty="0"/>
           </a:p>
           <a:p>
@@ -9301,7 +9344,7 @@
     </p:custDataLst>
     <p:extLst>
       <p:ext uri="{BB962C8B-B14F-4D97-AF65-F5344CB8AC3E}">
-        <p14:creationId xmlns:p14="http://schemas.microsoft.com/office/powerpoint/2010/main" val="1458288348"/>
+        <p14:creationId xmlns:p14="http://schemas.microsoft.com/office/powerpoint/2010/main" val="3584004117"/>
       </p:ext>
     </p:extLst>
   </p:cSld>
@@ -9359,6 +9402,330 @@
           <a:lstStyle/>
           <a:p>
             <a:r>
+              <a:rPr lang="en-US" b="1" dirty="0" smtClean="0"/>
+              <a:t>yield </a:t>
+            </a:r>
+            <a:r>
+              <a:rPr lang="en-US" b="1" dirty="0"/>
+              <a:t>return</a:t>
+            </a:r>
+            <a:r>
+              <a:rPr lang="en-US" dirty="0"/>
+              <a:t> a </a:t>
+            </a:r>
+            <a:r>
+              <a:rPr lang="en-US" b="1" dirty="0"/>
+              <a:t>yield break</a:t>
+            </a:r>
+          </a:p>
+        </p:txBody>
+      </p:sp>
+      <p:sp>
+        <p:nvSpPr>
+          <p:cNvPr id="5" name="Content Placeholder 4"/>
+          <p:cNvSpPr>
+            <a:spLocks noGrp="1"/>
+          </p:cNvSpPr>
+          <p:nvPr>
+            <p:ph idx="1"/>
+            <p:custDataLst>
+              <p:tags r:id="rId3"/>
+            </p:custDataLst>
+          </p:nvPr>
+        </p:nvSpPr>
+        <p:spPr>
+          <a:xfrm>
+            <a:off x="683568" y="1596413"/>
+            <a:ext cx="8352928" cy="4297363"/>
+          </a:xfrm>
+        </p:spPr>
+        <p:txBody>
+          <a:bodyPr>
+            <a:normAutofit fontScale="62500" lnSpcReduction="20000"/>
+          </a:bodyPr>
+          <a:lstStyle/>
+          <a:p>
+            <a:pPr marL="514350" indent="-457200" fontAlgn="base"/>
+            <a:r>
+              <a:rPr lang="cs-CZ" dirty="0" smtClean="0"/>
+              <a:t>Místo psaní implementace </a:t>
+            </a:r>
+            <a:r>
+              <a:rPr lang="en-US" i="1" dirty="0" err="1"/>
+              <a:t>IEnumerable</a:t>
+            </a:r>
+            <a:r>
+              <a:rPr lang="cs-CZ" dirty="0" smtClean="0"/>
+              <a:t>. Řeší překladač v těle metody.</a:t>
+            </a:r>
+          </a:p>
+          <a:p>
+            <a:pPr marL="514350" indent="-457200" fontAlgn="base"/>
+            <a:r>
+              <a:rPr lang="cs-CZ" dirty="0" err="1" smtClean="0"/>
+              <a:t>yield</a:t>
+            </a:r>
+            <a:r>
+              <a:rPr lang="cs-CZ" dirty="0" smtClean="0"/>
+              <a:t> return vrací další prvek.</a:t>
+            </a:r>
+          </a:p>
+          <a:p>
+            <a:pPr marL="514350" indent="-457200" fontAlgn="base"/>
+            <a:r>
+              <a:rPr lang="cs-CZ" dirty="0" err="1" smtClean="0"/>
+              <a:t>Yield</a:t>
+            </a:r>
+            <a:r>
+              <a:rPr lang="cs-CZ" dirty="0" smtClean="0"/>
+              <a:t> </a:t>
+            </a:r>
+            <a:r>
+              <a:rPr lang="cs-CZ" dirty="0" err="1" smtClean="0"/>
+              <a:t>break</a:t>
+            </a:r>
+            <a:r>
+              <a:rPr lang="cs-CZ" dirty="0"/>
+              <a:t> </a:t>
+            </a:r>
+            <a:r>
+              <a:rPr lang="cs-CZ" dirty="0" smtClean="0"/>
+              <a:t>- už není dostupný další.</a:t>
+            </a:r>
+          </a:p>
+          <a:p>
+            <a:pPr marL="514350" indent="-457200" fontAlgn="base"/>
+            <a:r>
+              <a:rPr lang="cs-CZ" dirty="0" err="1" smtClean="0"/>
+              <a:t>Př</a:t>
+            </a:r>
+            <a:r>
+              <a:rPr lang="cs-CZ" dirty="0" smtClean="0"/>
+              <a:t>: Místo vracení již naplněné kolekce prvku </a:t>
+            </a:r>
+            <a:r>
+              <a:rPr lang="cs-CZ" dirty="0"/>
+              <a:t>(čas. náročnost)</a:t>
+            </a:r>
+            <a:r>
+              <a:rPr lang="cs-CZ" dirty="0" smtClean="0"/>
+              <a:t> vracíme postupně</a:t>
+            </a:r>
+          </a:p>
+          <a:p>
+            <a:pPr marL="514350" indent="-457200" fontAlgn="base"/>
+            <a:r>
+              <a:rPr lang="cs-CZ" dirty="0" smtClean="0"/>
+              <a:t>Pozor při znovu zavolaní metody se znova provede </a:t>
+            </a:r>
+            <a:r>
+              <a:rPr lang="cs-CZ" dirty="0" err="1" smtClean="0"/>
+              <a:t>telo</a:t>
+            </a:r>
+            <a:r>
+              <a:rPr lang="cs-CZ" dirty="0" smtClean="0"/>
+              <a:t> metody</a:t>
+            </a:r>
+          </a:p>
+          <a:p>
+            <a:pPr marL="514350" indent="-457200" fontAlgn="base"/>
+            <a:r>
+              <a:rPr lang="cs-CZ" dirty="0" smtClean="0"/>
+              <a:t>-&gt; </a:t>
+            </a:r>
+            <a:r>
+              <a:rPr lang="cs-CZ" dirty="0" err="1" smtClean="0"/>
+              <a:t>jiz</a:t>
+            </a:r>
+            <a:r>
+              <a:rPr lang="cs-CZ" dirty="0" smtClean="0"/>
+              <a:t> </a:t>
+            </a:r>
+            <a:r>
+              <a:rPr lang="cs-CZ" dirty="0" err="1" smtClean="0"/>
+              <a:t>spocitane</a:t>
+            </a:r>
+            <a:r>
+              <a:rPr lang="cs-CZ" dirty="0" smtClean="0"/>
+              <a:t> </a:t>
+            </a:r>
+            <a:r>
+              <a:rPr lang="cs-CZ" dirty="0" err="1" smtClean="0"/>
+              <a:t>pouzit</a:t>
+            </a:r>
+            <a:r>
+              <a:rPr lang="cs-CZ" dirty="0" smtClean="0"/>
+              <a:t> </a:t>
+            </a:r>
+            <a:r>
+              <a:rPr lang="cs-CZ" dirty="0" err="1" smtClean="0"/>
+              <a:t>ToArray</a:t>
+            </a:r>
+            <a:r>
+              <a:rPr lang="cs-CZ" dirty="0" smtClean="0"/>
+              <a:t> nebo </a:t>
+            </a:r>
+            <a:r>
+              <a:rPr lang="cs-CZ" dirty="0" err="1" smtClean="0"/>
+              <a:t>ToList</a:t>
+            </a:r>
+            <a:r>
+              <a:rPr lang="cs-CZ" dirty="0" smtClean="0"/>
+              <a:t> apod.</a:t>
+            </a:r>
+          </a:p>
+          <a:p>
+            <a:pPr marL="514350" indent="-457200" fontAlgn="base"/>
+            <a:r>
+              <a:rPr lang="cs-CZ" dirty="0" smtClean="0"/>
+              <a:t>Příklad </a:t>
+            </a:r>
+            <a:r>
+              <a:rPr lang="en-US" dirty="0" err="1" smtClean="0"/>
+              <a:t>TestEnumerable</a:t>
+            </a:r>
+            <a:r>
+              <a:rPr lang="cs-CZ" dirty="0" smtClean="0"/>
+              <a:t>.</a:t>
+            </a:r>
+            <a:r>
+              <a:rPr lang="cs-CZ" dirty="0" err="1" smtClean="0"/>
+              <a:t>cs</a:t>
+            </a:r>
+            <a:endParaRPr lang="en-US" dirty="0"/>
+          </a:p>
+          <a:p>
+            <a:pPr marL="514350" indent="-457200" fontAlgn="base"/>
+            <a:endParaRPr lang="cs-CZ" dirty="0"/>
+          </a:p>
+          <a:p>
+            <a:pPr marL="514350" indent="-457200" fontAlgn="base"/>
+            <a:endParaRPr lang="en-US" dirty="0"/>
+          </a:p>
+          <a:p>
+            <a:pPr marL="57150" indent="0" fontAlgn="base">
+              <a:buNone/>
+            </a:pPr>
+            <a:endParaRPr lang="cs-CZ" dirty="0" smtClean="0"/>
+          </a:p>
+          <a:p>
+            <a:pPr marL="514350" indent="-457200" fontAlgn="base"/>
+            <a:endParaRPr lang="cs-CZ" dirty="0" smtClean="0"/>
+          </a:p>
+          <a:p>
+            <a:pPr marL="514350" indent="-457200" fontAlgn="base"/>
+            <a:endParaRPr lang="cs-CZ" dirty="0"/>
+          </a:p>
+          <a:p>
+            <a:pPr marL="514350" indent="-457200" fontAlgn="base"/>
+            <a:r>
+              <a:rPr lang="en-US" dirty="0">
+                <a:hlinkClick r:id="rId6"/>
+              </a:rPr>
+              <a:t>http://msdn.microsoft.com/cs-cz/library/9k7k7cf0.aspx</a:t>
+            </a:r>
+            <a:endParaRPr lang="en-US" dirty="0"/>
+          </a:p>
+          <a:p>
+            <a:pPr marL="514350" indent="-457200" fontAlgn="base"/>
+            <a:endParaRPr lang="pl-PL" b="1" dirty="0"/>
+          </a:p>
+          <a:p>
+            <a:pPr marL="514350" indent="-457200" fontAlgn="base"/>
+            <a:endParaRPr lang="en-US" b="1" dirty="0"/>
+          </a:p>
+          <a:p>
+            <a:pPr marL="514350" indent="-457200" fontAlgn="base"/>
+            <a:endParaRPr lang="en-US" b="1" dirty="0"/>
+          </a:p>
+          <a:p>
+            <a:pPr marL="514350" indent="-457200" fontAlgn="base"/>
+            <a:endParaRPr lang="en-US" b="1" dirty="0"/>
+          </a:p>
+          <a:p>
+            <a:pPr lvl="1" fontAlgn="base"/>
+            <a:endParaRPr lang="en-US" b="1" dirty="0"/>
+          </a:p>
+          <a:p>
+            <a:pPr marL="0" indent="0" fontAlgn="base">
+              <a:buNone/>
+            </a:pPr>
+            <a:endParaRPr lang="cs-CZ" dirty="0" smtClean="0"/>
+          </a:p>
+          <a:p>
+            <a:pPr fontAlgn="base"/>
+            <a:endParaRPr lang="cs-CZ" b="1" dirty="0" smtClean="0"/>
+          </a:p>
+          <a:p>
+            <a:pPr fontAlgn="base"/>
+            <a:endParaRPr lang="en-US" b="1" dirty="0"/>
+          </a:p>
+        </p:txBody>
+      </p:sp>
+    </p:spTree>
+    <p:custDataLst>
+      <p:tags r:id="rId1"/>
+    </p:custDataLst>
+    <p:extLst>
+      <p:ext uri="{BB962C8B-B14F-4D97-AF65-F5344CB8AC3E}">
+        <p14:creationId xmlns:p14="http://schemas.microsoft.com/office/powerpoint/2010/main" val="1458288348"/>
+      </p:ext>
+    </p:extLst>
+  </p:cSld>
+  <p:clrMapOvr>
+    <a:masterClrMapping/>
+  </p:clrMapOvr>
+  <p:transition spd="slow">
+    <p:wipe dir="d"/>
+  </p:transition>
+  <p:timing>
+    <p:tnLst>
+      <p:par>
+        <p:cTn id="1" dur="indefinite" restart="never" nodeType="tmRoot"/>
+      </p:par>
+    </p:tnLst>
+  </p:timing>
+</p:sld>
+</file>
+
+<file path=ppt/slides/slide17.xml><?xml version="1.0" encoding="utf-8"?>
+<p:sld xmlns:a="http://schemas.openxmlformats.org/drawingml/2006/main" xmlns:r="http://schemas.openxmlformats.org/officeDocument/2006/relationships" xmlns:p="http://schemas.openxmlformats.org/presentationml/2006/main">
+  <p:cSld>
+    <p:spTree>
+      <p:nvGrpSpPr>
+        <p:cNvPr id="1" name=""/>
+        <p:cNvGrpSpPr/>
+        <p:nvPr/>
+      </p:nvGrpSpPr>
+      <p:grpSpPr>
+        <a:xfrm>
+          <a:off x="0" y="0"/>
+          <a:ext cx="0" cy="0"/>
+          <a:chOff x="0" y="0"/>
+          <a:chExt cx="0" cy="0"/>
+        </a:xfrm>
+      </p:grpSpPr>
+      <p:sp>
+        <p:nvSpPr>
+          <p:cNvPr id="2" name="Title 1"/>
+          <p:cNvSpPr>
+            <a:spLocks noGrp="1"/>
+          </p:cNvSpPr>
+          <p:nvPr>
+            <p:ph type="title"/>
+            <p:custDataLst>
+              <p:tags r:id="rId2"/>
+            </p:custDataLst>
+          </p:nvPr>
+        </p:nvSpPr>
+        <p:spPr/>
+        <p:txBody>
+          <a:bodyPr>
+            <a:normAutofit/>
+          </a:bodyPr>
+          <a:lstStyle/>
+          <a:p>
+            <a:r>
               <a:rPr lang="cs-CZ" dirty="0" smtClean="0"/>
               <a:t>E</a:t>
             </a:r>
@@ -9617,7 +9984,7 @@
 </p:sld>
 </file>
 
-<file path=ppt/slides/slide17.xml><?xml version="1.0" encoding="utf-8"?>
+<file path=ppt/slides/slide18.xml><?xml version="1.0" encoding="utf-8"?>
 <p:sld xmlns:a="http://schemas.openxmlformats.org/drawingml/2006/main" xmlns:r="http://schemas.openxmlformats.org/officeDocument/2006/relationships" xmlns:p="http://schemas.openxmlformats.org/presentationml/2006/main">
   <p:cSld>
     <p:spTree>
@@ -9971,7 +10338,7 @@
 </p:sld>
 </file>
 
-<file path=ppt/slides/slide18.xml><?xml version="1.0" encoding="utf-8"?>
+<file path=ppt/slides/slide19.xml><?xml version="1.0" encoding="utf-8"?>
 <p:sld xmlns:a="http://schemas.openxmlformats.org/drawingml/2006/main" xmlns:r="http://schemas.openxmlformats.org/officeDocument/2006/relationships" xmlns:p="http://schemas.openxmlformats.org/presentationml/2006/main">
   <p:cSld>
     <p:spTree>
@@ -10226,7 +10593,148 @@
 </p:sld>
 </file>
 
-<file path=ppt/slides/slide19.xml><?xml version="1.0" encoding="utf-8"?>
+<file path=ppt/slides/slide2.xml><?xml version="1.0" encoding="utf-8"?>
+<p:sld xmlns:a="http://schemas.openxmlformats.org/drawingml/2006/main" xmlns:r="http://schemas.openxmlformats.org/officeDocument/2006/relationships" xmlns:p="http://schemas.openxmlformats.org/presentationml/2006/main">
+  <p:cSld>
+    <p:spTree>
+      <p:nvGrpSpPr>
+        <p:cNvPr id="1" name=""/>
+        <p:cNvGrpSpPr/>
+        <p:nvPr/>
+      </p:nvGrpSpPr>
+      <p:grpSpPr>
+        <a:xfrm>
+          <a:off x="0" y="0"/>
+          <a:ext cx="0" cy="0"/>
+          <a:chOff x="0" y="0"/>
+          <a:chExt cx="0" cy="0"/>
+        </a:xfrm>
+      </p:grpSpPr>
+      <p:sp>
+        <p:nvSpPr>
+          <p:cNvPr id="2" name="Title 1"/>
+          <p:cNvSpPr>
+            <a:spLocks noGrp="1"/>
+          </p:cNvSpPr>
+          <p:nvPr>
+            <p:ph type="title"/>
+            <p:custDataLst>
+              <p:tags r:id="rId2"/>
+            </p:custDataLst>
+          </p:nvPr>
+        </p:nvSpPr>
+        <p:spPr/>
+        <p:txBody>
+          <a:bodyPr/>
+          <a:lstStyle/>
+          <a:p>
+            <a:r>
+              <a:rPr lang="cs-CZ" dirty="0" smtClean="0"/>
+              <a:t>Obsah</a:t>
+            </a:r>
+            <a:endParaRPr lang="en-US" dirty="0"/>
+          </a:p>
+        </p:txBody>
+      </p:sp>
+      <p:sp>
+        <p:nvSpPr>
+          <p:cNvPr id="5" name="Content Placeholder 4"/>
+          <p:cNvSpPr>
+            <a:spLocks noGrp="1"/>
+          </p:cNvSpPr>
+          <p:nvPr>
+            <p:ph idx="1"/>
+            <p:custDataLst>
+              <p:tags r:id="rId3"/>
+            </p:custDataLst>
+          </p:nvPr>
+        </p:nvSpPr>
+        <p:spPr/>
+        <p:txBody>
+          <a:bodyPr>
+            <a:normAutofit/>
+          </a:bodyPr>
+          <a:lstStyle/>
+          <a:p>
+            <a:pPr marL="514350" indent="-514350" fontAlgn="base">
+              <a:buFont typeface="+mj-lt"/>
+              <a:buAutoNum type="arabicPeriod"/>
+            </a:pPr>
+            <a:r>
+              <a:rPr lang="en-US" dirty="0" err="1"/>
+              <a:t>Platforma</a:t>
+            </a:r>
+            <a:endParaRPr lang="en-US" dirty="0"/>
+          </a:p>
+          <a:p>
+            <a:pPr marL="514350" indent="-514350" fontAlgn="base">
+              <a:buFont typeface="+mj-lt"/>
+              <a:buAutoNum type="arabicPeriod"/>
+            </a:pPr>
+            <a:r>
+              <a:rPr lang="en-US" dirty="0" err="1" smtClean="0"/>
+              <a:t>jazyk</a:t>
+            </a:r>
+            <a:r>
+              <a:rPr lang="en-US" dirty="0" smtClean="0"/>
+              <a:t> C#</a:t>
+            </a:r>
+            <a:endParaRPr lang="cs-CZ" dirty="0" smtClean="0"/>
+          </a:p>
+          <a:p>
+            <a:pPr marL="514350" indent="-514350" fontAlgn="base">
+              <a:buFont typeface="+mj-lt"/>
+              <a:buAutoNum type="arabicPeriod"/>
+            </a:pPr>
+            <a:r>
+              <a:rPr lang="cs-CZ" dirty="0" smtClean="0"/>
+              <a:t>.</a:t>
+            </a:r>
+            <a:r>
+              <a:rPr lang="en-US" dirty="0" smtClean="0"/>
+              <a:t>NET core </a:t>
+            </a:r>
+            <a:r>
+              <a:rPr lang="en-US" dirty="0" err="1" smtClean="0"/>
+              <a:t>Knihovny</a:t>
+            </a:r>
+            <a:endParaRPr lang="cs-CZ" dirty="0" smtClean="0"/>
+          </a:p>
+          <a:p>
+            <a:pPr marL="514350" indent="-514350" fontAlgn="base">
+              <a:buFont typeface="+mj-lt"/>
+              <a:buAutoNum type="arabicPeriod"/>
+            </a:pPr>
+            <a:r>
+              <a:rPr lang="en-US" dirty="0" err="1" smtClean="0"/>
+              <a:t>Komunita</a:t>
+            </a:r>
+            <a:endParaRPr lang="en-US" dirty="0"/>
+          </a:p>
+        </p:txBody>
+      </p:sp>
+    </p:spTree>
+    <p:custDataLst>
+      <p:tags r:id="rId1"/>
+    </p:custDataLst>
+  </p:cSld>
+  <p:clrMapOvr>
+    <a:masterClrMapping/>
+  </p:clrMapOvr>
+  <p:transition spd="slow">
+    <p:wipe dir="d"/>
+  </p:transition>
+  <p:timing>
+    <p:tnLst>
+      <p:par>
+        <p:cTn id="1" dur="indefinite" restart="never" nodeType="tmRoot"/>
+      </p:par>
+    </p:tnLst>
+  </p:timing>
+</p:sld>
+</file>
+
+<file path=ppt/slides/slide20.xml><?xml version="1.0" encoding="utf-8"?>
 <p:sld xmlns:a="http://schemas.openxmlformats.org/drawingml/2006/main" xmlns:r="http://schemas.openxmlformats.org/officeDocument/2006/relationships" xmlns:p="http://schemas.openxmlformats.org/presentationml/2006/main">
   <p:cSld>
     <p:spTree>
@@ -10413,397 +10921,6 @@
 </p:sld>
 </file>
 
-<file path=ppt/slides/slide2.xml><?xml version="1.0" encoding="utf-8"?>
-<p:sld xmlns:a="http://schemas.openxmlformats.org/drawingml/2006/main" xmlns:r="http://schemas.openxmlformats.org/officeDocument/2006/relationships" xmlns:p="http://schemas.openxmlformats.org/presentationml/2006/main">
-  <p:cSld>
-    <p:spTree>
-      <p:nvGrpSpPr>
-        <p:cNvPr id="1" name=""/>
-        <p:cNvGrpSpPr/>
-        <p:nvPr/>
-      </p:nvGrpSpPr>
-      <p:grpSpPr>
-        <a:xfrm>
-          <a:off x="0" y="0"/>
-          <a:ext cx="0" cy="0"/>
-          <a:chOff x="0" y="0"/>
-          <a:chExt cx="0" cy="0"/>
-        </a:xfrm>
-      </p:grpSpPr>
-      <p:sp>
-        <p:nvSpPr>
-          <p:cNvPr id="2" name="Title 1"/>
-          <p:cNvSpPr>
-            <a:spLocks noGrp="1"/>
-          </p:cNvSpPr>
-          <p:nvPr>
-            <p:ph type="title"/>
-            <p:custDataLst>
-              <p:tags r:id="rId2"/>
-            </p:custDataLst>
-          </p:nvPr>
-        </p:nvSpPr>
-        <p:spPr/>
-        <p:txBody>
-          <a:bodyPr/>
-          <a:lstStyle/>
-          <a:p>
-            <a:r>
-              <a:rPr lang="cs-CZ" dirty="0" smtClean="0"/>
-              <a:t>Obsah</a:t>
-            </a:r>
-            <a:endParaRPr lang="en-US" dirty="0"/>
-          </a:p>
-        </p:txBody>
-      </p:sp>
-      <p:sp>
-        <p:nvSpPr>
-          <p:cNvPr id="5" name="Content Placeholder 4"/>
-          <p:cNvSpPr>
-            <a:spLocks noGrp="1"/>
-          </p:cNvSpPr>
-          <p:nvPr>
-            <p:ph idx="1"/>
-            <p:custDataLst>
-              <p:tags r:id="rId3"/>
-            </p:custDataLst>
-          </p:nvPr>
-        </p:nvSpPr>
-        <p:spPr/>
-        <p:txBody>
-          <a:bodyPr>
-            <a:normAutofit/>
-          </a:bodyPr>
-          <a:lstStyle/>
-          <a:p>
-            <a:pPr marL="514350" indent="-514350" fontAlgn="base">
-              <a:buFont typeface="+mj-lt"/>
-              <a:buAutoNum type="arabicPeriod"/>
-            </a:pPr>
-            <a:r>
-              <a:rPr lang="en-US" dirty="0" err="1"/>
-              <a:t>Platforma</a:t>
-            </a:r>
-            <a:endParaRPr lang="en-US" dirty="0"/>
-          </a:p>
-          <a:p>
-            <a:pPr marL="514350" indent="-514350" fontAlgn="base">
-              <a:buFont typeface="+mj-lt"/>
-              <a:buAutoNum type="arabicPeriod"/>
-            </a:pPr>
-            <a:r>
-              <a:rPr lang="en-US" dirty="0" err="1" smtClean="0"/>
-              <a:t>jazyk</a:t>
-            </a:r>
-            <a:r>
-              <a:rPr lang="en-US" dirty="0" smtClean="0"/>
-              <a:t> C#</a:t>
-            </a:r>
-            <a:endParaRPr lang="cs-CZ" dirty="0" smtClean="0"/>
-          </a:p>
-          <a:p>
-            <a:pPr marL="514350" indent="-514350" fontAlgn="base">
-              <a:buFont typeface="+mj-lt"/>
-              <a:buAutoNum type="arabicPeriod"/>
-            </a:pPr>
-            <a:r>
-              <a:rPr lang="cs-CZ" dirty="0" smtClean="0"/>
-              <a:t>.</a:t>
-            </a:r>
-            <a:r>
-              <a:rPr lang="en-US" dirty="0" smtClean="0"/>
-              <a:t>NET core </a:t>
-            </a:r>
-            <a:r>
-              <a:rPr lang="en-US" dirty="0" err="1" smtClean="0"/>
-              <a:t>Knihovny</a:t>
-            </a:r>
-            <a:endParaRPr lang="cs-CZ" dirty="0" smtClean="0"/>
-          </a:p>
-          <a:p>
-            <a:pPr marL="514350" indent="-514350" fontAlgn="base">
-              <a:buFont typeface="+mj-lt"/>
-              <a:buAutoNum type="arabicPeriod"/>
-            </a:pPr>
-            <a:r>
-              <a:rPr lang="en-US" dirty="0" err="1" smtClean="0"/>
-              <a:t>Komunita</a:t>
-            </a:r>
-            <a:endParaRPr lang="en-US" dirty="0"/>
-          </a:p>
-        </p:txBody>
-      </p:sp>
-    </p:spTree>
-    <p:custDataLst>
-      <p:tags r:id="rId1"/>
-    </p:custDataLst>
-  </p:cSld>
-  <p:clrMapOvr>
-    <a:masterClrMapping/>
-  </p:clrMapOvr>
-  <p:transition spd="slow">
-    <p:wipe dir="d"/>
-  </p:transition>
-  <p:timing>
-    <p:tnLst>
-      <p:par>
-        <p:cTn id="1" dur="indefinite" restart="never" nodeType="tmRoot"/>
-      </p:par>
-    </p:tnLst>
-  </p:timing>
-</p:sld>
-</file>
-
-<file path=ppt/slides/slide20.xml><?xml version="1.0" encoding="utf-8"?>
-<p:sld xmlns:a="http://schemas.openxmlformats.org/drawingml/2006/main" xmlns:r="http://schemas.openxmlformats.org/officeDocument/2006/relationships" xmlns:p="http://schemas.openxmlformats.org/presentationml/2006/main">
-  <p:cSld>
-    <p:spTree>
-      <p:nvGrpSpPr>
-        <p:cNvPr id="1" name=""/>
-        <p:cNvGrpSpPr/>
-        <p:nvPr/>
-      </p:nvGrpSpPr>
-      <p:grpSpPr>
-        <a:xfrm>
-          <a:off x="0" y="0"/>
-          <a:ext cx="0" cy="0"/>
-          <a:chOff x="0" y="0"/>
-          <a:chExt cx="0" cy="0"/>
-        </a:xfrm>
-      </p:grpSpPr>
-      <p:sp>
-        <p:nvSpPr>
-          <p:cNvPr id="2" name="Title 1"/>
-          <p:cNvSpPr>
-            <a:spLocks noGrp="1"/>
-          </p:cNvSpPr>
-          <p:nvPr>
-            <p:ph type="title"/>
-            <p:custDataLst>
-              <p:tags r:id="rId2"/>
-            </p:custDataLst>
-          </p:nvPr>
-        </p:nvSpPr>
-        <p:spPr/>
-        <p:txBody>
-          <a:bodyPr/>
-          <a:lstStyle/>
-          <a:p>
-            <a:r>
-              <a:rPr lang="cs-CZ" dirty="0" smtClean="0"/>
-              <a:t>Konvence</a:t>
-            </a:r>
-            <a:endParaRPr lang="en-US" dirty="0"/>
-          </a:p>
-        </p:txBody>
-      </p:sp>
-      <p:sp>
-        <p:nvSpPr>
-          <p:cNvPr id="5" name="Content Placeholder 4"/>
-          <p:cNvSpPr>
-            <a:spLocks noGrp="1"/>
-          </p:cNvSpPr>
-          <p:nvPr>
-            <p:ph idx="1"/>
-            <p:custDataLst>
-              <p:tags r:id="rId3"/>
-            </p:custDataLst>
-          </p:nvPr>
-        </p:nvSpPr>
-        <p:spPr/>
-        <p:txBody>
-          <a:bodyPr>
-            <a:normAutofit/>
-          </a:bodyPr>
-          <a:lstStyle/>
-          <a:p>
-            <a:pPr fontAlgn="base"/>
-            <a:r>
-              <a:rPr lang="pt-BR" dirty="0"/>
-              <a:t>konvence </a:t>
-            </a:r>
-            <a:r>
-              <a:rPr lang="pt-BR" b="1" dirty="0"/>
-              <a:t>interface</a:t>
-            </a:r>
-            <a:r>
-              <a:rPr lang="pt-BR" dirty="0"/>
-              <a:t> začíná </a:t>
-            </a:r>
-            <a:r>
-              <a:rPr lang="pt-BR" b="1" dirty="0"/>
-              <a:t>I</a:t>
-            </a:r>
-            <a:r>
-              <a:rPr lang="pt-BR" dirty="0"/>
-              <a:t> viz </a:t>
-            </a:r>
-            <a:r>
-              <a:rPr lang="pt-BR" b="1" dirty="0"/>
-              <a:t>IList</a:t>
-            </a:r>
-            <a:r>
-              <a:rPr lang="pt-BR" dirty="0"/>
-              <a:t> a implementace </a:t>
-            </a:r>
-            <a:r>
-              <a:rPr lang="pt-BR" dirty="0" smtClean="0"/>
-              <a:t>List</a:t>
-            </a:r>
-            <a:endParaRPr lang="cs-CZ" dirty="0" smtClean="0"/>
-          </a:p>
-          <a:p>
-            <a:pPr fontAlgn="base"/>
-            <a:r>
-              <a:rPr lang="en-US" dirty="0" err="1"/>
-              <a:t>nazvy</a:t>
-            </a:r>
-            <a:r>
-              <a:rPr lang="en-US" dirty="0"/>
-              <a:t> </a:t>
-            </a:r>
-            <a:r>
-              <a:rPr lang="en-US" dirty="0" err="1"/>
-              <a:t>metod</a:t>
-            </a:r>
-            <a:r>
-              <a:rPr lang="en-US" dirty="0"/>
-              <a:t> </a:t>
-            </a:r>
-            <a:r>
-              <a:rPr lang="cs-CZ" dirty="0" smtClean="0"/>
-              <a:t>z </a:t>
-            </a:r>
-            <a:r>
-              <a:rPr lang="en-US" dirty="0" err="1" smtClean="0"/>
-              <a:t>pascal</a:t>
-            </a:r>
-            <a:r>
-              <a:rPr lang="cs-CZ" dirty="0" smtClean="0"/>
-              <a:t> konvence</a:t>
-            </a:r>
-            <a:r>
-              <a:rPr lang="en-US" dirty="0" smtClean="0"/>
-              <a:t> </a:t>
-            </a:r>
-            <a:r>
-              <a:rPr lang="en-US" dirty="0"/>
-              <a:t>(</a:t>
-            </a:r>
-            <a:r>
-              <a:rPr lang="en-US" dirty="0" err="1"/>
-              <a:t>hlavni</a:t>
-            </a:r>
-            <a:r>
-              <a:rPr lang="en-US" dirty="0"/>
-              <a:t> designer c# :-)) </a:t>
-            </a:r>
-            <a:r>
-              <a:rPr lang="en-US" dirty="0" err="1"/>
-              <a:t>první</a:t>
-            </a:r>
-            <a:r>
-              <a:rPr lang="en-US" dirty="0"/>
-              <a:t> </a:t>
-            </a:r>
-            <a:r>
-              <a:rPr lang="en-US" dirty="0" err="1"/>
-              <a:t>Velke</a:t>
-            </a:r>
-            <a:r>
-              <a:rPr lang="en-US" dirty="0"/>
-              <a:t> </a:t>
-            </a:r>
-            <a:r>
-              <a:rPr lang="en-US" dirty="0" err="1" smtClean="0"/>
-              <a:t>pismeno</a:t>
-            </a:r>
-            <a:r>
-              <a:rPr lang="cs-CZ" dirty="0" smtClean="0"/>
-              <a:t> </a:t>
-            </a:r>
-            <a:r>
-              <a:rPr lang="cs-CZ" dirty="0"/>
-              <a:t>viz </a:t>
-            </a:r>
-            <a:r>
-              <a:rPr lang="en-US" b="1" dirty="0" err="1"/>
-              <a:t>ToString</a:t>
-            </a:r>
-            <a:r>
-              <a:rPr lang="cs-CZ" b="1" dirty="0" smtClean="0"/>
-              <a:t>() </a:t>
-            </a:r>
-            <a:r>
-              <a:rPr lang="en-US" dirty="0" err="1" smtClean="0"/>
-              <a:t>jinak</a:t>
-            </a:r>
-            <a:r>
-              <a:rPr lang="en-US" dirty="0" smtClean="0"/>
-              <a:t> </a:t>
-            </a:r>
-            <a:r>
-              <a:rPr lang="en-US" dirty="0" err="1"/>
-              <a:t>stejny</a:t>
-            </a:r>
-            <a:r>
-              <a:rPr lang="en-US" dirty="0"/>
-              <a:t> </a:t>
-            </a:r>
-            <a:r>
-              <a:rPr lang="en-US" dirty="0" err="1"/>
-              <a:t>jako</a:t>
-            </a:r>
-            <a:r>
-              <a:rPr lang="en-US" dirty="0"/>
-              <a:t> u </a:t>
-            </a:r>
-            <a:r>
-              <a:rPr lang="en-US" dirty="0" err="1" smtClean="0"/>
-              <a:t>javy</a:t>
-            </a:r>
-            <a:endParaRPr lang="cs-CZ" dirty="0" smtClean="0"/>
-          </a:p>
-          <a:p>
-            <a:pPr fontAlgn="base"/>
-            <a:endParaRPr lang="en-US" dirty="0"/>
-          </a:p>
-          <a:p>
-            <a:pPr fontAlgn="base"/>
-            <a:endParaRPr lang="pt-BR" dirty="0"/>
-          </a:p>
-          <a:p>
-            <a:pPr fontAlgn="base"/>
-            <a:endParaRPr lang="en-US" dirty="0"/>
-          </a:p>
-        </p:txBody>
-      </p:sp>
-    </p:spTree>
-    <p:custDataLst>
-      <p:tags r:id="rId1"/>
-    </p:custDataLst>
-    <p:extLst>
-      <p:ext uri="{BB962C8B-B14F-4D97-AF65-F5344CB8AC3E}">
-        <p14:creationId xmlns:p14="http://schemas.microsoft.com/office/powerpoint/2010/main" val="4047036011"/>
-      </p:ext>
-    </p:extLst>
-  </p:cSld>
-  <p:clrMapOvr>
-    <a:masterClrMapping/>
-  </p:clrMapOvr>
-  <p:transition spd="slow">
-    <p:wipe dir="d"/>
-  </p:transition>
-  <p:timing>
-    <p:tnLst>
-      <p:par>
-        <p:cTn id="1" dur="indefinite" restart="never" nodeType="tmRoot"/>
-      </p:par>
-    </p:tnLst>
-  </p:timing>
-</p:sld>
-</file>
-
 <file path=ppt/slides/slide21.xml><?xml version="1.0" encoding="utf-8"?>
 <p:sld xmlns:a="http://schemas.openxmlformats.org/drawingml/2006/main" xmlns:r="http://schemas.openxmlformats.org/officeDocument/2006/relationships" xmlns:p="http://schemas.openxmlformats.org/presentationml/2006/main">
   <p:cSld>
@@ -10836,420 +10953,186 @@
         </p:nvSpPr>
         <p:spPr/>
         <p:txBody>
+          <a:bodyPr/>
+          <a:lstStyle/>
+          <a:p>
+            <a:r>
+              <a:rPr lang="cs-CZ" dirty="0" smtClean="0"/>
+              <a:t>Konvence</a:t>
+            </a:r>
+            <a:endParaRPr lang="en-US" dirty="0"/>
+          </a:p>
+        </p:txBody>
+      </p:sp>
+      <p:sp>
+        <p:nvSpPr>
+          <p:cNvPr id="5" name="Content Placeholder 4"/>
+          <p:cNvSpPr>
+            <a:spLocks noGrp="1"/>
+          </p:cNvSpPr>
+          <p:nvPr>
+            <p:ph idx="1"/>
+            <p:custDataLst>
+              <p:tags r:id="rId3"/>
+            </p:custDataLst>
+          </p:nvPr>
+        </p:nvSpPr>
+        <p:spPr/>
+        <p:txBody>
           <a:bodyPr>
             <a:normAutofit/>
           </a:bodyPr>
           <a:lstStyle/>
           <a:p>
-            <a:r>
-              <a:rPr lang="cs-CZ" dirty="0" err="1" smtClean="0"/>
-              <a:t>Object</a:t>
-            </a:r>
-            <a:r>
-              <a:rPr lang="cs-CZ" dirty="0" smtClean="0"/>
-              <a:t> a </a:t>
+            <a:pPr fontAlgn="base"/>
+            <a:r>
+              <a:rPr lang="pt-BR" dirty="0"/>
+              <a:t>konvence </a:t>
+            </a:r>
+            <a:r>
+              <a:rPr lang="pt-BR" b="1" dirty="0"/>
+              <a:t>interface</a:t>
+            </a:r>
+            <a:r>
+              <a:rPr lang="pt-BR" dirty="0"/>
+              <a:t> začíná </a:t>
+            </a:r>
+            <a:r>
+              <a:rPr lang="pt-BR" b="1" dirty="0"/>
+              <a:t>I</a:t>
+            </a:r>
+            <a:r>
+              <a:rPr lang="pt-BR" dirty="0"/>
+              <a:t> viz </a:t>
+            </a:r>
+            <a:r>
+              <a:rPr lang="pt-BR" b="1" dirty="0"/>
+              <a:t>IList</a:t>
+            </a:r>
+            <a:r>
+              <a:rPr lang="pt-BR" dirty="0"/>
+              <a:t> a implementace </a:t>
+            </a:r>
+            <a:r>
+              <a:rPr lang="pt-BR" dirty="0" smtClean="0"/>
+              <a:t>List</a:t>
+            </a:r>
+            <a:endParaRPr lang="cs-CZ" dirty="0" smtClean="0"/>
+          </a:p>
+          <a:p>
+            <a:pPr fontAlgn="base"/>
+            <a:r>
+              <a:rPr lang="en-US" dirty="0" err="1"/>
+              <a:t>nazvy</a:t>
+            </a:r>
+            <a:r>
+              <a:rPr lang="en-US" dirty="0"/>
+              <a:t> </a:t>
+            </a:r>
+            <a:r>
+              <a:rPr lang="en-US" dirty="0" err="1"/>
+              <a:t>metod</a:t>
+            </a:r>
+            <a:r>
+              <a:rPr lang="en-US" dirty="0"/>
+              <a:t> </a:t>
+            </a:r>
+            <a:r>
+              <a:rPr lang="cs-CZ" dirty="0" smtClean="0"/>
+              <a:t>z </a:t>
             </a:r>
             <a:r>
               <a:rPr lang="en-US" dirty="0" err="1" smtClean="0"/>
-              <a:t>ValueType</a:t>
-            </a:r>
-            <a:endParaRPr lang="en-US" dirty="0"/>
-          </a:p>
-        </p:txBody>
-      </p:sp>
-      <p:sp>
-        <p:nvSpPr>
-          <p:cNvPr id="5" name="Content Placeholder 4"/>
-          <p:cNvSpPr>
-            <a:spLocks noGrp="1"/>
-          </p:cNvSpPr>
-          <p:nvPr>
-            <p:ph idx="1"/>
-            <p:custDataLst>
-              <p:tags r:id="rId3"/>
-            </p:custDataLst>
-          </p:nvPr>
-        </p:nvSpPr>
-        <p:spPr/>
-        <p:txBody>
-          <a:bodyPr>
-            <a:normAutofit fontScale="85000" lnSpcReduction="20000"/>
-          </a:bodyPr>
-          <a:lstStyle/>
+              <a:t>pascal</a:t>
+            </a:r>
+            <a:r>
+              <a:rPr lang="cs-CZ" dirty="0" smtClean="0"/>
+              <a:t> konvence</a:t>
+            </a:r>
+            <a:r>
+              <a:rPr lang="en-US" dirty="0" smtClean="0"/>
+              <a:t> </a:t>
+            </a:r>
+            <a:r>
+              <a:rPr lang="en-US" dirty="0"/>
+              <a:t>(</a:t>
+            </a:r>
+            <a:r>
+              <a:rPr lang="en-US" dirty="0" err="1"/>
+              <a:t>hlavni</a:t>
+            </a:r>
+            <a:r>
+              <a:rPr lang="en-US" dirty="0"/>
+              <a:t> designer c# :-)) </a:t>
+            </a:r>
+            <a:r>
+              <a:rPr lang="en-US" dirty="0" err="1"/>
+              <a:t>první</a:t>
+            </a:r>
+            <a:r>
+              <a:rPr lang="en-US" dirty="0"/>
+              <a:t> </a:t>
+            </a:r>
+            <a:r>
+              <a:rPr lang="en-US" dirty="0" err="1"/>
+              <a:t>Velke</a:t>
+            </a:r>
+            <a:r>
+              <a:rPr lang="en-US" dirty="0"/>
+              <a:t> </a:t>
+            </a:r>
+            <a:r>
+              <a:rPr lang="en-US" dirty="0" err="1" smtClean="0"/>
+              <a:t>pismeno</a:t>
+            </a:r>
+            <a:r>
+              <a:rPr lang="cs-CZ" dirty="0" smtClean="0"/>
+              <a:t> </a:t>
+            </a:r>
+            <a:r>
+              <a:rPr lang="cs-CZ" dirty="0"/>
+              <a:t>viz </a:t>
+            </a:r>
+            <a:r>
+              <a:rPr lang="en-US" b="1" dirty="0" err="1"/>
+              <a:t>ToString</a:t>
+            </a:r>
+            <a:r>
+              <a:rPr lang="cs-CZ" b="1" dirty="0" smtClean="0"/>
+              <a:t>() </a:t>
+            </a:r>
+            <a:r>
+              <a:rPr lang="en-US" dirty="0" err="1" smtClean="0"/>
+              <a:t>jinak</a:t>
+            </a:r>
+            <a:r>
+              <a:rPr lang="en-US" dirty="0" smtClean="0"/>
+              <a:t> </a:t>
+            </a:r>
+            <a:r>
+              <a:rPr lang="en-US" dirty="0" err="1"/>
+              <a:t>stejny</a:t>
+            </a:r>
+            <a:r>
+              <a:rPr lang="en-US" dirty="0"/>
+              <a:t> </a:t>
+            </a:r>
+            <a:r>
+              <a:rPr lang="en-US" dirty="0" err="1"/>
+              <a:t>jako</a:t>
+            </a:r>
+            <a:r>
+              <a:rPr lang="en-US" dirty="0"/>
+              <a:t> u </a:t>
+            </a:r>
+            <a:r>
+              <a:rPr lang="en-US" dirty="0" err="1" smtClean="0"/>
+              <a:t>javy</a:t>
+            </a:r>
+            <a:endParaRPr lang="cs-CZ" dirty="0" smtClean="0"/>
+          </a:p>
           <a:p>
             <a:pPr fontAlgn="base"/>
-            <a:r>
-              <a:rPr lang="cs-CZ" dirty="0" err="1" smtClean="0"/>
-              <a:t>Class</a:t>
-            </a:r>
-            <a:r>
-              <a:rPr lang="cs-CZ" dirty="0" smtClean="0"/>
-              <a:t> dědí po </a:t>
-            </a:r>
-            <a:r>
-              <a:rPr lang="cs-CZ" dirty="0" err="1" smtClean="0"/>
-              <a:t>Object</a:t>
-            </a:r>
-            <a:endParaRPr lang="cs-CZ" dirty="0"/>
-          </a:p>
-          <a:p>
-            <a:pPr fontAlgn="base"/>
-            <a:r>
-              <a:rPr lang="cs-CZ" dirty="0" err="1" smtClean="0"/>
-              <a:t>Struct</a:t>
-            </a:r>
-            <a:r>
-              <a:rPr lang="cs-CZ" dirty="0" smtClean="0"/>
-              <a:t> dědí po </a:t>
-            </a:r>
-            <a:r>
-              <a:rPr lang="en-US" dirty="0" err="1" smtClean="0"/>
-              <a:t>ValueType</a:t>
-            </a:r>
-            <a:r>
-              <a:rPr lang="cs-CZ" dirty="0" smtClean="0"/>
-              <a:t> (neexistuje metoda </a:t>
-            </a:r>
-            <a:r>
-              <a:rPr lang="en-US" dirty="0" err="1" smtClean="0"/>
-              <a:t>GetType</a:t>
-            </a:r>
-            <a:r>
-              <a:rPr lang="cs-CZ" dirty="0" smtClean="0"/>
-              <a:t>(), destruktor a static metody </a:t>
-            </a:r>
-            <a:r>
-              <a:rPr lang="en-US" dirty="0" smtClean="0"/>
-              <a:t>Equals</a:t>
-            </a:r>
-            <a:endParaRPr lang="en-US" dirty="0"/>
-          </a:p>
-          <a:p>
-            <a:pPr fontAlgn="base"/>
-            <a:r>
-              <a:rPr lang="cs-CZ" dirty="0" smtClean="0"/>
-              <a:t>)</a:t>
-            </a:r>
-          </a:p>
-          <a:p>
-            <a:pPr fontAlgn="base"/>
-            <a:r>
-              <a:rPr lang="cs-CZ" b="1" dirty="0" err="1"/>
-              <a:t>string</a:t>
-            </a:r>
-            <a:r>
-              <a:rPr lang="cs-CZ" dirty="0"/>
-              <a:t> je alias k </a:t>
-            </a:r>
-            <a:r>
-              <a:rPr lang="cs-CZ" b="1" dirty="0" err="1"/>
-              <a:t>System.String</a:t>
-            </a:r>
-            <a:r>
-              <a:rPr lang="cs-CZ" b="1" dirty="0"/>
-              <a:t> </a:t>
-            </a:r>
-            <a:r>
-              <a:rPr lang="cs-CZ" dirty="0"/>
-              <a:t>je vždy </a:t>
-            </a:r>
-            <a:r>
-              <a:rPr lang="cs-CZ" dirty="0" err="1"/>
-              <a:t>immutable</a:t>
-            </a:r>
-            <a:r>
-              <a:rPr lang="cs-CZ" dirty="0"/>
-              <a:t> tzn. </a:t>
-            </a:r>
-            <a:r>
-              <a:rPr lang="cs-CZ" dirty="0" err="1"/>
-              <a:t>muze</a:t>
-            </a:r>
-            <a:r>
-              <a:rPr lang="cs-CZ" dirty="0"/>
-              <a:t> se </a:t>
-            </a:r>
-            <a:r>
-              <a:rPr lang="cs-CZ" dirty="0" err="1"/>
-              <a:t>pouzivat</a:t>
-            </a:r>
-            <a:r>
-              <a:rPr lang="cs-CZ" dirty="0"/>
-              <a:t> </a:t>
-            </a:r>
-            <a:r>
-              <a:rPr lang="cs-CZ" dirty="0" smtClean="0"/>
-              <a:t>==</a:t>
-            </a:r>
-          </a:p>
-          <a:p>
-            <a:pPr fontAlgn="base"/>
-            <a:r>
-              <a:rPr lang="cs-CZ" b="1" dirty="0" smtClean="0"/>
-              <a:t>@ </a:t>
-            </a:r>
-            <a:r>
-              <a:rPr lang="cs-CZ" dirty="0" err="1" smtClean="0"/>
-              <a:t>verbatim</a:t>
-            </a:r>
-            <a:r>
-              <a:rPr lang="cs-CZ" dirty="0" smtClean="0"/>
-              <a:t> </a:t>
-            </a:r>
-            <a:r>
-              <a:rPr lang="cs-CZ" dirty="0" err="1" smtClean="0"/>
-              <a:t>string</a:t>
-            </a:r>
-            <a:endParaRPr lang="cs-CZ" dirty="0"/>
-          </a:p>
-          <a:p>
-            <a:pPr fontAlgn="base"/>
-            <a:r>
-              <a:rPr lang="cs-CZ" b="1" dirty="0" err="1"/>
-              <a:t>ToString</a:t>
-            </a:r>
-            <a:r>
-              <a:rPr lang="cs-CZ" dirty="0"/>
-              <a:t>() </a:t>
-            </a:r>
-            <a:r>
-              <a:rPr lang="cs-CZ" b="1" dirty="0" smtClean="0">
-                <a:solidFill>
-                  <a:srgbClr val="FF0000"/>
-                </a:solidFill>
-              </a:rPr>
-              <a:t>pozor double </a:t>
-            </a:r>
-            <a:r>
-              <a:rPr lang="cs-CZ" b="1" dirty="0" err="1" smtClean="0">
-                <a:solidFill>
-                  <a:srgbClr val="FF0000"/>
-                </a:solidFill>
-              </a:rPr>
-              <a:t>apod</a:t>
-            </a:r>
-            <a:r>
-              <a:rPr lang="cs-CZ" b="1" dirty="0" smtClean="0">
-                <a:solidFill>
-                  <a:srgbClr val="FF0000"/>
-                </a:solidFill>
-              </a:rPr>
-              <a:t> </a:t>
-            </a:r>
-            <a:r>
-              <a:rPr lang="en-US" b="1" dirty="0" err="1" smtClean="0">
-                <a:solidFill>
-                  <a:srgbClr val="FF0000"/>
-                </a:solidFill>
-              </a:rPr>
-              <a:t>závislý</a:t>
-            </a:r>
-            <a:r>
-              <a:rPr lang="en-US" b="1" dirty="0" smtClean="0">
-                <a:solidFill>
-                  <a:srgbClr val="FF0000"/>
-                </a:solidFill>
-              </a:rPr>
-              <a:t> </a:t>
-            </a:r>
-            <a:r>
-              <a:rPr lang="en-US" b="1" dirty="0" err="1">
-                <a:solidFill>
-                  <a:srgbClr val="FF0000"/>
-                </a:solidFill>
-              </a:rPr>
-              <a:t>na</a:t>
-            </a:r>
-            <a:r>
-              <a:rPr lang="en-US" b="1" dirty="0">
-                <a:solidFill>
-                  <a:srgbClr val="FF0000"/>
-                </a:solidFill>
-              </a:rPr>
-              <a:t> local </a:t>
-            </a:r>
-            <a:r>
-              <a:rPr lang="en-US" b="1" dirty="0" err="1">
-                <a:solidFill>
-                  <a:srgbClr val="FF0000"/>
-                </a:solidFill>
-              </a:rPr>
-              <a:t>nastavení</a:t>
-            </a:r>
-            <a:r>
-              <a:rPr lang="en-US" b="1" dirty="0">
-                <a:solidFill>
-                  <a:srgbClr val="FF0000"/>
-                </a:solidFill>
-              </a:rPr>
-              <a:t> </a:t>
-            </a:r>
-            <a:r>
-              <a:rPr lang="en-US" b="1" dirty="0" err="1">
-                <a:solidFill>
-                  <a:srgbClr val="FF0000"/>
-                </a:solidFill>
-              </a:rPr>
-              <a:t>počítače</a:t>
-            </a:r>
-            <a:r>
-              <a:rPr lang="en-US" b="1" dirty="0">
-                <a:solidFill>
-                  <a:srgbClr val="FF0000"/>
-                </a:solidFill>
-              </a:rPr>
-              <a:t> -&gt; </a:t>
-            </a:r>
-            <a:r>
-              <a:rPr lang="en-US" b="1" dirty="0" err="1">
-                <a:solidFill>
-                  <a:srgbClr val="FF0000"/>
-                </a:solidFill>
-              </a:rPr>
-              <a:t>doporucuju</a:t>
-            </a:r>
-            <a:r>
-              <a:rPr lang="en-US" b="1" dirty="0">
-                <a:solidFill>
-                  <a:srgbClr val="FF0000"/>
-                </a:solidFill>
-              </a:rPr>
-              <a:t> </a:t>
-            </a:r>
-            <a:r>
-              <a:rPr lang="en-US" b="1" dirty="0" err="1">
-                <a:solidFill>
-                  <a:srgbClr val="FF0000"/>
-                </a:solidFill>
-              </a:rPr>
-              <a:t>si</a:t>
-            </a:r>
-            <a:r>
-              <a:rPr lang="en-US" b="1" dirty="0">
-                <a:solidFill>
-                  <a:srgbClr val="FF0000"/>
-                </a:solidFill>
-              </a:rPr>
-              <a:t> </a:t>
-            </a:r>
-            <a:r>
-              <a:rPr lang="en-US" b="1" dirty="0" err="1">
-                <a:solidFill>
-                  <a:srgbClr val="FF0000"/>
-                </a:solidFill>
-              </a:rPr>
-              <a:t>napsat</a:t>
-            </a:r>
-            <a:r>
-              <a:rPr lang="en-US" b="1" dirty="0">
-                <a:solidFill>
-                  <a:srgbClr val="FF0000"/>
-                </a:solidFill>
-              </a:rPr>
-              <a:t> extension static </a:t>
-            </a:r>
-            <a:r>
-              <a:rPr lang="en-US" b="1" dirty="0" err="1">
-                <a:solidFill>
-                  <a:srgbClr val="FF0000"/>
-                </a:solidFill>
-              </a:rPr>
-              <a:t>metody</a:t>
-            </a:r>
-            <a:r>
-              <a:rPr lang="en-US" b="1" dirty="0">
-                <a:solidFill>
-                  <a:srgbClr val="FF0000"/>
-                </a:solidFill>
-              </a:rPr>
-              <a:t> </a:t>
-            </a:r>
-            <a:r>
-              <a:rPr lang="en-US" b="1" dirty="0" err="1">
-                <a:solidFill>
-                  <a:srgbClr val="FF0000"/>
-                </a:solidFill>
-              </a:rPr>
-              <a:t>MoneyToString</a:t>
-            </a:r>
-            <a:r>
-              <a:rPr lang="en-US" b="1" dirty="0">
-                <a:solidFill>
-                  <a:srgbClr val="FF0000"/>
-                </a:solidFill>
-              </a:rPr>
-              <a:t>() </a:t>
-            </a:r>
-            <a:r>
-              <a:rPr lang="en-US" b="1" dirty="0" err="1">
-                <a:solidFill>
-                  <a:srgbClr val="FF0000"/>
-                </a:solidFill>
-              </a:rPr>
-              <a:t>apod</a:t>
-            </a:r>
-            <a:r>
-              <a:rPr lang="en-US" b="1" dirty="0">
-                <a:solidFill>
-                  <a:srgbClr val="FF0000"/>
-                </a:solidFill>
-              </a:rPr>
-              <a:t>. </a:t>
-            </a:r>
-            <a:r>
-              <a:rPr lang="en-US" b="1" dirty="0" err="1">
-                <a:solidFill>
-                  <a:srgbClr val="FF0000"/>
-                </a:solidFill>
-              </a:rPr>
-              <a:t>viz</a:t>
-            </a:r>
-            <a:r>
-              <a:rPr lang="en-US" b="1" dirty="0">
-                <a:solidFill>
-                  <a:srgbClr val="FF0000"/>
-                </a:solidFill>
-              </a:rPr>
-              <a:t> </a:t>
-            </a:r>
-            <a:r>
-              <a:rPr lang="en-US" b="1" dirty="0" err="1">
-                <a:solidFill>
-                  <a:srgbClr val="FF0000"/>
-                </a:solidFill>
-              </a:rPr>
-              <a:t>priklad</a:t>
-            </a:r>
-            <a:r>
-              <a:rPr lang="en-US" b="1" dirty="0">
-                <a:solidFill>
-                  <a:srgbClr val="FF0000"/>
-                </a:solidFill>
-              </a:rPr>
-              <a:t> </a:t>
-            </a:r>
-            <a:r>
-              <a:rPr lang="en-US" b="1" dirty="0" err="1">
-                <a:solidFill>
-                  <a:srgbClr val="FF0000"/>
-                </a:solidFill>
-              </a:rPr>
-              <a:t>TestToStringCulture.cs</a:t>
-            </a:r>
-            <a:endParaRPr lang="cs-CZ" b="1" dirty="0">
-              <a:solidFill>
-                <a:srgbClr val="FF0000"/>
-              </a:solidFill>
-            </a:endParaRPr>
-          </a:p>
-          <a:p>
-            <a:pPr fontAlgn="base"/>
-            <a:endParaRPr lang="en-US" dirty="0"/>
-          </a:p>
-          <a:p>
-            <a:pPr marL="0" indent="0" fontAlgn="base">
-              <a:buNone/>
-            </a:pPr>
             <a:endParaRPr lang="en-US" dirty="0"/>
           </a:p>
           <a:p>
@@ -11268,7 +11151,7 @@
     </p:custDataLst>
     <p:extLst>
       <p:ext uri="{BB962C8B-B14F-4D97-AF65-F5344CB8AC3E}">
-        <p14:creationId xmlns:p14="http://schemas.microsoft.com/office/powerpoint/2010/main" val="375692060"/>
+        <p14:creationId xmlns:p14="http://schemas.microsoft.com/office/powerpoint/2010/main" val="4047036011"/>
       </p:ext>
     </p:extLst>
   </p:cSld>
@@ -11320,12 +11203,22 @@
         </p:nvSpPr>
         <p:spPr/>
         <p:txBody>
-          <a:bodyPr/>
+          <a:bodyPr>
+            <a:normAutofit/>
+          </a:bodyPr>
           <a:lstStyle/>
           <a:p>
             <a:r>
-              <a:rPr lang="cs-CZ" dirty="0" smtClean="0"/>
-              <a:t>Kolekce</a:t>
+              <a:rPr lang="cs-CZ" dirty="0" err="1" smtClean="0"/>
+              <a:t>Object</a:t>
+            </a:r>
+            <a:r>
+              <a:rPr lang="cs-CZ" dirty="0" smtClean="0"/>
+              <a:t> a </a:t>
+            </a:r>
+            <a:r>
+              <a:rPr lang="en-US" dirty="0" err="1" smtClean="0"/>
+              <a:t>ValueType</a:t>
             </a:r>
             <a:endParaRPr lang="en-US" dirty="0"/>
           </a:p>
@@ -11347,182 +11240,383 @@
         <p:spPr/>
         <p:txBody>
           <a:bodyPr>
-            <a:normAutofit lnSpcReduction="10000"/>
+            <a:normAutofit fontScale="85000" lnSpcReduction="20000"/>
           </a:bodyPr>
           <a:lstStyle/>
           <a:p>
             <a:pPr fontAlgn="base"/>
             <a:r>
-              <a:rPr lang="cs-CZ" dirty="0" smtClean="0"/>
-              <a:t>K</a:t>
+              <a:rPr lang="cs-CZ" dirty="0" err="1" smtClean="0"/>
+              <a:t>Class</a:t>
+            </a:r>
+            <a:r>
+              <a:rPr lang="cs-CZ" dirty="0" smtClean="0"/>
+              <a:t> dědí po </a:t>
+            </a:r>
+            <a:r>
+              <a:rPr lang="cs-CZ" dirty="0" err="1" smtClean="0"/>
+              <a:t>Object</a:t>
+            </a:r>
+            <a:endParaRPr lang="cs-CZ" dirty="0"/>
+          </a:p>
+          <a:p>
+            <a:pPr fontAlgn="base"/>
+            <a:r>
+              <a:rPr lang="cs-CZ" dirty="0" err="1" smtClean="0"/>
+              <a:t>Struct</a:t>
+            </a:r>
+            <a:r>
+              <a:rPr lang="cs-CZ" dirty="0" smtClean="0"/>
+              <a:t> dědí po </a:t>
             </a:r>
             <a:r>
               <a:rPr lang="en-US" dirty="0" err="1" smtClean="0"/>
-              <a:t>olekce</a:t>
-            </a:r>
-            <a:r>
-              <a:rPr lang="en-US" dirty="0" smtClean="0"/>
-              <a:t> z</a:t>
-            </a:r>
-            <a:r>
-              <a:rPr lang="cs-CZ" dirty="0" smtClean="0"/>
-              <a:t>e</a:t>
-            </a:r>
-            <a:r>
-              <a:rPr lang="en-US" dirty="0" smtClean="0"/>
+              <a:t>ValueType</a:t>
+            </a:r>
+            <a:r>
+              <a:rPr lang="cs-CZ" dirty="0" smtClean="0"/>
+              <a:t> (neexistuje metoda </a:t>
+            </a:r>
+            <a:r>
+              <a:rPr lang="en-US" dirty="0" err="1" smtClean="0"/>
+              <a:t>GetType</a:t>
+            </a:r>
+            <a:r>
+              <a:rPr lang="cs-CZ" dirty="0" smtClean="0"/>
+              <a:t>(), destruktor a static metody </a:t>
+            </a:r>
+            <a:r>
+              <a:rPr lang="en-US" dirty="0" smtClean="0"/>
+              <a:t>Equals</a:t>
+            </a:r>
+            <a:endParaRPr lang="en-US" dirty="0"/>
+          </a:p>
+          <a:p>
+            <a:pPr fontAlgn="base"/>
+            <a:r>
+              <a:rPr lang="cs-CZ" dirty="0" smtClean="0"/>
+              <a:t>)</a:t>
+            </a:r>
+          </a:p>
+          <a:p>
+            <a:pPr fontAlgn="base"/>
+            <a:r>
+              <a:rPr lang="cs-CZ" b="1" dirty="0" err="1"/>
+              <a:t>string</a:t>
+            </a:r>
+            <a:r>
+              <a:rPr lang="cs-CZ" dirty="0"/>
+              <a:t> je alias k </a:t>
+            </a:r>
+            <a:r>
+              <a:rPr lang="cs-CZ" b="1" dirty="0" err="1"/>
+              <a:t>System.String</a:t>
+            </a:r>
+            <a:r>
+              <a:rPr lang="cs-CZ" b="1" dirty="0"/>
               <a:t> </a:t>
             </a:r>
             <a:r>
-              <a:rPr lang="en-US" dirty="0" err="1"/>
-              <a:t>dvou</a:t>
-            </a:r>
-            <a:r>
-              <a:rPr lang="en-US" dirty="0"/>
-              <a:t> namespace </a:t>
-            </a:r>
-            <a:r>
-              <a:rPr lang="en-US" b="1" dirty="0" err="1"/>
-              <a:t>System.Collections</a:t>
-            </a:r>
-            <a:r>
-              <a:rPr lang="en-US" dirty="0"/>
-              <a:t> a </a:t>
-            </a:r>
-            <a:r>
-              <a:rPr lang="en-US" b="1" dirty="0" err="1"/>
-              <a:t>System.Collections.Generic</a:t>
-            </a:r>
-            <a:r>
-              <a:rPr lang="en-US" dirty="0"/>
+              <a:rPr lang="cs-CZ" dirty="0"/>
+              <a:t>je vždy </a:t>
+            </a:r>
+            <a:r>
+              <a:rPr lang="cs-CZ" dirty="0" err="1"/>
+              <a:t>immutable</a:t>
+            </a:r>
+            <a:r>
+              <a:rPr lang="cs-CZ" dirty="0"/>
+              <a:t> tzn. </a:t>
+            </a:r>
+            <a:r>
+              <a:rPr lang="cs-CZ" dirty="0" err="1"/>
+              <a:t>muze</a:t>
+            </a:r>
+            <a:r>
+              <a:rPr lang="cs-CZ" dirty="0"/>
+              <a:t> se </a:t>
+            </a:r>
+            <a:r>
+              <a:rPr lang="cs-CZ" dirty="0" err="1"/>
+              <a:t>pouzivat</a:t>
+            </a:r>
+            <a:r>
+              <a:rPr lang="cs-CZ" dirty="0"/>
               <a:t> </a:t>
             </a:r>
-            <a:endParaRPr lang="cs-CZ" dirty="0" smtClean="0"/>
+            <a:r>
+              <a:rPr lang="cs-CZ" dirty="0" smtClean="0"/>
+              <a:t>==</a:t>
+            </a:r>
           </a:p>
           <a:p>
             <a:pPr fontAlgn="base"/>
             <a:r>
-              <a:rPr lang="en-US" dirty="0" err="1" smtClean="0"/>
-              <a:t>pouzivat</a:t>
-            </a:r>
-            <a:r>
-              <a:rPr lang="en-US" dirty="0" smtClean="0"/>
+              <a:rPr lang="cs-CZ" b="1" dirty="0" smtClean="0"/>
+              <a:t>@ </a:t>
+            </a:r>
+            <a:r>
+              <a:rPr lang="cs-CZ" dirty="0" err="1" smtClean="0"/>
+              <a:t>verbatim</a:t>
+            </a:r>
+            <a:r>
+              <a:rPr lang="cs-CZ" dirty="0" smtClean="0"/>
               <a:t> </a:t>
             </a:r>
             <a:r>
-              <a:rPr lang="en-US" dirty="0" err="1"/>
-              <a:t>misto</a:t>
-            </a:r>
-            <a:r>
-              <a:rPr lang="en-US" dirty="0"/>
+              <a:rPr lang="cs-CZ" dirty="0" err="1" smtClean="0"/>
+              <a:t>string</a:t>
+            </a:r>
+            <a:endParaRPr lang="cs-CZ" dirty="0"/>
+          </a:p>
+          <a:p>
+            <a:pPr fontAlgn="base"/>
+            <a:r>
+              <a:rPr lang="cs-CZ" b="1" dirty="0" err="1"/>
+              <a:t>ToString</a:t>
+            </a:r>
+            <a:r>
+              <a:rPr lang="cs-CZ" dirty="0"/>
+              <a:t>() </a:t>
+            </a:r>
+            <a:r>
+              <a:rPr lang="cs-CZ" b="1" dirty="0" smtClean="0">
+                <a:solidFill>
+                  <a:srgbClr val="FF0000"/>
+                </a:solidFill>
+              </a:rPr>
+              <a:t>pozor double </a:t>
+            </a:r>
+            <a:r>
+              <a:rPr lang="cs-CZ" b="1" dirty="0" err="1" smtClean="0">
+                <a:solidFill>
+                  <a:srgbClr val="FF0000"/>
+                </a:solidFill>
+              </a:rPr>
+              <a:t>apod</a:t>
+            </a:r>
+            <a:r>
+              <a:rPr lang="cs-CZ" b="1" dirty="0" smtClean="0">
+                <a:solidFill>
+                  <a:srgbClr val="FF0000"/>
+                </a:solidFill>
+              </a:rPr>
               <a:t> </a:t>
             </a:r>
             <a:r>
-              <a:rPr lang="en-US" dirty="0" err="1"/>
-              <a:t>ICollection</a:t>
-            </a:r>
-            <a:r>
-              <a:rPr lang="en-US" dirty="0"/>
+              <a:rPr lang="en-US" b="1" dirty="0" err="1" smtClean="0">
+                <a:solidFill>
+                  <a:srgbClr val="FF0000"/>
+                </a:solidFill>
+              </a:rPr>
+              <a:t>závislý</a:t>
+            </a:r>
+            <a:r>
+              <a:rPr lang="en-US" b="1" dirty="0" smtClean="0">
+                <a:solidFill>
+                  <a:srgbClr val="FF0000"/>
+                </a:solidFill>
+              </a:rPr>
               <a:t> </a:t>
             </a:r>
             <a:r>
-              <a:rPr lang="en-US" dirty="0" err="1"/>
-              <a:t>nebo</a:t>
-            </a:r>
-            <a:r>
-              <a:rPr lang="en-US" dirty="0"/>
+              <a:rPr lang="en-US" b="1" dirty="0" err="1">
+                <a:solidFill>
+                  <a:srgbClr val="FF0000"/>
+                </a:solidFill>
+              </a:rPr>
+              <a:t>na</a:t>
+            </a:r>
+            <a:r>
+              <a:rPr lang="en-US" b="1" dirty="0">
+                <a:solidFill>
+                  <a:srgbClr val="FF0000"/>
+                </a:solidFill>
+              </a:rPr>
+              <a:t> local </a:t>
+            </a:r>
+            <a:r>
+              <a:rPr lang="en-US" b="1" dirty="0" err="1">
+                <a:solidFill>
+                  <a:srgbClr val="FF0000"/>
+                </a:solidFill>
+              </a:rPr>
+              <a:t>nastavení</a:t>
+            </a:r>
+            <a:r>
+              <a:rPr lang="en-US" b="1" dirty="0">
+                <a:solidFill>
+                  <a:srgbClr val="FF0000"/>
+                </a:solidFill>
+              </a:rPr>
               <a:t> </a:t>
             </a:r>
             <a:r>
-              <a:rPr lang="en-US" dirty="0" err="1"/>
-              <a:t>IList</a:t>
-            </a:r>
-            <a:r>
-              <a:rPr lang="en-US" dirty="0"/>
+              <a:rPr lang="en-US" b="1" dirty="0" err="1">
+                <a:solidFill>
+                  <a:srgbClr val="FF0000"/>
+                </a:solidFill>
+              </a:rPr>
+              <a:t>počítače</a:t>
+            </a:r>
+            <a:r>
+              <a:rPr lang="en-US" b="1" dirty="0">
+                <a:solidFill>
+                  <a:srgbClr val="FF0000"/>
+                </a:solidFill>
+              </a:rPr>
+              <a:t> -&gt; </a:t>
+            </a:r>
+            <a:r>
+              <a:rPr lang="en-US" b="1" dirty="0" err="1">
+                <a:solidFill>
+                  <a:srgbClr val="FF0000"/>
+                </a:solidFill>
+              </a:rPr>
+              <a:t>doporucuju</a:t>
+            </a:r>
+            <a:r>
+              <a:rPr lang="en-US" b="1" dirty="0">
+                <a:solidFill>
+                  <a:srgbClr val="FF0000"/>
+                </a:solidFill>
+              </a:rPr>
               <a:t> </a:t>
             </a:r>
             <a:r>
-              <a:rPr lang="cs-CZ" b="1" dirty="0" smtClean="0"/>
-              <a:t>IE</a:t>
-            </a:r>
-            <a:r>
-              <a:rPr lang="en-US" b="1" dirty="0" smtClean="0"/>
-              <a:t>numerable</a:t>
-            </a:r>
-            <a:r>
-              <a:rPr lang="cs-CZ" b="1" dirty="0" smtClean="0"/>
-              <a:t>&lt;&gt;</a:t>
-            </a:r>
+              <a:rPr lang="en-US" b="1" dirty="0" err="1">
+                <a:solidFill>
+                  <a:srgbClr val="FF0000"/>
+                </a:solidFill>
+              </a:rPr>
+              <a:t>si</a:t>
+            </a:r>
+            <a:r>
+              <a:rPr lang="en-US" b="1" dirty="0">
+                <a:solidFill>
+                  <a:srgbClr val="FF0000"/>
+                </a:solidFill>
+              </a:rPr>
+              <a:t> </a:t>
+            </a:r>
+            <a:r>
+              <a:rPr lang="en-US" b="1" dirty="0" err="1">
+                <a:solidFill>
+                  <a:srgbClr val="FF0000"/>
+                </a:solidFill>
+              </a:rPr>
+              <a:t>napsat</a:t>
+            </a:r>
+            <a:r>
+              <a:rPr lang="en-US" b="1" dirty="0">
+                <a:solidFill>
+                  <a:srgbClr val="FF0000"/>
+                </a:solidFill>
+              </a:rPr>
+              <a:t> extension static </a:t>
+            </a:r>
+            <a:r>
+              <a:rPr lang="en-US" b="1" dirty="0" err="1">
+                <a:solidFill>
+                  <a:srgbClr val="FF0000"/>
+                </a:solidFill>
+              </a:rPr>
+              <a:t>metody</a:t>
+            </a:r>
+            <a:r>
+              <a:rPr lang="en-US" b="1" dirty="0">
+                <a:solidFill>
+                  <a:srgbClr val="FF0000"/>
+                </a:solidFill>
+              </a:rPr>
+              <a:t> </a:t>
+            </a:r>
+            <a:r>
+              <a:rPr lang="en-US" b="1" dirty="0" err="1">
+                <a:solidFill>
+                  <a:srgbClr val="FF0000"/>
+                </a:solidFill>
+              </a:rPr>
+              <a:t>MoneyToString</a:t>
+            </a:r>
+            <a:r>
+              <a:rPr lang="en-US" b="1" dirty="0">
+                <a:solidFill>
+                  <a:srgbClr val="FF0000"/>
+                </a:solidFill>
+              </a:rPr>
+              <a:t>() </a:t>
+            </a:r>
+            <a:r>
+              <a:rPr lang="en-US" b="1" dirty="0" err="1">
+                <a:solidFill>
+                  <a:srgbClr val="FF0000"/>
+                </a:solidFill>
+              </a:rPr>
+              <a:t>apod</a:t>
+            </a:r>
+            <a:r>
+              <a:rPr lang="en-US" b="1" dirty="0">
+                <a:solidFill>
+                  <a:srgbClr val="FF0000"/>
+                </a:solidFill>
+              </a:rPr>
+              <a:t>. </a:t>
+            </a:r>
+            <a:r>
+              <a:rPr lang="en-US" b="1" dirty="0" err="1">
+                <a:solidFill>
+                  <a:srgbClr val="FF0000"/>
+                </a:solidFill>
+              </a:rPr>
+              <a:t>viz</a:t>
+            </a:r>
+            <a:r>
+              <a:rPr lang="en-US" b="1" dirty="0">
+                <a:solidFill>
+                  <a:srgbClr val="FF0000"/>
+                </a:solidFill>
+              </a:rPr>
+              <a:t> </a:t>
+            </a:r>
+            <a:r>
+              <a:rPr lang="en-US" b="1" dirty="0" err="1">
+                <a:solidFill>
+                  <a:srgbClr val="FF0000"/>
+                </a:solidFill>
+              </a:rPr>
+              <a:t>priklad</a:t>
+            </a:r>
+            <a:r>
+              <a:rPr lang="en-US" b="1" dirty="0">
+                <a:solidFill>
+                  <a:srgbClr val="FF0000"/>
+                </a:solidFill>
+              </a:rPr>
+              <a:t> </a:t>
+            </a:r>
+            <a:r>
+              <a:rPr lang="en-US" b="1" dirty="0" err="1">
+                <a:solidFill>
+                  <a:srgbClr val="FF0000"/>
+                </a:solidFill>
+              </a:rPr>
+              <a:t>TestToStringCulture.cs</a:t>
+            </a:r>
+            <a:endParaRPr lang="cs-CZ" b="1" dirty="0">
+              <a:solidFill>
+                <a:srgbClr val="FF0000"/>
+              </a:solidFill>
+            </a:endParaRPr>
           </a:p>
           <a:p>
             <a:pPr fontAlgn="base"/>
-            <a:r>
-              <a:rPr lang="cs-CZ" dirty="0" smtClean="0"/>
-              <a:t>Místo mapy je </a:t>
-            </a:r>
-            <a:r>
-              <a:rPr lang="cs-CZ" dirty="0" err="1" smtClean="0"/>
-              <a:t>IDictionary</a:t>
-            </a:r>
-            <a:r>
-              <a:rPr lang="cs-CZ" dirty="0" smtClean="0"/>
-              <a:t>&lt;,&gt;</a:t>
-            </a:r>
-          </a:p>
-          <a:p>
-            <a:pPr fontAlgn="base"/>
-            <a:r>
-              <a:rPr lang="cs-CZ" dirty="0" smtClean="0"/>
-              <a:t>Do kolekce lze </a:t>
-            </a:r>
-            <a:r>
-              <a:rPr lang="cs-CZ" dirty="0" err="1" smtClean="0"/>
-              <a:t>vkladat</a:t>
-            </a:r>
-            <a:r>
-              <a:rPr lang="cs-CZ" dirty="0" smtClean="0"/>
-              <a:t> </a:t>
-            </a:r>
-            <a:r>
-              <a:rPr lang="cs-CZ" dirty="0" err="1" smtClean="0"/>
-              <a:t>struct</a:t>
-            </a:r>
-            <a:r>
-              <a:rPr lang="cs-CZ" dirty="0" smtClean="0"/>
-              <a:t> tzn. </a:t>
-            </a:r>
-            <a:r>
-              <a:rPr lang="cs-CZ" dirty="0" err="1" smtClean="0"/>
-              <a:t>int</a:t>
-            </a:r>
-            <a:r>
-              <a:rPr lang="cs-CZ" dirty="0" smtClean="0"/>
-              <a:t> apod.</a:t>
-            </a:r>
-          </a:p>
-          <a:p>
-            <a:pPr fontAlgn="base"/>
-            <a:r>
-              <a:rPr lang="en-US" b="1" dirty="0" smtClean="0"/>
-              <a:t>C5</a:t>
-            </a:r>
-            <a:r>
-              <a:rPr lang="cs-CZ" b="1" dirty="0" smtClean="0"/>
-              <a:t> </a:t>
-            </a:r>
-            <a:r>
-              <a:rPr lang="cs-CZ" dirty="0" err="1" smtClean="0"/>
-              <a:t>library</a:t>
-            </a:r>
-            <a:r>
-              <a:rPr lang="cs-CZ" dirty="0" smtClean="0"/>
-              <a:t> </a:t>
-            </a:r>
-            <a:r>
-              <a:rPr lang="en-US" dirty="0">
-                <a:hlinkClick r:id="rId6"/>
-              </a:rPr>
-              <a:t>http://www.itu.dk/research/c5/</a:t>
-            </a:r>
+            <a:endParaRPr lang="en-US" dirty="0"/>
+          </a:p>
+          <a:p>
+            <a:pPr marL="0" indent="0" fontAlgn="base">
+              <a:buNone/>
+            </a:pPr>
             <a:endParaRPr lang="en-US" dirty="0"/>
           </a:p>
           <a:p>
@@ -11541,7 +11635,7 @@
     </p:custDataLst>
     <p:extLst>
       <p:ext uri="{BB962C8B-B14F-4D97-AF65-F5344CB8AC3E}">
-        <p14:creationId xmlns:p14="http://schemas.microsoft.com/office/powerpoint/2010/main" val="2224911890"/>
+        <p14:creationId xmlns:p14="http://schemas.microsoft.com/office/powerpoint/2010/main" val="375692060"/>
       </p:ext>
     </p:extLst>
   </p:cSld>
@@ -11597,6 +11691,279 @@
           <a:lstStyle/>
           <a:p>
             <a:r>
+              <a:rPr lang="cs-CZ" dirty="0" smtClean="0"/>
+              <a:t>Kolekce</a:t>
+            </a:r>
+            <a:endParaRPr lang="en-US" dirty="0"/>
+          </a:p>
+        </p:txBody>
+      </p:sp>
+      <p:sp>
+        <p:nvSpPr>
+          <p:cNvPr id="5" name="Content Placeholder 4"/>
+          <p:cNvSpPr>
+            <a:spLocks noGrp="1"/>
+          </p:cNvSpPr>
+          <p:nvPr>
+            <p:ph idx="1"/>
+            <p:custDataLst>
+              <p:tags r:id="rId3"/>
+            </p:custDataLst>
+          </p:nvPr>
+        </p:nvSpPr>
+        <p:spPr/>
+        <p:txBody>
+          <a:bodyPr>
+            <a:normAutofit lnSpcReduction="10000"/>
+          </a:bodyPr>
+          <a:lstStyle/>
+          <a:p>
+            <a:pPr fontAlgn="base"/>
+            <a:r>
+              <a:rPr lang="cs-CZ" dirty="0" smtClean="0"/>
+              <a:t>K</a:t>
+            </a:r>
+            <a:r>
+              <a:rPr lang="en-US" dirty="0" err="1" smtClean="0"/>
+              <a:t>olekce</a:t>
+            </a:r>
+            <a:r>
+              <a:rPr lang="en-US" dirty="0" smtClean="0"/>
+              <a:t> z</a:t>
+            </a:r>
+            <a:r>
+              <a:rPr lang="cs-CZ" dirty="0" smtClean="0"/>
+              <a:t>e</a:t>
+            </a:r>
+            <a:r>
+              <a:rPr lang="en-US" dirty="0" smtClean="0"/>
+              <a:t> </a:t>
+            </a:r>
+            <a:r>
+              <a:rPr lang="en-US" dirty="0" err="1"/>
+              <a:t>dvou</a:t>
+            </a:r>
+            <a:r>
+              <a:rPr lang="en-US" dirty="0"/>
+              <a:t> namespace </a:t>
+            </a:r>
+            <a:r>
+              <a:rPr lang="en-US" b="1" dirty="0" err="1"/>
+              <a:t>System.Collections</a:t>
+            </a:r>
+            <a:r>
+              <a:rPr lang="en-US" dirty="0"/>
+              <a:t> a </a:t>
+            </a:r>
+            <a:r>
+              <a:rPr lang="en-US" b="1" dirty="0" err="1"/>
+              <a:t>System.Collections.Generic</a:t>
+            </a:r>
+            <a:r>
+              <a:rPr lang="en-US" dirty="0"/>
+              <a:t> </a:t>
+            </a:r>
+            <a:endParaRPr lang="cs-CZ" dirty="0" smtClean="0"/>
+          </a:p>
+          <a:p>
+            <a:pPr fontAlgn="base"/>
+            <a:r>
+              <a:rPr lang="en-US" dirty="0" err="1" smtClean="0"/>
+              <a:t>pouzivat</a:t>
+            </a:r>
+            <a:r>
+              <a:rPr lang="en-US" dirty="0" smtClean="0"/>
+              <a:t> </a:t>
+            </a:r>
+            <a:r>
+              <a:rPr lang="en-US" dirty="0" err="1"/>
+              <a:t>misto</a:t>
+            </a:r>
+            <a:r>
+              <a:rPr lang="en-US" dirty="0"/>
+              <a:t> </a:t>
+            </a:r>
+            <a:r>
+              <a:rPr lang="en-US" dirty="0" err="1"/>
+              <a:t>ICollection</a:t>
+            </a:r>
+            <a:r>
+              <a:rPr lang="en-US" dirty="0"/>
+              <a:t> </a:t>
+            </a:r>
+            <a:r>
+              <a:rPr lang="en-US" dirty="0" err="1"/>
+              <a:t>nebo</a:t>
+            </a:r>
+            <a:r>
+              <a:rPr lang="en-US" dirty="0"/>
+              <a:t> </a:t>
+            </a:r>
+            <a:r>
+              <a:rPr lang="en-US" dirty="0" err="1"/>
+              <a:t>IList</a:t>
+            </a:r>
+            <a:r>
+              <a:rPr lang="en-US" dirty="0"/>
+              <a:t> </a:t>
+            </a:r>
+            <a:r>
+              <a:rPr lang="cs-CZ" b="1" dirty="0" smtClean="0"/>
+              <a:t>IE</a:t>
+            </a:r>
+            <a:r>
+              <a:rPr lang="en-US" b="1" dirty="0" smtClean="0"/>
+              <a:t>numerable</a:t>
+            </a:r>
+            <a:r>
+              <a:rPr lang="cs-CZ" b="1" dirty="0" smtClean="0"/>
+              <a:t>&lt;&gt;</a:t>
+            </a:r>
+          </a:p>
+          <a:p>
+            <a:pPr fontAlgn="base"/>
+            <a:r>
+              <a:rPr lang="cs-CZ" dirty="0" smtClean="0"/>
+              <a:t>Místo mapy je </a:t>
+            </a:r>
+            <a:r>
+              <a:rPr lang="cs-CZ" dirty="0" err="1" smtClean="0"/>
+              <a:t>IDictionary</a:t>
+            </a:r>
+            <a:r>
+              <a:rPr lang="cs-CZ" dirty="0" smtClean="0"/>
+              <a:t>&lt;,&gt;</a:t>
+            </a:r>
+          </a:p>
+          <a:p>
+            <a:pPr fontAlgn="base"/>
+            <a:r>
+              <a:rPr lang="cs-CZ" dirty="0" smtClean="0"/>
+              <a:t>Do kolekce lze </a:t>
+            </a:r>
+            <a:r>
+              <a:rPr lang="cs-CZ" dirty="0" err="1" smtClean="0"/>
+              <a:t>vkladat</a:t>
+            </a:r>
+            <a:r>
+              <a:rPr lang="cs-CZ" dirty="0" smtClean="0"/>
+              <a:t> </a:t>
+            </a:r>
+            <a:r>
+              <a:rPr lang="cs-CZ" dirty="0" err="1" smtClean="0"/>
+              <a:t>struct</a:t>
+            </a:r>
+            <a:r>
+              <a:rPr lang="cs-CZ" dirty="0" smtClean="0"/>
+              <a:t> tzn. </a:t>
+            </a:r>
+            <a:r>
+              <a:rPr lang="cs-CZ" dirty="0" err="1" smtClean="0"/>
+              <a:t>int</a:t>
+            </a:r>
+            <a:r>
+              <a:rPr lang="cs-CZ" dirty="0" smtClean="0"/>
+              <a:t> apod.</a:t>
+            </a:r>
+          </a:p>
+          <a:p>
+            <a:pPr fontAlgn="base"/>
+            <a:r>
+              <a:rPr lang="en-US" b="1" dirty="0" smtClean="0"/>
+              <a:t>C5</a:t>
+            </a:r>
+            <a:r>
+              <a:rPr lang="cs-CZ" b="1" dirty="0" smtClean="0"/>
+              <a:t> </a:t>
+            </a:r>
+            <a:r>
+              <a:rPr lang="cs-CZ" dirty="0" err="1" smtClean="0"/>
+              <a:t>library</a:t>
+            </a:r>
+            <a:r>
+              <a:rPr lang="cs-CZ" dirty="0" smtClean="0"/>
+              <a:t> </a:t>
+            </a:r>
+            <a:r>
+              <a:rPr lang="en-US" dirty="0">
+                <a:hlinkClick r:id="rId6"/>
+              </a:rPr>
+              <a:t>http://www.itu.dk/research/c5/</a:t>
+            </a:r>
+            <a:endParaRPr lang="en-US" dirty="0"/>
+          </a:p>
+          <a:p>
+            <a:pPr fontAlgn="base"/>
+            <a:endParaRPr lang="pt-BR" dirty="0"/>
+          </a:p>
+          <a:p>
+            <a:pPr fontAlgn="base"/>
+            <a:endParaRPr lang="en-US" dirty="0"/>
+          </a:p>
+        </p:txBody>
+      </p:sp>
+    </p:spTree>
+    <p:custDataLst>
+      <p:tags r:id="rId1"/>
+    </p:custDataLst>
+    <p:extLst>
+      <p:ext uri="{BB962C8B-B14F-4D97-AF65-F5344CB8AC3E}">
+        <p14:creationId xmlns:p14="http://schemas.microsoft.com/office/powerpoint/2010/main" val="2224911890"/>
+      </p:ext>
+    </p:extLst>
+  </p:cSld>
+  <p:clrMapOvr>
+    <a:masterClrMapping/>
+  </p:clrMapOvr>
+  <p:transition spd="slow">
+    <p:wipe dir="d"/>
+  </p:transition>
+  <p:timing>
+    <p:tnLst>
+      <p:par>
+        <p:cTn id="1" dur="indefinite" restart="never" nodeType="tmRoot"/>
+      </p:par>
+    </p:tnLst>
+  </p:timing>
+</p:sld>
+</file>
+
+<file path=ppt/slides/slide24.xml><?xml version="1.0" encoding="utf-8"?>
+<p:sld xmlns:a="http://schemas.openxmlformats.org/drawingml/2006/main" xmlns:r="http://schemas.openxmlformats.org/officeDocument/2006/relationships" xmlns:p="http://schemas.openxmlformats.org/presentationml/2006/main">
+  <p:cSld>
+    <p:spTree>
+      <p:nvGrpSpPr>
+        <p:cNvPr id="1" name=""/>
+        <p:cNvGrpSpPr/>
+        <p:nvPr/>
+      </p:nvGrpSpPr>
+      <p:grpSpPr>
+        <a:xfrm>
+          <a:off x="0" y="0"/>
+          <a:ext cx="0" cy="0"/>
+          <a:chOff x="0" y="0"/>
+          <a:chExt cx="0" cy="0"/>
+        </a:xfrm>
+      </p:grpSpPr>
+      <p:sp>
+        <p:nvSpPr>
+          <p:cNvPr id="2" name="Title 1"/>
+          <p:cNvSpPr>
+            <a:spLocks noGrp="1"/>
+          </p:cNvSpPr>
+          <p:nvPr>
+            <p:ph type="title"/>
+            <p:custDataLst>
+              <p:tags r:id="rId2"/>
+            </p:custDataLst>
+          </p:nvPr>
+        </p:nvSpPr>
+        <p:spPr/>
+        <p:txBody>
+          <a:bodyPr/>
+          <a:lstStyle/>
+          <a:p>
+            <a:r>
               <a:rPr lang="cs-CZ" dirty="0"/>
               <a:t>Komunita</a:t>
             </a:r>
@@ -11706,7 +12073,7 @@
 </p:sld>
 </file>
 
-<file path=ppt/slides/slide24.xml><?xml version="1.0" encoding="utf-8"?>
+<file path=ppt/slides/slide25.xml><?xml version="1.0" encoding="utf-8"?>
 <p:sld xmlns:a="http://schemas.openxmlformats.org/drawingml/2006/main" xmlns:r="http://schemas.openxmlformats.org/officeDocument/2006/relationships" xmlns:p="http://schemas.openxmlformats.org/presentationml/2006/main">
   <p:cSld>
     <p:spTree>
@@ -13108,6 +13475,267 @@
           <a:lstStyle/>
           <a:p>
             <a:r>
+              <a:rPr lang="cs-CZ" dirty="0" err="1" smtClean="0"/>
+              <a:t>Visual</a:t>
+            </a:r>
+            <a:r>
+              <a:rPr lang="cs-CZ" dirty="0" smtClean="0"/>
+              <a:t> Studio</a:t>
+            </a:r>
+            <a:endParaRPr lang="en-US" dirty="0"/>
+          </a:p>
+        </p:txBody>
+      </p:sp>
+      <p:sp>
+        <p:nvSpPr>
+          <p:cNvPr id="5" name="Content Placeholder 4"/>
+          <p:cNvSpPr>
+            <a:spLocks noGrp="1"/>
+          </p:cNvSpPr>
+          <p:nvPr>
+            <p:ph idx="1"/>
+            <p:custDataLst>
+              <p:tags r:id="rId3"/>
+            </p:custDataLst>
+          </p:nvPr>
+        </p:nvSpPr>
+        <p:spPr>
+          <a:xfrm>
+            <a:off x="611560" y="1596413"/>
+            <a:ext cx="8496944" cy="4784915"/>
+          </a:xfrm>
+        </p:spPr>
+        <p:txBody>
+          <a:bodyPr>
+            <a:normAutofit/>
+          </a:bodyPr>
+          <a:lstStyle/>
+          <a:p>
+            <a:pPr fontAlgn="base"/>
+            <a:r>
+              <a:rPr lang="cs-CZ" dirty="0" smtClean="0"/>
+              <a:t>2010 </a:t>
+            </a:r>
+            <a:r>
+              <a:rPr lang="cs-CZ" dirty="0" err="1" smtClean="0"/>
+              <a:t>premium</a:t>
+            </a:r>
+            <a:r>
+              <a:rPr lang="cs-CZ" dirty="0" smtClean="0"/>
+              <a:t>, </a:t>
+            </a:r>
+            <a:r>
+              <a:rPr lang="cs-CZ" dirty="0" err="1" smtClean="0"/>
+              <a:t>resharper</a:t>
+            </a:r>
+            <a:r>
+              <a:rPr lang="cs-CZ" dirty="0" smtClean="0"/>
+              <a:t> 6, </a:t>
+            </a:r>
+            <a:r>
+              <a:rPr lang="cs-CZ" dirty="0" err="1" smtClean="0"/>
+              <a:t>nuget</a:t>
+            </a:r>
+            <a:endParaRPr lang="cs-CZ" dirty="0" smtClean="0"/>
+          </a:p>
+          <a:p>
+            <a:pPr fontAlgn="base"/>
+            <a:r>
+              <a:rPr lang="cs-CZ" b="1" dirty="0" err="1" smtClean="0"/>
+              <a:t>Ctr+space</a:t>
+            </a:r>
+            <a:r>
+              <a:rPr lang="cs-CZ" dirty="0" smtClean="0"/>
+              <a:t> = </a:t>
+            </a:r>
+            <a:r>
+              <a:rPr lang="en-US" dirty="0"/>
+              <a:t>code completion</a:t>
+            </a:r>
+            <a:endParaRPr lang="cs-CZ" dirty="0" smtClean="0"/>
+          </a:p>
+          <a:p>
+            <a:pPr fontAlgn="base"/>
+            <a:r>
+              <a:rPr lang="cs-CZ" b="1" dirty="0" err="1" smtClean="0"/>
+              <a:t>Ctrl+shift</a:t>
+            </a:r>
+            <a:r>
+              <a:rPr lang="cs-CZ" b="1" dirty="0" err="1"/>
+              <a:t>+</a:t>
+            </a:r>
+            <a:r>
+              <a:rPr lang="cs-CZ" b="1" dirty="0" err="1" smtClean="0"/>
+              <a:t>space</a:t>
+            </a:r>
+            <a:r>
+              <a:rPr lang="cs-CZ" dirty="0" smtClean="0"/>
+              <a:t> =</a:t>
+            </a:r>
+            <a:r>
+              <a:rPr lang="en-US" dirty="0"/>
+              <a:t> Smart code </a:t>
+            </a:r>
+            <a:r>
+              <a:rPr lang="en-US" dirty="0" smtClean="0"/>
+              <a:t>completion</a:t>
+            </a:r>
+            <a:endParaRPr lang="cs-CZ" dirty="0" smtClean="0"/>
+          </a:p>
+          <a:p>
+            <a:pPr fontAlgn="base"/>
+            <a:r>
+              <a:rPr lang="en-US" b="1" dirty="0" err="1" smtClean="0"/>
+              <a:t>Alt+Insert</a:t>
+            </a:r>
+            <a:r>
+              <a:rPr lang="cs-CZ" b="1" dirty="0" smtClean="0"/>
+              <a:t> = </a:t>
+            </a:r>
+            <a:r>
+              <a:rPr lang="en-US" dirty="0"/>
+              <a:t>Generate </a:t>
+            </a:r>
+            <a:r>
+              <a:rPr lang="en-US" dirty="0" smtClean="0"/>
+              <a:t>code</a:t>
+            </a:r>
+            <a:endParaRPr lang="cs-CZ" dirty="0" smtClean="0"/>
+          </a:p>
+          <a:p>
+            <a:pPr fontAlgn="base"/>
+            <a:r>
+              <a:rPr lang="en-US" b="1" dirty="0" err="1" smtClean="0"/>
+              <a:t>Ctrl+Shift+R</a:t>
+            </a:r>
+            <a:r>
+              <a:rPr lang="cs-CZ" b="1" dirty="0" smtClean="0"/>
+              <a:t> = </a:t>
+            </a:r>
+            <a:r>
+              <a:rPr lang="en-US" dirty="0" smtClean="0"/>
+              <a:t>Refactor this</a:t>
+            </a:r>
+            <a:endParaRPr lang="cs-CZ" dirty="0"/>
+          </a:p>
+          <a:p>
+            <a:pPr fontAlgn="base"/>
+            <a:r>
+              <a:rPr lang="cs-CZ" b="1" dirty="0" err="1" smtClean="0"/>
+              <a:t>Ctrl+n</a:t>
+            </a:r>
+            <a:r>
+              <a:rPr lang="cs-CZ" dirty="0" smtClean="0"/>
+              <a:t> = open type</a:t>
+            </a:r>
+          </a:p>
+          <a:p>
+            <a:pPr fontAlgn="base"/>
+            <a:r>
+              <a:rPr lang="en-US" b="1" dirty="0" err="1" smtClean="0"/>
+              <a:t>Ctrl+Shift</a:t>
+            </a:r>
+            <a:r>
+              <a:rPr lang="en-US" b="1" dirty="0" smtClean="0"/>
+              <a:t>+</a:t>
+            </a:r>
+            <a:r>
+              <a:rPr lang="cs-CZ" b="1" dirty="0" smtClean="0"/>
+              <a:t>n </a:t>
+            </a:r>
+            <a:r>
+              <a:rPr lang="cs-CZ" dirty="0" smtClean="0"/>
+              <a:t>= go to </a:t>
+            </a:r>
+            <a:r>
+              <a:rPr lang="cs-CZ" dirty="0" err="1" smtClean="0"/>
+              <a:t>file</a:t>
+            </a:r>
+            <a:endParaRPr lang="en-US" dirty="0">
+              <a:solidFill>
+                <a:schemeClr val="tx1">
+                  <a:lumMod val="95000"/>
+                  <a:lumOff val="5000"/>
+                </a:schemeClr>
+              </a:solidFill>
+            </a:endParaRPr>
+          </a:p>
+          <a:p>
+            <a:pPr fontAlgn="base"/>
+            <a:endParaRPr lang="cs-CZ" dirty="0" smtClean="0"/>
+          </a:p>
+          <a:p>
+            <a:pPr fontAlgn="base"/>
+            <a:endParaRPr lang="en-US" b="1" dirty="0"/>
+          </a:p>
+          <a:p>
+            <a:pPr fontAlgn="base"/>
+            <a:endParaRPr lang="en-US" b="1" dirty="0"/>
+          </a:p>
+        </p:txBody>
+      </p:sp>
+    </p:spTree>
+    <p:custDataLst>
+      <p:tags r:id="rId1"/>
+    </p:custDataLst>
+    <p:extLst>
+      <p:ext uri="{BB962C8B-B14F-4D97-AF65-F5344CB8AC3E}">
+        <p14:creationId xmlns:p14="http://schemas.microsoft.com/office/powerpoint/2010/main" val="1055374817"/>
+      </p:ext>
+    </p:extLst>
+  </p:cSld>
+  <p:clrMapOvr>
+    <a:masterClrMapping/>
+  </p:clrMapOvr>
+  <p:transition spd="slow">
+    <p:wipe dir="d"/>
+  </p:transition>
+  <p:timing>
+    <p:tnLst>
+      <p:par>
+        <p:cTn id="1" dur="indefinite" restart="never" nodeType="tmRoot"/>
+      </p:par>
+    </p:tnLst>
+  </p:timing>
+</p:sld>
+</file>
+
+<file path=ppt/slides/slide6.xml><?xml version="1.0" encoding="utf-8"?>
+<p:sld xmlns:a="http://schemas.openxmlformats.org/drawingml/2006/main" xmlns:r="http://schemas.openxmlformats.org/officeDocument/2006/relationships" xmlns:p="http://schemas.openxmlformats.org/presentationml/2006/main">
+  <p:cSld>
+    <p:spTree>
+      <p:nvGrpSpPr>
+        <p:cNvPr id="1" name=""/>
+        <p:cNvGrpSpPr/>
+        <p:nvPr/>
+      </p:nvGrpSpPr>
+      <p:grpSpPr>
+        <a:xfrm>
+          <a:off x="0" y="0"/>
+          <a:ext cx="0" cy="0"/>
+          <a:chOff x="0" y="0"/>
+          <a:chExt cx="0" cy="0"/>
+        </a:xfrm>
+      </p:grpSpPr>
+      <p:sp>
+        <p:nvSpPr>
+          <p:cNvPr id="2" name="Title 1"/>
+          <p:cNvSpPr>
+            <a:spLocks noGrp="1"/>
+          </p:cNvSpPr>
+          <p:nvPr>
+            <p:ph type="title"/>
+            <p:custDataLst>
+              <p:tags r:id="rId2"/>
+            </p:custDataLst>
+          </p:nvPr>
+        </p:nvSpPr>
+        <p:spPr/>
+        <p:txBody>
+          <a:bodyPr/>
+          <a:lstStyle/>
+          <a:p>
+            <a:r>
               <a:rPr lang="cs-CZ" dirty="0" smtClean="0"/>
               <a:t>Modifikátory</a:t>
             </a:r>
@@ -13345,7 +13973,7 @@
 </p:sld>
 </file>
 
-<file path=ppt/slides/slide6.xml><?xml version="1.0" encoding="utf-8"?>
+<file path=ppt/slides/slide7.xml><?xml version="1.0" encoding="utf-8"?>
 <p:sld xmlns:a="http://schemas.openxmlformats.org/drawingml/2006/main" xmlns:r="http://schemas.openxmlformats.org/officeDocument/2006/relationships" xmlns:p="http://schemas.openxmlformats.org/presentationml/2006/main">
   <p:cSld>
     <p:spTree>
@@ -14034,235 +14662,6 @@
 </p:sld>
 </file>
 
-<file path=ppt/slides/slide7.xml><?xml version="1.0" encoding="utf-8"?>
-<p:sld xmlns:a="http://schemas.openxmlformats.org/drawingml/2006/main" xmlns:r="http://schemas.openxmlformats.org/officeDocument/2006/relationships" xmlns:p="http://schemas.openxmlformats.org/presentationml/2006/main">
-  <p:cSld>
-    <p:spTree>
-      <p:nvGrpSpPr>
-        <p:cNvPr id="1" name=""/>
-        <p:cNvGrpSpPr/>
-        <p:nvPr/>
-      </p:nvGrpSpPr>
-      <p:grpSpPr>
-        <a:xfrm>
-          <a:off x="0" y="0"/>
-          <a:ext cx="0" cy="0"/>
-          <a:chOff x="0" y="0"/>
-          <a:chExt cx="0" cy="0"/>
-        </a:xfrm>
-      </p:grpSpPr>
-      <p:sp>
-        <p:nvSpPr>
-          <p:cNvPr id="2" name="Title 1"/>
-          <p:cNvSpPr>
-            <a:spLocks noGrp="1"/>
-          </p:cNvSpPr>
-          <p:nvPr>
-            <p:ph type="title"/>
-            <p:custDataLst>
-              <p:tags r:id="rId2"/>
-            </p:custDataLst>
-          </p:nvPr>
-        </p:nvSpPr>
-        <p:spPr/>
-        <p:txBody>
-          <a:bodyPr/>
-          <a:lstStyle/>
-          <a:p>
-            <a:r>
-              <a:rPr lang="cs-CZ" dirty="0" err="1" smtClean="0"/>
-              <a:t>Virtual</a:t>
-            </a:r>
-            <a:r>
-              <a:rPr lang="cs-CZ" dirty="0" smtClean="0"/>
-              <a:t> metody</a:t>
-            </a:r>
-            <a:endParaRPr lang="en-US" dirty="0"/>
-          </a:p>
-        </p:txBody>
-      </p:sp>
-      <p:sp>
-        <p:nvSpPr>
-          <p:cNvPr id="5" name="Content Placeholder 4"/>
-          <p:cNvSpPr>
-            <a:spLocks noGrp="1"/>
-          </p:cNvSpPr>
-          <p:nvPr>
-            <p:ph idx="1"/>
-            <p:custDataLst>
-              <p:tags r:id="rId3"/>
-            </p:custDataLst>
-          </p:nvPr>
-        </p:nvSpPr>
-        <p:spPr>
-          <a:xfrm>
-            <a:off x="683568" y="1596413"/>
-            <a:ext cx="8352928" cy="4297363"/>
-          </a:xfrm>
-        </p:spPr>
-        <p:txBody>
-          <a:bodyPr>
-            <a:normAutofit/>
-          </a:bodyPr>
-          <a:lstStyle/>
-          <a:p>
-            <a:pPr marL="514350" indent="-457200" fontAlgn="base"/>
-            <a:r>
-              <a:rPr lang="cs-CZ" b="1" dirty="0" smtClean="0">
-                <a:solidFill>
-                  <a:srgbClr val="FF0000"/>
-                </a:solidFill>
-              </a:rPr>
-              <a:t>Defaultně </a:t>
-            </a:r>
-            <a:r>
-              <a:rPr lang="cs-CZ" b="1" dirty="0" err="1" smtClean="0">
-                <a:solidFill>
-                  <a:srgbClr val="FF0000"/>
-                </a:solidFill>
-              </a:rPr>
-              <a:t>NEjsou</a:t>
-            </a:r>
-            <a:r>
-              <a:rPr lang="cs-CZ" b="1" dirty="0" smtClean="0">
-                <a:solidFill>
-                  <a:srgbClr val="FF0000"/>
-                </a:solidFill>
-              </a:rPr>
-              <a:t> metody virtuální jako v </a:t>
-            </a:r>
-            <a:r>
-              <a:rPr lang="cs-CZ" b="1" dirty="0" err="1" smtClean="0">
-                <a:solidFill>
-                  <a:srgbClr val="FF0000"/>
-                </a:solidFill>
-              </a:rPr>
-              <a:t>jave</a:t>
-            </a:r>
-            <a:endParaRPr lang="cs-CZ" b="1" dirty="0" smtClean="0">
-              <a:solidFill>
-                <a:srgbClr val="FF0000"/>
-              </a:solidFill>
-            </a:endParaRPr>
-          </a:p>
-          <a:p>
-            <a:pPr marL="514350" indent="-457200" fontAlgn="base"/>
-            <a:r>
-              <a:rPr lang="cs-CZ" dirty="0" smtClean="0"/>
-              <a:t>nutnost psát </a:t>
-            </a:r>
-            <a:r>
-              <a:rPr lang="cs-CZ" dirty="0" err="1" smtClean="0"/>
-              <a:t>virtual</a:t>
-            </a:r>
-            <a:r>
-              <a:rPr lang="cs-CZ" dirty="0" smtClean="0"/>
-              <a:t> a </a:t>
-            </a:r>
-            <a:r>
-              <a:rPr lang="cs-CZ" dirty="0" err="1" smtClean="0"/>
-              <a:t>override</a:t>
-            </a:r>
-            <a:endParaRPr lang="cs-CZ" dirty="0" smtClean="0"/>
-          </a:p>
-          <a:p>
-            <a:pPr marL="514350" indent="-457200" fontAlgn="base"/>
-            <a:r>
-              <a:rPr lang="cs-CZ" dirty="0" smtClean="0"/>
-              <a:t>Klíčové slovo </a:t>
-            </a:r>
-            <a:r>
-              <a:rPr lang="cs-CZ" dirty="0" err="1" smtClean="0"/>
-              <a:t>new</a:t>
-            </a:r>
-            <a:r>
-              <a:rPr lang="cs-CZ" dirty="0" smtClean="0"/>
-              <a:t> -&gt; příklad </a:t>
-            </a:r>
-            <a:r>
-              <a:rPr lang="en-US" dirty="0" err="1"/>
-              <a:t>TestTrida</a:t>
-            </a:r>
-            <a:endParaRPr lang="en-US" dirty="0"/>
-          </a:p>
-          <a:p>
-            <a:pPr marL="514350" indent="-457200" fontAlgn="base"/>
-            <a:r>
-              <a:rPr lang="en-US" dirty="0"/>
-              <a:t>default </a:t>
-            </a:r>
-            <a:r>
-              <a:rPr lang="en-US" dirty="0" err="1" smtClean="0"/>
-              <a:t>parametry</a:t>
-            </a:r>
-            <a:endParaRPr lang="cs-CZ" dirty="0" smtClean="0"/>
-          </a:p>
-          <a:p>
-            <a:pPr marL="514350" indent="-457200" fontAlgn="base"/>
-            <a:endParaRPr lang="en-US" dirty="0"/>
-          </a:p>
-          <a:p>
-            <a:pPr marL="514350" indent="-457200" fontAlgn="base"/>
-            <a:endParaRPr lang="pl-PL" b="1" dirty="0"/>
-          </a:p>
-          <a:p>
-            <a:pPr marL="514350" indent="-457200" fontAlgn="base"/>
-            <a:endParaRPr lang="en-US" b="1" dirty="0"/>
-          </a:p>
-          <a:p>
-            <a:pPr marL="514350" indent="-457200" fontAlgn="base"/>
-            <a:endParaRPr lang="en-US" b="1" dirty="0"/>
-          </a:p>
-          <a:p>
-            <a:pPr marL="514350" indent="-457200" fontAlgn="base"/>
-            <a:endParaRPr lang="en-US" b="1" dirty="0"/>
-          </a:p>
-          <a:p>
-            <a:pPr lvl="1" fontAlgn="base"/>
-            <a:endParaRPr lang="en-US" b="1" dirty="0"/>
-          </a:p>
-          <a:p>
-            <a:pPr marL="0" indent="0" fontAlgn="base">
-              <a:buNone/>
-            </a:pPr>
-            <a:endParaRPr lang="cs-CZ" dirty="0" smtClean="0"/>
-          </a:p>
-          <a:p>
-            <a:pPr fontAlgn="base"/>
-            <a:endParaRPr lang="cs-CZ" b="1" dirty="0" smtClean="0"/>
-          </a:p>
-          <a:p>
-            <a:pPr fontAlgn="base"/>
-            <a:endParaRPr lang="en-US" b="1" dirty="0"/>
-          </a:p>
-        </p:txBody>
-      </p:sp>
-    </p:spTree>
-    <p:custDataLst>
-      <p:tags r:id="rId1"/>
-    </p:custDataLst>
-    <p:extLst>
-      <p:ext uri="{BB962C8B-B14F-4D97-AF65-F5344CB8AC3E}">
-        <p14:creationId xmlns:p14="http://schemas.microsoft.com/office/powerpoint/2010/main" val="3383920385"/>
-      </p:ext>
-    </p:extLst>
-  </p:cSld>
-  <p:clrMapOvr>
-    <a:masterClrMapping/>
-  </p:clrMapOvr>
-  <p:transition spd="slow">
-    <p:wipe dir="d"/>
-  </p:transition>
-  <p:timing>
-    <p:tnLst>
-      <p:par>
-        <p:cTn id="1" dur="indefinite" restart="never" nodeType="tmRoot"/>
-      </p:par>
-    </p:tnLst>
-  </p:timing>
-</p:sld>
-</file>
-
 <file path=ppt/slides/slide8.xml><?xml version="1.0" encoding="utf-8"?>
 <p:sld xmlns:a="http://schemas.openxmlformats.org/drawingml/2006/main" xmlns:r="http://schemas.openxmlformats.org/officeDocument/2006/relationships" xmlns:p="http://schemas.openxmlformats.org/presentationml/2006/main">
   <p:cSld>
@@ -14300,7 +14699,11 @@
           <a:p>
             <a:r>
               <a:rPr lang="cs-CZ" dirty="0" err="1" smtClean="0"/>
-              <a:t>Property</a:t>
+              <a:t>Virtual</a:t>
+            </a:r>
+            <a:r>
+              <a:rPr lang="cs-CZ" dirty="0" smtClean="0"/>
+              <a:t> metody</a:t>
             </a:r>
             <a:endParaRPr lang="en-US" dirty="0"/>
           </a:p>
@@ -14333,102 +14736,76 @@
           <a:p>
             <a:pPr marL="514350" indent="-457200" fontAlgn="base"/>
             <a:r>
-              <a:rPr lang="cs-CZ" dirty="0" smtClean="0"/>
-              <a:t>Místo </a:t>
-            </a:r>
-            <a:r>
-              <a:rPr lang="cs-CZ" dirty="0" err="1" smtClean="0"/>
-              <a:t>get</a:t>
-            </a:r>
-            <a:r>
-              <a:rPr lang="cs-CZ" dirty="0" smtClean="0"/>
-              <a:t> a set metod</a:t>
-            </a:r>
+              <a:rPr lang="cs-CZ" b="1" dirty="0" smtClean="0">
+                <a:solidFill>
+                  <a:srgbClr val="FF0000"/>
+                </a:solidFill>
+              </a:rPr>
+              <a:t>Defaultně </a:t>
+            </a:r>
+            <a:r>
+              <a:rPr lang="cs-CZ" b="1" dirty="0" err="1" smtClean="0">
+                <a:solidFill>
+                  <a:srgbClr val="FF0000"/>
+                </a:solidFill>
+              </a:rPr>
+              <a:t>NEjsou</a:t>
+            </a:r>
+            <a:r>
+              <a:rPr lang="cs-CZ" b="1" dirty="0" smtClean="0">
+                <a:solidFill>
+                  <a:srgbClr val="FF0000"/>
+                </a:solidFill>
+              </a:rPr>
+              <a:t> metody virtuální jako v </a:t>
+            </a:r>
+            <a:r>
+              <a:rPr lang="cs-CZ" b="1" dirty="0" err="1" smtClean="0">
+                <a:solidFill>
+                  <a:srgbClr val="FF0000"/>
+                </a:solidFill>
+              </a:rPr>
+              <a:t>jave</a:t>
+            </a:r>
+            <a:endParaRPr lang="cs-CZ" b="1" dirty="0" smtClean="0">
+              <a:solidFill>
+                <a:srgbClr val="FF0000"/>
+              </a:solidFill>
+            </a:endParaRPr>
           </a:p>
           <a:p>
             <a:pPr marL="514350" indent="-457200" fontAlgn="base"/>
             <a:r>
               <a:rPr lang="cs-CZ" dirty="0" smtClean="0"/>
-              <a:t>V </a:t>
-            </a:r>
-            <a:r>
-              <a:rPr lang="cs-CZ" i="1" dirty="0" smtClean="0"/>
-              <a:t>set { </a:t>
-            </a:r>
-            <a:r>
-              <a:rPr lang="cs-CZ" i="1" dirty="0" err="1" smtClean="0"/>
-              <a:t>privateField</a:t>
-            </a:r>
-            <a:r>
-              <a:rPr lang="cs-CZ" i="1" dirty="0" smtClean="0"/>
-              <a:t> = </a:t>
-            </a:r>
-            <a:r>
-              <a:rPr lang="cs-CZ" b="1" i="1" dirty="0" err="1" smtClean="0"/>
-              <a:t>value</a:t>
-            </a:r>
-            <a:r>
-              <a:rPr lang="cs-CZ" i="1" dirty="0" smtClean="0"/>
-              <a:t>;} </a:t>
-            </a:r>
-            <a:r>
-              <a:rPr lang="cs-CZ" dirty="0" smtClean="0"/>
-              <a:t>máme klíčové slovo </a:t>
-            </a:r>
-            <a:r>
-              <a:rPr lang="cs-CZ" dirty="0" err="1" smtClean="0"/>
-              <a:t>value</a:t>
-            </a:r>
-            <a:endParaRPr lang="cs-CZ" dirty="0" smtClean="0"/>
-          </a:p>
-          <a:p>
-            <a:pPr marL="514350" indent="-457200" fontAlgn="base"/>
-            <a:r>
-              <a:rPr lang="cs-CZ" dirty="0" smtClean="0"/>
-              <a:t>Od C# 3 automatický { </a:t>
-            </a:r>
-            <a:r>
-              <a:rPr lang="cs-CZ" dirty="0" err="1" smtClean="0"/>
-              <a:t>get</a:t>
-            </a:r>
-            <a:r>
-              <a:rPr lang="cs-CZ" dirty="0" smtClean="0"/>
-              <a:t>; set; }</a:t>
-            </a:r>
-          </a:p>
-          <a:p>
-            <a:pPr marL="514350" indent="-457200" fontAlgn="base"/>
-            <a:r>
-              <a:rPr lang="cs-CZ" dirty="0" smtClean="0"/>
-              <a:t>V runtime jsou to metody </a:t>
-            </a:r>
-            <a:r>
-              <a:rPr lang="cs-CZ" dirty="0" err="1" smtClean="0"/>
-              <a:t>takze</a:t>
-            </a:r>
-            <a:r>
-              <a:rPr lang="cs-CZ" dirty="0" smtClean="0"/>
-              <a:t> </a:t>
-            </a:r>
-            <a:r>
-              <a:rPr lang="cs-CZ" dirty="0" err="1" smtClean="0"/>
-              <a:t>zvazit</a:t>
-            </a:r>
-            <a:r>
-              <a:rPr lang="cs-CZ" dirty="0" smtClean="0"/>
-              <a:t> zda </a:t>
+              <a:t>nutnost psát </a:t>
             </a:r>
             <a:r>
               <a:rPr lang="cs-CZ" dirty="0" err="1" smtClean="0"/>
               <a:t>virtual</a:t>
             </a:r>
-            <a:endParaRPr lang="en-US" b="1" dirty="0"/>
+            <a:r>
+              <a:rPr lang="cs-CZ" dirty="0" smtClean="0"/>
+              <a:t> a </a:t>
+            </a:r>
+            <a:r>
+              <a:rPr lang="cs-CZ" dirty="0" err="1" smtClean="0"/>
+              <a:t>override</a:t>
+            </a:r>
+            <a:endParaRPr lang="cs-CZ" dirty="0" smtClean="0"/>
           </a:p>
           <a:p>
             <a:pPr marL="514350" indent="-457200" fontAlgn="base"/>
             <a:r>
               <a:rPr lang="cs-CZ" dirty="0" smtClean="0"/>
-              <a:t>Příklad </a:t>
+              <a:t>Klíčové slovo </a:t>
+            </a:r>
+            <a:r>
+              <a:rPr lang="cs-CZ" dirty="0" err="1" smtClean="0"/>
+              <a:t>new</a:t>
+            </a:r>
+            <a:r>
+              <a:rPr lang="cs-CZ" dirty="0" smtClean="0"/>
+              <a:t> -&gt; příklad </a:t>
             </a:r>
             <a:r>
               <a:rPr lang="en-US" dirty="0" err="1"/>
@@ -14437,9 +14814,15 @@
             <a:endParaRPr lang="en-US" dirty="0"/>
           </a:p>
           <a:p>
-            <a:pPr marL="57150" indent="0" fontAlgn="base">
-              <a:buNone/>
-            </a:pPr>
+            <a:pPr marL="514350" indent="-457200" fontAlgn="base"/>
+            <a:r>
+              <a:rPr lang="en-US" dirty="0"/>
+              <a:t>default </a:t>
+            </a:r>
+            <a:r>
+              <a:rPr lang="en-US" dirty="0" err="1" smtClean="0"/>
+              <a:t>parametry</a:t>
+            </a:r>
             <a:endParaRPr lang="cs-CZ" dirty="0" smtClean="0"/>
           </a:p>
           <a:p>
@@ -14488,7 +14871,7 @@
     </p:custDataLst>
     <p:extLst>
       <p:ext uri="{BB962C8B-B14F-4D97-AF65-F5344CB8AC3E}">
-        <p14:creationId xmlns:p14="http://schemas.microsoft.com/office/powerpoint/2010/main" val="209740052"/>
+        <p14:creationId xmlns:p14="http://schemas.microsoft.com/office/powerpoint/2010/main" val="3383920385"/>
       </p:ext>
     </p:extLst>
   </p:cSld>
@@ -14540,37 +14923,13 @@
         </p:nvSpPr>
         <p:spPr/>
         <p:txBody>
-          <a:bodyPr>
-            <a:normAutofit fontScale="90000"/>
-          </a:bodyPr>
+          <a:bodyPr/>
           <a:lstStyle/>
           <a:p>
             <a:r>
-              <a:rPr lang="en-US" dirty="0"/>
-              <a:t/>
-            </a:r>
-            <a:br>
-              <a:rPr lang="en-US" dirty="0"/>
-            </a:br>
-            <a:r>
               <a:rPr lang="cs-CZ" dirty="0" err="1" smtClean="0"/>
-              <a:t>struct</a:t>
-            </a:r>
-            <a:r>
-              <a:rPr lang="cs-CZ" dirty="0" smtClean="0"/>
-              <a:t> a </a:t>
-            </a:r>
-            <a:r>
-              <a:rPr lang="cs-CZ" dirty="0" err="1" smtClean="0"/>
-              <a:t>class</a:t>
-            </a:r>
-            <a:r>
-              <a:rPr lang="en-US" b="1" dirty="0"/>
-              <a:t/>
-            </a:r>
-            <a:br>
-              <a:rPr lang="en-US" b="1" dirty="0"/>
-            </a:br>
+              <a:t>Property</a:t>
+            </a:r>
             <a:endParaRPr lang="en-US" dirty="0"/>
           </a:p>
         </p:txBody>
@@ -14602,8 +14961,78 @@
           <a:p>
             <a:pPr marL="514350" indent="-457200" fontAlgn="base"/>
             <a:r>
-              <a:rPr lang="cs-CZ" b="1" dirty="0" err="1" smtClean="0"/>
-              <a:t>class</a:t>
+              <a:rPr lang="cs-CZ" dirty="0" smtClean="0"/>
+              <a:t>Místo </a:t>
+            </a:r>
+            <a:r>
+              <a:rPr lang="cs-CZ" dirty="0" err="1" smtClean="0"/>
+              <a:t>get</a:t>
+            </a:r>
+            <a:r>
+              <a:rPr lang="cs-CZ" dirty="0" smtClean="0"/>
+              <a:t> a set metod</a:t>
+            </a:r>
+          </a:p>
+          <a:p>
+            <a:pPr marL="514350" indent="-457200" fontAlgn="base"/>
+            <a:r>
+              <a:rPr lang="cs-CZ" dirty="0" smtClean="0"/>
+              <a:t>V </a:t>
+            </a:r>
+            <a:r>
+              <a:rPr lang="cs-CZ" i="1" dirty="0" smtClean="0"/>
+              <a:t>set { </a:t>
+            </a:r>
+            <a:r>
+              <a:rPr lang="cs-CZ" i="1" dirty="0" err="1" smtClean="0"/>
+              <a:t>privateField</a:t>
+            </a:r>
+            <a:r>
+              <a:rPr lang="cs-CZ" i="1" dirty="0" smtClean="0"/>
+              <a:t> = </a:t>
+            </a:r>
+            <a:r>
+              <a:rPr lang="cs-CZ" b="1" i="1" dirty="0" err="1" smtClean="0"/>
+              <a:t>value</a:t>
+            </a:r>
+            <a:r>
+              <a:rPr lang="cs-CZ" i="1" dirty="0" smtClean="0"/>
+              <a:t>;} </a:t>
+            </a:r>
+            <a:r>
+              <a:rPr lang="cs-CZ" dirty="0" smtClean="0"/>
+              <a:t>máme klíčové slovo </a:t>
+            </a:r>
+            <a:r>
+              <a:rPr lang="cs-CZ" dirty="0" err="1" smtClean="0"/>
+              <a:t>value</a:t>
+            </a:r>
+            <a:endParaRPr lang="cs-CZ" dirty="0" smtClean="0"/>
+          </a:p>
+          <a:p>
+            <a:pPr marL="514350" indent="-457200" fontAlgn="base"/>
+            <a:r>
+              <a:rPr lang="cs-CZ" dirty="0" smtClean="0"/>
+              <a:t>Od C# 3 automatický { </a:t>
+            </a:r>
+            <a:r>
+              <a:rPr lang="cs-CZ" dirty="0" err="1" smtClean="0"/>
+              <a:t>get</a:t>
+            </a:r>
+            <a:r>
+              <a:rPr lang="cs-CZ" dirty="0" smtClean="0"/>
+              <a:t>; set; }</a:t>
+            </a:r>
+          </a:p>
+          <a:p>
+            <a:pPr marL="514350" indent="-457200" fontAlgn="base"/>
+            <a:r>
+              <a:rPr lang="cs-CZ" dirty="0" smtClean="0"/>
+              <a:t>V runtime jsou to metody </a:t>
+            </a:r>
+            <a:r>
+              <a:rPr lang="cs-CZ" dirty="0" err="1" smtClean="0"/>
+              <a:t>takze</a:t>
             </a:r>
             <a:r>
               <a:rPr lang="cs-CZ" dirty="0" smtClean="0"/>
@@ -14611,81 +15040,38 @@
             </a:r>
             <a:r>
               <a:rPr lang="cs-CZ" dirty="0" err="1" smtClean="0"/>
-              <a:t>stejny</a:t>
-            </a:r>
-            <a:r>
-              <a:rPr lang="cs-CZ" dirty="0" smtClean="0"/>
-              <a:t> jako v </a:t>
+              <a:t>zvazit</a:t>
+            </a:r>
+            <a:r>
+              <a:rPr lang="cs-CZ" dirty="0" smtClean="0"/>
+              <a:t> zda </a:t>
             </a:r>
             <a:r>
               <a:rPr lang="cs-CZ" dirty="0" err="1" smtClean="0"/>
-              <a:t>jave</a:t>
-            </a:r>
-            <a:r>
-              <a:rPr lang="cs-CZ" dirty="0" smtClean="0"/>
-              <a:t> referenční typ</a:t>
-            </a:r>
+              <a:t>virtual</a:t>
+            </a:r>
+            <a:endParaRPr lang="en-US" b="1" dirty="0"/>
           </a:p>
           <a:p>
             <a:pPr marL="514350" indent="-457200" fontAlgn="base"/>
             <a:r>
-              <a:rPr lang="cs-CZ" b="1" dirty="0" err="1" smtClean="0"/>
-              <a:t>struct</a:t>
-            </a:r>
-            <a:r>
-              <a:rPr lang="cs-CZ" dirty="0" smtClean="0"/>
-              <a:t>  je hodnotový typ </a:t>
-            </a:r>
-            <a:r>
-              <a:rPr lang="cs-CZ" dirty="0" smtClean="0"/>
-              <a:t>kopírují </a:t>
-            </a:r>
-            <a:r>
-              <a:rPr lang="cs-CZ" dirty="0" smtClean="0"/>
-              <a:t>se hodnoty</a:t>
-            </a:r>
+              <a:rPr lang="cs-CZ" dirty="0" smtClean="0"/>
+              <a:t>Příklad </a:t>
+            </a:r>
+            <a:r>
+              <a:rPr lang="en-US" dirty="0" err="1"/>
+              <a:t>TestTrida</a:t>
+            </a:r>
+            <a:endParaRPr lang="en-US" dirty="0"/>
+          </a:p>
+          <a:p>
+            <a:pPr marL="57150" indent="0" fontAlgn="base">
+              <a:buNone/>
+            </a:pPr>
+            <a:endParaRPr lang="cs-CZ" dirty="0" smtClean="0"/>
           </a:p>
           <a:p>
             <a:pPr marL="514350" indent="-457200" fontAlgn="base"/>
-            <a:r>
-              <a:rPr lang="cs-CZ" b="1" dirty="0" err="1" smtClean="0"/>
-              <a:t>enum</a:t>
-            </a:r>
-            <a:r>
-              <a:rPr lang="cs-CZ" dirty="0" smtClean="0"/>
-              <a:t> je též </a:t>
-            </a:r>
-            <a:r>
-              <a:rPr lang="cs-CZ" dirty="0"/>
-              <a:t>hodnotový </a:t>
-            </a:r>
-            <a:r>
-              <a:rPr lang="cs-CZ" dirty="0" smtClean="0"/>
-              <a:t>typ – </a:t>
-            </a:r>
-            <a:r>
-              <a:rPr lang="cs-CZ" dirty="0" err="1" smtClean="0"/>
-              <a:t>workaround</a:t>
-            </a:r>
-            <a:r>
-              <a:rPr lang="cs-CZ" dirty="0" smtClean="0"/>
-              <a:t> pro </a:t>
-            </a:r>
-            <a:r>
-              <a:rPr lang="cs-CZ" dirty="0" err="1" smtClean="0"/>
-              <a:t>dalsi</a:t>
-            </a:r>
-            <a:r>
-              <a:rPr lang="cs-CZ" dirty="0" smtClean="0"/>
-              <a:t> obsah jsou atributy</a:t>
-            </a:r>
-          </a:p>
-          <a:p>
-            <a:pPr marL="514350" indent="-457200" fontAlgn="base"/>
-            <a:r>
-              <a:rPr lang="cs-CZ" dirty="0" smtClean="0"/>
-              <a:t>příklad</a:t>
-            </a:r>
             <a:endParaRPr lang="en-US" dirty="0"/>
           </a:p>
           <a:p>
@@ -14730,7 +15116,7 @@
     </p:custDataLst>
     <p:extLst>
       <p:ext uri="{BB962C8B-B14F-4D97-AF65-F5344CB8AC3E}">
-        <p14:creationId xmlns:p14="http://schemas.microsoft.com/office/powerpoint/2010/main" val="3756876245"/>
+        <p14:creationId xmlns:p14="http://schemas.microsoft.com/office/powerpoint/2010/main" val="209740052"/>
       </p:ext>
     </p:extLst>
   </p:cSld>
@@ -15154,11 +15540,29 @@
 
 <file path=ppt/tags/tag70.xml><?xml version="1.0" encoding="utf-8"?>
 <p:tagLst xmlns:a="http://schemas.openxmlformats.org/drawingml/2006/main" xmlns:r="http://schemas.openxmlformats.org/officeDocument/2006/relationships" xmlns:p="http://schemas.openxmlformats.org/presentationml/2006/main">
+  <p:tag name="DVSECTIONID" val="QUq8QELArFIgadhH063fpq"/>
+</p:tagLst>
+</file>
+
+<file path=ppt/tags/tag71.xml><?xml version="1.0" encoding="utf-8"?>
+<p:tagLst xmlns:a="http://schemas.openxmlformats.org/drawingml/2006/main" xmlns:r="http://schemas.openxmlformats.org/officeDocument/2006/relationships" xmlns:p="http://schemas.openxmlformats.org/presentationml/2006/main">
+  <p:tag name="DVSHAPEID" val="InkrlxYPS4jAzciXk8ToAM"/>
+</p:tagLst>
+</file>
+
+<file path=ppt/tags/tag72.xml><?xml version="1.0" encoding="utf-8"?>
+<p:tagLst xmlns:a="http://schemas.openxmlformats.org/drawingml/2006/main" xmlns:r="http://schemas.openxmlformats.org/officeDocument/2006/relationships" xmlns:p="http://schemas.openxmlformats.org/presentationml/2006/main">
+  <p:tag name="DVSHAPEID" val="retnMj4SFfqbVIhVK0Rf83"/>
+</p:tagLst>
+</file>
+
+<file path=ppt/tags/tag73.xml><?xml version="1.0" encoding="utf-8"?>
+<p:tagLst xmlns:a="http://schemas.openxmlformats.org/drawingml/2006/main" xmlns:r="http://schemas.openxmlformats.org/officeDocument/2006/relationships" xmlns:p="http://schemas.openxmlformats.org/presentationml/2006/main">
   <p:tag name="DVSECTIONID" val="ezdaKHeWyBnZyZ2cDqRSoa"/>
 </p:tagLst>
 </file>
 
-<file path=ppt/tags/tag71.xml><?xml version="1.0" encoding="utf-8"?>
+<file path=ppt/tags/tag74.xml><?xml version="1.0" encoding="utf-8"?>
 <p:tagLst xmlns:a="http://schemas.openxmlformats.org/drawingml/2006/main" xmlns:r="http://schemas.openxmlformats.org/officeDocument/2006/relationships" xmlns:p="http://schemas.openxmlformats.org/presentationml/2006/main">
   <p:tag name="DVSHAPEID" val="LRMR96J2MVd0CGe2e5htjk"/>
 </p:tagLst>

--- a/prezentace.pptx
+++ b/prezentace.pptx
@@ -5,10 +5,10 @@
     <p:sldMasterId id="2147483648" r:id="rId1"/>
   </p:sldMasterIdLst>
   <p:notesMasterIdLst>
-    <p:notesMasterId r:id="rId27"/>
+    <p:notesMasterId r:id="rId28"/>
   </p:notesMasterIdLst>
   <p:handoutMasterIdLst>
-    <p:handoutMasterId r:id="rId28"/>
+    <p:handoutMasterId r:id="rId29"/>
   </p:handoutMasterIdLst>
   <p:sldIdLst>
     <p:sldId id="259" r:id="rId2"/>
@@ -23,19 +23,20 @@
     <p:sldId id="288" r:id="rId11"/>
     <p:sldId id="289" r:id="rId12"/>
     <p:sldId id="290" r:id="rId13"/>
-    <p:sldId id="291" r:id="rId14"/>
-    <p:sldId id="293" r:id="rId15"/>
-    <p:sldId id="298" r:id="rId16"/>
-    <p:sldId id="294" r:id="rId17"/>
-    <p:sldId id="292" r:id="rId18"/>
-    <p:sldId id="295" r:id="rId19"/>
-    <p:sldId id="297" r:id="rId20"/>
-    <p:sldId id="281" r:id="rId21"/>
-    <p:sldId id="296" r:id="rId22"/>
-    <p:sldId id="282" r:id="rId23"/>
-    <p:sldId id="283" r:id="rId24"/>
-    <p:sldId id="280" r:id="rId25"/>
-    <p:sldId id="277" r:id="rId26"/>
+    <p:sldId id="300" r:id="rId14"/>
+    <p:sldId id="291" r:id="rId15"/>
+    <p:sldId id="293" r:id="rId16"/>
+    <p:sldId id="298" r:id="rId17"/>
+    <p:sldId id="294" r:id="rId18"/>
+    <p:sldId id="292" r:id="rId19"/>
+    <p:sldId id="295" r:id="rId20"/>
+    <p:sldId id="297" r:id="rId21"/>
+    <p:sldId id="281" r:id="rId22"/>
+    <p:sldId id="296" r:id="rId23"/>
+    <p:sldId id="282" r:id="rId24"/>
+    <p:sldId id="283" r:id="rId25"/>
+    <p:sldId id="280" r:id="rId26"/>
+    <p:sldId id="277" r:id="rId27"/>
   </p:sldIdLst>
   <p:sldSz cx="9144000" cy="6858000" type="screen4x3"/>
   <p:notesSz cx="6858000" cy="9144000"/>
@@ -159,6 +160,7 @@
             <p14:sldId id="288"/>
             <p14:sldId id="289"/>
             <p14:sldId id="290"/>
+            <p14:sldId id="300"/>
             <p14:sldId id="291"/>
             <p14:sldId id="293"/>
             <p14:sldId id="298"/>
@@ -2947,6 +2949,129 @@
       </p:grpSpPr>
       <p:sp>
         <p:nvSpPr>
+          <p:cNvPr id="2" name="Slide Image Placeholder 1"/>
+          <p:cNvSpPr>
+            <a:spLocks noGrp="1" noRot="1" noChangeAspect="1"/>
+          </p:cNvSpPr>
+          <p:nvPr>
+            <p:ph type="sldImg"/>
+          </p:nvPr>
+        </p:nvSpPr>
+        <p:spPr/>
+      </p:sp>
+      <p:sp>
+        <p:nvSpPr>
+          <p:cNvPr id="3" name="Notes Placeholder 2"/>
+          <p:cNvSpPr>
+            <a:spLocks noGrp="1"/>
+          </p:cNvSpPr>
+          <p:nvPr>
+            <p:ph type="body" idx="1"/>
+          </p:nvPr>
+        </p:nvSpPr>
+        <p:spPr/>
+        <p:txBody>
+          <a:bodyPr>
+            <a:normAutofit/>
+          </a:bodyPr>
+          <a:lstStyle/>
+          <a:p>
+            <a:pPr>
+              <a:lnSpc>
+                <a:spcPct val="80000"/>
+              </a:lnSpc>
+            </a:pPr>
+            <a:r>
+              <a:rPr lang="en-US" dirty="0" smtClean="0"/>
+              <a:t>Give a brief overview of the presentation.</a:t>
+            </a:r>
+            <a:r>
+              <a:rPr lang="en-US" baseline="0" dirty="0" smtClean="0"/>
+              <a:t> D</a:t>
+            </a:r>
+            <a:r>
+              <a:rPr lang="en-US" dirty="0" smtClean="0"/>
+              <a:t>escribe the major focus of the presentation and why it is important.</a:t>
+            </a:r>
+          </a:p>
+          <a:p>
+            <a:pPr>
+              <a:lnSpc>
+                <a:spcPct val="80000"/>
+              </a:lnSpc>
+            </a:pPr>
+            <a:r>
+              <a:rPr lang="en-US" dirty="0" smtClean="0"/>
+              <a:t>Introduce each of the major topics.</a:t>
+            </a:r>
+          </a:p>
+          <a:p>
+            <a:r>
+              <a:rPr lang="en-US" dirty="0" smtClean="0"/>
+              <a:t>To provide a road map for the audience, you</a:t>
+            </a:r>
+            <a:r>
+              <a:rPr lang="en-US" baseline="0" dirty="0" smtClean="0"/>
+              <a:t> can </a:t>
+            </a:r>
+            <a:r>
+              <a:rPr lang="en-US" dirty="0" smtClean="0"/>
+              <a:t>repeat this Overview slide throughout the presentation, highlighting the particular topic you will discuss next.</a:t>
+            </a:r>
+          </a:p>
+        </p:txBody>
+      </p:sp>
+      <p:sp>
+        <p:nvSpPr>
+          <p:cNvPr id="4" name="Slide Number Placeholder 3"/>
+          <p:cNvSpPr>
+            <a:spLocks noGrp="1"/>
+          </p:cNvSpPr>
+          <p:nvPr>
+            <p:ph type="sldNum" sz="quarter" idx="10"/>
+          </p:nvPr>
+        </p:nvSpPr>
+        <p:spPr/>
+        <p:txBody>
+          <a:bodyPr/>
+          <a:lstStyle/>
+          <a:p>
+            <a:fld id="{EC6EAC7D-5A89-47C2-8ABA-56C9C2DEF7A4}" type="slidenum">
+              <a:rPr lang="en-US" smtClean="0"/>
+              <a:pPr/>
+              <a:t>25</a:t>
+            </a:fld>
+            <a:endParaRPr lang="en-US"/>
+          </a:p>
+        </p:txBody>
+      </p:sp>
+    </p:spTree>
+  </p:cSld>
+  <p:clrMapOvr>
+    <a:masterClrMapping/>
+  </p:clrMapOvr>
+</p:notes>
+</file>
+
+<file path=ppt/notesSlides/notesSlide26.xml><?xml version="1.0" encoding="utf-8"?>
+<p:notes xmlns:a="http://schemas.openxmlformats.org/drawingml/2006/main" xmlns:r="http://schemas.openxmlformats.org/officeDocument/2006/relationships" xmlns:p="http://schemas.openxmlformats.org/presentationml/2006/main">
+  <p:cSld>
+    <p:spTree>
+      <p:nvGrpSpPr>
+        <p:cNvPr id="1" name=""/>
+        <p:cNvGrpSpPr/>
+        <p:nvPr/>
+      </p:nvGrpSpPr>
+      <p:grpSpPr>
+        <a:xfrm>
+          <a:off x="0" y="0"/>
+          <a:ext cx="0" cy="0"/>
+          <a:chOff x="0" y="0"/>
+          <a:chExt cx="0" cy="0"/>
+        </a:xfrm>
+      </p:grpSpPr>
+      <p:sp>
+        <p:nvSpPr>
           <p:cNvPr id="41986" name="Rectangle 23"/>
           <p:cNvSpPr>
             <a:spLocks noGrp="1" noChangeArrowheads="1"/>
@@ -3018,7 +3143,7 @@
             <a:fld id="{B2B44A5F-6CE4-493C-A0D7-6834FF76660C}" type="slidenum">
               <a:rPr lang="en-US" smtClean="0"/>
               <a:pPr/>
-              <a:t>25</a:t>
+              <a:t>26</a:t>
             </a:fld>
             <a:endParaRPr lang="en-US" dirty="0" smtClean="0"/>
           </a:p>
@@ -8487,26 +8612,18 @@
             </p:custDataLst>
           </p:nvPr>
         </p:nvSpPr>
-        <p:spPr>
-          <a:xfrm>
-            <a:off x="762000" y="269632"/>
-            <a:ext cx="8382000" cy="1143000"/>
-          </a:xfrm>
-        </p:spPr>
+        <p:spPr/>
         <p:txBody>
           <a:bodyPr>
-            <a:normAutofit fontScale="90000"/>
+            <a:normAutofit/>
           </a:bodyPr>
           <a:lstStyle/>
           <a:p>
             <a:r>
-              <a:rPr lang="cs-CZ" dirty="0" err="1" smtClean="0"/>
-              <a:t>Generiky</a:t>
-            </a:r>
-            <a:r>
-              <a:rPr lang="en-US" dirty="0"/>
-              <a:t>, kovariance a kontravariance</a:t>
-            </a:r>
+              <a:rPr lang="cs-CZ" dirty="0" smtClean="0"/>
+              <a:t>Přetížení operátorů</a:t>
+            </a:r>
+            <a:endParaRPr lang="en-US" dirty="0"/>
           </a:p>
         </p:txBody>
       </p:sp>
@@ -8525,24 +8642,32 @@
         </p:nvSpPr>
         <p:spPr>
           <a:xfrm>
-            <a:off x="539552" y="1596413"/>
-            <a:ext cx="8712968" cy="4297363"/>
+            <a:off x="683568" y="1596413"/>
+            <a:ext cx="8352928" cy="4297363"/>
           </a:xfrm>
         </p:spPr>
         <p:txBody>
           <a:bodyPr>
-            <a:normAutofit fontScale="85000" lnSpcReduction="10000"/>
+            <a:normAutofit/>
           </a:bodyPr>
           <a:lstStyle/>
           <a:p>
             <a:pPr marL="514350" indent="-457200" fontAlgn="base"/>
             <a:r>
               <a:rPr lang="cs-CZ" dirty="0" smtClean="0"/>
-              <a:t>Uchovává se typ </a:t>
+              <a:t>Příklad </a:t>
+            </a:r>
+            <a:r>
+              <a:rPr lang="en-US" dirty="0" err="1" smtClean="0"/>
+              <a:t>TestOperator</a:t>
+            </a:r>
+            <a:r>
+              <a:rPr lang="cs-CZ" dirty="0" smtClean="0"/>
+              <a:t>.</a:t>
             </a:r>
             <a:r>
               <a:rPr lang="cs-CZ" dirty="0" err="1" smtClean="0"/>
-              <a:t>generiky</a:t>
+              <a:t>cs</a:t>
             </a:r>
             <a:endParaRPr lang="cs-CZ" dirty="0" smtClean="0"/>
           </a:p>
@@ -8550,220 +8675,109 @@
             <a:pPr marL="514350" indent="-457200" fontAlgn="base"/>
             <a:r>
               <a:rPr lang="cs-CZ" dirty="0" smtClean="0"/>
-              <a:t>interface </a:t>
-            </a:r>
-            <a:r>
-              <a:rPr lang="cs-CZ" dirty="0" err="1" smtClean="0"/>
-              <a:t>IEnumerable</a:t>
-            </a:r>
-            <a:r>
-              <a:rPr lang="cs-CZ" dirty="0" smtClean="0"/>
-              <a:t>&lt;</a:t>
-            </a:r>
-            <a:r>
-              <a:rPr lang="cs-CZ" dirty="0" err="1" smtClean="0"/>
-              <a:t>out</a:t>
-            </a:r>
-            <a:r>
-              <a:rPr lang="cs-CZ" dirty="0" smtClean="0"/>
-              <a:t> T&gt; { }</a:t>
-            </a:r>
-          </a:p>
-          <a:p>
-            <a:pPr marL="514350" indent="-457200" fontAlgn="base"/>
-            <a:r>
-              <a:rPr lang="cs-CZ" dirty="0" err="1" smtClean="0"/>
-              <a:t>IEnumerable</a:t>
-            </a:r>
-            <a:r>
-              <a:rPr lang="cs-CZ" dirty="0" smtClean="0"/>
-              <a:t>&lt;</a:t>
-            </a:r>
-            <a:r>
-              <a:rPr lang="cs-CZ" dirty="0" err="1" smtClean="0"/>
-              <a:t>AbstractPerson</a:t>
-            </a:r>
-            <a:r>
-              <a:rPr lang="cs-CZ" dirty="0" smtClean="0"/>
-              <a:t>&gt; p = </a:t>
-            </a:r>
-            <a:r>
-              <a:rPr lang="cs-CZ" dirty="0" err="1" smtClean="0"/>
+              <a:t>Nejdou přetížit operátory:</a:t>
+            </a:r>
+          </a:p>
+          <a:p>
+            <a:pPr marL="514350" indent="-457200" fontAlgn="base"/>
+            <a:r>
+              <a:rPr lang="en-US" dirty="0">
+                <a:hlinkClick r:id="rId6"/>
+              </a:rPr>
+              <a:t>=</a:t>
+            </a:r>
+            <a:r>
+              <a:rPr lang="en-US" dirty="0"/>
+              <a:t>, </a:t>
+            </a:r>
+            <a:r>
+              <a:rPr lang="en-US" dirty="0">
+                <a:hlinkClick r:id="rId7"/>
+              </a:rPr>
+              <a:t>.</a:t>
+            </a:r>
+            <a:r>
+              <a:rPr lang="en-US" dirty="0"/>
+              <a:t>, </a:t>
+            </a:r>
+            <a:r>
+              <a:rPr lang="en-US" dirty="0">
+                <a:hlinkClick r:id="rId8"/>
+              </a:rPr>
+              <a:t>?:</a:t>
+            </a:r>
+            <a:r>
+              <a:rPr lang="en-US" dirty="0"/>
+              <a:t>, </a:t>
+            </a:r>
+            <a:r>
+              <a:rPr lang="en-US" dirty="0">
+                <a:hlinkClick r:id="rId9"/>
+              </a:rPr>
+              <a:t>-&gt;</a:t>
+            </a:r>
+            <a:r>
+              <a:rPr lang="en-US" dirty="0"/>
+              <a:t>, </a:t>
+            </a:r>
+            <a:r>
+              <a:rPr lang="en-US" dirty="0">
+                <a:hlinkClick r:id="rId10"/>
+              </a:rPr>
               <a:t>new</a:t>
             </a:r>
             <a:r>
-              <a:rPr lang="cs-CZ" dirty="0" smtClean="0"/>
-              <a:t> List&lt;Person&gt;();</a:t>
-            </a:r>
-          </a:p>
-          <a:p>
-            <a:pPr marL="514350" indent="-457200" fontAlgn="base"/>
-            <a:r>
-              <a:rPr lang="en-US" dirty="0" smtClean="0"/>
-              <a:t>interface </a:t>
-            </a:r>
-            <a:r>
-              <a:rPr lang="en-US" dirty="0" err="1"/>
-              <a:t>IComparer</a:t>
-            </a:r>
-            <a:r>
               <a:rPr lang="en-US" dirty="0"/>
-              <a:t>&lt;</a:t>
+              <a:t>, </a:t>
+            </a:r>
+            <a:r>
+              <a:rPr lang="en-US" dirty="0">
+                <a:hlinkClick r:id="rId11"/>
+              </a:rPr>
+              <a:t>is</a:t>
             </a:r>
             <a:r>
               <a:rPr lang="en-US" dirty="0"/>
-              <a:t>in</a:t>
+              <a:t>, </a:t>
+            </a:r>
+            <a:r>
+              <a:rPr lang="en-US" dirty="0" err="1">
+                <a:hlinkClick r:id="rId12"/>
+              </a:rPr>
+              <a:t>sizeof</a:t>
             </a:r>
             <a:r>
               <a:rPr lang="en-US" dirty="0"/>
-              <a:t> T</a:t>
-            </a:r>
-            <a:r>
-              <a:rPr lang="en-US" dirty="0" smtClean="0"/>
-              <a:t>&gt;</a:t>
-            </a:r>
-            <a:r>
-              <a:rPr lang="cs-CZ" dirty="0" smtClean="0"/>
-              <a:t> {}</a:t>
-            </a:r>
-          </a:p>
-          <a:p>
-            <a:pPr marL="514350" indent="-457200" fontAlgn="base"/>
-            <a:r>
-              <a:rPr lang="en-US" dirty="0"/>
-              <a:t>Compare(Shape a, Shape b) </a:t>
-            </a:r>
-            <a:r>
-              <a:rPr lang="cs-CZ" dirty="0" smtClean="0"/>
-              <a:t>kde </a:t>
-            </a:r>
-            <a:r>
-              <a:rPr lang="en-US" dirty="0" smtClean="0"/>
-              <a:t>Circle</a:t>
-            </a:r>
-            <a:r>
-              <a:rPr lang="cs-CZ" dirty="0" smtClean="0"/>
-              <a:t> : </a:t>
-            </a:r>
-            <a:r>
-              <a:rPr lang="cs-CZ" dirty="0" err="1" smtClean="0"/>
-              <a:t>Shape</a:t>
-            </a:r>
-            <a:endParaRPr lang="cs-CZ" dirty="0" smtClean="0"/>
-          </a:p>
-          <a:p>
-            <a:pPr marL="514350" indent="-457200" fontAlgn="base"/>
-            <a:r>
-              <a:rPr lang="en-US" dirty="0" smtClean="0"/>
-              <a:t>new </a:t>
-            </a:r>
-            <a:r>
-              <a:rPr lang="en-US" dirty="0" err="1"/>
-              <a:t>SortedSet</a:t>
-            </a:r>
-            <a:r>
-              <a:rPr lang="en-US" dirty="0"/>
-              <a:t>&lt;Circle</a:t>
-            </a:r>
-            <a:r>
-              <a:rPr lang="en-US" dirty="0" smtClean="0"/>
-              <a:t>&gt;(new</a:t>
-            </a:r>
-            <a:r>
-              <a:rPr lang="cs-CZ" dirty="0" smtClean="0"/>
-              <a:t> </a:t>
-            </a:r>
-            <a:r>
-              <a:rPr lang="en-US" dirty="0" err="1" smtClean="0"/>
-              <a:t>ShapeAreaComparer</a:t>
-            </a:r>
-            <a:r>
-              <a:rPr lang="en-US" dirty="0"/>
-              <a:t>())</a:t>
-            </a:r>
-            <a:r>
-              <a:rPr lang="en-US" b="1" dirty="0"/>
-              <a:t/>
-            </a:r>
-            <a:br>
-              <a:rPr lang="en-US" b="1" dirty="0"/>
-            </a:br>
-            <a:endParaRPr lang="cs-CZ" b="1" dirty="0" smtClean="0"/>
-          </a:p>
-          <a:p>
-            <a:pPr marL="514350" indent="-457200" fontAlgn="base"/>
-            <a:r>
-              <a:rPr lang="cs-CZ" dirty="0" smtClean="0"/>
-              <a:t>Klíčová slova </a:t>
-            </a:r>
-            <a:r>
-              <a:rPr lang="cs-CZ" b="1" dirty="0" err="1" smtClean="0"/>
-              <a:t>where</a:t>
-            </a:r>
-            <a:r>
-              <a:rPr lang="cs-CZ" dirty="0" smtClean="0"/>
-              <a:t>, </a:t>
-            </a:r>
-            <a:r>
-              <a:rPr lang="cs-CZ" b="1" dirty="0" smtClean="0"/>
-              <a:t>:</a:t>
-            </a:r>
-            <a:r>
-              <a:rPr lang="cs-CZ" dirty="0" smtClean="0"/>
-              <a:t>, </a:t>
-            </a:r>
-            <a:r>
-              <a:rPr lang="cs-CZ" b="1" dirty="0" err="1" smtClean="0"/>
-              <a:t>new</a:t>
-            </a:r>
-            <a:r>
-              <a:rPr lang="cs-CZ" b="1" dirty="0" smtClean="0"/>
-              <a:t>()</a:t>
-            </a:r>
-            <a:r>
-              <a:rPr lang="cs-CZ" dirty="0" smtClean="0"/>
-              <a:t>,</a:t>
-            </a:r>
-            <a:r>
-              <a:rPr lang="cs-CZ" b="1" dirty="0" smtClean="0"/>
-              <a:t> </a:t>
-            </a:r>
-            <a:r>
-              <a:rPr lang="cs-CZ" b="1" dirty="0" err="1" smtClean="0"/>
-              <a:t>struct</a:t>
-            </a:r>
-            <a:r>
-              <a:rPr lang="cs-CZ" dirty="0" smtClean="0"/>
-              <a:t>,</a:t>
-            </a:r>
-            <a:r>
-              <a:rPr lang="cs-CZ" b="1" dirty="0" smtClean="0"/>
-              <a:t> </a:t>
-            </a:r>
-            <a:r>
-              <a:rPr lang="cs-CZ" b="1" dirty="0" err="1" smtClean="0"/>
-              <a:t>class</a:t>
-            </a:r>
-            <a:endParaRPr lang="en-US" b="1" dirty="0"/>
-          </a:p>
-          <a:p>
-            <a:pPr marL="514350" indent="-457200" fontAlgn="base"/>
-            <a:r>
-              <a:rPr lang="cs-CZ" dirty="0"/>
-              <a:t>Lze použít </a:t>
-            </a:r>
-            <a:r>
-              <a:rPr lang="cs-CZ" dirty="0" err="1"/>
-              <a:t>instanceof</a:t>
-            </a:r>
-            <a:r>
-              <a:rPr lang="cs-CZ" dirty="0"/>
-              <a:t> </a:t>
-            </a:r>
-            <a:r>
-              <a:rPr lang="cs-CZ" dirty="0" smtClean="0"/>
-              <a:t>T</a:t>
-            </a:r>
+              <a:t>, </a:t>
+            </a:r>
+            <a:r>
+              <a:rPr lang="en-US" dirty="0" err="1">
+                <a:hlinkClick r:id="rId13"/>
+              </a:rPr>
+              <a:t>typeof</a:t>
+            </a:r>
+            <a:endParaRPr lang="cs-CZ" dirty="0"/>
+          </a:p>
+          <a:p>
+            <a:pPr marL="514350" indent="-457200" fontAlgn="base"/>
+            <a:r>
+              <a:rPr lang="en-US" dirty="0">
+                <a:hlinkClick r:id="rId14"/>
+              </a:rPr>
+              <a:t>http://msdn.microsoft.com/en-us/library/8edha89s(v=vs.71).aspx</a:t>
+            </a:r>
+            <a:endParaRPr lang="en-US" dirty="0"/>
+          </a:p>
+          <a:p>
+            <a:pPr marL="514350" indent="-457200" fontAlgn="base"/>
+            <a:endParaRPr lang="en-US" dirty="0">
+              <a:solidFill>
+                <a:srgbClr val="C00000"/>
+              </a:solidFill>
+            </a:endParaRPr>
+          </a:p>
+          <a:p>
+            <a:pPr marL="514350" indent="-457200" fontAlgn="base"/>
             <a:endParaRPr lang="cs-CZ" dirty="0"/>
           </a:p>
           <a:p>
@@ -8822,7 +8836,7 @@
     </p:custDataLst>
     <p:extLst>
       <p:ext uri="{BB962C8B-B14F-4D97-AF65-F5344CB8AC3E}">
-        <p14:creationId xmlns:p14="http://schemas.microsoft.com/office/powerpoint/2010/main" val="2956549503"/>
+        <p14:creationId xmlns:p14="http://schemas.microsoft.com/office/powerpoint/2010/main" val="3643415306"/>
       </p:ext>
     </p:extLst>
   </p:cSld>
@@ -8872,24 +8886,25 @@
             </p:custDataLst>
           </p:nvPr>
         </p:nvSpPr>
-        <p:spPr/>
+        <p:spPr>
+          <a:xfrm>
+            <a:off x="762000" y="269632"/>
+            <a:ext cx="8382000" cy="1143000"/>
+          </a:xfrm>
+        </p:spPr>
         <p:txBody>
           <a:bodyPr>
-            <a:normAutofit/>
+            <a:normAutofit fontScale="90000"/>
           </a:bodyPr>
           <a:lstStyle/>
           <a:p>
             <a:r>
-              <a:rPr lang="cs-CZ" dirty="0" smtClean="0"/>
-              <a:t>D</a:t>
-            </a:r>
-            <a:r>
-              <a:rPr lang="en-US" dirty="0" err="1" smtClean="0"/>
-              <a:t>estruktur</a:t>
+              <a:rPr lang="cs-CZ" dirty="0" err="1" smtClean="0"/>
+              <a:t>Generiky</a:t>
             </a:r>
             <a:r>
               <a:rPr lang="en-US" dirty="0"/>
-              <a:t>, using a IDispose</a:t>
+              <a:t>, kovariance a kontravariance</a:t>
             </a:r>
           </a:p>
         </p:txBody>
@@ -8909,24 +8924,24 @@
         </p:nvSpPr>
         <p:spPr>
           <a:xfrm>
-            <a:off x="683568" y="1596413"/>
-            <a:ext cx="8352928" cy="4297363"/>
+            <a:off x="539552" y="1596413"/>
+            <a:ext cx="8712968" cy="4856923"/>
           </a:xfrm>
         </p:spPr>
         <p:txBody>
           <a:bodyPr>
-            <a:normAutofit/>
+            <a:normAutofit fontScale="77500" lnSpcReduction="20000"/>
           </a:bodyPr>
           <a:lstStyle/>
           <a:p>
             <a:pPr marL="514350" indent="-457200" fontAlgn="base"/>
             <a:r>
               <a:rPr lang="cs-CZ" dirty="0" smtClean="0"/>
-              <a:t>Chování destruktoru jako v </a:t>
+              <a:t>Uchovává se typ </a:t>
             </a:r>
             <a:r>
               <a:rPr lang="cs-CZ" dirty="0" err="1" smtClean="0"/>
-              <a:t>jave</a:t>
+              <a:t>generiky</a:t>
             </a:r>
             <a:r>
               <a:rPr lang="cs-CZ" dirty="0" smtClean="0"/>
@@ -8934,107 +8949,280 @@
             </a:r>
             <a:r>
               <a:rPr lang="cs-CZ" dirty="0" err="1" smtClean="0"/>
-              <a:t>finalize</a:t>
-            </a:r>
-            <a:r>
-              <a:rPr lang="cs-CZ" dirty="0" smtClean="0"/>
-              <a:t> ale je zaručeno že se  volá vždy při uvolňování.</a:t>
-            </a:r>
-          </a:p>
-          <a:p>
-            <a:pPr marL="514350" indent="-457200" fontAlgn="base"/>
-            <a:r>
-              <a:rPr lang="en-US" dirty="0" err="1" smtClean="0"/>
-              <a:t>Idispose</a:t>
-            </a:r>
-            <a:r>
-              <a:rPr lang="cs-CZ" dirty="0" smtClean="0"/>
-              <a:t> je pro explicitní </a:t>
+              <a:t>IList</a:t>
+            </a:r>
+            <a:r>
+              <a:rPr lang="cs-CZ" dirty="0" smtClean="0"/>
+              <a:t>&lt;</a:t>
             </a:r>
             <a:r>
               <a:rPr lang="cs-CZ" dirty="0" err="1" smtClean="0"/>
-              <a:t>uvolnování</a:t>
+              <a:t>string</a:t>
+            </a:r>
+            <a:r>
+              <a:rPr lang="cs-CZ" dirty="0" smtClean="0"/>
+              <a:t>&gt; != </a:t>
+            </a:r>
+            <a:r>
+              <a:rPr lang="cs-CZ" dirty="0" err="1" smtClean="0"/>
+              <a:t>IList</a:t>
+            </a:r>
+            <a:r>
+              <a:rPr lang="cs-CZ" dirty="0" smtClean="0"/>
+              <a:t>&lt;</a:t>
+            </a:r>
+            <a:r>
+              <a:rPr lang="cs-CZ" dirty="0" err="1" smtClean="0"/>
+              <a:t>int</a:t>
+            </a:r>
+            <a:r>
+              <a:rPr lang="cs-CZ" dirty="0" smtClean="0"/>
+              <a:t>&gt;</a:t>
+            </a:r>
+            <a:endParaRPr lang="cs-CZ" dirty="0" smtClean="0"/>
+          </a:p>
+          <a:p>
+            <a:pPr marL="514350" indent="-457200" fontAlgn="base"/>
+            <a:r>
+              <a:rPr lang="cs-CZ" dirty="0" smtClean="0"/>
+              <a:t>Klíčová slova </a:t>
+            </a:r>
+            <a:r>
+              <a:rPr lang="cs-CZ" b="1" dirty="0" err="1" smtClean="0"/>
+              <a:t>where</a:t>
             </a:r>
             <a:r>
               <a:rPr lang="cs-CZ" dirty="0" smtClean="0"/>
               <a:t> </a:t>
             </a:r>
             <a:r>
+              <a:rPr lang="cs-CZ" b="1" dirty="0" smtClean="0"/>
+              <a:t>: ,</a:t>
+            </a:r>
+            <a:r>
+              <a:rPr lang="cs-CZ" dirty="0" smtClean="0"/>
+              <a:t> </a:t>
+            </a:r>
+            <a:r>
+              <a:rPr lang="cs-CZ" b="1" dirty="0" err="1" smtClean="0"/>
+              <a:t>new</a:t>
+            </a:r>
+            <a:r>
+              <a:rPr lang="cs-CZ" b="1" dirty="0" smtClean="0"/>
+              <a:t>() </a:t>
+            </a:r>
+            <a:r>
+              <a:rPr lang="cs-CZ" b="1" dirty="0" err="1" smtClean="0"/>
+              <a:t>struct</a:t>
+            </a:r>
+            <a:r>
+              <a:rPr lang="cs-CZ" b="1" dirty="0" smtClean="0"/>
+              <a:t> </a:t>
+            </a:r>
+            <a:r>
+              <a:rPr lang="cs-CZ" b="1" dirty="0" err="1" smtClean="0"/>
+              <a:t>class</a:t>
+            </a:r>
+            <a:endParaRPr lang="en-US" b="1" dirty="0"/>
+          </a:p>
+          <a:p>
+            <a:pPr marL="514350" indent="-457200" fontAlgn="base"/>
+            <a:r>
+              <a:rPr lang="cs-CZ" dirty="0"/>
+              <a:t>Lze použít </a:t>
+            </a:r>
+            <a:r>
+              <a:rPr lang="cs-CZ" dirty="0" err="1"/>
+              <a:t>instanceof</a:t>
+            </a:r>
+            <a:r>
+              <a:rPr lang="cs-CZ" dirty="0"/>
+              <a:t> </a:t>
+            </a:r>
+            <a:r>
+              <a:rPr lang="cs-CZ" dirty="0" smtClean="0"/>
+              <a:t>T</a:t>
+            </a:r>
+          </a:p>
+          <a:p>
+            <a:pPr marL="514350" indent="-457200" fontAlgn="base"/>
+            <a:r>
+              <a:rPr lang="cs-CZ" smtClean="0"/>
+              <a:t>V runtime </a:t>
+            </a:r>
+            <a:r>
               <a:rPr lang="cs-CZ" dirty="0" err="1" smtClean="0"/>
-              <a:t>unmanaged</a:t>
-            </a:r>
-            <a:r>
-              <a:rPr lang="cs-CZ" dirty="0" smtClean="0"/>
+              <a:t>GetType</a:t>
+            </a:r>
+            <a:r>
+              <a:rPr lang="cs-CZ" dirty="0" smtClean="0"/>
+              <a:t>().</a:t>
+            </a:r>
+            <a:r>
+              <a:rPr lang="cs-CZ" dirty="0" err="1" smtClean="0"/>
+              <a:t>ToString</a:t>
+            </a:r>
+            <a:r>
+              <a:rPr lang="cs-CZ" dirty="0" smtClean="0"/>
+              <a:t>() == </a:t>
+            </a:r>
+            <a:r>
+              <a:rPr lang="en-US" dirty="0"/>
+              <a:t>IList`1[</a:t>
+            </a:r>
+            <a:r>
+              <a:rPr lang="en-US" dirty="0" err="1"/>
+              <a:t>System.String</a:t>
+            </a:r>
+            <a:r>
+              <a:rPr lang="en-US" dirty="0" smtClean="0"/>
+              <a:t>]</a:t>
+            </a:r>
+            <a:endParaRPr lang="cs-CZ" dirty="0" smtClean="0"/>
+          </a:p>
+          <a:p>
+            <a:pPr marL="514350" indent="-457200" fontAlgn="base"/>
+            <a:endParaRPr lang="cs-CZ" dirty="0"/>
+          </a:p>
+          <a:p>
+            <a:pPr marL="514350" indent="-457200" fontAlgn="base"/>
+            <a:r>
+              <a:rPr lang="cs-CZ" dirty="0"/>
+              <a:t>interface </a:t>
+            </a:r>
+            <a:r>
+              <a:rPr lang="cs-CZ" dirty="0" err="1"/>
+              <a:t>IEnumerable</a:t>
+            </a:r>
+            <a:r>
+              <a:rPr lang="cs-CZ" dirty="0"/>
+              <a:t>&lt;</a:t>
+            </a:r>
+            <a:r>
+              <a:rPr lang="cs-CZ" dirty="0" err="1"/>
+              <a:t>out</a:t>
+            </a:r>
+            <a:r>
+              <a:rPr lang="cs-CZ" dirty="0"/>
+              <a:t> T&gt; { }</a:t>
+            </a:r>
+          </a:p>
+          <a:p>
+            <a:pPr marL="514350" indent="-457200" fontAlgn="base"/>
+            <a:r>
+              <a:rPr lang="cs-CZ" dirty="0" err="1"/>
+              <a:t>IEnumerable</a:t>
+            </a:r>
+            <a:r>
+              <a:rPr lang="cs-CZ" dirty="0"/>
+              <a:t>&lt;</a:t>
+            </a:r>
+            <a:r>
+              <a:rPr lang="cs-CZ" dirty="0" err="1"/>
+              <a:t>AbstractPerson</a:t>
+            </a:r>
+            <a:r>
+              <a:rPr lang="cs-CZ" dirty="0"/>
+              <a:t>&gt; p = </a:t>
+            </a:r>
+            <a:r>
+              <a:rPr lang="cs-CZ" dirty="0" err="1"/>
+              <a:t>new</a:t>
+            </a:r>
+            <a:r>
+              <a:rPr lang="cs-CZ" dirty="0"/>
+              <a:t> List&lt;Person</a:t>
+            </a:r>
+            <a:r>
+              <a:rPr lang="cs-CZ" dirty="0" smtClean="0"/>
+              <a:t>&gt;();</a:t>
+            </a:r>
+          </a:p>
+          <a:p>
+            <a:pPr marL="514350" indent="-457200" fontAlgn="base"/>
+            <a:endParaRPr lang="cs-CZ" dirty="0"/>
+          </a:p>
+          <a:p>
+            <a:pPr marL="514350" indent="-457200" fontAlgn="base"/>
+            <a:r>
+              <a:rPr lang="en-US" dirty="0"/>
+              <a:t>interface </a:t>
+            </a:r>
+            <a:r>
+              <a:rPr lang="en-US" dirty="0" err="1"/>
+              <a:t>IComparer</a:t>
+            </a:r>
+            <a:r>
+              <a:rPr lang="en-US" dirty="0"/>
+              <a:t>&lt;in T&gt;</a:t>
+            </a:r>
+            <a:r>
+              <a:rPr lang="cs-CZ" dirty="0"/>
+              <a:t> {}</a:t>
+            </a:r>
+          </a:p>
+          <a:p>
+            <a:pPr marL="514350" indent="-457200" fontAlgn="base"/>
+            <a:r>
+              <a:rPr lang="en-US" dirty="0"/>
+              <a:t>Compare(Shape a, Shape b) </a:t>
+            </a:r>
+            <a:r>
+              <a:rPr lang="cs-CZ" dirty="0"/>
+              <a:t>kde </a:t>
+            </a:r>
+            <a:r>
+              <a:rPr lang="en-US" dirty="0"/>
+              <a:t>Circle</a:t>
+            </a:r>
+            <a:r>
+              <a:rPr lang="cs-CZ" dirty="0"/>
+              <a:t> : </a:t>
+            </a:r>
+            <a:r>
+              <a:rPr lang="cs-CZ" dirty="0" err="1"/>
+              <a:t>Shape</a:t>
+            </a:r>
+            <a:endParaRPr lang="cs-CZ" dirty="0"/>
+          </a:p>
+          <a:p>
+            <a:pPr marL="514350" indent="-457200" fontAlgn="base"/>
+            <a:r>
+              <a:rPr lang="en-US" dirty="0"/>
+              <a:t>new </a:t>
+            </a:r>
+            <a:r>
+              <a:rPr lang="en-US" dirty="0" err="1"/>
+              <a:t>SortedSet</a:t>
+            </a:r>
+            <a:r>
+              <a:rPr lang="en-US" dirty="0"/>
+              <a:t>&lt;Circle&gt;(new</a:t>
+            </a:r>
+            <a:r>
+              <a:rPr lang="cs-CZ" dirty="0"/>
               <a:t> </a:t>
             </a:r>
             <a:r>
-              <a:rPr lang="cs-CZ" dirty="0" err="1" smtClean="0"/>
-              <a:t>zdroju</a:t>
-            </a:r>
-            <a:r>
-              <a:rPr lang="cs-CZ" dirty="0" smtClean="0"/>
-              <a:t> </a:t>
-            </a:r>
-            <a:r>
-              <a:rPr lang="cs-CZ" dirty="0" err="1" smtClean="0"/>
-              <a:t>např</a:t>
-            </a:r>
-            <a:r>
-              <a:rPr lang="cs-CZ" dirty="0" smtClean="0"/>
-              <a:t>, souborů, </a:t>
-            </a:r>
-            <a:r>
-              <a:rPr lang="cs-CZ" dirty="0" err="1" smtClean="0"/>
-              <a:t>connections</a:t>
-            </a:r>
-            <a:r>
-              <a:rPr lang="cs-CZ" dirty="0" smtClean="0"/>
-              <a:t> apod.</a:t>
-            </a:r>
-          </a:p>
-          <a:p>
-            <a:pPr marL="514350" indent="-457200" fontAlgn="base"/>
-            <a:r>
-              <a:rPr lang="cs-CZ" dirty="0" smtClean="0"/>
-              <a:t>Místo </a:t>
-            </a:r>
-            <a:r>
-              <a:rPr lang="cs-CZ" dirty="0" err="1" smtClean="0"/>
-              <a:t>try</a:t>
-            </a:r>
-            <a:r>
-              <a:rPr lang="cs-CZ" dirty="0" smtClean="0"/>
-              <a:t> </a:t>
-            </a:r>
-            <a:r>
-              <a:rPr lang="cs-CZ" dirty="0" err="1" smtClean="0"/>
-              <a:t>finaly</a:t>
-            </a:r>
-            <a:r>
-              <a:rPr lang="cs-CZ" dirty="0" smtClean="0"/>
-              <a:t> -&gt; používat </a:t>
-            </a:r>
-            <a:r>
-              <a:rPr lang="cs-CZ" dirty="0" err="1" smtClean="0"/>
-              <a:t>using</a:t>
-            </a:r>
-            <a:endParaRPr lang="cs-CZ" dirty="0" smtClean="0"/>
-          </a:p>
-          <a:p>
-            <a:pPr marL="514350" indent="-457200" fontAlgn="base"/>
-            <a:r>
-              <a:rPr lang="cs-CZ" dirty="0" smtClean="0"/>
-              <a:t>Příklad. </a:t>
-            </a:r>
-            <a:r>
               <a:rPr lang="en-US" dirty="0" err="1"/>
-              <a:t>TestDispose</a:t>
-            </a:r>
-            <a:endParaRPr lang="en-US" dirty="0"/>
-          </a:p>
-          <a:p>
-            <a:pPr marL="514350" indent="-457200" fontAlgn="base"/>
-            <a:endParaRPr lang="en-US" dirty="0"/>
+              <a:t>ShapeAreaComparer</a:t>
+            </a:r>
+            <a:r>
+              <a:rPr lang="en-US" dirty="0"/>
+              <a:t>())</a:t>
+            </a:r>
+            <a:r>
+              <a:rPr lang="en-US" b="1" dirty="0"/>
+              <a:t/>
+            </a:r>
+            <a:br>
+              <a:rPr lang="en-US" b="1" dirty="0"/>
+            </a:br>
+            <a:endParaRPr lang="cs-CZ" b="1" dirty="0" smtClean="0"/>
+          </a:p>
+          <a:p>
+            <a:pPr marL="514350" indent="-457200" fontAlgn="base"/>
+            <a:endParaRPr lang="cs-CZ" b="1" dirty="0"/>
           </a:p>
           <a:p>
             <a:pPr marL="514350" indent="-457200" fontAlgn="base"/>
@@ -9096,7 +9284,7 @@
     </p:custDataLst>
     <p:extLst>
       <p:ext uri="{BB962C8B-B14F-4D97-AF65-F5344CB8AC3E}">
-        <p14:creationId xmlns:p14="http://schemas.microsoft.com/office/powerpoint/2010/main" val="1069292896"/>
+        <p14:creationId xmlns:p14="http://schemas.microsoft.com/office/powerpoint/2010/main" val="2956549503"/>
       </p:ext>
     </p:extLst>
   </p:cSld>
@@ -9154,10 +9342,17 @@
           <a:lstStyle/>
           <a:p>
             <a:r>
-              <a:rPr lang="cs-CZ" dirty="0" err="1" smtClean="0"/>
-              <a:t>Exception</a:t>
-            </a:r>
-            <a:endParaRPr lang="en-US" dirty="0"/>
+              <a:rPr lang="cs-CZ" dirty="0" smtClean="0"/>
+              <a:t>D</a:t>
+            </a:r>
+            <a:r>
+              <a:rPr lang="en-US" dirty="0" err="1" smtClean="0"/>
+              <a:t>estruktur</a:t>
+            </a:r>
+            <a:r>
+              <a:rPr lang="en-US" dirty="0"/>
+              <a:t>, using a IDispose</a:t>
+            </a:r>
           </a:p>
         </p:txBody>
       </p:sp>
@@ -9176,8 +9371,8 @@
         </p:nvSpPr>
         <p:spPr>
           <a:xfrm>
-            <a:off x="539552" y="1596413"/>
-            <a:ext cx="8604448" cy="4297363"/>
+            <a:off x="683568" y="1596413"/>
+            <a:ext cx="8352928" cy="4297363"/>
           </a:xfrm>
         </p:spPr>
         <p:txBody>
@@ -9189,100 +9384,119 @@
             <a:pPr marL="514350" indent="-457200" fontAlgn="base"/>
             <a:r>
               <a:rPr lang="cs-CZ" dirty="0" smtClean="0"/>
-              <a:t>Podobn</a:t>
-            </a:r>
-            <a:r>
-              <a:rPr lang="cs-CZ" dirty="0"/>
-              <a:t>ě</a:t>
-            </a:r>
-            <a:r>
-              <a:rPr lang="cs-CZ" dirty="0" smtClean="0"/>
-              <a:t> jako v </a:t>
+              <a:t>Chování destruktoru jako v </a:t>
             </a:r>
             <a:r>
               <a:rPr lang="cs-CZ" dirty="0" err="1" smtClean="0"/>
-              <a:t>javě</a:t>
-            </a:r>
-            <a:r>
-              <a:rPr lang="cs-CZ" dirty="0" smtClean="0"/>
-              <a:t> ale </a:t>
-            </a:r>
-            <a:r>
-              <a:rPr lang="cs-CZ" dirty="0"/>
-              <a:t>neexistují </a:t>
-            </a:r>
-            <a:r>
-              <a:rPr lang="cs-CZ" dirty="0" err="1"/>
-              <a:t>checked</a:t>
-            </a:r>
-            <a:r>
-              <a:rPr lang="cs-CZ" dirty="0"/>
+              <a:t>jave</a:t>
+            </a:r>
+            <a:r>
+              <a:rPr lang="cs-CZ" dirty="0" smtClean="0"/>
               <a:t> </a:t>
             </a:r>
             <a:r>
-              <a:rPr lang="cs-CZ" dirty="0" smtClean="0"/>
-              <a:t>výjimky</a:t>
-            </a:r>
-          </a:p>
-          <a:p>
-            <a:pPr marL="514350" indent="-457200" fontAlgn="base"/>
-            <a:r>
-              <a:rPr lang="cs-CZ" dirty="0" smtClean="0"/>
-              <a:t>Dědí se po </a:t>
-            </a:r>
-            <a:r>
               <a:rPr lang="cs-CZ" dirty="0" err="1" smtClean="0"/>
-              <a:t>System.Exception</a:t>
+              <a:t>finalize</a:t>
+            </a:r>
+            <a:r>
+              <a:rPr lang="cs-CZ" dirty="0" smtClean="0"/>
+              <a:t> ale je zaručeno že se  volá vždy při uvolňování.</a:t>
+            </a:r>
+          </a:p>
+          <a:p>
+            <a:pPr marL="514350" indent="-457200" fontAlgn="base"/>
+            <a:r>
+              <a:rPr lang="en-US" dirty="0" err="1" smtClean="0"/>
+              <a:t>Idispose</a:t>
+            </a:r>
+            <a:r>
+              <a:rPr lang="cs-CZ" dirty="0" smtClean="0"/>
+              <a:t> je pro explicitní </a:t>
+            </a:r>
+            <a:r>
+              <a:rPr lang="cs-CZ" dirty="0" err="1" smtClean="0"/>
+              <a:t>uvolnování</a:t>
+            </a:r>
+            <a:r>
+              <a:rPr lang="cs-CZ" dirty="0" smtClean="0"/>
+              <a:t> </a:t>
+            </a:r>
+            <a:r>
+              <a:rPr lang="cs-CZ" dirty="0" err="1" smtClean="0"/>
+              <a:t>unmanaged</a:t>
+            </a:r>
+            <a:r>
+              <a:rPr lang="cs-CZ" dirty="0" smtClean="0"/>
+              <a:t> </a:t>
+            </a:r>
+            <a:r>
+              <a:rPr lang="cs-CZ" dirty="0" err="1" smtClean="0"/>
+              <a:t>zdroju</a:t>
+            </a:r>
+            <a:r>
+              <a:rPr lang="cs-CZ" dirty="0" smtClean="0"/>
+              <a:t> </a:t>
+            </a:r>
+            <a:r>
+              <a:rPr lang="cs-CZ" dirty="0" err="1" smtClean="0"/>
+              <a:t>např</a:t>
+            </a:r>
+            <a:r>
+              <a:rPr lang="cs-CZ" dirty="0" smtClean="0"/>
+              <a:t>, souborů, </a:t>
+            </a:r>
+            <a:r>
+              <a:rPr lang="cs-CZ" dirty="0" err="1" smtClean="0"/>
+              <a:t>connections</a:t>
+            </a:r>
+            <a:r>
+              <a:rPr lang="cs-CZ" dirty="0" smtClean="0"/>
+              <a:t> apod.</a:t>
+            </a:r>
+          </a:p>
+          <a:p>
+            <a:pPr marL="514350" indent="-457200" fontAlgn="base"/>
+            <a:r>
+              <a:rPr lang="cs-CZ" dirty="0" smtClean="0"/>
+              <a:t>Místo </a:t>
+            </a:r>
+            <a:r>
+              <a:rPr lang="cs-CZ" dirty="0" err="1" smtClean="0"/>
+              <a:t>try</a:t>
+            </a:r>
+            <a:r>
+              <a:rPr lang="cs-CZ" dirty="0" smtClean="0"/>
+              <a:t> </a:t>
+            </a:r>
+            <a:r>
+              <a:rPr lang="cs-CZ" dirty="0" err="1" smtClean="0"/>
+              <a:t>finaly</a:t>
+            </a:r>
+            <a:r>
+              <a:rPr lang="cs-CZ" dirty="0" smtClean="0"/>
+              <a:t> -&gt; používat </a:t>
+            </a:r>
+            <a:r>
+              <a:rPr lang="cs-CZ" dirty="0" err="1" smtClean="0"/>
+              <a:t>using</a:t>
             </a:r>
             <a:endParaRPr lang="cs-CZ" dirty="0" smtClean="0"/>
           </a:p>
           <a:p>
             <a:pPr marL="514350" indent="-457200" fontAlgn="base"/>
             <a:r>
-              <a:rPr lang="cs-CZ" dirty="0" err="1" smtClean="0"/>
-              <a:t>NullPointerException</a:t>
-            </a:r>
-            <a:r>
-              <a:rPr lang="cs-CZ" dirty="0" smtClean="0"/>
-              <a:t>==</a:t>
-            </a:r>
-            <a:r>
-              <a:rPr lang="en-US" dirty="0" err="1" smtClean="0"/>
-              <a:t>NullReferenceException</a:t>
-            </a:r>
-            <a:endParaRPr lang="cs-CZ" dirty="0" smtClean="0"/>
-          </a:p>
-          <a:p>
-            <a:pPr marL="514350" indent="-457200" fontAlgn="base"/>
-            <a:r>
-              <a:rPr lang="en-US" dirty="0" err="1" smtClean="0"/>
-              <a:t>ClassCastException</a:t>
-            </a:r>
-            <a:r>
-              <a:rPr lang="cs-CZ" dirty="0" smtClean="0"/>
-              <a:t>==</a:t>
-            </a:r>
-            <a:r>
-              <a:rPr lang="en-US" dirty="0"/>
-              <a:t> </a:t>
+              <a:rPr lang="cs-CZ" dirty="0" smtClean="0"/>
+              <a:t>Příklad. </a:t>
             </a:r>
             <a:r>
               <a:rPr lang="en-US" dirty="0" err="1"/>
-              <a:t>InvalidCastException</a:t>
+              <a:t>TestDispose</a:t>
             </a:r>
             <a:endParaRPr lang="en-US" dirty="0"/>
           </a:p>
           <a:p>
             <a:pPr marL="514350" indent="-457200" fontAlgn="base"/>
-            <a:r>
-              <a:rPr lang="cs-CZ" dirty="0" smtClean="0"/>
-              <a:t>…</a:t>
-            </a:r>
             <a:endParaRPr lang="en-US" dirty="0"/>
-          </a:p>
-          <a:p>
-            <a:pPr marL="514350" indent="-457200" fontAlgn="base"/>
-            <a:endParaRPr lang="cs-CZ" dirty="0" smtClean="0"/>
           </a:p>
           <a:p>
             <a:pPr marL="514350" indent="-457200" fontAlgn="base"/>
@@ -9344,7 +9558,7 @@
     </p:custDataLst>
     <p:extLst>
       <p:ext uri="{BB962C8B-B14F-4D97-AF65-F5344CB8AC3E}">
-        <p14:creationId xmlns:p14="http://schemas.microsoft.com/office/powerpoint/2010/main" val="3584004117"/>
+        <p14:creationId xmlns:p14="http://schemas.microsoft.com/office/powerpoint/2010/main" val="1069292896"/>
       </p:ext>
     </p:extLst>
   </p:cSld>
@@ -9402,21 +9616,10 @@
           <a:lstStyle/>
           <a:p>
             <a:r>
-              <a:rPr lang="en-US" b="1" dirty="0" smtClean="0"/>
-              <a:t>yield </a:t>
-            </a:r>
-            <a:r>
-              <a:rPr lang="en-US" b="1" dirty="0"/>
-              <a:t>return</a:t>
-            </a:r>
-            <a:r>
-              <a:rPr lang="en-US" dirty="0"/>
-              <a:t> a </a:t>
-            </a:r>
-            <a:r>
-              <a:rPr lang="en-US" b="1" dirty="0"/>
-              <a:t>yield break</a:t>
-            </a:r>
+              <a:rPr lang="cs-CZ" dirty="0" err="1" smtClean="0"/>
+              <a:t>Exception</a:t>
+            </a:r>
+            <a:endParaRPr lang="en-US" dirty="0"/>
           </a:p>
         </p:txBody>
       </p:sp>
@@ -9435,54 +9638,44 @@
         </p:nvSpPr>
         <p:spPr>
           <a:xfrm>
-            <a:off x="683568" y="1596413"/>
-            <a:ext cx="8352928" cy="4297363"/>
+            <a:off x="539552" y="1596413"/>
+            <a:ext cx="8604448" cy="4297363"/>
           </a:xfrm>
         </p:spPr>
         <p:txBody>
           <a:bodyPr>
-            <a:normAutofit fontScale="62500" lnSpcReduction="20000"/>
+            <a:normAutofit/>
           </a:bodyPr>
           <a:lstStyle/>
           <a:p>
             <a:pPr marL="514350" indent="-457200" fontAlgn="base"/>
             <a:r>
               <a:rPr lang="cs-CZ" dirty="0" smtClean="0"/>
-              <a:t>Místo psaní implementace </a:t>
-            </a:r>
-            <a:r>
-              <a:rPr lang="en-US" i="1" dirty="0" err="1"/>
-              <a:t>IEnumerable</a:t>
-            </a:r>
-            <a:r>
-              <a:rPr lang="cs-CZ" dirty="0" smtClean="0"/>
-              <a:t>. Řeší překladač v těle metody.</a:t>
-            </a:r>
-          </a:p>
-          <a:p>
-            <a:pPr marL="514350" indent="-457200" fontAlgn="base"/>
+              <a:t>Podobn</a:t>
+            </a:r>
+            <a:r>
+              <a:rPr lang="cs-CZ" dirty="0"/>
+              <a:t>ě</a:t>
+            </a:r>
+            <a:r>
+              <a:rPr lang="cs-CZ" dirty="0" smtClean="0"/>
+              <a:t> jako v </a:t>
+            </a:r>
             <a:r>
               <a:rPr lang="cs-CZ" dirty="0" err="1" smtClean="0"/>
-              <a:t>yield</a:t>
-            </a:r>
-            <a:r>
-              <a:rPr lang="cs-CZ" dirty="0" smtClean="0"/>
-              <a:t> return vrací další prvek.</a:t>
-            </a:r>
-          </a:p>
-          <a:p>
-            <a:pPr marL="514350" indent="-457200" fontAlgn="base"/>
-            <a:r>
-              <a:rPr lang="cs-CZ" dirty="0" err="1" smtClean="0"/>
-              <a:t>Yield</a:t>
-            </a:r>
-            <a:r>
-              <a:rPr lang="cs-CZ" dirty="0" smtClean="0"/>
-              <a:t> </a:t>
-            </a:r>
-            <a:r>
-              <a:rPr lang="cs-CZ" dirty="0" err="1" smtClean="0"/>
-              <a:t>break</a:t>
+              <a:t>javě</a:t>
+            </a:r>
+            <a:r>
+              <a:rPr lang="cs-CZ" dirty="0" smtClean="0"/>
+              <a:t> ale </a:t>
+            </a:r>
+            <a:r>
+              <a:rPr lang="cs-CZ" dirty="0"/>
+              <a:t>neexistují </a:t>
+            </a:r>
+            <a:r>
+              <a:rPr lang="cs-CZ" dirty="0" err="1"/>
+              <a:t>checked</a:t>
             </a:r>
             <a:r>
               <a:rPr lang="cs-CZ" dirty="0"/>
@@ -9490,109 +9683,68 @@
             </a:r>
             <a:r>
               <a:rPr lang="cs-CZ" dirty="0" smtClean="0"/>
-              <a:t>- už není dostupný další.</a:t>
-            </a:r>
-          </a:p>
-          <a:p>
-            <a:pPr marL="514350" indent="-457200" fontAlgn="base"/>
+              <a:t>výjimky</a:t>
+            </a:r>
+          </a:p>
+          <a:p>
+            <a:pPr marL="514350" indent="-457200" fontAlgn="base"/>
+            <a:r>
+              <a:rPr lang="cs-CZ" dirty="0" smtClean="0"/>
+              <a:t>Dědí se po </a:t>
+            </a:r>
             <a:r>
               <a:rPr lang="cs-CZ" dirty="0" err="1" smtClean="0"/>
-              <a:t>Př</a:t>
-            </a:r>
-            <a:r>
-              <a:rPr lang="cs-CZ" dirty="0" smtClean="0"/>
-              <a:t>: Místo vracení již naplněné kolekce prvku </a:t>
-            </a:r>
-            <a:r>
-              <a:rPr lang="cs-CZ" dirty="0"/>
-              <a:t>(čas. náročnost)</a:t>
-            </a:r>
-            <a:r>
-              <a:rPr lang="cs-CZ" dirty="0" smtClean="0"/>
-              <a:t> vracíme postupně</a:t>
-            </a:r>
-          </a:p>
-          <a:p>
-            <a:pPr marL="514350" indent="-457200" fontAlgn="base"/>
-            <a:r>
-              <a:rPr lang="cs-CZ" dirty="0" smtClean="0"/>
-              <a:t>Pozor při znovu zavolaní metody se znova provede </a:t>
-            </a:r>
+              <a:t>System.Exception</a:t>
+            </a:r>
+            <a:endParaRPr lang="cs-CZ" dirty="0" smtClean="0"/>
+          </a:p>
+          <a:p>
+            <a:pPr marL="514350" indent="-457200" fontAlgn="base"/>
             <a:r>
               <a:rPr lang="cs-CZ" dirty="0" err="1" smtClean="0"/>
-              <a:t>telo</a:t>
-            </a:r>
-            <a:r>
-              <a:rPr lang="cs-CZ" dirty="0" smtClean="0"/>
-              <a:t> metody</a:t>
-            </a:r>
-          </a:p>
-          <a:p>
-            <a:pPr marL="514350" indent="-457200" fontAlgn="base"/>
-            <a:r>
-              <a:rPr lang="cs-CZ" dirty="0" smtClean="0"/>
-              <a:t>-&gt; </a:t>
-            </a:r>
-            <a:r>
-              <a:rPr lang="cs-CZ" dirty="0" err="1" smtClean="0"/>
-              <a:t>jiz</a:t>
-            </a:r>
-            <a:r>
-              <a:rPr lang="cs-CZ" dirty="0" smtClean="0"/>
+              <a:t>NullPointerException</a:t>
+            </a:r>
+            <a:r>
+              <a:rPr lang="cs-CZ" dirty="0" smtClean="0"/>
+              <a:t>==</a:t>
+            </a:r>
+            <a:r>
+              <a:rPr lang="en-US" dirty="0" err="1" smtClean="0"/>
+              <a:t>NullReferenceException</a:t>
+            </a:r>
+            <a:endParaRPr lang="cs-CZ" dirty="0" smtClean="0"/>
+          </a:p>
+          <a:p>
+            <a:pPr marL="514350" indent="-457200" fontAlgn="base"/>
+            <a:r>
+              <a:rPr lang="en-US" dirty="0" err="1" smtClean="0"/>
+              <a:t>ClassCastException</a:t>
+            </a:r>
+            <a:r>
+              <a:rPr lang="cs-CZ" dirty="0" smtClean="0"/>
+              <a:t>==</a:t>
+            </a:r>
+            <a:r>
+              <a:rPr lang="en-US" dirty="0"/>
               <a:t> </a:t>
             </a:r>
             <a:r>
-              <a:rPr lang="cs-CZ" dirty="0" err="1" smtClean="0"/>
-              <a:t>spocitane</a:t>
-            </a:r>
-            <a:r>
-              <a:rPr lang="cs-CZ" dirty="0" smtClean="0"/>
-              <a:t> </a:t>
-            </a:r>
-            <a:r>
-              <a:rPr lang="cs-CZ" dirty="0" err="1" smtClean="0"/>
-              <a:t>pouzit</a:t>
-            </a:r>
-            <a:r>
-              <a:rPr lang="cs-CZ" dirty="0" smtClean="0"/>
-              <a:t> </a:t>
-            </a:r>
-            <a:r>
-              <a:rPr lang="cs-CZ" dirty="0" err="1" smtClean="0"/>
-              <a:t>ToArray</a:t>
-            </a:r>
-            <a:r>
-              <a:rPr lang="cs-CZ" dirty="0" smtClean="0"/>
-              <a:t> nebo </a:t>
-            </a:r>
-            <a:r>
-              <a:rPr lang="cs-CZ" dirty="0" err="1" smtClean="0"/>
-              <a:t>ToList</a:t>
-            </a:r>
-            <a:r>
-              <a:rPr lang="cs-CZ" dirty="0" smtClean="0"/>
-              <a:t> apod.</a:t>
-            </a:r>
-          </a:p>
-          <a:p>
-            <a:pPr marL="514350" indent="-457200" fontAlgn="base"/>
-            <a:r>
-              <a:rPr lang="cs-CZ" dirty="0" smtClean="0"/>
-              <a:t>Příklad </a:t>
-            </a:r>
-            <a:r>
-              <a:rPr lang="en-US" dirty="0" err="1" smtClean="0"/>
-              <a:t>TestEnumerable</a:t>
-            </a:r>
-            <a:r>
-              <a:rPr lang="cs-CZ" dirty="0" smtClean="0"/>
-              <a:t>.</a:t>
-            </a:r>
-            <a:r>
-              <a:rPr lang="cs-CZ" dirty="0" err="1" smtClean="0"/>
-              <a:t>cs</a:t>
+              <a:rPr lang="en-US" dirty="0" err="1"/>
+              <a:t>InvalidCastException</a:t>
             </a:r>
             <a:endParaRPr lang="en-US" dirty="0"/>
+          </a:p>
+          <a:p>
+            <a:pPr marL="514350" indent="-457200" fontAlgn="base"/>
+            <a:r>
+              <a:rPr lang="cs-CZ" dirty="0" smtClean="0"/>
+              <a:t>…</a:t>
+            </a:r>
+            <a:endParaRPr lang="en-US" dirty="0"/>
+          </a:p>
+          <a:p>
+            <a:pPr marL="514350" indent="-457200" fontAlgn="base"/>
+            <a:endParaRPr lang="cs-CZ" dirty="0" smtClean="0"/>
           </a:p>
           <a:p>
             <a:pPr marL="514350" indent="-457200" fontAlgn="base"/>
@@ -9610,20 +9762,6 @@
           </a:p>
           <a:p>
             <a:pPr marL="514350" indent="-457200" fontAlgn="base"/>
-            <a:endParaRPr lang="cs-CZ" dirty="0" smtClean="0"/>
-          </a:p>
-          <a:p>
-            <a:pPr marL="514350" indent="-457200" fontAlgn="base"/>
-            <a:endParaRPr lang="cs-CZ" dirty="0"/>
-          </a:p>
-          <a:p>
-            <a:pPr marL="514350" indent="-457200" fontAlgn="base"/>
-            <a:r>
-              <a:rPr lang="en-US" dirty="0">
-                <a:hlinkClick r:id="rId6"/>
-              </a:rPr>
-              <a:t>http://msdn.microsoft.com/cs-cz/library/9k7k7cf0.aspx</a:t>
-            </a:r>
             <a:endParaRPr lang="en-US" dirty="0"/>
           </a:p>
           <a:p>
@@ -9668,7 +9806,7 @@
     </p:custDataLst>
     <p:extLst>
       <p:ext uri="{BB962C8B-B14F-4D97-AF65-F5344CB8AC3E}">
-        <p14:creationId xmlns:p14="http://schemas.microsoft.com/office/powerpoint/2010/main" val="1458288348"/>
+        <p14:creationId xmlns:p14="http://schemas.microsoft.com/office/powerpoint/2010/main" val="3584004117"/>
       </p:ext>
     </p:extLst>
   </p:cSld>
@@ -9726,6 +9864,330 @@
           <a:lstStyle/>
           <a:p>
             <a:r>
+              <a:rPr lang="en-US" b="1" dirty="0" smtClean="0"/>
+              <a:t>yield </a:t>
+            </a:r>
+            <a:r>
+              <a:rPr lang="en-US" b="1" dirty="0"/>
+              <a:t>return</a:t>
+            </a:r>
+            <a:r>
+              <a:rPr lang="en-US" dirty="0"/>
+              <a:t> a </a:t>
+            </a:r>
+            <a:r>
+              <a:rPr lang="en-US" b="1" dirty="0"/>
+              <a:t>yield break</a:t>
+            </a:r>
+          </a:p>
+        </p:txBody>
+      </p:sp>
+      <p:sp>
+        <p:nvSpPr>
+          <p:cNvPr id="5" name="Content Placeholder 4"/>
+          <p:cNvSpPr>
+            <a:spLocks noGrp="1"/>
+          </p:cNvSpPr>
+          <p:nvPr>
+            <p:ph idx="1"/>
+            <p:custDataLst>
+              <p:tags r:id="rId3"/>
+            </p:custDataLst>
+          </p:nvPr>
+        </p:nvSpPr>
+        <p:spPr>
+          <a:xfrm>
+            <a:off x="683568" y="1596413"/>
+            <a:ext cx="8352928" cy="4297363"/>
+          </a:xfrm>
+        </p:spPr>
+        <p:txBody>
+          <a:bodyPr>
+            <a:normAutofit fontScale="62500" lnSpcReduction="20000"/>
+          </a:bodyPr>
+          <a:lstStyle/>
+          <a:p>
+            <a:pPr marL="514350" indent="-457200" fontAlgn="base"/>
+            <a:r>
+              <a:rPr lang="cs-CZ" dirty="0" smtClean="0"/>
+              <a:t>Místo psaní implementace </a:t>
+            </a:r>
+            <a:r>
+              <a:rPr lang="en-US" i="1" dirty="0" err="1"/>
+              <a:t>IEnumerable</a:t>
+            </a:r>
+            <a:r>
+              <a:rPr lang="cs-CZ" dirty="0" smtClean="0"/>
+              <a:t>. Řeší překladač v těle metody.</a:t>
+            </a:r>
+          </a:p>
+          <a:p>
+            <a:pPr marL="514350" indent="-457200" fontAlgn="base"/>
+            <a:r>
+              <a:rPr lang="cs-CZ" dirty="0" err="1" smtClean="0"/>
+              <a:t>yield</a:t>
+            </a:r>
+            <a:r>
+              <a:rPr lang="cs-CZ" dirty="0" smtClean="0"/>
+              <a:t> return vrací další prvek.</a:t>
+            </a:r>
+          </a:p>
+          <a:p>
+            <a:pPr marL="514350" indent="-457200" fontAlgn="base"/>
+            <a:r>
+              <a:rPr lang="cs-CZ" dirty="0" err="1" smtClean="0"/>
+              <a:t>Yield</a:t>
+            </a:r>
+            <a:r>
+              <a:rPr lang="cs-CZ" dirty="0" smtClean="0"/>
+              <a:t> </a:t>
+            </a:r>
+            <a:r>
+              <a:rPr lang="cs-CZ" dirty="0" err="1" smtClean="0"/>
+              <a:t>break</a:t>
+            </a:r>
+            <a:r>
+              <a:rPr lang="cs-CZ" dirty="0"/>
+              <a:t> </a:t>
+            </a:r>
+            <a:r>
+              <a:rPr lang="cs-CZ" dirty="0" smtClean="0"/>
+              <a:t>- už není dostupný další.</a:t>
+            </a:r>
+          </a:p>
+          <a:p>
+            <a:pPr marL="514350" indent="-457200" fontAlgn="base"/>
+            <a:r>
+              <a:rPr lang="cs-CZ" dirty="0" err="1" smtClean="0"/>
+              <a:t>Př</a:t>
+            </a:r>
+            <a:r>
+              <a:rPr lang="cs-CZ" dirty="0" smtClean="0"/>
+              <a:t>: Místo vracení již naplněné kolekce prvku </a:t>
+            </a:r>
+            <a:r>
+              <a:rPr lang="cs-CZ" dirty="0"/>
+              <a:t>(čas. náročnost)</a:t>
+            </a:r>
+            <a:r>
+              <a:rPr lang="cs-CZ" dirty="0" smtClean="0"/>
+              <a:t> vracíme postupně</a:t>
+            </a:r>
+          </a:p>
+          <a:p>
+            <a:pPr marL="514350" indent="-457200" fontAlgn="base"/>
+            <a:r>
+              <a:rPr lang="cs-CZ" dirty="0" smtClean="0"/>
+              <a:t>Pozor při znovu zavolaní metody se znova provede </a:t>
+            </a:r>
+            <a:r>
+              <a:rPr lang="cs-CZ" dirty="0" err="1" smtClean="0"/>
+              <a:t>telo</a:t>
+            </a:r>
+            <a:r>
+              <a:rPr lang="cs-CZ" dirty="0" smtClean="0"/>
+              <a:t> metody</a:t>
+            </a:r>
+          </a:p>
+          <a:p>
+            <a:pPr marL="514350" indent="-457200" fontAlgn="base"/>
+            <a:r>
+              <a:rPr lang="cs-CZ" dirty="0" smtClean="0"/>
+              <a:t>-&gt; </a:t>
+            </a:r>
+            <a:r>
+              <a:rPr lang="cs-CZ" dirty="0" err="1" smtClean="0"/>
+              <a:t>jiz</a:t>
+            </a:r>
+            <a:r>
+              <a:rPr lang="cs-CZ" dirty="0" smtClean="0"/>
+              <a:t> </a:t>
+            </a:r>
+            <a:r>
+              <a:rPr lang="cs-CZ" dirty="0" err="1" smtClean="0"/>
+              <a:t>spocitane</a:t>
+            </a:r>
+            <a:r>
+              <a:rPr lang="cs-CZ" dirty="0" smtClean="0"/>
+              <a:t> </a:t>
+            </a:r>
+            <a:r>
+              <a:rPr lang="cs-CZ" dirty="0" err="1" smtClean="0"/>
+              <a:t>pouzit</a:t>
+            </a:r>
+            <a:r>
+              <a:rPr lang="cs-CZ" dirty="0" smtClean="0"/>
+              <a:t> </a:t>
+            </a:r>
+            <a:r>
+              <a:rPr lang="cs-CZ" dirty="0" err="1" smtClean="0"/>
+              <a:t>ToArray</a:t>
+            </a:r>
+            <a:r>
+              <a:rPr lang="cs-CZ" dirty="0" smtClean="0"/>
+              <a:t> nebo </a:t>
+            </a:r>
+            <a:r>
+              <a:rPr lang="cs-CZ" dirty="0" err="1" smtClean="0"/>
+              <a:t>ToList</a:t>
+            </a:r>
+            <a:r>
+              <a:rPr lang="cs-CZ" dirty="0" smtClean="0"/>
+              <a:t> apod.</a:t>
+            </a:r>
+          </a:p>
+          <a:p>
+            <a:pPr marL="514350" indent="-457200" fontAlgn="base"/>
+            <a:r>
+              <a:rPr lang="cs-CZ" dirty="0" smtClean="0"/>
+              <a:t>Příklad </a:t>
+            </a:r>
+            <a:r>
+              <a:rPr lang="en-US" dirty="0" err="1" smtClean="0"/>
+              <a:t>TestEnumerable</a:t>
+            </a:r>
+            <a:r>
+              <a:rPr lang="cs-CZ" dirty="0" smtClean="0"/>
+              <a:t>.</a:t>
+            </a:r>
+            <a:r>
+              <a:rPr lang="cs-CZ" dirty="0" err="1" smtClean="0"/>
+              <a:t>cs</a:t>
+            </a:r>
+            <a:endParaRPr lang="en-US" dirty="0"/>
+          </a:p>
+          <a:p>
+            <a:pPr marL="514350" indent="-457200" fontAlgn="base"/>
+            <a:endParaRPr lang="cs-CZ" dirty="0"/>
+          </a:p>
+          <a:p>
+            <a:pPr marL="514350" indent="-457200" fontAlgn="base"/>
+            <a:endParaRPr lang="en-US" dirty="0"/>
+          </a:p>
+          <a:p>
+            <a:pPr marL="57150" indent="0" fontAlgn="base">
+              <a:buNone/>
+            </a:pPr>
+            <a:endParaRPr lang="cs-CZ" dirty="0" smtClean="0"/>
+          </a:p>
+          <a:p>
+            <a:pPr marL="514350" indent="-457200" fontAlgn="base"/>
+            <a:endParaRPr lang="cs-CZ" dirty="0" smtClean="0"/>
+          </a:p>
+          <a:p>
+            <a:pPr marL="514350" indent="-457200" fontAlgn="base"/>
+            <a:endParaRPr lang="cs-CZ" dirty="0"/>
+          </a:p>
+          <a:p>
+            <a:pPr marL="514350" indent="-457200" fontAlgn="base"/>
+            <a:r>
+              <a:rPr lang="en-US" dirty="0">
+                <a:hlinkClick r:id="rId6"/>
+              </a:rPr>
+              <a:t>http://msdn.microsoft.com/cs-cz/library/9k7k7cf0.aspx</a:t>
+            </a:r>
+            <a:endParaRPr lang="en-US" dirty="0"/>
+          </a:p>
+          <a:p>
+            <a:pPr marL="514350" indent="-457200" fontAlgn="base"/>
+            <a:endParaRPr lang="pl-PL" b="1" dirty="0"/>
+          </a:p>
+          <a:p>
+            <a:pPr marL="514350" indent="-457200" fontAlgn="base"/>
+            <a:endParaRPr lang="en-US" b="1" dirty="0"/>
+          </a:p>
+          <a:p>
+            <a:pPr marL="514350" indent="-457200" fontAlgn="base"/>
+            <a:endParaRPr lang="en-US" b="1" dirty="0"/>
+          </a:p>
+          <a:p>
+            <a:pPr marL="514350" indent="-457200" fontAlgn="base"/>
+            <a:endParaRPr lang="en-US" b="1" dirty="0"/>
+          </a:p>
+          <a:p>
+            <a:pPr lvl="1" fontAlgn="base"/>
+            <a:endParaRPr lang="en-US" b="1" dirty="0"/>
+          </a:p>
+          <a:p>
+            <a:pPr marL="0" indent="0" fontAlgn="base">
+              <a:buNone/>
+            </a:pPr>
+            <a:endParaRPr lang="cs-CZ" dirty="0" smtClean="0"/>
+          </a:p>
+          <a:p>
+            <a:pPr fontAlgn="base"/>
+            <a:endParaRPr lang="cs-CZ" b="1" dirty="0" smtClean="0"/>
+          </a:p>
+          <a:p>
+            <a:pPr fontAlgn="base"/>
+            <a:endParaRPr lang="en-US" b="1" dirty="0"/>
+          </a:p>
+        </p:txBody>
+      </p:sp>
+    </p:spTree>
+    <p:custDataLst>
+      <p:tags r:id="rId1"/>
+    </p:custDataLst>
+    <p:extLst>
+      <p:ext uri="{BB962C8B-B14F-4D97-AF65-F5344CB8AC3E}">
+        <p14:creationId xmlns:p14="http://schemas.microsoft.com/office/powerpoint/2010/main" val="1458288348"/>
+      </p:ext>
+    </p:extLst>
+  </p:cSld>
+  <p:clrMapOvr>
+    <a:masterClrMapping/>
+  </p:clrMapOvr>
+  <p:transition spd="slow">
+    <p:wipe dir="d"/>
+  </p:transition>
+  <p:timing>
+    <p:tnLst>
+      <p:par>
+        <p:cTn id="1" dur="indefinite" restart="never" nodeType="tmRoot"/>
+      </p:par>
+    </p:tnLst>
+  </p:timing>
+</p:sld>
+</file>
+
+<file path=ppt/slides/slide18.xml><?xml version="1.0" encoding="utf-8"?>
+<p:sld xmlns:a="http://schemas.openxmlformats.org/drawingml/2006/main" xmlns:r="http://schemas.openxmlformats.org/officeDocument/2006/relationships" xmlns:p="http://schemas.openxmlformats.org/presentationml/2006/main">
+  <p:cSld>
+    <p:spTree>
+      <p:nvGrpSpPr>
+        <p:cNvPr id="1" name=""/>
+        <p:cNvGrpSpPr/>
+        <p:nvPr/>
+      </p:nvGrpSpPr>
+      <p:grpSpPr>
+        <a:xfrm>
+          <a:off x="0" y="0"/>
+          <a:ext cx="0" cy="0"/>
+          <a:chOff x="0" y="0"/>
+          <a:chExt cx="0" cy="0"/>
+        </a:xfrm>
+      </p:grpSpPr>
+      <p:sp>
+        <p:nvSpPr>
+          <p:cNvPr id="2" name="Title 1"/>
+          <p:cNvSpPr>
+            <a:spLocks noGrp="1"/>
+          </p:cNvSpPr>
+          <p:nvPr>
+            <p:ph type="title"/>
+            <p:custDataLst>
+              <p:tags r:id="rId2"/>
+            </p:custDataLst>
+          </p:nvPr>
+        </p:nvSpPr>
+        <p:spPr/>
+        <p:txBody>
+          <a:bodyPr>
+            <a:normAutofit/>
+          </a:bodyPr>
+          <a:lstStyle/>
+          <a:p>
+            <a:r>
               <a:rPr lang="cs-CZ" dirty="0" smtClean="0"/>
               <a:t>E</a:t>
             </a:r>
@@ -9984,7 +10446,7 @@
 </p:sld>
 </file>
 
-<file path=ppt/slides/slide18.xml><?xml version="1.0" encoding="utf-8"?>
+<file path=ppt/slides/slide19.xml><?xml version="1.0" encoding="utf-8"?>
 <p:sld xmlns:a="http://schemas.openxmlformats.org/drawingml/2006/main" xmlns:r="http://schemas.openxmlformats.org/officeDocument/2006/relationships" xmlns:p="http://schemas.openxmlformats.org/presentationml/2006/main">
   <p:cSld>
     <p:spTree>
@@ -10338,7 +10800,148 @@
 </p:sld>
 </file>
 
-<file path=ppt/slides/slide19.xml><?xml version="1.0" encoding="utf-8"?>
+<file path=ppt/slides/slide2.xml><?xml version="1.0" encoding="utf-8"?>
+<p:sld xmlns:a="http://schemas.openxmlformats.org/drawingml/2006/main" xmlns:r="http://schemas.openxmlformats.org/officeDocument/2006/relationships" xmlns:p="http://schemas.openxmlformats.org/presentationml/2006/main">
+  <p:cSld>
+    <p:spTree>
+      <p:nvGrpSpPr>
+        <p:cNvPr id="1" name=""/>
+        <p:cNvGrpSpPr/>
+        <p:nvPr/>
+      </p:nvGrpSpPr>
+      <p:grpSpPr>
+        <a:xfrm>
+          <a:off x="0" y="0"/>
+          <a:ext cx="0" cy="0"/>
+          <a:chOff x="0" y="0"/>
+          <a:chExt cx="0" cy="0"/>
+        </a:xfrm>
+      </p:grpSpPr>
+      <p:sp>
+        <p:nvSpPr>
+          <p:cNvPr id="2" name="Title 1"/>
+          <p:cNvSpPr>
+            <a:spLocks noGrp="1"/>
+          </p:cNvSpPr>
+          <p:nvPr>
+            <p:ph type="title"/>
+            <p:custDataLst>
+              <p:tags r:id="rId2"/>
+            </p:custDataLst>
+          </p:nvPr>
+        </p:nvSpPr>
+        <p:spPr/>
+        <p:txBody>
+          <a:bodyPr/>
+          <a:lstStyle/>
+          <a:p>
+            <a:r>
+              <a:rPr lang="cs-CZ" dirty="0" smtClean="0"/>
+              <a:t>Obsah</a:t>
+            </a:r>
+            <a:endParaRPr lang="en-US" dirty="0"/>
+          </a:p>
+        </p:txBody>
+      </p:sp>
+      <p:sp>
+        <p:nvSpPr>
+          <p:cNvPr id="5" name="Content Placeholder 4"/>
+          <p:cNvSpPr>
+            <a:spLocks noGrp="1"/>
+          </p:cNvSpPr>
+          <p:nvPr>
+            <p:ph idx="1"/>
+            <p:custDataLst>
+              <p:tags r:id="rId3"/>
+            </p:custDataLst>
+          </p:nvPr>
+        </p:nvSpPr>
+        <p:spPr/>
+        <p:txBody>
+          <a:bodyPr>
+            <a:normAutofit/>
+          </a:bodyPr>
+          <a:lstStyle/>
+          <a:p>
+            <a:pPr marL="514350" indent="-514350" fontAlgn="base">
+              <a:buFont typeface="+mj-lt"/>
+              <a:buAutoNum type="arabicPeriod"/>
+            </a:pPr>
+            <a:r>
+              <a:rPr lang="en-US" dirty="0" err="1"/>
+              <a:t>Platforma</a:t>
+            </a:r>
+            <a:endParaRPr lang="en-US" dirty="0"/>
+          </a:p>
+          <a:p>
+            <a:pPr marL="514350" indent="-514350" fontAlgn="base">
+              <a:buFont typeface="+mj-lt"/>
+              <a:buAutoNum type="arabicPeriod"/>
+            </a:pPr>
+            <a:r>
+              <a:rPr lang="en-US" dirty="0" err="1" smtClean="0"/>
+              <a:t>jazyk</a:t>
+            </a:r>
+            <a:r>
+              <a:rPr lang="en-US" dirty="0" smtClean="0"/>
+              <a:t> C#</a:t>
+            </a:r>
+            <a:endParaRPr lang="cs-CZ" dirty="0" smtClean="0"/>
+          </a:p>
+          <a:p>
+            <a:pPr marL="514350" indent="-514350" fontAlgn="base">
+              <a:buFont typeface="+mj-lt"/>
+              <a:buAutoNum type="arabicPeriod"/>
+            </a:pPr>
+            <a:r>
+              <a:rPr lang="cs-CZ" dirty="0" smtClean="0"/>
+              <a:t>.</a:t>
+            </a:r>
+            <a:r>
+              <a:rPr lang="en-US" dirty="0" smtClean="0"/>
+              <a:t>NET core </a:t>
+            </a:r>
+            <a:r>
+              <a:rPr lang="en-US" dirty="0" err="1" smtClean="0"/>
+              <a:t>Knihovny</a:t>
+            </a:r>
+            <a:endParaRPr lang="cs-CZ" dirty="0" smtClean="0"/>
+          </a:p>
+          <a:p>
+            <a:pPr marL="514350" indent="-514350" fontAlgn="base">
+              <a:buFont typeface="+mj-lt"/>
+              <a:buAutoNum type="arabicPeriod"/>
+            </a:pPr>
+            <a:r>
+              <a:rPr lang="en-US" dirty="0" err="1" smtClean="0"/>
+              <a:t>Komunita</a:t>
+            </a:r>
+            <a:endParaRPr lang="en-US" dirty="0"/>
+          </a:p>
+        </p:txBody>
+      </p:sp>
+    </p:spTree>
+    <p:custDataLst>
+      <p:tags r:id="rId1"/>
+    </p:custDataLst>
+  </p:cSld>
+  <p:clrMapOvr>
+    <a:masterClrMapping/>
+  </p:clrMapOvr>
+  <p:transition spd="slow">
+    <p:wipe dir="d"/>
+  </p:transition>
+  <p:timing>
+    <p:tnLst>
+      <p:par>
+        <p:cTn id="1" dur="indefinite" restart="never" nodeType="tmRoot"/>
+      </p:par>
+    </p:tnLst>
+  </p:timing>
+</p:sld>
+</file>
+
+<file path=ppt/slides/slide20.xml><?xml version="1.0" encoding="utf-8"?>
 <p:sld xmlns:a="http://schemas.openxmlformats.org/drawingml/2006/main" xmlns:r="http://schemas.openxmlformats.org/officeDocument/2006/relationships" xmlns:p="http://schemas.openxmlformats.org/presentationml/2006/main">
   <p:cSld>
     <p:spTree>
@@ -10593,148 +11196,7 @@
 </p:sld>
 </file>
 
-<file path=ppt/slides/slide2.xml><?xml version="1.0" encoding="utf-8"?>
-<p:sld xmlns:a="http://schemas.openxmlformats.org/drawingml/2006/main" xmlns:r="http://schemas.openxmlformats.org/officeDocument/2006/relationships" xmlns:p="http://schemas.openxmlformats.org/presentationml/2006/main">
-  <p:cSld>
-    <p:spTree>
-      <p:nvGrpSpPr>
-        <p:cNvPr id="1" name=""/>
-        <p:cNvGrpSpPr/>
-        <p:nvPr/>
-      </p:nvGrpSpPr>
-      <p:grpSpPr>
-        <a:xfrm>
-          <a:off x="0" y="0"/>
-          <a:ext cx="0" cy="0"/>
-          <a:chOff x="0" y="0"/>
-          <a:chExt cx="0" cy="0"/>
-        </a:xfrm>
-      </p:grpSpPr>
-      <p:sp>
-        <p:nvSpPr>
-          <p:cNvPr id="2" name="Title 1"/>
-          <p:cNvSpPr>
-            <a:spLocks noGrp="1"/>
-          </p:cNvSpPr>
-          <p:nvPr>
-            <p:ph type="title"/>
-            <p:custDataLst>
-              <p:tags r:id="rId2"/>
-            </p:custDataLst>
-          </p:nvPr>
-        </p:nvSpPr>
-        <p:spPr/>
-        <p:txBody>
-          <a:bodyPr/>
-          <a:lstStyle/>
-          <a:p>
-            <a:r>
-              <a:rPr lang="cs-CZ" dirty="0" smtClean="0"/>
-              <a:t>Obsah</a:t>
-            </a:r>
-            <a:endParaRPr lang="en-US" dirty="0"/>
-          </a:p>
-        </p:txBody>
-      </p:sp>
-      <p:sp>
-        <p:nvSpPr>
-          <p:cNvPr id="5" name="Content Placeholder 4"/>
-          <p:cNvSpPr>
-            <a:spLocks noGrp="1"/>
-          </p:cNvSpPr>
-          <p:nvPr>
-            <p:ph idx="1"/>
-            <p:custDataLst>
-              <p:tags r:id="rId3"/>
-            </p:custDataLst>
-          </p:nvPr>
-        </p:nvSpPr>
-        <p:spPr/>
-        <p:txBody>
-          <a:bodyPr>
-            <a:normAutofit/>
-          </a:bodyPr>
-          <a:lstStyle/>
-          <a:p>
-            <a:pPr marL="514350" indent="-514350" fontAlgn="base">
-              <a:buFont typeface="+mj-lt"/>
-              <a:buAutoNum type="arabicPeriod"/>
-            </a:pPr>
-            <a:r>
-              <a:rPr lang="en-US" dirty="0" err="1"/>
-              <a:t>Platforma</a:t>
-            </a:r>
-            <a:endParaRPr lang="en-US" dirty="0"/>
-          </a:p>
-          <a:p>
-            <a:pPr marL="514350" indent="-514350" fontAlgn="base">
-              <a:buFont typeface="+mj-lt"/>
-              <a:buAutoNum type="arabicPeriod"/>
-            </a:pPr>
-            <a:r>
-              <a:rPr lang="en-US" dirty="0" err="1" smtClean="0"/>
-              <a:t>jazyk</a:t>
-            </a:r>
-            <a:r>
-              <a:rPr lang="en-US" dirty="0" smtClean="0"/>
-              <a:t> C#</a:t>
-            </a:r>
-            <a:endParaRPr lang="cs-CZ" dirty="0" smtClean="0"/>
-          </a:p>
-          <a:p>
-            <a:pPr marL="514350" indent="-514350" fontAlgn="base">
-              <a:buFont typeface="+mj-lt"/>
-              <a:buAutoNum type="arabicPeriod"/>
-            </a:pPr>
-            <a:r>
-              <a:rPr lang="cs-CZ" dirty="0" smtClean="0"/>
-              <a:t>.</a:t>
-            </a:r>
-            <a:r>
-              <a:rPr lang="en-US" dirty="0" smtClean="0"/>
-              <a:t>NET core </a:t>
-            </a:r>
-            <a:r>
-              <a:rPr lang="en-US" dirty="0" err="1" smtClean="0"/>
-              <a:t>Knihovny</a:t>
-            </a:r>
-            <a:endParaRPr lang="cs-CZ" dirty="0" smtClean="0"/>
-          </a:p>
-          <a:p>
-            <a:pPr marL="514350" indent="-514350" fontAlgn="base">
-              <a:buFont typeface="+mj-lt"/>
-              <a:buAutoNum type="arabicPeriod"/>
-            </a:pPr>
-            <a:r>
-              <a:rPr lang="en-US" dirty="0" err="1" smtClean="0"/>
-              <a:t>Komunita</a:t>
-            </a:r>
-            <a:endParaRPr lang="en-US" dirty="0"/>
-          </a:p>
-        </p:txBody>
-      </p:sp>
-    </p:spTree>
-    <p:custDataLst>
-      <p:tags r:id="rId1"/>
-    </p:custDataLst>
-  </p:cSld>
-  <p:clrMapOvr>
-    <a:masterClrMapping/>
-  </p:clrMapOvr>
-  <p:transition spd="slow">
-    <p:wipe dir="d"/>
-  </p:transition>
-  <p:timing>
-    <p:tnLst>
-      <p:par>
-        <p:cTn id="1" dur="indefinite" restart="never" nodeType="tmRoot"/>
-      </p:par>
-    </p:tnLst>
-  </p:timing>
-</p:sld>
-</file>
-
-<file path=ppt/slides/slide20.xml><?xml version="1.0" encoding="utf-8"?>
+<file path=ppt/slides/slide21.xml><?xml version="1.0" encoding="utf-8"?>
 <p:sld xmlns:a="http://schemas.openxmlformats.org/drawingml/2006/main" xmlns:r="http://schemas.openxmlformats.org/officeDocument/2006/relationships" xmlns:p="http://schemas.openxmlformats.org/presentationml/2006/main">
   <p:cSld>
     <p:spTree>
@@ -10921,256 +11383,6 @@
 </p:sld>
 </file>
 
-<file path=ppt/slides/slide21.xml><?xml version="1.0" encoding="utf-8"?>
-<p:sld xmlns:a="http://schemas.openxmlformats.org/drawingml/2006/main" xmlns:r="http://schemas.openxmlformats.org/officeDocument/2006/relationships" xmlns:p="http://schemas.openxmlformats.org/presentationml/2006/main">
-  <p:cSld>
-    <p:spTree>
-      <p:nvGrpSpPr>
-        <p:cNvPr id="1" name=""/>
-        <p:cNvGrpSpPr/>
-        <p:nvPr/>
-      </p:nvGrpSpPr>
-      <p:grpSpPr>
-        <a:xfrm>
-          <a:off x="0" y="0"/>
-          <a:ext cx="0" cy="0"/>
-          <a:chOff x="0" y="0"/>
-          <a:chExt cx="0" cy="0"/>
-        </a:xfrm>
-      </p:grpSpPr>
-      <p:sp>
-        <p:nvSpPr>
-          <p:cNvPr id="2" name="Title 1"/>
-          <p:cNvSpPr>
-            <a:spLocks noGrp="1"/>
-          </p:cNvSpPr>
-          <p:nvPr>
-            <p:ph type="title"/>
-            <p:custDataLst>
-              <p:tags r:id="rId2"/>
-            </p:custDataLst>
-          </p:nvPr>
-        </p:nvSpPr>
-        <p:spPr/>
-        <p:txBody>
-          <a:bodyPr/>
-          <a:lstStyle/>
-          <a:p>
-            <a:r>
-              <a:rPr lang="cs-CZ" dirty="0" smtClean="0"/>
-              <a:t>Konvence</a:t>
-            </a:r>
-            <a:endParaRPr lang="en-US" dirty="0"/>
-          </a:p>
-        </p:txBody>
-      </p:sp>
-      <p:sp>
-        <p:nvSpPr>
-          <p:cNvPr id="5" name="Content Placeholder 4"/>
-          <p:cNvSpPr>
-            <a:spLocks noGrp="1"/>
-          </p:cNvSpPr>
-          <p:nvPr>
-            <p:ph idx="1"/>
-            <p:custDataLst>
-              <p:tags r:id="rId3"/>
-            </p:custDataLst>
-          </p:nvPr>
-        </p:nvSpPr>
-        <p:spPr/>
-        <p:txBody>
-          <a:bodyPr>
-            <a:normAutofit/>
-          </a:bodyPr>
-          <a:lstStyle/>
-          <a:p>
-            <a:pPr fontAlgn="base"/>
-            <a:r>
-              <a:rPr lang="pt-BR" dirty="0"/>
-              <a:t>konvence </a:t>
-            </a:r>
-            <a:r>
-              <a:rPr lang="pt-BR" b="1" dirty="0"/>
-              <a:t>interface</a:t>
-            </a:r>
-            <a:r>
-              <a:rPr lang="pt-BR" dirty="0"/>
-              <a:t> začíná </a:t>
-            </a:r>
-            <a:r>
-              <a:rPr lang="pt-BR" b="1" dirty="0"/>
-              <a:t>I</a:t>
-            </a:r>
-            <a:r>
-              <a:rPr lang="pt-BR" dirty="0"/>
-              <a:t> viz </a:t>
-            </a:r>
-            <a:r>
-              <a:rPr lang="pt-BR" b="1" dirty="0"/>
-              <a:t>IList</a:t>
-            </a:r>
-            <a:r>
-              <a:rPr lang="pt-BR" dirty="0"/>
-              <a:t> a implementace </a:t>
-            </a:r>
-            <a:r>
-              <a:rPr lang="pt-BR" dirty="0" smtClean="0"/>
-              <a:t>List</a:t>
-            </a:r>
-            <a:endParaRPr lang="cs-CZ" dirty="0" smtClean="0"/>
-          </a:p>
-          <a:p>
-            <a:pPr fontAlgn="base"/>
-            <a:r>
-              <a:rPr lang="en-US" dirty="0" err="1"/>
-              <a:t>nazvy</a:t>
-            </a:r>
-            <a:r>
-              <a:rPr lang="en-US" dirty="0"/>
-              <a:t> </a:t>
-            </a:r>
-            <a:r>
-              <a:rPr lang="en-US" dirty="0" err="1"/>
-              <a:t>metod</a:t>
-            </a:r>
-            <a:r>
-              <a:rPr lang="en-US" dirty="0"/>
-              <a:t> </a:t>
-            </a:r>
-            <a:r>
-              <a:rPr lang="cs-CZ" dirty="0" smtClean="0"/>
-              <a:t>z </a:t>
-            </a:r>
-            <a:r>
-              <a:rPr lang="en-US" dirty="0" err="1" smtClean="0"/>
-              <a:t>pascal</a:t>
-            </a:r>
-            <a:r>
-              <a:rPr lang="cs-CZ" dirty="0" smtClean="0"/>
-              <a:t> konvence</a:t>
-            </a:r>
-            <a:r>
-              <a:rPr lang="en-US" dirty="0" smtClean="0"/>
-              <a:t> </a:t>
-            </a:r>
-            <a:r>
-              <a:rPr lang="en-US" dirty="0"/>
-              <a:t>(</a:t>
-            </a:r>
-            <a:r>
-              <a:rPr lang="en-US" dirty="0" err="1"/>
-              <a:t>hlavni</a:t>
-            </a:r>
-            <a:r>
-              <a:rPr lang="en-US" dirty="0"/>
-              <a:t> designer c# :-)) </a:t>
-            </a:r>
-            <a:r>
-              <a:rPr lang="en-US" dirty="0" err="1"/>
-              <a:t>první</a:t>
-            </a:r>
-            <a:r>
-              <a:rPr lang="en-US" dirty="0"/>
-              <a:t> </a:t>
-            </a:r>
-            <a:r>
-              <a:rPr lang="en-US" dirty="0" err="1"/>
-              <a:t>Velke</a:t>
-            </a:r>
-            <a:r>
-              <a:rPr lang="en-US" dirty="0"/>
-              <a:t> </a:t>
-            </a:r>
-            <a:r>
-              <a:rPr lang="en-US" dirty="0" err="1" smtClean="0"/>
-              <a:t>pismeno</a:t>
-            </a:r>
-            <a:r>
-              <a:rPr lang="cs-CZ" dirty="0" smtClean="0"/>
-              <a:t> </a:t>
-            </a:r>
-            <a:r>
-              <a:rPr lang="cs-CZ" dirty="0"/>
-              <a:t>viz </a:t>
-            </a:r>
-            <a:r>
-              <a:rPr lang="en-US" b="1" dirty="0" err="1"/>
-              <a:t>ToString</a:t>
-            </a:r>
-            <a:r>
-              <a:rPr lang="cs-CZ" b="1" dirty="0" smtClean="0"/>
-              <a:t>() </a:t>
-            </a:r>
-            <a:r>
-              <a:rPr lang="en-US" dirty="0" err="1" smtClean="0"/>
-              <a:t>jinak</a:t>
-            </a:r>
-            <a:r>
-              <a:rPr lang="en-US" dirty="0" smtClean="0"/>
-              <a:t> </a:t>
-            </a:r>
-            <a:r>
-              <a:rPr lang="en-US" dirty="0" err="1"/>
-              <a:t>stejny</a:t>
-            </a:r>
-            <a:r>
-              <a:rPr lang="en-US" dirty="0"/>
-              <a:t> </a:t>
-            </a:r>
-            <a:r>
-              <a:rPr lang="en-US" dirty="0" err="1"/>
-              <a:t>jako</a:t>
-            </a:r>
-            <a:r>
-              <a:rPr lang="en-US" dirty="0"/>
-              <a:t> u </a:t>
-            </a:r>
-            <a:r>
-              <a:rPr lang="en-US" dirty="0" err="1" smtClean="0"/>
-              <a:t>javy</a:t>
-            </a:r>
-            <a:endParaRPr lang="cs-CZ" dirty="0" smtClean="0"/>
-          </a:p>
-          <a:p>
-            <a:pPr fontAlgn="base"/>
-            <a:endParaRPr lang="en-US" dirty="0"/>
-          </a:p>
-          <a:p>
-            <a:pPr fontAlgn="base"/>
-            <a:endParaRPr lang="pt-BR" dirty="0"/>
-          </a:p>
-          <a:p>
-            <a:pPr fontAlgn="base"/>
-            <a:endParaRPr lang="en-US" dirty="0"/>
-          </a:p>
-        </p:txBody>
-      </p:sp>
-    </p:spTree>
-    <p:custDataLst>
-      <p:tags r:id="rId1"/>
-    </p:custDataLst>
-    <p:extLst>
-      <p:ext uri="{BB962C8B-B14F-4D97-AF65-F5344CB8AC3E}">
-        <p14:creationId xmlns:p14="http://schemas.microsoft.com/office/powerpoint/2010/main" val="4047036011"/>
-      </p:ext>
-    </p:extLst>
-  </p:cSld>
-  <p:clrMapOvr>
-    <a:masterClrMapping/>
-  </p:clrMapOvr>
-  <p:transition spd="slow">
-    <p:wipe dir="d"/>
-  </p:transition>
-  <p:timing>
-    <p:tnLst>
-      <p:par>
-        <p:cTn id="1" dur="indefinite" restart="never" nodeType="tmRoot"/>
-      </p:par>
-    </p:tnLst>
-  </p:timing>
-</p:sld>
-</file>
-
 <file path=ppt/slides/slide22.xml><?xml version="1.0" encoding="utf-8"?>
 <p:sld xmlns:a="http://schemas.openxmlformats.org/drawingml/2006/main" xmlns:r="http://schemas.openxmlformats.org/officeDocument/2006/relationships" xmlns:p="http://schemas.openxmlformats.org/presentationml/2006/main">
   <p:cSld>
@@ -11203,420 +11415,186 @@
         </p:nvSpPr>
         <p:spPr/>
         <p:txBody>
+          <a:bodyPr/>
+          <a:lstStyle/>
+          <a:p>
+            <a:r>
+              <a:rPr lang="cs-CZ" dirty="0" smtClean="0"/>
+              <a:t>Konvence</a:t>
+            </a:r>
+            <a:endParaRPr lang="en-US" dirty="0"/>
+          </a:p>
+        </p:txBody>
+      </p:sp>
+      <p:sp>
+        <p:nvSpPr>
+          <p:cNvPr id="5" name="Content Placeholder 4"/>
+          <p:cNvSpPr>
+            <a:spLocks noGrp="1"/>
+          </p:cNvSpPr>
+          <p:nvPr>
+            <p:ph idx="1"/>
+            <p:custDataLst>
+              <p:tags r:id="rId3"/>
+            </p:custDataLst>
+          </p:nvPr>
+        </p:nvSpPr>
+        <p:spPr/>
+        <p:txBody>
           <a:bodyPr>
             <a:normAutofit/>
           </a:bodyPr>
           <a:lstStyle/>
           <a:p>
-            <a:r>
-              <a:rPr lang="cs-CZ" dirty="0" err="1" smtClean="0"/>
-              <a:t>Object</a:t>
-            </a:r>
-            <a:r>
-              <a:rPr lang="cs-CZ" dirty="0" smtClean="0"/>
-              <a:t> a </a:t>
+            <a:pPr fontAlgn="base"/>
+            <a:r>
+              <a:rPr lang="pt-BR" dirty="0"/>
+              <a:t>konvence </a:t>
+            </a:r>
+            <a:r>
+              <a:rPr lang="pt-BR" b="1" dirty="0"/>
+              <a:t>interface</a:t>
+            </a:r>
+            <a:r>
+              <a:rPr lang="pt-BR" dirty="0"/>
+              <a:t> začíná </a:t>
+            </a:r>
+            <a:r>
+              <a:rPr lang="pt-BR" b="1" dirty="0"/>
+              <a:t>I</a:t>
+            </a:r>
+            <a:r>
+              <a:rPr lang="pt-BR" dirty="0"/>
+              <a:t> viz </a:t>
+            </a:r>
+            <a:r>
+              <a:rPr lang="pt-BR" b="1" dirty="0"/>
+              <a:t>IList</a:t>
+            </a:r>
+            <a:r>
+              <a:rPr lang="pt-BR" dirty="0"/>
+              <a:t> a implementace </a:t>
+            </a:r>
+            <a:r>
+              <a:rPr lang="pt-BR" dirty="0" smtClean="0"/>
+              <a:t>List</a:t>
+            </a:r>
+            <a:endParaRPr lang="cs-CZ" dirty="0" smtClean="0"/>
+          </a:p>
+          <a:p>
+            <a:pPr fontAlgn="base"/>
+            <a:r>
+              <a:rPr lang="en-US" dirty="0" err="1"/>
+              <a:t>nazvy</a:t>
+            </a:r>
+            <a:r>
+              <a:rPr lang="en-US" dirty="0"/>
+              <a:t> </a:t>
+            </a:r>
+            <a:r>
+              <a:rPr lang="en-US" dirty="0" err="1"/>
+              <a:t>metod</a:t>
+            </a:r>
+            <a:r>
+              <a:rPr lang="en-US" dirty="0"/>
+              <a:t> </a:t>
+            </a:r>
+            <a:r>
+              <a:rPr lang="cs-CZ" dirty="0" smtClean="0"/>
+              <a:t>z </a:t>
             </a:r>
             <a:r>
               <a:rPr lang="en-US" dirty="0" err="1" smtClean="0"/>
-              <a:t>ValueType</a:t>
-            </a:r>
-            <a:endParaRPr lang="en-US" dirty="0"/>
-          </a:p>
-        </p:txBody>
-      </p:sp>
-      <p:sp>
-        <p:nvSpPr>
-          <p:cNvPr id="5" name="Content Placeholder 4"/>
-          <p:cNvSpPr>
-            <a:spLocks noGrp="1"/>
-          </p:cNvSpPr>
-          <p:nvPr>
-            <p:ph idx="1"/>
-            <p:custDataLst>
-              <p:tags r:id="rId3"/>
-            </p:custDataLst>
-          </p:nvPr>
-        </p:nvSpPr>
-        <p:spPr/>
-        <p:txBody>
-          <a:bodyPr>
-            <a:normAutofit fontScale="85000" lnSpcReduction="20000"/>
-          </a:bodyPr>
-          <a:lstStyle/>
+              <a:t>pascal</a:t>
+            </a:r>
+            <a:r>
+              <a:rPr lang="cs-CZ" dirty="0" smtClean="0"/>
+              <a:t> konvence</a:t>
+            </a:r>
+            <a:r>
+              <a:rPr lang="en-US" dirty="0" smtClean="0"/>
+              <a:t> </a:t>
+            </a:r>
+            <a:r>
+              <a:rPr lang="en-US" dirty="0"/>
+              <a:t>(</a:t>
+            </a:r>
+            <a:r>
+              <a:rPr lang="en-US" dirty="0" err="1"/>
+              <a:t>hlavni</a:t>
+            </a:r>
+            <a:r>
+              <a:rPr lang="en-US" dirty="0"/>
+              <a:t> designer c# :-)) </a:t>
+            </a:r>
+            <a:r>
+              <a:rPr lang="en-US" dirty="0" err="1"/>
+              <a:t>první</a:t>
+            </a:r>
+            <a:r>
+              <a:rPr lang="en-US" dirty="0"/>
+              <a:t> </a:t>
+            </a:r>
+            <a:r>
+              <a:rPr lang="en-US" dirty="0" err="1"/>
+              <a:t>Velke</a:t>
+            </a:r>
+            <a:r>
+              <a:rPr lang="en-US" dirty="0"/>
+              <a:t> </a:t>
+            </a:r>
+            <a:r>
+              <a:rPr lang="en-US" dirty="0" err="1" smtClean="0"/>
+              <a:t>pismeno</a:t>
+            </a:r>
+            <a:r>
+              <a:rPr lang="cs-CZ" dirty="0" smtClean="0"/>
+              <a:t> </a:t>
+            </a:r>
+            <a:r>
+              <a:rPr lang="cs-CZ" dirty="0"/>
+              <a:t>viz </a:t>
+            </a:r>
+            <a:r>
+              <a:rPr lang="en-US" b="1" dirty="0" err="1"/>
+              <a:t>ToString</a:t>
+            </a:r>
+            <a:r>
+              <a:rPr lang="cs-CZ" b="1" dirty="0" smtClean="0"/>
+              <a:t>() </a:t>
+            </a:r>
+            <a:r>
+              <a:rPr lang="en-US" dirty="0" err="1" smtClean="0"/>
+              <a:t>jinak</a:t>
+            </a:r>
+            <a:r>
+              <a:rPr lang="en-US" dirty="0" smtClean="0"/>
+              <a:t> </a:t>
+            </a:r>
+            <a:r>
+              <a:rPr lang="en-US" dirty="0" err="1"/>
+              <a:t>stejny</a:t>
+            </a:r>
+            <a:r>
+              <a:rPr lang="en-US" dirty="0"/>
+              <a:t> </a:t>
+            </a:r>
+            <a:r>
+              <a:rPr lang="en-US" dirty="0" err="1"/>
+              <a:t>jako</a:t>
+            </a:r>
+            <a:r>
+              <a:rPr lang="en-US" dirty="0"/>
+              <a:t> u </a:t>
+            </a:r>
+            <a:r>
+              <a:rPr lang="en-US" dirty="0" err="1" smtClean="0"/>
+              <a:t>javy</a:t>
+            </a:r>
+            <a:endParaRPr lang="cs-CZ" dirty="0" smtClean="0"/>
+          </a:p>
           <a:p>
             <a:pPr fontAlgn="base"/>
-            <a:r>
-              <a:rPr lang="cs-CZ" dirty="0" err="1" smtClean="0"/>
-              <a:t>Class</a:t>
-            </a:r>
-            <a:r>
-              <a:rPr lang="cs-CZ" dirty="0" smtClean="0"/>
-              <a:t> dědí po </a:t>
-            </a:r>
-            <a:r>
-              <a:rPr lang="cs-CZ" dirty="0" err="1" smtClean="0"/>
-              <a:t>Object</a:t>
-            </a:r>
-            <a:endParaRPr lang="cs-CZ" dirty="0"/>
-          </a:p>
-          <a:p>
-            <a:pPr fontAlgn="base"/>
-            <a:r>
-              <a:rPr lang="cs-CZ" dirty="0" err="1" smtClean="0"/>
-              <a:t>Struct</a:t>
-            </a:r>
-            <a:r>
-              <a:rPr lang="cs-CZ" dirty="0" smtClean="0"/>
-              <a:t> dědí po </a:t>
-            </a:r>
-            <a:r>
-              <a:rPr lang="en-US" dirty="0" err="1" smtClean="0"/>
-              <a:t>ValueType</a:t>
-            </a:r>
-            <a:r>
-              <a:rPr lang="cs-CZ" dirty="0" smtClean="0"/>
-              <a:t> (neexistuje metoda </a:t>
-            </a:r>
-            <a:r>
-              <a:rPr lang="en-US" dirty="0" err="1" smtClean="0"/>
-              <a:t>GetType</a:t>
-            </a:r>
-            <a:r>
-              <a:rPr lang="cs-CZ" dirty="0" smtClean="0"/>
-              <a:t>(), destruktor a static metody </a:t>
-            </a:r>
-            <a:r>
-              <a:rPr lang="en-US" dirty="0" smtClean="0"/>
-              <a:t>Equals</a:t>
-            </a:r>
-            <a:endParaRPr lang="en-US" dirty="0"/>
-          </a:p>
-          <a:p>
-            <a:pPr fontAlgn="base"/>
-            <a:r>
-              <a:rPr lang="cs-CZ" dirty="0" smtClean="0"/>
-              <a:t>)</a:t>
-            </a:r>
-          </a:p>
-          <a:p>
-            <a:pPr fontAlgn="base"/>
-            <a:r>
-              <a:rPr lang="cs-CZ" b="1" dirty="0" err="1"/>
-              <a:t>string</a:t>
-            </a:r>
-            <a:r>
-              <a:rPr lang="cs-CZ" dirty="0"/>
-              <a:t> je alias k </a:t>
-            </a:r>
-            <a:r>
-              <a:rPr lang="cs-CZ" b="1" dirty="0" err="1"/>
-              <a:t>System.String</a:t>
-            </a:r>
-            <a:r>
-              <a:rPr lang="cs-CZ" b="1" dirty="0"/>
-              <a:t> </a:t>
-            </a:r>
-            <a:r>
-              <a:rPr lang="cs-CZ" dirty="0"/>
-              <a:t>je vždy </a:t>
-            </a:r>
-            <a:r>
-              <a:rPr lang="cs-CZ" dirty="0" err="1"/>
-              <a:t>immutable</a:t>
-            </a:r>
-            <a:r>
-              <a:rPr lang="cs-CZ" dirty="0"/>
-              <a:t> tzn. </a:t>
-            </a:r>
-            <a:r>
-              <a:rPr lang="cs-CZ" dirty="0" err="1"/>
-              <a:t>muze</a:t>
-            </a:r>
-            <a:r>
-              <a:rPr lang="cs-CZ" dirty="0"/>
-              <a:t> se </a:t>
-            </a:r>
-            <a:r>
-              <a:rPr lang="cs-CZ" dirty="0" err="1"/>
-              <a:t>pouzivat</a:t>
-            </a:r>
-            <a:r>
-              <a:rPr lang="cs-CZ" dirty="0"/>
-              <a:t> </a:t>
-            </a:r>
-            <a:r>
-              <a:rPr lang="cs-CZ" dirty="0" smtClean="0"/>
-              <a:t>==</a:t>
-            </a:r>
-          </a:p>
-          <a:p>
-            <a:pPr fontAlgn="base"/>
-            <a:r>
-              <a:rPr lang="cs-CZ" b="1" dirty="0" smtClean="0"/>
-              <a:t>@ </a:t>
-            </a:r>
-            <a:r>
-              <a:rPr lang="cs-CZ" dirty="0" err="1" smtClean="0"/>
-              <a:t>verbatim</a:t>
-            </a:r>
-            <a:r>
-              <a:rPr lang="cs-CZ" dirty="0" smtClean="0"/>
-              <a:t> </a:t>
-            </a:r>
-            <a:r>
-              <a:rPr lang="cs-CZ" dirty="0" err="1" smtClean="0"/>
-              <a:t>string</a:t>
-            </a:r>
-            <a:endParaRPr lang="cs-CZ" dirty="0"/>
-          </a:p>
-          <a:p>
-            <a:pPr fontAlgn="base"/>
-            <a:r>
-              <a:rPr lang="cs-CZ" b="1" dirty="0" err="1"/>
-              <a:t>ToString</a:t>
-            </a:r>
-            <a:r>
-              <a:rPr lang="cs-CZ" dirty="0"/>
-              <a:t>() </a:t>
-            </a:r>
-            <a:r>
-              <a:rPr lang="cs-CZ" b="1" dirty="0" smtClean="0">
-                <a:solidFill>
-                  <a:srgbClr val="FF0000"/>
-                </a:solidFill>
-              </a:rPr>
-              <a:t>pozor double </a:t>
-            </a:r>
-            <a:r>
-              <a:rPr lang="cs-CZ" b="1" dirty="0" err="1" smtClean="0">
-                <a:solidFill>
-                  <a:srgbClr val="FF0000"/>
-                </a:solidFill>
-              </a:rPr>
-              <a:t>apod</a:t>
-            </a:r>
-            <a:r>
-              <a:rPr lang="cs-CZ" b="1" dirty="0" smtClean="0">
-                <a:solidFill>
-                  <a:srgbClr val="FF0000"/>
-                </a:solidFill>
-              </a:rPr>
-              <a:t> </a:t>
-            </a:r>
-            <a:r>
-              <a:rPr lang="en-US" b="1" dirty="0" err="1" smtClean="0">
-                <a:solidFill>
-                  <a:srgbClr val="FF0000"/>
-                </a:solidFill>
-              </a:rPr>
-              <a:t>závislý</a:t>
-            </a:r>
-            <a:r>
-              <a:rPr lang="en-US" b="1" dirty="0" smtClean="0">
-                <a:solidFill>
-                  <a:srgbClr val="FF0000"/>
-                </a:solidFill>
-              </a:rPr>
-              <a:t> </a:t>
-            </a:r>
-            <a:r>
-              <a:rPr lang="en-US" b="1" dirty="0" err="1">
-                <a:solidFill>
-                  <a:srgbClr val="FF0000"/>
-                </a:solidFill>
-              </a:rPr>
-              <a:t>na</a:t>
-            </a:r>
-            <a:r>
-              <a:rPr lang="en-US" b="1" dirty="0">
-                <a:solidFill>
-                  <a:srgbClr val="FF0000"/>
-                </a:solidFill>
-              </a:rPr>
-              <a:t> local </a:t>
-            </a:r>
-            <a:r>
-              <a:rPr lang="en-US" b="1" dirty="0" err="1">
-                <a:solidFill>
-                  <a:srgbClr val="FF0000"/>
-                </a:solidFill>
-              </a:rPr>
-              <a:t>nastavení</a:t>
-            </a:r>
-            <a:r>
-              <a:rPr lang="en-US" b="1" dirty="0">
-                <a:solidFill>
-                  <a:srgbClr val="FF0000"/>
-                </a:solidFill>
-              </a:rPr>
-              <a:t> </a:t>
-            </a:r>
-            <a:r>
-              <a:rPr lang="en-US" b="1" dirty="0" err="1">
-                <a:solidFill>
-                  <a:srgbClr val="FF0000"/>
-                </a:solidFill>
-              </a:rPr>
-              <a:t>počítače</a:t>
-            </a:r>
-            <a:r>
-              <a:rPr lang="en-US" b="1" dirty="0">
-                <a:solidFill>
-                  <a:srgbClr val="FF0000"/>
-                </a:solidFill>
-              </a:rPr>
-              <a:t> -&gt; </a:t>
-            </a:r>
-            <a:r>
-              <a:rPr lang="en-US" b="1" dirty="0" err="1">
-                <a:solidFill>
-                  <a:srgbClr val="FF0000"/>
-                </a:solidFill>
-              </a:rPr>
-              <a:t>doporucuju</a:t>
-            </a:r>
-            <a:r>
-              <a:rPr lang="en-US" b="1" dirty="0">
-                <a:solidFill>
-                  <a:srgbClr val="FF0000"/>
-                </a:solidFill>
-              </a:rPr>
-              <a:t> </a:t>
-            </a:r>
-            <a:r>
-              <a:rPr lang="en-US" b="1" dirty="0" err="1">
-                <a:solidFill>
-                  <a:srgbClr val="FF0000"/>
-                </a:solidFill>
-              </a:rPr>
-              <a:t>si</a:t>
-            </a:r>
-            <a:r>
-              <a:rPr lang="en-US" b="1" dirty="0">
-                <a:solidFill>
-                  <a:srgbClr val="FF0000"/>
-                </a:solidFill>
-              </a:rPr>
-              <a:t> </a:t>
-            </a:r>
-            <a:r>
-              <a:rPr lang="en-US" b="1" dirty="0" err="1">
-                <a:solidFill>
-                  <a:srgbClr val="FF0000"/>
-                </a:solidFill>
-              </a:rPr>
-              <a:t>napsat</a:t>
-            </a:r>
-            <a:r>
-              <a:rPr lang="en-US" b="1" dirty="0">
-                <a:solidFill>
-                  <a:srgbClr val="FF0000"/>
-                </a:solidFill>
-              </a:rPr>
-              <a:t> extension static </a:t>
-            </a:r>
-            <a:r>
-              <a:rPr lang="en-US" b="1" dirty="0" err="1">
-                <a:solidFill>
-                  <a:srgbClr val="FF0000"/>
-                </a:solidFill>
-              </a:rPr>
-              <a:t>metody</a:t>
-            </a:r>
-            <a:r>
-              <a:rPr lang="en-US" b="1" dirty="0">
-                <a:solidFill>
-                  <a:srgbClr val="FF0000"/>
-                </a:solidFill>
-              </a:rPr>
-              <a:t> </a:t>
-            </a:r>
-            <a:r>
-              <a:rPr lang="en-US" b="1" dirty="0" err="1">
-                <a:solidFill>
-                  <a:srgbClr val="FF0000"/>
-                </a:solidFill>
-              </a:rPr>
-              <a:t>MoneyToString</a:t>
-            </a:r>
-            <a:r>
-              <a:rPr lang="en-US" b="1" dirty="0">
-                <a:solidFill>
-                  <a:srgbClr val="FF0000"/>
-                </a:solidFill>
-              </a:rPr>
-              <a:t>() </a:t>
-            </a:r>
-            <a:r>
-              <a:rPr lang="en-US" b="1" dirty="0" err="1">
-                <a:solidFill>
-                  <a:srgbClr val="FF0000"/>
-                </a:solidFill>
-              </a:rPr>
-              <a:t>apod</a:t>
-            </a:r>
-            <a:r>
-              <a:rPr lang="en-US" b="1" dirty="0">
-                <a:solidFill>
-                  <a:srgbClr val="FF0000"/>
-                </a:solidFill>
-              </a:rPr>
-              <a:t>. </a:t>
-            </a:r>
-            <a:r>
-              <a:rPr lang="en-US" b="1" dirty="0" err="1">
-                <a:solidFill>
-                  <a:srgbClr val="FF0000"/>
-                </a:solidFill>
-              </a:rPr>
-              <a:t>viz</a:t>
-            </a:r>
-            <a:r>
-              <a:rPr lang="en-US" b="1" dirty="0">
-                <a:solidFill>
-                  <a:srgbClr val="FF0000"/>
-                </a:solidFill>
-              </a:rPr>
-              <a:t> </a:t>
-            </a:r>
-            <a:r>
-              <a:rPr lang="en-US" b="1" dirty="0" err="1">
-                <a:solidFill>
-                  <a:srgbClr val="FF0000"/>
-                </a:solidFill>
-              </a:rPr>
-              <a:t>priklad</a:t>
-            </a:r>
-            <a:r>
-              <a:rPr lang="en-US" b="1" dirty="0">
-                <a:solidFill>
-                  <a:srgbClr val="FF0000"/>
-                </a:solidFill>
-              </a:rPr>
-              <a:t> </a:t>
-            </a:r>
-            <a:r>
-              <a:rPr lang="en-US" b="1" dirty="0" err="1">
-                <a:solidFill>
-                  <a:srgbClr val="FF0000"/>
-                </a:solidFill>
-              </a:rPr>
-              <a:t>TestToStringCulture.cs</a:t>
-            </a:r>
-            <a:endParaRPr lang="cs-CZ" b="1" dirty="0">
-              <a:solidFill>
-                <a:srgbClr val="FF0000"/>
-              </a:solidFill>
-            </a:endParaRPr>
-          </a:p>
-          <a:p>
-            <a:pPr fontAlgn="base"/>
-            <a:endParaRPr lang="en-US" dirty="0"/>
-          </a:p>
-          <a:p>
-            <a:pPr marL="0" indent="0" fontAlgn="base">
-              <a:buNone/>
-            </a:pPr>
             <a:endParaRPr lang="en-US" dirty="0"/>
           </a:p>
           <a:p>
@@ -11635,7 +11613,7 @@
     </p:custDataLst>
     <p:extLst>
       <p:ext uri="{BB962C8B-B14F-4D97-AF65-F5344CB8AC3E}">
-        <p14:creationId xmlns:p14="http://schemas.microsoft.com/office/powerpoint/2010/main" val="375692060"/>
+        <p14:creationId xmlns:p14="http://schemas.microsoft.com/office/powerpoint/2010/main" val="4047036011"/>
       </p:ext>
     </p:extLst>
   </p:cSld>
@@ -11687,12 +11665,22 @@
         </p:nvSpPr>
         <p:spPr/>
         <p:txBody>
-          <a:bodyPr/>
+          <a:bodyPr>
+            <a:normAutofit/>
+          </a:bodyPr>
           <a:lstStyle/>
           <a:p>
             <a:r>
-              <a:rPr lang="cs-CZ" dirty="0" smtClean="0"/>
-              <a:t>Kolekce</a:t>
+              <a:rPr lang="cs-CZ" dirty="0" err="1" smtClean="0"/>
+              <a:t>Object</a:t>
+            </a:r>
+            <a:r>
+              <a:rPr lang="cs-CZ" dirty="0" smtClean="0"/>
+              <a:t> a </a:t>
+            </a:r>
+            <a:r>
+              <a:rPr lang="en-US" dirty="0" err="1" smtClean="0"/>
+              <a:t>ValueType</a:t>
             </a:r>
             <a:endParaRPr lang="en-US" dirty="0"/>
           </a:p>
@@ -11714,182 +11702,383 @@
         <p:spPr/>
         <p:txBody>
           <a:bodyPr>
-            <a:normAutofit lnSpcReduction="10000"/>
+            <a:normAutofit fontScale="85000" lnSpcReduction="20000"/>
           </a:bodyPr>
           <a:lstStyle/>
           <a:p>
             <a:pPr fontAlgn="base"/>
             <a:r>
-              <a:rPr lang="cs-CZ" dirty="0" smtClean="0"/>
-              <a:t>K</a:t>
+              <a:rPr lang="cs-CZ" dirty="0" err="1" smtClean="0"/>
+              <a:t>Class</a:t>
+            </a:r>
+            <a:r>
+              <a:rPr lang="cs-CZ" dirty="0" smtClean="0"/>
+              <a:t> dědí po </a:t>
+            </a:r>
+            <a:r>
+              <a:rPr lang="cs-CZ" dirty="0" err="1" smtClean="0"/>
+              <a:t>Object</a:t>
+            </a:r>
+            <a:endParaRPr lang="cs-CZ" dirty="0"/>
+          </a:p>
+          <a:p>
+            <a:pPr fontAlgn="base"/>
+            <a:r>
+              <a:rPr lang="cs-CZ" dirty="0" err="1" smtClean="0"/>
+              <a:t>Struct</a:t>
+            </a:r>
+            <a:r>
+              <a:rPr lang="cs-CZ" dirty="0" smtClean="0"/>
+              <a:t> dědí po </a:t>
             </a:r>
             <a:r>
               <a:rPr lang="en-US" dirty="0" err="1" smtClean="0"/>
-              <a:t>olekce</a:t>
-            </a:r>
-            <a:r>
-              <a:rPr lang="en-US" dirty="0" smtClean="0"/>
-              <a:t> z</a:t>
-            </a:r>
-            <a:r>
-              <a:rPr lang="cs-CZ" dirty="0" smtClean="0"/>
-              <a:t>e</a:t>
-            </a:r>
-            <a:r>
-              <a:rPr lang="en-US" dirty="0" smtClean="0"/>
+              <a:t>ValueType</a:t>
+            </a:r>
+            <a:r>
+              <a:rPr lang="cs-CZ" dirty="0" smtClean="0"/>
+              <a:t> (neexistuje metoda </a:t>
+            </a:r>
+            <a:r>
+              <a:rPr lang="en-US" dirty="0" err="1" smtClean="0"/>
+              <a:t>GetType</a:t>
+            </a:r>
+            <a:r>
+              <a:rPr lang="cs-CZ" dirty="0" smtClean="0"/>
+              <a:t>(), destruktor a static metody </a:t>
+            </a:r>
+            <a:r>
+              <a:rPr lang="en-US" dirty="0" smtClean="0"/>
+              <a:t>Equals</a:t>
+            </a:r>
+            <a:endParaRPr lang="en-US" dirty="0"/>
+          </a:p>
+          <a:p>
+            <a:pPr fontAlgn="base"/>
+            <a:r>
+              <a:rPr lang="cs-CZ" dirty="0" smtClean="0"/>
+              <a:t>)</a:t>
+            </a:r>
+          </a:p>
+          <a:p>
+            <a:pPr fontAlgn="base"/>
+            <a:r>
+              <a:rPr lang="cs-CZ" b="1" dirty="0" err="1"/>
+              <a:t>string</a:t>
+            </a:r>
+            <a:r>
+              <a:rPr lang="cs-CZ" dirty="0"/>
+              <a:t> je alias k </a:t>
+            </a:r>
+            <a:r>
+              <a:rPr lang="cs-CZ" b="1" dirty="0" err="1"/>
+              <a:t>System.String</a:t>
+            </a:r>
+            <a:r>
+              <a:rPr lang="cs-CZ" b="1" dirty="0"/>
               <a:t> </a:t>
             </a:r>
             <a:r>
-              <a:rPr lang="en-US" dirty="0" err="1"/>
-              <a:t>dvou</a:t>
-            </a:r>
-            <a:r>
-              <a:rPr lang="en-US" dirty="0"/>
-              <a:t> namespace </a:t>
-            </a:r>
-            <a:r>
-              <a:rPr lang="en-US" b="1" dirty="0" err="1"/>
-              <a:t>System.Collections</a:t>
-            </a:r>
-            <a:r>
-              <a:rPr lang="en-US" dirty="0"/>
-              <a:t> a </a:t>
-            </a:r>
-            <a:r>
-              <a:rPr lang="en-US" b="1" dirty="0" err="1"/>
-              <a:t>System.Collections.Generic</a:t>
-            </a:r>
-            <a:r>
-              <a:rPr lang="en-US" dirty="0"/>
+              <a:rPr lang="cs-CZ" dirty="0"/>
+              <a:t>je vždy </a:t>
+            </a:r>
+            <a:r>
+              <a:rPr lang="cs-CZ" dirty="0" err="1"/>
+              <a:t>immutable</a:t>
+            </a:r>
+            <a:r>
+              <a:rPr lang="cs-CZ" dirty="0"/>
+              <a:t> tzn. </a:t>
+            </a:r>
+            <a:r>
+              <a:rPr lang="cs-CZ" dirty="0" err="1"/>
+              <a:t>muze</a:t>
+            </a:r>
+            <a:r>
+              <a:rPr lang="cs-CZ" dirty="0"/>
+              <a:t> se </a:t>
+            </a:r>
+            <a:r>
+              <a:rPr lang="cs-CZ" dirty="0" err="1"/>
+              <a:t>pouzivat</a:t>
+            </a:r>
+            <a:r>
+              <a:rPr lang="cs-CZ" dirty="0"/>
               <a:t> </a:t>
             </a:r>
-            <a:endParaRPr lang="cs-CZ" dirty="0" smtClean="0"/>
+            <a:r>
+              <a:rPr lang="cs-CZ" dirty="0" smtClean="0"/>
+              <a:t>==</a:t>
+            </a:r>
           </a:p>
           <a:p>
             <a:pPr fontAlgn="base"/>
             <a:r>
-              <a:rPr lang="en-US" dirty="0" err="1" smtClean="0"/>
-              <a:t>pouzivat</a:t>
-            </a:r>
-            <a:r>
-              <a:rPr lang="en-US" dirty="0" smtClean="0"/>
+              <a:rPr lang="cs-CZ" b="1" dirty="0" smtClean="0"/>
+              <a:t>@ </a:t>
+            </a:r>
+            <a:r>
+              <a:rPr lang="cs-CZ" dirty="0" err="1" smtClean="0"/>
+              <a:t>verbatim</a:t>
+            </a:r>
+            <a:r>
+              <a:rPr lang="cs-CZ" dirty="0" smtClean="0"/>
               <a:t> </a:t>
             </a:r>
             <a:r>
-              <a:rPr lang="en-US" dirty="0" err="1"/>
-              <a:t>misto</a:t>
-            </a:r>
-            <a:r>
-              <a:rPr lang="en-US" dirty="0"/>
+              <a:rPr lang="cs-CZ" dirty="0" err="1" smtClean="0"/>
+              <a:t>string</a:t>
+            </a:r>
+            <a:endParaRPr lang="cs-CZ" dirty="0"/>
+          </a:p>
+          <a:p>
+            <a:pPr fontAlgn="base"/>
+            <a:r>
+              <a:rPr lang="cs-CZ" b="1" dirty="0" err="1"/>
+              <a:t>ToString</a:t>
+            </a:r>
+            <a:r>
+              <a:rPr lang="cs-CZ" dirty="0"/>
+              <a:t>() </a:t>
+            </a:r>
+            <a:r>
+              <a:rPr lang="cs-CZ" b="1" dirty="0" smtClean="0">
+                <a:solidFill>
+                  <a:srgbClr val="FF0000"/>
+                </a:solidFill>
+              </a:rPr>
+              <a:t>pozor double </a:t>
+            </a:r>
+            <a:r>
+              <a:rPr lang="cs-CZ" b="1" dirty="0" err="1" smtClean="0">
+                <a:solidFill>
+                  <a:srgbClr val="FF0000"/>
+                </a:solidFill>
+              </a:rPr>
+              <a:t>apod</a:t>
+            </a:r>
+            <a:r>
+              <a:rPr lang="cs-CZ" b="1" dirty="0" smtClean="0">
+                <a:solidFill>
+                  <a:srgbClr val="FF0000"/>
+                </a:solidFill>
+              </a:rPr>
               <a:t> </a:t>
             </a:r>
             <a:r>
-              <a:rPr lang="en-US" dirty="0" err="1"/>
-              <a:t>ICollection</a:t>
-            </a:r>
-            <a:r>
-              <a:rPr lang="en-US" dirty="0"/>
+              <a:rPr lang="en-US" b="1" dirty="0" err="1" smtClean="0">
+                <a:solidFill>
+                  <a:srgbClr val="FF0000"/>
+                </a:solidFill>
+              </a:rPr>
+              <a:t>závislý</a:t>
+            </a:r>
+            <a:r>
+              <a:rPr lang="en-US" b="1" dirty="0" smtClean="0">
+                <a:solidFill>
+                  <a:srgbClr val="FF0000"/>
+                </a:solidFill>
+              </a:rPr>
               <a:t> </a:t>
             </a:r>
             <a:r>
-              <a:rPr lang="en-US" dirty="0" err="1"/>
-              <a:t>nebo</a:t>
-            </a:r>
-            <a:r>
-              <a:rPr lang="en-US" dirty="0"/>
+              <a:rPr lang="en-US" b="1" dirty="0" err="1">
+                <a:solidFill>
+                  <a:srgbClr val="FF0000"/>
+                </a:solidFill>
+              </a:rPr>
+              <a:t>na</a:t>
+            </a:r>
+            <a:r>
+              <a:rPr lang="en-US" b="1" dirty="0">
+                <a:solidFill>
+                  <a:srgbClr val="FF0000"/>
+                </a:solidFill>
+              </a:rPr>
+              <a:t> local </a:t>
+            </a:r>
+            <a:r>
+              <a:rPr lang="en-US" b="1" dirty="0" err="1">
+                <a:solidFill>
+                  <a:srgbClr val="FF0000"/>
+                </a:solidFill>
+              </a:rPr>
+              <a:t>nastavení</a:t>
+            </a:r>
+            <a:r>
+              <a:rPr lang="en-US" b="1" dirty="0">
+                <a:solidFill>
+                  <a:srgbClr val="FF0000"/>
+                </a:solidFill>
+              </a:rPr>
               <a:t> </a:t>
             </a:r>
             <a:r>
-              <a:rPr lang="en-US" dirty="0" err="1"/>
-              <a:t>IList</a:t>
-            </a:r>
-            <a:r>
-              <a:rPr lang="en-US" dirty="0"/>
+              <a:rPr lang="en-US" b="1" dirty="0" err="1">
+                <a:solidFill>
+                  <a:srgbClr val="FF0000"/>
+                </a:solidFill>
+              </a:rPr>
+              <a:t>počítače</a:t>
+            </a:r>
+            <a:r>
+              <a:rPr lang="en-US" b="1" dirty="0">
+                <a:solidFill>
+                  <a:srgbClr val="FF0000"/>
+                </a:solidFill>
+              </a:rPr>
+              <a:t> -&gt; </a:t>
+            </a:r>
+            <a:r>
+              <a:rPr lang="en-US" b="1" dirty="0" err="1">
+                <a:solidFill>
+                  <a:srgbClr val="FF0000"/>
+                </a:solidFill>
+              </a:rPr>
+              <a:t>doporucuju</a:t>
+            </a:r>
+            <a:r>
+              <a:rPr lang="en-US" b="1" dirty="0">
+                <a:solidFill>
+                  <a:srgbClr val="FF0000"/>
+                </a:solidFill>
+              </a:rPr>
               <a:t> </a:t>
             </a:r>
             <a:r>
-              <a:rPr lang="cs-CZ" b="1" dirty="0" smtClean="0"/>
-              <a:t>IE</a:t>
-            </a:r>
-            <a:r>
-              <a:rPr lang="en-US" b="1" dirty="0" smtClean="0"/>
-              <a:t>numerable</a:t>
-            </a:r>
-            <a:r>
-              <a:rPr lang="cs-CZ" b="1" dirty="0" smtClean="0"/>
-              <a:t>&lt;&gt;</a:t>
-            </a:r>
+              <a:rPr lang="en-US" b="1" dirty="0" err="1">
+                <a:solidFill>
+                  <a:srgbClr val="FF0000"/>
+                </a:solidFill>
+              </a:rPr>
+              <a:t>si</a:t>
+            </a:r>
+            <a:r>
+              <a:rPr lang="en-US" b="1" dirty="0">
+                <a:solidFill>
+                  <a:srgbClr val="FF0000"/>
+                </a:solidFill>
+              </a:rPr>
+              <a:t> </a:t>
+            </a:r>
+            <a:r>
+              <a:rPr lang="en-US" b="1" dirty="0" err="1">
+                <a:solidFill>
+                  <a:srgbClr val="FF0000"/>
+                </a:solidFill>
+              </a:rPr>
+              <a:t>napsat</a:t>
+            </a:r>
+            <a:r>
+              <a:rPr lang="en-US" b="1" dirty="0">
+                <a:solidFill>
+                  <a:srgbClr val="FF0000"/>
+                </a:solidFill>
+              </a:rPr>
+              <a:t> extension static </a:t>
+            </a:r>
+            <a:r>
+              <a:rPr lang="en-US" b="1" dirty="0" err="1">
+                <a:solidFill>
+                  <a:srgbClr val="FF0000"/>
+                </a:solidFill>
+              </a:rPr>
+              <a:t>metody</a:t>
+            </a:r>
+            <a:r>
+              <a:rPr lang="en-US" b="1" dirty="0">
+                <a:solidFill>
+                  <a:srgbClr val="FF0000"/>
+                </a:solidFill>
+              </a:rPr>
+              <a:t> </a:t>
+            </a:r>
+            <a:r>
+              <a:rPr lang="en-US" b="1" dirty="0" err="1">
+                <a:solidFill>
+                  <a:srgbClr val="FF0000"/>
+                </a:solidFill>
+              </a:rPr>
+              <a:t>MoneyToString</a:t>
+            </a:r>
+            <a:r>
+              <a:rPr lang="en-US" b="1" dirty="0">
+                <a:solidFill>
+                  <a:srgbClr val="FF0000"/>
+                </a:solidFill>
+              </a:rPr>
+              <a:t>() </a:t>
+            </a:r>
+            <a:r>
+              <a:rPr lang="en-US" b="1" dirty="0" err="1">
+                <a:solidFill>
+                  <a:srgbClr val="FF0000"/>
+                </a:solidFill>
+              </a:rPr>
+              <a:t>apod</a:t>
+            </a:r>
+            <a:r>
+              <a:rPr lang="en-US" b="1" dirty="0">
+                <a:solidFill>
+                  <a:srgbClr val="FF0000"/>
+                </a:solidFill>
+              </a:rPr>
+              <a:t>. </a:t>
+            </a:r>
+            <a:r>
+              <a:rPr lang="en-US" b="1" dirty="0" err="1">
+                <a:solidFill>
+                  <a:srgbClr val="FF0000"/>
+                </a:solidFill>
+              </a:rPr>
+              <a:t>viz</a:t>
+            </a:r>
+            <a:r>
+              <a:rPr lang="en-US" b="1" dirty="0">
+                <a:solidFill>
+                  <a:srgbClr val="FF0000"/>
+                </a:solidFill>
+              </a:rPr>
+              <a:t> </a:t>
+            </a:r>
+            <a:r>
+              <a:rPr lang="en-US" b="1" dirty="0" err="1">
+                <a:solidFill>
+                  <a:srgbClr val="FF0000"/>
+                </a:solidFill>
+              </a:rPr>
+              <a:t>priklad</a:t>
+            </a:r>
+            <a:r>
+              <a:rPr lang="en-US" b="1" dirty="0">
+                <a:solidFill>
+                  <a:srgbClr val="FF0000"/>
+                </a:solidFill>
+              </a:rPr>
+              <a:t> </a:t>
+            </a:r>
+            <a:r>
+              <a:rPr lang="en-US" b="1" dirty="0" err="1">
+                <a:solidFill>
+                  <a:srgbClr val="FF0000"/>
+                </a:solidFill>
+              </a:rPr>
+              <a:t>TestToStringCulture.cs</a:t>
+            </a:r>
+            <a:endParaRPr lang="cs-CZ" b="1" dirty="0">
+              <a:solidFill>
+                <a:srgbClr val="FF0000"/>
+              </a:solidFill>
+            </a:endParaRPr>
           </a:p>
           <a:p>
             <a:pPr fontAlgn="base"/>
-            <a:r>
-              <a:rPr lang="cs-CZ" dirty="0" smtClean="0"/>
-              <a:t>Místo mapy je </a:t>
-            </a:r>
-            <a:r>
-              <a:rPr lang="cs-CZ" dirty="0" err="1" smtClean="0"/>
-              <a:t>IDictionary</a:t>
-            </a:r>
-            <a:r>
-              <a:rPr lang="cs-CZ" dirty="0" smtClean="0"/>
-              <a:t>&lt;,&gt;</a:t>
-            </a:r>
-          </a:p>
-          <a:p>
-            <a:pPr fontAlgn="base"/>
-            <a:r>
-              <a:rPr lang="cs-CZ" dirty="0" smtClean="0"/>
-              <a:t>Do kolekce lze </a:t>
-            </a:r>
-            <a:r>
-              <a:rPr lang="cs-CZ" dirty="0" err="1" smtClean="0"/>
-              <a:t>vkladat</a:t>
-            </a:r>
-            <a:r>
-              <a:rPr lang="cs-CZ" dirty="0" smtClean="0"/>
-              <a:t> </a:t>
-            </a:r>
-            <a:r>
-              <a:rPr lang="cs-CZ" dirty="0" err="1" smtClean="0"/>
-              <a:t>struct</a:t>
-            </a:r>
-            <a:r>
-              <a:rPr lang="cs-CZ" dirty="0" smtClean="0"/>
-              <a:t> tzn. </a:t>
-            </a:r>
-            <a:r>
-              <a:rPr lang="cs-CZ" dirty="0" err="1" smtClean="0"/>
-              <a:t>int</a:t>
-            </a:r>
-            <a:r>
-              <a:rPr lang="cs-CZ" dirty="0" smtClean="0"/>
-              <a:t> apod.</a:t>
-            </a:r>
-          </a:p>
-          <a:p>
-            <a:pPr fontAlgn="base"/>
-            <a:r>
-              <a:rPr lang="en-US" b="1" dirty="0" smtClean="0"/>
-              <a:t>C5</a:t>
-            </a:r>
-            <a:r>
-              <a:rPr lang="cs-CZ" b="1" dirty="0" smtClean="0"/>
-              <a:t> </a:t>
-            </a:r>
-            <a:r>
-              <a:rPr lang="cs-CZ" dirty="0" err="1" smtClean="0"/>
-              <a:t>library</a:t>
-            </a:r>
-            <a:r>
-              <a:rPr lang="cs-CZ" dirty="0" smtClean="0"/>
-              <a:t> </a:t>
-            </a:r>
-            <a:r>
-              <a:rPr lang="en-US" dirty="0">
-                <a:hlinkClick r:id="rId6"/>
-              </a:rPr>
-              <a:t>http://www.itu.dk/research/c5/</a:t>
-            </a:r>
+            <a:endParaRPr lang="en-US" dirty="0"/>
+          </a:p>
+          <a:p>
+            <a:pPr marL="0" indent="0" fontAlgn="base">
+              <a:buNone/>
+            </a:pPr>
             <a:endParaRPr lang="en-US" dirty="0"/>
           </a:p>
           <a:p>
@@ -11908,7 +12097,7 @@
     </p:custDataLst>
     <p:extLst>
       <p:ext uri="{BB962C8B-B14F-4D97-AF65-F5344CB8AC3E}">
-        <p14:creationId xmlns:p14="http://schemas.microsoft.com/office/powerpoint/2010/main" val="2224911890"/>
+        <p14:creationId xmlns:p14="http://schemas.microsoft.com/office/powerpoint/2010/main" val="375692060"/>
       </p:ext>
     </p:extLst>
   </p:cSld>
@@ -11964,6 +12153,279 @@
           <a:lstStyle/>
           <a:p>
             <a:r>
+              <a:rPr lang="cs-CZ" dirty="0" smtClean="0"/>
+              <a:t>Kolekce</a:t>
+            </a:r>
+            <a:endParaRPr lang="en-US" dirty="0"/>
+          </a:p>
+        </p:txBody>
+      </p:sp>
+      <p:sp>
+        <p:nvSpPr>
+          <p:cNvPr id="5" name="Content Placeholder 4"/>
+          <p:cNvSpPr>
+            <a:spLocks noGrp="1"/>
+          </p:cNvSpPr>
+          <p:nvPr>
+            <p:ph idx="1"/>
+            <p:custDataLst>
+              <p:tags r:id="rId3"/>
+            </p:custDataLst>
+          </p:nvPr>
+        </p:nvSpPr>
+        <p:spPr/>
+        <p:txBody>
+          <a:bodyPr>
+            <a:normAutofit lnSpcReduction="10000"/>
+          </a:bodyPr>
+          <a:lstStyle/>
+          <a:p>
+            <a:pPr fontAlgn="base"/>
+            <a:r>
+              <a:rPr lang="cs-CZ" dirty="0" smtClean="0"/>
+              <a:t>K</a:t>
+            </a:r>
+            <a:r>
+              <a:rPr lang="en-US" dirty="0" err="1" smtClean="0"/>
+              <a:t>olekce</a:t>
+            </a:r>
+            <a:r>
+              <a:rPr lang="en-US" dirty="0" smtClean="0"/>
+              <a:t> z</a:t>
+            </a:r>
+            <a:r>
+              <a:rPr lang="cs-CZ" dirty="0" smtClean="0"/>
+              <a:t>e</a:t>
+            </a:r>
+            <a:r>
+              <a:rPr lang="en-US" dirty="0" smtClean="0"/>
+              <a:t> </a:t>
+            </a:r>
+            <a:r>
+              <a:rPr lang="en-US" dirty="0" err="1"/>
+              <a:t>dvou</a:t>
+            </a:r>
+            <a:r>
+              <a:rPr lang="en-US" dirty="0"/>
+              <a:t> namespace </a:t>
+            </a:r>
+            <a:r>
+              <a:rPr lang="en-US" b="1" dirty="0" err="1"/>
+              <a:t>System.Collections</a:t>
+            </a:r>
+            <a:r>
+              <a:rPr lang="en-US" dirty="0"/>
+              <a:t> a </a:t>
+            </a:r>
+            <a:r>
+              <a:rPr lang="en-US" b="1" dirty="0" err="1"/>
+              <a:t>System.Collections.Generic</a:t>
+            </a:r>
+            <a:r>
+              <a:rPr lang="en-US" dirty="0"/>
+              <a:t> </a:t>
+            </a:r>
+            <a:endParaRPr lang="cs-CZ" dirty="0" smtClean="0"/>
+          </a:p>
+          <a:p>
+            <a:pPr fontAlgn="base"/>
+            <a:r>
+              <a:rPr lang="en-US" dirty="0" err="1" smtClean="0"/>
+              <a:t>pouzivat</a:t>
+            </a:r>
+            <a:r>
+              <a:rPr lang="en-US" dirty="0" smtClean="0"/>
+              <a:t> </a:t>
+            </a:r>
+            <a:r>
+              <a:rPr lang="en-US" dirty="0" err="1"/>
+              <a:t>misto</a:t>
+            </a:r>
+            <a:r>
+              <a:rPr lang="en-US" dirty="0"/>
+              <a:t> </a:t>
+            </a:r>
+            <a:r>
+              <a:rPr lang="en-US" dirty="0" err="1"/>
+              <a:t>ICollection</a:t>
+            </a:r>
+            <a:r>
+              <a:rPr lang="en-US" dirty="0"/>
+              <a:t> </a:t>
+            </a:r>
+            <a:r>
+              <a:rPr lang="en-US" dirty="0" err="1"/>
+              <a:t>nebo</a:t>
+            </a:r>
+            <a:r>
+              <a:rPr lang="en-US" dirty="0"/>
+              <a:t> </a:t>
+            </a:r>
+            <a:r>
+              <a:rPr lang="en-US" dirty="0" err="1"/>
+              <a:t>IList</a:t>
+            </a:r>
+            <a:r>
+              <a:rPr lang="en-US" dirty="0"/>
+              <a:t> </a:t>
+            </a:r>
+            <a:r>
+              <a:rPr lang="cs-CZ" b="1" dirty="0" smtClean="0"/>
+              <a:t>IE</a:t>
+            </a:r>
+            <a:r>
+              <a:rPr lang="en-US" b="1" dirty="0" smtClean="0"/>
+              <a:t>numerable</a:t>
+            </a:r>
+            <a:r>
+              <a:rPr lang="cs-CZ" b="1" dirty="0" smtClean="0"/>
+              <a:t>&lt;&gt;</a:t>
+            </a:r>
+          </a:p>
+          <a:p>
+            <a:pPr fontAlgn="base"/>
+            <a:r>
+              <a:rPr lang="cs-CZ" dirty="0" smtClean="0"/>
+              <a:t>Místo mapy je </a:t>
+            </a:r>
+            <a:r>
+              <a:rPr lang="cs-CZ" dirty="0" err="1" smtClean="0"/>
+              <a:t>IDictionary</a:t>
+            </a:r>
+            <a:r>
+              <a:rPr lang="cs-CZ" dirty="0" smtClean="0"/>
+              <a:t>&lt;,&gt;</a:t>
+            </a:r>
+          </a:p>
+          <a:p>
+            <a:pPr fontAlgn="base"/>
+            <a:r>
+              <a:rPr lang="cs-CZ" dirty="0" smtClean="0"/>
+              <a:t>Do kolekce lze </a:t>
+            </a:r>
+            <a:r>
+              <a:rPr lang="cs-CZ" dirty="0" err="1" smtClean="0"/>
+              <a:t>vkladat</a:t>
+            </a:r>
+            <a:r>
+              <a:rPr lang="cs-CZ" dirty="0" smtClean="0"/>
+              <a:t> </a:t>
+            </a:r>
+            <a:r>
+              <a:rPr lang="cs-CZ" dirty="0" err="1" smtClean="0"/>
+              <a:t>struct</a:t>
+            </a:r>
+            <a:r>
+              <a:rPr lang="cs-CZ" dirty="0" smtClean="0"/>
+              <a:t> tzn. </a:t>
+            </a:r>
+            <a:r>
+              <a:rPr lang="cs-CZ" dirty="0" err="1" smtClean="0"/>
+              <a:t>int</a:t>
+            </a:r>
+            <a:r>
+              <a:rPr lang="cs-CZ" dirty="0" smtClean="0"/>
+              <a:t> apod.</a:t>
+            </a:r>
+          </a:p>
+          <a:p>
+            <a:pPr fontAlgn="base"/>
+            <a:r>
+              <a:rPr lang="en-US" b="1" dirty="0" smtClean="0"/>
+              <a:t>C5</a:t>
+            </a:r>
+            <a:r>
+              <a:rPr lang="cs-CZ" b="1" dirty="0" smtClean="0"/>
+              <a:t> </a:t>
+            </a:r>
+            <a:r>
+              <a:rPr lang="cs-CZ" dirty="0" err="1" smtClean="0"/>
+              <a:t>library</a:t>
+            </a:r>
+            <a:r>
+              <a:rPr lang="cs-CZ" dirty="0" smtClean="0"/>
+              <a:t> </a:t>
+            </a:r>
+            <a:r>
+              <a:rPr lang="en-US" dirty="0">
+                <a:hlinkClick r:id="rId6"/>
+              </a:rPr>
+              <a:t>http://www.itu.dk/research/c5/</a:t>
+            </a:r>
+            <a:endParaRPr lang="en-US" dirty="0"/>
+          </a:p>
+          <a:p>
+            <a:pPr fontAlgn="base"/>
+            <a:endParaRPr lang="pt-BR" dirty="0"/>
+          </a:p>
+          <a:p>
+            <a:pPr fontAlgn="base"/>
+            <a:endParaRPr lang="en-US" dirty="0"/>
+          </a:p>
+        </p:txBody>
+      </p:sp>
+    </p:spTree>
+    <p:custDataLst>
+      <p:tags r:id="rId1"/>
+    </p:custDataLst>
+    <p:extLst>
+      <p:ext uri="{BB962C8B-B14F-4D97-AF65-F5344CB8AC3E}">
+        <p14:creationId xmlns:p14="http://schemas.microsoft.com/office/powerpoint/2010/main" val="2224911890"/>
+      </p:ext>
+    </p:extLst>
+  </p:cSld>
+  <p:clrMapOvr>
+    <a:masterClrMapping/>
+  </p:clrMapOvr>
+  <p:transition spd="slow">
+    <p:wipe dir="d"/>
+  </p:transition>
+  <p:timing>
+    <p:tnLst>
+      <p:par>
+        <p:cTn id="1" dur="indefinite" restart="never" nodeType="tmRoot"/>
+      </p:par>
+    </p:tnLst>
+  </p:timing>
+</p:sld>
+</file>
+
+<file path=ppt/slides/slide25.xml><?xml version="1.0" encoding="utf-8"?>
+<p:sld xmlns:a="http://schemas.openxmlformats.org/drawingml/2006/main" xmlns:r="http://schemas.openxmlformats.org/officeDocument/2006/relationships" xmlns:p="http://schemas.openxmlformats.org/presentationml/2006/main">
+  <p:cSld>
+    <p:spTree>
+      <p:nvGrpSpPr>
+        <p:cNvPr id="1" name=""/>
+        <p:cNvGrpSpPr/>
+        <p:nvPr/>
+      </p:nvGrpSpPr>
+      <p:grpSpPr>
+        <a:xfrm>
+          <a:off x="0" y="0"/>
+          <a:ext cx="0" cy="0"/>
+          <a:chOff x="0" y="0"/>
+          <a:chExt cx="0" cy="0"/>
+        </a:xfrm>
+      </p:grpSpPr>
+      <p:sp>
+        <p:nvSpPr>
+          <p:cNvPr id="2" name="Title 1"/>
+          <p:cNvSpPr>
+            <a:spLocks noGrp="1"/>
+          </p:cNvSpPr>
+          <p:nvPr>
+            <p:ph type="title"/>
+            <p:custDataLst>
+              <p:tags r:id="rId2"/>
+            </p:custDataLst>
+          </p:nvPr>
+        </p:nvSpPr>
+        <p:spPr/>
+        <p:txBody>
+          <a:bodyPr/>
+          <a:lstStyle/>
+          <a:p>
+            <a:r>
               <a:rPr lang="cs-CZ" dirty="0"/>
               <a:t>Komunita</a:t>
             </a:r>
@@ -12073,7 +12535,7 @@
 </p:sld>
 </file>
 
-<file path=ppt/slides/slide25.xml><?xml version="1.0" encoding="utf-8"?>
+<file path=ppt/slides/slide26.xml><?xml version="1.0" encoding="utf-8"?>
 <p:sld xmlns:a="http://schemas.openxmlformats.org/drawingml/2006/main" xmlns:r="http://schemas.openxmlformats.org/officeDocument/2006/relationships" xmlns:p="http://schemas.openxmlformats.org/presentationml/2006/main">
   <p:cSld>
     <p:spTree>
@@ -15558,11 +16020,29 @@
 
 <file path=ppt/tags/tag73.xml><?xml version="1.0" encoding="utf-8"?>
 <p:tagLst xmlns:a="http://schemas.openxmlformats.org/drawingml/2006/main" xmlns:r="http://schemas.openxmlformats.org/officeDocument/2006/relationships" xmlns:p="http://schemas.openxmlformats.org/presentationml/2006/main">
+  <p:tag name="DVSECTIONID" val="QUq8QELArFIgadhH063fpq"/>
+</p:tagLst>
+</file>
+
+<file path=ppt/tags/tag74.xml><?xml version="1.0" encoding="utf-8"?>
+<p:tagLst xmlns:a="http://schemas.openxmlformats.org/drawingml/2006/main" xmlns:r="http://schemas.openxmlformats.org/officeDocument/2006/relationships" xmlns:p="http://schemas.openxmlformats.org/presentationml/2006/main">
+  <p:tag name="DVSHAPEID" val="InkrlxYPS4jAzciXk8ToAM"/>
+</p:tagLst>
+</file>
+
+<file path=ppt/tags/tag75.xml><?xml version="1.0" encoding="utf-8"?>
+<p:tagLst xmlns:a="http://schemas.openxmlformats.org/drawingml/2006/main" xmlns:r="http://schemas.openxmlformats.org/officeDocument/2006/relationships" xmlns:p="http://schemas.openxmlformats.org/presentationml/2006/main">
+  <p:tag name="DVSHAPEID" val="retnMj4SFfqbVIhVK0Rf83"/>
+</p:tagLst>
+</file>
+
+<file path=ppt/tags/tag76.xml><?xml version="1.0" encoding="utf-8"?>
+<p:tagLst xmlns:a="http://schemas.openxmlformats.org/drawingml/2006/main" xmlns:r="http://schemas.openxmlformats.org/officeDocument/2006/relationships" xmlns:p="http://schemas.openxmlformats.org/presentationml/2006/main">
   <p:tag name="DVSECTIONID" val="ezdaKHeWyBnZyZ2cDqRSoa"/>
 </p:tagLst>
 </file>
 
-<file path=ppt/tags/tag74.xml><?xml version="1.0" encoding="utf-8"?>
+<file path=ppt/tags/tag77.xml><?xml version="1.0" encoding="utf-8"?>
 <p:tagLst xmlns:a="http://schemas.openxmlformats.org/drawingml/2006/main" xmlns:r="http://schemas.openxmlformats.org/officeDocument/2006/relationships" xmlns:p="http://schemas.openxmlformats.org/presentationml/2006/main">
   <p:tag name="DVSHAPEID" val="LRMR96J2MVd0CGe2e5htjk"/>
 </p:tagLst>

--- a/prezentace.pptx
+++ b/prezentace.pptx
@@ -5,10 +5,10 @@
     <p:sldMasterId id="2147483648" r:id="rId1"/>
   </p:sldMasterIdLst>
   <p:notesMasterIdLst>
-    <p:notesMasterId r:id="rId28"/>
+    <p:notesMasterId r:id="rId30"/>
   </p:notesMasterIdLst>
   <p:handoutMasterIdLst>
-    <p:handoutMasterId r:id="rId29"/>
+    <p:handoutMasterId r:id="rId31"/>
   </p:handoutMasterIdLst>
   <p:sldIdLst>
     <p:sldId id="259" r:id="rId2"/>
@@ -31,12 +31,14 @@
     <p:sldId id="292" r:id="rId19"/>
     <p:sldId id="295" r:id="rId20"/>
     <p:sldId id="297" r:id="rId21"/>
-    <p:sldId id="281" r:id="rId22"/>
-    <p:sldId id="296" r:id="rId23"/>
-    <p:sldId id="282" r:id="rId24"/>
-    <p:sldId id="283" r:id="rId25"/>
-    <p:sldId id="280" r:id="rId26"/>
-    <p:sldId id="277" r:id="rId27"/>
+    <p:sldId id="301" r:id="rId22"/>
+    <p:sldId id="281" r:id="rId23"/>
+    <p:sldId id="296" r:id="rId24"/>
+    <p:sldId id="282" r:id="rId25"/>
+    <p:sldId id="283" r:id="rId26"/>
+    <p:sldId id="302" r:id="rId27"/>
+    <p:sldId id="280" r:id="rId28"/>
+    <p:sldId id="277" r:id="rId29"/>
   </p:sldIdLst>
   <p:sldSz cx="9144000" cy="6858000" type="screen4x3"/>
   <p:notesSz cx="6858000" cy="9144000"/>
@@ -168,6 +170,7 @@
             <p14:sldId id="292"/>
             <p14:sldId id="295"/>
             <p14:sldId id="297"/>
+            <p14:sldId id="301"/>
           </p14:sldIdLst>
         </p14:section>
         <p14:section name=".NET core Knihovny" id="{A90CCB4D-62F7-45B2-8BD4-70C86AD1CB5C}">
@@ -176,6 +179,7 @@
             <p14:sldId id="296"/>
             <p14:sldId id="282"/>
             <p14:sldId id="283"/>
+            <p14:sldId id="302"/>
           </p14:sldIdLst>
         </p14:section>
         <p14:section name="Komunita" id="{56C8C19B-AD6D-4515-BD84-4DA03B188650}">
@@ -3072,6 +3076,252 @@
       </p:grpSpPr>
       <p:sp>
         <p:nvSpPr>
+          <p:cNvPr id="2" name="Slide Image Placeholder 1"/>
+          <p:cNvSpPr>
+            <a:spLocks noGrp="1" noRot="1" noChangeAspect="1"/>
+          </p:cNvSpPr>
+          <p:nvPr>
+            <p:ph type="sldImg"/>
+          </p:nvPr>
+        </p:nvSpPr>
+        <p:spPr/>
+      </p:sp>
+      <p:sp>
+        <p:nvSpPr>
+          <p:cNvPr id="3" name="Notes Placeholder 2"/>
+          <p:cNvSpPr>
+            <a:spLocks noGrp="1"/>
+          </p:cNvSpPr>
+          <p:nvPr>
+            <p:ph type="body" idx="1"/>
+          </p:nvPr>
+        </p:nvSpPr>
+        <p:spPr/>
+        <p:txBody>
+          <a:bodyPr>
+            <a:normAutofit/>
+          </a:bodyPr>
+          <a:lstStyle/>
+          <a:p>
+            <a:pPr>
+              <a:lnSpc>
+                <a:spcPct val="80000"/>
+              </a:lnSpc>
+            </a:pPr>
+            <a:r>
+              <a:rPr lang="en-US" dirty="0" smtClean="0"/>
+              <a:t>Give a brief overview of the presentation.</a:t>
+            </a:r>
+            <a:r>
+              <a:rPr lang="en-US" baseline="0" dirty="0" smtClean="0"/>
+              <a:t> D</a:t>
+            </a:r>
+            <a:r>
+              <a:rPr lang="en-US" dirty="0" smtClean="0"/>
+              <a:t>escribe the major focus of the presentation and why it is important.</a:t>
+            </a:r>
+          </a:p>
+          <a:p>
+            <a:pPr>
+              <a:lnSpc>
+                <a:spcPct val="80000"/>
+              </a:lnSpc>
+            </a:pPr>
+            <a:r>
+              <a:rPr lang="en-US" dirty="0" smtClean="0"/>
+              <a:t>Introduce each of the major topics.</a:t>
+            </a:r>
+          </a:p>
+          <a:p>
+            <a:r>
+              <a:rPr lang="en-US" dirty="0" smtClean="0"/>
+              <a:t>To provide a road map for the audience, you</a:t>
+            </a:r>
+            <a:r>
+              <a:rPr lang="en-US" baseline="0" dirty="0" smtClean="0"/>
+              <a:t> can </a:t>
+            </a:r>
+            <a:r>
+              <a:rPr lang="en-US" dirty="0" smtClean="0"/>
+              <a:t>repeat this Overview slide throughout the presentation, highlighting the particular topic you will discuss next.</a:t>
+            </a:r>
+          </a:p>
+        </p:txBody>
+      </p:sp>
+      <p:sp>
+        <p:nvSpPr>
+          <p:cNvPr id="4" name="Slide Number Placeholder 3"/>
+          <p:cNvSpPr>
+            <a:spLocks noGrp="1"/>
+          </p:cNvSpPr>
+          <p:nvPr>
+            <p:ph type="sldNum" sz="quarter" idx="10"/>
+          </p:nvPr>
+        </p:nvSpPr>
+        <p:spPr/>
+        <p:txBody>
+          <a:bodyPr/>
+          <a:lstStyle/>
+          <a:p>
+            <a:fld id="{EC6EAC7D-5A89-47C2-8ABA-56C9C2DEF7A4}" type="slidenum">
+              <a:rPr lang="en-US" smtClean="0"/>
+              <a:pPr/>
+              <a:t>26</a:t>
+            </a:fld>
+            <a:endParaRPr lang="en-US"/>
+          </a:p>
+        </p:txBody>
+      </p:sp>
+    </p:spTree>
+  </p:cSld>
+  <p:clrMapOvr>
+    <a:masterClrMapping/>
+  </p:clrMapOvr>
+</p:notes>
+</file>
+
+<file path=ppt/notesSlides/notesSlide27.xml><?xml version="1.0" encoding="utf-8"?>
+<p:notes xmlns:a="http://schemas.openxmlformats.org/drawingml/2006/main" xmlns:r="http://schemas.openxmlformats.org/officeDocument/2006/relationships" xmlns:p="http://schemas.openxmlformats.org/presentationml/2006/main">
+  <p:cSld>
+    <p:spTree>
+      <p:nvGrpSpPr>
+        <p:cNvPr id="1" name=""/>
+        <p:cNvGrpSpPr/>
+        <p:nvPr/>
+      </p:nvGrpSpPr>
+      <p:grpSpPr>
+        <a:xfrm>
+          <a:off x="0" y="0"/>
+          <a:ext cx="0" cy="0"/>
+          <a:chOff x="0" y="0"/>
+          <a:chExt cx="0" cy="0"/>
+        </a:xfrm>
+      </p:grpSpPr>
+      <p:sp>
+        <p:nvSpPr>
+          <p:cNvPr id="2" name="Slide Image Placeholder 1"/>
+          <p:cNvSpPr>
+            <a:spLocks noGrp="1" noRot="1" noChangeAspect="1"/>
+          </p:cNvSpPr>
+          <p:nvPr>
+            <p:ph type="sldImg"/>
+          </p:nvPr>
+        </p:nvSpPr>
+        <p:spPr/>
+      </p:sp>
+      <p:sp>
+        <p:nvSpPr>
+          <p:cNvPr id="3" name="Notes Placeholder 2"/>
+          <p:cNvSpPr>
+            <a:spLocks noGrp="1"/>
+          </p:cNvSpPr>
+          <p:nvPr>
+            <p:ph type="body" idx="1"/>
+          </p:nvPr>
+        </p:nvSpPr>
+        <p:spPr/>
+        <p:txBody>
+          <a:bodyPr>
+            <a:normAutofit/>
+          </a:bodyPr>
+          <a:lstStyle/>
+          <a:p>
+            <a:pPr>
+              <a:lnSpc>
+                <a:spcPct val="80000"/>
+              </a:lnSpc>
+            </a:pPr>
+            <a:r>
+              <a:rPr lang="en-US" dirty="0" smtClean="0"/>
+              <a:t>Give a brief overview of the presentation.</a:t>
+            </a:r>
+            <a:r>
+              <a:rPr lang="en-US" baseline="0" dirty="0" smtClean="0"/>
+              <a:t> D</a:t>
+            </a:r>
+            <a:r>
+              <a:rPr lang="en-US" dirty="0" smtClean="0"/>
+              <a:t>escribe the major focus of the presentation and why it is important.</a:t>
+            </a:r>
+          </a:p>
+          <a:p>
+            <a:pPr>
+              <a:lnSpc>
+                <a:spcPct val="80000"/>
+              </a:lnSpc>
+            </a:pPr>
+            <a:r>
+              <a:rPr lang="en-US" dirty="0" smtClean="0"/>
+              <a:t>Introduce each of the major topics.</a:t>
+            </a:r>
+          </a:p>
+          <a:p>
+            <a:r>
+              <a:rPr lang="en-US" dirty="0" smtClean="0"/>
+              <a:t>To provide a road map for the audience, you</a:t>
+            </a:r>
+            <a:r>
+              <a:rPr lang="en-US" baseline="0" dirty="0" smtClean="0"/>
+              <a:t> can </a:t>
+            </a:r>
+            <a:r>
+              <a:rPr lang="en-US" dirty="0" smtClean="0"/>
+              <a:t>repeat this Overview slide throughout the presentation, highlighting the particular topic you will discuss next.</a:t>
+            </a:r>
+          </a:p>
+        </p:txBody>
+      </p:sp>
+      <p:sp>
+        <p:nvSpPr>
+          <p:cNvPr id="4" name="Slide Number Placeholder 3"/>
+          <p:cNvSpPr>
+            <a:spLocks noGrp="1"/>
+          </p:cNvSpPr>
+          <p:nvPr>
+            <p:ph type="sldNum" sz="quarter" idx="10"/>
+          </p:nvPr>
+        </p:nvSpPr>
+        <p:spPr/>
+        <p:txBody>
+          <a:bodyPr/>
+          <a:lstStyle/>
+          <a:p>
+            <a:fld id="{EC6EAC7D-5A89-47C2-8ABA-56C9C2DEF7A4}" type="slidenum">
+              <a:rPr lang="en-US" smtClean="0"/>
+              <a:pPr/>
+              <a:t>27</a:t>
+            </a:fld>
+            <a:endParaRPr lang="en-US"/>
+          </a:p>
+        </p:txBody>
+      </p:sp>
+    </p:spTree>
+  </p:cSld>
+  <p:clrMapOvr>
+    <a:masterClrMapping/>
+  </p:clrMapOvr>
+</p:notes>
+</file>
+
+<file path=ppt/notesSlides/notesSlide28.xml><?xml version="1.0" encoding="utf-8"?>
+<p:notes xmlns:a="http://schemas.openxmlformats.org/drawingml/2006/main" xmlns:r="http://schemas.openxmlformats.org/officeDocument/2006/relationships" xmlns:p="http://schemas.openxmlformats.org/presentationml/2006/main">
+  <p:cSld>
+    <p:spTree>
+      <p:nvGrpSpPr>
+        <p:cNvPr id="1" name=""/>
+        <p:cNvGrpSpPr/>
+        <p:nvPr/>
+      </p:nvGrpSpPr>
+      <p:grpSpPr>
+        <a:xfrm>
+          <a:off x="0" y="0"/>
+          <a:ext cx="0" cy="0"/>
+          <a:chOff x="0" y="0"/>
+          <a:chExt cx="0" cy="0"/>
+        </a:xfrm>
+      </p:grpSpPr>
+      <p:sp>
+        <p:nvSpPr>
           <p:cNvPr id="41986" name="Rectangle 23"/>
           <p:cNvSpPr>
             <a:spLocks noGrp="1" noChangeArrowheads="1"/>
@@ -3143,7 +3393,7 @@
             <a:fld id="{B2B44A5F-6CE4-493C-A0D7-6834FF76660C}" type="slidenum">
               <a:rPr lang="en-US" smtClean="0"/>
               <a:pPr/>
-              <a:t>26</a:t>
+              <a:t>28</a:t>
             </a:fld>
             <a:endParaRPr lang="en-US" dirty="0" smtClean="0"/>
           </a:p>
@@ -7915,8 +8165,12 @@
           <a:p>
             <a:pPr marL="514350" indent="-457200" fontAlgn="base"/>
             <a:r>
-              <a:rPr lang="cs-CZ" dirty="0" smtClean="0"/>
-              <a:t>příklad</a:t>
+              <a:rPr lang="cs-CZ" dirty="0"/>
+              <a:t>Příklad </a:t>
+            </a:r>
+            <a:r>
+              <a:rPr lang="cs-CZ" dirty="0" err="1" smtClean="0"/>
+              <a:t>TestStruct.cs</a:t>
             </a:r>
             <a:endParaRPr lang="en-US" dirty="0"/>
           </a:p>
@@ -8930,7 +9184,7 @@
         </p:spPr>
         <p:txBody>
           <a:bodyPr>
-            <a:normAutofit fontScale="77500" lnSpcReduction="20000"/>
+            <a:normAutofit fontScale="70000" lnSpcReduction="20000"/>
           </a:bodyPr>
           <a:lstStyle/>
           <a:p>
@@ -9047,7 +9301,7 @@
           <a:p>
             <a:pPr marL="514350" indent="-457200" fontAlgn="base"/>
             <a:r>
-              <a:rPr lang="cs-CZ" smtClean="0"/>
+              <a:rPr lang="cs-CZ" dirty="0" smtClean="0"/>
               <a:t>V runtime </a:t>
             </a:r>
             <a:r>
@@ -9218,6 +9472,18 @@
             <a:br>
               <a:rPr lang="en-US" b="1" dirty="0"/>
             </a:br>
+            <a:endParaRPr lang="cs-CZ" b="1" dirty="0" smtClean="0"/>
+          </a:p>
+          <a:p>
+            <a:pPr marL="514350" indent="-457200" fontAlgn="base"/>
+            <a:r>
+              <a:rPr lang="en-US" dirty="0" err="1"/>
+              <a:t>TestGeneric</a:t>
+            </a:r>
+            <a:endParaRPr lang="en-US" dirty="0"/>
+          </a:p>
+          <a:p>
+            <a:pPr marL="514350" indent="-457200" fontAlgn="base"/>
             <a:endParaRPr lang="cs-CZ" b="1" dirty="0" smtClean="0"/>
           </a:p>
           <a:p>
@@ -10920,6 +11186,47 @@
           </a:p>
         </p:txBody>
       </p:sp>
+      <p:pic>
+        <p:nvPicPr>
+          <p:cNvPr id="4098" name="Picture 2" descr="http://upload.wikimedia.org/wikipedia/commons/thumb/d/d3/DotNet.svg/250px-DotNet.svg.png"/>
+          <p:cNvPicPr>
+            <a:picLocks noChangeAspect="1" noChangeArrowheads="1"/>
+          </p:cNvPicPr>
+          <p:nvPr/>
+        </p:nvPicPr>
+        <p:blipFill>
+          <a:blip r:embed="rId6">
+            <a:extLst>
+              <a:ext uri="{28A0092B-C50C-407E-A947-70E740481C1C}">
+                <a14:useLocalDpi xmlns:a14="http://schemas.microsoft.com/office/drawing/2010/main" val="0"/>
+              </a:ext>
+            </a:extLst>
+          </a:blip>
+          <a:srcRect/>
+          <a:stretch>
+            <a:fillRect/>
+          </a:stretch>
+        </p:blipFill>
+        <p:spPr bwMode="auto">
+          <a:xfrm>
+            <a:off x="5034554" y="57150"/>
+            <a:ext cx="3934920" cy="4595986"/>
+          </a:xfrm>
+          <a:prstGeom prst="rect">
+            <a:avLst/>
+          </a:prstGeom>
+          <a:noFill/>
+          <a:extLst>
+            <a:ext uri="{909E8E84-426E-40DD-AFC4-6F175D3DCCD1}">
+              <a14:hiddenFill xmlns:a14="http://schemas.microsoft.com/office/drawing/2010/main">
+                <a:solidFill>
+                  <a:srgbClr val="FFFFFF"/>
+                </a:solidFill>
+              </a14:hiddenFill>
+            </a:ext>
+          </a:extLst>
+        </p:spPr>
+      </p:pic>
     </p:spTree>
     <p:custDataLst>
       <p:tags r:id="rId1"/>
@@ -10979,17 +11286,18 @@
           <a:lstStyle/>
           <a:p>
             <a:r>
-              <a:rPr lang="en-US" b="1" dirty="0" err="1" smtClean="0"/>
-              <a:t>linq</a:t>
-            </a:r>
-            <a:r>
-              <a:rPr lang="en-US" dirty="0" smtClean="0"/>
+              <a:rPr lang="cs-CZ" dirty="0" err="1" smtClean="0"/>
+              <a:t>Native</a:t>
+            </a:r>
+            <a:r>
+              <a:rPr lang="cs-CZ" dirty="0" smtClean="0"/>
               <a:t> </a:t>
             </a:r>
             <a:r>
-              <a:rPr lang="en-US" dirty="0"/>
-              <a:t>a Expression</a:t>
-            </a:r>
+              <a:rPr lang="cs-CZ" dirty="0" err="1" smtClean="0"/>
+              <a:t>features</a:t>
+            </a:r>
+            <a:endParaRPr lang="en-US" dirty="0"/>
           </a:p>
         </p:txBody>
       </p:sp>
@@ -11020,104 +11328,43 @@
           <a:p>
             <a:pPr marL="514350" indent="-457200" fontAlgn="base"/>
             <a:r>
-              <a:rPr lang="cs-CZ" dirty="0" smtClean="0"/>
-              <a:t>Pokud se </a:t>
-            </a:r>
-            <a:r>
               <a:rPr lang="cs-CZ" dirty="0" err="1" smtClean="0"/>
-              <a:t>pouzije</a:t>
-            </a:r>
-            <a:r>
-              <a:rPr lang="cs-CZ" dirty="0" smtClean="0"/>
-              <a:t> </a:t>
+              <a:t>unchecked</a:t>
+            </a:r>
+            <a:r>
+              <a:rPr lang="cs-CZ" dirty="0" smtClean="0"/>
+              <a:t> {}</a:t>
+            </a:r>
+          </a:p>
+          <a:p>
+            <a:pPr marL="514350" indent="-457200" fontAlgn="base"/>
+            <a:r>
+              <a:rPr lang="cs-CZ" dirty="0" smtClean="0"/>
+              <a:t>[</a:t>
             </a:r>
             <a:r>
               <a:rPr lang="cs-CZ" dirty="0" err="1" smtClean="0"/>
-              <a:t>System.Linq.Expresion</a:t>
-            </a:r>
-            <a:r>
-              <a:rPr lang="cs-CZ" dirty="0" smtClean="0"/>
-              <a:t>&lt;&gt;</a:t>
-            </a:r>
-          </a:p>
-          <a:p>
-            <a:pPr marL="514350" indent="-457200" fontAlgn="base"/>
-            <a:r>
-              <a:rPr lang="cs-CZ" dirty="0" smtClean="0"/>
-              <a:t>Nekompiluje se ale </a:t>
-            </a:r>
-            <a:r>
-              <a:rPr lang="en-US" dirty="0" err="1" smtClean="0"/>
-              <a:t>naparsuje</a:t>
-            </a:r>
-            <a:r>
-              <a:rPr lang="en-US" dirty="0" smtClean="0"/>
-              <a:t> </a:t>
-            </a:r>
-            <a:r>
-              <a:rPr lang="en-US" dirty="0"/>
-              <a:t>a </a:t>
-            </a:r>
-            <a:r>
-              <a:rPr lang="en-US" dirty="0" err="1"/>
-              <a:t>vytvoří</a:t>
-            </a:r>
-            <a:r>
-              <a:rPr lang="en-US" dirty="0"/>
-              <a:t> </a:t>
-            </a:r>
-            <a:r>
-              <a:rPr lang="en-US" dirty="0" err="1" smtClean="0"/>
-              <a:t>strom</a:t>
-            </a:r>
-            <a:r>
-              <a:rPr lang="cs-CZ" dirty="0"/>
-              <a:t> </a:t>
-            </a:r>
-            <a:r>
-              <a:rPr lang="en-US" dirty="0"/>
-              <a:t>(</a:t>
-            </a:r>
-            <a:r>
-              <a:rPr lang="en-US" i="1" dirty="0"/>
-              <a:t>expression tree</a:t>
-            </a:r>
-            <a:r>
-              <a:rPr lang="en-US" dirty="0" smtClean="0"/>
-              <a:t>)</a:t>
+              <a:t>extern</a:t>
+            </a:r>
+            <a:r>
+              <a:rPr lang="cs-CZ" dirty="0" smtClean="0"/>
+              <a:t>]</a:t>
+            </a:r>
+          </a:p>
+          <a:p>
+            <a:pPr marL="514350" indent="-457200" fontAlgn="base"/>
+            <a:r>
+              <a:rPr lang="cs-CZ" dirty="0" err="1" smtClean="0"/>
+              <a:t>Pointry</a:t>
             </a:r>
             <a:endParaRPr lang="cs-CZ" dirty="0" smtClean="0"/>
           </a:p>
           <a:p>
             <a:pPr marL="514350" indent="-457200" fontAlgn="base"/>
             <a:r>
-              <a:rPr lang="cs-CZ" dirty="0" smtClean="0"/>
-              <a:t>Používá se potom v </a:t>
-            </a:r>
-            <a:r>
-              <a:rPr lang="cs-CZ" dirty="0" err="1" smtClean="0"/>
-              <a:t>linq</a:t>
-            </a:r>
-            <a:r>
-              <a:rPr lang="cs-CZ" dirty="0" smtClean="0"/>
-              <a:t> providerech např. </a:t>
-            </a:r>
-            <a:r>
-              <a:rPr lang="cs-CZ" dirty="0" err="1" smtClean="0"/>
-              <a:t>Nhibernate</a:t>
-            </a:r>
-            <a:r>
-              <a:rPr lang="cs-CZ" dirty="0" smtClean="0"/>
-              <a:t> </a:t>
-            </a:r>
-            <a:r>
-              <a:rPr lang="cs-CZ" dirty="0" err="1" smtClean="0"/>
-              <a:t>linq</a:t>
-            </a:r>
-            <a:endParaRPr lang="en-US" dirty="0"/>
-          </a:p>
-          <a:p>
-            <a:pPr marL="514350" indent="-457200" fontAlgn="base"/>
+              <a:rPr lang="cs-CZ" smtClean="0"/>
+              <a:t>Příklad TestPtr.cs</a:t>
+            </a:r>
             <a:endParaRPr lang="cs-CZ" dirty="0"/>
           </a:p>
           <a:p>
@@ -11197,6 +11444,261 @@
 </file>
 
 <file path=ppt/slides/slide21.xml><?xml version="1.0" encoding="utf-8"?>
+<p:sld xmlns:a="http://schemas.openxmlformats.org/drawingml/2006/main" xmlns:r="http://schemas.openxmlformats.org/officeDocument/2006/relationships" xmlns:p="http://schemas.openxmlformats.org/presentationml/2006/main">
+  <p:cSld>
+    <p:spTree>
+      <p:nvGrpSpPr>
+        <p:cNvPr id="1" name=""/>
+        <p:cNvGrpSpPr/>
+        <p:nvPr/>
+      </p:nvGrpSpPr>
+      <p:grpSpPr>
+        <a:xfrm>
+          <a:off x="0" y="0"/>
+          <a:ext cx="0" cy="0"/>
+          <a:chOff x="0" y="0"/>
+          <a:chExt cx="0" cy="0"/>
+        </a:xfrm>
+      </p:grpSpPr>
+      <p:sp>
+        <p:nvSpPr>
+          <p:cNvPr id="2" name="Title 1"/>
+          <p:cNvSpPr>
+            <a:spLocks noGrp="1"/>
+          </p:cNvSpPr>
+          <p:nvPr>
+            <p:ph type="title"/>
+            <p:custDataLst>
+              <p:tags r:id="rId2"/>
+            </p:custDataLst>
+          </p:nvPr>
+        </p:nvSpPr>
+        <p:spPr/>
+        <p:txBody>
+          <a:bodyPr>
+            <a:normAutofit/>
+          </a:bodyPr>
+          <a:lstStyle/>
+          <a:p>
+            <a:r>
+              <a:rPr lang="en-US" b="1" dirty="0" err="1" smtClean="0"/>
+              <a:t>linq</a:t>
+            </a:r>
+            <a:r>
+              <a:rPr lang="en-US" dirty="0" smtClean="0"/>
+              <a:t> </a:t>
+            </a:r>
+            <a:r>
+              <a:rPr lang="en-US" dirty="0"/>
+              <a:t>a Expression</a:t>
+            </a:r>
+          </a:p>
+        </p:txBody>
+      </p:sp>
+      <p:sp>
+        <p:nvSpPr>
+          <p:cNvPr id="5" name="Content Placeholder 4"/>
+          <p:cNvSpPr>
+            <a:spLocks noGrp="1"/>
+          </p:cNvSpPr>
+          <p:nvPr>
+            <p:ph idx="1"/>
+            <p:custDataLst>
+              <p:tags r:id="rId3"/>
+            </p:custDataLst>
+          </p:nvPr>
+        </p:nvSpPr>
+        <p:spPr>
+          <a:xfrm>
+            <a:off x="683568" y="1596413"/>
+            <a:ext cx="8352928" cy="4297363"/>
+          </a:xfrm>
+        </p:spPr>
+        <p:txBody>
+          <a:bodyPr>
+            <a:normAutofit/>
+          </a:bodyPr>
+          <a:lstStyle/>
+          <a:p>
+            <a:pPr marL="514350" indent="-457200" fontAlgn="base"/>
+            <a:r>
+              <a:rPr lang="cs-CZ" dirty="0" smtClean="0"/>
+              <a:t>Pokud se </a:t>
+            </a:r>
+            <a:r>
+              <a:rPr lang="cs-CZ" dirty="0" err="1" smtClean="0"/>
+              <a:t>pouzije</a:t>
+            </a:r>
+            <a:r>
+              <a:rPr lang="cs-CZ" dirty="0" smtClean="0"/>
+              <a:t> </a:t>
+            </a:r>
+            <a:r>
+              <a:rPr lang="cs-CZ" dirty="0" err="1" smtClean="0"/>
+              <a:t>System.Linq.Expresion</a:t>
+            </a:r>
+            <a:r>
+              <a:rPr lang="cs-CZ" dirty="0" smtClean="0"/>
+              <a:t>&lt;&gt;</a:t>
+            </a:r>
+          </a:p>
+          <a:p>
+            <a:pPr marL="514350" indent="-457200" fontAlgn="base"/>
+            <a:r>
+              <a:rPr lang="cs-CZ" dirty="0" smtClean="0"/>
+              <a:t>Nekompiluje se ale </a:t>
+            </a:r>
+            <a:r>
+              <a:rPr lang="en-US" dirty="0" err="1" smtClean="0"/>
+              <a:t>naparsuje</a:t>
+            </a:r>
+            <a:r>
+              <a:rPr lang="en-US" dirty="0" smtClean="0"/>
+              <a:t> </a:t>
+            </a:r>
+            <a:r>
+              <a:rPr lang="en-US" dirty="0"/>
+              <a:t>a </a:t>
+            </a:r>
+            <a:r>
+              <a:rPr lang="en-US" dirty="0" err="1"/>
+              <a:t>vytvoří</a:t>
+            </a:r>
+            <a:r>
+              <a:rPr lang="en-US" dirty="0"/>
+              <a:t> </a:t>
+            </a:r>
+            <a:r>
+              <a:rPr lang="en-US" dirty="0" err="1" smtClean="0"/>
+              <a:t>strom</a:t>
+            </a:r>
+            <a:r>
+              <a:rPr lang="cs-CZ" dirty="0"/>
+              <a:t> </a:t>
+            </a:r>
+            <a:r>
+              <a:rPr lang="en-US" dirty="0"/>
+              <a:t>(</a:t>
+            </a:r>
+            <a:r>
+              <a:rPr lang="en-US" i="1" dirty="0"/>
+              <a:t>expression tree</a:t>
+            </a:r>
+            <a:r>
+              <a:rPr lang="en-US" dirty="0" smtClean="0"/>
+              <a:t>)</a:t>
+            </a:r>
+            <a:endParaRPr lang="cs-CZ" dirty="0" smtClean="0"/>
+          </a:p>
+          <a:p>
+            <a:pPr marL="514350" indent="-457200" fontAlgn="base"/>
+            <a:r>
+              <a:rPr lang="cs-CZ" dirty="0" smtClean="0"/>
+              <a:t>Používá se potom v </a:t>
+            </a:r>
+            <a:r>
+              <a:rPr lang="cs-CZ" dirty="0" err="1" smtClean="0"/>
+              <a:t>linq</a:t>
+            </a:r>
+            <a:r>
+              <a:rPr lang="cs-CZ" dirty="0" smtClean="0"/>
+              <a:t> providerech např. </a:t>
+            </a:r>
+            <a:r>
+              <a:rPr lang="cs-CZ" dirty="0" err="1" smtClean="0"/>
+              <a:t>Nhibernate</a:t>
+            </a:r>
+            <a:r>
+              <a:rPr lang="cs-CZ" dirty="0" smtClean="0"/>
+              <a:t> </a:t>
+            </a:r>
+            <a:r>
+              <a:rPr lang="cs-CZ" dirty="0" err="1" smtClean="0"/>
+              <a:t>linq</a:t>
+            </a:r>
+            <a:endParaRPr lang="en-US" dirty="0"/>
+          </a:p>
+          <a:p>
+            <a:pPr marL="514350" indent="-457200" fontAlgn="base"/>
+            <a:endParaRPr lang="cs-CZ" dirty="0"/>
+          </a:p>
+          <a:p>
+            <a:pPr marL="514350" indent="-457200" fontAlgn="base"/>
+            <a:endParaRPr lang="en-US" dirty="0"/>
+          </a:p>
+          <a:p>
+            <a:pPr marL="57150" indent="0" fontAlgn="base">
+              <a:buNone/>
+            </a:pPr>
+            <a:endParaRPr lang="cs-CZ" dirty="0" smtClean="0"/>
+          </a:p>
+          <a:p>
+            <a:pPr marL="514350" indent="-457200" fontAlgn="base"/>
+            <a:endParaRPr lang="en-US" dirty="0"/>
+          </a:p>
+          <a:p>
+            <a:pPr marL="514350" indent="-457200" fontAlgn="base"/>
+            <a:endParaRPr lang="pl-PL" b="1" dirty="0"/>
+          </a:p>
+          <a:p>
+            <a:pPr marL="514350" indent="-457200" fontAlgn="base"/>
+            <a:endParaRPr lang="en-US" b="1" dirty="0"/>
+          </a:p>
+          <a:p>
+            <a:pPr marL="514350" indent="-457200" fontAlgn="base"/>
+            <a:endParaRPr lang="en-US" b="1" dirty="0"/>
+          </a:p>
+          <a:p>
+            <a:pPr marL="514350" indent="-457200" fontAlgn="base"/>
+            <a:endParaRPr lang="en-US" b="1" dirty="0"/>
+          </a:p>
+          <a:p>
+            <a:pPr lvl="1" fontAlgn="base"/>
+            <a:endParaRPr lang="en-US" b="1" dirty="0"/>
+          </a:p>
+          <a:p>
+            <a:pPr marL="0" indent="0" fontAlgn="base">
+              <a:buNone/>
+            </a:pPr>
+            <a:endParaRPr lang="cs-CZ" dirty="0" smtClean="0"/>
+          </a:p>
+          <a:p>
+            <a:pPr fontAlgn="base"/>
+            <a:endParaRPr lang="cs-CZ" b="1" dirty="0" smtClean="0"/>
+          </a:p>
+          <a:p>
+            <a:pPr fontAlgn="base"/>
+            <a:endParaRPr lang="en-US" b="1" dirty="0"/>
+          </a:p>
+        </p:txBody>
+      </p:sp>
+    </p:spTree>
+    <p:custDataLst>
+      <p:tags r:id="rId1"/>
+    </p:custDataLst>
+    <p:extLst>
+      <p:ext uri="{BB962C8B-B14F-4D97-AF65-F5344CB8AC3E}">
+        <p14:creationId xmlns:p14="http://schemas.microsoft.com/office/powerpoint/2010/main" val="3839512774"/>
+      </p:ext>
+    </p:extLst>
+  </p:cSld>
+  <p:clrMapOvr>
+    <a:masterClrMapping/>
+  </p:clrMapOvr>
+  <p:transition spd="slow">
+    <p:wipe dir="d"/>
+  </p:transition>
+  <p:timing>
+    <p:tnLst>
+      <p:par>
+        <p:cTn id="1" dur="indefinite" restart="never" nodeType="tmRoot"/>
+      </p:par>
+    </p:tnLst>
+  </p:timing>
+</p:sld>
+</file>
+
+<file path=ppt/slides/slide22.xml><?xml version="1.0" encoding="utf-8"?>
 <p:sld xmlns:a="http://schemas.openxmlformats.org/drawingml/2006/main" xmlns:r="http://schemas.openxmlformats.org/officeDocument/2006/relationships" xmlns:p="http://schemas.openxmlformats.org/presentationml/2006/main">
   <p:cSld>
     <p:spTree>
@@ -11383,256 +11885,6 @@
 </p:sld>
 </file>
 
-<file path=ppt/slides/slide22.xml><?xml version="1.0" encoding="utf-8"?>
-<p:sld xmlns:a="http://schemas.openxmlformats.org/drawingml/2006/main" xmlns:r="http://schemas.openxmlformats.org/officeDocument/2006/relationships" xmlns:p="http://schemas.openxmlformats.org/presentationml/2006/main">
-  <p:cSld>
-    <p:spTree>
-      <p:nvGrpSpPr>
-        <p:cNvPr id="1" name=""/>
-        <p:cNvGrpSpPr/>
-        <p:nvPr/>
-      </p:nvGrpSpPr>
-      <p:grpSpPr>
-        <a:xfrm>
-          <a:off x="0" y="0"/>
-          <a:ext cx="0" cy="0"/>
-          <a:chOff x="0" y="0"/>
-          <a:chExt cx="0" cy="0"/>
-        </a:xfrm>
-      </p:grpSpPr>
-      <p:sp>
-        <p:nvSpPr>
-          <p:cNvPr id="2" name="Title 1"/>
-          <p:cNvSpPr>
-            <a:spLocks noGrp="1"/>
-          </p:cNvSpPr>
-          <p:nvPr>
-            <p:ph type="title"/>
-            <p:custDataLst>
-              <p:tags r:id="rId2"/>
-            </p:custDataLst>
-          </p:nvPr>
-        </p:nvSpPr>
-        <p:spPr/>
-        <p:txBody>
-          <a:bodyPr/>
-          <a:lstStyle/>
-          <a:p>
-            <a:r>
-              <a:rPr lang="cs-CZ" dirty="0" smtClean="0"/>
-              <a:t>Konvence</a:t>
-            </a:r>
-            <a:endParaRPr lang="en-US" dirty="0"/>
-          </a:p>
-        </p:txBody>
-      </p:sp>
-      <p:sp>
-        <p:nvSpPr>
-          <p:cNvPr id="5" name="Content Placeholder 4"/>
-          <p:cNvSpPr>
-            <a:spLocks noGrp="1"/>
-          </p:cNvSpPr>
-          <p:nvPr>
-            <p:ph idx="1"/>
-            <p:custDataLst>
-              <p:tags r:id="rId3"/>
-            </p:custDataLst>
-          </p:nvPr>
-        </p:nvSpPr>
-        <p:spPr/>
-        <p:txBody>
-          <a:bodyPr>
-            <a:normAutofit/>
-          </a:bodyPr>
-          <a:lstStyle/>
-          <a:p>
-            <a:pPr fontAlgn="base"/>
-            <a:r>
-              <a:rPr lang="pt-BR" dirty="0"/>
-              <a:t>konvence </a:t>
-            </a:r>
-            <a:r>
-              <a:rPr lang="pt-BR" b="1" dirty="0"/>
-              <a:t>interface</a:t>
-            </a:r>
-            <a:r>
-              <a:rPr lang="pt-BR" dirty="0"/>
-              <a:t> začíná </a:t>
-            </a:r>
-            <a:r>
-              <a:rPr lang="pt-BR" b="1" dirty="0"/>
-              <a:t>I</a:t>
-            </a:r>
-            <a:r>
-              <a:rPr lang="pt-BR" dirty="0"/>
-              <a:t> viz </a:t>
-            </a:r>
-            <a:r>
-              <a:rPr lang="pt-BR" b="1" dirty="0"/>
-              <a:t>IList</a:t>
-            </a:r>
-            <a:r>
-              <a:rPr lang="pt-BR" dirty="0"/>
-              <a:t> a implementace </a:t>
-            </a:r>
-            <a:r>
-              <a:rPr lang="pt-BR" dirty="0" smtClean="0"/>
-              <a:t>List</a:t>
-            </a:r>
-            <a:endParaRPr lang="cs-CZ" dirty="0" smtClean="0"/>
-          </a:p>
-          <a:p>
-            <a:pPr fontAlgn="base"/>
-            <a:r>
-              <a:rPr lang="en-US" dirty="0" err="1"/>
-              <a:t>nazvy</a:t>
-            </a:r>
-            <a:r>
-              <a:rPr lang="en-US" dirty="0"/>
-              <a:t> </a:t>
-            </a:r>
-            <a:r>
-              <a:rPr lang="en-US" dirty="0" err="1"/>
-              <a:t>metod</a:t>
-            </a:r>
-            <a:r>
-              <a:rPr lang="en-US" dirty="0"/>
-              <a:t> </a:t>
-            </a:r>
-            <a:r>
-              <a:rPr lang="cs-CZ" dirty="0" smtClean="0"/>
-              <a:t>z </a:t>
-            </a:r>
-            <a:r>
-              <a:rPr lang="en-US" dirty="0" err="1" smtClean="0"/>
-              <a:t>pascal</a:t>
-            </a:r>
-            <a:r>
-              <a:rPr lang="cs-CZ" dirty="0" smtClean="0"/>
-              <a:t> konvence</a:t>
-            </a:r>
-            <a:r>
-              <a:rPr lang="en-US" dirty="0" smtClean="0"/>
-              <a:t> </a:t>
-            </a:r>
-            <a:r>
-              <a:rPr lang="en-US" dirty="0"/>
-              <a:t>(</a:t>
-            </a:r>
-            <a:r>
-              <a:rPr lang="en-US" dirty="0" err="1"/>
-              <a:t>hlavni</a:t>
-            </a:r>
-            <a:r>
-              <a:rPr lang="en-US" dirty="0"/>
-              <a:t> designer c# :-)) </a:t>
-            </a:r>
-            <a:r>
-              <a:rPr lang="en-US" dirty="0" err="1"/>
-              <a:t>první</a:t>
-            </a:r>
-            <a:r>
-              <a:rPr lang="en-US" dirty="0"/>
-              <a:t> </a:t>
-            </a:r>
-            <a:r>
-              <a:rPr lang="en-US" dirty="0" err="1"/>
-              <a:t>Velke</a:t>
-            </a:r>
-            <a:r>
-              <a:rPr lang="en-US" dirty="0"/>
-              <a:t> </a:t>
-            </a:r>
-            <a:r>
-              <a:rPr lang="en-US" dirty="0" err="1" smtClean="0"/>
-              <a:t>pismeno</a:t>
-            </a:r>
-            <a:r>
-              <a:rPr lang="cs-CZ" dirty="0" smtClean="0"/>
-              <a:t> </a:t>
-            </a:r>
-            <a:r>
-              <a:rPr lang="cs-CZ" dirty="0"/>
-              <a:t>viz </a:t>
-            </a:r>
-            <a:r>
-              <a:rPr lang="en-US" b="1" dirty="0" err="1"/>
-              <a:t>ToString</a:t>
-            </a:r>
-            <a:r>
-              <a:rPr lang="cs-CZ" b="1" dirty="0" smtClean="0"/>
-              <a:t>() </a:t>
-            </a:r>
-            <a:r>
-              <a:rPr lang="en-US" dirty="0" err="1" smtClean="0"/>
-              <a:t>jinak</a:t>
-            </a:r>
-            <a:r>
-              <a:rPr lang="en-US" dirty="0" smtClean="0"/>
-              <a:t> </a:t>
-            </a:r>
-            <a:r>
-              <a:rPr lang="en-US" dirty="0" err="1"/>
-              <a:t>stejny</a:t>
-            </a:r>
-            <a:r>
-              <a:rPr lang="en-US" dirty="0"/>
-              <a:t> </a:t>
-            </a:r>
-            <a:r>
-              <a:rPr lang="en-US" dirty="0" err="1"/>
-              <a:t>jako</a:t>
-            </a:r>
-            <a:r>
-              <a:rPr lang="en-US" dirty="0"/>
-              <a:t> u </a:t>
-            </a:r>
-            <a:r>
-              <a:rPr lang="en-US" dirty="0" err="1" smtClean="0"/>
-              <a:t>javy</a:t>
-            </a:r>
-            <a:endParaRPr lang="cs-CZ" dirty="0" smtClean="0"/>
-          </a:p>
-          <a:p>
-            <a:pPr fontAlgn="base"/>
-            <a:endParaRPr lang="en-US" dirty="0"/>
-          </a:p>
-          <a:p>
-            <a:pPr fontAlgn="base"/>
-            <a:endParaRPr lang="pt-BR" dirty="0"/>
-          </a:p>
-          <a:p>
-            <a:pPr fontAlgn="base"/>
-            <a:endParaRPr lang="en-US" dirty="0"/>
-          </a:p>
-        </p:txBody>
-      </p:sp>
-    </p:spTree>
-    <p:custDataLst>
-      <p:tags r:id="rId1"/>
-    </p:custDataLst>
-    <p:extLst>
-      <p:ext uri="{BB962C8B-B14F-4D97-AF65-F5344CB8AC3E}">
-        <p14:creationId xmlns:p14="http://schemas.microsoft.com/office/powerpoint/2010/main" val="4047036011"/>
-      </p:ext>
-    </p:extLst>
-  </p:cSld>
-  <p:clrMapOvr>
-    <a:masterClrMapping/>
-  </p:clrMapOvr>
-  <p:transition spd="slow">
-    <p:wipe dir="d"/>
-  </p:transition>
-  <p:timing>
-    <p:tnLst>
-      <p:par>
-        <p:cTn id="1" dur="indefinite" restart="never" nodeType="tmRoot"/>
-      </p:par>
-    </p:tnLst>
-  </p:timing>
-</p:sld>
-</file>
-
 <file path=ppt/slides/slide23.xml><?xml version="1.0" encoding="utf-8"?>
 <p:sld xmlns:a="http://schemas.openxmlformats.org/drawingml/2006/main" xmlns:r="http://schemas.openxmlformats.org/officeDocument/2006/relationships" xmlns:p="http://schemas.openxmlformats.org/presentationml/2006/main">
   <p:cSld>
@@ -11665,420 +11917,186 @@
         </p:nvSpPr>
         <p:spPr/>
         <p:txBody>
+          <a:bodyPr/>
+          <a:lstStyle/>
+          <a:p>
+            <a:r>
+              <a:rPr lang="cs-CZ" dirty="0" smtClean="0"/>
+              <a:t>Konvence</a:t>
+            </a:r>
+            <a:endParaRPr lang="en-US" dirty="0"/>
+          </a:p>
+        </p:txBody>
+      </p:sp>
+      <p:sp>
+        <p:nvSpPr>
+          <p:cNvPr id="5" name="Content Placeholder 4"/>
+          <p:cNvSpPr>
+            <a:spLocks noGrp="1"/>
+          </p:cNvSpPr>
+          <p:nvPr>
+            <p:ph idx="1"/>
+            <p:custDataLst>
+              <p:tags r:id="rId3"/>
+            </p:custDataLst>
+          </p:nvPr>
+        </p:nvSpPr>
+        <p:spPr/>
+        <p:txBody>
           <a:bodyPr>
             <a:normAutofit/>
           </a:bodyPr>
           <a:lstStyle/>
           <a:p>
-            <a:r>
-              <a:rPr lang="cs-CZ" dirty="0" err="1" smtClean="0"/>
-              <a:t>Object</a:t>
-            </a:r>
-            <a:r>
-              <a:rPr lang="cs-CZ" dirty="0" smtClean="0"/>
-              <a:t> a </a:t>
+            <a:pPr fontAlgn="base"/>
+            <a:r>
+              <a:rPr lang="pt-BR" dirty="0"/>
+              <a:t>konvence </a:t>
+            </a:r>
+            <a:r>
+              <a:rPr lang="pt-BR" b="1" dirty="0"/>
+              <a:t>interface</a:t>
+            </a:r>
+            <a:r>
+              <a:rPr lang="pt-BR" dirty="0"/>
+              <a:t> začíná </a:t>
+            </a:r>
+            <a:r>
+              <a:rPr lang="pt-BR" b="1" dirty="0"/>
+              <a:t>I</a:t>
+            </a:r>
+            <a:r>
+              <a:rPr lang="pt-BR" dirty="0"/>
+              <a:t> viz </a:t>
+            </a:r>
+            <a:r>
+              <a:rPr lang="pt-BR" b="1" dirty="0"/>
+              <a:t>IList</a:t>
+            </a:r>
+            <a:r>
+              <a:rPr lang="pt-BR" dirty="0"/>
+              <a:t> a implementace </a:t>
+            </a:r>
+            <a:r>
+              <a:rPr lang="pt-BR" dirty="0" smtClean="0"/>
+              <a:t>List</a:t>
+            </a:r>
+            <a:endParaRPr lang="cs-CZ" dirty="0" smtClean="0"/>
+          </a:p>
+          <a:p>
+            <a:pPr fontAlgn="base"/>
+            <a:r>
+              <a:rPr lang="en-US" dirty="0" err="1"/>
+              <a:t>nazvy</a:t>
+            </a:r>
+            <a:r>
+              <a:rPr lang="en-US" dirty="0"/>
+              <a:t> </a:t>
+            </a:r>
+            <a:r>
+              <a:rPr lang="en-US" dirty="0" err="1"/>
+              <a:t>metod</a:t>
+            </a:r>
+            <a:r>
+              <a:rPr lang="en-US" dirty="0"/>
+              <a:t> </a:t>
+            </a:r>
+            <a:r>
+              <a:rPr lang="cs-CZ" dirty="0" smtClean="0"/>
+              <a:t>z </a:t>
             </a:r>
             <a:r>
               <a:rPr lang="en-US" dirty="0" err="1" smtClean="0"/>
-              <a:t>ValueType</a:t>
-            </a:r>
-            <a:endParaRPr lang="en-US" dirty="0"/>
-          </a:p>
-        </p:txBody>
-      </p:sp>
-      <p:sp>
-        <p:nvSpPr>
-          <p:cNvPr id="5" name="Content Placeholder 4"/>
-          <p:cNvSpPr>
-            <a:spLocks noGrp="1"/>
-          </p:cNvSpPr>
-          <p:nvPr>
-            <p:ph idx="1"/>
-            <p:custDataLst>
-              <p:tags r:id="rId3"/>
-            </p:custDataLst>
-          </p:nvPr>
-        </p:nvSpPr>
-        <p:spPr/>
-        <p:txBody>
-          <a:bodyPr>
-            <a:normAutofit fontScale="85000" lnSpcReduction="20000"/>
-          </a:bodyPr>
-          <a:lstStyle/>
+              <a:t>pascal</a:t>
+            </a:r>
+            <a:r>
+              <a:rPr lang="cs-CZ" dirty="0" smtClean="0"/>
+              <a:t> konvence</a:t>
+            </a:r>
+            <a:r>
+              <a:rPr lang="en-US" dirty="0" smtClean="0"/>
+              <a:t> </a:t>
+            </a:r>
+            <a:r>
+              <a:rPr lang="en-US" dirty="0"/>
+              <a:t>(</a:t>
+            </a:r>
+            <a:r>
+              <a:rPr lang="en-US" dirty="0" err="1"/>
+              <a:t>hlavni</a:t>
+            </a:r>
+            <a:r>
+              <a:rPr lang="en-US" dirty="0"/>
+              <a:t> designer c# :-)) </a:t>
+            </a:r>
+            <a:r>
+              <a:rPr lang="en-US" dirty="0" err="1"/>
+              <a:t>první</a:t>
+            </a:r>
+            <a:r>
+              <a:rPr lang="en-US" dirty="0"/>
+              <a:t> </a:t>
+            </a:r>
+            <a:r>
+              <a:rPr lang="en-US" dirty="0" err="1"/>
+              <a:t>Velke</a:t>
+            </a:r>
+            <a:r>
+              <a:rPr lang="en-US" dirty="0"/>
+              <a:t> </a:t>
+            </a:r>
+            <a:r>
+              <a:rPr lang="en-US" dirty="0" err="1" smtClean="0"/>
+              <a:t>pismeno</a:t>
+            </a:r>
+            <a:r>
+              <a:rPr lang="cs-CZ" dirty="0" smtClean="0"/>
+              <a:t> </a:t>
+            </a:r>
+            <a:r>
+              <a:rPr lang="cs-CZ" dirty="0"/>
+              <a:t>viz </a:t>
+            </a:r>
+            <a:r>
+              <a:rPr lang="en-US" b="1" dirty="0" err="1"/>
+              <a:t>ToString</a:t>
+            </a:r>
+            <a:r>
+              <a:rPr lang="cs-CZ" b="1" dirty="0" smtClean="0"/>
+              <a:t>() </a:t>
+            </a:r>
+            <a:r>
+              <a:rPr lang="en-US" dirty="0" err="1" smtClean="0"/>
+              <a:t>jinak</a:t>
+            </a:r>
+            <a:r>
+              <a:rPr lang="en-US" dirty="0" smtClean="0"/>
+              <a:t> </a:t>
+            </a:r>
+            <a:r>
+              <a:rPr lang="en-US" dirty="0" err="1"/>
+              <a:t>stejny</a:t>
+            </a:r>
+            <a:r>
+              <a:rPr lang="en-US" dirty="0"/>
+              <a:t> </a:t>
+            </a:r>
+            <a:r>
+              <a:rPr lang="en-US" dirty="0" err="1"/>
+              <a:t>jako</a:t>
+            </a:r>
+            <a:r>
+              <a:rPr lang="en-US" dirty="0"/>
+              <a:t> u </a:t>
+            </a:r>
+            <a:r>
+              <a:rPr lang="en-US" dirty="0" err="1" smtClean="0"/>
+              <a:t>javy</a:t>
+            </a:r>
+            <a:endParaRPr lang="cs-CZ" dirty="0" smtClean="0"/>
+          </a:p>
           <a:p>
             <a:pPr fontAlgn="base"/>
-            <a:r>
-              <a:rPr lang="cs-CZ" dirty="0" err="1" smtClean="0"/>
-              <a:t>Class</a:t>
-            </a:r>
-            <a:r>
-              <a:rPr lang="cs-CZ" dirty="0" smtClean="0"/>
-              <a:t> dědí po </a:t>
-            </a:r>
-            <a:r>
-              <a:rPr lang="cs-CZ" dirty="0" err="1" smtClean="0"/>
-              <a:t>Object</a:t>
-            </a:r>
-            <a:endParaRPr lang="cs-CZ" dirty="0"/>
-          </a:p>
-          <a:p>
-            <a:pPr fontAlgn="base"/>
-            <a:r>
-              <a:rPr lang="cs-CZ" dirty="0" err="1" smtClean="0"/>
-              <a:t>Struct</a:t>
-            </a:r>
-            <a:r>
-              <a:rPr lang="cs-CZ" dirty="0" smtClean="0"/>
-              <a:t> dědí po </a:t>
-            </a:r>
-            <a:r>
-              <a:rPr lang="en-US" dirty="0" err="1" smtClean="0"/>
-              <a:t>ValueType</a:t>
-            </a:r>
-            <a:r>
-              <a:rPr lang="cs-CZ" dirty="0" smtClean="0"/>
-              <a:t> (neexistuje metoda </a:t>
-            </a:r>
-            <a:r>
-              <a:rPr lang="en-US" dirty="0" err="1" smtClean="0"/>
-              <a:t>GetType</a:t>
-            </a:r>
-            <a:r>
-              <a:rPr lang="cs-CZ" dirty="0" smtClean="0"/>
-              <a:t>(), destruktor a static metody </a:t>
-            </a:r>
-            <a:r>
-              <a:rPr lang="en-US" dirty="0" smtClean="0"/>
-              <a:t>Equals</a:t>
-            </a:r>
-            <a:endParaRPr lang="en-US" dirty="0"/>
-          </a:p>
-          <a:p>
-            <a:pPr fontAlgn="base"/>
-            <a:r>
-              <a:rPr lang="cs-CZ" dirty="0" smtClean="0"/>
-              <a:t>)</a:t>
-            </a:r>
-          </a:p>
-          <a:p>
-            <a:pPr fontAlgn="base"/>
-            <a:r>
-              <a:rPr lang="cs-CZ" b="1" dirty="0" err="1"/>
-              <a:t>string</a:t>
-            </a:r>
-            <a:r>
-              <a:rPr lang="cs-CZ" dirty="0"/>
-              <a:t> je alias k </a:t>
-            </a:r>
-            <a:r>
-              <a:rPr lang="cs-CZ" b="1" dirty="0" err="1"/>
-              <a:t>System.String</a:t>
-            </a:r>
-            <a:r>
-              <a:rPr lang="cs-CZ" b="1" dirty="0"/>
-              <a:t> </a:t>
-            </a:r>
-            <a:r>
-              <a:rPr lang="cs-CZ" dirty="0"/>
-              <a:t>je vždy </a:t>
-            </a:r>
-            <a:r>
-              <a:rPr lang="cs-CZ" dirty="0" err="1"/>
-              <a:t>immutable</a:t>
-            </a:r>
-            <a:r>
-              <a:rPr lang="cs-CZ" dirty="0"/>
-              <a:t> tzn. </a:t>
-            </a:r>
-            <a:r>
-              <a:rPr lang="cs-CZ" dirty="0" err="1"/>
-              <a:t>muze</a:t>
-            </a:r>
-            <a:r>
-              <a:rPr lang="cs-CZ" dirty="0"/>
-              <a:t> se </a:t>
-            </a:r>
-            <a:r>
-              <a:rPr lang="cs-CZ" dirty="0" err="1"/>
-              <a:t>pouzivat</a:t>
-            </a:r>
-            <a:r>
-              <a:rPr lang="cs-CZ" dirty="0"/>
-              <a:t> </a:t>
-            </a:r>
-            <a:r>
-              <a:rPr lang="cs-CZ" dirty="0" smtClean="0"/>
-              <a:t>==</a:t>
-            </a:r>
-          </a:p>
-          <a:p>
-            <a:pPr fontAlgn="base"/>
-            <a:r>
-              <a:rPr lang="cs-CZ" b="1" dirty="0" smtClean="0"/>
-              <a:t>@ </a:t>
-            </a:r>
-            <a:r>
-              <a:rPr lang="cs-CZ" dirty="0" err="1" smtClean="0"/>
-              <a:t>verbatim</a:t>
-            </a:r>
-            <a:r>
-              <a:rPr lang="cs-CZ" dirty="0" smtClean="0"/>
-              <a:t> </a:t>
-            </a:r>
-            <a:r>
-              <a:rPr lang="cs-CZ" dirty="0" err="1" smtClean="0"/>
-              <a:t>string</a:t>
-            </a:r>
-            <a:endParaRPr lang="cs-CZ" dirty="0"/>
-          </a:p>
-          <a:p>
-            <a:pPr fontAlgn="base"/>
-            <a:r>
-              <a:rPr lang="cs-CZ" b="1" dirty="0" err="1"/>
-              <a:t>ToString</a:t>
-            </a:r>
-            <a:r>
-              <a:rPr lang="cs-CZ" dirty="0"/>
-              <a:t>() </a:t>
-            </a:r>
-            <a:r>
-              <a:rPr lang="cs-CZ" b="1" dirty="0" smtClean="0">
-                <a:solidFill>
-                  <a:srgbClr val="FF0000"/>
-                </a:solidFill>
-              </a:rPr>
-              <a:t>pozor double </a:t>
-            </a:r>
-            <a:r>
-              <a:rPr lang="cs-CZ" b="1" dirty="0" err="1" smtClean="0">
-                <a:solidFill>
-                  <a:srgbClr val="FF0000"/>
-                </a:solidFill>
-              </a:rPr>
-              <a:t>apod</a:t>
-            </a:r>
-            <a:r>
-              <a:rPr lang="cs-CZ" b="1" dirty="0" smtClean="0">
-                <a:solidFill>
-                  <a:srgbClr val="FF0000"/>
-                </a:solidFill>
-              </a:rPr>
-              <a:t> </a:t>
-            </a:r>
-            <a:r>
-              <a:rPr lang="en-US" b="1" dirty="0" err="1" smtClean="0">
-                <a:solidFill>
-                  <a:srgbClr val="FF0000"/>
-                </a:solidFill>
-              </a:rPr>
-              <a:t>závislý</a:t>
-            </a:r>
-            <a:r>
-              <a:rPr lang="en-US" b="1" dirty="0" smtClean="0">
-                <a:solidFill>
-                  <a:srgbClr val="FF0000"/>
-                </a:solidFill>
-              </a:rPr>
-              <a:t> </a:t>
-            </a:r>
-            <a:r>
-              <a:rPr lang="en-US" b="1" dirty="0" err="1">
-                <a:solidFill>
-                  <a:srgbClr val="FF0000"/>
-                </a:solidFill>
-              </a:rPr>
-              <a:t>na</a:t>
-            </a:r>
-            <a:r>
-              <a:rPr lang="en-US" b="1" dirty="0">
-                <a:solidFill>
-                  <a:srgbClr val="FF0000"/>
-                </a:solidFill>
-              </a:rPr>
-              <a:t> local </a:t>
-            </a:r>
-            <a:r>
-              <a:rPr lang="en-US" b="1" dirty="0" err="1">
-                <a:solidFill>
-                  <a:srgbClr val="FF0000"/>
-                </a:solidFill>
-              </a:rPr>
-              <a:t>nastavení</a:t>
-            </a:r>
-            <a:r>
-              <a:rPr lang="en-US" b="1" dirty="0">
-                <a:solidFill>
-                  <a:srgbClr val="FF0000"/>
-                </a:solidFill>
-              </a:rPr>
-              <a:t> </a:t>
-            </a:r>
-            <a:r>
-              <a:rPr lang="en-US" b="1" dirty="0" err="1">
-                <a:solidFill>
-                  <a:srgbClr val="FF0000"/>
-                </a:solidFill>
-              </a:rPr>
-              <a:t>počítače</a:t>
-            </a:r>
-            <a:r>
-              <a:rPr lang="en-US" b="1" dirty="0">
-                <a:solidFill>
-                  <a:srgbClr val="FF0000"/>
-                </a:solidFill>
-              </a:rPr>
-              <a:t> -&gt; </a:t>
-            </a:r>
-            <a:r>
-              <a:rPr lang="en-US" b="1" dirty="0" err="1">
-                <a:solidFill>
-                  <a:srgbClr val="FF0000"/>
-                </a:solidFill>
-              </a:rPr>
-              <a:t>doporucuju</a:t>
-            </a:r>
-            <a:r>
-              <a:rPr lang="en-US" b="1" dirty="0">
-                <a:solidFill>
-                  <a:srgbClr val="FF0000"/>
-                </a:solidFill>
-              </a:rPr>
-              <a:t> </a:t>
-            </a:r>
-            <a:r>
-              <a:rPr lang="en-US" b="1" dirty="0" err="1">
-                <a:solidFill>
-                  <a:srgbClr val="FF0000"/>
-                </a:solidFill>
-              </a:rPr>
-              <a:t>si</a:t>
-            </a:r>
-            <a:r>
-              <a:rPr lang="en-US" b="1" dirty="0">
-                <a:solidFill>
-                  <a:srgbClr val="FF0000"/>
-                </a:solidFill>
-              </a:rPr>
-              <a:t> </a:t>
-            </a:r>
-            <a:r>
-              <a:rPr lang="en-US" b="1" dirty="0" err="1">
-                <a:solidFill>
-                  <a:srgbClr val="FF0000"/>
-                </a:solidFill>
-              </a:rPr>
-              <a:t>napsat</a:t>
-            </a:r>
-            <a:r>
-              <a:rPr lang="en-US" b="1" dirty="0">
-                <a:solidFill>
-                  <a:srgbClr val="FF0000"/>
-                </a:solidFill>
-              </a:rPr>
-              <a:t> extension static </a:t>
-            </a:r>
-            <a:r>
-              <a:rPr lang="en-US" b="1" dirty="0" err="1">
-                <a:solidFill>
-                  <a:srgbClr val="FF0000"/>
-                </a:solidFill>
-              </a:rPr>
-              <a:t>metody</a:t>
-            </a:r>
-            <a:r>
-              <a:rPr lang="en-US" b="1" dirty="0">
-                <a:solidFill>
-                  <a:srgbClr val="FF0000"/>
-                </a:solidFill>
-              </a:rPr>
-              <a:t> </a:t>
-            </a:r>
-            <a:r>
-              <a:rPr lang="en-US" b="1" dirty="0" err="1">
-                <a:solidFill>
-                  <a:srgbClr val="FF0000"/>
-                </a:solidFill>
-              </a:rPr>
-              <a:t>MoneyToString</a:t>
-            </a:r>
-            <a:r>
-              <a:rPr lang="en-US" b="1" dirty="0">
-                <a:solidFill>
-                  <a:srgbClr val="FF0000"/>
-                </a:solidFill>
-              </a:rPr>
-              <a:t>() </a:t>
-            </a:r>
-            <a:r>
-              <a:rPr lang="en-US" b="1" dirty="0" err="1">
-                <a:solidFill>
-                  <a:srgbClr val="FF0000"/>
-                </a:solidFill>
-              </a:rPr>
-              <a:t>apod</a:t>
-            </a:r>
-            <a:r>
-              <a:rPr lang="en-US" b="1" dirty="0">
-                <a:solidFill>
-                  <a:srgbClr val="FF0000"/>
-                </a:solidFill>
-              </a:rPr>
-              <a:t>. </a:t>
-            </a:r>
-            <a:r>
-              <a:rPr lang="en-US" b="1" dirty="0" err="1">
-                <a:solidFill>
-                  <a:srgbClr val="FF0000"/>
-                </a:solidFill>
-              </a:rPr>
-              <a:t>viz</a:t>
-            </a:r>
-            <a:r>
-              <a:rPr lang="en-US" b="1" dirty="0">
-                <a:solidFill>
-                  <a:srgbClr val="FF0000"/>
-                </a:solidFill>
-              </a:rPr>
-              <a:t> </a:t>
-            </a:r>
-            <a:r>
-              <a:rPr lang="en-US" b="1" dirty="0" err="1">
-                <a:solidFill>
-                  <a:srgbClr val="FF0000"/>
-                </a:solidFill>
-              </a:rPr>
-              <a:t>priklad</a:t>
-            </a:r>
-            <a:r>
-              <a:rPr lang="en-US" b="1" dirty="0">
-                <a:solidFill>
-                  <a:srgbClr val="FF0000"/>
-                </a:solidFill>
-              </a:rPr>
-              <a:t> </a:t>
-            </a:r>
-            <a:r>
-              <a:rPr lang="en-US" b="1" dirty="0" err="1">
-                <a:solidFill>
-                  <a:srgbClr val="FF0000"/>
-                </a:solidFill>
-              </a:rPr>
-              <a:t>TestToStringCulture.cs</a:t>
-            </a:r>
-            <a:endParaRPr lang="cs-CZ" b="1" dirty="0">
-              <a:solidFill>
-                <a:srgbClr val="FF0000"/>
-              </a:solidFill>
-            </a:endParaRPr>
-          </a:p>
-          <a:p>
-            <a:pPr fontAlgn="base"/>
-            <a:endParaRPr lang="en-US" dirty="0"/>
-          </a:p>
-          <a:p>
-            <a:pPr marL="0" indent="0" fontAlgn="base">
-              <a:buNone/>
-            </a:pPr>
             <a:endParaRPr lang="en-US" dirty="0"/>
           </a:p>
           <a:p>
@@ -12097,7 +12115,7 @@
     </p:custDataLst>
     <p:extLst>
       <p:ext uri="{BB962C8B-B14F-4D97-AF65-F5344CB8AC3E}">
-        <p14:creationId xmlns:p14="http://schemas.microsoft.com/office/powerpoint/2010/main" val="375692060"/>
+        <p14:creationId xmlns:p14="http://schemas.microsoft.com/office/powerpoint/2010/main" val="4047036011"/>
       </p:ext>
     </p:extLst>
   </p:cSld>
@@ -12149,12 +12167,22 @@
         </p:nvSpPr>
         <p:spPr/>
         <p:txBody>
-          <a:bodyPr/>
+          <a:bodyPr>
+            <a:normAutofit/>
+          </a:bodyPr>
           <a:lstStyle/>
           <a:p>
             <a:r>
-              <a:rPr lang="cs-CZ" dirty="0" smtClean="0"/>
-              <a:t>Kolekce</a:t>
+              <a:rPr lang="cs-CZ" dirty="0" err="1" smtClean="0"/>
+              <a:t>Object</a:t>
+            </a:r>
+            <a:r>
+              <a:rPr lang="cs-CZ" dirty="0" smtClean="0"/>
+              <a:t> a </a:t>
+            </a:r>
+            <a:r>
+              <a:rPr lang="en-US" dirty="0" err="1" smtClean="0"/>
+              <a:t>ValueType</a:t>
             </a:r>
             <a:endParaRPr lang="en-US" dirty="0"/>
           </a:p>
@@ -12176,182 +12204,383 @@
         <p:spPr/>
         <p:txBody>
           <a:bodyPr>
-            <a:normAutofit lnSpcReduction="10000"/>
+            <a:normAutofit fontScale="85000" lnSpcReduction="20000"/>
           </a:bodyPr>
           <a:lstStyle/>
           <a:p>
             <a:pPr fontAlgn="base"/>
             <a:r>
-              <a:rPr lang="cs-CZ" dirty="0" smtClean="0"/>
-              <a:t>K</a:t>
+              <a:rPr lang="cs-CZ" dirty="0" err="1" smtClean="0"/>
+              <a:t>Class</a:t>
+            </a:r>
+            <a:r>
+              <a:rPr lang="cs-CZ" dirty="0" smtClean="0"/>
+              <a:t> dědí po </a:t>
+            </a:r>
+            <a:r>
+              <a:rPr lang="cs-CZ" dirty="0" err="1" smtClean="0"/>
+              <a:t>Object</a:t>
+            </a:r>
+            <a:endParaRPr lang="cs-CZ" dirty="0"/>
+          </a:p>
+          <a:p>
+            <a:pPr fontAlgn="base"/>
+            <a:r>
+              <a:rPr lang="cs-CZ" dirty="0" err="1" smtClean="0"/>
+              <a:t>Struct</a:t>
+            </a:r>
+            <a:r>
+              <a:rPr lang="cs-CZ" dirty="0" smtClean="0"/>
+              <a:t> dědí po </a:t>
             </a:r>
             <a:r>
               <a:rPr lang="en-US" dirty="0" err="1" smtClean="0"/>
-              <a:t>olekce</a:t>
-            </a:r>
-            <a:r>
-              <a:rPr lang="en-US" dirty="0" smtClean="0"/>
-              <a:t> z</a:t>
-            </a:r>
-            <a:r>
-              <a:rPr lang="cs-CZ" dirty="0" smtClean="0"/>
-              <a:t>e</a:t>
-            </a:r>
-            <a:r>
-              <a:rPr lang="en-US" dirty="0" smtClean="0"/>
+              <a:t>ValueType</a:t>
+            </a:r>
+            <a:r>
+              <a:rPr lang="cs-CZ" dirty="0" smtClean="0"/>
+              <a:t> (neexistuje metoda </a:t>
+            </a:r>
+            <a:r>
+              <a:rPr lang="en-US" dirty="0" err="1" smtClean="0"/>
+              <a:t>GetType</a:t>
+            </a:r>
+            <a:r>
+              <a:rPr lang="cs-CZ" dirty="0" smtClean="0"/>
+              <a:t>(), destruktor a static metody </a:t>
+            </a:r>
+            <a:r>
+              <a:rPr lang="en-US" dirty="0" smtClean="0"/>
+              <a:t>Equals</a:t>
+            </a:r>
+            <a:endParaRPr lang="en-US" dirty="0"/>
+          </a:p>
+          <a:p>
+            <a:pPr fontAlgn="base"/>
+            <a:r>
+              <a:rPr lang="cs-CZ" dirty="0" smtClean="0"/>
+              <a:t>)</a:t>
+            </a:r>
+          </a:p>
+          <a:p>
+            <a:pPr fontAlgn="base"/>
+            <a:r>
+              <a:rPr lang="cs-CZ" b="1" dirty="0" err="1"/>
+              <a:t>string</a:t>
+            </a:r>
+            <a:r>
+              <a:rPr lang="cs-CZ" dirty="0"/>
+              <a:t> je alias k </a:t>
+            </a:r>
+            <a:r>
+              <a:rPr lang="cs-CZ" b="1" dirty="0" err="1"/>
+              <a:t>System.String</a:t>
+            </a:r>
+            <a:r>
+              <a:rPr lang="cs-CZ" b="1" dirty="0"/>
               <a:t> </a:t>
             </a:r>
             <a:r>
-              <a:rPr lang="en-US" dirty="0" err="1"/>
-              <a:t>dvou</a:t>
-            </a:r>
-            <a:r>
-              <a:rPr lang="en-US" dirty="0"/>
-              <a:t> namespace </a:t>
-            </a:r>
-            <a:r>
-              <a:rPr lang="en-US" b="1" dirty="0" err="1"/>
-              <a:t>System.Collections</a:t>
-            </a:r>
-            <a:r>
-              <a:rPr lang="en-US" dirty="0"/>
-              <a:t> a </a:t>
-            </a:r>
-            <a:r>
-              <a:rPr lang="en-US" b="1" dirty="0" err="1"/>
-              <a:t>System.Collections.Generic</a:t>
-            </a:r>
-            <a:r>
-              <a:rPr lang="en-US" dirty="0"/>
+              <a:rPr lang="cs-CZ" dirty="0"/>
+              <a:t>je vždy </a:t>
+            </a:r>
+            <a:r>
+              <a:rPr lang="cs-CZ" dirty="0" err="1"/>
+              <a:t>immutable</a:t>
+            </a:r>
+            <a:r>
+              <a:rPr lang="cs-CZ" dirty="0"/>
+              <a:t> tzn. </a:t>
+            </a:r>
+            <a:r>
+              <a:rPr lang="cs-CZ" dirty="0" err="1"/>
+              <a:t>muze</a:t>
+            </a:r>
+            <a:r>
+              <a:rPr lang="cs-CZ" dirty="0"/>
+              <a:t> se </a:t>
+            </a:r>
+            <a:r>
+              <a:rPr lang="cs-CZ" dirty="0" err="1"/>
+              <a:t>pouzivat</a:t>
+            </a:r>
+            <a:r>
+              <a:rPr lang="cs-CZ" dirty="0"/>
               <a:t> </a:t>
             </a:r>
-            <a:endParaRPr lang="cs-CZ" dirty="0" smtClean="0"/>
+            <a:r>
+              <a:rPr lang="cs-CZ" dirty="0" smtClean="0"/>
+              <a:t>==</a:t>
+            </a:r>
           </a:p>
           <a:p>
             <a:pPr fontAlgn="base"/>
             <a:r>
-              <a:rPr lang="en-US" dirty="0" err="1" smtClean="0"/>
-              <a:t>pouzivat</a:t>
-            </a:r>
-            <a:r>
-              <a:rPr lang="en-US" dirty="0" smtClean="0"/>
+              <a:rPr lang="cs-CZ" b="1" dirty="0" smtClean="0"/>
+              <a:t>@ </a:t>
+            </a:r>
+            <a:r>
+              <a:rPr lang="cs-CZ" dirty="0" err="1" smtClean="0"/>
+              <a:t>verbatim</a:t>
+            </a:r>
+            <a:r>
+              <a:rPr lang="cs-CZ" dirty="0" smtClean="0"/>
               <a:t> </a:t>
             </a:r>
             <a:r>
-              <a:rPr lang="en-US" dirty="0" err="1"/>
-              <a:t>misto</a:t>
-            </a:r>
-            <a:r>
-              <a:rPr lang="en-US" dirty="0"/>
+              <a:rPr lang="cs-CZ" dirty="0" err="1" smtClean="0"/>
+              <a:t>string</a:t>
+            </a:r>
+            <a:endParaRPr lang="cs-CZ" dirty="0"/>
+          </a:p>
+          <a:p>
+            <a:pPr fontAlgn="base"/>
+            <a:r>
+              <a:rPr lang="cs-CZ" b="1" dirty="0" err="1"/>
+              <a:t>ToString</a:t>
+            </a:r>
+            <a:r>
+              <a:rPr lang="cs-CZ" dirty="0"/>
+              <a:t>() </a:t>
+            </a:r>
+            <a:r>
+              <a:rPr lang="cs-CZ" b="1" dirty="0" smtClean="0">
+                <a:solidFill>
+                  <a:srgbClr val="FF0000"/>
+                </a:solidFill>
+              </a:rPr>
+              <a:t>pozor double </a:t>
+            </a:r>
+            <a:r>
+              <a:rPr lang="cs-CZ" b="1" dirty="0" err="1" smtClean="0">
+                <a:solidFill>
+                  <a:srgbClr val="FF0000"/>
+                </a:solidFill>
+              </a:rPr>
+              <a:t>apod</a:t>
+            </a:r>
+            <a:r>
+              <a:rPr lang="cs-CZ" b="1" dirty="0" smtClean="0">
+                <a:solidFill>
+                  <a:srgbClr val="FF0000"/>
+                </a:solidFill>
+              </a:rPr>
               <a:t> </a:t>
             </a:r>
             <a:r>
-              <a:rPr lang="en-US" dirty="0" err="1"/>
-              <a:t>ICollection</a:t>
-            </a:r>
-            <a:r>
-              <a:rPr lang="en-US" dirty="0"/>
+              <a:rPr lang="en-US" b="1" dirty="0" err="1" smtClean="0">
+                <a:solidFill>
+                  <a:srgbClr val="FF0000"/>
+                </a:solidFill>
+              </a:rPr>
+              <a:t>závislý</a:t>
+            </a:r>
+            <a:r>
+              <a:rPr lang="en-US" b="1" dirty="0" smtClean="0">
+                <a:solidFill>
+                  <a:srgbClr val="FF0000"/>
+                </a:solidFill>
+              </a:rPr>
               <a:t> </a:t>
             </a:r>
             <a:r>
-              <a:rPr lang="en-US" dirty="0" err="1"/>
-              <a:t>nebo</a:t>
-            </a:r>
-            <a:r>
-              <a:rPr lang="en-US" dirty="0"/>
+              <a:rPr lang="en-US" b="1" dirty="0" err="1">
+                <a:solidFill>
+                  <a:srgbClr val="FF0000"/>
+                </a:solidFill>
+              </a:rPr>
+              <a:t>na</a:t>
+            </a:r>
+            <a:r>
+              <a:rPr lang="en-US" b="1" dirty="0">
+                <a:solidFill>
+                  <a:srgbClr val="FF0000"/>
+                </a:solidFill>
+              </a:rPr>
+              <a:t> local </a:t>
+            </a:r>
+            <a:r>
+              <a:rPr lang="en-US" b="1" dirty="0" err="1">
+                <a:solidFill>
+                  <a:srgbClr val="FF0000"/>
+                </a:solidFill>
+              </a:rPr>
+              <a:t>nastavení</a:t>
+            </a:r>
+            <a:r>
+              <a:rPr lang="en-US" b="1" dirty="0">
+                <a:solidFill>
+                  <a:srgbClr val="FF0000"/>
+                </a:solidFill>
+              </a:rPr>
               <a:t> </a:t>
             </a:r>
             <a:r>
-              <a:rPr lang="en-US" dirty="0" err="1"/>
-              <a:t>IList</a:t>
-            </a:r>
-            <a:r>
-              <a:rPr lang="en-US" dirty="0"/>
+              <a:rPr lang="en-US" b="1" dirty="0" err="1">
+                <a:solidFill>
+                  <a:srgbClr val="FF0000"/>
+                </a:solidFill>
+              </a:rPr>
+              <a:t>počítače</a:t>
+            </a:r>
+            <a:r>
+              <a:rPr lang="en-US" b="1" dirty="0">
+                <a:solidFill>
+                  <a:srgbClr val="FF0000"/>
+                </a:solidFill>
+              </a:rPr>
+              <a:t> -&gt; </a:t>
+            </a:r>
+            <a:r>
+              <a:rPr lang="en-US" b="1" dirty="0" err="1">
+                <a:solidFill>
+                  <a:srgbClr val="FF0000"/>
+                </a:solidFill>
+              </a:rPr>
+              <a:t>doporucuju</a:t>
+            </a:r>
+            <a:r>
+              <a:rPr lang="en-US" b="1" dirty="0">
+                <a:solidFill>
+                  <a:srgbClr val="FF0000"/>
+                </a:solidFill>
+              </a:rPr>
               <a:t> </a:t>
             </a:r>
             <a:r>
-              <a:rPr lang="cs-CZ" b="1" dirty="0" smtClean="0"/>
-              <a:t>IE</a:t>
-            </a:r>
-            <a:r>
-              <a:rPr lang="en-US" b="1" dirty="0" smtClean="0"/>
-              <a:t>numerable</a:t>
-            </a:r>
-            <a:r>
-              <a:rPr lang="cs-CZ" b="1" dirty="0" smtClean="0"/>
-              <a:t>&lt;&gt;</a:t>
-            </a:r>
+              <a:rPr lang="en-US" b="1" dirty="0" err="1">
+                <a:solidFill>
+                  <a:srgbClr val="FF0000"/>
+                </a:solidFill>
+              </a:rPr>
+              <a:t>si</a:t>
+            </a:r>
+            <a:r>
+              <a:rPr lang="en-US" b="1" dirty="0">
+                <a:solidFill>
+                  <a:srgbClr val="FF0000"/>
+                </a:solidFill>
+              </a:rPr>
+              <a:t> </a:t>
+            </a:r>
+            <a:r>
+              <a:rPr lang="en-US" b="1" dirty="0" err="1">
+                <a:solidFill>
+                  <a:srgbClr val="FF0000"/>
+                </a:solidFill>
+              </a:rPr>
+              <a:t>napsat</a:t>
+            </a:r>
+            <a:r>
+              <a:rPr lang="en-US" b="1" dirty="0">
+                <a:solidFill>
+                  <a:srgbClr val="FF0000"/>
+                </a:solidFill>
+              </a:rPr>
+              <a:t> extension static </a:t>
+            </a:r>
+            <a:r>
+              <a:rPr lang="en-US" b="1" dirty="0" err="1">
+                <a:solidFill>
+                  <a:srgbClr val="FF0000"/>
+                </a:solidFill>
+              </a:rPr>
+              <a:t>metody</a:t>
+            </a:r>
+            <a:r>
+              <a:rPr lang="en-US" b="1" dirty="0">
+                <a:solidFill>
+                  <a:srgbClr val="FF0000"/>
+                </a:solidFill>
+              </a:rPr>
+              <a:t> </a:t>
+            </a:r>
+            <a:r>
+              <a:rPr lang="en-US" b="1" dirty="0" err="1">
+                <a:solidFill>
+                  <a:srgbClr val="FF0000"/>
+                </a:solidFill>
+              </a:rPr>
+              <a:t>MoneyToString</a:t>
+            </a:r>
+            <a:r>
+              <a:rPr lang="en-US" b="1" dirty="0">
+                <a:solidFill>
+                  <a:srgbClr val="FF0000"/>
+                </a:solidFill>
+              </a:rPr>
+              <a:t>() </a:t>
+            </a:r>
+            <a:r>
+              <a:rPr lang="en-US" b="1" dirty="0" err="1">
+                <a:solidFill>
+                  <a:srgbClr val="FF0000"/>
+                </a:solidFill>
+              </a:rPr>
+              <a:t>apod</a:t>
+            </a:r>
+            <a:r>
+              <a:rPr lang="en-US" b="1" dirty="0">
+                <a:solidFill>
+                  <a:srgbClr val="FF0000"/>
+                </a:solidFill>
+              </a:rPr>
+              <a:t>. </a:t>
+            </a:r>
+            <a:r>
+              <a:rPr lang="en-US" b="1" dirty="0" err="1">
+                <a:solidFill>
+                  <a:srgbClr val="FF0000"/>
+                </a:solidFill>
+              </a:rPr>
+              <a:t>viz</a:t>
+            </a:r>
+            <a:r>
+              <a:rPr lang="en-US" b="1" dirty="0">
+                <a:solidFill>
+                  <a:srgbClr val="FF0000"/>
+                </a:solidFill>
+              </a:rPr>
+              <a:t> </a:t>
+            </a:r>
+            <a:r>
+              <a:rPr lang="en-US" b="1" dirty="0" err="1">
+                <a:solidFill>
+                  <a:srgbClr val="FF0000"/>
+                </a:solidFill>
+              </a:rPr>
+              <a:t>priklad</a:t>
+            </a:r>
+            <a:r>
+              <a:rPr lang="en-US" b="1" dirty="0">
+                <a:solidFill>
+                  <a:srgbClr val="FF0000"/>
+                </a:solidFill>
+              </a:rPr>
+              <a:t> </a:t>
+            </a:r>
+            <a:r>
+              <a:rPr lang="en-US" b="1" dirty="0" err="1">
+                <a:solidFill>
+                  <a:srgbClr val="FF0000"/>
+                </a:solidFill>
+              </a:rPr>
+              <a:t>TestToStringCulture.cs</a:t>
+            </a:r>
+            <a:endParaRPr lang="cs-CZ" b="1" dirty="0">
+              <a:solidFill>
+                <a:srgbClr val="FF0000"/>
+              </a:solidFill>
+            </a:endParaRPr>
           </a:p>
           <a:p>
             <a:pPr fontAlgn="base"/>
-            <a:r>
-              <a:rPr lang="cs-CZ" dirty="0" smtClean="0"/>
-              <a:t>Místo mapy je </a:t>
-            </a:r>
-            <a:r>
-              <a:rPr lang="cs-CZ" dirty="0" err="1" smtClean="0"/>
-              <a:t>IDictionary</a:t>
-            </a:r>
-            <a:r>
-              <a:rPr lang="cs-CZ" dirty="0" smtClean="0"/>
-              <a:t>&lt;,&gt;</a:t>
-            </a:r>
-          </a:p>
-          <a:p>
-            <a:pPr fontAlgn="base"/>
-            <a:r>
-              <a:rPr lang="cs-CZ" dirty="0" smtClean="0"/>
-              <a:t>Do kolekce lze </a:t>
-            </a:r>
-            <a:r>
-              <a:rPr lang="cs-CZ" dirty="0" err="1" smtClean="0"/>
-              <a:t>vkladat</a:t>
-            </a:r>
-            <a:r>
-              <a:rPr lang="cs-CZ" dirty="0" smtClean="0"/>
-              <a:t> </a:t>
-            </a:r>
-            <a:r>
-              <a:rPr lang="cs-CZ" dirty="0" err="1" smtClean="0"/>
-              <a:t>struct</a:t>
-            </a:r>
-            <a:r>
-              <a:rPr lang="cs-CZ" dirty="0" smtClean="0"/>
-              <a:t> tzn. </a:t>
-            </a:r>
-            <a:r>
-              <a:rPr lang="cs-CZ" dirty="0" err="1" smtClean="0"/>
-              <a:t>int</a:t>
-            </a:r>
-            <a:r>
-              <a:rPr lang="cs-CZ" dirty="0" smtClean="0"/>
-              <a:t> apod.</a:t>
-            </a:r>
-          </a:p>
-          <a:p>
-            <a:pPr fontAlgn="base"/>
-            <a:r>
-              <a:rPr lang="en-US" b="1" dirty="0" smtClean="0"/>
-              <a:t>C5</a:t>
-            </a:r>
-            <a:r>
-              <a:rPr lang="cs-CZ" b="1" dirty="0" smtClean="0"/>
-              <a:t> </a:t>
-            </a:r>
-            <a:r>
-              <a:rPr lang="cs-CZ" dirty="0" err="1" smtClean="0"/>
-              <a:t>library</a:t>
-            </a:r>
-            <a:r>
-              <a:rPr lang="cs-CZ" dirty="0" smtClean="0"/>
-              <a:t> </a:t>
-            </a:r>
-            <a:r>
-              <a:rPr lang="en-US" dirty="0">
-                <a:hlinkClick r:id="rId6"/>
-              </a:rPr>
-              <a:t>http://www.itu.dk/research/c5/</a:t>
-            </a:r>
+            <a:endParaRPr lang="en-US" dirty="0"/>
+          </a:p>
+          <a:p>
+            <a:pPr marL="0" indent="0" fontAlgn="base">
+              <a:buNone/>
+            </a:pPr>
             <a:endParaRPr lang="en-US" dirty="0"/>
           </a:p>
           <a:p>
@@ -12370,7 +12599,7 @@
     </p:custDataLst>
     <p:extLst>
       <p:ext uri="{BB962C8B-B14F-4D97-AF65-F5344CB8AC3E}">
-        <p14:creationId xmlns:p14="http://schemas.microsoft.com/office/powerpoint/2010/main" val="2224911890"/>
+        <p14:creationId xmlns:p14="http://schemas.microsoft.com/office/powerpoint/2010/main" val="375692060"/>
       </p:ext>
     </p:extLst>
   </p:cSld>
@@ -12426,6 +12655,432 @@
           <a:lstStyle/>
           <a:p>
             <a:r>
+              <a:rPr lang="cs-CZ" dirty="0" smtClean="0"/>
+              <a:t>Kolekce</a:t>
+            </a:r>
+            <a:endParaRPr lang="en-US" dirty="0"/>
+          </a:p>
+        </p:txBody>
+      </p:sp>
+      <p:sp>
+        <p:nvSpPr>
+          <p:cNvPr id="5" name="Content Placeholder 4"/>
+          <p:cNvSpPr>
+            <a:spLocks noGrp="1"/>
+          </p:cNvSpPr>
+          <p:nvPr>
+            <p:ph idx="1"/>
+            <p:custDataLst>
+              <p:tags r:id="rId3"/>
+            </p:custDataLst>
+          </p:nvPr>
+        </p:nvSpPr>
+        <p:spPr/>
+        <p:txBody>
+          <a:bodyPr>
+            <a:normAutofit lnSpcReduction="10000"/>
+          </a:bodyPr>
+          <a:lstStyle/>
+          <a:p>
+            <a:pPr fontAlgn="base"/>
+            <a:r>
+              <a:rPr lang="cs-CZ" dirty="0" smtClean="0"/>
+              <a:t>K</a:t>
+            </a:r>
+            <a:r>
+              <a:rPr lang="en-US" dirty="0" err="1" smtClean="0"/>
+              <a:t>olekce</a:t>
+            </a:r>
+            <a:r>
+              <a:rPr lang="en-US" dirty="0" smtClean="0"/>
+              <a:t> z</a:t>
+            </a:r>
+            <a:r>
+              <a:rPr lang="cs-CZ" dirty="0" smtClean="0"/>
+              <a:t>e</a:t>
+            </a:r>
+            <a:r>
+              <a:rPr lang="en-US" dirty="0" smtClean="0"/>
+              <a:t> </a:t>
+            </a:r>
+            <a:r>
+              <a:rPr lang="en-US" dirty="0" err="1"/>
+              <a:t>dvou</a:t>
+            </a:r>
+            <a:r>
+              <a:rPr lang="en-US" dirty="0"/>
+              <a:t> namespace </a:t>
+            </a:r>
+            <a:r>
+              <a:rPr lang="en-US" b="1" dirty="0" err="1"/>
+              <a:t>System.Collections</a:t>
+            </a:r>
+            <a:r>
+              <a:rPr lang="en-US" dirty="0"/>
+              <a:t> a </a:t>
+            </a:r>
+            <a:r>
+              <a:rPr lang="en-US" b="1" dirty="0" err="1"/>
+              <a:t>System.Collections.Generic</a:t>
+            </a:r>
+            <a:r>
+              <a:rPr lang="en-US" dirty="0"/>
+              <a:t> </a:t>
+            </a:r>
+            <a:endParaRPr lang="cs-CZ" dirty="0" smtClean="0"/>
+          </a:p>
+          <a:p>
+            <a:pPr fontAlgn="base"/>
+            <a:r>
+              <a:rPr lang="en-US" dirty="0" err="1" smtClean="0"/>
+              <a:t>pouzivat</a:t>
+            </a:r>
+            <a:r>
+              <a:rPr lang="en-US" dirty="0" smtClean="0"/>
+              <a:t> </a:t>
+            </a:r>
+            <a:r>
+              <a:rPr lang="en-US" dirty="0" err="1"/>
+              <a:t>misto</a:t>
+            </a:r>
+            <a:r>
+              <a:rPr lang="en-US" dirty="0"/>
+              <a:t> </a:t>
+            </a:r>
+            <a:r>
+              <a:rPr lang="en-US" dirty="0" err="1"/>
+              <a:t>ICollection</a:t>
+            </a:r>
+            <a:r>
+              <a:rPr lang="en-US" dirty="0"/>
+              <a:t> </a:t>
+            </a:r>
+            <a:r>
+              <a:rPr lang="en-US" dirty="0" err="1"/>
+              <a:t>nebo</a:t>
+            </a:r>
+            <a:r>
+              <a:rPr lang="en-US" dirty="0"/>
+              <a:t> </a:t>
+            </a:r>
+            <a:r>
+              <a:rPr lang="en-US" dirty="0" err="1"/>
+              <a:t>IList</a:t>
+            </a:r>
+            <a:r>
+              <a:rPr lang="en-US" dirty="0"/>
+              <a:t> </a:t>
+            </a:r>
+            <a:r>
+              <a:rPr lang="cs-CZ" b="1" dirty="0" smtClean="0"/>
+              <a:t>IE</a:t>
+            </a:r>
+            <a:r>
+              <a:rPr lang="en-US" b="1" dirty="0" smtClean="0"/>
+              <a:t>numerable</a:t>
+            </a:r>
+            <a:r>
+              <a:rPr lang="cs-CZ" b="1" dirty="0" smtClean="0"/>
+              <a:t>&lt;&gt;</a:t>
+            </a:r>
+          </a:p>
+          <a:p>
+            <a:pPr fontAlgn="base"/>
+            <a:r>
+              <a:rPr lang="cs-CZ" dirty="0" smtClean="0"/>
+              <a:t>Místo mapy je </a:t>
+            </a:r>
+            <a:r>
+              <a:rPr lang="cs-CZ" dirty="0" err="1" smtClean="0"/>
+              <a:t>IDictionary</a:t>
+            </a:r>
+            <a:r>
+              <a:rPr lang="cs-CZ" dirty="0" smtClean="0"/>
+              <a:t>&lt;,&gt;</a:t>
+            </a:r>
+          </a:p>
+          <a:p>
+            <a:pPr fontAlgn="base"/>
+            <a:r>
+              <a:rPr lang="cs-CZ" dirty="0" smtClean="0"/>
+              <a:t>Do kolekce lze </a:t>
+            </a:r>
+            <a:r>
+              <a:rPr lang="cs-CZ" dirty="0" err="1" smtClean="0"/>
+              <a:t>vkladat</a:t>
+            </a:r>
+            <a:r>
+              <a:rPr lang="cs-CZ" dirty="0" smtClean="0"/>
+              <a:t> </a:t>
+            </a:r>
+            <a:r>
+              <a:rPr lang="cs-CZ" dirty="0" err="1" smtClean="0"/>
+              <a:t>struct</a:t>
+            </a:r>
+            <a:r>
+              <a:rPr lang="cs-CZ" dirty="0" smtClean="0"/>
+              <a:t> tzn. </a:t>
+            </a:r>
+            <a:r>
+              <a:rPr lang="cs-CZ" dirty="0" err="1" smtClean="0"/>
+              <a:t>int</a:t>
+            </a:r>
+            <a:r>
+              <a:rPr lang="cs-CZ" dirty="0" smtClean="0"/>
+              <a:t> apod.</a:t>
+            </a:r>
+          </a:p>
+          <a:p>
+            <a:pPr fontAlgn="base"/>
+            <a:r>
+              <a:rPr lang="en-US" b="1" dirty="0" smtClean="0"/>
+              <a:t>C5</a:t>
+            </a:r>
+            <a:r>
+              <a:rPr lang="cs-CZ" b="1" dirty="0" smtClean="0"/>
+              <a:t> </a:t>
+            </a:r>
+            <a:r>
+              <a:rPr lang="cs-CZ" dirty="0" err="1" smtClean="0"/>
+              <a:t>library</a:t>
+            </a:r>
+            <a:r>
+              <a:rPr lang="cs-CZ" dirty="0" smtClean="0"/>
+              <a:t> </a:t>
+            </a:r>
+            <a:r>
+              <a:rPr lang="en-US" dirty="0">
+                <a:hlinkClick r:id="rId6"/>
+              </a:rPr>
+              <a:t>http://www.itu.dk/research/c5/</a:t>
+            </a:r>
+            <a:endParaRPr lang="en-US" dirty="0"/>
+          </a:p>
+          <a:p>
+            <a:pPr fontAlgn="base"/>
+            <a:endParaRPr lang="pt-BR" dirty="0"/>
+          </a:p>
+          <a:p>
+            <a:pPr fontAlgn="base"/>
+            <a:endParaRPr lang="en-US" dirty="0"/>
+          </a:p>
+        </p:txBody>
+      </p:sp>
+    </p:spTree>
+    <p:custDataLst>
+      <p:tags r:id="rId1"/>
+    </p:custDataLst>
+    <p:extLst>
+      <p:ext uri="{BB962C8B-B14F-4D97-AF65-F5344CB8AC3E}">
+        <p14:creationId xmlns:p14="http://schemas.microsoft.com/office/powerpoint/2010/main" val="2224911890"/>
+      </p:ext>
+    </p:extLst>
+  </p:cSld>
+  <p:clrMapOvr>
+    <a:masterClrMapping/>
+  </p:clrMapOvr>
+  <p:transition spd="slow">
+    <p:wipe dir="d"/>
+  </p:transition>
+  <p:timing>
+    <p:tnLst>
+      <p:par>
+        <p:cTn id="1" dur="indefinite" restart="never" nodeType="tmRoot"/>
+      </p:par>
+    </p:tnLst>
+  </p:timing>
+</p:sld>
+</file>
+
+<file path=ppt/slides/slide26.xml><?xml version="1.0" encoding="utf-8"?>
+<p:sld xmlns:a="http://schemas.openxmlformats.org/drawingml/2006/main" xmlns:r="http://schemas.openxmlformats.org/officeDocument/2006/relationships" xmlns:p="http://schemas.openxmlformats.org/presentationml/2006/main">
+  <p:cSld>
+    <p:spTree>
+      <p:nvGrpSpPr>
+        <p:cNvPr id="1" name=""/>
+        <p:cNvGrpSpPr/>
+        <p:nvPr/>
+      </p:nvGrpSpPr>
+      <p:grpSpPr>
+        <a:xfrm>
+          <a:off x="0" y="0"/>
+          <a:ext cx="0" cy="0"/>
+          <a:chOff x="0" y="0"/>
+          <a:chExt cx="0" cy="0"/>
+        </a:xfrm>
+      </p:grpSpPr>
+      <p:sp>
+        <p:nvSpPr>
+          <p:cNvPr id="2" name="Title 1"/>
+          <p:cNvSpPr>
+            <a:spLocks noGrp="1"/>
+          </p:cNvSpPr>
+          <p:nvPr>
+            <p:ph type="title"/>
+            <p:custDataLst>
+              <p:tags r:id="rId2"/>
+            </p:custDataLst>
+          </p:nvPr>
+        </p:nvSpPr>
+        <p:spPr/>
+        <p:txBody>
+          <a:bodyPr/>
+          <a:lstStyle/>
+          <a:p>
+            <a:r>
+              <a:rPr lang="cs-CZ" dirty="0" smtClean="0"/>
+              <a:t>Zajímavé třídy</a:t>
+            </a:r>
+            <a:endParaRPr lang="en-US" dirty="0"/>
+          </a:p>
+        </p:txBody>
+      </p:sp>
+      <p:sp>
+        <p:nvSpPr>
+          <p:cNvPr id="5" name="Content Placeholder 4"/>
+          <p:cNvSpPr>
+            <a:spLocks noGrp="1"/>
+          </p:cNvSpPr>
+          <p:nvPr>
+            <p:ph idx="1"/>
+            <p:custDataLst>
+              <p:tags r:id="rId3"/>
+            </p:custDataLst>
+          </p:nvPr>
+        </p:nvSpPr>
+        <p:spPr/>
+        <p:txBody>
+          <a:bodyPr>
+            <a:normAutofit/>
+          </a:bodyPr>
+          <a:lstStyle/>
+          <a:p>
+            <a:pPr fontAlgn="base"/>
+            <a:r>
+              <a:rPr lang="cs-CZ" dirty="0" smtClean="0"/>
+              <a:t>Lazy&lt;&gt;(</a:t>
+            </a:r>
+            <a:r>
+              <a:rPr lang="en-US" dirty="0" err="1"/>
+              <a:t>Func</a:t>
+            </a:r>
+            <a:r>
+              <a:rPr lang="en-US" dirty="0"/>
+              <a:t>&lt;T&gt; </a:t>
+            </a:r>
+            <a:r>
+              <a:rPr lang="en-US" dirty="0" err="1"/>
+              <a:t>valueFactory</a:t>
+            </a:r>
+            <a:r>
+              <a:rPr lang="en-US" dirty="0"/>
+              <a:t>, </a:t>
+            </a:r>
+            <a:r>
+              <a:rPr lang="en-US" dirty="0" err="1"/>
+              <a:t>bool</a:t>
+            </a:r>
+            <a:r>
+              <a:rPr lang="en-US" dirty="0"/>
+              <a:t> </a:t>
+            </a:r>
+            <a:r>
+              <a:rPr lang="en-US" dirty="0" err="1" smtClean="0"/>
+              <a:t>isThreadSafe</a:t>
+            </a:r>
+            <a:r>
+              <a:rPr lang="cs-CZ" dirty="0" smtClean="0"/>
+              <a:t>) == použití u </a:t>
+            </a:r>
+            <a:r>
+              <a:rPr lang="cs-CZ" dirty="0" err="1" smtClean="0"/>
+              <a:t>singletonu</a:t>
+            </a:r>
+            <a:r>
+              <a:rPr lang="cs-CZ" dirty="0" smtClean="0"/>
+              <a:t> např.</a:t>
+            </a:r>
+          </a:p>
+          <a:p>
+            <a:pPr fontAlgn="base"/>
+            <a:endParaRPr lang="cs-CZ" dirty="0" smtClean="0"/>
+          </a:p>
+          <a:p>
+            <a:pPr fontAlgn="base"/>
+            <a:endParaRPr lang="en-US" dirty="0"/>
+          </a:p>
+          <a:p>
+            <a:pPr fontAlgn="base"/>
+            <a:endParaRPr lang="pt-BR" dirty="0"/>
+          </a:p>
+          <a:p>
+            <a:pPr fontAlgn="base"/>
+            <a:endParaRPr lang="en-US" dirty="0"/>
+          </a:p>
+        </p:txBody>
+      </p:sp>
+    </p:spTree>
+    <p:custDataLst>
+      <p:tags r:id="rId1"/>
+    </p:custDataLst>
+    <p:extLst>
+      <p:ext uri="{BB962C8B-B14F-4D97-AF65-F5344CB8AC3E}">
+        <p14:creationId xmlns:p14="http://schemas.microsoft.com/office/powerpoint/2010/main" val="2273366967"/>
+      </p:ext>
+    </p:extLst>
+  </p:cSld>
+  <p:clrMapOvr>
+    <a:masterClrMapping/>
+  </p:clrMapOvr>
+  <p:transition spd="slow">
+    <p:wipe dir="d"/>
+  </p:transition>
+  <p:timing>
+    <p:tnLst>
+      <p:par>
+        <p:cTn id="1" dur="indefinite" restart="never" nodeType="tmRoot"/>
+      </p:par>
+    </p:tnLst>
+  </p:timing>
+</p:sld>
+</file>
+
+<file path=ppt/slides/slide27.xml><?xml version="1.0" encoding="utf-8"?>
+<p:sld xmlns:a="http://schemas.openxmlformats.org/drawingml/2006/main" xmlns:r="http://schemas.openxmlformats.org/officeDocument/2006/relationships" xmlns:p="http://schemas.openxmlformats.org/presentationml/2006/main">
+  <p:cSld>
+    <p:spTree>
+      <p:nvGrpSpPr>
+        <p:cNvPr id="1" name=""/>
+        <p:cNvGrpSpPr/>
+        <p:nvPr/>
+      </p:nvGrpSpPr>
+      <p:grpSpPr>
+        <a:xfrm>
+          <a:off x="0" y="0"/>
+          <a:ext cx="0" cy="0"/>
+          <a:chOff x="0" y="0"/>
+          <a:chExt cx="0" cy="0"/>
+        </a:xfrm>
+      </p:grpSpPr>
+      <p:sp>
+        <p:nvSpPr>
+          <p:cNvPr id="2" name="Title 1"/>
+          <p:cNvSpPr>
+            <a:spLocks noGrp="1"/>
+          </p:cNvSpPr>
+          <p:nvPr>
+            <p:ph type="title"/>
+            <p:custDataLst>
+              <p:tags r:id="rId2"/>
+            </p:custDataLst>
+          </p:nvPr>
+        </p:nvSpPr>
+        <p:spPr/>
+        <p:txBody>
+          <a:bodyPr/>
+          <a:lstStyle/>
+          <a:p>
+            <a:r>
               <a:rPr lang="cs-CZ" dirty="0"/>
               <a:t>Komunita</a:t>
             </a:r>
@@ -12535,7 +13190,7 @@
 </p:sld>
 </file>
 
-<file path=ppt/slides/slide26.xml><?xml version="1.0" encoding="utf-8"?>
+<file path=ppt/slides/slide28.xml><?xml version="1.0" encoding="utf-8"?>
 <p:sld xmlns:a="http://schemas.openxmlformats.org/drawingml/2006/main" xmlns:r="http://schemas.openxmlformats.org/officeDocument/2006/relationships" xmlns:p="http://schemas.openxmlformats.org/presentationml/2006/main">
   <p:cSld>
     <p:spTree>
@@ -14236,12 +14891,16 @@
               <a:t>Navíc </a:t>
             </a:r>
             <a:r>
-              <a:rPr lang="cs-CZ" dirty="0" err="1" smtClean="0"/>
+              <a:rPr lang="cs-CZ" b="1" dirty="0" err="1" smtClean="0"/>
               <a:t>internal</a:t>
             </a:r>
             <a:r>
               <a:rPr lang="cs-CZ" dirty="0" smtClean="0"/>
-              <a:t> pro </a:t>
+              <a:t> </a:t>
+            </a:r>
+            <a:r>
+              <a:rPr lang="cs-CZ" dirty="0" smtClean="0"/>
+              <a:t>pro viditelnost v rámci </a:t>
             </a:r>
             <a:r>
               <a:rPr lang="cs-CZ" dirty="0" err="1" smtClean="0"/>
@@ -15443,33 +16102,58 @@
             </a:r>
             <a:r>
               <a:rPr lang="cs-CZ" i="1" dirty="0" smtClean="0"/>
-              <a:t>set { </a:t>
+              <a:t>set </a:t>
+            </a:r>
+            <a:r>
+              <a:rPr lang="cs-CZ" dirty="0" smtClean="0"/>
+              <a:t>máme </a:t>
+            </a:r>
+            <a:r>
+              <a:rPr lang="cs-CZ" dirty="0" smtClean="0"/>
+              <a:t>klíčové slovo </a:t>
+            </a:r>
+            <a:r>
+              <a:rPr lang="cs-CZ" b="1" dirty="0" err="1" smtClean="0"/>
+              <a:t>value</a:t>
+            </a:r>
+            <a:r>
+              <a:rPr lang="cs-CZ" b="1" dirty="0" smtClean="0"/>
+              <a:t> </a:t>
+            </a:r>
+          </a:p>
+          <a:p>
+            <a:pPr marL="457200" lvl="1" indent="0" fontAlgn="base">
+              <a:buNone/>
+            </a:pPr>
+            <a:r>
+              <a:rPr lang="cs-CZ" i="1" dirty="0"/>
+              <a:t>s</a:t>
+            </a:r>
+            <a:r>
+              <a:rPr lang="cs-CZ" i="1" dirty="0" smtClean="0"/>
+              <a:t>et { </a:t>
             </a:r>
             <a:r>
               <a:rPr lang="cs-CZ" i="1" dirty="0" err="1" smtClean="0"/>
-              <a:t>privateField</a:t>
+              <a:t>field</a:t>
             </a:r>
             <a:r>
               <a:rPr lang="cs-CZ" i="1" dirty="0" smtClean="0"/>
-              <a:t> = </a:t>
-            </a:r>
-            <a:r>
-              <a:rPr lang="cs-CZ" b="1" i="1" dirty="0" err="1" smtClean="0"/>
+              <a:t> </a:t>
+            </a:r>
+            <a:r>
+              <a:rPr lang="cs-CZ" i="1" dirty="0"/>
+              <a:t>= </a:t>
+            </a:r>
+            <a:r>
+              <a:rPr lang="cs-CZ" b="1" i="1" dirty="0" err="1"/>
               <a:t>value</a:t>
             </a:r>
             <a:r>
-              <a:rPr lang="cs-CZ" i="1" dirty="0" smtClean="0"/>
-              <a:t>;} </a:t>
-            </a:r>
-            <a:r>
-              <a:rPr lang="cs-CZ" dirty="0" smtClean="0"/>
-              <a:t>máme klíčové slovo </a:t>
-            </a:r>
-            <a:r>
-              <a:rPr lang="cs-CZ" dirty="0" err="1" smtClean="0"/>
-              <a:t>value</a:t>
-            </a:r>
-            <a:endParaRPr lang="cs-CZ" dirty="0" smtClean="0"/>
+              <a:rPr lang="cs-CZ" i="1" dirty="0"/>
+              <a:t>;}</a:t>
+            </a:r>
+            <a:endParaRPr lang="cs-CZ" b="1" dirty="0" smtClean="0"/>
           </a:p>
           <a:p>
             <a:pPr marL="514350" indent="-457200" fontAlgn="base"/>
@@ -15509,8 +16193,12 @@
               <a:t> zda </a:t>
             </a:r>
             <a:r>
+              <a:rPr lang="cs-CZ" dirty="0" smtClean="0"/>
+              <a:t>mají být </a:t>
+            </a:r>
+            <a:r>
               <a:rPr lang="cs-CZ" dirty="0" err="1" smtClean="0"/>
-              <a:t>virtual</a:t>
+              <a:t>virtualní</a:t>
             </a:r>
             <a:endParaRPr lang="en-US" b="1" dirty="0"/>
           </a:p>
@@ -15521,8 +16209,16 @@
               <a:t>Příklad </a:t>
             </a:r>
             <a:r>
-              <a:rPr lang="en-US" dirty="0" err="1"/>
+              <a:rPr lang="en-US" dirty="0" err="1" smtClean="0"/>
               <a:t>TestTrida</a:t>
+            </a:r>
+            <a:r>
+              <a:rPr lang="cs-CZ" dirty="0" smtClean="0"/>
+              <a:t>.</a:t>
+            </a:r>
+            <a:r>
+              <a:rPr lang="cs-CZ" dirty="0" err="1" smtClean="0"/>
+              <a:t>cs</a:t>
             </a:r>
             <a:endParaRPr lang="en-US" dirty="0"/>
           </a:p>
@@ -16038,19 +16734,55 @@
 
 <file path=ppt/tags/tag76.xml><?xml version="1.0" encoding="utf-8"?>
 <p:tagLst xmlns:a="http://schemas.openxmlformats.org/drawingml/2006/main" xmlns:r="http://schemas.openxmlformats.org/officeDocument/2006/relationships" xmlns:p="http://schemas.openxmlformats.org/presentationml/2006/main">
-  <p:tag name="DVSECTIONID" val="ezdaKHeWyBnZyZ2cDqRSoa"/>
+  <p:tag name="DVSECTIONID" val="QUq8QELArFIgadhH063fpq"/>
 </p:tagLst>
 </file>
 
 <file path=ppt/tags/tag77.xml><?xml version="1.0" encoding="utf-8"?>
 <p:tagLst xmlns:a="http://schemas.openxmlformats.org/drawingml/2006/main" xmlns:r="http://schemas.openxmlformats.org/officeDocument/2006/relationships" xmlns:p="http://schemas.openxmlformats.org/presentationml/2006/main">
-  <p:tag name="DVSHAPEID" val="LRMR96J2MVd0CGe2e5htjk"/>
+  <p:tag name="DVSHAPEID" val="InkrlxYPS4jAzciXk8ToAM"/>
+</p:tagLst>
+</file>
+
+<file path=ppt/tags/tag78.xml><?xml version="1.0" encoding="utf-8"?>
+<p:tagLst xmlns:a="http://schemas.openxmlformats.org/drawingml/2006/main" xmlns:r="http://schemas.openxmlformats.org/officeDocument/2006/relationships" xmlns:p="http://schemas.openxmlformats.org/presentationml/2006/main">
+  <p:tag name="DVSHAPEID" val="retnMj4SFfqbVIhVK0Rf83"/>
+</p:tagLst>
+</file>
+
+<file path=ppt/tags/tag79.xml><?xml version="1.0" encoding="utf-8"?>
+<p:tagLst xmlns:a="http://schemas.openxmlformats.org/drawingml/2006/main" xmlns:r="http://schemas.openxmlformats.org/officeDocument/2006/relationships" xmlns:p="http://schemas.openxmlformats.org/presentationml/2006/main">
+  <p:tag name="DVSECTIONID" val="QUq8QELArFIgadhH063fpq"/>
 </p:tagLst>
 </file>
 
 <file path=ppt/tags/tag8.xml><?xml version="1.0" encoding="utf-8"?>
 <p:tagLst xmlns:a="http://schemas.openxmlformats.org/drawingml/2006/main" xmlns:r="http://schemas.openxmlformats.org/officeDocument/2006/relationships" xmlns:p="http://schemas.openxmlformats.org/presentationml/2006/main">
   <p:tag name="DVSHAPEID" val="InkrlxYPS4jAzciXk8ToAM"/>
+</p:tagLst>
+</file>
+
+<file path=ppt/tags/tag80.xml><?xml version="1.0" encoding="utf-8"?>
+<p:tagLst xmlns:a="http://schemas.openxmlformats.org/drawingml/2006/main" xmlns:r="http://schemas.openxmlformats.org/officeDocument/2006/relationships" xmlns:p="http://schemas.openxmlformats.org/presentationml/2006/main">
+  <p:tag name="DVSHAPEID" val="InkrlxYPS4jAzciXk8ToAM"/>
+</p:tagLst>
+</file>
+
+<file path=ppt/tags/tag81.xml><?xml version="1.0" encoding="utf-8"?>
+<p:tagLst xmlns:a="http://schemas.openxmlformats.org/drawingml/2006/main" xmlns:r="http://schemas.openxmlformats.org/officeDocument/2006/relationships" xmlns:p="http://schemas.openxmlformats.org/presentationml/2006/main">
+  <p:tag name="DVSHAPEID" val="retnMj4SFfqbVIhVK0Rf83"/>
+</p:tagLst>
+</file>
+
+<file path=ppt/tags/tag82.xml><?xml version="1.0" encoding="utf-8"?>
+<p:tagLst xmlns:a="http://schemas.openxmlformats.org/drawingml/2006/main" xmlns:r="http://schemas.openxmlformats.org/officeDocument/2006/relationships" xmlns:p="http://schemas.openxmlformats.org/presentationml/2006/main">
+  <p:tag name="DVSECTIONID" val="ezdaKHeWyBnZyZ2cDqRSoa"/>
+</p:tagLst>
+</file>
+
+<file path=ppt/tags/tag83.xml><?xml version="1.0" encoding="utf-8"?>
+<p:tagLst xmlns:a="http://schemas.openxmlformats.org/drawingml/2006/main" xmlns:r="http://schemas.openxmlformats.org/officeDocument/2006/relationships" xmlns:p="http://schemas.openxmlformats.org/presentationml/2006/main">
+  <p:tag name="DVSHAPEID" val="LRMR96J2MVd0CGe2e5htjk"/>
 </p:tagLst>
 </file>
 

--- a/prezentace.pptx
+++ b/prezentace.pptx
@@ -30,8 +30,8 @@
     <p:sldId id="294" r:id="rId18"/>
     <p:sldId id="292" r:id="rId19"/>
     <p:sldId id="295" r:id="rId20"/>
-    <p:sldId id="297" r:id="rId21"/>
-    <p:sldId id="301" r:id="rId22"/>
+    <p:sldId id="301" r:id="rId21"/>
+    <p:sldId id="297" r:id="rId22"/>
     <p:sldId id="281" r:id="rId23"/>
     <p:sldId id="296" r:id="rId24"/>
     <p:sldId id="282" r:id="rId25"/>
@@ -169,8 +169,8 @@
             <p14:sldId id="294"/>
             <p14:sldId id="292"/>
             <p14:sldId id="295"/>
+            <p14:sldId id="301"/>
             <p14:sldId id="297"/>
-            <p14:sldId id="301"/>
           </p14:sldIdLst>
         </p14:section>
         <p14:section name=".NET core Knihovny" id="{A90CCB4D-62F7-45B2-8BD4-70C86AD1CB5C}">
@@ -11286,18 +11286,17 @@
           <a:lstStyle/>
           <a:p>
             <a:r>
-              <a:rPr lang="cs-CZ" dirty="0" err="1" smtClean="0"/>
-              <a:t>Native</a:t>
-            </a:r>
-            <a:r>
-              <a:rPr lang="cs-CZ" dirty="0" smtClean="0"/>
+              <a:rPr lang="en-US" b="1" dirty="0" err="1" smtClean="0"/>
+              <a:t>linq</a:t>
+            </a:r>
+            <a:r>
+              <a:rPr lang="en-US" dirty="0" smtClean="0"/>
               <a:t> </a:t>
             </a:r>
             <a:r>
-              <a:rPr lang="cs-CZ" dirty="0" err="1" smtClean="0"/>
-              <a:t>features</a:t>
-            </a:r>
-            <a:endParaRPr lang="en-US" dirty="0"/>
+              <a:rPr lang="en-US" dirty="0"/>
+              <a:t>a Expression</a:t>
+            </a:r>
           </a:p>
         </p:txBody>
       </p:sp>
@@ -11328,43 +11327,104 @@
           <a:p>
             <a:pPr marL="514350" indent="-457200" fontAlgn="base"/>
             <a:r>
+              <a:rPr lang="cs-CZ" dirty="0" smtClean="0"/>
+              <a:t>Pokud se </a:t>
+            </a:r>
+            <a:r>
               <a:rPr lang="cs-CZ" dirty="0" err="1" smtClean="0"/>
-              <a:t>unchecked</a:t>
-            </a:r>
-            <a:r>
-              <a:rPr lang="cs-CZ" dirty="0" smtClean="0"/>
-              <a:t> {}</a:t>
-            </a:r>
-          </a:p>
-          <a:p>
-            <a:pPr marL="514350" indent="-457200" fontAlgn="base"/>
-            <a:r>
-              <a:rPr lang="cs-CZ" dirty="0" smtClean="0"/>
-              <a:t>[</a:t>
+              <a:t>pouzije</a:t>
+            </a:r>
+            <a:r>
+              <a:rPr lang="cs-CZ" dirty="0" smtClean="0"/>
+              <a:t> </a:t>
             </a:r>
             <a:r>
               <a:rPr lang="cs-CZ" dirty="0" err="1" smtClean="0"/>
-              <a:t>extern</a:t>
-            </a:r>
-            <a:r>
-              <a:rPr lang="cs-CZ" dirty="0" smtClean="0"/>
-              <a:t>]</a:t>
-            </a:r>
-          </a:p>
-          <a:p>
-            <a:pPr marL="514350" indent="-457200" fontAlgn="base"/>
+              <a:t>System.Linq.Expresion</a:t>
+            </a:r>
+            <a:r>
+              <a:rPr lang="cs-CZ" dirty="0" smtClean="0"/>
+              <a:t>&lt;&gt;</a:t>
+            </a:r>
+          </a:p>
+          <a:p>
+            <a:pPr marL="514350" indent="-457200" fontAlgn="base"/>
+            <a:r>
+              <a:rPr lang="cs-CZ" dirty="0" smtClean="0"/>
+              <a:t>Nekompiluje se ale </a:t>
+            </a:r>
+            <a:r>
+              <a:rPr lang="en-US" dirty="0" err="1" smtClean="0"/>
+              <a:t>naparsuje</a:t>
+            </a:r>
+            <a:r>
+              <a:rPr lang="en-US" dirty="0" smtClean="0"/>
+              <a:t> </a:t>
+            </a:r>
+            <a:r>
+              <a:rPr lang="en-US" dirty="0"/>
+              <a:t>a </a:t>
+            </a:r>
+            <a:r>
+              <a:rPr lang="en-US" dirty="0" err="1"/>
+              <a:t>vytvoří</a:t>
+            </a:r>
+            <a:r>
+              <a:rPr lang="en-US" dirty="0"/>
+              <a:t> </a:t>
+            </a:r>
+            <a:r>
+              <a:rPr lang="en-US" dirty="0" err="1" smtClean="0"/>
+              <a:t>strom</a:t>
+            </a:r>
+            <a:r>
+              <a:rPr lang="cs-CZ" dirty="0"/>
+              <a:t> </a:t>
+            </a:r>
+            <a:r>
+              <a:rPr lang="en-US" dirty="0"/>
+              <a:t>(</a:t>
+            </a:r>
+            <a:r>
+              <a:rPr lang="en-US" i="1" dirty="0"/>
+              <a:t>expression tree</a:t>
+            </a:r>
+            <a:r>
+              <a:rPr lang="en-US" dirty="0" smtClean="0"/>
+              <a:t>)</a:t>
+            </a:r>
+            <a:endParaRPr lang="cs-CZ" dirty="0" smtClean="0"/>
+          </a:p>
+          <a:p>
+            <a:pPr marL="514350" indent="-457200" fontAlgn="base"/>
+            <a:r>
+              <a:rPr lang="cs-CZ" dirty="0" smtClean="0"/>
+              <a:t>Používá se potom v </a:t>
+            </a:r>
             <a:r>
               <a:rPr lang="cs-CZ" dirty="0" err="1" smtClean="0"/>
-              <a:t>Pointry</a:t>
-            </a:r>
-            <a:endParaRPr lang="cs-CZ" dirty="0" smtClean="0"/>
-          </a:p>
-          <a:p>
-            <a:pPr marL="514350" indent="-457200" fontAlgn="base"/>
-            <a:r>
-              <a:rPr lang="cs-CZ" smtClean="0"/>
-              <a:t>Příklad TestPtr.cs</a:t>
-            </a:r>
+              <a:t>linq</a:t>
+            </a:r>
+            <a:r>
+              <a:rPr lang="cs-CZ" dirty="0" smtClean="0"/>
+              <a:t> providerech např. </a:t>
+            </a:r>
+            <a:r>
+              <a:rPr lang="cs-CZ" dirty="0" err="1" smtClean="0"/>
+              <a:t>Nhibernate</a:t>
+            </a:r>
+            <a:r>
+              <a:rPr lang="cs-CZ" dirty="0" smtClean="0"/>
+              <a:t> </a:t>
+            </a:r>
+            <a:r>
+              <a:rPr lang="cs-CZ" dirty="0" err="1" smtClean="0"/>
+              <a:t>linq</a:t>
+            </a:r>
+            <a:endParaRPr lang="en-US" dirty="0"/>
+          </a:p>
+          <a:p>
+            <a:pPr marL="514350" indent="-457200" fontAlgn="base"/>
             <a:endParaRPr lang="cs-CZ" dirty="0"/>
           </a:p>
           <a:p>
@@ -11423,7 +11483,7 @@
     </p:custDataLst>
     <p:extLst>
       <p:ext uri="{BB962C8B-B14F-4D97-AF65-F5344CB8AC3E}">
-        <p14:creationId xmlns:p14="http://schemas.microsoft.com/office/powerpoint/2010/main" val="2329062088"/>
+        <p14:creationId xmlns:p14="http://schemas.microsoft.com/office/powerpoint/2010/main" val="3839512774"/>
       </p:ext>
     </p:extLst>
   </p:cSld>
@@ -11481,17 +11541,18 @@
           <a:lstStyle/>
           <a:p>
             <a:r>
-              <a:rPr lang="en-US" b="1" dirty="0" err="1" smtClean="0"/>
-              <a:t>linq</a:t>
-            </a:r>
-            <a:r>
-              <a:rPr lang="en-US" dirty="0" smtClean="0"/>
+              <a:rPr lang="cs-CZ" dirty="0" err="1" smtClean="0"/>
+              <a:t>Native</a:t>
+            </a:r>
+            <a:r>
+              <a:rPr lang="cs-CZ" dirty="0" smtClean="0"/>
               <a:t> </a:t>
             </a:r>
             <a:r>
-              <a:rPr lang="en-US" dirty="0"/>
-              <a:t>a Expression</a:t>
-            </a:r>
+              <a:rPr lang="cs-CZ" dirty="0" err="1" smtClean="0"/>
+              <a:t>features</a:t>
+            </a:r>
+            <a:endParaRPr lang="en-US" dirty="0"/>
           </a:p>
         </p:txBody>
       </p:sp>
@@ -11522,71 +11583,34 @@
           <a:p>
             <a:pPr marL="514350" indent="-457200" fontAlgn="base"/>
             <a:r>
-              <a:rPr lang="cs-CZ" dirty="0" smtClean="0"/>
-              <a:t>Pokud se </a:t>
-            </a:r>
-            <a:r>
               <a:rPr lang="cs-CZ" dirty="0" err="1" smtClean="0"/>
-              <a:t>pouzije</a:t>
-            </a:r>
-            <a:r>
-              <a:rPr lang="cs-CZ" dirty="0" smtClean="0"/>
-              <a:t> </a:t>
+              <a:t>unchecked</a:t>
+            </a:r>
+            <a:r>
+              <a:rPr lang="cs-CZ" dirty="0" smtClean="0"/>
+              <a:t> {}</a:t>
+            </a:r>
+          </a:p>
+          <a:p>
+            <a:pPr marL="514350" indent="-457200" fontAlgn="base"/>
+            <a:r>
+              <a:rPr lang="cs-CZ" dirty="0" smtClean="0"/>
+              <a:t>[</a:t>
             </a:r>
             <a:r>
               <a:rPr lang="cs-CZ" dirty="0" err="1" smtClean="0"/>
-              <a:t>System.Linq.Expresion</a:t>
-            </a:r>
-            <a:r>
-              <a:rPr lang="cs-CZ" dirty="0" smtClean="0"/>
-              <a:t>&lt;&gt;</a:t>
-            </a:r>
-          </a:p>
-          <a:p>
-            <a:pPr marL="514350" indent="-457200" fontAlgn="base"/>
-            <a:r>
-              <a:rPr lang="cs-CZ" dirty="0" smtClean="0"/>
-              <a:t>Nekompiluje se ale </a:t>
-            </a:r>
-            <a:r>
-              <a:rPr lang="en-US" dirty="0" err="1" smtClean="0"/>
-              <a:t>naparsuje</a:t>
-            </a:r>
-            <a:r>
-              <a:rPr lang="en-US" dirty="0" smtClean="0"/>
-              <a:t> </a:t>
-            </a:r>
-            <a:r>
-              <a:rPr lang="en-US" dirty="0"/>
-              <a:t>a </a:t>
-            </a:r>
-            <a:r>
-              <a:rPr lang="en-US" dirty="0" err="1"/>
-              <a:t>vytvoří</a:t>
-            </a:r>
-            <a:r>
-              <a:rPr lang="en-US" dirty="0"/>
-              <a:t> </a:t>
-            </a:r>
-            <a:r>
-              <a:rPr lang="en-US" dirty="0" err="1" smtClean="0"/>
-              <a:t>strom</a:t>
-            </a:r>
-            <a:r>
-              <a:rPr lang="cs-CZ" dirty="0"/>
-              <a:t> </a:t>
-            </a:r>
-            <a:r>
-              <a:rPr lang="en-US" dirty="0"/>
-              <a:t>(</a:t>
-            </a:r>
-            <a:r>
-              <a:rPr lang="en-US" i="1" dirty="0"/>
-              <a:t>expression tree</a:t>
-            </a:r>
-            <a:r>
-              <a:rPr lang="en-US" dirty="0" smtClean="0"/>
-              <a:t>)</a:t>
+              <a:t>extern</a:t>
+            </a:r>
+            <a:r>
+              <a:rPr lang="cs-CZ" dirty="0" smtClean="0"/>
+              <a:t>]</a:t>
+            </a:r>
+          </a:p>
+          <a:p>
+            <a:pPr marL="514350" indent="-457200" fontAlgn="base"/>
+            <a:r>
+              <a:rPr lang="cs-CZ" dirty="0" err="1" smtClean="0"/>
+              <a:t>Pointry</a:t>
             </a:r>
             <a:endParaRPr lang="cs-CZ" dirty="0" smtClean="0"/>
           </a:p>
@@ -11594,32 +11618,12 @@
             <a:pPr marL="514350" indent="-457200" fontAlgn="base"/>
             <a:r>
               <a:rPr lang="cs-CZ" dirty="0" smtClean="0"/>
-              <a:t>Používá se potom v </a:t>
+              <a:t>Příklad </a:t>
             </a:r>
             <a:r>
               <a:rPr lang="cs-CZ" dirty="0" err="1" smtClean="0"/>
-              <a:t>linq</a:t>
-            </a:r>
-            <a:r>
-              <a:rPr lang="cs-CZ" dirty="0" smtClean="0"/>
-              <a:t> providerech např. </a:t>
-            </a:r>
-            <a:r>
-              <a:rPr lang="cs-CZ" dirty="0" err="1" smtClean="0"/>
-              <a:t>Nhibernate</a:t>
-            </a:r>
-            <a:r>
-              <a:rPr lang="cs-CZ" dirty="0" smtClean="0"/>
-              <a:t> </a:t>
-            </a:r>
-            <a:r>
-              <a:rPr lang="cs-CZ" dirty="0" err="1" smtClean="0"/>
-              <a:t>linq</a:t>
-            </a:r>
-            <a:endParaRPr lang="en-US" dirty="0"/>
-          </a:p>
-          <a:p>
-            <a:pPr marL="514350" indent="-457200" fontAlgn="base"/>
+              <a:t>TestPtr.cs</a:t>
+            </a:r>
             <a:endParaRPr lang="cs-CZ" dirty="0"/>
           </a:p>
           <a:p>
@@ -11678,7 +11682,7 @@
     </p:custDataLst>
     <p:extLst>
       <p:ext uri="{BB962C8B-B14F-4D97-AF65-F5344CB8AC3E}">
-        <p14:creationId xmlns:p14="http://schemas.microsoft.com/office/powerpoint/2010/main" val="3839512774"/>
+        <p14:creationId xmlns:p14="http://schemas.microsoft.com/office/powerpoint/2010/main" val="2329062088"/>
       </p:ext>
     </p:extLst>
   </p:cSld>
@@ -12957,8 +12961,12 @@
           <a:p>
             <a:pPr fontAlgn="base"/>
             <a:r>
-              <a:rPr lang="cs-CZ" dirty="0" smtClean="0"/>
-              <a:t>Lazy&lt;&gt;(</a:t>
+              <a:rPr lang="cs-CZ" dirty="0" err="1" smtClean="0"/>
+              <a:t>System.Lazy</a:t>
+            </a:r>
+            <a:r>
+              <a:rPr lang="cs-CZ" dirty="0" smtClean="0"/>
+              <a:t>&lt;&gt;(</a:t>
             </a:r>
             <a:r>
               <a:rPr lang="en-US" dirty="0" err="1"/>
@@ -12989,17 +12997,92 @@
               <a:t>isThreadSafe</a:t>
             </a:r>
             <a:r>
-              <a:rPr lang="cs-CZ" dirty="0" smtClean="0"/>
-              <a:t>) == použití u </a:t>
-            </a:r>
+              <a:rPr lang="cs-CZ" dirty="0"/>
+              <a:t>) </a:t>
+            </a:r>
+          </a:p>
+          <a:p>
+            <a:pPr lvl="1" fontAlgn="base"/>
             <a:r>
               <a:rPr lang="cs-CZ" dirty="0" err="1" smtClean="0"/>
-              <a:t>singletonu</a:t>
-            </a:r>
-            <a:r>
-              <a:rPr lang="cs-CZ" dirty="0" smtClean="0"/>
-              <a:t> např.</a:t>
-            </a:r>
+              <a:t>new</a:t>
+            </a:r>
+            <a:r>
+              <a:rPr lang="cs-CZ" dirty="0" smtClean="0"/>
+              <a:t> </a:t>
+            </a:r>
+            <a:r>
+              <a:rPr lang="cs-CZ" dirty="0"/>
+              <a:t>Lazy(() =&gt; </a:t>
+            </a:r>
+            <a:r>
+              <a:rPr lang="cs-CZ" dirty="0" err="1"/>
+              <a:t>new</a:t>
+            </a:r>
+            <a:r>
+              <a:rPr lang="cs-CZ" dirty="0"/>
+              <a:t> </a:t>
+            </a:r>
+            <a:r>
+              <a:rPr lang="cs-CZ" dirty="0" err="1"/>
+              <a:t>TestTrida</a:t>
+            </a:r>
+            <a:r>
+              <a:rPr lang="cs-CZ" dirty="0" smtClean="0"/>
+              <a:t>());</a:t>
+            </a:r>
+            <a:endParaRPr lang="cs-CZ" dirty="0" smtClean="0"/>
+          </a:p>
+          <a:p>
+            <a:pPr fontAlgn="base"/>
+            <a:r>
+              <a:rPr lang="cs-CZ" dirty="0" err="1" smtClean="0"/>
+              <a:t>System.Convert</a:t>
+            </a:r>
+            <a:r>
+              <a:rPr lang="cs-CZ" dirty="0" smtClean="0"/>
+              <a:t> pro převod do </a:t>
+            </a:r>
+            <a:r>
+              <a:rPr lang="cs-CZ" dirty="0" err="1" smtClean="0"/>
+              <a:t>int</a:t>
+            </a:r>
+            <a:r>
+              <a:rPr lang="cs-CZ" dirty="0" smtClean="0"/>
+              <a:t>, double </a:t>
+            </a:r>
+            <a:r>
+              <a:rPr lang="cs-CZ" dirty="0" err="1" smtClean="0"/>
+              <a:t>apod</a:t>
+            </a:r>
+            <a:endParaRPr lang="cs-CZ" dirty="0" smtClean="0"/>
+          </a:p>
+          <a:p>
+            <a:pPr fontAlgn="base"/>
+            <a:r>
+              <a:rPr lang="en-US" dirty="0" err="1" smtClean="0"/>
+              <a:t>System.Threading.Tasks</a:t>
+            </a:r>
+            <a:r>
+              <a:rPr lang="cs-CZ" dirty="0"/>
+              <a:t> </a:t>
+            </a:r>
+            <a:r>
+              <a:rPr lang="cs-CZ" dirty="0" smtClean="0"/>
+              <a:t>pro práci s vlákny</a:t>
+            </a:r>
+          </a:p>
+          <a:p>
+            <a:pPr fontAlgn="base"/>
+            <a:r>
+              <a:rPr lang="cs-CZ" smtClean="0"/>
+              <a:t>System.Text.StringBuilder</a:t>
+            </a:r>
+            <a:endParaRPr lang="cs-CZ" dirty="0" smtClean="0"/>
+          </a:p>
+          <a:p>
+            <a:pPr fontAlgn="base"/>
+            <a:endParaRPr lang="cs-CZ" dirty="0" smtClean="0"/>
           </a:p>
           <a:p>
             <a:pPr fontAlgn="base"/>

--- a/prezentace.pptx
+++ b/prezentace.pptx
@@ -12955,7 +12955,7 @@
         <p:spPr/>
         <p:txBody>
           <a:bodyPr>
-            <a:normAutofit/>
+            <a:normAutofit fontScale="92500"/>
           </a:bodyPr>
           <a:lstStyle/>
           <a:p>
@@ -13075,9 +13075,48 @@
           <a:p>
             <a:pPr fontAlgn="base"/>
             <a:r>
+              <a:rPr lang="cs-CZ" dirty="0" err="1" smtClean="0"/>
+              <a:t>System.Text.StringBuilder</a:t>
+            </a:r>
+            <a:endParaRPr lang="cs-CZ" dirty="0" smtClean="0"/>
+          </a:p>
+          <a:p>
+            <a:pPr fontAlgn="base"/>
+            <a:r>
+              <a:rPr lang="cs-CZ" dirty="0" err="1" smtClean="0"/>
+              <a:t>System.Numerics</a:t>
+            </a:r>
+            <a:r>
+              <a:rPr lang="cs-CZ" dirty="0" smtClean="0"/>
+              <a:t>.</a:t>
+            </a:r>
+            <a:r>
+              <a:rPr lang="en-US" dirty="0" err="1" smtClean="0"/>
+              <a:t>BigInteger</a:t>
+            </a:r>
+            <a:r>
+              <a:rPr lang="cs-CZ" dirty="0" smtClean="0"/>
+              <a:t> (</a:t>
+            </a:r>
+            <a:r>
+              <a:rPr lang="cs-CZ" dirty="0" err="1" smtClean="0"/>
+              <a:t>assembly</a:t>
+            </a:r>
+            <a:r>
+              <a:rPr lang="cs-CZ" dirty="0" smtClean="0"/>
+              <a:t> </a:t>
+            </a:r>
+            <a:r>
+              <a:rPr lang="en-US" dirty="0" err="1" smtClean="0"/>
+              <a:t>System.Numerics</a:t>
+            </a:r>
+            <a:r>
               <a:rPr lang="cs-CZ" smtClean="0"/>
-              <a:t>System.Text.StringBuilder</a:t>
-            </a:r>
+              <a:t>)</a:t>
+            </a:r>
+          </a:p>
+          <a:p>
+            <a:pPr fontAlgn="base"/>
             <a:endParaRPr lang="cs-CZ" dirty="0" smtClean="0"/>
           </a:p>
           <a:p>

--- a/prezentace.pptx
+++ b/prezentace.pptx
@@ -281,7 +281,7 @@
             <a:fld id="{D83FDC75-7F73-4A4A-A77C-09AADF00E0EA}" type="datetimeFigureOut">
               <a:rPr lang="en-US" smtClean="0"/>
               <a:pPr/>
-              <a:t>5/31/2012</a:t>
+              <a:t>6/1/2012</a:t>
             </a:fld>
             <a:endParaRPr lang="en-US" dirty="0"/>
           </a:p>
@@ -448,7 +448,7 @@
             <a:fld id="{48AEF76B-3757-4A0B-AF93-28494465C1DD}" type="datetimeFigureOut">
               <a:rPr lang="en-US" smtClean="0"/>
               <a:pPr/>
-              <a:t>5/31/2012</a:t>
+              <a:t>6/1/2012</a:t>
             </a:fld>
             <a:endParaRPr lang="en-US" dirty="0"/>
           </a:p>
@@ -4784,7 +4784,7 @@
             <a:fld id="{757B281C-5159-4971-8228-52B9A72E9ED2}" type="datetimeFigureOut">
               <a:rPr lang="en-US" smtClean="0"/>
               <a:pPr/>
-              <a:t>5/31/2012</a:t>
+              <a:t>6/1/2012</a:t>
             </a:fld>
             <a:endParaRPr lang="en-US" dirty="0"/>
           </a:p>
@@ -4886,7 +4886,7 @@
             <a:fld id="{757B281C-5159-4971-8228-52B9A72E9ED2}" type="datetimeFigureOut">
               <a:rPr lang="en-US" smtClean="0"/>
               <a:pPr/>
-              <a:t>5/31/2012</a:t>
+              <a:t>6/1/2012</a:t>
             </a:fld>
             <a:endParaRPr lang="en-US" dirty="0"/>
           </a:p>
@@ -5022,7 +5022,7 @@
             <a:fld id="{757B281C-5159-4971-8228-52B9A72E9ED2}" type="datetimeFigureOut">
               <a:rPr lang="en-US" smtClean="0"/>
               <a:pPr/>
-              <a:t>5/31/2012</a:t>
+              <a:t>6/1/2012</a:t>
             </a:fld>
             <a:endParaRPr lang="en-US" dirty="0"/>
           </a:p>
@@ -5228,7 +5228,7 @@
             <a:fld id="{757B281C-5159-4971-8228-52B9A72E9ED2}" type="datetimeFigureOut">
               <a:rPr lang="en-US" smtClean="0"/>
               <a:pPr/>
-              <a:t>5/31/2012</a:t>
+              <a:t>6/1/2012</a:t>
             </a:fld>
             <a:endParaRPr lang="en-US" dirty="0"/>
           </a:p>
@@ -5627,7 +5627,7 @@
             <a:fld id="{757B281C-5159-4971-8228-52B9A72E9ED2}" type="datetimeFigureOut">
               <a:rPr lang="en-US" smtClean="0"/>
               <a:pPr/>
-              <a:t>5/31/2012</a:t>
+              <a:t>6/1/2012</a:t>
             </a:fld>
             <a:endParaRPr lang="en-US" dirty="0"/>
           </a:p>
@@ -5927,7 +5927,7 @@
             <a:fld id="{757B281C-5159-4971-8228-52B9A72E9ED2}" type="datetimeFigureOut">
               <a:rPr lang="en-US" smtClean="0"/>
               <a:pPr/>
-              <a:t>5/31/2012</a:t>
+              <a:t>6/1/2012</a:t>
             </a:fld>
             <a:endParaRPr lang="en-US" dirty="0"/>
           </a:p>
@@ -6356,7 +6356,7 @@
             <a:fld id="{757B281C-5159-4971-8228-52B9A72E9ED2}" type="datetimeFigureOut">
               <a:rPr lang="en-US" smtClean="0"/>
               <a:pPr/>
-              <a:t>5/31/2012</a:t>
+              <a:t>6/1/2012</a:t>
             </a:fld>
             <a:endParaRPr lang="en-US" dirty="0"/>
           </a:p>
@@ -6633,7 +6633,7 @@
             <a:fld id="{757B281C-5159-4971-8228-52B9A72E9ED2}" type="datetimeFigureOut">
               <a:rPr lang="en-US" smtClean="0"/>
               <a:pPr/>
-              <a:t>5/31/2012</a:t>
+              <a:t>6/1/2012</a:t>
             </a:fld>
             <a:endParaRPr lang="en-US" dirty="0"/>
           </a:p>
@@ -6897,7 +6897,7 @@
             <a:fld id="{757B281C-5159-4971-8228-52B9A72E9ED2}" type="datetimeFigureOut">
               <a:rPr lang="en-US" smtClean="0"/>
               <a:pPr/>
-              <a:t>5/31/2012</a:t>
+              <a:t>6/1/2012</a:t>
             </a:fld>
             <a:endParaRPr lang="en-US" dirty="0"/>
           </a:p>
@@ -7067,7 +7067,7 @@
             <a:fld id="{757B281C-5159-4971-8228-52B9A72E9ED2}" type="datetimeFigureOut">
               <a:rPr lang="en-US" smtClean="0"/>
               <a:pPr/>
-              <a:t>5/31/2012</a:t>
+              <a:t>6/1/2012</a:t>
             </a:fld>
             <a:endParaRPr lang="en-US" dirty="0"/>
           </a:p>
@@ -7247,7 +7247,7 @@
             <a:fld id="{757B281C-5159-4971-8228-52B9A72E9ED2}" type="datetimeFigureOut">
               <a:rPr lang="en-US" smtClean="0"/>
               <a:pPr/>
-              <a:t>5/31/2012</a:t>
+              <a:t>6/1/2012</a:t>
             </a:fld>
             <a:endParaRPr lang="en-US" dirty="0"/>
           </a:p>
@@ -7489,7 +7489,7 @@
             <a:fld id="{757B281C-5159-4971-8228-52B9A72E9ED2}" type="datetimeFigureOut">
               <a:rPr lang="en-US" smtClean="0"/>
               <a:pPr/>
-              <a:t>5/31/2012</a:t>
+              <a:t>6/1/2012</a:t>
             </a:fld>
             <a:endParaRPr lang="en-US" dirty="0"/>
           </a:p>
@@ -8116,15 +8116,7 @@
             </a:r>
             <a:r>
               <a:rPr lang="cs-CZ" dirty="0" smtClean="0"/>
-              <a:t>  je hodnotový typ </a:t>
-            </a:r>
-            <a:r>
-              <a:rPr lang="cs-CZ" dirty="0" smtClean="0"/>
-              <a:t>kopírují </a:t>
-            </a:r>
-            <a:r>
-              <a:rPr lang="cs-CZ" dirty="0" smtClean="0"/>
-              <a:t>se hodnoty</a:t>
+              <a:t>  je hodnotový typ kopírují se hodnoty</a:t>
             </a:r>
           </a:p>
           <a:p>
@@ -8339,8 +8331,17 @@
             </a:r>
             <a:r>
               <a:rPr lang="cs-CZ" dirty="0" smtClean="0"/>
-              <a:t> u referenčních typů</a:t>
-            </a:r>
+              <a:t> </a:t>
+            </a:r>
+            <a:r>
+              <a:rPr lang="cs-CZ" smtClean="0"/>
+              <a:t>u </a:t>
+            </a:r>
+            <a:r>
+              <a:rPr lang="cs-CZ" smtClean="0"/>
+              <a:t>hodnotových typů</a:t>
+            </a:r>
+            <a:endParaRPr lang="cs-CZ" dirty="0" smtClean="0"/>
           </a:p>
           <a:p>
             <a:pPr marL="514350" indent="-457200" fontAlgn="base"/>
@@ -8693,7 +8694,23 @@
             </a:r>
             <a:r>
               <a:rPr lang="cs-CZ" dirty="0" smtClean="0"/>
-              <a:t>Příklad i se statickou metodou</a:t>
+              <a:t>Příklad i se </a:t>
+            </a:r>
+            <a:r>
+              <a:rPr lang="cs-CZ" dirty="0" smtClean="0"/>
+              <a:t>statickou </a:t>
+            </a:r>
+            <a:r>
+              <a:rPr lang="cs-CZ" dirty="0" err="1" smtClean="0"/>
+              <a:t>extension</a:t>
+            </a:r>
+            <a:r>
+              <a:rPr lang="cs-CZ" dirty="0" smtClean="0"/>
+              <a:t> </a:t>
+            </a:r>
+            <a:r>
+              <a:rPr lang="cs-CZ" dirty="0" smtClean="0"/>
+              <a:t>metodou</a:t>
             </a:r>
             <a:r>
               <a:rPr lang="en-US" b="1" dirty="0"/>
@@ -9233,7 +9250,6 @@
               <a:rPr lang="cs-CZ" dirty="0" smtClean="0"/>
               <a:t>&gt;</a:t>
             </a:r>
-            <a:endParaRPr lang="cs-CZ" dirty="0" smtClean="0"/>
           </a:p>
           <a:p>
             <a:pPr marL="514350" indent="-457200" fontAlgn="base"/>
@@ -10522,7 +10538,6 @@
               <a:rPr lang="cs-CZ" dirty="0" smtClean="0"/>
               <a:t>y jsou reference na metody</a:t>
             </a:r>
-            <a:endParaRPr lang="cs-CZ" dirty="0" smtClean="0"/>
           </a:p>
           <a:p>
             <a:pPr marL="514350" indent="-457200" fontAlgn="base"/>
@@ -13031,7 +13046,6 @@
               <a:rPr lang="cs-CZ" dirty="0" smtClean="0"/>
               <a:t>());</a:t>
             </a:r>
-            <a:endParaRPr lang="cs-CZ" dirty="0" smtClean="0"/>
           </a:p>
           <a:p>
             <a:pPr fontAlgn="base"/>
@@ -13342,7 +13356,12 @@
             </p:custDataLst>
           </p:nvPr>
         </p:nvSpPr>
-        <p:spPr/>
+        <p:spPr>
+          <a:xfrm>
+            <a:off x="467544" y="908720"/>
+            <a:ext cx="4343400" cy="765051"/>
+          </a:xfrm>
+        </p:spPr>
         <p:txBody>
           <a:bodyPr>
             <a:normAutofit/>
@@ -13360,6 +13379,230 @@
               <a:rPr lang="en-US" dirty="0" smtClean="0"/>
               <a:t>?</a:t>
             </a:r>
+          </a:p>
+        </p:txBody>
+      </p:sp>
+      <p:sp>
+        <p:nvSpPr>
+          <p:cNvPr id="4" name="Rectangle 3"/>
+          <p:cNvSpPr/>
+          <p:nvPr/>
+        </p:nvSpPr>
+        <p:spPr>
+          <a:xfrm>
+            <a:off x="4453217" y="3244334"/>
+            <a:ext cx="237566" cy="369332"/>
+          </a:xfrm>
+          <a:prstGeom prst="rect">
+            <a:avLst/>
+          </a:prstGeom>
+        </p:spPr>
+        <p:txBody>
+          <a:bodyPr wrap="none">
+            <a:spAutoFit/>
+          </a:bodyPr>
+          <a:lstStyle/>
+          <a:p>
+            <a:r>
+              <a:rPr lang="en-US" dirty="0"/>
+              <a:t> </a:t>
+            </a:r>
+            <a:endParaRPr lang="en-US" dirty="0"/>
+          </a:p>
+        </p:txBody>
+      </p:sp>
+      <p:pic>
+        <p:nvPicPr>
+          <p:cNvPr id="1026" name="Picture 2" descr="P:\Users\balat\Downloads\x\image07.jpg"/>
+          <p:cNvPicPr>
+            <a:picLocks noChangeAspect="1" noChangeArrowheads="1"/>
+          </p:cNvPicPr>
+          <p:nvPr/>
+        </p:nvPicPr>
+        <p:blipFill>
+          <a:blip r:embed="rId6">
+            <a:extLst>
+              <a:ext uri="{28A0092B-C50C-407E-A947-70E740481C1C}">
+                <a14:useLocalDpi xmlns:a14="http://schemas.microsoft.com/office/drawing/2010/main" val="0"/>
+              </a:ext>
+            </a:extLst>
+          </a:blip>
+          <a:srcRect/>
+          <a:stretch>
+            <a:fillRect/>
+          </a:stretch>
+        </p:blipFill>
+        <p:spPr bwMode="auto">
+          <a:xfrm>
+            <a:off x="282170" y="3717032"/>
+            <a:ext cx="3905250" cy="2924176"/>
+          </a:xfrm>
+          <a:prstGeom prst="rect">
+            <a:avLst/>
+          </a:prstGeom>
+          <a:noFill/>
+          <a:extLst>
+            <a:ext uri="{909E8E84-426E-40DD-AFC4-6F175D3DCCD1}">
+              <a14:hiddenFill xmlns:a14="http://schemas.microsoft.com/office/drawing/2010/main">
+                <a:solidFill>
+                  <a:srgbClr val="FFFFFF"/>
+                </a:solidFill>
+              </a14:hiddenFill>
+            </a:ext>
+          </a:extLst>
+        </p:spPr>
+      </p:pic>
+      <p:pic>
+        <p:nvPicPr>
+          <p:cNvPr id="1027" name="Picture 3" descr="P:\Users\balat\Downloads\x\image11.jpg"/>
+          <p:cNvPicPr>
+            <a:picLocks noChangeAspect="1" noChangeArrowheads="1"/>
+          </p:cNvPicPr>
+          <p:nvPr/>
+        </p:nvPicPr>
+        <p:blipFill>
+          <a:blip r:embed="rId7" cstate="email">
+            <a:extLst>
+              <a:ext uri="{28A0092B-C50C-407E-A947-70E740481C1C}">
+                <a14:useLocalDpi xmlns:a14="http://schemas.microsoft.com/office/drawing/2010/main" val="0"/>
+              </a:ext>
+            </a:extLst>
+          </a:blip>
+          <a:srcRect/>
+          <a:stretch>
+            <a:fillRect/>
+          </a:stretch>
+        </p:blipFill>
+        <p:spPr bwMode="auto">
+          <a:xfrm>
+            <a:off x="4211960" y="208149"/>
+            <a:ext cx="4746488" cy="3559866"/>
+          </a:xfrm>
+          <a:prstGeom prst="rect">
+            <a:avLst/>
+          </a:prstGeom>
+          <a:noFill/>
+          <a:extLst>
+            <a:ext uri="{909E8E84-426E-40DD-AFC4-6F175D3DCCD1}">
+              <a14:hiddenFill xmlns:a14="http://schemas.microsoft.com/office/drawing/2010/main">
+                <a:solidFill>
+                  <a:srgbClr val="FFFFFF"/>
+                </a:solidFill>
+              </a14:hiddenFill>
+            </a:ext>
+          </a:extLst>
+        </p:spPr>
+      </p:pic>
+      <p:sp>
+        <p:nvSpPr>
+          <p:cNvPr id="8" name="Rectangle 2"/>
+          <p:cNvSpPr txBox="1">
+            <a:spLocks noChangeArrowheads="1"/>
+          </p:cNvSpPr>
+          <p:nvPr>
+            <p:custDataLst>
+              <p:tags r:id="rId3"/>
+            </p:custDataLst>
+          </p:nvPr>
+        </p:nvSpPr>
+        <p:spPr>
+          <a:xfrm>
+            <a:off x="4283968" y="4077072"/>
+            <a:ext cx="4674480" cy="1872208"/>
+          </a:xfrm>
+          <a:prstGeom prst="rect">
+            <a:avLst/>
+          </a:prstGeom>
+        </p:spPr>
+        <p:txBody>
+          <a:bodyPr vert="horz" lIns="91440" tIns="45720" rIns="91440" bIns="45720" rtlCol="0" anchor="b" anchorCtr="0">
+            <a:normAutofit lnSpcReduction="10000"/>
+          </a:bodyPr>
+          <a:lstStyle>
+            <a:lvl1pPr algn="l" defTabSz="914400" rtl="0" eaLnBrk="1" latinLnBrk="0" hangingPunct="1">
+              <a:spcBef>
+                <a:spcPct val="0"/>
+              </a:spcBef>
+              <a:buNone/>
+              <a:defRPr lang="en-US" sz="4000" b="1" kern="1200" cap="small" baseline="0">
+                <a:solidFill>
+                  <a:srgbClr val="003300"/>
+                </a:solidFill>
+                <a:latin typeface="+mj-lt"/>
+                <a:ea typeface="+mj-ea"/>
+                <a:cs typeface="+mj-cs"/>
+              </a:defRPr>
+            </a:lvl1pPr>
+          </a:lstStyle>
+          <a:p>
+            <a:pPr>
+              <a:defRPr/>
+            </a:pPr>
+            <a:r>
+              <a:rPr lang="en-US" dirty="0" err="1"/>
+              <a:t>určitě</a:t>
+            </a:r>
+            <a:r>
+              <a:rPr lang="en-US" dirty="0"/>
+              <a:t> se </a:t>
+            </a:r>
+            <a:r>
+              <a:rPr lang="en-US" dirty="0" err="1"/>
+              <a:t>zeptejte</a:t>
+            </a:r>
+            <a:r>
+              <a:rPr lang="en-US" dirty="0"/>
+              <a:t>. </a:t>
+            </a:r>
+            <a:r>
+              <a:rPr lang="en-US" dirty="0" err="1"/>
+              <a:t>celý</a:t>
+            </a:r>
+            <a:r>
+              <a:rPr lang="en-US" dirty="0"/>
+              <a:t> </a:t>
+            </a:r>
+            <a:r>
+              <a:rPr lang="en-US" dirty="0" err="1"/>
+              <a:t>příštý</a:t>
+            </a:r>
+            <a:r>
+              <a:rPr lang="en-US" dirty="0"/>
+              <a:t> </a:t>
+            </a:r>
+            <a:r>
+              <a:rPr lang="en-US" dirty="0" err="1"/>
+              <a:t>týden</a:t>
+            </a:r>
+            <a:r>
+              <a:rPr lang="en-US" dirty="0"/>
+              <a:t> </a:t>
+            </a:r>
+            <a:r>
+              <a:rPr lang="en-US" dirty="0" err="1"/>
+              <a:t>jsem</a:t>
+            </a:r>
+            <a:r>
+              <a:rPr lang="en-US" dirty="0"/>
+              <a:t> </a:t>
+            </a:r>
+            <a:r>
+              <a:rPr lang="en-US" dirty="0" err="1"/>
+              <a:t>na</a:t>
+            </a:r>
+            <a:r>
+              <a:rPr lang="en-US" dirty="0"/>
+              <a:t> </a:t>
+            </a:r>
+            <a:r>
+              <a:rPr lang="en-US" dirty="0" err="1"/>
+              <a:t>dovolené</a:t>
+            </a:r>
+            <a:r>
+              <a:rPr lang="en-US" dirty="0"/>
+              <a:t> :-)</a:t>
+            </a:r>
+            <a:endParaRPr lang="cs-CZ" dirty="0" smtClean="0"/>
           </a:p>
         </p:txBody>
       </p:sp>
@@ -13421,11 +13664,7 @@
           <a:p>
             <a:r>
               <a:rPr lang="cs-CZ" dirty="0" smtClean="0"/>
-              <a:t>Platforma - </a:t>
-            </a:r>
-            <a:r>
-              <a:rPr lang="cs-CZ" dirty="0" smtClean="0"/>
-              <a:t>zkratky</a:t>
+              <a:t>Platforma - zkratky</a:t>
             </a:r>
             <a:endParaRPr lang="en-US" dirty="0"/>
           </a:p>
@@ -13535,11 +13774,7 @@
             </a:r>
             <a:r>
               <a:rPr lang="en-US" dirty="0" smtClean="0"/>
-              <a:t>machine</a:t>
-            </a:r>
-            <a:r>
-              <a:rPr lang="en-US" dirty="0" smtClean="0"/>
-              <a:t>)</a:t>
+              <a:t>machine)</a:t>
             </a:r>
             <a:endParaRPr lang="cs-CZ" dirty="0" smtClean="0"/>
           </a:p>
@@ -15018,11 +15253,7 @@
             </a:r>
             <a:r>
               <a:rPr lang="cs-CZ" dirty="0" smtClean="0"/>
-              <a:t> </a:t>
-            </a:r>
-            <a:r>
-              <a:rPr lang="cs-CZ" dirty="0" smtClean="0"/>
-              <a:t>pro viditelnost v rámci </a:t>
+              <a:t> pro viditelnost v rámci </a:t>
             </a:r>
             <a:r>
               <a:rPr lang="cs-CZ" dirty="0" err="1" smtClean="0"/>
@@ -15484,7 +15715,6 @@
               <a:rPr lang="cs-CZ" dirty="0" smtClean="0"/>
               <a:t> v runtime</a:t>
             </a:r>
-            <a:endParaRPr lang="cs-CZ" dirty="0" smtClean="0"/>
           </a:p>
           <a:p>
             <a:pPr marL="514350" indent="-457200" fontAlgn="base"/>
@@ -15504,7 +15734,6 @@
               <a:rPr lang="pl-PL" b="1" dirty="0" smtClean="0"/>
               <a:t> as </a:t>
             </a:r>
-            <a:endParaRPr lang="pl-PL" b="1" dirty="0" smtClean="0"/>
           </a:p>
           <a:p>
             <a:pPr marL="514350" indent="-457200" fontAlgn="base"/>
@@ -16228,11 +16457,7 @@
             </a:r>
             <a:r>
               <a:rPr lang="cs-CZ" dirty="0" smtClean="0"/>
-              <a:t>máme </a:t>
-            </a:r>
-            <a:r>
-              <a:rPr lang="cs-CZ" dirty="0" smtClean="0"/>
-              <a:t>klíčové slovo </a:t>
+              <a:t>máme klíčové slovo </a:t>
             </a:r>
             <a:r>
               <a:rPr lang="cs-CZ" b="1" dirty="0" err="1" smtClean="0"/>
@@ -16312,11 +16537,7 @@
             </a:r>
             <a:r>
               <a:rPr lang="cs-CZ" dirty="0" smtClean="0"/>
-              <a:t> zda </a:t>
-            </a:r>
-            <a:r>
-              <a:rPr lang="cs-CZ" dirty="0" smtClean="0"/>
-              <a:t>mají být </a:t>
+              <a:t> zda mají být </a:t>
             </a:r>
             <a:r>
               <a:rPr lang="cs-CZ" dirty="0" err="1" smtClean="0"/>
@@ -16903,6 +17124,12 @@
 </file>
 
 <file path=ppt/tags/tag83.xml><?xml version="1.0" encoding="utf-8"?>
+<p:tagLst xmlns:a="http://schemas.openxmlformats.org/drawingml/2006/main" xmlns:r="http://schemas.openxmlformats.org/officeDocument/2006/relationships" xmlns:p="http://schemas.openxmlformats.org/presentationml/2006/main">
+  <p:tag name="DVSHAPEID" val="LRMR96J2MVd0CGe2e5htjk"/>
+</p:tagLst>
+</file>
+
+<file path=ppt/tags/tag84.xml><?xml version="1.0" encoding="utf-8"?>
 <p:tagLst xmlns:a="http://schemas.openxmlformats.org/drawingml/2006/main" xmlns:r="http://schemas.openxmlformats.org/officeDocument/2006/relationships" xmlns:p="http://schemas.openxmlformats.org/presentationml/2006/main">
   <p:tag name="DVSHAPEID" val="LRMR96J2MVd0CGe2e5htjk"/>
 </p:tagLst>
